--- a/help/data-sheets/assets/EnterpriseSupportDatasheet.pptx
+++ b/help/data-sheets/assets/EnterpriseSupportDatasheet.pptx
@@ -450,7 +450,7 @@
           <a:p>
             <a:fld id="{CCB2A597-803A-C244-97E2-A01066125D19}" type="datetimeFigureOut">
               <a:rPr lang="en-US" smtClean="0"/>
-              <a:t>9/22/2021</a:t>
+              <a:t>10/1/2021</a:t>
             </a:fld>
             <a:endParaRPr lang="en-US"/>
           </a:p>
@@ -1231,7 +1231,7 @@
           <a:p>
             <a:fld id="{1D8BD707-D9CF-40AE-B4C6-C98DA3205C09}" type="datetimeFigureOut">
               <a:rPr lang="en-US"/>
-              <a:t>9/22/2021</a:t>
+              <a:t>10/1/2021</a:t>
             </a:fld>
             <a:endParaRPr lang="en-US"/>
           </a:p>
@@ -1471,7 +1471,7 @@
           <a:p>
             <a:fld id="{1D8BD707-D9CF-40AE-B4C6-C98DA3205C09}" type="datetimeFigureOut">
               <a:rPr lang="en-US"/>
-              <a:t>9/22/2021</a:t>
+              <a:t>10/1/2021</a:t>
             </a:fld>
             <a:endParaRPr lang="en-US"/>
           </a:p>
@@ -1724,7 +1724,7 @@
           <a:p>
             <a:fld id="{1D8BD707-D9CF-40AE-B4C6-C98DA3205C09}" type="datetimeFigureOut">
               <a:rPr lang="en-US"/>
-              <a:t>9/22/2021</a:t>
+              <a:t>10/1/2021</a:t>
             </a:fld>
             <a:endParaRPr lang="en-US"/>
           </a:p>
@@ -1911,7 +1911,7 @@
           <a:p>
             <a:fld id="{1D8BD707-D9CF-40AE-B4C6-C98DA3205C09}" type="datetimeFigureOut">
               <a:rPr lang="en-US"/>
-              <a:t>9/22/2021</a:t>
+              <a:t>10/1/2021</a:t>
             </a:fld>
             <a:endParaRPr lang="en-US"/>
           </a:p>
@@ -2069,7 +2069,7 @@
           <a:p>
             <a:fld id="{1D8BD707-D9CF-40AE-B4C6-C98DA3205C09}" type="datetimeFigureOut">
               <a:rPr lang="en-US"/>
-              <a:t>9/22/2021</a:t>
+              <a:t>10/1/2021</a:t>
             </a:fld>
             <a:endParaRPr lang="en-US"/>
           </a:p>
@@ -2327,7 +2327,7 @@
           <a:p>
             <a:fld id="{1D8BD707-D9CF-40AE-B4C6-C98DA3205C09}" type="datetimeFigureOut">
               <a:rPr lang="en-US"/>
-              <a:t>9/22/2021</a:t>
+              <a:t>10/1/2021</a:t>
             </a:fld>
             <a:endParaRPr lang="en-US"/>
           </a:p>
@@ -2580,32 +2580,11 @@
               </a:spcBef>
             </a:pPr>
             <a:r>
-              <a:rPr sz="2300" spc="-229">
+              <a:rPr lang="it-IT" sz="2300">
                 <a:latin typeface="Adobe Clean" panose="020B0503020404020204" pitchFamily="34" charset="0"/>
               </a:rPr>
-              <a:t>ADOBE</a:t>
-            </a:r>
-            <a:r>
-              <a:rPr lang="en-US" sz="2300" spc="-229">
-                <a:latin typeface="Adobe Clean" panose="020B0503020404020204" pitchFamily="34" charset="0"/>
-              </a:rPr>
-              <a:t>   </a:t>
-            </a:r>
-            <a:r>
-              <a:rPr sz="2300" spc="-229">
-                <a:latin typeface="Adobe Clean" panose="020B0503020404020204" pitchFamily="34" charset="0"/>
-              </a:rPr>
-              <a:t>SUPPORT</a:t>
-            </a:r>
-            <a:r>
-              <a:rPr lang="en-US" sz="2300" spc="-229">
-                <a:latin typeface="Adobe Clean" panose="020B0503020404020204" pitchFamily="34" charset="0"/>
-              </a:rPr>
-              <a:t>  OFFERINGS</a:t>
-            </a:r>
-            <a:endParaRPr sz="2300" spc="-229">
-              <a:latin typeface="Adobe Clean" panose="020B0503020404020204" pitchFamily="34" charset="0"/>
-            </a:endParaRPr>
+              <a:t>OPZIONI DI SUPPORTO ADOBE</a:t>
+            </a:r>
           </a:p>
         </p:txBody>
       </p:sp>
@@ -2639,7 +2618,7 @@
               </a:spcBef>
             </a:pPr>
             <a:r>
-              <a:rPr sz="1400" b="1" u="sng" spc="15">
+              <a:rPr lang="it-IT" sz="1400" b="1" u="sng" dirty="0">
                 <a:solidFill>
                   <a:srgbClr val="020302"/>
                 </a:solidFill>
@@ -2651,477 +2630,8 @@
                 <a:latin typeface="Adobe Clean"/>
                 <a:cs typeface="Adobe Clean"/>
               </a:rPr>
-              <a:t>S</a:t>
-            </a:r>
-            <a:r>
-              <a:rPr sz="1400" b="1" u="sng" spc="5">
-                <a:solidFill>
-                  <a:srgbClr val="020302"/>
-                </a:solidFill>
-                <a:uFill>
-                  <a:solidFill>
-                    <a:srgbClr val="020302"/>
-                  </a:solidFill>
-                </a:uFill>
-                <a:latin typeface="Adobe Clean"/>
-                <a:cs typeface="Adobe Clean"/>
-              </a:rPr>
-              <a:t>er</a:t>
-            </a:r>
-            <a:r>
-              <a:rPr sz="1400" b="1" u="sng" spc="10">
-                <a:solidFill>
-                  <a:srgbClr val="020302"/>
-                </a:solidFill>
-                <a:uFill>
-                  <a:solidFill>
-                    <a:srgbClr val="020302"/>
-                  </a:solidFill>
-                </a:uFill>
-                <a:latin typeface="Adobe Clean"/>
-                <a:cs typeface="Adobe Clean"/>
-              </a:rPr>
-              <a:t>vi</a:t>
-            </a:r>
-            <a:r>
-              <a:rPr sz="1400" b="1" u="sng" spc="5">
-                <a:solidFill>
-                  <a:srgbClr val="020302"/>
-                </a:solidFill>
-                <a:uFill>
-                  <a:solidFill>
-                    <a:srgbClr val="020302"/>
-                  </a:solidFill>
-                </a:uFill>
-                <a:latin typeface="Adobe Clean"/>
-                <a:cs typeface="Adobe Clean"/>
-              </a:rPr>
-              <a:t>c</a:t>
-            </a:r>
-            <a:r>
-              <a:rPr sz="1400" b="1" u="sng">
-                <a:solidFill>
-                  <a:srgbClr val="020302"/>
-                </a:solidFill>
-                <a:uFill>
-                  <a:solidFill>
-                    <a:srgbClr val="020302"/>
-                  </a:solidFill>
-                </a:uFill>
-                <a:latin typeface="Adobe Clean"/>
-                <a:cs typeface="Adobe Clean"/>
-              </a:rPr>
-              <a:t>e</a:t>
-            </a:r>
-            <a:r>
-              <a:rPr sz="1400" b="1" u="sng" spc="20">
-                <a:solidFill>
-                  <a:srgbClr val="020302"/>
-                </a:solidFill>
-                <a:uFill>
-                  <a:solidFill>
-                    <a:srgbClr val="020302"/>
-                  </a:solidFill>
-                </a:uFill>
-                <a:latin typeface="Adobe Clean"/>
-                <a:cs typeface="Adobe Clean"/>
-              </a:rPr>
-              <a:t> </a:t>
-            </a:r>
-            <a:r>
-              <a:rPr sz="1400" b="1" u="sng" spc="-15">
-                <a:solidFill>
-                  <a:srgbClr val="020302"/>
-                </a:solidFill>
-                <a:uFill>
-                  <a:solidFill>
-                    <a:srgbClr val="020302"/>
-                  </a:solidFill>
-                </a:uFill>
-                <a:latin typeface="Adobe Clean"/>
-                <a:cs typeface="Adobe Clean"/>
-              </a:rPr>
-              <a:t>Le</a:t>
-            </a:r>
-            <a:r>
-              <a:rPr sz="1400" b="1" u="sng" spc="-10">
-                <a:solidFill>
-                  <a:srgbClr val="020302"/>
-                </a:solidFill>
-                <a:uFill>
-                  <a:solidFill>
-                    <a:srgbClr val="020302"/>
-                  </a:solidFill>
-                </a:uFill>
-                <a:latin typeface="Adobe Clean"/>
-                <a:cs typeface="Adobe Clean"/>
-              </a:rPr>
-              <a:t>v</a:t>
-            </a:r>
-            <a:r>
-              <a:rPr sz="1400" b="1" u="sng" spc="-15">
-                <a:solidFill>
-                  <a:srgbClr val="020302"/>
-                </a:solidFill>
-                <a:uFill>
-                  <a:solidFill>
-                    <a:srgbClr val="020302"/>
-                  </a:solidFill>
-                </a:uFill>
-                <a:latin typeface="Adobe Clean"/>
-                <a:cs typeface="Adobe Clean"/>
-              </a:rPr>
-              <a:t>e</a:t>
-            </a:r>
-            <a:r>
-              <a:rPr sz="1400" b="1" u="sng">
-                <a:solidFill>
-                  <a:srgbClr val="020302"/>
-                </a:solidFill>
-                <a:uFill>
-                  <a:solidFill>
-                    <a:srgbClr val="020302"/>
-                  </a:solidFill>
-                </a:uFill>
-                <a:latin typeface="Adobe Clean"/>
-                <a:cs typeface="Adobe Clean"/>
-              </a:rPr>
-              <a:t>l</a:t>
-            </a:r>
-            <a:r>
-              <a:rPr sz="1400" b="1" u="sng" spc="-15">
-                <a:solidFill>
-                  <a:srgbClr val="020302"/>
-                </a:solidFill>
-                <a:uFill>
-                  <a:solidFill>
-                    <a:srgbClr val="020302"/>
-                  </a:solidFill>
-                </a:uFill>
-                <a:latin typeface="Adobe Clean"/>
-                <a:cs typeface="Adobe Clean"/>
-              </a:rPr>
-              <a:t> </a:t>
-            </a:r>
-            <a:r>
-              <a:rPr sz="1400" b="1" u="sng" spc="-55">
-                <a:solidFill>
-                  <a:srgbClr val="020302"/>
-                </a:solidFill>
-                <a:uFill>
-                  <a:solidFill>
-                    <a:srgbClr val="020302"/>
-                  </a:solidFill>
-                </a:uFill>
-                <a:latin typeface="Adobe Clean"/>
-                <a:cs typeface="Adobe Clean"/>
-              </a:rPr>
-              <a:t>T</a:t>
-            </a:r>
-            <a:r>
-              <a:rPr sz="1400" b="1" u="sng" spc="-40">
-                <a:solidFill>
-                  <a:srgbClr val="020302"/>
-                </a:solidFill>
-                <a:uFill>
-                  <a:solidFill>
-                    <a:srgbClr val="020302"/>
-                  </a:solidFill>
-                </a:uFill>
-                <a:latin typeface="Adobe Clean"/>
-                <a:cs typeface="Adobe Clean"/>
-              </a:rPr>
-              <a:t>a</a:t>
-            </a:r>
-            <a:r>
-              <a:rPr sz="1400" b="1" u="sng" spc="-45">
-                <a:solidFill>
-                  <a:srgbClr val="020302"/>
-                </a:solidFill>
-                <a:uFill>
-                  <a:solidFill>
-                    <a:srgbClr val="020302"/>
-                  </a:solidFill>
-                </a:uFill>
-                <a:latin typeface="Adobe Clean"/>
-                <a:cs typeface="Adobe Clean"/>
-              </a:rPr>
-              <a:t>r</a:t>
-            </a:r>
-            <a:r>
-              <a:rPr sz="1400" b="1" u="sng" spc="-40">
-                <a:solidFill>
-                  <a:srgbClr val="020302"/>
-                </a:solidFill>
-                <a:uFill>
-                  <a:solidFill>
-                    <a:srgbClr val="020302"/>
-                  </a:solidFill>
-                </a:uFill>
-                <a:latin typeface="Adobe Clean"/>
-                <a:cs typeface="Adobe Clean"/>
-              </a:rPr>
-              <a:t>g</a:t>
-            </a:r>
-            <a:r>
-              <a:rPr sz="1400" b="1" u="sng" spc="-50">
-                <a:solidFill>
-                  <a:srgbClr val="020302"/>
-                </a:solidFill>
-                <a:uFill>
-                  <a:solidFill>
-                    <a:srgbClr val="020302"/>
-                  </a:solidFill>
-                </a:uFill>
-                <a:latin typeface="Adobe Clean"/>
-                <a:cs typeface="Adobe Clean"/>
-              </a:rPr>
-              <a:t>et</a:t>
-            </a:r>
-            <a:r>
-              <a:rPr sz="1400" b="1" u="sng" spc="-45">
-                <a:solidFill>
-                  <a:srgbClr val="020302"/>
-                </a:solidFill>
-                <a:uFill>
-                  <a:solidFill>
-                    <a:srgbClr val="020302"/>
-                  </a:solidFill>
-                </a:uFill>
-                <a:latin typeface="Adobe Clean"/>
-                <a:cs typeface="Adobe Clean"/>
-              </a:rPr>
-              <a:t>s</a:t>
-            </a:r>
-            <a:r>
-              <a:rPr sz="1400" b="1" u="sng">
-                <a:solidFill>
-                  <a:srgbClr val="020302"/>
-                </a:solidFill>
-                <a:uFill>
-                  <a:solidFill>
-                    <a:srgbClr val="020302"/>
-                  </a:solidFill>
-                </a:uFill>
-                <a:latin typeface="Adobe Clean"/>
-                <a:cs typeface="Adobe Clean"/>
-              </a:rPr>
-              <a:t>:</a:t>
-            </a:r>
-            <a:r>
-              <a:rPr sz="1400" b="1" u="sng" spc="-85">
-                <a:solidFill>
-                  <a:srgbClr val="020302"/>
-                </a:solidFill>
-                <a:uFill>
-                  <a:solidFill>
-                    <a:srgbClr val="020302"/>
-                  </a:solidFill>
-                </a:uFill>
-                <a:latin typeface="Adobe Clean"/>
-                <a:cs typeface="Adobe Clean"/>
-              </a:rPr>
-              <a:t> </a:t>
-            </a:r>
-            <a:r>
-              <a:rPr sz="1400" b="1" u="sng" spc="-15">
-                <a:solidFill>
-                  <a:srgbClr val="020302"/>
-                </a:solidFill>
-                <a:uFill>
-                  <a:solidFill>
-                    <a:srgbClr val="020302"/>
-                  </a:solidFill>
-                </a:uFill>
-                <a:latin typeface="Adobe Clean"/>
-                <a:cs typeface="Adobe Clean"/>
-              </a:rPr>
-              <a:t>I</a:t>
-            </a:r>
-            <a:r>
-              <a:rPr sz="1400" b="1" u="sng" spc="-10">
-                <a:solidFill>
-                  <a:srgbClr val="020302"/>
-                </a:solidFill>
-                <a:uFill>
-                  <a:solidFill>
-                    <a:srgbClr val="020302"/>
-                  </a:solidFill>
-                </a:uFill>
-                <a:latin typeface="Adobe Clean"/>
-                <a:cs typeface="Adobe Clean"/>
-              </a:rPr>
-              <a:t>ni</a:t>
-            </a:r>
-            <a:r>
-              <a:rPr sz="1400" b="1" u="sng" spc="-15">
-                <a:solidFill>
-                  <a:srgbClr val="020302"/>
-                </a:solidFill>
-                <a:uFill>
-                  <a:solidFill>
-                    <a:srgbClr val="020302"/>
-                  </a:solidFill>
-                </a:uFill>
-                <a:latin typeface="Adobe Clean"/>
-                <a:cs typeface="Adobe Clean"/>
-              </a:rPr>
-              <a:t>t</a:t>
-            </a:r>
-            <a:r>
-              <a:rPr sz="1400" b="1" u="sng" spc="-10">
-                <a:solidFill>
-                  <a:srgbClr val="020302"/>
-                </a:solidFill>
-                <a:uFill>
-                  <a:solidFill>
-                    <a:srgbClr val="020302"/>
-                  </a:solidFill>
-                </a:uFill>
-                <a:latin typeface="Adobe Clean"/>
-                <a:cs typeface="Adobe Clean"/>
-              </a:rPr>
-              <a:t>i</a:t>
-            </a:r>
-            <a:r>
-              <a:rPr sz="1400" b="1" u="sng" spc="-5">
-                <a:solidFill>
-                  <a:srgbClr val="020302"/>
-                </a:solidFill>
-                <a:uFill>
-                  <a:solidFill>
-                    <a:srgbClr val="020302"/>
-                  </a:solidFill>
-                </a:uFill>
-                <a:latin typeface="Adobe Clean"/>
-                <a:cs typeface="Adobe Clean"/>
-              </a:rPr>
-              <a:t>a</a:t>
-            </a:r>
-            <a:r>
-              <a:rPr sz="1400" b="1" u="sng">
-                <a:solidFill>
-                  <a:srgbClr val="020302"/>
-                </a:solidFill>
-                <a:uFill>
-                  <a:solidFill>
-                    <a:srgbClr val="020302"/>
-                  </a:solidFill>
-                </a:uFill>
-                <a:latin typeface="Adobe Clean"/>
-                <a:cs typeface="Adobe Clean"/>
-              </a:rPr>
-              <a:t>l</a:t>
-            </a:r>
-            <a:r>
-              <a:rPr sz="1400" b="1" u="sng" spc="-145">
-                <a:solidFill>
-                  <a:srgbClr val="020302"/>
-                </a:solidFill>
-                <a:uFill>
-                  <a:solidFill>
-                    <a:srgbClr val="020302"/>
-                  </a:solidFill>
-                </a:uFill>
-                <a:latin typeface="Adobe Clean"/>
-                <a:cs typeface="Adobe Clean"/>
-              </a:rPr>
-              <a:t> </a:t>
-            </a:r>
-            <a:r>
-              <a:rPr sz="1400" b="1" u="sng" spc="-15">
-                <a:solidFill>
-                  <a:srgbClr val="020302"/>
-                </a:solidFill>
-                <a:uFill>
-                  <a:solidFill>
-                    <a:srgbClr val="020302"/>
-                  </a:solidFill>
-                </a:uFill>
-                <a:latin typeface="Adobe Clean"/>
-                <a:cs typeface="Adobe Clean"/>
-              </a:rPr>
-              <a:t>R</a:t>
-            </a:r>
-            <a:r>
-              <a:rPr sz="1400" b="1" u="sng" spc="-20">
-                <a:solidFill>
-                  <a:srgbClr val="020302"/>
-                </a:solidFill>
-                <a:uFill>
-                  <a:solidFill>
-                    <a:srgbClr val="020302"/>
-                  </a:solidFill>
-                </a:uFill>
-                <a:latin typeface="Adobe Clean"/>
-                <a:cs typeface="Adobe Clean"/>
-              </a:rPr>
-              <a:t>e</a:t>
-            </a:r>
-            <a:r>
-              <a:rPr sz="1400" b="1" u="sng" spc="-15">
-                <a:solidFill>
-                  <a:srgbClr val="020302"/>
-                </a:solidFill>
-                <a:uFill>
-                  <a:solidFill>
-                    <a:srgbClr val="020302"/>
-                  </a:solidFill>
-                </a:uFill>
-                <a:latin typeface="Adobe Clean"/>
-                <a:cs typeface="Adobe Clean"/>
-              </a:rPr>
-              <a:t>s</a:t>
-            </a:r>
-            <a:r>
-              <a:rPr sz="1400" b="1" u="sng" spc="-20">
-                <a:solidFill>
-                  <a:srgbClr val="020302"/>
-                </a:solidFill>
-                <a:uFill>
-                  <a:solidFill>
-                    <a:srgbClr val="020302"/>
-                  </a:solidFill>
-                </a:uFill>
-                <a:latin typeface="Adobe Clean"/>
-                <a:cs typeface="Adobe Clean"/>
-              </a:rPr>
-              <a:t>p</a:t>
-            </a:r>
-            <a:r>
-              <a:rPr sz="1400" b="1" u="sng" spc="-15">
-                <a:solidFill>
-                  <a:srgbClr val="020302"/>
-                </a:solidFill>
-                <a:uFill>
-                  <a:solidFill>
-                    <a:srgbClr val="020302"/>
-                  </a:solidFill>
-                </a:uFill>
-                <a:latin typeface="Adobe Clean"/>
-                <a:cs typeface="Adobe Clean"/>
-              </a:rPr>
-              <a:t>ons</a:t>
-            </a:r>
-            <a:r>
-              <a:rPr sz="1400" b="1" u="sng">
-                <a:solidFill>
-                  <a:srgbClr val="020302"/>
-                </a:solidFill>
-                <a:uFill>
-                  <a:solidFill>
-                    <a:srgbClr val="020302"/>
-                  </a:solidFill>
-                </a:uFill>
-                <a:latin typeface="Adobe Clean"/>
-                <a:cs typeface="Adobe Clean"/>
-              </a:rPr>
-              <a:t>e</a:t>
-            </a:r>
-            <a:endParaRPr sz="1400" u="sng">
-              <a:latin typeface="Adobe Clean"/>
-              <a:cs typeface="Adobe Clean"/>
-            </a:endParaRPr>
+              <a:t>Obiettivi del livello di servizio: risposta iniziale</a:t>
+            </a:r>
           </a:p>
         </p:txBody>
       </p:sp>
@@ -3134,14 +2644,14 @@
           <p:nvPr>
             <p:extLst>
               <p:ext uri="{D42A27DB-BD31-4B8C-83A1-F6EECF244321}">
-                <p14:modId xmlns:p14="http://schemas.microsoft.com/office/powerpoint/2010/main" val="1841332714"/>
+                <p14:modId xmlns:p14="http://schemas.microsoft.com/office/powerpoint/2010/main" val="24320966"/>
               </p:ext>
             </p:extLst>
           </p:nvPr>
         </p:nvGraphicFramePr>
         <p:xfrm>
           <a:off x="146919" y="7473158"/>
-          <a:ext cx="7477080" cy="2387453"/>
+          <a:ext cx="7477080" cy="2317408"/>
         </p:xfrm>
         <a:graphic>
           <a:graphicData uri="http://schemas.openxmlformats.org/drawingml/2006/table">
@@ -3187,19 +2697,15 @@
                         </a:spcBef>
                       </a:pPr>
                       <a:r>
-                        <a:rPr sz="900" spc="-20">
+                        <a:rPr lang="it-IT" sz="900">
                           <a:solidFill>
                             <a:srgbClr val="020302"/>
                           </a:solidFill>
                           <a:latin typeface="Adobe Clean"/>
                           <a:cs typeface="Adobe Clean"/>
                         </a:rPr>
-                        <a:t>Priority</a:t>
+                        <a:t>Priorità</a:t>
                       </a:r>
-                      <a:endParaRPr sz="900">
-                        <a:latin typeface="Adobe Clean"/>
-                        <a:cs typeface="Adobe Clean"/>
-                      </a:endParaRPr>
                     </a:p>
                   </a:txBody>
                   <a:tcPr marL="0" marR="0" marT="6985" marB="0" anchor="ctr">
@@ -3246,19 +2752,15 @@
                         </a:spcBef>
                       </a:pPr>
                       <a:r>
-                        <a:rPr sz="900" spc="0">
+                        <a:rPr lang="it-IT" sz="900">
                           <a:solidFill>
                             <a:srgbClr val="020302"/>
                           </a:solidFill>
                           <a:latin typeface="Adobe Clean"/>
                           <a:cs typeface="Adobe Clean"/>
                         </a:rPr>
-                        <a:t>Online Support</a:t>
+                        <a:t>Supporto Online</a:t>
                       </a:r>
-                      <a:endParaRPr sz="900" spc="0">
-                        <a:latin typeface="Adobe Clean"/>
-                        <a:cs typeface="Adobe Clean"/>
-                      </a:endParaRPr>
                     </a:p>
                   </a:txBody>
                   <a:tcPr marL="0" marR="0" marT="6985" marB="0" anchor="ctr">
@@ -3305,19 +2807,15 @@
                         </a:spcBef>
                       </a:pPr>
                       <a:r>
-                        <a:rPr sz="900" spc="0">
+                        <a:rPr lang="it-IT" sz="900">
                           <a:solidFill>
                             <a:srgbClr val="FFFFFF"/>
                           </a:solidFill>
                           <a:latin typeface="Adobe Clean"/>
                           <a:cs typeface="Adobe Clean"/>
                         </a:rPr>
-                        <a:t>Enterprise Support</a:t>
+                        <a:t>Supporto Enterprise</a:t>
                       </a:r>
-                      <a:endParaRPr sz="900" spc="0">
-                        <a:latin typeface="Adobe Clean"/>
-                        <a:cs typeface="Adobe Clean"/>
-                      </a:endParaRPr>
                     </a:p>
                   </a:txBody>
                   <a:tcPr marL="0" marR="0" marT="10160" marB="0" anchor="ctr">
@@ -3377,109 +2875,15 @@
                         </a:spcBef>
                       </a:pPr>
                       <a:r>
-                        <a:rPr sz="900" b="1" spc="-15">
+                        <a:rPr lang="it-IT" sz="900" b="1">
                           <a:solidFill>
                             <a:srgbClr val="020302"/>
                           </a:solidFill>
                           <a:latin typeface="Adobe Clean"/>
                           <a:cs typeface="Adobe Clean"/>
                         </a:rPr>
-                        <a:t>P</a:t>
+                        <a:t>PRIORITÀ 1 (P1)</a:t>
                       </a:r>
-                      <a:r>
-                        <a:rPr sz="900" b="1" spc="-20">
-                          <a:solidFill>
-                            <a:srgbClr val="020302"/>
-                          </a:solidFill>
-                          <a:latin typeface="Adobe Clean"/>
-                          <a:cs typeface="Adobe Clean"/>
-                        </a:rPr>
-                        <a:t>R</a:t>
-                      </a:r>
-                      <a:r>
-                        <a:rPr sz="900" b="1" spc="-25">
-                          <a:solidFill>
-                            <a:srgbClr val="020302"/>
-                          </a:solidFill>
-                          <a:latin typeface="Adobe Clean"/>
-                          <a:cs typeface="Adobe Clean"/>
-                        </a:rPr>
-                        <a:t>I</a:t>
-                      </a:r>
-                      <a:r>
-                        <a:rPr sz="900" b="1" spc="-15">
-                          <a:solidFill>
-                            <a:srgbClr val="020302"/>
-                          </a:solidFill>
-                          <a:latin typeface="Adobe Clean"/>
-                          <a:cs typeface="Adobe Clean"/>
-                        </a:rPr>
-                        <a:t>O</a:t>
-                      </a:r>
-                      <a:r>
-                        <a:rPr sz="900" b="1" spc="-20">
-                          <a:solidFill>
-                            <a:srgbClr val="020302"/>
-                          </a:solidFill>
-                          <a:latin typeface="Adobe Clean"/>
-                          <a:cs typeface="Adobe Clean"/>
-                        </a:rPr>
-                        <a:t>R</a:t>
-                      </a:r>
-                      <a:r>
-                        <a:rPr sz="900" b="1" spc="-25">
-                          <a:solidFill>
-                            <a:srgbClr val="020302"/>
-                          </a:solidFill>
-                          <a:latin typeface="Adobe Clean"/>
-                          <a:cs typeface="Adobe Clean"/>
-                        </a:rPr>
-                        <a:t>I</a:t>
-                      </a:r>
-                      <a:r>
-                        <a:rPr sz="900" b="1" spc="-15">
-                          <a:solidFill>
-                            <a:srgbClr val="020302"/>
-                          </a:solidFill>
-                          <a:latin typeface="Adobe Clean"/>
-                          <a:cs typeface="Adobe Clean"/>
-                        </a:rPr>
-                        <a:t>T</a:t>
-                      </a:r>
-                      <a:r>
-                        <a:rPr sz="900" b="1">
-                          <a:solidFill>
-                            <a:srgbClr val="020302"/>
-                          </a:solidFill>
-                          <a:latin typeface="Adobe Clean"/>
-                          <a:cs typeface="Adobe Clean"/>
-                        </a:rPr>
-                        <a:t>Y</a:t>
-                      </a:r>
-                      <a:r>
-                        <a:rPr sz="900" b="1" spc="-40">
-                          <a:solidFill>
-                            <a:srgbClr val="020302"/>
-                          </a:solidFill>
-                          <a:latin typeface="Adobe Clean"/>
-                          <a:cs typeface="Adobe Clean"/>
-                        </a:rPr>
-                        <a:t> </a:t>
-                      </a:r>
-                      <a:r>
-                        <a:rPr sz="900" b="1">
-                          <a:solidFill>
-                            <a:srgbClr val="020302"/>
-                          </a:solidFill>
-                          <a:latin typeface="Adobe Clean"/>
-                          <a:cs typeface="Adobe Clean"/>
-                        </a:rPr>
-                        <a:t>1</a:t>
-                      </a:r>
-                      <a:endParaRPr sz="900">
-                        <a:latin typeface="Adobe Clean"/>
-                        <a:cs typeface="Adobe Clean"/>
-                      </a:endParaRPr>
                     </a:p>
                     <a:p>
                       <a:pPr marL="50800" marR="387985" lvl="0" indent="0" defTabSz="914400" eaLnBrk="1" fontAlgn="auto" latinLnBrk="0" hangingPunct="1">
@@ -3500,31 +2904,27 @@
                         <a:defRPr/>
                       </a:pPr>
                       <a:r>
-                        <a:rPr lang="en-US" sz="900" b="0" i="0" spc="-130">
+                        <a:rPr lang="it-IT" sz="900" b="0" i="0">
                           <a:solidFill>
                             <a:srgbClr val="020302"/>
                           </a:solidFill>
                           <a:latin typeface="Adobe Clean Light" panose="020B0303020404020204" pitchFamily="34" charset="0"/>
+                          <a:ea typeface="+mn-ea"/>
                           <a:cs typeface="Adobe Clean"/>
                         </a:rPr>
                         <a:t> </a:t>
                       </a:r>
                       <a:r>
-                        <a:rPr lang="en-US" sz="900" b="0" i="0" u="none" strike="noStrike">
+                        <a:rPr lang="it-IT" sz="900" b="0" i="0" u="none" strike="noStrike">
                           <a:solidFill>
                             <a:schemeClr val="tx1"/>
                           </a:solidFill>
-                          <a:effectLst/>
                           <a:latin typeface="Adobe Clean Light" panose="020B0303020404020204" pitchFamily="34" charset="0"/>
                           <a:ea typeface="+mn-ea"/>
                           <a:cs typeface="+mn-cs"/>
                         </a:rPr>
-                        <a:t>Customer's production business functions are down or has significant data loss or degradation of services and immediate attention is required to restore functionality and usability</a:t>
+                        <a:t>Le funzioni operative di produzione del cliente non sono disponibili oppure si verificano problemi significativi di perdita di dati o deterioramento dei servizi ed è richiesto un intervento immediato per ripristinare funzionalità e usabilità</a:t>
                       </a:r>
-                      <a:endParaRPr lang="en-US" sz="900" b="0" i="0">
-                        <a:latin typeface="Adobe Clean Light" panose="020B0303020404020204" pitchFamily="34" charset="0"/>
-                        <a:cs typeface="AdobeClean-Light"/>
-                      </a:endParaRPr>
                     </a:p>
                   </a:txBody>
                   <a:tcPr marL="0" marR="0" marT="0" marB="0" anchor="ctr">
@@ -3559,125 +2959,21 @@
                     <a:bodyPr/>
                     <a:lstStyle/>
                     <a:p>
-                      <a:pPr marL="542925" marR="492125" algn="l">
+                      <a:pPr marL="542925" marR="492125" algn="ctr">
                         <a:lnSpc>
                           <a:spcPct val="102200"/>
                         </a:lnSpc>
                       </a:pPr>
                       <a:r>
-                        <a:rPr sz="900" spc="-15">
+                        <a:rPr lang="it-IT" sz="900">
                           <a:solidFill>
                             <a:srgbClr val="020302"/>
                           </a:solidFill>
                           <a:latin typeface="AdobeClean-Light"/>
                           <a:cs typeface="AdobeClean-Light"/>
                         </a:rPr>
-                        <a:t>24x7</a:t>
+                        <a:t>24x7 /           1 ora</a:t>
                       </a:r>
-                      <a:r>
-                        <a:rPr lang="en-US" sz="900" spc="-15">
-                          <a:solidFill>
-                            <a:srgbClr val="020302"/>
-                          </a:solidFill>
-                          <a:latin typeface="AdobeClean-Light"/>
-                          <a:cs typeface="AdobeClean-Light"/>
-                        </a:rPr>
-                        <a:t> </a:t>
-                      </a:r>
-                      <a:r>
-                        <a:rPr sz="900" spc="-15">
-                          <a:solidFill>
-                            <a:srgbClr val="020302"/>
-                          </a:solidFill>
-                          <a:latin typeface="AdobeClean-Light"/>
-                          <a:cs typeface="AdobeClean-Light"/>
-                        </a:rPr>
-                        <a:t>/</a:t>
-                      </a:r>
-                      <a:r>
-                        <a:rPr lang="en-US" sz="900" spc="-15">
-                          <a:solidFill>
-                            <a:srgbClr val="020302"/>
-                          </a:solidFill>
-                          <a:latin typeface="AdobeClean-Light"/>
-                          <a:cs typeface="AdobeClean-Light"/>
-                        </a:rPr>
-                        <a:t>         </a:t>
-                      </a:r>
-                      <a:r>
-                        <a:rPr sz="900" spc="-15">
-                          <a:solidFill>
-                            <a:srgbClr val="020302"/>
-                          </a:solidFill>
-                          <a:latin typeface="AdobeClean-Light"/>
-                          <a:cs typeface="AdobeClean-Light"/>
-                        </a:rPr>
-                        <a:t> </a:t>
-                      </a:r>
-                      <a:r>
-                        <a:rPr sz="900" spc="-200">
-                          <a:solidFill>
-                            <a:srgbClr val="020302"/>
-                          </a:solidFill>
-                          <a:latin typeface="AdobeClean-Light"/>
-                          <a:cs typeface="AdobeClean-Light"/>
-                        </a:rPr>
-                        <a:t> </a:t>
-                      </a:r>
-                      <a:r>
-                        <a:rPr sz="900">
-                          <a:solidFill>
-                            <a:srgbClr val="020302"/>
-                          </a:solidFill>
-                          <a:latin typeface="AdobeClean-Light"/>
-                          <a:cs typeface="AdobeClean-Light"/>
-                        </a:rPr>
-                        <a:t>1</a:t>
-                      </a:r>
-                      <a:r>
-                        <a:rPr sz="900" spc="-90">
-                          <a:solidFill>
-                            <a:srgbClr val="020302"/>
-                          </a:solidFill>
-                          <a:latin typeface="AdobeClean-Light"/>
-                          <a:cs typeface="AdobeClean-Light"/>
-                        </a:rPr>
-                        <a:t> </a:t>
-                      </a:r>
-                      <a:r>
-                        <a:rPr sz="900" spc="-15">
-                          <a:solidFill>
-                            <a:srgbClr val="020302"/>
-                          </a:solidFill>
-                          <a:latin typeface="AdobeClean-Light"/>
-                          <a:cs typeface="AdobeClean-Light"/>
-                        </a:rPr>
-                        <a:t>h</a:t>
-                      </a:r>
-                      <a:r>
-                        <a:rPr sz="900" spc="-20">
-                          <a:solidFill>
-                            <a:srgbClr val="020302"/>
-                          </a:solidFill>
-                          <a:latin typeface="AdobeClean-Light"/>
-                          <a:cs typeface="AdobeClean-Light"/>
-                        </a:rPr>
-                        <a:t>ou</a:t>
-                      </a:r>
-                      <a:r>
-                        <a:rPr sz="900">
-                          <a:solidFill>
-                            <a:srgbClr val="020302"/>
-                          </a:solidFill>
-                          <a:latin typeface="AdobeClean-Light"/>
-                          <a:cs typeface="AdobeClean-Light"/>
-                        </a:rPr>
-                        <a:t>r</a:t>
-                      </a:r>
-                      <a:endParaRPr sz="900">
-                        <a:latin typeface="AdobeClean-Light"/>
-                        <a:cs typeface="AdobeClean-Light"/>
-                      </a:endParaRPr>
                     </a:p>
                   </a:txBody>
                   <a:tcPr marL="0" marR="0" marT="0" marB="0" anchor="ctr">
@@ -3712,7 +3008,7 @@
                     <a:bodyPr/>
                     <a:lstStyle/>
                     <a:p>
-                      <a:pPr marL="352425" marR="476250" indent="111125">
+                      <a:pPr marL="352425" marR="476250" indent="111125" algn="ctr">
                         <a:lnSpc>
                           <a:spcPct val="100000"/>
                         </a:lnSpc>
@@ -3721,149 +3017,15 @@
                         </a:spcBef>
                       </a:pPr>
                       <a:r>
-                        <a:rPr sz="900" spc="-25">
+                        <a:rPr lang="it-IT" sz="900">
                           <a:solidFill>
                             <a:srgbClr val="020302"/>
                           </a:solidFill>
                           <a:latin typeface="AdobeClean-Light"/>
                           <a:cs typeface="AdobeClean-Light"/>
                         </a:rPr>
-                        <a:t>24</a:t>
+                        <a:t>24x7 /  30 minuti</a:t>
                       </a:r>
-                      <a:r>
-                        <a:rPr sz="900" spc="-20">
-                          <a:solidFill>
-                            <a:srgbClr val="020302"/>
-                          </a:solidFill>
-                          <a:latin typeface="AdobeClean-Light"/>
-                          <a:cs typeface="AdobeClean-Light"/>
-                        </a:rPr>
-                        <a:t>x</a:t>
-                      </a:r>
-                      <a:r>
-                        <a:rPr sz="900">
-                          <a:solidFill>
-                            <a:srgbClr val="020302"/>
-                          </a:solidFill>
-                          <a:latin typeface="AdobeClean-Light"/>
-                          <a:cs typeface="AdobeClean-Light"/>
-                        </a:rPr>
-                        <a:t>7</a:t>
-                      </a:r>
-                      <a:r>
-                        <a:rPr sz="900" spc="-35">
-                          <a:solidFill>
-                            <a:srgbClr val="020302"/>
-                          </a:solidFill>
-                          <a:latin typeface="AdobeClean-Light"/>
-                          <a:cs typeface="AdobeClean-Light"/>
-                        </a:rPr>
-                        <a:t> </a:t>
-                      </a:r>
-                      <a:r>
-                        <a:rPr sz="900">
-                          <a:solidFill>
-                            <a:srgbClr val="020302"/>
-                          </a:solidFill>
-                          <a:latin typeface="AdobeClean-Light"/>
-                          <a:cs typeface="AdobeClean-Light"/>
-                        </a:rPr>
-                        <a:t>/  </a:t>
-                      </a:r>
-                      <a:r>
-                        <a:rPr sz="900" spc="-20">
-                          <a:solidFill>
-                            <a:srgbClr val="020302"/>
-                          </a:solidFill>
-                          <a:latin typeface="AdobeClean-Light"/>
-                          <a:cs typeface="AdobeClean-Light"/>
-                        </a:rPr>
-                        <a:t>3</a:t>
-                      </a:r>
-                      <a:r>
-                        <a:rPr sz="900" spc="50">
-                          <a:solidFill>
-                            <a:srgbClr val="020302"/>
-                          </a:solidFill>
-                          <a:latin typeface="AdobeClean-Light"/>
-                          <a:cs typeface="AdobeClean-Light"/>
-                        </a:rPr>
-                        <a:t>0</a:t>
-                      </a:r>
-                      <a:r>
-                        <a:rPr sz="900" spc="-20">
-                          <a:solidFill>
-                            <a:srgbClr val="020302"/>
-                          </a:solidFill>
-                          <a:latin typeface="AdobeClean-Light"/>
-                          <a:cs typeface="AdobeClean-Light"/>
-                        </a:rPr>
-                        <a:t>m</a:t>
-                      </a:r>
-                      <a:r>
-                        <a:rPr sz="900" spc="-35">
-                          <a:solidFill>
-                            <a:srgbClr val="020302"/>
-                          </a:solidFill>
-                          <a:latin typeface="AdobeClean-Light"/>
-                          <a:cs typeface="AdobeClean-Light"/>
-                        </a:rPr>
-                        <a:t>i</a:t>
-                      </a:r>
-                      <a:r>
-                        <a:rPr sz="900" spc="-30">
-                          <a:solidFill>
-                            <a:srgbClr val="020302"/>
-                          </a:solidFill>
-                          <a:latin typeface="AdobeClean-Light"/>
-                          <a:cs typeface="AdobeClean-Light"/>
-                        </a:rPr>
-                        <a:t>n</a:t>
-                      </a:r>
-                      <a:r>
-                        <a:rPr sz="900" spc="-20">
-                          <a:solidFill>
-                            <a:srgbClr val="020302"/>
-                          </a:solidFill>
-                          <a:latin typeface="AdobeClean-Light"/>
-                          <a:cs typeface="AdobeClean-Light"/>
-                        </a:rPr>
-                        <a:t>u</a:t>
-                      </a:r>
-                      <a:r>
-                        <a:rPr sz="900" spc="-15">
-                          <a:solidFill>
-                            <a:srgbClr val="020302"/>
-                          </a:solidFill>
-                          <a:latin typeface="AdobeClean-Light"/>
-                          <a:cs typeface="AdobeClean-Light"/>
-                        </a:rPr>
-                        <a:t>t</a:t>
-                      </a:r>
-                      <a:r>
-                        <a:rPr sz="900" spc="-25">
-                          <a:solidFill>
-                            <a:srgbClr val="020302"/>
-                          </a:solidFill>
-                          <a:latin typeface="AdobeClean-Light"/>
-                          <a:cs typeface="AdobeClean-Light"/>
-                        </a:rPr>
-                        <a:t>e</a:t>
-                      </a:r>
-                      <a:r>
-                        <a:rPr sz="900">
-                          <a:solidFill>
-                            <a:srgbClr val="020302"/>
-                          </a:solidFill>
-                          <a:latin typeface="AdobeClean-Light"/>
-                          <a:cs typeface="AdobeClean-Light"/>
-                        </a:rPr>
-                        <a:t>s</a:t>
-                      </a:r>
-                      <a:endParaRPr sz="900">
-                        <a:latin typeface="AdobeClean-Light"/>
-                        <a:cs typeface="AdobeClean-Light"/>
-                      </a:endParaRPr>
                     </a:p>
                   </a:txBody>
                   <a:tcPr marL="0" marR="0" marT="0" marB="0" anchor="ctr">
@@ -3925,109 +3087,15 @@
                         </a:spcBef>
                       </a:pPr>
                       <a:r>
-                        <a:rPr sz="900" b="1" spc="-15">
+                        <a:rPr lang="it-IT" sz="900" b="1">
                           <a:solidFill>
                             <a:srgbClr val="020302"/>
                           </a:solidFill>
                           <a:latin typeface="Adobe Clean"/>
                           <a:cs typeface="Adobe Clean"/>
                         </a:rPr>
-                        <a:t>P</a:t>
+                        <a:t>PRIORITÀ 2 (P2)</a:t>
                       </a:r>
-                      <a:r>
-                        <a:rPr sz="900" b="1" spc="-20">
-                          <a:solidFill>
-                            <a:srgbClr val="020302"/>
-                          </a:solidFill>
-                          <a:latin typeface="Adobe Clean"/>
-                          <a:cs typeface="Adobe Clean"/>
-                        </a:rPr>
-                        <a:t>R</a:t>
-                      </a:r>
-                      <a:r>
-                        <a:rPr sz="900" b="1" spc="-25">
-                          <a:solidFill>
-                            <a:srgbClr val="020302"/>
-                          </a:solidFill>
-                          <a:latin typeface="Adobe Clean"/>
-                          <a:cs typeface="Adobe Clean"/>
-                        </a:rPr>
-                        <a:t>I</a:t>
-                      </a:r>
-                      <a:r>
-                        <a:rPr sz="900" b="1" spc="-15">
-                          <a:solidFill>
-                            <a:srgbClr val="020302"/>
-                          </a:solidFill>
-                          <a:latin typeface="Adobe Clean"/>
-                          <a:cs typeface="Adobe Clean"/>
-                        </a:rPr>
-                        <a:t>O</a:t>
-                      </a:r>
-                      <a:r>
-                        <a:rPr sz="900" b="1" spc="-20">
-                          <a:solidFill>
-                            <a:srgbClr val="020302"/>
-                          </a:solidFill>
-                          <a:latin typeface="Adobe Clean"/>
-                          <a:cs typeface="Adobe Clean"/>
-                        </a:rPr>
-                        <a:t>R</a:t>
-                      </a:r>
-                      <a:r>
-                        <a:rPr sz="900" b="1" spc="-25">
-                          <a:solidFill>
-                            <a:srgbClr val="020302"/>
-                          </a:solidFill>
-                          <a:latin typeface="Adobe Clean"/>
-                          <a:cs typeface="Adobe Clean"/>
-                        </a:rPr>
-                        <a:t>I</a:t>
-                      </a:r>
-                      <a:r>
-                        <a:rPr sz="900" b="1" spc="-15">
-                          <a:solidFill>
-                            <a:srgbClr val="020302"/>
-                          </a:solidFill>
-                          <a:latin typeface="Adobe Clean"/>
-                          <a:cs typeface="Adobe Clean"/>
-                        </a:rPr>
-                        <a:t>T</a:t>
-                      </a:r>
-                      <a:r>
-                        <a:rPr sz="900" b="1">
-                          <a:solidFill>
-                            <a:srgbClr val="020302"/>
-                          </a:solidFill>
-                          <a:latin typeface="Adobe Clean"/>
-                          <a:cs typeface="Adobe Clean"/>
-                        </a:rPr>
-                        <a:t>Y</a:t>
-                      </a:r>
-                      <a:r>
-                        <a:rPr sz="900" b="1" spc="-40">
-                          <a:solidFill>
-                            <a:srgbClr val="020302"/>
-                          </a:solidFill>
-                          <a:latin typeface="Adobe Clean"/>
-                          <a:cs typeface="Adobe Clean"/>
-                        </a:rPr>
-                        <a:t> </a:t>
-                      </a:r>
-                      <a:r>
-                        <a:rPr sz="900" b="1">
-                          <a:solidFill>
-                            <a:srgbClr val="020302"/>
-                          </a:solidFill>
-                          <a:latin typeface="Adobe Clean"/>
-                          <a:cs typeface="Adobe Clean"/>
-                        </a:rPr>
-                        <a:t>2</a:t>
-                      </a:r>
-                      <a:endParaRPr sz="900">
-                        <a:latin typeface="Adobe Clean"/>
-                        <a:cs typeface="Adobe Clean"/>
-                      </a:endParaRPr>
                     </a:p>
                     <a:p>
                       <a:pPr marL="50165" marR="203200">
@@ -4039,21 +3107,16 @@
                         </a:spcBef>
                       </a:pPr>
                       <a:r>
-                        <a:rPr lang="en-US" sz="900" b="0" i="0" u="none" strike="noStrike">
+                        <a:rPr lang="it-IT" sz="900" b="0" i="0" u="none" strike="noStrike">
                           <a:solidFill>
                             <a:schemeClr val="tx1"/>
                           </a:solidFill>
-                          <a:effectLst/>
                           <a:latin typeface="Adobe Clean Light" panose="020B0303020404020204" pitchFamily="34" charset="0"/>
                           <a:ea typeface="+mn-ea"/>
                           <a:cs typeface="+mn-cs"/>
                         </a:rPr>
-                        <a:t>Customer's business functions has major degradation of services, or potential of data loss or unavailability of services, or a major feature is impacted</a:t>
+                        <a:t>Le funzioni operative del cliente hanno subìto un notevole deterioramento o mancata disponibilità dei servizi, potenziale perdita di dati, oppure un problema interessa una funzione importante</a:t>
                       </a:r>
-                      <a:endParaRPr lang="en-US" sz="900" b="0" i="0">
-                        <a:latin typeface="Adobe Clean Light" panose="020B0303020404020204" pitchFamily="34" charset="0"/>
-                        <a:cs typeface="AdobeClean-Light"/>
-                      </a:endParaRPr>
                     </a:p>
                   </a:txBody>
                   <a:tcPr marL="0" marR="0" marT="0" marB="0" anchor="ctr">
@@ -4088,105 +3151,21 @@
                     <a:bodyPr/>
                     <a:lstStyle/>
                     <a:p>
-                      <a:pPr marL="473709" marR="343535" indent="-175895">
+                      <a:pPr marL="473709" marR="343535" indent="-175895" algn="ctr">
                         <a:lnSpc>
                           <a:spcPct val="102200"/>
                         </a:lnSpc>
                       </a:pPr>
                       <a:r>
-                        <a:rPr sz="900" spc="-30">
+                        <a:rPr lang="it-IT" sz="900">
                           <a:solidFill>
                             <a:srgbClr val="020302"/>
                           </a:solidFill>
                           <a:latin typeface="AdobeClean-Light"/>
                           <a:cs typeface="AdobeClean-Light"/>
                         </a:rPr>
-                        <a:t>Business hours</a:t>
+                        <a:t>Orario operativo /       4 ore</a:t>
                       </a:r>
-                      <a:r>
-                        <a:rPr lang="en-US" sz="900" spc="-30">
-                          <a:solidFill>
-                            <a:srgbClr val="020302"/>
-                          </a:solidFill>
-                          <a:latin typeface="AdobeClean-Light"/>
-                          <a:cs typeface="AdobeClean-Light"/>
-                        </a:rPr>
-                        <a:t> </a:t>
-                      </a:r>
-                      <a:r>
-                        <a:rPr sz="900">
-                          <a:solidFill>
-                            <a:srgbClr val="020302"/>
-                          </a:solidFill>
-                          <a:latin typeface="AdobeClean-Light"/>
-                          <a:cs typeface="AdobeClean-Light"/>
-                        </a:rPr>
-                        <a:t>/  </a:t>
-                      </a:r>
-                      <a:r>
-                        <a:rPr lang="en-US" sz="900">
-                          <a:solidFill>
-                            <a:srgbClr val="020302"/>
-                          </a:solidFill>
-                          <a:latin typeface="AdobeClean-Light"/>
-                          <a:cs typeface="AdobeClean-Light"/>
-                        </a:rPr>
-                        <a:t>     </a:t>
-                      </a:r>
-                      <a:r>
-                        <a:rPr sz="900">
-                          <a:solidFill>
-                            <a:srgbClr val="020302"/>
-                          </a:solidFill>
-                          <a:latin typeface="AdobeClean-Light"/>
-                          <a:cs typeface="AdobeClean-Light"/>
-                        </a:rPr>
-                        <a:t>4</a:t>
-                      </a:r>
-                      <a:r>
-                        <a:rPr sz="900" spc="-100">
-                          <a:solidFill>
-                            <a:srgbClr val="020302"/>
-                          </a:solidFill>
-                          <a:latin typeface="AdobeClean-Light"/>
-                          <a:cs typeface="AdobeClean-Light"/>
-                        </a:rPr>
-                        <a:t> </a:t>
-                      </a:r>
-                      <a:r>
-                        <a:rPr sz="900" spc="-15">
-                          <a:solidFill>
-                            <a:srgbClr val="020302"/>
-                          </a:solidFill>
-                          <a:latin typeface="AdobeClean-Light"/>
-                          <a:cs typeface="AdobeClean-Light"/>
-                        </a:rPr>
-                        <a:t>h</a:t>
-                      </a:r>
-                      <a:r>
-                        <a:rPr sz="900" spc="-20">
-                          <a:solidFill>
-                            <a:srgbClr val="020302"/>
-                          </a:solidFill>
-                          <a:latin typeface="AdobeClean-Light"/>
-                          <a:cs typeface="AdobeClean-Light"/>
-                        </a:rPr>
-                        <a:t>our</a:t>
-                      </a:r>
-                      <a:r>
-                        <a:rPr sz="900">
-                          <a:solidFill>
-                            <a:srgbClr val="020302"/>
-                          </a:solidFill>
-                          <a:latin typeface="AdobeClean-Light"/>
-                          <a:cs typeface="AdobeClean-Light"/>
-                        </a:rPr>
-                        <a:t>s</a:t>
-                      </a:r>
-                      <a:endParaRPr sz="900">
-                        <a:latin typeface="AdobeClean-Light"/>
-                        <a:cs typeface="AdobeClean-Light"/>
-                      </a:endParaRPr>
                     </a:p>
                   </a:txBody>
                   <a:tcPr marL="0" marR="0" marT="0" marB="0" anchor="ctr">
@@ -4221,13 +3200,13 @@
                     <a:bodyPr/>
                     <a:lstStyle/>
                     <a:p>
-                      <a:pPr marL="542925" marR="492125" algn="l">
+                      <a:pPr marL="542925" marR="492125" algn="ctr">
                         <a:lnSpc>
                           <a:spcPct val="102200"/>
                         </a:lnSpc>
                       </a:pPr>
                       <a:r>
-                        <a:rPr lang="en-US" sz="900" spc="-15">
+                        <a:rPr lang="it-IT" sz="900">
                           <a:solidFill>
                             <a:srgbClr val="020302"/>
                           </a:solidFill>
@@ -4235,7 +3214,7 @@
                           <a:ea typeface="+mn-ea"/>
                           <a:cs typeface="AdobeClean-Light"/>
                         </a:rPr>
-                        <a:t>24x5 /           1 hour</a:t>
+                        <a:t>24x5 /           1 ora</a:t>
                       </a:r>
                     </a:p>
                   </a:txBody>
@@ -4295,109 +3274,15 @@
                         </a:spcBef>
                       </a:pPr>
                       <a:r>
-                        <a:rPr sz="900" b="1" spc="-15">
+                        <a:rPr lang="it-IT" sz="900" b="1" dirty="0">
                           <a:solidFill>
                             <a:srgbClr val="020302"/>
                           </a:solidFill>
                           <a:latin typeface="Adobe Clean"/>
                           <a:cs typeface="Adobe Clean"/>
                         </a:rPr>
-                        <a:t>P</a:t>
+                        <a:t>PRIORITÀ 3 (P3)</a:t>
                       </a:r>
-                      <a:r>
-                        <a:rPr sz="900" b="1" spc="-20">
-                          <a:solidFill>
-                            <a:srgbClr val="020302"/>
-                          </a:solidFill>
-                          <a:latin typeface="Adobe Clean"/>
-                          <a:cs typeface="Adobe Clean"/>
-                        </a:rPr>
-                        <a:t>R</a:t>
-                      </a:r>
-                      <a:r>
-                        <a:rPr sz="900" b="1" spc="-25">
-                          <a:solidFill>
-                            <a:srgbClr val="020302"/>
-                          </a:solidFill>
-                          <a:latin typeface="Adobe Clean"/>
-                          <a:cs typeface="Adobe Clean"/>
-                        </a:rPr>
-                        <a:t>I</a:t>
-                      </a:r>
-                      <a:r>
-                        <a:rPr sz="900" b="1" spc="-15">
-                          <a:solidFill>
-                            <a:srgbClr val="020302"/>
-                          </a:solidFill>
-                          <a:latin typeface="Adobe Clean"/>
-                          <a:cs typeface="Adobe Clean"/>
-                        </a:rPr>
-                        <a:t>O</a:t>
-                      </a:r>
-                      <a:r>
-                        <a:rPr sz="900" b="1" spc="-20">
-                          <a:solidFill>
-                            <a:srgbClr val="020302"/>
-                          </a:solidFill>
-                          <a:latin typeface="Adobe Clean"/>
-                          <a:cs typeface="Adobe Clean"/>
-                        </a:rPr>
-                        <a:t>R</a:t>
-                      </a:r>
-                      <a:r>
-                        <a:rPr sz="900" b="1" spc="-25">
-                          <a:solidFill>
-                            <a:srgbClr val="020302"/>
-                          </a:solidFill>
-                          <a:latin typeface="Adobe Clean"/>
-                          <a:cs typeface="Adobe Clean"/>
-                        </a:rPr>
-                        <a:t>I</a:t>
-                      </a:r>
-                      <a:r>
-                        <a:rPr sz="900" b="1" spc="-15">
-                          <a:solidFill>
-                            <a:srgbClr val="020302"/>
-                          </a:solidFill>
-                          <a:latin typeface="Adobe Clean"/>
-                          <a:cs typeface="Adobe Clean"/>
-                        </a:rPr>
-                        <a:t>T</a:t>
-                      </a:r>
-                      <a:r>
-                        <a:rPr sz="900" b="1">
-                          <a:solidFill>
-                            <a:srgbClr val="020302"/>
-                          </a:solidFill>
-                          <a:latin typeface="Adobe Clean"/>
-                          <a:cs typeface="Adobe Clean"/>
-                        </a:rPr>
-                        <a:t>Y</a:t>
-                      </a:r>
-                      <a:r>
-                        <a:rPr sz="900" b="1" spc="-40">
-                          <a:solidFill>
-                            <a:srgbClr val="020302"/>
-                          </a:solidFill>
-                          <a:latin typeface="Adobe Clean"/>
-                          <a:cs typeface="Adobe Clean"/>
-                        </a:rPr>
-                        <a:t> </a:t>
-                      </a:r>
-                      <a:r>
-                        <a:rPr sz="900" b="1">
-                          <a:solidFill>
-                            <a:srgbClr val="020302"/>
-                          </a:solidFill>
-                          <a:latin typeface="Adobe Clean"/>
-                          <a:cs typeface="Adobe Clean"/>
-                        </a:rPr>
-                        <a:t>3</a:t>
-                      </a:r>
-                      <a:endParaRPr sz="900">
-                        <a:latin typeface="Adobe Clean"/>
-                        <a:cs typeface="Adobe Clean"/>
-                      </a:endParaRPr>
                     </a:p>
                     <a:p>
                       <a:pPr marL="49530" marR="212090" indent="-2540">
@@ -4409,21 +3294,37 @@
                         </a:spcBef>
                       </a:pPr>
                       <a:r>
-                        <a:rPr lang="en-US" sz="900" b="0" i="0" u="none" strike="noStrike">
+                        <a:rPr lang="it-IT" sz="900" b="0" i="0" u="none" strike="noStrike" dirty="0">
                           <a:solidFill>
                             <a:schemeClr val="tx1"/>
                           </a:solidFill>
-                          <a:effectLst/>
                           <a:latin typeface="Adobe Clean Light" panose="020B0303020404020204" pitchFamily="34" charset="0"/>
                           <a:ea typeface="+mn-ea"/>
                           <a:cs typeface="+mn-cs"/>
                         </a:rPr>
-                        <a:t>Customer's business functions has minor to no degradation of services with a solution/workaround allowing business functions to continue.  </a:t>
+                        <a:t>Le funzioni operative del cliente sono interessate da deterioramento lieve dei servizi </a:t>
                       </a:r>
-                      <a:endParaRPr lang="en-US" sz="900" b="0" i="0">
-                        <a:latin typeface="Adobe Clean Light" panose="020B0303020404020204" pitchFamily="34" charset="0"/>
-                        <a:cs typeface="AdobeClean-Light"/>
-                      </a:endParaRPr>
+                      <a:br>
+                        <a:rPr lang="sk-SK" sz="900" b="0" i="0" u="none" strike="noStrike" dirty="0">
+                          <a:solidFill>
+                            <a:schemeClr val="tx1"/>
+                          </a:solidFill>
+                          <a:latin typeface="Adobe Clean Light" panose="020B0303020404020204" pitchFamily="34" charset="0"/>
+                          <a:ea typeface="+mn-ea"/>
+                          <a:cs typeface="+mn-cs"/>
+                        </a:rPr>
+                      </a:br>
+                      <a:r>
+                        <a:rPr lang="it-IT" sz="900" b="0" i="0" u="none" strike="noStrike" dirty="0">
+                          <a:solidFill>
+                            <a:schemeClr val="tx1"/>
+                          </a:solidFill>
+                          <a:latin typeface="Adobe Clean Light" panose="020B0303020404020204" pitchFamily="34" charset="0"/>
+                          <a:ea typeface="+mn-ea"/>
+                          <a:cs typeface="+mn-cs"/>
+                        </a:rPr>
+                        <a:t>(o nessun deterioramento), tuttavia è possibile procedere mediante una soluzione temporanea.  </a:t>
+                      </a:r>
                     </a:p>
                   </a:txBody>
                   <a:tcPr marL="0" marR="0" marT="0" marB="0" anchor="ctr">
@@ -4458,75 +3359,21 @@
                     <a:bodyPr/>
                     <a:lstStyle/>
                     <a:p>
-                      <a:pPr marL="473709" marR="343535" indent="-175895">
+                      <a:pPr marL="473709" marR="343535" indent="-175895" algn="ctr">
                         <a:lnSpc>
                           <a:spcPct val="102200"/>
                         </a:lnSpc>
                       </a:pPr>
                       <a:r>
-                        <a:rPr lang="en-US" sz="900" spc="-30">
+                        <a:rPr lang="it-IT" sz="900">
                           <a:solidFill>
                             <a:srgbClr val="020302"/>
                           </a:solidFill>
                           <a:latin typeface="AdobeClean-Light"/>
                           <a:cs typeface="AdobeClean-Light"/>
                         </a:rPr>
-                        <a:t>Business hours </a:t>
+                        <a:t>Orario operativo /       6 ore</a:t>
                       </a:r>
-                      <a:r>
-                        <a:rPr lang="en-US" sz="900">
-                          <a:solidFill>
-                            <a:srgbClr val="020302"/>
-                          </a:solidFill>
-                          <a:latin typeface="AdobeClean-Light"/>
-                          <a:cs typeface="AdobeClean-Light"/>
-                        </a:rPr>
-                        <a:t>/       6</a:t>
-                      </a:r>
-                      <a:r>
-                        <a:rPr lang="en-US" sz="900" spc="-100">
-                          <a:solidFill>
-                            <a:srgbClr val="020302"/>
-                          </a:solidFill>
-                          <a:latin typeface="AdobeClean-Light"/>
-                          <a:cs typeface="AdobeClean-Light"/>
-                        </a:rPr>
-                        <a:t> </a:t>
-                      </a:r>
-                      <a:r>
-                        <a:rPr lang="en-US" sz="900" spc="-15">
-                          <a:solidFill>
-                            <a:srgbClr val="020302"/>
-                          </a:solidFill>
-                          <a:latin typeface="AdobeClean-Light"/>
-                          <a:cs typeface="AdobeClean-Light"/>
-                        </a:rPr>
-                        <a:t>h</a:t>
-                      </a:r>
-                      <a:r>
-                        <a:rPr lang="en-US" sz="900" spc="-20">
-                          <a:solidFill>
-                            <a:srgbClr val="020302"/>
-                          </a:solidFill>
-                          <a:latin typeface="AdobeClean-Light"/>
-                          <a:cs typeface="AdobeClean-Light"/>
-                        </a:rPr>
-                        <a:t>our</a:t>
-                      </a:r>
-                      <a:r>
-                        <a:rPr lang="en-US" sz="900">
-                          <a:solidFill>
-                            <a:srgbClr val="020302"/>
-                          </a:solidFill>
-                          <a:latin typeface="AdobeClean-Light"/>
-                          <a:cs typeface="AdobeClean-Light"/>
-                        </a:rPr>
-                        <a:t>s</a:t>
-                      </a:r>
-                      <a:endParaRPr lang="en-US" sz="900">
-                        <a:latin typeface="AdobeClean-Light"/>
-                        <a:cs typeface="AdobeClean-Light"/>
-                      </a:endParaRPr>
                     </a:p>
                   </a:txBody>
                   <a:tcPr marL="0" marR="0" marT="0" marB="0" anchor="ctr">
@@ -4561,7 +3408,7 @@
                     <a:bodyPr/>
                     <a:lstStyle/>
                     <a:p>
-                      <a:pPr marL="428625" marR="398780" indent="-198120">
+                      <a:pPr marL="111125" marR="398780" indent="0" algn="ctr">
                         <a:lnSpc>
                           <a:spcPct val="102200"/>
                         </a:lnSpc>
@@ -4570,169 +3417,34 @@
                         </a:spcBef>
                       </a:pPr>
                       <a:r>
-                        <a:rPr sz="900" spc="-30">
+                        <a:rPr lang="it-IT" sz="900" dirty="0">
                           <a:solidFill>
                             <a:srgbClr val="020302"/>
                           </a:solidFill>
                           <a:latin typeface="AdobeClean-Light"/>
                           <a:cs typeface="AdobeClean-Light"/>
                         </a:rPr>
-                        <a:t>B</a:t>
+                        <a:t>Orario operativo /  </a:t>
                       </a:r>
-                      <a:r>
-                        <a:rPr sz="900" spc="-20">
+                      <a:br>
+                        <a:rPr lang="sk-SK" sz="900" dirty="0">
                           <a:solidFill>
                             <a:srgbClr val="020302"/>
                           </a:solidFill>
                           <a:latin typeface="AdobeClean-Light"/>
                           <a:cs typeface="AdobeClean-Light"/>
                         </a:rPr>
-                        <a:t>us</a:t>
-                      </a:r>
+                      </a:br>
                       <a:r>
-                        <a:rPr sz="900" spc="-15">
+                        <a:rPr lang="it-IT" sz="900" dirty="0">
                           <a:solidFill>
                             <a:srgbClr val="020302"/>
                           </a:solidFill>
                           <a:latin typeface="AdobeClean-Light"/>
                           <a:cs typeface="AdobeClean-Light"/>
                         </a:rPr>
-                        <a:t>i</a:t>
+                        <a:t>2 ore</a:t>
                       </a:r>
-                      <a:r>
-                        <a:rPr sz="900" spc="-30">
-                          <a:solidFill>
-                            <a:srgbClr val="020302"/>
-                          </a:solidFill>
-                          <a:latin typeface="AdobeClean-Light"/>
-                          <a:cs typeface="AdobeClean-Light"/>
-                        </a:rPr>
-                        <a:t>n</a:t>
-                      </a:r>
-                      <a:r>
-                        <a:rPr sz="900" spc="-25">
-                          <a:solidFill>
-                            <a:srgbClr val="020302"/>
-                          </a:solidFill>
-                          <a:latin typeface="AdobeClean-Light"/>
-                          <a:cs typeface="AdobeClean-Light"/>
-                        </a:rPr>
-                        <a:t>e</a:t>
-                      </a:r>
-                      <a:r>
-                        <a:rPr sz="900" spc="-20">
-                          <a:solidFill>
-                            <a:srgbClr val="020302"/>
-                          </a:solidFill>
-                          <a:latin typeface="AdobeClean-Light"/>
-                          <a:cs typeface="AdobeClean-Light"/>
-                        </a:rPr>
-                        <a:t>s</a:t>
-                      </a:r>
-                      <a:r>
-                        <a:rPr sz="900">
-                          <a:solidFill>
-                            <a:srgbClr val="020302"/>
-                          </a:solidFill>
-                          <a:latin typeface="AdobeClean-Light"/>
-                          <a:cs typeface="AdobeClean-Light"/>
-                        </a:rPr>
-                        <a:t>s</a:t>
-                      </a:r>
-                      <a:r>
-                        <a:rPr lang="en-US" sz="900" spc="-120">
-                          <a:solidFill>
-                            <a:srgbClr val="020302"/>
-                          </a:solidFill>
-                          <a:latin typeface="AdobeClean-Light"/>
-                          <a:cs typeface="AdobeClean-Light"/>
-                        </a:rPr>
-                        <a:t> </a:t>
-                      </a:r>
-                      <a:r>
-                        <a:rPr sz="900">
-                          <a:solidFill>
-                            <a:srgbClr val="020302"/>
-                          </a:solidFill>
-                          <a:latin typeface="AdobeClean-Light"/>
-                          <a:cs typeface="AdobeClean-Light"/>
-                        </a:rPr>
-                        <a:t>h</a:t>
-                      </a:r>
-                      <a:r>
-                        <a:rPr sz="900" spc="-5">
-                          <a:solidFill>
-                            <a:srgbClr val="020302"/>
-                          </a:solidFill>
-                          <a:latin typeface="AdobeClean-Light"/>
-                          <a:cs typeface="AdobeClean-Light"/>
-                        </a:rPr>
-                        <a:t>ours</a:t>
-                      </a:r>
-                      <a:r>
-                        <a:rPr lang="en-US" sz="900" spc="-5">
-                          <a:solidFill>
-                            <a:srgbClr val="020302"/>
-                          </a:solidFill>
-                          <a:latin typeface="AdobeClean-Light"/>
-                          <a:cs typeface="AdobeClean-Light"/>
-                        </a:rPr>
-                        <a:t> </a:t>
-                      </a:r>
-                      <a:r>
-                        <a:rPr sz="900">
-                          <a:solidFill>
-                            <a:srgbClr val="020302"/>
-                          </a:solidFill>
-                          <a:latin typeface="AdobeClean-Light"/>
-                          <a:cs typeface="AdobeClean-Light"/>
-                        </a:rPr>
-                        <a:t>/  2</a:t>
-                      </a:r>
-                      <a:r>
-                        <a:rPr sz="900" spc="-100">
-                          <a:solidFill>
-                            <a:srgbClr val="020302"/>
-                          </a:solidFill>
-                          <a:latin typeface="AdobeClean-Light"/>
-                          <a:cs typeface="AdobeClean-Light"/>
-                        </a:rPr>
-                        <a:t> </a:t>
-                      </a:r>
-                      <a:r>
-                        <a:rPr sz="900" spc="-15">
-                          <a:solidFill>
-                            <a:srgbClr val="020302"/>
-                          </a:solidFill>
-                          <a:latin typeface="AdobeClean-Light"/>
-                          <a:cs typeface="AdobeClean-Light"/>
-                        </a:rPr>
-                        <a:t>h</a:t>
-                      </a:r>
-                      <a:r>
-                        <a:rPr sz="900" spc="-20">
-                          <a:solidFill>
-                            <a:srgbClr val="020302"/>
-                          </a:solidFill>
-                          <a:latin typeface="AdobeClean-Light"/>
-                          <a:cs typeface="AdobeClean-Light"/>
-                        </a:rPr>
-                        <a:t>our</a:t>
-                      </a:r>
-                      <a:r>
-                        <a:rPr sz="900">
-                          <a:solidFill>
-                            <a:srgbClr val="020302"/>
-                          </a:solidFill>
-                          <a:latin typeface="AdobeClean-Light"/>
-                          <a:cs typeface="AdobeClean-Light"/>
-                        </a:rPr>
-                        <a:t>s</a:t>
-                      </a:r>
-                      <a:endParaRPr sz="900">
-                        <a:latin typeface="AdobeClean-Light"/>
-                        <a:cs typeface="AdobeClean-Light"/>
-                      </a:endParaRPr>
                     </a:p>
                   </a:txBody>
                   <a:tcPr marL="0" marR="0" marT="0" marB="0" anchor="ctr">
@@ -4791,109 +3503,15 @@
                         </a:spcBef>
                       </a:pPr>
                       <a:r>
-                        <a:rPr sz="900" b="1" spc="-15">
+                        <a:rPr lang="it-IT" sz="900" b="1">
                           <a:solidFill>
                             <a:srgbClr val="020302"/>
                           </a:solidFill>
                           <a:latin typeface="Adobe Clean"/>
                           <a:cs typeface="Adobe Clean"/>
                         </a:rPr>
-                        <a:t>P</a:t>
+                        <a:t>PRIORITÀ 4 (P4)</a:t>
                       </a:r>
-                      <a:r>
-                        <a:rPr sz="900" b="1" spc="-20">
-                          <a:solidFill>
-                            <a:srgbClr val="020302"/>
-                          </a:solidFill>
-                          <a:latin typeface="Adobe Clean"/>
-                          <a:cs typeface="Adobe Clean"/>
-                        </a:rPr>
-                        <a:t>R</a:t>
-                      </a:r>
-                      <a:r>
-                        <a:rPr sz="900" b="1" spc="-25">
-                          <a:solidFill>
-                            <a:srgbClr val="020302"/>
-                          </a:solidFill>
-                          <a:latin typeface="Adobe Clean"/>
-                          <a:cs typeface="Adobe Clean"/>
-                        </a:rPr>
-                        <a:t>I</a:t>
-                      </a:r>
-                      <a:r>
-                        <a:rPr sz="900" b="1" spc="-15">
-                          <a:solidFill>
-                            <a:srgbClr val="020302"/>
-                          </a:solidFill>
-                          <a:latin typeface="Adobe Clean"/>
-                          <a:cs typeface="Adobe Clean"/>
-                        </a:rPr>
-                        <a:t>O</a:t>
-                      </a:r>
-                      <a:r>
-                        <a:rPr sz="900" b="1" spc="-20">
-                          <a:solidFill>
-                            <a:srgbClr val="020302"/>
-                          </a:solidFill>
-                          <a:latin typeface="Adobe Clean"/>
-                          <a:cs typeface="Adobe Clean"/>
-                        </a:rPr>
-                        <a:t>R</a:t>
-                      </a:r>
-                      <a:r>
-                        <a:rPr sz="900" b="1" spc="-25">
-                          <a:solidFill>
-                            <a:srgbClr val="020302"/>
-                          </a:solidFill>
-                          <a:latin typeface="Adobe Clean"/>
-                          <a:cs typeface="Adobe Clean"/>
-                        </a:rPr>
-                        <a:t>I</a:t>
-                      </a:r>
-                      <a:r>
-                        <a:rPr sz="900" b="1" spc="-15">
-                          <a:solidFill>
-                            <a:srgbClr val="020302"/>
-                          </a:solidFill>
-                          <a:latin typeface="Adobe Clean"/>
-                          <a:cs typeface="Adobe Clean"/>
-                        </a:rPr>
-                        <a:t>T</a:t>
-                      </a:r>
-                      <a:r>
-                        <a:rPr sz="900" b="1">
-                          <a:solidFill>
-                            <a:srgbClr val="020302"/>
-                          </a:solidFill>
-                          <a:latin typeface="Adobe Clean"/>
-                          <a:cs typeface="Adobe Clean"/>
-                        </a:rPr>
-                        <a:t>Y</a:t>
-                      </a:r>
-                      <a:r>
-                        <a:rPr sz="900" b="1" spc="-40">
-                          <a:solidFill>
-                            <a:srgbClr val="020302"/>
-                          </a:solidFill>
-                          <a:latin typeface="Adobe Clean"/>
-                          <a:cs typeface="Adobe Clean"/>
-                        </a:rPr>
-                        <a:t> </a:t>
-                      </a:r>
-                      <a:r>
-                        <a:rPr sz="900" b="1">
-                          <a:solidFill>
-                            <a:srgbClr val="020302"/>
-                          </a:solidFill>
-                          <a:latin typeface="Adobe Clean"/>
-                          <a:cs typeface="Adobe Clean"/>
-                        </a:rPr>
-                        <a:t>4</a:t>
-                      </a:r>
-                      <a:endParaRPr sz="900">
-                        <a:latin typeface="Adobe Clean"/>
-                        <a:cs typeface="Adobe Clean"/>
-                      </a:endParaRPr>
                     </a:p>
                     <a:p>
                       <a:pPr marL="49530">
@@ -4905,31 +3523,27 @@
                         </a:spcBef>
                       </a:pPr>
                       <a:r>
-                        <a:rPr lang="en-US" sz="900" b="1" spc="-90">
+                        <a:rPr lang="it-IT" sz="900" b="1">
                           <a:solidFill>
                             <a:srgbClr val="020302"/>
                           </a:solidFill>
                           <a:latin typeface="Adobe Clean"/>
+                          <a:ea typeface="+mn-ea"/>
                           <a:cs typeface="Adobe Clean"/>
                         </a:rPr>
                         <a:t> </a:t>
                       </a:r>
                       <a:r>
-                        <a:rPr lang="en-US" sz="900" b="0" i="0" u="none" strike="noStrike">
+                        <a:rPr lang="it-IT" sz="900" b="0" i="0" u="none" strike="noStrike">
                           <a:solidFill>
                             <a:schemeClr val="tx1"/>
                           </a:solidFill>
-                          <a:effectLst/>
                           <a:latin typeface="Adobe Clean Light" panose="020B0303020404020204" pitchFamily="34" charset="0"/>
                           <a:ea typeface="+mn-ea"/>
                           <a:cs typeface="+mn-cs"/>
                         </a:rPr>
-                        <a:t>General question regarding current product functionality or an enhancement request</a:t>
+                        <a:t>Domande generali sulle attuali funzionalità del prodotto o su una richiesta di miglioramento</a:t>
                       </a:r>
-                      <a:endParaRPr lang="en-US" sz="900" b="0" i="0">
-                        <a:latin typeface="Adobe Clean Light" panose="020B0303020404020204" pitchFamily="34" charset="0"/>
-                        <a:cs typeface="AdobeClean-Light"/>
-                      </a:endParaRPr>
                     </a:p>
                   </a:txBody>
                   <a:tcPr marL="0" marR="0" marT="0" marB="0" anchor="ctr">
@@ -4964,65 +3578,21 @@
                     <a:bodyPr/>
                     <a:lstStyle/>
                     <a:p>
-                      <a:pPr marL="473709" marR="343535" indent="-175895">
+                      <a:pPr marL="473709" marR="343535" indent="-175895" algn="ctr">
                         <a:lnSpc>
                           <a:spcPct val="102200"/>
                         </a:lnSpc>
                       </a:pPr>
                       <a:r>
-                        <a:rPr lang="en-US" sz="900" spc="-30">
+                        <a:rPr lang="it-IT" sz="900" dirty="0">
                           <a:solidFill>
                             <a:srgbClr val="020302"/>
                           </a:solidFill>
                           <a:latin typeface="AdobeClean-Light"/>
                           <a:cs typeface="AdobeClean-Light"/>
                         </a:rPr>
-                        <a:t>Business days </a:t>
+                        <a:t>Giorni lavorativi /        3 giorni</a:t>
                       </a:r>
-                      <a:r>
-                        <a:rPr lang="en-US" sz="900">
-                          <a:solidFill>
-                            <a:srgbClr val="020302"/>
-                          </a:solidFill>
-                          <a:latin typeface="AdobeClean-Light"/>
-                          <a:cs typeface="AdobeClean-Light"/>
-                        </a:rPr>
-                        <a:t>/        3</a:t>
-                      </a:r>
-                      <a:r>
-                        <a:rPr lang="en-US" sz="900" spc="-100">
-                          <a:solidFill>
-                            <a:srgbClr val="020302"/>
-                          </a:solidFill>
-                          <a:latin typeface="AdobeClean-Light"/>
-                          <a:cs typeface="AdobeClean-Light"/>
-                        </a:rPr>
-                        <a:t> </a:t>
-                      </a:r>
-                      <a:r>
-                        <a:rPr lang="en-US" sz="900" spc="-15">
-                          <a:solidFill>
-                            <a:srgbClr val="020302"/>
-                          </a:solidFill>
-                          <a:latin typeface="AdobeClean-Light"/>
-                          <a:cs typeface="AdobeClean-Light"/>
-                        </a:rPr>
-                        <a:t>day</a:t>
-                      </a:r>
-                      <a:r>
-                        <a:rPr lang="en-US" sz="900">
-                          <a:solidFill>
-                            <a:srgbClr val="020302"/>
-                          </a:solidFill>
-                          <a:latin typeface="AdobeClean-Light"/>
-                          <a:cs typeface="AdobeClean-Light"/>
-                        </a:rPr>
-                        <a:t>s</a:t>
-                      </a:r>
-                      <a:endParaRPr lang="en-US" sz="900">
-                        <a:latin typeface="AdobeClean-Light"/>
-                        <a:cs typeface="AdobeClean-Light"/>
-                      </a:endParaRPr>
                     </a:p>
                   </a:txBody>
                   <a:tcPr marL="0" marR="0" marT="0" marB="0" anchor="ctr">
@@ -5057,55 +3627,21 @@
                     <a:bodyPr/>
                     <a:lstStyle/>
                     <a:p>
-                      <a:pPr marL="473709" marR="343535" indent="-175895">
+                      <a:pPr marL="173038" marR="343535" indent="0" algn="ctr">
                         <a:lnSpc>
                           <a:spcPct val="102200"/>
                         </a:lnSpc>
                       </a:pPr>
                       <a:r>
-                        <a:rPr lang="en-US" sz="900" spc="-30">
+                        <a:rPr lang="it-IT" sz="900" dirty="0">
                           <a:solidFill>
                             <a:srgbClr val="020302"/>
                           </a:solidFill>
                           <a:latin typeface="AdobeClean-Light"/>
                           <a:cs typeface="AdobeClean-Light"/>
                         </a:rPr>
-                        <a:t>Business days </a:t>
+                        <a:t>Giorni lavorativi / 1 giorno</a:t>
                       </a:r>
-                      <a:r>
-                        <a:rPr lang="en-US" sz="900">
-                          <a:solidFill>
-                            <a:srgbClr val="020302"/>
-                          </a:solidFill>
-                          <a:latin typeface="AdobeClean-Light"/>
-                          <a:cs typeface="AdobeClean-Light"/>
-                        </a:rPr>
-                        <a:t>/       1</a:t>
-                      </a:r>
-                      <a:r>
-                        <a:rPr lang="en-US" sz="900" spc="-100">
-                          <a:solidFill>
-                            <a:srgbClr val="020302"/>
-                          </a:solidFill>
-                          <a:latin typeface="AdobeClean-Light"/>
-                          <a:cs typeface="AdobeClean-Light"/>
-                        </a:rPr>
-                        <a:t> </a:t>
-                      </a:r>
-                      <a:r>
-                        <a:rPr lang="en-US" sz="900" spc="-15">
-                          <a:solidFill>
-                            <a:srgbClr val="020302"/>
-                          </a:solidFill>
-                          <a:latin typeface="AdobeClean-Light"/>
-                          <a:cs typeface="AdobeClean-Light"/>
-                        </a:rPr>
-                        <a:t>day</a:t>
-                      </a:r>
-                      <a:endParaRPr lang="en-US" sz="900">
-                        <a:latin typeface="AdobeClean-Light"/>
-                        <a:cs typeface="AdobeClean-Light"/>
-                      </a:endParaRPr>
                     </a:p>
                   </a:txBody>
                   <a:tcPr marL="0" marR="0" marT="0" marB="0" anchor="ctr">
@@ -5209,40 +3745,8 @@
               </a:spcBef>
             </a:pPr>
             <a:r>
-              <a:rPr spc="-10"/>
-              <a:t>©202</a:t>
-            </a:r>
-            <a:r>
-              <a:rPr lang="en-US" spc="-10"/>
-              <a:t>1</a:t>
-            </a:r>
-            <a:r>
-              <a:rPr spc="-5"/>
-              <a:t> Adobe. All</a:t>
-            </a:r>
-            <a:r>
-              <a:rPr spc="-10"/>
-              <a:t> Rights</a:t>
-            </a:r>
-            <a:r>
-              <a:rPr spc="-5"/>
-              <a:t> </a:t>
-            </a:r>
-            <a:r>
-              <a:rPr spc="-10"/>
-              <a:t>Reserved.</a:t>
-            </a:r>
-            <a:r>
-              <a:rPr spc="-5"/>
-              <a:t> Adobe</a:t>
-            </a:r>
-            <a:r>
-              <a:rPr spc="60"/>
-              <a:t> </a:t>
-            </a:r>
-            <a:r>
-              <a:rPr spc="-10"/>
-              <a:t>Confidential.</a:t>
+              <a:rPr lang="it-IT"/>
+              <a:t>©2021 Adobe. All Rights Reserved. Adobe Confidential.</a:t>
             </a:r>
           </a:p>
         </p:txBody>
@@ -5276,7 +3780,7 @@
           <a:lstStyle/>
           <a:p>
             <a:r>
-              <a:rPr lang="en-US" sz="700" i="1">
+              <a:rPr lang="it-IT" sz="700" i="1">
                 <a:solidFill>
                   <a:schemeClr val="bg1"/>
                 </a:solidFill>
@@ -5322,7 +3826,7 @@
               </a:spcBef>
             </a:pPr>
             <a:r>
-              <a:rPr lang="en-US" sz="1200">
+              <a:rPr lang="it-IT" sz="1200">
                 <a:solidFill>
                   <a:schemeClr val="bg1"/>
                 </a:solidFill>
@@ -5331,7 +3835,7 @@
               <a:t>Online | Business |</a:t>
             </a:r>
             <a:r>
-              <a:rPr lang="en-US" sz="1200" b="1">
+              <a:rPr lang="it-IT" sz="1200" b="1">
                 <a:solidFill>
                   <a:schemeClr val="bg1"/>
                 </a:solidFill>
@@ -5340,7 +3844,7 @@
               <a:t> </a:t>
             </a:r>
             <a:r>
-              <a:rPr lang="en-US" sz="1200" b="1">
+              <a:rPr lang="it-IT" sz="1200" b="1">
                 <a:solidFill>
                   <a:schemeClr val="bg1"/>
                 </a:solidFill>
@@ -5348,7 +3852,7 @@
               <a:t>Enterprise</a:t>
             </a:r>
             <a:r>
-              <a:rPr lang="en-US" sz="1200" b="1">
+              <a:rPr lang="it-IT" sz="1200" b="1">
                 <a:solidFill>
                   <a:schemeClr val="bg1"/>
                 </a:solidFill>
@@ -5357,7 +3861,7 @@
               <a:t> </a:t>
             </a:r>
             <a:r>
-              <a:rPr lang="en-US" sz="1200">
+              <a:rPr lang="it-IT" sz="1200">
                 <a:solidFill>
                   <a:schemeClr val="bg1"/>
                 </a:solidFill>
@@ -5366,7 +3870,7 @@
               <a:t>| Elite</a:t>
             </a:r>
             <a:br>
-              <a:rPr lang="en-US" sz="900">
+              <a:rPr lang="it-IT" sz="900">
                 <a:solidFill>
                   <a:schemeClr val="bg1"/>
                 </a:solidFill>
@@ -5374,21 +3878,22 @@
               </a:rPr>
             </a:br>
             <a:r>
-              <a:rPr lang="en-US" sz="900">
+              <a:rPr lang="it-IT" sz="900">
+                <a:solidFill>
+                  <a:schemeClr val="bg1"/>
+                </a:solidFill>
+              </a:rPr>
+              <a:t>Il supporto </a:t>
+            </a:r>
+            <a:r>
+              <a:rPr lang="it-IT" sz="900">
                 <a:solidFill>
                   <a:schemeClr val="bg1"/>
                 </a:solidFill>
                 <a:latin typeface="Adobe Clean SemiLight" panose="020B0403020404020204" pitchFamily="34" charset="0"/>
               </a:rPr>
-              <a:t>ENTERPRISE support includes access to personalized learning paths and monitored community forums via the Adobe Experience League. You can also take advantage of our detailed and in-depth technical product documentation and current release notes. ENTERPRISE customers will also be provided with a Named Support Engineer who acts as your designated technical contact in the Adobe Support Team. With deep experience in your designated Experience Cloud solution, your support team will work in partnership with you and your technical teams to ensure timely resolution of all support requests. Your support team can also help coordinate and arrange delivery of the additional ENTERPRISE benefits ensuring minimal disruption to your business at the most critical time. </a:t>
-            </a:r>
-            <a:endParaRPr lang="en-US" sz="900">
-              <a:solidFill>
-                <a:schemeClr val="bg1"/>
-              </a:solidFill>
-              <a:latin typeface="Adobe Clean Light" panose="020B0303020404020204" pitchFamily="34" charset="0"/>
-              <a:cs typeface="AdobeClean-Light"/>
-            </a:endParaRPr>
+              <a:t>ENTERPRISE include l’accesso a percorsi di apprendimento personalizzati e forum della community monitorati tramite Adobe Experience League. Puoi inoltre usufruire di documentazione tecnica dettagliata e note sulla versione sempre aggiornate. Ai clienti ENTERPRISE viene assegnato un Named Support Engineer che sarà il tuo contatto tecnico di riferimento all’interno del team Adobe Support. Conoscendo a fondo le tue specifiche soluzioni Experience Cloud, il team Adobe Support affiancherà i tuoi team tecnici per garantire la rapida risoluzione di tutte le richieste di supporto. Inoltre, può assistere nel coordinare l’erogazione di ulteriori benefici ENTERPRISE, riducendo al minimo il disagio nei momenti più critici. </a:t>
+            </a:r>
           </a:p>
         </p:txBody>
       </p:sp>
@@ -5407,14 +3912,14 @@
           <p:nvPr>
             <p:extLst>
               <p:ext uri="{D42A27DB-BD31-4B8C-83A1-F6EECF244321}">
-                <p14:modId xmlns:p14="http://schemas.microsoft.com/office/powerpoint/2010/main" val="2813555721"/>
+                <p14:modId xmlns:p14="http://schemas.microsoft.com/office/powerpoint/2010/main" val="2304197327"/>
               </p:ext>
             </p:extLst>
           </p:nvPr>
         </p:nvGraphicFramePr>
         <p:xfrm>
           <a:off x="125148" y="2159576"/>
-          <a:ext cx="7498851" cy="4675190"/>
+          <a:ext cx="7498851" cy="4776202"/>
         </p:xfrm>
         <a:graphic>
           <a:graphicData uri="http://schemas.openxmlformats.org/drawingml/2006/table">
@@ -5496,19 +4001,15 @@
                         <a:defRPr/>
                       </a:pPr>
                       <a:r>
-                        <a:rPr lang="en-US" sz="900" spc="0">
+                        <a:rPr lang="it-IT" sz="900">
                           <a:solidFill>
                             <a:srgbClr val="404040"/>
                           </a:solidFill>
                           <a:latin typeface="Adobe Clean"/>
                           <a:cs typeface="Adobe Clean"/>
                         </a:rPr>
-                        <a:t>Online  Support</a:t>
+                        <a:t>Supporto Online</a:t>
                       </a:r>
-                      <a:endParaRPr lang="en-US" sz="900" spc="0">
-                        <a:latin typeface="Adobe Clean"/>
-                        <a:cs typeface="Adobe Clean"/>
-                      </a:endParaRPr>
                     </a:p>
                   </a:txBody>
                   <a:tcPr marL="0" marR="0" marT="7620" marB="0" anchor="ctr">
@@ -5549,29 +4050,15 @@
                         </a:spcBef>
                       </a:pPr>
                       <a:r>
-                        <a:rPr lang="en-US" sz="900" spc="0">
+                        <a:rPr lang="it-IT" sz="900">
                           <a:solidFill>
                             <a:srgbClr val="FFFFFF"/>
                           </a:solidFill>
                           <a:latin typeface="Adobe Clean"/>
                           <a:cs typeface="Adobe Clean"/>
                         </a:rPr>
-                        <a:t>Enterprise </a:t>
+                        <a:t>Supporto Enterprise</a:t>
                       </a:r>
-                      <a:r>
-                        <a:rPr sz="900" spc="0">
-                          <a:solidFill>
-                            <a:srgbClr val="FFFFFF"/>
-                          </a:solidFill>
-                          <a:latin typeface="Adobe Clean"/>
-                          <a:cs typeface="Adobe Clean"/>
-                        </a:rPr>
-                        <a:t>Support</a:t>
-                      </a:r>
-                      <a:endParaRPr sz="900" spc="0">
-                        <a:latin typeface="Adobe Clean"/>
-                        <a:cs typeface="Adobe Clean"/>
-                      </a:endParaRPr>
                     </a:p>
                   </a:txBody>
                   <a:tcPr marL="0" marR="0" marT="7620" marB="0" anchor="ctr">
@@ -5639,7 +4126,7 @@
                     <a:bodyPr/>
                     <a:lstStyle/>
                     <a:p>
-                      <a:pPr marL="0" marR="0" lvl="0" indent="0" algn="ctr" defTabSz="914400" eaLnBrk="1" fontAlgn="auto" latinLnBrk="0" hangingPunct="1">
+                      <a:pPr marL="0" marR="0" lvl="0" indent="0" algn="l" defTabSz="914400" rtl="0" eaLnBrk="1" fontAlgn="auto" latinLnBrk="0" hangingPunct="1">
                         <a:lnSpc>
                           <a:spcPct val="100000"/>
                         </a:lnSpc>
@@ -5720,13 +4207,13 @@
                         <a:defRPr/>
                       </a:pPr>
                       <a:r>
-                        <a:rPr lang="en-US" sz="800" i="1">
+                        <a:rPr lang="it-IT" sz="800" i="1">
                           <a:solidFill>
                             <a:schemeClr val="bg1"/>
                           </a:solidFill>
                           <a:latin typeface="Adobe Clean Light" panose="020B0303020404020204" pitchFamily="34" charset="0"/>
                         </a:rPr>
-                        <a:t>Paid Support ($)</a:t>
+                        <a:t>Supporto a pagamento ($)</a:t>
                       </a:r>
                     </a:p>
                   </a:txBody>
@@ -5790,22 +4277,15 @@
                         </a:spcBef>
                       </a:pPr>
                       <a:r>
-                        <a:rPr lang="en-US" sz="1000" b="1" i="0" spc="0">
+                        <a:rPr lang="it-IT" sz="1000" b="1" i="0">
                           <a:solidFill>
                             <a:schemeClr val="bg1"/>
                           </a:solidFill>
                           <a:latin typeface="Adobe Clean" panose="020B0503020404020204" pitchFamily="34" charset="0"/>
                           <a:cs typeface="AdobeClean-Light"/>
                         </a:rPr>
-                        <a:t>Assigned Experts</a:t>
+                        <a:t>Esperti assegnati</a:t>
                       </a:r>
-                      <a:endParaRPr sz="1000" b="1" i="0" spc="0">
-                        <a:solidFill>
-                          <a:schemeClr val="bg1"/>
-                        </a:solidFill>
-                        <a:latin typeface="Adobe Clean" panose="020B0503020404020204" pitchFamily="34" charset="0"/>
-                        <a:cs typeface="AdobeClean-Light"/>
-                      </a:endParaRPr>
                     </a:p>
                   </a:txBody>
                   <a:tcPr marL="0" marR="0" marT="58419" marB="0" anchor="ctr">
@@ -5852,7 +4332,7 @@
                         </a:spcBef>
                       </a:pPr>
                       <a:r>
-                        <a:rPr sz="900" spc="0">
+                        <a:rPr lang="it-IT" sz="900">
                           <a:solidFill>
                             <a:srgbClr val="020302"/>
                           </a:solidFill>
@@ -5861,10 +4341,6 @@
                         </a:rPr>
                         <a:t>Account Support Lead</a:t>
                       </a:r>
-                      <a:endParaRPr sz="900" spc="0">
-                        <a:latin typeface="AdobeClean-Light"/>
-                        <a:cs typeface="AdobeClean-Light"/>
-                      </a:endParaRPr>
                     </a:p>
                   </a:txBody>
                   <a:tcPr marL="0" marR="0" marT="58419" marB="0">
@@ -5899,7 +4375,7 @@
                     <a:bodyPr/>
                     <a:lstStyle/>
                     <a:p>
-                      <a:pPr algn="ctr">
+                      <a:pPr algn="l" rtl="0">
                         <a:lnSpc>
                           <a:spcPct val="100000"/>
                         </a:lnSpc>
@@ -5940,7 +4416,7 @@
                     <a:bodyPr/>
                     <a:lstStyle/>
                     <a:p>
-                      <a:pPr algn="ctr">
+                      <a:pPr algn="l" rtl="0">
                         <a:lnSpc>
                           <a:spcPct val="100000"/>
                         </a:lnSpc>
@@ -5983,7 +4459,7 @@
                     <a:bodyPr/>
                     <a:lstStyle/>
                     <a:p>
-                      <a:pPr marL="50800">
+                      <a:pPr marL="50800" algn="l" rtl="0">
                         <a:lnSpc>
                           <a:spcPct val="100000"/>
                         </a:lnSpc>
@@ -6029,7 +4505,7 @@
                         </a:spcBef>
                       </a:pPr>
                       <a:r>
-                        <a:rPr sz="900" spc="0">
+                        <a:rPr lang="it-IT" sz="900">
                           <a:solidFill>
                             <a:srgbClr val="020302"/>
                           </a:solidFill>
@@ -6038,10 +4514,6 @@
                         </a:rPr>
                         <a:t>Named Support Engineer</a:t>
                       </a:r>
-                      <a:endParaRPr sz="900" spc="0">
-                        <a:latin typeface="AdobeClean-Light"/>
-                        <a:cs typeface="AdobeClean-Light"/>
-                      </a:endParaRPr>
                     </a:p>
                   </a:txBody>
                   <a:tcPr marL="0" marR="0" marT="58419" marB="0">
@@ -6064,7 +4536,7 @@
                     <a:bodyPr/>
                     <a:lstStyle/>
                     <a:p>
-                      <a:pPr algn="ctr">
+                      <a:pPr algn="l" rtl="0">
                         <a:lnSpc>
                           <a:spcPct val="100000"/>
                         </a:lnSpc>
@@ -6111,7 +4583,7 @@
                         <a:defRPr/>
                       </a:pPr>
                       <a:r>
-                        <a:rPr lang="en-US" sz="900">
+                        <a:rPr lang="it-IT" sz="900">
                           <a:solidFill>
                             <a:srgbClr val="020302"/>
                           </a:solidFill>
@@ -6120,10 +4592,6 @@
                         </a:rPr>
                         <a:t></a:t>
                       </a:r>
-                      <a:endParaRPr lang="en-US" sz="900">
-                        <a:latin typeface="Wingdings"/>
-                        <a:cs typeface="Wingdings"/>
-                      </a:endParaRPr>
                     </a:p>
                   </a:txBody>
                   <a:tcPr marL="0" marR="0" marT="0" marB="0" anchor="ctr">
@@ -6146,7 +4614,7 @@
                     <a:bodyPr/>
                     <a:lstStyle/>
                     <a:p>
-                      <a:pPr marL="50800">
+                      <a:pPr marL="50800" algn="l" rtl="0">
                         <a:lnSpc>
                           <a:spcPct val="100000"/>
                         </a:lnSpc>
@@ -6204,7 +4672,7 @@
                         </a:spcBef>
                       </a:pPr>
                       <a:r>
-                        <a:rPr sz="900" spc="0">
+                        <a:rPr lang="it-IT" sz="900">
                           <a:solidFill>
                             <a:srgbClr val="020302"/>
                           </a:solidFill>
@@ -6213,10 +4681,6 @@
                         </a:rPr>
                         <a:t>Technical Account Manager</a:t>
                       </a:r>
-                      <a:endParaRPr sz="900" spc="0">
-                        <a:latin typeface="AdobeClean-Light"/>
-                        <a:cs typeface="AdobeClean-Light"/>
-                      </a:endParaRPr>
                     </a:p>
                   </a:txBody>
                   <a:tcPr marL="0" marR="0" marT="63500" marB="0">
@@ -6245,7 +4709,7 @@
                     <a:bodyPr/>
                     <a:lstStyle/>
                     <a:p>
-                      <a:pPr algn="ctr">
+                      <a:pPr algn="l" rtl="0">
                         <a:lnSpc>
                           <a:spcPct val="100000"/>
                         </a:lnSpc>
@@ -6283,7 +4747,7 @@
                     <a:bodyPr/>
                     <a:lstStyle/>
                     <a:p>
-                      <a:pPr algn="ctr">
+                      <a:pPr algn="l" rtl="0">
                         <a:lnSpc>
                           <a:spcPct val="100000"/>
                         </a:lnSpc>
@@ -6334,22 +4798,15 @@
                         </a:spcBef>
                       </a:pPr>
                       <a:r>
-                        <a:rPr lang="en-US" sz="1000" b="1" i="0" spc="0">
+                        <a:rPr lang="it-IT" sz="1000" b="1" i="0">
                           <a:solidFill>
                             <a:schemeClr val="bg1"/>
                           </a:solidFill>
                           <a:latin typeface="Adobe Clean" panose="020B0503020404020204" pitchFamily="34" charset="0"/>
                           <a:cs typeface="AdobeClean-Light"/>
                         </a:rPr>
-                        <a:t>Support Services</a:t>
+                        <a:t>Servizi di assistenza</a:t>
                       </a:r>
-                      <a:endParaRPr sz="1000" b="1" i="0" spc="0">
-                        <a:solidFill>
-                          <a:schemeClr val="bg1"/>
-                        </a:solidFill>
-                        <a:latin typeface="Adobe Clean" panose="020B0503020404020204" pitchFamily="34" charset="0"/>
-                        <a:cs typeface="AdobeClean-Light"/>
-                      </a:endParaRPr>
                     </a:p>
                   </a:txBody>
                   <a:tcPr marL="0" marR="0" marT="57150" marB="0" anchor="ctr">
@@ -6405,29 +4862,15 @@
                         </a:spcBef>
                       </a:pPr>
                       <a:r>
-                        <a:rPr lang="en-US" sz="900" spc="0">
+                        <a:rPr lang="it-IT" sz="900">
                           <a:solidFill>
                             <a:srgbClr val="020302"/>
                           </a:solidFill>
                           <a:latin typeface="AdobeClean-Light"/>
                           <a:cs typeface="AdobeClean-Light"/>
                         </a:rPr>
-                        <a:t>Online</a:t>
+                        <a:t>Supporto Online</a:t>
                       </a:r>
-                      <a:r>
-                        <a:rPr sz="900" spc="0">
-                          <a:solidFill>
-                            <a:srgbClr val="020302"/>
-                          </a:solidFill>
-                          <a:latin typeface="AdobeClean-Light"/>
-                          <a:cs typeface="AdobeClean-Light"/>
-                        </a:rPr>
-                        <a:t> Support</a:t>
-                      </a:r>
-                      <a:endParaRPr sz="900" spc="0">
-                        <a:latin typeface="AdobeClean-Light"/>
-                        <a:cs typeface="AdobeClean-Light"/>
-                      </a:endParaRPr>
                     </a:p>
                   </a:txBody>
                   <a:tcPr marL="0" marR="0" marT="57150" marB="0">
@@ -6465,39 +4908,15 @@
                         </a:spcBef>
                       </a:pPr>
                       <a:r>
-                        <a:rPr sz="900" spc="-25">
+                        <a:rPr lang="it-IT" sz="900">
                           <a:solidFill>
                             <a:srgbClr val="020302"/>
                           </a:solidFill>
                           <a:latin typeface="AdobeClean-Light"/>
                           <a:cs typeface="AdobeClean-Light"/>
                         </a:rPr>
-                        <a:t>Business</a:t>
+                        <a:t>Orario operativo</a:t>
                       </a:r>
-                      <a:r>
-                        <a:rPr sz="900" spc="-15">
-                          <a:solidFill>
-                            <a:srgbClr val="020302"/>
-                          </a:solidFill>
-                          <a:latin typeface="AdobeClean-Light"/>
-                          <a:cs typeface="AdobeClean-Light"/>
-                        </a:rPr>
-                        <a:t> </a:t>
-                      </a:r>
-                      <a:r>
-                        <a:rPr sz="900" spc="-30">
-                          <a:solidFill>
-                            <a:srgbClr val="020302"/>
-                          </a:solidFill>
-                          <a:latin typeface="AdobeClean-Light"/>
-                          <a:cs typeface="AdobeClean-Light"/>
-                        </a:rPr>
-                        <a:t>hours</a:t>
-                      </a:r>
-                      <a:endParaRPr sz="900">
-                        <a:latin typeface="AdobeClean-Light"/>
-                        <a:cs typeface="AdobeClean-Light"/>
-                      </a:endParaRPr>
                     </a:p>
                   </a:txBody>
                   <a:tcPr marL="0" marR="0" marT="67945" marB="0">
@@ -6536,7 +4955,7 @@
                         </a:spcBef>
                       </a:pPr>
                       <a:r>
-                        <a:rPr lang="en-US" sz="900" spc="-25">
+                        <a:rPr lang="it-IT" sz="900">
                           <a:solidFill>
                             <a:srgbClr val="020302"/>
                           </a:solidFill>
@@ -6545,10 +4964,6 @@
                         </a:rPr>
                         <a:t>24x5</a:t>
                       </a:r>
-                      <a:endParaRPr sz="900">
-                        <a:latin typeface="AdobeClean-Light"/>
-                        <a:cs typeface="AdobeClean-Light"/>
-                      </a:endParaRPr>
                     </a:p>
                   </a:txBody>
                   <a:tcPr marL="0" marR="0" marT="67945" marB="0">
@@ -6582,7 +4997,7 @@
                     <a:bodyPr/>
                     <a:lstStyle/>
                     <a:p>
-                      <a:pPr marL="50800">
+                      <a:pPr marL="50800" algn="l" rtl="0">
                         <a:lnSpc>
                           <a:spcPct val="100000"/>
                         </a:lnSpc>
@@ -6631,39 +5046,15 @@
                         </a:spcBef>
                       </a:pPr>
                       <a:r>
-                        <a:rPr sz="900" spc="0">
+                        <a:rPr lang="it-IT" sz="900">
                           <a:solidFill>
                             <a:srgbClr val="020302"/>
                           </a:solidFill>
                           <a:latin typeface="AdobeClean-Light"/>
                           <a:cs typeface="AdobeClean-Light"/>
                         </a:rPr>
-                        <a:t>24x7</a:t>
+                        <a:t>Supporto per problemi P1 24x7x365</a:t>
                       </a:r>
-                      <a:r>
-                        <a:rPr lang="en-US" sz="900" spc="0">
-                          <a:solidFill>
-                            <a:srgbClr val="020302"/>
-                          </a:solidFill>
-                          <a:latin typeface="AdobeClean-Light"/>
-                          <a:cs typeface="AdobeClean-Light"/>
-                        </a:rPr>
-                        <a:t>x365</a:t>
-                      </a:r>
-                      <a:r>
-                        <a:rPr sz="900" spc="0">
-                          <a:solidFill>
-                            <a:srgbClr val="020302"/>
-                          </a:solidFill>
-                          <a:latin typeface="AdobeClean-Light"/>
-                          <a:cs typeface="AdobeClean-Light"/>
-                        </a:rPr>
-                        <a:t> P1 Issue Support</a:t>
-                      </a:r>
-                      <a:endParaRPr sz="900" spc="0">
-                        <a:latin typeface="AdobeClean-Light"/>
-                        <a:cs typeface="AdobeClean-Light"/>
-                      </a:endParaRPr>
                     </a:p>
                   </a:txBody>
                   <a:tcPr marL="0" marR="0" marT="57785" marB="0">
@@ -6695,7 +5086,7 @@
                         </a:spcBef>
                       </a:pPr>
                       <a:r>
-                        <a:rPr sz="900">
+                        <a:rPr lang="it-IT" sz="900">
                           <a:solidFill>
                             <a:srgbClr val="020302"/>
                           </a:solidFill>
@@ -6704,10 +5095,6 @@
                         </a:rPr>
                         <a:t></a:t>
                       </a:r>
-                      <a:endParaRPr sz="900">
-                        <a:latin typeface="Wingdings"/>
-                        <a:cs typeface="Wingdings"/>
-                      </a:endParaRPr>
                     </a:p>
                   </a:txBody>
                   <a:tcPr marL="0" marR="0" marT="58419" marB="0">
@@ -6737,7 +5124,7 @@
                         </a:spcBef>
                       </a:pPr>
                       <a:r>
-                        <a:rPr sz="900">
+                        <a:rPr lang="it-IT" sz="900">
                           <a:solidFill>
                             <a:srgbClr val="020302"/>
                           </a:solidFill>
@@ -6746,10 +5133,6 @@
                         </a:rPr>
                         <a:t></a:t>
                       </a:r>
-                      <a:endParaRPr sz="900">
-                        <a:latin typeface="Wingdings"/>
-                        <a:cs typeface="Wingdings"/>
-                      </a:endParaRPr>
                     </a:p>
                   </a:txBody>
                   <a:tcPr marL="0" marR="0" marT="58419" marB="0">
@@ -6772,7 +5155,7 @@
                     <a:bodyPr/>
                     <a:lstStyle/>
                     <a:p>
-                      <a:pPr marL="50800">
+                      <a:pPr marL="50800" algn="l" rtl="0">
                         <a:lnSpc>
                           <a:spcPct val="100000"/>
                         </a:lnSpc>
@@ -6830,19 +5213,15 @@
                         </a:spcBef>
                       </a:pPr>
                       <a:r>
-                        <a:rPr lang="en-US" sz="900" spc="0">
+                        <a:rPr lang="it-IT" sz="900">
                           <a:solidFill>
                             <a:srgbClr val="020302"/>
                           </a:solidFill>
                           <a:latin typeface="AdobeClean-Light"/>
                           <a:cs typeface="AdobeClean-Light"/>
                         </a:rPr>
-                        <a:t>Named Support Contacts (per product)</a:t>
+                        <a:t>Contatti interni per il supporto (per prodotto)</a:t>
                       </a:r>
-                      <a:endParaRPr sz="900" spc="0">
-                        <a:latin typeface="AdobeClean-Light"/>
-                        <a:cs typeface="AdobeClean-Light"/>
-                      </a:endParaRPr>
                     </a:p>
                   </a:txBody>
                   <a:tcPr marL="0" marR="0" marT="57785" marB="0">
@@ -6880,7 +5259,7 @@
                         </a:spcBef>
                       </a:pPr>
                       <a:r>
-                        <a:rPr sz="900">
+                        <a:rPr lang="it-IT" sz="900">
                           <a:solidFill>
                             <a:srgbClr val="020302"/>
                           </a:solidFill>
@@ -6889,10 +5268,6 @@
                         </a:rPr>
                         <a:t>4</a:t>
                       </a:r>
-                      <a:endParaRPr sz="900">
-                        <a:latin typeface="AdobeClean-Light"/>
-                        <a:cs typeface="AdobeClean-Light"/>
-                      </a:endParaRPr>
                     </a:p>
                   </a:txBody>
                   <a:tcPr marL="0" marR="0" marT="57785" marB="0">
@@ -6922,7 +5297,7 @@
                         </a:spcBef>
                       </a:pPr>
                       <a:r>
-                        <a:rPr lang="en-US" sz="900">
+                        <a:rPr lang="it-IT" sz="900">
                           <a:solidFill>
                             <a:srgbClr val="020302"/>
                           </a:solidFill>
@@ -6931,10 +5306,6 @@
                         </a:rPr>
                         <a:t>10</a:t>
                       </a:r>
-                      <a:endParaRPr sz="900">
-                        <a:latin typeface="AdobeClean-Light"/>
-                        <a:cs typeface="AdobeClean-Light"/>
-                      </a:endParaRPr>
                     </a:p>
                   </a:txBody>
                   <a:tcPr marL="0" marR="0" marT="57785" marB="0">
@@ -6957,7 +5328,7 @@
                     <a:bodyPr/>
                     <a:lstStyle/>
                     <a:p>
-                      <a:pPr marL="50800">
+                      <a:pPr marL="50800" algn="l" rtl="0">
                         <a:lnSpc>
                           <a:spcPct val="100000"/>
                         </a:lnSpc>
@@ -7006,19 +5377,15 @@
                         </a:spcBef>
                       </a:pPr>
                       <a:r>
-                        <a:rPr lang="en-US" sz="900" spc="0">
+                        <a:rPr lang="it-IT" sz="900">
                           <a:solidFill>
                             <a:srgbClr val="020302"/>
                           </a:solidFill>
                           <a:latin typeface="AdobeClean-Light"/>
                           <a:cs typeface="AdobeClean-Light"/>
                         </a:rPr>
-                        <a:t>Live Telephone Support</a:t>
+                        <a:t>Supporto telefonico in diretta</a:t>
                       </a:r>
-                      <a:endParaRPr sz="900" spc="0">
-                        <a:latin typeface="AdobeClean-Light"/>
-                        <a:cs typeface="AdobeClean-Light"/>
-                      </a:endParaRPr>
                     </a:p>
                   </a:txBody>
                   <a:tcPr marL="0" marR="0" marT="57785" marB="0">
@@ -7041,7 +5408,7 @@
                     <a:bodyPr/>
                     <a:lstStyle/>
                     <a:p>
-                      <a:pPr algn="ctr">
+                      <a:pPr algn="l" rtl="0">
                         <a:lnSpc>
                           <a:spcPct val="100000"/>
                         </a:lnSpc>
@@ -7082,7 +5449,7 @@
                         </a:spcBef>
                       </a:pPr>
                       <a:r>
-                        <a:rPr sz="900">
+                        <a:rPr lang="it-IT" sz="900">
                           <a:solidFill>
                             <a:srgbClr val="020302"/>
                           </a:solidFill>
@@ -7091,10 +5458,6 @@
                         </a:rPr>
                         <a:t></a:t>
                       </a:r>
-                      <a:endParaRPr sz="900">
-                        <a:latin typeface="Wingdings"/>
-                        <a:cs typeface="Wingdings"/>
-                      </a:endParaRPr>
                     </a:p>
                   </a:txBody>
                   <a:tcPr marL="0" marR="0" marT="59054" marB="0">
@@ -7117,7 +5480,7 @@
                     <a:bodyPr/>
                     <a:lstStyle/>
                     <a:p>
-                      <a:pPr marL="50800">
+                      <a:pPr marL="50800" algn="l" rtl="0">
                         <a:lnSpc>
                           <a:spcPct val="100000"/>
                         </a:lnSpc>
@@ -7166,19 +5529,15 @@
                         </a:spcBef>
                       </a:pPr>
                       <a:r>
-                        <a:rPr sz="900" spc="0">
+                        <a:rPr lang="it-IT" sz="900" dirty="0">
                           <a:solidFill>
                             <a:srgbClr val="020302"/>
                           </a:solidFill>
                           <a:latin typeface="AdobeClean-Light"/>
                           <a:cs typeface="AdobeClean-Light"/>
                         </a:rPr>
-                        <a:t>Escalation Management</a:t>
+                        <a:t>Gestione delle escalation</a:t>
                       </a:r>
-                      <a:endParaRPr sz="900" spc="0">
-                        <a:latin typeface="AdobeClean-Light"/>
-                        <a:cs typeface="AdobeClean-Light"/>
-                      </a:endParaRPr>
                     </a:p>
                   </a:txBody>
                   <a:tcPr marL="0" marR="0" marT="58419" marB="0">
@@ -7201,7 +5560,7 @@
                     <a:bodyPr/>
                     <a:lstStyle/>
                     <a:p>
-                      <a:pPr algn="ctr">
+                      <a:pPr algn="l" rtl="0">
                         <a:lnSpc>
                           <a:spcPct val="100000"/>
                         </a:lnSpc>
@@ -7242,7 +5601,7 @@
                         </a:spcBef>
                       </a:pPr>
                       <a:r>
-                        <a:rPr sz="900">
+                        <a:rPr lang="it-IT" sz="900">
                           <a:solidFill>
                             <a:srgbClr val="020302"/>
                           </a:solidFill>
@@ -7251,10 +5610,6 @@
                         </a:rPr>
                         <a:t></a:t>
                       </a:r>
-                      <a:endParaRPr sz="900">
-                        <a:latin typeface="Wingdings"/>
-                        <a:cs typeface="Wingdings"/>
-                      </a:endParaRPr>
                     </a:p>
                   </a:txBody>
                   <a:tcPr marL="0" marR="0" marT="59690" marB="0">
@@ -7277,7 +5632,7 @@
                     <a:bodyPr/>
                     <a:lstStyle/>
                     <a:p>
-                      <a:pPr marL="50800">
+                      <a:pPr marL="50800" algn="l" rtl="0">
                         <a:lnSpc>
                           <a:spcPct val="100000"/>
                         </a:lnSpc>
@@ -7326,29 +5681,15 @@
                         </a:spcBef>
                       </a:pPr>
                       <a:r>
-                        <a:rPr sz="900" spc="0">
+                        <a:rPr lang="it-IT" sz="900">
                           <a:solidFill>
                             <a:srgbClr val="020302"/>
                           </a:solidFill>
                           <a:latin typeface="AdobeClean-Light"/>
                           <a:cs typeface="AdobeClean-Light"/>
                         </a:rPr>
-                        <a:t>Service Reviews </a:t>
+                        <a:t>Valutazioni dei servizi all’anno</a:t>
                       </a:r>
-                      <a:r>
-                        <a:rPr lang="en-US" sz="900" spc="0">
-                          <a:solidFill>
-                            <a:srgbClr val="020302"/>
-                          </a:solidFill>
-                          <a:latin typeface="AdobeClean-Light"/>
-                          <a:cs typeface="AdobeClean-Light"/>
-                        </a:rPr>
-                        <a:t>per Year</a:t>
-                      </a:r>
-                      <a:endParaRPr sz="900" spc="0">
-                        <a:latin typeface="AdobeClean-Light"/>
-                        <a:cs typeface="AdobeClean-Light"/>
-                      </a:endParaRPr>
                     </a:p>
                   </a:txBody>
                   <a:tcPr marL="0" marR="0" marT="57150" marB="0">
@@ -7371,7 +5712,7 @@
                     <a:bodyPr/>
                     <a:lstStyle/>
                     <a:p>
-                      <a:pPr>
+                      <a:pPr algn="l" rtl="0">
                         <a:lnSpc>
                           <a:spcPct val="100000"/>
                         </a:lnSpc>
@@ -7406,16 +5747,12 @@
                         </a:lnSpc>
                       </a:pPr>
                       <a:r>
-                        <a:rPr lang="en-US" sz="900">
+                        <a:rPr lang="it-IT" sz="900">
                           <a:latin typeface="Times New Roman"/>
                           <a:cs typeface="Times New Roman"/>
                         </a:rPr>
                         <a:t>2</a:t>
                       </a:r>
-                      <a:endParaRPr sz="900">
-                        <a:latin typeface="Times New Roman"/>
-                        <a:cs typeface="Times New Roman"/>
-                      </a:endParaRPr>
                     </a:p>
                   </a:txBody>
                   <a:tcPr marL="0" marR="0" marT="0" marB="0">
@@ -7457,16 +5794,12 @@
                         </a:spcBef>
                       </a:pPr>
                       <a:r>
-                        <a:rPr lang="en-US" sz="900" spc="0">
+                        <a:rPr lang="it-IT" sz="900">
                           <a:latin typeface="AdobeClean-Light"/>
                           <a:cs typeface="AdobeClean-Light"/>
                         </a:rPr>
-                        <a:t>Expert Sessions per Year</a:t>
+                        <a:t>Sessioni con esperti all’anno</a:t>
                       </a:r>
-                      <a:endParaRPr sz="900" spc="0">
-                        <a:latin typeface="AdobeClean-Light"/>
-                        <a:cs typeface="AdobeClean-Light"/>
-                      </a:endParaRPr>
                     </a:p>
                   </a:txBody>
                   <a:tcPr marL="0" marR="0" marT="57150" marB="0">
@@ -7495,7 +5828,7 @@
                     <a:bodyPr/>
                     <a:lstStyle/>
                     <a:p>
-                      <a:pPr>
+                      <a:pPr algn="l" rtl="0">
                         <a:lnSpc>
                           <a:spcPct val="100000"/>
                         </a:lnSpc>
@@ -7530,16 +5863,12 @@
                         </a:lnSpc>
                       </a:pPr>
                       <a:r>
-                        <a:rPr lang="en-US" sz="900">
+                        <a:rPr lang="it-IT" sz="900">
                           <a:latin typeface="Times New Roman"/>
                           <a:cs typeface="Times New Roman"/>
                         </a:rPr>
                         <a:t>2</a:t>
                       </a:r>
-                      <a:endParaRPr sz="900">
-                        <a:latin typeface="Times New Roman"/>
-                        <a:cs typeface="Times New Roman"/>
-                      </a:endParaRPr>
                     </a:p>
                   </a:txBody>
                   <a:tcPr marL="0" marR="0" marT="0" marB="0">
@@ -7581,16 +5910,12 @@
                         </a:spcBef>
                       </a:pPr>
                       <a:r>
-                        <a:rPr lang="en-US" sz="900" spc="0">
+                        <a:rPr lang="it-IT" sz="900">
                           <a:latin typeface="AdobeClean-Light"/>
                           <a:cs typeface="AdobeClean-Light"/>
                         </a:rPr>
-                        <a:t>Case Reviews</a:t>
+                        <a:t>Valutazione dei casi</a:t>
                       </a:r>
-                      <a:endParaRPr sz="900" spc="0">
-                        <a:latin typeface="AdobeClean-Light"/>
-                        <a:cs typeface="AdobeClean-Light"/>
-                      </a:endParaRPr>
                     </a:p>
                   </a:txBody>
                   <a:tcPr marL="0" marR="0" marT="57150" marB="0">
@@ -7619,7 +5944,7 @@
                     <a:bodyPr/>
                     <a:lstStyle/>
                     <a:p>
-                      <a:pPr>
+                      <a:pPr algn="l" rtl="0">
                         <a:lnSpc>
                           <a:spcPct val="100000"/>
                         </a:lnSpc>
@@ -7666,7 +5991,7 @@
                         <a:defRPr/>
                       </a:pPr>
                       <a:r>
-                        <a:rPr lang="en-US" sz="900">
+                        <a:rPr lang="it-IT" sz="900">
                           <a:solidFill>
                             <a:srgbClr val="020302"/>
                           </a:solidFill>
@@ -7675,10 +6000,6 @@
                         </a:rPr>
                         <a:t></a:t>
                       </a:r>
-                      <a:endParaRPr lang="en-US" sz="900">
-                        <a:latin typeface="Wingdings"/>
-                        <a:cs typeface="Wingdings"/>
-                      </a:endParaRPr>
                     </a:p>
                   </a:txBody>
                   <a:tcPr marL="0" marR="0" marT="0" marB="0">
@@ -7701,7 +6022,7 @@
                     <a:bodyPr/>
                     <a:lstStyle/>
                     <a:p>
-                      <a:pPr marL="48895">
+                      <a:pPr marL="48895" algn="l" rtl="0">
                         <a:lnSpc>
                           <a:spcPct val="100000"/>
                         </a:lnSpc>
@@ -7759,29 +6080,15 @@
                         </a:spcBef>
                       </a:pPr>
                       <a:r>
-                        <a:rPr sz="900" spc="0">
+                        <a:rPr lang="it-IT" sz="900">
                           <a:solidFill>
                             <a:srgbClr val="020302"/>
                           </a:solidFill>
                           <a:latin typeface="AdobeClean-Light"/>
                           <a:cs typeface="AdobeClean-Light"/>
                         </a:rPr>
-                        <a:t>Event </a:t>
+                        <a:t>Gestione degli eventi</a:t>
                       </a:r>
-                      <a:r>
-                        <a:rPr lang="en-US" sz="900" spc="0">
-                          <a:solidFill>
-                            <a:srgbClr val="020302"/>
-                          </a:solidFill>
-                          <a:latin typeface="AdobeClean-Light"/>
-                          <a:cs typeface="AdobeClean-Light"/>
-                        </a:rPr>
-                        <a:t>Management</a:t>
-                      </a:r>
-                      <a:endParaRPr sz="900" spc="0">
-                        <a:latin typeface="AdobeClean-Light"/>
-                        <a:cs typeface="AdobeClean-Light"/>
-                      </a:endParaRPr>
                     </a:p>
                   </a:txBody>
                   <a:tcPr marL="0" marR="0" marT="58419" marB="0">
@@ -7810,7 +6117,7 @@
                     <a:bodyPr/>
                     <a:lstStyle/>
                     <a:p>
-                      <a:pPr>
+                      <a:pPr algn="l" rtl="0">
                         <a:lnSpc>
                           <a:spcPct val="100000"/>
                         </a:lnSpc>
@@ -7839,7 +6146,7 @@
                     <a:bodyPr/>
                     <a:lstStyle/>
                     <a:p>
-                      <a:pPr>
+                      <a:pPr algn="l" rtl="0">
                         <a:lnSpc>
                           <a:spcPct val="100000"/>
                         </a:lnSpc>
@@ -7870,7 +6177,7 @@
                     <a:bodyPr/>
                     <a:lstStyle/>
                     <a:p>
-                      <a:pPr marL="48895">
+                      <a:pPr marL="48895" algn="l" rtl="0">
                         <a:lnSpc>
                           <a:spcPct val="100000"/>
                         </a:lnSpc>
@@ -7919,39 +6226,15 @@
                         </a:spcBef>
                       </a:pPr>
                       <a:r>
-                        <a:rPr sz="900" spc="0">
+                        <a:rPr lang="it-IT" sz="900">
                           <a:solidFill>
                             <a:srgbClr val="020302"/>
                           </a:solidFill>
                           <a:latin typeface="AdobeClean-Light"/>
                           <a:cs typeface="AdobeClean-Light"/>
                         </a:rPr>
-                        <a:t>Environment</a:t>
+                        <a:t>Valutazione ambiente, manutenzione e monitoraggio</a:t>
                       </a:r>
-                      <a:r>
-                        <a:rPr lang="en-US" sz="900" spc="0">
-                          <a:solidFill>
-                            <a:srgbClr val="020302"/>
-                          </a:solidFill>
-                          <a:latin typeface="AdobeClean-Light"/>
-                          <a:cs typeface="AdobeClean-Light"/>
-                        </a:rPr>
-                        <a:t> </a:t>
-                      </a:r>
-                      <a:r>
-                        <a:rPr sz="900" spc="0">
-                          <a:solidFill>
-                            <a:srgbClr val="020302"/>
-                          </a:solidFill>
-                          <a:latin typeface="AdobeClean-Light"/>
-                          <a:cs typeface="AdobeClean-Light"/>
-                        </a:rPr>
-                        <a:t>Review, Maintenance &amp; Monitoring</a:t>
-                      </a:r>
-                      <a:endParaRPr sz="900" spc="0">
-                        <a:latin typeface="AdobeClean-Light"/>
-                        <a:cs typeface="AdobeClean-Light"/>
-                      </a:endParaRPr>
                     </a:p>
                   </a:txBody>
                   <a:tcPr marL="0" marR="0" marT="59055" marB="0">
@@ -7974,7 +6257,7 @@
                     <a:bodyPr/>
                     <a:lstStyle/>
                     <a:p>
-                      <a:pPr>
+                      <a:pPr algn="l" rtl="0">
                         <a:lnSpc>
                           <a:spcPct val="100000"/>
                         </a:lnSpc>
@@ -8003,7 +6286,7 @@
                     <a:bodyPr/>
                     <a:lstStyle/>
                     <a:p>
-                      <a:pPr>
+                      <a:pPr algn="l" rtl="0">
                         <a:lnSpc>
                           <a:spcPct val="100000"/>
                         </a:lnSpc>
@@ -8034,7 +6317,7 @@
                     <a:bodyPr/>
                     <a:lstStyle/>
                     <a:p>
-                      <a:pPr marL="49530">
+                      <a:pPr marL="49530" algn="l" rtl="0">
                         <a:lnSpc>
                           <a:spcPct val="100000"/>
                         </a:lnSpc>
@@ -8083,19 +6366,34 @@
                         </a:spcBef>
                       </a:pPr>
                       <a:r>
-                        <a:rPr sz="900" spc="0">
+                        <a:rPr lang="it-IT" sz="900" dirty="0">
                           <a:solidFill>
                             <a:srgbClr val="020302"/>
                           </a:solidFill>
                           <a:latin typeface="AdobeClean-Light"/>
                           <a:cs typeface="AdobeClean-Light"/>
                         </a:rPr>
-                        <a:t>Release, Migration, Upgrade &amp; Product Roadmap Review</a:t>
+                        <a:t>Valutazione della roadmap di prodotti, versioni, migrazione </a:t>
                       </a:r>
-                      <a:endParaRPr sz="900" spc="0">
-                        <a:latin typeface="AdobeClean-Light"/>
-                        <a:cs typeface="AdobeClean-Light"/>
-                      </a:endParaRPr>
+                      <a:br>
+                        <a:rPr lang="sk-SK" sz="900" dirty="0">
+                          <a:solidFill>
+                            <a:srgbClr val="020302"/>
+                          </a:solidFill>
+                          <a:latin typeface="AdobeClean-Light"/>
+                          <a:cs typeface="AdobeClean-Light"/>
+                        </a:rPr>
+                      </a:br>
+                      <a:r>
+                        <a:rPr lang="it-IT" sz="900" dirty="0">
+                          <a:solidFill>
+                            <a:srgbClr val="020302"/>
+                          </a:solidFill>
+                          <a:latin typeface="AdobeClean-Light"/>
+                          <a:cs typeface="AdobeClean-Light"/>
+                        </a:rPr>
+                        <a:t>e aggiornamento</a:t>
+                      </a:r>
                     </a:p>
                   </a:txBody>
                   <a:tcPr marL="0" marR="0" marT="63500" marB="0">
@@ -8118,7 +6416,7 @@
                     <a:bodyPr/>
                     <a:lstStyle/>
                     <a:p>
-                      <a:pPr>
+                      <a:pPr algn="l" rtl="0">
                         <a:lnSpc>
                           <a:spcPct val="100000"/>
                         </a:lnSpc>
@@ -8147,7 +6445,7 @@
                     <a:bodyPr/>
                     <a:lstStyle/>
                     <a:p>
-                      <a:pPr>
+                      <a:pPr algn="l" rtl="0">
                         <a:lnSpc>
                           <a:spcPct val="100000"/>
                         </a:lnSpc>
@@ -8178,7 +6476,7 @@
                     <a:bodyPr/>
                     <a:lstStyle/>
                     <a:p>
-                      <a:pPr marL="49530">
+                      <a:pPr marL="49530" algn="l" rtl="0">
                         <a:lnSpc>
                           <a:spcPct val="100000"/>
                         </a:lnSpc>
@@ -8236,11 +6534,11 @@
                         </a:spcBef>
                       </a:pPr>
                       <a:r>
-                        <a:rPr sz="900" spc="0">
+                        <a:rPr lang="it-IT" sz="900">
                           <a:latin typeface="AdobeClean-Light"/>
                           <a:cs typeface="AdobeClean-Light"/>
                         </a:rPr>
-                        <a:t>Cloud Support Activities – Experience Manager as Cloud</a:t>
+                        <a:t>Attività di supporto cloud - Experience Manager as Cloud</a:t>
                       </a:r>
                     </a:p>
                   </a:txBody>
@@ -8270,7 +6568,7 @@
                     <a:bodyPr/>
                     <a:lstStyle/>
                     <a:p>
-                      <a:pPr>
+                      <a:pPr algn="l" rtl="0">
                         <a:lnSpc>
                           <a:spcPct val="100000"/>
                         </a:lnSpc>
@@ -8326,7 +6624,7 @@
                         <a:defRPr/>
                       </a:pPr>
                       <a:r>
-                        <a:rPr lang="en-US" sz="900">
+                        <a:rPr lang="it-IT" sz="900">
                           <a:solidFill>
                             <a:srgbClr val="020302"/>
                           </a:solidFill>
@@ -8335,13 +6633,9 @@
                         </a:rPr>
                         <a:t></a:t>
                       </a:r>
-                      <a:endParaRPr lang="en-US" sz="900">
-                        <a:latin typeface="Wingdings"/>
-                        <a:cs typeface="Wingdings"/>
-                      </a:endParaRPr>
                     </a:p>
                     <a:p>
-                      <a:pPr marL="0" marR="0" lvl="0" indent="0" algn="ctr" defTabSz="914400" eaLnBrk="1" fontAlgn="auto" latinLnBrk="0" hangingPunct="1">
+                      <a:pPr marL="0" marR="0" lvl="0" indent="0" algn="l" defTabSz="914400" rtl="0" eaLnBrk="1" fontAlgn="auto" latinLnBrk="0" hangingPunct="1">
                         <a:lnSpc>
                           <a:spcPct val="100000"/>
                         </a:lnSpc>
@@ -8404,22 +6698,15 @@
                         </a:spcBef>
                       </a:pPr>
                       <a:r>
-                        <a:rPr lang="en-US" sz="1000" b="1" i="0" spc="0">
+                        <a:rPr lang="it-IT" sz="1000" b="1" i="0">
                           <a:solidFill>
                             <a:schemeClr val="bg1"/>
                           </a:solidFill>
                           <a:latin typeface="Adobe Clean" panose="020B0503020404020204" pitchFamily="34" charset="0"/>
                           <a:cs typeface="AdobeClean-Light"/>
                         </a:rPr>
-                        <a:t>Field Services</a:t>
+                        <a:t>Servizi sul campo</a:t>
                       </a:r>
-                      <a:endParaRPr sz="1000" b="1" i="0" spc="0">
-                        <a:solidFill>
-                          <a:schemeClr val="bg1"/>
-                        </a:solidFill>
-                        <a:latin typeface="Adobe Clean" panose="020B0503020404020204" pitchFamily="34" charset="0"/>
-                        <a:cs typeface="AdobeClean-Light"/>
-                      </a:endParaRPr>
                     </a:p>
                   </a:txBody>
                   <a:tcPr marL="0" marR="0" marT="48260" marB="0" anchor="ctr">
@@ -8472,14 +6759,14 @@
                         </a:spcBef>
                       </a:pPr>
                       <a:r>
-                        <a:rPr sz="900" spc="0">
+                        <a:rPr lang="it-IT" sz="900">
                           <a:solidFill>
                             <a:srgbClr val="020302"/>
                           </a:solidFill>
                           <a:latin typeface="AdobeClean-Light"/>
                           <a:cs typeface="AdobeClean-Light"/>
                         </a:rPr>
-                        <a:t>Launch Advisory Services – First Year of new solution</a:t>
+                        <a:t>Launch Advisory - Nel primo anno di nuove soluzioni</a:t>
                       </a:r>
                     </a:p>
                   </a:txBody>
@@ -8519,7 +6806,7 @@
                     <a:bodyPr/>
                     <a:lstStyle/>
                     <a:p>
-                      <a:pPr>
+                      <a:pPr algn="l" rtl="0">
                         <a:lnSpc>
                           <a:spcPct val="100000"/>
                         </a:lnSpc>
@@ -8575,7 +6862,7 @@
                         <a:defRPr/>
                       </a:pPr>
                       <a:r>
-                        <a:rPr lang="en-US" sz="900">
+                        <a:rPr lang="it-IT" sz="900">
                           <a:solidFill>
                             <a:srgbClr val="020302"/>
                           </a:solidFill>
@@ -8584,10 +6871,6 @@
                         </a:rPr>
                         <a:t></a:t>
                       </a:r>
-                      <a:endParaRPr lang="en-US" sz="900">
-                        <a:latin typeface="Wingdings"/>
-                        <a:cs typeface="Wingdings"/>
-                      </a:endParaRPr>
                     </a:p>
                   </a:txBody>
                   <a:tcPr marL="0" marR="0" marT="0" marB="0">
@@ -8708,7 +6991,7 @@
                         <a:defRPr/>
                       </a:pPr>
                       <a:r>
-                        <a:rPr lang="en-US" sz="900">
+                        <a:rPr lang="it-IT" sz="900">
                           <a:solidFill>
                             <a:srgbClr val="020302"/>
                           </a:solidFill>
@@ -8717,10 +7000,6 @@
                         </a:rPr>
                         <a:t></a:t>
                       </a:r>
-                      <a:endParaRPr lang="en-US" sz="900">
-                        <a:latin typeface="Wingdings"/>
-                        <a:cs typeface="Wingdings"/>
-                      </a:endParaRPr>
                     </a:p>
                   </a:txBody>
                   <a:tcPr marL="0" marR="0" marT="0" marB="0">
@@ -8777,11 +7056,11 @@
                         <a:defRPr/>
                       </a:pPr>
                       <a:r>
-                        <a:rPr lang="en-US" sz="900" spc="0">
+                        <a:rPr lang="it-IT" sz="900" dirty="0">
                           <a:latin typeface="AdobeClean-Light"/>
                           <a:cs typeface="AdobeClean-Light"/>
                         </a:rPr>
-                        <a:t>Field Service Activities </a:t>
+                        <a:t>Attività di servizio sul campo </a:t>
                       </a:r>
                     </a:p>
                   </a:txBody>
@@ -8940,152 +7219,15 @@
               </a:tabLst>
             </a:pPr>
             <a:r>
-              <a:rPr sz="1000" spc="-20">
+              <a:rPr lang="it-IT" sz="1000" dirty="0">
                 <a:solidFill>
                   <a:srgbClr val="020302"/>
                 </a:solidFill>
                 <a:latin typeface="AdobeClean-Light"/>
                 <a:cs typeface="AdobeClean-Light"/>
               </a:rPr>
-              <a:t>Start </a:t>
-            </a:r>
-            <a:r>
-              <a:rPr sz="1000">
-                <a:solidFill>
-                  <a:srgbClr val="020302"/>
-                </a:solidFill>
-                <a:latin typeface="AdobeClean-Light"/>
-                <a:cs typeface="AdobeClean-Light"/>
-              </a:rPr>
-              <a:t>a </a:t>
-            </a:r>
-            <a:r>
-              <a:rPr sz="1000" spc="-15">
-                <a:solidFill>
-                  <a:srgbClr val="020302"/>
-                </a:solidFill>
-                <a:latin typeface="AdobeClean-Light"/>
-                <a:cs typeface="AdobeClean-Light"/>
-              </a:rPr>
-              <a:t>chat </a:t>
-            </a:r>
-            <a:r>
-              <a:rPr sz="1000" spc="-10">
-                <a:solidFill>
-                  <a:srgbClr val="020302"/>
-                </a:solidFill>
-                <a:latin typeface="AdobeClean-Light"/>
-                <a:cs typeface="AdobeClean-Light"/>
-              </a:rPr>
-              <a:t>session </a:t>
-            </a:r>
-            <a:r>
-              <a:rPr sz="1000" spc="-5">
-                <a:solidFill>
-                  <a:srgbClr val="020302"/>
-                </a:solidFill>
-                <a:latin typeface="AdobeClean-Light"/>
-                <a:cs typeface="AdobeClean-Light"/>
-              </a:rPr>
-              <a:t>to </a:t>
-            </a:r>
-            <a:r>
-              <a:rPr sz="1000" spc="-10">
-                <a:solidFill>
-                  <a:srgbClr val="020302"/>
-                </a:solidFill>
-                <a:latin typeface="AdobeClean-Light"/>
-                <a:cs typeface="AdobeClean-Light"/>
-              </a:rPr>
-              <a:t>get </a:t>
-            </a:r>
-            <a:r>
-              <a:rPr sz="1000" spc="-20">
-                <a:solidFill>
-                  <a:srgbClr val="020302"/>
-                </a:solidFill>
-                <a:latin typeface="AdobeClean-Light"/>
-                <a:cs typeface="AdobeClean-Light"/>
-              </a:rPr>
-              <a:t>answers</a:t>
-            </a:r>
-            <a:r>
-              <a:rPr lang="en-US" sz="1000" spc="-45">
-                <a:solidFill>
-                  <a:srgbClr val="020302"/>
-                </a:solidFill>
-                <a:latin typeface="AdobeClean-Light"/>
-                <a:cs typeface="AdobeClean-Light"/>
-              </a:rPr>
-              <a:t> </a:t>
-            </a:r>
-            <a:r>
-              <a:rPr lang="en-US" sz="1000">
-                <a:solidFill>
-                  <a:srgbClr val="020302"/>
-                </a:solidFill>
-                <a:latin typeface="AdobeClean-Light"/>
-                <a:cs typeface="AdobeClean-Light"/>
-              </a:rPr>
-              <a:t>&amp; </a:t>
-            </a:r>
-            <a:r>
-              <a:rPr sz="1000" spc="-15">
-                <a:solidFill>
-                  <a:srgbClr val="020302"/>
-                </a:solidFill>
-                <a:latin typeface="AdobeClean-Light"/>
-                <a:cs typeface="AdobeClean-Light"/>
-              </a:rPr>
-              <a:t>help </a:t>
-            </a:r>
-            <a:r>
-              <a:rPr sz="1000" spc="-10">
-                <a:solidFill>
-                  <a:srgbClr val="020302"/>
-                </a:solidFill>
-                <a:latin typeface="AdobeClean-Light"/>
-                <a:cs typeface="AdobeClean-Light"/>
-              </a:rPr>
-              <a:t>with</a:t>
-            </a:r>
-            <a:r>
-              <a:rPr sz="1000" spc="85">
-                <a:solidFill>
-                  <a:srgbClr val="020302"/>
-                </a:solidFill>
-                <a:latin typeface="AdobeClean-Light"/>
-                <a:cs typeface="AdobeClean-Light"/>
-              </a:rPr>
-              <a:t> </a:t>
-            </a:r>
-            <a:r>
-              <a:rPr sz="1000" spc="-10">
-                <a:solidFill>
-                  <a:srgbClr val="020302"/>
-                </a:solidFill>
-                <a:latin typeface="AdobeClean-Light"/>
-                <a:cs typeface="AdobeClean-Light"/>
-              </a:rPr>
-              <a:t>case </a:t>
-            </a:r>
-            <a:r>
-              <a:rPr sz="1000" spc="-20">
-                <a:solidFill>
-                  <a:srgbClr val="020302"/>
-                </a:solidFill>
-                <a:latin typeface="AdobeClean-Light"/>
-                <a:cs typeface="AdobeClean-Light"/>
-              </a:rPr>
-              <a:t>submission</a:t>
-            </a:r>
-            <a:endParaRPr lang="en-US" sz="1000" spc="-20">
-              <a:solidFill>
-                <a:srgbClr val="020302"/>
-              </a:solidFill>
-              <a:latin typeface="AdobeClean-Light"/>
-              <a:cs typeface="AdobeClean-Light"/>
-            </a:endParaRPr>
+              <a:t>Avvia una sessione di chat per ottenere risposte e assistenza nell’invio di un caso.</a:t>
+            </a:r>
           </a:p>
           <a:p>
             <a:pPr marL="33020" marR="159385">
@@ -9100,27 +7242,17 @@
               </a:tabLst>
             </a:pPr>
             <a:r>
-              <a:rPr sz="1000" i="1" spc="-10">
+              <a:rPr lang="it-IT" sz="1000" i="1" dirty="0">
                 <a:solidFill>
                   <a:srgbClr val="7A7A7A"/>
                 </a:solidFill>
                 <a:latin typeface="AdobeClean-LightIt"/>
                 <a:cs typeface="AdobeClean-LightIt"/>
               </a:rPr>
-              <a:t>*Not all </a:t>
-            </a:r>
-            <a:r>
-              <a:rPr sz="1000" i="1" spc="-20">
-                <a:solidFill>
-                  <a:srgbClr val="7A7A7A"/>
-                </a:solidFill>
-                <a:latin typeface="AdobeClean-LightIt"/>
-                <a:cs typeface="AdobeClean-LightIt"/>
-              </a:rPr>
-              <a:t>products have live chat support</a:t>
-            </a:r>
-            <a:r>
-              <a:rPr sz="900" i="1" spc="-20">
+              <a:t>* Il supporto chat in diretta non è disponibile per tutti i prodotti</a:t>
+            </a:r>
+            <a:r>
+              <a:rPr lang="it-IT" sz="900" i="1" dirty="0">
                 <a:solidFill>
                   <a:srgbClr val="7A7A7A"/>
                 </a:solidFill>
@@ -9129,10 +7261,6 @@
               </a:rPr>
               <a:t>.  </a:t>
             </a:r>
-            <a:endParaRPr sz="900">
-              <a:latin typeface="AdobeClean-Light"/>
-              <a:cs typeface="AdobeClean-Light"/>
-            </a:endParaRPr>
           </a:p>
         </p:txBody>
       </p:sp>
@@ -9179,12 +7307,12 @@
               <a:defRPr/>
             </a:pPr>
             <a:r>
-              <a:rPr lang="en-US" sz="1200">
+              <a:rPr lang="it-IT" sz="1200">
                 <a:solidFill>
                   <a:srgbClr val="000000"/>
                 </a:solidFill>
               </a:rPr>
-              <a:t>Community Forums</a:t>
+              <a:t>Forum della community</a:t>
             </a:r>
           </a:p>
         </p:txBody>
@@ -9227,12 +7355,12 @@
               </a:spcAft>
             </a:pPr>
             <a:r>
-              <a:rPr lang="en-US" sz="1200" b="1">
+              <a:rPr lang="it-IT" sz="1200" b="1">
                 <a:latin typeface="+mj-lt"/>
                 <a:ea typeface="Open Sans" pitchFamily="34" charset="0"/>
                 <a:cs typeface="Open Sans" pitchFamily="34" charset="0"/>
               </a:rPr>
-              <a:t>Online Forums</a:t>
+              <a:t>Forum online</a:t>
             </a:r>
           </a:p>
         </p:txBody>
@@ -9265,13 +7393,13 @@
           <a:lstStyle/>
           <a:p>
             <a:r>
-              <a:rPr lang="en-US" sz="1000">
+              <a:rPr lang="it-IT" sz="1000" dirty="0">
                 <a:solidFill>
                   <a:srgbClr val="4B4B4B"/>
                 </a:solidFill>
                 <a:latin typeface="Adobe Clean Light" panose="020B0303020404020204" pitchFamily="34" charset="0"/>
               </a:rPr>
-              <a:t>Continuous online access to a growing database of technical solutions, product documentation, FAQs and more. Connect with practitioners and other customers on Adobe Community to share best practices and lessons learned</a:t>
+              <a:t>Accesso online continuo a un database in continua crescita di soluzioni tecniche, documentazione del prodotto, risposte alle domande più frequenti e altro ancora. Possibilità di relazionarsi con professionisti e altri clienti della Community Adobe per condividere best practice ed esperienze.</a:t>
             </a:r>
           </a:p>
         </p:txBody>
@@ -9319,7 +7447,7 @@
               <a:defRPr/>
             </a:pPr>
             <a:r>
-              <a:rPr lang="en-US" sz="1200">
+              <a:rPr lang="it-IT" sz="1200">
                 <a:solidFill>
                   <a:srgbClr val="000000"/>
                 </a:solidFill>
@@ -9367,12 +7495,12 @@
               </a:spcAft>
             </a:pPr>
             <a:r>
-              <a:rPr lang="en-US" sz="1200" b="1">
+              <a:rPr lang="it-IT" sz="1200" b="1">
                 <a:latin typeface="+mj-lt"/>
                 <a:ea typeface="Open Sans" pitchFamily="34" charset="0"/>
                 <a:cs typeface="Open Sans" pitchFamily="34" charset="0"/>
               </a:rPr>
-              <a:t>Self-guided Journeys</a:t>
+              <a:t>Percorsi autoguidati</a:t>
             </a:r>
           </a:p>
         </p:txBody>
@@ -9391,8 +7519,8 @@
         </p:nvSpPr>
         <p:spPr>
           <a:xfrm>
-            <a:off x="5265661" y="7060285"/>
-            <a:ext cx="2194560" cy="1113125"/>
+            <a:off x="5265660" y="7060285"/>
+            <a:ext cx="2506739" cy="1267014"/>
           </a:xfrm>
           <a:prstGeom prst="rect">
             <a:avLst/>
@@ -9405,13 +7533,13 @@
           <a:lstStyle/>
           <a:p>
             <a:r>
-              <a:rPr lang="en-US" sz="1000">
+              <a:rPr lang="it-IT" sz="1000" dirty="0">
                 <a:solidFill>
                   <a:srgbClr val="4B4B4B"/>
                 </a:solidFill>
                 <a:latin typeface="Adobe Clean Light" panose="020B0303020404020204" pitchFamily="34" charset="0"/>
               </a:rPr>
-              <a:t>Experience Makers are made with Experience League. Customers can kickstart their Customer Experience Management abilities with personalized learning to develop skills, engage with a global community of peers, and earn career advancing recognition</a:t>
+              <a:t>Diventa un Experience Maker con Experience League. Puoi acquisire rapidamente le capacità necessarie nella gestione della customer experience seguendo un percorso di apprendimento personalizzato per sviluppare nuove competenze, partecipare a una comunità globale di professionisti e guadagnare riconoscimenti di valore sul piano professionale.</a:t>
             </a:r>
           </a:p>
         </p:txBody>
@@ -9459,12 +7587,12 @@
               <a:defRPr/>
             </a:pPr>
             <a:r>
-              <a:rPr lang="en-US" sz="1200">
+              <a:rPr lang="it-IT" sz="1200">
                 <a:solidFill>
                   <a:srgbClr val="000000"/>
                 </a:solidFill>
               </a:rPr>
-              <a:t>Live Chat  Support*</a:t>
+              <a:t>Supporto chat in diretta*</a:t>
             </a:r>
           </a:p>
         </p:txBody>
@@ -9507,12 +7635,12 @@
               </a:spcAft>
             </a:pPr>
             <a:r>
-              <a:rPr lang="en-US" sz="1200" b="1">
+              <a:rPr lang="it-IT" sz="1200" b="1">
                 <a:latin typeface="+mj-lt"/>
                 <a:ea typeface="Open Sans" pitchFamily="34" charset="0"/>
                 <a:cs typeface="Open Sans" pitchFamily="34" charset="0"/>
               </a:rPr>
-              <a:t>Chat Support</a:t>
+              <a:t>Supporto chat</a:t>
             </a:r>
           </a:p>
         </p:txBody>
@@ -9560,12 +7688,12 @@
               <a:defRPr/>
             </a:pPr>
             <a:r>
-              <a:rPr lang="en-US" sz="1200">
+              <a:rPr lang="it-IT" sz="1200">
                 <a:solidFill>
                   <a:srgbClr val="000000"/>
                 </a:solidFill>
               </a:rPr>
-              <a:t>24X7 P1 </a:t>
+              <a:t>24x7 P1 </a:t>
             </a:r>
           </a:p>
         </p:txBody>
@@ -9608,12 +7736,12 @@
               </a:spcAft>
             </a:pPr>
             <a:r>
-              <a:rPr lang="en-US" sz="1200" b="1">
+              <a:rPr lang="it-IT" sz="1200" b="1">
                 <a:latin typeface="+mj-lt"/>
                 <a:ea typeface="Open Sans" pitchFamily="34" charset="0"/>
                 <a:cs typeface="Open Sans" pitchFamily="34" charset="0"/>
               </a:rPr>
-              <a:t>Phone  Support</a:t>
+              <a:t>Supporto telefonico</a:t>
             </a:r>
           </a:p>
         </p:txBody>
@@ -9646,35 +7774,29 @@
           <a:lstStyle/>
           <a:p>
             <a:r>
-              <a:rPr lang="en-US" sz="1000">
+              <a:rPr lang="it-IT" sz="1000">
                 <a:solidFill>
                   <a:srgbClr val="020302"/>
                 </a:solidFill>
                 <a:latin typeface="AdobeClean-Light"/>
               </a:rPr>
-              <a:t>Authorized users or </a:t>
-            </a:r>
-            <a:r>
-              <a:rPr lang="en-US" sz="1000" b="1">
+              <a:t>Gli utenti autorizzati o i </a:t>
+            </a:r>
+            <a:r>
+              <a:rPr lang="it-IT" sz="1000" b="1">
                 <a:solidFill>
                   <a:srgbClr val="020302"/>
                 </a:solidFill>
                 <a:latin typeface="AdobeClean-Light"/>
               </a:rPr>
-              <a:t>Named Support Contacts </a:t>
-            </a:r>
-            <a:r>
-              <a:rPr lang="en-US" sz="1000">
+              <a:t>contatti interni per il supporto</a:t>
+            </a:r>
+            <a:r>
+              <a:rPr lang="it-IT" sz="1000">
                 <a:latin typeface="Adobe Clean Light" panose="020B0303020404020204" pitchFamily="34" charset="0"/>
               </a:rPr>
-              <a:t>can submit issues through all available  channels (including phone for P1) and interact with our technical support team on behalf of your company. </a:t>
-            </a:r>
-            <a:endParaRPr lang="en-US" sz="1000">
-              <a:solidFill>
-                <a:srgbClr val="000000"/>
-              </a:solidFill>
-              <a:latin typeface="Adobe Clean Light" panose="020B0303020404020204" pitchFamily="34" charset="0"/>
-            </a:endParaRPr>
+              <a:t> possono segnalare i problemi tramite tutti i canali disponibili (compreso il supporto telefonico per casi P1) e interagire con il team Adobe di assistenza tecnica per conto della tua azienda. </a:t>
+            </a:r>
           </a:p>
         </p:txBody>
       </p:sp>
@@ -9762,19 +7884,15 @@
               </a:spcBef>
             </a:pPr>
             <a:r>
-              <a:rPr lang="en-US" sz="1400" b="1" spc="-10">
+              <a:rPr lang="it-IT" sz="1400" b="1">
                 <a:solidFill>
                   <a:srgbClr val="020302"/>
                 </a:solidFill>
                 <a:latin typeface="Adobe Clean"/>
                 <a:cs typeface="Adobe Clean"/>
               </a:rPr>
-              <a:t>Online Support Features</a:t>
-            </a:r>
-            <a:endParaRPr lang="en-US" sz="1400">
-              <a:latin typeface="Adobe Clean"/>
-              <a:cs typeface="Adobe Clean"/>
-            </a:endParaRPr>
+              <a:t>Caratteristiche del supporto online</a:t>
+            </a:r>
           </a:p>
         </p:txBody>
       </p:sp>
@@ -9821,7 +7939,7 @@
               <a:defRPr/>
             </a:pPr>
             <a:r>
-              <a:rPr lang="en-US" sz="1200">
+              <a:rPr lang="it-IT" sz="1200">
                 <a:solidFill>
                   <a:srgbClr val="000000"/>
                 </a:solidFill>
@@ -9869,12 +7987,12 @@
               </a:spcAft>
             </a:pPr>
             <a:r>
-              <a:rPr lang="en-US" sz="1200" b="1">
+              <a:rPr lang="it-IT" sz="1200" b="1">
                 <a:latin typeface="+mj-lt"/>
                 <a:ea typeface="Open Sans" pitchFamily="34" charset="0"/>
                 <a:cs typeface="Open Sans" pitchFamily="34" charset="0"/>
               </a:rPr>
-              <a:t>Webinars</a:t>
+              <a:t>Webinar</a:t>
             </a:r>
           </a:p>
         </p:txBody>
@@ -9893,8 +8011,8 @@
         </p:nvSpPr>
         <p:spPr>
           <a:xfrm>
-            <a:off x="355868" y="8986613"/>
-            <a:ext cx="2194560" cy="805349"/>
+            <a:off x="355867" y="8986613"/>
+            <a:ext cx="2480131" cy="805349"/>
           </a:xfrm>
           <a:prstGeom prst="rect">
             <a:avLst/>
@@ -9907,13 +8025,13 @@
           <a:lstStyle/>
           <a:p>
             <a:r>
-              <a:rPr lang="en-US" sz="1000">
+              <a:rPr lang="it-IT" sz="1000" dirty="0">
                 <a:solidFill>
                   <a:srgbClr val="4B4B4B"/>
                 </a:solidFill>
                 <a:latin typeface="Adobe Clean Light" panose="020B0303020404020204" pitchFamily="34" charset="0"/>
               </a:rPr>
-              <a:t>Office Hours led by the Adobe Customer Support team includes sessions designed to inform as well as help participants troubleshoot problems and provide tips and tricks for success with Adobe solutions. </a:t>
+              <a:t>Le sessioni Office Hours, guidate dal team di Assistenza clienti di Adobe, sono pensate per informare e aiutare i partecipanti a risolvere eventuali problemi e forniscono suggerimenti utili per ottenere il massimo dalle soluzioni Adobe. </a:t>
             </a:r>
           </a:p>
         </p:txBody>
@@ -9961,12 +8079,12 @@
               <a:defRPr/>
             </a:pPr>
             <a:r>
-              <a:rPr lang="en-US" sz="1200">
+              <a:rPr lang="it-IT" sz="1200">
                 <a:solidFill>
                   <a:srgbClr val="000000"/>
                 </a:solidFill>
               </a:rPr>
-              <a:t>Self-help Portals</a:t>
+              <a:t>Portali di assistenza autonoma</a:t>
             </a:r>
           </a:p>
         </p:txBody>
@@ -10009,12 +8127,12 @@
               </a:spcAft>
             </a:pPr>
             <a:r>
-              <a:rPr lang="en-US" sz="1200" b="1">
+              <a:rPr lang="it-IT" sz="1200" b="1">
                 <a:latin typeface="+mj-lt"/>
                 <a:ea typeface="Open Sans" pitchFamily="34" charset="0"/>
                 <a:cs typeface="Open Sans" pitchFamily="34" charset="0"/>
               </a:rPr>
-              <a:t>24/7 Support Portal</a:t>
+              <a:t>Portale di supporto 24/7</a:t>
             </a:r>
           </a:p>
         </p:txBody>
@@ -10047,30 +8165,13 @@
           <a:lstStyle/>
           <a:p>
             <a:r>
-              <a:rPr lang="en-US" sz="1000">
+              <a:rPr lang="it-IT" sz="1000" dirty="0">
                 <a:solidFill>
                   <a:srgbClr val="4B4B4B"/>
                 </a:solidFill>
                 <a:latin typeface="Adobe Clean Light" panose="020B0303020404020204" pitchFamily="34" charset="0"/>
               </a:rPr>
-              <a:t>On-demand access to the online </a:t>
-            </a:r>
-            <a:br>
-              <a:rPr lang="en-US" sz="1000">
-                <a:solidFill>
-                  <a:srgbClr val="4B4B4B"/>
-                </a:solidFill>
-                <a:latin typeface="Adobe Clean Light" panose="020B0303020404020204" pitchFamily="34" charset="0"/>
-              </a:rPr>
-            </a:br>
-            <a:r>
-              <a:rPr lang="en-US" sz="1000">
-                <a:solidFill>
-                  <a:srgbClr val="4B4B4B"/>
-                </a:solidFill>
-                <a:latin typeface="Adobe Clean Light" panose="020B0303020404020204" pitchFamily="34" charset="0"/>
-              </a:rPr>
-              <a:t>Self-help Support Portal to submit support requests, review case status, and browse other resources, like our knowledgebase, news and alerts, featured tips, and more.</a:t>
+              <a:t>Accesso on-demand al portale di assistenza autonoma per inviare richieste di supporto, esaminare lo stato dei casi e sfogliare altre risorse, come la knowledge base, notizie e avvisi, suggerimenti e altro ancora.</a:t>
             </a:r>
           </a:p>
         </p:txBody>
@@ -10204,36 +8305,8 @@
               </a:spcBef>
             </a:pPr>
             <a:r>
-              <a:rPr lang="en-US" spc="-10"/>
-              <a:t>©2021</a:t>
-            </a:r>
-            <a:r>
-              <a:rPr lang="en-US" spc="-5"/>
-              <a:t> Adobe. All</a:t>
-            </a:r>
-            <a:r>
-              <a:rPr lang="en-US" spc="-10"/>
-              <a:t> Rights</a:t>
-            </a:r>
-            <a:r>
-              <a:rPr lang="en-US" spc="-5"/>
-              <a:t> </a:t>
-            </a:r>
-            <a:r>
-              <a:rPr lang="en-US" spc="-10"/>
-              <a:t>Reserved.</a:t>
-            </a:r>
-            <a:r>
-              <a:rPr lang="en-US" spc="-5"/>
-              <a:t> Adobe</a:t>
-            </a:r>
-            <a:r>
-              <a:rPr lang="en-US" spc="60"/>
-              <a:t> </a:t>
-            </a:r>
-            <a:r>
-              <a:rPr lang="en-US" spc="-10"/>
-              <a:t>Confidential.</a:t>
+              <a:rPr lang="it-IT"/>
+              <a:t>©2021 Adobe. All Rights Reserved. Adobe Confidential.</a:t>
             </a:r>
           </a:p>
         </p:txBody>
@@ -10322,19 +8395,15 @@
               </a:spcBef>
             </a:pPr>
             <a:r>
-              <a:rPr lang="en-US" sz="1400" b="1" spc="-10">
+              <a:rPr lang="it-IT" sz="1400" b="1">
                 <a:solidFill>
                   <a:srgbClr val="020302"/>
                 </a:solidFill>
                 <a:latin typeface="Adobe Clean"/>
                 <a:cs typeface="Adobe Clean"/>
               </a:rPr>
-              <a:t>Enterprise Support Features</a:t>
-            </a:r>
-            <a:endParaRPr lang="en-US" sz="1400">
-              <a:latin typeface="Adobe Clean"/>
-              <a:cs typeface="Adobe Clean"/>
-            </a:endParaRPr>
+              <a:t>Caratteristiche del supporto Enterprise</a:t>
+            </a:r>
           </a:p>
         </p:txBody>
       </p:sp>
@@ -10353,7 +8422,7 @@
         <p:spPr>
           <a:xfrm>
             <a:off x="689237" y="2603192"/>
-            <a:ext cx="1555491" cy="197490"/>
+            <a:ext cx="1653911" cy="197490"/>
           </a:xfrm>
           <a:prstGeom prst="rect">
             <a:avLst/>
@@ -10374,199 +8443,15 @@
               </a:spcBef>
             </a:pPr>
             <a:r>
-              <a:rPr sz="1200" b="1" spc="-25">
+              <a:rPr lang="it-IT" sz="1200" b="1" dirty="0">
                 <a:solidFill>
                   <a:srgbClr val="020302"/>
                 </a:solidFill>
                 <a:latin typeface="Adobe Clean"/>
                 <a:cs typeface="Adobe Clean"/>
               </a:rPr>
-              <a:t>E</a:t>
-            </a:r>
-            <a:r>
-              <a:rPr sz="1200" b="1" spc="-20">
-                <a:solidFill>
-                  <a:srgbClr val="020302"/>
-                </a:solidFill>
-                <a:latin typeface="Adobe Clean"/>
-                <a:cs typeface="Adobe Clean"/>
-              </a:rPr>
-              <a:t>s</a:t>
-            </a:r>
-            <a:r>
-              <a:rPr sz="1200" b="1" spc="-30">
-                <a:solidFill>
-                  <a:srgbClr val="020302"/>
-                </a:solidFill>
-                <a:latin typeface="Adobe Clean"/>
-                <a:cs typeface="Adobe Clean"/>
-              </a:rPr>
-              <a:t>c</a:t>
-            </a:r>
-            <a:r>
-              <a:rPr sz="1200" b="1" spc="-20">
-                <a:solidFill>
-                  <a:srgbClr val="020302"/>
-                </a:solidFill>
-                <a:latin typeface="Adobe Clean"/>
-                <a:cs typeface="Adobe Clean"/>
-              </a:rPr>
-              <a:t>a</a:t>
-            </a:r>
-            <a:r>
-              <a:rPr sz="1200" b="1" spc="-25">
-                <a:solidFill>
-                  <a:srgbClr val="020302"/>
-                </a:solidFill>
-                <a:latin typeface="Adobe Clean"/>
-                <a:cs typeface="Adobe Clean"/>
-              </a:rPr>
-              <a:t>l</a:t>
-            </a:r>
-            <a:r>
-              <a:rPr sz="1200" b="1" spc="-20">
-                <a:solidFill>
-                  <a:srgbClr val="020302"/>
-                </a:solidFill>
-                <a:latin typeface="Adobe Clean"/>
-                <a:cs typeface="Adobe Clean"/>
-              </a:rPr>
-              <a:t>a</a:t>
-            </a:r>
-            <a:r>
-              <a:rPr sz="1200" b="1" spc="-25">
-                <a:solidFill>
-                  <a:srgbClr val="020302"/>
-                </a:solidFill>
-                <a:latin typeface="Adobe Clean"/>
-                <a:cs typeface="Adobe Clean"/>
-              </a:rPr>
-              <a:t>t</a:t>
-            </a:r>
-            <a:r>
-              <a:rPr sz="1200" b="1" spc="-20">
-                <a:solidFill>
-                  <a:srgbClr val="020302"/>
-                </a:solidFill>
-                <a:latin typeface="Adobe Clean"/>
-                <a:cs typeface="Adobe Clean"/>
-              </a:rPr>
-              <a:t>i</a:t>
-            </a:r>
-            <a:r>
-              <a:rPr sz="1200" b="1" spc="-15">
-                <a:solidFill>
-                  <a:srgbClr val="020302"/>
-                </a:solidFill>
-                <a:latin typeface="Adobe Clean"/>
-                <a:cs typeface="Adobe Clean"/>
-              </a:rPr>
-              <a:t>o</a:t>
-            </a:r>
-            <a:r>
-              <a:rPr sz="1200" b="1">
-                <a:solidFill>
-                  <a:srgbClr val="020302"/>
-                </a:solidFill>
-                <a:latin typeface="Adobe Clean"/>
-                <a:cs typeface="Adobe Clean"/>
-              </a:rPr>
-              <a:t>n</a:t>
-            </a:r>
-            <a:r>
-              <a:rPr sz="1200" b="1" spc="-55">
-                <a:solidFill>
-                  <a:srgbClr val="020302"/>
-                </a:solidFill>
-                <a:latin typeface="Adobe Clean"/>
-                <a:cs typeface="Adobe Clean"/>
-              </a:rPr>
-              <a:t> </a:t>
-            </a:r>
-            <a:r>
-              <a:rPr sz="1200" b="1" spc="-35">
-                <a:solidFill>
-                  <a:srgbClr val="020302"/>
-                </a:solidFill>
-                <a:latin typeface="Adobe Clean"/>
-                <a:cs typeface="Adobe Clean"/>
-              </a:rPr>
-              <a:t>M</a:t>
-            </a:r>
-            <a:r>
-              <a:rPr sz="1200" b="1" spc="-25">
-                <a:solidFill>
-                  <a:srgbClr val="020302"/>
-                </a:solidFill>
-                <a:latin typeface="Adobe Clean"/>
-                <a:cs typeface="Adobe Clean"/>
-              </a:rPr>
-              <a:t>a</a:t>
-            </a:r>
-            <a:r>
-              <a:rPr sz="1200" b="1" spc="-30">
-                <a:solidFill>
-                  <a:srgbClr val="020302"/>
-                </a:solidFill>
-                <a:latin typeface="Adobe Clean"/>
-                <a:cs typeface="Adobe Clean"/>
-              </a:rPr>
-              <a:t>n</a:t>
-            </a:r>
-            <a:r>
-              <a:rPr sz="1200" b="1" spc="-25">
-                <a:solidFill>
-                  <a:srgbClr val="020302"/>
-                </a:solidFill>
-                <a:latin typeface="Adobe Clean"/>
-                <a:cs typeface="Adobe Clean"/>
-              </a:rPr>
-              <a:t>a</a:t>
-            </a:r>
-            <a:r>
-              <a:rPr sz="1200" b="1" spc="-30">
-                <a:solidFill>
-                  <a:srgbClr val="020302"/>
-                </a:solidFill>
-                <a:latin typeface="Adobe Clean"/>
-                <a:cs typeface="Adobe Clean"/>
-              </a:rPr>
-              <a:t>ge</a:t>
-            </a:r>
-            <a:r>
-              <a:rPr sz="1200" b="1" spc="-25">
-                <a:solidFill>
-                  <a:srgbClr val="020302"/>
-                </a:solidFill>
-                <a:latin typeface="Adobe Clean"/>
-                <a:cs typeface="Adobe Clean"/>
-              </a:rPr>
-              <a:t>m</a:t>
-            </a:r>
-            <a:r>
-              <a:rPr sz="1200" b="1" spc="-30">
-                <a:solidFill>
-                  <a:srgbClr val="020302"/>
-                </a:solidFill>
-                <a:latin typeface="Adobe Clean"/>
-                <a:cs typeface="Adobe Clean"/>
-              </a:rPr>
-              <a:t>en</a:t>
-            </a:r>
-            <a:r>
-              <a:rPr sz="1200" b="1">
-                <a:solidFill>
-                  <a:srgbClr val="020302"/>
-                </a:solidFill>
-                <a:latin typeface="Adobe Clean"/>
-                <a:cs typeface="Adobe Clean"/>
-              </a:rPr>
-              <a:t>t</a:t>
-            </a:r>
-            <a:endParaRPr sz="1200">
-              <a:latin typeface="Adobe Clean"/>
-              <a:cs typeface="Adobe Clean"/>
-            </a:endParaRPr>
+              <a:t>Gestione delle escalation</a:t>
+            </a:r>
           </a:p>
         </p:txBody>
       </p:sp>
@@ -10606,18 +8491,31 @@
               </a:spcBef>
             </a:pPr>
             <a:r>
-              <a:rPr lang="en-US" sz="1000">
+              <a:rPr lang="it-IT" sz="1000" dirty="0">
                 <a:solidFill>
                   <a:srgbClr val="4B4B4B"/>
                 </a:solidFill>
                 <a:latin typeface="Adobe Clean Light" panose="020B0303020404020204" pitchFamily="34" charset="0"/>
               </a:rPr>
-              <a:t>A designated point of contact within Adobe who can provide escalation assistance, regular updates and ensure priority is given to your most critical open support requests.</a:t>
-            </a:r>
-            <a:endParaRPr sz="1000">
-              <a:latin typeface="Adobe Clean Light" panose="020B0303020404020204" pitchFamily="34" charset="0"/>
-              <a:cs typeface="AdobeClean-Light"/>
-            </a:endParaRPr>
+              <a:t>Un contatto Adobe dedicato che può fornire assistenza e aggiornamenti regolari in merito ai casi che richiedono escalation, </a:t>
+            </a:r>
+            <a:br>
+              <a:rPr lang="sk-SK" sz="1000" dirty="0">
+                <a:solidFill>
+                  <a:srgbClr val="4B4B4B"/>
+                </a:solidFill>
+                <a:latin typeface="Adobe Clean Light" panose="020B0303020404020204" pitchFamily="34" charset="0"/>
+              </a:rPr>
+            </a:br>
+            <a:r>
+              <a:rPr lang="it-IT" sz="1000" dirty="0">
+                <a:solidFill>
+                  <a:srgbClr val="4B4B4B"/>
+                </a:solidFill>
+                <a:latin typeface="Adobe Clean Light" panose="020B0303020404020204" pitchFamily="34" charset="0"/>
+              </a:rPr>
+              <a:t>e assicurarsi che venga data priorità alle richieste di supporto aperte più critiche.</a:t>
+            </a:r>
           </a:p>
         </p:txBody>
       </p:sp>
@@ -10635,8 +8533,8 @@
         </p:nvSpPr>
         <p:spPr>
           <a:xfrm>
-            <a:off x="3201544" y="2592995"/>
-            <a:ext cx="1036205" cy="197490"/>
+            <a:off x="3201544" y="2592994"/>
+            <a:ext cx="1629948" cy="197490"/>
           </a:xfrm>
           <a:prstGeom prst="rect">
             <a:avLst/>
@@ -10657,149 +8555,15 @@
               </a:spcBef>
             </a:pPr>
             <a:r>
-              <a:rPr sz="1200" b="1" spc="-20">
+              <a:rPr lang="it-IT" sz="1200" b="1">
                 <a:solidFill>
                   <a:srgbClr val="020302"/>
                 </a:solidFill>
                 <a:latin typeface="Adobe Clean"/>
                 <a:cs typeface="Adobe Clean"/>
               </a:rPr>
-              <a:t>S</a:t>
-            </a:r>
-            <a:r>
-              <a:rPr sz="1200" b="1" spc="-25">
-                <a:solidFill>
-                  <a:srgbClr val="020302"/>
-                </a:solidFill>
-                <a:latin typeface="Adobe Clean"/>
-                <a:cs typeface="Adobe Clean"/>
-              </a:rPr>
-              <a:t>e</a:t>
-            </a:r>
-            <a:r>
-              <a:rPr sz="1200" b="1" spc="-20">
-                <a:solidFill>
-                  <a:srgbClr val="020302"/>
-                </a:solidFill>
-                <a:latin typeface="Adobe Clean"/>
-                <a:cs typeface="Adobe Clean"/>
-              </a:rPr>
-              <a:t>r</a:t>
-            </a:r>
-            <a:r>
-              <a:rPr sz="1200" b="1" spc="-25">
-                <a:solidFill>
-                  <a:srgbClr val="020302"/>
-                </a:solidFill>
-                <a:latin typeface="Adobe Clean"/>
-                <a:cs typeface="Adobe Clean"/>
-              </a:rPr>
-              <a:t>v</a:t>
-            </a:r>
-            <a:r>
-              <a:rPr sz="1200" b="1" spc="-20">
-                <a:solidFill>
-                  <a:srgbClr val="020302"/>
-                </a:solidFill>
-                <a:latin typeface="Adobe Clean"/>
-                <a:cs typeface="Adobe Clean"/>
-              </a:rPr>
-              <a:t>i</a:t>
-            </a:r>
-            <a:r>
-              <a:rPr sz="1200" b="1" spc="-30">
-                <a:solidFill>
-                  <a:srgbClr val="020302"/>
-                </a:solidFill>
-                <a:latin typeface="Adobe Clean"/>
-                <a:cs typeface="Adobe Clean"/>
-              </a:rPr>
-              <a:t>c</a:t>
-            </a:r>
-            <a:r>
-              <a:rPr sz="1200" b="1">
-                <a:solidFill>
-                  <a:srgbClr val="020302"/>
-                </a:solidFill>
-                <a:latin typeface="Adobe Clean"/>
-                <a:cs typeface="Adobe Clean"/>
-              </a:rPr>
-              <a:t>e</a:t>
-            </a:r>
-            <a:r>
-              <a:rPr sz="1200" b="1" spc="-80">
-                <a:solidFill>
-                  <a:srgbClr val="020302"/>
-                </a:solidFill>
-                <a:latin typeface="Adobe Clean"/>
-                <a:cs typeface="Adobe Clean"/>
-              </a:rPr>
-              <a:t> </a:t>
-            </a:r>
-            <a:r>
-              <a:rPr sz="1200" b="1" spc="-20">
-                <a:solidFill>
-                  <a:srgbClr val="020302"/>
-                </a:solidFill>
-                <a:latin typeface="Adobe Clean"/>
-                <a:cs typeface="Adobe Clean"/>
-              </a:rPr>
-              <a:t>R</a:t>
-            </a:r>
-            <a:r>
-              <a:rPr sz="1200" b="1" spc="-25">
-                <a:solidFill>
-                  <a:srgbClr val="020302"/>
-                </a:solidFill>
-                <a:latin typeface="Adobe Clean"/>
-                <a:cs typeface="Adobe Clean"/>
-              </a:rPr>
-              <a:t>e</a:t>
-            </a:r>
-            <a:r>
-              <a:rPr sz="1200" b="1" spc="-30">
-                <a:solidFill>
-                  <a:srgbClr val="020302"/>
-                </a:solidFill>
-                <a:latin typeface="Adobe Clean"/>
-                <a:cs typeface="Adobe Clean"/>
-              </a:rPr>
-              <a:t>v</a:t>
-            </a:r>
-            <a:r>
-              <a:rPr sz="1200" b="1" spc="-20">
-                <a:solidFill>
-                  <a:srgbClr val="020302"/>
-                </a:solidFill>
-                <a:latin typeface="Adobe Clean"/>
-                <a:cs typeface="Adobe Clean"/>
-              </a:rPr>
-              <a:t>i</a:t>
-            </a:r>
-            <a:r>
-              <a:rPr sz="1200" b="1" spc="-25">
-                <a:solidFill>
-                  <a:srgbClr val="020302"/>
-                </a:solidFill>
-                <a:latin typeface="Adobe Clean"/>
-                <a:cs typeface="Adobe Clean"/>
-              </a:rPr>
-              <a:t>ew</a:t>
-            </a:r>
-            <a:r>
-              <a:rPr sz="1200" b="1">
-                <a:solidFill>
-                  <a:srgbClr val="020302"/>
-                </a:solidFill>
-                <a:latin typeface="Adobe Clean"/>
-                <a:cs typeface="Adobe Clean"/>
-              </a:rPr>
-              <a:t>s</a:t>
-            </a:r>
-            <a:endParaRPr sz="1200">
-              <a:latin typeface="Adobe Clean"/>
-              <a:cs typeface="Adobe Clean"/>
-            </a:endParaRPr>
+              <a:t>Valutazione dei servizi</a:t>
+            </a:r>
           </a:p>
         </p:txBody>
       </p:sp>
@@ -10818,7 +8582,7 @@
         <p:spPr>
           <a:xfrm>
             <a:off x="2835999" y="2921585"/>
-            <a:ext cx="2194560" cy="474489"/>
+            <a:ext cx="2194560" cy="628377"/>
           </a:xfrm>
           <a:prstGeom prst="rect">
             <a:avLst/>
@@ -10839,18 +8603,65 @@
               </a:spcBef>
             </a:pPr>
             <a:r>
-              <a:rPr lang="en-US" sz="1000">
+              <a:rPr lang="it-IT" sz="1000" dirty="0">
                 <a:solidFill>
                   <a:srgbClr val="4B4B4B"/>
                 </a:solidFill>
                 <a:latin typeface="Adobe Clean Light" panose="020B0303020404020204" pitchFamily="34" charset="0"/>
               </a:rPr>
-              <a:t>A bi-annual comprehensive review of  Enterprise program services, benefits and support metrics.</a:t>
-            </a:r>
-            <a:endParaRPr sz="1000">
-              <a:latin typeface="Adobe Clean Light" panose="020B0303020404020204" pitchFamily="34" charset="0"/>
-              <a:cs typeface="AdobeClean-Light"/>
-            </a:endParaRPr>
+              <a:t>Valutazione semestrale completa dei </a:t>
+            </a:r>
+            <a:br>
+              <a:rPr lang="sk-SK" sz="1000" dirty="0">
+                <a:solidFill>
+                  <a:srgbClr val="4B4B4B"/>
+                </a:solidFill>
+                <a:latin typeface="Adobe Clean Light" panose="020B0303020404020204" pitchFamily="34" charset="0"/>
+              </a:rPr>
+            </a:br>
+            <a:r>
+              <a:rPr lang="it-IT" sz="1000" dirty="0">
+                <a:solidFill>
+                  <a:srgbClr val="4B4B4B"/>
+                </a:solidFill>
+                <a:latin typeface="Adobe Clean Light" panose="020B0303020404020204" pitchFamily="34" charset="0"/>
+              </a:rPr>
+              <a:t>servizi erogati dal programma Enterprise, </a:t>
+            </a:r>
+            <a:br>
+              <a:rPr lang="sk-SK" sz="1000" dirty="0">
+                <a:solidFill>
+                  <a:srgbClr val="4B4B4B"/>
+                </a:solidFill>
+                <a:latin typeface="Adobe Clean Light" panose="020B0303020404020204" pitchFamily="34" charset="0"/>
+              </a:rPr>
+            </a:br>
+            <a:r>
+              <a:rPr lang="it-IT" sz="1000" dirty="0">
+                <a:solidFill>
+                  <a:srgbClr val="4B4B4B"/>
+                </a:solidFill>
+                <a:latin typeface="Adobe Clean Light" panose="020B0303020404020204" pitchFamily="34" charset="0"/>
+              </a:rPr>
+              <a:t>dei vantaggi che offrono e delle metriche </a:t>
+            </a:r>
+            <a:br>
+              <a:rPr lang="sk-SK" sz="1000" dirty="0">
+                <a:solidFill>
+                  <a:srgbClr val="4B4B4B"/>
+                </a:solidFill>
+                <a:latin typeface="Adobe Clean Light" panose="020B0303020404020204" pitchFamily="34" charset="0"/>
+              </a:rPr>
+            </a:br>
+            <a:r>
+              <a:rPr lang="it-IT" sz="1000" dirty="0">
+                <a:solidFill>
+                  <a:srgbClr val="4B4B4B"/>
+                </a:solidFill>
+                <a:latin typeface="Adobe Clean Light" panose="020B0303020404020204" pitchFamily="34" charset="0"/>
+              </a:rPr>
+              <a:t>di adottate.</a:t>
+            </a:r>
           </a:p>
         </p:txBody>
       </p:sp>
@@ -10890,18 +8701,14 @@
               </a:spcBef>
             </a:pPr>
             <a:r>
-              <a:rPr lang="en-US" sz="1000">
+              <a:rPr lang="it-IT" sz="1000">
                 <a:solidFill>
                   <a:srgbClr val="4B4B4B"/>
                 </a:solidFill>
                 <a:latin typeface="Adobe Clean Light" panose="020B0303020404020204" pitchFamily="34" charset="0"/>
               </a:rPr>
-              <a:t>A 60-minute session focusing on a specific product feature and how it can be utilized to solve common business problems.</a:t>
-            </a:r>
-            <a:endParaRPr sz="1000">
-              <a:latin typeface="Adobe Clean Light" panose="020B0303020404020204" pitchFamily="34" charset="0"/>
-              <a:cs typeface="AdobeClean-Light"/>
-            </a:endParaRPr>
+              <a:t>Una sessione di 60 minuti incentrata su una specifica funzionalità di prodotto e come utilizzarla per risolvere le problematiche più comuni.</a:t>
+            </a:r>
           </a:p>
         </p:txBody>
       </p:sp>
@@ -10941,20 +8748,48 @@
               </a:spcBef>
             </a:pPr>
             <a:r>
-              <a:rPr lang="en-US" sz="1000">
+              <a:rPr lang="it-IT" sz="1000" dirty="0">
                 <a:solidFill>
                   <a:srgbClr val="4B4B4B"/>
                 </a:solidFill>
                 <a:latin typeface="Adobe Clean Light" panose="020B0303020404020204" pitchFamily="34" charset="0"/>
               </a:rPr>
-              <a:t>Drive adoption of customization best practices and core components in AEM as a Cloud Service</a:t>
-            </a:r>
-            <a:endParaRPr sz="1000">
-              <a:solidFill>
-                <a:srgbClr val="4B4B4B"/>
-              </a:solidFill>
-              <a:latin typeface="Adobe Clean Light" panose="020B0303020404020204" pitchFamily="34" charset="0"/>
-            </a:endParaRPr>
+              <a:t>Promuovere l’adozione di best practice </a:t>
+            </a:r>
+            <a:br>
+              <a:rPr lang="sk-SK" sz="1000" dirty="0">
+                <a:solidFill>
+                  <a:srgbClr val="4B4B4B"/>
+                </a:solidFill>
+                <a:latin typeface="Adobe Clean Light" panose="020B0303020404020204" pitchFamily="34" charset="0"/>
+              </a:rPr>
+            </a:br>
+            <a:r>
+              <a:rPr lang="it-IT" sz="1000" dirty="0">
+                <a:solidFill>
+                  <a:srgbClr val="4B4B4B"/>
+                </a:solidFill>
+                <a:latin typeface="Adobe Clean Light" panose="020B0303020404020204" pitchFamily="34" charset="0"/>
+              </a:rPr>
+              <a:t>per la personalizzazione e componenti</a:t>
+            </a:r>
+            <a:br>
+              <a:rPr lang="sk-SK" sz="1000" dirty="0">
+                <a:solidFill>
+                  <a:srgbClr val="4B4B4B"/>
+                </a:solidFill>
+                <a:latin typeface="Adobe Clean Light" panose="020B0303020404020204" pitchFamily="34" charset="0"/>
+              </a:rPr>
+            </a:br>
+            <a:r>
+              <a:rPr lang="it-IT" sz="1000" dirty="0">
+                <a:solidFill>
+                  <a:srgbClr val="4B4B4B"/>
+                </a:solidFill>
+                <a:latin typeface="Adobe Clean Light" panose="020B0303020404020204" pitchFamily="34" charset="0"/>
+              </a:rPr>
+              <a:t>core di AEM as a Cloud Service</a:t>
+            </a:r>
           </a:p>
         </p:txBody>
       </p:sp>
@@ -10994,20 +8829,48 @@
               </a:spcBef>
             </a:pPr>
             <a:r>
-              <a:rPr lang="en-US" sz="1000">
+              <a:rPr lang="it-IT" sz="1000" dirty="0">
                 <a:solidFill>
                   <a:srgbClr val="4B4B4B"/>
                 </a:solidFill>
                 <a:latin typeface="Adobe Clean Light" panose="020B0303020404020204" pitchFamily="34" charset="0"/>
               </a:rPr>
-              <a:t>Identify, review and provide recommendations on customized solution adoption areas that have opportunities for optimization</a:t>
-            </a:r>
-            <a:endParaRPr sz="1000">
-              <a:solidFill>
-                <a:srgbClr val="4B4B4B"/>
-              </a:solidFill>
-              <a:latin typeface="Adobe Clean Light" panose="020B0303020404020204" pitchFamily="34" charset="0"/>
-            </a:endParaRPr>
+              <a:t>Individuare, valutare e fornire raccomandazioni su aree specifiche,</a:t>
+            </a:r>
+            <a:br>
+              <a:rPr lang="sk-SK" sz="1000" dirty="0">
+                <a:solidFill>
+                  <a:srgbClr val="4B4B4B"/>
+                </a:solidFill>
+                <a:latin typeface="Adobe Clean Light" panose="020B0303020404020204" pitchFamily="34" charset="0"/>
+              </a:rPr>
+            </a:br>
+            <a:r>
+              <a:rPr lang="it-IT" sz="1000" dirty="0">
+                <a:solidFill>
+                  <a:srgbClr val="4B4B4B"/>
+                </a:solidFill>
+                <a:latin typeface="Adobe Clean Light" panose="020B0303020404020204" pitchFamily="34" charset="0"/>
+              </a:rPr>
+              <a:t>relative all’adozione delle soluzioni, </a:t>
+            </a:r>
+            <a:br>
+              <a:rPr lang="sk-SK" sz="1000" dirty="0">
+                <a:solidFill>
+                  <a:srgbClr val="4B4B4B"/>
+                </a:solidFill>
+                <a:latin typeface="Adobe Clean Light" panose="020B0303020404020204" pitchFamily="34" charset="0"/>
+              </a:rPr>
+            </a:br>
+            <a:r>
+              <a:rPr lang="it-IT" sz="1000" dirty="0">
+                <a:solidFill>
+                  <a:srgbClr val="4B4B4B"/>
+                </a:solidFill>
+                <a:latin typeface="Adobe Clean Light" panose="020B0303020404020204" pitchFamily="34" charset="0"/>
+              </a:rPr>
+              <a:t>che offrono opportunità di ottimizzazione</a:t>
+            </a:r>
           </a:p>
         </p:txBody>
       </p:sp>
@@ -11047,20 +8910,14 @@
               </a:spcBef>
             </a:pPr>
             <a:r>
-              <a:rPr lang="en-US" sz="1000">
+              <a:rPr lang="it-IT" sz="1000">
                 <a:solidFill>
                   <a:srgbClr val="4B4B4B"/>
                 </a:solidFill>
                 <a:latin typeface="Adobe Clean Light" panose="020B0303020404020204" pitchFamily="34" charset="0"/>
               </a:rPr>
-              <a:t>Technical &amp; operational governance to assist AEM as a Cloud Service Customers in adhering to industry standards and best practices for AEM as a Cloud Service</a:t>
-            </a:r>
-            <a:endParaRPr sz="1000">
-              <a:solidFill>
-                <a:srgbClr val="4B4B4B"/>
-              </a:solidFill>
-              <a:latin typeface="Adobe Clean Light" panose="020B0303020404020204" pitchFamily="34" charset="0"/>
-            </a:endParaRPr>
+              <a:t>Governance operativa e tecnica per assistere i clienti di AEM as a Cloud Service a rispettare gli standard di settore e le best practice per AEM as a Cloud Service</a:t>
+            </a:r>
           </a:p>
         </p:txBody>
       </p:sp>
@@ -11097,20 +8954,14 @@
               </a:spcBef>
             </a:pPr>
             <a:r>
-              <a:rPr lang="en-US" sz="1000">
+              <a:rPr lang="it-IT" sz="1000">
                 <a:solidFill>
                   <a:srgbClr val="4B4B4B"/>
                 </a:solidFill>
                 <a:latin typeface="Adobe Clean Light" panose="020B0303020404020204" pitchFamily="34" charset="0"/>
               </a:rPr>
-              <a:t>A designated support engineer who becomes familiar with your solution environment and business goals. The NSE is an experienced support engineer that helps coordinate your Enterprise Support experience..</a:t>
-            </a:r>
-            <a:endParaRPr lang="en-US" sz="1000">
-              <a:solidFill>
-                <a:srgbClr val="000000"/>
-              </a:solidFill>
-              <a:latin typeface="Adobe Clean Light" panose="020B0303020404020204" pitchFamily="34" charset="0"/>
-            </a:endParaRPr>
+              <a:t>Un tecnico del supporto dedicato che acquisisce familiarità con l’ambiente della soluzione e gli obiettivi di business del cliente. Il Named Support Engineer è un tecnico esperto che aiuta a coordinare la tua esperienza di assistenza Enterprise.</a:t>
+            </a:r>
           </a:p>
         </p:txBody>
       </p:sp>
@@ -11152,7 +9003,7 @@
               </a:spcAft>
             </a:pPr>
             <a:r>
-              <a:rPr lang="en-US" sz="1200" b="1" spc="-10">
+              <a:rPr lang="it-IT" sz="1200" b="1">
                 <a:solidFill>
                   <a:srgbClr val="020302"/>
                 </a:solidFill>
@@ -11217,7 +9068,7 @@
         <p:spPr>
           <a:xfrm>
             <a:off x="5723508" y="1099976"/>
-            <a:ext cx="1036205" cy="197490"/>
+            <a:ext cx="1463040" cy="197490"/>
           </a:xfrm>
           <a:prstGeom prst="rect">
             <a:avLst/>
@@ -11238,19 +9089,15 @@
               </a:spcBef>
             </a:pPr>
             <a:r>
-              <a:rPr lang="en-US" sz="1200" b="1" spc="-20">
+              <a:rPr lang="it-IT" sz="1200" b="1" dirty="0">
                 <a:solidFill>
                   <a:srgbClr val="020302"/>
                 </a:solidFill>
                 <a:latin typeface="Adobe Clean"/>
                 <a:cs typeface="Adobe Clean"/>
               </a:rPr>
-              <a:t>Expert Sessions</a:t>
-            </a:r>
-            <a:endParaRPr sz="1200">
-              <a:latin typeface="Adobe Clean"/>
-              <a:cs typeface="Adobe Clean"/>
-            </a:endParaRPr>
+              <a:t>Sessioni con esperti</a:t>
+            </a:r>
           </a:p>
         </p:txBody>
       </p:sp>
@@ -11268,8 +9115,8 @@
         </p:nvSpPr>
         <p:spPr>
           <a:xfrm>
-            <a:off x="5181600" y="4466703"/>
-            <a:ext cx="1972258" cy="461665"/>
+            <a:off x="5181600" y="4441989"/>
+            <a:ext cx="1972258" cy="646331"/>
           </a:xfrm>
           <a:prstGeom prst="rect">
             <a:avLst/>
@@ -11290,489 +9137,34 @@
               </a:spcBef>
             </a:pPr>
             <a:r>
-              <a:rPr lang="en-US" sz="1200" b="1" spc="-15">
+              <a:rPr lang="it-IT" sz="1200" b="1" dirty="0">
                 <a:solidFill>
                   <a:srgbClr val="020302"/>
                 </a:solidFill>
                 <a:latin typeface="Adobe Clean"/>
                 <a:cs typeface="Adobe Clean"/>
               </a:rPr>
-              <a:t>C</a:t>
-            </a:r>
-            <a:r>
-              <a:rPr lang="en-US" sz="1200" b="1" spc="-20">
+              <a:t>Best practice per </a:t>
+            </a:r>
+            <a:br>
+              <a:rPr lang="sk-SK" sz="1200" b="1" dirty="0">
                 <a:solidFill>
                   <a:srgbClr val="020302"/>
                 </a:solidFill>
                 <a:latin typeface="Adobe Clean"/>
                 <a:cs typeface="Adobe Clean"/>
               </a:rPr>
-              <a:t>u</a:t>
-            </a:r>
-            <a:r>
-              <a:rPr lang="en-US" sz="1200" b="1" spc="-25">
+            </a:br>
+            <a:r>
+              <a:rPr lang="it-IT" sz="1200" b="1" dirty="0">
                 <a:solidFill>
                   <a:srgbClr val="020302"/>
                 </a:solidFill>
                 <a:latin typeface="Adobe Clean"/>
                 <a:cs typeface="Adobe Clean"/>
               </a:rPr>
-              <a:t>st</a:t>
-            </a:r>
-            <a:r>
-              <a:rPr lang="en-US" sz="1200" b="1" spc="-15">
-                <a:solidFill>
-                  <a:srgbClr val="020302"/>
-                </a:solidFill>
-                <a:latin typeface="Adobe Clean"/>
-                <a:cs typeface="Adobe Clean"/>
-              </a:rPr>
-              <a:t>o</a:t>
-            </a:r>
-            <a:r>
-              <a:rPr lang="en-US" sz="1200" b="1" spc="-20">
-                <a:solidFill>
-                  <a:srgbClr val="020302"/>
-                </a:solidFill>
-                <a:latin typeface="Adobe Clean"/>
-                <a:cs typeface="Adobe Clean"/>
-              </a:rPr>
-              <a:t>miza</a:t>
-            </a:r>
-            <a:r>
-              <a:rPr lang="en-US" sz="1200" b="1" spc="-25">
-                <a:solidFill>
-                  <a:srgbClr val="020302"/>
-                </a:solidFill>
-                <a:latin typeface="Adobe Clean"/>
-                <a:cs typeface="Adobe Clean"/>
-              </a:rPr>
-              <a:t>t</a:t>
-            </a:r>
-            <a:r>
-              <a:rPr lang="en-US" sz="1200" b="1" spc="-20">
-                <a:solidFill>
-                  <a:srgbClr val="020302"/>
-                </a:solidFill>
-                <a:latin typeface="Adobe Clean"/>
-                <a:cs typeface="Adobe Clean"/>
-              </a:rPr>
-              <a:t>i</a:t>
-            </a:r>
-            <a:r>
-              <a:rPr lang="en-US" sz="1200" b="1" spc="-15">
-                <a:solidFill>
-                  <a:srgbClr val="020302"/>
-                </a:solidFill>
-                <a:latin typeface="Adobe Clean"/>
-                <a:cs typeface="Adobe Clean"/>
-              </a:rPr>
-              <a:t>o</a:t>
-            </a:r>
-            <a:r>
-              <a:rPr lang="en-US" sz="1200" b="1">
-                <a:solidFill>
-                  <a:srgbClr val="020302"/>
-                </a:solidFill>
-                <a:latin typeface="Adobe Clean"/>
-                <a:cs typeface="Adobe Clean"/>
-              </a:rPr>
-              <a:t>n</a:t>
-            </a:r>
-            <a:r>
-              <a:rPr lang="en-US" sz="1200" b="1" spc="-50">
-                <a:solidFill>
-                  <a:srgbClr val="020302"/>
-                </a:solidFill>
-                <a:latin typeface="Adobe Clean"/>
-                <a:cs typeface="Adobe Clean"/>
-              </a:rPr>
-              <a:t> </a:t>
-            </a:r>
-            <a:r>
-              <a:rPr lang="en-US" sz="1200" b="1" spc="-20">
-                <a:solidFill>
-                  <a:srgbClr val="020302"/>
-                </a:solidFill>
-                <a:latin typeface="Adobe Clean"/>
-                <a:cs typeface="Adobe Clean"/>
-              </a:rPr>
-              <a:t>B</a:t>
-            </a:r>
-            <a:r>
-              <a:rPr lang="en-US" sz="1200" b="1" spc="-25">
-                <a:solidFill>
-                  <a:srgbClr val="020302"/>
-                </a:solidFill>
-                <a:latin typeface="Adobe Clean"/>
-                <a:cs typeface="Adobe Clean"/>
-              </a:rPr>
-              <a:t>es</a:t>
-            </a:r>
-            <a:r>
-              <a:rPr lang="en-US" sz="1200" b="1">
-                <a:solidFill>
-                  <a:srgbClr val="020302"/>
-                </a:solidFill>
-                <a:latin typeface="Adobe Clean"/>
-                <a:cs typeface="Adobe Clean"/>
-              </a:rPr>
-              <a:t>t</a:t>
-            </a:r>
-            <a:r>
-              <a:rPr lang="en-US" sz="1200" b="1" spc="-50">
-                <a:solidFill>
-                  <a:srgbClr val="020302"/>
-                </a:solidFill>
-                <a:latin typeface="Adobe Clean"/>
-                <a:cs typeface="Adobe Clean"/>
-              </a:rPr>
-              <a:t> </a:t>
-            </a:r>
-            <a:r>
-              <a:rPr lang="en-US" sz="1200" b="1" spc="-25">
-                <a:solidFill>
-                  <a:srgbClr val="020302"/>
-                </a:solidFill>
-                <a:latin typeface="Adobe Clean"/>
-                <a:cs typeface="Adobe Clean"/>
-              </a:rPr>
-              <a:t>P</a:t>
-            </a:r>
-            <a:r>
-              <a:rPr lang="en-US" sz="1200" b="1" spc="-20">
-                <a:solidFill>
-                  <a:srgbClr val="020302"/>
-                </a:solidFill>
-                <a:latin typeface="Adobe Clean"/>
-                <a:cs typeface="Adobe Clean"/>
-              </a:rPr>
-              <a:t>ra</a:t>
-            </a:r>
-            <a:r>
-              <a:rPr lang="en-US" sz="1200" b="1" spc="-30">
-                <a:solidFill>
-                  <a:srgbClr val="020302"/>
-                </a:solidFill>
-                <a:latin typeface="Adobe Clean"/>
-                <a:cs typeface="Adobe Clean"/>
-              </a:rPr>
-              <a:t>c</a:t>
-            </a:r>
-            <a:r>
-              <a:rPr lang="en-US" sz="1200" b="1" spc="-25">
-                <a:solidFill>
-                  <a:srgbClr val="020302"/>
-                </a:solidFill>
-                <a:latin typeface="Adobe Clean"/>
-                <a:cs typeface="Adobe Clean"/>
-              </a:rPr>
-              <a:t>t</a:t>
-            </a:r>
-            <a:r>
-              <a:rPr lang="en-US" sz="1200" b="1" spc="-20">
-                <a:solidFill>
-                  <a:srgbClr val="020302"/>
-                </a:solidFill>
-                <a:latin typeface="Adobe Clean"/>
-                <a:cs typeface="Adobe Clean"/>
-              </a:rPr>
-              <a:t>i</a:t>
-            </a:r>
-            <a:r>
-              <a:rPr lang="en-US" sz="1200" b="1" spc="-30">
-                <a:solidFill>
-                  <a:srgbClr val="020302"/>
-                </a:solidFill>
-                <a:latin typeface="Adobe Clean"/>
-                <a:cs typeface="Adobe Clean"/>
-              </a:rPr>
-              <a:t>c</a:t>
-            </a:r>
-            <a:r>
-              <a:rPr lang="en-US" sz="1200" b="1" spc="-25">
-                <a:solidFill>
-                  <a:srgbClr val="020302"/>
-                </a:solidFill>
-                <a:latin typeface="Adobe Clean"/>
-                <a:cs typeface="Adobe Clean"/>
-              </a:rPr>
-              <a:t>e</a:t>
-            </a:r>
-            <a:r>
-              <a:rPr lang="en-US" sz="1200" b="1">
-                <a:solidFill>
-                  <a:srgbClr val="020302"/>
-                </a:solidFill>
-                <a:latin typeface="Adobe Clean"/>
-                <a:cs typeface="Adobe Clean"/>
-              </a:rPr>
-              <a:t>s</a:t>
-            </a:r>
-            <a:r>
-              <a:rPr lang="en-US" sz="1200" b="1" spc="-45">
-                <a:solidFill>
-                  <a:srgbClr val="020302"/>
-                </a:solidFill>
-                <a:latin typeface="Adobe Clean"/>
-                <a:cs typeface="Adobe Clean"/>
-              </a:rPr>
-              <a:t> </a:t>
-            </a:r>
-            <a:r>
-              <a:rPr lang="en-US" sz="1200" b="1" spc="-25">
-                <a:solidFill>
-                  <a:srgbClr val="020302"/>
-                </a:solidFill>
-                <a:latin typeface="Adobe Clean"/>
-                <a:cs typeface="Adobe Clean"/>
-              </a:rPr>
-              <a:t>f</a:t>
-            </a:r>
-            <a:r>
-              <a:rPr lang="en-US" sz="1200" b="1" spc="-15">
-                <a:solidFill>
-                  <a:srgbClr val="020302"/>
-                </a:solidFill>
-                <a:latin typeface="Adobe Clean"/>
-                <a:cs typeface="Adobe Clean"/>
-              </a:rPr>
-              <a:t>o</a:t>
-            </a:r>
-            <a:r>
-              <a:rPr lang="en-US" sz="1200" b="1">
-                <a:solidFill>
-                  <a:srgbClr val="020302"/>
-                </a:solidFill>
-                <a:latin typeface="Adobe Clean"/>
-                <a:cs typeface="Adobe Clean"/>
-              </a:rPr>
-              <a:t>r</a:t>
-            </a:r>
-            <a:r>
-              <a:rPr lang="en-US" sz="1200" b="1" spc="-45">
-                <a:solidFill>
-                  <a:srgbClr val="020302"/>
-                </a:solidFill>
-                <a:latin typeface="Adobe Clean"/>
-                <a:cs typeface="Adobe Clean"/>
-              </a:rPr>
-              <a:t> </a:t>
-            </a:r>
-            <a:r>
-              <a:rPr lang="en-US" sz="1200" b="1" spc="-30">
-                <a:solidFill>
-                  <a:srgbClr val="020302"/>
-                </a:solidFill>
-                <a:latin typeface="Adobe Clean"/>
-                <a:cs typeface="Adobe Clean"/>
-              </a:rPr>
-              <a:t>AE</a:t>
-            </a:r>
-            <a:r>
-              <a:rPr lang="en-US" sz="1200" b="1">
-                <a:solidFill>
-                  <a:srgbClr val="020302"/>
-                </a:solidFill>
-                <a:latin typeface="Adobe Clean"/>
-                <a:cs typeface="Adobe Clean"/>
-              </a:rPr>
-              <a:t>M</a:t>
-            </a:r>
-            <a:r>
-              <a:rPr lang="en-US" sz="1200" b="1" spc="-55">
-                <a:solidFill>
-                  <a:srgbClr val="020302"/>
-                </a:solidFill>
-                <a:latin typeface="Adobe Clean"/>
-                <a:cs typeface="Adobe Clean"/>
-              </a:rPr>
-              <a:t> </a:t>
-            </a:r>
-            <a:r>
-              <a:rPr lang="en-US" sz="1200" b="1" spc="-20">
-                <a:solidFill>
-                  <a:srgbClr val="020302"/>
-                </a:solidFill>
-                <a:latin typeface="Adobe Clean"/>
-                <a:cs typeface="Adobe Clean"/>
-              </a:rPr>
-              <a:t>a</a:t>
-            </a:r>
-            <a:r>
-              <a:rPr lang="en-US" sz="1200" b="1">
-                <a:solidFill>
-                  <a:srgbClr val="020302"/>
-                </a:solidFill>
-                <a:latin typeface="Adobe Clean"/>
-                <a:cs typeface="Adobe Clean"/>
-              </a:rPr>
-              <a:t>s</a:t>
-            </a:r>
-            <a:r>
-              <a:rPr lang="en-US" sz="1200" b="1" spc="-45">
-                <a:solidFill>
-                  <a:srgbClr val="020302"/>
-                </a:solidFill>
-                <a:latin typeface="Adobe Clean"/>
-                <a:cs typeface="Adobe Clean"/>
-              </a:rPr>
-              <a:t> </a:t>
-            </a:r>
-            <a:r>
-              <a:rPr lang="en-US" sz="1200" b="1">
-                <a:solidFill>
-                  <a:srgbClr val="020302"/>
-                </a:solidFill>
-                <a:latin typeface="Adobe Clean"/>
-                <a:cs typeface="Adobe Clean"/>
-              </a:rPr>
-              <a:t>a</a:t>
-            </a:r>
-            <a:r>
-              <a:rPr lang="en-US" sz="1200" b="1" spc="-45">
-                <a:solidFill>
-                  <a:srgbClr val="020302"/>
-                </a:solidFill>
-                <a:latin typeface="Adobe Clean"/>
-                <a:cs typeface="Adobe Clean"/>
-              </a:rPr>
-              <a:t> </a:t>
-            </a:r>
-            <a:r>
-              <a:rPr lang="en-US" sz="1200" b="1" spc="-15">
-                <a:solidFill>
-                  <a:srgbClr val="020302"/>
-                </a:solidFill>
-                <a:latin typeface="Adobe Clean"/>
-                <a:cs typeface="Adobe Clean"/>
-              </a:rPr>
-              <a:t>C</a:t>
-            </a:r>
-            <a:r>
-              <a:rPr lang="en-US" sz="1200" b="1" spc="-25">
-                <a:solidFill>
-                  <a:srgbClr val="020302"/>
-                </a:solidFill>
-                <a:latin typeface="Adobe Clean"/>
-                <a:cs typeface="Adobe Clean"/>
-              </a:rPr>
-              <a:t>l</a:t>
-            </a:r>
-            <a:r>
-              <a:rPr lang="en-US" sz="1200" b="1" spc="-15">
-                <a:solidFill>
-                  <a:srgbClr val="020302"/>
-                </a:solidFill>
-                <a:latin typeface="Adobe Clean"/>
-                <a:cs typeface="Adobe Clean"/>
-              </a:rPr>
-              <a:t>o</a:t>
-            </a:r>
-            <a:r>
-              <a:rPr lang="en-US" sz="1200" b="1" spc="-20">
-                <a:solidFill>
-                  <a:srgbClr val="020302"/>
-                </a:solidFill>
-                <a:latin typeface="Adobe Clean"/>
-                <a:cs typeface="Adobe Clean"/>
-              </a:rPr>
-              <a:t>u</a:t>
-            </a:r>
-            <a:r>
-              <a:rPr lang="en-US" sz="1200" b="1">
-                <a:solidFill>
-                  <a:srgbClr val="020302"/>
-                </a:solidFill>
-                <a:latin typeface="Adobe Clean"/>
-                <a:cs typeface="Adobe Clean"/>
-              </a:rPr>
-              <a:t>d</a:t>
-            </a:r>
-            <a:r>
-              <a:rPr lang="en-US" sz="1200" b="1" spc="-50">
-                <a:solidFill>
-                  <a:srgbClr val="020302"/>
-                </a:solidFill>
-                <a:latin typeface="Adobe Clean"/>
-                <a:cs typeface="Adobe Clean"/>
-              </a:rPr>
-              <a:t> </a:t>
-            </a:r>
-            <a:r>
-              <a:rPr lang="en-US" sz="1200" b="1" spc="-20">
-                <a:solidFill>
-                  <a:srgbClr val="020302"/>
-                </a:solidFill>
-                <a:latin typeface="Adobe Clean"/>
-                <a:cs typeface="Adobe Clean"/>
-              </a:rPr>
-              <a:t>S</a:t>
-            </a:r>
-            <a:r>
-              <a:rPr lang="en-US" sz="1200" b="1" spc="-25">
-                <a:solidFill>
-                  <a:srgbClr val="020302"/>
-                </a:solidFill>
-                <a:latin typeface="Adobe Clean"/>
-                <a:cs typeface="Adobe Clean"/>
-              </a:rPr>
-              <a:t>e</a:t>
-            </a:r>
-            <a:r>
-              <a:rPr lang="en-US" sz="1200" b="1" spc="-20">
-                <a:solidFill>
-                  <a:srgbClr val="020302"/>
-                </a:solidFill>
-                <a:latin typeface="Adobe Clean"/>
-                <a:cs typeface="Adobe Clean"/>
-              </a:rPr>
-              <a:t>r</a:t>
-            </a:r>
-            <a:r>
-              <a:rPr lang="en-US" sz="1200" b="1" spc="-30">
-                <a:solidFill>
-                  <a:srgbClr val="020302"/>
-                </a:solidFill>
-                <a:latin typeface="Adobe Clean"/>
-                <a:cs typeface="Adobe Clean"/>
-              </a:rPr>
-              <a:t>v</a:t>
-            </a:r>
-            <a:r>
-              <a:rPr lang="en-US" sz="1200" b="1" spc="-20">
-                <a:solidFill>
-                  <a:srgbClr val="020302"/>
-                </a:solidFill>
-                <a:latin typeface="Adobe Clean"/>
-                <a:cs typeface="Adobe Clean"/>
-              </a:rPr>
-              <a:t>i</a:t>
-            </a:r>
-            <a:r>
-              <a:rPr lang="en-US" sz="1200" b="1" spc="-30">
-                <a:solidFill>
-                  <a:srgbClr val="020302"/>
-                </a:solidFill>
-                <a:latin typeface="Adobe Clean"/>
-                <a:cs typeface="Adobe Clean"/>
-              </a:rPr>
-              <a:t>c</a:t>
-            </a:r>
-            <a:r>
-              <a:rPr lang="en-US" sz="1200" b="1">
-                <a:solidFill>
-                  <a:srgbClr val="020302"/>
-                </a:solidFill>
-                <a:latin typeface="Adobe Clean"/>
-                <a:cs typeface="Adobe Clean"/>
-              </a:rPr>
-              <a:t>e</a:t>
-            </a:r>
-            <a:endParaRPr lang="en-US" sz="1200">
-              <a:latin typeface="Adobe Clean"/>
-              <a:cs typeface="Adobe Clean"/>
-            </a:endParaRPr>
+              <a:t>la personalizzazione di AEM as a Cloud Service</a:t>
+            </a:r>
           </a:p>
         </p:txBody>
       </p:sp>
@@ -11791,7 +9183,7 @@
         <p:spPr>
           <a:xfrm>
             <a:off x="2752588" y="4438393"/>
-            <a:ext cx="1708650" cy="461665"/>
+            <a:ext cx="1708650" cy="646331"/>
           </a:xfrm>
           <a:prstGeom prst="rect">
             <a:avLst/>
@@ -11812,19 +9204,34 @@
               </a:spcBef>
             </a:pPr>
             <a:r>
-              <a:rPr lang="en-US" sz="1200" b="1" spc="-25">
+              <a:rPr lang="it-IT" sz="1200" b="1" dirty="0">
                 <a:solidFill>
                   <a:srgbClr val="020302"/>
                 </a:solidFill>
                 <a:latin typeface="Adobe Clean"/>
                 <a:cs typeface="Adobe Clean"/>
               </a:rPr>
-              <a:t>Value-added Services for AEM as a Cloud Service</a:t>
-            </a:r>
-            <a:endParaRPr lang="en-US" sz="1200">
-              <a:latin typeface="Adobe Clean"/>
-              <a:cs typeface="Adobe Clean"/>
-            </a:endParaRPr>
+              <a:t>Servizi a valore aggiunto per AEM </a:t>
+            </a:r>
+            <a:br>
+              <a:rPr lang="sk-SK" sz="1200" b="1" dirty="0">
+                <a:solidFill>
+                  <a:srgbClr val="020302"/>
+                </a:solidFill>
+                <a:latin typeface="Adobe Clean"/>
+                <a:cs typeface="Adobe Clean"/>
+              </a:rPr>
+            </a:br>
+            <a:r>
+              <a:rPr lang="it-IT" sz="1200" b="1" dirty="0">
+                <a:solidFill>
+                  <a:srgbClr val="020302"/>
+                </a:solidFill>
+                <a:latin typeface="Adobe Clean"/>
+                <a:cs typeface="Adobe Clean"/>
+              </a:rPr>
+              <a:t>as a Cloud Service</a:t>
+            </a:r>
           </a:p>
         </p:txBody>
       </p:sp>
@@ -11864,359 +9271,34 @@
               </a:spcBef>
             </a:pPr>
             <a:r>
-              <a:rPr lang="en-US" sz="1200" b="1" spc="-20">
+              <a:rPr lang="it-IT" sz="1200" b="1" dirty="0">
                 <a:solidFill>
                   <a:srgbClr val="020302"/>
                 </a:solidFill>
                 <a:latin typeface="Adobe Clean"/>
                 <a:cs typeface="Adobe Clean"/>
               </a:rPr>
-              <a:t>G</a:t>
-            </a:r>
-            <a:r>
-              <a:rPr lang="en-US" sz="1200" b="1" spc="-15">
+              <a:t>Governance per AEM </a:t>
+            </a:r>
+            <a:br>
+              <a:rPr lang="sk-SK" sz="1200" b="1" dirty="0">
                 <a:solidFill>
                   <a:srgbClr val="020302"/>
                 </a:solidFill>
                 <a:latin typeface="Adobe Clean"/>
                 <a:cs typeface="Adobe Clean"/>
               </a:rPr>
-              <a:t>o</a:t>
-            </a:r>
-            <a:r>
-              <a:rPr lang="en-US" sz="1200" b="1" spc="-25">
+            </a:br>
+            <a:r>
+              <a:rPr lang="it-IT" sz="1200" b="1" dirty="0">
                 <a:solidFill>
                   <a:srgbClr val="020302"/>
                 </a:solidFill>
                 <a:latin typeface="Adobe Clean"/>
                 <a:cs typeface="Adobe Clean"/>
               </a:rPr>
-              <a:t>ve</a:t>
-            </a:r>
-            <a:r>
-              <a:rPr lang="en-US" sz="1200" b="1" spc="-20">
-                <a:solidFill>
-                  <a:srgbClr val="020302"/>
-                </a:solidFill>
-                <a:latin typeface="Adobe Clean"/>
-                <a:cs typeface="Adobe Clean"/>
-              </a:rPr>
-              <a:t>r</a:t>
-            </a:r>
-            <a:r>
-              <a:rPr lang="en-US" sz="1200" b="1" spc="-25">
-                <a:solidFill>
-                  <a:srgbClr val="020302"/>
-                </a:solidFill>
-                <a:latin typeface="Adobe Clean"/>
-                <a:cs typeface="Adobe Clean"/>
-              </a:rPr>
-              <a:t>n</a:t>
-            </a:r>
-            <a:r>
-              <a:rPr lang="en-US" sz="1200" b="1" spc="-20">
-                <a:solidFill>
-                  <a:srgbClr val="020302"/>
-                </a:solidFill>
-                <a:latin typeface="Adobe Clean"/>
-                <a:cs typeface="Adobe Clean"/>
-              </a:rPr>
-              <a:t>a</a:t>
-            </a:r>
-            <a:r>
-              <a:rPr lang="en-US" sz="1200" b="1" spc="-25">
-                <a:solidFill>
-                  <a:srgbClr val="020302"/>
-                </a:solidFill>
-                <a:latin typeface="Adobe Clean"/>
-                <a:cs typeface="Adobe Clean"/>
-              </a:rPr>
-              <a:t>n</a:t>
-            </a:r>
-            <a:r>
-              <a:rPr lang="en-US" sz="1200" b="1" spc="-30">
-                <a:solidFill>
-                  <a:srgbClr val="020302"/>
-                </a:solidFill>
-                <a:latin typeface="Adobe Clean"/>
-                <a:cs typeface="Adobe Clean"/>
-              </a:rPr>
-              <a:t>c</a:t>
-            </a:r>
-            <a:r>
-              <a:rPr lang="en-US" sz="1200" b="1">
-                <a:solidFill>
-                  <a:srgbClr val="020302"/>
-                </a:solidFill>
-                <a:latin typeface="Adobe Clean"/>
-                <a:cs typeface="Adobe Clean"/>
-              </a:rPr>
-              <a:t>e</a:t>
-            </a:r>
-            <a:r>
-              <a:rPr lang="en-US" sz="1200" b="1" spc="-50">
-                <a:solidFill>
-                  <a:srgbClr val="020302"/>
-                </a:solidFill>
-                <a:latin typeface="Adobe Clean"/>
-                <a:cs typeface="Adobe Clean"/>
-              </a:rPr>
-              <a:t> </a:t>
-            </a:r>
-            <a:r>
-              <a:rPr lang="en-US" sz="1200" b="1" spc="-25">
-                <a:solidFill>
-                  <a:srgbClr val="020302"/>
-                </a:solidFill>
-                <a:latin typeface="Adobe Clean"/>
-                <a:cs typeface="Adobe Clean"/>
-              </a:rPr>
-              <a:t>f</a:t>
-            </a:r>
-            <a:r>
-              <a:rPr lang="en-US" sz="1200" b="1" spc="-15">
-                <a:solidFill>
-                  <a:srgbClr val="020302"/>
-                </a:solidFill>
-                <a:latin typeface="Adobe Clean"/>
-                <a:cs typeface="Adobe Clean"/>
-              </a:rPr>
-              <a:t>o</a:t>
-            </a:r>
-            <a:r>
-              <a:rPr lang="en-US" sz="1200" b="1">
-                <a:solidFill>
-                  <a:srgbClr val="020302"/>
-                </a:solidFill>
-                <a:latin typeface="Adobe Clean"/>
-                <a:cs typeface="Adobe Clean"/>
-              </a:rPr>
-              <a:t>r</a:t>
-            </a:r>
-            <a:r>
-              <a:rPr lang="en-US" sz="1200" b="1" spc="-45">
-                <a:solidFill>
-                  <a:srgbClr val="020302"/>
-                </a:solidFill>
-                <a:latin typeface="Adobe Clean"/>
-                <a:cs typeface="Adobe Clean"/>
-              </a:rPr>
-              <a:t> </a:t>
-            </a:r>
-            <a:r>
-              <a:rPr lang="en-US" sz="1200" b="1" spc="-30">
-                <a:solidFill>
-                  <a:srgbClr val="020302"/>
-                </a:solidFill>
-                <a:latin typeface="Adobe Clean"/>
-                <a:cs typeface="Adobe Clean"/>
-              </a:rPr>
-              <a:t>A</a:t>
-            </a:r>
-            <a:r>
-              <a:rPr lang="en-US" sz="1200" b="1" spc="-25">
-                <a:solidFill>
-                  <a:srgbClr val="020302"/>
-                </a:solidFill>
-                <a:latin typeface="Adobe Clean"/>
-                <a:cs typeface="Adobe Clean"/>
-              </a:rPr>
-              <a:t>E</a:t>
-            </a:r>
-            <a:r>
-              <a:rPr lang="en-US" sz="1200" b="1">
-                <a:solidFill>
-                  <a:srgbClr val="020302"/>
-                </a:solidFill>
-                <a:latin typeface="Adobe Clean"/>
-                <a:cs typeface="Adobe Clean"/>
-              </a:rPr>
-              <a:t>M</a:t>
-            </a:r>
-            <a:r>
-              <a:rPr lang="en-US" sz="1200" b="1" spc="-50">
-                <a:solidFill>
-                  <a:srgbClr val="020302"/>
-                </a:solidFill>
-                <a:latin typeface="Adobe Clean"/>
-                <a:cs typeface="Adobe Clean"/>
-              </a:rPr>
-              <a:t> </a:t>
-            </a:r>
-            <a:r>
-              <a:rPr lang="en-US" sz="1200" b="1" spc="-20">
-                <a:solidFill>
-                  <a:srgbClr val="020302"/>
-                </a:solidFill>
-                <a:latin typeface="Adobe Clean"/>
-                <a:cs typeface="Adobe Clean"/>
-              </a:rPr>
-              <a:t>a</a:t>
-            </a:r>
-            <a:r>
-              <a:rPr lang="en-US" sz="1200" b="1">
-                <a:solidFill>
-                  <a:srgbClr val="020302"/>
-                </a:solidFill>
-                <a:latin typeface="Adobe Clean"/>
-                <a:cs typeface="Adobe Clean"/>
-              </a:rPr>
-              <a:t>s</a:t>
-            </a:r>
-            <a:r>
-              <a:rPr lang="en-US" sz="1200" b="1" spc="-45">
-                <a:solidFill>
-                  <a:srgbClr val="020302"/>
-                </a:solidFill>
-                <a:latin typeface="Adobe Clean"/>
-                <a:cs typeface="Adobe Clean"/>
-              </a:rPr>
-              <a:t> </a:t>
-            </a:r>
-            <a:r>
-              <a:rPr lang="en-US" sz="1200" b="1">
-                <a:solidFill>
-                  <a:srgbClr val="020302"/>
-                </a:solidFill>
-                <a:latin typeface="Adobe Clean"/>
-                <a:cs typeface="Adobe Clean"/>
-              </a:rPr>
-              <a:t>a</a:t>
-            </a:r>
-            <a:r>
-              <a:rPr lang="en-US" sz="1200" b="1" spc="-40">
-                <a:solidFill>
-                  <a:srgbClr val="020302"/>
-                </a:solidFill>
-                <a:latin typeface="Adobe Clean"/>
-                <a:cs typeface="Adobe Clean"/>
-              </a:rPr>
-              <a:t> </a:t>
-            </a:r>
-            <a:r>
-              <a:rPr lang="en-US" sz="1200" b="1" spc="-15">
-                <a:solidFill>
-                  <a:srgbClr val="020302"/>
-                </a:solidFill>
-                <a:latin typeface="Adobe Clean"/>
-                <a:cs typeface="Adobe Clean"/>
-              </a:rPr>
-              <a:t>C</a:t>
-            </a:r>
-            <a:r>
-              <a:rPr lang="en-US" sz="1200" b="1" spc="-25">
-                <a:solidFill>
-                  <a:srgbClr val="020302"/>
-                </a:solidFill>
-                <a:latin typeface="Adobe Clean"/>
-                <a:cs typeface="Adobe Clean"/>
-              </a:rPr>
-              <a:t>l</a:t>
-            </a:r>
-            <a:r>
-              <a:rPr lang="en-US" sz="1200" b="1" spc="-15">
-                <a:solidFill>
-                  <a:srgbClr val="020302"/>
-                </a:solidFill>
-                <a:latin typeface="Adobe Clean"/>
-                <a:cs typeface="Adobe Clean"/>
-              </a:rPr>
-              <a:t>ou</a:t>
-            </a:r>
-            <a:r>
-              <a:rPr lang="en-US" sz="1200" b="1">
-                <a:solidFill>
-                  <a:srgbClr val="020302"/>
-                </a:solidFill>
-                <a:latin typeface="Adobe Clean"/>
-                <a:cs typeface="Adobe Clean"/>
-              </a:rPr>
-              <a:t>d</a:t>
-            </a:r>
-            <a:r>
-              <a:rPr lang="en-US" sz="1200" b="1" spc="-50">
-                <a:solidFill>
-                  <a:srgbClr val="020302"/>
-                </a:solidFill>
-                <a:latin typeface="Adobe Clean"/>
-                <a:cs typeface="Adobe Clean"/>
-              </a:rPr>
-              <a:t> </a:t>
-            </a:r>
-            <a:r>
-              <a:rPr lang="en-US" sz="1200" b="1" spc="-20">
-                <a:solidFill>
-                  <a:srgbClr val="020302"/>
-                </a:solidFill>
-                <a:latin typeface="Adobe Clean"/>
-                <a:cs typeface="Adobe Clean"/>
-              </a:rPr>
-              <a:t>S</a:t>
-            </a:r>
-            <a:r>
-              <a:rPr lang="en-US" sz="1200" b="1" spc="-25">
-                <a:solidFill>
-                  <a:srgbClr val="020302"/>
-                </a:solidFill>
-                <a:latin typeface="Adobe Clean"/>
-                <a:cs typeface="Adobe Clean"/>
-              </a:rPr>
-              <a:t>e</a:t>
-            </a:r>
-            <a:r>
-              <a:rPr lang="en-US" sz="1200" b="1" spc="-20">
-                <a:solidFill>
-                  <a:srgbClr val="020302"/>
-                </a:solidFill>
-                <a:latin typeface="Adobe Clean"/>
-                <a:cs typeface="Adobe Clean"/>
-              </a:rPr>
-              <a:t>r</a:t>
-            </a:r>
-            <a:r>
-              <a:rPr lang="en-US" sz="1200" b="1" spc="-25">
-                <a:solidFill>
-                  <a:srgbClr val="020302"/>
-                </a:solidFill>
-                <a:latin typeface="Adobe Clean"/>
-                <a:cs typeface="Adobe Clean"/>
-              </a:rPr>
-              <a:t>v</a:t>
-            </a:r>
-            <a:r>
-              <a:rPr lang="en-US" sz="1200" b="1" spc="-20">
-                <a:solidFill>
-                  <a:srgbClr val="020302"/>
-                </a:solidFill>
-                <a:latin typeface="Adobe Clean"/>
-                <a:cs typeface="Adobe Clean"/>
-              </a:rPr>
-              <a:t>i</a:t>
-            </a:r>
-            <a:r>
-              <a:rPr lang="en-US" sz="1200" b="1" spc="-30">
-                <a:solidFill>
-                  <a:srgbClr val="020302"/>
-                </a:solidFill>
-                <a:latin typeface="Adobe Clean"/>
-                <a:cs typeface="Adobe Clean"/>
-              </a:rPr>
-              <a:t>c</a:t>
-            </a:r>
-            <a:r>
-              <a:rPr lang="en-US" sz="1200" b="1">
-                <a:solidFill>
-                  <a:srgbClr val="020302"/>
-                </a:solidFill>
-                <a:latin typeface="Adobe Clean"/>
-                <a:cs typeface="Adobe Clean"/>
-              </a:rPr>
-              <a:t>e</a:t>
-            </a:r>
-            <a:endParaRPr lang="en-US" sz="1200">
-              <a:latin typeface="Adobe Clean"/>
-              <a:cs typeface="Adobe Clean"/>
-            </a:endParaRPr>
+              <a:t>as a Cloud Service</a:t>
+            </a:r>
           </a:p>
         </p:txBody>
       </p:sp>
@@ -12312,8 +9394,8 @@
         </p:nvSpPr>
         <p:spPr>
           <a:xfrm>
-            <a:off x="689237" y="1102554"/>
-            <a:ext cx="1036205" cy="197490"/>
+            <a:off x="689237" y="1102553"/>
+            <a:ext cx="1373941" cy="197490"/>
           </a:xfrm>
           <a:prstGeom prst="rect">
             <a:avLst/>
@@ -12334,99 +9416,15 @@
               </a:spcBef>
             </a:pPr>
             <a:r>
-              <a:rPr lang="en-US" sz="1200" b="1" spc="-20">
+              <a:rPr lang="it-IT" sz="1200" b="1" dirty="0">
                 <a:solidFill>
                   <a:srgbClr val="020302"/>
                 </a:solidFill>
                 <a:latin typeface="Adobe Clean"/>
                 <a:cs typeface="Adobe Clean"/>
               </a:rPr>
-              <a:t>Cas</a:t>
-            </a:r>
-            <a:r>
-              <a:rPr sz="1200" b="1">
-                <a:solidFill>
-                  <a:srgbClr val="020302"/>
-                </a:solidFill>
-                <a:latin typeface="Adobe Clean"/>
-                <a:cs typeface="Adobe Clean"/>
-              </a:rPr>
-              <a:t>e</a:t>
-            </a:r>
-            <a:r>
-              <a:rPr sz="1200" b="1" spc="-80">
-                <a:solidFill>
-                  <a:srgbClr val="020302"/>
-                </a:solidFill>
-                <a:latin typeface="Adobe Clean"/>
-                <a:cs typeface="Adobe Clean"/>
-              </a:rPr>
-              <a:t> </a:t>
-            </a:r>
-            <a:r>
-              <a:rPr sz="1200" b="1" spc="-20">
-                <a:solidFill>
-                  <a:srgbClr val="020302"/>
-                </a:solidFill>
-                <a:latin typeface="Adobe Clean"/>
-                <a:cs typeface="Adobe Clean"/>
-              </a:rPr>
-              <a:t>R</a:t>
-            </a:r>
-            <a:r>
-              <a:rPr sz="1200" b="1" spc="-25">
-                <a:solidFill>
-                  <a:srgbClr val="020302"/>
-                </a:solidFill>
-                <a:latin typeface="Adobe Clean"/>
-                <a:cs typeface="Adobe Clean"/>
-              </a:rPr>
-              <a:t>e</a:t>
-            </a:r>
-            <a:r>
-              <a:rPr sz="1200" b="1" spc="-30">
-                <a:solidFill>
-                  <a:srgbClr val="020302"/>
-                </a:solidFill>
-                <a:latin typeface="Adobe Clean"/>
-                <a:cs typeface="Adobe Clean"/>
-              </a:rPr>
-              <a:t>v</a:t>
-            </a:r>
-            <a:r>
-              <a:rPr sz="1200" b="1" spc="-20">
-                <a:solidFill>
-                  <a:srgbClr val="020302"/>
-                </a:solidFill>
-                <a:latin typeface="Adobe Clean"/>
-                <a:cs typeface="Adobe Clean"/>
-              </a:rPr>
-              <a:t>i</a:t>
-            </a:r>
-            <a:r>
-              <a:rPr sz="1200" b="1" spc="-25">
-                <a:solidFill>
-                  <a:srgbClr val="020302"/>
-                </a:solidFill>
-                <a:latin typeface="Adobe Clean"/>
-                <a:cs typeface="Adobe Clean"/>
-              </a:rPr>
-              <a:t>ew</a:t>
-            </a:r>
-            <a:r>
-              <a:rPr sz="1200" b="1">
-                <a:solidFill>
-                  <a:srgbClr val="020302"/>
-                </a:solidFill>
-                <a:latin typeface="Adobe Clean"/>
-                <a:cs typeface="Adobe Clean"/>
-              </a:rPr>
-              <a:t>s</a:t>
-            </a:r>
-            <a:endParaRPr sz="1200">
-              <a:latin typeface="Adobe Clean"/>
-              <a:cs typeface="Adobe Clean"/>
-            </a:endParaRPr>
+              <a:t>Valutazione dei casi</a:t>
+            </a:r>
           </a:p>
         </p:txBody>
       </p:sp>
@@ -12505,18 +9503,14 @@
               </a:spcBef>
             </a:pPr>
             <a:r>
-              <a:rPr lang="en-US" sz="1000">
+              <a:rPr lang="it-IT" sz="1000">
                 <a:solidFill>
                   <a:srgbClr val="4B4B4B"/>
                 </a:solidFill>
                 <a:latin typeface="Adobe Clean Light" panose="020B0303020404020204" pitchFamily="34" charset="0"/>
               </a:rPr>
-              <a:t>Regular scheduled review of open support requests, ensuring customer alignment on case description, business impact, status, priority and agreement on next steps required to ensure an expedient resolution.</a:t>
-            </a:r>
-            <a:endParaRPr sz="1000">
-              <a:latin typeface="Adobe Clean Light" panose="020B0303020404020204" pitchFamily="34" charset="0"/>
-              <a:cs typeface="AdobeClean-Light"/>
-            </a:endParaRPr>
+              <a:t>Valutazione periodica programmata delle richieste di supporto aperte, per garantirne l’allineamento in termini di descrizione dei casi, impatto sul business, stato, priorità e accordi sulle azioni successive necessarie a garantire una rapida risoluzione.</a:t>
+            </a:r>
           </a:p>
         </p:txBody>
       </p:sp>
@@ -12556,19 +9550,15 @@
               </a:spcBef>
             </a:pPr>
             <a:r>
-              <a:rPr lang="en-US" sz="1400" b="1" spc="-10">
+              <a:rPr lang="it-IT" sz="1400" b="1">
                 <a:solidFill>
                   <a:srgbClr val="020302"/>
                 </a:solidFill>
                 <a:latin typeface="Adobe Clean"/>
                 <a:cs typeface="Adobe Clean"/>
               </a:rPr>
-              <a:t>Cloud Support Activities - AEM</a:t>
-            </a:r>
-            <a:endParaRPr lang="en-US" sz="1400">
-              <a:latin typeface="Adobe Clean"/>
-              <a:cs typeface="Adobe Clean"/>
-            </a:endParaRPr>
+              <a:t>Attività di supporto cloud - AEM</a:t>
+            </a:r>
           </a:p>
         </p:txBody>
       </p:sp>
@@ -12651,7 +9641,7 @@
         </p:blipFill>
         <p:spPr>
           <a:xfrm>
-            <a:off x="2569142" y="3892352"/>
+            <a:off x="2705069" y="3892352"/>
             <a:ext cx="461665" cy="461665"/>
           </a:xfrm>
           <a:prstGeom prst="rect">
@@ -13447,109 +10437,15 @@
               </a:lnSpc>
             </a:pPr>
             <a:r>
-              <a:rPr sz="800" spc="-10">
+              <a:rPr lang="it-IT" sz="800">
                 <a:solidFill>
                   <a:srgbClr val="6D6D6D"/>
                 </a:solidFill>
                 <a:latin typeface="Adobe Clean"/>
                 <a:cs typeface="Adobe Clean"/>
               </a:rPr>
-              <a:t>©202</a:t>
-            </a:r>
-            <a:r>
-              <a:rPr lang="en-US" sz="800" spc="-10">
-                <a:solidFill>
-                  <a:srgbClr val="6D6D6D"/>
-                </a:solidFill>
-                <a:latin typeface="Adobe Clean"/>
-                <a:cs typeface="Adobe Clean"/>
-              </a:rPr>
-              <a:t>1</a:t>
-            </a:r>
-            <a:r>
-              <a:rPr sz="800" spc="-5">
-                <a:solidFill>
-                  <a:srgbClr val="6D6D6D"/>
-                </a:solidFill>
-                <a:latin typeface="Adobe Clean"/>
-                <a:cs typeface="Adobe Clean"/>
-              </a:rPr>
-              <a:t> Adobe. All</a:t>
-            </a:r>
-            <a:r>
-              <a:rPr sz="800" spc="-15">
-                <a:solidFill>
-                  <a:srgbClr val="6D6D6D"/>
-                </a:solidFill>
-                <a:latin typeface="Adobe Clean"/>
-                <a:cs typeface="Adobe Clean"/>
-              </a:rPr>
-              <a:t> </a:t>
-            </a:r>
-            <a:r>
-              <a:rPr sz="800" spc="-10">
-                <a:solidFill>
-                  <a:srgbClr val="6D6D6D"/>
-                </a:solidFill>
-                <a:latin typeface="Adobe Clean"/>
-                <a:cs typeface="Adobe Clean"/>
-              </a:rPr>
-              <a:t>Rights</a:t>
-            </a:r>
-            <a:r>
-              <a:rPr sz="800" spc="-5">
-                <a:solidFill>
-                  <a:srgbClr val="6D6D6D"/>
-                </a:solidFill>
-                <a:latin typeface="Adobe Clean"/>
-                <a:cs typeface="Adobe Clean"/>
-              </a:rPr>
-              <a:t> </a:t>
-            </a:r>
-            <a:r>
-              <a:rPr sz="800" spc="-10">
-                <a:solidFill>
-                  <a:srgbClr val="6D6D6D"/>
-                </a:solidFill>
-                <a:latin typeface="Adobe Clean"/>
-                <a:cs typeface="Adobe Clean"/>
-              </a:rPr>
-              <a:t>Reserved.</a:t>
-            </a:r>
-            <a:r>
-              <a:rPr sz="800" spc="-5">
-                <a:solidFill>
-                  <a:srgbClr val="6D6D6D"/>
-                </a:solidFill>
-                <a:latin typeface="Adobe Clean"/>
-                <a:cs typeface="Adobe Clean"/>
-              </a:rPr>
-              <a:t> Adobe</a:t>
-            </a:r>
-            <a:r>
-              <a:rPr sz="800" spc="75">
-                <a:solidFill>
-                  <a:srgbClr val="6D6D6D"/>
-                </a:solidFill>
-                <a:latin typeface="Adobe Clean"/>
-                <a:cs typeface="Adobe Clean"/>
-              </a:rPr>
-              <a:t> </a:t>
-            </a:r>
-            <a:r>
-              <a:rPr sz="800" spc="-10">
-                <a:solidFill>
-                  <a:srgbClr val="6D6D6D"/>
-                </a:solidFill>
-                <a:latin typeface="Adobe Clean"/>
-                <a:cs typeface="Adobe Clean"/>
-              </a:rPr>
-              <a:t>Confidential.</a:t>
-            </a:r>
-            <a:endParaRPr sz="800">
-              <a:latin typeface="Adobe Clean"/>
-              <a:cs typeface="Adobe Clean"/>
-            </a:endParaRPr>
+              <a:t>©2021 Adobe. All Rights Reserved. Adobe Confidential.</a:t>
+            </a:r>
           </a:p>
         </p:txBody>
       </p:sp>
@@ -13561,8 +10457,8 @@
         </p:nvSpPr>
         <p:spPr>
           <a:xfrm>
-            <a:off x="4724780" y="914778"/>
-            <a:ext cx="1954230" cy="57597"/>
+            <a:off x="4625924" y="914778"/>
+            <a:ext cx="2222172" cy="63806"/>
           </a:xfrm>
           <a:custGeom>
             <a:avLst/>
@@ -13603,7 +10499,7 @@
         </p:nvSpPr>
         <p:spPr>
           <a:xfrm>
-            <a:off x="4843270" y="589788"/>
+            <a:off x="4645559" y="589788"/>
             <a:ext cx="2588260" cy="228268"/>
           </a:xfrm>
           <a:prstGeom prst="rect">
@@ -13625,179 +10521,15 @@
               </a:spcBef>
             </a:pPr>
             <a:r>
-              <a:rPr sz="1400" b="1" spc="-25">
+              <a:rPr lang="it-IT" sz="1400" b="1" dirty="0">
                 <a:solidFill>
                   <a:srgbClr val="020302"/>
                 </a:solidFill>
                 <a:latin typeface="Adobe Clean"/>
                 <a:cs typeface="Adobe Clean"/>
               </a:rPr>
-              <a:t>Fi</a:t>
-            </a:r>
-            <a:r>
-              <a:rPr sz="1400" b="1" spc="-30">
-                <a:solidFill>
-                  <a:srgbClr val="020302"/>
-                </a:solidFill>
-                <a:latin typeface="Adobe Clean"/>
-                <a:cs typeface="Adobe Clean"/>
-              </a:rPr>
-              <a:t>e</a:t>
-            </a:r>
-            <a:r>
-              <a:rPr sz="1400" b="1" spc="-25">
-                <a:solidFill>
-                  <a:srgbClr val="020302"/>
-                </a:solidFill>
-                <a:latin typeface="Adobe Clean"/>
-                <a:cs typeface="Adobe Clean"/>
-              </a:rPr>
-              <a:t>l</a:t>
-            </a:r>
-            <a:r>
-              <a:rPr sz="1400" b="1">
-                <a:solidFill>
-                  <a:srgbClr val="020302"/>
-                </a:solidFill>
-                <a:latin typeface="Adobe Clean"/>
-                <a:cs typeface="Adobe Clean"/>
-              </a:rPr>
-              <a:t>d</a:t>
-            </a:r>
-            <a:r>
-              <a:rPr sz="1400" b="1" spc="-45">
-                <a:solidFill>
-                  <a:srgbClr val="020302"/>
-                </a:solidFill>
-                <a:latin typeface="Adobe Clean"/>
-                <a:cs typeface="Adobe Clean"/>
-              </a:rPr>
-              <a:t> </a:t>
-            </a:r>
-            <a:r>
-              <a:rPr sz="1400" b="1" spc="20">
-                <a:solidFill>
-                  <a:srgbClr val="020302"/>
-                </a:solidFill>
-                <a:latin typeface="Adobe Clean"/>
-                <a:cs typeface="Adobe Clean"/>
-              </a:rPr>
-              <a:t>S</a:t>
-            </a:r>
-            <a:r>
-              <a:rPr sz="1400" b="1" spc="10">
-                <a:solidFill>
-                  <a:srgbClr val="020302"/>
-                </a:solidFill>
-                <a:latin typeface="Adobe Clean"/>
-                <a:cs typeface="Adobe Clean"/>
-              </a:rPr>
-              <a:t>e</a:t>
-            </a:r>
-            <a:r>
-              <a:rPr sz="1400" b="1" spc="15">
-                <a:solidFill>
-                  <a:srgbClr val="020302"/>
-                </a:solidFill>
-                <a:latin typeface="Adobe Clean"/>
-                <a:cs typeface="Adobe Clean"/>
-              </a:rPr>
-              <a:t>rvi</a:t>
-            </a:r>
-            <a:r>
-              <a:rPr sz="1400" b="1" spc="10">
-                <a:solidFill>
-                  <a:srgbClr val="020302"/>
-                </a:solidFill>
-                <a:latin typeface="Adobe Clean"/>
-                <a:cs typeface="Adobe Clean"/>
-              </a:rPr>
-              <a:t>c</a:t>
-            </a:r>
-            <a:r>
-              <a:rPr sz="1400" b="1">
-                <a:solidFill>
-                  <a:srgbClr val="020302"/>
-                </a:solidFill>
-                <a:latin typeface="Adobe Clean"/>
-                <a:cs typeface="Adobe Clean"/>
-              </a:rPr>
-              <a:t>e</a:t>
-            </a:r>
-            <a:r>
-              <a:rPr sz="1400" b="1" spc="-190">
-                <a:solidFill>
-                  <a:srgbClr val="020302"/>
-                </a:solidFill>
-                <a:latin typeface="Adobe Clean"/>
-                <a:cs typeface="Adobe Clean"/>
-              </a:rPr>
-              <a:t> </a:t>
-            </a:r>
-            <a:r>
-              <a:rPr sz="1400" b="1" spc="5">
-                <a:solidFill>
-                  <a:srgbClr val="020302"/>
-                </a:solidFill>
-                <a:latin typeface="Adobe Clean"/>
-                <a:cs typeface="Adobe Clean"/>
-              </a:rPr>
-              <a:t>A</a:t>
-            </a:r>
-            <a:r>
-              <a:rPr sz="1400" b="1">
-                <a:solidFill>
-                  <a:srgbClr val="020302"/>
-                </a:solidFill>
-                <a:latin typeface="Adobe Clean"/>
-                <a:cs typeface="Adobe Clean"/>
-              </a:rPr>
-              <a:t>ct</a:t>
-            </a:r>
-            <a:r>
-              <a:rPr sz="1400" b="1" spc="5">
-                <a:solidFill>
-                  <a:srgbClr val="020302"/>
-                </a:solidFill>
-                <a:latin typeface="Adobe Clean"/>
-                <a:cs typeface="Adobe Clean"/>
-              </a:rPr>
-              <a:t>ivi</a:t>
-            </a:r>
-            <a:r>
-              <a:rPr sz="1400" b="1">
-                <a:solidFill>
-                  <a:srgbClr val="020302"/>
-                </a:solidFill>
-                <a:latin typeface="Adobe Clean"/>
-                <a:cs typeface="Adobe Clean"/>
-              </a:rPr>
-              <a:t>t</a:t>
-            </a:r>
-            <a:r>
-              <a:rPr sz="1400" b="1" spc="5">
-                <a:solidFill>
-                  <a:srgbClr val="020302"/>
-                </a:solidFill>
-                <a:latin typeface="Adobe Clean"/>
-                <a:cs typeface="Adobe Clean"/>
-              </a:rPr>
-              <a:t>i</a:t>
-            </a:r>
-            <a:r>
-              <a:rPr sz="1400" b="1">
-                <a:solidFill>
-                  <a:srgbClr val="020302"/>
-                </a:solidFill>
-                <a:latin typeface="Adobe Clean"/>
-                <a:cs typeface="Adobe Clean"/>
-              </a:rPr>
-              <a:t>es</a:t>
-            </a:r>
-            <a:endParaRPr sz="1400">
-              <a:latin typeface="Adobe Clean"/>
-              <a:cs typeface="Adobe Clean"/>
-            </a:endParaRPr>
+              <a:t>Attività di servizio sul campo</a:t>
+            </a:r>
           </a:p>
         </p:txBody>
       </p:sp>
@@ -13831,99 +10563,15 @@
               </a:spcBef>
             </a:pPr>
             <a:r>
-              <a:rPr sz="1400" b="1" spc="-20">
+              <a:rPr lang="it-IT" sz="1400" b="1">
                 <a:solidFill>
                   <a:srgbClr val="020302"/>
                 </a:solidFill>
                 <a:latin typeface="Adobe Clean"/>
                 <a:cs typeface="Adobe Clean"/>
               </a:rPr>
-              <a:t>L</a:t>
-            </a:r>
-            <a:r>
-              <a:rPr sz="1400" b="1" spc="-10">
-                <a:solidFill>
-                  <a:srgbClr val="020302"/>
-                </a:solidFill>
-                <a:latin typeface="Adobe Clean"/>
-                <a:cs typeface="Adobe Clean"/>
-              </a:rPr>
-              <a:t>a</a:t>
-            </a:r>
-            <a:r>
-              <a:rPr sz="1400" b="1" spc="-15">
-                <a:solidFill>
-                  <a:srgbClr val="020302"/>
-                </a:solidFill>
-                <a:latin typeface="Adobe Clean"/>
-                <a:cs typeface="Adobe Clean"/>
-              </a:rPr>
-              <a:t>un</a:t>
-            </a:r>
-            <a:r>
-              <a:rPr sz="1400" b="1" spc="-20">
-                <a:solidFill>
-                  <a:srgbClr val="020302"/>
-                </a:solidFill>
-                <a:latin typeface="Adobe Clean"/>
-                <a:cs typeface="Adobe Clean"/>
-              </a:rPr>
-              <a:t>c</a:t>
-            </a:r>
-            <a:r>
-              <a:rPr sz="1400" b="1">
-                <a:solidFill>
-                  <a:srgbClr val="020302"/>
-                </a:solidFill>
-                <a:latin typeface="Adobe Clean"/>
-                <a:cs typeface="Adobe Clean"/>
-              </a:rPr>
-              <a:t>h</a:t>
-            </a:r>
-            <a:r>
-              <a:rPr sz="1400" b="1" spc="-30">
-                <a:solidFill>
-                  <a:srgbClr val="020302"/>
-                </a:solidFill>
-                <a:latin typeface="Adobe Clean"/>
-                <a:cs typeface="Adobe Clean"/>
-              </a:rPr>
-              <a:t> </a:t>
-            </a:r>
-            <a:r>
-              <a:rPr sz="1400" b="1" spc="-10">
-                <a:solidFill>
-                  <a:srgbClr val="020302"/>
-                </a:solidFill>
-                <a:latin typeface="Adobe Clean"/>
-                <a:cs typeface="Adobe Clean"/>
-              </a:rPr>
-              <a:t>Advisor</a:t>
-            </a:r>
-            <a:r>
-              <a:rPr sz="1400" b="1">
-                <a:solidFill>
-                  <a:srgbClr val="020302"/>
-                </a:solidFill>
-                <a:latin typeface="Adobe Clean"/>
-                <a:cs typeface="Adobe Clean"/>
-              </a:rPr>
-              <a:t>y</a:t>
-            </a:r>
-            <a:r>
-              <a:rPr sz="1400" b="1" spc="-60">
-                <a:solidFill>
-                  <a:srgbClr val="020302"/>
-                </a:solidFill>
-                <a:latin typeface="Adobe Clean"/>
-                <a:cs typeface="Adobe Clean"/>
-              </a:rPr>
-              <a:t> </a:t>
-            </a:r>
-            <a:endParaRPr sz="1400">
-              <a:latin typeface="Adobe Clean"/>
-              <a:cs typeface="Adobe Clean"/>
-            </a:endParaRPr>
+              <a:t>Launch Advisory </a:t>
+            </a:r>
           </a:p>
         </p:txBody>
       </p:sp>
@@ -13954,106 +10602,88 @@
               </a:spcBef>
             </a:pPr>
             <a:r>
-              <a:rPr lang="en-US" sz="1000">
+              <a:rPr lang="it-IT" sz="1000">
                 <a:solidFill>
                   <a:srgbClr val="1F1F1F"/>
                 </a:solidFill>
                 <a:latin typeface="AdobeClean-Light"/>
                 <a:cs typeface="AdobeClean-Light"/>
               </a:rPr>
-              <a:t>For customers </a:t>
-            </a:r>
-            <a:r>
-              <a:rPr sz="1000">
-                <a:solidFill>
-                  <a:srgbClr val="1F1F1F"/>
-                </a:solidFill>
-                <a:latin typeface="AdobeClean-Light"/>
-                <a:cs typeface="AdobeClean-Light"/>
-              </a:rPr>
-              <a:t>implementing a </a:t>
-            </a:r>
-            <a:r>
-              <a:rPr sz="1000" b="1">
+              <a:t>Per i clienti che implementano una</a:t>
+            </a:r>
+            <a:r>
+              <a:rPr lang="it-IT" sz="1000" b="1">
                 <a:solidFill>
                   <a:srgbClr val="1F1F1F"/>
                 </a:solidFill>
                 <a:latin typeface="Adobe Clean"/>
                 <a:cs typeface="Adobe Clean"/>
               </a:rPr>
-              <a:t>new Adobe Experience Cloud solution</a:t>
-            </a:r>
-            <a:r>
-              <a:rPr lang="en-US" sz="1000" b="1">
-                <a:solidFill>
-                  <a:srgbClr val="1F1F1F"/>
-                </a:solidFill>
-                <a:latin typeface="Adobe Clean"/>
-                <a:cs typeface="Adobe Clean"/>
-              </a:rPr>
-              <a:t>, </a:t>
-            </a:r>
-            <a:r>
-              <a:rPr lang="en-US" sz="1000">
+              <a:t> nuova soluzione Adobe Experience Cloud, </a:t>
+            </a:r>
+            <a:r>
+              <a:rPr lang="it-IT" sz="1000">
                 <a:latin typeface="Adobe Clean Light" charset="0"/>
                 <a:ea typeface="Adobe Clean Light" charset="0"/>
                 <a:cs typeface="Adobe Clean Light" charset="0"/>
               </a:rPr>
-              <a:t>Launch Advisory </a:t>
-            </a:r>
-            <a:r>
-              <a:rPr lang="en-US" sz="1000">
+              <a:t>Launch Advisory</a:t>
+            </a:r>
+            <a:r>
+              <a:rPr lang="it-IT" sz="1000">
                 <a:solidFill>
                   <a:srgbClr val="000000"/>
                 </a:solidFill>
                 <a:latin typeface="Adobe Clean SemiLight" panose="020B0403020404020204" pitchFamily="34" charset="0"/>
               </a:rPr>
-              <a:t>is a </a:t>
-            </a:r>
-            <a:r>
-              <a:rPr lang="en-US" sz="1000" b="1">
+              <a:t> offre un </a:t>
+            </a:r>
+            <a:r>
+              <a:rPr lang="it-IT" sz="1000" b="1">
                 <a:solidFill>
                   <a:srgbClr val="000000"/>
                 </a:solidFill>
                 <a:latin typeface="Adobe Clean SemiLight" panose="020B0403020404020204" pitchFamily="34" charset="0"/>
               </a:rPr>
-              <a:t>core set of advisory services </a:t>
-            </a:r>
-            <a:r>
-              <a:rPr lang="en-US" sz="1000">
+              <a:t>set principale di servizi di consulenza</a:t>
+            </a:r>
+            <a:r>
+              <a:rPr lang="it-IT" sz="1000">
                 <a:latin typeface="Adobe Clean Light" charset="0"/>
                 <a:ea typeface="Adobe Clean Light" charset="0"/>
                 <a:cs typeface="Adobe Clean Light" charset="0"/>
               </a:rPr>
-              <a:t>and recommendations that </a:t>
-            </a:r>
-            <a:r>
-              <a:rPr lang="en-US" sz="1000">
+              <a:t> e raccomandazioni consolidate, utili per il </a:t>
+            </a:r>
+            <a:r>
+              <a:rPr lang="it-IT" sz="1000" b="1">
                 <a:latin typeface="Adobe Clean Light" charset="0"/>
+                <a:ea typeface="Adobe Clean Light" charset="0"/>
+                <a:cs typeface="Adobe Clean Light" charset="0"/>
               </a:rPr>
-              <a:t>are proven to </a:t>
-            </a:r>
-            <a:r>
-              <a:rPr lang="en-US" sz="1000" b="1">
+              <a:t>successo dell’implementazione</a:t>
+            </a:r>
+            <a:r>
+              <a:rPr lang="it-IT" sz="1000">
                 <a:latin typeface="Adobe Clean Light" charset="0"/>
+                <a:ea typeface="Adobe Clean Light" charset="0"/>
+                <a:cs typeface="Adobe Clean Light" charset="0"/>
               </a:rPr>
-              <a:t>support successful deployments </a:t>
-            </a:r>
-            <a:r>
-              <a:rPr lang="en-US" sz="1000">
+              <a:t> e </a:t>
+            </a:r>
+            <a:r>
+              <a:rPr lang="it-IT" sz="1000" b="1">
                 <a:latin typeface="Adobe Clean Light" charset="0"/>
+                <a:ea typeface="Adobe Clean Light" charset="0"/>
+                <a:cs typeface="Adobe Clean Light" charset="0"/>
               </a:rPr>
-              <a:t>and </a:t>
-            </a:r>
-            <a:r>
-              <a:rPr lang="en-US" sz="1000" b="1">
+              <a:t>per velocizzare il time-to-value</a:t>
+            </a:r>
+            <a:r>
+              <a:rPr lang="it-IT" sz="1000">
                 <a:latin typeface="Adobe Clean Light" charset="0"/>
-              </a:rPr>
-              <a:t>accelerate time-to-value</a:t>
-            </a:r>
-            <a:r>
-              <a:rPr lang="en-US" sz="1000">
-                <a:latin typeface="Adobe Clean Light" charset="0"/>
+                <a:ea typeface="Adobe Clean Light" charset="0"/>
+                <a:cs typeface="Adobe Clean Light" charset="0"/>
               </a:rPr>
               <a:t>.</a:t>
             </a:r>
@@ -14114,75 +10744,68 @@
               </a:spcBef>
             </a:pPr>
             <a:r>
-              <a:rPr lang="en-US" sz="1000">
+              <a:rPr lang="it-IT" sz="1000">
                 <a:solidFill>
                   <a:srgbClr val="4B4B4B"/>
                 </a:solidFill>
                 <a:latin typeface="Adobe Clean Light" panose="020B0303020404020204" pitchFamily="34" charset="0"/>
               </a:rPr>
-              <a:t>Field Services are used for </a:t>
-            </a:r>
-            <a:r>
-              <a:rPr lang="en-US" sz="1000" b="1">
+              <a:t>I servizi sul campo sono utilizzati per la </a:t>
+            </a:r>
+            <a:r>
+              <a:rPr lang="it-IT" sz="1000" b="1">
                 <a:solidFill>
                   <a:srgbClr val="4B4B4B"/>
                 </a:solidFill>
                 <a:latin typeface="Adobe Clean" panose="020B0503020404020204" pitchFamily="34" charset="0"/>
               </a:rPr>
-              <a:t>quick resolution</a:t>
-            </a:r>
-            <a:r>
-              <a:rPr lang="en-US" sz="1000">
+              <a:t>risoluzione rapida</a:t>
+            </a:r>
+            <a:r>
+              <a:rPr lang="it-IT" sz="1000">
                 <a:solidFill>
                   <a:srgbClr val="4B4B4B"/>
                 </a:solidFill>
                 <a:latin typeface="Adobe Clean Light" panose="020B0303020404020204" pitchFamily="34" charset="0"/>
               </a:rPr>
-              <a:t>, focused customer success and accelerated</a:t>
-            </a:r>
-            <a:r>
-              <a:rPr lang="en-US" sz="1000" b="1">
+              <a:t> e si incentrano sul successo dei clienti e la velocizzazione del </a:t>
+            </a:r>
+            <a:r>
+              <a:rPr lang="it-IT" sz="1000" b="1">
                 <a:solidFill>
                   <a:srgbClr val="4B4B4B"/>
                 </a:solidFill>
                 <a:latin typeface="Adobe Clean" panose="020B0503020404020204" pitchFamily="34" charset="0"/>
               </a:rPr>
-              <a:t> time-to-value</a:t>
-            </a:r>
-            <a:r>
-              <a:rPr lang="en-US" sz="1000">
+              <a:t>time-to-value</a:t>
+            </a:r>
+            <a:r>
+              <a:rPr lang="it-IT" sz="1000">
                 <a:solidFill>
                   <a:srgbClr val="4B4B4B"/>
                 </a:solidFill>
                 <a:latin typeface="Adobe Clean Light" panose="020B0303020404020204" pitchFamily="34" charset="0"/>
               </a:rPr>
-              <a:t>. If Launch advisory is active there will be </a:t>
-            </a:r>
-            <a:r>
-              <a:rPr lang="en-US" sz="1000" b="1">
+              <a:t>. Se Launch Advisory è attivo, </a:t>
+            </a:r>
+            <a:r>
+              <a:rPr lang="it-IT" sz="1000" b="1">
                 <a:solidFill>
                   <a:srgbClr val="4B4B4B"/>
                 </a:solidFill>
                 <a:latin typeface="Adobe Clean" panose="020B0503020404020204" pitchFamily="34" charset="0"/>
               </a:rPr>
-              <a:t>no Field Services in year 1 </a:t>
-            </a:r>
-            <a:r>
-              <a:rPr lang="en-US" sz="1000">
+              <a:t>nel primo anno non sono previsti servizi sul campo</a:t>
+            </a:r>
+            <a:r>
+              <a:rPr lang="it-IT" sz="1000">
                 <a:solidFill>
                   <a:srgbClr val="4B4B4B"/>
                 </a:solidFill>
                 <a:latin typeface="Adobe Clean Light" panose="020B0303020404020204" pitchFamily="34" charset="0"/>
               </a:rPr>
-              <a:t>for any solution product covered by an Adobe Support contract. </a:t>
-            </a:r>
-            <a:endParaRPr lang="en-US" sz="1000">
-              <a:solidFill>
-                <a:srgbClr val="1F1F1F"/>
-              </a:solidFill>
-              <a:latin typeface="Adobe Clean Light" panose="020B0303020404020204" pitchFamily="34" charset="0"/>
-              <a:cs typeface="Adobe Clean"/>
-            </a:endParaRPr>
+              <a:t> per i prodotti coperti da un contratto di supporto Adobe. </a:t>
+            </a:r>
           </a:p>
           <a:p>
             <a:pPr marL="24130" marR="5080">
@@ -14359,7 +10982,7 @@
         <p:spPr>
           <a:xfrm>
             <a:off x="172087" y="3867961"/>
-            <a:ext cx="3525469" cy="2336537"/>
+            <a:ext cx="3525469" cy="2490425"/>
           </a:xfrm>
           <a:prstGeom prst="rect">
             <a:avLst/>
@@ -14377,37 +11000,54 @@
               </a:spcBef>
             </a:pPr>
             <a:r>
-              <a:rPr lang="en-US" sz="1000">
+              <a:rPr lang="it-IT" sz="1000" dirty="0">
                 <a:latin typeface="Adobe Clean Light" charset="0"/>
               </a:rPr>
-              <a:t>Adobe solution experts help validate requirements, architecture, development process, and launch readiness reviews </a:t>
-            </a:r>
-            <a:r>
-              <a:rPr lang="en-US" sz="1000">
+              <a:t>Gli esperti delle soluzioni Adobe aiutano a convalidare i requisiti, l’architettura, il processo di sviluppo e lo stato di preparazione, </a:t>
+            </a:r>
+            <a:r>
+              <a:rPr lang="it-IT" sz="1000" dirty="0">
                 <a:solidFill>
                   <a:srgbClr val="000000"/>
                 </a:solidFill>
                 <a:latin typeface="Adobe Clean SemiLight" panose="020B0403020404020204" pitchFamily="34" charset="0"/>
               </a:rPr>
-              <a:t>with </a:t>
-            </a:r>
-            <a:r>
-              <a:rPr lang="en-US" sz="1000" b="1">
+              <a:t>con </a:t>
+            </a:r>
+            <a:r>
+              <a:rPr lang="it-IT" sz="1000" b="1" dirty="0">
                 <a:solidFill>
                   <a:srgbClr val="000000"/>
                 </a:solidFill>
                 <a:latin typeface="Adobe Clean SemiLight" panose="020B0403020404020204" pitchFamily="34" charset="0"/>
               </a:rPr>
-              <a:t>best practice-based guidance </a:t>
-            </a:r>
-            <a:r>
-              <a:rPr lang="en-US" sz="1000">
+              <a:t>indicazioni basate su best practice</a:t>
+            </a:r>
+            <a:r>
+              <a:rPr lang="it-IT" sz="1000" dirty="0">
                 <a:solidFill>
                   <a:srgbClr val="000000"/>
                 </a:solidFill>
                 <a:latin typeface="Adobe Clean SemiLight" panose="020B0403020404020204" pitchFamily="34" charset="0"/>
               </a:rPr>
-              <a:t>to customers and implementation partners.</a:t>
+              <a:t> rivolte ai clienti e ai partner </a:t>
+            </a:r>
+            <a:br>
+              <a:rPr lang="sk-SK" sz="1000" dirty="0">
+                <a:solidFill>
+                  <a:srgbClr val="000000"/>
+                </a:solidFill>
+                <a:latin typeface="Adobe Clean SemiLight" panose="020B0403020404020204" pitchFamily="34" charset="0"/>
+              </a:rPr>
+            </a:br>
+            <a:r>
+              <a:rPr lang="it-IT" sz="1000" dirty="0">
+                <a:solidFill>
+                  <a:srgbClr val="000000"/>
+                </a:solidFill>
+                <a:latin typeface="Adobe Clean SemiLight" panose="020B0403020404020204" pitchFamily="34" charset="0"/>
+              </a:rPr>
+              <a:t>di implementazione.</a:t>
             </a:r>
           </a:p>
           <a:p>
@@ -14416,7 +11056,7 @@
                 <a:spcPts val="100"/>
               </a:spcBef>
             </a:pPr>
-            <a:endParaRPr lang="en-US" sz="1000">
+            <a:endParaRPr lang="en-US" sz="1000" dirty="0">
               <a:solidFill>
                 <a:srgbClr val="1F1F1F"/>
               </a:solidFill>
@@ -14431,22 +11071,33 @@
               </a:spcBef>
             </a:pPr>
             <a:r>
-              <a:rPr lang="en-US" sz="1000">
+              <a:rPr lang="it-IT" sz="1000" dirty="0">
                 <a:latin typeface="Adobe Clean Light" charset="0"/>
               </a:rPr>
-              <a:t>Launch Advisory will align with your project schedule through common milestones (</a:t>
-            </a:r>
-            <a:r>
-              <a:rPr lang="en-US" sz="1000" b="1">
+              <a:t>Launch Advisory si allinea alla pianificazione del progetto</a:t>
+            </a:r>
+            <a:br>
+              <a:rPr lang="sk-SK" sz="1000" dirty="0">
                 <a:latin typeface="Adobe Clean Light" charset="0"/>
               </a:rPr>
-              <a:t>Kickoff, Define, Design, Go-live and Post Launch</a:t>
-            </a:r>
-            <a:r>
-              <a:rPr lang="en-US" sz="1000">
+            </a:br>
+            <a:r>
+              <a:rPr lang="it-IT" sz="1000" dirty="0">
                 <a:latin typeface="Adobe Clean Light" charset="0"/>
               </a:rPr>
-              <a:t>) to guide, validate, assess and make recommendations.</a:t>
+              <a:t>del cliente, con obiettivi intermedi comuni (</a:t>
+            </a:r>
+            <a:r>
+              <a:rPr lang="it-IT" sz="1000" b="1" dirty="0">
+                <a:latin typeface="Adobe Clean Light" charset="0"/>
+              </a:rPr>
+              <a:t>avvio, definizione, progettazione, lancio e post-lancio</a:t>
+            </a:r>
+            <a:r>
+              <a:rPr lang="it-IT" sz="1000" dirty="0">
+                <a:latin typeface="Adobe Clean Light" charset="0"/>
+              </a:rPr>
+              <a:t>) per guidare, convalidare, valutare e formulare raccomandazioni.</a:t>
             </a:r>
           </a:p>
           <a:p>
@@ -14455,7 +11106,7 @@
                 <a:spcPts val="100"/>
               </a:spcBef>
             </a:pPr>
-            <a:endParaRPr lang="en-US" sz="1000">
+            <a:endParaRPr lang="en-US" sz="1000" dirty="0">
               <a:latin typeface="Adobe Clean Light" charset="0"/>
             </a:endParaRPr>
           </a:p>
@@ -14466,10 +11117,10 @@
               </a:spcBef>
             </a:pPr>
             <a:r>
-              <a:rPr lang="en-US" sz="1000">
+              <a:rPr lang="it-IT" sz="1000" dirty="0">
                 <a:latin typeface="Adobe Clean Light" charset="0"/>
               </a:rPr>
-              <a:t>Key Deliverables include:</a:t>
+              <a:t>Il servizio include i seguenti materiali:</a:t>
             </a:r>
           </a:p>
           <a:p>
@@ -14481,8 +11132,8 @@
               <a:buChar char="•"/>
             </a:pPr>
             <a:r>
-              <a:rPr lang="en-US" sz="1000"/>
-              <a:t>Kickoff (including project collaboration plan) deck</a:t>
+              <a:rPr lang="it-IT" sz="1000" dirty="0"/>
+              <a:t>Piano di lancio (incluso il piano di collaborazione al progetto)</a:t>
             </a:r>
           </a:p>
           <a:p>
@@ -14494,8 +11145,8 @@
               <a:buChar char="•"/>
             </a:pPr>
             <a:r>
-              <a:rPr lang="en-US" sz="1000"/>
-              <a:t>Assessment &amp; recommendations document(s)</a:t>
+              <a:rPr lang="it-IT" sz="1000" dirty="0"/>
+              <a:t>Documentazione relativa a valutazione e raccomandazioni</a:t>
             </a:r>
           </a:p>
           <a:p>
@@ -14507,8 +11158,8 @@
               <a:buChar char="•"/>
             </a:pPr>
             <a:r>
-              <a:rPr lang="en-US" sz="1000"/>
-              <a:t>Engagement summary</a:t>
+              <a:rPr lang="it-IT" sz="1000" dirty="0"/>
+              <a:t>Riepilogo dell’ambito delle attività di consulenza</a:t>
             </a:r>
           </a:p>
         </p:txBody>
@@ -14612,8 +11263,8 @@
           <a:p>
             <a:pPr algn="ctr"/>
             <a:r>
-              <a:rPr lang="en-US" sz="1600"/>
-              <a:t>Run &amp; Operate</a:t>
+              <a:rPr lang="it-IT" sz="1600"/>
+              <a:t>Esecuzione e utilizzo</a:t>
             </a:r>
           </a:p>
         </p:txBody>
@@ -14718,8 +11369,8 @@
           <a:p>
             <a:pPr algn="ctr"/>
             <a:r>
-              <a:rPr lang="en-US" sz="1600"/>
-              <a:t>Implementation</a:t>
+              <a:rPr lang="it-IT" sz="1600"/>
+              <a:t>Implementazione</a:t>
             </a:r>
           </a:p>
         </p:txBody>
@@ -14754,8 +11405,8 @@
           <a:p>
             <a:pPr algn="ctr"/>
             <a:r>
-              <a:rPr lang="en-US" sz="1100"/>
-              <a:t>Post Launch</a:t>
+              <a:rPr lang="it-IT" sz="1100"/>
+              <a:t>Post-lancio</a:t>
             </a:r>
           </a:p>
         </p:txBody>
@@ -14775,15 +11426,20 @@
           <p:nvPr/>
         </p:nvPicPr>
         <p:blipFill>
-          <a:blip r:embed="rId4"/>
-          <a:stretch>
-            <a:fillRect/>
-          </a:stretch>
+          <a:blip r:embed="rId4">
+            <a:extLst>
+              <a:ext uri="{28A0092B-C50C-407E-A947-70E740481C1C}">
+                <a14:useLocalDpi xmlns:a14="http://schemas.microsoft.com/office/drawing/2010/main" val="0"/>
+              </a:ext>
+            </a:extLst>
+          </a:blip>
+          <a:srcRect/>
+          <a:stretch/>
         </p:blipFill>
         <p:spPr>
           <a:xfrm>
-            <a:off x="333965" y="6379881"/>
-            <a:ext cx="3097872" cy="2855621"/>
+            <a:off x="334498" y="6379881"/>
+            <a:ext cx="3096805" cy="2855621"/>
           </a:xfrm>
           <a:prstGeom prst="rect">
             <a:avLst/>
@@ -14859,7 +11515,7 @@
         <p:spPr>
           <a:xfrm>
             <a:off x="3855907" y="4694431"/>
-            <a:ext cx="3525469" cy="2310889"/>
+            <a:ext cx="3525469" cy="2464777"/>
           </a:xfrm>
           <a:prstGeom prst="rect">
             <a:avLst/>
@@ -14877,22 +11533,73 @@
               </a:spcBef>
             </a:pPr>
             <a:r>
-              <a:rPr lang="en-US" sz="1000" b="1">
+              <a:rPr lang="it-IT" sz="1000" b="1" dirty="0">
                 <a:solidFill>
                   <a:srgbClr val="000000"/>
                 </a:solidFill>
                 <a:latin typeface="+mj-lt"/>
               </a:rPr>
-              <a:t>Technical Track Activities </a:t>
-            </a:r>
-            <a:r>
-              <a:rPr lang="en-US" sz="1000">
+              <a:t>Le attività tecniche</a:t>
+            </a:r>
+            <a:r>
+              <a:rPr lang="it-IT" sz="1000" dirty="0">
                 <a:solidFill>
                   <a:srgbClr val="000000"/>
                 </a:solidFill>
                 <a:latin typeface="Adobe Clean Light" panose="020B0303020404020204" pitchFamily="34" charset="0"/>
               </a:rPr>
-              <a:t>ensure customers are technically sound and maximizing their tool adoption. Specifically, these types of activities include support and recommendations related to platform configurations, integrations and troubleshooting</a:t>
+              <a:t> supportano le competenze tecniche del clienti e sono volte a massimizzare l’adozione degli strumenti. </a:t>
+            </a:r>
+            <a:br>
+              <a:rPr lang="sk-SK" sz="1000" dirty="0">
+                <a:solidFill>
+                  <a:srgbClr val="000000"/>
+                </a:solidFill>
+                <a:latin typeface="Adobe Clean Light" panose="020B0303020404020204" pitchFamily="34" charset="0"/>
+              </a:rPr>
+            </a:br>
+            <a:r>
+              <a:rPr lang="it-IT" sz="1000" dirty="0">
+                <a:solidFill>
+                  <a:srgbClr val="000000"/>
+                </a:solidFill>
+                <a:latin typeface="Adobe Clean Light" panose="020B0303020404020204" pitchFamily="34" charset="0"/>
+              </a:rPr>
+              <a:t>In particolare, includono supporto e raccomandazioni in merito </a:t>
+            </a:r>
+            <a:br>
+              <a:rPr lang="sk-SK" sz="1000" dirty="0">
+                <a:solidFill>
+                  <a:srgbClr val="000000"/>
+                </a:solidFill>
+                <a:latin typeface="Adobe Clean Light" panose="020B0303020404020204" pitchFamily="34" charset="0"/>
+              </a:rPr>
+            </a:br>
+            <a:r>
+              <a:rPr lang="it-IT" sz="1000" dirty="0">
+                <a:solidFill>
+                  <a:srgbClr val="000000"/>
+                </a:solidFill>
+                <a:latin typeface="Adobe Clean Light" panose="020B0303020404020204" pitchFamily="34" charset="0"/>
+              </a:rPr>
+              <a:t>a configurazioni della piattaforma, integrazioni e risoluzione </a:t>
+            </a:r>
+            <a:br>
+              <a:rPr lang="sk-SK" sz="1000" dirty="0">
+                <a:solidFill>
+                  <a:srgbClr val="000000"/>
+                </a:solidFill>
+                <a:latin typeface="Adobe Clean Light" panose="020B0303020404020204" pitchFamily="34" charset="0"/>
+              </a:rPr>
+            </a:br>
+            <a:r>
+              <a:rPr lang="it-IT" sz="1000" dirty="0">
+                <a:solidFill>
+                  <a:srgbClr val="000000"/>
+                </a:solidFill>
+                <a:latin typeface="Adobe Clean Light" panose="020B0303020404020204" pitchFamily="34" charset="0"/>
+              </a:rPr>
+              <a:t>di problemi</a:t>
             </a:r>
           </a:p>
           <a:p>
@@ -14901,7 +11608,7 @@
                 <a:spcPts val="100"/>
               </a:spcBef>
             </a:pPr>
-            <a:endParaRPr lang="en-US" sz="1000">
+            <a:endParaRPr lang="en-US" sz="1000" dirty="0">
               <a:latin typeface="Adobe Clean Light" charset="0"/>
             </a:endParaRPr>
           </a:p>
@@ -14912,10 +11619,10 @@
               </a:spcBef>
             </a:pPr>
             <a:r>
-              <a:rPr lang="en-US" sz="1000">
+              <a:rPr lang="it-IT" sz="1000" dirty="0">
                 <a:latin typeface="Adobe Clean Light" charset="0"/>
               </a:rPr>
-              <a:t>Types of technical activities available::</a:t>
+              <a:t>Attività tecniche disponibili:</a:t>
             </a:r>
           </a:p>
           <a:p>
@@ -14930,8 +11637,8 @@
               <a:buChar char="ü"/>
             </a:pPr>
             <a:r>
-              <a:rPr lang="en-US" sz="1000"/>
-              <a:t>Health audit</a:t>
+              <a:rPr lang="it-IT" sz="1000" dirty="0"/>
+              <a:t>Audit sullo stato del sistema</a:t>
             </a:r>
           </a:p>
           <a:p>
@@ -14946,8 +11653,8 @@
               <a:buChar char="ü"/>
             </a:pPr>
             <a:r>
-              <a:rPr lang="en-US" sz="1000"/>
-              <a:t>Platform audit</a:t>
+              <a:rPr lang="it-IT" sz="1000" dirty="0"/>
+              <a:t>Audit della piattaforma</a:t>
             </a:r>
           </a:p>
           <a:p>
@@ -14962,8 +11669,8 @@
               <a:buChar char="ü"/>
             </a:pPr>
             <a:r>
-              <a:rPr lang="en-US" sz="1000"/>
-              <a:t>Feature set enablement</a:t>
+              <a:rPr lang="it-IT" sz="1000" dirty="0"/>
+              <a:t>Abilitazione del set di funzioni</a:t>
             </a:r>
           </a:p>
           <a:p>
@@ -14978,8 +11685,8 @@
               <a:buChar char="ü"/>
             </a:pPr>
             <a:r>
-              <a:rPr lang="en-US" sz="1000"/>
-              <a:t>Basic integrations and configurations</a:t>
+              <a:rPr lang="it-IT" sz="1000" dirty="0"/>
+              <a:t>Integrazioni e configurazioni di base</a:t>
             </a:r>
           </a:p>
           <a:p>
@@ -14994,8 +11701,8 @@
               <a:buChar char="ü"/>
             </a:pPr>
             <a:r>
-              <a:rPr lang="en-US" sz="1000"/>
-              <a:t>Customer solution troubleshooting</a:t>
+              <a:rPr lang="it-IT" sz="1000" dirty="0"/>
+              <a:t>Risoluzione di problemi inerenti la soluzione del cliente</a:t>
             </a:r>
           </a:p>
           <a:p>
@@ -15010,8 +11717,8 @@
               <a:buChar char="ü"/>
             </a:pPr>
             <a:r>
-              <a:rPr lang="en-US" sz="1000"/>
-              <a:t>Cloud service support</a:t>
+              <a:rPr lang="it-IT" sz="1000" dirty="0"/>
+              <a:t>Supporto dei servizi cloud</a:t>
             </a:r>
           </a:p>
         </p:txBody>
@@ -15049,22 +11756,56 @@
               </a:spcBef>
             </a:pPr>
             <a:r>
-              <a:rPr lang="en-US" sz="1000" b="1">
+              <a:rPr lang="it-IT" sz="1000" b="1" dirty="0">
                 <a:solidFill>
                   <a:srgbClr val="000000"/>
                 </a:solidFill>
                 <a:latin typeface="+mj-lt"/>
               </a:rPr>
-              <a:t>Strategic Track Activities </a:t>
-            </a:r>
-            <a:r>
-              <a:rPr lang="en-US" sz="1000">
+              <a:t>Le attività strategiche</a:t>
+            </a:r>
+            <a:r>
+              <a:rPr lang="it-IT" sz="1000" dirty="0">
                 <a:solidFill>
                   <a:srgbClr val="000000"/>
                 </a:solidFill>
                 <a:latin typeface="Adobe Clean Light" panose="020B0303020404020204" pitchFamily="34" charset="0"/>
               </a:rPr>
-              <a:t>locate opportunities to ensure value is being realized from a customer’s Adobe solutions. They include support recommendations related to strategy, measurement and maturity to drive value realization across one or more Adobe solutions.</a:t>
+              <a:t> rilevano le opportunità che consentono </a:t>
+            </a:r>
+            <a:br>
+              <a:rPr lang="sk-SK" sz="1000" dirty="0">
+                <a:solidFill>
+                  <a:srgbClr val="000000"/>
+                </a:solidFill>
+                <a:latin typeface="Adobe Clean Light" panose="020B0303020404020204" pitchFamily="34" charset="0"/>
+              </a:rPr>
+            </a:br>
+            <a:r>
+              <a:rPr lang="it-IT" sz="1000" dirty="0">
+                <a:solidFill>
+                  <a:srgbClr val="000000"/>
+                </a:solidFill>
+                <a:latin typeface="Adobe Clean Light" panose="020B0303020404020204" pitchFamily="34" charset="0"/>
+              </a:rPr>
+              <a:t>di trarre maggior valore dalle soluzioni Adobe del cliente. Includono raccomandazioni di supporto relative a strategia, misurazione </a:t>
+            </a:r>
+            <a:br>
+              <a:rPr lang="sk-SK" sz="1000" dirty="0">
+                <a:solidFill>
+                  <a:srgbClr val="000000"/>
+                </a:solidFill>
+                <a:latin typeface="Adobe Clean Light" panose="020B0303020404020204" pitchFamily="34" charset="0"/>
+              </a:rPr>
+            </a:br>
+            <a:r>
+              <a:rPr lang="it-IT" sz="1000" dirty="0">
+                <a:solidFill>
+                  <a:srgbClr val="000000"/>
+                </a:solidFill>
+                <a:latin typeface="Adobe Clean Light" panose="020B0303020404020204" pitchFamily="34" charset="0"/>
+              </a:rPr>
+              <a:t>e livello di preparazione per favorire la realizzazione di valore tramite una o più soluzioni Adobe.</a:t>
             </a:r>
           </a:p>
           <a:p>
@@ -15073,7 +11814,7 @@
                 <a:spcPts val="100"/>
               </a:spcBef>
             </a:pPr>
-            <a:endParaRPr lang="en-US" sz="1000">
+            <a:endParaRPr lang="en-US" sz="1000" dirty="0">
               <a:latin typeface="Adobe Clean Light" charset="0"/>
             </a:endParaRPr>
           </a:p>
@@ -15084,10 +11825,10 @@
               </a:spcBef>
             </a:pPr>
             <a:r>
-              <a:rPr lang="en-US" sz="1000">
+              <a:rPr lang="it-IT" sz="1000" dirty="0">
                 <a:latin typeface="Adobe Clean Light" charset="0"/>
               </a:rPr>
-              <a:t>Types of strategic activities available::</a:t>
+              <a:t>Attività strategiche disponibili:</a:t>
             </a:r>
           </a:p>
           <a:p>
@@ -15102,8 +11843,8 @@
               <a:buChar char="ü"/>
             </a:pPr>
             <a:r>
-              <a:rPr lang="en-US" sz="1000"/>
-              <a:t>Maturity Roadmap</a:t>
+              <a:rPr lang="it-IT" sz="1000" dirty="0"/>
+              <a:t>Roadmap sul livello di preparazione</a:t>
             </a:r>
           </a:p>
           <a:p>
@@ -15118,8 +11859,8 @@
               <a:buChar char="ü"/>
             </a:pPr>
             <a:r>
-              <a:rPr lang="en-US" sz="1000"/>
-              <a:t>Use case development/measurement</a:t>
+              <a:rPr lang="it-IT" sz="1000" dirty="0"/>
+              <a:t>Sviluppo e misurazione di casi d’uso</a:t>
             </a:r>
           </a:p>
           <a:p>
@@ -15134,8 +11875,8 @@
               <a:buChar char="ü"/>
             </a:pPr>
             <a:r>
-              <a:rPr lang="en-US" sz="1000"/>
-              <a:t>Reporting &amp; analysis</a:t>
+              <a:rPr lang="it-IT" sz="1000" dirty="0"/>
+              <a:t>Reporting e analisi</a:t>
             </a:r>
           </a:p>
           <a:p>
@@ -15150,8 +11891,8 @@
               <a:buChar char="ü"/>
             </a:pPr>
             <a:r>
-              <a:rPr lang="en-US" sz="1000"/>
-              <a:t>Best practices enablement</a:t>
+              <a:rPr lang="it-IT" sz="1000" dirty="0"/>
+              <a:t>Abilitazione delle best practice</a:t>
             </a:r>
           </a:p>
         </p:txBody>
@@ -15190,73 +11931,96 @@
               </a:spcBef>
             </a:pPr>
             <a:r>
-              <a:rPr lang="en-US" sz="1000">
+              <a:rPr lang="it-IT" sz="1000" dirty="0">
                 <a:solidFill>
                   <a:srgbClr val="1F1F1F"/>
                 </a:solidFill>
                 <a:latin typeface="Adobe Clean" panose="020B0503020404020204" pitchFamily="34" charset="0"/>
                 <a:cs typeface="AdobeClean-Light"/>
               </a:rPr>
-              <a:t>As an Enterprise customer, you are eligible for</a:t>
-            </a:r>
-            <a:r>
-              <a:rPr lang="en-US" sz="1200" b="1" u="sng">
-                <a:solidFill>
-                  <a:srgbClr val="1F1F1F"/>
-                </a:solidFill>
-                <a:cs typeface="AdobeClean-Light"/>
-              </a:rPr>
-              <a:t> 2 </a:t>
-            </a:r>
-            <a:r>
-              <a:rPr lang="en-US" sz="1000" b="1" u="sng">
-                <a:solidFill>
-                  <a:srgbClr val="1F1F1F"/>
-                </a:solidFill>
-                <a:cs typeface="AdobeClean-Light"/>
-              </a:rPr>
-              <a:t>activities per year </a:t>
-            </a:r>
-            <a:r>
-              <a:rPr lang="en-US" sz="1000">
+              <a:t>I clienti Enterprise hanno diritto </a:t>
+            </a:r>
+            <a:br>
+              <a:rPr lang="sk-SK" sz="1000" dirty="0">
                 <a:solidFill>
                   <a:srgbClr val="1F1F1F"/>
                 </a:solidFill>
                 <a:latin typeface="Adobe Clean" panose="020B0503020404020204" pitchFamily="34" charset="0"/>
                 <a:cs typeface="AdobeClean-Light"/>
               </a:rPr>
-              <a:t>from the following two tracks:</a:t>
-            </a:r>
-            <a:r>
-              <a:rPr lang="en-US" sz="1000" b="1">
-                <a:solidFill>
-                  <a:srgbClr val="1F1F1F"/>
-                </a:solidFill>
-                <a:cs typeface="AdobeClean-Light"/>
-              </a:rPr>
-              <a:t> Technical </a:t>
-            </a:r>
-            <a:r>
-              <a:rPr lang="en-US" sz="1000">
+            </a:br>
+            <a:r>
+              <a:rPr lang="it-IT" sz="1000" dirty="0">
                 <a:solidFill>
                   <a:srgbClr val="1F1F1F"/>
                 </a:solidFill>
                 <a:latin typeface="Adobe Clean" panose="020B0503020404020204" pitchFamily="34" charset="0"/>
                 <a:cs typeface="AdobeClean-Light"/>
               </a:rPr>
-              <a:t>and/or </a:t>
-            </a:r>
-            <a:r>
-              <a:rPr lang="en-US" sz="1000" b="1">
+              <a:t>a </a:t>
+            </a:r>
+            <a:r>
+              <a:rPr lang="it-IT" sz="1200" b="1" u="sng" dirty="0">
                 <a:solidFill>
                   <a:srgbClr val="1F1F1F"/>
                 </a:solidFill>
+                <a:latin typeface="Adobe Clean" panose="020B0503020404020204" pitchFamily="34" charset="0"/>
                 <a:cs typeface="AdobeClean-Light"/>
               </a:rPr>
-              <a:t>Strategic</a:t>
-            </a:r>
-            <a:r>
-              <a:rPr lang="en-US" sz="1000">
+              <a:t>2 </a:t>
+            </a:r>
+            <a:r>
+              <a:rPr lang="it-IT" sz="1000" b="1" u="sng" dirty="0">
+                <a:solidFill>
+                  <a:srgbClr val="1F1F1F"/>
+                </a:solidFill>
+                <a:latin typeface="Adobe Clean" panose="020B0503020404020204" pitchFamily="34" charset="0"/>
+                <a:cs typeface="AdobeClean-Light"/>
+              </a:rPr>
+              <a:t>attività all’anno</a:t>
+            </a:r>
+            <a:r>
+              <a:rPr lang="it-IT" sz="1000" dirty="0">
+                <a:solidFill>
+                  <a:srgbClr val="1F1F1F"/>
+                </a:solidFill>
+                <a:latin typeface="Adobe Clean" panose="020B0503020404020204" pitchFamily="34" charset="0"/>
+                <a:cs typeface="AdobeClean-Light"/>
+              </a:rPr>
+              <a:t> di tipo</a:t>
+            </a:r>
+            <a:r>
+              <a:rPr lang="it-IT" sz="1000" b="1" dirty="0">
+                <a:solidFill>
+                  <a:srgbClr val="1F1F1F"/>
+                </a:solidFill>
+                <a:latin typeface="Adobe Clean" panose="020B0503020404020204" pitchFamily="34" charset="0"/>
+                <a:cs typeface="AdobeClean-Light"/>
+              </a:rPr>
+              <a:t> tecnico </a:t>
+            </a:r>
+            <a:r>
+              <a:rPr lang="it-IT" sz="1000" dirty="0">
+                <a:solidFill>
+                  <a:srgbClr val="1F1F1F"/>
+                </a:solidFill>
+                <a:latin typeface="Adobe Clean" panose="020B0503020404020204" pitchFamily="34" charset="0"/>
+                <a:cs typeface="AdobeClean-Light"/>
+              </a:rPr>
+              <a:t>e/o </a:t>
+            </a:r>
+            <a:r>
+              <a:rPr lang="it-IT" sz="1000" b="1" dirty="0">
+                <a:solidFill>
+                  <a:srgbClr val="1F1F1F"/>
+                </a:solidFill>
+                <a:latin typeface="Adobe Clean" panose="020B0503020404020204" pitchFamily="34" charset="0"/>
+                <a:cs typeface="AdobeClean-Light"/>
+              </a:rPr>
+              <a:t>strategico</a:t>
+            </a:r>
+            <a:r>
+              <a:rPr lang="it-IT" sz="1000" dirty="0">
                 <a:solidFill>
                   <a:srgbClr val="1F1F1F"/>
                 </a:solidFill>
@@ -15265,12 +12029,6 @@
               </a:rPr>
               <a:t>.</a:t>
             </a:r>
-            <a:endParaRPr lang="en-US" sz="1000" b="1">
-              <a:solidFill>
-                <a:prstClr val="black"/>
-              </a:solidFill>
-              <a:cs typeface="AdobeClean-Light"/>
-            </a:endParaRPr>
           </a:p>
         </p:txBody>
       </p:sp>
@@ -15304,8 +12062,8 @@
           <a:p>
             <a:pPr algn="ctr"/>
             <a:r>
-              <a:rPr lang="en-US" sz="1100"/>
-              <a:t>Go-Live</a:t>
+              <a:rPr lang="it-IT" sz="1100"/>
+              <a:t>Lancio</a:t>
             </a:r>
           </a:p>
         </p:txBody>
@@ -15340,8 +12098,8 @@
           <a:p>
             <a:pPr algn="ctr"/>
             <a:r>
-              <a:rPr lang="en-US" sz="1100"/>
-              <a:t>Define</a:t>
+              <a:rPr lang="it-IT" sz="1100"/>
+              <a:t>Definizione</a:t>
             </a:r>
           </a:p>
         </p:txBody>
@@ -15376,8 +12134,8 @@
           <a:p>
             <a:pPr algn="ctr"/>
             <a:r>
-              <a:rPr lang="en-US" sz="1100"/>
-              <a:t>Kickoff</a:t>
+              <a:rPr lang="it-IT" sz="1100"/>
+              <a:t>Avvio</a:t>
             </a:r>
           </a:p>
         </p:txBody>
@@ -15396,7 +12154,7 @@
         </p:nvSpPr>
         <p:spPr>
           <a:xfrm>
-            <a:off x="1558548" y="2320287"/>
+            <a:off x="1558548" y="2233788"/>
             <a:ext cx="826006" cy="261610"/>
           </a:xfrm>
           <a:prstGeom prst="rect">
@@ -15412,8 +12170,8 @@
           <a:p>
             <a:pPr algn="ctr"/>
             <a:r>
-              <a:rPr lang="en-US" sz="1100"/>
-              <a:t>Design</a:t>
+              <a:rPr lang="it-IT" sz="1100" dirty="0"/>
+              <a:t>Progettazione</a:t>
             </a:r>
           </a:p>
         </p:txBody>
@@ -15470,14 +12228,14 @@
           <a:p>
             <a:pPr algn="ctr"/>
             <a:r>
-              <a:rPr lang="en-US">
+              <a:rPr lang="it-IT">
                 <a:solidFill>
                   <a:schemeClr val="accent1">
                     <a:lumMod val="50000"/>
                   </a:schemeClr>
                 </a:solidFill>
               </a:rPr>
-              <a:t>2 Activities per Year</a:t>
+              <a:t>2 attività all’anno</a:t>
             </a:r>
           </a:p>
         </p:txBody>
@@ -15539,49 +12297,15 @@
               </a:lnSpc>
             </a:pPr>
             <a:r>
-              <a:rPr sz="500" spc="-5">
+              <a:rPr lang="it-IT" sz="500">
                 <a:solidFill>
                   <a:srgbClr val="6C6C6C"/>
                 </a:solidFill>
                 <a:latin typeface="Adobe Clean"/>
                 <a:cs typeface="Adobe Clean"/>
               </a:rPr>
-              <a:t>©2020 Adobe. All Rights Reserved. </a:t>
-            </a:r>
-            <a:r>
-              <a:rPr sz="500">
-                <a:solidFill>
-                  <a:srgbClr val="6C6C6C"/>
-                </a:solidFill>
-                <a:latin typeface="Adobe Clean"/>
-                <a:cs typeface="Adobe Clean"/>
-              </a:rPr>
-              <a:t>Adobe</a:t>
-            </a:r>
-            <a:r>
-              <a:rPr sz="500" spc="5">
-                <a:solidFill>
-                  <a:srgbClr val="6C6C6C"/>
-                </a:solidFill>
-                <a:latin typeface="Adobe Clean"/>
-                <a:cs typeface="Adobe Clean"/>
-              </a:rPr>
-              <a:t> </a:t>
-            </a:r>
-            <a:r>
-              <a:rPr sz="500" spc="-5">
-                <a:solidFill>
-                  <a:srgbClr val="6C6C6C"/>
-                </a:solidFill>
-                <a:latin typeface="Adobe Clean"/>
-                <a:cs typeface="Adobe Clean"/>
-              </a:rPr>
-              <a:t>Confidential.</a:t>
-            </a:r>
-            <a:endParaRPr sz="500">
-              <a:latin typeface="Adobe Clean"/>
-              <a:cs typeface="Adobe Clean"/>
-            </a:endParaRPr>
+              <a:t>©2020 Adobe. All Rights Reserved. Adobe Confidential.</a:t>
+            </a:r>
           </a:p>
           <a:p>
             <a:pPr>
@@ -15607,39 +12331,15 @@
               </a:spcBef>
             </a:pPr>
             <a:r>
-              <a:rPr sz="800" spc="-5">
+              <a:rPr lang="it-IT" sz="800">
                 <a:solidFill>
                   <a:srgbClr val="6D6D6D"/>
                 </a:solidFill>
                 <a:latin typeface="Adobe Clean"/>
                 <a:cs typeface="Adobe Clean"/>
               </a:rPr>
-              <a:t>©2020 Adobe. All Rights Reserved. Adobe</a:t>
-            </a:r>
-            <a:r>
-              <a:rPr sz="800" spc="75">
-                <a:solidFill>
-                  <a:srgbClr val="6D6D6D"/>
-                </a:solidFill>
-                <a:latin typeface="Adobe Clean"/>
-                <a:cs typeface="Adobe Clean"/>
-              </a:rPr>
-              <a:t> </a:t>
-            </a:r>
-            <a:r>
-              <a:rPr sz="800" spc="-5">
-                <a:solidFill>
-                  <a:srgbClr val="6D6D6D"/>
-                </a:solidFill>
-                <a:latin typeface="Adobe Clean"/>
-                <a:cs typeface="Adobe Clean"/>
-              </a:rPr>
-              <a:t>Confidential.</a:t>
-            </a:r>
-            <a:endParaRPr sz="800">
-              <a:latin typeface="Adobe Clean"/>
-              <a:cs typeface="Adobe Clean"/>
-            </a:endParaRPr>
+              <a:t>©2020 Adobe. All Rights Reserved. Adobe Confidential.</a:t>
+            </a:r>
           </a:p>
         </p:txBody>
       </p:sp>
@@ -15723,19 +12423,15 @@
               </a:spcBef>
             </a:pPr>
             <a:r>
-              <a:rPr lang="en-US" sz="1400" b="1" spc="-15">
+              <a:rPr lang="it-IT" sz="1400" b="1">
                 <a:solidFill>
                   <a:srgbClr val="020302"/>
                 </a:solidFill>
                 <a:latin typeface="Adobe Clean"/>
                 <a:cs typeface="Adobe Clean"/>
               </a:rPr>
-              <a:t>Resources</a:t>
-            </a:r>
-            <a:endParaRPr sz="1400">
-              <a:latin typeface="Adobe Clean"/>
-              <a:cs typeface="Adobe Clean"/>
-            </a:endParaRPr>
+              <a:t>Risorse</a:t>
+            </a:r>
           </a:p>
         </p:txBody>
       </p:sp>
@@ -15769,7 +12465,7 @@
               </a:spcBef>
             </a:pPr>
             <a:r>
-              <a:rPr sz="800" spc="-15">
+              <a:rPr lang="it-IT" sz="800">
                 <a:solidFill>
                   <a:srgbClr val="777879"/>
                 </a:solidFill>
@@ -15778,10 +12474,6 @@
               </a:rPr>
               <a:t>Adobe</a:t>
             </a:r>
-            <a:endParaRPr sz="800">
-              <a:latin typeface="Adobe Clean"/>
-              <a:cs typeface="Adobe Clean"/>
-            </a:endParaRPr>
           </a:p>
           <a:p>
             <a:pPr marL="12700">
@@ -15790,90 +12482,32 @@
               </a:lnSpc>
             </a:pPr>
             <a:r>
-              <a:rPr sz="800" spc="-15">
+              <a:rPr lang="it-IT" sz="800">
                 <a:solidFill>
                   <a:srgbClr val="777879"/>
                 </a:solidFill>
                 <a:latin typeface="Adobe Clean"/>
                 <a:cs typeface="Adobe Clean"/>
               </a:rPr>
-              <a:t>345 Park</a:t>
-            </a:r>
-            <a:r>
-              <a:rPr sz="800" spc="-100">
+              <a:t>345 Park Avenue</a:t>
+            </a:r>
+          </a:p>
+          <a:p>
+            <a:pPr marL="12700">
+              <a:lnSpc>
+                <a:spcPts val="944"/>
+              </a:lnSpc>
+            </a:pPr>
+            <a:r>
+              <a:rPr lang="it-IT" sz="800">
                 <a:solidFill>
                   <a:srgbClr val="777879"/>
                 </a:solidFill>
                 <a:latin typeface="Adobe Clean"/>
                 <a:cs typeface="Adobe Clean"/>
               </a:rPr>
-              <a:t> </a:t>
-            </a:r>
-            <a:r>
-              <a:rPr sz="800" spc="-15">
-                <a:solidFill>
-                  <a:srgbClr val="777879"/>
-                </a:solidFill>
-                <a:latin typeface="Adobe Clean"/>
-                <a:cs typeface="Adobe Clean"/>
-              </a:rPr>
-              <a:t>Avenue</a:t>
-            </a:r>
-            <a:endParaRPr sz="800">
-              <a:latin typeface="Adobe Clean"/>
-              <a:cs typeface="Adobe Clean"/>
-            </a:endParaRPr>
-          </a:p>
-          <a:p>
-            <a:pPr marL="12700">
-              <a:lnSpc>
-                <a:spcPts val="944"/>
-              </a:lnSpc>
-            </a:pPr>
-            <a:r>
-              <a:rPr sz="800" spc="-10">
-                <a:solidFill>
-                  <a:srgbClr val="777879"/>
-                </a:solidFill>
-                <a:latin typeface="Adobe Clean"/>
-                <a:cs typeface="Adobe Clean"/>
-              </a:rPr>
-              <a:t>San </a:t>
-            </a:r>
-            <a:r>
-              <a:rPr sz="800" spc="-15">
-                <a:solidFill>
-                  <a:srgbClr val="777879"/>
-                </a:solidFill>
-                <a:latin typeface="Adobe Clean"/>
-                <a:cs typeface="Adobe Clean"/>
-              </a:rPr>
-              <a:t>Jose,</a:t>
-            </a:r>
-            <a:r>
-              <a:rPr sz="800" spc="-140">
-                <a:solidFill>
-                  <a:srgbClr val="777879"/>
-                </a:solidFill>
-                <a:latin typeface="Adobe Clean"/>
-                <a:cs typeface="Adobe Clean"/>
-              </a:rPr>
-              <a:t> </a:t>
-            </a:r>
-            <a:r>
-              <a:rPr sz="800" spc="-20">
-                <a:solidFill>
-                  <a:srgbClr val="777879"/>
-                </a:solidFill>
-                <a:latin typeface="Adobe Clean"/>
-                <a:cs typeface="Adobe Clean"/>
-              </a:rPr>
-              <a:t>CA95110-2704</a:t>
-            </a:r>
-            <a:endParaRPr sz="800">
-              <a:latin typeface="Adobe Clean"/>
-              <a:cs typeface="Adobe Clean"/>
-            </a:endParaRPr>
+              <a:t>San Jose, CA 95110-2704</a:t>
+            </a:r>
           </a:p>
           <a:p>
             <a:pPr marL="12700">
@@ -15885,7 +12519,7 @@
               </a:spcBef>
             </a:pPr>
             <a:r>
-              <a:rPr sz="800" spc="-10">
+              <a:rPr lang="it-IT" sz="800">
                 <a:solidFill>
                   <a:srgbClr val="777879"/>
                 </a:solidFill>
@@ -15894,10 +12528,6 @@
               </a:rPr>
               <a:t>USA</a:t>
             </a:r>
-            <a:endParaRPr sz="800">
-              <a:latin typeface="Adobe Clean"/>
-              <a:cs typeface="Adobe Clean"/>
-            </a:endParaRPr>
           </a:p>
           <a:p>
             <a:pPr marL="12700">
@@ -15909,7 +12539,7 @@
               </a:spcBef>
             </a:pPr>
             <a:r>
-              <a:rPr sz="800" u="sng" spc="-25">
+              <a:rPr lang="it-IT" sz="800" u="sng">
                 <a:solidFill>
                   <a:srgbClr val="5F5F5F"/>
                 </a:solidFill>
@@ -15924,10 +12554,6 @@
               </a:rPr>
               <a:t>www.adobe.com</a:t>
             </a:r>
-            <a:endParaRPr sz="800">
-              <a:latin typeface="Adobe Clean"/>
-              <a:cs typeface="Adobe Clean"/>
-            </a:endParaRPr>
           </a:p>
         </p:txBody>
       </p:sp>
@@ -16102,409 +12728,15 @@
               </a:spcBef>
             </a:pPr>
             <a:r>
-              <a:rPr sz="1100" i="1" spc="-10">
+              <a:rPr lang="it-IT" sz="1100" i="1">
                 <a:solidFill>
                   <a:srgbClr val="777879"/>
                 </a:solidFill>
                 <a:latin typeface="AdobeClean-LightIt"/>
                 <a:cs typeface="AdobeClean-LightIt"/>
               </a:rPr>
-              <a:t>To</a:t>
-            </a:r>
-            <a:r>
-              <a:rPr sz="1100" i="1" spc="-50">
-                <a:solidFill>
-                  <a:srgbClr val="777879"/>
-                </a:solidFill>
-                <a:latin typeface="AdobeClean-LightIt"/>
-                <a:cs typeface="AdobeClean-LightIt"/>
-              </a:rPr>
-              <a:t> </a:t>
-            </a:r>
-            <a:r>
-              <a:rPr sz="1100" i="1" spc="-15">
-                <a:solidFill>
-                  <a:srgbClr val="777879"/>
-                </a:solidFill>
-                <a:latin typeface="AdobeClean-LightIt"/>
-                <a:cs typeface="AdobeClean-LightIt"/>
-              </a:rPr>
-              <a:t>learn</a:t>
-            </a:r>
-            <a:r>
-              <a:rPr sz="1100" i="1" spc="-40">
-                <a:solidFill>
-                  <a:srgbClr val="777879"/>
-                </a:solidFill>
-                <a:latin typeface="AdobeClean-LightIt"/>
-                <a:cs typeface="AdobeClean-LightIt"/>
-              </a:rPr>
-              <a:t> </a:t>
-            </a:r>
-            <a:r>
-              <a:rPr sz="1100" i="1" spc="-15">
-                <a:solidFill>
-                  <a:srgbClr val="777879"/>
-                </a:solidFill>
-                <a:latin typeface="AdobeClean-LightIt"/>
-                <a:cs typeface="AdobeClean-LightIt"/>
-              </a:rPr>
-              <a:t>more</a:t>
-            </a:r>
-            <a:r>
-              <a:rPr sz="1100" i="1" spc="-45">
-                <a:solidFill>
-                  <a:srgbClr val="777879"/>
-                </a:solidFill>
-                <a:latin typeface="AdobeClean-LightIt"/>
-                <a:cs typeface="AdobeClean-LightIt"/>
-              </a:rPr>
-              <a:t> </a:t>
-            </a:r>
-            <a:r>
-              <a:rPr sz="1100" i="1" spc="-15">
-                <a:solidFill>
-                  <a:srgbClr val="777879"/>
-                </a:solidFill>
-                <a:latin typeface="AdobeClean-LightIt"/>
-                <a:cs typeface="AdobeClean-LightIt"/>
-              </a:rPr>
-              <a:t>about</a:t>
-            </a:r>
-            <a:r>
-              <a:rPr sz="1100" i="1" spc="-45">
-                <a:solidFill>
-                  <a:srgbClr val="777879"/>
-                </a:solidFill>
-                <a:latin typeface="AdobeClean-LightIt"/>
-                <a:cs typeface="AdobeClean-LightIt"/>
-              </a:rPr>
-              <a:t> </a:t>
-            </a:r>
-            <a:r>
-              <a:rPr sz="1100" i="1" spc="-15">
-                <a:solidFill>
-                  <a:srgbClr val="777879"/>
-                </a:solidFill>
-                <a:latin typeface="AdobeClean-LightIt"/>
-                <a:cs typeface="AdobeClean-LightIt"/>
-              </a:rPr>
-              <a:t>Adobe</a:t>
-            </a:r>
-            <a:r>
-              <a:rPr sz="1100" i="1" spc="-50">
-                <a:solidFill>
-                  <a:srgbClr val="777879"/>
-                </a:solidFill>
-                <a:latin typeface="AdobeClean-LightIt"/>
-                <a:cs typeface="AdobeClean-LightIt"/>
-              </a:rPr>
-              <a:t> </a:t>
-            </a:r>
-            <a:r>
-              <a:rPr sz="1100" i="1" spc="-15">
-                <a:solidFill>
-                  <a:srgbClr val="777879"/>
-                </a:solidFill>
-                <a:latin typeface="AdobeClean-LightIt"/>
-                <a:cs typeface="AdobeClean-LightIt"/>
-              </a:rPr>
-              <a:t>Support</a:t>
-            </a:r>
-            <a:r>
-              <a:rPr lang="en-US" sz="1100" i="1" spc="-15">
-                <a:solidFill>
-                  <a:srgbClr val="777879"/>
-                </a:solidFill>
-                <a:latin typeface="AdobeClean-LightIt"/>
-                <a:cs typeface="AdobeClean-LightIt"/>
-              </a:rPr>
-              <a:t> Offerings</a:t>
-            </a:r>
-            <a:r>
-              <a:rPr sz="1100" i="1" spc="-75">
-                <a:solidFill>
-                  <a:srgbClr val="777879"/>
-                </a:solidFill>
-                <a:latin typeface="AdobeClean-LightIt"/>
-                <a:cs typeface="AdobeClean-LightIt"/>
-              </a:rPr>
-              <a:t> </a:t>
-            </a:r>
-            <a:r>
-              <a:rPr sz="1100" i="1" spc="-15">
-                <a:solidFill>
-                  <a:srgbClr val="777879"/>
-                </a:solidFill>
-                <a:latin typeface="AdobeClean-LightIt"/>
-                <a:cs typeface="AdobeClean-LightIt"/>
-              </a:rPr>
-              <a:t>and</a:t>
-            </a:r>
-            <a:r>
-              <a:rPr sz="1100" i="1" spc="-50">
-                <a:solidFill>
-                  <a:srgbClr val="777879"/>
-                </a:solidFill>
-                <a:latin typeface="AdobeClean-LightIt"/>
-                <a:cs typeface="AdobeClean-LightIt"/>
-              </a:rPr>
-              <a:t> </a:t>
-            </a:r>
-            <a:r>
-              <a:rPr sz="1100" i="1" spc="-15">
-                <a:solidFill>
-                  <a:srgbClr val="777879"/>
-                </a:solidFill>
-                <a:latin typeface="AdobeClean-LightIt"/>
-                <a:cs typeface="AdobeClean-LightIt"/>
-              </a:rPr>
-              <a:t>the</a:t>
-            </a:r>
-            <a:r>
-              <a:rPr sz="1100" i="1" spc="-55">
-                <a:solidFill>
-                  <a:srgbClr val="777879"/>
-                </a:solidFill>
-                <a:latin typeface="AdobeClean-LightIt"/>
-                <a:cs typeface="AdobeClean-LightIt"/>
-              </a:rPr>
-              <a:t> </a:t>
-            </a:r>
-            <a:r>
-              <a:rPr sz="1100" i="1" spc="-15">
-                <a:solidFill>
-                  <a:srgbClr val="777879"/>
-                </a:solidFill>
-                <a:latin typeface="AdobeClean-LightIt"/>
-                <a:cs typeface="AdobeClean-LightIt"/>
-              </a:rPr>
-              <a:t>right</a:t>
-            </a:r>
-            <a:r>
-              <a:rPr sz="1100" i="1" spc="-95">
-                <a:solidFill>
-                  <a:srgbClr val="777879"/>
-                </a:solidFill>
-                <a:latin typeface="AdobeClean-LightIt"/>
-                <a:cs typeface="AdobeClean-LightIt"/>
-              </a:rPr>
-              <a:t> </a:t>
-            </a:r>
-            <a:r>
-              <a:rPr sz="1100" i="1" spc="-15">
-                <a:solidFill>
-                  <a:srgbClr val="777879"/>
-                </a:solidFill>
-                <a:latin typeface="AdobeClean-LightIt"/>
-                <a:cs typeface="AdobeClean-LightIt"/>
-              </a:rPr>
-              <a:t>level</a:t>
-            </a:r>
-            <a:r>
-              <a:rPr sz="1100" i="1" spc="-55">
-                <a:solidFill>
-                  <a:srgbClr val="777879"/>
-                </a:solidFill>
-                <a:latin typeface="AdobeClean-LightIt"/>
-                <a:cs typeface="AdobeClean-LightIt"/>
-              </a:rPr>
-              <a:t> </a:t>
-            </a:r>
-            <a:r>
-              <a:rPr sz="1100" i="1" spc="-15">
-                <a:solidFill>
-                  <a:srgbClr val="777879"/>
-                </a:solidFill>
-                <a:latin typeface="AdobeClean-LightIt"/>
-                <a:cs typeface="AdobeClean-LightIt"/>
-              </a:rPr>
-              <a:t>for</a:t>
-            </a:r>
-            <a:r>
-              <a:rPr sz="1100" i="1" spc="-85">
-                <a:solidFill>
-                  <a:srgbClr val="777879"/>
-                </a:solidFill>
-                <a:latin typeface="AdobeClean-LightIt"/>
-                <a:cs typeface="AdobeClean-LightIt"/>
-              </a:rPr>
-              <a:t> </a:t>
-            </a:r>
-            <a:r>
-              <a:rPr sz="1100" i="1" spc="-15">
-                <a:solidFill>
-                  <a:srgbClr val="777879"/>
-                </a:solidFill>
-                <a:latin typeface="AdobeClean-LightIt"/>
-                <a:cs typeface="AdobeClean-LightIt"/>
-              </a:rPr>
-              <a:t>you,</a:t>
-            </a:r>
-            <a:r>
-              <a:rPr sz="1100" i="1" spc="-65">
-                <a:solidFill>
-                  <a:srgbClr val="777879"/>
-                </a:solidFill>
-                <a:latin typeface="AdobeClean-LightIt"/>
-                <a:cs typeface="AdobeClean-LightIt"/>
-              </a:rPr>
-              <a:t> </a:t>
-            </a:r>
-            <a:r>
-              <a:rPr sz="1100" i="1" spc="-15">
-                <a:solidFill>
-                  <a:srgbClr val="777879"/>
-                </a:solidFill>
-                <a:latin typeface="AdobeClean-LightIt"/>
-                <a:cs typeface="AdobeClean-LightIt"/>
-              </a:rPr>
-              <a:t>contact</a:t>
-            </a:r>
-            <a:r>
-              <a:rPr sz="1100" i="1" spc="-85">
-                <a:solidFill>
-                  <a:srgbClr val="777879"/>
-                </a:solidFill>
-                <a:latin typeface="AdobeClean-LightIt"/>
-                <a:cs typeface="AdobeClean-LightIt"/>
-              </a:rPr>
-              <a:t> </a:t>
-            </a:r>
-            <a:r>
-              <a:rPr sz="1100" i="1" spc="-15">
-                <a:solidFill>
-                  <a:srgbClr val="777879"/>
-                </a:solidFill>
-                <a:latin typeface="AdobeClean-LightIt"/>
-                <a:cs typeface="AdobeClean-LightIt"/>
-              </a:rPr>
-              <a:t>your</a:t>
-            </a:r>
-            <a:r>
-              <a:rPr sz="1100" i="1" spc="-70">
-                <a:solidFill>
-                  <a:srgbClr val="777879"/>
-                </a:solidFill>
-                <a:latin typeface="AdobeClean-LightIt"/>
-                <a:cs typeface="AdobeClean-LightIt"/>
-              </a:rPr>
-              <a:t> </a:t>
-            </a:r>
-            <a:r>
-              <a:rPr sz="1100" i="1" spc="-15">
-                <a:solidFill>
-                  <a:srgbClr val="777879"/>
-                </a:solidFill>
-                <a:latin typeface="AdobeClean-LightIt"/>
-                <a:cs typeface="AdobeClean-LightIt"/>
-              </a:rPr>
-              <a:t>Named</a:t>
-            </a:r>
-            <a:r>
-              <a:rPr sz="1100" i="1" spc="-55">
-                <a:solidFill>
-                  <a:srgbClr val="777879"/>
-                </a:solidFill>
-                <a:latin typeface="AdobeClean-LightIt"/>
-                <a:cs typeface="AdobeClean-LightIt"/>
-              </a:rPr>
-              <a:t> </a:t>
-            </a:r>
-            <a:r>
-              <a:rPr sz="1100" i="1" spc="-25">
-                <a:solidFill>
-                  <a:srgbClr val="777879"/>
-                </a:solidFill>
-                <a:latin typeface="AdobeClean-LightIt"/>
-                <a:cs typeface="AdobeClean-LightIt"/>
-              </a:rPr>
-              <a:t>Account</a:t>
-            </a:r>
-            <a:r>
-              <a:rPr sz="1100" i="1" spc="-120">
-                <a:solidFill>
-                  <a:srgbClr val="777879"/>
-                </a:solidFill>
-                <a:latin typeface="AdobeClean-LightIt"/>
-                <a:cs typeface="AdobeClean-LightIt"/>
-              </a:rPr>
-              <a:t> </a:t>
-            </a:r>
-            <a:r>
-              <a:rPr sz="1100" i="1" spc="-20">
-                <a:solidFill>
-                  <a:srgbClr val="777879"/>
-                </a:solidFill>
-                <a:latin typeface="AdobeClean-LightIt"/>
-                <a:cs typeface="AdobeClean-LightIt"/>
-              </a:rPr>
-              <a:t>Manager  </a:t>
-            </a:r>
-            <a:r>
-              <a:rPr sz="1100" i="1" spc="-15">
-                <a:solidFill>
-                  <a:srgbClr val="777879"/>
-                </a:solidFill>
-                <a:latin typeface="AdobeClean-LightIt"/>
-                <a:cs typeface="AdobeClean-LightIt"/>
-              </a:rPr>
-              <a:t>(NAM) </a:t>
-            </a:r>
-            <a:r>
-              <a:rPr sz="1100" i="1" spc="-10">
-                <a:solidFill>
-                  <a:srgbClr val="777879"/>
-                </a:solidFill>
-                <a:latin typeface="AdobeClean-LightIt"/>
-                <a:cs typeface="AdobeClean-LightIt"/>
-              </a:rPr>
-              <a:t>or </a:t>
-            </a:r>
-            <a:r>
-              <a:rPr sz="1100" i="1" spc="-15">
-                <a:solidFill>
-                  <a:srgbClr val="777879"/>
-                </a:solidFill>
-                <a:latin typeface="AdobeClean-LightIt"/>
-                <a:cs typeface="AdobeClean-LightIt"/>
-              </a:rPr>
-              <a:t>Customer </a:t>
-            </a:r>
-            <a:r>
-              <a:rPr sz="1100" i="1" spc="-20">
-                <a:solidFill>
-                  <a:srgbClr val="777879"/>
-                </a:solidFill>
-                <a:latin typeface="AdobeClean-LightIt"/>
-                <a:cs typeface="AdobeClean-LightIt"/>
-              </a:rPr>
-              <a:t>Success</a:t>
-            </a:r>
-            <a:r>
-              <a:rPr sz="1100" i="1" spc="-180">
-                <a:solidFill>
-                  <a:srgbClr val="777879"/>
-                </a:solidFill>
-                <a:latin typeface="AdobeClean-LightIt"/>
-                <a:cs typeface="AdobeClean-LightIt"/>
-              </a:rPr>
-              <a:t> </a:t>
-            </a:r>
-            <a:r>
-              <a:rPr sz="1100" i="1" spc="-15">
-                <a:solidFill>
-                  <a:srgbClr val="777879"/>
-                </a:solidFill>
-                <a:latin typeface="AdobeClean-LightIt"/>
-                <a:cs typeface="AdobeClean-LightIt"/>
-              </a:rPr>
-              <a:t>Manager(CSM)</a:t>
-            </a:r>
-            <a:endParaRPr sz="1100">
-              <a:latin typeface="AdobeClean-LightIt"/>
-              <a:cs typeface="AdobeClean-LightIt"/>
-            </a:endParaRPr>
+              <a:t>Per saperne di più sulle opzioni di Supporto Adobe e capire quale sia il livello più adatto alle tue esigenze, contatta il tuo Named Account Manager (NAM) o Customer Success Manager (CSM).</a:t>
+            </a:r>
           </a:p>
           <a:p>
             <a:pPr marL="34290">
@@ -16516,59 +12748,15 @@
               </a:spcBef>
             </a:pPr>
             <a:r>
-              <a:rPr sz="800" spc="-5">
+              <a:rPr lang="it-IT" sz="800">
                 <a:solidFill>
                   <a:srgbClr val="6D6D6D"/>
                 </a:solidFill>
                 <a:latin typeface="Adobe Clean"/>
                 <a:cs typeface="Adobe Clean"/>
               </a:rPr>
-              <a:t>©202</a:t>
-            </a:r>
-            <a:r>
-              <a:rPr lang="en-US" sz="800" spc="-5">
-                <a:solidFill>
-                  <a:srgbClr val="6D6D6D"/>
-                </a:solidFill>
-                <a:latin typeface="Adobe Clean"/>
-                <a:cs typeface="Adobe Clean"/>
-              </a:rPr>
-              <a:t>1</a:t>
-            </a:r>
-            <a:r>
-              <a:rPr sz="800" spc="-5">
-                <a:solidFill>
-                  <a:srgbClr val="6D6D6D"/>
-                </a:solidFill>
-                <a:latin typeface="Adobe Clean"/>
-                <a:cs typeface="Adobe Clean"/>
-              </a:rPr>
-              <a:t> Adobe. All Rights Reserved. Adobe</a:t>
-            </a:r>
-            <a:r>
-              <a:rPr sz="800" spc="75">
-                <a:solidFill>
-                  <a:srgbClr val="6D6D6D"/>
-                </a:solidFill>
-                <a:latin typeface="Adobe Clean"/>
-                <a:cs typeface="Adobe Clean"/>
-              </a:rPr>
-              <a:t> </a:t>
-            </a:r>
-            <a:r>
-              <a:rPr sz="800" spc="-5">
-                <a:solidFill>
-                  <a:srgbClr val="6D6D6D"/>
-                </a:solidFill>
-                <a:latin typeface="Adobe Clean"/>
-                <a:cs typeface="Adobe Clean"/>
-              </a:rPr>
-              <a:t>Confidential.</a:t>
-            </a:r>
-            <a:endParaRPr sz="800">
-              <a:latin typeface="Adobe Clean"/>
-              <a:cs typeface="Adobe Clean"/>
-            </a:endParaRPr>
+              <a:t>©2021 Adobe. All Rights Reserved. Adobe Confidential.</a:t>
+            </a:r>
           </a:p>
         </p:txBody>
       </p:sp>
@@ -16587,7 +12775,7 @@
         <p:spPr>
           <a:xfrm>
             <a:off x="190707" y="4913781"/>
-            <a:ext cx="6476646" cy="755976"/>
+            <a:ext cx="6943952" cy="755976"/>
           </a:xfrm>
           <a:prstGeom prst="rect">
             <a:avLst/>
@@ -16605,19 +12793,15 @@
               </a:spcBef>
             </a:pPr>
             <a:r>
-              <a:rPr lang="en-US" sz="1400" b="1" spc="-15">
+              <a:rPr lang="it-IT" sz="1400" b="1" dirty="0">
                 <a:solidFill>
                   <a:srgbClr val="020302"/>
                 </a:solidFill>
                 <a:latin typeface="Adobe Clean"/>
                 <a:cs typeface="Adobe Clean"/>
               </a:rPr>
-              <a:t>Regional scope of Adobe Support, Local Hours Of Operation And Language Support</a:t>
-            </a:r>
-            <a:endParaRPr lang="en-US" sz="1400" spc="-15">
-              <a:ea typeface="+mn-lt"/>
-              <a:cs typeface="+mn-lt"/>
-            </a:endParaRPr>
+              <a:t>Supporto Adobe: aree geografiche, orari operativi e lingue</a:t>
+            </a:r>
           </a:p>
           <a:p>
             <a:pPr>
@@ -16626,17 +12810,31 @@
               </a:spcBef>
             </a:pPr>
             <a:r>
-              <a:rPr lang="en-US" sz="1000" spc="-15">
+              <a:rPr lang="it-IT" sz="1000" dirty="0">
                 <a:solidFill>
                   <a:srgbClr val="1F1F1F"/>
                 </a:solidFill>
                 <a:latin typeface="AdobeClean-Light"/>
               </a:rPr>
-              <a:t>The regional scope of Adobe Support is established by aligning the customer's billing address (via the Sales Order or other Adobe Support purchasing document) to one of the following regions:</a:t>
-            </a:r>
-            <a:endParaRPr lang="en-US" sz="1000">
-              <a:latin typeface="AdobeClean-Light"/>
-            </a:endParaRPr>
+              <a:t>L’ambito del supporto Adobe è definito allineando l’indirizzo di fatturazione del cliente </a:t>
+            </a:r>
+            <a:br>
+              <a:rPr lang="sk-SK" sz="1000" dirty="0">
+                <a:solidFill>
+                  <a:srgbClr val="1F1F1F"/>
+                </a:solidFill>
+                <a:latin typeface="AdobeClean-Light"/>
+              </a:rPr>
+            </a:br>
+            <a:r>
+              <a:rPr lang="it-IT" sz="1000" dirty="0">
+                <a:solidFill>
+                  <a:srgbClr val="1F1F1F"/>
+                </a:solidFill>
+                <a:latin typeface="AdobeClean-Light"/>
+              </a:rPr>
+              <a:t>(in base all’ordine di vendita o altro documento di acquisto del servizio di supporto Adobe) a una delle seguenti aree geografiche:</a:t>
+            </a:r>
           </a:p>
         </p:txBody>
       </p:sp>
@@ -16708,13 +12906,13 @@
                     <a:p>
                       <a:pPr algn="ctr"/>
                       <a:r>
-                        <a:rPr lang="en-US" sz="1100">
+                        <a:rPr lang="it-IT" sz="1100">
                           <a:solidFill>
                             <a:schemeClr val="tx1"/>
                           </a:solidFill>
                           <a:latin typeface="Adobe Clean"/>
                         </a:rPr>
-                        <a:t>Americas</a:t>
+                        <a:t>Americhe</a:t>
                       </a:r>
                     </a:p>
                   </a:txBody>
@@ -16773,13 +12971,13 @@
                     <a:p>
                       <a:pPr algn="ctr"/>
                       <a:r>
-                        <a:rPr lang="en-US" sz="1100">
+                        <a:rPr lang="it-IT" sz="1100">
                           <a:solidFill>
                             <a:schemeClr val="tx1"/>
                           </a:solidFill>
                           <a:latin typeface="Adobe Clean"/>
                         </a:rPr>
-                        <a:t>Europe, Middle East &amp; Africa</a:t>
+                        <a:t>Europa, Medio Oriente e Africa</a:t>
                       </a:r>
                     </a:p>
                   </a:txBody>
@@ -16838,13 +13036,13 @@
                     <a:p>
                       <a:pPr algn="ctr"/>
                       <a:r>
-                        <a:rPr lang="en-US" sz="1100">
+                        <a:rPr lang="it-IT" sz="1100">
                           <a:solidFill>
                             <a:schemeClr val="tx1"/>
                           </a:solidFill>
                           <a:latin typeface="Adobe Clean"/>
                         </a:rPr>
-                        <a:t>Asia Pacific</a:t>
+                        <a:t>Asia-Pacifico</a:t>
                       </a:r>
                     </a:p>
                   </a:txBody>
@@ -16903,16 +13101,16 @@
                     <a:p>
                       <a:pPr algn="ctr"/>
                       <a:r>
-                        <a:rPr lang="en-US" sz="1100">
+                        <a:rPr lang="it-IT" sz="1100">
                           <a:solidFill>
                             <a:schemeClr val="tx1"/>
                           </a:solidFill>
                           <a:latin typeface="Adobe Clean"/>
                         </a:rPr>
-                        <a:t>Japan </a:t>
+                        <a:t>Giappone</a:t>
                       </a:r>
                       <a:r>
-                        <a:rPr lang="en-US" sz="1100" baseline="30000">
+                        <a:rPr lang="it-IT" sz="1100" baseline="30000">
                           <a:solidFill>
                             <a:schemeClr val="tx1"/>
                           </a:solidFill>
@@ -16920,12 +13118,6 @@
                         </a:rPr>
                         <a:t>1 </a:t>
                       </a:r>
-                      <a:endParaRPr lang="en-US" sz="1100">
-                        <a:solidFill>
-                          <a:schemeClr val="tx1"/>
-                        </a:solidFill>
-                        <a:latin typeface="Adobe Clean" panose="020B0503020404020204" pitchFamily="34" charset="0"/>
-                      </a:endParaRPr>
                     </a:p>
                   </a:txBody>
                   <a:tcPr anchor="ctr">
@@ -16990,13 +13182,13 @@
                     <a:p>
                       <a:pPr algn="ctr"/>
                       <a:r>
-                        <a:rPr lang="en-US" sz="1100">
+                        <a:rPr lang="it-IT" sz="1100">
                           <a:solidFill>
                             <a:schemeClr val="tx1"/>
                           </a:solidFill>
                           <a:latin typeface="Adobe Clean"/>
                         </a:rPr>
-                        <a:t>6 am – 5:30 pm</a:t>
+                        <a:t>06:00 – 17:30</a:t>
                       </a:r>
                     </a:p>
                   </a:txBody>
@@ -17055,13 +13247,13 @@
                     <a:p>
                       <a:pPr algn="ctr"/>
                       <a:r>
-                        <a:rPr lang="en-US" sz="1100">
+                        <a:rPr lang="it-IT" sz="1100">
                           <a:solidFill>
                             <a:schemeClr val="tx1"/>
                           </a:solidFill>
                           <a:latin typeface="Adobe Clean"/>
                         </a:rPr>
-                        <a:t>9 am – 5 pm</a:t>
+                        <a:t>09:00 – 17:00</a:t>
                       </a:r>
                     </a:p>
                   </a:txBody>
@@ -17120,13 +13312,13 @@
                     <a:p>
                       <a:pPr algn="ctr"/>
                       <a:r>
-                        <a:rPr lang="en-US" sz="1100">
+                        <a:rPr lang="it-IT" sz="1100">
                           <a:solidFill>
                             <a:schemeClr val="tx1"/>
                           </a:solidFill>
                           <a:latin typeface="Adobe Clean"/>
                         </a:rPr>
-                        <a:t>9 am – 5 pm</a:t>
+                        <a:t>09:00 – 17:00</a:t>
                       </a:r>
                     </a:p>
                   </a:txBody>
@@ -17185,13 +13377,13 @@
                     <a:p>
                       <a:pPr algn="ctr"/>
                       <a:r>
-                        <a:rPr lang="en-US" sz="1100">
+                        <a:rPr lang="it-IT" sz="1100">
                           <a:solidFill>
                             <a:schemeClr val="tx1"/>
                           </a:solidFill>
                           <a:latin typeface="Adobe Clean"/>
                         </a:rPr>
-                        <a:t>9 am – 5:30 pm</a:t>
+                        <a:t>09:00 – 17:30</a:t>
                       </a:r>
                     </a:p>
                   </a:txBody>
@@ -17268,12 +13460,12 @@
                         <a:buNone/>
                       </a:pPr>
                       <a:r>
-                        <a:rPr lang="en-US" sz="1100" b="0" i="0" u="none" strike="noStrike" noProof="0"/>
-                        <a:t>Language support is only available in English and Japanese.</a:t>
+                        <a:rPr lang="it-IT" sz="1100" b="0" i="0" u="none" strike="noStrike" noProof="0"/>
+                        <a:t>Il supporto è disponibile solo in inglese e giapponese.</a:t>
                       </a:r>
                     </a:p>
                     <a:p>
-                      <a:pPr lvl="0" algn="ctr">
+                      <a:pPr lvl="0" algn="l" rtl="0">
                         <a:lnSpc>
                           <a:spcPct val="100000"/>
                         </a:lnSpc>
@@ -17301,18 +13493,17 @@
                         <a:buNone/>
                       </a:pPr>
                       <a:r>
-                        <a:rPr lang="en-US" sz="1100" b="0" i="0" u="none" strike="noStrike" noProof="0"/>
+                        <a:rPr lang="it-IT" sz="1100" b="0" i="0" u="none" strike="noStrike" noProof="0"/>
                         <a:t> </a:t>
                       </a:r>
                       <a:r>
-                        <a:rPr lang="en-US" sz="1100" b="0" i="0" u="none" strike="noStrike" baseline="30000" noProof="0"/>
+                        <a:rPr lang="it-IT" sz="1100" b="0" i="0" u="none" strike="noStrike" baseline="30000" noProof="0"/>
                         <a:t>1 </a:t>
                       </a:r>
                       <a:r>
-                        <a:rPr lang="en-US" sz="1100" b="0" i="0" u="none" strike="noStrike" noProof="0"/>
-                        <a:t>P2, P3, P4 cases are limited to business hours only in Japan.</a:t>
+                        <a:rPr lang="it-IT" sz="1100" b="0" i="0" u="none" strike="noStrike" noProof="0"/>
+                        <a:t>In Giappone, i casi P2, P3 e P4 sono limitati al solo orario operativo.</a:t>
                       </a:r>
-                      <a:endParaRPr lang="en-US" sz="1100" b="1" i="0" u="none" strike="noStrike" noProof="0"/>
                     </a:p>
                   </a:txBody>
                   <a:tcPr anchor="ctr">
@@ -17676,129 +13867,15 @@
               </a:spcBef>
             </a:pPr>
             <a:r>
-              <a:rPr sz="1200" b="1" spc="-15">
+              <a:rPr lang="it-IT" sz="1200" b="1">
                 <a:solidFill>
                   <a:srgbClr val="FFFFFF"/>
                 </a:solidFill>
                 <a:latin typeface="Adobe Clean"/>
                 <a:cs typeface="Adobe Clean"/>
               </a:rPr>
-              <a:t>U</a:t>
-            </a:r>
-            <a:r>
-              <a:rPr sz="1200" b="1" spc="-20">
-                <a:solidFill>
-                  <a:srgbClr val="FFFFFF"/>
-                </a:solidFill>
-                <a:latin typeface="Adobe Clean"/>
-                <a:cs typeface="Adobe Clean"/>
-              </a:rPr>
-              <a:t>n</a:t>
-            </a:r>
-            <a:r>
-              <a:rPr sz="1200" b="1" spc="-25">
-                <a:solidFill>
-                  <a:srgbClr val="FFFFFF"/>
-                </a:solidFill>
-                <a:latin typeface="Adobe Clean"/>
-                <a:cs typeface="Adobe Clean"/>
-              </a:rPr>
-              <a:t>p</a:t>
-            </a:r>
-            <a:r>
-              <a:rPr sz="1200" b="1" spc="-15">
-                <a:solidFill>
-                  <a:srgbClr val="FFFFFF"/>
-                </a:solidFill>
-                <a:latin typeface="Adobe Clean"/>
-                <a:cs typeface="Adobe Clean"/>
-              </a:rPr>
-              <a:t>a</a:t>
-            </a:r>
-            <a:r>
-              <a:rPr sz="1200" b="1" spc="-25">
-                <a:solidFill>
-                  <a:srgbClr val="FFFFFF"/>
-                </a:solidFill>
-                <a:latin typeface="Adobe Clean"/>
-                <a:cs typeface="Adobe Clean"/>
-              </a:rPr>
-              <a:t>r</a:t>
-            </a:r>
-            <a:r>
-              <a:rPr sz="1200" b="1" spc="-15">
-                <a:solidFill>
-                  <a:srgbClr val="FFFFFF"/>
-                </a:solidFill>
-                <a:latin typeface="Adobe Clean"/>
-                <a:cs typeface="Adobe Clean"/>
-              </a:rPr>
-              <a:t>a</a:t>
-            </a:r>
-            <a:r>
-              <a:rPr sz="1200" b="1" spc="-30">
-                <a:solidFill>
-                  <a:srgbClr val="FFFFFF"/>
-                </a:solidFill>
-                <a:latin typeface="Adobe Clean"/>
-                <a:cs typeface="Adobe Clean"/>
-              </a:rPr>
-              <a:t>ll</a:t>
-            </a:r>
-            <a:r>
-              <a:rPr sz="1200" b="1" spc="-25">
-                <a:solidFill>
-                  <a:srgbClr val="FFFFFF"/>
-                </a:solidFill>
-                <a:latin typeface="Adobe Clean"/>
-                <a:cs typeface="Adobe Clean"/>
-              </a:rPr>
-              <a:t>e</a:t>
-            </a:r>
-            <a:r>
-              <a:rPr sz="1200" b="1" spc="-30">
-                <a:solidFill>
-                  <a:srgbClr val="FFFFFF"/>
-                </a:solidFill>
-                <a:latin typeface="Adobe Clean"/>
-                <a:cs typeface="Adobe Clean"/>
-              </a:rPr>
-              <a:t>l</a:t>
-            </a:r>
-            <a:r>
-              <a:rPr sz="1200" b="1" spc="-25">
-                <a:solidFill>
-                  <a:srgbClr val="FFFFFF"/>
-                </a:solidFill>
-                <a:latin typeface="Adobe Clean"/>
-                <a:cs typeface="Adobe Clean"/>
-              </a:rPr>
-              <a:t>e</a:t>
-            </a:r>
-            <a:r>
-              <a:rPr sz="1200" b="1">
-                <a:solidFill>
-                  <a:srgbClr val="FFFFFF"/>
-                </a:solidFill>
-                <a:latin typeface="Adobe Clean"/>
-                <a:cs typeface="Adobe Clean"/>
-              </a:rPr>
-              <a:t>d  </a:t>
-            </a:r>
-            <a:r>
-              <a:rPr sz="1200" b="1" spc="-25">
-                <a:solidFill>
-                  <a:srgbClr val="FFFFFF"/>
-                </a:solidFill>
-                <a:latin typeface="Adobe Clean"/>
-                <a:cs typeface="Adobe Clean"/>
-              </a:rPr>
-              <a:t>Expertise</a:t>
-            </a:r>
-            <a:endParaRPr sz="1200">
-              <a:latin typeface="Adobe Clean"/>
-              <a:cs typeface="Adobe Clean"/>
-            </a:endParaRPr>
+              <a:t>Eccellenza tecnica</a:t>
+            </a:r>
           </a:p>
         </p:txBody>
       </p:sp>
@@ -17838,19 +13915,15 @@
               </a:spcBef>
             </a:pPr>
             <a:r>
-              <a:rPr lang="en-US" sz="1200" b="1" spc="-15">
+              <a:rPr lang="it-IT" sz="1200" b="1">
                 <a:solidFill>
                   <a:srgbClr val="FFFFFF"/>
                 </a:solidFill>
                 <a:latin typeface="Adobe Clean"/>
                 <a:cs typeface="Adobe Clean"/>
               </a:rPr>
-              <a:t>Accelerated Support</a:t>
-            </a:r>
-            <a:endParaRPr sz="1200">
-              <a:latin typeface="Adobe Clean"/>
-              <a:cs typeface="Adobe Clean"/>
-            </a:endParaRPr>
+              <a:t>Supporto rapido</a:t>
+            </a:r>
           </a:p>
         </p:txBody>
       </p:sp>
@@ -17868,8 +13941,8 @@
         </p:nvSpPr>
         <p:spPr>
           <a:xfrm>
-            <a:off x="6624119" y="8543943"/>
-            <a:ext cx="510540" cy="385445"/>
+            <a:off x="6484405" y="8543943"/>
+            <a:ext cx="810895" cy="382797"/>
           </a:xfrm>
           <a:prstGeom prst="rect">
             <a:avLst/>
@@ -17890,109 +13963,15 @@
               </a:spcBef>
             </a:pPr>
             <a:r>
-              <a:rPr sz="1200" b="1" spc="-50">
+              <a:rPr lang="it-IT" sz="1200" b="1" dirty="0">
                 <a:solidFill>
                   <a:srgbClr val="FFFFFF"/>
                 </a:solidFill>
                 <a:latin typeface="Adobe Clean"/>
                 <a:cs typeface="Adobe Clean"/>
               </a:rPr>
-              <a:t>S</a:t>
-            </a:r>
-            <a:r>
-              <a:rPr sz="1200" b="1" spc="-20">
-                <a:solidFill>
-                  <a:srgbClr val="FFFFFF"/>
-                </a:solidFill>
-                <a:latin typeface="Adobe Clean"/>
-                <a:cs typeface="Adobe Clean"/>
-              </a:rPr>
-              <a:t>t</a:t>
-            </a:r>
-            <a:r>
-              <a:rPr sz="1200" b="1" spc="-75">
-                <a:solidFill>
-                  <a:srgbClr val="FFFFFF"/>
-                </a:solidFill>
-                <a:latin typeface="Adobe Clean"/>
-                <a:cs typeface="Adobe Clean"/>
-              </a:rPr>
-              <a:t>r</a:t>
-            </a:r>
-            <a:r>
-              <a:rPr sz="1200" b="1" spc="-90">
-                <a:solidFill>
-                  <a:srgbClr val="FFFFFF"/>
-                </a:solidFill>
-                <a:latin typeface="Adobe Clean"/>
-                <a:cs typeface="Adobe Clean"/>
-              </a:rPr>
-              <a:t>a</a:t>
-            </a:r>
-            <a:r>
-              <a:rPr sz="1200" b="1" spc="-55">
-                <a:solidFill>
-                  <a:srgbClr val="FFFFFF"/>
-                </a:solidFill>
-                <a:latin typeface="Adobe Clean"/>
-                <a:cs typeface="Adobe Clean"/>
-              </a:rPr>
-              <a:t>t</a:t>
-            </a:r>
-            <a:r>
-              <a:rPr sz="1200" b="1" spc="-100">
-                <a:solidFill>
-                  <a:srgbClr val="FFFFFF"/>
-                </a:solidFill>
-                <a:latin typeface="Adobe Clean"/>
-                <a:cs typeface="Adobe Clean"/>
-              </a:rPr>
-              <a:t>e</a:t>
-            </a:r>
-            <a:r>
-              <a:rPr sz="1200" b="1" spc="-80">
-                <a:solidFill>
-                  <a:srgbClr val="FFFFFF"/>
-                </a:solidFill>
-                <a:latin typeface="Adobe Clean"/>
-                <a:cs typeface="Adobe Clean"/>
-              </a:rPr>
-              <a:t>g</a:t>
-            </a:r>
-            <a:r>
-              <a:rPr sz="1200" b="1" spc="-35">
-                <a:solidFill>
-                  <a:srgbClr val="FFFFFF"/>
-                </a:solidFill>
-                <a:latin typeface="Adobe Clean"/>
-                <a:cs typeface="Adobe Clean"/>
-              </a:rPr>
-              <a:t>i</a:t>
-            </a:r>
-            <a:r>
-              <a:rPr sz="1200" b="1">
-                <a:solidFill>
-                  <a:srgbClr val="FFFFFF"/>
-                </a:solidFill>
-                <a:latin typeface="Adobe Clean"/>
-                <a:cs typeface="Adobe Clean"/>
-              </a:rPr>
-              <a:t>c  </a:t>
-            </a:r>
-            <a:r>
-              <a:rPr sz="1200" b="1" spc="-45">
-                <a:solidFill>
-                  <a:srgbClr val="FFFFFF"/>
-                </a:solidFill>
-                <a:latin typeface="Adobe Clean"/>
-                <a:cs typeface="Adobe Clean"/>
-              </a:rPr>
-              <a:t>Advice</a:t>
-            </a:r>
-            <a:endParaRPr sz="1200">
-              <a:latin typeface="Adobe Clean"/>
-              <a:cs typeface="Adobe Clean"/>
-            </a:endParaRPr>
+              <a:t>Consulenza strategica</a:t>
+            </a:r>
           </a:p>
         </p:txBody>
       </p:sp>
@@ -18011,7 +13990,7 @@
           <p:nvPr>
             <p:extLst>
               <p:ext uri="{D42A27DB-BD31-4B8C-83A1-F6EECF244321}">
-                <p14:modId xmlns:p14="http://schemas.microsoft.com/office/powerpoint/2010/main" val="1502969284"/>
+                <p14:modId xmlns:p14="http://schemas.microsoft.com/office/powerpoint/2010/main" val="1128716280"/>
               </p:ext>
             </p:extLst>
           </p:nvPr>
@@ -18049,7 +14028,7 @@
                     <a:lstStyle/>
                     <a:p>
                       <a:r>
-                        <a:rPr lang="en-US" sz="1100" b="0">
+                        <a:rPr lang="it-IT" sz="1100" b="0">
                           <a:solidFill>
                             <a:schemeClr val="tx1"/>
                           </a:solidFill>
@@ -18060,14 +14039,6 @@
                         </a:rPr>
                         <a:t>Experience League</a:t>
                       </a:r>
-                      <a:endParaRPr lang="en-US" sz="1100" b="0">
-                        <a:solidFill>
-                          <a:schemeClr val="tx1"/>
-                        </a:solidFill>
-                        <a:latin typeface="Adobe Clean" panose="020B0503020404020204" pitchFamily="34" charset="0"/>
-                        <a:ea typeface="+mn-ea"/>
-                        <a:cs typeface="+mn-cs"/>
-                      </a:endParaRPr>
                     </a:p>
                   </a:txBody>
                   <a:tcPr marL="47625" marR="47625" marT="0" marB="0" anchor="ctr">
@@ -18141,7 +14112,7 @@
                         <a:defRPr/>
                       </a:pPr>
                       <a:r>
-                        <a:rPr lang="en-US" sz="1000" b="0" kern="1200">
+                        <a:rPr lang="it-IT" sz="1000" b="0" dirty="0">
                           <a:solidFill>
                             <a:srgbClr val="000000"/>
                           </a:solidFill>
@@ -18149,7 +14120,28 @@
                           <a:ea typeface="+mn-ea"/>
                           <a:cs typeface="+mn-cs"/>
                         </a:rPr>
-                        <a:t>Experience League is how Adobe helps businesses achieve the value they expect from their Adobe investment. It’s the unified place where customers can learn, connect, and grow along a personalized path to success that includes self-help tutorials, product documentation, instructor-led training, community and technical support. </a:t>
+                        <a:t>Con Experience League, Adobe aiuta le aziende a conseguire il valore che si aspettano dalle soluzioni Adobe in cui hanno investito. </a:t>
+                      </a:r>
+                      <a:br>
+                        <a:rPr lang="sk-SK" sz="1000" b="0" dirty="0">
+                          <a:solidFill>
+                            <a:srgbClr val="000000"/>
+                          </a:solidFill>
+                          <a:latin typeface="Adobe Clean Light" panose="020B0303020404020204" pitchFamily="34" charset="0"/>
+                          <a:ea typeface="+mn-ea"/>
+                          <a:cs typeface="+mn-cs"/>
+                        </a:rPr>
+                      </a:br>
+                      <a:r>
+                        <a:rPr lang="it-IT" sz="1000" b="0" dirty="0">
+                          <a:solidFill>
+                            <a:srgbClr val="000000"/>
+                          </a:solidFill>
+                          <a:latin typeface="Adobe Clean Light" panose="020B0303020404020204" pitchFamily="34" charset="0"/>
+                          <a:ea typeface="+mn-ea"/>
+                          <a:cs typeface="+mn-cs"/>
+                        </a:rPr>
+                        <a:t>In questo portale unificato, puoi imparare, relazionarti con altri professionisti e crescere seguendo un percorso personalizzato con tutorial, documentazione dei prodotti, formazione con istruttori, supporto tecnico e il sostegno dell’intera community. </a:t>
                       </a:r>
                     </a:p>
                   </a:txBody>
@@ -18231,39 +14223,28 @@
                         <a:defRPr/>
                       </a:pPr>
                       <a:r>
-                        <a:rPr lang="en-US" sz="1100">
+                        <a:rPr lang="it-IT" sz="1100">
                           <a:solidFill>
                             <a:schemeClr val="dk1"/>
                           </a:solidFill>
-                          <a:effectLst/>
                           <a:latin typeface="Adobe Clean" panose="020B0503020404020204" pitchFamily="34" charset="0"/>
                           <a:ea typeface="+mn-ea"/>
                           <a:cs typeface="+mn-cs"/>
                           <a:hlinkClick r:id="rId8"/>
                         </a:rPr>
-                        <a:t>Training</a:t>
+                        <a:t>Formazione</a:t>
                       </a:r>
                       <a:r>
-                        <a:rPr lang="en-US" sz="1100">
+                        <a:rPr lang="it-IT" sz="1100">
                           <a:solidFill>
                             <a:schemeClr val="dk1"/>
                           </a:solidFill>
-                          <a:effectLst/>
                           <a:latin typeface="Adobe Clean" panose="020B0503020404020204" pitchFamily="34" charset="0"/>
                           <a:ea typeface="+mn-ea"/>
                           <a:cs typeface="+mn-cs"/>
                         </a:rPr>
                         <a:t> </a:t>
                       </a:r>
-                      <a:endParaRPr lang="en-US" sz="1100">
-                        <a:solidFill>
-                          <a:schemeClr val="tx1"/>
-                        </a:solidFill>
-                        <a:effectLst/>
-                        <a:latin typeface="Adobe Clean" panose="020B0503020404020204" pitchFamily="34" charset="0"/>
-                        <a:ea typeface="+mn-ea"/>
-                        <a:cs typeface="+mn-cs"/>
-                      </a:endParaRPr>
                     </a:p>
                   </a:txBody>
                   <a:tcPr anchor="ctr">
@@ -18337,7 +14318,7 @@
                         <a:defRPr/>
                       </a:pPr>
                       <a:r>
-                        <a:rPr lang="en-US" sz="1000" kern="1200">
+                        <a:rPr lang="it-IT" sz="1000">
                           <a:solidFill>
                             <a:srgbClr val="000000"/>
                           </a:solidFill>
@@ -18345,7 +14326,7 @@
                           <a:ea typeface="+mn-ea"/>
                           <a:cs typeface="+mn-cs"/>
                         </a:rPr>
-                        <a:t>Adobe Digital Learning Services courses are accessible from Experience League. Learning courses integrate both on-demand and instructor-led lessons.  Here you can accrue skills that have recognized market value and position them to drive success in your organizations.</a:t>
+                        <a:t>I corsi Adobe Digital Learning Services sono accessibili da Experience League. I corsi di apprendimento comprendono lezioni sia on-demand che guidate da istruttori.  Potrai acquisire nuove competenze particolarmente ricercate nel settore e metterle in pratica nella tua organizzazione, per favorirne il successo.</a:t>
                       </a:r>
                     </a:p>
                   </a:txBody>
@@ -18427,27 +14408,17 @@
                         <a:defRPr/>
                       </a:pPr>
                       <a:r>
-                        <a:rPr lang="en-US" sz="1100">
+                        <a:rPr lang="it-IT" sz="1100">
                           <a:solidFill>
                             <a:schemeClr val="tx1"/>
                           </a:solidFill>
-                          <a:effectLst/>
                           <a:latin typeface="Adobe Clean" panose="020B0503020404020204" pitchFamily="34" charset="0"/>
                           <a:ea typeface="+mn-ea"/>
                           <a:cs typeface="+mn-cs"/>
                           <a:hlinkClick r:id="rId9"/>
                         </a:rPr>
-                        <a:t>Production Issues &amp; System Outages</a:t>
+                        <a:t>Problemi di produzione e interruzioni del sistema</a:t>
                       </a:r>
-                      <a:endParaRPr lang="en-US" sz="1100">
-                        <a:solidFill>
-                          <a:schemeClr val="tx1"/>
-                        </a:solidFill>
-                        <a:effectLst/>
-                        <a:latin typeface="Adobe Clean" panose="020B0503020404020204" pitchFamily="34" charset="0"/>
-                        <a:ea typeface="+mn-ea"/>
-                        <a:cs typeface="+mn-cs"/>
-                      </a:endParaRPr>
                     </a:p>
                   </a:txBody>
                   <a:tcPr anchor="ctr">
@@ -18521,7 +14492,7 @@
                         <a:defRPr/>
                       </a:pPr>
                       <a:r>
-                        <a:rPr lang="en-US" sz="1000" kern="1200">
+                        <a:rPr lang="it-IT" sz="1000" dirty="0">
                           <a:solidFill>
                             <a:srgbClr val="000000"/>
                           </a:solidFill>
@@ -18529,7 +14500,70 @@
                           <a:ea typeface="+mn-ea"/>
                           <a:cs typeface="+mn-cs"/>
                         </a:rPr>
-                        <a:t>Status.adobe.com conveys the health information of all Adobe products and services that are deployed in multi-tenant environments. Customers can choose their subscription preferences to get email notifications whenever Adobe creates, updates or resolves a product event. This can include scheduled maintenance or service issues of varying levels of severity. </a:t>
+                        <a:t>Status.adobe.com trasmette informazioni sullo stato di tutti i prodotti </a:t>
+                      </a:r>
+                      <a:br>
+                        <a:rPr lang="sk-SK" sz="1000" dirty="0">
+                          <a:solidFill>
+                            <a:srgbClr val="000000"/>
+                          </a:solidFill>
+                          <a:latin typeface="Adobe Clean Light" panose="020B0303020404020204" pitchFamily="34" charset="0"/>
+                          <a:ea typeface="+mn-ea"/>
+                          <a:cs typeface="+mn-cs"/>
+                        </a:rPr>
+                      </a:br>
+                      <a:r>
+                        <a:rPr lang="it-IT" sz="1000" dirty="0">
+                          <a:solidFill>
+                            <a:srgbClr val="000000"/>
+                          </a:solidFill>
+                          <a:latin typeface="Adobe Clean Light" panose="020B0303020404020204" pitchFamily="34" charset="0"/>
+                          <a:ea typeface="+mn-ea"/>
+                          <a:cs typeface="+mn-cs"/>
+                        </a:rPr>
+                        <a:t>e i servizi Adobe implementati in ambienti multi-tenant. Puoi scegliere se ricevere notifiche e-mail ogni volta che Adobe segnala, aggiorna </a:t>
+                      </a:r>
+                      <a:br>
+                        <a:rPr lang="sk-SK" sz="1000" dirty="0">
+                          <a:solidFill>
+                            <a:srgbClr val="000000"/>
+                          </a:solidFill>
+                          <a:latin typeface="Adobe Clean Light" panose="020B0303020404020204" pitchFamily="34" charset="0"/>
+                          <a:ea typeface="+mn-ea"/>
+                          <a:cs typeface="+mn-cs"/>
+                        </a:rPr>
+                      </a:br>
+                      <a:r>
+                        <a:rPr lang="it-IT" sz="1000" dirty="0">
+                          <a:solidFill>
+                            <a:srgbClr val="000000"/>
+                          </a:solidFill>
+                          <a:latin typeface="Adobe Clean Light" panose="020B0303020404020204" pitchFamily="34" charset="0"/>
+                          <a:ea typeface="+mn-ea"/>
+                          <a:cs typeface="+mn-cs"/>
+                        </a:rPr>
+                        <a:t>o risolve un problema relativo a un prodotto. Vengono segnalate </a:t>
+                      </a:r>
+                      <a:br>
+                        <a:rPr lang="sk-SK" sz="1000" dirty="0">
+                          <a:solidFill>
+                            <a:srgbClr val="000000"/>
+                          </a:solidFill>
+                          <a:latin typeface="Adobe Clean Light" panose="020B0303020404020204" pitchFamily="34" charset="0"/>
+                          <a:ea typeface="+mn-ea"/>
+                          <a:cs typeface="+mn-cs"/>
+                        </a:rPr>
+                      </a:br>
+                      <a:r>
+                        <a:rPr lang="it-IT" sz="1000" dirty="0">
+                          <a:solidFill>
+                            <a:srgbClr val="000000"/>
+                          </a:solidFill>
+                          <a:latin typeface="Adobe Clean Light" panose="020B0303020404020204" pitchFamily="34" charset="0"/>
+                          <a:ea typeface="+mn-ea"/>
+                          <a:cs typeface="+mn-cs"/>
+                        </a:rPr>
+                        <a:t>ad esempio le interruzioni per manutenzione programmata o problemi relativi ai servizi con diversi livelli di gravità. </a:t>
                       </a:r>
                     </a:p>
                   </a:txBody>
@@ -18611,27 +14645,17 @@
                         <a:defRPr/>
                       </a:pPr>
                       <a:r>
-                        <a:rPr lang="en-US" sz="1100">
+                        <a:rPr lang="it-IT" sz="1100">
                           <a:solidFill>
                             <a:schemeClr val="tx1"/>
                           </a:solidFill>
-                          <a:effectLst/>
                           <a:latin typeface="Adobe Clean" panose="020B0503020404020204" pitchFamily="34" charset="0"/>
                           <a:ea typeface="+mn-ea"/>
                           <a:cs typeface="+mn-cs"/>
                           <a:hlinkClick r:id="rId10"/>
                         </a:rPr>
-                        <a:t>Terms and Conditions</a:t>
+                        <a:t>Termini e condizioni</a:t>
                       </a:r>
-                      <a:endParaRPr lang="en-US" sz="1100">
-                        <a:solidFill>
-                          <a:schemeClr val="tx1"/>
-                        </a:solidFill>
-                        <a:effectLst/>
-                        <a:latin typeface="Adobe Clean" panose="020B0503020404020204" pitchFamily="34" charset="0"/>
-                        <a:ea typeface="+mn-ea"/>
-                        <a:cs typeface="+mn-cs"/>
-                      </a:endParaRPr>
                     </a:p>
                   </a:txBody>
                   <a:tcPr anchor="ctr">
@@ -18688,7 +14712,7 @@
                     <a:lstStyle/>
                     <a:p>
                       <a:r>
-                        <a:rPr lang="en-US" sz="1000" kern="1200">
+                        <a:rPr lang="it-IT" sz="1000" dirty="0">
                           <a:solidFill>
                             <a:srgbClr val="000000"/>
                           </a:solidFill>
@@ -18696,7 +14720,7 @@
                           <a:ea typeface="+mn-ea"/>
                           <a:cs typeface="+mn-cs"/>
                         </a:rPr>
-                        <a:t>Terms and conditions detailing Support Services offerings</a:t>
+                        <a:t>Termini e condizioni che descrivono i servizi di supporto disponibili</a:t>
                       </a:r>
                     </a:p>
                   </a:txBody>
@@ -19467,12 +15491,9 @@
 </file>
 
 <file path=customXml/item1.xml><?xml version="1.0" encoding="utf-8"?>
-<?mso-contentType ?>
-<FormTemplates xmlns="http://schemas.microsoft.com/sharepoint/v3/contenttype/forms">
-  <Display>DocumentLibraryForm</Display>
-  <Edit>DocumentLibraryForm</Edit>
-  <New>DocumentLibraryForm</New>
-</FormTemplates>
+<p:properties xmlns:p="http://schemas.microsoft.com/office/2006/metadata/properties" xmlns:xsi="http://www.w3.org/2001/XMLSchema-instance" xmlns:pc="http://schemas.microsoft.com/office/infopath/2007/PartnerControls">
+  <documentManagement/>
+</p:properties>
 </file>
 
 <file path=customXml/item2.xml><?xml version="1.0" encoding="utf-8"?>
@@ -19681,15 +15702,19 @@
 </file>
 
 <file path=customXml/item3.xml><?xml version="1.0" encoding="utf-8"?>
-<p:properties xmlns:p="http://schemas.microsoft.com/office/2006/metadata/properties" xmlns:xsi="http://www.w3.org/2001/XMLSchema-instance" xmlns:pc="http://schemas.microsoft.com/office/infopath/2007/PartnerControls">
-  <documentManagement/>
-</p:properties>
+<?mso-contentType ?>
+<FormTemplates xmlns="http://schemas.microsoft.com/sharepoint/v3/contenttype/forms">
+  <Display>DocumentLibraryForm</Display>
+  <Edit>DocumentLibraryForm</Edit>
+  <New>DocumentLibraryForm</New>
+</FormTemplates>
 </file>
 
 <file path=customXml/itemProps1.xml><?xml version="1.0" encoding="utf-8"?>
-<ds:datastoreItem xmlns:ds="http://schemas.openxmlformats.org/officeDocument/2006/customXml" ds:itemID="{941989CE-20BB-4A6A-A33F-71A1AE469C3E}">
+<ds:datastoreItem xmlns:ds="http://schemas.openxmlformats.org/officeDocument/2006/customXml" ds:itemID="{ED4099BE-EDEC-4FF1-8378-446617236015}">
   <ds:schemaRefs>
-    <ds:schemaRef ds:uri="http://schemas.microsoft.com/sharepoint/v3/contenttype/forms"/>
+    <ds:schemaRef ds:uri="http://schemas.microsoft.com/office/2006/metadata/properties"/>
+    <ds:schemaRef ds:uri="http://schemas.microsoft.com/office/infopath/2007/PartnerControls"/>
   </ds:schemaRefs>
 </ds:datastoreItem>
 </file>
@@ -19714,10 +15739,9 @@
 </file>
 
 <file path=customXml/itemProps3.xml><?xml version="1.0" encoding="utf-8"?>
-<ds:datastoreItem xmlns:ds="http://schemas.openxmlformats.org/officeDocument/2006/customXml" ds:itemID="{ED4099BE-EDEC-4FF1-8378-446617236015}">
+<ds:datastoreItem xmlns:ds="http://schemas.openxmlformats.org/officeDocument/2006/customXml" ds:itemID="{941989CE-20BB-4A6A-A33F-71A1AE469C3E}">
   <ds:schemaRefs>
-    <ds:schemaRef ds:uri="http://schemas.microsoft.com/office/2006/metadata/properties"/>
-    <ds:schemaRef ds:uri="http://schemas.microsoft.com/office/infopath/2007/PartnerControls"/>
+    <ds:schemaRef ds:uri="http://schemas.microsoft.com/sharepoint/v3/contenttype/forms"/>
   </ds:schemaRefs>
 </ds:datastoreItem>
 </file>
--- a/help/data-sheets/assets/EnterpriseSupportDatasheet.pptx
+++ b/help/data-sheets/assets/EnterpriseSupportDatasheet.pptx
@@ -144,13 +144,9 @@
 <file path=ppt/revisionInfo.xml><?xml version="1.0" encoding="utf-8"?>
 <p1510:revInfo xmlns:a="http://schemas.openxmlformats.org/drawingml/2006/main" xmlns:r="http://schemas.openxmlformats.org/officeDocument/2006/relationships" xmlns:p1510="http://schemas.microsoft.com/office/powerpoint/2015/10/main">
   <p1510:revLst>
-    <p1510:client id="{0AB2EF93-BE08-D205-D43E-3B568BB37DAA}" v="26" dt="2021-09-22T23:01:49.517"/>
-    <p1510:client id="{0AC6A3A1-0788-C69A-5EFD-279F3FA2CF0F}" v="51" dt="2021-09-22T18:56:17.553"/>
-    <p1510:client id="{112231ED-4F38-A856-2EFF-9D0F88AC9BDF}" v="3" dt="2021-09-22T19:11:31.474"/>
-    <p1510:client id="{3CA2F123-FAC9-2CDD-7937-C83283BA7837}" v="1" dt="2021-09-16T20:58:19.458"/>
-    <p1510:client id="{3F02B349-0406-AE51-D438-E7A0BE890230}" v="20" dt="2021-08-25T18:45:08.206"/>
-    <p1510:client id="{A40C3D7D-993B-38B2-2DDA-C562505A1054}" v="4" dt="2021-09-22T23:00:46.860"/>
-    <p1510:client id="{BAC4F85F-6423-7248-85C4-44132DA97563}" v="77" dt="2021-08-07T08:51:03.454"/>
+    <p1510:client id="{19826C17-B3F5-53A1-AAFF-C7771804C7A7}" v="128" dt="2021-10-13T18:50:39.613"/>
+    <p1510:client id="{1A3D389F-0E00-444F-BDF7-5C174E20EEC2}" v="2" dt="2021-10-13T19:33:05.183"/>
+    <p1510:client id="{D02E726A-82A5-CF13-9EBE-9B674D878D37}" v="22" dt="2021-10-12T19:51:27.470"/>
   </p1510:revLst>
 </p1510:revInfo>
 </file>
@@ -158,52 +154,20 @@
 <file path=ppt/changesInfos/changesInfo1.xml><?xml version="1.0" encoding="utf-8"?>
 <pc:chgInfo xmlns:a="http://schemas.openxmlformats.org/drawingml/2006/main" xmlns:r="http://schemas.openxmlformats.org/officeDocument/2006/relationships" xmlns:ac="http://schemas.microsoft.com/office/drawing/2013/main/command" xmlns:pc="http://schemas.microsoft.com/office/powerpoint/2013/main/command">
   <pc:docChgLst>
-    <pc:chgData name="Akilah Johnson" userId="S::akjohnso@adobe.com::2fa3aa60-0c9c-4d06-bae2-795983241227" providerId="AD" clId="Web-{0AB2EF93-BE08-D205-D43E-3B568BB37DAA}"/>
+    <pc:chgData name="Akilah Johnson" userId="S::akjohnso@adobe.com::2fa3aa60-0c9c-4d06-bae2-795983241227" providerId="AD" clId="Web-{A40C3D7D-993B-38B2-2DDA-C562505A1054}"/>
     <pc:docChg chg="modSld">
-      <pc:chgData name="Akilah Johnson" userId="S::akjohnso@adobe.com::2fa3aa60-0c9c-4d06-bae2-795983241227" providerId="AD" clId="Web-{0AB2EF93-BE08-D205-D43E-3B568BB37DAA}" dt="2021-09-22T23:01:45.877" v="13"/>
+      <pc:chgData name="Akilah Johnson" userId="S::akjohnso@adobe.com::2fa3aa60-0c9c-4d06-bae2-795983241227" providerId="AD" clId="Web-{A40C3D7D-993B-38B2-2DDA-C562505A1054}" dt="2021-09-22T23:00:46.860" v="3"/>
       <pc:docMkLst>
         <pc:docMk/>
       </pc:docMkLst>
       <pc:sldChg chg="modSp">
-        <pc:chgData name="Akilah Johnson" userId="S::akjohnso@adobe.com::2fa3aa60-0c9c-4d06-bae2-795983241227" providerId="AD" clId="Web-{0AB2EF93-BE08-D205-D43E-3B568BB37DAA}" dt="2021-09-22T23:01:45.877" v="13"/>
+        <pc:chgData name="Akilah Johnson" userId="S::akjohnso@adobe.com::2fa3aa60-0c9c-4d06-bae2-795983241227" providerId="AD" clId="Web-{A40C3D7D-993B-38B2-2DDA-C562505A1054}" dt="2021-09-22T23:00:46.860" v="3"/>
         <pc:sldMkLst>
           <pc:docMk/>
           <pc:sldMk cId="1050037809" sldId="261"/>
         </pc:sldMkLst>
         <pc:graphicFrameChg chg="mod modGraphic">
-          <ac:chgData name="Akilah Johnson" userId="S::akjohnso@adobe.com::2fa3aa60-0c9c-4d06-bae2-795983241227" providerId="AD" clId="Web-{0AB2EF93-BE08-D205-D43E-3B568BB37DAA}" dt="2021-09-22T23:01:45.877" v="13"/>
-          <ac:graphicFrameMkLst>
-            <pc:docMk/>
-            <pc:sldMk cId="1050037809" sldId="261"/>
-            <ac:graphicFrameMk id="25" creationId="{3A91F5B0-3974-A14D-A146-FB590F2AAD18}"/>
-          </ac:graphicFrameMkLst>
-        </pc:graphicFrameChg>
-      </pc:sldChg>
-    </pc:docChg>
-  </pc:docChgLst>
-  <pc:docChgLst>
-    <pc:chgData name="Akilah Johnson" userId="S::akjohnso@adobe.com::2fa3aa60-0c9c-4d06-bae2-795983241227" providerId="AD" clId="Web-{0AC6A3A1-0788-C69A-5EFD-279F3FA2CF0F}"/>
-    <pc:docChg chg="modSld">
-      <pc:chgData name="Akilah Johnson" userId="S::akjohnso@adobe.com::2fa3aa60-0c9c-4d06-bae2-795983241227" providerId="AD" clId="Web-{0AC6A3A1-0788-C69A-5EFD-279F3FA2CF0F}" dt="2021-09-22T18:56:17.553" v="29"/>
-      <pc:docMkLst>
-        <pc:docMk/>
-      </pc:docMkLst>
-      <pc:sldChg chg="modSp delCm">
-        <pc:chgData name="Akilah Johnson" userId="S::akjohnso@adobe.com::2fa3aa60-0c9c-4d06-bae2-795983241227" providerId="AD" clId="Web-{0AC6A3A1-0788-C69A-5EFD-279F3FA2CF0F}" dt="2021-09-22T18:56:17.553" v="29"/>
-        <pc:sldMkLst>
-          <pc:docMk/>
-          <pc:sldMk cId="1050037809" sldId="261"/>
-        </pc:sldMkLst>
-        <pc:spChg chg="mod">
-          <ac:chgData name="Akilah Johnson" userId="S::akjohnso@adobe.com::2fa3aa60-0c9c-4d06-bae2-795983241227" providerId="AD" clId="Web-{0AC6A3A1-0788-C69A-5EFD-279F3FA2CF0F}" dt="2021-09-22T18:55:46.585" v="16" actId="20577"/>
-          <ac:spMkLst>
-            <pc:docMk/>
-            <pc:sldMk cId="1050037809" sldId="261"/>
-            <ac:spMk id="64" creationId="{41467BDC-3D83-D844-B922-CD07E94E5AAB}"/>
-          </ac:spMkLst>
-        </pc:spChg>
-        <pc:graphicFrameChg chg="mod modGraphic">
-          <ac:chgData name="Akilah Johnson" userId="S::akjohnso@adobe.com::2fa3aa60-0c9c-4d06-bae2-795983241227" providerId="AD" clId="Web-{0AC6A3A1-0788-C69A-5EFD-279F3FA2CF0F}" dt="2021-09-22T18:55:59.928" v="28"/>
+          <ac:chgData name="Akilah Johnson" userId="S::akjohnso@adobe.com::2fa3aa60-0c9c-4d06-bae2-795983241227" providerId="AD" clId="Web-{A40C3D7D-993B-38B2-2DDA-C562505A1054}" dt="2021-09-22T23:00:46.860" v="3"/>
           <ac:graphicFrameMkLst>
             <pc:docMk/>
             <pc:sldMk cId="1050037809" sldId="261"/>
@@ -246,6 +210,86 @@
     </pc:docChg>
   </pc:docChgLst>
   <pc:docChgLst>
+    <pc:chgData name="Akilah Johnson" userId="S::akjohnso@adobe.com::2fa3aa60-0c9c-4d06-bae2-795983241227" providerId="AD" clId="Web-{0AC6A3A1-0788-C69A-5EFD-279F3FA2CF0F}"/>
+    <pc:docChg chg="modSld">
+      <pc:chgData name="Akilah Johnson" userId="S::akjohnso@adobe.com::2fa3aa60-0c9c-4d06-bae2-795983241227" providerId="AD" clId="Web-{0AC6A3A1-0788-C69A-5EFD-279F3FA2CF0F}" dt="2021-09-22T18:56:17.553" v="29"/>
+      <pc:docMkLst>
+        <pc:docMk/>
+      </pc:docMkLst>
+      <pc:sldChg chg="modSp delCm">
+        <pc:chgData name="Akilah Johnson" userId="S::akjohnso@adobe.com::2fa3aa60-0c9c-4d06-bae2-795983241227" providerId="AD" clId="Web-{0AC6A3A1-0788-C69A-5EFD-279F3FA2CF0F}" dt="2021-09-22T18:56:17.553" v="29"/>
+        <pc:sldMkLst>
+          <pc:docMk/>
+          <pc:sldMk cId="1050037809" sldId="261"/>
+        </pc:sldMkLst>
+        <pc:spChg chg="mod">
+          <ac:chgData name="Akilah Johnson" userId="S::akjohnso@adobe.com::2fa3aa60-0c9c-4d06-bae2-795983241227" providerId="AD" clId="Web-{0AC6A3A1-0788-C69A-5EFD-279F3FA2CF0F}" dt="2021-09-22T18:55:46.585" v="16" actId="20577"/>
+          <ac:spMkLst>
+            <pc:docMk/>
+            <pc:sldMk cId="1050037809" sldId="261"/>
+            <ac:spMk id="64" creationId="{41467BDC-3D83-D844-B922-CD07E94E5AAB}"/>
+          </ac:spMkLst>
+        </pc:spChg>
+        <pc:graphicFrameChg chg="mod modGraphic">
+          <ac:chgData name="Akilah Johnson" userId="S::akjohnso@adobe.com::2fa3aa60-0c9c-4d06-bae2-795983241227" providerId="AD" clId="Web-{0AC6A3A1-0788-C69A-5EFD-279F3FA2CF0F}" dt="2021-09-22T18:55:59.928" v="28"/>
+          <ac:graphicFrameMkLst>
+            <pc:docMk/>
+            <pc:sldMk cId="1050037809" sldId="261"/>
+            <ac:graphicFrameMk id="25" creationId="{3A91F5B0-3974-A14D-A146-FB590F2AAD18}"/>
+          </ac:graphicFrameMkLst>
+        </pc:graphicFrameChg>
+      </pc:sldChg>
+    </pc:docChg>
+  </pc:docChgLst>
+  <pc:docChgLst>
+    <pc:chgData name="Akilah Johnson" userId="S::akjohnso@adobe.com::2fa3aa60-0c9c-4d06-bae2-795983241227" providerId="AD" clId="Web-{D02E726A-82A5-CF13-9EBE-9B674D878D37}"/>
+    <pc:docChg chg="modSld">
+      <pc:chgData name="Akilah Johnson" userId="S::akjohnso@adobe.com::2fa3aa60-0c9c-4d06-bae2-795983241227" providerId="AD" clId="Web-{D02E726A-82A5-CF13-9EBE-9B674D878D37}" dt="2021-10-12T19:51:27.470" v="10"/>
+      <pc:docMkLst>
+        <pc:docMk/>
+      </pc:docMkLst>
+      <pc:sldChg chg="modSp delCm">
+        <pc:chgData name="Akilah Johnson" userId="S::akjohnso@adobe.com::2fa3aa60-0c9c-4d06-bae2-795983241227" providerId="AD" clId="Web-{D02E726A-82A5-CF13-9EBE-9B674D878D37}" dt="2021-10-12T19:51:27.470" v="10"/>
+        <pc:sldMkLst>
+          <pc:docMk/>
+          <pc:sldMk cId="2161849182" sldId="267"/>
+        </pc:sldMkLst>
+        <pc:spChg chg="mod">
+          <ac:chgData name="Akilah Johnson" userId="S::akjohnso@adobe.com::2fa3aa60-0c9c-4d06-bae2-795983241227" providerId="AD" clId="Web-{D02E726A-82A5-CF13-9EBE-9B674D878D37}" dt="2021-10-12T19:51:04.127" v="8" actId="20577"/>
+          <ac:spMkLst>
+            <pc:docMk/>
+            <pc:sldMk cId="2161849182" sldId="267"/>
+            <ac:spMk id="2" creationId="{00000000-0000-0000-0000-000000000000}"/>
+          </ac:spMkLst>
+        </pc:spChg>
+      </pc:sldChg>
+    </pc:docChg>
+  </pc:docChgLst>
+  <pc:docChgLst>
+    <pc:chgData name="Akilah Johnson" userId="S::akjohnso@adobe.com::2fa3aa60-0c9c-4d06-bae2-795983241227" providerId="AD" clId="Web-{0AB2EF93-BE08-D205-D43E-3B568BB37DAA}"/>
+    <pc:docChg chg="modSld">
+      <pc:chgData name="Akilah Johnson" userId="S::akjohnso@adobe.com::2fa3aa60-0c9c-4d06-bae2-795983241227" providerId="AD" clId="Web-{0AB2EF93-BE08-D205-D43E-3B568BB37DAA}" dt="2021-09-22T23:01:45.877" v="13"/>
+      <pc:docMkLst>
+        <pc:docMk/>
+      </pc:docMkLst>
+      <pc:sldChg chg="modSp">
+        <pc:chgData name="Akilah Johnson" userId="S::akjohnso@adobe.com::2fa3aa60-0c9c-4d06-bae2-795983241227" providerId="AD" clId="Web-{0AB2EF93-BE08-D205-D43E-3B568BB37DAA}" dt="2021-09-22T23:01:45.877" v="13"/>
+        <pc:sldMkLst>
+          <pc:docMk/>
+          <pc:sldMk cId="1050037809" sldId="261"/>
+        </pc:sldMkLst>
+        <pc:graphicFrameChg chg="mod modGraphic">
+          <ac:chgData name="Akilah Johnson" userId="S::akjohnso@adobe.com::2fa3aa60-0c9c-4d06-bae2-795983241227" providerId="AD" clId="Web-{0AB2EF93-BE08-D205-D43E-3B568BB37DAA}" dt="2021-09-22T23:01:45.877" v="13"/>
+          <ac:graphicFrameMkLst>
+            <pc:docMk/>
+            <pc:sldMk cId="1050037809" sldId="261"/>
+            <ac:graphicFrameMk id="25" creationId="{3A91F5B0-3974-A14D-A146-FB590F2AAD18}"/>
+          </ac:graphicFrameMkLst>
+        </pc:graphicFrameChg>
+      </pc:sldChg>
+    </pc:docChg>
+  </pc:docChgLst>
+  <pc:docChgLst>
     <pc:chgData name="Andy Witt" userId="S::awitt@adobe.com::e9157bdf-53b2-40e4-9459-936793d75696" providerId="AD" clId="Web-{3F02B349-0406-AE51-D438-E7A0BE890230}"/>
     <pc:docChg chg="modSld">
       <pc:chgData name="Andy Witt" userId="S::awitt@adobe.com::e9157bdf-53b2-40e4-9459-936793d75696" providerId="AD" clId="Web-{3F02B349-0406-AE51-D438-E7A0BE890230}" dt="2021-08-25T18:45:07.550" v="11"/>
@@ -264,6 +308,61 @@
             <pc:docMk/>
             <pc:sldMk cId="1050037809" sldId="261"/>
             <ac:graphicFrameMk id="25" creationId="{3A91F5B0-3974-A14D-A146-FB590F2AAD18}"/>
+          </ac:graphicFrameMkLst>
+        </pc:graphicFrameChg>
+      </pc:sldChg>
+    </pc:docChg>
+  </pc:docChgLst>
+  <pc:docChgLst>
+    <pc:chgData name="Lauren Schutte" userId="6e08b2d3-447a-4d66-86be-444d50df187f" providerId="ADAL" clId="{1A3D389F-0E00-444F-BDF7-5C174E20EEC2}"/>
+    <pc:docChg chg="undo custSel modSld">
+      <pc:chgData name="Lauren Schutte" userId="6e08b2d3-447a-4d66-86be-444d50df187f" providerId="ADAL" clId="{1A3D389F-0E00-444F-BDF7-5C174E20EEC2}" dt="2021-10-13T19:40:59.066" v="67" actId="20577"/>
+      <pc:docMkLst>
+        <pc:docMk/>
+      </pc:docMkLst>
+      <pc:sldChg chg="delSp modSp mod">
+        <pc:chgData name="Lauren Schutte" userId="6e08b2d3-447a-4d66-86be-444d50df187f" providerId="ADAL" clId="{1A3D389F-0E00-444F-BDF7-5C174E20EEC2}" dt="2021-10-13T19:40:25.578" v="61" actId="478"/>
+        <pc:sldMkLst>
+          <pc:docMk/>
+          <pc:sldMk cId="5960377" sldId="259"/>
+        </pc:sldMkLst>
+        <pc:spChg chg="mod">
+          <ac:chgData name="Lauren Schutte" userId="6e08b2d3-447a-4d66-86be-444d50df187f" providerId="ADAL" clId="{1A3D389F-0E00-444F-BDF7-5C174E20EEC2}" dt="2021-10-13T19:33:45.182" v="59" actId="20577"/>
+          <ac:spMkLst>
+            <pc:docMk/>
+            <pc:sldMk cId="5960377" sldId="259"/>
+            <ac:spMk id="127" creationId="{BB896A03-8E7E-344F-BDE1-37C49461FF04}"/>
+          </ac:spMkLst>
+        </pc:spChg>
+        <pc:grpChg chg="del mod">
+          <ac:chgData name="Lauren Schutte" userId="6e08b2d3-447a-4d66-86be-444d50df187f" providerId="ADAL" clId="{1A3D389F-0E00-444F-BDF7-5C174E20EEC2}" dt="2021-10-13T19:40:25.578" v="61" actId="478"/>
+          <ac:grpSpMkLst>
+            <pc:docMk/>
+            <pc:sldMk cId="5960377" sldId="259"/>
+            <ac:grpSpMk id="62" creationId="{C539739D-1D3E-204D-9819-C44D9AE36DE8}"/>
+          </ac:grpSpMkLst>
+        </pc:grpChg>
+      </pc:sldChg>
+      <pc:sldChg chg="modSp mod">
+        <pc:chgData name="Lauren Schutte" userId="6e08b2d3-447a-4d66-86be-444d50df187f" providerId="ADAL" clId="{1A3D389F-0E00-444F-BDF7-5C174E20EEC2}" dt="2021-10-13T19:40:59.066" v="67" actId="20577"/>
+        <pc:sldMkLst>
+          <pc:docMk/>
+          <pc:sldMk cId="2161849182" sldId="267"/>
+        </pc:sldMkLst>
+        <pc:spChg chg="mod">
+          <ac:chgData name="Lauren Schutte" userId="6e08b2d3-447a-4d66-86be-444d50df187f" providerId="ADAL" clId="{1A3D389F-0E00-444F-BDF7-5C174E20EEC2}" dt="2021-10-13T19:40:59.066" v="67" actId="20577"/>
+          <ac:spMkLst>
+            <pc:docMk/>
+            <pc:sldMk cId="2161849182" sldId="267"/>
+            <ac:spMk id="2" creationId="{00000000-0000-0000-0000-000000000000}"/>
+          </ac:spMkLst>
+        </pc:spChg>
+        <pc:graphicFrameChg chg="mod modGraphic">
+          <ac:chgData name="Lauren Schutte" userId="6e08b2d3-447a-4d66-86be-444d50df187f" providerId="ADAL" clId="{1A3D389F-0E00-444F-BDF7-5C174E20EEC2}" dt="2021-10-13T19:33:05.183" v="58"/>
+          <ac:graphicFrameMkLst>
+            <pc:docMk/>
+            <pc:sldMk cId="2161849182" sldId="267"/>
+            <ac:graphicFrameMk id="9" creationId="{00000000-0000-0000-0000-000000000000}"/>
           </ac:graphicFrameMkLst>
         </pc:graphicFrameChg>
       </pc:sldChg>
@@ -294,24 +393,133 @@
     </pc:docChg>
   </pc:docChgLst>
   <pc:docChgLst>
-    <pc:chgData name="Akilah Johnson" userId="S::akjohnso@adobe.com::2fa3aa60-0c9c-4d06-bae2-795983241227" providerId="AD" clId="Web-{A40C3D7D-993B-38B2-2DDA-C562505A1054}"/>
+    <pc:chgData name="Akilah Johnson" userId="S::akjohnso@adobe.com::2fa3aa60-0c9c-4d06-bae2-795983241227" providerId="AD" clId="Web-{19826C17-B3F5-53A1-AAFF-C7771804C7A7}"/>
     <pc:docChg chg="modSld">
-      <pc:chgData name="Akilah Johnson" userId="S::akjohnso@adobe.com::2fa3aa60-0c9c-4d06-bae2-795983241227" providerId="AD" clId="Web-{A40C3D7D-993B-38B2-2DDA-C562505A1054}" dt="2021-09-22T23:00:46.860" v="3"/>
+      <pc:chgData name="Akilah Johnson" userId="S::akjohnso@adobe.com::2fa3aa60-0c9c-4d06-bae2-795983241227" providerId="AD" clId="Web-{19826C17-B3F5-53A1-AAFF-C7771804C7A7}" dt="2021-10-13T18:50:21.160" v="67"/>
       <pc:docMkLst>
         <pc:docMk/>
       </pc:docMkLst>
       <pc:sldChg chg="modSp">
-        <pc:chgData name="Akilah Johnson" userId="S::akjohnso@adobe.com::2fa3aa60-0c9c-4d06-bae2-795983241227" providerId="AD" clId="Web-{A40C3D7D-993B-38B2-2DDA-C562505A1054}" dt="2021-09-22T23:00:46.860" v="3"/>
+        <pc:chgData name="Akilah Johnson" userId="S::akjohnso@adobe.com::2fa3aa60-0c9c-4d06-bae2-795983241227" providerId="AD" clId="Web-{19826C17-B3F5-53A1-AAFF-C7771804C7A7}" dt="2021-10-13T18:38:26.810" v="9" actId="20577"/>
+        <pc:sldMkLst>
+          <pc:docMk/>
+          <pc:sldMk cId="5960377" sldId="259"/>
+        </pc:sldMkLst>
+        <pc:spChg chg="mod">
+          <ac:chgData name="Akilah Johnson" userId="S::akjohnso@adobe.com::2fa3aa60-0c9c-4d06-bae2-795983241227" providerId="AD" clId="Web-{19826C17-B3F5-53A1-AAFF-C7771804C7A7}" dt="2021-10-13T18:38:26.810" v="9" actId="20577"/>
+          <ac:spMkLst>
+            <pc:docMk/>
+            <pc:sldMk cId="5960377" sldId="259"/>
+            <ac:spMk id="75" creationId="{4602CC83-B0C7-8445-9007-87E67CDDD9D0}"/>
+          </ac:spMkLst>
+        </pc:spChg>
+        <pc:spChg chg="mod">
+          <ac:chgData name="Akilah Johnson" userId="S::akjohnso@adobe.com::2fa3aa60-0c9c-4d06-bae2-795983241227" providerId="AD" clId="Web-{19826C17-B3F5-53A1-AAFF-C7771804C7A7}" dt="2021-10-13T18:38:17.716" v="5" actId="20577"/>
+          <ac:spMkLst>
+            <pc:docMk/>
+            <pc:sldMk cId="5960377" sldId="259"/>
+            <ac:spMk id="83" creationId="{7A016ADC-2A30-8A4B-BE07-A9AB6C1898A7}"/>
+          </ac:spMkLst>
+        </pc:spChg>
+        <pc:spChg chg="mod">
+          <ac:chgData name="Akilah Johnson" userId="S::akjohnso@adobe.com::2fa3aa60-0c9c-4d06-bae2-795983241227" providerId="AD" clId="Web-{19826C17-B3F5-53A1-AAFF-C7771804C7A7}" dt="2021-10-13T18:38:19.654" v="6" actId="20577"/>
+          <ac:spMkLst>
+            <pc:docMk/>
+            <pc:sldMk cId="5960377" sldId="259"/>
+            <ac:spMk id="87" creationId="{57C0C871-6516-F145-97DA-27A143E6185C}"/>
+          </ac:spMkLst>
+        </pc:spChg>
+        <pc:spChg chg="mod">
+          <ac:chgData name="Akilah Johnson" userId="S::akjohnso@adobe.com::2fa3aa60-0c9c-4d06-bae2-795983241227" providerId="AD" clId="Web-{19826C17-B3F5-53A1-AAFF-C7771804C7A7}" dt="2021-10-13T18:38:14.044" v="4" actId="20577"/>
+          <ac:spMkLst>
+            <pc:docMk/>
+            <pc:sldMk cId="5960377" sldId="259"/>
+            <ac:spMk id="124" creationId="{14AAF776-9013-4C40-92F9-FFFE22C4038F}"/>
+          </ac:spMkLst>
+        </pc:spChg>
+        <pc:spChg chg="mod">
+          <ac:chgData name="Akilah Johnson" userId="S::akjohnso@adobe.com::2fa3aa60-0c9c-4d06-bae2-795983241227" providerId="AD" clId="Web-{19826C17-B3F5-53A1-AAFF-C7771804C7A7}" dt="2021-10-13T18:38:10.013" v="2" actId="20577"/>
+          <ac:spMkLst>
+            <pc:docMk/>
+            <pc:sldMk cId="5960377" sldId="259"/>
+            <ac:spMk id="125" creationId="{AF4EBBF5-5438-A043-B9AA-3822381D52EE}"/>
+          </ac:spMkLst>
+        </pc:spChg>
+        <pc:spChg chg="mod">
+          <ac:chgData name="Akilah Johnson" userId="S::akjohnso@adobe.com::2fa3aa60-0c9c-4d06-bae2-795983241227" providerId="AD" clId="Web-{19826C17-B3F5-53A1-AAFF-C7771804C7A7}" dt="2021-10-13T18:38:12.263" v="3" actId="20577"/>
+          <ac:spMkLst>
+            <pc:docMk/>
+            <pc:sldMk cId="5960377" sldId="259"/>
+            <ac:spMk id="126" creationId="{7F65676D-32E4-7B4B-BB85-4D504B5882BD}"/>
+          </ac:spMkLst>
+        </pc:spChg>
+      </pc:sldChg>
+      <pc:sldChg chg="modSp">
+        <pc:chgData name="Akilah Johnson" userId="S::akjohnso@adobe.com::2fa3aa60-0c9c-4d06-bae2-795983241227" providerId="AD" clId="Web-{19826C17-B3F5-53A1-AAFF-C7771804C7A7}" dt="2021-10-13T18:40:23.717" v="19" actId="20577"/>
         <pc:sldMkLst>
           <pc:docMk/>
           <pc:sldMk cId="1050037809" sldId="261"/>
         </pc:sldMkLst>
+        <pc:spChg chg="mod">
+          <ac:chgData name="Akilah Johnson" userId="S::akjohnso@adobe.com::2fa3aa60-0c9c-4d06-bae2-795983241227" providerId="AD" clId="Web-{19826C17-B3F5-53A1-AAFF-C7771804C7A7}" dt="2021-10-13T18:40:23.717" v="19" actId="20577"/>
+          <ac:spMkLst>
+            <pc:docMk/>
+            <pc:sldMk cId="1050037809" sldId="261"/>
+            <ac:spMk id="56" creationId="{00000000-0000-0000-0000-000000000000}"/>
+          </ac:spMkLst>
+        </pc:spChg>
         <pc:graphicFrameChg chg="mod modGraphic">
-          <ac:chgData name="Akilah Johnson" userId="S::akjohnso@adobe.com::2fa3aa60-0c9c-4d06-bae2-795983241227" providerId="AD" clId="Web-{A40C3D7D-993B-38B2-2DDA-C562505A1054}" dt="2021-09-22T23:00:46.860" v="3"/>
+          <ac:chgData name="Akilah Johnson" userId="S::akjohnso@adobe.com::2fa3aa60-0c9c-4d06-bae2-795983241227" providerId="AD" clId="Web-{19826C17-B3F5-53A1-AAFF-C7771804C7A7}" dt="2021-10-13T18:39:38.154" v="17"/>
           <ac:graphicFrameMkLst>
             <pc:docMk/>
             <pc:sldMk cId="1050037809" sldId="261"/>
-            <ac:graphicFrameMk id="25" creationId="{3A91F5B0-3974-A14D-A146-FB590F2AAD18}"/>
+            <ac:graphicFrameMk id="111" creationId="{D8653CEC-4213-DE40-9BAF-D1E3318FF89C}"/>
+          </ac:graphicFrameMkLst>
+        </pc:graphicFrameChg>
+      </pc:sldChg>
+      <pc:sldChg chg="modSp">
+        <pc:chgData name="Akilah Johnson" userId="S::akjohnso@adobe.com::2fa3aa60-0c9c-4d06-bae2-795983241227" providerId="AD" clId="Web-{19826C17-B3F5-53A1-AAFF-C7771804C7A7}" dt="2021-10-13T18:39:10.373" v="15" actId="20577"/>
+        <pc:sldMkLst>
+          <pc:docMk/>
+          <pc:sldMk cId="717026355" sldId="266"/>
+        </pc:sldMkLst>
+        <pc:spChg chg="mod">
+          <ac:chgData name="Akilah Johnson" userId="S::akjohnso@adobe.com::2fa3aa60-0c9c-4d06-bae2-795983241227" providerId="AD" clId="Web-{19826C17-B3F5-53A1-AAFF-C7771804C7A7}" dt="2021-10-13T18:39:10.373" v="15" actId="20577"/>
+          <ac:spMkLst>
+            <pc:docMk/>
+            <pc:sldMk cId="717026355" sldId="266"/>
+            <ac:spMk id="9" creationId="{00000000-0000-0000-0000-000000000000}"/>
+          </ac:spMkLst>
+        </pc:spChg>
+        <pc:spChg chg="mod">
+          <ac:chgData name="Akilah Johnson" userId="S::akjohnso@adobe.com::2fa3aa60-0c9c-4d06-bae2-795983241227" providerId="AD" clId="Web-{19826C17-B3F5-53A1-AAFF-C7771804C7A7}" dt="2021-10-13T18:38:44.029" v="11" actId="20577"/>
+          <ac:spMkLst>
+            <pc:docMk/>
+            <pc:sldMk cId="717026355" sldId="266"/>
+            <ac:spMk id="82" creationId="{F6061E8D-9723-464D-AA49-7A3A3A02BE92}"/>
+          </ac:spMkLst>
+        </pc:spChg>
+        <pc:spChg chg="mod">
+          <ac:chgData name="Akilah Johnson" userId="S::akjohnso@adobe.com::2fa3aa60-0c9c-4d06-bae2-795983241227" providerId="AD" clId="Web-{19826C17-B3F5-53A1-AAFF-C7771804C7A7}" dt="2021-10-13T18:39:00.638" v="13" actId="20577"/>
+          <ac:spMkLst>
+            <pc:docMk/>
+            <pc:sldMk cId="717026355" sldId="266"/>
+            <ac:spMk id="83" creationId="{BB34E685-A734-974B-A33A-BE51D1A8BC0D}"/>
+          </ac:spMkLst>
+        </pc:spChg>
+      </pc:sldChg>
+      <pc:sldChg chg="modSp">
+        <pc:chgData name="Akilah Johnson" userId="S::akjohnso@adobe.com::2fa3aa60-0c9c-4d06-bae2-795983241227" providerId="AD" clId="Web-{19826C17-B3F5-53A1-AAFF-C7771804C7A7}" dt="2021-10-13T18:50:21.160" v="67"/>
+        <pc:sldMkLst>
+          <pc:docMk/>
+          <pc:sldMk cId="2161849182" sldId="267"/>
+        </pc:sldMkLst>
+        <pc:graphicFrameChg chg="mod modGraphic">
+          <ac:chgData name="Akilah Johnson" userId="S::akjohnso@adobe.com::2fa3aa60-0c9c-4d06-bae2-795983241227" providerId="AD" clId="Web-{19826C17-B3F5-53A1-AAFF-C7771804C7A7}" dt="2021-10-13T18:50:21.160" v="67"/>
+          <ac:graphicFrameMkLst>
+            <pc:docMk/>
+            <pc:sldMk cId="2161849182" sldId="267"/>
+            <ac:graphicFrameMk id="9" creationId="{00000000-0000-0000-0000-000000000000}"/>
           </ac:graphicFrameMkLst>
         </pc:graphicFrameChg>
       </pc:sldChg>
@@ -321,40 +529,6 @@
 </file>
 
 <file path=ppt/comments/comment1.xml><?xml version="1.0" encoding="utf-8"?>
-<p:cmLst xmlns:a="http://schemas.openxmlformats.org/drawingml/2006/main" xmlns:r="http://schemas.openxmlformats.org/officeDocument/2006/relationships" xmlns:p="http://schemas.openxmlformats.org/presentationml/2006/main">
-  <p:cm authorId="1" dt="2021-08-04T14:42:10.630" idx="4">
-    <p:pos x="-3291" y="2170"/>
-    <p:text/>
-    <p:extLst>
-      <p:ext uri="{C676402C-5697-4E1C-873F-D02D1690AC5C}">
-        <p15:threadingInfo xmlns:p15="http://schemas.microsoft.com/office/powerpoint/2012/main" timeZoneBias="420"/>
-      </p:ext>
-    </p:extLst>
-  </p:cm>
-  <p:cm authorId="1" dt="2021-08-04T14:42:19.668" idx="5">
-    <p:pos x="4567" y="1502"/>
-    <p:text>Can we add a darker blue line under 'Enterprise Support?'</p:text>
-    <p:extLst>
-      <p:ext uri="{C676402C-5697-4E1C-873F-D02D1690AC5C}">
-        <p15:threadingInfo xmlns:p15="http://schemas.microsoft.com/office/powerpoint/2012/main" timeZoneBias="420"/>
-      </p:ext>
-    </p:extLst>
-  </p:cm>
-  <p:cm authorId="1" dt="2021-08-04T15:01:35.985" idx="8">
-    <p:pos x="4567" y="1598"/>
-    <p:text>Hi Ankita, I did my best to keep the formatting you already worked so hard on. I added a few comments on things I'll need your help with . Thank again so much!</p:text>
-    <p:extLst>
-      <p:ext uri="{C676402C-5697-4E1C-873F-D02D1690AC5C}">
-        <p15:threadingInfo xmlns:p15="http://schemas.microsoft.com/office/powerpoint/2012/main" timeZoneBias="420">
-          <p15:parentCm authorId="1" idx="5"/>
-        </p15:threadingInfo>
-      </p:ext>
-    </p:extLst>
-  </p:cm>
-</p:cmLst>
-</file>
-
-<file path=ppt/comments/comment2.xml><?xml version="1.0" encoding="utf-8"?>
 <p:cmLst xmlns:a="http://schemas.openxmlformats.org/drawingml/2006/main" xmlns:r="http://schemas.openxmlformats.org/officeDocument/2006/relationships" xmlns:p="http://schemas.openxmlformats.org/presentationml/2006/main">
   <p:cm authorId="1" dt="2021-08-04T14:53:07.049" idx="6">
     <p:pos x="10" y="10"/>
@@ -450,7 +624,7 @@
           <a:p>
             <a:fld id="{CCB2A597-803A-C244-97E2-A01066125D19}" type="datetimeFigureOut">
               <a:rPr lang="en-US" smtClean="0"/>
-              <a:t>10/1/2021</a:t>
+              <a:t>10/13/21</a:t>
             </a:fld>
             <a:endParaRPr lang="en-US"/>
           </a:p>
@@ -1231,7 +1405,7 @@
           <a:p>
             <a:fld id="{1D8BD707-D9CF-40AE-B4C6-C98DA3205C09}" type="datetimeFigureOut">
               <a:rPr lang="en-US"/>
-              <a:t>10/1/2021</a:t>
+              <a:t>10/13/21</a:t>
             </a:fld>
             <a:endParaRPr lang="en-US"/>
           </a:p>
@@ -1471,7 +1645,7 @@
           <a:p>
             <a:fld id="{1D8BD707-D9CF-40AE-B4C6-C98DA3205C09}" type="datetimeFigureOut">
               <a:rPr lang="en-US"/>
-              <a:t>10/1/2021</a:t>
+              <a:t>10/13/21</a:t>
             </a:fld>
             <a:endParaRPr lang="en-US"/>
           </a:p>
@@ -1724,7 +1898,7 @@
           <a:p>
             <a:fld id="{1D8BD707-D9CF-40AE-B4C6-C98DA3205C09}" type="datetimeFigureOut">
               <a:rPr lang="en-US"/>
-              <a:t>10/1/2021</a:t>
+              <a:t>10/13/21</a:t>
             </a:fld>
             <a:endParaRPr lang="en-US"/>
           </a:p>
@@ -1911,7 +2085,7 @@
           <a:p>
             <a:fld id="{1D8BD707-D9CF-40AE-B4C6-C98DA3205C09}" type="datetimeFigureOut">
               <a:rPr lang="en-US"/>
-              <a:t>10/1/2021</a:t>
+              <a:t>10/13/21</a:t>
             </a:fld>
             <a:endParaRPr lang="en-US"/>
           </a:p>
@@ -2069,7 +2243,7 @@
           <a:p>
             <a:fld id="{1D8BD707-D9CF-40AE-B4C6-C98DA3205C09}" type="datetimeFigureOut">
               <a:rPr lang="en-US"/>
-              <a:t>10/1/2021</a:t>
+              <a:t>10/13/21</a:t>
             </a:fld>
             <a:endParaRPr lang="en-US"/>
           </a:p>
@@ -2327,7 +2501,7 @@
           <a:p>
             <a:fld id="{1D8BD707-D9CF-40AE-B4C6-C98DA3205C09}" type="datetimeFigureOut">
               <a:rPr lang="en-US"/>
-              <a:t>10/1/2021</a:t>
+              <a:t>10/13/21</a:t>
             </a:fld>
             <a:endParaRPr lang="en-US"/>
           </a:p>
@@ -2566,25 +2740,43 @@
           </a:prstGeom>
         </p:spPr>
         <p:txBody>
-          <a:bodyPr vert="horz" wrap="square" lIns="0" tIns="12700" rIns="0" bIns="0" rtlCol="0">
+          <a:bodyPr vert="horz" wrap="square" lIns="0" tIns="12700" rIns="0" bIns="0" rtlCol="0" anchor="t">
             <a:spAutoFit/>
           </a:bodyPr>
           <a:lstStyle/>
           <a:p>
             <a:pPr marL="12700">
-              <a:lnSpc>
-                <a:spcPct val="100000"/>
-              </a:lnSpc>
               <a:spcBef>
                 <a:spcPts val="100"/>
               </a:spcBef>
             </a:pPr>
             <a:r>
-              <a:rPr lang="it-IT" sz="2300">
-                <a:latin typeface="Adobe Clean" panose="020B0503020404020204" pitchFamily="34" charset="0"/>
-              </a:rPr>
-              <a:t>OPZIONI DI SUPPORTO ADOBE</a:t>
-            </a:r>
+              <a:rPr sz="2300" dirty="0">
+                <a:latin typeface="Adobe Clean"/>
+              </a:rPr>
+              <a:t>ADOBE</a:t>
+            </a:r>
+            <a:r>
+              <a:rPr lang="en-US" sz="2300" dirty="0">
+                <a:latin typeface="Adobe Clean"/>
+              </a:rPr>
+              <a:t> </a:t>
+            </a:r>
+            <a:r>
+              <a:rPr sz="2300" dirty="0">
+                <a:latin typeface="Adobe Clean"/>
+              </a:rPr>
+              <a:t>SUPPORT</a:t>
+            </a:r>
+            <a:r>
+              <a:rPr lang="en-US" sz="2300" dirty="0">
+                <a:latin typeface="Adobe Clean"/>
+              </a:rPr>
+              <a:t> PLANS</a:t>
+            </a:r>
+            <a:endParaRPr sz="2300" dirty="0">
+              <a:latin typeface="Adobe Clean" panose="020B0503020404020204" pitchFamily="34" charset="0"/>
+            </a:endParaRPr>
           </a:p>
         </p:txBody>
       </p:sp>
@@ -2618,7 +2810,7 @@
               </a:spcBef>
             </a:pPr>
             <a:r>
-              <a:rPr lang="it-IT" sz="1400" b="1" u="sng" dirty="0">
+              <a:rPr sz="1400" b="1" u="sng" spc="15">
                 <a:solidFill>
                   <a:srgbClr val="020302"/>
                 </a:solidFill>
@@ -2630,8 +2822,477 @@
                 <a:latin typeface="Adobe Clean"/>
                 <a:cs typeface="Adobe Clean"/>
               </a:rPr>
-              <a:t>Obiettivi del livello di servizio: risposta iniziale</a:t>
-            </a:r>
+              <a:t>S</a:t>
+            </a:r>
+            <a:r>
+              <a:rPr sz="1400" b="1" u="sng" spc="5">
+                <a:solidFill>
+                  <a:srgbClr val="020302"/>
+                </a:solidFill>
+                <a:uFill>
+                  <a:solidFill>
+                    <a:srgbClr val="020302"/>
+                  </a:solidFill>
+                </a:uFill>
+                <a:latin typeface="Adobe Clean"/>
+                <a:cs typeface="Adobe Clean"/>
+              </a:rPr>
+              <a:t>er</a:t>
+            </a:r>
+            <a:r>
+              <a:rPr sz="1400" b="1" u="sng" spc="10">
+                <a:solidFill>
+                  <a:srgbClr val="020302"/>
+                </a:solidFill>
+                <a:uFill>
+                  <a:solidFill>
+                    <a:srgbClr val="020302"/>
+                  </a:solidFill>
+                </a:uFill>
+                <a:latin typeface="Adobe Clean"/>
+                <a:cs typeface="Adobe Clean"/>
+              </a:rPr>
+              <a:t>vi</a:t>
+            </a:r>
+            <a:r>
+              <a:rPr sz="1400" b="1" u="sng" spc="5">
+                <a:solidFill>
+                  <a:srgbClr val="020302"/>
+                </a:solidFill>
+                <a:uFill>
+                  <a:solidFill>
+                    <a:srgbClr val="020302"/>
+                  </a:solidFill>
+                </a:uFill>
+                <a:latin typeface="Adobe Clean"/>
+                <a:cs typeface="Adobe Clean"/>
+              </a:rPr>
+              <a:t>c</a:t>
+            </a:r>
+            <a:r>
+              <a:rPr sz="1400" b="1" u="sng">
+                <a:solidFill>
+                  <a:srgbClr val="020302"/>
+                </a:solidFill>
+                <a:uFill>
+                  <a:solidFill>
+                    <a:srgbClr val="020302"/>
+                  </a:solidFill>
+                </a:uFill>
+                <a:latin typeface="Adobe Clean"/>
+                <a:cs typeface="Adobe Clean"/>
+              </a:rPr>
+              <a:t>e</a:t>
+            </a:r>
+            <a:r>
+              <a:rPr sz="1400" b="1" u="sng" spc="20">
+                <a:solidFill>
+                  <a:srgbClr val="020302"/>
+                </a:solidFill>
+                <a:uFill>
+                  <a:solidFill>
+                    <a:srgbClr val="020302"/>
+                  </a:solidFill>
+                </a:uFill>
+                <a:latin typeface="Adobe Clean"/>
+                <a:cs typeface="Adobe Clean"/>
+              </a:rPr>
+              <a:t> </a:t>
+            </a:r>
+            <a:r>
+              <a:rPr sz="1400" b="1" u="sng" spc="-15">
+                <a:solidFill>
+                  <a:srgbClr val="020302"/>
+                </a:solidFill>
+                <a:uFill>
+                  <a:solidFill>
+                    <a:srgbClr val="020302"/>
+                  </a:solidFill>
+                </a:uFill>
+                <a:latin typeface="Adobe Clean"/>
+                <a:cs typeface="Adobe Clean"/>
+              </a:rPr>
+              <a:t>Le</a:t>
+            </a:r>
+            <a:r>
+              <a:rPr sz="1400" b="1" u="sng" spc="-10">
+                <a:solidFill>
+                  <a:srgbClr val="020302"/>
+                </a:solidFill>
+                <a:uFill>
+                  <a:solidFill>
+                    <a:srgbClr val="020302"/>
+                  </a:solidFill>
+                </a:uFill>
+                <a:latin typeface="Adobe Clean"/>
+                <a:cs typeface="Adobe Clean"/>
+              </a:rPr>
+              <a:t>v</a:t>
+            </a:r>
+            <a:r>
+              <a:rPr sz="1400" b="1" u="sng" spc="-15">
+                <a:solidFill>
+                  <a:srgbClr val="020302"/>
+                </a:solidFill>
+                <a:uFill>
+                  <a:solidFill>
+                    <a:srgbClr val="020302"/>
+                  </a:solidFill>
+                </a:uFill>
+                <a:latin typeface="Adobe Clean"/>
+                <a:cs typeface="Adobe Clean"/>
+              </a:rPr>
+              <a:t>e</a:t>
+            </a:r>
+            <a:r>
+              <a:rPr sz="1400" b="1" u="sng">
+                <a:solidFill>
+                  <a:srgbClr val="020302"/>
+                </a:solidFill>
+                <a:uFill>
+                  <a:solidFill>
+                    <a:srgbClr val="020302"/>
+                  </a:solidFill>
+                </a:uFill>
+                <a:latin typeface="Adobe Clean"/>
+                <a:cs typeface="Adobe Clean"/>
+              </a:rPr>
+              <a:t>l</a:t>
+            </a:r>
+            <a:r>
+              <a:rPr sz="1400" b="1" u="sng" spc="-15">
+                <a:solidFill>
+                  <a:srgbClr val="020302"/>
+                </a:solidFill>
+                <a:uFill>
+                  <a:solidFill>
+                    <a:srgbClr val="020302"/>
+                  </a:solidFill>
+                </a:uFill>
+                <a:latin typeface="Adobe Clean"/>
+                <a:cs typeface="Adobe Clean"/>
+              </a:rPr>
+              <a:t> </a:t>
+            </a:r>
+            <a:r>
+              <a:rPr sz="1400" b="1" u="sng" spc="-55">
+                <a:solidFill>
+                  <a:srgbClr val="020302"/>
+                </a:solidFill>
+                <a:uFill>
+                  <a:solidFill>
+                    <a:srgbClr val="020302"/>
+                  </a:solidFill>
+                </a:uFill>
+                <a:latin typeface="Adobe Clean"/>
+                <a:cs typeface="Adobe Clean"/>
+              </a:rPr>
+              <a:t>T</a:t>
+            </a:r>
+            <a:r>
+              <a:rPr sz="1400" b="1" u="sng" spc="-40">
+                <a:solidFill>
+                  <a:srgbClr val="020302"/>
+                </a:solidFill>
+                <a:uFill>
+                  <a:solidFill>
+                    <a:srgbClr val="020302"/>
+                  </a:solidFill>
+                </a:uFill>
+                <a:latin typeface="Adobe Clean"/>
+                <a:cs typeface="Adobe Clean"/>
+              </a:rPr>
+              <a:t>a</a:t>
+            </a:r>
+            <a:r>
+              <a:rPr sz="1400" b="1" u="sng" spc="-45">
+                <a:solidFill>
+                  <a:srgbClr val="020302"/>
+                </a:solidFill>
+                <a:uFill>
+                  <a:solidFill>
+                    <a:srgbClr val="020302"/>
+                  </a:solidFill>
+                </a:uFill>
+                <a:latin typeface="Adobe Clean"/>
+                <a:cs typeface="Adobe Clean"/>
+              </a:rPr>
+              <a:t>r</a:t>
+            </a:r>
+            <a:r>
+              <a:rPr sz="1400" b="1" u="sng" spc="-40">
+                <a:solidFill>
+                  <a:srgbClr val="020302"/>
+                </a:solidFill>
+                <a:uFill>
+                  <a:solidFill>
+                    <a:srgbClr val="020302"/>
+                  </a:solidFill>
+                </a:uFill>
+                <a:latin typeface="Adobe Clean"/>
+                <a:cs typeface="Adobe Clean"/>
+              </a:rPr>
+              <a:t>g</a:t>
+            </a:r>
+            <a:r>
+              <a:rPr sz="1400" b="1" u="sng" spc="-50">
+                <a:solidFill>
+                  <a:srgbClr val="020302"/>
+                </a:solidFill>
+                <a:uFill>
+                  <a:solidFill>
+                    <a:srgbClr val="020302"/>
+                  </a:solidFill>
+                </a:uFill>
+                <a:latin typeface="Adobe Clean"/>
+                <a:cs typeface="Adobe Clean"/>
+              </a:rPr>
+              <a:t>et</a:t>
+            </a:r>
+            <a:r>
+              <a:rPr sz="1400" b="1" u="sng" spc="-45">
+                <a:solidFill>
+                  <a:srgbClr val="020302"/>
+                </a:solidFill>
+                <a:uFill>
+                  <a:solidFill>
+                    <a:srgbClr val="020302"/>
+                  </a:solidFill>
+                </a:uFill>
+                <a:latin typeface="Adobe Clean"/>
+                <a:cs typeface="Adobe Clean"/>
+              </a:rPr>
+              <a:t>s</a:t>
+            </a:r>
+            <a:r>
+              <a:rPr sz="1400" b="1" u="sng">
+                <a:solidFill>
+                  <a:srgbClr val="020302"/>
+                </a:solidFill>
+                <a:uFill>
+                  <a:solidFill>
+                    <a:srgbClr val="020302"/>
+                  </a:solidFill>
+                </a:uFill>
+                <a:latin typeface="Adobe Clean"/>
+                <a:cs typeface="Adobe Clean"/>
+              </a:rPr>
+              <a:t>:</a:t>
+            </a:r>
+            <a:r>
+              <a:rPr sz="1400" b="1" u="sng" spc="-85">
+                <a:solidFill>
+                  <a:srgbClr val="020302"/>
+                </a:solidFill>
+                <a:uFill>
+                  <a:solidFill>
+                    <a:srgbClr val="020302"/>
+                  </a:solidFill>
+                </a:uFill>
+                <a:latin typeface="Adobe Clean"/>
+                <a:cs typeface="Adobe Clean"/>
+              </a:rPr>
+              <a:t> </a:t>
+            </a:r>
+            <a:r>
+              <a:rPr sz="1400" b="1" u="sng" spc="-15">
+                <a:solidFill>
+                  <a:srgbClr val="020302"/>
+                </a:solidFill>
+                <a:uFill>
+                  <a:solidFill>
+                    <a:srgbClr val="020302"/>
+                  </a:solidFill>
+                </a:uFill>
+                <a:latin typeface="Adobe Clean"/>
+                <a:cs typeface="Adobe Clean"/>
+              </a:rPr>
+              <a:t>I</a:t>
+            </a:r>
+            <a:r>
+              <a:rPr sz="1400" b="1" u="sng" spc="-10">
+                <a:solidFill>
+                  <a:srgbClr val="020302"/>
+                </a:solidFill>
+                <a:uFill>
+                  <a:solidFill>
+                    <a:srgbClr val="020302"/>
+                  </a:solidFill>
+                </a:uFill>
+                <a:latin typeface="Adobe Clean"/>
+                <a:cs typeface="Adobe Clean"/>
+              </a:rPr>
+              <a:t>ni</a:t>
+            </a:r>
+            <a:r>
+              <a:rPr sz="1400" b="1" u="sng" spc="-15">
+                <a:solidFill>
+                  <a:srgbClr val="020302"/>
+                </a:solidFill>
+                <a:uFill>
+                  <a:solidFill>
+                    <a:srgbClr val="020302"/>
+                  </a:solidFill>
+                </a:uFill>
+                <a:latin typeface="Adobe Clean"/>
+                <a:cs typeface="Adobe Clean"/>
+              </a:rPr>
+              <a:t>t</a:t>
+            </a:r>
+            <a:r>
+              <a:rPr sz="1400" b="1" u="sng" spc="-10">
+                <a:solidFill>
+                  <a:srgbClr val="020302"/>
+                </a:solidFill>
+                <a:uFill>
+                  <a:solidFill>
+                    <a:srgbClr val="020302"/>
+                  </a:solidFill>
+                </a:uFill>
+                <a:latin typeface="Adobe Clean"/>
+                <a:cs typeface="Adobe Clean"/>
+              </a:rPr>
+              <a:t>i</a:t>
+            </a:r>
+            <a:r>
+              <a:rPr sz="1400" b="1" u="sng" spc="-5">
+                <a:solidFill>
+                  <a:srgbClr val="020302"/>
+                </a:solidFill>
+                <a:uFill>
+                  <a:solidFill>
+                    <a:srgbClr val="020302"/>
+                  </a:solidFill>
+                </a:uFill>
+                <a:latin typeface="Adobe Clean"/>
+                <a:cs typeface="Adobe Clean"/>
+              </a:rPr>
+              <a:t>a</a:t>
+            </a:r>
+            <a:r>
+              <a:rPr sz="1400" b="1" u="sng">
+                <a:solidFill>
+                  <a:srgbClr val="020302"/>
+                </a:solidFill>
+                <a:uFill>
+                  <a:solidFill>
+                    <a:srgbClr val="020302"/>
+                  </a:solidFill>
+                </a:uFill>
+                <a:latin typeface="Adobe Clean"/>
+                <a:cs typeface="Adobe Clean"/>
+              </a:rPr>
+              <a:t>l</a:t>
+            </a:r>
+            <a:r>
+              <a:rPr sz="1400" b="1" u="sng" spc="-145">
+                <a:solidFill>
+                  <a:srgbClr val="020302"/>
+                </a:solidFill>
+                <a:uFill>
+                  <a:solidFill>
+                    <a:srgbClr val="020302"/>
+                  </a:solidFill>
+                </a:uFill>
+                <a:latin typeface="Adobe Clean"/>
+                <a:cs typeface="Adobe Clean"/>
+              </a:rPr>
+              <a:t> </a:t>
+            </a:r>
+            <a:r>
+              <a:rPr sz="1400" b="1" u="sng" spc="-15">
+                <a:solidFill>
+                  <a:srgbClr val="020302"/>
+                </a:solidFill>
+                <a:uFill>
+                  <a:solidFill>
+                    <a:srgbClr val="020302"/>
+                  </a:solidFill>
+                </a:uFill>
+                <a:latin typeface="Adobe Clean"/>
+                <a:cs typeface="Adobe Clean"/>
+              </a:rPr>
+              <a:t>R</a:t>
+            </a:r>
+            <a:r>
+              <a:rPr sz="1400" b="1" u="sng" spc="-20">
+                <a:solidFill>
+                  <a:srgbClr val="020302"/>
+                </a:solidFill>
+                <a:uFill>
+                  <a:solidFill>
+                    <a:srgbClr val="020302"/>
+                  </a:solidFill>
+                </a:uFill>
+                <a:latin typeface="Adobe Clean"/>
+                <a:cs typeface="Adobe Clean"/>
+              </a:rPr>
+              <a:t>e</a:t>
+            </a:r>
+            <a:r>
+              <a:rPr sz="1400" b="1" u="sng" spc="-15">
+                <a:solidFill>
+                  <a:srgbClr val="020302"/>
+                </a:solidFill>
+                <a:uFill>
+                  <a:solidFill>
+                    <a:srgbClr val="020302"/>
+                  </a:solidFill>
+                </a:uFill>
+                <a:latin typeface="Adobe Clean"/>
+                <a:cs typeface="Adobe Clean"/>
+              </a:rPr>
+              <a:t>s</a:t>
+            </a:r>
+            <a:r>
+              <a:rPr sz="1400" b="1" u="sng" spc="-20">
+                <a:solidFill>
+                  <a:srgbClr val="020302"/>
+                </a:solidFill>
+                <a:uFill>
+                  <a:solidFill>
+                    <a:srgbClr val="020302"/>
+                  </a:solidFill>
+                </a:uFill>
+                <a:latin typeface="Adobe Clean"/>
+                <a:cs typeface="Adobe Clean"/>
+              </a:rPr>
+              <a:t>p</a:t>
+            </a:r>
+            <a:r>
+              <a:rPr sz="1400" b="1" u="sng" spc="-15">
+                <a:solidFill>
+                  <a:srgbClr val="020302"/>
+                </a:solidFill>
+                <a:uFill>
+                  <a:solidFill>
+                    <a:srgbClr val="020302"/>
+                  </a:solidFill>
+                </a:uFill>
+                <a:latin typeface="Adobe Clean"/>
+                <a:cs typeface="Adobe Clean"/>
+              </a:rPr>
+              <a:t>ons</a:t>
+            </a:r>
+            <a:r>
+              <a:rPr sz="1400" b="1" u="sng">
+                <a:solidFill>
+                  <a:srgbClr val="020302"/>
+                </a:solidFill>
+                <a:uFill>
+                  <a:solidFill>
+                    <a:srgbClr val="020302"/>
+                  </a:solidFill>
+                </a:uFill>
+                <a:latin typeface="Adobe Clean"/>
+                <a:cs typeface="Adobe Clean"/>
+              </a:rPr>
+              <a:t>e</a:t>
+            </a:r>
+            <a:endParaRPr sz="1400" u="sng">
+              <a:latin typeface="Adobe Clean"/>
+              <a:cs typeface="Adobe Clean"/>
+            </a:endParaRPr>
           </a:p>
         </p:txBody>
       </p:sp>
@@ -2644,14 +3305,14 @@
           <p:nvPr>
             <p:extLst>
               <p:ext uri="{D42A27DB-BD31-4B8C-83A1-F6EECF244321}">
-                <p14:modId xmlns:p14="http://schemas.microsoft.com/office/powerpoint/2010/main" val="24320966"/>
+                <p14:modId xmlns:p14="http://schemas.microsoft.com/office/powerpoint/2010/main" val="3450047932"/>
               </p:ext>
             </p:extLst>
           </p:nvPr>
         </p:nvGraphicFramePr>
         <p:xfrm>
           <a:off x="146919" y="7473158"/>
-          <a:ext cx="7477080" cy="2317408"/>
+          <a:ext cx="7477080" cy="2190409"/>
         </p:xfrm>
         <a:graphic>
           <a:graphicData uri="http://schemas.openxmlformats.org/drawingml/2006/table">
@@ -2697,15 +3358,19 @@
                         </a:spcBef>
                       </a:pPr>
                       <a:r>
-                        <a:rPr lang="it-IT" sz="900">
+                        <a:rPr sz="900" spc="-20" dirty="0">
                           <a:solidFill>
                             <a:srgbClr val="020302"/>
                           </a:solidFill>
                           <a:latin typeface="Adobe Clean"/>
                           <a:cs typeface="Adobe Clean"/>
                         </a:rPr>
-                        <a:t>Priorità</a:t>
+                        <a:t>Priority</a:t>
                       </a:r>
+                      <a:endParaRPr sz="900" dirty="0">
+                        <a:latin typeface="Adobe Clean"/>
+                        <a:cs typeface="Adobe Clean"/>
+                      </a:endParaRPr>
                     </a:p>
                   </a:txBody>
                   <a:tcPr marL="0" marR="0" marT="6985" marB="0" anchor="ctr">
@@ -2752,18 +3417,22 @@
                         </a:spcBef>
                       </a:pPr>
                       <a:r>
-                        <a:rPr lang="it-IT" sz="900">
+                        <a:rPr sz="900" spc="0" dirty="0">
                           <a:solidFill>
                             <a:srgbClr val="020302"/>
                           </a:solidFill>
                           <a:latin typeface="Adobe Clean"/>
                           <a:cs typeface="Adobe Clean"/>
                         </a:rPr>
-                        <a:t>Supporto Online</a:t>
+                        <a:t>Online Support</a:t>
                       </a:r>
+                      <a:endParaRPr sz="900" spc="0" dirty="0">
+                        <a:latin typeface="Adobe Clean"/>
+                        <a:cs typeface="Adobe Clean"/>
+                      </a:endParaRPr>
                     </a:p>
                   </a:txBody>
-                  <a:tcPr marL="0" marR="0" marT="6985" marB="0" anchor="ctr">
+                  <a:tcPr marL="0" marR="0" marT="0" marB="0" anchor="ctr">
                     <a:lnL w="6350">
                       <a:solidFill>
                         <a:srgbClr val="B7B8B8"/>
@@ -2782,11 +3451,14 @@
                       </a:solidFill>
                       <a:prstDash val="solid"/>
                     </a:lnT>
-                    <a:lnB w="76200">
+                    <a:lnB w="76200" cap="flat" cmpd="sng" algn="ctr">
                       <a:solidFill>
                         <a:srgbClr val="B3B3B3"/>
                       </a:solidFill>
                       <a:prstDash val="solid"/>
+                      <a:round/>
+                      <a:headEnd type="none" w="med" len="med"/>
+                      <a:tailEnd type="none" w="med" len="med"/>
                     </a:lnB>
                     <a:solidFill>
                       <a:srgbClr val="D9D9D9"/>
@@ -2807,18 +3479,22 @@
                         </a:spcBef>
                       </a:pPr>
                       <a:r>
-                        <a:rPr lang="it-IT" sz="900">
+                        <a:rPr sz="900" spc="0" dirty="0">
                           <a:solidFill>
                             <a:srgbClr val="FFFFFF"/>
                           </a:solidFill>
                           <a:latin typeface="Adobe Clean"/>
                           <a:cs typeface="Adobe Clean"/>
                         </a:rPr>
-                        <a:t>Supporto Enterprise</a:t>
+                        <a:t>Enterprise Support</a:t>
                       </a:r>
+                      <a:endParaRPr sz="900" spc="0" dirty="0">
+                        <a:latin typeface="Adobe Clean"/>
+                        <a:cs typeface="Adobe Clean"/>
+                      </a:endParaRPr>
                     </a:p>
                   </a:txBody>
-                  <a:tcPr marL="0" marR="0" marT="10160" marB="0" anchor="ctr">
+                  <a:tcPr marL="0" marR="0" marT="0" marB="0" anchor="ctr">
                     <a:lnL w="6350">
                       <a:solidFill>
                         <a:srgbClr val="B7B8B8"/>
@@ -2875,18 +3551,112 @@
                         </a:spcBef>
                       </a:pPr>
                       <a:r>
-                        <a:rPr lang="it-IT" sz="900" b="1">
+                        <a:rPr sz="900" b="1" spc="-15" dirty="0">
                           <a:solidFill>
                             <a:srgbClr val="020302"/>
                           </a:solidFill>
                           <a:latin typeface="Adobe Clean"/>
                           <a:cs typeface="Adobe Clean"/>
                         </a:rPr>
-                        <a:t>PRIORITÀ 1 (P1)</a:t>
+                        <a:t>P</a:t>
                       </a:r>
+                      <a:r>
+                        <a:rPr sz="900" b="1" spc="-20" dirty="0">
+                          <a:solidFill>
+                            <a:srgbClr val="020302"/>
+                          </a:solidFill>
+                          <a:latin typeface="Adobe Clean"/>
+                          <a:cs typeface="Adobe Clean"/>
+                        </a:rPr>
+                        <a:t>R</a:t>
+                      </a:r>
+                      <a:r>
+                        <a:rPr sz="900" b="1" spc="-25" dirty="0">
+                          <a:solidFill>
+                            <a:srgbClr val="020302"/>
+                          </a:solidFill>
+                          <a:latin typeface="Adobe Clean"/>
+                          <a:cs typeface="Adobe Clean"/>
+                        </a:rPr>
+                        <a:t>I</a:t>
+                      </a:r>
+                      <a:r>
+                        <a:rPr sz="900" b="1" spc="-15" dirty="0">
+                          <a:solidFill>
+                            <a:srgbClr val="020302"/>
+                          </a:solidFill>
+                          <a:latin typeface="Adobe Clean"/>
+                          <a:cs typeface="Adobe Clean"/>
+                        </a:rPr>
+                        <a:t>O</a:t>
+                      </a:r>
+                      <a:r>
+                        <a:rPr sz="900" b="1" spc="-20" dirty="0">
+                          <a:solidFill>
+                            <a:srgbClr val="020302"/>
+                          </a:solidFill>
+                          <a:latin typeface="Adobe Clean"/>
+                          <a:cs typeface="Adobe Clean"/>
+                        </a:rPr>
+                        <a:t>R</a:t>
+                      </a:r>
+                      <a:r>
+                        <a:rPr sz="900" b="1" spc="-25" dirty="0">
+                          <a:solidFill>
+                            <a:srgbClr val="020302"/>
+                          </a:solidFill>
+                          <a:latin typeface="Adobe Clean"/>
+                          <a:cs typeface="Adobe Clean"/>
+                        </a:rPr>
+                        <a:t>I</a:t>
+                      </a:r>
+                      <a:r>
+                        <a:rPr sz="900" b="1" spc="-15" dirty="0">
+                          <a:solidFill>
+                            <a:srgbClr val="020302"/>
+                          </a:solidFill>
+                          <a:latin typeface="Adobe Clean"/>
+                          <a:cs typeface="Adobe Clean"/>
+                        </a:rPr>
+                        <a:t>T</a:t>
+                      </a:r>
+                      <a:r>
+                        <a:rPr sz="900" b="1" dirty="0">
+                          <a:solidFill>
+                            <a:srgbClr val="020302"/>
+                          </a:solidFill>
+                          <a:latin typeface="Adobe Clean"/>
+                          <a:cs typeface="Adobe Clean"/>
+                        </a:rPr>
+                        <a:t>Y</a:t>
+                      </a:r>
+                      <a:r>
+                        <a:rPr sz="900" b="1" spc="-40" dirty="0">
+                          <a:solidFill>
+                            <a:srgbClr val="020302"/>
+                          </a:solidFill>
+                          <a:latin typeface="Adobe Clean"/>
+                          <a:cs typeface="Adobe Clean"/>
+                        </a:rPr>
+                        <a:t> </a:t>
+                      </a:r>
+                      <a:r>
+                        <a:rPr sz="900" b="1" dirty="0">
+                          <a:solidFill>
+                            <a:srgbClr val="020302"/>
+                          </a:solidFill>
+                          <a:latin typeface="Adobe Clean"/>
+                          <a:cs typeface="Adobe Clean"/>
+                        </a:rPr>
+                        <a:t>1</a:t>
+                      </a:r>
+                      <a:endParaRPr sz="900" dirty="0">
+                        <a:latin typeface="Adobe Clean"/>
+                        <a:cs typeface="Adobe Clean"/>
+                      </a:endParaRPr>
                     </a:p>
                     <a:p>
-                      <a:pPr marL="50800" marR="387985" lvl="0" indent="0" defTabSz="914400" eaLnBrk="1" fontAlgn="auto" latinLnBrk="0" hangingPunct="1">
+                      <a:pPr marL="50800" marR="387985" lvl="0" indent="0" eaLnBrk="1" fontAlgn="auto" latinLnBrk="0" hangingPunct="1">
                         <a:lnSpc>
                           <a:spcPts val="1000"/>
                         </a:lnSpc>
@@ -2900,31 +3670,33 @@
                         <a:buSzTx/>
                         <a:buFontTx/>
                         <a:buNone/>
-                        <a:tabLst/>
-                        <a:defRPr/>
                       </a:pPr>
                       <a:r>
-                        <a:rPr lang="it-IT" sz="900" b="0" i="0">
+                        <a:rPr lang="en-US" sz="900" b="0" i="0" spc="-130" dirty="0">
                           <a:solidFill>
                             <a:srgbClr val="020302"/>
                           </a:solidFill>
-                          <a:latin typeface="Adobe Clean Light" panose="020B0303020404020204" pitchFamily="34" charset="0"/>
-                          <a:ea typeface="+mn-ea"/>
-                          <a:cs typeface="Adobe Clean"/>
+                          <a:latin typeface="Adobe Clean Light"/>
+                          <a:cs typeface="+mn-cs"/>
                         </a:rPr>
-                        <a:t> </a:t>
+                        <a:t> </a:t>
                       </a:r>
                       <a:r>
-                        <a:rPr lang="it-IT" sz="900" b="0" i="0" u="none" strike="noStrike">
+                        <a:rPr lang="en-US" sz="900" b="0" i="0" u="none" strike="noStrike" dirty="0">
                           <a:solidFill>
                             <a:schemeClr val="tx1"/>
                           </a:solidFill>
-                          <a:latin typeface="Adobe Clean Light" panose="020B0303020404020204" pitchFamily="34" charset="0"/>
+                          <a:effectLst/>
+                          <a:latin typeface="Adobe Clean Light"/>
                           <a:ea typeface="+mn-ea"/>
                           <a:cs typeface="+mn-cs"/>
                         </a:rPr>
-                        <a:t>Le funzioni operative di produzione del cliente non sono disponibili oppure si verificano problemi significativi di perdita di dati o deterioramento dei servizi ed è richiesto un intervento immediato per ripristinare funzionalità e usabilità</a:t>
+                        <a:t>Customer's production business functions are down or has significant data loss or degradation of services and immediate attention is required to restore functionality and usability</a:t>
                       </a:r>
+                      <a:endParaRPr lang="en-US" sz="900" b="0" i="0" dirty="0">
+                        <a:latin typeface="Adobe Clean Light"/>
+                        <a:cs typeface="AdobeClean-Light"/>
+                      </a:endParaRPr>
                     </a:p>
                   </a:txBody>
                   <a:tcPr marL="0" marR="0" marT="0" marB="0" anchor="ctr">
@@ -2934,11 +3706,14 @@
                       </a:solidFill>
                       <a:prstDash val="solid"/>
                     </a:lnL>
-                    <a:lnR w="6350">
+                    <a:lnR w="6350" cap="flat" cmpd="sng" algn="ctr">
                       <a:solidFill>
                         <a:srgbClr val="B7B8B8"/>
                       </a:solidFill>
                       <a:prstDash val="solid"/>
+                      <a:round/>
+                      <a:headEnd type="none" w="med" len="med"/>
+                      <a:tailEnd type="none" w="med" len="med"/>
                     </a:lnR>
                     <a:lnT w="6350">
                       <a:solidFill>
@@ -2959,35 +3734,34 @@
                     <a:bodyPr/>
                     <a:lstStyle/>
                     <a:p>
-                      <a:pPr marL="542925" marR="492125" algn="ctr">
-                        <a:lnSpc>
-                          <a:spcPct val="102200"/>
-                        </a:lnSpc>
-                      </a:pPr>
+                      <a:pPr algn="ctr" fontAlgn="ctr"/>
                       <a:r>
-                        <a:rPr lang="it-IT" sz="900">
+                        <a:rPr lang="en-US" sz="900" b="0" i="0" u="none" strike="noStrike" dirty="0">
                           <a:solidFill>
                             <a:srgbClr val="020302"/>
                           </a:solidFill>
-                          <a:latin typeface="AdobeClean-Light"/>
-                          <a:cs typeface="AdobeClean-Light"/>
+                          <a:effectLst/>
+                          <a:latin typeface="AdobeClean-Light" panose="020B0503020404020204" pitchFamily="34" charset="0"/>
                         </a:rPr>
-                        <a:t>24x7 /           1 ora</a:t>
+                        <a:t>24x7 /  1 hour</a:t>
                       </a:r>
                     </a:p>
                   </a:txBody>
-                  <a:tcPr marL="0" marR="0" marT="0" marB="0" anchor="ctr">
+                  <a:tcPr marL="9525" marR="9525" marT="9525" marB="0" anchor="ctr">
                     <a:lnL w="6350">
                       <a:solidFill>
                         <a:srgbClr val="B7B8B8"/>
                       </a:solidFill>
                       <a:prstDash val="solid"/>
                     </a:lnL>
-                    <a:lnR w="6350">
+                    <a:lnR w="6350" cap="flat" cmpd="sng" algn="ctr">
                       <a:solidFill>
                         <a:srgbClr val="B7B8B8"/>
                       </a:solidFill>
                       <a:prstDash val="solid"/>
+                      <a:round/>
+                      <a:headEnd type="none" w="med" len="med"/>
+                      <a:tailEnd type="none" w="med" len="med"/>
                     </a:lnR>
                     <a:lnT w="76200">
                       <a:solidFill>
@@ -3008,32 +3782,28 @@
                     <a:bodyPr/>
                     <a:lstStyle/>
                     <a:p>
-                      <a:pPr marL="352425" marR="476250" indent="111125" algn="ctr">
-                        <a:lnSpc>
-                          <a:spcPct val="100000"/>
-                        </a:lnSpc>
-                        <a:spcBef>
-                          <a:spcPts val="700"/>
-                        </a:spcBef>
-                      </a:pPr>
+                      <a:pPr algn="ctr" fontAlgn="ctr"/>
                       <a:r>
-                        <a:rPr lang="it-IT" sz="900">
+                        <a:rPr lang="en-US" sz="900" b="0" i="0" u="none" strike="noStrike">
                           <a:solidFill>
                             <a:srgbClr val="020302"/>
                           </a:solidFill>
-                          <a:latin typeface="AdobeClean-Light"/>
-                          <a:cs typeface="AdobeClean-Light"/>
+                          <a:effectLst/>
+                          <a:latin typeface="AdobeClean-Light" panose="020B0503020404020204" pitchFamily="34" charset="0"/>
                         </a:rPr>
-                        <a:t>24x7 /  30 minuti</a:t>
+                        <a:t>24x7 / 30 minutes</a:t>
                       </a:r>
                     </a:p>
                   </a:txBody>
-                  <a:tcPr marL="0" marR="0" marT="0" marB="0" anchor="ctr">
-                    <a:lnL w="6350">
+                  <a:tcPr marL="9525" marR="9525" marT="9525" marB="0" anchor="ctr">
+                    <a:lnL w="6350" cap="flat" cmpd="sng" algn="ctr">
                       <a:solidFill>
                         <a:srgbClr val="B7B8B8"/>
                       </a:solidFill>
                       <a:prstDash val="solid"/>
+                      <a:round/>
+                      <a:headEnd type="none" w="med" len="med"/>
+                      <a:tailEnd type="none" w="med" len="med"/>
                     </a:lnL>
                     <a:lnR w="6350" cap="flat" cmpd="sng" algn="ctr">
                       <a:solidFill>
@@ -3072,7 +3842,7 @@
                   </a:ext>
                 </a:extLst>
               </a:tr>
-              <a:tr h="484755">
+              <a:tr h="0">
                 <a:tc>
                   <a:txBody>
                     <a:bodyPr/>
@@ -3087,15 +3857,109 @@
                         </a:spcBef>
                       </a:pPr>
                       <a:r>
-                        <a:rPr lang="it-IT" sz="900" b="1">
+                        <a:rPr sz="900" b="1" spc="-15" dirty="0">
                           <a:solidFill>
                             <a:srgbClr val="020302"/>
                           </a:solidFill>
                           <a:latin typeface="Adobe Clean"/>
                           <a:cs typeface="Adobe Clean"/>
                         </a:rPr>
-                        <a:t>PRIORITÀ 2 (P2)</a:t>
+                        <a:t>P</a:t>
                       </a:r>
+                      <a:r>
+                        <a:rPr sz="900" b="1" spc="-20" dirty="0">
+                          <a:solidFill>
+                            <a:srgbClr val="020302"/>
+                          </a:solidFill>
+                          <a:latin typeface="Adobe Clean"/>
+                          <a:cs typeface="Adobe Clean"/>
+                        </a:rPr>
+                        <a:t>R</a:t>
+                      </a:r>
+                      <a:r>
+                        <a:rPr sz="900" b="1" spc="-25" dirty="0">
+                          <a:solidFill>
+                            <a:srgbClr val="020302"/>
+                          </a:solidFill>
+                          <a:latin typeface="Adobe Clean"/>
+                          <a:cs typeface="Adobe Clean"/>
+                        </a:rPr>
+                        <a:t>I</a:t>
+                      </a:r>
+                      <a:r>
+                        <a:rPr sz="900" b="1" spc="-15" dirty="0">
+                          <a:solidFill>
+                            <a:srgbClr val="020302"/>
+                          </a:solidFill>
+                          <a:latin typeface="Adobe Clean"/>
+                          <a:cs typeface="Adobe Clean"/>
+                        </a:rPr>
+                        <a:t>O</a:t>
+                      </a:r>
+                      <a:r>
+                        <a:rPr sz="900" b="1" spc="-20" dirty="0">
+                          <a:solidFill>
+                            <a:srgbClr val="020302"/>
+                          </a:solidFill>
+                          <a:latin typeface="Adobe Clean"/>
+                          <a:cs typeface="Adobe Clean"/>
+                        </a:rPr>
+                        <a:t>R</a:t>
+                      </a:r>
+                      <a:r>
+                        <a:rPr sz="900" b="1" spc="-25" dirty="0">
+                          <a:solidFill>
+                            <a:srgbClr val="020302"/>
+                          </a:solidFill>
+                          <a:latin typeface="Adobe Clean"/>
+                          <a:cs typeface="Adobe Clean"/>
+                        </a:rPr>
+                        <a:t>I</a:t>
+                      </a:r>
+                      <a:r>
+                        <a:rPr sz="900" b="1" spc="-15" dirty="0">
+                          <a:solidFill>
+                            <a:srgbClr val="020302"/>
+                          </a:solidFill>
+                          <a:latin typeface="Adobe Clean"/>
+                          <a:cs typeface="Adobe Clean"/>
+                        </a:rPr>
+                        <a:t>T</a:t>
+                      </a:r>
+                      <a:r>
+                        <a:rPr sz="900" b="1" dirty="0">
+                          <a:solidFill>
+                            <a:srgbClr val="020302"/>
+                          </a:solidFill>
+                          <a:latin typeface="Adobe Clean"/>
+                          <a:cs typeface="Adobe Clean"/>
+                        </a:rPr>
+                        <a:t>Y</a:t>
+                      </a:r>
+                      <a:r>
+                        <a:rPr sz="900" b="1" spc="-40" dirty="0">
+                          <a:solidFill>
+                            <a:srgbClr val="020302"/>
+                          </a:solidFill>
+                          <a:latin typeface="Adobe Clean"/>
+                          <a:cs typeface="Adobe Clean"/>
+                        </a:rPr>
+                        <a:t> </a:t>
+                      </a:r>
+                      <a:r>
+                        <a:rPr sz="900" b="1" dirty="0">
+                          <a:solidFill>
+                            <a:srgbClr val="020302"/>
+                          </a:solidFill>
+                          <a:latin typeface="Adobe Clean"/>
+                          <a:cs typeface="Adobe Clean"/>
+                        </a:rPr>
+                        <a:t>2</a:t>
+                      </a:r>
+                      <a:endParaRPr sz="900" dirty="0">
+                        <a:latin typeface="Adobe Clean"/>
+                        <a:cs typeface="Adobe Clean"/>
+                      </a:endParaRPr>
                     </a:p>
                     <a:p>
                       <a:pPr marL="50165" marR="203200">
@@ -3107,16 +3971,21 @@
                         </a:spcBef>
                       </a:pPr>
                       <a:r>
-                        <a:rPr lang="it-IT" sz="900" b="0" i="0" u="none" strike="noStrike">
+                        <a:rPr lang="en-US" sz="900" b="0" i="0" u="none" strike="noStrike" dirty="0">
                           <a:solidFill>
                             <a:schemeClr val="tx1"/>
                           </a:solidFill>
-                          <a:latin typeface="Adobe Clean Light" panose="020B0303020404020204" pitchFamily="34" charset="0"/>
+                          <a:effectLst/>
+                          <a:latin typeface="Adobe Clean Light"/>
                           <a:ea typeface="+mn-ea"/>
                           <a:cs typeface="+mn-cs"/>
                         </a:rPr>
-                        <a:t>Le funzioni operative del cliente hanno subìto un notevole deterioramento o mancata disponibilità dei servizi, potenziale perdita di dati, oppure un problema interessa una funzione importante</a:t>
+                        <a:t>Customer's business functions has major degradation of services, or potential of data loss or unavailability of services, or a major feature is impacted</a:t>
                       </a:r>
+                      <a:endParaRPr lang="en-US" sz="900" b="0" i="0" dirty="0">
+                        <a:latin typeface="Adobe Clean Light"/>
+                        <a:cs typeface="AdobeClean-Light"/>
+                      </a:endParaRPr>
                     </a:p>
                   </a:txBody>
                   <a:tcPr marL="0" marR="0" marT="0" marB="0" anchor="ctr">
@@ -3126,11 +3995,14 @@
                       </a:solidFill>
                       <a:prstDash val="solid"/>
                     </a:lnL>
-                    <a:lnR w="6350">
+                    <a:lnR w="6350" cap="flat" cmpd="sng" algn="ctr">
                       <a:solidFill>
                         <a:srgbClr val="B7B8B8"/>
                       </a:solidFill>
                       <a:prstDash val="solid"/>
+                      <a:round/>
+                      <a:headEnd type="none" w="med" len="med"/>
+                      <a:tailEnd type="none" w="med" len="med"/>
                     </a:lnR>
                     <a:lnT w="6350">
                       <a:solidFill>
@@ -3151,35 +4023,34 @@
                     <a:bodyPr/>
                     <a:lstStyle/>
                     <a:p>
-                      <a:pPr marL="473709" marR="343535" indent="-175895" algn="ctr">
-                        <a:lnSpc>
-                          <a:spcPct val="102200"/>
-                        </a:lnSpc>
-                      </a:pPr>
+                      <a:pPr algn="ctr" fontAlgn="ctr"/>
                       <a:r>
-                        <a:rPr lang="it-IT" sz="900">
+                        <a:rPr lang="en-US" sz="900" b="0" i="0" u="none" strike="noStrike" dirty="0">
                           <a:solidFill>
                             <a:srgbClr val="020302"/>
                           </a:solidFill>
-                          <a:latin typeface="AdobeClean-Light"/>
-                          <a:cs typeface="AdobeClean-Light"/>
+                          <a:effectLst/>
+                          <a:latin typeface="AdobeClean-Light" panose="020B0503020404020204" pitchFamily="34" charset="0"/>
                         </a:rPr>
-                        <a:t>Orario operativo /       4 ore</a:t>
+                        <a:t>Business hours / 4 hours</a:t>
                       </a:r>
                     </a:p>
                   </a:txBody>
-                  <a:tcPr marL="0" marR="0" marT="0" marB="0" anchor="ctr">
+                  <a:tcPr marL="9525" marR="9525" marT="9525" marB="0" anchor="ctr">
                     <a:lnL w="6350">
                       <a:solidFill>
                         <a:srgbClr val="B7B8B8"/>
                       </a:solidFill>
                       <a:prstDash val="solid"/>
                     </a:lnL>
-                    <a:lnR w="6350">
+                    <a:lnR w="6350" cap="flat" cmpd="sng" algn="ctr">
                       <a:solidFill>
                         <a:srgbClr val="B7B8B8"/>
                       </a:solidFill>
                       <a:prstDash val="solid"/>
+                      <a:round/>
+                      <a:headEnd type="none" w="med" len="med"/>
+                      <a:tailEnd type="none" w="med" len="med"/>
                     </a:lnR>
                     <a:lnT w="6350">
                       <a:solidFill>
@@ -3200,30 +4071,28 @@
                     <a:bodyPr/>
                     <a:lstStyle/>
                     <a:p>
-                      <a:pPr marL="542925" marR="492125" algn="ctr">
-                        <a:lnSpc>
-                          <a:spcPct val="102200"/>
-                        </a:lnSpc>
-                      </a:pPr>
+                      <a:pPr algn="ctr" fontAlgn="ctr"/>
                       <a:r>
-                        <a:rPr lang="it-IT" sz="900">
+                        <a:rPr lang="en-US" sz="900" b="0" i="0" u="none" strike="noStrike">
                           <a:solidFill>
                             <a:srgbClr val="020302"/>
                           </a:solidFill>
-                          <a:latin typeface="AdobeClean-Light"/>
-                          <a:ea typeface="+mn-ea"/>
-                          <a:cs typeface="AdobeClean-Light"/>
+                          <a:effectLst/>
+                          <a:latin typeface="AdobeClean-Light" panose="020B0503020404020204" pitchFamily="34" charset="0"/>
                         </a:rPr>
-                        <a:t>24x5 /           1 ora</a:t>
+                        <a:t>24x5 / 1 hour</a:t>
                       </a:r>
                     </a:p>
                   </a:txBody>
-                  <a:tcPr marL="0" marR="0" marT="0" marB="0" anchor="ctr">
-                    <a:lnL w="6350">
+                  <a:tcPr marL="9525" marR="9525" marT="9525" marB="0" anchor="ctr">
+                    <a:lnL w="6350" cap="flat" cmpd="sng" algn="ctr">
                       <a:solidFill>
                         <a:srgbClr val="B7B8B8"/>
                       </a:solidFill>
                       <a:prstDash val="solid"/>
+                      <a:round/>
+                      <a:headEnd type="none" w="med" len="med"/>
+                      <a:tailEnd type="none" w="med" len="med"/>
                     </a:lnL>
                     <a:lnR w="6350" cap="flat" cmpd="sng" algn="ctr">
                       <a:solidFill>
@@ -3274,15 +4143,109 @@
                         </a:spcBef>
                       </a:pPr>
                       <a:r>
-                        <a:rPr lang="it-IT" sz="900" b="1" dirty="0">
+                        <a:rPr sz="900" b="1" spc="-15" dirty="0">
                           <a:solidFill>
                             <a:srgbClr val="020302"/>
                           </a:solidFill>
                           <a:latin typeface="Adobe Clean"/>
                           <a:cs typeface="Adobe Clean"/>
                         </a:rPr>
-                        <a:t>PRIORITÀ 3 (P3)</a:t>
+                        <a:t>P</a:t>
                       </a:r>
+                      <a:r>
+                        <a:rPr sz="900" b="1" spc="-20" dirty="0">
+                          <a:solidFill>
+                            <a:srgbClr val="020302"/>
+                          </a:solidFill>
+                          <a:latin typeface="Adobe Clean"/>
+                          <a:cs typeface="Adobe Clean"/>
+                        </a:rPr>
+                        <a:t>R</a:t>
+                      </a:r>
+                      <a:r>
+                        <a:rPr sz="900" b="1" spc="-25" dirty="0">
+                          <a:solidFill>
+                            <a:srgbClr val="020302"/>
+                          </a:solidFill>
+                          <a:latin typeface="Adobe Clean"/>
+                          <a:cs typeface="Adobe Clean"/>
+                        </a:rPr>
+                        <a:t>I</a:t>
+                      </a:r>
+                      <a:r>
+                        <a:rPr sz="900" b="1" spc="-15" dirty="0">
+                          <a:solidFill>
+                            <a:srgbClr val="020302"/>
+                          </a:solidFill>
+                          <a:latin typeface="Adobe Clean"/>
+                          <a:cs typeface="Adobe Clean"/>
+                        </a:rPr>
+                        <a:t>O</a:t>
+                      </a:r>
+                      <a:r>
+                        <a:rPr sz="900" b="1" spc="-20" dirty="0">
+                          <a:solidFill>
+                            <a:srgbClr val="020302"/>
+                          </a:solidFill>
+                          <a:latin typeface="Adobe Clean"/>
+                          <a:cs typeface="Adobe Clean"/>
+                        </a:rPr>
+                        <a:t>R</a:t>
+                      </a:r>
+                      <a:r>
+                        <a:rPr sz="900" b="1" spc="-25" dirty="0">
+                          <a:solidFill>
+                            <a:srgbClr val="020302"/>
+                          </a:solidFill>
+                          <a:latin typeface="Adobe Clean"/>
+                          <a:cs typeface="Adobe Clean"/>
+                        </a:rPr>
+                        <a:t>I</a:t>
+                      </a:r>
+                      <a:r>
+                        <a:rPr sz="900" b="1" spc="-15" dirty="0">
+                          <a:solidFill>
+                            <a:srgbClr val="020302"/>
+                          </a:solidFill>
+                          <a:latin typeface="Adobe Clean"/>
+                          <a:cs typeface="Adobe Clean"/>
+                        </a:rPr>
+                        <a:t>T</a:t>
+                      </a:r>
+                      <a:r>
+                        <a:rPr sz="900" b="1" dirty="0">
+                          <a:solidFill>
+                            <a:srgbClr val="020302"/>
+                          </a:solidFill>
+                          <a:latin typeface="Adobe Clean"/>
+                          <a:cs typeface="Adobe Clean"/>
+                        </a:rPr>
+                        <a:t>Y</a:t>
+                      </a:r>
+                      <a:r>
+                        <a:rPr sz="900" b="1" spc="-40" dirty="0">
+                          <a:solidFill>
+                            <a:srgbClr val="020302"/>
+                          </a:solidFill>
+                          <a:latin typeface="Adobe Clean"/>
+                          <a:cs typeface="Adobe Clean"/>
+                        </a:rPr>
+                        <a:t> </a:t>
+                      </a:r>
+                      <a:r>
+                        <a:rPr sz="900" b="1" dirty="0">
+                          <a:solidFill>
+                            <a:srgbClr val="020302"/>
+                          </a:solidFill>
+                          <a:latin typeface="Adobe Clean"/>
+                          <a:cs typeface="Adobe Clean"/>
+                        </a:rPr>
+                        <a:t>3</a:t>
+                      </a:r>
+                      <a:endParaRPr sz="900" dirty="0">
+                        <a:latin typeface="Adobe Clean"/>
+                        <a:cs typeface="Adobe Clean"/>
+                      </a:endParaRPr>
                     </a:p>
                     <a:p>
                       <a:pPr marL="49530" marR="212090" indent="-2540">
@@ -3294,37 +4257,21 @@
                         </a:spcBef>
                       </a:pPr>
                       <a:r>
-                        <a:rPr lang="it-IT" sz="900" b="0" i="0" u="none" strike="noStrike" dirty="0">
+                        <a:rPr lang="en-US" sz="900" b="0" i="0" u="none" strike="noStrike" dirty="0">
                           <a:solidFill>
                             <a:schemeClr val="tx1"/>
                           </a:solidFill>
-                          <a:latin typeface="Adobe Clean Light" panose="020B0303020404020204" pitchFamily="34" charset="0"/>
+                          <a:effectLst/>
+                          <a:latin typeface="Adobe Clean Light"/>
                           <a:ea typeface="+mn-ea"/>
                           <a:cs typeface="+mn-cs"/>
                         </a:rPr>
-                        <a:t>Le funzioni operative del cliente sono interessate da deterioramento lieve dei servizi </a:t>
+                        <a:t>Customer's business functions has minor to no degradation of services with a solution/workaround allowing business functions to continue </a:t>
                       </a:r>
-                      <a:br>
-                        <a:rPr lang="sk-SK" sz="900" b="0" i="0" u="none" strike="noStrike" dirty="0">
-                          <a:solidFill>
-                            <a:schemeClr val="tx1"/>
-                          </a:solidFill>
-                          <a:latin typeface="Adobe Clean Light" panose="020B0303020404020204" pitchFamily="34" charset="0"/>
-                          <a:ea typeface="+mn-ea"/>
-                          <a:cs typeface="+mn-cs"/>
-                        </a:rPr>
-                      </a:br>
-                      <a:r>
-                        <a:rPr lang="it-IT" sz="900" b="0" i="0" u="none" strike="noStrike" dirty="0">
-                          <a:solidFill>
-                            <a:schemeClr val="tx1"/>
-                          </a:solidFill>
-                          <a:latin typeface="Adobe Clean Light" panose="020B0303020404020204" pitchFamily="34" charset="0"/>
-                          <a:ea typeface="+mn-ea"/>
-                          <a:cs typeface="+mn-cs"/>
-                        </a:rPr>
-                        <a:t>(o nessun deterioramento), tuttavia è possibile procedere mediante una soluzione temporanea.  </a:t>
-                      </a:r>
+                      <a:endParaRPr lang="en-US" sz="900" b="0" i="0" dirty="0">
+                        <a:latin typeface="Adobe Clean Light"/>
+                        <a:cs typeface="AdobeClean-Light"/>
+                      </a:endParaRPr>
                     </a:p>
                   </a:txBody>
                   <a:tcPr marL="0" marR="0" marT="0" marB="0" anchor="ctr">
@@ -3334,11 +4281,14 @@
                       </a:solidFill>
                       <a:prstDash val="solid"/>
                     </a:lnL>
-                    <a:lnR w="6350">
+                    <a:lnR w="6350" cap="flat" cmpd="sng" algn="ctr">
                       <a:solidFill>
                         <a:srgbClr val="B7B8B8"/>
                       </a:solidFill>
                       <a:prstDash val="solid"/>
+                      <a:round/>
+                      <a:headEnd type="none" w="med" len="med"/>
+                      <a:tailEnd type="none" w="med" len="med"/>
                     </a:lnR>
                     <a:lnT w="6350">
                       <a:solidFill>
@@ -3359,35 +4309,34 @@
                     <a:bodyPr/>
                     <a:lstStyle/>
                     <a:p>
-                      <a:pPr marL="473709" marR="343535" indent="-175895" algn="ctr">
-                        <a:lnSpc>
-                          <a:spcPct val="102200"/>
-                        </a:lnSpc>
-                      </a:pPr>
+                      <a:pPr algn="ctr" fontAlgn="ctr"/>
                       <a:r>
-                        <a:rPr lang="it-IT" sz="900">
+                        <a:rPr lang="en-US" sz="900" b="0" i="0" u="none" strike="noStrike" dirty="0">
                           <a:solidFill>
                             <a:srgbClr val="020302"/>
                           </a:solidFill>
-                          <a:latin typeface="AdobeClean-Light"/>
-                          <a:cs typeface="AdobeClean-Light"/>
+                          <a:effectLst/>
+                          <a:latin typeface="AdobeClean-Light" panose="020B0503020404020204" pitchFamily="34" charset="0"/>
                         </a:rPr>
-                        <a:t>Orario operativo /       6 ore</a:t>
+                        <a:t>Business hours / 6 hours</a:t>
                       </a:r>
                     </a:p>
                   </a:txBody>
-                  <a:tcPr marL="0" marR="0" marT="0" marB="0" anchor="ctr">
+                  <a:tcPr marL="9525" marR="9525" marT="9525" marB="0" anchor="ctr">
                     <a:lnL w="6350">
                       <a:solidFill>
                         <a:srgbClr val="B7B8B8"/>
                       </a:solidFill>
                       <a:prstDash val="solid"/>
                     </a:lnL>
-                    <a:lnR w="6350">
+                    <a:lnR w="6350" cap="flat" cmpd="sng" algn="ctr">
                       <a:solidFill>
                         <a:srgbClr val="B7B8B8"/>
                       </a:solidFill>
                       <a:prstDash val="solid"/>
+                      <a:round/>
+                      <a:headEnd type="none" w="med" len="med"/>
+                      <a:tailEnd type="none" w="med" len="med"/>
                     </a:lnR>
                     <a:lnT w="6350">
                       <a:solidFill>
@@ -3408,51 +4357,28 @@
                     <a:bodyPr/>
                     <a:lstStyle/>
                     <a:p>
-                      <a:pPr marL="111125" marR="398780" indent="0" algn="ctr">
-                        <a:lnSpc>
-                          <a:spcPct val="102200"/>
-                        </a:lnSpc>
-                        <a:spcBef>
-                          <a:spcPts val="675"/>
-                        </a:spcBef>
-                      </a:pPr>
+                      <a:pPr algn="ctr" fontAlgn="ctr"/>
                       <a:r>
-                        <a:rPr lang="it-IT" sz="900" dirty="0">
+                        <a:rPr lang="en-US" sz="900" b="0" i="0" u="none" strike="noStrike">
                           <a:solidFill>
                             <a:srgbClr val="020302"/>
                           </a:solidFill>
-                          <a:latin typeface="AdobeClean-Light"/>
-                          <a:cs typeface="AdobeClean-Light"/>
+                          <a:effectLst/>
+                          <a:latin typeface="AdobeClean-Light" panose="020B0503020404020204" pitchFamily="34" charset="0"/>
                         </a:rPr>
-                        <a:t>Orario operativo /  </a:t>
-                      </a:r>
-                      <a:br>
-                        <a:rPr lang="sk-SK" sz="900" dirty="0">
-                          <a:solidFill>
-                            <a:srgbClr val="020302"/>
-                          </a:solidFill>
-                          <a:latin typeface="AdobeClean-Light"/>
-                          <a:cs typeface="AdobeClean-Light"/>
-                        </a:rPr>
-                      </a:br>
-                      <a:r>
-                        <a:rPr lang="it-IT" sz="900" dirty="0">
-                          <a:solidFill>
-                            <a:srgbClr val="020302"/>
-                          </a:solidFill>
-                          <a:latin typeface="AdobeClean-Light"/>
-                          <a:cs typeface="AdobeClean-Light"/>
-                        </a:rPr>
-                        <a:t>2 ore</a:t>
+                        <a:t>Business hours / 2 hours</a:t>
                       </a:r>
                     </a:p>
                   </a:txBody>
-                  <a:tcPr marL="0" marR="0" marT="0" marB="0" anchor="ctr">
-                    <a:lnL w="6350">
+                  <a:tcPr marL="9525" marR="9525" marT="9525" marB="0" anchor="ctr">
+                    <a:lnL w="6350" cap="flat" cmpd="sng" algn="ctr">
                       <a:solidFill>
                         <a:srgbClr val="B7B8B8"/>
                       </a:solidFill>
                       <a:prstDash val="solid"/>
+                      <a:round/>
+                      <a:headEnd type="none" w="med" len="med"/>
+                      <a:tailEnd type="none" w="med" len="med"/>
                     </a:lnL>
                     <a:lnR w="6350" cap="flat" cmpd="sng" algn="ctr">
                       <a:solidFill>
@@ -3503,15 +4429,109 @@
                         </a:spcBef>
                       </a:pPr>
                       <a:r>
-                        <a:rPr lang="it-IT" sz="900" b="1">
+                        <a:rPr sz="900" b="1" spc="-15" dirty="0">
                           <a:solidFill>
                             <a:srgbClr val="020302"/>
                           </a:solidFill>
                           <a:latin typeface="Adobe Clean"/>
                           <a:cs typeface="Adobe Clean"/>
                         </a:rPr>
-                        <a:t>PRIORITÀ 4 (P4)</a:t>
+                        <a:t>P</a:t>
                       </a:r>
+                      <a:r>
+                        <a:rPr sz="900" b="1" spc="-20" dirty="0">
+                          <a:solidFill>
+                            <a:srgbClr val="020302"/>
+                          </a:solidFill>
+                          <a:latin typeface="Adobe Clean"/>
+                          <a:cs typeface="Adobe Clean"/>
+                        </a:rPr>
+                        <a:t>R</a:t>
+                      </a:r>
+                      <a:r>
+                        <a:rPr sz="900" b="1" spc="-25" dirty="0">
+                          <a:solidFill>
+                            <a:srgbClr val="020302"/>
+                          </a:solidFill>
+                          <a:latin typeface="Adobe Clean"/>
+                          <a:cs typeface="Adobe Clean"/>
+                        </a:rPr>
+                        <a:t>I</a:t>
+                      </a:r>
+                      <a:r>
+                        <a:rPr sz="900" b="1" spc="-15" dirty="0">
+                          <a:solidFill>
+                            <a:srgbClr val="020302"/>
+                          </a:solidFill>
+                          <a:latin typeface="Adobe Clean"/>
+                          <a:cs typeface="Adobe Clean"/>
+                        </a:rPr>
+                        <a:t>O</a:t>
+                      </a:r>
+                      <a:r>
+                        <a:rPr sz="900" b="1" spc="-20" dirty="0">
+                          <a:solidFill>
+                            <a:srgbClr val="020302"/>
+                          </a:solidFill>
+                          <a:latin typeface="Adobe Clean"/>
+                          <a:cs typeface="Adobe Clean"/>
+                        </a:rPr>
+                        <a:t>R</a:t>
+                      </a:r>
+                      <a:r>
+                        <a:rPr sz="900" b="1" spc="-25" dirty="0">
+                          <a:solidFill>
+                            <a:srgbClr val="020302"/>
+                          </a:solidFill>
+                          <a:latin typeface="Adobe Clean"/>
+                          <a:cs typeface="Adobe Clean"/>
+                        </a:rPr>
+                        <a:t>I</a:t>
+                      </a:r>
+                      <a:r>
+                        <a:rPr sz="900" b="1" spc="-15" dirty="0">
+                          <a:solidFill>
+                            <a:srgbClr val="020302"/>
+                          </a:solidFill>
+                          <a:latin typeface="Adobe Clean"/>
+                          <a:cs typeface="Adobe Clean"/>
+                        </a:rPr>
+                        <a:t>T</a:t>
+                      </a:r>
+                      <a:r>
+                        <a:rPr sz="900" b="1" dirty="0">
+                          <a:solidFill>
+                            <a:srgbClr val="020302"/>
+                          </a:solidFill>
+                          <a:latin typeface="Adobe Clean"/>
+                          <a:cs typeface="Adobe Clean"/>
+                        </a:rPr>
+                        <a:t>Y</a:t>
+                      </a:r>
+                      <a:r>
+                        <a:rPr sz="900" b="1" spc="-40" dirty="0">
+                          <a:solidFill>
+                            <a:srgbClr val="020302"/>
+                          </a:solidFill>
+                          <a:latin typeface="Adobe Clean"/>
+                          <a:cs typeface="Adobe Clean"/>
+                        </a:rPr>
+                        <a:t> </a:t>
+                      </a:r>
+                      <a:r>
+                        <a:rPr sz="900" b="1" dirty="0">
+                          <a:solidFill>
+                            <a:srgbClr val="020302"/>
+                          </a:solidFill>
+                          <a:latin typeface="Adobe Clean"/>
+                          <a:cs typeface="Adobe Clean"/>
+                        </a:rPr>
+                        <a:t>4</a:t>
+                      </a:r>
+                      <a:endParaRPr sz="900" dirty="0">
+                        <a:latin typeface="Adobe Clean"/>
+                        <a:cs typeface="Adobe Clean"/>
+                      </a:endParaRPr>
                     </a:p>
                     <a:p>
                       <a:pPr marL="49530">
@@ -3523,27 +4543,31 @@
                         </a:spcBef>
                       </a:pPr>
                       <a:r>
-                        <a:rPr lang="it-IT" sz="900" b="1">
+                        <a:rPr lang="en-US" sz="900" b="1" spc="-90" dirty="0">
                           <a:solidFill>
                             <a:srgbClr val="020302"/>
                           </a:solidFill>
                           <a:latin typeface="Adobe Clean"/>
-                          <a:ea typeface="+mn-ea"/>
-                          <a:cs typeface="Adobe Clean"/>
+                          <a:cs typeface="+mn-cs"/>
                         </a:rPr>
-                        <a:t> </a:t>
+                        <a:t> </a:t>
                       </a:r>
                       <a:r>
-                        <a:rPr lang="it-IT" sz="900" b="0" i="0" u="none" strike="noStrike">
+                        <a:rPr lang="en-US" sz="900" b="0" i="0" u="none" strike="noStrike" dirty="0">
                           <a:solidFill>
                             <a:schemeClr val="tx1"/>
                           </a:solidFill>
-                          <a:latin typeface="Adobe Clean Light" panose="020B0303020404020204" pitchFamily="34" charset="0"/>
+                          <a:effectLst/>
+                          <a:latin typeface="Adobe Clean Light"/>
                           <a:ea typeface="+mn-ea"/>
                           <a:cs typeface="+mn-cs"/>
                         </a:rPr>
-                        <a:t>Domande generali sulle attuali funzionalità del prodotto o su una richiesta di miglioramento</a:t>
+                        <a:t>General question regarding current product functionality or an enhancement request</a:t>
                       </a:r>
+                      <a:endParaRPr lang="en-US" sz="900" b="0" i="0" dirty="0">
+                        <a:latin typeface="Adobe Clean Light"/>
+                        <a:cs typeface="AdobeClean-Light"/>
+                      </a:endParaRPr>
                     </a:p>
                   </a:txBody>
                   <a:tcPr marL="0" marR="0" marT="0" marB="0" anchor="ctr">
@@ -3553,11 +4577,14 @@
                       </a:solidFill>
                       <a:prstDash val="solid"/>
                     </a:lnL>
-                    <a:lnR w="6350">
+                    <a:lnR w="6350" cap="flat" cmpd="sng" algn="ctr">
                       <a:solidFill>
                         <a:srgbClr val="B7B8B8"/>
                       </a:solidFill>
                       <a:prstDash val="solid"/>
+                      <a:round/>
+                      <a:headEnd type="none" w="med" len="med"/>
+                      <a:tailEnd type="none" w="med" len="med"/>
                     </a:lnR>
                     <a:lnT w="6350">
                       <a:solidFill>
@@ -3578,35 +4605,34 @@
                     <a:bodyPr/>
                     <a:lstStyle/>
                     <a:p>
-                      <a:pPr marL="473709" marR="343535" indent="-175895" algn="ctr">
-                        <a:lnSpc>
-                          <a:spcPct val="102200"/>
-                        </a:lnSpc>
-                      </a:pPr>
+                      <a:pPr algn="ctr" fontAlgn="ctr"/>
                       <a:r>
-                        <a:rPr lang="it-IT" sz="900" dirty="0">
+                        <a:rPr lang="en-US" sz="900" b="0" i="0" u="none" strike="noStrike" dirty="0">
                           <a:solidFill>
                             <a:srgbClr val="020302"/>
                           </a:solidFill>
-                          <a:latin typeface="AdobeClean-Light"/>
-                          <a:cs typeface="AdobeClean-Light"/>
+                          <a:effectLst/>
+                          <a:latin typeface="AdobeClean-Light" panose="020B0503020404020204" pitchFamily="34" charset="0"/>
                         </a:rPr>
-                        <a:t>Giorni lavorativi /        3 giorni</a:t>
+                        <a:t>Business days / 3 days</a:t>
                       </a:r>
                     </a:p>
                   </a:txBody>
-                  <a:tcPr marL="0" marR="0" marT="0" marB="0" anchor="ctr">
+                  <a:tcPr marL="9525" marR="9525" marT="9525" marB="0" anchor="ctr">
                     <a:lnL w="6350">
                       <a:solidFill>
                         <a:srgbClr val="B7B8B8"/>
                       </a:solidFill>
                       <a:prstDash val="solid"/>
                     </a:lnL>
-                    <a:lnR w="6350">
+                    <a:lnR w="6350" cap="flat" cmpd="sng" algn="ctr">
                       <a:solidFill>
                         <a:srgbClr val="B7B8B8"/>
                       </a:solidFill>
                       <a:prstDash val="solid"/>
+                      <a:round/>
+                      <a:headEnd type="none" w="med" len="med"/>
+                      <a:tailEnd type="none" w="med" len="med"/>
                     </a:lnR>
                     <a:lnT w="6350">
                       <a:solidFill>
@@ -3627,29 +4653,28 @@
                     <a:bodyPr/>
                     <a:lstStyle/>
                     <a:p>
-                      <a:pPr marL="173038" marR="343535" indent="0" algn="ctr">
-                        <a:lnSpc>
-                          <a:spcPct val="102200"/>
-                        </a:lnSpc>
-                      </a:pPr>
+                      <a:pPr algn="ctr" fontAlgn="ctr"/>
                       <a:r>
-                        <a:rPr lang="it-IT" sz="900" dirty="0">
+                        <a:rPr lang="en-US" sz="900" b="0" i="0" u="none" strike="noStrike" dirty="0">
                           <a:solidFill>
                             <a:srgbClr val="020302"/>
                           </a:solidFill>
-                          <a:latin typeface="AdobeClean-Light"/>
-                          <a:cs typeface="AdobeClean-Light"/>
+                          <a:effectLst/>
+                          <a:latin typeface="AdobeClean-Light" panose="020B0503020404020204" pitchFamily="34" charset="0"/>
                         </a:rPr>
-                        <a:t>Giorni lavorativi / 1 giorno</a:t>
+                        <a:t>Business days / 1 day</a:t>
                       </a:r>
                     </a:p>
                   </a:txBody>
-                  <a:tcPr marL="0" marR="0" marT="0" marB="0" anchor="ctr">
-                    <a:lnL w="6350">
+                  <a:tcPr marL="9525" marR="9525" marT="9525" marB="0" anchor="ctr">
+                    <a:lnL w="6350" cap="flat" cmpd="sng" algn="ctr">
                       <a:solidFill>
                         <a:srgbClr val="B7B8B8"/>
                       </a:solidFill>
                       <a:prstDash val="solid"/>
+                      <a:round/>
+                      <a:headEnd type="none" w="med" len="med"/>
+                      <a:tailEnd type="none" w="med" len="med"/>
                     </a:lnL>
                     <a:lnR w="6350" cap="flat" cmpd="sng" algn="ctr">
                       <a:solidFill>
@@ -3745,8 +4770,40 @@
               </a:spcBef>
             </a:pPr>
             <a:r>
-              <a:rPr lang="it-IT"/>
-              <a:t>©2021 Adobe. All Rights Reserved. Adobe Confidential.</a:t>
+              <a:rPr spc="-10"/>
+              <a:t>©202</a:t>
+            </a:r>
+            <a:r>
+              <a:rPr lang="en-US" spc="-10"/>
+              <a:t>1</a:t>
+            </a:r>
+            <a:r>
+              <a:rPr spc="-5"/>
+              <a:t> Adobe. All</a:t>
+            </a:r>
+            <a:r>
+              <a:rPr spc="-10"/>
+              <a:t> Rights</a:t>
+            </a:r>
+            <a:r>
+              <a:rPr spc="-5"/>
+              <a:t> </a:t>
+            </a:r>
+            <a:r>
+              <a:rPr spc="-10"/>
+              <a:t>Reserved.</a:t>
+            </a:r>
+            <a:r>
+              <a:rPr spc="-5"/>
+              <a:t> Adobe</a:t>
+            </a:r>
+            <a:r>
+              <a:rPr spc="60"/>
+              <a:t> </a:t>
+            </a:r>
+            <a:r>
+              <a:rPr spc="-10"/>
+              <a:t>Confidential.</a:t>
             </a:r>
           </a:p>
         </p:txBody>
@@ -3780,7 +4837,7 @@
           <a:lstStyle/>
           <a:p>
             <a:r>
-              <a:rPr lang="it-IT" sz="700" i="1">
+              <a:rPr lang="en-US" sz="700" i="1">
                 <a:solidFill>
                   <a:schemeClr val="bg1"/>
                 </a:solidFill>
@@ -3826,7 +4883,7 @@
               </a:spcBef>
             </a:pPr>
             <a:r>
-              <a:rPr lang="it-IT" sz="1200">
+              <a:rPr lang="en-US" sz="1200" dirty="0">
                 <a:solidFill>
                   <a:schemeClr val="bg1"/>
                 </a:solidFill>
@@ -3835,7 +4892,7 @@
               <a:t>Online | Business |</a:t>
             </a:r>
             <a:r>
-              <a:rPr lang="it-IT" sz="1200" b="1">
+              <a:rPr lang="en-US" sz="1200" b="1" dirty="0">
                 <a:solidFill>
                   <a:schemeClr val="bg1"/>
                 </a:solidFill>
@@ -3844,7 +4901,7 @@
               <a:t> </a:t>
             </a:r>
             <a:r>
-              <a:rPr lang="it-IT" sz="1200" b="1">
+              <a:rPr lang="en-US" sz="1200" b="1" dirty="0">
                 <a:solidFill>
                   <a:schemeClr val="bg1"/>
                 </a:solidFill>
@@ -3852,7 +4909,7 @@
               <a:t>Enterprise</a:t>
             </a:r>
             <a:r>
-              <a:rPr lang="it-IT" sz="1200" b="1">
+              <a:rPr lang="en-US" sz="1200" b="1" dirty="0">
                 <a:solidFill>
                   <a:schemeClr val="bg1"/>
                 </a:solidFill>
@@ -3861,7 +4918,7 @@
               <a:t> </a:t>
             </a:r>
             <a:r>
-              <a:rPr lang="it-IT" sz="1200">
+              <a:rPr lang="en-US" sz="1200" dirty="0">
                 <a:solidFill>
                   <a:schemeClr val="bg1"/>
                 </a:solidFill>
@@ -3870,7 +4927,7 @@
               <a:t>| Elite</a:t>
             </a:r>
             <a:br>
-              <a:rPr lang="it-IT" sz="900">
+              <a:rPr lang="en-US" sz="900" dirty="0">
                 <a:solidFill>
                   <a:schemeClr val="bg1"/>
                 </a:solidFill>
@@ -3878,22 +4935,21 @@
               </a:rPr>
             </a:br>
             <a:r>
-              <a:rPr lang="it-IT" sz="900">
+              <a:rPr lang="en-US" sz="900" dirty="0">
                 <a:solidFill>
                   <a:schemeClr val="bg1"/>
                 </a:solidFill>
-              </a:rPr>
-              <a:t>Il supporto </a:t>
-            </a:r>
-            <a:r>
-              <a:rPr lang="it-IT" sz="900">
-                <a:solidFill>
-                  <a:schemeClr val="bg1"/>
-                </a:solidFill>
                 <a:latin typeface="Adobe Clean SemiLight" panose="020B0403020404020204" pitchFamily="34" charset="0"/>
               </a:rPr>
-              <a:t>ENTERPRISE include l’accesso a percorsi di apprendimento personalizzati e forum della community monitorati tramite Adobe Experience League. Puoi inoltre usufruire di documentazione tecnica dettagliata e note sulla versione sempre aggiornate. Ai clienti ENTERPRISE viene assegnato un Named Support Engineer che sarà il tuo contatto tecnico di riferimento all’interno del team Adobe Support. Conoscendo a fondo le tue specifiche soluzioni Experience Cloud, il team Adobe Support affiancherà i tuoi team tecnici per garantire la rapida risoluzione di tutte le richieste di supporto. Inoltre, può assistere nel coordinare l’erogazione di ulteriori benefici ENTERPRISE, riducendo al minimo il disagio nei momenti più critici. </a:t>
-            </a:r>
+              <a:t>ENTERPRISE support includes access to personalized learning paths and monitored community forums via the Adobe Experience League. You can also take advantage of our detailed and in-depth technical product documentation and current release notes. ENTERPRISE customers will also be provided with a Named Support Engineer who acts as your designated technical contact in the Adobe Support Team. With deep experience in your designated Experience Cloud solution, your support team will work in partnership with you and your technical teams to ensure timely resolution of all support requests. Your support team can also help coordinate and arrange delivery of the additional ENTERPRISE benefits ensuring minimal disruption to your business at the most critical time. </a:t>
+            </a:r>
+            <a:endParaRPr lang="en-US" sz="900" dirty="0">
+              <a:solidFill>
+                <a:schemeClr val="bg1"/>
+              </a:solidFill>
+              <a:latin typeface="Adobe Clean Light" panose="020B0303020404020204" pitchFamily="34" charset="0"/>
+              <a:cs typeface="AdobeClean-Light"/>
+            </a:endParaRPr>
           </a:p>
         </p:txBody>
       </p:sp>
@@ -3912,14 +4968,14 @@
           <p:nvPr>
             <p:extLst>
               <p:ext uri="{D42A27DB-BD31-4B8C-83A1-F6EECF244321}">
-                <p14:modId xmlns:p14="http://schemas.microsoft.com/office/powerpoint/2010/main" val="2304197327"/>
+                <p14:modId xmlns:p14="http://schemas.microsoft.com/office/powerpoint/2010/main" val="2813555721"/>
               </p:ext>
             </p:extLst>
           </p:nvPr>
         </p:nvGraphicFramePr>
         <p:xfrm>
           <a:off x="125148" y="2159576"/>
-          <a:ext cx="7498851" cy="4776202"/>
+          <a:ext cx="7498851" cy="4675190"/>
         </p:xfrm>
         <a:graphic>
           <a:graphicData uri="http://schemas.openxmlformats.org/drawingml/2006/table">
@@ -4001,15 +5057,19 @@
                         <a:defRPr/>
                       </a:pPr>
                       <a:r>
-                        <a:rPr lang="it-IT" sz="900">
+                        <a:rPr lang="en-US" sz="900" spc="0">
                           <a:solidFill>
                             <a:srgbClr val="404040"/>
                           </a:solidFill>
                           <a:latin typeface="Adobe Clean"/>
                           <a:cs typeface="Adobe Clean"/>
                         </a:rPr>
-                        <a:t>Supporto Online</a:t>
+                        <a:t>Online  Support</a:t>
                       </a:r>
+                      <a:endParaRPr lang="en-US" sz="900" spc="0">
+                        <a:latin typeface="Adobe Clean"/>
+                        <a:cs typeface="Adobe Clean"/>
+                      </a:endParaRPr>
                     </a:p>
                   </a:txBody>
                   <a:tcPr marL="0" marR="0" marT="7620" marB="0" anchor="ctr">
@@ -4050,15 +5110,29 @@
                         </a:spcBef>
                       </a:pPr>
                       <a:r>
-                        <a:rPr lang="it-IT" sz="900">
+                        <a:rPr lang="en-US" sz="900" spc="0">
                           <a:solidFill>
                             <a:srgbClr val="FFFFFF"/>
                           </a:solidFill>
                           <a:latin typeface="Adobe Clean"/>
                           <a:cs typeface="Adobe Clean"/>
                         </a:rPr>
-                        <a:t>Supporto Enterprise</a:t>
+                        <a:t>Enterprise </a:t>
                       </a:r>
+                      <a:r>
+                        <a:rPr sz="900" spc="0">
+                          <a:solidFill>
+                            <a:srgbClr val="FFFFFF"/>
+                          </a:solidFill>
+                          <a:latin typeface="Adobe Clean"/>
+                          <a:cs typeface="Adobe Clean"/>
+                        </a:rPr>
+                        <a:t>Support</a:t>
+                      </a:r>
+                      <a:endParaRPr sz="900" spc="0">
+                        <a:latin typeface="Adobe Clean"/>
+                        <a:cs typeface="Adobe Clean"/>
+                      </a:endParaRPr>
                     </a:p>
                   </a:txBody>
                   <a:tcPr marL="0" marR="0" marT="7620" marB="0" anchor="ctr">
@@ -4126,7 +5200,7 @@
                     <a:bodyPr/>
                     <a:lstStyle/>
                     <a:p>
-                      <a:pPr marL="0" marR="0" lvl="0" indent="0" algn="l" defTabSz="914400" rtl="0" eaLnBrk="1" fontAlgn="auto" latinLnBrk="0" hangingPunct="1">
+                      <a:pPr marL="0" marR="0" lvl="0" indent="0" algn="ctr" defTabSz="914400" eaLnBrk="1" fontAlgn="auto" latinLnBrk="0" hangingPunct="1">
                         <a:lnSpc>
                           <a:spcPct val="100000"/>
                         </a:lnSpc>
@@ -4207,13 +5281,13 @@
                         <a:defRPr/>
                       </a:pPr>
                       <a:r>
-                        <a:rPr lang="it-IT" sz="800" i="1">
+                        <a:rPr lang="en-US" sz="800" i="1">
                           <a:solidFill>
                             <a:schemeClr val="bg1"/>
                           </a:solidFill>
                           <a:latin typeface="Adobe Clean Light" panose="020B0303020404020204" pitchFamily="34" charset="0"/>
                         </a:rPr>
-                        <a:t>Supporto a pagamento ($)</a:t>
+                        <a:t>Paid Support ($)</a:t>
                       </a:r>
                     </a:p>
                   </a:txBody>
@@ -4277,15 +5351,22 @@
                         </a:spcBef>
                       </a:pPr>
                       <a:r>
-                        <a:rPr lang="it-IT" sz="1000" b="1" i="0">
+                        <a:rPr lang="en-US" sz="1000" b="1" i="0" spc="0">
                           <a:solidFill>
                             <a:schemeClr val="bg1"/>
                           </a:solidFill>
                           <a:latin typeface="Adobe Clean" panose="020B0503020404020204" pitchFamily="34" charset="0"/>
                           <a:cs typeface="AdobeClean-Light"/>
                         </a:rPr>
-                        <a:t>Esperti assegnati</a:t>
+                        <a:t>Assigned Experts</a:t>
                       </a:r>
+                      <a:endParaRPr sz="1000" b="1" i="0" spc="0">
+                        <a:solidFill>
+                          <a:schemeClr val="bg1"/>
+                        </a:solidFill>
+                        <a:latin typeface="Adobe Clean" panose="020B0503020404020204" pitchFamily="34" charset="0"/>
+                        <a:cs typeface="AdobeClean-Light"/>
+                      </a:endParaRPr>
                     </a:p>
                   </a:txBody>
                   <a:tcPr marL="0" marR="0" marT="58419" marB="0" anchor="ctr">
@@ -4332,7 +5413,7 @@
                         </a:spcBef>
                       </a:pPr>
                       <a:r>
-                        <a:rPr lang="it-IT" sz="900">
+                        <a:rPr sz="900" spc="0">
                           <a:solidFill>
                             <a:srgbClr val="020302"/>
                           </a:solidFill>
@@ -4341,6 +5422,10 @@
                         </a:rPr>
                         <a:t>Account Support Lead</a:t>
                       </a:r>
+                      <a:endParaRPr sz="900" spc="0">
+                        <a:latin typeface="AdobeClean-Light"/>
+                        <a:cs typeface="AdobeClean-Light"/>
+                      </a:endParaRPr>
                     </a:p>
                   </a:txBody>
                   <a:tcPr marL="0" marR="0" marT="58419" marB="0">
@@ -4375,7 +5460,7 @@
                     <a:bodyPr/>
                     <a:lstStyle/>
                     <a:p>
-                      <a:pPr algn="l" rtl="0">
+                      <a:pPr algn="ctr">
                         <a:lnSpc>
                           <a:spcPct val="100000"/>
                         </a:lnSpc>
@@ -4416,7 +5501,7 @@
                     <a:bodyPr/>
                     <a:lstStyle/>
                     <a:p>
-                      <a:pPr algn="l" rtl="0">
+                      <a:pPr algn="ctr">
                         <a:lnSpc>
                           <a:spcPct val="100000"/>
                         </a:lnSpc>
@@ -4459,7 +5544,7 @@
                     <a:bodyPr/>
                     <a:lstStyle/>
                     <a:p>
-                      <a:pPr marL="50800" algn="l" rtl="0">
+                      <a:pPr marL="50800">
                         <a:lnSpc>
                           <a:spcPct val="100000"/>
                         </a:lnSpc>
@@ -4505,7 +5590,7 @@
                         </a:spcBef>
                       </a:pPr>
                       <a:r>
-                        <a:rPr lang="it-IT" sz="900">
+                        <a:rPr sz="900" spc="0">
                           <a:solidFill>
                             <a:srgbClr val="020302"/>
                           </a:solidFill>
@@ -4514,6 +5599,10 @@
                         </a:rPr>
                         <a:t>Named Support Engineer</a:t>
                       </a:r>
+                      <a:endParaRPr sz="900" spc="0">
+                        <a:latin typeface="AdobeClean-Light"/>
+                        <a:cs typeface="AdobeClean-Light"/>
+                      </a:endParaRPr>
                     </a:p>
                   </a:txBody>
                   <a:tcPr marL="0" marR="0" marT="58419" marB="0">
@@ -4536,7 +5625,7 @@
                     <a:bodyPr/>
                     <a:lstStyle/>
                     <a:p>
-                      <a:pPr algn="l" rtl="0">
+                      <a:pPr algn="ctr">
                         <a:lnSpc>
                           <a:spcPct val="100000"/>
                         </a:lnSpc>
@@ -4583,7 +5672,7 @@
                         <a:defRPr/>
                       </a:pPr>
                       <a:r>
-                        <a:rPr lang="it-IT" sz="900">
+                        <a:rPr lang="en-US" sz="900">
                           <a:solidFill>
                             <a:srgbClr val="020302"/>
                           </a:solidFill>
@@ -4592,6 +5681,10 @@
                         </a:rPr>
                         <a:t></a:t>
                       </a:r>
+                      <a:endParaRPr lang="en-US" sz="900">
+                        <a:latin typeface="Wingdings"/>
+                        <a:cs typeface="Wingdings"/>
+                      </a:endParaRPr>
                     </a:p>
                   </a:txBody>
                   <a:tcPr marL="0" marR="0" marT="0" marB="0" anchor="ctr">
@@ -4614,7 +5707,7 @@
                     <a:bodyPr/>
                     <a:lstStyle/>
                     <a:p>
-                      <a:pPr marL="50800" algn="l" rtl="0">
+                      <a:pPr marL="50800">
                         <a:lnSpc>
                           <a:spcPct val="100000"/>
                         </a:lnSpc>
@@ -4672,7 +5765,7 @@
                         </a:spcBef>
                       </a:pPr>
                       <a:r>
-                        <a:rPr lang="it-IT" sz="900">
+                        <a:rPr sz="900" spc="0">
                           <a:solidFill>
                             <a:srgbClr val="020302"/>
                           </a:solidFill>
@@ -4681,6 +5774,10 @@
                         </a:rPr>
                         <a:t>Technical Account Manager</a:t>
                       </a:r>
+                      <a:endParaRPr sz="900" spc="0">
+                        <a:latin typeface="AdobeClean-Light"/>
+                        <a:cs typeface="AdobeClean-Light"/>
+                      </a:endParaRPr>
                     </a:p>
                   </a:txBody>
                   <a:tcPr marL="0" marR="0" marT="63500" marB="0">
@@ -4709,7 +5806,7 @@
                     <a:bodyPr/>
                     <a:lstStyle/>
                     <a:p>
-                      <a:pPr algn="l" rtl="0">
+                      <a:pPr algn="ctr">
                         <a:lnSpc>
                           <a:spcPct val="100000"/>
                         </a:lnSpc>
@@ -4747,7 +5844,7 @@
                     <a:bodyPr/>
                     <a:lstStyle/>
                     <a:p>
-                      <a:pPr algn="l" rtl="0">
+                      <a:pPr algn="ctr">
                         <a:lnSpc>
                           <a:spcPct val="100000"/>
                         </a:lnSpc>
@@ -4798,15 +5895,22 @@
                         </a:spcBef>
                       </a:pPr>
                       <a:r>
-                        <a:rPr lang="it-IT" sz="1000" b="1" i="0">
+                        <a:rPr lang="en-US" sz="1000" b="1" i="0" spc="0">
                           <a:solidFill>
                             <a:schemeClr val="bg1"/>
                           </a:solidFill>
                           <a:latin typeface="Adobe Clean" panose="020B0503020404020204" pitchFamily="34" charset="0"/>
                           <a:cs typeface="AdobeClean-Light"/>
                         </a:rPr>
-                        <a:t>Servizi di assistenza</a:t>
+                        <a:t>Support Services</a:t>
                       </a:r>
+                      <a:endParaRPr sz="1000" b="1" i="0" spc="0">
+                        <a:solidFill>
+                          <a:schemeClr val="bg1"/>
+                        </a:solidFill>
+                        <a:latin typeface="Adobe Clean" panose="020B0503020404020204" pitchFamily="34" charset="0"/>
+                        <a:cs typeface="AdobeClean-Light"/>
+                      </a:endParaRPr>
                     </a:p>
                   </a:txBody>
                   <a:tcPr marL="0" marR="0" marT="57150" marB="0" anchor="ctr">
@@ -4862,15 +5966,29 @@
                         </a:spcBef>
                       </a:pPr>
                       <a:r>
-                        <a:rPr lang="it-IT" sz="900">
+                        <a:rPr lang="en-US" sz="900" spc="0">
                           <a:solidFill>
                             <a:srgbClr val="020302"/>
                           </a:solidFill>
                           <a:latin typeface="AdobeClean-Light"/>
                           <a:cs typeface="AdobeClean-Light"/>
                         </a:rPr>
-                        <a:t>Supporto Online</a:t>
+                        <a:t>Online</a:t>
                       </a:r>
+                      <a:r>
+                        <a:rPr sz="900" spc="0">
+                          <a:solidFill>
+                            <a:srgbClr val="020302"/>
+                          </a:solidFill>
+                          <a:latin typeface="AdobeClean-Light"/>
+                          <a:cs typeface="AdobeClean-Light"/>
+                        </a:rPr>
+                        <a:t> Support</a:t>
+                      </a:r>
+                      <a:endParaRPr sz="900" spc="0">
+                        <a:latin typeface="AdobeClean-Light"/>
+                        <a:cs typeface="AdobeClean-Light"/>
+                      </a:endParaRPr>
                     </a:p>
                   </a:txBody>
                   <a:tcPr marL="0" marR="0" marT="57150" marB="0">
@@ -4908,15 +6026,39 @@
                         </a:spcBef>
                       </a:pPr>
                       <a:r>
-                        <a:rPr lang="it-IT" sz="900">
+                        <a:rPr sz="900" spc="-25">
                           <a:solidFill>
                             <a:srgbClr val="020302"/>
                           </a:solidFill>
                           <a:latin typeface="AdobeClean-Light"/>
                           <a:cs typeface="AdobeClean-Light"/>
                         </a:rPr>
-                        <a:t>Orario operativo</a:t>
+                        <a:t>Business</a:t>
                       </a:r>
+                      <a:r>
+                        <a:rPr sz="900" spc="-15">
+                          <a:solidFill>
+                            <a:srgbClr val="020302"/>
+                          </a:solidFill>
+                          <a:latin typeface="AdobeClean-Light"/>
+                          <a:cs typeface="AdobeClean-Light"/>
+                        </a:rPr>
+                        <a:t> </a:t>
+                      </a:r>
+                      <a:r>
+                        <a:rPr sz="900" spc="-30">
+                          <a:solidFill>
+                            <a:srgbClr val="020302"/>
+                          </a:solidFill>
+                          <a:latin typeface="AdobeClean-Light"/>
+                          <a:cs typeface="AdobeClean-Light"/>
+                        </a:rPr>
+                        <a:t>hours</a:t>
+                      </a:r>
+                      <a:endParaRPr sz="900">
+                        <a:latin typeface="AdobeClean-Light"/>
+                        <a:cs typeface="AdobeClean-Light"/>
+                      </a:endParaRPr>
                     </a:p>
                   </a:txBody>
                   <a:tcPr marL="0" marR="0" marT="67945" marB="0">
@@ -4955,7 +6097,7 @@
                         </a:spcBef>
                       </a:pPr>
                       <a:r>
-                        <a:rPr lang="it-IT" sz="900">
+                        <a:rPr lang="en-US" sz="900" spc="-25">
                           <a:solidFill>
                             <a:srgbClr val="020302"/>
                           </a:solidFill>
@@ -4964,6 +6106,10 @@
                         </a:rPr>
                         <a:t>24x5</a:t>
                       </a:r>
+                      <a:endParaRPr sz="900">
+                        <a:latin typeface="AdobeClean-Light"/>
+                        <a:cs typeface="AdobeClean-Light"/>
+                      </a:endParaRPr>
                     </a:p>
                   </a:txBody>
                   <a:tcPr marL="0" marR="0" marT="67945" marB="0">
@@ -4997,7 +6143,7 @@
                     <a:bodyPr/>
                     <a:lstStyle/>
                     <a:p>
-                      <a:pPr marL="50800" algn="l" rtl="0">
+                      <a:pPr marL="50800">
                         <a:lnSpc>
                           <a:spcPct val="100000"/>
                         </a:lnSpc>
@@ -5046,15 +6192,39 @@
                         </a:spcBef>
                       </a:pPr>
                       <a:r>
-                        <a:rPr lang="it-IT" sz="900">
+                        <a:rPr sz="900" spc="0">
                           <a:solidFill>
                             <a:srgbClr val="020302"/>
                           </a:solidFill>
                           <a:latin typeface="AdobeClean-Light"/>
                           <a:cs typeface="AdobeClean-Light"/>
                         </a:rPr>
-                        <a:t>Supporto per problemi P1 24x7x365</a:t>
+                        <a:t>24x7</a:t>
                       </a:r>
+                      <a:r>
+                        <a:rPr lang="en-US" sz="900" spc="0">
+                          <a:solidFill>
+                            <a:srgbClr val="020302"/>
+                          </a:solidFill>
+                          <a:latin typeface="AdobeClean-Light"/>
+                          <a:cs typeface="AdobeClean-Light"/>
+                        </a:rPr>
+                        <a:t>x365</a:t>
+                      </a:r>
+                      <a:r>
+                        <a:rPr sz="900" spc="0">
+                          <a:solidFill>
+                            <a:srgbClr val="020302"/>
+                          </a:solidFill>
+                          <a:latin typeface="AdobeClean-Light"/>
+                          <a:cs typeface="AdobeClean-Light"/>
+                        </a:rPr>
+                        <a:t> P1 Issue Support</a:t>
+                      </a:r>
+                      <a:endParaRPr sz="900" spc="0">
+                        <a:latin typeface="AdobeClean-Light"/>
+                        <a:cs typeface="AdobeClean-Light"/>
+                      </a:endParaRPr>
                     </a:p>
                   </a:txBody>
                   <a:tcPr marL="0" marR="0" marT="57785" marB="0">
@@ -5086,7 +6256,7 @@
                         </a:spcBef>
                       </a:pPr>
                       <a:r>
-                        <a:rPr lang="it-IT" sz="900">
+                        <a:rPr sz="900">
                           <a:solidFill>
                             <a:srgbClr val="020302"/>
                           </a:solidFill>
@@ -5095,6 +6265,10 @@
                         </a:rPr>
                         <a:t></a:t>
                       </a:r>
+                      <a:endParaRPr sz="900">
+                        <a:latin typeface="Wingdings"/>
+                        <a:cs typeface="Wingdings"/>
+                      </a:endParaRPr>
                     </a:p>
                   </a:txBody>
                   <a:tcPr marL="0" marR="0" marT="58419" marB="0">
@@ -5124,7 +6298,7 @@
                         </a:spcBef>
                       </a:pPr>
                       <a:r>
-                        <a:rPr lang="it-IT" sz="900">
+                        <a:rPr sz="900">
                           <a:solidFill>
                             <a:srgbClr val="020302"/>
                           </a:solidFill>
@@ -5133,6 +6307,10 @@
                         </a:rPr>
                         <a:t></a:t>
                       </a:r>
+                      <a:endParaRPr sz="900">
+                        <a:latin typeface="Wingdings"/>
+                        <a:cs typeface="Wingdings"/>
+                      </a:endParaRPr>
                     </a:p>
                   </a:txBody>
                   <a:tcPr marL="0" marR="0" marT="58419" marB="0">
@@ -5155,7 +6333,7 @@
                     <a:bodyPr/>
                     <a:lstStyle/>
                     <a:p>
-                      <a:pPr marL="50800" algn="l" rtl="0">
+                      <a:pPr marL="50800">
                         <a:lnSpc>
                           <a:spcPct val="100000"/>
                         </a:lnSpc>
@@ -5213,15 +6391,19 @@
                         </a:spcBef>
                       </a:pPr>
                       <a:r>
-                        <a:rPr lang="it-IT" sz="900">
+                        <a:rPr lang="en-US" sz="900" spc="0">
                           <a:solidFill>
                             <a:srgbClr val="020302"/>
                           </a:solidFill>
                           <a:latin typeface="AdobeClean-Light"/>
                           <a:cs typeface="AdobeClean-Light"/>
                         </a:rPr>
-                        <a:t>Contatti interni per il supporto (per prodotto)</a:t>
+                        <a:t>Named Support Contacts (per product)</a:t>
                       </a:r>
+                      <a:endParaRPr sz="900" spc="0">
+                        <a:latin typeface="AdobeClean-Light"/>
+                        <a:cs typeface="AdobeClean-Light"/>
+                      </a:endParaRPr>
                     </a:p>
                   </a:txBody>
                   <a:tcPr marL="0" marR="0" marT="57785" marB="0">
@@ -5259,7 +6441,7 @@
                         </a:spcBef>
                       </a:pPr>
                       <a:r>
-                        <a:rPr lang="it-IT" sz="900">
+                        <a:rPr sz="900">
                           <a:solidFill>
                             <a:srgbClr val="020302"/>
                           </a:solidFill>
@@ -5268,6 +6450,10 @@
                         </a:rPr>
                         <a:t>4</a:t>
                       </a:r>
+                      <a:endParaRPr sz="900">
+                        <a:latin typeface="AdobeClean-Light"/>
+                        <a:cs typeface="AdobeClean-Light"/>
+                      </a:endParaRPr>
                     </a:p>
                   </a:txBody>
                   <a:tcPr marL="0" marR="0" marT="57785" marB="0">
@@ -5297,7 +6483,7 @@
                         </a:spcBef>
                       </a:pPr>
                       <a:r>
-                        <a:rPr lang="it-IT" sz="900">
+                        <a:rPr lang="en-US" sz="900">
                           <a:solidFill>
                             <a:srgbClr val="020302"/>
                           </a:solidFill>
@@ -5306,6 +6492,10 @@
                         </a:rPr>
                         <a:t>10</a:t>
                       </a:r>
+                      <a:endParaRPr sz="900">
+                        <a:latin typeface="AdobeClean-Light"/>
+                        <a:cs typeface="AdobeClean-Light"/>
+                      </a:endParaRPr>
                     </a:p>
                   </a:txBody>
                   <a:tcPr marL="0" marR="0" marT="57785" marB="0">
@@ -5328,7 +6518,7 @@
                     <a:bodyPr/>
                     <a:lstStyle/>
                     <a:p>
-                      <a:pPr marL="50800" algn="l" rtl="0">
+                      <a:pPr marL="50800">
                         <a:lnSpc>
                           <a:spcPct val="100000"/>
                         </a:lnSpc>
@@ -5377,15 +6567,19 @@
                         </a:spcBef>
                       </a:pPr>
                       <a:r>
-                        <a:rPr lang="it-IT" sz="900">
+                        <a:rPr lang="en-US" sz="900" spc="0">
                           <a:solidFill>
                             <a:srgbClr val="020302"/>
                           </a:solidFill>
                           <a:latin typeface="AdobeClean-Light"/>
                           <a:cs typeface="AdobeClean-Light"/>
                         </a:rPr>
-                        <a:t>Supporto telefonico in diretta</a:t>
+                        <a:t>Live Telephone Support</a:t>
                       </a:r>
+                      <a:endParaRPr sz="900" spc="0">
+                        <a:latin typeface="AdobeClean-Light"/>
+                        <a:cs typeface="AdobeClean-Light"/>
+                      </a:endParaRPr>
                     </a:p>
                   </a:txBody>
                   <a:tcPr marL="0" marR="0" marT="57785" marB="0">
@@ -5408,7 +6602,7 @@
                     <a:bodyPr/>
                     <a:lstStyle/>
                     <a:p>
-                      <a:pPr algn="l" rtl="0">
+                      <a:pPr algn="ctr">
                         <a:lnSpc>
                           <a:spcPct val="100000"/>
                         </a:lnSpc>
@@ -5449,7 +6643,7 @@
                         </a:spcBef>
                       </a:pPr>
                       <a:r>
-                        <a:rPr lang="it-IT" sz="900">
+                        <a:rPr sz="900">
                           <a:solidFill>
                             <a:srgbClr val="020302"/>
                           </a:solidFill>
@@ -5458,6 +6652,10 @@
                         </a:rPr>
                         <a:t></a:t>
                       </a:r>
+                      <a:endParaRPr sz="900">
+                        <a:latin typeface="Wingdings"/>
+                        <a:cs typeface="Wingdings"/>
+                      </a:endParaRPr>
                     </a:p>
                   </a:txBody>
                   <a:tcPr marL="0" marR="0" marT="59054" marB="0">
@@ -5480,7 +6678,7 @@
                     <a:bodyPr/>
                     <a:lstStyle/>
                     <a:p>
-                      <a:pPr marL="50800" algn="l" rtl="0">
+                      <a:pPr marL="50800">
                         <a:lnSpc>
                           <a:spcPct val="100000"/>
                         </a:lnSpc>
@@ -5529,15 +6727,19 @@
                         </a:spcBef>
                       </a:pPr>
                       <a:r>
-                        <a:rPr lang="it-IT" sz="900" dirty="0">
+                        <a:rPr sz="900" spc="0">
                           <a:solidFill>
                             <a:srgbClr val="020302"/>
                           </a:solidFill>
                           <a:latin typeface="AdobeClean-Light"/>
                           <a:cs typeface="AdobeClean-Light"/>
                         </a:rPr>
-                        <a:t>Gestione delle escalation</a:t>
+                        <a:t>Escalation Management</a:t>
                       </a:r>
+                      <a:endParaRPr sz="900" spc="0">
+                        <a:latin typeface="AdobeClean-Light"/>
+                        <a:cs typeface="AdobeClean-Light"/>
+                      </a:endParaRPr>
                     </a:p>
                   </a:txBody>
                   <a:tcPr marL="0" marR="0" marT="58419" marB="0">
@@ -5560,7 +6762,7 @@
                     <a:bodyPr/>
                     <a:lstStyle/>
                     <a:p>
-                      <a:pPr algn="l" rtl="0">
+                      <a:pPr algn="ctr">
                         <a:lnSpc>
                           <a:spcPct val="100000"/>
                         </a:lnSpc>
@@ -5601,7 +6803,7 @@
                         </a:spcBef>
                       </a:pPr>
                       <a:r>
-                        <a:rPr lang="it-IT" sz="900">
+                        <a:rPr sz="900">
                           <a:solidFill>
                             <a:srgbClr val="020302"/>
                           </a:solidFill>
@@ -5610,6 +6812,10 @@
                         </a:rPr>
                         <a:t></a:t>
                       </a:r>
+                      <a:endParaRPr sz="900">
+                        <a:latin typeface="Wingdings"/>
+                        <a:cs typeface="Wingdings"/>
+                      </a:endParaRPr>
                     </a:p>
                   </a:txBody>
                   <a:tcPr marL="0" marR="0" marT="59690" marB="0">
@@ -5632,7 +6838,7 @@
                     <a:bodyPr/>
                     <a:lstStyle/>
                     <a:p>
-                      <a:pPr marL="50800" algn="l" rtl="0">
+                      <a:pPr marL="50800">
                         <a:lnSpc>
                           <a:spcPct val="100000"/>
                         </a:lnSpc>
@@ -5681,15 +6887,29 @@
                         </a:spcBef>
                       </a:pPr>
                       <a:r>
-                        <a:rPr lang="it-IT" sz="900">
+                        <a:rPr sz="900" spc="0">
                           <a:solidFill>
                             <a:srgbClr val="020302"/>
                           </a:solidFill>
                           <a:latin typeface="AdobeClean-Light"/>
                           <a:cs typeface="AdobeClean-Light"/>
                         </a:rPr>
-                        <a:t>Valutazioni dei servizi all’anno</a:t>
+                        <a:t>Service Reviews </a:t>
                       </a:r>
+                      <a:r>
+                        <a:rPr lang="en-US" sz="900" spc="0">
+                          <a:solidFill>
+                            <a:srgbClr val="020302"/>
+                          </a:solidFill>
+                          <a:latin typeface="AdobeClean-Light"/>
+                          <a:cs typeface="AdobeClean-Light"/>
+                        </a:rPr>
+                        <a:t>per Year</a:t>
+                      </a:r>
+                      <a:endParaRPr sz="900" spc="0">
+                        <a:latin typeface="AdobeClean-Light"/>
+                        <a:cs typeface="AdobeClean-Light"/>
+                      </a:endParaRPr>
                     </a:p>
                   </a:txBody>
                   <a:tcPr marL="0" marR="0" marT="57150" marB="0">
@@ -5712,7 +6932,7 @@
                     <a:bodyPr/>
                     <a:lstStyle/>
                     <a:p>
-                      <a:pPr algn="l" rtl="0">
+                      <a:pPr>
                         <a:lnSpc>
                           <a:spcPct val="100000"/>
                         </a:lnSpc>
@@ -5747,12 +6967,16 @@
                         </a:lnSpc>
                       </a:pPr>
                       <a:r>
-                        <a:rPr lang="it-IT" sz="900">
+                        <a:rPr lang="en-US" sz="900">
                           <a:latin typeface="Times New Roman"/>
                           <a:cs typeface="Times New Roman"/>
                         </a:rPr>
                         <a:t>2</a:t>
                       </a:r>
+                      <a:endParaRPr sz="900">
+                        <a:latin typeface="Times New Roman"/>
+                        <a:cs typeface="Times New Roman"/>
+                      </a:endParaRPr>
                     </a:p>
                   </a:txBody>
                   <a:tcPr marL="0" marR="0" marT="0" marB="0">
@@ -5794,12 +7018,16 @@
                         </a:spcBef>
                       </a:pPr>
                       <a:r>
-                        <a:rPr lang="it-IT" sz="900">
+                        <a:rPr lang="en-US" sz="900" spc="0">
                           <a:latin typeface="AdobeClean-Light"/>
                           <a:cs typeface="AdobeClean-Light"/>
                         </a:rPr>
-                        <a:t>Sessioni con esperti all’anno</a:t>
+                        <a:t>Expert Sessions per Year</a:t>
                       </a:r>
+                      <a:endParaRPr sz="900" spc="0">
+                        <a:latin typeface="AdobeClean-Light"/>
+                        <a:cs typeface="AdobeClean-Light"/>
+                      </a:endParaRPr>
                     </a:p>
                   </a:txBody>
                   <a:tcPr marL="0" marR="0" marT="57150" marB="0">
@@ -5828,7 +7056,7 @@
                     <a:bodyPr/>
                     <a:lstStyle/>
                     <a:p>
-                      <a:pPr algn="l" rtl="0">
+                      <a:pPr>
                         <a:lnSpc>
                           <a:spcPct val="100000"/>
                         </a:lnSpc>
@@ -5863,12 +7091,16 @@
                         </a:lnSpc>
                       </a:pPr>
                       <a:r>
-                        <a:rPr lang="it-IT" sz="900">
+                        <a:rPr lang="en-US" sz="900">
                           <a:latin typeface="Times New Roman"/>
                           <a:cs typeface="Times New Roman"/>
                         </a:rPr>
                         <a:t>2</a:t>
                       </a:r>
+                      <a:endParaRPr sz="900">
+                        <a:latin typeface="Times New Roman"/>
+                        <a:cs typeface="Times New Roman"/>
+                      </a:endParaRPr>
                     </a:p>
                   </a:txBody>
                   <a:tcPr marL="0" marR="0" marT="0" marB="0">
@@ -5910,12 +7142,16 @@
                         </a:spcBef>
                       </a:pPr>
                       <a:r>
-                        <a:rPr lang="it-IT" sz="900">
+                        <a:rPr lang="en-US" sz="900" spc="0">
                           <a:latin typeface="AdobeClean-Light"/>
                           <a:cs typeface="AdobeClean-Light"/>
                         </a:rPr>
-                        <a:t>Valutazione dei casi</a:t>
+                        <a:t>Case Reviews</a:t>
                       </a:r>
+                      <a:endParaRPr sz="900" spc="0">
+                        <a:latin typeface="AdobeClean-Light"/>
+                        <a:cs typeface="AdobeClean-Light"/>
+                      </a:endParaRPr>
                     </a:p>
                   </a:txBody>
                   <a:tcPr marL="0" marR="0" marT="57150" marB="0">
@@ -5944,7 +7180,7 @@
                     <a:bodyPr/>
                     <a:lstStyle/>
                     <a:p>
-                      <a:pPr algn="l" rtl="0">
+                      <a:pPr>
                         <a:lnSpc>
                           <a:spcPct val="100000"/>
                         </a:lnSpc>
@@ -5991,7 +7227,7 @@
                         <a:defRPr/>
                       </a:pPr>
                       <a:r>
-                        <a:rPr lang="it-IT" sz="900">
+                        <a:rPr lang="en-US" sz="900">
                           <a:solidFill>
                             <a:srgbClr val="020302"/>
                           </a:solidFill>
@@ -6000,6 +7236,10 @@
                         </a:rPr>
                         <a:t></a:t>
                       </a:r>
+                      <a:endParaRPr lang="en-US" sz="900">
+                        <a:latin typeface="Wingdings"/>
+                        <a:cs typeface="Wingdings"/>
+                      </a:endParaRPr>
                     </a:p>
                   </a:txBody>
                   <a:tcPr marL="0" marR="0" marT="0" marB="0">
@@ -6022,7 +7262,7 @@
                     <a:bodyPr/>
                     <a:lstStyle/>
                     <a:p>
-                      <a:pPr marL="48895" algn="l" rtl="0">
+                      <a:pPr marL="48895">
                         <a:lnSpc>
                           <a:spcPct val="100000"/>
                         </a:lnSpc>
@@ -6080,15 +7320,29 @@
                         </a:spcBef>
                       </a:pPr>
                       <a:r>
-                        <a:rPr lang="it-IT" sz="900">
+                        <a:rPr sz="900" spc="0">
                           <a:solidFill>
                             <a:srgbClr val="020302"/>
                           </a:solidFill>
                           <a:latin typeface="AdobeClean-Light"/>
                           <a:cs typeface="AdobeClean-Light"/>
                         </a:rPr>
-                        <a:t>Gestione degli eventi</a:t>
+                        <a:t>Event </a:t>
                       </a:r>
+                      <a:r>
+                        <a:rPr lang="en-US" sz="900" spc="0">
+                          <a:solidFill>
+                            <a:srgbClr val="020302"/>
+                          </a:solidFill>
+                          <a:latin typeface="AdobeClean-Light"/>
+                          <a:cs typeface="AdobeClean-Light"/>
+                        </a:rPr>
+                        <a:t>Management</a:t>
+                      </a:r>
+                      <a:endParaRPr sz="900" spc="0">
+                        <a:latin typeface="AdobeClean-Light"/>
+                        <a:cs typeface="AdobeClean-Light"/>
+                      </a:endParaRPr>
                     </a:p>
                   </a:txBody>
                   <a:tcPr marL="0" marR="0" marT="58419" marB="0">
@@ -6117,7 +7371,7 @@
                     <a:bodyPr/>
                     <a:lstStyle/>
                     <a:p>
-                      <a:pPr algn="l" rtl="0">
+                      <a:pPr>
                         <a:lnSpc>
                           <a:spcPct val="100000"/>
                         </a:lnSpc>
@@ -6146,7 +7400,7 @@
                     <a:bodyPr/>
                     <a:lstStyle/>
                     <a:p>
-                      <a:pPr algn="l" rtl="0">
+                      <a:pPr>
                         <a:lnSpc>
                           <a:spcPct val="100000"/>
                         </a:lnSpc>
@@ -6177,7 +7431,7 @@
                     <a:bodyPr/>
                     <a:lstStyle/>
                     <a:p>
-                      <a:pPr marL="48895" algn="l" rtl="0">
+                      <a:pPr marL="48895">
                         <a:lnSpc>
                           <a:spcPct val="100000"/>
                         </a:lnSpc>
@@ -6226,15 +7480,39 @@
                         </a:spcBef>
                       </a:pPr>
                       <a:r>
-                        <a:rPr lang="it-IT" sz="900">
+                        <a:rPr sz="900" spc="0">
                           <a:solidFill>
                             <a:srgbClr val="020302"/>
                           </a:solidFill>
                           <a:latin typeface="AdobeClean-Light"/>
                           <a:cs typeface="AdobeClean-Light"/>
                         </a:rPr>
-                        <a:t>Valutazione ambiente, manutenzione e monitoraggio</a:t>
+                        <a:t>Environment</a:t>
                       </a:r>
+                      <a:r>
+                        <a:rPr lang="en-US" sz="900" spc="0">
+                          <a:solidFill>
+                            <a:srgbClr val="020302"/>
+                          </a:solidFill>
+                          <a:latin typeface="AdobeClean-Light"/>
+                          <a:cs typeface="AdobeClean-Light"/>
+                        </a:rPr>
+                        <a:t> </a:t>
+                      </a:r>
+                      <a:r>
+                        <a:rPr sz="900" spc="0">
+                          <a:solidFill>
+                            <a:srgbClr val="020302"/>
+                          </a:solidFill>
+                          <a:latin typeface="AdobeClean-Light"/>
+                          <a:cs typeface="AdobeClean-Light"/>
+                        </a:rPr>
+                        <a:t>Review, Maintenance &amp; Monitoring</a:t>
+                      </a:r>
+                      <a:endParaRPr sz="900" spc="0">
+                        <a:latin typeface="AdobeClean-Light"/>
+                        <a:cs typeface="AdobeClean-Light"/>
+                      </a:endParaRPr>
                     </a:p>
                   </a:txBody>
                   <a:tcPr marL="0" marR="0" marT="59055" marB="0">
@@ -6257,7 +7535,7 @@
                     <a:bodyPr/>
                     <a:lstStyle/>
                     <a:p>
-                      <a:pPr algn="l" rtl="0">
+                      <a:pPr>
                         <a:lnSpc>
                           <a:spcPct val="100000"/>
                         </a:lnSpc>
@@ -6286,7 +7564,7 @@
                     <a:bodyPr/>
                     <a:lstStyle/>
                     <a:p>
-                      <a:pPr algn="l" rtl="0">
+                      <a:pPr>
                         <a:lnSpc>
                           <a:spcPct val="100000"/>
                         </a:lnSpc>
@@ -6317,7 +7595,7 @@
                     <a:bodyPr/>
                     <a:lstStyle/>
                     <a:p>
-                      <a:pPr marL="49530" algn="l" rtl="0">
+                      <a:pPr marL="49530">
                         <a:lnSpc>
                           <a:spcPct val="100000"/>
                         </a:lnSpc>
@@ -6366,34 +7644,19 @@
                         </a:spcBef>
                       </a:pPr>
                       <a:r>
-                        <a:rPr lang="it-IT" sz="900" dirty="0">
+                        <a:rPr sz="900" spc="0">
                           <a:solidFill>
                             <a:srgbClr val="020302"/>
                           </a:solidFill>
                           <a:latin typeface="AdobeClean-Light"/>
                           <a:cs typeface="AdobeClean-Light"/>
                         </a:rPr>
-                        <a:t>Valutazione della roadmap di prodotti, versioni, migrazione </a:t>
+                        <a:t>Release, Migration, Upgrade &amp; Product Roadmap Review</a:t>
                       </a:r>
-                      <a:br>
-                        <a:rPr lang="sk-SK" sz="900" dirty="0">
-                          <a:solidFill>
-                            <a:srgbClr val="020302"/>
-                          </a:solidFill>
-                          <a:latin typeface="AdobeClean-Light"/>
-                          <a:cs typeface="AdobeClean-Light"/>
-                        </a:rPr>
-                      </a:br>
-                      <a:r>
-                        <a:rPr lang="it-IT" sz="900" dirty="0">
-                          <a:solidFill>
-                            <a:srgbClr val="020302"/>
-                          </a:solidFill>
-                          <a:latin typeface="AdobeClean-Light"/>
-                          <a:cs typeface="AdobeClean-Light"/>
-                        </a:rPr>
-                        <a:t>e aggiornamento</a:t>
-                      </a:r>
+                      <a:endParaRPr sz="900" spc="0">
+                        <a:latin typeface="AdobeClean-Light"/>
+                        <a:cs typeface="AdobeClean-Light"/>
+                      </a:endParaRPr>
                     </a:p>
                   </a:txBody>
                   <a:tcPr marL="0" marR="0" marT="63500" marB="0">
@@ -6416,7 +7679,7 @@
                     <a:bodyPr/>
                     <a:lstStyle/>
                     <a:p>
-                      <a:pPr algn="l" rtl="0">
+                      <a:pPr>
                         <a:lnSpc>
                           <a:spcPct val="100000"/>
                         </a:lnSpc>
@@ -6445,7 +7708,7 @@
                     <a:bodyPr/>
                     <a:lstStyle/>
                     <a:p>
-                      <a:pPr algn="l" rtl="0">
+                      <a:pPr>
                         <a:lnSpc>
                           <a:spcPct val="100000"/>
                         </a:lnSpc>
@@ -6476,7 +7739,7 @@
                     <a:bodyPr/>
                     <a:lstStyle/>
                     <a:p>
-                      <a:pPr marL="49530" algn="l" rtl="0">
+                      <a:pPr marL="49530">
                         <a:lnSpc>
                           <a:spcPct val="100000"/>
                         </a:lnSpc>
@@ -6534,11 +7797,11 @@
                         </a:spcBef>
                       </a:pPr>
                       <a:r>
-                        <a:rPr lang="it-IT" sz="900">
+                        <a:rPr sz="900" spc="0">
                           <a:latin typeface="AdobeClean-Light"/>
                           <a:cs typeface="AdobeClean-Light"/>
                         </a:rPr>
-                        <a:t>Attività di supporto cloud - Experience Manager as Cloud</a:t>
+                        <a:t>Cloud Support Activities – Experience Manager as Cloud</a:t>
                       </a:r>
                     </a:p>
                   </a:txBody>
@@ -6568,7 +7831,7 @@
                     <a:bodyPr/>
                     <a:lstStyle/>
                     <a:p>
-                      <a:pPr algn="l" rtl="0">
+                      <a:pPr>
                         <a:lnSpc>
                           <a:spcPct val="100000"/>
                         </a:lnSpc>
@@ -6624,7 +7887,7 @@
                         <a:defRPr/>
                       </a:pPr>
                       <a:r>
-                        <a:rPr lang="it-IT" sz="900">
+                        <a:rPr lang="en-US" sz="900">
                           <a:solidFill>
                             <a:srgbClr val="020302"/>
                           </a:solidFill>
@@ -6633,9 +7896,13 @@
                         </a:rPr>
                         <a:t></a:t>
                       </a:r>
+                      <a:endParaRPr lang="en-US" sz="900">
+                        <a:latin typeface="Wingdings"/>
+                        <a:cs typeface="Wingdings"/>
+                      </a:endParaRPr>
                     </a:p>
                     <a:p>
-                      <a:pPr marL="0" marR="0" lvl="0" indent="0" algn="l" defTabSz="914400" rtl="0" eaLnBrk="1" fontAlgn="auto" latinLnBrk="0" hangingPunct="1">
+                      <a:pPr marL="0" marR="0" lvl="0" indent="0" algn="ctr" defTabSz="914400" eaLnBrk="1" fontAlgn="auto" latinLnBrk="0" hangingPunct="1">
                         <a:lnSpc>
                           <a:spcPct val="100000"/>
                         </a:lnSpc>
@@ -6698,15 +7965,22 @@
                         </a:spcBef>
                       </a:pPr>
                       <a:r>
-                        <a:rPr lang="it-IT" sz="1000" b="1" i="0">
+                        <a:rPr lang="en-US" sz="1000" b="1" i="0" spc="0">
                           <a:solidFill>
                             <a:schemeClr val="bg1"/>
                           </a:solidFill>
                           <a:latin typeface="Adobe Clean" panose="020B0503020404020204" pitchFamily="34" charset="0"/>
                           <a:cs typeface="AdobeClean-Light"/>
                         </a:rPr>
-                        <a:t>Servizi sul campo</a:t>
+                        <a:t>Field Services</a:t>
                       </a:r>
+                      <a:endParaRPr sz="1000" b="1" i="0" spc="0">
+                        <a:solidFill>
+                          <a:schemeClr val="bg1"/>
+                        </a:solidFill>
+                        <a:latin typeface="Adobe Clean" panose="020B0503020404020204" pitchFamily="34" charset="0"/>
+                        <a:cs typeface="AdobeClean-Light"/>
+                      </a:endParaRPr>
                     </a:p>
                   </a:txBody>
                   <a:tcPr marL="0" marR="0" marT="48260" marB="0" anchor="ctr">
@@ -6759,14 +8033,14 @@
                         </a:spcBef>
                       </a:pPr>
                       <a:r>
-                        <a:rPr lang="it-IT" sz="900">
+                        <a:rPr sz="900" spc="0">
                           <a:solidFill>
                             <a:srgbClr val="020302"/>
                           </a:solidFill>
                           <a:latin typeface="AdobeClean-Light"/>
                           <a:cs typeface="AdobeClean-Light"/>
                         </a:rPr>
-                        <a:t>Launch Advisory - Nel primo anno di nuove soluzioni</a:t>
+                        <a:t>Launch Advisory Services – First Year of new solution</a:t>
                       </a:r>
                     </a:p>
                   </a:txBody>
@@ -6806,7 +8080,7 @@
                     <a:bodyPr/>
                     <a:lstStyle/>
                     <a:p>
-                      <a:pPr algn="l" rtl="0">
+                      <a:pPr>
                         <a:lnSpc>
                           <a:spcPct val="100000"/>
                         </a:lnSpc>
@@ -6862,7 +8136,7 @@
                         <a:defRPr/>
                       </a:pPr>
                       <a:r>
-                        <a:rPr lang="it-IT" sz="900">
+                        <a:rPr lang="en-US" sz="900">
                           <a:solidFill>
                             <a:srgbClr val="020302"/>
                           </a:solidFill>
@@ -6871,6 +8145,10 @@
                         </a:rPr>
                         <a:t></a:t>
                       </a:r>
+                      <a:endParaRPr lang="en-US" sz="900">
+                        <a:latin typeface="Wingdings"/>
+                        <a:cs typeface="Wingdings"/>
+                      </a:endParaRPr>
                     </a:p>
                   </a:txBody>
                   <a:tcPr marL="0" marR="0" marT="0" marB="0">
@@ -6991,7 +8269,7 @@
                         <a:defRPr/>
                       </a:pPr>
                       <a:r>
-                        <a:rPr lang="it-IT" sz="900">
+                        <a:rPr lang="en-US" sz="900">
                           <a:solidFill>
                             <a:srgbClr val="020302"/>
                           </a:solidFill>
@@ -7000,6 +8278,10 @@
                         </a:rPr>
                         <a:t></a:t>
                       </a:r>
+                      <a:endParaRPr lang="en-US" sz="900">
+                        <a:latin typeface="Wingdings"/>
+                        <a:cs typeface="Wingdings"/>
+                      </a:endParaRPr>
                     </a:p>
                   </a:txBody>
                   <a:tcPr marL="0" marR="0" marT="0" marB="0">
@@ -7056,11 +8338,11 @@
                         <a:defRPr/>
                       </a:pPr>
                       <a:r>
-                        <a:rPr lang="it-IT" sz="900" dirty="0">
+                        <a:rPr lang="en-US" sz="900" spc="0">
                           <a:latin typeface="AdobeClean-Light"/>
                           <a:cs typeface="AdobeClean-Light"/>
                         </a:rPr>
-                        <a:t>Attività di servizio sul campo </a:t>
+                        <a:t>Field Service Activities </a:t>
                       </a:r>
                     </a:p>
                   </a:txBody>
@@ -7195,14 +8477,14 @@
         <p:spPr>
           <a:xfrm>
             <a:off x="2835999" y="9021041"/>
-            <a:ext cx="2194560" cy="487313"/>
+            <a:ext cx="2194560" cy="641201"/>
           </a:xfrm>
           <a:prstGeom prst="rect">
             <a:avLst/>
           </a:prstGeom>
         </p:spPr>
         <p:txBody>
-          <a:bodyPr vert="horz" wrap="square" lIns="0" tIns="12700" rIns="0" bIns="0" rtlCol="0">
+          <a:bodyPr vert="horz" wrap="square" lIns="0" tIns="12700" rIns="0" bIns="0" rtlCol="0" anchor="t">
             <a:spAutoFit/>
           </a:bodyPr>
           <a:lstStyle/>
@@ -7219,21 +8501,158 @@
               </a:tabLst>
             </a:pPr>
             <a:r>
-              <a:rPr lang="it-IT" sz="1000" dirty="0">
+              <a:rPr sz="1000" spc="-20" dirty="0">
                 <a:solidFill>
                   <a:srgbClr val="020302"/>
                 </a:solidFill>
                 <a:latin typeface="AdobeClean-Light"/>
                 <a:cs typeface="AdobeClean-Light"/>
               </a:rPr>
-              <a:t>Avvia una sessione di chat per ottenere risposte e assistenza nell’invio di un caso.</a:t>
+              <a:t>Start </a:t>
+            </a:r>
+            <a:r>
+              <a:rPr sz="1000" dirty="0">
+                <a:solidFill>
+                  <a:srgbClr val="020302"/>
+                </a:solidFill>
+                <a:latin typeface="AdobeClean-Light"/>
+                <a:cs typeface="AdobeClean-Light"/>
+              </a:rPr>
+              <a:t>a </a:t>
+            </a:r>
+            <a:r>
+              <a:rPr sz="1000" spc="-15" dirty="0">
+                <a:solidFill>
+                  <a:srgbClr val="020302"/>
+                </a:solidFill>
+                <a:latin typeface="AdobeClean-Light"/>
+                <a:cs typeface="AdobeClean-Light"/>
+              </a:rPr>
+              <a:t>chat </a:t>
+            </a:r>
+            <a:r>
+              <a:rPr sz="1000" spc="-10" dirty="0">
+                <a:solidFill>
+                  <a:srgbClr val="020302"/>
+                </a:solidFill>
+                <a:latin typeface="AdobeClean-Light"/>
+                <a:cs typeface="AdobeClean-Light"/>
+              </a:rPr>
+              <a:t>session </a:t>
+            </a:r>
+            <a:r>
+              <a:rPr sz="1000" spc="-5" dirty="0">
+                <a:solidFill>
+                  <a:srgbClr val="020302"/>
+                </a:solidFill>
+                <a:latin typeface="AdobeClean-Light"/>
+                <a:cs typeface="AdobeClean-Light"/>
+              </a:rPr>
+              <a:t>to </a:t>
+            </a:r>
+            <a:r>
+              <a:rPr sz="1000" spc="-10" dirty="0">
+                <a:solidFill>
+                  <a:srgbClr val="020302"/>
+                </a:solidFill>
+                <a:latin typeface="AdobeClean-Light"/>
+                <a:cs typeface="AdobeClean-Light"/>
+              </a:rPr>
+              <a:t>get </a:t>
+            </a:r>
+            <a:r>
+              <a:rPr sz="1000" spc="-20" dirty="0">
+                <a:solidFill>
+                  <a:srgbClr val="020302"/>
+                </a:solidFill>
+                <a:latin typeface="AdobeClean-Light"/>
+                <a:cs typeface="AdobeClean-Light"/>
+              </a:rPr>
+              <a:t>answers</a:t>
+            </a:r>
+            <a:r>
+              <a:rPr lang="en-US" sz="1000" spc="-45" dirty="0">
+                <a:solidFill>
+                  <a:srgbClr val="020302"/>
+                </a:solidFill>
+                <a:latin typeface="AdobeClean-Light"/>
+                <a:cs typeface="AdobeClean-Light"/>
+              </a:rPr>
+              <a:t> </a:t>
+            </a:r>
+            <a:r>
+              <a:rPr lang="en-US" sz="1000" dirty="0">
+                <a:solidFill>
+                  <a:srgbClr val="020302"/>
+                </a:solidFill>
+                <a:latin typeface="AdobeClean-Light"/>
+                <a:cs typeface="AdobeClean-Light"/>
+              </a:rPr>
+              <a:t>&amp; </a:t>
+            </a:r>
+            <a:r>
+              <a:rPr sz="1000" spc="-15" dirty="0">
+                <a:solidFill>
+                  <a:srgbClr val="020302"/>
+                </a:solidFill>
+                <a:latin typeface="AdobeClean-Light"/>
+                <a:cs typeface="AdobeClean-Light"/>
+              </a:rPr>
+              <a:t>help </a:t>
+            </a:r>
+            <a:r>
+              <a:rPr sz="1000" spc="-10" dirty="0">
+                <a:solidFill>
+                  <a:srgbClr val="020302"/>
+                </a:solidFill>
+                <a:latin typeface="AdobeClean-Light"/>
+                <a:cs typeface="AdobeClean-Light"/>
+              </a:rPr>
+              <a:t>with</a:t>
+            </a:r>
+            <a:r>
+              <a:rPr sz="1000" spc="85" dirty="0">
+                <a:solidFill>
+                  <a:srgbClr val="020302"/>
+                </a:solidFill>
+                <a:latin typeface="AdobeClean-Light"/>
+                <a:cs typeface="AdobeClean-Light"/>
+              </a:rPr>
+              <a:t> </a:t>
+            </a:r>
+            <a:r>
+              <a:rPr sz="1000" spc="-10" dirty="0">
+                <a:solidFill>
+                  <a:srgbClr val="020302"/>
+                </a:solidFill>
+                <a:latin typeface="AdobeClean-Light"/>
+                <a:cs typeface="AdobeClean-Light"/>
+              </a:rPr>
+              <a:t>case </a:t>
+            </a:r>
+            <a:r>
+              <a:rPr sz="1000" spc="-20">
+                <a:solidFill>
+                  <a:srgbClr val="020302"/>
+                </a:solidFill>
+                <a:latin typeface="AdobeClean-Light"/>
+                <a:cs typeface="AdobeClean-Light"/>
+              </a:rPr>
+              <a:t>submission</a:t>
+            </a:r>
+            <a:r>
+              <a:rPr lang="en-US" sz="1000" spc="-20">
+                <a:solidFill>
+                  <a:srgbClr val="020302"/>
+                </a:solidFill>
+                <a:latin typeface="AdobeClean-Light"/>
+                <a:cs typeface="AdobeClean-Light"/>
+              </a:rPr>
+              <a:t>.</a:t>
             </a:r>
           </a:p>
           <a:p>
             <a:pPr marL="33020" marR="159385">
-              <a:lnSpc>
-                <a:spcPct val="100000"/>
-              </a:lnSpc>
               <a:spcBef>
                 <a:spcPts val="100"/>
               </a:spcBef>
@@ -7242,25 +8661,49 @@
               </a:tabLst>
             </a:pPr>
             <a:r>
-              <a:rPr lang="it-IT" sz="1000" i="1" dirty="0">
+              <a:rPr sz="1000" i="1" spc="-10" dirty="0">
                 <a:solidFill>
                   <a:srgbClr val="7A7A7A"/>
                 </a:solidFill>
                 <a:latin typeface="AdobeClean-LightIt"/>
                 <a:cs typeface="AdobeClean-LightIt"/>
               </a:rPr>
-              <a:t>* Il supporto chat in diretta non è disponibile per tutti i prodotti</a:t>
-            </a:r>
-            <a:r>
-              <a:rPr lang="it-IT" sz="900" i="1" dirty="0">
+              <a:t>*Not all </a:t>
+            </a:r>
+            <a:r>
+              <a:rPr sz="1000" i="1" spc="-20" dirty="0">
                 <a:solidFill>
                   <a:srgbClr val="7A7A7A"/>
                 </a:solidFill>
                 <a:latin typeface="AdobeClean-LightIt"/>
                 <a:cs typeface="AdobeClean-LightIt"/>
               </a:rPr>
-              <a:t>.  </a:t>
-            </a:r>
+              <a:t>products have live chat support</a:t>
+            </a:r>
+            <a:r>
+              <a:rPr sz="900" i="1" spc="-20" dirty="0">
+                <a:solidFill>
+                  <a:srgbClr val="7A7A7A"/>
+                </a:solidFill>
+                <a:latin typeface="AdobeClean-LightIt"/>
+                <a:cs typeface="AdobeClean-LightIt"/>
+              </a:rPr>
+              <a:t>.</a:t>
+            </a:r>
+            <a:r>
+              <a:rPr lang="en-US" sz="900" i="1" spc="-20" dirty="0">
+                <a:solidFill>
+                  <a:srgbClr val="7A7A7A"/>
+                </a:solidFill>
+                <a:latin typeface="AdobeClean-LightIt"/>
+                <a:cs typeface="AdobeClean-LightIt"/>
+              </a:rPr>
+              <a:t>  </a:t>
+            </a:r>
+            <a:endParaRPr sz="900">
+              <a:latin typeface="AdobeClean-Light"/>
+              <a:cs typeface="AdobeClean-Light"/>
+            </a:endParaRPr>
           </a:p>
         </p:txBody>
       </p:sp>
@@ -7307,12 +8750,12 @@
               <a:defRPr/>
             </a:pPr>
             <a:r>
-              <a:rPr lang="it-IT" sz="1200">
+              <a:rPr lang="en-US" sz="1200">
                 <a:solidFill>
                   <a:srgbClr val="000000"/>
                 </a:solidFill>
               </a:rPr>
-              <a:t>Forum della community</a:t>
+              <a:t>Community Forums</a:t>
             </a:r>
           </a:p>
         </p:txBody>
@@ -7355,12 +8798,12 @@
               </a:spcAft>
             </a:pPr>
             <a:r>
-              <a:rPr lang="it-IT" sz="1200" b="1">
+              <a:rPr lang="en-US" sz="1200" b="1">
                 <a:latin typeface="+mj-lt"/>
                 <a:ea typeface="Open Sans" pitchFamily="34" charset="0"/>
                 <a:cs typeface="Open Sans" pitchFamily="34" charset="0"/>
               </a:rPr>
-              <a:t>Forum online</a:t>
+              <a:t>Online Forums</a:t>
             </a:r>
           </a:p>
         </p:txBody>
@@ -7387,20 +8830,26 @@
           </a:prstGeom>
         </p:spPr>
         <p:txBody>
-          <a:bodyPr vert="horz" wrap="square" lIns="0" tIns="35560" rIns="0" bIns="0" rtlCol="0">
+          <a:bodyPr vert="horz" wrap="square" lIns="0" tIns="35560" rIns="0" bIns="0" rtlCol="0" anchor="t">
             <a:spAutoFit/>
           </a:bodyPr>
           <a:lstStyle/>
           <a:p>
             <a:r>
-              <a:rPr lang="it-IT" sz="1000" dirty="0">
+              <a:rPr lang="en-US" sz="1000" dirty="0">
                 <a:solidFill>
                   <a:srgbClr val="4B4B4B"/>
                 </a:solidFill>
-                <a:latin typeface="Adobe Clean Light" panose="020B0303020404020204" pitchFamily="34" charset="0"/>
-              </a:rPr>
-              <a:t>Accesso online continuo a un database in continua crescita di soluzioni tecniche, documentazione del prodotto, risposte alle domande più frequenti e altro ancora. Possibilità di relazionarsi con professionisti e altri clienti della Community Adobe per condividere best practice ed esperienze.</a:t>
-            </a:r>
+                <a:latin typeface="Adobe Clean Light"/>
+              </a:rPr>
+              <a:t>Continuous online access to a growing database of technical solutions, product documentation, FAQs and more. Connect with practitioners and other customers on Adobe Community to share best practices and lessons learned.</a:t>
+            </a:r>
+            <a:endParaRPr lang="en-US" sz="1000" dirty="0">
+              <a:solidFill>
+                <a:srgbClr val="4B4B4B"/>
+              </a:solidFill>
+              <a:latin typeface="Adobe Clean Light" panose="020B0303020404020204" pitchFamily="34" charset="0"/>
+            </a:endParaRPr>
           </a:p>
         </p:txBody>
       </p:sp>
@@ -7447,7 +8896,7 @@
               <a:defRPr/>
             </a:pPr>
             <a:r>
-              <a:rPr lang="it-IT" sz="1200">
+              <a:rPr lang="en-US" sz="1200">
                 <a:solidFill>
                   <a:srgbClr val="000000"/>
                 </a:solidFill>
@@ -7495,12 +8944,12 @@
               </a:spcAft>
             </a:pPr>
             <a:r>
-              <a:rPr lang="it-IT" sz="1200" b="1">
+              <a:rPr lang="en-US" sz="1200" b="1">
                 <a:latin typeface="+mj-lt"/>
                 <a:ea typeface="Open Sans" pitchFamily="34" charset="0"/>
                 <a:cs typeface="Open Sans" pitchFamily="34" charset="0"/>
               </a:rPr>
-              <a:t>Percorsi autoguidati</a:t>
+              <a:t>Self-guided Journeys</a:t>
             </a:r>
           </a:p>
         </p:txBody>
@@ -7519,28 +8968,34 @@
         </p:nvSpPr>
         <p:spPr>
           <a:xfrm>
-            <a:off x="5265660" y="7060285"/>
-            <a:ext cx="2506739" cy="1267014"/>
+            <a:off x="5265661" y="7060285"/>
+            <a:ext cx="2194560" cy="1113125"/>
           </a:xfrm>
           <a:prstGeom prst="rect">
             <a:avLst/>
           </a:prstGeom>
         </p:spPr>
         <p:txBody>
-          <a:bodyPr vert="horz" wrap="square" lIns="0" tIns="35560" rIns="0" bIns="0" rtlCol="0">
+          <a:bodyPr vert="horz" wrap="square" lIns="0" tIns="35560" rIns="0" bIns="0" rtlCol="0" anchor="t">
             <a:spAutoFit/>
           </a:bodyPr>
           <a:lstStyle/>
           <a:p>
             <a:r>
-              <a:rPr lang="it-IT" sz="1000" dirty="0">
+              <a:rPr lang="en-US" sz="1000" dirty="0">
                 <a:solidFill>
                   <a:srgbClr val="4B4B4B"/>
                 </a:solidFill>
-                <a:latin typeface="Adobe Clean Light" panose="020B0303020404020204" pitchFamily="34" charset="0"/>
-              </a:rPr>
-              <a:t>Diventa un Experience Maker con Experience League. Puoi acquisire rapidamente le capacità necessarie nella gestione della customer experience seguendo un percorso di apprendimento personalizzato per sviluppare nuove competenze, partecipare a una comunità globale di professionisti e guadagnare riconoscimenti di valore sul piano professionale.</a:t>
-            </a:r>
+                <a:latin typeface="Adobe Clean Light"/>
+              </a:rPr>
+              <a:t>Experience Makers are made with Experience League. Customers can kickstart their Customer Experience Management abilities with personalized learning to develop skills, engage with a global community of peers, and earn career advancing recognition.</a:t>
+            </a:r>
+            <a:endParaRPr lang="en-US" sz="1000" dirty="0">
+              <a:solidFill>
+                <a:srgbClr val="4B4B4B"/>
+              </a:solidFill>
+              <a:latin typeface="Adobe Clean Light" panose="020B0303020404020204" pitchFamily="34" charset="0"/>
+            </a:endParaRPr>
           </a:p>
         </p:txBody>
       </p:sp>
@@ -7587,12 +9042,12 @@
               <a:defRPr/>
             </a:pPr>
             <a:r>
-              <a:rPr lang="it-IT" sz="1200">
+              <a:rPr lang="en-US" sz="1200">
                 <a:solidFill>
                   <a:srgbClr val="000000"/>
                 </a:solidFill>
               </a:rPr>
-              <a:t>Supporto chat in diretta*</a:t>
+              <a:t>Live Chat  Support*</a:t>
             </a:r>
           </a:p>
         </p:txBody>
@@ -7635,12 +9090,12 @@
               </a:spcAft>
             </a:pPr>
             <a:r>
-              <a:rPr lang="it-IT" sz="1200" b="1">
+              <a:rPr lang="en-US" sz="1200" b="1">
                 <a:latin typeface="+mj-lt"/>
                 <a:ea typeface="Open Sans" pitchFamily="34" charset="0"/>
                 <a:cs typeface="Open Sans" pitchFamily="34" charset="0"/>
               </a:rPr>
-              <a:t>Supporto chat</a:t>
+              <a:t>Chat Support</a:t>
             </a:r>
           </a:p>
         </p:txBody>
@@ -7688,12 +9143,12 @@
               <a:defRPr/>
             </a:pPr>
             <a:r>
-              <a:rPr lang="it-IT" sz="1200">
+              <a:rPr lang="en-US" sz="1200">
                 <a:solidFill>
                   <a:srgbClr val="000000"/>
                 </a:solidFill>
               </a:rPr>
-              <a:t>24x7 P1 </a:t>
+              <a:t>24X7 P1 </a:t>
             </a:r>
           </a:p>
         </p:txBody>
@@ -7736,12 +9191,12 @@
               </a:spcAft>
             </a:pPr>
             <a:r>
-              <a:rPr lang="it-IT" sz="1200" b="1">
+              <a:rPr lang="en-US" sz="1200" b="1">
                 <a:latin typeface="+mj-lt"/>
                 <a:ea typeface="Open Sans" pitchFamily="34" charset="0"/>
                 <a:cs typeface="Open Sans" pitchFamily="34" charset="0"/>
               </a:rPr>
-              <a:t>Supporto telefonico</a:t>
+              <a:t>Phone  Support</a:t>
             </a:r>
           </a:p>
         </p:txBody>
@@ -7774,29 +9229,35 @@
           <a:lstStyle/>
           <a:p>
             <a:r>
-              <a:rPr lang="it-IT" sz="1000">
+              <a:rPr lang="en-US" sz="1000">
                 <a:solidFill>
                   <a:srgbClr val="020302"/>
                 </a:solidFill>
                 <a:latin typeface="AdobeClean-Light"/>
               </a:rPr>
-              <a:t>Gli utenti autorizzati o i </a:t>
-            </a:r>
-            <a:r>
-              <a:rPr lang="it-IT" sz="1000" b="1">
+              <a:t>Authorized users or </a:t>
+            </a:r>
+            <a:r>
+              <a:rPr lang="en-US" sz="1000" b="1">
                 <a:solidFill>
                   <a:srgbClr val="020302"/>
                 </a:solidFill>
                 <a:latin typeface="AdobeClean-Light"/>
               </a:rPr>
-              <a:t>contatti interni per il supporto</a:t>
-            </a:r>
-            <a:r>
-              <a:rPr lang="it-IT" sz="1000">
+              <a:t>Named Support Contacts </a:t>
+            </a:r>
+            <a:r>
+              <a:rPr lang="en-US" sz="1000">
                 <a:latin typeface="Adobe Clean Light" panose="020B0303020404020204" pitchFamily="34" charset="0"/>
               </a:rPr>
-              <a:t> possono segnalare i problemi tramite tutti i canali disponibili (compreso il supporto telefonico per casi P1) e interagire con il team Adobe di assistenza tecnica per conto della tua azienda. </a:t>
-            </a:r>
+              <a:t>can submit issues through all available  channels (including phone for P1) and interact with our technical support team on behalf of your company. </a:t>
+            </a:r>
+            <a:endParaRPr lang="en-US" sz="1000">
+              <a:solidFill>
+                <a:srgbClr val="000000"/>
+              </a:solidFill>
+              <a:latin typeface="Adobe Clean Light" panose="020B0303020404020204" pitchFamily="34" charset="0"/>
+            </a:endParaRPr>
           </a:p>
         </p:txBody>
       </p:sp>
@@ -7884,15 +9345,19 @@
               </a:spcBef>
             </a:pPr>
             <a:r>
-              <a:rPr lang="it-IT" sz="1400" b="1">
-                <a:solidFill>
-                  <a:srgbClr val="020302"/>
-                </a:solidFill>
-                <a:latin typeface="Adobe Clean"/>
-                <a:cs typeface="Adobe Clean"/>
-              </a:rPr>
-              <a:t>Caratteristiche del supporto online</a:t>
-            </a:r>
+              <a:rPr lang="en-US" sz="1400" b="1" spc="-10">
+                <a:solidFill>
+                  <a:srgbClr val="020302"/>
+                </a:solidFill>
+                <a:latin typeface="Adobe Clean"/>
+                <a:cs typeface="Adobe Clean"/>
+              </a:rPr>
+              <a:t>Online Support Features</a:t>
+            </a:r>
+            <a:endParaRPr lang="en-US" sz="1400">
+              <a:latin typeface="Adobe Clean"/>
+              <a:cs typeface="Adobe Clean"/>
+            </a:endParaRPr>
           </a:p>
         </p:txBody>
       </p:sp>
@@ -7939,7 +9404,7 @@
               <a:defRPr/>
             </a:pPr>
             <a:r>
-              <a:rPr lang="it-IT" sz="1200">
+              <a:rPr lang="en-US" sz="1200">
                 <a:solidFill>
                   <a:srgbClr val="000000"/>
                 </a:solidFill>
@@ -7987,12 +9452,12 @@
               </a:spcAft>
             </a:pPr>
             <a:r>
-              <a:rPr lang="it-IT" sz="1200" b="1">
+              <a:rPr lang="en-US" sz="1200" b="1">
                 <a:latin typeface="+mj-lt"/>
                 <a:ea typeface="Open Sans" pitchFamily="34" charset="0"/>
                 <a:cs typeface="Open Sans" pitchFamily="34" charset="0"/>
               </a:rPr>
-              <a:t>Webinar</a:t>
+              <a:t>Webinars</a:t>
             </a:r>
           </a:p>
         </p:txBody>
@@ -8011,8 +9476,8 @@
         </p:nvSpPr>
         <p:spPr>
           <a:xfrm>
-            <a:off x="355867" y="8986613"/>
-            <a:ext cx="2480131" cy="805349"/>
+            <a:off x="355868" y="8986613"/>
+            <a:ext cx="2194560" cy="805349"/>
           </a:xfrm>
           <a:prstGeom prst="rect">
             <a:avLst/>
@@ -8025,13 +9490,13 @@
           <a:lstStyle/>
           <a:p>
             <a:r>
-              <a:rPr lang="it-IT" sz="1000" dirty="0">
+              <a:rPr lang="en-US" sz="1000">
                 <a:solidFill>
                   <a:srgbClr val="4B4B4B"/>
                 </a:solidFill>
                 <a:latin typeface="Adobe Clean Light" panose="020B0303020404020204" pitchFamily="34" charset="0"/>
               </a:rPr>
-              <a:t>Le sessioni Office Hours, guidate dal team di Assistenza clienti di Adobe, sono pensate per informare e aiutare i partecipanti a risolvere eventuali problemi e forniscono suggerimenti utili per ottenere il massimo dalle soluzioni Adobe. </a:t>
+              <a:t>Office Hours led by the Adobe Customer Support team includes sessions designed to inform as well as help participants troubleshoot problems and provide tips and tricks for success with Adobe solutions. </a:t>
             </a:r>
           </a:p>
         </p:txBody>
@@ -8079,12 +9544,12 @@
               <a:defRPr/>
             </a:pPr>
             <a:r>
-              <a:rPr lang="it-IT" sz="1200">
+              <a:rPr lang="en-US" sz="1200">
                 <a:solidFill>
                   <a:srgbClr val="000000"/>
                 </a:solidFill>
               </a:rPr>
-              <a:t>Portali di assistenza autonoma</a:t>
+              <a:t>Self-help Portals</a:t>
             </a:r>
           </a:p>
         </p:txBody>
@@ -8127,12 +9592,12 @@
               </a:spcAft>
             </a:pPr>
             <a:r>
-              <a:rPr lang="it-IT" sz="1200" b="1">
+              <a:rPr lang="en-US" sz="1200" b="1">
                 <a:latin typeface="+mj-lt"/>
                 <a:ea typeface="Open Sans" pitchFamily="34" charset="0"/>
                 <a:cs typeface="Open Sans" pitchFamily="34" charset="0"/>
               </a:rPr>
-              <a:t>Portale di supporto 24/7</a:t>
+              <a:t>24/7 Support Portal</a:t>
             </a:r>
           </a:p>
         </p:txBody>
@@ -8165,13 +9630,30 @@
           <a:lstStyle/>
           <a:p>
             <a:r>
-              <a:rPr lang="it-IT" sz="1000" dirty="0">
+              <a:rPr lang="en-US" sz="1000">
                 <a:solidFill>
                   <a:srgbClr val="4B4B4B"/>
                 </a:solidFill>
                 <a:latin typeface="Adobe Clean Light" panose="020B0303020404020204" pitchFamily="34" charset="0"/>
               </a:rPr>
-              <a:t>Accesso on-demand al portale di assistenza autonoma per inviare richieste di supporto, esaminare lo stato dei casi e sfogliare altre risorse, come la knowledge base, notizie e avvisi, suggerimenti e altro ancora.</a:t>
+              <a:t>On-demand access to the online </a:t>
+            </a:r>
+            <a:br>
+              <a:rPr lang="en-US" sz="1000">
+                <a:solidFill>
+                  <a:srgbClr val="4B4B4B"/>
+                </a:solidFill>
+                <a:latin typeface="Adobe Clean Light" panose="020B0303020404020204" pitchFamily="34" charset="0"/>
+              </a:rPr>
+            </a:br>
+            <a:r>
+              <a:rPr lang="en-US" sz="1000">
+                <a:solidFill>
+                  <a:srgbClr val="4B4B4B"/>
+                </a:solidFill>
+                <a:latin typeface="Adobe Clean Light" panose="020B0303020404020204" pitchFamily="34" charset="0"/>
+              </a:rPr>
+              <a:t>Self-help Support Portal to submit support requests, review case status, and browse other resources, like our knowledgebase, news and alerts, featured tips, and more.</a:t>
             </a:r>
           </a:p>
         </p:txBody>
@@ -8305,8 +9787,36 @@
               </a:spcBef>
             </a:pPr>
             <a:r>
-              <a:rPr lang="it-IT"/>
-              <a:t>©2021 Adobe. All Rights Reserved. Adobe Confidential.</a:t>
+              <a:rPr lang="en-US" spc="-10"/>
+              <a:t>©2021</a:t>
+            </a:r>
+            <a:r>
+              <a:rPr lang="en-US" spc="-5"/>
+              <a:t> Adobe. All</a:t>
+            </a:r>
+            <a:r>
+              <a:rPr lang="en-US" spc="-10"/>
+              <a:t> Rights</a:t>
+            </a:r>
+            <a:r>
+              <a:rPr lang="en-US" spc="-5"/>
+              <a:t> </a:t>
+            </a:r>
+            <a:r>
+              <a:rPr lang="en-US" spc="-10"/>
+              <a:t>Reserved.</a:t>
+            </a:r>
+            <a:r>
+              <a:rPr lang="en-US" spc="-5"/>
+              <a:t> Adobe</a:t>
+            </a:r>
+            <a:r>
+              <a:rPr lang="en-US" spc="60"/>
+              <a:t> </a:t>
+            </a:r>
+            <a:r>
+              <a:rPr lang="en-US" spc="-10"/>
+              <a:t>Confidential.</a:t>
             </a:r>
           </a:p>
         </p:txBody>
@@ -8395,15 +9905,19 @@
               </a:spcBef>
             </a:pPr>
             <a:r>
-              <a:rPr lang="it-IT" sz="1400" b="1">
-                <a:solidFill>
-                  <a:srgbClr val="020302"/>
-                </a:solidFill>
-                <a:latin typeface="Adobe Clean"/>
-                <a:cs typeface="Adobe Clean"/>
-              </a:rPr>
-              <a:t>Caratteristiche del supporto Enterprise</a:t>
-            </a:r>
+              <a:rPr lang="en-US" sz="1400" b="1" spc="-10">
+                <a:solidFill>
+                  <a:srgbClr val="020302"/>
+                </a:solidFill>
+                <a:latin typeface="Adobe Clean"/>
+                <a:cs typeface="Adobe Clean"/>
+              </a:rPr>
+              <a:t>Enterprise Support Features</a:t>
+            </a:r>
+            <a:endParaRPr lang="en-US" sz="1400">
+              <a:latin typeface="Adobe Clean"/>
+              <a:cs typeface="Adobe Clean"/>
+            </a:endParaRPr>
           </a:p>
         </p:txBody>
       </p:sp>
@@ -8422,7 +9936,7 @@
         <p:spPr>
           <a:xfrm>
             <a:off x="689237" y="2603192"/>
-            <a:ext cx="1653911" cy="197490"/>
+            <a:ext cx="1555491" cy="197490"/>
           </a:xfrm>
           <a:prstGeom prst="rect">
             <a:avLst/>
@@ -8443,15 +9957,199 @@
               </a:spcBef>
             </a:pPr>
             <a:r>
-              <a:rPr lang="it-IT" sz="1200" b="1" dirty="0">
-                <a:solidFill>
-                  <a:srgbClr val="020302"/>
-                </a:solidFill>
-                <a:latin typeface="Adobe Clean"/>
-                <a:cs typeface="Adobe Clean"/>
-              </a:rPr>
-              <a:t>Gestione delle escalation</a:t>
-            </a:r>
+              <a:rPr sz="1200" b="1" spc="-25">
+                <a:solidFill>
+                  <a:srgbClr val="020302"/>
+                </a:solidFill>
+                <a:latin typeface="Adobe Clean"/>
+                <a:cs typeface="Adobe Clean"/>
+              </a:rPr>
+              <a:t>E</a:t>
+            </a:r>
+            <a:r>
+              <a:rPr sz="1200" b="1" spc="-20">
+                <a:solidFill>
+                  <a:srgbClr val="020302"/>
+                </a:solidFill>
+                <a:latin typeface="Adobe Clean"/>
+                <a:cs typeface="Adobe Clean"/>
+              </a:rPr>
+              <a:t>s</a:t>
+            </a:r>
+            <a:r>
+              <a:rPr sz="1200" b="1" spc="-30">
+                <a:solidFill>
+                  <a:srgbClr val="020302"/>
+                </a:solidFill>
+                <a:latin typeface="Adobe Clean"/>
+                <a:cs typeface="Adobe Clean"/>
+              </a:rPr>
+              <a:t>c</a:t>
+            </a:r>
+            <a:r>
+              <a:rPr sz="1200" b="1" spc="-20">
+                <a:solidFill>
+                  <a:srgbClr val="020302"/>
+                </a:solidFill>
+                <a:latin typeface="Adobe Clean"/>
+                <a:cs typeface="Adobe Clean"/>
+              </a:rPr>
+              <a:t>a</a:t>
+            </a:r>
+            <a:r>
+              <a:rPr sz="1200" b="1" spc="-25">
+                <a:solidFill>
+                  <a:srgbClr val="020302"/>
+                </a:solidFill>
+                <a:latin typeface="Adobe Clean"/>
+                <a:cs typeface="Adobe Clean"/>
+              </a:rPr>
+              <a:t>l</a:t>
+            </a:r>
+            <a:r>
+              <a:rPr sz="1200" b="1" spc="-20">
+                <a:solidFill>
+                  <a:srgbClr val="020302"/>
+                </a:solidFill>
+                <a:latin typeface="Adobe Clean"/>
+                <a:cs typeface="Adobe Clean"/>
+              </a:rPr>
+              <a:t>a</a:t>
+            </a:r>
+            <a:r>
+              <a:rPr sz="1200" b="1" spc="-25">
+                <a:solidFill>
+                  <a:srgbClr val="020302"/>
+                </a:solidFill>
+                <a:latin typeface="Adobe Clean"/>
+                <a:cs typeface="Adobe Clean"/>
+              </a:rPr>
+              <a:t>t</a:t>
+            </a:r>
+            <a:r>
+              <a:rPr sz="1200" b="1" spc="-20">
+                <a:solidFill>
+                  <a:srgbClr val="020302"/>
+                </a:solidFill>
+                <a:latin typeface="Adobe Clean"/>
+                <a:cs typeface="Adobe Clean"/>
+              </a:rPr>
+              <a:t>i</a:t>
+            </a:r>
+            <a:r>
+              <a:rPr sz="1200" b="1" spc="-15">
+                <a:solidFill>
+                  <a:srgbClr val="020302"/>
+                </a:solidFill>
+                <a:latin typeface="Adobe Clean"/>
+                <a:cs typeface="Adobe Clean"/>
+              </a:rPr>
+              <a:t>o</a:t>
+            </a:r>
+            <a:r>
+              <a:rPr sz="1200" b="1">
+                <a:solidFill>
+                  <a:srgbClr val="020302"/>
+                </a:solidFill>
+                <a:latin typeface="Adobe Clean"/>
+                <a:cs typeface="Adobe Clean"/>
+              </a:rPr>
+              <a:t>n</a:t>
+            </a:r>
+            <a:r>
+              <a:rPr sz="1200" b="1" spc="-55">
+                <a:solidFill>
+                  <a:srgbClr val="020302"/>
+                </a:solidFill>
+                <a:latin typeface="Adobe Clean"/>
+                <a:cs typeface="Adobe Clean"/>
+              </a:rPr>
+              <a:t> </a:t>
+            </a:r>
+            <a:r>
+              <a:rPr sz="1200" b="1" spc="-35">
+                <a:solidFill>
+                  <a:srgbClr val="020302"/>
+                </a:solidFill>
+                <a:latin typeface="Adobe Clean"/>
+                <a:cs typeface="Adobe Clean"/>
+              </a:rPr>
+              <a:t>M</a:t>
+            </a:r>
+            <a:r>
+              <a:rPr sz="1200" b="1" spc="-25">
+                <a:solidFill>
+                  <a:srgbClr val="020302"/>
+                </a:solidFill>
+                <a:latin typeface="Adobe Clean"/>
+                <a:cs typeface="Adobe Clean"/>
+              </a:rPr>
+              <a:t>a</a:t>
+            </a:r>
+            <a:r>
+              <a:rPr sz="1200" b="1" spc="-30">
+                <a:solidFill>
+                  <a:srgbClr val="020302"/>
+                </a:solidFill>
+                <a:latin typeface="Adobe Clean"/>
+                <a:cs typeface="Adobe Clean"/>
+              </a:rPr>
+              <a:t>n</a:t>
+            </a:r>
+            <a:r>
+              <a:rPr sz="1200" b="1" spc="-25">
+                <a:solidFill>
+                  <a:srgbClr val="020302"/>
+                </a:solidFill>
+                <a:latin typeface="Adobe Clean"/>
+                <a:cs typeface="Adobe Clean"/>
+              </a:rPr>
+              <a:t>a</a:t>
+            </a:r>
+            <a:r>
+              <a:rPr sz="1200" b="1" spc="-30">
+                <a:solidFill>
+                  <a:srgbClr val="020302"/>
+                </a:solidFill>
+                <a:latin typeface="Adobe Clean"/>
+                <a:cs typeface="Adobe Clean"/>
+              </a:rPr>
+              <a:t>ge</a:t>
+            </a:r>
+            <a:r>
+              <a:rPr sz="1200" b="1" spc="-25">
+                <a:solidFill>
+                  <a:srgbClr val="020302"/>
+                </a:solidFill>
+                <a:latin typeface="Adobe Clean"/>
+                <a:cs typeface="Adobe Clean"/>
+              </a:rPr>
+              <a:t>m</a:t>
+            </a:r>
+            <a:r>
+              <a:rPr sz="1200" b="1" spc="-30">
+                <a:solidFill>
+                  <a:srgbClr val="020302"/>
+                </a:solidFill>
+                <a:latin typeface="Adobe Clean"/>
+                <a:cs typeface="Adobe Clean"/>
+              </a:rPr>
+              <a:t>en</a:t>
+            </a:r>
+            <a:r>
+              <a:rPr sz="1200" b="1">
+                <a:solidFill>
+                  <a:srgbClr val="020302"/>
+                </a:solidFill>
+                <a:latin typeface="Adobe Clean"/>
+                <a:cs typeface="Adobe Clean"/>
+              </a:rPr>
+              <a:t>t</a:t>
+            </a:r>
+            <a:endParaRPr sz="1200">
+              <a:latin typeface="Adobe Clean"/>
+              <a:cs typeface="Adobe Clean"/>
+            </a:endParaRPr>
           </a:p>
         </p:txBody>
       </p:sp>
@@ -8491,31 +10189,18 @@
               </a:spcBef>
             </a:pPr>
             <a:r>
-              <a:rPr lang="it-IT" sz="1000" dirty="0">
+              <a:rPr lang="en-US" sz="1000">
                 <a:solidFill>
                   <a:srgbClr val="4B4B4B"/>
                 </a:solidFill>
                 <a:latin typeface="Adobe Clean Light" panose="020B0303020404020204" pitchFamily="34" charset="0"/>
               </a:rPr>
-              <a:t>Un contatto Adobe dedicato che può fornire assistenza e aggiornamenti regolari in merito ai casi che richiedono escalation, </a:t>
-            </a:r>
-            <a:br>
-              <a:rPr lang="sk-SK" sz="1000" dirty="0">
-                <a:solidFill>
-                  <a:srgbClr val="4B4B4B"/>
-                </a:solidFill>
-                <a:latin typeface="Adobe Clean Light" panose="020B0303020404020204" pitchFamily="34" charset="0"/>
-              </a:rPr>
-            </a:br>
-            <a:r>
-              <a:rPr lang="it-IT" sz="1000" dirty="0">
-                <a:solidFill>
-                  <a:srgbClr val="4B4B4B"/>
-                </a:solidFill>
-                <a:latin typeface="Adobe Clean Light" panose="020B0303020404020204" pitchFamily="34" charset="0"/>
-              </a:rPr>
-              <a:t>e assicurarsi che venga data priorità alle richieste di supporto aperte più critiche.</a:t>
-            </a:r>
+              <a:t>A designated point of contact within Adobe who can provide escalation assistance, regular updates and ensure priority is given to your most critical open support requests.</a:t>
+            </a:r>
+            <a:endParaRPr sz="1000">
+              <a:latin typeface="Adobe Clean Light" panose="020B0303020404020204" pitchFamily="34" charset="0"/>
+              <a:cs typeface="AdobeClean-Light"/>
+            </a:endParaRPr>
           </a:p>
         </p:txBody>
       </p:sp>
@@ -8533,8 +10218,8 @@
         </p:nvSpPr>
         <p:spPr>
           <a:xfrm>
-            <a:off x="3201544" y="2592994"/>
-            <a:ext cx="1629948" cy="197490"/>
+            <a:off x="3201544" y="2592995"/>
+            <a:ext cx="1036205" cy="197490"/>
           </a:xfrm>
           <a:prstGeom prst="rect">
             <a:avLst/>
@@ -8555,15 +10240,149 @@
               </a:spcBef>
             </a:pPr>
             <a:r>
-              <a:rPr lang="it-IT" sz="1200" b="1">
-                <a:solidFill>
-                  <a:srgbClr val="020302"/>
-                </a:solidFill>
-                <a:latin typeface="Adobe Clean"/>
-                <a:cs typeface="Adobe Clean"/>
-              </a:rPr>
-              <a:t>Valutazione dei servizi</a:t>
-            </a:r>
+              <a:rPr sz="1200" b="1" spc="-20">
+                <a:solidFill>
+                  <a:srgbClr val="020302"/>
+                </a:solidFill>
+                <a:latin typeface="Adobe Clean"/>
+                <a:cs typeface="Adobe Clean"/>
+              </a:rPr>
+              <a:t>S</a:t>
+            </a:r>
+            <a:r>
+              <a:rPr sz="1200" b="1" spc="-25">
+                <a:solidFill>
+                  <a:srgbClr val="020302"/>
+                </a:solidFill>
+                <a:latin typeface="Adobe Clean"/>
+                <a:cs typeface="Adobe Clean"/>
+              </a:rPr>
+              <a:t>e</a:t>
+            </a:r>
+            <a:r>
+              <a:rPr sz="1200" b="1" spc="-20">
+                <a:solidFill>
+                  <a:srgbClr val="020302"/>
+                </a:solidFill>
+                <a:latin typeface="Adobe Clean"/>
+                <a:cs typeface="Adobe Clean"/>
+              </a:rPr>
+              <a:t>r</a:t>
+            </a:r>
+            <a:r>
+              <a:rPr sz="1200" b="1" spc="-25">
+                <a:solidFill>
+                  <a:srgbClr val="020302"/>
+                </a:solidFill>
+                <a:latin typeface="Adobe Clean"/>
+                <a:cs typeface="Adobe Clean"/>
+              </a:rPr>
+              <a:t>v</a:t>
+            </a:r>
+            <a:r>
+              <a:rPr sz="1200" b="1" spc="-20">
+                <a:solidFill>
+                  <a:srgbClr val="020302"/>
+                </a:solidFill>
+                <a:latin typeface="Adobe Clean"/>
+                <a:cs typeface="Adobe Clean"/>
+              </a:rPr>
+              <a:t>i</a:t>
+            </a:r>
+            <a:r>
+              <a:rPr sz="1200" b="1" spc="-30">
+                <a:solidFill>
+                  <a:srgbClr val="020302"/>
+                </a:solidFill>
+                <a:latin typeface="Adobe Clean"/>
+                <a:cs typeface="Adobe Clean"/>
+              </a:rPr>
+              <a:t>c</a:t>
+            </a:r>
+            <a:r>
+              <a:rPr sz="1200" b="1">
+                <a:solidFill>
+                  <a:srgbClr val="020302"/>
+                </a:solidFill>
+                <a:latin typeface="Adobe Clean"/>
+                <a:cs typeface="Adobe Clean"/>
+              </a:rPr>
+              <a:t>e</a:t>
+            </a:r>
+            <a:r>
+              <a:rPr sz="1200" b="1" spc="-80">
+                <a:solidFill>
+                  <a:srgbClr val="020302"/>
+                </a:solidFill>
+                <a:latin typeface="Adobe Clean"/>
+                <a:cs typeface="Adobe Clean"/>
+              </a:rPr>
+              <a:t> </a:t>
+            </a:r>
+            <a:r>
+              <a:rPr sz="1200" b="1" spc="-20">
+                <a:solidFill>
+                  <a:srgbClr val="020302"/>
+                </a:solidFill>
+                <a:latin typeface="Adobe Clean"/>
+                <a:cs typeface="Adobe Clean"/>
+              </a:rPr>
+              <a:t>R</a:t>
+            </a:r>
+            <a:r>
+              <a:rPr sz="1200" b="1" spc="-25">
+                <a:solidFill>
+                  <a:srgbClr val="020302"/>
+                </a:solidFill>
+                <a:latin typeface="Adobe Clean"/>
+                <a:cs typeface="Adobe Clean"/>
+              </a:rPr>
+              <a:t>e</a:t>
+            </a:r>
+            <a:r>
+              <a:rPr sz="1200" b="1" spc="-30">
+                <a:solidFill>
+                  <a:srgbClr val="020302"/>
+                </a:solidFill>
+                <a:latin typeface="Adobe Clean"/>
+                <a:cs typeface="Adobe Clean"/>
+              </a:rPr>
+              <a:t>v</a:t>
+            </a:r>
+            <a:r>
+              <a:rPr sz="1200" b="1" spc="-20">
+                <a:solidFill>
+                  <a:srgbClr val="020302"/>
+                </a:solidFill>
+                <a:latin typeface="Adobe Clean"/>
+                <a:cs typeface="Adobe Clean"/>
+              </a:rPr>
+              <a:t>i</a:t>
+            </a:r>
+            <a:r>
+              <a:rPr sz="1200" b="1" spc="-25">
+                <a:solidFill>
+                  <a:srgbClr val="020302"/>
+                </a:solidFill>
+                <a:latin typeface="Adobe Clean"/>
+                <a:cs typeface="Adobe Clean"/>
+              </a:rPr>
+              <a:t>ew</a:t>
+            </a:r>
+            <a:r>
+              <a:rPr sz="1200" b="1">
+                <a:solidFill>
+                  <a:srgbClr val="020302"/>
+                </a:solidFill>
+                <a:latin typeface="Adobe Clean"/>
+                <a:cs typeface="Adobe Clean"/>
+              </a:rPr>
+              <a:t>s</a:t>
+            </a:r>
+            <a:endParaRPr sz="1200">
+              <a:latin typeface="Adobe Clean"/>
+              <a:cs typeface="Adobe Clean"/>
+            </a:endParaRPr>
           </a:p>
         </p:txBody>
       </p:sp>
@@ -8582,7 +10401,7 @@
         <p:spPr>
           <a:xfrm>
             <a:off x="2835999" y="2921585"/>
-            <a:ext cx="2194560" cy="628377"/>
+            <a:ext cx="2194560" cy="474489"/>
           </a:xfrm>
           <a:prstGeom prst="rect">
             <a:avLst/>
@@ -8603,65 +10422,18 @@
               </a:spcBef>
             </a:pPr>
             <a:r>
-              <a:rPr lang="it-IT" sz="1000" dirty="0">
+              <a:rPr lang="en-US" sz="1000">
                 <a:solidFill>
                   <a:srgbClr val="4B4B4B"/>
                 </a:solidFill>
                 <a:latin typeface="Adobe Clean Light" panose="020B0303020404020204" pitchFamily="34" charset="0"/>
               </a:rPr>
-              <a:t>Valutazione semestrale completa dei </a:t>
-            </a:r>
-            <a:br>
-              <a:rPr lang="sk-SK" sz="1000" dirty="0">
-                <a:solidFill>
-                  <a:srgbClr val="4B4B4B"/>
-                </a:solidFill>
-                <a:latin typeface="Adobe Clean Light" panose="020B0303020404020204" pitchFamily="34" charset="0"/>
-              </a:rPr>
-            </a:br>
-            <a:r>
-              <a:rPr lang="it-IT" sz="1000" dirty="0">
-                <a:solidFill>
-                  <a:srgbClr val="4B4B4B"/>
-                </a:solidFill>
-                <a:latin typeface="Adobe Clean Light" panose="020B0303020404020204" pitchFamily="34" charset="0"/>
-              </a:rPr>
-              <a:t>servizi erogati dal programma Enterprise, </a:t>
-            </a:r>
-            <a:br>
-              <a:rPr lang="sk-SK" sz="1000" dirty="0">
-                <a:solidFill>
-                  <a:srgbClr val="4B4B4B"/>
-                </a:solidFill>
-                <a:latin typeface="Adobe Clean Light" panose="020B0303020404020204" pitchFamily="34" charset="0"/>
-              </a:rPr>
-            </a:br>
-            <a:r>
-              <a:rPr lang="it-IT" sz="1000" dirty="0">
-                <a:solidFill>
-                  <a:srgbClr val="4B4B4B"/>
-                </a:solidFill>
-                <a:latin typeface="Adobe Clean Light" panose="020B0303020404020204" pitchFamily="34" charset="0"/>
-              </a:rPr>
-              <a:t>dei vantaggi che offrono e delle metriche </a:t>
-            </a:r>
-            <a:br>
-              <a:rPr lang="sk-SK" sz="1000" dirty="0">
-                <a:solidFill>
-                  <a:srgbClr val="4B4B4B"/>
-                </a:solidFill>
-                <a:latin typeface="Adobe Clean Light" panose="020B0303020404020204" pitchFamily="34" charset="0"/>
-              </a:rPr>
-            </a:br>
-            <a:r>
-              <a:rPr lang="it-IT" sz="1000" dirty="0">
-                <a:solidFill>
-                  <a:srgbClr val="4B4B4B"/>
-                </a:solidFill>
-                <a:latin typeface="Adobe Clean Light" panose="020B0303020404020204" pitchFamily="34" charset="0"/>
-              </a:rPr>
-              <a:t>di adottate.</a:t>
-            </a:r>
+              <a:t>A bi-annual comprehensive review of  Enterprise program services, benefits and support metrics.</a:t>
+            </a:r>
+            <a:endParaRPr sz="1000">
+              <a:latin typeface="Adobe Clean Light" panose="020B0303020404020204" pitchFamily="34" charset="0"/>
+              <a:cs typeface="AdobeClean-Light"/>
+            </a:endParaRPr>
           </a:p>
         </p:txBody>
       </p:sp>
@@ -8701,14 +10473,18 @@
               </a:spcBef>
             </a:pPr>
             <a:r>
-              <a:rPr lang="it-IT" sz="1000">
+              <a:rPr lang="en-US" sz="1000">
                 <a:solidFill>
                   <a:srgbClr val="4B4B4B"/>
                 </a:solidFill>
                 <a:latin typeface="Adobe Clean Light" panose="020B0303020404020204" pitchFamily="34" charset="0"/>
               </a:rPr>
-              <a:t>Una sessione di 60 minuti incentrata su una specifica funzionalità di prodotto e come utilizzarla per risolvere le problematiche più comuni.</a:t>
-            </a:r>
+              <a:t>A 60-minute session focusing on a specific product feature and how it can be utilized to solve common business problems.</a:t>
+            </a:r>
+            <a:endParaRPr sz="1000">
+              <a:latin typeface="Adobe Clean Light" panose="020B0303020404020204" pitchFamily="34" charset="0"/>
+              <a:cs typeface="AdobeClean-Light"/>
+            </a:endParaRPr>
           </a:p>
         </p:txBody>
       </p:sp>
@@ -8734,7 +10510,7 @@
           </a:prstGeom>
         </p:spPr>
         <p:txBody>
-          <a:bodyPr vert="horz" wrap="square" lIns="0" tIns="12700" rIns="0" bIns="0" rtlCol="0">
+          <a:bodyPr vert="horz" wrap="square" lIns="0" tIns="12700" rIns="0" bIns="0" rtlCol="0" anchor="t">
             <a:spAutoFit/>
           </a:bodyPr>
           <a:lstStyle/>
@@ -8748,48 +10524,20 @@
               </a:spcBef>
             </a:pPr>
             <a:r>
-              <a:rPr lang="it-IT" sz="1000" dirty="0">
+              <a:rPr lang="en-US" sz="1000" dirty="0">
                 <a:solidFill>
                   <a:srgbClr val="4B4B4B"/>
                 </a:solidFill>
-                <a:latin typeface="Adobe Clean Light" panose="020B0303020404020204" pitchFamily="34" charset="0"/>
-              </a:rPr>
-              <a:t>Promuovere l’adozione di best practice </a:t>
-            </a:r>
-            <a:br>
-              <a:rPr lang="sk-SK" sz="1000" dirty="0">
-                <a:solidFill>
-                  <a:srgbClr val="4B4B4B"/>
-                </a:solidFill>
-                <a:latin typeface="Adobe Clean Light" panose="020B0303020404020204" pitchFamily="34" charset="0"/>
-              </a:rPr>
-            </a:br>
-            <a:r>
-              <a:rPr lang="it-IT" sz="1000" dirty="0">
-                <a:solidFill>
-                  <a:srgbClr val="4B4B4B"/>
-                </a:solidFill>
-                <a:latin typeface="Adobe Clean Light" panose="020B0303020404020204" pitchFamily="34" charset="0"/>
-              </a:rPr>
-              <a:t>per la personalizzazione e componenti</a:t>
-            </a:r>
-            <a:br>
-              <a:rPr lang="sk-SK" sz="1000" dirty="0">
-                <a:solidFill>
-                  <a:srgbClr val="4B4B4B"/>
-                </a:solidFill>
-                <a:latin typeface="Adobe Clean Light" panose="020B0303020404020204" pitchFamily="34" charset="0"/>
-              </a:rPr>
-            </a:br>
-            <a:r>
-              <a:rPr lang="it-IT" sz="1000" dirty="0">
-                <a:solidFill>
-                  <a:srgbClr val="4B4B4B"/>
-                </a:solidFill>
-                <a:latin typeface="Adobe Clean Light" panose="020B0303020404020204" pitchFamily="34" charset="0"/>
-              </a:rPr>
-              <a:t>core di AEM as a Cloud Service</a:t>
-            </a:r>
+                <a:latin typeface="Adobe Clean Light"/>
+              </a:rPr>
+              <a:t>Drive adoption of customization best practices and core components in AEM as a Cloud Service.</a:t>
+            </a:r>
+            <a:endParaRPr sz="1000" dirty="0">
+              <a:solidFill>
+                <a:srgbClr val="4B4B4B"/>
+              </a:solidFill>
+              <a:latin typeface="Adobe Clean Light" panose="020B0303020404020204" pitchFamily="34" charset="0"/>
+            </a:endParaRPr>
           </a:p>
         </p:txBody>
       </p:sp>
@@ -8815,12 +10563,12 @@
           </a:prstGeom>
         </p:spPr>
         <p:txBody>
-          <a:bodyPr vert="horz" wrap="square" lIns="0" tIns="12700" rIns="0" bIns="0" rtlCol="0">
+          <a:bodyPr vert="horz" wrap="square" lIns="0" tIns="12700" rIns="0" bIns="0" rtlCol="0" anchor="t">
             <a:spAutoFit/>
           </a:bodyPr>
           <a:lstStyle/>
           <a:p>
-            <a:pPr marL="14604" marR="5080" indent="-1905">
+            <a:pPr marL="13970" marR="5080" indent="-1905">
               <a:lnSpc>
                 <a:spcPct val="117000"/>
               </a:lnSpc>
@@ -8829,48 +10577,20 @@
               </a:spcBef>
             </a:pPr>
             <a:r>
-              <a:rPr lang="it-IT" sz="1000" dirty="0">
+              <a:rPr lang="en-US" sz="1000" dirty="0">
                 <a:solidFill>
                   <a:srgbClr val="4B4B4B"/>
                 </a:solidFill>
-                <a:latin typeface="Adobe Clean Light" panose="020B0303020404020204" pitchFamily="34" charset="0"/>
-              </a:rPr>
-              <a:t>Individuare, valutare e fornire raccomandazioni su aree specifiche,</a:t>
-            </a:r>
-            <a:br>
-              <a:rPr lang="sk-SK" sz="1000" dirty="0">
-                <a:solidFill>
-                  <a:srgbClr val="4B4B4B"/>
-                </a:solidFill>
-                <a:latin typeface="Adobe Clean Light" panose="020B0303020404020204" pitchFamily="34" charset="0"/>
-              </a:rPr>
-            </a:br>
-            <a:r>
-              <a:rPr lang="it-IT" sz="1000" dirty="0">
-                <a:solidFill>
-                  <a:srgbClr val="4B4B4B"/>
-                </a:solidFill>
-                <a:latin typeface="Adobe Clean Light" panose="020B0303020404020204" pitchFamily="34" charset="0"/>
-              </a:rPr>
-              <a:t>relative all’adozione delle soluzioni, </a:t>
-            </a:r>
-            <a:br>
-              <a:rPr lang="sk-SK" sz="1000" dirty="0">
-                <a:solidFill>
-                  <a:srgbClr val="4B4B4B"/>
-                </a:solidFill>
-                <a:latin typeface="Adobe Clean Light" panose="020B0303020404020204" pitchFamily="34" charset="0"/>
-              </a:rPr>
-            </a:br>
-            <a:r>
-              <a:rPr lang="it-IT" sz="1000" dirty="0">
-                <a:solidFill>
-                  <a:srgbClr val="4B4B4B"/>
-                </a:solidFill>
-                <a:latin typeface="Adobe Clean Light" panose="020B0303020404020204" pitchFamily="34" charset="0"/>
-              </a:rPr>
-              <a:t>che offrono opportunità di ottimizzazione</a:t>
-            </a:r>
+                <a:latin typeface="Adobe Clean Light"/>
+              </a:rPr>
+              <a:t>Identify, review and provide recommendations on customized solution adoption areas that have opportunities for optimization.</a:t>
+            </a:r>
+            <a:endParaRPr lang="en-US" sz="1000" dirty="0">
+              <a:solidFill>
+                <a:srgbClr val="4B4B4B"/>
+              </a:solidFill>
+              <a:latin typeface="Adobe Clean Light" panose="020B0303020404020204" pitchFamily="34" charset="0"/>
+            </a:endParaRPr>
           </a:p>
         </p:txBody>
       </p:sp>
@@ -8896,7 +10616,7 @@
           </a:prstGeom>
         </p:spPr>
         <p:txBody>
-          <a:bodyPr vert="horz" wrap="square" lIns="0" tIns="12700" rIns="0" bIns="0" rtlCol="0">
+          <a:bodyPr vert="horz" wrap="square" lIns="0" tIns="12700" rIns="0" bIns="0" rtlCol="0" anchor="t">
             <a:spAutoFit/>
           </a:bodyPr>
           <a:lstStyle/>
@@ -8910,14 +10630,20 @@
               </a:spcBef>
             </a:pPr>
             <a:r>
-              <a:rPr lang="it-IT" sz="1000">
+              <a:rPr lang="en-US" sz="1000" dirty="0">
                 <a:solidFill>
                   <a:srgbClr val="4B4B4B"/>
                 </a:solidFill>
-                <a:latin typeface="Adobe Clean Light" panose="020B0303020404020204" pitchFamily="34" charset="0"/>
-              </a:rPr>
-              <a:t>Governance operativa e tecnica per assistere i clienti di AEM as a Cloud Service a rispettare gli standard di settore e le best practice per AEM as a Cloud Service</a:t>
-            </a:r>
+                <a:latin typeface="Adobe Clean Light"/>
+              </a:rPr>
+              <a:t>Technical &amp; operational governance to assist AEM as a Cloud Service Customers in adhering to industry standards and best practices for AEM as a Cloud Service.</a:t>
+            </a:r>
+            <a:endParaRPr sz="1000" dirty="0">
+              <a:solidFill>
+                <a:srgbClr val="4B4B4B"/>
+              </a:solidFill>
+              <a:latin typeface="Adobe Clean Light" panose="020B0303020404020204" pitchFamily="34" charset="0"/>
+            </a:endParaRPr>
           </a:p>
         </p:txBody>
       </p:sp>
@@ -8954,14 +10680,20 @@
               </a:spcBef>
             </a:pPr>
             <a:r>
-              <a:rPr lang="it-IT" sz="1000">
+              <a:rPr lang="en-US" sz="1000" dirty="0">
                 <a:solidFill>
                   <a:srgbClr val="4B4B4B"/>
                 </a:solidFill>
                 <a:latin typeface="Adobe Clean Light" panose="020B0303020404020204" pitchFamily="34" charset="0"/>
               </a:rPr>
-              <a:t>Un tecnico del supporto dedicato che acquisisce familiarità con l’ambiente della soluzione e gli obiettivi di business del cliente. Il Named Support Engineer è un tecnico esperto che aiuta a coordinare la tua esperienza di assistenza Enterprise.</a:t>
-            </a:r>
+              <a:t>A designated support engineer who becomes familiar with your solution environment and business goals. The NSE is an experienced support engineer that helps coordinate your Enterprise Support experience.</a:t>
+            </a:r>
+            <a:endParaRPr lang="en-US" sz="1000" dirty="0">
+              <a:solidFill>
+                <a:srgbClr val="000000"/>
+              </a:solidFill>
+              <a:latin typeface="Adobe Clean Light" panose="020B0303020404020204" pitchFamily="34" charset="0"/>
+            </a:endParaRPr>
           </a:p>
         </p:txBody>
       </p:sp>
@@ -9003,7 +10735,7 @@
               </a:spcAft>
             </a:pPr>
             <a:r>
-              <a:rPr lang="it-IT" sz="1200" b="1">
+              <a:rPr lang="en-US" sz="1200" b="1" spc="-10">
                 <a:solidFill>
                   <a:srgbClr val="020302"/>
                 </a:solidFill>
@@ -9068,7 +10800,7 @@
         <p:spPr>
           <a:xfrm>
             <a:off x="5723508" y="1099976"/>
-            <a:ext cx="1463040" cy="197490"/>
+            <a:ext cx="1036205" cy="197490"/>
           </a:xfrm>
           <a:prstGeom prst="rect">
             <a:avLst/>
@@ -9089,15 +10821,19 @@
               </a:spcBef>
             </a:pPr>
             <a:r>
-              <a:rPr lang="it-IT" sz="1200" b="1" dirty="0">
-                <a:solidFill>
-                  <a:srgbClr val="020302"/>
-                </a:solidFill>
-                <a:latin typeface="Adobe Clean"/>
-                <a:cs typeface="Adobe Clean"/>
-              </a:rPr>
-              <a:t>Sessioni con esperti</a:t>
-            </a:r>
+              <a:rPr lang="en-US" sz="1200" b="1" spc="-20">
+                <a:solidFill>
+                  <a:srgbClr val="020302"/>
+                </a:solidFill>
+                <a:latin typeface="Adobe Clean"/>
+                <a:cs typeface="Adobe Clean"/>
+              </a:rPr>
+              <a:t>Expert Sessions</a:t>
+            </a:r>
+            <a:endParaRPr sz="1200">
+              <a:latin typeface="Adobe Clean"/>
+              <a:cs typeface="Adobe Clean"/>
+            </a:endParaRPr>
           </a:p>
         </p:txBody>
       </p:sp>
@@ -9115,8 +10851,8 @@
         </p:nvSpPr>
         <p:spPr>
           <a:xfrm>
-            <a:off x="5181600" y="4441989"/>
-            <a:ext cx="1972258" cy="646331"/>
+            <a:off x="5181600" y="4466703"/>
+            <a:ext cx="1972258" cy="461665"/>
           </a:xfrm>
           <a:prstGeom prst="rect">
             <a:avLst/>
@@ -9137,34 +10873,489 @@
               </a:spcBef>
             </a:pPr>
             <a:r>
-              <a:rPr lang="it-IT" sz="1200" b="1" dirty="0">
-                <a:solidFill>
-                  <a:srgbClr val="020302"/>
-                </a:solidFill>
-                <a:latin typeface="Adobe Clean"/>
-                <a:cs typeface="Adobe Clean"/>
-              </a:rPr>
-              <a:t>Best practice per </a:t>
-            </a:r>
-            <a:br>
-              <a:rPr lang="sk-SK" sz="1200" b="1" dirty="0">
-                <a:solidFill>
-                  <a:srgbClr val="020302"/>
-                </a:solidFill>
-                <a:latin typeface="Adobe Clean"/>
-                <a:cs typeface="Adobe Clean"/>
-              </a:rPr>
-            </a:br>
-            <a:r>
-              <a:rPr lang="it-IT" sz="1200" b="1" dirty="0">
-                <a:solidFill>
-                  <a:srgbClr val="020302"/>
-                </a:solidFill>
-                <a:latin typeface="Adobe Clean"/>
-                <a:cs typeface="Adobe Clean"/>
-              </a:rPr>
-              <a:t>la personalizzazione di AEM as a Cloud Service</a:t>
-            </a:r>
+              <a:rPr lang="en-US" sz="1200" b="1" spc="-15">
+                <a:solidFill>
+                  <a:srgbClr val="020302"/>
+                </a:solidFill>
+                <a:latin typeface="Adobe Clean"/>
+                <a:cs typeface="Adobe Clean"/>
+              </a:rPr>
+              <a:t>C</a:t>
+            </a:r>
+            <a:r>
+              <a:rPr lang="en-US" sz="1200" b="1" spc="-20">
+                <a:solidFill>
+                  <a:srgbClr val="020302"/>
+                </a:solidFill>
+                <a:latin typeface="Adobe Clean"/>
+                <a:cs typeface="Adobe Clean"/>
+              </a:rPr>
+              <a:t>u</a:t>
+            </a:r>
+            <a:r>
+              <a:rPr lang="en-US" sz="1200" b="1" spc="-25">
+                <a:solidFill>
+                  <a:srgbClr val="020302"/>
+                </a:solidFill>
+                <a:latin typeface="Adobe Clean"/>
+                <a:cs typeface="Adobe Clean"/>
+              </a:rPr>
+              <a:t>st</a:t>
+            </a:r>
+            <a:r>
+              <a:rPr lang="en-US" sz="1200" b="1" spc="-15">
+                <a:solidFill>
+                  <a:srgbClr val="020302"/>
+                </a:solidFill>
+                <a:latin typeface="Adobe Clean"/>
+                <a:cs typeface="Adobe Clean"/>
+              </a:rPr>
+              <a:t>o</a:t>
+            </a:r>
+            <a:r>
+              <a:rPr lang="en-US" sz="1200" b="1" spc="-20">
+                <a:solidFill>
+                  <a:srgbClr val="020302"/>
+                </a:solidFill>
+                <a:latin typeface="Adobe Clean"/>
+                <a:cs typeface="Adobe Clean"/>
+              </a:rPr>
+              <a:t>miza</a:t>
+            </a:r>
+            <a:r>
+              <a:rPr lang="en-US" sz="1200" b="1" spc="-25">
+                <a:solidFill>
+                  <a:srgbClr val="020302"/>
+                </a:solidFill>
+                <a:latin typeface="Adobe Clean"/>
+                <a:cs typeface="Adobe Clean"/>
+              </a:rPr>
+              <a:t>t</a:t>
+            </a:r>
+            <a:r>
+              <a:rPr lang="en-US" sz="1200" b="1" spc="-20">
+                <a:solidFill>
+                  <a:srgbClr val="020302"/>
+                </a:solidFill>
+                <a:latin typeface="Adobe Clean"/>
+                <a:cs typeface="Adobe Clean"/>
+              </a:rPr>
+              <a:t>i</a:t>
+            </a:r>
+            <a:r>
+              <a:rPr lang="en-US" sz="1200" b="1" spc="-15">
+                <a:solidFill>
+                  <a:srgbClr val="020302"/>
+                </a:solidFill>
+                <a:latin typeface="Adobe Clean"/>
+                <a:cs typeface="Adobe Clean"/>
+              </a:rPr>
+              <a:t>o</a:t>
+            </a:r>
+            <a:r>
+              <a:rPr lang="en-US" sz="1200" b="1">
+                <a:solidFill>
+                  <a:srgbClr val="020302"/>
+                </a:solidFill>
+                <a:latin typeface="Adobe Clean"/>
+                <a:cs typeface="Adobe Clean"/>
+              </a:rPr>
+              <a:t>n</a:t>
+            </a:r>
+            <a:r>
+              <a:rPr lang="en-US" sz="1200" b="1" spc="-50">
+                <a:solidFill>
+                  <a:srgbClr val="020302"/>
+                </a:solidFill>
+                <a:latin typeface="Adobe Clean"/>
+                <a:cs typeface="Adobe Clean"/>
+              </a:rPr>
+              <a:t> </a:t>
+            </a:r>
+            <a:r>
+              <a:rPr lang="en-US" sz="1200" b="1" spc="-20">
+                <a:solidFill>
+                  <a:srgbClr val="020302"/>
+                </a:solidFill>
+                <a:latin typeface="Adobe Clean"/>
+                <a:cs typeface="Adobe Clean"/>
+              </a:rPr>
+              <a:t>B</a:t>
+            </a:r>
+            <a:r>
+              <a:rPr lang="en-US" sz="1200" b="1" spc="-25">
+                <a:solidFill>
+                  <a:srgbClr val="020302"/>
+                </a:solidFill>
+                <a:latin typeface="Adobe Clean"/>
+                <a:cs typeface="Adobe Clean"/>
+              </a:rPr>
+              <a:t>es</a:t>
+            </a:r>
+            <a:r>
+              <a:rPr lang="en-US" sz="1200" b="1">
+                <a:solidFill>
+                  <a:srgbClr val="020302"/>
+                </a:solidFill>
+                <a:latin typeface="Adobe Clean"/>
+                <a:cs typeface="Adobe Clean"/>
+              </a:rPr>
+              <a:t>t</a:t>
+            </a:r>
+            <a:r>
+              <a:rPr lang="en-US" sz="1200" b="1" spc="-50">
+                <a:solidFill>
+                  <a:srgbClr val="020302"/>
+                </a:solidFill>
+                <a:latin typeface="Adobe Clean"/>
+                <a:cs typeface="Adobe Clean"/>
+              </a:rPr>
+              <a:t> </a:t>
+            </a:r>
+            <a:r>
+              <a:rPr lang="en-US" sz="1200" b="1" spc="-25">
+                <a:solidFill>
+                  <a:srgbClr val="020302"/>
+                </a:solidFill>
+                <a:latin typeface="Adobe Clean"/>
+                <a:cs typeface="Adobe Clean"/>
+              </a:rPr>
+              <a:t>P</a:t>
+            </a:r>
+            <a:r>
+              <a:rPr lang="en-US" sz="1200" b="1" spc="-20">
+                <a:solidFill>
+                  <a:srgbClr val="020302"/>
+                </a:solidFill>
+                <a:latin typeface="Adobe Clean"/>
+                <a:cs typeface="Adobe Clean"/>
+              </a:rPr>
+              <a:t>ra</a:t>
+            </a:r>
+            <a:r>
+              <a:rPr lang="en-US" sz="1200" b="1" spc="-30">
+                <a:solidFill>
+                  <a:srgbClr val="020302"/>
+                </a:solidFill>
+                <a:latin typeface="Adobe Clean"/>
+                <a:cs typeface="Adobe Clean"/>
+              </a:rPr>
+              <a:t>c</a:t>
+            </a:r>
+            <a:r>
+              <a:rPr lang="en-US" sz="1200" b="1" spc="-25">
+                <a:solidFill>
+                  <a:srgbClr val="020302"/>
+                </a:solidFill>
+                <a:latin typeface="Adobe Clean"/>
+                <a:cs typeface="Adobe Clean"/>
+              </a:rPr>
+              <a:t>t</a:t>
+            </a:r>
+            <a:r>
+              <a:rPr lang="en-US" sz="1200" b="1" spc="-20">
+                <a:solidFill>
+                  <a:srgbClr val="020302"/>
+                </a:solidFill>
+                <a:latin typeface="Adobe Clean"/>
+                <a:cs typeface="Adobe Clean"/>
+              </a:rPr>
+              <a:t>i</a:t>
+            </a:r>
+            <a:r>
+              <a:rPr lang="en-US" sz="1200" b="1" spc="-30">
+                <a:solidFill>
+                  <a:srgbClr val="020302"/>
+                </a:solidFill>
+                <a:latin typeface="Adobe Clean"/>
+                <a:cs typeface="Adobe Clean"/>
+              </a:rPr>
+              <a:t>c</a:t>
+            </a:r>
+            <a:r>
+              <a:rPr lang="en-US" sz="1200" b="1" spc="-25">
+                <a:solidFill>
+                  <a:srgbClr val="020302"/>
+                </a:solidFill>
+                <a:latin typeface="Adobe Clean"/>
+                <a:cs typeface="Adobe Clean"/>
+              </a:rPr>
+              <a:t>e</a:t>
+            </a:r>
+            <a:r>
+              <a:rPr lang="en-US" sz="1200" b="1">
+                <a:solidFill>
+                  <a:srgbClr val="020302"/>
+                </a:solidFill>
+                <a:latin typeface="Adobe Clean"/>
+                <a:cs typeface="Adobe Clean"/>
+              </a:rPr>
+              <a:t>s</a:t>
+            </a:r>
+            <a:r>
+              <a:rPr lang="en-US" sz="1200" b="1" spc="-45">
+                <a:solidFill>
+                  <a:srgbClr val="020302"/>
+                </a:solidFill>
+                <a:latin typeface="Adobe Clean"/>
+                <a:cs typeface="Adobe Clean"/>
+              </a:rPr>
+              <a:t> </a:t>
+            </a:r>
+            <a:r>
+              <a:rPr lang="en-US" sz="1200" b="1" spc="-25">
+                <a:solidFill>
+                  <a:srgbClr val="020302"/>
+                </a:solidFill>
+                <a:latin typeface="Adobe Clean"/>
+                <a:cs typeface="Adobe Clean"/>
+              </a:rPr>
+              <a:t>f</a:t>
+            </a:r>
+            <a:r>
+              <a:rPr lang="en-US" sz="1200" b="1" spc="-15">
+                <a:solidFill>
+                  <a:srgbClr val="020302"/>
+                </a:solidFill>
+                <a:latin typeface="Adobe Clean"/>
+                <a:cs typeface="Adobe Clean"/>
+              </a:rPr>
+              <a:t>o</a:t>
+            </a:r>
+            <a:r>
+              <a:rPr lang="en-US" sz="1200" b="1">
+                <a:solidFill>
+                  <a:srgbClr val="020302"/>
+                </a:solidFill>
+                <a:latin typeface="Adobe Clean"/>
+                <a:cs typeface="Adobe Clean"/>
+              </a:rPr>
+              <a:t>r</a:t>
+            </a:r>
+            <a:r>
+              <a:rPr lang="en-US" sz="1200" b="1" spc="-45">
+                <a:solidFill>
+                  <a:srgbClr val="020302"/>
+                </a:solidFill>
+                <a:latin typeface="Adobe Clean"/>
+                <a:cs typeface="Adobe Clean"/>
+              </a:rPr>
+              <a:t> </a:t>
+            </a:r>
+            <a:r>
+              <a:rPr lang="en-US" sz="1200" b="1" spc="-30">
+                <a:solidFill>
+                  <a:srgbClr val="020302"/>
+                </a:solidFill>
+                <a:latin typeface="Adobe Clean"/>
+                <a:cs typeface="Adobe Clean"/>
+              </a:rPr>
+              <a:t>AE</a:t>
+            </a:r>
+            <a:r>
+              <a:rPr lang="en-US" sz="1200" b="1">
+                <a:solidFill>
+                  <a:srgbClr val="020302"/>
+                </a:solidFill>
+                <a:latin typeface="Adobe Clean"/>
+                <a:cs typeface="Adobe Clean"/>
+              </a:rPr>
+              <a:t>M</a:t>
+            </a:r>
+            <a:r>
+              <a:rPr lang="en-US" sz="1200" b="1" spc="-55">
+                <a:solidFill>
+                  <a:srgbClr val="020302"/>
+                </a:solidFill>
+                <a:latin typeface="Adobe Clean"/>
+                <a:cs typeface="Adobe Clean"/>
+              </a:rPr>
+              <a:t> </a:t>
+            </a:r>
+            <a:r>
+              <a:rPr lang="en-US" sz="1200" b="1" spc="-20">
+                <a:solidFill>
+                  <a:srgbClr val="020302"/>
+                </a:solidFill>
+                <a:latin typeface="Adobe Clean"/>
+                <a:cs typeface="Adobe Clean"/>
+              </a:rPr>
+              <a:t>a</a:t>
+            </a:r>
+            <a:r>
+              <a:rPr lang="en-US" sz="1200" b="1">
+                <a:solidFill>
+                  <a:srgbClr val="020302"/>
+                </a:solidFill>
+                <a:latin typeface="Adobe Clean"/>
+                <a:cs typeface="Adobe Clean"/>
+              </a:rPr>
+              <a:t>s</a:t>
+            </a:r>
+            <a:r>
+              <a:rPr lang="en-US" sz="1200" b="1" spc="-45">
+                <a:solidFill>
+                  <a:srgbClr val="020302"/>
+                </a:solidFill>
+                <a:latin typeface="Adobe Clean"/>
+                <a:cs typeface="Adobe Clean"/>
+              </a:rPr>
+              <a:t> </a:t>
+            </a:r>
+            <a:r>
+              <a:rPr lang="en-US" sz="1200" b="1">
+                <a:solidFill>
+                  <a:srgbClr val="020302"/>
+                </a:solidFill>
+                <a:latin typeface="Adobe Clean"/>
+                <a:cs typeface="Adobe Clean"/>
+              </a:rPr>
+              <a:t>a</a:t>
+            </a:r>
+            <a:r>
+              <a:rPr lang="en-US" sz="1200" b="1" spc="-45">
+                <a:solidFill>
+                  <a:srgbClr val="020302"/>
+                </a:solidFill>
+                <a:latin typeface="Adobe Clean"/>
+                <a:cs typeface="Adobe Clean"/>
+              </a:rPr>
+              <a:t> </a:t>
+            </a:r>
+            <a:r>
+              <a:rPr lang="en-US" sz="1200" b="1" spc="-15">
+                <a:solidFill>
+                  <a:srgbClr val="020302"/>
+                </a:solidFill>
+                <a:latin typeface="Adobe Clean"/>
+                <a:cs typeface="Adobe Clean"/>
+              </a:rPr>
+              <a:t>C</a:t>
+            </a:r>
+            <a:r>
+              <a:rPr lang="en-US" sz="1200" b="1" spc="-25">
+                <a:solidFill>
+                  <a:srgbClr val="020302"/>
+                </a:solidFill>
+                <a:latin typeface="Adobe Clean"/>
+                <a:cs typeface="Adobe Clean"/>
+              </a:rPr>
+              <a:t>l</a:t>
+            </a:r>
+            <a:r>
+              <a:rPr lang="en-US" sz="1200" b="1" spc="-15">
+                <a:solidFill>
+                  <a:srgbClr val="020302"/>
+                </a:solidFill>
+                <a:latin typeface="Adobe Clean"/>
+                <a:cs typeface="Adobe Clean"/>
+              </a:rPr>
+              <a:t>o</a:t>
+            </a:r>
+            <a:r>
+              <a:rPr lang="en-US" sz="1200" b="1" spc="-20">
+                <a:solidFill>
+                  <a:srgbClr val="020302"/>
+                </a:solidFill>
+                <a:latin typeface="Adobe Clean"/>
+                <a:cs typeface="Adobe Clean"/>
+              </a:rPr>
+              <a:t>u</a:t>
+            </a:r>
+            <a:r>
+              <a:rPr lang="en-US" sz="1200" b="1">
+                <a:solidFill>
+                  <a:srgbClr val="020302"/>
+                </a:solidFill>
+                <a:latin typeface="Adobe Clean"/>
+                <a:cs typeface="Adobe Clean"/>
+              </a:rPr>
+              <a:t>d</a:t>
+            </a:r>
+            <a:r>
+              <a:rPr lang="en-US" sz="1200" b="1" spc="-50">
+                <a:solidFill>
+                  <a:srgbClr val="020302"/>
+                </a:solidFill>
+                <a:latin typeface="Adobe Clean"/>
+                <a:cs typeface="Adobe Clean"/>
+              </a:rPr>
+              <a:t> </a:t>
+            </a:r>
+            <a:r>
+              <a:rPr lang="en-US" sz="1200" b="1" spc="-20">
+                <a:solidFill>
+                  <a:srgbClr val="020302"/>
+                </a:solidFill>
+                <a:latin typeface="Adobe Clean"/>
+                <a:cs typeface="Adobe Clean"/>
+              </a:rPr>
+              <a:t>S</a:t>
+            </a:r>
+            <a:r>
+              <a:rPr lang="en-US" sz="1200" b="1" spc="-25">
+                <a:solidFill>
+                  <a:srgbClr val="020302"/>
+                </a:solidFill>
+                <a:latin typeface="Adobe Clean"/>
+                <a:cs typeface="Adobe Clean"/>
+              </a:rPr>
+              <a:t>e</a:t>
+            </a:r>
+            <a:r>
+              <a:rPr lang="en-US" sz="1200" b="1" spc="-20">
+                <a:solidFill>
+                  <a:srgbClr val="020302"/>
+                </a:solidFill>
+                <a:latin typeface="Adobe Clean"/>
+                <a:cs typeface="Adobe Clean"/>
+              </a:rPr>
+              <a:t>r</a:t>
+            </a:r>
+            <a:r>
+              <a:rPr lang="en-US" sz="1200" b="1" spc="-30">
+                <a:solidFill>
+                  <a:srgbClr val="020302"/>
+                </a:solidFill>
+                <a:latin typeface="Adobe Clean"/>
+                <a:cs typeface="Adobe Clean"/>
+              </a:rPr>
+              <a:t>v</a:t>
+            </a:r>
+            <a:r>
+              <a:rPr lang="en-US" sz="1200" b="1" spc="-20">
+                <a:solidFill>
+                  <a:srgbClr val="020302"/>
+                </a:solidFill>
+                <a:latin typeface="Adobe Clean"/>
+                <a:cs typeface="Adobe Clean"/>
+              </a:rPr>
+              <a:t>i</a:t>
+            </a:r>
+            <a:r>
+              <a:rPr lang="en-US" sz="1200" b="1" spc="-30">
+                <a:solidFill>
+                  <a:srgbClr val="020302"/>
+                </a:solidFill>
+                <a:latin typeface="Adobe Clean"/>
+                <a:cs typeface="Adobe Clean"/>
+              </a:rPr>
+              <a:t>c</a:t>
+            </a:r>
+            <a:r>
+              <a:rPr lang="en-US" sz="1200" b="1">
+                <a:solidFill>
+                  <a:srgbClr val="020302"/>
+                </a:solidFill>
+                <a:latin typeface="Adobe Clean"/>
+                <a:cs typeface="Adobe Clean"/>
+              </a:rPr>
+              <a:t>e</a:t>
+            </a:r>
+            <a:endParaRPr lang="en-US" sz="1200">
+              <a:latin typeface="Adobe Clean"/>
+              <a:cs typeface="Adobe Clean"/>
+            </a:endParaRPr>
           </a:p>
         </p:txBody>
       </p:sp>
@@ -9183,7 +11374,7 @@
         <p:spPr>
           <a:xfrm>
             <a:off x="2752588" y="4438393"/>
-            <a:ext cx="1708650" cy="646331"/>
+            <a:ext cx="1708650" cy="461665"/>
           </a:xfrm>
           <a:prstGeom prst="rect">
             <a:avLst/>
@@ -9204,34 +11395,19 @@
               </a:spcBef>
             </a:pPr>
             <a:r>
-              <a:rPr lang="it-IT" sz="1200" b="1" dirty="0">
-                <a:solidFill>
-                  <a:srgbClr val="020302"/>
-                </a:solidFill>
-                <a:latin typeface="Adobe Clean"/>
-                <a:cs typeface="Adobe Clean"/>
-              </a:rPr>
-              <a:t>Servizi a valore aggiunto per AEM </a:t>
-            </a:r>
-            <a:br>
-              <a:rPr lang="sk-SK" sz="1200" b="1" dirty="0">
-                <a:solidFill>
-                  <a:srgbClr val="020302"/>
-                </a:solidFill>
-                <a:latin typeface="Adobe Clean"/>
-                <a:cs typeface="Adobe Clean"/>
-              </a:rPr>
-            </a:br>
-            <a:r>
-              <a:rPr lang="it-IT" sz="1200" b="1" dirty="0">
-                <a:solidFill>
-                  <a:srgbClr val="020302"/>
-                </a:solidFill>
-                <a:latin typeface="Adobe Clean"/>
-                <a:cs typeface="Adobe Clean"/>
-              </a:rPr>
-              <a:t>as a Cloud Service</a:t>
-            </a:r>
+              <a:rPr lang="en-US" sz="1200" b="1" spc="-25">
+                <a:solidFill>
+                  <a:srgbClr val="020302"/>
+                </a:solidFill>
+                <a:latin typeface="Adobe Clean"/>
+                <a:cs typeface="Adobe Clean"/>
+              </a:rPr>
+              <a:t>Value-added Services for AEM as a Cloud Service</a:t>
+            </a:r>
+            <a:endParaRPr lang="en-US" sz="1200">
+              <a:latin typeface="Adobe Clean"/>
+              <a:cs typeface="Adobe Clean"/>
+            </a:endParaRPr>
           </a:p>
         </p:txBody>
       </p:sp>
@@ -9271,34 +11447,359 @@
               </a:spcBef>
             </a:pPr>
             <a:r>
-              <a:rPr lang="it-IT" sz="1200" b="1" dirty="0">
-                <a:solidFill>
-                  <a:srgbClr val="020302"/>
-                </a:solidFill>
-                <a:latin typeface="Adobe Clean"/>
-                <a:cs typeface="Adobe Clean"/>
-              </a:rPr>
-              <a:t>Governance per AEM </a:t>
-            </a:r>
-            <a:br>
-              <a:rPr lang="sk-SK" sz="1200" b="1" dirty="0">
-                <a:solidFill>
-                  <a:srgbClr val="020302"/>
-                </a:solidFill>
-                <a:latin typeface="Adobe Clean"/>
-                <a:cs typeface="Adobe Clean"/>
-              </a:rPr>
-            </a:br>
-            <a:r>
-              <a:rPr lang="it-IT" sz="1200" b="1" dirty="0">
-                <a:solidFill>
-                  <a:srgbClr val="020302"/>
-                </a:solidFill>
-                <a:latin typeface="Adobe Clean"/>
-                <a:cs typeface="Adobe Clean"/>
-              </a:rPr>
-              <a:t>as a Cloud Service</a:t>
-            </a:r>
+              <a:rPr lang="en-US" sz="1200" b="1" spc="-20">
+                <a:solidFill>
+                  <a:srgbClr val="020302"/>
+                </a:solidFill>
+                <a:latin typeface="Adobe Clean"/>
+                <a:cs typeface="Adobe Clean"/>
+              </a:rPr>
+              <a:t>G</a:t>
+            </a:r>
+            <a:r>
+              <a:rPr lang="en-US" sz="1200" b="1" spc="-15">
+                <a:solidFill>
+                  <a:srgbClr val="020302"/>
+                </a:solidFill>
+                <a:latin typeface="Adobe Clean"/>
+                <a:cs typeface="Adobe Clean"/>
+              </a:rPr>
+              <a:t>o</a:t>
+            </a:r>
+            <a:r>
+              <a:rPr lang="en-US" sz="1200" b="1" spc="-25">
+                <a:solidFill>
+                  <a:srgbClr val="020302"/>
+                </a:solidFill>
+                <a:latin typeface="Adobe Clean"/>
+                <a:cs typeface="Adobe Clean"/>
+              </a:rPr>
+              <a:t>ve</a:t>
+            </a:r>
+            <a:r>
+              <a:rPr lang="en-US" sz="1200" b="1" spc="-20">
+                <a:solidFill>
+                  <a:srgbClr val="020302"/>
+                </a:solidFill>
+                <a:latin typeface="Adobe Clean"/>
+                <a:cs typeface="Adobe Clean"/>
+              </a:rPr>
+              <a:t>r</a:t>
+            </a:r>
+            <a:r>
+              <a:rPr lang="en-US" sz="1200" b="1" spc="-25">
+                <a:solidFill>
+                  <a:srgbClr val="020302"/>
+                </a:solidFill>
+                <a:latin typeface="Adobe Clean"/>
+                <a:cs typeface="Adobe Clean"/>
+              </a:rPr>
+              <a:t>n</a:t>
+            </a:r>
+            <a:r>
+              <a:rPr lang="en-US" sz="1200" b="1" spc="-20">
+                <a:solidFill>
+                  <a:srgbClr val="020302"/>
+                </a:solidFill>
+                <a:latin typeface="Adobe Clean"/>
+                <a:cs typeface="Adobe Clean"/>
+              </a:rPr>
+              <a:t>a</a:t>
+            </a:r>
+            <a:r>
+              <a:rPr lang="en-US" sz="1200" b="1" spc="-25">
+                <a:solidFill>
+                  <a:srgbClr val="020302"/>
+                </a:solidFill>
+                <a:latin typeface="Adobe Clean"/>
+                <a:cs typeface="Adobe Clean"/>
+              </a:rPr>
+              <a:t>n</a:t>
+            </a:r>
+            <a:r>
+              <a:rPr lang="en-US" sz="1200" b="1" spc="-30">
+                <a:solidFill>
+                  <a:srgbClr val="020302"/>
+                </a:solidFill>
+                <a:latin typeface="Adobe Clean"/>
+                <a:cs typeface="Adobe Clean"/>
+              </a:rPr>
+              <a:t>c</a:t>
+            </a:r>
+            <a:r>
+              <a:rPr lang="en-US" sz="1200" b="1">
+                <a:solidFill>
+                  <a:srgbClr val="020302"/>
+                </a:solidFill>
+                <a:latin typeface="Adobe Clean"/>
+                <a:cs typeface="Adobe Clean"/>
+              </a:rPr>
+              <a:t>e</a:t>
+            </a:r>
+            <a:r>
+              <a:rPr lang="en-US" sz="1200" b="1" spc="-50">
+                <a:solidFill>
+                  <a:srgbClr val="020302"/>
+                </a:solidFill>
+                <a:latin typeface="Adobe Clean"/>
+                <a:cs typeface="Adobe Clean"/>
+              </a:rPr>
+              <a:t> </a:t>
+            </a:r>
+            <a:r>
+              <a:rPr lang="en-US" sz="1200" b="1" spc="-25">
+                <a:solidFill>
+                  <a:srgbClr val="020302"/>
+                </a:solidFill>
+                <a:latin typeface="Adobe Clean"/>
+                <a:cs typeface="Adobe Clean"/>
+              </a:rPr>
+              <a:t>f</a:t>
+            </a:r>
+            <a:r>
+              <a:rPr lang="en-US" sz="1200" b="1" spc="-15">
+                <a:solidFill>
+                  <a:srgbClr val="020302"/>
+                </a:solidFill>
+                <a:latin typeface="Adobe Clean"/>
+                <a:cs typeface="Adobe Clean"/>
+              </a:rPr>
+              <a:t>o</a:t>
+            </a:r>
+            <a:r>
+              <a:rPr lang="en-US" sz="1200" b="1">
+                <a:solidFill>
+                  <a:srgbClr val="020302"/>
+                </a:solidFill>
+                <a:latin typeface="Adobe Clean"/>
+                <a:cs typeface="Adobe Clean"/>
+              </a:rPr>
+              <a:t>r</a:t>
+            </a:r>
+            <a:r>
+              <a:rPr lang="en-US" sz="1200" b="1" spc="-45">
+                <a:solidFill>
+                  <a:srgbClr val="020302"/>
+                </a:solidFill>
+                <a:latin typeface="Adobe Clean"/>
+                <a:cs typeface="Adobe Clean"/>
+              </a:rPr>
+              <a:t> </a:t>
+            </a:r>
+            <a:r>
+              <a:rPr lang="en-US" sz="1200" b="1" spc="-30">
+                <a:solidFill>
+                  <a:srgbClr val="020302"/>
+                </a:solidFill>
+                <a:latin typeface="Adobe Clean"/>
+                <a:cs typeface="Adobe Clean"/>
+              </a:rPr>
+              <a:t>A</a:t>
+            </a:r>
+            <a:r>
+              <a:rPr lang="en-US" sz="1200" b="1" spc="-25">
+                <a:solidFill>
+                  <a:srgbClr val="020302"/>
+                </a:solidFill>
+                <a:latin typeface="Adobe Clean"/>
+                <a:cs typeface="Adobe Clean"/>
+              </a:rPr>
+              <a:t>E</a:t>
+            </a:r>
+            <a:r>
+              <a:rPr lang="en-US" sz="1200" b="1">
+                <a:solidFill>
+                  <a:srgbClr val="020302"/>
+                </a:solidFill>
+                <a:latin typeface="Adobe Clean"/>
+                <a:cs typeface="Adobe Clean"/>
+              </a:rPr>
+              <a:t>M</a:t>
+            </a:r>
+            <a:r>
+              <a:rPr lang="en-US" sz="1200" b="1" spc="-50">
+                <a:solidFill>
+                  <a:srgbClr val="020302"/>
+                </a:solidFill>
+                <a:latin typeface="Adobe Clean"/>
+                <a:cs typeface="Adobe Clean"/>
+              </a:rPr>
+              <a:t> </a:t>
+            </a:r>
+            <a:r>
+              <a:rPr lang="en-US" sz="1200" b="1" spc="-20">
+                <a:solidFill>
+                  <a:srgbClr val="020302"/>
+                </a:solidFill>
+                <a:latin typeface="Adobe Clean"/>
+                <a:cs typeface="Adobe Clean"/>
+              </a:rPr>
+              <a:t>a</a:t>
+            </a:r>
+            <a:r>
+              <a:rPr lang="en-US" sz="1200" b="1">
+                <a:solidFill>
+                  <a:srgbClr val="020302"/>
+                </a:solidFill>
+                <a:latin typeface="Adobe Clean"/>
+                <a:cs typeface="Adobe Clean"/>
+              </a:rPr>
+              <a:t>s</a:t>
+            </a:r>
+            <a:r>
+              <a:rPr lang="en-US" sz="1200" b="1" spc="-45">
+                <a:solidFill>
+                  <a:srgbClr val="020302"/>
+                </a:solidFill>
+                <a:latin typeface="Adobe Clean"/>
+                <a:cs typeface="Adobe Clean"/>
+              </a:rPr>
+              <a:t> </a:t>
+            </a:r>
+            <a:r>
+              <a:rPr lang="en-US" sz="1200" b="1">
+                <a:solidFill>
+                  <a:srgbClr val="020302"/>
+                </a:solidFill>
+                <a:latin typeface="Adobe Clean"/>
+                <a:cs typeface="Adobe Clean"/>
+              </a:rPr>
+              <a:t>a</a:t>
+            </a:r>
+            <a:r>
+              <a:rPr lang="en-US" sz="1200" b="1" spc="-40">
+                <a:solidFill>
+                  <a:srgbClr val="020302"/>
+                </a:solidFill>
+                <a:latin typeface="Adobe Clean"/>
+                <a:cs typeface="Adobe Clean"/>
+              </a:rPr>
+              <a:t> </a:t>
+            </a:r>
+            <a:r>
+              <a:rPr lang="en-US" sz="1200" b="1" spc="-15">
+                <a:solidFill>
+                  <a:srgbClr val="020302"/>
+                </a:solidFill>
+                <a:latin typeface="Adobe Clean"/>
+                <a:cs typeface="Adobe Clean"/>
+              </a:rPr>
+              <a:t>C</a:t>
+            </a:r>
+            <a:r>
+              <a:rPr lang="en-US" sz="1200" b="1" spc="-25">
+                <a:solidFill>
+                  <a:srgbClr val="020302"/>
+                </a:solidFill>
+                <a:latin typeface="Adobe Clean"/>
+                <a:cs typeface="Adobe Clean"/>
+              </a:rPr>
+              <a:t>l</a:t>
+            </a:r>
+            <a:r>
+              <a:rPr lang="en-US" sz="1200" b="1" spc="-15">
+                <a:solidFill>
+                  <a:srgbClr val="020302"/>
+                </a:solidFill>
+                <a:latin typeface="Adobe Clean"/>
+                <a:cs typeface="Adobe Clean"/>
+              </a:rPr>
+              <a:t>ou</a:t>
+            </a:r>
+            <a:r>
+              <a:rPr lang="en-US" sz="1200" b="1">
+                <a:solidFill>
+                  <a:srgbClr val="020302"/>
+                </a:solidFill>
+                <a:latin typeface="Adobe Clean"/>
+                <a:cs typeface="Adobe Clean"/>
+              </a:rPr>
+              <a:t>d</a:t>
+            </a:r>
+            <a:r>
+              <a:rPr lang="en-US" sz="1200" b="1" spc="-50">
+                <a:solidFill>
+                  <a:srgbClr val="020302"/>
+                </a:solidFill>
+                <a:latin typeface="Adobe Clean"/>
+                <a:cs typeface="Adobe Clean"/>
+              </a:rPr>
+              <a:t> </a:t>
+            </a:r>
+            <a:r>
+              <a:rPr lang="en-US" sz="1200" b="1" spc="-20">
+                <a:solidFill>
+                  <a:srgbClr val="020302"/>
+                </a:solidFill>
+                <a:latin typeface="Adobe Clean"/>
+                <a:cs typeface="Adobe Clean"/>
+              </a:rPr>
+              <a:t>S</a:t>
+            </a:r>
+            <a:r>
+              <a:rPr lang="en-US" sz="1200" b="1" spc="-25">
+                <a:solidFill>
+                  <a:srgbClr val="020302"/>
+                </a:solidFill>
+                <a:latin typeface="Adobe Clean"/>
+                <a:cs typeface="Adobe Clean"/>
+              </a:rPr>
+              <a:t>e</a:t>
+            </a:r>
+            <a:r>
+              <a:rPr lang="en-US" sz="1200" b="1" spc="-20">
+                <a:solidFill>
+                  <a:srgbClr val="020302"/>
+                </a:solidFill>
+                <a:latin typeface="Adobe Clean"/>
+                <a:cs typeface="Adobe Clean"/>
+              </a:rPr>
+              <a:t>r</a:t>
+            </a:r>
+            <a:r>
+              <a:rPr lang="en-US" sz="1200" b="1" spc="-25">
+                <a:solidFill>
+                  <a:srgbClr val="020302"/>
+                </a:solidFill>
+                <a:latin typeface="Adobe Clean"/>
+                <a:cs typeface="Adobe Clean"/>
+              </a:rPr>
+              <a:t>v</a:t>
+            </a:r>
+            <a:r>
+              <a:rPr lang="en-US" sz="1200" b="1" spc="-20">
+                <a:solidFill>
+                  <a:srgbClr val="020302"/>
+                </a:solidFill>
+                <a:latin typeface="Adobe Clean"/>
+                <a:cs typeface="Adobe Clean"/>
+              </a:rPr>
+              <a:t>i</a:t>
+            </a:r>
+            <a:r>
+              <a:rPr lang="en-US" sz="1200" b="1" spc="-30">
+                <a:solidFill>
+                  <a:srgbClr val="020302"/>
+                </a:solidFill>
+                <a:latin typeface="Adobe Clean"/>
+                <a:cs typeface="Adobe Clean"/>
+              </a:rPr>
+              <a:t>c</a:t>
+            </a:r>
+            <a:r>
+              <a:rPr lang="en-US" sz="1200" b="1">
+                <a:solidFill>
+                  <a:srgbClr val="020302"/>
+                </a:solidFill>
+                <a:latin typeface="Adobe Clean"/>
+                <a:cs typeface="Adobe Clean"/>
+              </a:rPr>
+              <a:t>e</a:t>
+            </a:r>
+            <a:endParaRPr lang="en-US" sz="1200">
+              <a:latin typeface="Adobe Clean"/>
+              <a:cs typeface="Adobe Clean"/>
+            </a:endParaRPr>
           </a:p>
         </p:txBody>
       </p:sp>
@@ -9394,8 +11895,8 @@
         </p:nvSpPr>
         <p:spPr>
           <a:xfrm>
-            <a:off x="689237" y="1102553"/>
-            <a:ext cx="1373941" cy="197490"/>
+            <a:off x="689237" y="1102554"/>
+            <a:ext cx="1036205" cy="197490"/>
           </a:xfrm>
           <a:prstGeom prst="rect">
             <a:avLst/>
@@ -9416,15 +11917,99 @@
               </a:spcBef>
             </a:pPr>
             <a:r>
-              <a:rPr lang="it-IT" sz="1200" b="1" dirty="0">
-                <a:solidFill>
-                  <a:srgbClr val="020302"/>
-                </a:solidFill>
-                <a:latin typeface="Adobe Clean"/>
-                <a:cs typeface="Adobe Clean"/>
-              </a:rPr>
-              <a:t>Valutazione dei casi</a:t>
-            </a:r>
+              <a:rPr lang="en-US" sz="1200" b="1" spc="-20">
+                <a:solidFill>
+                  <a:srgbClr val="020302"/>
+                </a:solidFill>
+                <a:latin typeface="Adobe Clean"/>
+                <a:cs typeface="Adobe Clean"/>
+              </a:rPr>
+              <a:t>Cas</a:t>
+            </a:r>
+            <a:r>
+              <a:rPr sz="1200" b="1">
+                <a:solidFill>
+                  <a:srgbClr val="020302"/>
+                </a:solidFill>
+                <a:latin typeface="Adobe Clean"/>
+                <a:cs typeface="Adobe Clean"/>
+              </a:rPr>
+              <a:t>e</a:t>
+            </a:r>
+            <a:r>
+              <a:rPr sz="1200" b="1" spc="-80">
+                <a:solidFill>
+                  <a:srgbClr val="020302"/>
+                </a:solidFill>
+                <a:latin typeface="Adobe Clean"/>
+                <a:cs typeface="Adobe Clean"/>
+              </a:rPr>
+              <a:t> </a:t>
+            </a:r>
+            <a:r>
+              <a:rPr sz="1200" b="1" spc="-20">
+                <a:solidFill>
+                  <a:srgbClr val="020302"/>
+                </a:solidFill>
+                <a:latin typeface="Adobe Clean"/>
+                <a:cs typeface="Adobe Clean"/>
+              </a:rPr>
+              <a:t>R</a:t>
+            </a:r>
+            <a:r>
+              <a:rPr sz="1200" b="1" spc="-25">
+                <a:solidFill>
+                  <a:srgbClr val="020302"/>
+                </a:solidFill>
+                <a:latin typeface="Adobe Clean"/>
+                <a:cs typeface="Adobe Clean"/>
+              </a:rPr>
+              <a:t>e</a:t>
+            </a:r>
+            <a:r>
+              <a:rPr sz="1200" b="1" spc="-30">
+                <a:solidFill>
+                  <a:srgbClr val="020302"/>
+                </a:solidFill>
+                <a:latin typeface="Adobe Clean"/>
+                <a:cs typeface="Adobe Clean"/>
+              </a:rPr>
+              <a:t>v</a:t>
+            </a:r>
+            <a:r>
+              <a:rPr sz="1200" b="1" spc="-20">
+                <a:solidFill>
+                  <a:srgbClr val="020302"/>
+                </a:solidFill>
+                <a:latin typeface="Adobe Clean"/>
+                <a:cs typeface="Adobe Clean"/>
+              </a:rPr>
+              <a:t>i</a:t>
+            </a:r>
+            <a:r>
+              <a:rPr sz="1200" b="1" spc="-25">
+                <a:solidFill>
+                  <a:srgbClr val="020302"/>
+                </a:solidFill>
+                <a:latin typeface="Adobe Clean"/>
+                <a:cs typeface="Adobe Clean"/>
+              </a:rPr>
+              <a:t>ew</a:t>
+            </a:r>
+            <a:r>
+              <a:rPr sz="1200" b="1">
+                <a:solidFill>
+                  <a:srgbClr val="020302"/>
+                </a:solidFill>
+                <a:latin typeface="Adobe Clean"/>
+                <a:cs typeface="Adobe Clean"/>
+              </a:rPr>
+              <a:t>s</a:t>
+            </a:r>
+            <a:endParaRPr sz="1200">
+              <a:latin typeface="Adobe Clean"/>
+              <a:cs typeface="Adobe Clean"/>
+            </a:endParaRPr>
           </a:p>
         </p:txBody>
       </p:sp>
@@ -9503,14 +12088,18 @@
               </a:spcBef>
             </a:pPr>
             <a:r>
-              <a:rPr lang="it-IT" sz="1000">
+              <a:rPr lang="en-US" sz="1000">
                 <a:solidFill>
                   <a:srgbClr val="4B4B4B"/>
                 </a:solidFill>
                 <a:latin typeface="Adobe Clean Light" panose="020B0303020404020204" pitchFamily="34" charset="0"/>
               </a:rPr>
-              <a:t>Valutazione periodica programmata delle richieste di supporto aperte, per garantirne l’allineamento in termini di descrizione dei casi, impatto sul business, stato, priorità e accordi sulle azioni successive necessarie a garantire una rapida risoluzione.</a:t>
-            </a:r>
+              <a:t>Regular scheduled review of open support requests, ensuring customer alignment on case description, business impact, status, priority and agreement on next steps required to ensure an expedient resolution.</a:t>
+            </a:r>
+            <a:endParaRPr sz="1000">
+              <a:latin typeface="Adobe Clean Light" panose="020B0303020404020204" pitchFamily="34" charset="0"/>
+              <a:cs typeface="AdobeClean-Light"/>
+            </a:endParaRPr>
           </a:p>
         </p:txBody>
       </p:sp>
@@ -9550,15 +12139,19 @@
               </a:spcBef>
             </a:pPr>
             <a:r>
-              <a:rPr lang="it-IT" sz="1400" b="1">
-                <a:solidFill>
-                  <a:srgbClr val="020302"/>
-                </a:solidFill>
-                <a:latin typeface="Adobe Clean"/>
-                <a:cs typeface="Adobe Clean"/>
-              </a:rPr>
-              <a:t>Attività di supporto cloud - AEM</a:t>
-            </a:r>
+              <a:rPr lang="en-US" sz="1400" b="1" spc="-10">
+                <a:solidFill>
+                  <a:srgbClr val="020302"/>
+                </a:solidFill>
+                <a:latin typeface="Adobe Clean"/>
+                <a:cs typeface="Adobe Clean"/>
+              </a:rPr>
+              <a:t>Cloud Support Activities - AEM</a:t>
+            </a:r>
+            <a:endParaRPr lang="en-US" sz="1400">
+              <a:latin typeface="Adobe Clean"/>
+              <a:cs typeface="Adobe Clean"/>
+            </a:endParaRPr>
           </a:p>
         </p:txBody>
       </p:sp>
@@ -9641,7 +12234,7 @@
         </p:blipFill>
         <p:spPr>
           <a:xfrm>
-            <a:off x="2705069" y="3892352"/>
+            <a:off x="2569142" y="3892352"/>
             <a:ext cx="461665" cy="461665"/>
           </a:xfrm>
           <a:prstGeom prst="rect">
@@ -10032,133 +12625,6 @@
           </a:p>
         </p:txBody>
       </p:sp>
-      <p:grpSp>
-        <p:nvGrpSpPr>
-          <p:cNvPr id="62" name="object 3">
-            <a:extLst>
-              <a:ext uri="{FF2B5EF4-FFF2-40B4-BE49-F238E27FC236}">
-                <a16:creationId xmlns:a16="http://schemas.microsoft.com/office/drawing/2014/main" id="{C539739D-1D3E-204D-9819-C44D9AE36DE8}"/>
-              </a:ext>
-            </a:extLst>
-          </p:cNvPr>
-          <p:cNvGrpSpPr/>
-          <p:nvPr/>
-        </p:nvGrpSpPr>
-        <p:grpSpPr>
-          <a:xfrm rot="5400000">
-            <a:off x="1154159" y="-868525"/>
-            <a:ext cx="5661921" cy="7931849"/>
-            <a:chOff x="-247019" y="421767"/>
-            <a:chExt cx="3875281" cy="7641336"/>
-          </a:xfrm>
-        </p:grpSpPr>
-        <p:sp>
-          <p:nvSpPr>
-            <p:cNvPr id="63" name="object 4">
-              <a:extLst>
-                <a:ext uri="{FF2B5EF4-FFF2-40B4-BE49-F238E27FC236}">
-                  <a16:creationId xmlns:a16="http://schemas.microsoft.com/office/drawing/2014/main" id="{F41DD51E-EC9C-7B44-BE42-FA9C42B94675}"/>
-                </a:ext>
-              </a:extLst>
-            </p:cNvPr>
-            <p:cNvSpPr/>
-            <p:nvPr/>
-          </p:nvSpPr>
-          <p:spPr>
-            <a:xfrm>
-              <a:off x="3628262" y="576453"/>
-              <a:ext cx="0" cy="7486650"/>
-            </a:xfrm>
-            <a:custGeom>
-              <a:avLst/>
-              <a:gdLst/>
-              <a:ahLst/>
-              <a:cxnLst/>
-              <a:rect l="l" t="t" r="r" b="b"/>
-              <a:pathLst>
-                <a:path h="7486650">
-                  <a:moveTo>
-                    <a:pt x="0" y="0"/>
-                  </a:moveTo>
-                  <a:lnTo>
-                    <a:pt x="0" y="7486408"/>
-                  </a:lnTo>
-                </a:path>
-              </a:pathLst>
-            </a:custGeom>
-            <a:ln w="61722">
-              <a:solidFill>
-                <a:srgbClr val="EAEAEB"/>
-              </a:solidFill>
-            </a:ln>
-          </p:spPr>
-          <p:txBody>
-            <a:bodyPr wrap="square" lIns="0" tIns="0" rIns="0" bIns="0" rtlCol="0"/>
-            <a:lstStyle/>
-            <a:p>
-              <a:endParaRPr/>
-            </a:p>
-          </p:txBody>
-        </p:sp>
-        <p:sp>
-          <p:nvSpPr>
-            <p:cNvPr id="64" name="object 5">
-              <a:extLst>
-                <a:ext uri="{FF2B5EF4-FFF2-40B4-BE49-F238E27FC236}">
-                  <a16:creationId xmlns:a16="http://schemas.microsoft.com/office/drawing/2014/main" id="{6E97A2E1-56BC-2B46-9873-F675D66FF621}"/>
-                </a:ext>
-              </a:extLst>
-            </p:cNvPr>
-            <p:cNvSpPr/>
-            <p:nvPr/>
-          </p:nvSpPr>
-          <p:spPr>
-            <a:xfrm>
-              <a:off x="-247019" y="421767"/>
-              <a:ext cx="3844040" cy="7600950"/>
-            </a:xfrm>
-            <a:custGeom>
-              <a:avLst/>
-              <a:gdLst/>
-              <a:ahLst/>
-              <a:cxnLst/>
-              <a:rect l="l" t="t" r="r" b="b"/>
-              <a:pathLst>
-                <a:path w="3409950" h="7600950">
-                  <a:moveTo>
-                    <a:pt x="0" y="7600569"/>
-                  </a:moveTo>
-                  <a:lnTo>
-                    <a:pt x="3409492" y="7600569"/>
-                  </a:lnTo>
-                  <a:lnTo>
-                    <a:pt x="3409492" y="0"/>
-                  </a:lnTo>
-                  <a:lnTo>
-                    <a:pt x="0" y="0"/>
-                  </a:lnTo>
-                  <a:lnTo>
-                    <a:pt x="0" y="7600569"/>
-                  </a:lnTo>
-                  <a:close/>
-                </a:path>
-              </a:pathLst>
-            </a:custGeom>
-            <a:ln w="12954">
-              <a:solidFill>
-                <a:srgbClr val="EBEBEB"/>
-              </a:solidFill>
-            </a:ln>
-          </p:spPr>
-          <p:txBody>
-            <a:bodyPr wrap="square" lIns="0" tIns="0" rIns="0" bIns="0" rtlCol="0"/>
-            <a:lstStyle/>
-            <a:p>
-              <a:endParaRPr/>
-            </a:p>
-          </p:txBody>
-        </p:sp>
-      </p:grpSp>
     </p:spTree>
     <p:extLst>
       <p:ext uri="{BB962C8B-B14F-4D97-AF65-F5344CB8AC3E}">
@@ -10437,15 +12903,109 @@
               </a:lnSpc>
             </a:pPr>
             <a:r>
-              <a:rPr lang="it-IT" sz="800">
+              <a:rPr sz="800" spc="-10">
                 <a:solidFill>
                   <a:srgbClr val="6D6D6D"/>
                 </a:solidFill>
                 <a:latin typeface="Adobe Clean"/>
                 <a:cs typeface="Adobe Clean"/>
               </a:rPr>
-              <a:t>©2021 Adobe. All Rights Reserved. Adobe Confidential.</a:t>
-            </a:r>
+              <a:t>©202</a:t>
+            </a:r>
+            <a:r>
+              <a:rPr lang="en-US" sz="800" spc="-10">
+                <a:solidFill>
+                  <a:srgbClr val="6D6D6D"/>
+                </a:solidFill>
+                <a:latin typeface="Adobe Clean"/>
+                <a:cs typeface="Adobe Clean"/>
+              </a:rPr>
+              <a:t>1</a:t>
+            </a:r>
+            <a:r>
+              <a:rPr sz="800" spc="-5">
+                <a:solidFill>
+                  <a:srgbClr val="6D6D6D"/>
+                </a:solidFill>
+                <a:latin typeface="Adobe Clean"/>
+                <a:cs typeface="Adobe Clean"/>
+              </a:rPr>
+              <a:t> Adobe. All</a:t>
+            </a:r>
+            <a:r>
+              <a:rPr sz="800" spc="-15">
+                <a:solidFill>
+                  <a:srgbClr val="6D6D6D"/>
+                </a:solidFill>
+                <a:latin typeface="Adobe Clean"/>
+                <a:cs typeface="Adobe Clean"/>
+              </a:rPr>
+              <a:t> </a:t>
+            </a:r>
+            <a:r>
+              <a:rPr sz="800" spc="-10">
+                <a:solidFill>
+                  <a:srgbClr val="6D6D6D"/>
+                </a:solidFill>
+                <a:latin typeface="Adobe Clean"/>
+                <a:cs typeface="Adobe Clean"/>
+              </a:rPr>
+              <a:t>Rights</a:t>
+            </a:r>
+            <a:r>
+              <a:rPr sz="800" spc="-5">
+                <a:solidFill>
+                  <a:srgbClr val="6D6D6D"/>
+                </a:solidFill>
+                <a:latin typeface="Adobe Clean"/>
+                <a:cs typeface="Adobe Clean"/>
+              </a:rPr>
+              <a:t> </a:t>
+            </a:r>
+            <a:r>
+              <a:rPr sz="800" spc="-10">
+                <a:solidFill>
+                  <a:srgbClr val="6D6D6D"/>
+                </a:solidFill>
+                <a:latin typeface="Adobe Clean"/>
+                <a:cs typeface="Adobe Clean"/>
+              </a:rPr>
+              <a:t>Reserved.</a:t>
+            </a:r>
+            <a:r>
+              <a:rPr sz="800" spc="-5">
+                <a:solidFill>
+                  <a:srgbClr val="6D6D6D"/>
+                </a:solidFill>
+                <a:latin typeface="Adobe Clean"/>
+                <a:cs typeface="Adobe Clean"/>
+              </a:rPr>
+              <a:t> Adobe</a:t>
+            </a:r>
+            <a:r>
+              <a:rPr sz="800" spc="75">
+                <a:solidFill>
+                  <a:srgbClr val="6D6D6D"/>
+                </a:solidFill>
+                <a:latin typeface="Adobe Clean"/>
+                <a:cs typeface="Adobe Clean"/>
+              </a:rPr>
+              <a:t> </a:t>
+            </a:r>
+            <a:r>
+              <a:rPr sz="800" spc="-10">
+                <a:solidFill>
+                  <a:srgbClr val="6D6D6D"/>
+                </a:solidFill>
+                <a:latin typeface="Adobe Clean"/>
+                <a:cs typeface="Adobe Clean"/>
+              </a:rPr>
+              <a:t>Confidential.</a:t>
+            </a:r>
+            <a:endParaRPr sz="800">
+              <a:latin typeface="Adobe Clean"/>
+              <a:cs typeface="Adobe Clean"/>
+            </a:endParaRPr>
           </a:p>
         </p:txBody>
       </p:sp>
@@ -10457,8 +13017,8 @@
         </p:nvSpPr>
         <p:spPr>
           <a:xfrm>
-            <a:off x="4625924" y="914778"/>
-            <a:ext cx="2222172" cy="63806"/>
+            <a:off x="4724780" y="914778"/>
+            <a:ext cx="1954230" cy="57597"/>
           </a:xfrm>
           <a:custGeom>
             <a:avLst/>
@@ -10499,7 +13059,7 @@
         </p:nvSpPr>
         <p:spPr>
           <a:xfrm>
-            <a:off x="4645559" y="589788"/>
+            <a:off x="4843270" y="589788"/>
             <a:ext cx="2588260" cy="228268"/>
           </a:xfrm>
           <a:prstGeom prst="rect">
@@ -10507,29 +13067,190 @@
           </a:prstGeom>
         </p:spPr>
         <p:txBody>
-          <a:bodyPr vert="horz" wrap="square" lIns="0" tIns="12700" rIns="0" bIns="0" rtlCol="0">
+          <a:bodyPr vert="horz" wrap="square" lIns="0" tIns="12700" rIns="0" bIns="0" rtlCol="0" anchor="t">
             <a:spAutoFit/>
           </a:bodyPr>
           <a:lstStyle/>
           <a:p>
             <a:pPr marL="12700">
-              <a:lnSpc>
-                <a:spcPct val="100000"/>
-              </a:lnSpc>
               <a:spcBef>
                 <a:spcPts val="100"/>
               </a:spcBef>
             </a:pPr>
             <a:r>
-              <a:rPr lang="it-IT" sz="1400" b="1" dirty="0">
-                <a:solidFill>
-                  <a:srgbClr val="020302"/>
-                </a:solidFill>
-                <a:latin typeface="Adobe Clean"/>
-                <a:cs typeface="Adobe Clean"/>
-              </a:rPr>
-              <a:t>Attività di servizio sul campo</a:t>
-            </a:r>
+              <a:rPr sz="1400" b="1" spc="-25" dirty="0">
+                <a:solidFill>
+                  <a:srgbClr val="020302"/>
+                </a:solidFill>
+                <a:latin typeface="Adobe Clean"/>
+                <a:cs typeface="Adobe Clean"/>
+              </a:rPr>
+              <a:t>Fi</a:t>
+            </a:r>
+            <a:r>
+              <a:rPr sz="1400" b="1" spc="-30" dirty="0">
+                <a:solidFill>
+                  <a:srgbClr val="020302"/>
+                </a:solidFill>
+                <a:latin typeface="Adobe Clean"/>
+                <a:cs typeface="Adobe Clean"/>
+              </a:rPr>
+              <a:t>e</a:t>
+            </a:r>
+            <a:r>
+              <a:rPr sz="1400" b="1" spc="-25" dirty="0">
+                <a:solidFill>
+                  <a:srgbClr val="020302"/>
+                </a:solidFill>
+                <a:latin typeface="Adobe Clean"/>
+                <a:cs typeface="Adobe Clean"/>
+              </a:rPr>
+              <a:t>l</a:t>
+            </a:r>
+            <a:r>
+              <a:rPr sz="1400" b="1" dirty="0">
+                <a:solidFill>
+                  <a:srgbClr val="020302"/>
+                </a:solidFill>
+                <a:latin typeface="Adobe Clean"/>
+                <a:cs typeface="Adobe Clean"/>
+              </a:rPr>
+              <a:t>d</a:t>
+            </a:r>
+            <a:r>
+              <a:rPr sz="1400" b="1" spc="-45" dirty="0">
+                <a:solidFill>
+                  <a:srgbClr val="020302"/>
+                </a:solidFill>
+                <a:latin typeface="Adobe Clean"/>
+                <a:cs typeface="Adobe Clean"/>
+              </a:rPr>
+              <a:t> </a:t>
+            </a:r>
+            <a:r>
+              <a:rPr sz="1400" b="1" spc="20" dirty="0">
+                <a:solidFill>
+                  <a:srgbClr val="020302"/>
+                </a:solidFill>
+                <a:latin typeface="Adobe Clean"/>
+                <a:cs typeface="Adobe Clean"/>
+              </a:rPr>
+              <a:t>S</a:t>
+            </a:r>
+            <a:r>
+              <a:rPr sz="1400" b="1" spc="10" dirty="0">
+                <a:solidFill>
+                  <a:srgbClr val="020302"/>
+                </a:solidFill>
+                <a:latin typeface="Adobe Clean"/>
+                <a:cs typeface="Adobe Clean"/>
+              </a:rPr>
+              <a:t>e</a:t>
+            </a:r>
+            <a:r>
+              <a:rPr sz="1400" b="1" spc="15" dirty="0">
+                <a:solidFill>
+                  <a:srgbClr val="020302"/>
+                </a:solidFill>
+                <a:latin typeface="Adobe Clean"/>
+                <a:cs typeface="Adobe Clean"/>
+              </a:rPr>
+              <a:t>rvi</a:t>
+            </a:r>
+            <a:r>
+              <a:rPr sz="1400" b="1" spc="10" dirty="0">
+                <a:solidFill>
+                  <a:srgbClr val="020302"/>
+                </a:solidFill>
+                <a:latin typeface="Adobe Clean"/>
+                <a:cs typeface="Adobe Clean"/>
+              </a:rPr>
+              <a:t>c</a:t>
+            </a:r>
+            <a:r>
+              <a:rPr sz="1400" b="1" dirty="0">
+                <a:solidFill>
+                  <a:srgbClr val="020302"/>
+                </a:solidFill>
+                <a:latin typeface="Adobe Clean"/>
+                <a:cs typeface="Adobe Clean"/>
+              </a:rPr>
+              <a:t>e</a:t>
+            </a:r>
+            <a:r>
+              <a:rPr lang="en-US" sz="1400" b="1" dirty="0">
+                <a:solidFill>
+                  <a:srgbClr val="020302"/>
+                </a:solidFill>
+                <a:latin typeface="Adobe Clean"/>
+                <a:cs typeface="Adobe Clean"/>
+              </a:rPr>
+              <a:t> </a:t>
+            </a:r>
+            <a:r>
+              <a:rPr sz="1400" b="1" spc="5" dirty="0">
+                <a:solidFill>
+                  <a:srgbClr val="020302"/>
+                </a:solidFill>
+                <a:latin typeface="Adobe Clean"/>
+                <a:cs typeface="Adobe Clean"/>
+              </a:rPr>
+              <a:t>A</a:t>
+            </a:r>
+            <a:r>
+              <a:rPr sz="1400" b="1" dirty="0">
+                <a:solidFill>
+                  <a:srgbClr val="020302"/>
+                </a:solidFill>
+                <a:latin typeface="Adobe Clean"/>
+                <a:cs typeface="Adobe Clean"/>
+              </a:rPr>
+              <a:t>ct</a:t>
+            </a:r>
+            <a:r>
+              <a:rPr sz="1400" b="1" spc="5" dirty="0">
+                <a:solidFill>
+                  <a:srgbClr val="020302"/>
+                </a:solidFill>
+                <a:latin typeface="Adobe Clean"/>
+                <a:cs typeface="Adobe Clean"/>
+              </a:rPr>
+              <a:t>ivi</a:t>
+            </a:r>
+            <a:r>
+              <a:rPr sz="1400" b="1" dirty="0">
+                <a:solidFill>
+                  <a:srgbClr val="020302"/>
+                </a:solidFill>
+                <a:latin typeface="Adobe Clean"/>
+                <a:cs typeface="Adobe Clean"/>
+              </a:rPr>
+              <a:t>t</a:t>
+            </a:r>
+            <a:r>
+              <a:rPr sz="1400" b="1" spc="5" dirty="0">
+                <a:solidFill>
+                  <a:srgbClr val="020302"/>
+                </a:solidFill>
+                <a:latin typeface="Adobe Clean"/>
+                <a:cs typeface="Adobe Clean"/>
+              </a:rPr>
+              <a:t>i</a:t>
+            </a:r>
+            <a:r>
+              <a:rPr sz="1400" b="1" dirty="0">
+                <a:solidFill>
+                  <a:srgbClr val="020302"/>
+                </a:solidFill>
+                <a:latin typeface="Adobe Clean"/>
+                <a:cs typeface="Adobe Clean"/>
+              </a:rPr>
+              <a:t>es</a:t>
+            </a:r>
+            <a:endParaRPr sz="1400" dirty="0">
+              <a:latin typeface="Adobe Clean"/>
+              <a:cs typeface="Adobe Clean"/>
+            </a:endParaRPr>
           </a:p>
         </p:txBody>
       </p:sp>
@@ -10563,15 +13284,99 @@
               </a:spcBef>
             </a:pPr>
             <a:r>
-              <a:rPr lang="it-IT" sz="1400" b="1">
-                <a:solidFill>
-                  <a:srgbClr val="020302"/>
-                </a:solidFill>
-                <a:latin typeface="Adobe Clean"/>
-                <a:cs typeface="Adobe Clean"/>
-              </a:rPr>
-              <a:t>Launch Advisory </a:t>
-            </a:r>
+              <a:rPr sz="1400" b="1" spc="-20">
+                <a:solidFill>
+                  <a:srgbClr val="020302"/>
+                </a:solidFill>
+                <a:latin typeface="Adobe Clean"/>
+                <a:cs typeface="Adobe Clean"/>
+              </a:rPr>
+              <a:t>L</a:t>
+            </a:r>
+            <a:r>
+              <a:rPr sz="1400" b="1" spc="-10">
+                <a:solidFill>
+                  <a:srgbClr val="020302"/>
+                </a:solidFill>
+                <a:latin typeface="Adobe Clean"/>
+                <a:cs typeface="Adobe Clean"/>
+              </a:rPr>
+              <a:t>a</a:t>
+            </a:r>
+            <a:r>
+              <a:rPr sz="1400" b="1" spc="-15">
+                <a:solidFill>
+                  <a:srgbClr val="020302"/>
+                </a:solidFill>
+                <a:latin typeface="Adobe Clean"/>
+                <a:cs typeface="Adobe Clean"/>
+              </a:rPr>
+              <a:t>un</a:t>
+            </a:r>
+            <a:r>
+              <a:rPr sz="1400" b="1" spc="-20">
+                <a:solidFill>
+                  <a:srgbClr val="020302"/>
+                </a:solidFill>
+                <a:latin typeface="Adobe Clean"/>
+                <a:cs typeface="Adobe Clean"/>
+              </a:rPr>
+              <a:t>c</a:t>
+            </a:r>
+            <a:r>
+              <a:rPr sz="1400" b="1">
+                <a:solidFill>
+                  <a:srgbClr val="020302"/>
+                </a:solidFill>
+                <a:latin typeface="Adobe Clean"/>
+                <a:cs typeface="Adobe Clean"/>
+              </a:rPr>
+              <a:t>h</a:t>
+            </a:r>
+            <a:r>
+              <a:rPr sz="1400" b="1" spc="-30">
+                <a:solidFill>
+                  <a:srgbClr val="020302"/>
+                </a:solidFill>
+                <a:latin typeface="Adobe Clean"/>
+                <a:cs typeface="Adobe Clean"/>
+              </a:rPr>
+              <a:t> </a:t>
+            </a:r>
+            <a:r>
+              <a:rPr sz="1400" b="1" spc="-10">
+                <a:solidFill>
+                  <a:srgbClr val="020302"/>
+                </a:solidFill>
+                <a:latin typeface="Adobe Clean"/>
+                <a:cs typeface="Adobe Clean"/>
+              </a:rPr>
+              <a:t>Advisor</a:t>
+            </a:r>
+            <a:r>
+              <a:rPr sz="1400" b="1">
+                <a:solidFill>
+                  <a:srgbClr val="020302"/>
+                </a:solidFill>
+                <a:latin typeface="Adobe Clean"/>
+                <a:cs typeface="Adobe Clean"/>
+              </a:rPr>
+              <a:t>y</a:t>
+            </a:r>
+            <a:r>
+              <a:rPr sz="1400" b="1" spc="-60">
+                <a:solidFill>
+                  <a:srgbClr val="020302"/>
+                </a:solidFill>
+                <a:latin typeface="Adobe Clean"/>
+                <a:cs typeface="Adobe Clean"/>
+              </a:rPr>
+              <a:t> </a:t>
+            </a:r>
+            <a:endParaRPr sz="1400">
+              <a:latin typeface="Adobe Clean"/>
+              <a:cs typeface="Adobe Clean"/>
+            </a:endParaRPr>
           </a:p>
         </p:txBody>
       </p:sp>
@@ -10602,88 +13407,106 @@
               </a:spcBef>
             </a:pPr>
             <a:r>
-              <a:rPr lang="it-IT" sz="1000">
+              <a:rPr lang="en-US" sz="1000">
                 <a:solidFill>
                   <a:srgbClr val="1F1F1F"/>
                 </a:solidFill>
                 <a:latin typeface="AdobeClean-Light"/>
                 <a:cs typeface="AdobeClean-Light"/>
               </a:rPr>
-              <a:t>Per i clienti che implementano una</a:t>
-            </a:r>
-            <a:r>
-              <a:rPr lang="it-IT" sz="1000" b="1">
+              <a:t>For customers </a:t>
+            </a:r>
+            <a:r>
+              <a:rPr sz="1000">
                 <a:solidFill>
                   <a:srgbClr val="1F1F1F"/>
                 </a:solidFill>
-                <a:latin typeface="Adobe Clean"/>
-                <a:cs typeface="Adobe Clean"/>
-              </a:rPr>
-              <a:t> nuova soluzione Adobe Experience Cloud, </a:t>
-            </a:r>
-            <a:r>
-              <a:rPr lang="it-IT" sz="1000">
+                <a:latin typeface="AdobeClean-Light"/>
+                <a:cs typeface="AdobeClean-Light"/>
+              </a:rPr>
+              <a:t>implementing a </a:t>
+            </a:r>
+            <a:r>
+              <a:rPr sz="1000" b="1">
+                <a:solidFill>
+                  <a:srgbClr val="1F1F1F"/>
+                </a:solidFill>
+                <a:latin typeface="Adobe Clean"/>
+                <a:cs typeface="Adobe Clean"/>
+              </a:rPr>
+              <a:t>new Adobe Experience Cloud solution</a:t>
+            </a:r>
+            <a:r>
+              <a:rPr lang="en-US" sz="1000" b="1">
+                <a:solidFill>
+                  <a:srgbClr val="1F1F1F"/>
+                </a:solidFill>
+                <a:latin typeface="Adobe Clean"/>
+                <a:cs typeface="Adobe Clean"/>
+              </a:rPr>
+              <a:t>, </a:t>
+            </a:r>
+            <a:r>
+              <a:rPr lang="en-US" sz="1000">
                 <a:latin typeface="Adobe Clean Light" charset="0"/>
                 <a:ea typeface="Adobe Clean Light" charset="0"/>
                 <a:cs typeface="Adobe Clean Light" charset="0"/>
               </a:rPr>
-              <a:t>Launch Advisory</a:t>
-            </a:r>
-            <a:r>
-              <a:rPr lang="it-IT" sz="1000">
+              <a:t>Launch Advisory </a:t>
+            </a:r>
+            <a:r>
+              <a:rPr lang="en-US" sz="1000">
                 <a:solidFill>
                   <a:srgbClr val="000000"/>
                 </a:solidFill>
                 <a:latin typeface="Adobe Clean SemiLight" panose="020B0403020404020204" pitchFamily="34" charset="0"/>
               </a:rPr>
-              <a:t> offre un </a:t>
-            </a:r>
-            <a:r>
-              <a:rPr lang="it-IT" sz="1000" b="1">
+              <a:t>is a </a:t>
+            </a:r>
+            <a:r>
+              <a:rPr lang="en-US" sz="1000" b="1">
                 <a:solidFill>
                   <a:srgbClr val="000000"/>
                 </a:solidFill>
                 <a:latin typeface="Adobe Clean SemiLight" panose="020B0403020404020204" pitchFamily="34" charset="0"/>
               </a:rPr>
-              <a:t>set principale di servizi di consulenza</a:t>
-            </a:r>
-            <a:r>
-              <a:rPr lang="it-IT" sz="1000">
+              <a:t>core set of advisory services </a:t>
+            </a:r>
+            <a:r>
+              <a:rPr lang="en-US" sz="1000">
                 <a:latin typeface="Adobe Clean Light" charset="0"/>
                 <a:ea typeface="Adobe Clean Light" charset="0"/>
                 <a:cs typeface="Adobe Clean Light" charset="0"/>
               </a:rPr>
-              <a:t> e raccomandazioni consolidate, utili per il </a:t>
-            </a:r>
-            <a:r>
-              <a:rPr lang="it-IT" sz="1000" b="1">
+              <a:t>and recommendations that </a:t>
+            </a:r>
+            <a:r>
+              <a:rPr lang="en-US" sz="1000">
                 <a:latin typeface="Adobe Clean Light" charset="0"/>
-                <a:ea typeface="Adobe Clean Light" charset="0"/>
-                <a:cs typeface="Adobe Clean Light" charset="0"/>
-              </a:rPr>
-              <a:t>successo dell’implementazione</a:t>
-            </a:r>
-            <a:r>
-              <a:rPr lang="it-IT" sz="1000">
+              </a:rPr>
+              <a:t>are proven to </a:t>
+            </a:r>
+            <a:r>
+              <a:rPr lang="en-US" sz="1000" b="1">
                 <a:latin typeface="Adobe Clean Light" charset="0"/>
-                <a:ea typeface="Adobe Clean Light" charset="0"/>
-                <a:cs typeface="Adobe Clean Light" charset="0"/>
-              </a:rPr>
-              <a:t> e </a:t>
-            </a:r>
-            <a:r>
-              <a:rPr lang="it-IT" sz="1000" b="1">
+              </a:rPr>
+              <a:t>support successful deployments </a:t>
+            </a:r>
+            <a:r>
+              <a:rPr lang="en-US" sz="1000">
                 <a:latin typeface="Adobe Clean Light" charset="0"/>
-                <a:ea typeface="Adobe Clean Light" charset="0"/>
-                <a:cs typeface="Adobe Clean Light" charset="0"/>
-              </a:rPr>
-              <a:t>per velocizzare il time-to-value</a:t>
-            </a:r>
-            <a:r>
-              <a:rPr lang="it-IT" sz="1000">
+              </a:rPr>
+              <a:t>and </a:t>
+            </a:r>
+            <a:r>
+              <a:rPr lang="en-US" sz="1000" b="1">
                 <a:latin typeface="Adobe Clean Light" charset="0"/>
-                <a:ea typeface="Adobe Clean Light" charset="0"/>
-                <a:cs typeface="Adobe Clean Light" charset="0"/>
+              </a:rPr>
+              <a:t>accelerate time-to-value</a:t>
+            </a:r>
+            <a:r>
+              <a:rPr lang="en-US" sz="1000">
+                <a:latin typeface="Adobe Clean Light" charset="0"/>
               </a:rPr>
               <a:t>.</a:t>
             </a:r>
@@ -10744,68 +13567,75 @@
               </a:spcBef>
             </a:pPr>
             <a:r>
-              <a:rPr lang="it-IT" sz="1000">
+              <a:rPr lang="en-US" sz="1000">
                 <a:solidFill>
                   <a:srgbClr val="4B4B4B"/>
                 </a:solidFill>
                 <a:latin typeface="Adobe Clean Light" panose="020B0303020404020204" pitchFamily="34" charset="0"/>
               </a:rPr>
-              <a:t>I servizi sul campo sono utilizzati per la </a:t>
-            </a:r>
-            <a:r>
-              <a:rPr lang="it-IT" sz="1000" b="1">
+              <a:t>Field Services are used for </a:t>
+            </a:r>
+            <a:r>
+              <a:rPr lang="en-US" sz="1000" b="1">
                 <a:solidFill>
                   <a:srgbClr val="4B4B4B"/>
                 </a:solidFill>
                 <a:latin typeface="Adobe Clean" panose="020B0503020404020204" pitchFamily="34" charset="0"/>
               </a:rPr>
-              <a:t>risoluzione rapida</a:t>
-            </a:r>
-            <a:r>
-              <a:rPr lang="it-IT" sz="1000">
+              <a:t>quick resolution</a:t>
+            </a:r>
+            <a:r>
+              <a:rPr lang="en-US" sz="1000">
                 <a:solidFill>
                   <a:srgbClr val="4B4B4B"/>
                 </a:solidFill>
                 <a:latin typeface="Adobe Clean Light" panose="020B0303020404020204" pitchFamily="34" charset="0"/>
               </a:rPr>
-              <a:t> e si incentrano sul successo dei clienti e la velocizzazione del </a:t>
-            </a:r>
-            <a:r>
-              <a:rPr lang="it-IT" sz="1000" b="1">
+              <a:t>, focused customer success and accelerated</a:t>
+            </a:r>
+            <a:r>
+              <a:rPr lang="en-US" sz="1000" b="1">
                 <a:solidFill>
                   <a:srgbClr val="4B4B4B"/>
                 </a:solidFill>
                 <a:latin typeface="Adobe Clean" panose="020B0503020404020204" pitchFamily="34" charset="0"/>
               </a:rPr>
-              <a:t>time-to-value</a:t>
-            </a:r>
-            <a:r>
-              <a:rPr lang="it-IT" sz="1000">
+              <a:t> time-to-value</a:t>
+            </a:r>
+            <a:r>
+              <a:rPr lang="en-US" sz="1000">
                 <a:solidFill>
                   <a:srgbClr val="4B4B4B"/>
                 </a:solidFill>
                 <a:latin typeface="Adobe Clean Light" panose="020B0303020404020204" pitchFamily="34" charset="0"/>
               </a:rPr>
-              <a:t>. Se Launch Advisory è attivo, </a:t>
-            </a:r>
-            <a:r>
-              <a:rPr lang="it-IT" sz="1000" b="1">
+              <a:t>. If Launch advisory is active there will be </a:t>
+            </a:r>
+            <a:r>
+              <a:rPr lang="en-US" sz="1000" b="1">
                 <a:solidFill>
                   <a:srgbClr val="4B4B4B"/>
                 </a:solidFill>
                 <a:latin typeface="Adobe Clean" panose="020B0503020404020204" pitchFamily="34" charset="0"/>
               </a:rPr>
-              <a:t>nel primo anno non sono previsti servizi sul campo</a:t>
-            </a:r>
-            <a:r>
-              <a:rPr lang="it-IT" sz="1000">
+              <a:t>no Field Services in year 1 </a:t>
+            </a:r>
+            <a:r>
+              <a:rPr lang="en-US" sz="1000">
                 <a:solidFill>
                   <a:srgbClr val="4B4B4B"/>
                 </a:solidFill>
                 <a:latin typeface="Adobe Clean Light" panose="020B0303020404020204" pitchFamily="34" charset="0"/>
               </a:rPr>
-              <a:t> per i prodotti coperti da un contratto di supporto Adobe. </a:t>
-            </a:r>
+              <a:t>for any solution product covered by an Adobe Support contract. </a:t>
+            </a:r>
+            <a:endParaRPr lang="en-US" sz="1000">
+              <a:solidFill>
+                <a:srgbClr val="1F1F1F"/>
+              </a:solidFill>
+              <a:latin typeface="Adobe Clean Light" panose="020B0303020404020204" pitchFamily="34" charset="0"/>
+              <a:cs typeface="Adobe Clean"/>
+            </a:endParaRPr>
           </a:p>
           <a:p>
             <a:pPr marL="24130" marR="5080">
@@ -10982,7 +13812,7 @@
         <p:spPr>
           <a:xfrm>
             <a:off x="172087" y="3867961"/>
-            <a:ext cx="3525469" cy="2490425"/>
+            <a:ext cx="3525469" cy="2336537"/>
           </a:xfrm>
           <a:prstGeom prst="rect">
             <a:avLst/>
@@ -11000,54 +13830,37 @@
               </a:spcBef>
             </a:pPr>
             <a:r>
-              <a:rPr lang="it-IT" sz="1000" dirty="0">
+              <a:rPr lang="en-US" sz="1000">
                 <a:latin typeface="Adobe Clean Light" charset="0"/>
               </a:rPr>
-              <a:t>Gli esperti delle soluzioni Adobe aiutano a convalidare i requisiti, l’architettura, il processo di sviluppo e lo stato di preparazione, </a:t>
-            </a:r>
-            <a:r>
-              <a:rPr lang="it-IT" sz="1000" dirty="0">
+              <a:t>Adobe solution experts help validate requirements, architecture, development process, and launch readiness reviews </a:t>
+            </a:r>
+            <a:r>
+              <a:rPr lang="en-US" sz="1000">
                 <a:solidFill>
                   <a:srgbClr val="000000"/>
                 </a:solidFill>
                 <a:latin typeface="Adobe Clean SemiLight" panose="020B0403020404020204" pitchFamily="34" charset="0"/>
               </a:rPr>
-              <a:t>con </a:t>
-            </a:r>
-            <a:r>
-              <a:rPr lang="it-IT" sz="1000" b="1" dirty="0">
+              <a:t>with </a:t>
+            </a:r>
+            <a:r>
+              <a:rPr lang="en-US" sz="1000" b="1">
                 <a:solidFill>
                   <a:srgbClr val="000000"/>
                 </a:solidFill>
                 <a:latin typeface="Adobe Clean SemiLight" panose="020B0403020404020204" pitchFamily="34" charset="0"/>
               </a:rPr>
-              <a:t>indicazioni basate su best practice</a:t>
-            </a:r>
-            <a:r>
-              <a:rPr lang="it-IT" sz="1000" dirty="0">
+              <a:t>best practice-based guidance </a:t>
+            </a:r>
+            <a:r>
+              <a:rPr lang="en-US" sz="1000">
                 <a:solidFill>
                   <a:srgbClr val="000000"/>
                 </a:solidFill>
                 <a:latin typeface="Adobe Clean SemiLight" panose="020B0403020404020204" pitchFamily="34" charset="0"/>
               </a:rPr>
-              <a:t> rivolte ai clienti e ai partner </a:t>
-            </a:r>
-            <a:br>
-              <a:rPr lang="sk-SK" sz="1000" dirty="0">
-                <a:solidFill>
-                  <a:srgbClr val="000000"/>
-                </a:solidFill>
-                <a:latin typeface="Adobe Clean SemiLight" panose="020B0403020404020204" pitchFamily="34" charset="0"/>
-              </a:rPr>
-            </a:br>
-            <a:r>
-              <a:rPr lang="it-IT" sz="1000" dirty="0">
-                <a:solidFill>
-                  <a:srgbClr val="000000"/>
-                </a:solidFill>
-                <a:latin typeface="Adobe Clean SemiLight" panose="020B0403020404020204" pitchFamily="34" charset="0"/>
-              </a:rPr>
-              <a:t>di implementazione.</a:t>
+              <a:t>to customers and implementation partners.</a:t>
             </a:r>
           </a:p>
           <a:p>
@@ -11056,7 +13869,7 @@
                 <a:spcPts val="100"/>
               </a:spcBef>
             </a:pPr>
-            <a:endParaRPr lang="en-US" sz="1000" dirty="0">
+            <a:endParaRPr lang="en-US" sz="1000">
               <a:solidFill>
                 <a:srgbClr val="1F1F1F"/>
               </a:solidFill>
@@ -11071,33 +13884,22 @@
               </a:spcBef>
             </a:pPr>
             <a:r>
-              <a:rPr lang="it-IT" sz="1000" dirty="0">
+              <a:rPr lang="en-US" sz="1000">
                 <a:latin typeface="Adobe Clean Light" charset="0"/>
               </a:rPr>
-              <a:t>Launch Advisory si allinea alla pianificazione del progetto</a:t>
-            </a:r>
-            <a:br>
-              <a:rPr lang="sk-SK" sz="1000" dirty="0">
+              <a:t>Launch Advisory will align with your project schedule through common milestones (</a:t>
+            </a:r>
+            <a:r>
+              <a:rPr lang="en-US" sz="1000" b="1">
                 <a:latin typeface="Adobe Clean Light" charset="0"/>
               </a:rPr>
-            </a:br>
-            <a:r>
-              <a:rPr lang="it-IT" sz="1000" dirty="0">
+              <a:t>Kickoff, Define, Design, Go-live and Post Launch</a:t>
+            </a:r>
+            <a:r>
+              <a:rPr lang="en-US" sz="1000">
                 <a:latin typeface="Adobe Clean Light" charset="0"/>
               </a:rPr>
-              <a:t>del cliente, con obiettivi intermedi comuni (</a:t>
-            </a:r>
-            <a:r>
-              <a:rPr lang="it-IT" sz="1000" b="1" dirty="0">
-                <a:latin typeface="Adobe Clean Light" charset="0"/>
-              </a:rPr>
-              <a:t>avvio, definizione, progettazione, lancio e post-lancio</a:t>
-            </a:r>
-            <a:r>
-              <a:rPr lang="it-IT" sz="1000" dirty="0">
-                <a:latin typeface="Adobe Clean Light" charset="0"/>
-              </a:rPr>
-              <a:t>) per guidare, convalidare, valutare e formulare raccomandazioni.</a:t>
+              <a:t>) to guide, validate, assess and make recommendations.</a:t>
             </a:r>
           </a:p>
           <a:p>
@@ -11106,7 +13908,7 @@
                 <a:spcPts val="100"/>
               </a:spcBef>
             </a:pPr>
-            <a:endParaRPr lang="en-US" sz="1000" dirty="0">
+            <a:endParaRPr lang="en-US" sz="1000">
               <a:latin typeface="Adobe Clean Light" charset="0"/>
             </a:endParaRPr>
           </a:p>
@@ -11117,10 +13919,10 @@
               </a:spcBef>
             </a:pPr>
             <a:r>
-              <a:rPr lang="it-IT" sz="1000" dirty="0">
+              <a:rPr lang="en-US" sz="1000">
                 <a:latin typeface="Adobe Clean Light" charset="0"/>
               </a:rPr>
-              <a:t>Il servizio include i seguenti materiali:</a:t>
+              <a:t>Key Deliverables include:</a:t>
             </a:r>
           </a:p>
           <a:p>
@@ -11132,8 +13934,8 @@
               <a:buChar char="•"/>
             </a:pPr>
             <a:r>
-              <a:rPr lang="it-IT" sz="1000" dirty="0"/>
-              <a:t>Piano di lancio (incluso il piano di collaborazione al progetto)</a:t>
+              <a:rPr lang="en-US" sz="1000"/>
+              <a:t>Kickoff (including project collaboration plan) deck</a:t>
             </a:r>
           </a:p>
           <a:p>
@@ -11145,8 +13947,8 @@
               <a:buChar char="•"/>
             </a:pPr>
             <a:r>
-              <a:rPr lang="it-IT" sz="1000" dirty="0"/>
-              <a:t>Documentazione relativa a valutazione e raccomandazioni</a:t>
+              <a:rPr lang="en-US" sz="1000"/>
+              <a:t>Assessment &amp; recommendations document(s)</a:t>
             </a:r>
           </a:p>
           <a:p>
@@ -11158,8 +13960,8 @@
               <a:buChar char="•"/>
             </a:pPr>
             <a:r>
-              <a:rPr lang="it-IT" sz="1000" dirty="0"/>
-              <a:t>Riepilogo dell’ambito delle attività di consulenza</a:t>
+              <a:rPr lang="en-US" sz="1000"/>
+              <a:t>Engagement summary</a:t>
             </a:r>
           </a:p>
         </p:txBody>
@@ -11263,8 +14065,8 @@
           <a:p>
             <a:pPr algn="ctr"/>
             <a:r>
-              <a:rPr lang="it-IT" sz="1600"/>
-              <a:t>Esecuzione e utilizzo</a:t>
+              <a:rPr lang="en-US" sz="1600"/>
+              <a:t>Run &amp; Operate</a:t>
             </a:r>
           </a:p>
         </p:txBody>
@@ -11369,8 +14171,8 @@
           <a:p>
             <a:pPr algn="ctr"/>
             <a:r>
-              <a:rPr lang="it-IT" sz="1600"/>
-              <a:t>Implementazione</a:t>
+              <a:rPr lang="en-US" sz="1600"/>
+              <a:t>Implementation</a:t>
             </a:r>
           </a:p>
         </p:txBody>
@@ -11405,8 +14207,8 @@
           <a:p>
             <a:pPr algn="ctr"/>
             <a:r>
-              <a:rPr lang="it-IT" sz="1100"/>
-              <a:t>Post-lancio</a:t>
+              <a:rPr lang="en-US" sz="1100"/>
+              <a:t>Post Launch</a:t>
             </a:r>
           </a:p>
         </p:txBody>
@@ -11426,20 +14228,15 @@
           <p:nvPr/>
         </p:nvPicPr>
         <p:blipFill>
-          <a:blip r:embed="rId4">
-            <a:extLst>
-              <a:ext uri="{28A0092B-C50C-407E-A947-70E740481C1C}">
-                <a14:useLocalDpi xmlns:a14="http://schemas.microsoft.com/office/drawing/2010/main" val="0"/>
-              </a:ext>
-            </a:extLst>
-          </a:blip>
-          <a:srcRect/>
-          <a:stretch/>
+          <a:blip r:embed="rId4"/>
+          <a:stretch>
+            <a:fillRect/>
+          </a:stretch>
         </p:blipFill>
         <p:spPr>
           <a:xfrm>
-            <a:off x="334498" y="6379881"/>
-            <a:ext cx="3096805" cy="2855621"/>
+            <a:off x="333965" y="6379881"/>
+            <a:ext cx="3097872" cy="2855621"/>
           </a:xfrm>
           <a:prstGeom prst="rect">
             <a:avLst/>
@@ -11522,7 +14319,7 @@
           </a:prstGeom>
         </p:spPr>
         <p:txBody>
-          <a:bodyPr wrap="square">
+          <a:bodyPr wrap="square" lIns="91440" tIns="45720" rIns="91440" bIns="45720" anchor="t">
             <a:spAutoFit/>
           </a:bodyPr>
           <a:lstStyle/>
@@ -11533,74 +14330,29 @@
               </a:spcBef>
             </a:pPr>
             <a:r>
-              <a:rPr lang="it-IT" sz="1000" b="1" dirty="0">
+              <a:rPr lang="en-US" sz="1000" b="1" dirty="0">
                 <a:solidFill>
                   <a:srgbClr val="000000"/>
                 </a:solidFill>
                 <a:latin typeface="+mj-lt"/>
               </a:rPr>
-              <a:t>Le attività tecniche</a:t>
-            </a:r>
-            <a:r>
-              <a:rPr lang="it-IT" sz="1000" dirty="0">
+              <a:t>Technical Track Activities </a:t>
+            </a:r>
+            <a:r>
+              <a:rPr lang="en-US" sz="1000" dirty="0">
                 <a:solidFill>
                   <a:srgbClr val="000000"/>
                 </a:solidFill>
-                <a:latin typeface="Adobe Clean Light" panose="020B0303020404020204" pitchFamily="34" charset="0"/>
-              </a:rPr>
-              <a:t> supportano le competenze tecniche del clienti e sono volte a massimizzare l’adozione degli strumenti. </a:t>
-            </a:r>
-            <a:br>
-              <a:rPr lang="sk-SK" sz="1000" dirty="0">
-                <a:solidFill>
-                  <a:srgbClr val="000000"/>
-                </a:solidFill>
-                <a:latin typeface="Adobe Clean Light" panose="020B0303020404020204" pitchFamily="34" charset="0"/>
-              </a:rPr>
-            </a:br>
-            <a:r>
-              <a:rPr lang="it-IT" sz="1000" dirty="0">
-                <a:solidFill>
-                  <a:srgbClr val="000000"/>
-                </a:solidFill>
-                <a:latin typeface="Adobe Clean Light" panose="020B0303020404020204" pitchFamily="34" charset="0"/>
-              </a:rPr>
-              <a:t>In particolare, includono supporto e raccomandazioni in merito </a:t>
-            </a:r>
-            <a:br>
-              <a:rPr lang="sk-SK" sz="1000" dirty="0">
-                <a:solidFill>
-                  <a:srgbClr val="000000"/>
-                </a:solidFill>
-                <a:latin typeface="Adobe Clean Light" panose="020B0303020404020204" pitchFamily="34" charset="0"/>
-              </a:rPr>
-            </a:br>
-            <a:r>
-              <a:rPr lang="it-IT" sz="1000" dirty="0">
-                <a:solidFill>
-                  <a:srgbClr val="000000"/>
-                </a:solidFill>
-                <a:latin typeface="Adobe Clean Light" panose="020B0303020404020204" pitchFamily="34" charset="0"/>
-              </a:rPr>
-              <a:t>a configurazioni della piattaforma, integrazioni e risoluzione </a:t>
-            </a:r>
-            <a:br>
-              <a:rPr lang="sk-SK" sz="1000" dirty="0">
-                <a:solidFill>
-                  <a:srgbClr val="000000"/>
-                </a:solidFill>
-                <a:latin typeface="Adobe Clean Light" panose="020B0303020404020204" pitchFamily="34" charset="0"/>
-              </a:rPr>
-            </a:br>
-            <a:r>
-              <a:rPr lang="it-IT" sz="1000" dirty="0">
-                <a:solidFill>
-                  <a:srgbClr val="000000"/>
-                </a:solidFill>
-                <a:latin typeface="Adobe Clean Light" panose="020B0303020404020204" pitchFamily="34" charset="0"/>
-              </a:rPr>
-              <a:t>di problemi</a:t>
-            </a:r>
+                <a:latin typeface="Adobe Clean Light"/>
+              </a:rPr>
+              <a:t>ensure customers are technically sound and maximizing their tool adoption. Specifically, these types of activities include support and recommendations related to platform configurations, integrations and troubleshooting.</a:t>
+            </a:r>
+            <a:endParaRPr lang="en-US" sz="1000" dirty="0">
+              <a:solidFill>
+                <a:srgbClr val="000000"/>
+              </a:solidFill>
+              <a:latin typeface="Adobe Clean Light" panose="020B0303020404020204" pitchFamily="34" charset="0"/>
+            </a:endParaRPr>
           </a:p>
           <a:p>
             <a:pPr marL="12700" marR="5080">
@@ -11608,7 +14360,7 @@
                 <a:spcPts val="100"/>
               </a:spcBef>
             </a:pPr>
-            <a:endParaRPr lang="en-US" sz="1000" dirty="0">
+            <a:endParaRPr lang="en-US" sz="1000">
               <a:latin typeface="Adobe Clean Light" charset="0"/>
             </a:endParaRPr>
           </a:p>
@@ -11619,10 +14371,10 @@
               </a:spcBef>
             </a:pPr>
             <a:r>
-              <a:rPr lang="it-IT" sz="1000" dirty="0">
-                <a:latin typeface="Adobe Clean Light" charset="0"/>
-              </a:rPr>
-              <a:t>Attività tecniche disponibili:</a:t>
+              <a:rPr lang="en-US" sz="1000" dirty="0">
+                <a:latin typeface="Adobe Clean Light"/>
+              </a:rPr>
+              <a:t>Types of technical activities available::</a:t>
             </a:r>
           </a:p>
           <a:p>
@@ -11637,9 +14389,12 @@
               <a:buChar char="ü"/>
             </a:pPr>
             <a:r>
-              <a:rPr lang="it-IT" sz="1000" dirty="0"/>
-              <a:t>Audit sullo stato del sistema</a:t>
-            </a:r>
+              <a:rPr lang="en-US" sz="1000" dirty="0"/>
+              <a:t>Health audit</a:t>
+            </a:r>
+            <a:endParaRPr lang="en-US" sz="1000" dirty="0">
+              <a:cs typeface="Calibri"/>
+            </a:endParaRPr>
           </a:p>
           <a:p>
             <a:pPr marL="184150" marR="5080" indent="-171450">
@@ -11653,9 +14408,12 @@
               <a:buChar char="ü"/>
             </a:pPr>
             <a:r>
-              <a:rPr lang="it-IT" sz="1000" dirty="0"/>
-              <a:t>Audit della piattaforma</a:t>
-            </a:r>
+              <a:rPr lang="en-US" sz="1000" dirty="0"/>
+              <a:t>Platform audit</a:t>
+            </a:r>
+            <a:endParaRPr lang="en-US" sz="1000" dirty="0">
+              <a:cs typeface="Calibri"/>
+            </a:endParaRPr>
           </a:p>
           <a:p>
             <a:pPr marL="184150" marR="5080" indent="-171450">
@@ -11669,9 +14427,12 @@
               <a:buChar char="ü"/>
             </a:pPr>
             <a:r>
-              <a:rPr lang="it-IT" sz="1000" dirty="0"/>
-              <a:t>Abilitazione del set di funzioni</a:t>
-            </a:r>
+              <a:rPr lang="en-US" sz="1000" dirty="0"/>
+              <a:t>Feature set enablement</a:t>
+            </a:r>
+            <a:endParaRPr lang="en-US" sz="1000" dirty="0">
+              <a:cs typeface="Calibri"/>
+            </a:endParaRPr>
           </a:p>
           <a:p>
             <a:pPr marL="184150" marR="5080" indent="-171450">
@@ -11685,9 +14446,12 @@
               <a:buChar char="ü"/>
             </a:pPr>
             <a:r>
-              <a:rPr lang="it-IT" sz="1000" dirty="0"/>
-              <a:t>Integrazioni e configurazioni di base</a:t>
-            </a:r>
+              <a:rPr lang="en-US" sz="1000" dirty="0"/>
+              <a:t>Basic integrations and configurations</a:t>
+            </a:r>
+            <a:endParaRPr lang="en-US" sz="1000" dirty="0">
+              <a:cs typeface="Calibri"/>
+            </a:endParaRPr>
           </a:p>
           <a:p>
             <a:pPr marL="184150" marR="5080" indent="-171450">
@@ -11701,9 +14465,12 @@
               <a:buChar char="ü"/>
             </a:pPr>
             <a:r>
-              <a:rPr lang="it-IT" sz="1000" dirty="0"/>
-              <a:t>Risoluzione di problemi inerenti la soluzione del cliente</a:t>
-            </a:r>
+              <a:rPr lang="en-US" sz="1000" dirty="0"/>
+              <a:t>Customer solution troubleshooting</a:t>
+            </a:r>
+            <a:endParaRPr lang="en-US" sz="1000" dirty="0">
+              <a:cs typeface="Calibri"/>
+            </a:endParaRPr>
           </a:p>
           <a:p>
             <a:pPr marL="184150" marR="5080" indent="-171450">
@@ -11717,9 +14484,12 @@
               <a:buChar char="ü"/>
             </a:pPr>
             <a:r>
-              <a:rPr lang="it-IT" sz="1000" dirty="0"/>
-              <a:t>Supporto dei servizi cloud</a:t>
-            </a:r>
+              <a:rPr lang="en-US" sz="1000" dirty="0"/>
+              <a:t>Cloud service support</a:t>
+            </a:r>
+            <a:endParaRPr lang="en-US" sz="1000" dirty="0">
+              <a:cs typeface="Calibri"/>
+            </a:endParaRPr>
           </a:p>
         </p:txBody>
       </p:sp>
@@ -11745,7 +14515,7 @@
           </a:prstGeom>
         </p:spPr>
         <p:txBody>
-          <a:bodyPr wrap="square">
+          <a:bodyPr wrap="square" lIns="91440" tIns="45720" rIns="91440" bIns="45720" anchor="t">
             <a:spAutoFit/>
           </a:bodyPr>
           <a:lstStyle/>
@@ -11756,56 +14526,22 @@
               </a:spcBef>
             </a:pPr>
             <a:r>
-              <a:rPr lang="it-IT" sz="1000" b="1" dirty="0">
+              <a:rPr lang="en-US" sz="1000" b="1" dirty="0">
                 <a:solidFill>
                   <a:srgbClr val="000000"/>
                 </a:solidFill>
                 <a:latin typeface="+mj-lt"/>
               </a:rPr>
-              <a:t>Le attività strategiche</a:t>
-            </a:r>
-            <a:r>
-              <a:rPr lang="it-IT" sz="1000" dirty="0">
+              <a:t>Strategic Track Activities </a:t>
+            </a:r>
+            <a:r>
+              <a:rPr lang="en-US" sz="1000" dirty="0">
                 <a:solidFill>
                   <a:srgbClr val="000000"/>
                 </a:solidFill>
-                <a:latin typeface="Adobe Clean Light" panose="020B0303020404020204" pitchFamily="34" charset="0"/>
-              </a:rPr>
-              <a:t> rilevano le opportunità che consentono </a:t>
-            </a:r>
-            <a:br>
-              <a:rPr lang="sk-SK" sz="1000" dirty="0">
-                <a:solidFill>
-                  <a:srgbClr val="000000"/>
-                </a:solidFill>
-                <a:latin typeface="Adobe Clean Light" panose="020B0303020404020204" pitchFamily="34" charset="0"/>
-              </a:rPr>
-            </a:br>
-            <a:r>
-              <a:rPr lang="it-IT" sz="1000" dirty="0">
-                <a:solidFill>
-                  <a:srgbClr val="000000"/>
-                </a:solidFill>
-                <a:latin typeface="Adobe Clean Light" panose="020B0303020404020204" pitchFamily="34" charset="0"/>
-              </a:rPr>
-              <a:t>di trarre maggior valore dalle soluzioni Adobe del cliente. Includono raccomandazioni di supporto relative a strategia, misurazione </a:t>
-            </a:r>
-            <a:br>
-              <a:rPr lang="sk-SK" sz="1000" dirty="0">
-                <a:solidFill>
-                  <a:srgbClr val="000000"/>
-                </a:solidFill>
-                <a:latin typeface="Adobe Clean Light" panose="020B0303020404020204" pitchFamily="34" charset="0"/>
-              </a:rPr>
-            </a:br>
-            <a:r>
-              <a:rPr lang="it-IT" sz="1000" dirty="0">
-                <a:solidFill>
-                  <a:srgbClr val="000000"/>
-                </a:solidFill>
-                <a:latin typeface="Adobe Clean Light" panose="020B0303020404020204" pitchFamily="34" charset="0"/>
-              </a:rPr>
-              <a:t>e livello di preparazione per favorire la realizzazione di valore tramite una o più soluzioni Adobe.</a:t>
+                <a:latin typeface="Adobe Clean Light"/>
+              </a:rPr>
+              <a:t>locate opportunities to ensure value is being realized from a customer’s Adobe solutions. They include support recommendations related to strategy, measurement and maturity to drive value realization across one or more Adobe solutions.</a:t>
             </a:r>
           </a:p>
           <a:p>
@@ -11814,7 +14550,7 @@
                 <a:spcPts val="100"/>
               </a:spcBef>
             </a:pPr>
-            <a:endParaRPr lang="en-US" sz="1000" dirty="0">
+            <a:endParaRPr lang="en-US" sz="1000">
               <a:latin typeface="Adobe Clean Light" charset="0"/>
             </a:endParaRPr>
           </a:p>
@@ -11825,11 +14561,14 @@
               </a:spcBef>
             </a:pPr>
             <a:r>
-              <a:rPr lang="it-IT" sz="1000" dirty="0">
-                <a:latin typeface="Adobe Clean Light" charset="0"/>
-              </a:rPr>
-              <a:t>Attività strategiche disponibili:</a:t>
-            </a:r>
+              <a:rPr lang="en-US" sz="1000" dirty="0">
+                <a:latin typeface="Adobe Clean Light"/>
+              </a:rPr>
+              <a:t>Types of strategic activities available:</a:t>
+            </a:r>
+            <a:endParaRPr lang="en-US" sz="1000" dirty="0">
+              <a:latin typeface="Adobe Clean Light" charset="0"/>
+            </a:endParaRPr>
           </a:p>
           <a:p>
             <a:pPr marL="241300" marR="5080" indent="-228600">
@@ -11843,9 +14582,12 @@
               <a:buChar char="ü"/>
             </a:pPr>
             <a:r>
-              <a:rPr lang="it-IT" sz="1000" dirty="0"/>
-              <a:t>Roadmap sul livello di preparazione</a:t>
-            </a:r>
+              <a:rPr lang="en-US" sz="1000" dirty="0"/>
+              <a:t>Maturity Roadmap</a:t>
+            </a:r>
+            <a:endParaRPr lang="en-US" sz="1000" dirty="0">
+              <a:cs typeface="Calibri"/>
+            </a:endParaRPr>
           </a:p>
           <a:p>
             <a:pPr marL="241300" marR="5080" indent="-228600">
@@ -11859,9 +14601,12 @@
               <a:buChar char="ü"/>
             </a:pPr>
             <a:r>
-              <a:rPr lang="it-IT" sz="1000" dirty="0"/>
-              <a:t>Sviluppo e misurazione di casi d’uso</a:t>
-            </a:r>
+              <a:rPr lang="en-US" sz="1000" dirty="0"/>
+              <a:t>Use case development/measurement</a:t>
+            </a:r>
+            <a:endParaRPr lang="en-US" sz="1000" dirty="0">
+              <a:cs typeface="Calibri"/>
+            </a:endParaRPr>
           </a:p>
           <a:p>
             <a:pPr marL="241300" marR="5080" indent="-228600">
@@ -11875,9 +14620,12 @@
               <a:buChar char="ü"/>
             </a:pPr>
             <a:r>
-              <a:rPr lang="it-IT" sz="1000" dirty="0"/>
-              <a:t>Reporting e analisi</a:t>
-            </a:r>
+              <a:rPr lang="en-US" sz="1000" dirty="0"/>
+              <a:t>Reporting &amp; analysis</a:t>
+            </a:r>
+            <a:endParaRPr lang="en-US" sz="1000" dirty="0">
+              <a:cs typeface="Calibri"/>
+            </a:endParaRPr>
           </a:p>
           <a:p>
             <a:pPr marL="241300" marR="5080" indent="-228600">
@@ -11891,9 +14639,12 @@
               <a:buChar char="ü"/>
             </a:pPr>
             <a:r>
-              <a:rPr lang="it-IT" sz="1000" dirty="0"/>
-              <a:t>Abilitazione delle best practice</a:t>
-            </a:r>
+              <a:rPr lang="en-US" sz="1000" dirty="0"/>
+              <a:t>Best practices enablement</a:t>
+            </a:r>
+            <a:endParaRPr lang="en-US" sz="1000" dirty="0">
+              <a:cs typeface="Calibri"/>
+            </a:endParaRPr>
           </a:p>
         </p:txBody>
       </p:sp>
@@ -11931,96 +14682,73 @@
               </a:spcBef>
             </a:pPr>
             <a:r>
-              <a:rPr lang="it-IT" sz="1000" dirty="0">
+              <a:rPr lang="en-US" sz="1000">
                 <a:solidFill>
                   <a:srgbClr val="1F1F1F"/>
                 </a:solidFill>
                 <a:latin typeface="Adobe Clean" panose="020B0503020404020204" pitchFamily="34" charset="0"/>
                 <a:cs typeface="AdobeClean-Light"/>
               </a:rPr>
-              <a:t>I clienti Enterprise hanno diritto </a:t>
-            </a:r>
-            <a:br>
-              <a:rPr lang="sk-SK" sz="1000" dirty="0">
+              <a:t>As an Enterprise customer, you are eligible for</a:t>
+            </a:r>
+            <a:r>
+              <a:rPr lang="en-US" sz="1200" b="1" u="sng">
+                <a:solidFill>
+                  <a:srgbClr val="1F1F1F"/>
+                </a:solidFill>
+                <a:cs typeface="AdobeClean-Light"/>
+              </a:rPr>
+              <a:t> 2 </a:t>
+            </a:r>
+            <a:r>
+              <a:rPr lang="en-US" sz="1000" b="1" u="sng">
+                <a:solidFill>
+                  <a:srgbClr val="1F1F1F"/>
+                </a:solidFill>
+                <a:cs typeface="AdobeClean-Light"/>
+              </a:rPr>
+              <a:t>activities per year </a:t>
+            </a:r>
+            <a:r>
+              <a:rPr lang="en-US" sz="1000">
                 <a:solidFill>
                   <a:srgbClr val="1F1F1F"/>
                 </a:solidFill>
                 <a:latin typeface="Adobe Clean" panose="020B0503020404020204" pitchFamily="34" charset="0"/>
                 <a:cs typeface="AdobeClean-Light"/>
               </a:rPr>
-            </a:br>
-            <a:r>
-              <a:rPr lang="it-IT" sz="1000" dirty="0">
+              <a:t>from the following two tracks:</a:t>
+            </a:r>
+            <a:r>
+              <a:rPr lang="en-US" sz="1000" b="1">
+                <a:solidFill>
+                  <a:srgbClr val="1F1F1F"/>
+                </a:solidFill>
+                <a:cs typeface="AdobeClean-Light"/>
+              </a:rPr>
+              <a:t> Technical </a:t>
+            </a:r>
+            <a:r>
+              <a:rPr lang="en-US" sz="1000">
                 <a:solidFill>
                   <a:srgbClr val="1F1F1F"/>
                 </a:solidFill>
                 <a:latin typeface="Adobe Clean" panose="020B0503020404020204" pitchFamily="34" charset="0"/>
                 <a:cs typeface="AdobeClean-Light"/>
               </a:rPr>
-              <a:t>a </a:t>
-            </a:r>
-            <a:r>
-              <a:rPr lang="it-IT" sz="1200" b="1" u="sng" dirty="0">
+              <a:t>and/or </a:t>
+            </a:r>
+            <a:r>
+              <a:rPr lang="en-US" sz="1000" b="1">
                 <a:solidFill>
                   <a:srgbClr val="1F1F1F"/>
                 </a:solidFill>
-                <a:latin typeface="Adobe Clean" panose="020B0503020404020204" pitchFamily="34" charset="0"/>
                 <a:cs typeface="AdobeClean-Light"/>
               </a:rPr>
-              <a:t>2 </a:t>
-            </a:r>
-            <a:r>
-              <a:rPr lang="it-IT" sz="1000" b="1" u="sng" dirty="0">
-                <a:solidFill>
-                  <a:srgbClr val="1F1F1F"/>
-                </a:solidFill>
-                <a:latin typeface="Adobe Clean" panose="020B0503020404020204" pitchFamily="34" charset="0"/>
-                <a:cs typeface="AdobeClean-Light"/>
-              </a:rPr>
-              <a:t>attività all’anno</a:t>
-            </a:r>
-            <a:r>
-              <a:rPr lang="it-IT" sz="1000" dirty="0">
-                <a:solidFill>
-                  <a:srgbClr val="1F1F1F"/>
-                </a:solidFill>
-                <a:latin typeface="Adobe Clean" panose="020B0503020404020204" pitchFamily="34" charset="0"/>
-                <a:cs typeface="AdobeClean-Light"/>
-              </a:rPr>
-              <a:t> di tipo</a:t>
-            </a:r>
-            <a:r>
-              <a:rPr lang="it-IT" sz="1000" b="1" dirty="0">
-                <a:solidFill>
-                  <a:srgbClr val="1F1F1F"/>
-                </a:solidFill>
-                <a:latin typeface="Adobe Clean" panose="020B0503020404020204" pitchFamily="34" charset="0"/>
-                <a:cs typeface="AdobeClean-Light"/>
-              </a:rPr>
-              <a:t> tecnico </a:t>
-            </a:r>
-            <a:r>
-              <a:rPr lang="it-IT" sz="1000" dirty="0">
-                <a:solidFill>
-                  <a:srgbClr val="1F1F1F"/>
-                </a:solidFill>
-                <a:latin typeface="Adobe Clean" panose="020B0503020404020204" pitchFamily="34" charset="0"/>
-                <a:cs typeface="AdobeClean-Light"/>
-              </a:rPr>
-              <a:t>e/o </a:t>
-            </a:r>
-            <a:r>
-              <a:rPr lang="it-IT" sz="1000" b="1" dirty="0">
-                <a:solidFill>
-                  <a:srgbClr val="1F1F1F"/>
-                </a:solidFill>
-                <a:latin typeface="Adobe Clean" panose="020B0503020404020204" pitchFamily="34" charset="0"/>
-                <a:cs typeface="AdobeClean-Light"/>
-              </a:rPr>
-              <a:t>strategico</a:t>
-            </a:r>
-            <a:r>
-              <a:rPr lang="it-IT" sz="1000" dirty="0">
+              <a:t>Strategic</a:t>
+            </a:r>
+            <a:r>
+              <a:rPr lang="en-US" sz="1000">
                 <a:solidFill>
                   <a:srgbClr val="1F1F1F"/>
                 </a:solidFill>
@@ -12029,6 +14757,12 @@
               </a:rPr>
               <a:t>.</a:t>
             </a:r>
+            <a:endParaRPr lang="en-US" sz="1000" b="1">
+              <a:solidFill>
+                <a:prstClr val="black"/>
+              </a:solidFill>
+              <a:cs typeface="AdobeClean-Light"/>
+            </a:endParaRPr>
           </a:p>
         </p:txBody>
       </p:sp>
@@ -12062,8 +14796,8 @@
           <a:p>
             <a:pPr algn="ctr"/>
             <a:r>
-              <a:rPr lang="it-IT" sz="1100"/>
-              <a:t>Lancio</a:t>
+              <a:rPr lang="en-US" sz="1100"/>
+              <a:t>Go-Live</a:t>
             </a:r>
           </a:p>
         </p:txBody>
@@ -12098,8 +14832,8 @@
           <a:p>
             <a:pPr algn="ctr"/>
             <a:r>
-              <a:rPr lang="it-IT" sz="1100"/>
-              <a:t>Definizione</a:t>
+              <a:rPr lang="en-US" sz="1100"/>
+              <a:t>Define</a:t>
             </a:r>
           </a:p>
         </p:txBody>
@@ -12134,8 +14868,8 @@
           <a:p>
             <a:pPr algn="ctr"/>
             <a:r>
-              <a:rPr lang="it-IT" sz="1100"/>
-              <a:t>Avvio</a:t>
+              <a:rPr lang="en-US" sz="1100"/>
+              <a:t>Kickoff</a:t>
             </a:r>
           </a:p>
         </p:txBody>
@@ -12154,7 +14888,7 @@
         </p:nvSpPr>
         <p:spPr>
           <a:xfrm>
-            <a:off x="1558548" y="2233788"/>
+            <a:off x="1558548" y="2320287"/>
             <a:ext cx="826006" cy="261610"/>
           </a:xfrm>
           <a:prstGeom prst="rect">
@@ -12170,8 +14904,8 @@
           <a:p>
             <a:pPr algn="ctr"/>
             <a:r>
-              <a:rPr lang="it-IT" sz="1100" dirty="0"/>
-              <a:t>Progettazione</a:t>
+              <a:rPr lang="en-US" sz="1100"/>
+              <a:t>Design</a:t>
             </a:r>
           </a:p>
         </p:txBody>
@@ -12228,14 +14962,14 @@
           <a:p>
             <a:pPr algn="ctr"/>
             <a:r>
-              <a:rPr lang="it-IT">
+              <a:rPr lang="en-US">
                 <a:solidFill>
                   <a:schemeClr val="accent1">
                     <a:lumMod val="50000"/>
                   </a:schemeClr>
                 </a:solidFill>
               </a:rPr>
-              <a:t>2 attività all’anno</a:t>
+              <a:t>2 Activities per Year</a:t>
             </a:r>
           </a:p>
         </p:txBody>
@@ -12297,15 +15031,49 @@
               </a:lnSpc>
             </a:pPr>
             <a:r>
-              <a:rPr lang="it-IT" sz="500">
+              <a:rPr sz="500" spc="-5">
                 <a:solidFill>
                   <a:srgbClr val="6C6C6C"/>
                 </a:solidFill>
                 <a:latin typeface="Adobe Clean"/>
                 <a:cs typeface="Adobe Clean"/>
               </a:rPr>
-              <a:t>©2020 Adobe. All Rights Reserved. Adobe Confidential.</a:t>
-            </a:r>
+              <a:t>©2020 Adobe. All Rights Reserved. </a:t>
+            </a:r>
+            <a:r>
+              <a:rPr sz="500">
+                <a:solidFill>
+                  <a:srgbClr val="6C6C6C"/>
+                </a:solidFill>
+                <a:latin typeface="Adobe Clean"/>
+                <a:cs typeface="Adobe Clean"/>
+              </a:rPr>
+              <a:t>Adobe</a:t>
+            </a:r>
+            <a:r>
+              <a:rPr sz="500" spc="5">
+                <a:solidFill>
+                  <a:srgbClr val="6C6C6C"/>
+                </a:solidFill>
+                <a:latin typeface="Adobe Clean"/>
+                <a:cs typeface="Adobe Clean"/>
+              </a:rPr>
+              <a:t> </a:t>
+            </a:r>
+            <a:r>
+              <a:rPr sz="500" spc="-5">
+                <a:solidFill>
+                  <a:srgbClr val="6C6C6C"/>
+                </a:solidFill>
+                <a:latin typeface="Adobe Clean"/>
+                <a:cs typeface="Adobe Clean"/>
+              </a:rPr>
+              <a:t>Confidential.</a:t>
+            </a:r>
+            <a:endParaRPr sz="500">
+              <a:latin typeface="Adobe Clean"/>
+              <a:cs typeface="Adobe Clean"/>
+            </a:endParaRPr>
           </a:p>
           <a:p>
             <a:pPr>
@@ -12331,15 +15099,39 @@
               </a:spcBef>
             </a:pPr>
             <a:r>
-              <a:rPr lang="it-IT" sz="800">
+              <a:rPr sz="800" spc="-5">
                 <a:solidFill>
                   <a:srgbClr val="6D6D6D"/>
                 </a:solidFill>
                 <a:latin typeface="Adobe Clean"/>
                 <a:cs typeface="Adobe Clean"/>
               </a:rPr>
-              <a:t>©2020 Adobe. All Rights Reserved. Adobe Confidential.</a:t>
-            </a:r>
+              <a:t>©2020 Adobe. All Rights Reserved. Adobe</a:t>
+            </a:r>
+            <a:r>
+              <a:rPr sz="800" spc="75">
+                <a:solidFill>
+                  <a:srgbClr val="6D6D6D"/>
+                </a:solidFill>
+                <a:latin typeface="Adobe Clean"/>
+                <a:cs typeface="Adobe Clean"/>
+              </a:rPr>
+              <a:t> </a:t>
+            </a:r>
+            <a:r>
+              <a:rPr sz="800" spc="-5">
+                <a:solidFill>
+                  <a:srgbClr val="6D6D6D"/>
+                </a:solidFill>
+                <a:latin typeface="Adobe Clean"/>
+                <a:cs typeface="Adobe Clean"/>
+              </a:rPr>
+              <a:t>Confidential.</a:t>
+            </a:r>
+            <a:endParaRPr sz="800">
+              <a:latin typeface="Adobe Clean"/>
+              <a:cs typeface="Adobe Clean"/>
+            </a:endParaRPr>
           </a:p>
         </p:txBody>
       </p:sp>
@@ -12423,15 +15215,19 @@
               </a:spcBef>
             </a:pPr>
             <a:r>
-              <a:rPr lang="it-IT" sz="1400" b="1">
-                <a:solidFill>
-                  <a:srgbClr val="020302"/>
-                </a:solidFill>
-                <a:latin typeface="Adobe Clean"/>
-                <a:cs typeface="Adobe Clean"/>
-              </a:rPr>
-              <a:t>Risorse</a:t>
-            </a:r>
+              <a:rPr lang="en-US" sz="1400" b="1" spc="-15">
+                <a:solidFill>
+                  <a:srgbClr val="020302"/>
+                </a:solidFill>
+                <a:latin typeface="Adobe Clean"/>
+                <a:cs typeface="Adobe Clean"/>
+              </a:rPr>
+              <a:t>Resources</a:t>
+            </a:r>
+            <a:endParaRPr sz="1400">
+              <a:latin typeface="Adobe Clean"/>
+              <a:cs typeface="Adobe Clean"/>
+            </a:endParaRPr>
           </a:p>
         </p:txBody>
       </p:sp>
@@ -12465,7 +15261,7 @@
               </a:spcBef>
             </a:pPr>
             <a:r>
-              <a:rPr lang="it-IT" sz="800">
+              <a:rPr sz="800" spc="-15">
                 <a:solidFill>
                   <a:srgbClr val="777879"/>
                 </a:solidFill>
@@ -12474,6 +15270,10 @@
               </a:rPr>
               <a:t>Adobe</a:t>
             </a:r>
+            <a:endParaRPr sz="800">
+              <a:latin typeface="Adobe Clean"/>
+              <a:cs typeface="Adobe Clean"/>
+            </a:endParaRPr>
           </a:p>
           <a:p>
             <a:pPr marL="12700">
@@ -12482,15 +15282,39 @@
               </a:lnSpc>
             </a:pPr>
             <a:r>
-              <a:rPr lang="it-IT" sz="800">
+              <a:rPr sz="800" spc="-15">
                 <a:solidFill>
                   <a:srgbClr val="777879"/>
                 </a:solidFill>
                 <a:latin typeface="Adobe Clean"/>
                 <a:cs typeface="Adobe Clean"/>
               </a:rPr>
-              <a:t>345 Park Avenue</a:t>
-            </a:r>
+              <a:t>345 Park</a:t>
+            </a:r>
+            <a:r>
+              <a:rPr sz="800" spc="-100">
+                <a:solidFill>
+                  <a:srgbClr val="777879"/>
+                </a:solidFill>
+                <a:latin typeface="Adobe Clean"/>
+                <a:cs typeface="Adobe Clean"/>
+              </a:rPr>
+              <a:t> </a:t>
+            </a:r>
+            <a:r>
+              <a:rPr sz="800" spc="-15">
+                <a:solidFill>
+                  <a:srgbClr val="777879"/>
+                </a:solidFill>
+                <a:latin typeface="Adobe Clean"/>
+                <a:cs typeface="Adobe Clean"/>
+              </a:rPr>
+              <a:t>Avenue</a:t>
+            </a:r>
+            <a:endParaRPr sz="800">
+              <a:latin typeface="Adobe Clean"/>
+              <a:cs typeface="Adobe Clean"/>
+            </a:endParaRPr>
           </a:p>
           <a:p>
             <a:pPr marL="12700">
@@ -12499,15 +15323,49 @@
               </a:lnSpc>
             </a:pPr>
             <a:r>
-              <a:rPr lang="it-IT" sz="800">
+              <a:rPr sz="800" spc="-10">
                 <a:solidFill>
                   <a:srgbClr val="777879"/>
                 </a:solidFill>
                 <a:latin typeface="Adobe Clean"/>
                 <a:cs typeface="Adobe Clean"/>
               </a:rPr>
-              <a:t>San Jose, CA 95110-2704</a:t>
-            </a:r>
+              <a:t>San </a:t>
+            </a:r>
+            <a:r>
+              <a:rPr sz="800" spc="-15">
+                <a:solidFill>
+                  <a:srgbClr val="777879"/>
+                </a:solidFill>
+                <a:latin typeface="Adobe Clean"/>
+                <a:cs typeface="Adobe Clean"/>
+              </a:rPr>
+              <a:t>Jose,</a:t>
+            </a:r>
+            <a:r>
+              <a:rPr sz="800" spc="-140">
+                <a:solidFill>
+                  <a:srgbClr val="777879"/>
+                </a:solidFill>
+                <a:latin typeface="Adobe Clean"/>
+                <a:cs typeface="Adobe Clean"/>
+              </a:rPr>
+              <a:t> </a:t>
+            </a:r>
+            <a:r>
+              <a:rPr sz="800" spc="-20">
+                <a:solidFill>
+                  <a:srgbClr val="777879"/>
+                </a:solidFill>
+                <a:latin typeface="Adobe Clean"/>
+                <a:cs typeface="Adobe Clean"/>
+              </a:rPr>
+              <a:t>CA95110-2704</a:t>
+            </a:r>
+            <a:endParaRPr sz="800">
+              <a:latin typeface="Adobe Clean"/>
+              <a:cs typeface="Adobe Clean"/>
+            </a:endParaRPr>
           </a:p>
           <a:p>
             <a:pPr marL="12700">
@@ -12519,7 +15377,7 @@
               </a:spcBef>
             </a:pPr>
             <a:r>
-              <a:rPr lang="it-IT" sz="800">
+              <a:rPr sz="800" spc="-10">
                 <a:solidFill>
                   <a:srgbClr val="777879"/>
                 </a:solidFill>
@@ -12528,6 +15386,10 @@
               </a:rPr>
               <a:t>USA</a:t>
             </a:r>
+            <a:endParaRPr sz="800">
+              <a:latin typeface="Adobe Clean"/>
+              <a:cs typeface="Adobe Clean"/>
+            </a:endParaRPr>
           </a:p>
           <a:p>
             <a:pPr marL="12700">
@@ -12539,7 +15401,7 @@
               </a:spcBef>
             </a:pPr>
             <a:r>
-              <a:rPr lang="it-IT" sz="800" u="sng">
+              <a:rPr sz="800" u="sng" spc="-25">
                 <a:solidFill>
                   <a:srgbClr val="5F5F5F"/>
                 </a:solidFill>
@@ -12554,6 +15416,10 @@
               </a:rPr>
               <a:t>www.adobe.com</a:t>
             </a:r>
+            <a:endParaRPr sz="800">
+              <a:latin typeface="Adobe Clean"/>
+              <a:cs typeface="Adobe Clean"/>
+            </a:endParaRPr>
           </a:p>
         </p:txBody>
       </p:sp>
@@ -12714,7 +15580,7 @@
           </a:prstGeom>
         </p:spPr>
         <p:txBody>
-          <a:bodyPr vert="horz" wrap="square" lIns="0" tIns="29845" rIns="0" bIns="0" rtlCol="0">
+          <a:bodyPr vert="horz" wrap="square" lIns="0" tIns="29845" rIns="0" bIns="0" rtlCol="0" anchor="t">
             <a:spAutoFit/>
           </a:bodyPr>
           <a:lstStyle/>
@@ -12728,15 +15594,449 @@
               </a:spcBef>
             </a:pPr>
             <a:r>
-              <a:rPr lang="it-IT" sz="1100" i="1">
+              <a:rPr sz="1100" i="1" spc="-10" dirty="0">
                 <a:solidFill>
                   <a:srgbClr val="777879"/>
                 </a:solidFill>
                 <a:latin typeface="AdobeClean-LightIt"/>
                 <a:cs typeface="AdobeClean-LightIt"/>
               </a:rPr>
-              <a:t>Per saperne di più sulle opzioni di Supporto Adobe e capire quale sia il livello più adatto alle tue esigenze, contatta il tuo Named Account Manager (NAM) o Customer Success Manager (CSM).</a:t>
-            </a:r>
+              <a:t>To</a:t>
+            </a:r>
+            <a:r>
+              <a:rPr sz="1100" i="1" spc="-50" dirty="0">
+                <a:solidFill>
+                  <a:srgbClr val="777879"/>
+                </a:solidFill>
+                <a:latin typeface="AdobeClean-LightIt"/>
+                <a:cs typeface="AdobeClean-LightIt"/>
+              </a:rPr>
+              <a:t> </a:t>
+            </a:r>
+            <a:r>
+              <a:rPr sz="1100" i="1" spc="-15" dirty="0">
+                <a:solidFill>
+                  <a:srgbClr val="777879"/>
+                </a:solidFill>
+                <a:latin typeface="AdobeClean-LightIt"/>
+                <a:cs typeface="AdobeClean-LightIt"/>
+              </a:rPr>
+              <a:t>learn</a:t>
+            </a:r>
+            <a:r>
+              <a:rPr sz="1100" i="1" spc="-40" dirty="0">
+                <a:solidFill>
+                  <a:srgbClr val="777879"/>
+                </a:solidFill>
+                <a:latin typeface="AdobeClean-LightIt"/>
+                <a:cs typeface="AdobeClean-LightIt"/>
+              </a:rPr>
+              <a:t> </a:t>
+            </a:r>
+            <a:r>
+              <a:rPr sz="1100" i="1" spc="-15" dirty="0">
+                <a:solidFill>
+                  <a:srgbClr val="777879"/>
+                </a:solidFill>
+                <a:latin typeface="AdobeClean-LightIt"/>
+                <a:cs typeface="AdobeClean-LightIt"/>
+              </a:rPr>
+              <a:t>more</a:t>
+            </a:r>
+            <a:r>
+              <a:rPr sz="1100" i="1" spc="-45" dirty="0">
+                <a:solidFill>
+                  <a:srgbClr val="777879"/>
+                </a:solidFill>
+                <a:latin typeface="AdobeClean-LightIt"/>
+                <a:cs typeface="AdobeClean-LightIt"/>
+              </a:rPr>
+              <a:t> </a:t>
+            </a:r>
+            <a:r>
+              <a:rPr sz="1100" i="1" spc="-15" dirty="0">
+                <a:solidFill>
+                  <a:srgbClr val="777879"/>
+                </a:solidFill>
+                <a:latin typeface="AdobeClean-LightIt"/>
+                <a:cs typeface="AdobeClean-LightIt"/>
+              </a:rPr>
+              <a:t>about</a:t>
+            </a:r>
+            <a:r>
+              <a:rPr sz="1100" i="1" spc="-45" dirty="0">
+                <a:solidFill>
+                  <a:srgbClr val="777879"/>
+                </a:solidFill>
+                <a:latin typeface="AdobeClean-LightIt"/>
+                <a:cs typeface="AdobeClean-LightIt"/>
+              </a:rPr>
+              <a:t> </a:t>
+            </a:r>
+            <a:r>
+              <a:rPr sz="1100" i="1" spc="-15" dirty="0">
+                <a:solidFill>
+                  <a:srgbClr val="777879"/>
+                </a:solidFill>
+                <a:latin typeface="AdobeClean-LightIt"/>
+                <a:cs typeface="AdobeClean-LightIt"/>
+              </a:rPr>
+              <a:t>Adobe</a:t>
+            </a:r>
+            <a:r>
+              <a:rPr sz="1100" i="1" spc="-50" dirty="0">
+                <a:solidFill>
+                  <a:srgbClr val="777879"/>
+                </a:solidFill>
+                <a:latin typeface="AdobeClean-LightIt"/>
+                <a:cs typeface="AdobeClean-LightIt"/>
+              </a:rPr>
+              <a:t> </a:t>
+            </a:r>
+            <a:r>
+              <a:rPr sz="1100" i="1" spc="-15" dirty="0">
+                <a:solidFill>
+                  <a:srgbClr val="777879"/>
+                </a:solidFill>
+                <a:latin typeface="AdobeClean-LightIt"/>
+                <a:cs typeface="AdobeClean-LightIt"/>
+              </a:rPr>
+              <a:t>Support</a:t>
+            </a:r>
+            <a:r>
+              <a:rPr lang="en-US" sz="1100" i="1" spc="-15" dirty="0">
+                <a:solidFill>
+                  <a:srgbClr val="777879"/>
+                </a:solidFill>
+                <a:latin typeface="AdobeClean-LightIt"/>
+                <a:cs typeface="AdobeClean-LightIt"/>
+              </a:rPr>
+              <a:t> Offerings</a:t>
+            </a:r>
+            <a:r>
+              <a:rPr sz="1100" i="1" spc="-75" dirty="0">
+                <a:solidFill>
+                  <a:srgbClr val="777879"/>
+                </a:solidFill>
+                <a:latin typeface="AdobeClean-LightIt"/>
+                <a:cs typeface="AdobeClean-LightIt"/>
+              </a:rPr>
+              <a:t> </a:t>
+            </a:r>
+            <a:r>
+              <a:rPr sz="1100" i="1" spc="-15" dirty="0">
+                <a:solidFill>
+                  <a:srgbClr val="777879"/>
+                </a:solidFill>
+                <a:latin typeface="AdobeClean-LightIt"/>
+                <a:cs typeface="AdobeClean-LightIt"/>
+              </a:rPr>
+              <a:t>and</a:t>
+            </a:r>
+            <a:r>
+              <a:rPr sz="1100" i="1" spc="-50" dirty="0">
+                <a:solidFill>
+                  <a:srgbClr val="777879"/>
+                </a:solidFill>
+                <a:latin typeface="AdobeClean-LightIt"/>
+                <a:cs typeface="AdobeClean-LightIt"/>
+              </a:rPr>
+              <a:t> </a:t>
+            </a:r>
+            <a:r>
+              <a:rPr sz="1100" i="1" spc="-15" dirty="0">
+                <a:solidFill>
+                  <a:srgbClr val="777879"/>
+                </a:solidFill>
+                <a:latin typeface="AdobeClean-LightIt"/>
+                <a:cs typeface="AdobeClean-LightIt"/>
+              </a:rPr>
+              <a:t>the</a:t>
+            </a:r>
+            <a:r>
+              <a:rPr sz="1100" i="1" spc="-55" dirty="0">
+                <a:solidFill>
+                  <a:srgbClr val="777879"/>
+                </a:solidFill>
+                <a:latin typeface="AdobeClean-LightIt"/>
+                <a:cs typeface="AdobeClean-LightIt"/>
+              </a:rPr>
+              <a:t> </a:t>
+            </a:r>
+            <a:r>
+              <a:rPr sz="1100" i="1" spc="-15" dirty="0">
+                <a:solidFill>
+                  <a:srgbClr val="777879"/>
+                </a:solidFill>
+                <a:latin typeface="AdobeClean-LightIt"/>
+                <a:cs typeface="AdobeClean-LightIt"/>
+              </a:rPr>
+              <a:t>right</a:t>
+            </a:r>
+            <a:r>
+              <a:rPr sz="1100" i="1" spc="-95" dirty="0">
+                <a:solidFill>
+                  <a:srgbClr val="777879"/>
+                </a:solidFill>
+                <a:latin typeface="AdobeClean-LightIt"/>
+                <a:cs typeface="AdobeClean-LightIt"/>
+              </a:rPr>
+              <a:t> </a:t>
+            </a:r>
+            <a:r>
+              <a:rPr sz="1100" i="1" spc="-15" dirty="0">
+                <a:solidFill>
+                  <a:srgbClr val="777879"/>
+                </a:solidFill>
+                <a:latin typeface="AdobeClean-LightIt"/>
+                <a:cs typeface="AdobeClean-LightIt"/>
+              </a:rPr>
+              <a:t>level</a:t>
+            </a:r>
+            <a:r>
+              <a:rPr sz="1100" i="1" spc="-55" dirty="0">
+                <a:solidFill>
+                  <a:srgbClr val="777879"/>
+                </a:solidFill>
+                <a:latin typeface="AdobeClean-LightIt"/>
+                <a:cs typeface="AdobeClean-LightIt"/>
+              </a:rPr>
+              <a:t> </a:t>
+            </a:r>
+            <a:r>
+              <a:rPr sz="1100" i="1" spc="-15" dirty="0">
+                <a:solidFill>
+                  <a:srgbClr val="777879"/>
+                </a:solidFill>
+                <a:latin typeface="AdobeClean-LightIt"/>
+                <a:cs typeface="AdobeClean-LightIt"/>
+              </a:rPr>
+              <a:t>for</a:t>
+            </a:r>
+            <a:r>
+              <a:rPr sz="1100" i="1" spc="-85" dirty="0">
+                <a:solidFill>
+                  <a:srgbClr val="777879"/>
+                </a:solidFill>
+                <a:latin typeface="AdobeClean-LightIt"/>
+                <a:cs typeface="AdobeClean-LightIt"/>
+              </a:rPr>
+              <a:t> </a:t>
+            </a:r>
+            <a:r>
+              <a:rPr sz="1100" i="1" spc="-15" dirty="0">
+                <a:solidFill>
+                  <a:srgbClr val="777879"/>
+                </a:solidFill>
+                <a:latin typeface="AdobeClean-LightIt"/>
+                <a:cs typeface="AdobeClean-LightIt"/>
+              </a:rPr>
+              <a:t>you,</a:t>
+            </a:r>
+            <a:r>
+              <a:rPr sz="1100" i="1" spc="-65" dirty="0">
+                <a:solidFill>
+                  <a:srgbClr val="777879"/>
+                </a:solidFill>
+                <a:latin typeface="AdobeClean-LightIt"/>
+                <a:cs typeface="AdobeClean-LightIt"/>
+              </a:rPr>
+              <a:t> </a:t>
+            </a:r>
+            <a:r>
+              <a:rPr sz="1100" i="1" spc="-15" dirty="0">
+                <a:solidFill>
+                  <a:srgbClr val="777879"/>
+                </a:solidFill>
+                <a:latin typeface="AdobeClean-LightIt"/>
+                <a:cs typeface="AdobeClean-LightIt"/>
+              </a:rPr>
+              <a:t>contact</a:t>
+            </a:r>
+            <a:r>
+              <a:rPr sz="1100" i="1" spc="-85" dirty="0">
+                <a:solidFill>
+                  <a:srgbClr val="777879"/>
+                </a:solidFill>
+                <a:latin typeface="AdobeClean-LightIt"/>
+                <a:cs typeface="AdobeClean-LightIt"/>
+              </a:rPr>
+              <a:t> </a:t>
+            </a:r>
+            <a:r>
+              <a:rPr sz="1100" i="1" spc="-15" dirty="0">
+                <a:solidFill>
+                  <a:srgbClr val="777879"/>
+                </a:solidFill>
+                <a:latin typeface="AdobeClean-LightIt"/>
+                <a:cs typeface="AdobeClean-LightIt"/>
+              </a:rPr>
+              <a:t>your</a:t>
+            </a:r>
+            <a:r>
+              <a:rPr sz="1100" i="1" spc="-70" dirty="0">
+                <a:solidFill>
+                  <a:srgbClr val="777879"/>
+                </a:solidFill>
+                <a:latin typeface="AdobeClean-LightIt"/>
+                <a:cs typeface="AdobeClean-LightIt"/>
+              </a:rPr>
+              <a:t> </a:t>
+            </a:r>
+            <a:r>
+              <a:rPr sz="1100" i="1" spc="-15" dirty="0">
+                <a:solidFill>
+                  <a:srgbClr val="777879"/>
+                </a:solidFill>
+                <a:latin typeface="AdobeClean-LightIt"/>
+                <a:cs typeface="AdobeClean-LightIt"/>
+              </a:rPr>
+              <a:t>Named</a:t>
+            </a:r>
+            <a:r>
+              <a:rPr sz="1100" i="1" spc="-55" dirty="0">
+                <a:solidFill>
+                  <a:srgbClr val="777879"/>
+                </a:solidFill>
+                <a:latin typeface="AdobeClean-LightIt"/>
+                <a:cs typeface="AdobeClean-LightIt"/>
+              </a:rPr>
+              <a:t> </a:t>
+            </a:r>
+            <a:r>
+              <a:rPr sz="1100" i="1" spc="-25" dirty="0">
+                <a:solidFill>
+                  <a:srgbClr val="777879"/>
+                </a:solidFill>
+                <a:latin typeface="AdobeClean-LightIt"/>
+                <a:cs typeface="AdobeClean-LightIt"/>
+              </a:rPr>
+              <a:t>Account</a:t>
+            </a:r>
+            <a:r>
+              <a:rPr sz="1100" i="1" spc="-120" dirty="0">
+                <a:solidFill>
+                  <a:srgbClr val="777879"/>
+                </a:solidFill>
+                <a:latin typeface="AdobeClean-LightIt"/>
+                <a:cs typeface="AdobeClean-LightIt"/>
+              </a:rPr>
+              <a:t> </a:t>
+            </a:r>
+            <a:r>
+              <a:rPr sz="1100" i="1" spc="-20" dirty="0">
+                <a:solidFill>
+                  <a:srgbClr val="777879"/>
+                </a:solidFill>
+                <a:latin typeface="AdobeClean-LightIt"/>
+                <a:cs typeface="AdobeClean-LightIt"/>
+              </a:rPr>
+              <a:t>Manager</a:t>
+            </a:r>
+            <a:r>
+              <a:rPr lang="en-US" sz="1100" i="1" spc="-20" dirty="0">
+                <a:solidFill>
+                  <a:srgbClr val="777879"/>
+                </a:solidFill>
+                <a:latin typeface="AdobeClean-LightIt"/>
+                <a:cs typeface="AdobeClean-LightIt"/>
+              </a:rPr>
+              <a:t> </a:t>
+            </a:r>
+            <a:r>
+              <a:rPr sz="1100" i="1" spc="-20" dirty="0">
+                <a:solidFill>
+                  <a:srgbClr val="777879"/>
+                </a:solidFill>
+                <a:latin typeface="AdobeClean-LightIt"/>
+                <a:cs typeface="AdobeClean-LightIt"/>
+              </a:rPr>
+              <a:t> </a:t>
+            </a:r>
+            <a:r>
+              <a:rPr sz="1100" i="1" spc="-15" dirty="0">
+                <a:solidFill>
+                  <a:srgbClr val="777879"/>
+                </a:solidFill>
+                <a:latin typeface="AdobeClean-LightIt"/>
+                <a:cs typeface="AdobeClean-LightIt"/>
+              </a:rPr>
+              <a:t>(NAM) </a:t>
+            </a:r>
+            <a:r>
+              <a:rPr sz="1100" i="1" spc="-10" dirty="0">
+                <a:solidFill>
+                  <a:srgbClr val="777879"/>
+                </a:solidFill>
+                <a:latin typeface="AdobeClean-LightIt"/>
+                <a:cs typeface="AdobeClean-LightIt"/>
+              </a:rPr>
+              <a:t>or </a:t>
+            </a:r>
+            <a:r>
+              <a:rPr sz="1100" i="1" spc="-15" dirty="0">
+                <a:solidFill>
+                  <a:srgbClr val="777879"/>
+                </a:solidFill>
+                <a:latin typeface="AdobeClean-LightIt"/>
+                <a:cs typeface="AdobeClean-LightIt"/>
+              </a:rPr>
+              <a:t>Customer </a:t>
+            </a:r>
+            <a:r>
+              <a:rPr sz="1100" i="1" spc="-20" dirty="0">
+                <a:solidFill>
+                  <a:srgbClr val="777879"/>
+                </a:solidFill>
+                <a:latin typeface="AdobeClean-LightIt"/>
+                <a:cs typeface="AdobeClean-LightIt"/>
+              </a:rPr>
+              <a:t>Success</a:t>
+            </a:r>
+            <a:r>
+              <a:rPr sz="1100" i="1" spc="-180" dirty="0">
+                <a:solidFill>
+                  <a:srgbClr val="777879"/>
+                </a:solidFill>
+                <a:latin typeface="AdobeClean-LightIt"/>
+                <a:cs typeface="AdobeClean-LightIt"/>
+              </a:rPr>
+              <a:t> </a:t>
+            </a:r>
+            <a:r>
+              <a:rPr sz="1100" i="1" spc="-15" dirty="0">
+                <a:solidFill>
+                  <a:srgbClr val="777879"/>
+                </a:solidFill>
+                <a:latin typeface="AdobeClean-LightIt"/>
+                <a:cs typeface="AdobeClean-LightIt"/>
+              </a:rPr>
+              <a:t>Manager</a:t>
+            </a:r>
+            <a:r>
+              <a:rPr lang="en-US" sz="1100" i="1" spc="-15" dirty="0">
+                <a:solidFill>
+                  <a:srgbClr val="777879"/>
+                </a:solidFill>
+                <a:latin typeface="AdobeClean-LightIt"/>
+                <a:cs typeface="AdobeClean-LightIt"/>
+              </a:rPr>
+              <a:t> </a:t>
+            </a:r>
+            <a:r>
+              <a:rPr sz="1100" i="1" spc="-15" dirty="0">
+                <a:solidFill>
+                  <a:srgbClr val="777879"/>
+                </a:solidFill>
+                <a:latin typeface="AdobeClean-LightIt"/>
+                <a:cs typeface="AdobeClean-LightIt"/>
+              </a:rPr>
+              <a:t>(CSM)</a:t>
+            </a:r>
+            <a:endParaRPr sz="1100" dirty="0">
+              <a:latin typeface="AdobeClean-LightIt"/>
+              <a:cs typeface="AdobeClean-LightIt"/>
+            </a:endParaRPr>
           </a:p>
           <a:p>
             <a:pPr marL="34290">
@@ -12748,15 +16048,59 @@
               </a:spcBef>
             </a:pPr>
             <a:r>
-              <a:rPr lang="it-IT" sz="800">
+              <a:rPr sz="800" spc="-5" dirty="0">
                 <a:solidFill>
                   <a:srgbClr val="6D6D6D"/>
                 </a:solidFill>
                 <a:latin typeface="Adobe Clean"/>
                 <a:cs typeface="Adobe Clean"/>
               </a:rPr>
-              <a:t>©2021 Adobe. All Rights Reserved. Adobe Confidential.</a:t>
-            </a:r>
+              <a:t>©202</a:t>
+            </a:r>
+            <a:r>
+              <a:rPr lang="en-US" sz="800" spc="-5" dirty="0">
+                <a:solidFill>
+                  <a:srgbClr val="6D6D6D"/>
+                </a:solidFill>
+                <a:latin typeface="Adobe Clean"/>
+                <a:cs typeface="Adobe Clean"/>
+              </a:rPr>
+              <a:t>1</a:t>
+            </a:r>
+            <a:r>
+              <a:rPr sz="800" spc="-5" dirty="0">
+                <a:solidFill>
+                  <a:srgbClr val="6D6D6D"/>
+                </a:solidFill>
+                <a:latin typeface="Adobe Clean"/>
+                <a:cs typeface="Adobe Clean"/>
+              </a:rPr>
+              <a:t> Adobe. All Rights Reserved. Adobe</a:t>
+            </a:r>
+            <a:r>
+              <a:rPr sz="800" spc="75" dirty="0">
+                <a:solidFill>
+                  <a:srgbClr val="6D6D6D"/>
+                </a:solidFill>
+                <a:latin typeface="Adobe Clean"/>
+                <a:cs typeface="Adobe Clean"/>
+              </a:rPr>
+              <a:t> </a:t>
+            </a:r>
+            <a:r>
+              <a:rPr sz="800" spc="-5" dirty="0">
+                <a:solidFill>
+                  <a:srgbClr val="6D6D6D"/>
+                </a:solidFill>
+                <a:latin typeface="Adobe Clean"/>
+                <a:cs typeface="Adobe Clean"/>
+              </a:rPr>
+              <a:t>Confidential.</a:t>
+            </a:r>
+            <a:endParaRPr sz="800" dirty="0">
+              <a:latin typeface="Adobe Clean"/>
+              <a:cs typeface="Adobe Clean"/>
+            </a:endParaRPr>
           </a:p>
         </p:txBody>
       </p:sp>
@@ -12775,7 +16119,7 @@
         <p:spPr>
           <a:xfrm>
             <a:off x="190707" y="4913781"/>
-            <a:ext cx="6943952" cy="755976"/>
+            <a:ext cx="6476646" cy="755976"/>
           </a:xfrm>
           <a:prstGeom prst="rect">
             <a:avLst/>
@@ -12793,15 +16137,19 @@
               </a:spcBef>
             </a:pPr>
             <a:r>
-              <a:rPr lang="it-IT" sz="1400" b="1" dirty="0">
-                <a:solidFill>
-                  <a:srgbClr val="020302"/>
-                </a:solidFill>
-                <a:latin typeface="Adobe Clean"/>
-                <a:cs typeface="Adobe Clean"/>
-              </a:rPr>
-              <a:t>Supporto Adobe: aree geografiche, orari operativi e lingue</a:t>
-            </a:r>
+              <a:rPr lang="en-US" sz="1400" b="1" spc="-15">
+                <a:solidFill>
+                  <a:srgbClr val="020302"/>
+                </a:solidFill>
+                <a:latin typeface="Adobe Clean"/>
+                <a:cs typeface="Adobe Clean"/>
+              </a:rPr>
+              <a:t>Regional scope of Adobe Support, Local Hours Of Operation And Language Support</a:t>
+            </a:r>
+            <a:endParaRPr lang="en-US" sz="1400" spc="-15">
+              <a:ea typeface="+mn-lt"/>
+              <a:cs typeface="+mn-lt"/>
+            </a:endParaRPr>
           </a:p>
           <a:p>
             <a:pPr>
@@ -12810,31 +16158,17 @@
               </a:spcBef>
             </a:pPr>
             <a:r>
-              <a:rPr lang="it-IT" sz="1000" dirty="0">
+              <a:rPr lang="en-US" sz="1000" spc="-15">
                 <a:solidFill>
                   <a:srgbClr val="1F1F1F"/>
                 </a:solidFill>
                 <a:latin typeface="AdobeClean-Light"/>
               </a:rPr>
-              <a:t>L’ambito del supporto Adobe è definito allineando l’indirizzo di fatturazione del cliente </a:t>
-            </a:r>
-            <a:br>
-              <a:rPr lang="sk-SK" sz="1000" dirty="0">
-                <a:solidFill>
-                  <a:srgbClr val="1F1F1F"/>
-                </a:solidFill>
-                <a:latin typeface="AdobeClean-Light"/>
-              </a:rPr>
-            </a:br>
-            <a:r>
-              <a:rPr lang="it-IT" sz="1000" dirty="0">
-                <a:solidFill>
-                  <a:srgbClr val="1F1F1F"/>
-                </a:solidFill>
-                <a:latin typeface="AdobeClean-Light"/>
-              </a:rPr>
-              <a:t>(in base all’ordine di vendita o altro documento di acquisto del servizio di supporto Adobe) a una delle seguenti aree geografiche:</a:t>
-            </a:r>
+              <a:t>The regional scope of Adobe Support is established by aligning the customer's billing address (via the Sales Order or other Adobe Support purchasing document) to one of the following regions:</a:t>
+            </a:r>
+            <a:endParaRPr lang="en-US" sz="1000">
+              <a:latin typeface="AdobeClean-Light"/>
+            </a:endParaRPr>
           </a:p>
         </p:txBody>
       </p:sp>
@@ -12906,13 +16240,13 @@
                     <a:p>
                       <a:pPr algn="ctr"/>
                       <a:r>
-                        <a:rPr lang="it-IT" sz="1100">
+                        <a:rPr lang="en-US" sz="1100">
                           <a:solidFill>
                             <a:schemeClr val="tx1"/>
                           </a:solidFill>
                           <a:latin typeface="Adobe Clean"/>
                         </a:rPr>
-                        <a:t>Americhe</a:t>
+                        <a:t>Americas</a:t>
                       </a:r>
                     </a:p>
                   </a:txBody>
@@ -12971,13 +16305,13 @@
                     <a:p>
                       <a:pPr algn="ctr"/>
                       <a:r>
-                        <a:rPr lang="it-IT" sz="1100">
+                        <a:rPr lang="en-US" sz="1100">
                           <a:solidFill>
                             <a:schemeClr val="tx1"/>
                           </a:solidFill>
                           <a:latin typeface="Adobe Clean"/>
                         </a:rPr>
-                        <a:t>Europa, Medio Oriente e Africa</a:t>
+                        <a:t>Europe, Middle East &amp; Africa</a:t>
                       </a:r>
                     </a:p>
                   </a:txBody>
@@ -13036,13 +16370,13 @@
                     <a:p>
                       <a:pPr algn="ctr"/>
                       <a:r>
-                        <a:rPr lang="it-IT" sz="1100">
+                        <a:rPr lang="en-US" sz="1100">
                           <a:solidFill>
                             <a:schemeClr val="tx1"/>
                           </a:solidFill>
                           <a:latin typeface="Adobe Clean"/>
                         </a:rPr>
-                        <a:t>Asia-Pacifico</a:t>
+                        <a:t>Asia Pacific</a:t>
                       </a:r>
                     </a:p>
                   </a:txBody>
@@ -13101,16 +16435,16 @@
                     <a:p>
                       <a:pPr algn="ctr"/>
                       <a:r>
-                        <a:rPr lang="it-IT" sz="1100">
+                        <a:rPr lang="en-US" sz="1100">
                           <a:solidFill>
                             <a:schemeClr val="tx1"/>
                           </a:solidFill>
                           <a:latin typeface="Adobe Clean"/>
                         </a:rPr>
-                        <a:t>Giappone</a:t>
+                        <a:t>Japan </a:t>
                       </a:r>
                       <a:r>
-                        <a:rPr lang="it-IT" sz="1100" baseline="30000">
+                        <a:rPr lang="en-US" sz="1100" baseline="30000">
                           <a:solidFill>
                             <a:schemeClr val="tx1"/>
                           </a:solidFill>
@@ -13118,6 +16452,12 @@
                         </a:rPr>
                         <a:t>1 </a:t>
                       </a:r>
+                      <a:endParaRPr lang="en-US" sz="1100">
+                        <a:solidFill>
+                          <a:schemeClr val="tx1"/>
+                        </a:solidFill>
+                        <a:latin typeface="Adobe Clean" panose="020B0503020404020204" pitchFamily="34" charset="0"/>
+                      </a:endParaRPr>
                     </a:p>
                   </a:txBody>
                   <a:tcPr anchor="ctr">
@@ -13182,13 +16522,13 @@
                     <a:p>
                       <a:pPr algn="ctr"/>
                       <a:r>
-                        <a:rPr lang="it-IT" sz="1100">
+                        <a:rPr lang="en-US" sz="1100">
                           <a:solidFill>
                             <a:schemeClr val="tx1"/>
                           </a:solidFill>
                           <a:latin typeface="Adobe Clean"/>
                         </a:rPr>
-                        <a:t>06:00 – 17:30</a:t>
+                        <a:t>6 am – 5:30 pm</a:t>
                       </a:r>
                     </a:p>
                   </a:txBody>
@@ -13247,13 +16587,13 @@
                     <a:p>
                       <a:pPr algn="ctr"/>
                       <a:r>
-                        <a:rPr lang="it-IT" sz="1100">
+                        <a:rPr lang="en-US" sz="1100">
                           <a:solidFill>
                             <a:schemeClr val="tx1"/>
                           </a:solidFill>
                           <a:latin typeface="Adobe Clean"/>
                         </a:rPr>
-                        <a:t>09:00 – 17:00</a:t>
+                        <a:t>9 am – 5 pm</a:t>
                       </a:r>
                     </a:p>
                   </a:txBody>
@@ -13312,13 +16652,13 @@
                     <a:p>
                       <a:pPr algn="ctr"/>
                       <a:r>
-                        <a:rPr lang="it-IT" sz="1100">
+                        <a:rPr lang="en-US" sz="1100">
                           <a:solidFill>
                             <a:schemeClr val="tx1"/>
                           </a:solidFill>
                           <a:latin typeface="Adobe Clean"/>
                         </a:rPr>
-                        <a:t>09:00 – 17:00</a:t>
+                        <a:t>9 am – 5 pm</a:t>
                       </a:r>
                     </a:p>
                   </a:txBody>
@@ -13377,13 +16717,13 @@
                     <a:p>
                       <a:pPr algn="ctr"/>
                       <a:r>
-                        <a:rPr lang="it-IT" sz="1100">
+                        <a:rPr lang="en-US" sz="1100">
                           <a:solidFill>
                             <a:schemeClr val="tx1"/>
                           </a:solidFill>
                           <a:latin typeface="Adobe Clean"/>
                         </a:rPr>
-                        <a:t>09:00 – 17:30</a:t>
+                        <a:t>9 am – 5:30 pm</a:t>
                       </a:r>
                     </a:p>
                   </a:txBody>
@@ -13460,12 +16800,12 @@
                         <a:buNone/>
                       </a:pPr>
                       <a:r>
-                        <a:rPr lang="it-IT" sz="1100" b="0" i="0" u="none" strike="noStrike" noProof="0"/>
-                        <a:t>Il supporto è disponibile solo in inglese e giapponese.</a:t>
+                        <a:rPr lang="en-US" sz="1100" b="0" i="0" u="none" strike="noStrike" noProof="0"/>
+                        <a:t>Language support is only available in English and Japanese.</a:t>
                       </a:r>
                     </a:p>
                     <a:p>
-                      <a:pPr lvl="0" algn="l" rtl="0">
+                      <a:pPr lvl="0" algn="ctr">
                         <a:lnSpc>
                           <a:spcPct val="100000"/>
                         </a:lnSpc>
@@ -13493,17 +16833,18 @@
                         <a:buNone/>
                       </a:pPr>
                       <a:r>
-                        <a:rPr lang="it-IT" sz="1100" b="0" i="0" u="none" strike="noStrike" noProof="0"/>
+                        <a:rPr lang="en-US" sz="1100" b="0" i="0" u="none" strike="noStrike" noProof="0"/>
                         <a:t> </a:t>
                       </a:r>
                       <a:r>
-                        <a:rPr lang="it-IT" sz="1100" b="0" i="0" u="none" strike="noStrike" baseline="30000" noProof="0"/>
+                        <a:rPr lang="en-US" sz="1100" b="0" i="0" u="none" strike="noStrike" baseline="30000" noProof="0"/>
                         <a:t>1 </a:t>
                       </a:r>
                       <a:r>
-                        <a:rPr lang="it-IT" sz="1100" b="0" i="0" u="none" strike="noStrike" noProof="0"/>
-                        <a:t>In Giappone, i casi P2, P3 e P4 sono limitati al solo orario operativo.</a:t>
+                        <a:rPr lang="en-US" sz="1100" b="0" i="0" u="none" strike="noStrike" noProof="0"/>
+                        <a:t>P2, P3, P4 cases are limited to business hours only in Japan.</a:t>
                       </a:r>
+                      <a:endParaRPr lang="en-US" sz="1100" b="1" i="0" u="none" strike="noStrike" noProof="0"/>
                     </a:p>
                   </a:txBody>
                   <a:tcPr anchor="ctr">
@@ -13867,15 +17208,129 @@
               </a:spcBef>
             </a:pPr>
             <a:r>
-              <a:rPr lang="it-IT" sz="1200" b="1">
+              <a:rPr sz="1200" b="1" spc="-15">
                 <a:solidFill>
                   <a:srgbClr val="FFFFFF"/>
                 </a:solidFill>
                 <a:latin typeface="Adobe Clean"/>
                 <a:cs typeface="Adobe Clean"/>
               </a:rPr>
-              <a:t>Eccellenza tecnica</a:t>
-            </a:r>
+              <a:t>U</a:t>
+            </a:r>
+            <a:r>
+              <a:rPr sz="1200" b="1" spc="-20">
+                <a:solidFill>
+                  <a:srgbClr val="FFFFFF"/>
+                </a:solidFill>
+                <a:latin typeface="Adobe Clean"/>
+                <a:cs typeface="Adobe Clean"/>
+              </a:rPr>
+              <a:t>n</a:t>
+            </a:r>
+            <a:r>
+              <a:rPr sz="1200" b="1" spc="-25">
+                <a:solidFill>
+                  <a:srgbClr val="FFFFFF"/>
+                </a:solidFill>
+                <a:latin typeface="Adobe Clean"/>
+                <a:cs typeface="Adobe Clean"/>
+              </a:rPr>
+              <a:t>p</a:t>
+            </a:r>
+            <a:r>
+              <a:rPr sz="1200" b="1" spc="-15">
+                <a:solidFill>
+                  <a:srgbClr val="FFFFFF"/>
+                </a:solidFill>
+                <a:latin typeface="Adobe Clean"/>
+                <a:cs typeface="Adobe Clean"/>
+              </a:rPr>
+              <a:t>a</a:t>
+            </a:r>
+            <a:r>
+              <a:rPr sz="1200" b="1" spc="-25">
+                <a:solidFill>
+                  <a:srgbClr val="FFFFFF"/>
+                </a:solidFill>
+                <a:latin typeface="Adobe Clean"/>
+                <a:cs typeface="Adobe Clean"/>
+              </a:rPr>
+              <a:t>r</a:t>
+            </a:r>
+            <a:r>
+              <a:rPr sz="1200" b="1" spc="-15">
+                <a:solidFill>
+                  <a:srgbClr val="FFFFFF"/>
+                </a:solidFill>
+                <a:latin typeface="Adobe Clean"/>
+                <a:cs typeface="Adobe Clean"/>
+              </a:rPr>
+              <a:t>a</a:t>
+            </a:r>
+            <a:r>
+              <a:rPr sz="1200" b="1" spc="-30">
+                <a:solidFill>
+                  <a:srgbClr val="FFFFFF"/>
+                </a:solidFill>
+                <a:latin typeface="Adobe Clean"/>
+                <a:cs typeface="Adobe Clean"/>
+              </a:rPr>
+              <a:t>ll</a:t>
+            </a:r>
+            <a:r>
+              <a:rPr sz="1200" b="1" spc="-25">
+                <a:solidFill>
+                  <a:srgbClr val="FFFFFF"/>
+                </a:solidFill>
+                <a:latin typeface="Adobe Clean"/>
+                <a:cs typeface="Adobe Clean"/>
+              </a:rPr>
+              <a:t>e</a:t>
+            </a:r>
+            <a:r>
+              <a:rPr sz="1200" b="1" spc="-30">
+                <a:solidFill>
+                  <a:srgbClr val="FFFFFF"/>
+                </a:solidFill>
+                <a:latin typeface="Adobe Clean"/>
+                <a:cs typeface="Adobe Clean"/>
+              </a:rPr>
+              <a:t>l</a:t>
+            </a:r>
+            <a:r>
+              <a:rPr sz="1200" b="1" spc="-25">
+                <a:solidFill>
+                  <a:srgbClr val="FFFFFF"/>
+                </a:solidFill>
+                <a:latin typeface="Adobe Clean"/>
+                <a:cs typeface="Adobe Clean"/>
+              </a:rPr>
+              <a:t>e</a:t>
+            </a:r>
+            <a:r>
+              <a:rPr sz="1200" b="1">
+                <a:solidFill>
+                  <a:srgbClr val="FFFFFF"/>
+                </a:solidFill>
+                <a:latin typeface="Adobe Clean"/>
+                <a:cs typeface="Adobe Clean"/>
+              </a:rPr>
+              <a:t>d  </a:t>
+            </a:r>
+            <a:r>
+              <a:rPr sz="1200" b="1" spc="-25">
+                <a:solidFill>
+                  <a:srgbClr val="FFFFFF"/>
+                </a:solidFill>
+                <a:latin typeface="Adobe Clean"/>
+                <a:cs typeface="Adobe Clean"/>
+              </a:rPr>
+              <a:t>Expertise</a:t>
+            </a:r>
+            <a:endParaRPr sz="1200">
+              <a:latin typeface="Adobe Clean"/>
+              <a:cs typeface="Adobe Clean"/>
+            </a:endParaRPr>
           </a:p>
         </p:txBody>
       </p:sp>
@@ -13915,15 +17370,19 @@
               </a:spcBef>
             </a:pPr>
             <a:r>
-              <a:rPr lang="it-IT" sz="1200" b="1">
+              <a:rPr lang="en-US" sz="1200" b="1" spc="-15">
                 <a:solidFill>
                   <a:srgbClr val="FFFFFF"/>
                 </a:solidFill>
                 <a:latin typeface="Adobe Clean"/>
                 <a:cs typeface="Adobe Clean"/>
               </a:rPr>
-              <a:t>Supporto rapido</a:t>
-            </a:r>
+              <a:t>Accelerated Support</a:t>
+            </a:r>
+            <a:endParaRPr sz="1200">
+              <a:latin typeface="Adobe Clean"/>
+              <a:cs typeface="Adobe Clean"/>
+            </a:endParaRPr>
           </a:p>
         </p:txBody>
       </p:sp>
@@ -13941,8 +17400,8 @@
         </p:nvSpPr>
         <p:spPr>
           <a:xfrm>
-            <a:off x="6484405" y="8543943"/>
-            <a:ext cx="810895" cy="382797"/>
+            <a:off x="6624119" y="8543943"/>
+            <a:ext cx="510540" cy="385445"/>
           </a:xfrm>
           <a:prstGeom prst="rect">
             <a:avLst/>
@@ -13963,15 +17422,109 @@
               </a:spcBef>
             </a:pPr>
             <a:r>
-              <a:rPr lang="it-IT" sz="1200" b="1" dirty="0">
+              <a:rPr sz="1200" b="1" spc="-50">
                 <a:solidFill>
                   <a:srgbClr val="FFFFFF"/>
                 </a:solidFill>
                 <a:latin typeface="Adobe Clean"/>
                 <a:cs typeface="Adobe Clean"/>
               </a:rPr>
-              <a:t>Consulenza strategica</a:t>
-            </a:r>
+              <a:t>S</a:t>
+            </a:r>
+            <a:r>
+              <a:rPr sz="1200" b="1" spc="-20">
+                <a:solidFill>
+                  <a:srgbClr val="FFFFFF"/>
+                </a:solidFill>
+                <a:latin typeface="Adobe Clean"/>
+                <a:cs typeface="Adobe Clean"/>
+              </a:rPr>
+              <a:t>t</a:t>
+            </a:r>
+            <a:r>
+              <a:rPr sz="1200" b="1" spc="-75">
+                <a:solidFill>
+                  <a:srgbClr val="FFFFFF"/>
+                </a:solidFill>
+                <a:latin typeface="Adobe Clean"/>
+                <a:cs typeface="Adobe Clean"/>
+              </a:rPr>
+              <a:t>r</a:t>
+            </a:r>
+            <a:r>
+              <a:rPr sz="1200" b="1" spc="-90">
+                <a:solidFill>
+                  <a:srgbClr val="FFFFFF"/>
+                </a:solidFill>
+                <a:latin typeface="Adobe Clean"/>
+                <a:cs typeface="Adobe Clean"/>
+              </a:rPr>
+              <a:t>a</a:t>
+            </a:r>
+            <a:r>
+              <a:rPr sz="1200" b="1" spc="-55">
+                <a:solidFill>
+                  <a:srgbClr val="FFFFFF"/>
+                </a:solidFill>
+                <a:latin typeface="Adobe Clean"/>
+                <a:cs typeface="Adobe Clean"/>
+              </a:rPr>
+              <a:t>t</a:t>
+            </a:r>
+            <a:r>
+              <a:rPr sz="1200" b="1" spc="-100">
+                <a:solidFill>
+                  <a:srgbClr val="FFFFFF"/>
+                </a:solidFill>
+                <a:latin typeface="Adobe Clean"/>
+                <a:cs typeface="Adobe Clean"/>
+              </a:rPr>
+              <a:t>e</a:t>
+            </a:r>
+            <a:r>
+              <a:rPr sz="1200" b="1" spc="-80">
+                <a:solidFill>
+                  <a:srgbClr val="FFFFFF"/>
+                </a:solidFill>
+                <a:latin typeface="Adobe Clean"/>
+                <a:cs typeface="Adobe Clean"/>
+              </a:rPr>
+              <a:t>g</a:t>
+            </a:r>
+            <a:r>
+              <a:rPr sz="1200" b="1" spc="-35">
+                <a:solidFill>
+                  <a:srgbClr val="FFFFFF"/>
+                </a:solidFill>
+                <a:latin typeface="Adobe Clean"/>
+                <a:cs typeface="Adobe Clean"/>
+              </a:rPr>
+              <a:t>i</a:t>
+            </a:r>
+            <a:r>
+              <a:rPr sz="1200" b="1">
+                <a:solidFill>
+                  <a:srgbClr val="FFFFFF"/>
+                </a:solidFill>
+                <a:latin typeface="Adobe Clean"/>
+                <a:cs typeface="Adobe Clean"/>
+              </a:rPr>
+              <a:t>c  </a:t>
+            </a:r>
+            <a:r>
+              <a:rPr sz="1200" b="1" spc="-45">
+                <a:solidFill>
+                  <a:srgbClr val="FFFFFF"/>
+                </a:solidFill>
+                <a:latin typeface="Adobe Clean"/>
+                <a:cs typeface="Adobe Clean"/>
+              </a:rPr>
+              <a:t>Advice</a:t>
+            </a:r>
+            <a:endParaRPr sz="1200">
+              <a:latin typeface="Adobe Clean"/>
+              <a:cs typeface="Adobe Clean"/>
+            </a:endParaRPr>
           </a:p>
         </p:txBody>
       </p:sp>
@@ -13990,14 +17543,14 @@
           <p:nvPr>
             <p:extLst>
               <p:ext uri="{D42A27DB-BD31-4B8C-83A1-F6EECF244321}">
-                <p14:modId xmlns:p14="http://schemas.microsoft.com/office/powerpoint/2010/main" val="1128716280"/>
+                <p14:modId xmlns:p14="http://schemas.microsoft.com/office/powerpoint/2010/main" val="4232335107"/>
               </p:ext>
             </p:extLst>
           </p:nvPr>
         </p:nvGraphicFramePr>
         <p:xfrm>
           <a:off x="194237" y="1272353"/>
-          <a:ext cx="7368291" cy="3235960"/>
+          <a:ext cx="7368291" cy="2931160"/>
         </p:xfrm>
         <a:graphic>
           <a:graphicData uri="http://schemas.openxmlformats.org/drawingml/2006/table">
@@ -14028,17 +17581,25 @@
                     <a:lstStyle/>
                     <a:p>
                       <a:r>
-                        <a:rPr lang="it-IT" sz="1100" b="0">
+                        <a:rPr lang="en-US" sz="1100" b="0" dirty="0">
                           <a:solidFill>
                             <a:schemeClr val="tx1"/>
                           </a:solidFill>
-                          <a:latin typeface="Adobe Clean" panose="020B0503020404020204" pitchFamily="34" charset="0"/>
+                          <a:latin typeface="Adobe Clean"/>
                           <a:ea typeface="+mn-ea"/>
                           <a:cs typeface="+mn-cs"/>
                           <a:hlinkClick r:id="rId7"/>
                         </a:rPr>
                         <a:t>Experience League</a:t>
                       </a:r>
+                      <a:endParaRPr lang="en-US" sz="1100" b="0" dirty="0">
+                        <a:solidFill>
+                          <a:schemeClr val="tx1"/>
+                        </a:solidFill>
+                        <a:latin typeface="Adobe Clean"/>
+                        <a:ea typeface="+mn-ea"/>
+                        <a:cs typeface="+mn-cs"/>
+                      </a:endParaRPr>
                     </a:p>
                   </a:txBody>
                   <a:tcPr marL="47625" marR="47625" marT="0" marB="0" anchor="ctr">
@@ -14094,7 +17655,7 @@
                     <a:bodyPr/>
                     <a:lstStyle/>
                     <a:p>
-                      <a:pPr marL="0" marR="0" lvl="0" indent="0" defTabSz="914400" eaLnBrk="1" fontAlgn="auto" latinLnBrk="0" hangingPunct="1">
+                      <a:pPr marL="0" marR="0" lvl="0" indent="0" eaLnBrk="1" fontAlgn="auto" latinLnBrk="0" hangingPunct="1">
                         <a:lnSpc>
                           <a:spcPct val="100000"/>
                         </a:lnSpc>
@@ -14108,41 +17669,26 @@
                         <a:buSzTx/>
                         <a:buFontTx/>
                         <a:buNone/>
-                        <a:tabLst/>
-                        <a:defRPr/>
                       </a:pPr>
                       <a:r>
-                        <a:rPr lang="it-IT" sz="1000" b="0" dirty="0">
+                        <a:rPr lang="en-US" sz="1000" b="0" kern="1200" dirty="0">
                           <a:solidFill>
                             <a:srgbClr val="000000"/>
                           </a:solidFill>
-                          <a:latin typeface="Adobe Clean Light" panose="020B0303020404020204" pitchFamily="34" charset="0"/>
+                          <a:latin typeface="Adobe Clean Light"/>
                           <a:ea typeface="+mn-ea"/>
                           <a:cs typeface="+mn-cs"/>
                         </a:rPr>
-                        <a:t>Con Experience League, Adobe aiuta le aziende a conseguire il valore che si aspettano dalle soluzioni Adobe in cui hanno investito. </a:t>
+                        <a:t>Experience League is how Adobe helps businesses achieve the value they expect from their Adobe investment. It’s the unified place where customers can learn, connect, and grow along a personalized path to success that includes self-help tutorials, product documentation, instructor-led training, community and technical support. </a:t>
                       </a:r>
-                      <a:br>
-                        <a:rPr lang="sk-SK" sz="1000" b="0" dirty="0">
-                          <a:solidFill>
-                            <a:srgbClr val="000000"/>
-                          </a:solidFill>
-                          <a:latin typeface="Adobe Clean Light" panose="020B0303020404020204" pitchFamily="34" charset="0"/>
-                          <a:ea typeface="+mn-ea"/>
-                          <a:cs typeface="+mn-cs"/>
-                        </a:rPr>
-                      </a:br>
-                      <a:r>
-                        <a:rPr lang="it-IT" sz="1000" b="0" dirty="0">
-                          <a:solidFill>
-                            <a:srgbClr val="000000"/>
-                          </a:solidFill>
-                          <a:latin typeface="Adobe Clean Light" panose="020B0303020404020204" pitchFamily="34" charset="0"/>
-                          <a:ea typeface="+mn-ea"/>
-                          <a:cs typeface="+mn-cs"/>
-                        </a:rPr>
-                        <a:t>In questo portale unificato, puoi imparare, relazionarti con altri professionisti e crescere seguendo un percorso personalizzato con tutorial, documentazione dei prodotti, formazione con istruttori, supporto tecnico e il sostegno dell’intera community. </a:t>
-                      </a:r>
+                      <a:endParaRPr lang="en-US" sz="1000" b="0" kern="1200">
+                        <a:solidFill>
+                          <a:srgbClr val="000000"/>
+                        </a:solidFill>
+                        <a:latin typeface="Adobe Clean Light" panose="020B0303020404020204" pitchFamily="34" charset="0"/>
+                        <a:ea typeface="+mn-ea"/>
+                        <a:cs typeface="+mn-cs"/>
+                      </a:endParaRPr>
                     </a:p>
                   </a:txBody>
                   <a:tcPr anchor="ctr">
@@ -14223,28 +17769,39 @@
                         <a:defRPr/>
                       </a:pPr>
                       <a:r>
-                        <a:rPr lang="it-IT" sz="1100">
+                        <a:rPr lang="en-US" sz="1100" dirty="0">
                           <a:solidFill>
                             <a:schemeClr val="dk1"/>
                           </a:solidFill>
-                          <a:latin typeface="Adobe Clean" panose="020B0503020404020204" pitchFamily="34" charset="0"/>
+                          <a:effectLst/>
+                          <a:latin typeface="Adobe Clean"/>
                           <a:ea typeface="+mn-ea"/>
                           <a:cs typeface="+mn-cs"/>
                           <a:hlinkClick r:id="rId8"/>
                         </a:rPr>
-                        <a:t>Formazione</a:t>
+                        <a:t>Training</a:t>
                       </a:r>
                       <a:r>
-                        <a:rPr lang="it-IT" sz="1100">
+                        <a:rPr lang="en-US" sz="1100" dirty="0">
                           <a:solidFill>
                             <a:schemeClr val="dk1"/>
                           </a:solidFill>
-                          <a:latin typeface="Adobe Clean" panose="020B0503020404020204" pitchFamily="34" charset="0"/>
+                          <a:effectLst/>
+                          <a:latin typeface="Adobe Clean"/>
                           <a:ea typeface="+mn-ea"/>
                           <a:cs typeface="+mn-cs"/>
                         </a:rPr>
                         <a:t> </a:t>
                       </a:r>
+                      <a:endParaRPr lang="en-US" sz="1100" dirty="0">
+                        <a:solidFill>
+                          <a:schemeClr val="tx1"/>
+                        </a:solidFill>
+                        <a:effectLst/>
+                        <a:latin typeface="Adobe Clean"/>
+                        <a:ea typeface="+mn-ea"/>
+                        <a:cs typeface="+mn-cs"/>
+                      </a:endParaRPr>
                     </a:p>
                   </a:txBody>
                   <a:tcPr anchor="ctr">
@@ -14318,15 +17875,15 @@
                         <a:defRPr/>
                       </a:pPr>
                       <a:r>
-                        <a:rPr lang="it-IT" sz="1000">
+                        <a:rPr lang="en-US" sz="1000" kern="1200" dirty="0">
                           <a:solidFill>
                             <a:srgbClr val="000000"/>
                           </a:solidFill>
-                          <a:latin typeface="Adobe Clean Light" panose="020B0303020404020204" pitchFamily="34" charset="0"/>
+                          <a:latin typeface="Adobe Clean Light"/>
                           <a:ea typeface="+mn-ea"/>
                           <a:cs typeface="+mn-cs"/>
                         </a:rPr>
-                        <a:t>I corsi Adobe Digital Learning Services sono accessibili da Experience League. I corsi di apprendimento comprendono lezioni sia on-demand che guidate da istruttori.  Potrai acquisire nuove competenze particolarmente ricercate nel settore e metterle in pratica nella tua organizzazione, per favorirne il successo.</a:t>
+                        <a:t>Adobe Digital Learning Services courses are accessible from Experience League. Learning courses integrate both on-demand and instructor-led lessons.  Here you can accrue skills that have recognized market value and position them to drive success in your organizations.</a:t>
                       </a:r>
                     </a:p>
                   </a:txBody>
@@ -14408,17 +17965,27 @@
                         <a:defRPr/>
                       </a:pPr>
                       <a:r>
-                        <a:rPr lang="it-IT" sz="1100">
+                        <a:rPr lang="en-US" sz="1100" dirty="0">
                           <a:solidFill>
                             <a:schemeClr val="tx1"/>
                           </a:solidFill>
-                          <a:latin typeface="Adobe Clean" panose="020B0503020404020204" pitchFamily="34" charset="0"/>
+                          <a:effectLst/>
+                          <a:latin typeface="Adobe Clean"/>
                           <a:ea typeface="+mn-ea"/>
                           <a:cs typeface="+mn-cs"/>
                           <a:hlinkClick r:id="rId9"/>
                         </a:rPr>
-                        <a:t>Problemi di produzione e interruzioni del sistema</a:t>
+                        <a:t>Production Issues &amp; System Outages</a:t>
                       </a:r>
+                      <a:endParaRPr lang="en-US" sz="1100" dirty="0">
+                        <a:solidFill>
+                          <a:schemeClr val="tx1"/>
+                        </a:solidFill>
+                        <a:effectLst/>
+                        <a:latin typeface="Adobe Clean"/>
+                        <a:ea typeface="+mn-ea"/>
+                        <a:cs typeface="+mn-cs"/>
+                      </a:endParaRPr>
                     </a:p>
                   </a:txBody>
                   <a:tcPr anchor="ctr">
@@ -14474,7 +18041,7 @@
                     <a:bodyPr/>
                     <a:lstStyle/>
                     <a:p>
-                      <a:pPr marL="0" marR="0" lvl="0" indent="0" defTabSz="914400" eaLnBrk="1" fontAlgn="auto" latinLnBrk="0" hangingPunct="1">
+                      <a:pPr marL="0" marR="0" lvl="0" indent="0" eaLnBrk="1" fontAlgn="auto" latinLnBrk="0" hangingPunct="1">
                         <a:lnSpc>
                           <a:spcPct val="100000"/>
                         </a:lnSpc>
@@ -14488,83 +18055,26 @@
                         <a:buSzTx/>
                         <a:buFontTx/>
                         <a:buNone/>
-                        <a:tabLst/>
-                        <a:defRPr/>
                       </a:pPr>
                       <a:r>
-                        <a:rPr lang="it-IT" sz="1000" dirty="0">
+                        <a:rPr lang="en-US" sz="1000" kern="1200" dirty="0">
                           <a:solidFill>
                             <a:srgbClr val="000000"/>
                           </a:solidFill>
-                          <a:latin typeface="Adobe Clean Light" panose="020B0303020404020204" pitchFamily="34" charset="0"/>
+                          <a:latin typeface="Adobe Clean Light"/>
                           <a:ea typeface="+mn-ea"/>
                           <a:cs typeface="+mn-cs"/>
                         </a:rPr>
-                        <a:t>Status.adobe.com trasmette informazioni sullo stato di tutti i prodotti </a:t>
+                        <a:t>Status.adobe.com conveys the health information of all Adobe products and services that are deployed in multi-tenant environments. Customers can choose their subscription preferences to get email notifications whenever Adobe creates, updates or resolves a product event. This can include scheduled maintenance or service issues of varying levels of severity. </a:t>
                       </a:r>
-                      <a:br>
-                        <a:rPr lang="sk-SK" sz="1000" dirty="0">
-                          <a:solidFill>
-                            <a:srgbClr val="000000"/>
-                          </a:solidFill>
-                          <a:latin typeface="Adobe Clean Light" panose="020B0303020404020204" pitchFamily="34" charset="0"/>
-                          <a:ea typeface="+mn-ea"/>
-                          <a:cs typeface="+mn-cs"/>
-                        </a:rPr>
-                      </a:br>
-                      <a:r>
-                        <a:rPr lang="it-IT" sz="1000" dirty="0">
-                          <a:solidFill>
-                            <a:srgbClr val="000000"/>
-                          </a:solidFill>
-                          <a:latin typeface="Adobe Clean Light" panose="020B0303020404020204" pitchFamily="34" charset="0"/>
-                          <a:ea typeface="+mn-ea"/>
-                          <a:cs typeface="+mn-cs"/>
-                        </a:rPr>
-                        <a:t>e i servizi Adobe implementati in ambienti multi-tenant. Puoi scegliere se ricevere notifiche e-mail ogni volta che Adobe segnala, aggiorna </a:t>
-                      </a:r>
-                      <a:br>
-                        <a:rPr lang="sk-SK" sz="1000" dirty="0">
-                          <a:solidFill>
-                            <a:srgbClr val="000000"/>
-                          </a:solidFill>
-                          <a:latin typeface="Adobe Clean Light" panose="020B0303020404020204" pitchFamily="34" charset="0"/>
-                          <a:ea typeface="+mn-ea"/>
-                          <a:cs typeface="+mn-cs"/>
-                        </a:rPr>
-                      </a:br>
-                      <a:r>
-                        <a:rPr lang="it-IT" sz="1000" dirty="0">
-                          <a:solidFill>
-                            <a:srgbClr val="000000"/>
-                          </a:solidFill>
-                          <a:latin typeface="Adobe Clean Light" panose="020B0303020404020204" pitchFamily="34" charset="0"/>
-                          <a:ea typeface="+mn-ea"/>
-                          <a:cs typeface="+mn-cs"/>
-                        </a:rPr>
-                        <a:t>o risolve un problema relativo a un prodotto. Vengono segnalate </a:t>
-                      </a:r>
-                      <a:br>
-                        <a:rPr lang="sk-SK" sz="1000" dirty="0">
-                          <a:solidFill>
-                            <a:srgbClr val="000000"/>
-                          </a:solidFill>
-                          <a:latin typeface="Adobe Clean Light" panose="020B0303020404020204" pitchFamily="34" charset="0"/>
-                          <a:ea typeface="+mn-ea"/>
-                          <a:cs typeface="+mn-cs"/>
-                        </a:rPr>
-                      </a:br>
-                      <a:r>
-                        <a:rPr lang="it-IT" sz="1000" dirty="0">
-                          <a:solidFill>
-                            <a:srgbClr val="000000"/>
-                          </a:solidFill>
-                          <a:latin typeface="Adobe Clean Light" panose="020B0303020404020204" pitchFamily="34" charset="0"/>
-                          <a:ea typeface="+mn-ea"/>
-                          <a:cs typeface="+mn-cs"/>
-                        </a:rPr>
-                        <a:t>ad esempio le interruzioni per manutenzione programmata o problemi relativi ai servizi con diversi livelli di gravità. </a:t>
-                      </a:r>
+                      <a:endParaRPr lang="en-US" sz="1000" kern="1200">
+                        <a:solidFill>
+                          <a:srgbClr val="000000"/>
+                        </a:solidFill>
+                        <a:latin typeface="Adobe Clean Light" panose="020B0303020404020204" pitchFamily="34" charset="0"/>
+                        <a:ea typeface="+mn-ea"/>
+                        <a:cs typeface="+mn-cs"/>
+                      </a:endParaRPr>
                     </a:p>
                   </a:txBody>
                   <a:tcPr anchor="ctr">
@@ -14645,17 +18155,27 @@
                         <a:defRPr/>
                       </a:pPr>
                       <a:r>
-                        <a:rPr lang="it-IT" sz="1100">
+                        <a:rPr lang="en-US" sz="1100" dirty="0">
                           <a:solidFill>
                             <a:schemeClr val="tx1"/>
                           </a:solidFill>
-                          <a:latin typeface="Adobe Clean" panose="020B0503020404020204" pitchFamily="34" charset="0"/>
+                          <a:effectLst/>
+                          <a:latin typeface="Adobe Clean"/>
                           <a:ea typeface="+mn-ea"/>
                           <a:cs typeface="+mn-cs"/>
                           <a:hlinkClick r:id="rId10"/>
                         </a:rPr>
-                        <a:t>Termini e condizioni</a:t>
+                        <a:t>Terms and Conditions</a:t>
                       </a:r>
+                      <a:endParaRPr lang="en-US" sz="1100" dirty="0">
+                        <a:solidFill>
+                          <a:schemeClr val="tx1"/>
+                        </a:solidFill>
+                        <a:effectLst/>
+                        <a:latin typeface="Adobe Clean"/>
+                        <a:ea typeface="+mn-ea"/>
+                        <a:cs typeface="+mn-cs"/>
+                      </a:endParaRPr>
                     </a:p>
                   </a:txBody>
                   <a:tcPr anchor="ctr">
@@ -14712,16 +18232,24 @@
                     <a:lstStyle/>
                     <a:p>
                       <a:r>
-                        <a:rPr lang="it-IT" sz="1000" dirty="0">
+                        <a:rPr lang="en-US" sz="1000" kern="1200" dirty="0">
                           <a:solidFill>
                             <a:srgbClr val="000000"/>
                           </a:solidFill>
-                          <a:latin typeface="Adobe Clean Light" panose="020B0303020404020204" pitchFamily="34" charset="0"/>
+                          <a:latin typeface="Adobe Clean Light"/>
                           <a:ea typeface="+mn-ea"/>
                           <a:cs typeface="+mn-cs"/>
                         </a:rPr>
-                        <a:t>Termini e condizioni che descrivono i servizi di supporto disponibili</a:t>
+                        <a:t>Terms and conditions detailing Support Services offerings.</a:t>
                       </a:r>
+                      <a:endParaRPr lang="en-US" sz="1000" kern="1200" dirty="0">
+                        <a:solidFill>
+                          <a:srgbClr val="000000"/>
+                        </a:solidFill>
+                        <a:latin typeface="Adobe Clean Light" panose="020B0303020404020204" pitchFamily="34" charset="0"/>
+                        <a:ea typeface="+mn-ea"/>
+                        <a:cs typeface="+mn-cs"/>
+                      </a:endParaRPr>
                     </a:p>
                   </a:txBody>
                   <a:tcPr anchor="ctr">
@@ -15491,12 +19019,6 @@
 </file>
 
 <file path=customXml/item1.xml><?xml version="1.0" encoding="utf-8"?>
-<p:properties xmlns:p="http://schemas.microsoft.com/office/2006/metadata/properties" xmlns:xsi="http://www.w3.org/2001/XMLSchema-instance" xmlns:pc="http://schemas.microsoft.com/office/infopath/2007/PartnerControls">
-  <documentManagement/>
-</p:properties>
-</file>
-
-<file path=customXml/item2.xml><?xml version="1.0" encoding="utf-8"?>
 <ct:contentTypeSchema xmlns:ct="http://schemas.microsoft.com/office/2006/metadata/contentType" xmlns:ma="http://schemas.microsoft.com/office/2006/metadata/properties/metaAttributes" ct:_="" ma:_="" ma:contentTypeName="Document" ma:contentTypeID="0x010100E783BF6876BCC646A459363AF21A7736" ma:contentTypeVersion="10" ma:contentTypeDescription="Create a new document." ma:contentTypeScope="" ma:versionID="c4ffda7f4f415767600769e454c2ea87">
   <xsd:schema xmlns:xsd="http://www.w3.org/2001/XMLSchema" xmlns:xs="http://www.w3.org/2001/XMLSchema" xmlns:p="http://schemas.microsoft.com/office/2006/metadata/properties" xmlns:ns2="8a053bff-88be-49e4-9a87-e748e18b8b62" xmlns:ns3="6c8368ec-3776-49b5-a5bb-90648cf9530f" targetNamespace="http://schemas.microsoft.com/office/2006/metadata/properties" ma:root="true" ma:fieldsID="df3ec33bccc23e23bce7bc897fad43d1" ns2:_="" ns3:_="">
     <xsd:import namespace="8a053bff-88be-49e4-9a87-e748e18b8b62"/>
@@ -15701,7 +19223,7 @@
 </ct:contentTypeSchema>
 </file>
 
-<file path=customXml/item3.xml><?xml version="1.0" encoding="utf-8"?>
+<file path=customXml/item2.xml><?xml version="1.0" encoding="utf-8"?>
 <?mso-contentType ?>
 <FormTemplates xmlns="http://schemas.microsoft.com/sharepoint/v3/contenttype/forms">
   <Display>DocumentLibraryForm</Display>
@@ -15710,16 +19232,13 @@
 </FormTemplates>
 </file>
 
-<file path=customXml/itemProps1.xml><?xml version="1.0" encoding="utf-8"?>
-<ds:datastoreItem xmlns:ds="http://schemas.openxmlformats.org/officeDocument/2006/customXml" ds:itemID="{ED4099BE-EDEC-4FF1-8378-446617236015}">
-  <ds:schemaRefs>
-    <ds:schemaRef ds:uri="http://schemas.microsoft.com/office/2006/metadata/properties"/>
-    <ds:schemaRef ds:uri="http://schemas.microsoft.com/office/infopath/2007/PartnerControls"/>
-  </ds:schemaRefs>
-</ds:datastoreItem>
+<file path=customXml/item3.xml><?xml version="1.0" encoding="utf-8"?>
+<p:properties xmlns:p="http://schemas.microsoft.com/office/2006/metadata/properties" xmlns:xsi="http://www.w3.org/2001/XMLSchema-instance" xmlns:pc="http://schemas.microsoft.com/office/infopath/2007/PartnerControls">
+  <documentManagement/>
+</p:properties>
 </file>
 
-<file path=customXml/itemProps2.xml><?xml version="1.0" encoding="utf-8"?>
+<file path=customXml/itemProps1.xml><?xml version="1.0" encoding="utf-8"?>
 <ds:datastoreItem xmlns:ds="http://schemas.openxmlformats.org/officeDocument/2006/customXml" ds:itemID="{FB2EBF8D-136B-48EC-8FC0-F70C0583664B}">
   <ds:schemaRefs>
     <ds:schemaRef ds:uri="6c8368ec-3776-49b5-a5bb-90648cf9530f"/>
@@ -15738,10 +19257,27 @@
 </ds:datastoreItem>
 </file>
 
-<file path=customXml/itemProps3.xml><?xml version="1.0" encoding="utf-8"?>
+<file path=customXml/itemProps2.xml><?xml version="1.0" encoding="utf-8"?>
 <ds:datastoreItem xmlns:ds="http://schemas.openxmlformats.org/officeDocument/2006/customXml" ds:itemID="{941989CE-20BB-4A6A-A33F-71A1AE469C3E}">
   <ds:schemaRefs>
     <ds:schemaRef ds:uri="http://schemas.microsoft.com/sharepoint/v3/contenttype/forms"/>
   </ds:schemaRefs>
 </ds:datastoreItem>
+</file>
+
+<file path=customXml/itemProps3.xml><?xml version="1.0" encoding="utf-8"?>
+<ds:datastoreItem xmlns:ds="http://schemas.openxmlformats.org/officeDocument/2006/customXml" ds:itemID="{ED4099BE-EDEC-4FF1-8378-446617236015}">
+  <ds:schemaRefs>
+    <ds:schemaRef ds:uri="6c8368ec-3776-49b5-a5bb-90648cf9530f"/>
+    <ds:schemaRef ds:uri="8a053bff-88be-49e4-9a87-e748e18b8b62"/>
+    <ds:schemaRef ds:uri="http://purl.org/dc/dcmitype/"/>
+    <ds:schemaRef ds:uri="http://purl.org/dc/elements/1.1/"/>
+    <ds:schemaRef ds:uri="http://purl.org/dc/terms/"/>
+    <ds:schemaRef ds:uri="http://schemas.microsoft.com/office/2006/documentManagement/types"/>
+    <ds:schemaRef ds:uri="http://schemas.microsoft.com/office/2006/metadata/properties"/>
+    <ds:schemaRef ds:uri="http://schemas.microsoft.com/office/infopath/2007/PartnerControls"/>
+    <ds:schemaRef ds:uri="http://schemas.openxmlformats.org/package/2006/metadata/core-properties"/>
+    <ds:schemaRef ds:uri="http://www.w3.org/XML/1998/namespace"/>
+  </ds:schemaRefs>
+</ds:datastoreItem>
 </file>
--- a/help/data-sheets/assets/EnterpriseSupportDatasheet.pptx
+++ b/help/data-sheets/assets/EnterpriseSupportDatasheet.pptx
@@ -144,9 +144,13 @@
 <file path=ppt/revisionInfo.xml><?xml version="1.0" encoding="utf-8"?>
 <p1510:revInfo xmlns:a="http://schemas.openxmlformats.org/drawingml/2006/main" xmlns:r="http://schemas.openxmlformats.org/officeDocument/2006/relationships" xmlns:p1510="http://schemas.microsoft.com/office/powerpoint/2015/10/main">
   <p1510:revLst>
-    <p1510:client id="{19826C17-B3F5-53A1-AAFF-C7771804C7A7}" v="128" dt="2021-10-13T18:50:39.613"/>
-    <p1510:client id="{1A3D389F-0E00-444F-BDF7-5C174E20EEC2}" v="2" dt="2021-10-13T19:33:05.183"/>
-    <p1510:client id="{D02E726A-82A5-CF13-9EBE-9B674D878D37}" v="22" dt="2021-10-12T19:51:27.470"/>
+    <p1510:client id="{0AB2EF93-BE08-D205-D43E-3B568BB37DAA}" v="26" dt="2021-09-22T23:01:49.517"/>
+    <p1510:client id="{0AC6A3A1-0788-C69A-5EFD-279F3FA2CF0F}" v="51" dt="2021-09-22T18:56:17.553"/>
+    <p1510:client id="{112231ED-4F38-A856-2EFF-9D0F88AC9BDF}" v="3" dt="2021-09-22T19:11:31.474"/>
+    <p1510:client id="{3CA2F123-FAC9-2CDD-7937-C83283BA7837}" v="1" dt="2021-09-16T20:58:19.458"/>
+    <p1510:client id="{3F02B349-0406-AE51-D438-E7A0BE890230}" v="20" dt="2021-08-25T18:45:08.206"/>
+    <p1510:client id="{A40C3D7D-993B-38B2-2DDA-C562505A1054}" v="4" dt="2021-09-22T23:00:46.860"/>
+    <p1510:client id="{BAC4F85F-6423-7248-85C4-44132DA97563}" v="77" dt="2021-08-07T08:51:03.454"/>
   </p1510:revLst>
 </p1510:revInfo>
 </file>
@@ -154,20 +158,52 @@
 <file path=ppt/changesInfos/changesInfo1.xml><?xml version="1.0" encoding="utf-8"?>
 <pc:chgInfo xmlns:a="http://schemas.openxmlformats.org/drawingml/2006/main" xmlns:r="http://schemas.openxmlformats.org/officeDocument/2006/relationships" xmlns:ac="http://schemas.microsoft.com/office/drawing/2013/main/command" xmlns:pc="http://schemas.microsoft.com/office/powerpoint/2013/main/command">
   <pc:docChgLst>
-    <pc:chgData name="Akilah Johnson" userId="S::akjohnso@adobe.com::2fa3aa60-0c9c-4d06-bae2-795983241227" providerId="AD" clId="Web-{A40C3D7D-993B-38B2-2DDA-C562505A1054}"/>
+    <pc:chgData name="Akilah Johnson" userId="S::akjohnso@adobe.com::2fa3aa60-0c9c-4d06-bae2-795983241227" providerId="AD" clId="Web-{0AB2EF93-BE08-D205-D43E-3B568BB37DAA}"/>
     <pc:docChg chg="modSld">
-      <pc:chgData name="Akilah Johnson" userId="S::akjohnso@adobe.com::2fa3aa60-0c9c-4d06-bae2-795983241227" providerId="AD" clId="Web-{A40C3D7D-993B-38B2-2DDA-C562505A1054}" dt="2021-09-22T23:00:46.860" v="3"/>
+      <pc:chgData name="Akilah Johnson" userId="S::akjohnso@adobe.com::2fa3aa60-0c9c-4d06-bae2-795983241227" providerId="AD" clId="Web-{0AB2EF93-BE08-D205-D43E-3B568BB37DAA}" dt="2021-09-22T23:01:45.877" v="13"/>
       <pc:docMkLst>
         <pc:docMk/>
       </pc:docMkLst>
       <pc:sldChg chg="modSp">
-        <pc:chgData name="Akilah Johnson" userId="S::akjohnso@adobe.com::2fa3aa60-0c9c-4d06-bae2-795983241227" providerId="AD" clId="Web-{A40C3D7D-993B-38B2-2DDA-C562505A1054}" dt="2021-09-22T23:00:46.860" v="3"/>
+        <pc:chgData name="Akilah Johnson" userId="S::akjohnso@adobe.com::2fa3aa60-0c9c-4d06-bae2-795983241227" providerId="AD" clId="Web-{0AB2EF93-BE08-D205-D43E-3B568BB37DAA}" dt="2021-09-22T23:01:45.877" v="13"/>
         <pc:sldMkLst>
           <pc:docMk/>
           <pc:sldMk cId="1050037809" sldId="261"/>
         </pc:sldMkLst>
         <pc:graphicFrameChg chg="mod modGraphic">
-          <ac:chgData name="Akilah Johnson" userId="S::akjohnso@adobe.com::2fa3aa60-0c9c-4d06-bae2-795983241227" providerId="AD" clId="Web-{A40C3D7D-993B-38B2-2DDA-C562505A1054}" dt="2021-09-22T23:00:46.860" v="3"/>
+          <ac:chgData name="Akilah Johnson" userId="S::akjohnso@adobe.com::2fa3aa60-0c9c-4d06-bae2-795983241227" providerId="AD" clId="Web-{0AB2EF93-BE08-D205-D43E-3B568BB37DAA}" dt="2021-09-22T23:01:45.877" v="13"/>
+          <ac:graphicFrameMkLst>
+            <pc:docMk/>
+            <pc:sldMk cId="1050037809" sldId="261"/>
+            <ac:graphicFrameMk id="25" creationId="{3A91F5B0-3974-A14D-A146-FB590F2AAD18}"/>
+          </ac:graphicFrameMkLst>
+        </pc:graphicFrameChg>
+      </pc:sldChg>
+    </pc:docChg>
+  </pc:docChgLst>
+  <pc:docChgLst>
+    <pc:chgData name="Akilah Johnson" userId="S::akjohnso@adobe.com::2fa3aa60-0c9c-4d06-bae2-795983241227" providerId="AD" clId="Web-{0AC6A3A1-0788-C69A-5EFD-279F3FA2CF0F}"/>
+    <pc:docChg chg="modSld">
+      <pc:chgData name="Akilah Johnson" userId="S::akjohnso@adobe.com::2fa3aa60-0c9c-4d06-bae2-795983241227" providerId="AD" clId="Web-{0AC6A3A1-0788-C69A-5EFD-279F3FA2CF0F}" dt="2021-09-22T18:56:17.553" v="29"/>
+      <pc:docMkLst>
+        <pc:docMk/>
+      </pc:docMkLst>
+      <pc:sldChg chg="modSp delCm">
+        <pc:chgData name="Akilah Johnson" userId="S::akjohnso@adobe.com::2fa3aa60-0c9c-4d06-bae2-795983241227" providerId="AD" clId="Web-{0AC6A3A1-0788-C69A-5EFD-279F3FA2CF0F}" dt="2021-09-22T18:56:17.553" v="29"/>
+        <pc:sldMkLst>
+          <pc:docMk/>
+          <pc:sldMk cId="1050037809" sldId="261"/>
+        </pc:sldMkLst>
+        <pc:spChg chg="mod">
+          <ac:chgData name="Akilah Johnson" userId="S::akjohnso@adobe.com::2fa3aa60-0c9c-4d06-bae2-795983241227" providerId="AD" clId="Web-{0AC6A3A1-0788-C69A-5EFD-279F3FA2CF0F}" dt="2021-09-22T18:55:46.585" v="16" actId="20577"/>
+          <ac:spMkLst>
+            <pc:docMk/>
+            <pc:sldMk cId="1050037809" sldId="261"/>
+            <ac:spMk id="64" creationId="{41467BDC-3D83-D844-B922-CD07E94E5AAB}"/>
+          </ac:spMkLst>
+        </pc:spChg>
+        <pc:graphicFrameChg chg="mod modGraphic">
+          <ac:chgData name="Akilah Johnson" userId="S::akjohnso@adobe.com::2fa3aa60-0c9c-4d06-bae2-795983241227" providerId="AD" clId="Web-{0AC6A3A1-0788-C69A-5EFD-279F3FA2CF0F}" dt="2021-09-22T18:55:59.928" v="28"/>
           <ac:graphicFrameMkLst>
             <pc:docMk/>
             <pc:sldMk cId="1050037809" sldId="261"/>
@@ -210,86 +246,6 @@
     </pc:docChg>
   </pc:docChgLst>
   <pc:docChgLst>
-    <pc:chgData name="Akilah Johnson" userId="S::akjohnso@adobe.com::2fa3aa60-0c9c-4d06-bae2-795983241227" providerId="AD" clId="Web-{0AC6A3A1-0788-C69A-5EFD-279F3FA2CF0F}"/>
-    <pc:docChg chg="modSld">
-      <pc:chgData name="Akilah Johnson" userId="S::akjohnso@adobe.com::2fa3aa60-0c9c-4d06-bae2-795983241227" providerId="AD" clId="Web-{0AC6A3A1-0788-C69A-5EFD-279F3FA2CF0F}" dt="2021-09-22T18:56:17.553" v="29"/>
-      <pc:docMkLst>
-        <pc:docMk/>
-      </pc:docMkLst>
-      <pc:sldChg chg="modSp delCm">
-        <pc:chgData name="Akilah Johnson" userId="S::akjohnso@adobe.com::2fa3aa60-0c9c-4d06-bae2-795983241227" providerId="AD" clId="Web-{0AC6A3A1-0788-C69A-5EFD-279F3FA2CF0F}" dt="2021-09-22T18:56:17.553" v="29"/>
-        <pc:sldMkLst>
-          <pc:docMk/>
-          <pc:sldMk cId="1050037809" sldId="261"/>
-        </pc:sldMkLst>
-        <pc:spChg chg="mod">
-          <ac:chgData name="Akilah Johnson" userId="S::akjohnso@adobe.com::2fa3aa60-0c9c-4d06-bae2-795983241227" providerId="AD" clId="Web-{0AC6A3A1-0788-C69A-5EFD-279F3FA2CF0F}" dt="2021-09-22T18:55:46.585" v="16" actId="20577"/>
-          <ac:spMkLst>
-            <pc:docMk/>
-            <pc:sldMk cId="1050037809" sldId="261"/>
-            <ac:spMk id="64" creationId="{41467BDC-3D83-D844-B922-CD07E94E5AAB}"/>
-          </ac:spMkLst>
-        </pc:spChg>
-        <pc:graphicFrameChg chg="mod modGraphic">
-          <ac:chgData name="Akilah Johnson" userId="S::akjohnso@adobe.com::2fa3aa60-0c9c-4d06-bae2-795983241227" providerId="AD" clId="Web-{0AC6A3A1-0788-C69A-5EFD-279F3FA2CF0F}" dt="2021-09-22T18:55:59.928" v="28"/>
-          <ac:graphicFrameMkLst>
-            <pc:docMk/>
-            <pc:sldMk cId="1050037809" sldId="261"/>
-            <ac:graphicFrameMk id="25" creationId="{3A91F5B0-3974-A14D-A146-FB590F2AAD18}"/>
-          </ac:graphicFrameMkLst>
-        </pc:graphicFrameChg>
-      </pc:sldChg>
-    </pc:docChg>
-  </pc:docChgLst>
-  <pc:docChgLst>
-    <pc:chgData name="Akilah Johnson" userId="S::akjohnso@adobe.com::2fa3aa60-0c9c-4d06-bae2-795983241227" providerId="AD" clId="Web-{D02E726A-82A5-CF13-9EBE-9B674D878D37}"/>
-    <pc:docChg chg="modSld">
-      <pc:chgData name="Akilah Johnson" userId="S::akjohnso@adobe.com::2fa3aa60-0c9c-4d06-bae2-795983241227" providerId="AD" clId="Web-{D02E726A-82A5-CF13-9EBE-9B674D878D37}" dt="2021-10-12T19:51:27.470" v="10"/>
-      <pc:docMkLst>
-        <pc:docMk/>
-      </pc:docMkLst>
-      <pc:sldChg chg="modSp delCm">
-        <pc:chgData name="Akilah Johnson" userId="S::akjohnso@adobe.com::2fa3aa60-0c9c-4d06-bae2-795983241227" providerId="AD" clId="Web-{D02E726A-82A5-CF13-9EBE-9B674D878D37}" dt="2021-10-12T19:51:27.470" v="10"/>
-        <pc:sldMkLst>
-          <pc:docMk/>
-          <pc:sldMk cId="2161849182" sldId="267"/>
-        </pc:sldMkLst>
-        <pc:spChg chg="mod">
-          <ac:chgData name="Akilah Johnson" userId="S::akjohnso@adobe.com::2fa3aa60-0c9c-4d06-bae2-795983241227" providerId="AD" clId="Web-{D02E726A-82A5-CF13-9EBE-9B674D878D37}" dt="2021-10-12T19:51:04.127" v="8" actId="20577"/>
-          <ac:spMkLst>
-            <pc:docMk/>
-            <pc:sldMk cId="2161849182" sldId="267"/>
-            <ac:spMk id="2" creationId="{00000000-0000-0000-0000-000000000000}"/>
-          </ac:spMkLst>
-        </pc:spChg>
-      </pc:sldChg>
-    </pc:docChg>
-  </pc:docChgLst>
-  <pc:docChgLst>
-    <pc:chgData name="Akilah Johnson" userId="S::akjohnso@adobe.com::2fa3aa60-0c9c-4d06-bae2-795983241227" providerId="AD" clId="Web-{0AB2EF93-BE08-D205-D43E-3B568BB37DAA}"/>
-    <pc:docChg chg="modSld">
-      <pc:chgData name="Akilah Johnson" userId="S::akjohnso@adobe.com::2fa3aa60-0c9c-4d06-bae2-795983241227" providerId="AD" clId="Web-{0AB2EF93-BE08-D205-D43E-3B568BB37DAA}" dt="2021-09-22T23:01:45.877" v="13"/>
-      <pc:docMkLst>
-        <pc:docMk/>
-      </pc:docMkLst>
-      <pc:sldChg chg="modSp">
-        <pc:chgData name="Akilah Johnson" userId="S::akjohnso@adobe.com::2fa3aa60-0c9c-4d06-bae2-795983241227" providerId="AD" clId="Web-{0AB2EF93-BE08-D205-D43E-3B568BB37DAA}" dt="2021-09-22T23:01:45.877" v="13"/>
-        <pc:sldMkLst>
-          <pc:docMk/>
-          <pc:sldMk cId="1050037809" sldId="261"/>
-        </pc:sldMkLst>
-        <pc:graphicFrameChg chg="mod modGraphic">
-          <ac:chgData name="Akilah Johnson" userId="S::akjohnso@adobe.com::2fa3aa60-0c9c-4d06-bae2-795983241227" providerId="AD" clId="Web-{0AB2EF93-BE08-D205-D43E-3B568BB37DAA}" dt="2021-09-22T23:01:45.877" v="13"/>
-          <ac:graphicFrameMkLst>
-            <pc:docMk/>
-            <pc:sldMk cId="1050037809" sldId="261"/>
-            <ac:graphicFrameMk id="25" creationId="{3A91F5B0-3974-A14D-A146-FB590F2AAD18}"/>
-          </ac:graphicFrameMkLst>
-        </pc:graphicFrameChg>
-      </pc:sldChg>
-    </pc:docChg>
-  </pc:docChgLst>
-  <pc:docChgLst>
     <pc:chgData name="Andy Witt" userId="S::awitt@adobe.com::e9157bdf-53b2-40e4-9459-936793d75696" providerId="AD" clId="Web-{3F02B349-0406-AE51-D438-E7A0BE890230}"/>
     <pc:docChg chg="modSld">
       <pc:chgData name="Andy Witt" userId="S::awitt@adobe.com::e9157bdf-53b2-40e4-9459-936793d75696" providerId="AD" clId="Web-{3F02B349-0406-AE51-D438-E7A0BE890230}" dt="2021-08-25T18:45:07.550" v="11"/>
@@ -308,61 +264,6 @@
             <pc:docMk/>
             <pc:sldMk cId="1050037809" sldId="261"/>
             <ac:graphicFrameMk id="25" creationId="{3A91F5B0-3974-A14D-A146-FB590F2AAD18}"/>
-          </ac:graphicFrameMkLst>
-        </pc:graphicFrameChg>
-      </pc:sldChg>
-    </pc:docChg>
-  </pc:docChgLst>
-  <pc:docChgLst>
-    <pc:chgData name="Lauren Schutte" userId="6e08b2d3-447a-4d66-86be-444d50df187f" providerId="ADAL" clId="{1A3D389F-0E00-444F-BDF7-5C174E20EEC2}"/>
-    <pc:docChg chg="undo custSel modSld">
-      <pc:chgData name="Lauren Schutte" userId="6e08b2d3-447a-4d66-86be-444d50df187f" providerId="ADAL" clId="{1A3D389F-0E00-444F-BDF7-5C174E20EEC2}" dt="2021-10-13T19:40:59.066" v="67" actId="20577"/>
-      <pc:docMkLst>
-        <pc:docMk/>
-      </pc:docMkLst>
-      <pc:sldChg chg="delSp modSp mod">
-        <pc:chgData name="Lauren Schutte" userId="6e08b2d3-447a-4d66-86be-444d50df187f" providerId="ADAL" clId="{1A3D389F-0E00-444F-BDF7-5C174E20EEC2}" dt="2021-10-13T19:40:25.578" v="61" actId="478"/>
-        <pc:sldMkLst>
-          <pc:docMk/>
-          <pc:sldMk cId="5960377" sldId="259"/>
-        </pc:sldMkLst>
-        <pc:spChg chg="mod">
-          <ac:chgData name="Lauren Schutte" userId="6e08b2d3-447a-4d66-86be-444d50df187f" providerId="ADAL" clId="{1A3D389F-0E00-444F-BDF7-5C174E20EEC2}" dt="2021-10-13T19:33:45.182" v="59" actId="20577"/>
-          <ac:spMkLst>
-            <pc:docMk/>
-            <pc:sldMk cId="5960377" sldId="259"/>
-            <ac:spMk id="127" creationId="{BB896A03-8E7E-344F-BDE1-37C49461FF04}"/>
-          </ac:spMkLst>
-        </pc:spChg>
-        <pc:grpChg chg="del mod">
-          <ac:chgData name="Lauren Schutte" userId="6e08b2d3-447a-4d66-86be-444d50df187f" providerId="ADAL" clId="{1A3D389F-0E00-444F-BDF7-5C174E20EEC2}" dt="2021-10-13T19:40:25.578" v="61" actId="478"/>
-          <ac:grpSpMkLst>
-            <pc:docMk/>
-            <pc:sldMk cId="5960377" sldId="259"/>
-            <ac:grpSpMk id="62" creationId="{C539739D-1D3E-204D-9819-C44D9AE36DE8}"/>
-          </ac:grpSpMkLst>
-        </pc:grpChg>
-      </pc:sldChg>
-      <pc:sldChg chg="modSp mod">
-        <pc:chgData name="Lauren Schutte" userId="6e08b2d3-447a-4d66-86be-444d50df187f" providerId="ADAL" clId="{1A3D389F-0E00-444F-BDF7-5C174E20EEC2}" dt="2021-10-13T19:40:59.066" v="67" actId="20577"/>
-        <pc:sldMkLst>
-          <pc:docMk/>
-          <pc:sldMk cId="2161849182" sldId="267"/>
-        </pc:sldMkLst>
-        <pc:spChg chg="mod">
-          <ac:chgData name="Lauren Schutte" userId="6e08b2d3-447a-4d66-86be-444d50df187f" providerId="ADAL" clId="{1A3D389F-0E00-444F-BDF7-5C174E20EEC2}" dt="2021-10-13T19:40:59.066" v="67" actId="20577"/>
-          <ac:spMkLst>
-            <pc:docMk/>
-            <pc:sldMk cId="2161849182" sldId="267"/>
-            <ac:spMk id="2" creationId="{00000000-0000-0000-0000-000000000000}"/>
-          </ac:spMkLst>
-        </pc:spChg>
-        <pc:graphicFrameChg chg="mod modGraphic">
-          <ac:chgData name="Lauren Schutte" userId="6e08b2d3-447a-4d66-86be-444d50df187f" providerId="ADAL" clId="{1A3D389F-0E00-444F-BDF7-5C174E20EEC2}" dt="2021-10-13T19:33:05.183" v="58"/>
-          <ac:graphicFrameMkLst>
-            <pc:docMk/>
-            <pc:sldMk cId="2161849182" sldId="267"/>
-            <ac:graphicFrameMk id="9" creationId="{00000000-0000-0000-0000-000000000000}"/>
           </ac:graphicFrameMkLst>
         </pc:graphicFrameChg>
       </pc:sldChg>
@@ -393,133 +294,24 @@
     </pc:docChg>
   </pc:docChgLst>
   <pc:docChgLst>
-    <pc:chgData name="Akilah Johnson" userId="S::akjohnso@adobe.com::2fa3aa60-0c9c-4d06-bae2-795983241227" providerId="AD" clId="Web-{19826C17-B3F5-53A1-AAFF-C7771804C7A7}"/>
+    <pc:chgData name="Akilah Johnson" userId="S::akjohnso@adobe.com::2fa3aa60-0c9c-4d06-bae2-795983241227" providerId="AD" clId="Web-{A40C3D7D-993B-38B2-2DDA-C562505A1054}"/>
     <pc:docChg chg="modSld">
-      <pc:chgData name="Akilah Johnson" userId="S::akjohnso@adobe.com::2fa3aa60-0c9c-4d06-bae2-795983241227" providerId="AD" clId="Web-{19826C17-B3F5-53A1-AAFF-C7771804C7A7}" dt="2021-10-13T18:50:21.160" v="67"/>
+      <pc:chgData name="Akilah Johnson" userId="S::akjohnso@adobe.com::2fa3aa60-0c9c-4d06-bae2-795983241227" providerId="AD" clId="Web-{A40C3D7D-993B-38B2-2DDA-C562505A1054}" dt="2021-09-22T23:00:46.860" v="3"/>
       <pc:docMkLst>
         <pc:docMk/>
       </pc:docMkLst>
       <pc:sldChg chg="modSp">
-        <pc:chgData name="Akilah Johnson" userId="S::akjohnso@adobe.com::2fa3aa60-0c9c-4d06-bae2-795983241227" providerId="AD" clId="Web-{19826C17-B3F5-53A1-AAFF-C7771804C7A7}" dt="2021-10-13T18:38:26.810" v="9" actId="20577"/>
-        <pc:sldMkLst>
-          <pc:docMk/>
-          <pc:sldMk cId="5960377" sldId="259"/>
-        </pc:sldMkLst>
-        <pc:spChg chg="mod">
-          <ac:chgData name="Akilah Johnson" userId="S::akjohnso@adobe.com::2fa3aa60-0c9c-4d06-bae2-795983241227" providerId="AD" clId="Web-{19826C17-B3F5-53A1-AAFF-C7771804C7A7}" dt="2021-10-13T18:38:26.810" v="9" actId="20577"/>
-          <ac:spMkLst>
-            <pc:docMk/>
-            <pc:sldMk cId="5960377" sldId="259"/>
-            <ac:spMk id="75" creationId="{4602CC83-B0C7-8445-9007-87E67CDDD9D0}"/>
-          </ac:spMkLst>
-        </pc:spChg>
-        <pc:spChg chg="mod">
-          <ac:chgData name="Akilah Johnson" userId="S::akjohnso@adobe.com::2fa3aa60-0c9c-4d06-bae2-795983241227" providerId="AD" clId="Web-{19826C17-B3F5-53A1-AAFF-C7771804C7A7}" dt="2021-10-13T18:38:17.716" v="5" actId="20577"/>
-          <ac:spMkLst>
-            <pc:docMk/>
-            <pc:sldMk cId="5960377" sldId="259"/>
-            <ac:spMk id="83" creationId="{7A016ADC-2A30-8A4B-BE07-A9AB6C1898A7}"/>
-          </ac:spMkLst>
-        </pc:spChg>
-        <pc:spChg chg="mod">
-          <ac:chgData name="Akilah Johnson" userId="S::akjohnso@adobe.com::2fa3aa60-0c9c-4d06-bae2-795983241227" providerId="AD" clId="Web-{19826C17-B3F5-53A1-AAFF-C7771804C7A7}" dt="2021-10-13T18:38:19.654" v="6" actId="20577"/>
-          <ac:spMkLst>
-            <pc:docMk/>
-            <pc:sldMk cId="5960377" sldId="259"/>
-            <ac:spMk id="87" creationId="{57C0C871-6516-F145-97DA-27A143E6185C}"/>
-          </ac:spMkLst>
-        </pc:spChg>
-        <pc:spChg chg="mod">
-          <ac:chgData name="Akilah Johnson" userId="S::akjohnso@adobe.com::2fa3aa60-0c9c-4d06-bae2-795983241227" providerId="AD" clId="Web-{19826C17-B3F5-53A1-AAFF-C7771804C7A7}" dt="2021-10-13T18:38:14.044" v="4" actId="20577"/>
-          <ac:spMkLst>
-            <pc:docMk/>
-            <pc:sldMk cId="5960377" sldId="259"/>
-            <ac:spMk id="124" creationId="{14AAF776-9013-4C40-92F9-FFFE22C4038F}"/>
-          </ac:spMkLst>
-        </pc:spChg>
-        <pc:spChg chg="mod">
-          <ac:chgData name="Akilah Johnson" userId="S::akjohnso@adobe.com::2fa3aa60-0c9c-4d06-bae2-795983241227" providerId="AD" clId="Web-{19826C17-B3F5-53A1-AAFF-C7771804C7A7}" dt="2021-10-13T18:38:10.013" v="2" actId="20577"/>
-          <ac:spMkLst>
-            <pc:docMk/>
-            <pc:sldMk cId="5960377" sldId="259"/>
-            <ac:spMk id="125" creationId="{AF4EBBF5-5438-A043-B9AA-3822381D52EE}"/>
-          </ac:spMkLst>
-        </pc:spChg>
-        <pc:spChg chg="mod">
-          <ac:chgData name="Akilah Johnson" userId="S::akjohnso@adobe.com::2fa3aa60-0c9c-4d06-bae2-795983241227" providerId="AD" clId="Web-{19826C17-B3F5-53A1-AAFF-C7771804C7A7}" dt="2021-10-13T18:38:12.263" v="3" actId="20577"/>
-          <ac:spMkLst>
-            <pc:docMk/>
-            <pc:sldMk cId="5960377" sldId="259"/>
-            <ac:spMk id="126" creationId="{7F65676D-32E4-7B4B-BB85-4D504B5882BD}"/>
-          </ac:spMkLst>
-        </pc:spChg>
-      </pc:sldChg>
-      <pc:sldChg chg="modSp">
-        <pc:chgData name="Akilah Johnson" userId="S::akjohnso@adobe.com::2fa3aa60-0c9c-4d06-bae2-795983241227" providerId="AD" clId="Web-{19826C17-B3F5-53A1-AAFF-C7771804C7A7}" dt="2021-10-13T18:40:23.717" v="19" actId="20577"/>
+        <pc:chgData name="Akilah Johnson" userId="S::akjohnso@adobe.com::2fa3aa60-0c9c-4d06-bae2-795983241227" providerId="AD" clId="Web-{A40C3D7D-993B-38B2-2DDA-C562505A1054}" dt="2021-09-22T23:00:46.860" v="3"/>
         <pc:sldMkLst>
           <pc:docMk/>
           <pc:sldMk cId="1050037809" sldId="261"/>
         </pc:sldMkLst>
-        <pc:spChg chg="mod">
-          <ac:chgData name="Akilah Johnson" userId="S::akjohnso@adobe.com::2fa3aa60-0c9c-4d06-bae2-795983241227" providerId="AD" clId="Web-{19826C17-B3F5-53A1-AAFF-C7771804C7A7}" dt="2021-10-13T18:40:23.717" v="19" actId="20577"/>
-          <ac:spMkLst>
-            <pc:docMk/>
-            <pc:sldMk cId="1050037809" sldId="261"/>
-            <ac:spMk id="56" creationId="{00000000-0000-0000-0000-000000000000}"/>
-          </ac:spMkLst>
-        </pc:spChg>
         <pc:graphicFrameChg chg="mod modGraphic">
-          <ac:chgData name="Akilah Johnson" userId="S::akjohnso@adobe.com::2fa3aa60-0c9c-4d06-bae2-795983241227" providerId="AD" clId="Web-{19826C17-B3F5-53A1-AAFF-C7771804C7A7}" dt="2021-10-13T18:39:38.154" v="17"/>
+          <ac:chgData name="Akilah Johnson" userId="S::akjohnso@adobe.com::2fa3aa60-0c9c-4d06-bae2-795983241227" providerId="AD" clId="Web-{A40C3D7D-993B-38B2-2DDA-C562505A1054}" dt="2021-09-22T23:00:46.860" v="3"/>
           <ac:graphicFrameMkLst>
             <pc:docMk/>
             <pc:sldMk cId="1050037809" sldId="261"/>
-            <ac:graphicFrameMk id="111" creationId="{D8653CEC-4213-DE40-9BAF-D1E3318FF89C}"/>
-          </ac:graphicFrameMkLst>
-        </pc:graphicFrameChg>
-      </pc:sldChg>
-      <pc:sldChg chg="modSp">
-        <pc:chgData name="Akilah Johnson" userId="S::akjohnso@adobe.com::2fa3aa60-0c9c-4d06-bae2-795983241227" providerId="AD" clId="Web-{19826C17-B3F5-53A1-AAFF-C7771804C7A7}" dt="2021-10-13T18:39:10.373" v="15" actId="20577"/>
-        <pc:sldMkLst>
-          <pc:docMk/>
-          <pc:sldMk cId="717026355" sldId="266"/>
-        </pc:sldMkLst>
-        <pc:spChg chg="mod">
-          <ac:chgData name="Akilah Johnson" userId="S::akjohnso@adobe.com::2fa3aa60-0c9c-4d06-bae2-795983241227" providerId="AD" clId="Web-{19826C17-B3F5-53A1-AAFF-C7771804C7A7}" dt="2021-10-13T18:39:10.373" v="15" actId="20577"/>
-          <ac:spMkLst>
-            <pc:docMk/>
-            <pc:sldMk cId="717026355" sldId="266"/>
-            <ac:spMk id="9" creationId="{00000000-0000-0000-0000-000000000000}"/>
-          </ac:spMkLst>
-        </pc:spChg>
-        <pc:spChg chg="mod">
-          <ac:chgData name="Akilah Johnson" userId="S::akjohnso@adobe.com::2fa3aa60-0c9c-4d06-bae2-795983241227" providerId="AD" clId="Web-{19826C17-B3F5-53A1-AAFF-C7771804C7A7}" dt="2021-10-13T18:38:44.029" v="11" actId="20577"/>
-          <ac:spMkLst>
-            <pc:docMk/>
-            <pc:sldMk cId="717026355" sldId="266"/>
-            <ac:spMk id="82" creationId="{F6061E8D-9723-464D-AA49-7A3A3A02BE92}"/>
-          </ac:spMkLst>
-        </pc:spChg>
-        <pc:spChg chg="mod">
-          <ac:chgData name="Akilah Johnson" userId="S::akjohnso@adobe.com::2fa3aa60-0c9c-4d06-bae2-795983241227" providerId="AD" clId="Web-{19826C17-B3F5-53A1-AAFF-C7771804C7A7}" dt="2021-10-13T18:39:00.638" v="13" actId="20577"/>
-          <ac:spMkLst>
-            <pc:docMk/>
-            <pc:sldMk cId="717026355" sldId="266"/>
-            <ac:spMk id="83" creationId="{BB34E685-A734-974B-A33A-BE51D1A8BC0D}"/>
-          </ac:spMkLst>
-        </pc:spChg>
-      </pc:sldChg>
-      <pc:sldChg chg="modSp">
-        <pc:chgData name="Akilah Johnson" userId="S::akjohnso@adobe.com::2fa3aa60-0c9c-4d06-bae2-795983241227" providerId="AD" clId="Web-{19826C17-B3F5-53A1-AAFF-C7771804C7A7}" dt="2021-10-13T18:50:21.160" v="67"/>
-        <pc:sldMkLst>
-          <pc:docMk/>
-          <pc:sldMk cId="2161849182" sldId="267"/>
-        </pc:sldMkLst>
-        <pc:graphicFrameChg chg="mod modGraphic">
-          <ac:chgData name="Akilah Johnson" userId="S::akjohnso@adobe.com::2fa3aa60-0c9c-4d06-bae2-795983241227" providerId="AD" clId="Web-{19826C17-B3F5-53A1-AAFF-C7771804C7A7}" dt="2021-10-13T18:50:21.160" v="67"/>
-          <ac:graphicFrameMkLst>
-            <pc:docMk/>
-            <pc:sldMk cId="2161849182" sldId="267"/>
-            <ac:graphicFrameMk id="9" creationId="{00000000-0000-0000-0000-000000000000}"/>
+            <ac:graphicFrameMk id="25" creationId="{3A91F5B0-3974-A14D-A146-FB590F2AAD18}"/>
           </ac:graphicFrameMkLst>
         </pc:graphicFrameChg>
       </pc:sldChg>
@@ -529,6 +321,40 @@
 </file>
 
 <file path=ppt/comments/comment1.xml><?xml version="1.0" encoding="utf-8"?>
+<p:cmLst xmlns:a="http://schemas.openxmlformats.org/drawingml/2006/main" xmlns:r="http://schemas.openxmlformats.org/officeDocument/2006/relationships" xmlns:p="http://schemas.openxmlformats.org/presentationml/2006/main">
+  <p:cm authorId="1" dt="2021-08-04T14:42:10.630" idx="4">
+    <p:pos x="-3291" y="2170"/>
+    <p:text/>
+    <p:extLst>
+      <p:ext uri="{C676402C-5697-4E1C-873F-D02D1690AC5C}">
+        <p15:threadingInfo xmlns:p15="http://schemas.microsoft.com/office/powerpoint/2012/main" timeZoneBias="420"/>
+      </p:ext>
+    </p:extLst>
+  </p:cm>
+  <p:cm authorId="1" dt="2021-08-04T14:42:19.668" idx="5">
+    <p:pos x="4567" y="1502"/>
+    <p:text>Can we add a darker blue line under 'Enterprise Support?'</p:text>
+    <p:extLst>
+      <p:ext uri="{C676402C-5697-4E1C-873F-D02D1690AC5C}">
+        <p15:threadingInfo xmlns:p15="http://schemas.microsoft.com/office/powerpoint/2012/main" timeZoneBias="420"/>
+      </p:ext>
+    </p:extLst>
+  </p:cm>
+  <p:cm authorId="1" dt="2021-08-04T15:01:35.985" idx="8">
+    <p:pos x="4567" y="1598"/>
+    <p:text>Hi Ankita, I did my best to keep the formatting you already worked so hard on. I added a few comments on things I'll need your help with . Thank again so much!</p:text>
+    <p:extLst>
+      <p:ext uri="{C676402C-5697-4E1C-873F-D02D1690AC5C}">
+        <p15:threadingInfo xmlns:p15="http://schemas.microsoft.com/office/powerpoint/2012/main" timeZoneBias="420">
+          <p15:parentCm authorId="1" idx="5"/>
+        </p15:threadingInfo>
+      </p:ext>
+    </p:extLst>
+  </p:cm>
+</p:cmLst>
+</file>
+
+<file path=ppt/comments/comment2.xml><?xml version="1.0" encoding="utf-8"?>
 <p:cmLst xmlns:a="http://schemas.openxmlformats.org/drawingml/2006/main" xmlns:r="http://schemas.openxmlformats.org/officeDocument/2006/relationships" xmlns:p="http://schemas.openxmlformats.org/presentationml/2006/main">
   <p:cm authorId="1" dt="2021-08-04T14:53:07.049" idx="6">
     <p:pos x="10" y="10"/>
@@ -624,7 +450,7 @@
           <a:p>
             <a:fld id="{CCB2A597-803A-C244-97E2-A01066125D19}" type="datetimeFigureOut">
               <a:rPr lang="en-US" smtClean="0"/>
-              <a:t>10/13/21</a:t>
+              <a:t>10/1/2021</a:t>
             </a:fld>
             <a:endParaRPr lang="en-US"/>
           </a:p>
@@ -1405,7 +1231,7 @@
           <a:p>
             <a:fld id="{1D8BD707-D9CF-40AE-B4C6-C98DA3205C09}" type="datetimeFigureOut">
               <a:rPr lang="en-US"/>
-              <a:t>10/13/21</a:t>
+              <a:t>10/1/2021</a:t>
             </a:fld>
             <a:endParaRPr lang="en-US"/>
           </a:p>
@@ -1645,7 +1471,7 @@
           <a:p>
             <a:fld id="{1D8BD707-D9CF-40AE-B4C6-C98DA3205C09}" type="datetimeFigureOut">
               <a:rPr lang="en-US"/>
-              <a:t>10/13/21</a:t>
+              <a:t>10/1/2021</a:t>
             </a:fld>
             <a:endParaRPr lang="en-US"/>
           </a:p>
@@ -1898,7 +1724,7 @@
           <a:p>
             <a:fld id="{1D8BD707-D9CF-40AE-B4C6-C98DA3205C09}" type="datetimeFigureOut">
               <a:rPr lang="en-US"/>
-              <a:t>10/13/21</a:t>
+              <a:t>10/1/2021</a:t>
             </a:fld>
             <a:endParaRPr lang="en-US"/>
           </a:p>
@@ -2085,7 +1911,7 @@
           <a:p>
             <a:fld id="{1D8BD707-D9CF-40AE-B4C6-C98DA3205C09}" type="datetimeFigureOut">
               <a:rPr lang="en-US"/>
-              <a:t>10/13/21</a:t>
+              <a:t>10/1/2021</a:t>
             </a:fld>
             <a:endParaRPr lang="en-US"/>
           </a:p>
@@ -2243,7 +2069,7 @@
           <a:p>
             <a:fld id="{1D8BD707-D9CF-40AE-B4C6-C98DA3205C09}" type="datetimeFigureOut">
               <a:rPr lang="en-US"/>
-              <a:t>10/13/21</a:t>
+              <a:t>10/1/2021</a:t>
             </a:fld>
             <a:endParaRPr lang="en-US"/>
           </a:p>
@@ -2501,7 +2327,7 @@
           <a:p>
             <a:fld id="{1D8BD707-D9CF-40AE-B4C6-C98DA3205C09}" type="datetimeFigureOut">
               <a:rPr lang="en-US"/>
-              <a:t>10/13/21</a:t>
+              <a:t>10/1/2021</a:t>
             </a:fld>
             <a:endParaRPr lang="en-US"/>
           </a:p>
@@ -2740,43 +2566,25 @@
           </a:prstGeom>
         </p:spPr>
         <p:txBody>
-          <a:bodyPr vert="horz" wrap="square" lIns="0" tIns="12700" rIns="0" bIns="0" rtlCol="0" anchor="t">
+          <a:bodyPr vert="horz" wrap="square" lIns="0" tIns="12700" rIns="0" bIns="0" rtlCol="0">
             <a:spAutoFit/>
           </a:bodyPr>
           <a:lstStyle/>
           <a:p>
             <a:pPr marL="12700">
+              <a:lnSpc>
+                <a:spcPct val="100000"/>
+              </a:lnSpc>
               <a:spcBef>
                 <a:spcPts val="100"/>
               </a:spcBef>
             </a:pPr>
             <a:r>
-              <a:rPr sz="2300" dirty="0">
-                <a:latin typeface="Adobe Clean"/>
+              <a:rPr lang="it-IT" sz="2300">
+                <a:latin typeface="Adobe Clean" panose="020B0503020404020204" pitchFamily="34" charset="0"/>
               </a:rPr>
-              <a:t>ADOBE</a:t>
-            </a:r>
-            <a:r>
-              <a:rPr lang="en-US" sz="2300" dirty="0">
-                <a:latin typeface="Adobe Clean"/>
-              </a:rPr>
-              <a:t> </a:t>
-            </a:r>
-            <a:r>
-              <a:rPr sz="2300" dirty="0">
-                <a:latin typeface="Adobe Clean"/>
-              </a:rPr>
-              <a:t>SUPPORT</a:t>
-            </a:r>
-            <a:r>
-              <a:rPr lang="en-US" sz="2300" dirty="0">
-                <a:latin typeface="Adobe Clean"/>
-              </a:rPr>
-              <a:t> PLANS</a:t>
-            </a:r>
-            <a:endParaRPr sz="2300" dirty="0">
-              <a:latin typeface="Adobe Clean" panose="020B0503020404020204" pitchFamily="34" charset="0"/>
-            </a:endParaRPr>
+              <a:t>OPZIONI DI SUPPORTO ADOBE</a:t>
+            </a:r>
           </a:p>
         </p:txBody>
       </p:sp>
@@ -2810,7 +2618,7 @@
               </a:spcBef>
             </a:pPr>
             <a:r>
-              <a:rPr sz="1400" b="1" u="sng" spc="15">
+              <a:rPr lang="it-IT" sz="1400" b="1" u="sng" dirty="0">
                 <a:solidFill>
                   <a:srgbClr val="020302"/>
                 </a:solidFill>
@@ -2822,477 +2630,8 @@
                 <a:latin typeface="Adobe Clean"/>
                 <a:cs typeface="Adobe Clean"/>
               </a:rPr>
-              <a:t>S</a:t>
-            </a:r>
-            <a:r>
-              <a:rPr sz="1400" b="1" u="sng" spc="5">
-                <a:solidFill>
-                  <a:srgbClr val="020302"/>
-                </a:solidFill>
-                <a:uFill>
-                  <a:solidFill>
-                    <a:srgbClr val="020302"/>
-                  </a:solidFill>
-                </a:uFill>
-                <a:latin typeface="Adobe Clean"/>
-                <a:cs typeface="Adobe Clean"/>
-              </a:rPr>
-              <a:t>er</a:t>
-            </a:r>
-            <a:r>
-              <a:rPr sz="1400" b="1" u="sng" spc="10">
-                <a:solidFill>
-                  <a:srgbClr val="020302"/>
-                </a:solidFill>
-                <a:uFill>
-                  <a:solidFill>
-                    <a:srgbClr val="020302"/>
-                  </a:solidFill>
-                </a:uFill>
-                <a:latin typeface="Adobe Clean"/>
-                <a:cs typeface="Adobe Clean"/>
-              </a:rPr>
-              <a:t>vi</a:t>
-            </a:r>
-            <a:r>
-              <a:rPr sz="1400" b="1" u="sng" spc="5">
-                <a:solidFill>
-                  <a:srgbClr val="020302"/>
-                </a:solidFill>
-                <a:uFill>
-                  <a:solidFill>
-                    <a:srgbClr val="020302"/>
-                  </a:solidFill>
-                </a:uFill>
-                <a:latin typeface="Adobe Clean"/>
-                <a:cs typeface="Adobe Clean"/>
-              </a:rPr>
-              <a:t>c</a:t>
-            </a:r>
-            <a:r>
-              <a:rPr sz="1400" b="1" u="sng">
-                <a:solidFill>
-                  <a:srgbClr val="020302"/>
-                </a:solidFill>
-                <a:uFill>
-                  <a:solidFill>
-                    <a:srgbClr val="020302"/>
-                  </a:solidFill>
-                </a:uFill>
-                <a:latin typeface="Adobe Clean"/>
-                <a:cs typeface="Adobe Clean"/>
-              </a:rPr>
-              <a:t>e</a:t>
-            </a:r>
-            <a:r>
-              <a:rPr sz="1400" b="1" u="sng" spc="20">
-                <a:solidFill>
-                  <a:srgbClr val="020302"/>
-                </a:solidFill>
-                <a:uFill>
-                  <a:solidFill>
-                    <a:srgbClr val="020302"/>
-                  </a:solidFill>
-                </a:uFill>
-                <a:latin typeface="Adobe Clean"/>
-                <a:cs typeface="Adobe Clean"/>
-              </a:rPr>
-              <a:t> </a:t>
-            </a:r>
-            <a:r>
-              <a:rPr sz="1400" b="1" u="sng" spc="-15">
-                <a:solidFill>
-                  <a:srgbClr val="020302"/>
-                </a:solidFill>
-                <a:uFill>
-                  <a:solidFill>
-                    <a:srgbClr val="020302"/>
-                  </a:solidFill>
-                </a:uFill>
-                <a:latin typeface="Adobe Clean"/>
-                <a:cs typeface="Adobe Clean"/>
-              </a:rPr>
-              <a:t>Le</a:t>
-            </a:r>
-            <a:r>
-              <a:rPr sz="1400" b="1" u="sng" spc="-10">
-                <a:solidFill>
-                  <a:srgbClr val="020302"/>
-                </a:solidFill>
-                <a:uFill>
-                  <a:solidFill>
-                    <a:srgbClr val="020302"/>
-                  </a:solidFill>
-                </a:uFill>
-                <a:latin typeface="Adobe Clean"/>
-                <a:cs typeface="Adobe Clean"/>
-              </a:rPr>
-              <a:t>v</a:t>
-            </a:r>
-            <a:r>
-              <a:rPr sz="1400" b="1" u="sng" spc="-15">
-                <a:solidFill>
-                  <a:srgbClr val="020302"/>
-                </a:solidFill>
-                <a:uFill>
-                  <a:solidFill>
-                    <a:srgbClr val="020302"/>
-                  </a:solidFill>
-                </a:uFill>
-                <a:latin typeface="Adobe Clean"/>
-                <a:cs typeface="Adobe Clean"/>
-              </a:rPr>
-              <a:t>e</a:t>
-            </a:r>
-            <a:r>
-              <a:rPr sz="1400" b="1" u="sng">
-                <a:solidFill>
-                  <a:srgbClr val="020302"/>
-                </a:solidFill>
-                <a:uFill>
-                  <a:solidFill>
-                    <a:srgbClr val="020302"/>
-                  </a:solidFill>
-                </a:uFill>
-                <a:latin typeface="Adobe Clean"/>
-                <a:cs typeface="Adobe Clean"/>
-              </a:rPr>
-              <a:t>l</a:t>
-            </a:r>
-            <a:r>
-              <a:rPr sz="1400" b="1" u="sng" spc="-15">
-                <a:solidFill>
-                  <a:srgbClr val="020302"/>
-                </a:solidFill>
-                <a:uFill>
-                  <a:solidFill>
-                    <a:srgbClr val="020302"/>
-                  </a:solidFill>
-                </a:uFill>
-                <a:latin typeface="Adobe Clean"/>
-                <a:cs typeface="Adobe Clean"/>
-              </a:rPr>
-              <a:t> </a:t>
-            </a:r>
-            <a:r>
-              <a:rPr sz="1400" b="1" u="sng" spc="-55">
-                <a:solidFill>
-                  <a:srgbClr val="020302"/>
-                </a:solidFill>
-                <a:uFill>
-                  <a:solidFill>
-                    <a:srgbClr val="020302"/>
-                  </a:solidFill>
-                </a:uFill>
-                <a:latin typeface="Adobe Clean"/>
-                <a:cs typeface="Adobe Clean"/>
-              </a:rPr>
-              <a:t>T</a:t>
-            </a:r>
-            <a:r>
-              <a:rPr sz="1400" b="1" u="sng" spc="-40">
-                <a:solidFill>
-                  <a:srgbClr val="020302"/>
-                </a:solidFill>
-                <a:uFill>
-                  <a:solidFill>
-                    <a:srgbClr val="020302"/>
-                  </a:solidFill>
-                </a:uFill>
-                <a:latin typeface="Adobe Clean"/>
-                <a:cs typeface="Adobe Clean"/>
-              </a:rPr>
-              <a:t>a</a:t>
-            </a:r>
-            <a:r>
-              <a:rPr sz="1400" b="1" u="sng" spc="-45">
-                <a:solidFill>
-                  <a:srgbClr val="020302"/>
-                </a:solidFill>
-                <a:uFill>
-                  <a:solidFill>
-                    <a:srgbClr val="020302"/>
-                  </a:solidFill>
-                </a:uFill>
-                <a:latin typeface="Adobe Clean"/>
-                <a:cs typeface="Adobe Clean"/>
-              </a:rPr>
-              <a:t>r</a:t>
-            </a:r>
-            <a:r>
-              <a:rPr sz="1400" b="1" u="sng" spc="-40">
-                <a:solidFill>
-                  <a:srgbClr val="020302"/>
-                </a:solidFill>
-                <a:uFill>
-                  <a:solidFill>
-                    <a:srgbClr val="020302"/>
-                  </a:solidFill>
-                </a:uFill>
-                <a:latin typeface="Adobe Clean"/>
-                <a:cs typeface="Adobe Clean"/>
-              </a:rPr>
-              <a:t>g</a:t>
-            </a:r>
-            <a:r>
-              <a:rPr sz="1400" b="1" u="sng" spc="-50">
-                <a:solidFill>
-                  <a:srgbClr val="020302"/>
-                </a:solidFill>
-                <a:uFill>
-                  <a:solidFill>
-                    <a:srgbClr val="020302"/>
-                  </a:solidFill>
-                </a:uFill>
-                <a:latin typeface="Adobe Clean"/>
-                <a:cs typeface="Adobe Clean"/>
-              </a:rPr>
-              <a:t>et</a:t>
-            </a:r>
-            <a:r>
-              <a:rPr sz="1400" b="1" u="sng" spc="-45">
-                <a:solidFill>
-                  <a:srgbClr val="020302"/>
-                </a:solidFill>
-                <a:uFill>
-                  <a:solidFill>
-                    <a:srgbClr val="020302"/>
-                  </a:solidFill>
-                </a:uFill>
-                <a:latin typeface="Adobe Clean"/>
-                <a:cs typeface="Adobe Clean"/>
-              </a:rPr>
-              <a:t>s</a:t>
-            </a:r>
-            <a:r>
-              <a:rPr sz="1400" b="1" u="sng">
-                <a:solidFill>
-                  <a:srgbClr val="020302"/>
-                </a:solidFill>
-                <a:uFill>
-                  <a:solidFill>
-                    <a:srgbClr val="020302"/>
-                  </a:solidFill>
-                </a:uFill>
-                <a:latin typeface="Adobe Clean"/>
-                <a:cs typeface="Adobe Clean"/>
-              </a:rPr>
-              <a:t>:</a:t>
-            </a:r>
-            <a:r>
-              <a:rPr sz="1400" b="1" u="sng" spc="-85">
-                <a:solidFill>
-                  <a:srgbClr val="020302"/>
-                </a:solidFill>
-                <a:uFill>
-                  <a:solidFill>
-                    <a:srgbClr val="020302"/>
-                  </a:solidFill>
-                </a:uFill>
-                <a:latin typeface="Adobe Clean"/>
-                <a:cs typeface="Adobe Clean"/>
-              </a:rPr>
-              <a:t> </a:t>
-            </a:r>
-            <a:r>
-              <a:rPr sz="1400" b="1" u="sng" spc="-15">
-                <a:solidFill>
-                  <a:srgbClr val="020302"/>
-                </a:solidFill>
-                <a:uFill>
-                  <a:solidFill>
-                    <a:srgbClr val="020302"/>
-                  </a:solidFill>
-                </a:uFill>
-                <a:latin typeface="Adobe Clean"/>
-                <a:cs typeface="Adobe Clean"/>
-              </a:rPr>
-              <a:t>I</a:t>
-            </a:r>
-            <a:r>
-              <a:rPr sz="1400" b="1" u="sng" spc="-10">
-                <a:solidFill>
-                  <a:srgbClr val="020302"/>
-                </a:solidFill>
-                <a:uFill>
-                  <a:solidFill>
-                    <a:srgbClr val="020302"/>
-                  </a:solidFill>
-                </a:uFill>
-                <a:latin typeface="Adobe Clean"/>
-                <a:cs typeface="Adobe Clean"/>
-              </a:rPr>
-              <a:t>ni</a:t>
-            </a:r>
-            <a:r>
-              <a:rPr sz="1400" b="1" u="sng" spc="-15">
-                <a:solidFill>
-                  <a:srgbClr val="020302"/>
-                </a:solidFill>
-                <a:uFill>
-                  <a:solidFill>
-                    <a:srgbClr val="020302"/>
-                  </a:solidFill>
-                </a:uFill>
-                <a:latin typeface="Adobe Clean"/>
-                <a:cs typeface="Adobe Clean"/>
-              </a:rPr>
-              <a:t>t</a:t>
-            </a:r>
-            <a:r>
-              <a:rPr sz="1400" b="1" u="sng" spc="-10">
-                <a:solidFill>
-                  <a:srgbClr val="020302"/>
-                </a:solidFill>
-                <a:uFill>
-                  <a:solidFill>
-                    <a:srgbClr val="020302"/>
-                  </a:solidFill>
-                </a:uFill>
-                <a:latin typeface="Adobe Clean"/>
-                <a:cs typeface="Adobe Clean"/>
-              </a:rPr>
-              <a:t>i</a:t>
-            </a:r>
-            <a:r>
-              <a:rPr sz="1400" b="1" u="sng" spc="-5">
-                <a:solidFill>
-                  <a:srgbClr val="020302"/>
-                </a:solidFill>
-                <a:uFill>
-                  <a:solidFill>
-                    <a:srgbClr val="020302"/>
-                  </a:solidFill>
-                </a:uFill>
-                <a:latin typeface="Adobe Clean"/>
-                <a:cs typeface="Adobe Clean"/>
-              </a:rPr>
-              <a:t>a</a:t>
-            </a:r>
-            <a:r>
-              <a:rPr sz="1400" b="1" u="sng">
-                <a:solidFill>
-                  <a:srgbClr val="020302"/>
-                </a:solidFill>
-                <a:uFill>
-                  <a:solidFill>
-                    <a:srgbClr val="020302"/>
-                  </a:solidFill>
-                </a:uFill>
-                <a:latin typeface="Adobe Clean"/>
-                <a:cs typeface="Adobe Clean"/>
-              </a:rPr>
-              <a:t>l</a:t>
-            </a:r>
-            <a:r>
-              <a:rPr sz="1400" b="1" u="sng" spc="-145">
-                <a:solidFill>
-                  <a:srgbClr val="020302"/>
-                </a:solidFill>
-                <a:uFill>
-                  <a:solidFill>
-                    <a:srgbClr val="020302"/>
-                  </a:solidFill>
-                </a:uFill>
-                <a:latin typeface="Adobe Clean"/>
-                <a:cs typeface="Adobe Clean"/>
-              </a:rPr>
-              <a:t> </a:t>
-            </a:r>
-            <a:r>
-              <a:rPr sz="1400" b="1" u="sng" spc="-15">
-                <a:solidFill>
-                  <a:srgbClr val="020302"/>
-                </a:solidFill>
-                <a:uFill>
-                  <a:solidFill>
-                    <a:srgbClr val="020302"/>
-                  </a:solidFill>
-                </a:uFill>
-                <a:latin typeface="Adobe Clean"/>
-                <a:cs typeface="Adobe Clean"/>
-              </a:rPr>
-              <a:t>R</a:t>
-            </a:r>
-            <a:r>
-              <a:rPr sz="1400" b="1" u="sng" spc="-20">
-                <a:solidFill>
-                  <a:srgbClr val="020302"/>
-                </a:solidFill>
-                <a:uFill>
-                  <a:solidFill>
-                    <a:srgbClr val="020302"/>
-                  </a:solidFill>
-                </a:uFill>
-                <a:latin typeface="Adobe Clean"/>
-                <a:cs typeface="Adobe Clean"/>
-              </a:rPr>
-              <a:t>e</a:t>
-            </a:r>
-            <a:r>
-              <a:rPr sz="1400" b="1" u="sng" spc="-15">
-                <a:solidFill>
-                  <a:srgbClr val="020302"/>
-                </a:solidFill>
-                <a:uFill>
-                  <a:solidFill>
-                    <a:srgbClr val="020302"/>
-                  </a:solidFill>
-                </a:uFill>
-                <a:latin typeface="Adobe Clean"/>
-                <a:cs typeface="Adobe Clean"/>
-              </a:rPr>
-              <a:t>s</a:t>
-            </a:r>
-            <a:r>
-              <a:rPr sz="1400" b="1" u="sng" spc="-20">
-                <a:solidFill>
-                  <a:srgbClr val="020302"/>
-                </a:solidFill>
-                <a:uFill>
-                  <a:solidFill>
-                    <a:srgbClr val="020302"/>
-                  </a:solidFill>
-                </a:uFill>
-                <a:latin typeface="Adobe Clean"/>
-                <a:cs typeface="Adobe Clean"/>
-              </a:rPr>
-              <a:t>p</a:t>
-            </a:r>
-            <a:r>
-              <a:rPr sz="1400" b="1" u="sng" spc="-15">
-                <a:solidFill>
-                  <a:srgbClr val="020302"/>
-                </a:solidFill>
-                <a:uFill>
-                  <a:solidFill>
-                    <a:srgbClr val="020302"/>
-                  </a:solidFill>
-                </a:uFill>
-                <a:latin typeface="Adobe Clean"/>
-                <a:cs typeface="Adobe Clean"/>
-              </a:rPr>
-              <a:t>ons</a:t>
-            </a:r>
-            <a:r>
-              <a:rPr sz="1400" b="1" u="sng">
-                <a:solidFill>
-                  <a:srgbClr val="020302"/>
-                </a:solidFill>
-                <a:uFill>
-                  <a:solidFill>
-                    <a:srgbClr val="020302"/>
-                  </a:solidFill>
-                </a:uFill>
-                <a:latin typeface="Adobe Clean"/>
-                <a:cs typeface="Adobe Clean"/>
-              </a:rPr>
-              <a:t>e</a:t>
-            </a:r>
-            <a:endParaRPr sz="1400" u="sng">
-              <a:latin typeface="Adobe Clean"/>
-              <a:cs typeface="Adobe Clean"/>
-            </a:endParaRPr>
+              <a:t>Obiettivi del livello di servizio: risposta iniziale</a:t>
+            </a:r>
           </a:p>
         </p:txBody>
       </p:sp>
@@ -3305,14 +2644,14 @@
           <p:nvPr>
             <p:extLst>
               <p:ext uri="{D42A27DB-BD31-4B8C-83A1-F6EECF244321}">
-                <p14:modId xmlns:p14="http://schemas.microsoft.com/office/powerpoint/2010/main" val="3450047932"/>
+                <p14:modId xmlns:p14="http://schemas.microsoft.com/office/powerpoint/2010/main" val="24320966"/>
               </p:ext>
             </p:extLst>
           </p:nvPr>
         </p:nvGraphicFramePr>
         <p:xfrm>
           <a:off x="146919" y="7473158"/>
-          <a:ext cx="7477080" cy="2190409"/>
+          <a:ext cx="7477080" cy="2317408"/>
         </p:xfrm>
         <a:graphic>
           <a:graphicData uri="http://schemas.openxmlformats.org/drawingml/2006/table">
@@ -3358,19 +2697,15 @@
                         </a:spcBef>
                       </a:pPr>
                       <a:r>
-                        <a:rPr sz="900" spc="-20" dirty="0">
+                        <a:rPr lang="it-IT" sz="900">
                           <a:solidFill>
                             <a:srgbClr val="020302"/>
                           </a:solidFill>
                           <a:latin typeface="Adobe Clean"/>
                           <a:cs typeface="Adobe Clean"/>
                         </a:rPr>
-                        <a:t>Priority</a:t>
+                        <a:t>Priorità</a:t>
                       </a:r>
-                      <a:endParaRPr sz="900" dirty="0">
-                        <a:latin typeface="Adobe Clean"/>
-                        <a:cs typeface="Adobe Clean"/>
-                      </a:endParaRPr>
                     </a:p>
                   </a:txBody>
                   <a:tcPr marL="0" marR="0" marT="6985" marB="0" anchor="ctr">
@@ -3417,22 +2752,18 @@
                         </a:spcBef>
                       </a:pPr>
                       <a:r>
-                        <a:rPr sz="900" spc="0" dirty="0">
+                        <a:rPr lang="it-IT" sz="900">
                           <a:solidFill>
                             <a:srgbClr val="020302"/>
                           </a:solidFill>
                           <a:latin typeface="Adobe Clean"/>
                           <a:cs typeface="Adobe Clean"/>
                         </a:rPr>
-                        <a:t>Online Support</a:t>
+                        <a:t>Supporto Online</a:t>
                       </a:r>
-                      <a:endParaRPr sz="900" spc="0" dirty="0">
-                        <a:latin typeface="Adobe Clean"/>
-                        <a:cs typeface="Adobe Clean"/>
-                      </a:endParaRPr>
                     </a:p>
                   </a:txBody>
-                  <a:tcPr marL="0" marR="0" marT="0" marB="0" anchor="ctr">
+                  <a:tcPr marL="0" marR="0" marT="6985" marB="0" anchor="ctr">
                     <a:lnL w="6350">
                       <a:solidFill>
                         <a:srgbClr val="B7B8B8"/>
@@ -3451,14 +2782,11 @@
                       </a:solidFill>
                       <a:prstDash val="solid"/>
                     </a:lnT>
-                    <a:lnB w="76200" cap="flat" cmpd="sng" algn="ctr">
+                    <a:lnB w="76200">
                       <a:solidFill>
                         <a:srgbClr val="B3B3B3"/>
                       </a:solidFill>
                       <a:prstDash val="solid"/>
-                      <a:round/>
-                      <a:headEnd type="none" w="med" len="med"/>
-                      <a:tailEnd type="none" w="med" len="med"/>
                     </a:lnB>
                     <a:solidFill>
                       <a:srgbClr val="D9D9D9"/>
@@ -3479,22 +2807,18 @@
                         </a:spcBef>
                       </a:pPr>
                       <a:r>
-                        <a:rPr sz="900" spc="0" dirty="0">
+                        <a:rPr lang="it-IT" sz="900">
                           <a:solidFill>
                             <a:srgbClr val="FFFFFF"/>
                           </a:solidFill>
                           <a:latin typeface="Adobe Clean"/>
                           <a:cs typeface="Adobe Clean"/>
                         </a:rPr>
-                        <a:t>Enterprise Support</a:t>
+                        <a:t>Supporto Enterprise</a:t>
                       </a:r>
-                      <a:endParaRPr sz="900" spc="0" dirty="0">
-                        <a:latin typeface="Adobe Clean"/>
-                        <a:cs typeface="Adobe Clean"/>
-                      </a:endParaRPr>
                     </a:p>
                   </a:txBody>
-                  <a:tcPr marL="0" marR="0" marT="0" marB="0" anchor="ctr">
+                  <a:tcPr marL="0" marR="0" marT="10160" marB="0" anchor="ctr">
                     <a:lnL w="6350">
                       <a:solidFill>
                         <a:srgbClr val="B7B8B8"/>
@@ -3551,112 +2875,18 @@
                         </a:spcBef>
                       </a:pPr>
                       <a:r>
-                        <a:rPr sz="900" b="1" spc="-15" dirty="0">
+                        <a:rPr lang="it-IT" sz="900" b="1">
                           <a:solidFill>
                             <a:srgbClr val="020302"/>
                           </a:solidFill>
                           <a:latin typeface="Adobe Clean"/>
                           <a:cs typeface="Adobe Clean"/>
                         </a:rPr>
-                        <a:t>P</a:t>
+                        <a:t>PRIORITÀ 1 (P1)</a:t>
                       </a:r>
-                      <a:r>
-                        <a:rPr sz="900" b="1" spc="-20" dirty="0">
-                          <a:solidFill>
-                            <a:srgbClr val="020302"/>
-                          </a:solidFill>
-                          <a:latin typeface="Adobe Clean"/>
-                          <a:cs typeface="Adobe Clean"/>
-                        </a:rPr>
-                        <a:t>R</a:t>
-                      </a:r>
-                      <a:r>
-                        <a:rPr sz="900" b="1" spc="-25" dirty="0">
-                          <a:solidFill>
-                            <a:srgbClr val="020302"/>
-                          </a:solidFill>
-                          <a:latin typeface="Adobe Clean"/>
-                          <a:cs typeface="Adobe Clean"/>
-                        </a:rPr>
-                        <a:t>I</a:t>
-                      </a:r>
-                      <a:r>
-                        <a:rPr sz="900" b="1" spc="-15" dirty="0">
-                          <a:solidFill>
-                            <a:srgbClr val="020302"/>
-                          </a:solidFill>
-                          <a:latin typeface="Adobe Clean"/>
-                          <a:cs typeface="Adobe Clean"/>
-                        </a:rPr>
-                        <a:t>O</a:t>
-                      </a:r>
-                      <a:r>
-                        <a:rPr sz="900" b="1" spc="-20" dirty="0">
-                          <a:solidFill>
-                            <a:srgbClr val="020302"/>
-                          </a:solidFill>
-                          <a:latin typeface="Adobe Clean"/>
-                          <a:cs typeface="Adobe Clean"/>
-                        </a:rPr>
-                        <a:t>R</a:t>
-                      </a:r>
-                      <a:r>
-                        <a:rPr sz="900" b="1" spc="-25" dirty="0">
-                          <a:solidFill>
-                            <a:srgbClr val="020302"/>
-                          </a:solidFill>
-                          <a:latin typeface="Adobe Clean"/>
-                          <a:cs typeface="Adobe Clean"/>
-                        </a:rPr>
-                        <a:t>I</a:t>
-                      </a:r>
-                      <a:r>
-                        <a:rPr sz="900" b="1" spc="-15" dirty="0">
-                          <a:solidFill>
-                            <a:srgbClr val="020302"/>
-                          </a:solidFill>
-                          <a:latin typeface="Adobe Clean"/>
-                          <a:cs typeface="Adobe Clean"/>
-                        </a:rPr>
-                        <a:t>T</a:t>
-                      </a:r>
-                      <a:r>
-                        <a:rPr sz="900" b="1" dirty="0">
-                          <a:solidFill>
-                            <a:srgbClr val="020302"/>
-                          </a:solidFill>
-                          <a:latin typeface="Adobe Clean"/>
-                          <a:cs typeface="Adobe Clean"/>
-                        </a:rPr>
-                        <a:t>Y</a:t>
-                      </a:r>
-                      <a:r>
-                        <a:rPr sz="900" b="1" spc="-40" dirty="0">
-                          <a:solidFill>
-                            <a:srgbClr val="020302"/>
-                          </a:solidFill>
-                          <a:latin typeface="Adobe Clean"/>
-                          <a:cs typeface="Adobe Clean"/>
-                        </a:rPr>
-                        <a:t> </a:t>
-                      </a:r>
-                      <a:r>
-                        <a:rPr sz="900" b="1" dirty="0">
-                          <a:solidFill>
-                            <a:srgbClr val="020302"/>
-                          </a:solidFill>
-                          <a:latin typeface="Adobe Clean"/>
-                          <a:cs typeface="Adobe Clean"/>
-                        </a:rPr>
-                        <a:t>1</a:t>
-                      </a:r>
-                      <a:endParaRPr sz="900" dirty="0">
-                        <a:latin typeface="Adobe Clean"/>
-                        <a:cs typeface="Adobe Clean"/>
-                      </a:endParaRPr>
                     </a:p>
                     <a:p>
-                      <a:pPr marL="50800" marR="387985" lvl="0" indent="0" eaLnBrk="1" fontAlgn="auto" latinLnBrk="0" hangingPunct="1">
+                      <a:pPr marL="50800" marR="387985" lvl="0" indent="0" defTabSz="914400" eaLnBrk="1" fontAlgn="auto" latinLnBrk="0" hangingPunct="1">
                         <a:lnSpc>
                           <a:spcPts val="1000"/>
                         </a:lnSpc>
@@ -3670,33 +2900,31 @@
                         <a:buSzTx/>
                         <a:buFontTx/>
                         <a:buNone/>
+                        <a:tabLst/>
+                        <a:defRPr/>
                       </a:pPr>
                       <a:r>
-                        <a:rPr lang="en-US" sz="900" b="0" i="0" spc="-130" dirty="0">
+                        <a:rPr lang="it-IT" sz="900" b="0" i="0">
                           <a:solidFill>
                             <a:srgbClr val="020302"/>
                           </a:solidFill>
-                          <a:latin typeface="Adobe Clean Light"/>
-                          <a:cs typeface="+mn-cs"/>
+                          <a:latin typeface="Adobe Clean Light" panose="020B0303020404020204" pitchFamily="34" charset="0"/>
+                          <a:ea typeface="+mn-ea"/>
+                          <a:cs typeface="Adobe Clean"/>
                         </a:rPr>
-                        <a:t> </a:t>
+                        <a:t> </a:t>
                       </a:r>
                       <a:r>
-                        <a:rPr lang="en-US" sz="900" b="0" i="0" u="none" strike="noStrike" dirty="0">
+                        <a:rPr lang="it-IT" sz="900" b="0" i="0" u="none" strike="noStrike">
                           <a:solidFill>
                             <a:schemeClr val="tx1"/>
                           </a:solidFill>
-                          <a:effectLst/>
-                          <a:latin typeface="Adobe Clean Light"/>
+                          <a:latin typeface="Adobe Clean Light" panose="020B0303020404020204" pitchFamily="34" charset="0"/>
                           <a:ea typeface="+mn-ea"/>
                           <a:cs typeface="+mn-cs"/>
                         </a:rPr>
-                        <a:t>Customer's production business functions are down or has significant data loss or degradation of services and immediate attention is required to restore functionality and usability</a:t>
+                        <a:t>Le funzioni operative di produzione del cliente non sono disponibili oppure si verificano problemi significativi di perdita di dati o deterioramento dei servizi ed è richiesto un intervento immediato per ripristinare funzionalità e usabilità</a:t>
                       </a:r>
-                      <a:endParaRPr lang="en-US" sz="900" b="0" i="0" dirty="0">
-                        <a:latin typeface="Adobe Clean Light"/>
-                        <a:cs typeface="AdobeClean-Light"/>
-                      </a:endParaRPr>
                     </a:p>
                   </a:txBody>
                   <a:tcPr marL="0" marR="0" marT="0" marB="0" anchor="ctr">
@@ -3706,14 +2934,11 @@
                       </a:solidFill>
                       <a:prstDash val="solid"/>
                     </a:lnL>
-                    <a:lnR w="6350" cap="flat" cmpd="sng" algn="ctr">
+                    <a:lnR w="6350">
                       <a:solidFill>
                         <a:srgbClr val="B7B8B8"/>
                       </a:solidFill>
                       <a:prstDash val="solid"/>
-                      <a:round/>
-                      <a:headEnd type="none" w="med" len="med"/>
-                      <a:tailEnd type="none" w="med" len="med"/>
                     </a:lnR>
                     <a:lnT w="6350">
                       <a:solidFill>
@@ -3734,34 +2959,35 @@
                     <a:bodyPr/>
                     <a:lstStyle/>
                     <a:p>
-                      <a:pPr algn="ctr" fontAlgn="ctr"/>
+                      <a:pPr marL="542925" marR="492125" algn="ctr">
+                        <a:lnSpc>
+                          <a:spcPct val="102200"/>
+                        </a:lnSpc>
+                      </a:pPr>
                       <a:r>
-                        <a:rPr lang="en-US" sz="900" b="0" i="0" u="none" strike="noStrike" dirty="0">
+                        <a:rPr lang="it-IT" sz="900">
                           <a:solidFill>
                             <a:srgbClr val="020302"/>
                           </a:solidFill>
-                          <a:effectLst/>
-                          <a:latin typeface="AdobeClean-Light" panose="020B0503020404020204" pitchFamily="34" charset="0"/>
+                          <a:latin typeface="AdobeClean-Light"/>
+                          <a:cs typeface="AdobeClean-Light"/>
                         </a:rPr>
-                        <a:t>24x7 /  1 hour</a:t>
+                        <a:t>24x7 /           1 ora</a:t>
                       </a:r>
                     </a:p>
                   </a:txBody>
-                  <a:tcPr marL="9525" marR="9525" marT="9525" marB="0" anchor="ctr">
+                  <a:tcPr marL="0" marR="0" marT="0" marB="0" anchor="ctr">
                     <a:lnL w="6350">
                       <a:solidFill>
                         <a:srgbClr val="B7B8B8"/>
                       </a:solidFill>
                       <a:prstDash val="solid"/>
                     </a:lnL>
-                    <a:lnR w="6350" cap="flat" cmpd="sng" algn="ctr">
+                    <a:lnR w="6350">
                       <a:solidFill>
                         <a:srgbClr val="B7B8B8"/>
                       </a:solidFill>
                       <a:prstDash val="solid"/>
-                      <a:round/>
-                      <a:headEnd type="none" w="med" len="med"/>
-                      <a:tailEnd type="none" w="med" len="med"/>
                     </a:lnR>
                     <a:lnT w="76200">
                       <a:solidFill>
@@ -3782,28 +3008,32 @@
                     <a:bodyPr/>
                     <a:lstStyle/>
                     <a:p>
-                      <a:pPr algn="ctr" fontAlgn="ctr"/>
+                      <a:pPr marL="352425" marR="476250" indent="111125" algn="ctr">
+                        <a:lnSpc>
+                          <a:spcPct val="100000"/>
+                        </a:lnSpc>
+                        <a:spcBef>
+                          <a:spcPts val="700"/>
+                        </a:spcBef>
+                      </a:pPr>
                       <a:r>
-                        <a:rPr lang="en-US" sz="900" b="0" i="0" u="none" strike="noStrike">
+                        <a:rPr lang="it-IT" sz="900">
                           <a:solidFill>
                             <a:srgbClr val="020302"/>
                           </a:solidFill>
-                          <a:effectLst/>
-                          <a:latin typeface="AdobeClean-Light" panose="020B0503020404020204" pitchFamily="34" charset="0"/>
+                          <a:latin typeface="AdobeClean-Light"/>
+                          <a:cs typeface="AdobeClean-Light"/>
                         </a:rPr>
-                        <a:t>24x7 / 30 minutes</a:t>
+                        <a:t>24x7 /  30 minuti</a:t>
                       </a:r>
                     </a:p>
                   </a:txBody>
-                  <a:tcPr marL="9525" marR="9525" marT="9525" marB="0" anchor="ctr">
-                    <a:lnL w="6350" cap="flat" cmpd="sng" algn="ctr">
+                  <a:tcPr marL="0" marR="0" marT="0" marB="0" anchor="ctr">
+                    <a:lnL w="6350">
                       <a:solidFill>
                         <a:srgbClr val="B7B8B8"/>
                       </a:solidFill>
                       <a:prstDash val="solid"/>
-                      <a:round/>
-                      <a:headEnd type="none" w="med" len="med"/>
-                      <a:tailEnd type="none" w="med" len="med"/>
                     </a:lnL>
                     <a:lnR w="6350" cap="flat" cmpd="sng" algn="ctr">
                       <a:solidFill>
@@ -3842,7 +3072,7 @@
                   </a:ext>
                 </a:extLst>
               </a:tr>
-              <a:tr h="0">
+              <a:tr h="484755">
                 <a:tc>
                   <a:txBody>
                     <a:bodyPr/>
@@ -3857,109 +3087,15 @@
                         </a:spcBef>
                       </a:pPr>
                       <a:r>
-                        <a:rPr sz="900" b="1" spc="-15" dirty="0">
+                        <a:rPr lang="it-IT" sz="900" b="1">
                           <a:solidFill>
                             <a:srgbClr val="020302"/>
                           </a:solidFill>
                           <a:latin typeface="Adobe Clean"/>
                           <a:cs typeface="Adobe Clean"/>
                         </a:rPr>
-                        <a:t>P</a:t>
+                        <a:t>PRIORITÀ 2 (P2)</a:t>
                       </a:r>
-                      <a:r>
-                        <a:rPr sz="900" b="1" spc="-20" dirty="0">
-                          <a:solidFill>
-                            <a:srgbClr val="020302"/>
-                          </a:solidFill>
-                          <a:latin typeface="Adobe Clean"/>
-                          <a:cs typeface="Adobe Clean"/>
-                        </a:rPr>
-                        <a:t>R</a:t>
-                      </a:r>
-                      <a:r>
-                        <a:rPr sz="900" b="1" spc="-25" dirty="0">
-                          <a:solidFill>
-                            <a:srgbClr val="020302"/>
-                          </a:solidFill>
-                          <a:latin typeface="Adobe Clean"/>
-                          <a:cs typeface="Adobe Clean"/>
-                        </a:rPr>
-                        <a:t>I</a:t>
-                      </a:r>
-                      <a:r>
-                        <a:rPr sz="900" b="1" spc="-15" dirty="0">
-                          <a:solidFill>
-                            <a:srgbClr val="020302"/>
-                          </a:solidFill>
-                          <a:latin typeface="Adobe Clean"/>
-                          <a:cs typeface="Adobe Clean"/>
-                        </a:rPr>
-                        <a:t>O</a:t>
-                      </a:r>
-                      <a:r>
-                        <a:rPr sz="900" b="1" spc="-20" dirty="0">
-                          <a:solidFill>
-                            <a:srgbClr val="020302"/>
-                          </a:solidFill>
-                          <a:latin typeface="Adobe Clean"/>
-                          <a:cs typeface="Adobe Clean"/>
-                        </a:rPr>
-                        <a:t>R</a:t>
-                      </a:r>
-                      <a:r>
-                        <a:rPr sz="900" b="1" spc="-25" dirty="0">
-                          <a:solidFill>
-                            <a:srgbClr val="020302"/>
-                          </a:solidFill>
-                          <a:latin typeface="Adobe Clean"/>
-                          <a:cs typeface="Adobe Clean"/>
-                        </a:rPr>
-                        <a:t>I</a:t>
-                      </a:r>
-                      <a:r>
-                        <a:rPr sz="900" b="1" spc="-15" dirty="0">
-                          <a:solidFill>
-                            <a:srgbClr val="020302"/>
-                          </a:solidFill>
-                          <a:latin typeface="Adobe Clean"/>
-                          <a:cs typeface="Adobe Clean"/>
-                        </a:rPr>
-                        <a:t>T</a:t>
-                      </a:r>
-                      <a:r>
-                        <a:rPr sz="900" b="1" dirty="0">
-                          <a:solidFill>
-                            <a:srgbClr val="020302"/>
-                          </a:solidFill>
-                          <a:latin typeface="Adobe Clean"/>
-                          <a:cs typeface="Adobe Clean"/>
-                        </a:rPr>
-                        <a:t>Y</a:t>
-                      </a:r>
-                      <a:r>
-                        <a:rPr sz="900" b="1" spc="-40" dirty="0">
-                          <a:solidFill>
-                            <a:srgbClr val="020302"/>
-                          </a:solidFill>
-                          <a:latin typeface="Adobe Clean"/>
-                          <a:cs typeface="Adobe Clean"/>
-                        </a:rPr>
-                        <a:t> </a:t>
-                      </a:r>
-                      <a:r>
-                        <a:rPr sz="900" b="1" dirty="0">
-                          <a:solidFill>
-                            <a:srgbClr val="020302"/>
-                          </a:solidFill>
-                          <a:latin typeface="Adobe Clean"/>
-                          <a:cs typeface="Adobe Clean"/>
-                        </a:rPr>
-                        <a:t>2</a:t>
-                      </a:r>
-                      <a:endParaRPr sz="900" dirty="0">
-                        <a:latin typeface="Adobe Clean"/>
-                        <a:cs typeface="Adobe Clean"/>
-                      </a:endParaRPr>
                     </a:p>
                     <a:p>
                       <a:pPr marL="50165" marR="203200">
@@ -3971,21 +3107,16 @@
                         </a:spcBef>
                       </a:pPr>
                       <a:r>
-                        <a:rPr lang="en-US" sz="900" b="0" i="0" u="none" strike="noStrike" dirty="0">
+                        <a:rPr lang="it-IT" sz="900" b="0" i="0" u="none" strike="noStrike">
                           <a:solidFill>
                             <a:schemeClr val="tx1"/>
                           </a:solidFill>
-                          <a:effectLst/>
-                          <a:latin typeface="Adobe Clean Light"/>
+                          <a:latin typeface="Adobe Clean Light" panose="020B0303020404020204" pitchFamily="34" charset="0"/>
                           <a:ea typeface="+mn-ea"/>
                           <a:cs typeface="+mn-cs"/>
                         </a:rPr>
-                        <a:t>Customer's business functions has major degradation of services, or potential of data loss or unavailability of services, or a major feature is impacted</a:t>
+                        <a:t>Le funzioni operative del cliente hanno subìto un notevole deterioramento o mancata disponibilità dei servizi, potenziale perdita di dati, oppure un problema interessa una funzione importante</a:t>
                       </a:r>
-                      <a:endParaRPr lang="en-US" sz="900" b="0" i="0" dirty="0">
-                        <a:latin typeface="Adobe Clean Light"/>
-                        <a:cs typeface="AdobeClean-Light"/>
-                      </a:endParaRPr>
                     </a:p>
                   </a:txBody>
                   <a:tcPr marL="0" marR="0" marT="0" marB="0" anchor="ctr">
@@ -3995,14 +3126,11 @@
                       </a:solidFill>
                       <a:prstDash val="solid"/>
                     </a:lnL>
-                    <a:lnR w="6350" cap="flat" cmpd="sng" algn="ctr">
+                    <a:lnR w="6350">
                       <a:solidFill>
                         <a:srgbClr val="B7B8B8"/>
                       </a:solidFill>
                       <a:prstDash val="solid"/>
-                      <a:round/>
-                      <a:headEnd type="none" w="med" len="med"/>
-                      <a:tailEnd type="none" w="med" len="med"/>
                     </a:lnR>
                     <a:lnT w="6350">
                       <a:solidFill>
@@ -4023,34 +3151,35 @@
                     <a:bodyPr/>
                     <a:lstStyle/>
                     <a:p>
-                      <a:pPr algn="ctr" fontAlgn="ctr"/>
+                      <a:pPr marL="473709" marR="343535" indent="-175895" algn="ctr">
+                        <a:lnSpc>
+                          <a:spcPct val="102200"/>
+                        </a:lnSpc>
+                      </a:pPr>
                       <a:r>
-                        <a:rPr lang="en-US" sz="900" b="0" i="0" u="none" strike="noStrike" dirty="0">
+                        <a:rPr lang="it-IT" sz="900">
                           <a:solidFill>
                             <a:srgbClr val="020302"/>
                           </a:solidFill>
-                          <a:effectLst/>
-                          <a:latin typeface="AdobeClean-Light" panose="020B0503020404020204" pitchFamily="34" charset="0"/>
+                          <a:latin typeface="AdobeClean-Light"/>
+                          <a:cs typeface="AdobeClean-Light"/>
                         </a:rPr>
-                        <a:t>Business hours / 4 hours</a:t>
+                        <a:t>Orario operativo /       4 ore</a:t>
                       </a:r>
                     </a:p>
                   </a:txBody>
-                  <a:tcPr marL="9525" marR="9525" marT="9525" marB="0" anchor="ctr">
+                  <a:tcPr marL="0" marR="0" marT="0" marB="0" anchor="ctr">
                     <a:lnL w="6350">
                       <a:solidFill>
                         <a:srgbClr val="B7B8B8"/>
                       </a:solidFill>
                       <a:prstDash val="solid"/>
                     </a:lnL>
-                    <a:lnR w="6350" cap="flat" cmpd="sng" algn="ctr">
+                    <a:lnR w="6350">
                       <a:solidFill>
                         <a:srgbClr val="B7B8B8"/>
                       </a:solidFill>
                       <a:prstDash val="solid"/>
-                      <a:round/>
-                      <a:headEnd type="none" w="med" len="med"/>
-                      <a:tailEnd type="none" w="med" len="med"/>
                     </a:lnR>
                     <a:lnT w="6350">
                       <a:solidFill>
@@ -4071,28 +3200,30 @@
                     <a:bodyPr/>
                     <a:lstStyle/>
                     <a:p>
-                      <a:pPr algn="ctr" fontAlgn="ctr"/>
+                      <a:pPr marL="542925" marR="492125" algn="ctr">
+                        <a:lnSpc>
+                          <a:spcPct val="102200"/>
+                        </a:lnSpc>
+                      </a:pPr>
                       <a:r>
-                        <a:rPr lang="en-US" sz="900" b="0" i="0" u="none" strike="noStrike">
+                        <a:rPr lang="it-IT" sz="900">
                           <a:solidFill>
                             <a:srgbClr val="020302"/>
                           </a:solidFill>
-                          <a:effectLst/>
-                          <a:latin typeface="AdobeClean-Light" panose="020B0503020404020204" pitchFamily="34" charset="0"/>
+                          <a:latin typeface="AdobeClean-Light"/>
+                          <a:ea typeface="+mn-ea"/>
+                          <a:cs typeface="AdobeClean-Light"/>
                         </a:rPr>
-                        <a:t>24x5 / 1 hour</a:t>
+                        <a:t>24x5 /           1 ora</a:t>
                       </a:r>
                     </a:p>
                   </a:txBody>
-                  <a:tcPr marL="9525" marR="9525" marT="9525" marB="0" anchor="ctr">
-                    <a:lnL w="6350" cap="flat" cmpd="sng" algn="ctr">
+                  <a:tcPr marL="0" marR="0" marT="0" marB="0" anchor="ctr">
+                    <a:lnL w="6350">
                       <a:solidFill>
                         <a:srgbClr val="B7B8B8"/>
                       </a:solidFill>
                       <a:prstDash val="solid"/>
-                      <a:round/>
-                      <a:headEnd type="none" w="med" len="med"/>
-                      <a:tailEnd type="none" w="med" len="med"/>
                     </a:lnL>
                     <a:lnR w="6350" cap="flat" cmpd="sng" algn="ctr">
                       <a:solidFill>
@@ -4143,109 +3274,15 @@
                         </a:spcBef>
                       </a:pPr>
                       <a:r>
-                        <a:rPr sz="900" b="1" spc="-15" dirty="0">
+                        <a:rPr lang="it-IT" sz="900" b="1" dirty="0">
                           <a:solidFill>
                             <a:srgbClr val="020302"/>
                           </a:solidFill>
                           <a:latin typeface="Adobe Clean"/>
                           <a:cs typeface="Adobe Clean"/>
                         </a:rPr>
-                        <a:t>P</a:t>
+                        <a:t>PRIORITÀ 3 (P3)</a:t>
                       </a:r>
-                      <a:r>
-                        <a:rPr sz="900" b="1" spc="-20" dirty="0">
-                          <a:solidFill>
-                            <a:srgbClr val="020302"/>
-                          </a:solidFill>
-                          <a:latin typeface="Adobe Clean"/>
-                          <a:cs typeface="Adobe Clean"/>
-                        </a:rPr>
-                        <a:t>R</a:t>
-                      </a:r>
-                      <a:r>
-                        <a:rPr sz="900" b="1" spc="-25" dirty="0">
-                          <a:solidFill>
-                            <a:srgbClr val="020302"/>
-                          </a:solidFill>
-                          <a:latin typeface="Adobe Clean"/>
-                          <a:cs typeface="Adobe Clean"/>
-                        </a:rPr>
-                        <a:t>I</a:t>
-                      </a:r>
-                      <a:r>
-                        <a:rPr sz="900" b="1" spc="-15" dirty="0">
-                          <a:solidFill>
-                            <a:srgbClr val="020302"/>
-                          </a:solidFill>
-                          <a:latin typeface="Adobe Clean"/>
-                          <a:cs typeface="Adobe Clean"/>
-                        </a:rPr>
-                        <a:t>O</a:t>
-                      </a:r>
-                      <a:r>
-                        <a:rPr sz="900" b="1" spc="-20" dirty="0">
-                          <a:solidFill>
-                            <a:srgbClr val="020302"/>
-                          </a:solidFill>
-                          <a:latin typeface="Adobe Clean"/>
-                          <a:cs typeface="Adobe Clean"/>
-                        </a:rPr>
-                        <a:t>R</a:t>
-                      </a:r>
-                      <a:r>
-                        <a:rPr sz="900" b="1" spc="-25" dirty="0">
-                          <a:solidFill>
-                            <a:srgbClr val="020302"/>
-                          </a:solidFill>
-                          <a:latin typeface="Adobe Clean"/>
-                          <a:cs typeface="Adobe Clean"/>
-                        </a:rPr>
-                        <a:t>I</a:t>
-                      </a:r>
-                      <a:r>
-                        <a:rPr sz="900" b="1" spc="-15" dirty="0">
-                          <a:solidFill>
-                            <a:srgbClr val="020302"/>
-                          </a:solidFill>
-                          <a:latin typeface="Adobe Clean"/>
-                          <a:cs typeface="Adobe Clean"/>
-                        </a:rPr>
-                        <a:t>T</a:t>
-                      </a:r>
-                      <a:r>
-                        <a:rPr sz="900" b="1" dirty="0">
-                          <a:solidFill>
-                            <a:srgbClr val="020302"/>
-                          </a:solidFill>
-                          <a:latin typeface="Adobe Clean"/>
-                          <a:cs typeface="Adobe Clean"/>
-                        </a:rPr>
-                        <a:t>Y</a:t>
-                      </a:r>
-                      <a:r>
-                        <a:rPr sz="900" b="1" spc="-40" dirty="0">
-                          <a:solidFill>
-                            <a:srgbClr val="020302"/>
-                          </a:solidFill>
-                          <a:latin typeface="Adobe Clean"/>
-                          <a:cs typeface="Adobe Clean"/>
-                        </a:rPr>
-                        <a:t> </a:t>
-                      </a:r>
-                      <a:r>
-                        <a:rPr sz="900" b="1" dirty="0">
-                          <a:solidFill>
-                            <a:srgbClr val="020302"/>
-                          </a:solidFill>
-                          <a:latin typeface="Adobe Clean"/>
-                          <a:cs typeface="Adobe Clean"/>
-                        </a:rPr>
-                        <a:t>3</a:t>
-                      </a:r>
-                      <a:endParaRPr sz="900" dirty="0">
-                        <a:latin typeface="Adobe Clean"/>
-                        <a:cs typeface="Adobe Clean"/>
-                      </a:endParaRPr>
                     </a:p>
                     <a:p>
                       <a:pPr marL="49530" marR="212090" indent="-2540">
@@ -4257,21 +3294,37 @@
                         </a:spcBef>
                       </a:pPr>
                       <a:r>
-                        <a:rPr lang="en-US" sz="900" b="0" i="0" u="none" strike="noStrike" dirty="0">
+                        <a:rPr lang="it-IT" sz="900" b="0" i="0" u="none" strike="noStrike" dirty="0">
                           <a:solidFill>
                             <a:schemeClr val="tx1"/>
                           </a:solidFill>
-                          <a:effectLst/>
-                          <a:latin typeface="Adobe Clean Light"/>
+                          <a:latin typeface="Adobe Clean Light" panose="020B0303020404020204" pitchFamily="34" charset="0"/>
                           <a:ea typeface="+mn-ea"/>
                           <a:cs typeface="+mn-cs"/>
                         </a:rPr>
-                        <a:t>Customer's business functions has minor to no degradation of services with a solution/workaround allowing business functions to continue </a:t>
+                        <a:t>Le funzioni operative del cliente sono interessate da deterioramento lieve dei servizi </a:t>
                       </a:r>
-                      <a:endParaRPr lang="en-US" sz="900" b="0" i="0" dirty="0">
-                        <a:latin typeface="Adobe Clean Light"/>
-                        <a:cs typeface="AdobeClean-Light"/>
-                      </a:endParaRPr>
+                      <a:br>
+                        <a:rPr lang="sk-SK" sz="900" b="0" i="0" u="none" strike="noStrike" dirty="0">
+                          <a:solidFill>
+                            <a:schemeClr val="tx1"/>
+                          </a:solidFill>
+                          <a:latin typeface="Adobe Clean Light" panose="020B0303020404020204" pitchFamily="34" charset="0"/>
+                          <a:ea typeface="+mn-ea"/>
+                          <a:cs typeface="+mn-cs"/>
+                        </a:rPr>
+                      </a:br>
+                      <a:r>
+                        <a:rPr lang="it-IT" sz="900" b="0" i="0" u="none" strike="noStrike" dirty="0">
+                          <a:solidFill>
+                            <a:schemeClr val="tx1"/>
+                          </a:solidFill>
+                          <a:latin typeface="Adobe Clean Light" panose="020B0303020404020204" pitchFamily="34" charset="0"/>
+                          <a:ea typeface="+mn-ea"/>
+                          <a:cs typeface="+mn-cs"/>
+                        </a:rPr>
+                        <a:t>(o nessun deterioramento), tuttavia è possibile procedere mediante una soluzione temporanea.  </a:t>
+                      </a:r>
                     </a:p>
                   </a:txBody>
                   <a:tcPr marL="0" marR="0" marT="0" marB="0" anchor="ctr">
@@ -4281,14 +3334,11 @@
                       </a:solidFill>
                       <a:prstDash val="solid"/>
                     </a:lnL>
-                    <a:lnR w="6350" cap="flat" cmpd="sng" algn="ctr">
+                    <a:lnR w="6350">
                       <a:solidFill>
                         <a:srgbClr val="B7B8B8"/>
                       </a:solidFill>
                       <a:prstDash val="solid"/>
-                      <a:round/>
-                      <a:headEnd type="none" w="med" len="med"/>
-                      <a:tailEnd type="none" w="med" len="med"/>
                     </a:lnR>
                     <a:lnT w="6350">
                       <a:solidFill>
@@ -4309,34 +3359,35 @@
                     <a:bodyPr/>
                     <a:lstStyle/>
                     <a:p>
-                      <a:pPr algn="ctr" fontAlgn="ctr"/>
+                      <a:pPr marL="473709" marR="343535" indent="-175895" algn="ctr">
+                        <a:lnSpc>
+                          <a:spcPct val="102200"/>
+                        </a:lnSpc>
+                      </a:pPr>
                       <a:r>
-                        <a:rPr lang="en-US" sz="900" b="0" i="0" u="none" strike="noStrike" dirty="0">
+                        <a:rPr lang="it-IT" sz="900">
                           <a:solidFill>
                             <a:srgbClr val="020302"/>
                           </a:solidFill>
-                          <a:effectLst/>
-                          <a:latin typeface="AdobeClean-Light" panose="020B0503020404020204" pitchFamily="34" charset="0"/>
+                          <a:latin typeface="AdobeClean-Light"/>
+                          <a:cs typeface="AdobeClean-Light"/>
                         </a:rPr>
-                        <a:t>Business hours / 6 hours</a:t>
+                        <a:t>Orario operativo /       6 ore</a:t>
                       </a:r>
                     </a:p>
                   </a:txBody>
-                  <a:tcPr marL="9525" marR="9525" marT="9525" marB="0" anchor="ctr">
+                  <a:tcPr marL="0" marR="0" marT="0" marB="0" anchor="ctr">
                     <a:lnL w="6350">
                       <a:solidFill>
                         <a:srgbClr val="B7B8B8"/>
                       </a:solidFill>
                       <a:prstDash val="solid"/>
                     </a:lnL>
-                    <a:lnR w="6350" cap="flat" cmpd="sng" algn="ctr">
+                    <a:lnR w="6350">
                       <a:solidFill>
                         <a:srgbClr val="B7B8B8"/>
                       </a:solidFill>
                       <a:prstDash val="solid"/>
-                      <a:round/>
-                      <a:headEnd type="none" w="med" len="med"/>
-                      <a:tailEnd type="none" w="med" len="med"/>
                     </a:lnR>
                     <a:lnT w="6350">
                       <a:solidFill>
@@ -4357,28 +3408,51 @@
                     <a:bodyPr/>
                     <a:lstStyle/>
                     <a:p>
-                      <a:pPr algn="ctr" fontAlgn="ctr"/>
+                      <a:pPr marL="111125" marR="398780" indent="0" algn="ctr">
+                        <a:lnSpc>
+                          <a:spcPct val="102200"/>
+                        </a:lnSpc>
+                        <a:spcBef>
+                          <a:spcPts val="675"/>
+                        </a:spcBef>
+                      </a:pPr>
                       <a:r>
-                        <a:rPr lang="en-US" sz="900" b="0" i="0" u="none" strike="noStrike">
+                        <a:rPr lang="it-IT" sz="900" dirty="0">
                           <a:solidFill>
                             <a:srgbClr val="020302"/>
                           </a:solidFill>
-                          <a:effectLst/>
-                          <a:latin typeface="AdobeClean-Light" panose="020B0503020404020204" pitchFamily="34" charset="0"/>
+                          <a:latin typeface="AdobeClean-Light"/>
+                          <a:cs typeface="AdobeClean-Light"/>
                         </a:rPr>
-                        <a:t>Business hours / 2 hours</a:t>
+                        <a:t>Orario operativo /  </a:t>
+                      </a:r>
+                      <a:br>
+                        <a:rPr lang="sk-SK" sz="900" dirty="0">
+                          <a:solidFill>
+                            <a:srgbClr val="020302"/>
+                          </a:solidFill>
+                          <a:latin typeface="AdobeClean-Light"/>
+                          <a:cs typeface="AdobeClean-Light"/>
+                        </a:rPr>
+                      </a:br>
+                      <a:r>
+                        <a:rPr lang="it-IT" sz="900" dirty="0">
+                          <a:solidFill>
+                            <a:srgbClr val="020302"/>
+                          </a:solidFill>
+                          <a:latin typeface="AdobeClean-Light"/>
+                          <a:cs typeface="AdobeClean-Light"/>
+                        </a:rPr>
+                        <a:t>2 ore</a:t>
                       </a:r>
                     </a:p>
                   </a:txBody>
-                  <a:tcPr marL="9525" marR="9525" marT="9525" marB="0" anchor="ctr">
-                    <a:lnL w="6350" cap="flat" cmpd="sng" algn="ctr">
+                  <a:tcPr marL="0" marR="0" marT="0" marB="0" anchor="ctr">
+                    <a:lnL w="6350">
                       <a:solidFill>
                         <a:srgbClr val="B7B8B8"/>
                       </a:solidFill>
                       <a:prstDash val="solid"/>
-                      <a:round/>
-                      <a:headEnd type="none" w="med" len="med"/>
-                      <a:tailEnd type="none" w="med" len="med"/>
                     </a:lnL>
                     <a:lnR w="6350" cap="flat" cmpd="sng" algn="ctr">
                       <a:solidFill>
@@ -4429,109 +3503,15 @@
                         </a:spcBef>
                       </a:pPr>
                       <a:r>
-                        <a:rPr sz="900" b="1" spc="-15" dirty="0">
+                        <a:rPr lang="it-IT" sz="900" b="1">
                           <a:solidFill>
                             <a:srgbClr val="020302"/>
                           </a:solidFill>
                           <a:latin typeface="Adobe Clean"/>
                           <a:cs typeface="Adobe Clean"/>
                         </a:rPr>
-                        <a:t>P</a:t>
+                        <a:t>PRIORITÀ 4 (P4)</a:t>
                       </a:r>
-                      <a:r>
-                        <a:rPr sz="900" b="1" spc="-20" dirty="0">
-                          <a:solidFill>
-                            <a:srgbClr val="020302"/>
-                          </a:solidFill>
-                          <a:latin typeface="Adobe Clean"/>
-                          <a:cs typeface="Adobe Clean"/>
-                        </a:rPr>
-                        <a:t>R</a:t>
-                      </a:r>
-                      <a:r>
-                        <a:rPr sz="900" b="1" spc="-25" dirty="0">
-                          <a:solidFill>
-                            <a:srgbClr val="020302"/>
-                          </a:solidFill>
-                          <a:latin typeface="Adobe Clean"/>
-                          <a:cs typeface="Adobe Clean"/>
-                        </a:rPr>
-                        <a:t>I</a:t>
-                      </a:r>
-                      <a:r>
-                        <a:rPr sz="900" b="1" spc="-15" dirty="0">
-                          <a:solidFill>
-                            <a:srgbClr val="020302"/>
-                          </a:solidFill>
-                          <a:latin typeface="Adobe Clean"/>
-                          <a:cs typeface="Adobe Clean"/>
-                        </a:rPr>
-                        <a:t>O</a:t>
-                      </a:r>
-                      <a:r>
-                        <a:rPr sz="900" b="1" spc="-20" dirty="0">
-                          <a:solidFill>
-                            <a:srgbClr val="020302"/>
-                          </a:solidFill>
-                          <a:latin typeface="Adobe Clean"/>
-                          <a:cs typeface="Adobe Clean"/>
-                        </a:rPr>
-                        <a:t>R</a:t>
-                      </a:r>
-                      <a:r>
-                        <a:rPr sz="900" b="1" spc="-25" dirty="0">
-                          <a:solidFill>
-                            <a:srgbClr val="020302"/>
-                          </a:solidFill>
-                          <a:latin typeface="Adobe Clean"/>
-                          <a:cs typeface="Adobe Clean"/>
-                        </a:rPr>
-                        <a:t>I</a:t>
-                      </a:r>
-                      <a:r>
-                        <a:rPr sz="900" b="1" spc="-15" dirty="0">
-                          <a:solidFill>
-                            <a:srgbClr val="020302"/>
-                          </a:solidFill>
-                          <a:latin typeface="Adobe Clean"/>
-                          <a:cs typeface="Adobe Clean"/>
-                        </a:rPr>
-                        <a:t>T</a:t>
-                      </a:r>
-                      <a:r>
-                        <a:rPr sz="900" b="1" dirty="0">
-                          <a:solidFill>
-                            <a:srgbClr val="020302"/>
-                          </a:solidFill>
-                          <a:latin typeface="Adobe Clean"/>
-                          <a:cs typeface="Adobe Clean"/>
-                        </a:rPr>
-                        <a:t>Y</a:t>
-                      </a:r>
-                      <a:r>
-                        <a:rPr sz="900" b="1" spc="-40" dirty="0">
-                          <a:solidFill>
-                            <a:srgbClr val="020302"/>
-                          </a:solidFill>
-                          <a:latin typeface="Adobe Clean"/>
-                          <a:cs typeface="Adobe Clean"/>
-                        </a:rPr>
-                        <a:t> </a:t>
-                      </a:r>
-                      <a:r>
-                        <a:rPr sz="900" b="1" dirty="0">
-                          <a:solidFill>
-                            <a:srgbClr val="020302"/>
-                          </a:solidFill>
-                          <a:latin typeface="Adobe Clean"/>
-                          <a:cs typeface="Adobe Clean"/>
-                        </a:rPr>
-                        <a:t>4</a:t>
-                      </a:r>
-                      <a:endParaRPr sz="900" dirty="0">
-                        <a:latin typeface="Adobe Clean"/>
-                        <a:cs typeface="Adobe Clean"/>
-                      </a:endParaRPr>
                     </a:p>
                     <a:p>
                       <a:pPr marL="49530">
@@ -4543,31 +3523,27 @@
                         </a:spcBef>
                       </a:pPr>
                       <a:r>
-                        <a:rPr lang="en-US" sz="900" b="1" spc="-90" dirty="0">
+                        <a:rPr lang="it-IT" sz="900" b="1">
                           <a:solidFill>
                             <a:srgbClr val="020302"/>
                           </a:solidFill>
                           <a:latin typeface="Adobe Clean"/>
-                          <a:cs typeface="+mn-cs"/>
+                          <a:ea typeface="+mn-ea"/>
+                          <a:cs typeface="Adobe Clean"/>
                         </a:rPr>
-                        <a:t> </a:t>
+                        <a:t> </a:t>
                       </a:r>
                       <a:r>
-                        <a:rPr lang="en-US" sz="900" b="0" i="0" u="none" strike="noStrike" dirty="0">
+                        <a:rPr lang="it-IT" sz="900" b="0" i="0" u="none" strike="noStrike">
                           <a:solidFill>
                             <a:schemeClr val="tx1"/>
                           </a:solidFill>
-                          <a:effectLst/>
-                          <a:latin typeface="Adobe Clean Light"/>
+                          <a:latin typeface="Adobe Clean Light" panose="020B0303020404020204" pitchFamily="34" charset="0"/>
                           <a:ea typeface="+mn-ea"/>
                           <a:cs typeface="+mn-cs"/>
                         </a:rPr>
-                        <a:t>General question regarding current product functionality or an enhancement request</a:t>
+                        <a:t>Domande generali sulle attuali funzionalità del prodotto o su una richiesta di miglioramento</a:t>
                       </a:r>
-                      <a:endParaRPr lang="en-US" sz="900" b="0" i="0" dirty="0">
-                        <a:latin typeface="Adobe Clean Light"/>
-                        <a:cs typeface="AdobeClean-Light"/>
-                      </a:endParaRPr>
                     </a:p>
                   </a:txBody>
                   <a:tcPr marL="0" marR="0" marT="0" marB="0" anchor="ctr">
@@ -4577,14 +3553,11 @@
                       </a:solidFill>
                       <a:prstDash val="solid"/>
                     </a:lnL>
-                    <a:lnR w="6350" cap="flat" cmpd="sng" algn="ctr">
+                    <a:lnR w="6350">
                       <a:solidFill>
                         <a:srgbClr val="B7B8B8"/>
                       </a:solidFill>
                       <a:prstDash val="solid"/>
-                      <a:round/>
-                      <a:headEnd type="none" w="med" len="med"/>
-                      <a:tailEnd type="none" w="med" len="med"/>
                     </a:lnR>
                     <a:lnT w="6350">
                       <a:solidFill>
@@ -4605,34 +3578,35 @@
                     <a:bodyPr/>
                     <a:lstStyle/>
                     <a:p>
-                      <a:pPr algn="ctr" fontAlgn="ctr"/>
+                      <a:pPr marL="473709" marR="343535" indent="-175895" algn="ctr">
+                        <a:lnSpc>
+                          <a:spcPct val="102200"/>
+                        </a:lnSpc>
+                      </a:pPr>
                       <a:r>
-                        <a:rPr lang="en-US" sz="900" b="0" i="0" u="none" strike="noStrike" dirty="0">
+                        <a:rPr lang="it-IT" sz="900" dirty="0">
                           <a:solidFill>
                             <a:srgbClr val="020302"/>
                           </a:solidFill>
-                          <a:effectLst/>
-                          <a:latin typeface="AdobeClean-Light" panose="020B0503020404020204" pitchFamily="34" charset="0"/>
+                          <a:latin typeface="AdobeClean-Light"/>
+                          <a:cs typeface="AdobeClean-Light"/>
                         </a:rPr>
-                        <a:t>Business days / 3 days</a:t>
+                        <a:t>Giorni lavorativi /        3 giorni</a:t>
                       </a:r>
                     </a:p>
                   </a:txBody>
-                  <a:tcPr marL="9525" marR="9525" marT="9525" marB="0" anchor="ctr">
+                  <a:tcPr marL="0" marR="0" marT="0" marB="0" anchor="ctr">
                     <a:lnL w="6350">
                       <a:solidFill>
                         <a:srgbClr val="B7B8B8"/>
                       </a:solidFill>
                       <a:prstDash val="solid"/>
                     </a:lnL>
-                    <a:lnR w="6350" cap="flat" cmpd="sng" algn="ctr">
+                    <a:lnR w="6350">
                       <a:solidFill>
                         <a:srgbClr val="B7B8B8"/>
                       </a:solidFill>
                       <a:prstDash val="solid"/>
-                      <a:round/>
-                      <a:headEnd type="none" w="med" len="med"/>
-                      <a:tailEnd type="none" w="med" len="med"/>
                     </a:lnR>
                     <a:lnT w="6350">
                       <a:solidFill>
@@ -4653,28 +3627,29 @@
                     <a:bodyPr/>
                     <a:lstStyle/>
                     <a:p>
-                      <a:pPr algn="ctr" fontAlgn="ctr"/>
+                      <a:pPr marL="173038" marR="343535" indent="0" algn="ctr">
+                        <a:lnSpc>
+                          <a:spcPct val="102200"/>
+                        </a:lnSpc>
+                      </a:pPr>
                       <a:r>
-                        <a:rPr lang="en-US" sz="900" b="0" i="0" u="none" strike="noStrike" dirty="0">
+                        <a:rPr lang="it-IT" sz="900" dirty="0">
                           <a:solidFill>
                             <a:srgbClr val="020302"/>
                           </a:solidFill>
-                          <a:effectLst/>
-                          <a:latin typeface="AdobeClean-Light" panose="020B0503020404020204" pitchFamily="34" charset="0"/>
+                          <a:latin typeface="AdobeClean-Light"/>
+                          <a:cs typeface="AdobeClean-Light"/>
                         </a:rPr>
-                        <a:t>Business days / 1 day</a:t>
+                        <a:t>Giorni lavorativi / 1 giorno</a:t>
                       </a:r>
                     </a:p>
                   </a:txBody>
-                  <a:tcPr marL="9525" marR="9525" marT="9525" marB="0" anchor="ctr">
-                    <a:lnL w="6350" cap="flat" cmpd="sng" algn="ctr">
+                  <a:tcPr marL="0" marR="0" marT="0" marB="0" anchor="ctr">
+                    <a:lnL w="6350">
                       <a:solidFill>
                         <a:srgbClr val="B7B8B8"/>
                       </a:solidFill>
                       <a:prstDash val="solid"/>
-                      <a:round/>
-                      <a:headEnd type="none" w="med" len="med"/>
-                      <a:tailEnd type="none" w="med" len="med"/>
                     </a:lnL>
                     <a:lnR w="6350" cap="flat" cmpd="sng" algn="ctr">
                       <a:solidFill>
@@ -4770,40 +3745,8 @@
               </a:spcBef>
             </a:pPr>
             <a:r>
-              <a:rPr spc="-10"/>
-              <a:t>©202</a:t>
-            </a:r>
-            <a:r>
-              <a:rPr lang="en-US" spc="-10"/>
-              <a:t>1</a:t>
-            </a:r>
-            <a:r>
-              <a:rPr spc="-5"/>
-              <a:t> Adobe. All</a:t>
-            </a:r>
-            <a:r>
-              <a:rPr spc="-10"/>
-              <a:t> Rights</a:t>
-            </a:r>
-            <a:r>
-              <a:rPr spc="-5"/>
-              <a:t> </a:t>
-            </a:r>
-            <a:r>
-              <a:rPr spc="-10"/>
-              <a:t>Reserved.</a:t>
-            </a:r>
-            <a:r>
-              <a:rPr spc="-5"/>
-              <a:t> Adobe</a:t>
-            </a:r>
-            <a:r>
-              <a:rPr spc="60"/>
-              <a:t> </a:t>
-            </a:r>
-            <a:r>
-              <a:rPr spc="-10"/>
-              <a:t>Confidential.</a:t>
+              <a:rPr lang="it-IT"/>
+              <a:t>©2021 Adobe. All Rights Reserved. Adobe Confidential.</a:t>
             </a:r>
           </a:p>
         </p:txBody>
@@ -4837,7 +3780,7 @@
           <a:lstStyle/>
           <a:p>
             <a:r>
-              <a:rPr lang="en-US" sz="700" i="1">
+              <a:rPr lang="it-IT" sz="700" i="1">
                 <a:solidFill>
                   <a:schemeClr val="bg1"/>
                 </a:solidFill>
@@ -4883,7 +3826,7 @@
               </a:spcBef>
             </a:pPr>
             <a:r>
-              <a:rPr lang="en-US" sz="1200" dirty="0">
+              <a:rPr lang="it-IT" sz="1200">
                 <a:solidFill>
                   <a:schemeClr val="bg1"/>
                 </a:solidFill>
@@ -4892,7 +3835,7 @@
               <a:t>Online | Business |</a:t>
             </a:r>
             <a:r>
-              <a:rPr lang="en-US" sz="1200" b="1" dirty="0">
+              <a:rPr lang="it-IT" sz="1200" b="1">
                 <a:solidFill>
                   <a:schemeClr val="bg1"/>
                 </a:solidFill>
@@ -4901,7 +3844,7 @@
               <a:t> </a:t>
             </a:r>
             <a:r>
-              <a:rPr lang="en-US" sz="1200" b="1" dirty="0">
+              <a:rPr lang="it-IT" sz="1200" b="1">
                 <a:solidFill>
                   <a:schemeClr val="bg1"/>
                 </a:solidFill>
@@ -4909,7 +3852,7 @@
               <a:t>Enterprise</a:t>
             </a:r>
             <a:r>
-              <a:rPr lang="en-US" sz="1200" b="1" dirty="0">
+              <a:rPr lang="it-IT" sz="1200" b="1">
                 <a:solidFill>
                   <a:schemeClr val="bg1"/>
                 </a:solidFill>
@@ -4918,7 +3861,7 @@
               <a:t> </a:t>
             </a:r>
             <a:r>
-              <a:rPr lang="en-US" sz="1200" dirty="0">
+              <a:rPr lang="it-IT" sz="1200">
                 <a:solidFill>
                   <a:schemeClr val="bg1"/>
                 </a:solidFill>
@@ -4927,7 +3870,7 @@
               <a:t>| Elite</a:t>
             </a:r>
             <a:br>
-              <a:rPr lang="en-US" sz="900" dirty="0">
+              <a:rPr lang="it-IT" sz="900">
                 <a:solidFill>
                   <a:schemeClr val="bg1"/>
                 </a:solidFill>
@@ -4935,21 +3878,22 @@
               </a:rPr>
             </a:br>
             <a:r>
-              <a:rPr lang="en-US" sz="900" dirty="0">
+              <a:rPr lang="it-IT" sz="900">
+                <a:solidFill>
+                  <a:schemeClr val="bg1"/>
+                </a:solidFill>
+              </a:rPr>
+              <a:t>Il supporto </a:t>
+            </a:r>
+            <a:r>
+              <a:rPr lang="it-IT" sz="900">
                 <a:solidFill>
                   <a:schemeClr val="bg1"/>
                 </a:solidFill>
                 <a:latin typeface="Adobe Clean SemiLight" panose="020B0403020404020204" pitchFamily="34" charset="0"/>
               </a:rPr>
-              <a:t>ENTERPRISE support includes access to personalized learning paths and monitored community forums via the Adobe Experience League. You can also take advantage of our detailed and in-depth technical product documentation and current release notes. ENTERPRISE customers will also be provided with a Named Support Engineer who acts as your designated technical contact in the Adobe Support Team. With deep experience in your designated Experience Cloud solution, your support team will work in partnership with you and your technical teams to ensure timely resolution of all support requests. Your support team can also help coordinate and arrange delivery of the additional ENTERPRISE benefits ensuring minimal disruption to your business at the most critical time. </a:t>
-            </a:r>
-            <a:endParaRPr lang="en-US" sz="900" dirty="0">
-              <a:solidFill>
-                <a:schemeClr val="bg1"/>
-              </a:solidFill>
-              <a:latin typeface="Adobe Clean Light" panose="020B0303020404020204" pitchFamily="34" charset="0"/>
-              <a:cs typeface="AdobeClean-Light"/>
-            </a:endParaRPr>
+              <a:t>ENTERPRISE include l’accesso a percorsi di apprendimento personalizzati e forum della community monitorati tramite Adobe Experience League. Puoi inoltre usufruire di documentazione tecnica dettagliata e note sulla versione sempre aggiornate. Ai clienti ENTERPRISE viene assegnato un Named Support Engineer che sarà il tuo contatto tecnico di riferimento all’interno del team Adobe Support. Conoscendo a fondo le tue specifiche soluzioni Experience Cloud, il team Adobe Support affiancherà i tuoi team tecnici per garantire la rapida risoluzione di tutte le richieste di supporto. Inoltre, può assistere nel coordinare l’erogazione di ulteriori benefici ENTERPRISE, riducendo al minimo il disagio nei momenti più critici. </a:t>
+            </a:r>
           </a:p>
         </p:txBody>
       </p:sp>
@@ -4968,14 +3912,14 @@
           <p:nvPr>
             <p:extLst>
               <p:ext uri="{D42A27DB-BD31-4B8C-83A1-F6EECF244321}">
-                <p14:modId xmlns:p14="http://schemas.microsoft.com/office/powerpoint/2010/main" val="2813555721"/>
+                <p14:modId xmlns:p14="http://schemas.microsoft.com/office/powerpoint/2010/main" val="2304197327"/>
               </p:ext>
             </p:extLst>
           </p:nvPr>
         </p:nvGraphicFramePr>
         <p:xfrm>
           <a:off x="125148" y="2159576"/>
-          <a:ext cx="7498851" cy="4675190"/>
+          <a:ext cx="7498851" cy="4776202"/>
         </p:xfrm>
         <a:graphic>
           <a:graphicData uri="http://schemas.openxmlformats.org/drawingml/2006/table">
@@ -5057,19 +4001,15 @@
                         <a:defRPr/>
                       </a:pPr>
                       <a:r>
-                        <a:rPr lang="en-US" sz="900" spc="0">
+                        <a:rPr lang="it-IT" sz="900">
                           <a:solidFill>
                             <a:srgbClr val="404040"/>
                           </a:solidFill>
                           <a:latin typeface="Adobe Clean"/>
                           <a:cs typeface="Adobe Clean"/>
                         </a:rPr>
-                        <a:t>Online  Support</a:t>
+                        <a:t>Supporto Online</a:t>
                       </a:r>
-                      <a:endParaRPr lang="en-US" sz="900" spc="0">
-                        <a:latin typeface="Adobe Clean"/>
-                        <a:cs typeface="Adobe Clean"/>
-                      </a:endParaRPr>
                     </a:p>
                   </a:txBody>
                   <a:tcPr marL="0" marR="0" marT="7620" marB="0" anchor="ctr">
@@ -5110,29 +4050,15 @@
                         </a:spcBef>
                       </a:pPr>
                       <a:r>
-                        <a:rPr lang="en-US" sz="900" spc="0">
+                        <a:rPr lang="it-IT" sz="900">
                           <a:solidFill>
                             <a:srgbClr val="FFFFFF"/>
                           </a:solidFill>
                           <a:latin typeface="Adobe Clean"/>
                           <a:cs typeface="Adobe Clean"/>
                         </a:rPr>
-                        <a:t>Enterprise </a:t>
+                        <a:t>Supporto Enterprise</a:t>
                       </a:r>
-                      <a:r>
-                        <a:rPr sz="900" spc="0">
-                          <a:solidFill>
-                            <a:srgbClr val="FFFFFF"/>
-                          </a:solidFill>
-                          <a:latin typeface="Adobe Clean"/>
-                          <a:cs typeface="Adobe Clean"/>
-                        </a:rPr>
-                        <a:t>Support</a:t>
-                      </a:r>
-                      <a:endParaRPr sz="900" spc="0">
-                        <a:latin typeface="Adobe Clean"/>
-                        <a:cs typeface="Adobe Clean"/>
-                      </a:endParaRPr>
                     </a:p>
                   </a:txBody>
                   <a:tcPr marL="0" marR="0" marT="7620" marB="0" anchor="ctr">
@@ -5200,7 +4126,7 @@
                     <a:bodyPr/>
                     <a:lstStyle/>
                     <a:p>
-                      <a:pPr marL="0" marR="0" lvl="0" indent="0" algn="ctr" defTabSz="914400" eaLnBrk="1" fontAlgn="auto" latinLnBrk="0" hangingPunct="1">
+                      <a:pPr marL="0" marR="0" lvl="0" indent="0" algn="l" defTabSz="914400" rtl="0" eaLnBrk="1" fontAlgn="auto" latinLnBrk="0" hangingPunct="1">
                         <a:lnSpc>
                           <a:spcPct val="100000"/>
                         </a:lnSpc>
@@ -5281,13 +4207,13 @@
                         <a:defRPr/>
                       </a:pPr>
                       <a:r>
-                        <a:rPr lang="en-US" sz="800" i="1">
+                        <a:rPr lang="it-IT" sz="800" i="1">
                           <a:solidFill>
                             <a:schemeClr val="bg1"/>
                           </a:solidFill>
                           <a:latin typeface="Adobe Clean Light" panose="020B0303020404020204" pitchFamily="34" charset="0"/>
                         </a:rPr>
-                        <a:t>Paid Support ($)</a:t>
+                        <a:t>Supporto a pagamento ($)</a:t>
                       </a:r>
                     </a:p>
                   </a:txBody>
@@ -5351,22 +4277,15 @@
                         </a:spcBef>
                       </a:pPr>
                       <a:r>
-                        <a:rPr lang="en-US" sz="1000" b="1" i="0" spc="0">
+                        <a:rPr lang="it-IT" sz="1000" b="1" i="0">
                           <a:solidFill>
                             <a:schemeClr val="bg1"/>
                           </a:solidFill>
                           <a:latin typeface="Adobe Clean" panose="020B0503020404020204" pitchFamily="34" charset="0"/>
                           <a:cs typeface="AdobeClean-Light"/>
                         </a:rPr>
-                        <a:t>Assigned Experts</a:t>
+                        <a:t>Esperti assegnati</a:t>
                       </a:r>
-                      <a:endParaRPr sz="1000" b="1" i="0" spc="0">
-                        <a:solidFill>
-                          <a:schemeClr val="bg1"/>
-                        </a:solidFill>
-                        <a:latin typeface="Adobe Clean" panose="020B0503020404020204" pitchFamily="34" charset="0"/>
-                        <a:cs typeface="AdobeClean-Light"/>
-                      </a:endParaRPr>
                     </a:p>
                   </a:txBody>
                   <a:tcPr marL="0" marR="0" marT="58419" marB="0" anchor="ctr">
@@ -5413,7 +4332,7 @@
                         </a:spcBef>
                       </a:pPr>
                       <a:r>
-                        <a:rPr sz="900" spc="0">
+                        <a:rPr lang="it-IT" sz="900">
                           <a:solidFill>
                             <a:srgbClr val="020302"/>
                           </a:solidFill>
@@ -5422,10 +4341,6 @@
                         </a:rPr>
                         <a:t>Account Support Lead</a:t>
                       </a:r>
-                      <a:endParaRPr sz="900" spc="0">
-                        <a:latin typeface="AdobeClean-Light"/>
-                        <a:cs typeface="AdobeClean-Light"/>
-                      </a:endParaRPr>
                     </a:p>
                   </a:txBody>
                   <a:tcPr marL="0" marR="0" marT="58419" marB="0">
@@ -5460,7 +4375,7 @@
                     <a:bodyPr/>
                     <a:lstStyle/>
                     <a:p>
-                      <a:pPr algn="ctr">
+                      <a:pPr algn="l" rtl="0">
                         <a:lnSpc>
                           <a:spcPct val="100000"/>
                         </a:lnSpc>
@@ -5501,7 +4416,7 @@
                     <a:bodyPr/>
                     <a:lstStyle/>
                     <a:p>
-                      <a:pPr algn="ctr">
+                      <a:pPr algn="l" rtl="0">
                         <a:lnSpc>
                           <a:spcPct val="100000"/>
                         </a:lnSpc>
@@ -5544,7 +4459,7 @@
                     <a:bodyPr/>
                     <a:lstStyle/>
                     <a:p>
-                      <a:pPr marL="50800">
+                      <a:pPr marL="50800" algn="l" rtl="0">
                         <a:lnSpc>
                           <a:spcPct val="100000"/>
                         </a:lnSpc>
@@ -5590,7 +4505,7 @@
                         </a:spcBef>
                       </a:pPr>
                       <a:r>
-                        <a:rPr sz="900" spc="0">
+                        <a:rPr lang="it-IT" sz="900">
                           <a:solidFill>
                             <a:srgbClr val="020302"/>
                           </a:solidFill>
@@ -5599,10 +4514,6 @@
                         </a:rPr>
                         <a:t>Named Support Engineer</a:t>
                       </a:r>
-                      <a:endParaRPr sz="900" spc="0">
-                        <a:latin typeface="AdobeClean-Light"/>
-                        <a:cs typeface="AdobeClean-Light"/>
-                      </a:endParaRPr>
                     </a:p>
                   </a:txBody>
                   <a:tcPr marL="0" marR="0" marT="58419" marB="0">
@@ -5625,7 +4536,7 @@
                     <a:bodyPr/>
                     <a:lstStyle/>
                     <a:p>
-                      <a:pPr algn="ctr">
+                      <a:pPr algn="l" rtl="0">
                         <a:lnSpc>
                           <a:spcPct val="100000"/>
                         </a:lnSpc>
@@ -5672,7 +4583,7 @@
                         <a:defRPr/>
                       </a:pPr>
                       <a:r>
-                        <a:rPr lang="en-US" sz="900">
+                        <a:rPr lang="it-IT" sz="900">
                           <a:solidFill>
                             <a:srgbClr val="020302"/>
                           </a:solidFill>
@@ -5681,10 +4592,6 @@
                         </a:rPr>
                         <a:t></a:t>
                       </a:r>
-                      <a:endParaRPr lang="en-US" sz="900">
-                        <a:latin typeface="Wingdings"/>
-                        <a:cs typeface="Wingdings"/>
-                      </a:endParaRPr>
                     </a:p>
                   </a:txBody>
                   <a:tcPr marL="0" marR="0" marT="0" marB="0" anchor="ctr">
@@ -5707,7 +4614,7 @@
                     <a:bodyPr/>
                     <a:lstStyle/>
                     <a:p>
-                      <a:pPr marL="50800">
+                      <a:pPr marL="50800" algn="l" rtl="0">
                         <a:lnSpc>
                           <a:spcPct val="100000"/>
                         </a:lnSpc>
@@ -5765,7 +4672,7 @@
                         </a:spcBef>
                       </a:pPr>
                       <a:r>
-                        <a:rPr sz="900" spc="0">
+                        <a:rPr lang="it-IT" sz="900">
                           <a:solidFill>
                             <a:srgbClr val="020302"/>
                           </a:solidFill>
@@ -5774,10 +4681,6 @@
                         </a:rPr>
                         <a:t>Technical Account Manager</a:t>
                       </a:r>
-                      <a:endParaRPr sz="900" spc="0">
-                        <a:latin typeface="AdobeClean-Light"/>
-                        <a:cs typeface="AdobeClean-Light"/>
-                      </a:endParaRPr>
                     </a:p>
                   </a:txBody>
                   <a:tcPr marL="0" marR="0" marT="63500" marB="0">
@@ -5806,7 +4709,7 @@
                     <a:bodyPr/>
                     <a:lstStyle/>
                     <a:p>
-                      <a:pPr algn="ctr">
+                      <a:pPr algn="l" rtl="0">
                         <a:lnSpc>
                           <a:spcPct val="100000"/>
                         </a:lnSpc>
@@ -5844,7 +4747,7 @@
                     <a:bodyPr/>
                     <a:lstStyle/>
                     <a:p>
-                      <a:pPr algn="ctr">
+                      <a:pPr algn="l" rtl="0">
                         <a:lnSpc>
                           <a:spcPct val="100000"/>
                         </a:lnSpc>
@@ -5895,22 +4798,15 @@
                         </a:spcBef>
                       </a:pPr>
                       <a:r>
-                        <a:rPr lang="en-US" sz="1000" b="1" i="0" spc="0">
+                        <a:rPr lang="it-IT" sz="1000" b="1" i="0">
                           <a:solidFill>
                             <a:schemeClr val="bg1"/>
                           </a:solidFill>
                           <a:latin typeface="Adobe Clean" panose="020B0503020404020204" pitchFamily="34" charset="0"/>
                           <a:cs typeface="AdobeClean-Light"/>
                         </a:rPr>
-                        <a:t>Support Services</a:t>
+                        <a:t>Servizi di assistenza</a:t>
                       </a:r>
-                      <a:endParaRPr sz="1000" b="1" i="0" spc="0">
-                        <a:solidFill>
-                          <a:schemeClr val="bg1"/>
-                        </a:solidFill>
-                        <a:latin typeface="Adobe Clean" panose="020B0503020404020204" pitchFamily="34" charset="0"/>
-                        <a:cs typeface="AdobeClean-Light"/>
-                      </a:endParaRPr>
                     </a:p>
                   </a:txBody>
                   <a:tcPr marL="0" marR="0" marT="57150" marB="0" anchor="ctr">
@@ -5966,29 +4862,15 @@
                         </a:spcBef>
                       </a:pPr>
                       <a:r>
-                        <a:rPr lang="en-US" sz="900" spc="0">
+                        <a:rPr lang="it-IT" sz="900">
                           <a:solidFill>
                             <a:srgbClr val="020302"/>
                           </a:solidFill>
                           <a:latin typeface="AdobeClean-Light"/>
                           <a:cs typeface="AdobeClean-Light"/>
                         </a:rPr>
-                        <a:t>Online</a:t>
+                        <a:t>Supporto Online</a:t>
                       </a:r>
-                      <a:r>
-                        <a:rPr sz="900" spc="0">
-                          <a:solidFill>
-                            <a:srgbClr val="020302"/>
-                          </a:solidFill>
-                          <a:latin typeface="AdobeClean-Light"/>
-                          <a:cs typeface="AdobeClean-Light"/>
-                        </a:rPr>
-                        <a:t> Support</a:t>
-                      </a:r>
-                      <a:endParaRPr sz="900" spc="0">
-                        <a:latin typeface="AdobeClean-Light"/>
-                        <a:cs typeface="AdobeClean-Light"/>
-                      </a:endParaRPr>
                     </a:p>
                   </a:txBody>
                   <a:tcPr marL="0" marR="0" marT="57150" marB="0">
@@ -6026,39 +4908,15 @@
                         </a:spcBef>
                       </a:pPr>
                       <a:r>
-                        <a:rPr sz="900" spc="-25">
+                        <a:rPr lang="it-IT" sz="900">
                           <a:solidFill>
                             <a:srgbClr val="020302"/>
                           </a:solidFill>
                           <a:latin typeface="AdobeClean-Light"/>
                           <a:cs typeface="AdobeClean-Light"/>
                         </a:rPr>
-                        <a:t>Business</a:t>
+                        <a:t>Orario operativo</a:t>
                       </a:r>
-                      <a:r>
-                        <a:rPr sz="900" spc="-15">
-                          <a:solidFill>
-                            <a:srgbClr val="020302"/>
-                          </a:solidFill>
-                          <a:latin typeface="AdobeClean-Light"/>
-                          <a:cs typeface="AdobeClean-Light"/>
-                        </a:rPr>
-                        <a:t> </a:t>
-                      </a:r>
-                      <a:r>
-                        <a:rPr sz="900" spc="-30">
-                          <a:solidFill>
-                            <a:srgbClr val="020302"/>
-                          </a:solidFill>
-                          <a:latin typeface="AdobeClean-Light"/>
-                          <a:cs typeface="AdobeClean-Light"/>
-                        </a:rPr>
-                        <a:t>hours</a:t>
-                      </a:r>
-                      <a:endParaRPr sz="900">
-                        <a:latin typeface="AdobeClean-Light"/>
-                        <a:cs typeface="AdobeClean-Light"/>
-                      </a:endParaRPr>
                     </a:p>
                   </a:txBody>
                   <a:tcPr marL="0" marR="0" marT="67945" marB="0">
@@ -6097,7 +4955,7 @@
                         </a:spcBef>
                       </a:pPr>
                       <a:r>
-                        <a:rPr lang="en-US" sz="900" spc="-25">
+                        <a:rPr lang="it-IT" sz="900">
                           <a:solidFill>
                             <a:srgbClr val="020302"/>
                           </a:solidFill>
@@ -6106,10 +4964,6 @@
                         </a:rPr>
                         <a:t>24x5</a:t>
                       </a:r>
-                      <a:endParaRPr sz="900">
-                        <a:latin typeface="AdobeClean-Light"/>
-                        <a:cs typeface="AdobeClean-Light"/>
-                      </a:endParaRPr>
                     </a:p>
                   </a:txBody>
                   <a:tcPr marL="0" marR="0" marT="67945" marB="0">
@@ -6143,7 +4997,7 @@
                     <a:bodyPr/>
                     <a:lstStyle/>
                     <a:p>
-                      <a:pPr marL="50800">
+                      <a:pPr marL="50800" algn="l" rtl="0">
                         <a:lnSpc>
                           <a:spcPct val="100000"/>
                         </a:lnSpc>
@@ -6192,39 +5046,15 @@
                         </a:spcBef>
                       </a:pPr>
                       <a:r>
-                        <a:rPr sz="900" spc="0">
+                        <a:rPr lang="it-IT" sz="900">
                           <a:solidFill>
                             <a:srgbClr val="020302"/>
                           </a:solidFill>
                           <a:latin typeface="AdobeClean-Light"/>
                           <a:cs typeface="AdobeClean-Light"/>
                         </a:rPr>
-                        <a:t>24x7</a:t>
+                        <a:t>Supporto per problemi P1 24x7x365</a:t>
                       </a:r>
-                      <a:r>
-                        <a:rPr lang="en-US" sz="900" spc="0">
-                          <a:solidFill>
-                            <a:srgbClr val="020302"/>
-                          </a:solidFill>
-                          <a:latin typeface="AdobeClean-Light"/>
-                          <a:cs typeface="AdobeClean-Light"/>
-                        </a:rPr>
-                        <a:t>x365</a:t>
-                      </a:r>
-                      <a:r>
-                        <a:rPr sz="900" spc="0">
-                          <a:solidFill>
-                            <a:srgbClr val="020302"/>
-                          </a:solidFill>
-                          <a:latin typeface="AdobeClean-Light"/>
-                          <a:cs typeface="AdobeClean-Light"/>
-                        </a:rPr>
-                        <a:t> P1 Issue Support</a:t>
-                      </a:r>
-                      <a:endParaRPr sz="900" spc="0">
-                        <a:latin typeface="AdobeClean-Light"/>
-                        <a:cs typeface="AdobeClean-Light"/>
-                      </a:endParaRPr>
                     </a:p>
                   </a:txBody>
                   <a:tcPr marL="0" marR="0" marT="57785" marB="0">
@@ -6256,7 +5086,7 @@
                         </a:spcBef>
                       </a:pPr>
                       <a:r>
-                        <a:rPr sz="900">
+                        <a:rPr lang="it-IT" sz="900">
                           <a:solidFill>
                             <a:srgbClr val="020302"/>
                           </a:solidFill>
@@ -6265,10 +5095,6 @@
                         </a:rPr>
                         <a:t></a:t>
                       </a:r>
-                      <a:endParaRPr sz="900">
-                        <a:latin typeface="Wingdings"/>
-                        <a:cs typeface="Wingdings"/>
-                      </a:endParaRPr>
                     </a:p>
                   </a:txBody>
                   <a:tcPr marL="0" marR="0" marT="58419" marB="0">
@@ -6298,7 +5124,7 @@
                         </a:spcBef>
                       </a:pPr>
                       <a:r>
-                        <a:rPr sz="900">
+                        <a:rPr lang="it-IT" sz="900">
                           <a:solidFill>
                             <a:srgbClr val="020302"/>
                           </a:solidFill>
@@ -6307,10 +5133,6 @@
                         </a:rPr>
                         <a:t></a:t>
                       </a:r>
-                      <a:endParaRPr sz="900">
-                        <a:latin typeface="Wingdings"/>
-                        <a:cs typeface="Wingdings"/>
-                      </a:endParaRPr>
                     </a:p>
                   </a:txBody>
                   <a:tcPr marL="0" marR="0" marT="58419" marB="0">
@@ -6333,7 +5155,7 @@
                     <a:bodyPr/>
                     <a:lstStyle/>
                     <a:p>
-                      <a:pPr marL="50800">
+                      <a:pPr marL="50800" algn="l" rtl="0">
                         <a:lnSpc>
                           <a:spcPct val="100000"/>
                         </a:lnSpc>
@@ -6391,19 +5213,15 @@
                         </a:spcBef>
                       </a:pPr>
                       <a:r>
-                        <a:rPr lang="en-US" sz="900" spc="0">
+                        <a:rPr lang="it-IT" sz="900">
                           <a:solidFill>
                             <a:srgbClr val="020302"/>
                           </a:solidFill>
                           <a:latin typeface="AdobeClean-Light"/>
                           <a:cs typeface="AdobeClean-Light"/>
                         </a:rPr>
-                        <a:t>Named Support Contacts (per product)</a:t>
+                        <a:t>Contatti interni per il supporto (per prodotto)</a:t>
                       </a:r>
-                      <a:endParaRPr sz="900" spc="0">
-                        <a:latin typeface="AdobeClean-Light"/>
-                        <a:cs typeface="AdobeClean-Light"/>
-                      </a:endParaRPr>
                     </a:p>
                   </a:txBody>
                   <a:tcPr marL="0" marR="0" marT="57785" marB="0">
@@ -6441,7 +5259,7 @@
                         </a:spcBef>
                       </a:pPr>
                       <a:r>
-                        <a:rPr sz="900">
+                        <a:rPr lang="it-IT" sz="900">
                           <a:solidFill>
                             <a:srgbClr val="020302"/>
                           </a:solidFill>
@@ -6450,10 +5268,6 @@
                         </a:rPr>
                         <a:t>4</a:t>
                       </a:r>
-                      <a:endParaRPr sz="900">
-                        <a:latin typeface="AdobeClean-Light"/>
-                        <a:cs typeface="AdobeClean-Light"/>
-                      </a:endParaRPr>
                     </a:p>
                   </a:txBody>
                   <a:tcPr marL="0" marR="0" marT="57785" marB="0">
@@ -6483,7 +5297,7 @@
                         </a:spcBef>
                       </a:pPr>
                       <a:r>
-                        <a:rPr lang="en-US" sz="900">
+                        <a:rPr lang="it-IT" sz="900">
                           <a:solidFill>
                             <a:srgbClr val="020302"/>
                           </a:solidFill>
@@ -6492,10 +5306,6 @@
                         </a:rPr>
                         <a:t>10</a:t>
                       </a:r>
-                      <a:endParaRPr sz="900">
-                        <a:latin typeface="AdobeClean-Light"/>
-                        <a:cs typeface="AdobeClean-Light"/>
-                      </a:endParaRPr>
                     </a:p>
                   </a:txBody>
                   <a:tcPr marL="0" marR="0" marT="57785" marB="0">
@@ -6518,7 +5328,7 @@
                     <a:bodyPr/>
                     <a:lstStyle/>
                     <a:p>
-                      <a:pPr marL="50800">
+                      <a:pPr marL="50800" algn="l" rtl="0">
                         <a:lnSpc>
                           <a:spcPct val="100000"/>
                         </a:lnSpc>
@@ -6567,19 +5377,15 @@
                         </a:spcBef>
                       </a:pPr>
                       <a:r>
-                        <a:rPr lang="en-US" sz="900" spc="0">
+                        <a:rPr lang="it-IT" sz="900">
                           <a:solidFill>
                             <a:srgbClr val="020302"/>
                           </a:solidFill>
                           <a:latin typeface="AdobeClean-Light"/>
                           <a:cs typeface="AdobeClean-Light"/>
                         </a:rPr>
-                        <a:t>Live Telephone Support</a:t>
+                        <a:t>Supporto telefonico in diretta</a:t>
                       </a:r>
-                      <a:endParaRPr sz="900" spc="0">
-                        <a:latin typeface="AdobeClean-Light"/>
-                        <a:cs typeface="AdobeClean-Light"/>
-                      </a:endParaRPr>
                     </a:p>
                   </a:txBody>
                   <a:tcPr marL="0" marR="0" marT="57785" marB="0">
@@ -6602,7 +5408,7 @@
                     <a:bodyPr/>
                     <a:lstStyle/>
                     <a:p>
-                      <a:pPr algn="ctr">
+                      <a:pPr algn="l" rtl="0">
                         <a:lnSpc>
                           <a:spcPct val="100000"/>
                         </a:lnSpc>
@@ -6643,7 +5449,7 @@
                         </a:spcBef>
                       </a:pPr>
                       <a:r>
-                        <a:rPr sz="900">
+                        <a:rPr lang="it-IT" sz="900">
                           <a:solidFill>
                             <a:srgbClr val="020302"/>
                           </a:solidFill>
@@ -6652,10 +5458,6 @@
                         </a:rPr>
                         <a:t></a:t>
                       </a:r>
-                      <a:endParaRPr sz="900">
-                        <a:latin typeface="Wingdings"/>
-                        <a:cs typeface="Wingdings"/>
-                      </a:endParaRPr>
                     </a:p>
                   </a:txBody>
                   <a:tcPr marL="0" marR="0" marT="59054" marB="0">
@@ -6678,7 +5480,7 @@
                     <a:bodyPr/>
                     <a:lstStyle/>
                     <a:p>
-                      <a:pPr marL="50800">
+                      <a:pPr marL="50800" algn="l" rtl="0">
                         <a:lnSpc>
                           <a:spcPct val="100000"/>
                         </a:lnSpc>
@@ -6727,19 +5529,15 @@
                         </a:spcBef>
                       </a:pPr>
                       <a:r>
-                        <a:rPr sz="900" spc="0">
+                        <a:rPr lang="it-IT" sz="900" dirty="0">
                           <a:solidFill>
                             <a:srgbClr val="020302"/>
                           </a:solidFill>
                           <a:latin typeface="AdobeClean-Light"/>
                           <a:cs typeface="AdobeClean-Light"/>
                         </a:rPr>
-                        <a:t>Escalation Management</a:t>
+                        <a:t>Gestione delle escalation</a:t>
                       </a:r>
-                      <a:endParaRPr sz="900" spc="0">
-                        <a:latin typeface="AdobeClean-Light"/>
-                        <a:cs typeface="AdobeClean-Light"/>
-                      </a:endParaRPr>
                     </a:p>
                   </a:txBody>
                   <a:tcPr marL="0" marR="0" marT="58419" marB="0">
@@ -6762,7 +5560,7 @@
                     <a:bodyPr/>
                     <a:lstStyle/>
                     <a:p>
-                      <a:pPr algn="ctr">
+                      <a:pPr algn="l" rtl="0">
                         <a:lnSpc>
                           <a:spcPct val="100000"/>
                         </a:lnSpc>
@@ -6803,7 +5601,7 @@
                         </a:spcBef>
                       </a:pPr>
                       <a:r>
-                        <a:rPr sz="900">
+                        <a:rPr lang="it-IT" sz="900">
                           <a:solidFill>
                             <a:srgbClr val="020302"/>
                           </a:solidFill>
@@ -6812,10 +5610,6 @@
                         </a:rPr>
                         <a:t></a:t>
                       </a:r>
-                      <a:endParaRPr sz="900">
-                        <a:latin typeface="Wingdings"/>
-                        <a:cs typeface="Wingdings"/>
-                      </a:endParaRPr>
                     </a:p>
                   </a:txBody>
                   <a:tcPr marL="0" marR="0" marT="59690" marB="0">
@@ -6838,7 +5632,7 @@
                     <a:bodyPr/>
                     <a:lstStyle/>
                     <a:p>
-                      <a:pPr marL="50800">
+                      <a:pPr marL="50800" algn="l" rtl="0">
                         <a:lnSpc>
                           <a:spcPct val="100000"/>
                         </a:lnSpc>
@@ -6887,29 +5681,15 @@
                         </a:spcBef>
                       </a:pPr>
                       <a:r>
-                        <a:rPr sz="900" spc="0">
+                        <a:rPr lang="it-IT" sz="900">
                           <a:solidFill>
                             <a:srgbClr val="020302"/>
                           </a:solidFill>
                           <a:latin typeface="AdobeClean-Light"/>
                           <a:cs typeface="AdobeClean-Light"/>
                         </a:rPr>
-                        <a:t>Service Reviews </a:t>
+                        <a:t>Valutazioni dei servizi all’anno</a:t>
                       </a:r>
-                      <a:r>
-                        <a:rPr lang="en-US" sz="900" spc="0">
-                          <a:solidFill>
-                            <a:srgbClr val="020302"/>
-                          </a:solidFill>
-                          <a:latin typeface="AdobeClean-Light"/>
-                          <a:cs typeface="AdobeClean-Light"/>
-                        </a:rPr>
-                        <a:t>per Year</a:t>
-                      </a:r>
-                      <a:endParaRPr sz="900" spc="0">
-                        <a:latin typeface="AdobeClean-Light"/>
-                        <a:cs typeface="AdobeClean-Light"/>
-                      </a:endParaRPr>
                     </a:p>
                   </a:txBody>
                   <a:tcPr marL="0" marR="0" marT="57150" marB="0">
@@ -6932,7 +5712,7 @@
                     <a:bodyPr/>
                     <a:lstStyle/>
                     <a:p>
-                      <a:pPr>
+                      <a:pPr algn="l" rtl="0">
                         <a:lnSpc>
                           <a:spcPct val="100000"/>
                         </a:lnSpc>
@@ -6967,16 +5747,12 @@
                         </a:lnSpc>
                       </a:pPr>
                       <a:r>
-                        <a:rPr lang="en-US" sz="900">
+                        <a:rPr lang="it-IT" sz="900">
                           <a:latin typeface="Times New Roman"/>
                           <a:cs typeface="Times New Roman"/>
                         </a:rPr>
                         <a:t>2</a:t>
                       </a:r>
-                      <a:endParaRPr sz="900">
-                        <a:latin typeface="Times New Roman"/>
-                        <a:cs typeface="Times New Roman"/>
-                      </a:endParaRPr>
                     </a:p>
                   </a:txBody>
                   <a:tcPr marL="0" marR="0" marT="0" marB="0">
@@ -7018,16 +5794,12 @@
                         </a:spcBef>
                       </a:pPr>
                       <a:r>
-                        <a:rPr lang="en-US" sz="900" spc="0">
+                        <a:rPr lang="it-IT" sz="900">
                           <a:latin typeface="AdobeClean-Light"/>
                           <a:cs typeface="AdobeClean-Light"/>
                         </a:rPr>
-                        <a:t>Expert Sessions per Year</a:t>
+                        <a:t>Sessioni con esperti all’anno</a:t>
                       </a:r>
-                      <a:endParaRPr sz="900" spc="0">
-                        <a:latin typeface="AdobeClean-Light"/>
-                        <a:cs typeface="AdobeClean-Light"/>
-                      </a:endParaRPr>
                     </a:p>
                   </a:txBody>
                   <a:tcPr marL="0" marR="0" marT="57150" marB="0">
@@ -7056,7 +5828,7 @@
                     <a:bodyPr/>
                     <a:lstStyle/>
                     <a:p>
-                      <a:pPr>
+                      <a:pPr algn="l" rtl="0">
                         <a:lnSpc>
                           <a:spcPct val="100000"/>
                         </a:lnSpc>
@@ -7091,16 +5863,12 @@
                         </a:lnSpc>
                       </a:pPr>
                       <a:r>
-                        <a:rPr lang="en-US" sz="900">
+                        <a:rPr lang="it-IT" sz="900">
                           <a:latin typeface="Times New Roman"/>
                           <a:cs typeface="Times New Roman"/>
                         </a:rPr>
                         <a:t>2</a:t>
                       </a:r>
-                      <a:endParaRPr sz="900">
-                        <a:latin typeface="Times New Roman"/>
-                        <a:cs typeface="Times New Roman"/>
-                      </a:endParaRPr>
                     </a:p>
                   </a:txBody>
                   <a:tcPr marL="0" marR="0" marT="0" marB="0">
@@ -7142,16 +5910,12 @@
                         </a:spcBef>
                       </a:pPr>
                       <a:r>
-                        <a:rPr lang="en-US" sz="900" spc="0">
+                        <a:rPr lang="it-IT" sz="900">
                           <a:latin typeface="AdobeClean-Light"/>
                           <a:cs typeface="AdobeClean-Light"/>
                         </a:rPr>
-                        <a:t>Case Reviews</a:t>
+                        <a:t>Valutazione dei casi</a:t>
                       </a:r>
-                      <a:endParaRPr sz="900" spc="0">
-                        <a:latin typeface="AdobeClean-Light"/>
-                        <a:cs typeface="AdobeClean-Light"/>
-                      </a:endParaRPr>
                     </a:p>
                   </a:txBody>
                   <a:tcPr marL="0" marR="0" marT="57150" marB="0">
@@ -7180,7 +5944,7 @@
                     <a:bodyPr/>
                     <a:lstStyle/>
                     <a:p>
-                      <a:pPr>
+                      <a:pPr algn="l" rtl="0">
                         <a:lnSpc>
                           <a:spcPct val="100000"/>
                         </a:lnSpc>
@@ -7227,7 +5991,7 @@
                         <a:defRPr/>
                       </a:pPr>
                       <a:r>
-                        <a:rPr lang="en-US" sz="900">
+                        <a:rPr lang="it-IT" sz="900">
                           <a:solidFill>
                             <a:srgbClr val="020302"/>
                           </a:solidFill>
@@ -7236,10 +6000,6 @@
                         </a:rPr>
                         <a:t></a:t>
                       </a:r>
-                      <a:endParaRPr lang="en-US" sz="900">
-                        <a:latin typeface="Wingdings"/>
-                        <a:cs typeface="Wingdings"/>
-                      </a:endParaRPr>
                     </a:p>
                   </a:txBody>
                   <a:tcPr marL="0" marR="0" marT="0" marB="0">
@@ -7262,7 +6022,7 @@
                     <a:bodyPr/>
                     <a:lstStyle/>
                     <a:p>
-                      <a:pPr marL="48895">
+                      <a:pPr marL="48895" algn="l" rtl="0">
                         <a:lnSpc>
                           <a:spcPct val="100000"/>
                         </a:lnSpc>
@@ -7320,29 +6080,15 @@
                         </a:spcBef>
                       </a:pPr>
                       <a:r>
-                        <a:rPr sz="900" spc="0">
+                        <a:rPr lang="it-IT" sz="900">
                           <a:solidFill>
                             <a:srgbClr val="020302"/>
                           </a:solidFill>
                           <a:latin typeface="AdobeClean-Light"/>
                           <a:cs typeface="AdobeClean-Light"/>
                         </a:rPr>
-                        <a:t>Event </a:t>
+                        <a:t>Gestione degli eventi</a:t>
                       </a:r>
-                      <a:r>
-                        <a:rPr lang="en-US" sz="900" spc="0">
-                          <a:solidFill>
-                            <a:srgbClr val="020302"/>
-                          </a:solidFill>
-                          <a:latin typeface="AdobeClean-Light"/>
-                          <a:cs typeface="AdobeClean-Light"/>
-                        </a:rPr>
-                        <a:t>Management</a:t>
-                      </a:r>
-                      <a:endParaRPr sz="900" spc="0">
-                        <a:latin typeface="AdobeClean-Light"/>
-                        <a:cs typeface="AdobeClean-Light"/>
-                      </a:endParaRPr>
                     </a:p>
                   </a:txBody>
                   <a:tcPr marL="0" marR="0" marT="58419" marB="0">
@@ -7371,7 +6117,7 @@
                     <a:bodyPr/>
                     <a:lstStyle/>
                     <a:p>
-                      <a:pPr>
+                      <a:pPr algn="l" rtl="0">
                         <a:lnSpc>
                           <a:spcPct val="100000"/>
                         </a:lnSpc>
@@ -7400,7 +6146,7 @@
                     <a:bodyPr/>
                     <a:lstStyle/>
                     <a:p>
-                      <a:pPr>
+                      <a:pPr algn="l" rtl="0">
                         <a:lnSpc>
                           <a:spcPct val="100000"/>
                         </a:lnSpc>
@@ -7431,7 +6177,7 @@
                     <a:bodyPr/>
                     <a:lstStyle/>
                     <a:p>
-                      <a:pPr marL="48895">
+                      <a:pPr marL="48895" algn="l" rtl="0">
                         <a:lnSpc>
                           <a:spcPct val="100000"/>
                         </a:lnSpc>
@@ -7480,39 +6226,15 @@
                         </a:spcBef>
                       </a:pPr>
                       <a:r>
-                        <a:rPr sz="900" spc="0">
+                        <a:rPr lang="it-IT" sz="900">
                           <a:solidFill>
                             <a:srgbClr val="020302"/>
                           </a:solidFill>
                           <a:latin typeface="AdobeClean-Light"/>
                           <a:cs typeface="AdobeClean-Light"/>
                         </a:rPr>
-                        <a:t>Environment</a:t>
+                        <a:t>Valutazione ambiente, manutenzione e monitoraggio</a:t>
                       </a:r>
-                      <a:r>
-                        <a:rPr lang="en-US" sz="900" spc="0">
-                          <a:solidFill>
-                            <a:srgbClr val="020302"/>
-                          </a:solidFill>
-                          <a:latin typeface="AdobeClean-Light"/>
-                          <a:cs typeface="AdobeClean-Light"/>
-                        </a:rPr>
-                        <a:t> </a:t>
-                      </a:r>
-                      <a:r>
-                        <a:rPr sz="900" spc="0">
-                          <a:solidFill>
-                            <a:srgbClr val="020302"/>
-                          </a:solidFill>
-                          <a:latin typeface="AdobeClean-Light"/>
-                          <a:cs typeface="AdobeClean-Light"/>
-                        </a:rPr>
-                        <a:t>Review, Maintenance &amp; Monitoring</a:t>
-                      </a:r>
-                      <a:endParaRPr sz="900" spc="0">
-                        <a:latin typeface="AdobeClean-Light"/>
-                        <a:cs typeface="AdobeClean-Light"/>
-                      </a:endParaRPr>
                     </a:p>
                   </a:txBody>
                   <a:tcPr marL="0" marR="0" marT="59055" marB="0">
@@ -7535,7 +6257,7 @@
                     <a:bodyPr/>
                     <a:lstStyle/>
                     <a:p>
-                      <a:pPr>
+                      <a:pPr algn="l" rtl="0">
                         <a:lnSpc>
                           <a:spcPct val="100000"/>
                         </a:lnSpc>
@@ -7564,7 +6286,7 @@
                     <a:bodyPr/>
                     <a:lstStyle/>
                     <a:p>
-                      <a:pPr>
+                      <a:pPr algn="l" rtl="0">
                         <a:lnSpc>
                           <a:spcPct val="100000"/>
                         </a:lnSpc>
@@ -7595,7 +6317,7 @@
                     <a:bodyPr/>
                     <a:lstStyle/>
                     <a:p>
-                      <a:pPr marL="49530">
+                      <a:pPr marL="49530" algn="l" rtl="0">
                         <a:lnSpc>
                           <a:spcPct val="100000"/>
                         </a:lnSpc>
@@ -7644,19 +6366,34 @@
                         </a:spcBef>
                       </a:pPr>
                       <a:r>
-                        <a:rPr sz="900" spc="0">
+                        <a:rPr lang="it-IT" sz="900" dirty="0">
                           <a:solidFill>
                             <a:srgbClr val="020302"/>
                           </a:solidFill>
                           <a:latin typeface="AdobeClean-Light"/>
                           <a:cs typeface="AdobeClean-Light"/>
                         </a:rPr>
-                        <a:t>Release, Migration, Upgrade &amp; Product Roadmap Review</a:t>
+                        <a:t>Valutazione della roadmap di prodotti, versioni, migrazione </a:t>
                       </a:r>
-                      <a:endParaRPr sz="900" spc="0">
-                        <a:latin typeface="AdobeClean-Light"/>
-                        <a:cs typeface="AdobeClean-Light"/>
-                      </a:endParaRPr>
+                      <a:br>
+                        <a:rPr lang="sk-SK" sz="900" dirty="0">
+                          <a:solidFill>
+                            <a:srgbClr val="020302"/>
+                          </a:solidFill>
+                          <a:latin typeface="AdobeClean-Light"/>
+                          <a:cs typeface="AdobeClean-Light"/>
+                        </a:rPr>
+                      </a:br>
+                      <a:r>
+                        <a:rPr lang="it-IT" sz="900" dirty="0">
+                          <a:solidFill>
+                            <a:srgbClr val="020302"/>
+                          </a:solidFill>
+                          <a:latin typeface="AdobeClean-Light"/>
+                          <a:cs typeface="AdobeClean-Light"/>
+                        </a:rPr>
+                        <a:t>e aggiornamento</a:t>
+                      </a:r>
                     </a:p>
                   </a:txBody>
                   <a:tcPr marL="0" marR="0" marT="63500" marB="0">
@@ -7679,7 +6416,7 @@
                     <a:bodyPr/>
                     <a:lstStyle/>
                     <a:p>
-                      <a:pPr>
+                      <a:pPr algn="l" rtl="0">
                         <a:lnSpc>
                           <a:spcPct val="100000"/>
                         </a:lnSpc>
@@ -7708,7 +6445,7 @@
                     <a:bodyPr/>
                     <a:lstStyle/>
                     <a:p>
-                      <a:pPr>
+                      <a:pPr algn="l" rtl="0">
                         <a:lnSpc>
                           <a:spcPct val="100000"/>
                         </a:lnSpc>
@@ -7739,7 +6476,7 @@
                     <a:bodyPr/>
                     <a:lstStyle/>
                     <a:p>
-                      <a:pPr marL="49530">
+                      <a:pPr marL="49530" algn="l" rtl="0">
                         <a:lnSpc>
                           <a:spcPct val="100000"/>
                         </a:lnSpc>
@@ -7797,11 +6534,11 @@
                         </a:spcBef>
                       </a:pPr>
                       <a:r>
-                        <a:rPr sz="900" spc="0">
+                        <a:rPr lang="it-IT" sz="900">
                           <a:latin typeface="AdobeClean-Light"/>
                           <a:cs typeface="AdobeClean-Light"/>
                         </a:rPr>
-                        <a:t>Cloud Support Activities – Experience Manager as Cloud</a:t>
+                        <a:t>Attività di supporto cloud - Experience Manager as Cloud</a:t>
                       </a:r>
                     </a:p>
                   </a:txBody>
@@ -7831,7 +6568,7 @@
                     <a:bodyPr/>
                     <a:lstStyle/>
                     <a:p>
-                      <a:pPr>
+                      <a:pPr algn="l" rtl="0">
                         <a:lnSpc>
                           <a:spcPct val="100000"/>
                         </a:lnSpc>
@@ -7887,7 +6624,7 @@
                         <a:defRPr/>
                       </a:pPr>
                       <a:r>
-                        <a:rPr lang="en-US" sz="900">
+                        <a:rPr lang="it-IT" sz="900">
                           <a:solidFill>
                             <a:srgbClr val="020302"/>
                           </a:solidFill>
@@ -7896,13 +6633,9 @@
                         </a:rPr>
                         <a:t></a:t>
                       </a:r>
-                      <a:endParaRPr lang="en-US" sz="900">
-                        <a:latin typeface="Wingdings"/>
-                        <a:cs typeface="Wingdings"/>
-                      </a:endParaRPr>
                     </a:p>
                     <a:p>
-                      <a:pPr marL="0" marR="0" lvl="0" indent="0" algn="ctr" defTabSz="914400" eaLnBrk="1" fontAlgn="auto" latinLnBrk="0" hangingPunct="1">
+                      <a:pPr marL="0" marR="0" lvl="0" indent="0" algn="l" defTabSz="914400" rtl="0" eaLnBrk="1" fontAlgn="auto" latinLnBrk="0" hangingPunct="1">
                         <a:lnSpc>
                           <a:spcPct val="100000"/>
                         </a:lnSpc>
@@ -7965,22 +6698,15 @@
                         </a:spcBef>
                       </a:pPr>
                       <a:r>
-                        <a:rPr lang="en-US" sz="1000" b="1" i="0" spc="0">
+                        <a:rPr lang="it-IT" sz="1000" b="1" i="0">
                           <a:solidFill>
                             <a:schemeClr val="bg1"/>
                           </a:solidFill>
                           <a:latin typeface="Adobe Clean" panose="020B0503020404020204" pitchFamily="34" charset="0"/>
                           <a:cs typeface="AdobeClean-Light"/>
                         </a:rPr>
-                        <a:t>Field Services</a:t>
+                        <a:t>Servizi sul campo</a:t>
                       </a:r>
-                      <a:endParaRPr sz="1000" b="1" i="0" spc="0">
-                        <a:solidFill>
-                          <a:schemeClr val="bg1"/>
-                        </a:solidFill>
-                        <a:latin typeface="Adobe Clean" panose="020B0503020404020204" pitchFamily="34" charset="0"/>
-                        <a:cs typeface="AdobeClean-Light"/>
-                      </a:endParaRPr>
                     </a:p>
                   </a:txBody>
                   <a:tcPr marL="0" marR="0" marT="48260" marB="0" anchor="ctr">
@@ -8033,14 +6759,14 @@
                         </a:spcBef>
                       </a:pPr>
                       <a:r>
-                        <a:rPr sz="900" spc="0">
+                        <a:rPr lang="it-IT" sz="900">
                           <a:solidFill>
                             <a:srgbClr val="020302"/>
                           </a:solidFill>
                           <a:latin typeface="AdobeClean-Light"/>
                           <a:cs typeface="AdobeClean-Light"/>
                         </a:rPr>
-                        <a:t>Launch Advisory Services – First Year of new solution</a:t>
+                        <a:t>Launch Advisory - Nel primo anno di nuove soluzioni</a:t>
                       </a:r>
                     </a:p>
                   </a:txBody>
@@ -8080,7 +6806,7 @@
                     <a:bodyPr/>
                     <a:lstStyle/>
                     <a:p>
-                      <a:pPr>
+                      <a:pPr algn="l" rtl="0">
                         <a:lnSpc>
                           <a:spcPct val="100000"/>
                         </a:lnSpc>
@@ -8136,7 +6862,7 @@
                         <a:defRPr/>
                       </a:pPr>
                       <a:r>
-                        <a:rPr lang="en-US" sz="900">
+                        <a:rPr lang="it-IT" sz="900">
                           <a:solidFill>
                             <a:srgbClr val="020302"/>
                           </a:solidFill>
@@ -8145,10 +6871,6 @@
                         </a:rPr>
                         <a:t></a:t>
                       </a:r>
-                      <a:endParaRPr lang="en-US" sz="900">
-                        <a:latin typeface="Wingdings"/>
-                        <a:cs typeface="Wingdings"/>
-                      </a:endParaRPr>
                     </a:p>
                   </a:txBody>
                   <a:tcPr marL="0" marR="0" marT="0" marB="0">
@@ -8269,7 +6991,7 @@
                         <a:defRPr/>
                       </a:pPr>
                       <a:r>
-                        <a:rPr lang="en-US" sz="900">
+                        <a:rPr lang="it-IT" sz="900">
                           <a:solidFill>
                             <a:srgbClr val="020302"/>
                           </a:solidFill>
@@ -8278,10 +7000,6 @@
                         </a:rPr>
                         <a:t></a:t>
                       </a:r>
-                      <a:endParaRPr lang="en-US" sz="900">
-                        <a:latin typeface="Wingdings"/>
-                        <a:cs typeface="Wingdings"/>
-                      </a:endParaRPr>
                     </a:p>
                   </a:txBody>
                   <a:tcPr marL="0" marR="0" marT="0" marB="0">
@@ -8338,11 +7056,11 @@
                         <a:defRPr/>
                       </a:pPr>
                       <a:r>
-                        <a:rPr lang="en-US" sz="900" spc="0">
+                        <a:rPr lang="it-IT" sz="900" dirty="0">
                           <a:latin typeface="AdobeClean-Light"/>
                           <a:cs typeface="AdobeClean-Light"/>
                         </a:rPr>
-                        <a:t>Field Service Activities </a:t>
+                        <a:t>Attività di servizio sul campo </a:t>
                       </a:r>
                     </a:p>
                   </a:txBody>
@@ -8477,14 +7195,14 @@
         <p:spPr>
           <a:xfrm>
             <a:off x="2835999" y="9021041"/>
-            <a:ext cx="2194560" cy="641201"/>
+            <a:ext cx="2194560" cy="487313"/>
           </a:xfrm>
           <a:prstGeom prst="rect">
             <a:avLst/>
           </a:prstGeom>
         </p:spPr>
         <p:txBody>
-          <a:bodyPr vert="horz" wrap="square" lIns="0" tIns="12700" rIns="0" bIns="0" rtlCol="0" anchor="t">
+          <a:bodyPr vert="horz" wrap="square" lIns="0" tIns="12700" rIns="0" bIns="0" rtlCol="0">
             <a:spAutoFit/>
           </a:bodyPr>
           <a:lstStyle/>
@@ -8501,158 +7219,21 @@
               </a:tabLst>
             </a:pPr>
             <a:r>
-              <a:rPr sz="1000" spc="-20" dirty="0">
+              <a:rPr lang="it-IT" sz="1000" dirty="0">
                 <a:solidFill>
                   <a:srgbClr val="020302"/>
                 </a:solidFill>
                 <a:latin typeface="AdobeClean-Light"/>
                 <a:cs typeface="AdobeClean-Light"/>
               </a:rPr>
-              <a:t>Start </a:t>
-            </a:r>
-            <a:r>
-              <a:rPr sz="1000" dirty="0">
-                <a:solidFill>
-                  <a:srgbClr val="020302"/>
-                </a:solidFill>
-                <a:latin typeface="AdobeClean-Light"/>
-                <a:cs typeface="AdobeClean-Light"/>
-              </a:rPr>
-              <a:t>a </a:t>
-            </a:r>
-            <a:r>
-              <a:rPr sz="1000" spc="-15" dirty="0">
-                <a:solidFill>
-                  <a:srgbClr val="020302"/>
-                </a:solidFill>
-                <a:latin typeface="AdobeClean-Light"/>
-                <a:cs typeface="AdobeClean-Light"/>
-              </a:rPr>
-              <a:t>chat </a:t>
-            </a:r>
-            <a:r>
-              <a:rPr sz="1000" spc="-10" dirty="0">
-                <a:solidFill>
-                  <a:srgbClr val="020302"/>
-                </a:solidFill>
-                <a:latin typeface="AdobeClean-Light"/>
-                <a:cs typeface="AdobeClean-Light"/>
-              </a:rPr>
-              <a:t>session </a:t>
-            </a:r>
-            <a:r>
-              <a:rPr sz="1000" spc="-5" dirty="0">
-                <a:solidFill>
-                  <a:srgbClr val="020302"/>
-                </a:solidFill>
-                <a:latin typeface="AdobeClean-Light"/>
-                <a:cs typeface="AdobeClean-Light"/>
-              </a:rPr>
-              <a:t>to </a:t>
-            </a:r>
-            <a:r>
-              <a:rPr sz="1000" spc="-10" dirty="0">
-                <a:solidFill>
-                  <a:srgbClr val="020302"/>
-                </a:solidFill>
-                <a:latin typeface="AdobeClean-Light"/>
-                <a:cs typeface="AdobeClean-Light"/>
-              </a:rPr>
-              <a:t>get </a:t>
-            </a:r>
-            <a:r>
-              <a:rPr sz="1000" spc="-20" dirty="0">
-                <a:solidFill>
-                  <a:srgbClr val="020302"/>
-                </a:solidFill>
-                <a:latin typeface="AdobeClean-Light"/>
-                <a:cs typeface="AdobeClean-Light"/>
-              </a:rPr>
-              <a:t>answers</a:t>
-            </a:r>
-            <a:r>
-              <a:rPr lang="en-US" sz="1000" spc="-45" dirty="0">
-                <a:solidFill>
-                  <a:srgbClr val="020302"/>
-                </a:solidFill>
-                <a:latin typeface="AdobeClean-Light"/>
-                <a:cs typeface="AdobeClean-Light"/>
-              </a:rPr>
-              <a:t> </a:t>
-            </a:r>
-            <a:r>
-              <a:rPr lang="en-US" sz="1000" dirty="0">
-                <a:solidFill>
-                  <a:srgbClr val="020302"/>
-                </a:solidFill>
-                <a:latin typeface="AdobeClean-Light"/>
-                <a:cs typeface="AdobeClean-Light"/>
-              </a:rPr>
-              <a:t>&amp; </a:t>
-            </a:r>
-            <a:r>
-              <a:rPr sz="1000" spc="-15" dirty="0">
-                <a:solidFill>
-                  <a:srgbClr val="020302"/>
-                </a:solidFill>
-                <a:latin typeface="AdobeClean-Light"/>
-                <a:cs typeface="AdobeClean-Light"/>
-              </a:rPr>
-              <a:t>help </a:t>
-            </a:r>
-            <a:r>
-              <a:rPr sz="1000" spc="-10" dirty="0">
-                <a:solidFill>
-                  <a:srgbClr val="020302"/>
-                </a:solidFill>
-                <a:latin typeface="AdobeClean-Light"/>
-                <a:cs typeface="AdobeClean-Light"/>
-              </a:rPr>
-              <a:t>with</a:t>
-            </a:r>
-            <a:r>
-              <a:rPr sz="1000" spc="85" dirty="0">
-                <a:solidFill>
-                  <a:srgbClr val="020302"/>
-                </a:solidFill>
-                <a:latin typeface="AdobeClean-Light"/>
-                <a:cs typeface="AdobeClean-Light"/>
-              </a:rPr>
-              <a:t> </a:t>
-            </a:r>
-            <a:r>
-              <a:rPr sz="1000" spc="-10" dirty="0">
-                <a:solidFill>
-                  <a:srgbClr val="020302"/>
-                </a:solidFill>
-                <a:latin typeface="AdobeClean-Light"/>
-                <a:cs typeface="AdobeClean-Light"/>
-              </a:rPr>
-              <a:t>case </a:t>
-            </a:r>
-            <a:r>
-              <a:rPr sz="1000" spc="-20">
-                <a:solidFill>
-                  <a:srgbClr val="020302"/>
-                </a:solidFill>
-                <a:latin typeface="AdobeClean-Light"/>
-                <a:cs typeface="AdobeClean-Light"/>
-              </a:rPr>
-              <a:t>submission</a:t>
-            </a:r>
-            <a:r>
-              <a:rPr lang="en-US" sz="1000" spc="-20">
-                <a:solidFill>
-                  <a:srgbClr val="020302"/>
-                </a:solidFill>
-                <a:latin typeface="AdobeClean-Light"/>
-                <a:cs typeface="AdobeClean-Light"/>
-              </a:rPr>
-              <a:t>.</a:t>
+              <a:t>Avvia una sessione di chat per ottenere risposte e assistenza nell’invio di un caso.</a:t>
             </a:r>
           </a:p>
           <a:p>
             <a:pPr marL="33020" marR="159385">
+              <a:lnSpc>
+                <a:spcPct val="100000"/>
+              </a:lnSpc>
               <a:spcBef>
                 <a:spcPts val="100"/>
               </a:spcBef>
@@ -8661,49 +7242,25 @@
               </a:tabLst>
             </a:pPr>
             <a:r>
-              <a:rPr sz="1000" i="1" spc="-10" dirty="0">
+              <a:rPr lang="it-IT" sz="1000" i="1" dirty="0">
                 <a:solidFill>
                   <a:srgbClr val="7A7A7A"/>
                 </a:solidFill>
                 <a:latin typeface="AdobeClean-LightIt"/>
                 <a:cs typeface="AdobeClean-LightIt"/>
               </a:rPr>
-              <a:t>*Not all </a:t>
-            </a:r>
-            <a:r>
-              <a:rPr sz="1000" i="1" spc="-20" dirty="0">
+              <a:t>* Il supporto chat in diretta non è disponibile per tutti i prodotti</a:t>
+            </a:r>
+            <a:r>
+              <a:rPr lang="it-IT" sz="900" i="1" dirty="0">
                 <a:solidFill>
                   <a:srgbClr val="7A7A7A"/>
                 </a:solidFill>
                 <a:latin typeface="AdobeClean-LightIt"/>
                 <a:cs typeface="AdobeClean-LightIt"/>
               </a:rPr>
-              <a:t>products have live chat support</a:t>
-            </a:r>
-            <a:r>
-              <a:rPr sz="900" i="1" spc="-20" dirty="0">
-                <a:solidFill>
-                  <a:srgbClr val="7A7A7A"/>
-                </a:solidFill>
-                <a:latin typeface="AdobeClean-LightIt"/>
-                <a:cs typeface="AdobeClean-LightIt"/>
-              </a:rPr>
-              <a:t>.</a:t>
-            </a:r>
-            <a:r>
-              <a:rPr lang="en-US" sz="900" i="1" spc="-20" dirty="0">
-                <a:solidFill>
-                  <a:srgbClr val="7A7A7A"/>
-                </a:solidFill>
-                <a:latin typeface="AdobeClean-LightIt"/>
-                <a:cs typeface="AdobeClean-LightIt"/>
-              </a:rPr>
-              <a:t>  </a:t>
-            </a:r>
-            <a:endParaRPr sz="900">
-              <a:latin typeface="AdobeClean-Light"/>
-              <a:cs typeface="AdobeClean-Light"/>
-            </a:endParaRPr>
+              <a:t>.  </a:t>
+            </a:r>
           </a:p>
         </p:txBody>
       </p:sp>
@@ -8750,12 +7307,12 @@
               <a:defRPr/>
             </a:pPr>
             <a:r>
-              <a:rPr lang="en-US" sz="1200">
+              <a:rPr lang="it-IT" sz="1200">
                 <a:solidFill>
                   <a:srgbClr val="000000"/>
                 </a:solidFill>
               </a:rPr>
-              <a:t>Community Forums</a:t>
+              <a:t>Forum della community</a:t>
             </a:r>
           </a:p>
         </p:txBody>
@@ -8798,12 +7355,12 @@
               </a:spcAft>
             </a:pPr>
             <a:r>
-              <a:rPr lang="en-US" sz="1200" b="1">
+              <a:rPr lang="it-IT" sz="1200" b="1">
                 <a:latin typeface="+mj-lt"/>
                 <a:ea typeface="Open Sans" pitchFamily="34" charset="0"/>
                 <a:cs typeface="Open Sans" pitchFamily="34" charset="0"/>
               </a:rPr>
-              <a:t>Online Forums</a:t>
+              <a:t>Forum online</a:t>
             </a:r>
           </a:p>
         </p:txBody>
@@ -8830,26 +7387,20 @@
           </a:prstGeom>
         </p:spPr>
         <p:txBody>
-          <a:bodyPr vert="horz" wrap="square" lIns="0" tIns="35560" rIns="0" bIns="0" rtlCol="0" anchor="t">
+          <a:bodyPr vert="horz" wrap="square" lIns="0" tIns="35560" rIns="0" bIns="0" rtlCol="0">
             <a:spAutoFit/>
           </a:bodyPr>
           <a:lstStyle/>
           <a:p>
             <a:r>
-              <a:rPr lang="en-US" sz="1000" dirty="0">
+              <a:rPr lang="it-IT" sz="1000" dirty="0">
                 <a:solidFill>
                   <a:srgbClr val="4B4B4B"/>
                 </a:solidFill>
-                <a:latin typeface="Adobe Clean Light"/>
+                <a:latin typeface="Adobe Clean Light" panose="020B0303020404020204" pitchFamily="34" charset="0"/>
               </a:rPr>
-              <a:t>Continuous online access to a growing database of technical solutions, product documentation, FAQs and more. Connect with practitioners and other customers on Adobe Community to share best practices and lessons learned.</a:t>
-            </a:r>
-            <a:endParaRPr lang="en-US" sz="1000" dirty="0">
-              <a:solidFill>
-                <a:srgbClr val="4B4B4B"/>
-              </a:solidFill>
-              <a:latin typeface="Adobe Clean Light" panose="020B0303020404020204" pitchFamily="34" charset="0"/>
-            </a:endParaRPr>
+              <a:t>Accesso online continuo a un database in continua crescita di soluzioni tecniche, documentazione del prodotto, risposte alle domande più frequenti e altro ancora. Possibilità di relazionarsi con professionisti e altri clienti della Community Adobe per condividere best practice ed esperienze.</a:t>
+            </a:r>
           </a:p>
         </p:txBody>
       </p:sp>
@@ -8896,7 +7447,7 @@
               <a:defRPr/>
             </a:pPr>
             <a:r>
-              <a:rPr lang="en-US" sz="1200">
+              <a:rPr lang="it-IT" sz="1200">
                 <a:solidFill>
                   <a:srgbClr val="000000"/>
                 </a:solidFill>
@@ -8944,12 +7495,12 @@
               </a:spcAft>
             </a:pPr>
             <a:r>
-              <a:rPr lang="en-US" sz="1200" b="1">
+              <a:rPr lang="it-IT" sz="1200" b="1">
                 <a:latin typeface="+mj-lt"/>
                 <a:ea typeface="Open Sans" pitchFamily="34" charset="0"/>
                 <a:cs typeface="Open Sans" pitchFamily="34" charset="0"/>
               </a:rPr>
-              <a:t>Self-guided Journeys</a:t>
+              <a:t>Percorsi autoguidati</a:t>
             </a:r>
           </a:p>
         </p:txBody>
@@ -8968,34 +7519,28 @@
         </p:nvSpPr>
         <p:spPr>
           <a:xfrm>
-            <a:off x="5265661" y="7060285"/>
-            <a:ext cx="2194560" cy="1113125"/>
+            <a:off x="5265660" y="7060285"/>
+            <a:ext cx="2506739" cy="1267014"/>
           </a:xfrm>
           <a:prstGeom prst="rect">
             <a:avLst/>
           </a:prstGeom>
         </p:spPr>
         <p:txBody>
-          <a:bodyPr vert="horz" wrap="square" lIns="0" tIns="35560" rIns="0" bIns="0" rtlCol="0" anchor="t">
+          <a:bodyPr vert="horz" wrap="square" lIns="0" tIns="35560" rIns="0" bIns="0" rtlCol="0">
             <a:spAutoFit/>
           </a:bodyPr>
           <a:lstStyle/>
           <a:p>
             <a:r>
-              <a:rPr lang="en-US" sz="1000" dirty="0">
+              <a:rPr lang="it-IT" sz="1000" dirty="0">
                 <a:solidFill>
                   <a:srgbClr val="4B4B4B"/>
                 </a:solidFill>
-                <a:latin typeface="Adobe Clean Light"/>
+                <a:latin typeface="Adobe Clean Light" panose="020B0303020404020204" pitchFamily="34" charset="0"/>
               </a:rPr>
-              <a:t>Experience Makers are made with Experience League. Customers can kickstart their Customer Experience Management abilities with personalized learning to develop skills, engage with a global community of peers, and earn career advancing recognition.</a:t>
-            </a:r>
-            <a:endParaRPr lang="en-US" sz="1000" dirty="0">
-              <a:solidFill>
-                <a:srgbClr val="4B4B4B"/>
-              </a:solidFill>
-              <a:latin typeface="Adobe Clean Light" panose="020B0303020404020204" pitchFamily="34" charset="0"/>
-            </a:endParaRPr>
+              <a:t>Diventa un Experience Maker con Experience League. Puoi acquisire rapidamente le capacità necessarie nella gestione della customer experience seguendo un percorso di apprendimento personalizzato per sviluppare nuove competenze, partecipare a una comunità globale di professionisti e guadagnare riconoscimenti di valore sul piano professionale.</a:t>
+            </a:r>
           </a:p>
         </p:txBody>
       </p:sp>
@@ -9042,12 +7587,12 @@
               <a:defRPr/>
             </a:pPr>
             <a:r>
-              <a:rPr lang="en-US" sz="1200">
+              <a:rPr lang="it-IT" sz="1200">
                 <a:solidFill>
                   <a:srgbClr val="000000"/>
                 </a:solidFill>
               </a:rPr>
-              <a:t>Live Chat  Support*</a:t>
+              <a:t>Supporto chat in diretta*</a:t>
             </a:r>
           </a:p>
         </p:txBody>
@@ -9090,12 +7635,12 @@
               </a:spcAft>
             </a:pPr>
             <a:r>
-              <a:rPr lang="en-US" sz="1200" b="1">
+              <a:rPr lang="it-IT" sz="1200" b="1">
                 <a:latin typeface="+mj-lt"/>
                 <a:ea typeface="Open Sans" pitchFamily="34" charset="0"/>
                 <a:cs typeface="Open Sans" pitchFamily="34" charset="0"/>
               </a:rPr>
-              <a:t>Chat Support</a:t>
+              <a:t>Supporto chat</a:t>
             </a:r>
           </a:p>
         </p:txBody>
@@ -9143,12 +7688,12 @@
               <a:defRPr/>
             </a:pPr>
             <a:r>
-              <a:rPr lang="en-US" sz="1200">
+              <a:rPr lang="it-IT" sz="1200">
                 <a:solidFill>
                   <a:srgbClr val="000000"/>
                 </a:solidFill>
               </a:rPr>
-              <a:t>24X7 P1 </a:t>
+              <a:t>24x7 P1 </a:t>
             </a:r>
           </a:p>
         </p:txBody>
@@ -9191,12 +7736,12 @@
               </a:spcAft>
             </a:pPr>
             <a:r>
-              <a:rPr lang="en-US" sz="1200" b="1">
+              <a:rPr lang="it-IT" sz="1200" b="1">
                 <a:latin typeface="+mj-lt"/>
                 <a:ea typeface="Open Sans" pitchFamily="34" charset="0"/>
                 <a:cs typeface="Open Sans" pitchFamily="34" charset="0"/>
               </a:rPr>
-              <a:t>Phone  Support</a:t>
+              <a:t>Supporto telefonico</a:t>
             </a:r>
           </a:p>
         </p:txBody>
@@ -9229,35 +7774,29 @@
           <a:lstStyle/>
           <a:p>
             <a:r>
-              <a:rPr lang="en-US" sz="1000">
+              <a:rPr lang="it-IT" sz="1000">
                 <a:solidFill>
                   <a:srgbClr val="020302"/>
                 </a:solidFill>
                 <a:latin typeface="AdobeClean-Light"/>
               </a:rPr>
-              <a:t>Authorized users or </a:t>
-            </a:r>
-            <a:r>
-              <a:rPr lang="en-US" sz="1000" b="1">
+              <a:t>Gli utenti autorizzati o i </a:t>
+            </a:r>
+            <a:r>
+              <a:rPr lang="it-IT" sz="1000" b="1">
                 <a:solidFill>
                   <a:srgbClr val="020302"/>
                 </a:solidFill>
                 <a:latin typeface="AdobeClean-Light"/>
               </a:rPr>
-              <a:t>Named Support Contacts </a:t>
-            </a:r>
-            <a:r>
-              <a:rPr lang="en-US" sz="1000">
+              <a:t>contatti interni per il supporto</a:t>
+            </a:r>
+            <a:r>
+              <a:rPr lang="it-IT" sz="1000">
                 <a:latin typeface="Adobe Clean Light" panose="020B0303020404020204" pitchFamily="34" charset="0"/>
               </a:rPr>
-              <a:t>can submit issues through all available  channels (including phone for P1) and interact with our technical support team on behalf of your company. </a:t>
-            </a:r>
-            <a:endParaRPr lang="en-US" sz="1000">
-              <a:solidFill>
-                <a:srgbClr val="000000"/>
-              </a:solidFill>
-              <a:latin typeface="Adobe Clean Light" panose="020B0303020404020204" pitchFamily="34" charset="0"/>
-            </a:endParaRPr>
+              <a:t> possono segnalare i problemi tramite tutti i canali disponibili (compreso il supporto telefonico per casi P1) e interagire con il team Adobe di assistenza tecnica per conto della tua azienda. </a:t>
+            </a:r>
           </a:p>
         </p:txBody>
       </p:sp>
@@ -9345,19 +7884,15 @@
               </a:spcBef>
             </a:pPr>
             <a:r>
-              <a:rPr lang="en-US" sz="1400" b="1" spc="-10">
+              <a:rPr lang="it-IT" sz="1400" b="1">
                 <a:solidFill>
                   <a:srgbClr val="020302"/>
                 </a:solidFill>
                 <a:latin typeface="Adobe Clean"/>
                 <a:cs typeface="Adobe Clean"/>
               </a:rPr>
-              <a:t>Online Support Features</a:t>
-            </a:r>
-            <a:endParaRPr lang="en-US" sz="1400">
-              <a:latin typeface="Adobe Clean"/>
-              <a:cs typeface="Adobe Clean"/>
-            </a:endParaRPr>
+              <a:t>Caratteristiche del supporto online</a:t>
+            </a:r>
           </a:p>
         </p:txBody>
       </p:sp>
@@ -9404,7 +7939,7 @@
               <a:defRPr/>
             </a:pPr>
             <a:r>
-              <a:rPr lang="en-US" sz="1200">
+              <a:rPr lang="it-IT" sz="1200">
                 <a:solidFill>
                   <a:srgbClr val="000000"/>
                 </a:solidFill>
@@ -9452,12 +7987,12 @@
               </a:spcAft>
             </a:pPr>
             <a:r>
-              <a:rPr lang="en-US" sz="1200" b="1">
+              <a:rPr lang="it-IT" sz="1200" b="1">
                 <a:latin typeface="+mj-lt"/>
                 <a:ea typeface="Open Sans" pitchFamily="34" charset="0"/>
                 <a:cs typeface="Open Sans" pitchFamily="34" charset="0"/>
               </a:rPr>
-              <a:t>Webinars</a:t>
+              <a:t>Webinar</a:t>
             </a:r>
           </a:p>
         </p:txBody>
@@ -9476,8 +8011,8 @@
         </p:nvSpPr>
         <p:spPr>
           <a:xfrm>
-            <a:off x="355868" y="8986613"/>
-            <a:ext cx="2194560" cy="805349"/>
+            <a:off x="355867" y="8986613"/>
+            <a:ext cx="2480131" cy="805349"/>
           </a:xfrm>
           <a:prstGeom prst="rect">
             <a:avLst/>
@@ -9490,13 +8025,13 @@
           <a:lstStyle/>
           <a:p>
             <a:r>
-              <a:rPr lang="en-US" sz="1000">
+              <a:rPr lang="it-IT" sz="1000" dirty="0">
                 <a:solidFill>
                   <a:srgbClr val="4B4B4B"/>
                 </a:solidFill>
                 <a:latin typeface="Adobe Clean Light" panose="020B0303020404020204" pitchFamily="34" charset="0"/>
               </a:rPr>
-              <a:t>Office Hours led by the Adobe Customer Support team includes sessions designed to inform as well as help participants troubleshoot problems and provide tips and tricks for success with Adobe solutions. </a:t>
+              <a:t>Le sessioni Office Hours, guidate dal team di Assistenza clienti di Adobe, sono pensate per informare e aiutare i partecipanti a risolvere eventuali problemi e forniscono suggerimenti utili per ottenere il massimo dalle soluzioni Adobe. </a:t>
             </a:r>
           </a:p>
         </p:txBody>
@@ -9544,12 +8079,12 @@
               <a:defRPr/>
             </a:pPr>
             <a:r>
-              <a:rPr lang="en-US" sz="1200">
+              <a:rPr lang="it-IT" sz="1200">
                 <a:solidFill>
                   <a:srgbClr val="000000"/>
                 </a:solidFill>
               </a:rPr>
-              <a:t>Self-help Portals</a:t>
+              <a:t>Portali di assistenza autonoma</a:t>
             </a:r>
           </a:p>
         </p:txBody>
@@ -9592,12 +8127,12 @@
               </a:spcAft>
             </a:pPr>
             <a:r>
-              <a:rPr lang="en-US" sz="1200" b="1">
+              <a:rPr lang="it-IT" sz="1200" b="1">
                 <a:latin typeface="+mj-lt"/>
                 <a:ea typeface="Open Sans" pitchFamily="34" charset="0"/>
                 <a:cs typeface="Open Sans" pitchFamily="34" charset="0"/>
               </a:rPr>
-              <a:t>24/7 Support Portal</a:t>
+              <a:t>Portale di supporto 24/7</a:t>
             </a:r>
           </a:p>
         </p:txBody>
@@ -9630,30 +8165,13 @@
           <a:lstStyle/>
           <a:p>
             <a:r>
-              <a:rPr lang="en-US" sz="1000">
+              <a:rPr lang="it-IT" sz="1000" dirty="0">
                 <a:solidFill>
                   <a:srgbClr val="4B4B4B"/>
                 </a:solidFill>
                 <a:latin typeface="Adobe Clean Light" panose="020B0303020404020204" pitchFamily="34" charset="0"/>
               </a:rPr>
-              <a:t>On-demand access to the online </a:t>
-            </a:r>
-            <a:br>
-              <a:rPr lang="en-US" sz="1000">
-                <a:solidFill>
-                  <a:srgbClr val="4B4B4B"/>
-                </a:solidFill>
-                <a:latin typeface="Adobe Clean Light" panose="020B0303020404020204" pitchFamily="34" charset="0"/>
-              </a:rPr>
-            </a:br>
-            <a:r>
-              <a:rPr lang="en-US" sz="1000">
-                <a:solidFill>
-                  <a:srgbClr val="4B4B4B"/>
-                </a:solidFill>
-                <a:latin typeface="Adobe Clean Light" panose="020B0303020404020204" pitchFamily="34" charset="0"/>
-              </a:rPr>
-              <a:t>Self-help Support Portal to submit support requests, review case status, and browse other resources, like our knowledgebase, news and alerts, featured tips, and more.</a:t>
+              <a:t>Accesso on-demand al portale di assistenza autonoma per inviare richieste di supporto, esaminare lo stato dei casi e sfogliare altre risorse, come la knowledge base, notizie e avvisi, suggerimenti e altro ancora.</a:t>
             </a:r>
           </a:p>
         </p:txBody>
@@ -9787,36 +8305,8 @@
               </a:spcBef>
             </a:pPr>
             <a:r>
-              <a:rPr lang="en-US" spc="-10"/>
-              <a:t>©2021</a:t>
-            </a:r>
-            <a:r>
-              <a:rPr lang="en-US" spc="-5"/>
-              <a:t> Adobe. All</a:t>
-            </a:r>
-            <a:r>
-              <a:rPr lang="en-US" spc="-10"/>
-              <a:t> Rights</a:t>
-            </a:r>
-            <a:r>
-              <a:rPr lang="en-US" spc="-5"/>
-              <a:t> </a:t>
-            </a:r>
-            <a:r>
-              <a:rPr lang="en-US" spc="-10"/>
-              <a:t>Reserved.</a:t>
-            </a:r>
-            <a:r>
-              <a:rPr lang="en-US" spc="-5"/>
-              <a:t> Adobe</a:t>
-            </a:r>
-            <a:r>
-              <a:rPr lang="en-US" spc="60"/>
-              <a:t> </a:t>
-            </a:r>
-            <a:r>
-              <a:rPr lang="en-US" spc="-10"/>
-              <a:t>Confidential.</a:t>
+              <a:rPr lang="it-IT"/>
+              <a:t>©2021 Adobe. All Rights Reserved. Adobe Confidential.</a:t>
             </a:r>
           </a:p>
         </p:txBody>
@@ -9905,19 +8395,15 @@
               </a:spcBef>
             </a:pPr>
             <a:r>
-              <a:rPr lang="en-US" sz="1400" b="1" spc="-10">
+              <a:rPr lang="it-IT" sz="1400" b="1">
                 <a:solidFill>
                   <a:srgbClr val="020302"/>
                 </a:solidFill>
                 <a:latin typeface="Adobe Clean"/>
                 <a:cs typeface="Adobe Clean"/>
               </a:rPr>
-              <a:t>Enterprise Support Features</a:t>
-            </a:r>
-            <a:endParaRPr lang="en-US" sz="1400">
-              <a:latin typeface="Adobe Clean"/>
-              <a:cs typeface="Adobe Clean"/>
-            </a:endParaRPr>
+              <a:t>Caratteristiche del supporto Enterprise</a:t>
+            </a:r>
           </a:p>
         </p:txBody>
       </p:sp>
@@ -9936,7 +8422,7 @@
         <p:spPr>
           <a:xfrm>
             <a:off x="689237" y="2603192"/>
-            <a:ext cx="1555491" cy="197490"/>
+            <a:ext cx="1653911" cy="197490"/>
           </a:xfrm>
           <a:prstGeom prst="rect">
             <a:avLst/>
@@ -9957,199 +8443,15 @@
               </a:spcBef>
             </a:pPr>
             <a:r>
-              <a:rPr sz="1200" b="1" spc="-25">
+              <a:rPr lang="it-IT" sz="1200" b="1" dirty="0">
                 <a:solidFill>
                   <a:srgbClr val="020302"/>
                 </a:solidFill>
                 <a:latin typeface="Adobe Clean"/>
                 <a:cs typeface="Adobe Clean"/>
               </a:rPr>
-              <a:t>E</a:t>
-            </a:r>
-            <a:r>
-              <a:rPr sz="1200" b="1" spc="-20">
-                <a:solidFill>
-                  <a:srgbClr val="020302"/>
-                </a:solidFill>
-                <a:latin typeface="Adobe Clean"/>
-                <a:cs typeface="Adobe Clean"/>
-              </a:rPr>
-              <a:t>s</a:t>
-            </a:r>
-            <a:r>
-              <a:rPr sz="1200" b="1" spc="-30">
-                <a:solidFill>
-                  <a:srgbClr val="020302"/>
-                </a:solidFill>
-                <a:latin typeface="Adobe Clean"/>
-                <a:cs typeface="Adobe Clean"/>
-              </a:rPr>
-              <a:t>c</a:t>
-            </a:r>
-            <a:r>
-              <a:rPr sz="1200" b="1" spc="-20">
-                <a:solidFill>
-                  <a:srgbClr val="020302"/>
-                </a:solidFill>
-                <a:latin typeface="Adobe Clean"/>
-                <a:cs typeface="Adobe Clean"/>
-              </a:rPr>
-              <a:t>a</a:t>
-            </a:r>
-            <a:r>
-              <a:rPr sz="1200" b="1" spc="-25">
-                <a:solidFill>
-                  <a:srgbClr val="020302"/>
-                </a:solidFill>
-                <a:latin typeface="Adobe Clean"/>
-                <a:cs typeface="Adobe Clean"/>
-              </a:rPr>
-              <a:t>l</a:t>
-            </a:r>
-            <a:r>
-              <a:rPr sz="1200" b="1" spc="-20">
-                <a:solidFill>
-                  <a:srgbClr val="020302"/>
-                </a:solidFill>
-                <a:latin typeface="Adobe Clean"/>
-                <a:cs typeface="Adobe Clean"/>
-              </a:rPr>
-              <a:t>a</a:t>
-            </a:r>
-            <a:r>
-              <a:rPr sz="1200" b="1" spc="-25">
-                <a:solidFill>
-                  <a:srgbClr val="020302"/>
-                </a:solidFill>
-                <a:latin typeface="Adobe Clean"/>
-                <a:cs typeface="Adobe Clean"/>
-              </a:rPr>
-              <a:t>t</a:t>
-            </a:r>
-            <a:r>
-              <a:rPr sz="1200" b="1" spc="-20">
-                <a:solidFill>
-                  <a:srgbClr val="020302"/>
-                </a:solidFill>
-                <a:latin typeface="Adobe Clean"/>
-                <a:cs typeface="Adobe Clean"/>
-              </a:rPr>
-              <a:t>i</a:t>
-            </a:r>
-            <a:r>
-              <a:rPr sz="1200" b="1" spc="-15">
-                <a:solidFill>
-                  <a:srgbClr val="020302"/>
-                </a:solidFill>
-                <a:latin typeface="Adobe Clean"/>
-                <a:cs typeface="Adobe Clean"/>
-              </a:rPr>
-              <a:t>o</a:t>
-            </a:r>
-            <a:r>
-              <a:rPr sz="1200" b="1">
-                <a:solidFill>
-                  <a:srgbClr val="020302"/>
-                </a:solidFill>
-                <a:latin typeface="Adobe Clean"/>
-                <a:cs typeface="Adobe Clean"/>
-              </a:rPr>
-              <a:t>n</a:t>
-            </a:r>
-            <a:r>
-              <a:rPr sz="1200" b="1" spc="-55">
-                <a:solidFill>
-                  <a:srgbClr val="020302"/>
-                </a:solidFill>
-                <a:latin typeface="Adobe Clean"/>
-                <a:cs typeface="Adobe Clean"/>
-              </a:rPr>
-              <a:t> </a:t>
-            </a:r>
-            <a:r>
-              <a:rPr sz="1200" b="1" spc="-35">
-                <a:solidFill>
-                  <a:srgbClr val="020302"/>
-                </a:solidFill>
-                <a:latin typeface="Adobe Clean"/>
-                <a:cs typeface="Adobe Clean"/>
-              </a:rPr>
-              <a:t>M</a:t>
-            </a:r>
-            <a:r>
-              <a:rPr sz="1200" b="1" spc="-25">
-                <a:solidFill>
-                  <a:srgbClr val="020302"/>
-                </a:solidFill>
-                <a:latin typeface="Adobe Clean"/>
-                <a:cs typeface="Adobe Clean"/>
-              </a:rPr>
-              <a:t>a</a:t>
-            </a:r>
-            <a:r>
-              <a:rPr sz="1200" b="1" spc="-30">
-                <a:solidFill>
-                  <a:srgbClr val="020302"/>
-                </a:solidFill>
-                <a:latin typeface="Adobe Clean"/>
-                <a:cs typeface="Adobe Clean"/>
-              </a:rPr>
-              <a:t>n</a:t>
-            </a:r>
-            <a:r>
-              <a:rPr sz="1200" b="1" spc="-25">
-                <a:solidFill>
-                  <a:srgbClr val="020302"/>
-                </a:solidFill>
-                <a:latin typeface="Adobe Clean"/>
-                <a:cs typeface="Adobe Clean"/>
-              </a:rPr>
-              <a:t>a</a:t>
-            </a:r>
-            <a:r>
-              <a:rPr sz="1200" b="1" spc="-30">
-                <a:solidFill>
-                  <a:srgbClr val="020302"/>
-                </a:solidFill>
-                <a:latin typeface="Adobe Clean"/>
-                <a:cs typeface="Adobe Clean"/>
-              </a:rPr>
-              <a:t>ge</a:t>
-            </a:r>
-            <a:r>
-              <a:rPr sz="1200" b="1" spc="-25">
-                <a:solidFill>
-                  <a:srgbClr val="020302"/>
-                </a:solidFill>
-                <a:latin typeface="Adobe Clean"/>
-                <a:cs typeface="Adobe Clean"/>
-              </a:rPr>
-              <a:t>m</a:t>
-            </a:r>
-            <a:r>
-              <a:rPr sz="1200" b="1" spc="-30">
-                <a:solidFill>
-                  <a:srgbClr val="020302"/>
-                </a:solidFill>
-                <a:latin typeface="Adobe Clean"/>
-                <a:cs typeface="Adobe Clean"/>
-              </a:rPr>
-              <a:t>en</a:t>
-            </a:r>
-            <a:r>
-              <a:rPr sz="1200" b="1">
-                <a:solidFill>
-                  <a:srgbClr val="020302"/>
-                </a:solidFill>
-                <a:latin typeface="Adobe Clean"/>
-                <a:cs typeface="Adobe Clean"/>
-              </a:rPr>
-              <a:t>t</a:t>
-            </a:r>
-            <a:endParaRPr sz="1200">
-              <a:latin typeface="Adobe Clean"/>
-              <a:cs typeface="Adobe Clean"/>
-            </a:endParaRPr>
+              <a:t>Gestione delle escalation</a:t>
+            </a:r>
           </a:p>
         </p:txBody>
       </p:sp>
@@ -10189,18 +8491,31 @@
               </a:spcBef>
             </a:pPr>
             <a:r>
-              <a:rPr lang="en-US" sz="1000">
+              <a:rPr lang="it-IT" sz="1000" dirty="0">
                 <a:solidFill>
                   <a:srgbClr val="4B4B4B"/>
                 </a:solidFill>
                 <a:latin typeface="Adobe Clean Light" panose="020B0303020404020204" pitchFamily="34" charset="0"/>
               </a:rPr>
-              <a:t>A designated point of contact within Adobe who can provide escalation assistance, regular updates and ensure priority is given to your most critical open support requests.</a:t>
-            </a:r>
-            <a:endParaRPr sz="1000">
-              <a:latin typeface="Adobe Clean Light" panose="020B0303020404020204" pitchFamily="34" charset="0"/>
-              <a:cs typeface="AdobeClean-Light"/>
-            </a:endParaRPr>
+              <a:t>Un contatto Adobe dedicato che può fornire assistenza e aggiornamenti regolari in merito ai casi che richiedono escalation, </a:t>
+            </a:r>
+            <a:br>
+              <a:rPr lang="sk-SK" sz="1000" dirty="0">
+                <a:solidFill>
+                  <a:srgbClr val="4B4B4B"/>
+                </a:solidFill>
+                <a:latin typeface="Adobe Clean Light" panose="020B0303020404020204" pitchFamily="34" charset="0"/>
+              </a:rPr>
+            </a:br>
+            <a:r>
+              <a:rPr lang="it-IT" sz="1000" dirty="0">
+                <a:solidFill>
+                  <a:srgbClr val="4B4B4B"/>
+                </a:solidFill>
+                <a:latin typeface="Adobe Clean Light" panose="020B0303020404020204" pitchFamily="34" charset="0"/>
+              </a:rPr>
+              <a:t>e assicurarsi che venga data priorità alle richieste di supporto aperte più critiche.</a:t>
+            </a:r>
           </a:p>
         </p:txBody>
       </p:sp>
@@ -10218,8 +8533,8 @@
         </p:nvSpPr>
         <p:spPr>
           <a:xfrm>
-            <a:off x="3201544" y="2592995"/>
-            <a:ext cx="1036205" cy="197490"/>
+            <a:off x="3201544" y="2592994"/>
+            <a:ext cx="1629948" cy="197490"/>
           </a:xfrm>
           <a:prstGeom prst="rect">
             <a:avLst/>
@@ -10240,149 +8555,15 @@
               </a:spcBef>
             </a:pPr>
             <a:r>
-              <a:rPr sz="1200" b="1" spc="-20">
+              <a:rPr lang="it-IT" sz="1200" b="1">
                 <a:solidFill>
                   <a:srgbClr val="020302"/>
                 </a:solidFill>
                 <a:latin typeface="Adobe Clean"/>
                 <a:cs typeface="Adobe Clean"/>
               </a:rPr>
-              <a:t>S</a:t>
-            </a:r>
-            <a:r>
-              <a:rPr sz="1200" b="1" spc="-25">
-                <a:solidFill>
-                  <a:srgbClr val="020302"/>
-                </a:solidFill>
-                <a:latin typeface="Adobe Clean"/>
-                <a:cs typeface="Adobe Clean"/>
-              </a:rPr>
-              <a:t>e</a:t>
-            </a:r>
-            <a:r>
-              <a:rPr sz="1200" b="1" spc="-20">
-                <a:solidFill>
-                  <a:srgbClr val="020302"/>
-                </a:solidFill>
-                <a:latin typeface="Adobe Clean"/>
-                <a:cs typeface="Adobe Clean"/>
-              </a:rPr>
-              <a:t>r</a:t>
-            </a:r>
-            <a:r>
-              <a:rPr sz="1200" b="1" spc="-25">
-                <a:solidFill>
-                  <a:srgbClr val="020302"/>
-                </a:solidFill>
-                <a:latin typeface="Adobe Clean"/>
-                <a:cs typeface="Adobe Clean"/>
-              </a:rPr>
-              <a:t>v</a:t>
-            </a:r>
-            <a:r>
-              <a:rPr sz="1200" b="1" spc="-20">
-                <a:solidFill>
-                  <a:srgbClr val="020302"/>
-                </a:solidFill>
-                <a:latin typeface="Adobe Clean"/>
-                <a:cs typeface="Adobe Clean"/>
-              </a:rPr>
-              <a:t>i</a:t>
-            </a:r>
-            <a:r>
-              <a:rPr sz="1200" b="1" spc="-30">
-                <a:solidFill>
-                  <a:srgbClr val="020302"/>
-                </a:solidFill>
-                <a:latin typeface="Adobe Clean"/>
-                <a:cs typeface="Adobe Clean"/>
-              </a:rPr>
-              <a:t>c</a:t>
-            </a:r>
-            <a:r>
-              <a:rPr sz="1200" b="1">
-                <a:solidFill>
-                  <a:srgbClr val="020302"/>
-                </a:solidFill>
-                <a:latin typeface="Adobe Clean"/>
-                <a:cs typeface="Adobe Clean"/>
-              </a:rPr>
-              <a:t>e</a:t>
-            </a:r>
-            <a:r>
-              <a:rPr sz="1200" b="1" spc="-80">
-                <a:solidFill>
-                  <a:srgbClr val="020302"/>
-                </a:solidFill>
-                <a:latin typeface="Adobe Clean"/>
-                <a:cs typeface="Adobe Clean"/>
-              </a:rPr>
-              <a:t> </a:t>
-            </a:r>
-            <a:r>
-              <a:rPr sz="1200" b="1" spc="-20">
-                <a:solidFill>
-                  <a:srgbClr val="020302"/>
-                </a:solidFill>
-                <a:latin typeface="Adobe Clean"/>
-                <a:cs typeface="Adobe Clean"/>
-              </a:rPr>
-              <a:t>R</a:t>
-            </a:r>
-            <a:r>
-              <a:rPr sz="1200" b="1" spc="-25">
-                <a:solidFill>
-                  <a:srgbClr val="020302"/>
-                </a:solidFill>
-                <a:latin typeface="Adobe Clean"/>
-                <a:cs typeface="Adobe Clean"/>
-              </a:rPr>
-              <a:t>e</a:t>
-            </a:r>
-            <a:r>
-              <a:rPr sz="1200" b="1" spc="-30">
-                <a:solidFill>
-                  <a:srgbClr val="020302"/>
-                </a:solidFill>
-                <a:latin typeface="Adobe Clean"/>
-                <a:cs typeface="Adobe Clean"/>
-              </a:rPr>
-              <a:t>v</a:t>
-            </a:r>
-            <a:r>
-              <a:rPr sz="1200" b="1" spc="-20">
-                <a:solidFill>
-                  <a:srgbClr val="020302"/>
-                </a:solidFill>
-                <a:latin typeface="Adobe Clean"/>
-                <a:cs typeface="Adobe Clean"/>
-              </a:rPr>
-              <a:t>i</a:t>
-            </a:r>
-            <a:r>
-              <a:rPr sz="1200" b="1" spc="-25">
-                <a:solidFill>
-                  <a:srgbClr val="020302"/>
-                </a:solidFill>
-                <a:latin typeface="Adobe Clean"/>
-                <a:cs typeface="Adobe Clean"/>
-              </a:rPr>
-              <a:t>ew</a:t>
-            </a:r>
-            <a:r>
-              <a:rPr sz="1200" b="1">
-                <a:solidFill>
-                  <a:srgbClr val="020302"/>
-                </a:solidFill>
-                <a:latin typeface="Adobe Clean"/>
-                <a:cs typeface="Adobe Clean"/>
-              </a:rPr>
-              <a:t>s</a:t>
-            </a:r>
-            <a:endParaRPr sz="1200">
-              <a:latin typeface="Adobe Clean"/>
-              <a:cs typeface="Adobe Clean"/>
-            </a:endParaRPr>
+              <a:t>Valutazione dei servizi</a:t>
+            </a:r>
           </a:p>
         </p:txBody>
       </p:sp>
@@ -10401,7 +8582,7 @@
         <p:spPr>
           <a:xfrm>
             <a:off x="2835999" y="2921585"/>
-            <a:ext cx="2194560" cy="474489"/>
+            <a:ext cx="2194560" cy="628377"/>
           </a:xfrm>
           <a:prstGeom prst="rect">
             <a:avLst/>
@@ -10422,18 +8603,65 @@
               </a:spcBef>
             </a:pPr>
             <a:r>
-              <a:rPr lang="en-US" sz="1000">
+              <a:rPr lang="it-IT" sz="1000" dirty="0">
                 <a:solidFill>
                   <a:srgbClr val="4B4B4B"/>
                 </a:solidFill>
                 <a:latin typeface="Adobe Clean Light" panose="020B0303020404020204" pitchFamily="34" charset="0"/>
               </a:rPr>
-              <a:t>A bi-annual comprehensive review of  Enterprise program services, benefits and support metrics.</a:t>
-            </a:r>
-            <a:endParaRPr sz="1000">
-              <a:latin typeface="Adobe Clean Light" panose="020B0303020404020204" pitchFamily="34" charset="0"/>
-              <a:cs typeface="AdobeClean-Light"/>
-            </a:endParaRPr>
+              <a:t>Valutazione semestrale completa dei </a:t>
+            </a:r>
+            <a:br>
+              <a:rPr lang="sk-SK" sz="1000" dirty="0">
+                <a:solidFill>
+                  <a:srgbClr val="4B4B4B"/>
+                </a:solidFill>
+                <a:latin typeface="Adobe Clean Light" panose="020B0303020404020204" pitchFamily="34" charset="0"/>
+              </a:rPr>
+            </a:br>
+            <a:r>
+              <a:rPr lang="it-IT" sz="1000" dirty="0">
+                <a:solidFill>
+                  <a:srgbClr val="4B4B4B"/>
+                </a:solidFill>
+                <a:latin typeface="Adobe Clean Light" panose="020B0303020404020204" pitchFamily="34" charset="0"/>
+              </a:rPr>
+              <a:t>servizi erogati dal programma Enterprise, </a:t>
+            </a:r>
+            <a:br>
+              <a:rPr lang="sk-SK" sz="1000" dirty="0">
+                <a:solidFill>
+                  <a:srgbClr val="4B4B4B"/>
+                </a:solidFill>
+                <a:latin typeface="Adobe Clean Light" panose="020B0303020404020204" pitchFamily="34" charset="0"/>
+              </a:rPr>
+            </a:br>
+            <a:r>
+              <a:rPr lang="it-IT" sz="1000" dirty="0">
+                <a:solidFill>
+                  <a:srgbClr val="4B4B4B"/>
+                </a:solidFill>
+                <a:latin typeface="Adobe Clean Light" panose="020B0303020404020204" pitchFamily="34" charset="0"/>
+              </a:rPr>
+              <a:t>dei vantaggi che offrono e delle metriche </a:t>
+            </a:r>
+            <a:br>
+              <a:rPr lang="sk-SK" sz="1000" dirty="0">
+                <a:solidFill>
+                  <a:srgbClr val="4B4B4B"/>
+                </a:solidFill>
+                <a:latin typeface="Adobe Clean Light" panose="020B0303020404020204" pitchFamily="34" charset="0"/>
+              </a:rPr>
+            </a:br>
+            <a:r>
+              <a:rPr lang="it-IT" sz="1000" dirty="0">
+                <a:solidFill>
+                  <a:srgbClr val="4B4B4B"/>
+                </a:solidFill>
+                <a:latin typeface="Adobe Clean Light" panose="020B0303020404020204" pitchFamily="34" charset="0"/>
+              </a:rPr>
+              <a:t>di adottate.</a:t>
+            </a:r>
           </a:p>
         </p:txBody>
       </p:sp>
@@ -10473,18 +8701,14 @@
               </a:spcBef>
             </a:pPr>
             <a:r>
-              <a:rPr lang="en-US" sz="1000">
+              <a:rPr lang="it-IT" sz="1000">
                 <a:solidFill>
                   <a:srgbClr val="4B4B4B"/>
                 </a:solidFill>
                 <a:latin typeface="Adobe Clean Light" panose="020B0303020404020204" pitchFamily="34" charset="0"/>
               </a:rPr>
-              <a:t>A 60-minute session focusing on a specific product feature and how it can be utilized to solve common business problems.</a:t>
-            </a:r>
-            <a:endParaRPr sz="1000">
-              <a:latin typeface="Adobe Clean Light" panose="020B0303020404020204" pitchFamily="34" charset="0"/>
-              <a:cs typeface="AdobeClean-Light"/>
-            </a:endParaRPr>
+              <a:t>Una sessione di 60 minuti incentrata su una specifica funzionalità di prodotto e come utilizzarla per risolvere le problematiche più comuni.</a:t>
+            </a:r>
           </a:p>
         </p:txBody>
       </p:sp>
@@ -10510,7 +8734,7 @@
           </a:prstGeom>
         </p:spPr>
         <p:txBody>
-          <a:bodyPr vert="horz" wrap="square" lIns="0" tIns="12700" rIns="0" bIns="0" rtlCol="0" anchor="t">
+          <a:bodyPr vert="horz" wrap="square" lIns="0" tIns="12700" rIns="0" bIns="0" rtlCol="0">
             <a:spAutoFit/>
           </a:bodyPr>
           <a:lstStyle/>
@@ -10524,20 +8748,48 @@
               </a:spcBef>
             </a:pPr>
             <a:r>
-              <a:rPr lang="en-US" sz="1000" dirty="0">
+              <a:rPr lang="it-IT" sz="1000" dirty="0">
                 <a:solidFill>
                   <a:srgbClr val="4B4B4B"/>
                 </a:solidFill>
-                <a:latin typeface="Adobe Clean Light"/>
+                <a:latin typeface="Adobe Clean Light" panose="020B0303020404020204" pitchFamily="34" charset="0"/>
               </a:rPr>
-              <a:t>Drive adoption of customization best practices and core components in AEM as a Cloud Service.</a:t>
-            </a:r>
-            <a:endParaRPr sz="1000" dirty="0">
-              <a:solidFill>
-                <a:srgbClr val="4B4B4B"/>
-              </a:solidFill>
-              <a:latin typeface="Adobe Clean Light" panose="020B0303020404020204" pitchFamily="34" charset="0"/>
-            </a:endParaRPr>
+              <a:t>Promuovere l’adozione di best practice </a:t>
+            </a:r>
+            <a:br>
+              <a:rPr lang="sk-SK" sz="1000" dirty="0">
+                <a:solidFill>
+                  <a:srgbClr val="4B4B4B"/>
+                </a:solidFill>
+                <a:latin typeface="Adobe Clean Light" panose="020B0303020404020204" pitchFamily="34" charset="0"/>
+              </a:rPr>
+            </a:br>
+            <a:r>
+              <a:rPr lang="it-IT" sz="1000" dirty="0">
+                <a:solidFill>
+                  <a:srgbClr val="4B4B4B"/>
+                </a:solidFill>
+                <a:latin typeface="Adobe Clean Light" panose="020B0303020404020204" pitchFamily="34" charset="0"/>
+              </a:rPr>
+              <a:t>per la personalizzazione e componenti</a:t>
+            </a:r>
+            <a:br>
+              <a:rPr lang="sk-SK" sz="1000" dirty="0">
+                <a:solidFill>
+                  <a:srgbClr val="4B4B4B"/>
+                </a:solidFill>
+                <a:latin typeface="Adobe Clean Light" panose="020B0303020404020204" pitchFamily="34" charset="0"/>
+              </a:rPr>
+            </a:br>
+            <a:r>
+              <a:rPr lang="it-IT" sz="1000" dirty="0">
+                <a:solidFill>
+                  <a:srgbClr val="4B4B4B"/>
+                </a:solidFill>
+                <a:latin typeface="Adobe Clean Light" panose="020B0303020404020204" pitchFamily="34" charset="0"/>
+              </a:rPr>
+              <a:t>core di AEM as a Cloud Service</a:t>
+            </a:r>
           </a:p>
         </p:txBody>
       </p:sp>
@@ -10563,12 +8815,12 @@
           </a:prstGeom>
         </p:spPr>
         <p:txBody>
-          <a:bodyPr vert="horz" wrap="square" lIns="0" tIns="12700" rIns="0" bIns="0" rtlCol="0" anchor="t">
+          <a:bodyPr vert="horz" wrap="square" lIns="0" tIns="12700" rIns="0" bIns="0" rtlCol="0">
             <a:spAutoFit/>
           </a:bodyPr>
           <a:lstStyle/>
           <a:p>
-            <a:pPr marL="13970" marR="5080" indent="-1905">
+            <a:pPr marL="14604" marR="5080" indent="-1905">
               <a:lnSpc>
                 <a:spcPct val="117000"/>
               </a:lnSpc>
@@ -10577,20 +8829,48 @@
               </a:spcBef>
             </a:pPr>
             <a:r>
-              <a:rPr lang="en-US" sz="1000" dirty="0">
+              <a:rPr lang="it-IT" sz="1000" dirty="0">
                 <a:solidFill>
                   <a:srgbClr val="4B4B4B"/>
                 </a:solidFill>
-                <a:latin typeface="Adobe Clean Light"/>
+                <a:latin typeface="Adobe Clean Light" panose="020B0303020404020204" pitchFamily="34" charset="0"/>
               </a:rPr>
-              <a:t>Identify, review and provide recommendations on customized solution adoption areas that have opportunities for optimization.</a:t>
-            </a:r>
-            <a:endParaRPr lang="en-US" sz="1000" dirty="0">
-              <a:solidFill>
-                <a:srgbClr val="4B4B4B"/>
-              </a:solidFill>
-              <a:latin typeface="Adobe Clean Light" panose="020B0303020404020204" pitchFamily="34" charset="0"/>
-            </a:endParaRPr>
+              <a:t>Individuare, valutare e fornire raccomandazioni su aree specifiche,</a:t>
+            </a:r>
+            <a:br>
+              <a:rPr lang="sk-SK" sz="1000" dirty="0">
+                <a:solidFill>
+                  <a:srgbClr val="4B4B4B"/>
+                </a:solidFill>
+                <a:latin typeface="Adobe Clean Light" panose="020B0303020404020204" pitchFamily="34" charset="0"/>
+              </a:rPr>
+            </a:br>
+            <a:r>
+              <a:rPr lang="it-IT" sz="1000" dirty="0">
+                <a:solidFill>
+                  <a:srgbClr val="4B4B4B"/>
+                </a:solidFill>
+                <a:latin typeface="Adobe Clean Light" panose="020B0303020404020204" pitchFamily="34" charset="0"/>
+              </a:rPr>
+              <a:t>relative all’adozione delle soluzioni, </a:t>
+            </a:r>
+            <a:br>
+              <a:rPr lang="sk-SK" sz="1000" dirty="0">
+                <a:solidFill>
+                  <a:srgbClr val="4B4B4B"/>
+                </a:solidFill>
+                <a:latin typeface="Adobe Clean Light" panose="020B0303020404020204" pitchFamily="34" charset="0"/>
+              </a:rPr>
+            </a:br>
+            <a:r>
+              <a:rPr lang="it-IT" sz="1000" dirty="0">
+                <a:solidFill>
+                  <a:srgbClr val="4B4B4B"/>
+                </a:solidFill>
+                <a:latin typeface="Adobe Clean Light" panose="020B0303020404020204" pitchFamily="34" charset="0"/>
+              </a:rPr>
+              <a:t>che offrono opportunità di ottimizzazione</a:t>
+            </a:r>
           </a:p>
         </p:txBody>
       </p:sp>
@@ -10616,7 +8896,7 @@
           </a:prstGeom>
         </p:spPr>
         <p:txBody>
-          <a:bodyPr vert="horz" wrap="square" lIns="0" tIns="12700" rIns="0" bIns="0" rtlCol="0" anchor="t">
+          <a:bodyPr vert="horz" wrap="square" lIns="0" tIns="12700" rIns="0" bIns="0" rtlCol="0">
             <a:spAutoFit/>
           </a:bodyPr>
           <a:lstStyle/>
@@ -10630,20 +8910,14 @@
               </a:spcBef>
             </a:pPr>
             <a:r>
-              <a:rPr lang="en-US" sz="1000" dirty="0">
+              <a:rPr lang="it-IT" sz="1000">
                 <a:solidFill>
                   <a:srgbClr val="4B4B4B"/>
                 </a:solidFill>
-                <a:latin typeface="Adobe Clean Light"/>
+                <a:latin typeface="Adobe Clean Light" panose="020B0303020404020204" pitchFamily="34" charset="0"/>
               </a:rPr>
-              <a:t>Technical &amp; operational governance to assist AEM as a Cloud Service Customers in adhering to industry standards and best practices for AEM as a Cloud Service.</a:t>
-            </a:r>
-            <a:endParaRPr sz="1000" dirty="0">
-              <a:solidFill>
-                <a:srgbClr val="4B4B4B"/>
-              </a:solidFill>
-              <a:latin typeface="Adobe Clean Light" panose="020B0303020404020204" pitchFamily="34" charset="0"/>
-            </a:endParaRPr>
+              <a:t>Governance operativa e tecnica per assistere i clienti di AEM as a Cloud Service a rispettare gli standard di settore e le best practice per AEM as a Cloud Service</a:t>
+            </a:r>
           </a:p>
         </p:txBody>
       </p:sp>
@@ -10680,20 +8954,14 @@
               </a:spcBef>
             </a:pPr>
             <a:r>
-              <a:rPr lang="en-US" sz="1000" dirty="0">
+              <a:rPr lang="it-IT" sz="1000">
                 <a:solidFill>
                   <a:srgbClr val="4B4B4B"/>
                 </a:solidFill>
                 <a:latin typeface="Adobe Clean Light" panose="020B0303020404020204" pitchFamily="34" charset="0"/>
               </a:rPr>
-              <a:t>A designated support engineer who becomes familiar with your solution environment and business goals. The NSE is an experienced support engineer that helps coordinate your Enterprise Support experience.</a:t>
-            </a:r>
-            <a:endParaRPr lang="en-US" sz="1000" dirty="0">
-              <a:solidFill>
-                <a:srgbClr val="000000"/>
-              </a:solidFill>
-              <a:latin typeface="Adobe Clean Light" panose="020B0303020404020204" pitchFamily="34" charset="0"/>
-            </a:endParaRPr>
+              <a:t>Un tecnico del supporto dedicato che acquisisce familiarità con l’ambiente della soluzione e gli obiettivi di business del cliente. Il Named Support Engineer è un tecnico esperto che aiuta a coordinare la tua esperienza di assistenza Enterprise.</a:t>
+            </a:r>
           </a:p>
         </p:txBody>
       </p:sp>
@@ -10735,7 +9003,7 @@
               </a:spcAft>
             </a:pPr>
             <a:r>
-              <a:rPr lang="en-US" sz="1200" b="1" spc="-10">
+              <a:rPr lang="it-IT" sz="1200" b="1">
                 <a:solidFill>
                   <a:srgbClr val="020302"/>
                 </a:solidFill>
@@ -10800,7 +9068,7 @@
         <p:spPr>
           <a:xfrm>
             <a:off x="5723508" y="1099976"/>
-            <a:ext cx="1036205" cy="197490"/>
+            <a:ext cx="1463040" cy="197490"/>
           </a:xfrm>
           <a:prstGeom prst="rect">
             <a:avLst/>
@@ -10821,19 +9089,15 @@
               </a:spcBef>
             </a:pPr>
             <a:r>
-              <a:rPr lang="en-US" sz="1200" b="1" spc="-20">
+              <a:rPr lang="it-IT" sz="1200" b="1" dirty="0">
                 <a:solidFill>
                   <a:srgbClr val="020302"/>
                 </a:solidFill>
                 <a:latin typeface="Adobe Clean"/>
                 <a:cs typeface="Adobe Clean"/>
               </a:rPr>
-              <a:t>Expert Sessions</a:t>
-            </a:r>
-            <a:endParaRPr sz="1200">
-              <a:latin typeface="Adobe Clean"/>
-              <a:cs typeface="Adobe Clean"/>
-            </a:endParaRPr>
+              <a:t>Sessioni con esperti</a:t>
+            </a:r>
           </a:p>
         </p:txBody>
       </p:sp>
@@ -10851,8 +9115,8 @@
         </p:nvSpPr>
         <p:spPr>
           <a:xfrm>
-            <a:off x="5181600" y="4466703"/>
-            <a:ext cx="1972258" cy="461665"/>
+            <a:off x="5181600" y="4441989"/>
+            <a:ext cx="1972258" cy="646331"/>
           </a:xfrm>
           <a:prstGeom prst="rect">
             <a:avLst/>
@@ -10873,489 +9137,34 @@
               </a:spcBef>
             </a:pPr>
             <a:r>
-              <a:rPr lang="en-US" sz="1200" b="1" spc="-15">
+              <a:rPr lang="it-IT" sz="1200" b="1" dirty="0">
                 <a:solidFill>
                   <a:srgbClr val="020302"/>
                 </a:solidFill>
                 <a:latin typeface="Adobe Clean"/>
                 <a:cs typeface="Adobe Clean"/>
               </a:rPr>
-              <a:t>C</a:t>
-            </a:r>
-            <a:r>
-              <a:rPr lang="en-US" sz="1200" b="1" spc="-20">
+              <a:t>Best practice per </a:t>
+            </a:r>
+            <a:br>
+              <a:rPr lang="sk-SK" sz="1200" b="1" dirty="0">
                 <a:solidFill>
                   <a:srgbClr val="020302"/>
                 </a:solidFill>
                 <a:latin typeface="Adobe Clean"/>
                 <a:cs typeface="Adobe Clean"/>
               </a:rPr>
-              <a:t>u</a:t>
-            </a:r>
-            <a:r>
-              <a:rPr lang="en-US" sz="1200" b="1" spc="-25">
+            </a:br>
+            <a:r>
+              <a:rPr lang="it-IT" sz="1200" b="1" dirty="0">
                 <a:solidFill>
                   <a:srgbClr val="020302"/>
                 </a:solidFill>
                 <a:latin typeface="Adobe Clean"/>
                 <a:cs typeface="Adobe Clean"/>
               </a:rPr>
-              <a:t>st</a:t>
-            </a:r>
-            <a:r>
-              <a:rPr lang="en-US" sz="1200" b="1" spc="-15">
-                <a:solidFill>
-                  <a:srgbClr val="020302"/>
-                </a:solidFill>
-                <a:latin typeface="Adobe Clean"/>
-                <a:cs typeface="Adobe Clean"/>
-              </a:rPr>
-              <a:t>o</a:t>
-            </a:r>
-            <a:r>
-              <a:rPr lang="en-US" sz="1200" b="1" spc="-20">
-                <a:solidFill>
-                  <a:srgbClr val="020302"/>
-                </a:solidFill>
-                <a:latin typeface="Adobe Clean"/>
-                <a:cs typeface="Adobe Clean"/>
-              </a:rPr>
-              <a:t>miza</a:t>
-            </a:r>
-            <a:r>
-              <a:rPr lang="en-US" sz="1200" b="1" spc="-25">
-                <a:solidFill>
-                  <a:srgbClr val="020302"/>
-                </a:solidFill>
-                <a:latin typeface="Adobe Clean"/>
-                <a:cs typeface="Adobe Clean"/>
-              </a:rPr>
-              <a:t>t</a:t>
-            </a:r>
-            <a:r>
-              <a:rPr lang="en-US" sz="1200" b="1" spc="-20">
-                <a:solidFill>
-                  <a:srgbClr val="020302"/>
-                </a:solidFill>
-                <a:latin typeface="Adobe Clean"/>
-                <a:cs typeface="Adobe Clean"/>
-              </a:rPr>
-              <a:t>i</a:t>
-            </a:r>
-            <a:r>
-              <a:rPr lang="en-US" sz="1200" b="1" spc="-15">
-                <a:solidFill>
-                  <a:srgbClr val="020302"/>
-                </a:solidFill>
-                <a:latin typeface="Adobe Clean"/>
-                <a:cs typeface="Adobe Clean"/>
-              </a:rPr>
-              <a:t>o</a:t>
-            </a:r>
-            <a:r>
-              <a:rPr lang="en-US" sz="1200" b="1">
-                <a:solidFill>
-                  <a:srgbClr val="020302"/>
-                </a:solidFill>
-                <a:latin typeface="Adobe Clean"/>
-                <a:cs typeface="Adobe Clean"/>
-              </a:rPr>
-              <a:t>n</a:t>
-            </a:r>
-            <a:r>
-              <a:rPr lang="en-US" sz="1200" b="1" spc="-50">
-                <a:solidFill>
-                  <a:srgbClr val="020302"/>
-                </a:solidFill>
-                <a:latin typeface="Adobe Clean"/>
-                <a:cs typeface="Adobe Clean"/>
-              </a:rPr>
-              <a:t> </a:t>
-            </a:r>
-            <a:r>
-              <a:rPr lang="en-US" sz="1200" b="1" spc="-20">
-                <a:solidFill>
-                  <a:srgbClr val="020302"/>
-                </a:solidFill>
-                <a:latin typeface="Adobe Clean"/>
-                <a:cs typeface="Adobe Clean"/>
-              </a:rPr>
-              <a:t>B</a:t>
-            </a:r>
-            <a:r>
-              <a:rPr lang="en-US" sz="1200" b="1" spc="-25">
-                <a:solidFill>
-                  <a:srgbClr val="020302"/>
-                </a:solidFill>
-                <a:latin typeface="Adobe Clean"/>
-                <a:cs typeface="Adobe Clean"/>
-              </a:rPr>
-              <a:t>es</a:t>
-            </a:r>
-            <a:r>
-              <a:rPr lang="en-US" sz="1200" b="1">
-                <a:solidFill>
-                  <a:srgbClr val="020302"/>
-                </a:solidFill>
-                <a:latin typeface="Adobe Clean"/>
-                <a:cs typeface="Adobe Clean"/>
-              </a:rPr>
-              <a:t>t</a:t>
-            </a:r>
-            <a:r>
-              <a:rPr lang="en-US" sz="1200" b="1" spc="-50">
-                <a:solidFill>
-                  <a:srgbClr val="020302"/>
-                </a:solidFill>
-                <a:latin typeface="Adobe Clean"/>
-                <a:cs typeface="Adobe Clean"/>
-              </a:rPr>
-              <a:t> </a:t>
-            </a:r>
-            <a:r>
-              <a:rPr lang="en-US" sz="1200" b="1" spc="-25">
-                <a:solidFill>
-                  <a:srgbClr val="020302"/>
-                </a:solidFill>
-                <a:latin typeface="Adobe Clean"/>
-                <a:cs typeface="Adobe Clean"/>
-              </a:rPr>
-              <a:t>P</a:t>
-            </a:r>
-            <a:r>
-              <a:rPr lang="en-US" sz="1200" b="1" spc="-20">
-                <a:solidFill>
-                  <a:srgbClr val="020302"/>
-                </a:solidFill>
-                <a:latin typeface="Adobe Clean"/>
-                <a:cs typeface="Adobe Clean"/>
-              </a:rPr>
-              <a:t>ra</a:t>
-            </a:r>
-            <a:r>
-              <a:rPr lang="en-US" sz="1200" b="1" spc="-30">
-                <a:solidFill>
-                  <a:srgbClr val="020302"/>
-                </a:solidFill>
-                <a:latin typeface="Adobe Clean"/>
-                <a:cs typeface="Adobe Clean"/>
-              </a:rPr>
-              <a:t>c</a:t>
-            </a:r>
-            <a:r>
-              <a:rPr lang="en-US" sz="1200" b="1" spc="-25">
-                <a:solidFill>
-                  <a:srgbClr val="020302"/>
-                </a:solidFill>
-                <a:latin typeface="Adobe Clean"/>
-                <a:cs typeface="Adobe Clean"/>
-              </a:rPr>
-              <a:t>t</a:t>
-            </a:r>
-            <a:r>
-              <a:rPr lang="en-US" sz="1200" b="1" spc="-20">
-                <a:solidFill>
-                  <a:srgbClr val="020302"/>
-                </a:solidFill>
-                <a:latin typeface="Adobe Clean"/>
-                <a:cs typeface="Adobe Clean"/>
-              </a:rPr>
-              <a:t>i</a:t>
-            </a:r>
-            <a:r>
-              <a:rPr lang="en-US" sz="1200" b="1" spc="-30">
-                <a:solidFill>
-                  <a:srgbClr val="020302"/>
-                </a:solidFill>
-                <a:latin typeface="Adobe Clean"/>
-                <a:cs typeface="Adobe Clean"/>
-              </a:rPr>
-              <a:t>c</a:t>
-            </a:r>
-            <a:r>
-              <a:rPr lang="en-US" sz="1200" b="1" spc="-25">
-                <a:solidFill>
-                  <a:srgbClr val="020302"/>
-                </a:solidFill>
-                <a:latin typeface="Adobe Clean"/>
-                <a:cs typeface="Adobe Clean"/>
-              </a:rPr>
-              <a:t>e</a:t>
-            </a:r>
-            <a:r>
-              <a:rPr lang="en-US" sz="1200" b="1">
-                <a:solidFill>
-                  <a:srgbClr val="020302"/>
-                </a:solidFill>
-                <a:latin typeface="Adobe Clean"/>
-                <a:cs typeface="Adobe Clean"/>
-              </a:rPr>
-              <a:t>s</a:t>
-            </a:r>
-            <a:r>
-              <a:rPr lang="en-US" sz="1200" b="1" spc="-45">
-                <a:solidFill>
-                  <a:srgbClr val="020302"/>
-                </a:solidFill>
-                <a:latin typeface="Adobe Clean"/>
-                <a:cs typeface="Adobe Clean"/>
-              </a:rPr>
-              <a:t> </a:t>
-            </a:r>
-            <a:r>
-              <a:rPr lang="en-US" sz="1200" b="1" spc="-25">
-                <a:solidFill>
-                  <a:srgbClr val="020302"/>
-                </a:solidFill>
-                <a:latin typeface="Adobe Clean"/>
-                <a:cs typeface="Adobe Clean"/>
-              </a:rPr>
-              <a:t>f</a:t>
-            </a:r>
-            <a:r>
-              <a:rPr lang="en-US" sz="1200" b="1" spc="-15">
-                <a:solidFill>
-                  <a:srgbClr val="020302"/>
-                </a:solidFill>
-                <a:latin typeface="Adobe Clean"/>
-                <a:cs typeface="Adobe Clean"/>
-              </a:rPr>
-              <a:t>o</a:t>
-            </a:r>
-            <a:r>
-              <a:rPr lang="en-US" sz="1200" b="1">
-                <a:solidFill>
-                  <a:srgbClr val="020302"/>
-                </a:solidFill>
-                <a:latin typeface="Adobe Clean"/>
-                <a:cs typeface="Adobe Clean"/>
-              </a:rPr>
-              <a:t>r</a:t>
-            </a:r>
-            <a:r>
-              <a:rPr lang="en-US" sz="1200" b="1" spc="-45">
-                <a:solidFill>
-                  <a:srgbClr val="020302"/>
-                </a:solidFill>
-                <a:latin typeface="Adobe Clean"/>
-                <a:cs typeface="Adobe Clean"/>
-              </a:rPr>
-              <a:t> </a:t>
-            </a:r>
-            <a:r>
-              <a:rPr lang="en-US" sz="1200" b="1" spc="-30">
-                <a:solidFill>
-                  <a:srgbClr val="020302"/>
-                </a:solidFill>
-                <a:latin typeface="Adobe Clean"/>
-                <a:cs typeface="Adobe Clean"/>
-              </a:rPr>
-              <a:t>AE</a:t>
-            </a:r>
-            <a:r>
-              <a:rPr lang="en-US" sz="1200" b="1">
-                <a:solidFill>
-                  <a:srgbClr val="020302"/>
-                </a:solidFill>
-                <a:latin typeface="Adobe Clean"/>
-                <a:cs typeface="Adobe Clean"/>
-              </a:rPr>
-              <a:t>M</a:t>
-            </a:r>
-            <a:r>
-              <a:rPr lang="en-US" sz="1200" b="1" spc="-55">
-                <a:solidFill>
-                  <a:srgbClr val="020302"/>
-                </a:solidFill>
-                <a:latin typeface="Adobe Clean"/>
-                <a:cs typeface="Adobe Clean"/>
-              </a:rPr>
-              <a:t> </a:t>
-            </a:r>
-            <a:r>
-              <a:rPr lang="en-US" sz="1200" b="1" spc="-20">
-                <a:solidFill>
-                  <a:srgbClr val="020302"/>
-                </a:solidFill>
-                <a:latin typeface="Adobe Clean"/>
-                <a:cs typeface="Adobe Clean"/>
-              </a:rPr>
-              <a:t>a</a:t>
-            </a:r>
-            <a:r>
-              <a:rPr lang="en-US" sz="1200" b="1">
-                <a:solidFill>
-                  <a:srgbClr val="020302"/>
-                </a:solidFill>
-                <a:latin typeface="Adobe Clean"/>
-                <a:cs typeface="Adobe Clean"/>
-              </a:rPr>
-              <a:t>s</a:t>
-            </a:r>
-            <a:r>
-              <a:rPr lang="en-US" sz="1200" b="1" spc="-45">
-                <a:solidFill>
-                  <a:srgbClr val="020302"/>
-                </a:solidFill>
-                <a:latin typeface="Adobe Clean"/>
-                <a:cs typeface="Adobe Clean"/>
-              </a:rPr>
-              <a:t> </a:t>
-            </a:r>
-            <a:r>
-              <a:rPr lang="en-US" sz="1200" b="1">
-                <a:solidFill>
-                  <a:srgbClr val="020302"/>
-                </a:solidFill>
-                <a:latin typeface="Adobe Clean"/>
-                <a:cs typeface="Adobe Clean"/>
-              </a:rPr>
-              <a:t>a</a:t>
-            </a:r>
-            <a:r>
-              <a:rPr lang="en-US" sz="1200" b="1" spc="-45">
-                <a:solidFill>
-                  <a:srgbClr val="020302"/>
-                </a:solidFill>
-                <a:latin typeface="Adobe Clean"/>
-                <a:cs typeface="Adobe Clean"/>
-              </a:rPr>
-              <a:t> </a:t>
-            </a:r>
-            <a:r>
-              <a:rPr lang="en-US" sz="1200" b="1" spc="-15">
-                <a:solidFill>
-                  <a:srgbClr val="020302"/>
-                </a:solidFill>
-                <a:latin typeface="Adobe Clean"/>
-                <a:cs typeface="Adobe Clean"/>
-              </a:rPr>
-              <a:t>C</a:t>
-            </a:r>
-            <a:r>
-              <a:rPr lang="en-US" sz="1200" b="1" spc="-25">
-                <a:solidFill>
-                  <a:srgbClr val="020302"/>
-                </a:solidFill>
-                <a:latin typeface="Adobe Clean"/>
-                <a:cs typeface="Adobe Clean"/>
-              </a:rPr>
-              <a:t>l</a:t>
-            </a:r>
-            <a:r>
-              <a:rPr lang="en-US" sz="1200" b="1" spc="-15">
-                <a:solidFill>
-                  <a:srgbClr val="020302"/>
-                </a:solidFill>
-                <a:latin typeface="Adobe Clean"/>
-                <a:cs typeface="Adobe Clean"/>
-              </a:rPr>
-              <a:t>o</a:t>
-            </a:r>
-            <a:r>
-              <a:rPr lang="en-US" sz="1200" b="1" spc="-20">
-                <a:solidFill>
-                  <a:srgbClr val="020302"/>
-                </a:solidFill>
-                <a:latin typeface="Adobe Clean"/>
-                <a:cs typeface="Adobe Clean"/>
-              </a:rPr>
-              <a:t>u</a:t>
-            </a:r>
-            <a:r>
-              <a:rPr lang="en-US" sz="1200" b="1">
-                <a:solidFill>
-                  <a:srgbClr val="020302"/>
-                </a:solidFill>
-                <a:latin typeface="Adobe Clean"/>
-                <a:cs typeface="Adobe Clean"/>
-              </a:rPr>
-              <a:t>d</a:t>
-            </a:r>
-            <a:r>
-              <a:rPr lang="en-US" sz="1200" b="1" spc="-50">
-                <a:solidFill>
-                  <a:srgbClr val="020302"/>
-                </a:solidFill>
-                <a:latin typeface="Adobe Clean"/>
-                <a:cs typeface="Adobe Clean"/>
-              </a:rPr>
-              <a:t> </a:t>
-            </a:r>
-            <a:r>
-              <a:rPr lang="en-US" sz="1200" b="1" spc="-20">
-                <a:solidFill>
-                  <a:srgbClr val="020302"/>
-                </a:solidFill>
-                <a:latin typeface="Adobe Clean"/>
-                <a:cs typeface="Adobe Clean"/>
-              </a:rPr>
-              <a:t>S</a:t>
-            </a:r>
-            <a:r>
-              <a:rPr lang="en-US" sz="1200" b="1" spc="-25">
-                <a:solidFill>
-                  <a:srgbClr val="020302"/>
-                </a:solidFill>
-                <a:latin typeface="Adobe Clean"/>
-                <a:cs typeface="Adobe Clean"/>
-              </a:rPr>
-              <a:t>e</a:t>
-            </a:r>
-            <a:r>
-              <a:rPr lang="en-US" sz="1200" b="1" spc="-20">
-                <a:solidFill>
-                  <a:srgbClr val="020302"/>
-                </a:solidFill>
-                <a:latin typeface="Adobe Clean"/>
-                <a:cs typeface="Adobe Clean"/>
-              </a:rPr>
-              <a:t>r</a:t>
-            </a:r>
-            <a:r>
-              <a:rPr lang="en-US" sz="1200" b="1" spc="-30">
-                <a:solidFill>
-                  <a:srgbClr val="020302"/>
-                </a:solidFill>
-                <a:latin typeface="Adobe Clean"/>
-                <a:cs typeface="Adobe Clean"/>
-              </a:rPr>
-              <a:t>v</a:t>
-            </a:r>
-            <a:r>
-              <a:rPr lang="en-US" sz="1200" b="1" spc="-20">
-                <a:solidFill>
-                  <a:srgbClr val="020302"/>
-                </a:solidFill>
-                <a:latin typeface="Adobe Clean"/>
-                <a:cs typeface="Adobe Clean"/>
-              </a:rPr>
-              <a:t>i</a:t>
-            </a:r>
-            <a:r>
-              <a:rPr lang="en-US" sz="1200" b="1" spc="-30">
-                <a:solidFill>
-                  <a:srgbClr val="020302"/>
-                </a:solidFill>
-                <a:latin typeface="Adobe Clean"/>
-                <a:cs typeface="Adobe Clean"/>
-              </a:rPr>
-              <a:t>c</a:t>
-            </a:r>
-            <a:r>
-              <a:rPr lang="en-US" sz="1200" b="1">
-                <a:solidFill>
-                  <a:srgbClr val="020302"/>
-                </a:solidFill>
-                <a:latin typeface="Adobe Clean"/>
-                <a:cs typeface="Adobe Clean"/>
-              </a:rPr>
-              <a:t>e</a:t>
-            </a:r>
-            <a:endParaRPr lang="en-US" sz="1200">
-              <a:latin typeface="Adobe Clean"/>
-              <a:cs typeface="Adobe Clean"/>
-            </a:endParaRPr>
+              <a:t>la personalizzazione di AEM as a Cloud Service</a:t>
+            </a:r>
           </a:p>
         </p:txBody>
       </p:sp>
@@ -11374,7 +9183,7 @@
         <p:spPr>
           <a:xfrm>
             <a:off x="2752588" y="4438393"/>
-            <a:ext cx="1708650" cy="461665"/>
+            <a:ext cx="1708650" cy="646331"/>
           </a:xfrm>
           <a:prstGeom prst="rect">
             <a:avLst/>
@@ -11395,19 +9204,34 @@
               </a:spcBef>
             </a:pPr>
             <a:r>
-              <a:rPr lang="en-US" sz="1200" b="1" spc="-25">
+              <a:rPr lang="it-IT" sz="1200" b="1" dirty="0">
                 <a:solidFill>
                   <a:srgbClr val="020302"/>
                 </a:solidFill>
                 <a:latin typeface="Adobe Clean"/>
                 <a:cs typeface="Adobe Clean"/>
               </a:rPr>
-              <a:t>Value-added Services for AEM as a Cloud Service</a:t>
-            </a:r>
-            <a:endParaRPr lang="en-US" sz="1200">
-              <a:latin typeface="Adobe Clean"/>
-              <a:cs typeface="Adobe Clean"/>
-            </a:endParaRPr>
+              <a:t>Servizi a valore aggiunto per AEM </a:t>
+            </a:r>
+            <a:br>
+              <a:rPr lang="sk-SK" sz="1200" b="1" dirty="0">
+                <a:solidFill>
+                  <a:srgbClr val="020302"/>
+                </a:solidFill>
+                <a:latin typeface="Adobe Clean"/>
+                <a:cs typeface="Adobe Clean"/>
+              </a:rPr>
+            </a:br>
+            <a:r>
+              <a:rPr lang="it-IT" sz="1200" b="1" dirty="0">
+                <a:solidFill>
+                  <a:srgbClr val="020302"/>
+                </a:solidFill>
+                <a:latin typeface="Adobe Clean"/>
+                <a:cs typeface="Adobe Clean"/>
+              </a:rPr>
+              <a:t>as a Cloud Service</a:t>
+            </a:r>
           </a:p>
         </p:txBody>
       </p:sp>
@@ -11447,359 +9271,34 @@
               </a:spcBef>
             </a:pPr>
             <a:r>
-              <a:rPr lang="en-US" sz="1200" b="1" spc="-20">
+              <a:rPr lang="it-IT" sz="1200" b="1" dirty="0">
                 <a:solidFill>
                   <a:srgbClr val="020302"/>
                 </a:solidFill>
                 <a:latin typeface="Adobe Clean"/>
                 <a:cs typeface="Adobe Clean"/>
               </a:rPr>
-              <a:t>G</a:t>
-            </a:r>
-            <a:r>
-              <a:rPr lang="en-US" sz="1200" b="1" spc="-15">
+              <a:t>Governance per AEM </a:t>
+            </a:r>
+            <a:br>
+              <a:rPr lang="sk-SK" sz="1200" b="1" dirty="0">
                 <a:solidFill>
                   <a:srgbClr val="020302"/>
                 </a:solidFill>
                 <a:latin typeface="Adobe Clean"/>
                 <a:cs typeface="Adobe Clean"/>
               </a:rPr>
-              <a:t>o</a:t>
-            </a:r>
-            <a:r>
-              <a:rPr lang="en-US" sz="1200" b="1" spc="-25">
+            </a:br>
+            <a:r>
+              <a:rPr lang="it-IT" sz="1200" b="1" dirty="0">
                 <a:solidFill>
                   <a:srgbClr val="020302"/>
                 </a:solidFill>
                 <a:latin typeface="Adobe Clean"/>
                 <a:cs typeface="Adobe Clean"/>
               </a:rPr>
-              <a:t>ve</a:t>
-            </a:r>
-            <a:r>
-              <a:rPr lang="en-US" sz="1200" b="1" spc="-20">
-                <a:solidFill>
-                  <a:srgbClr val="020302"/>
-                </a:solidFill>
-                <a:latin typeface="Adobe Clean"/>
-                <a:cs typeface="Adobe Clean"/>
-              </a:rPr>
-              <a:t>r</a:t>
-            </a:r>
-            <a:r>
-              <a:rPr lang="en-US" sz="1200" b="1" spc="-25">
-                <a:solidFill>
-                  <a:srgbClr val="020302"/>
-                </a:solidFill>
-                <a:latin typeface="Adobe Clean"/>
-                <a:cs typeface="Adobe Clean"/>
-              </a:rPr>
-              <a:t>n</a:t>
-            </a:r>
-            <a:r>
-              <a:rPr lang="en-US" sz="1200" b="1" spc="-20">
-                <a:solidFill>
-                  <a:srgbClr val="020302"/>
-                </a:solidFill>
-                <a:latin typeface="Adobe Clean"/>
-                <a:cs typeface="Adobe Clean"/>
-              </a:rPr>
-              <a:t>a</a:t>
-            </a:r>
-            <a:r>
-              <a:rPr lang="en-US" sz="1200" b="1" spc="-25">
-                <a:solidFill>
-                  <a:srgbClr val="020302"/>
-                </a:solidFill>
-                <a:latin typeface="Adobe Clean"/>
-                <a:cs typeface="Adobe Clean"/>
-              </a:rPr>
-              <a:t>n</a:t>
-            </a:r>
-            <a:r>
-              <a:rPr lang="en-US" sz="1200" b="1" spc="-30">
-                <a:solidFill>
-                  <a:srgbClr val="020302"/>
-                </a:solidFill>
-                <a:latin typeface="Adobe Clean"/>
-                <a:cs typeface="Adobe Clean"/>
-              </a:rPr>
-              <a:t>c</a:t>
-            </a:r>
-            <a:r>
-              <a:rPr lang="en-US" sz="1200" b="1">
-                <a:solidFill>
-                  <a:srgbClr val="020302"/>
-                </a:solidFill>
-                <a:latin typeface="Adobe Clean"/>
-                <a:cs typeface="Adobe Clean"/>
-              </a:rPr>
-              <a:t>e</a:t>
-            </a:r>
-            <a:r>
-              <a:rPr lang="en-US" sz="1200" b="1" spc="-50">
-                <a:solidFill>
-                  <a:srgbClr val="020302"/>
-                </a:solidFill>
-                <a:latin typeface="Adobe Clean"/>
-                <a:cs typeface="Adobe Clean"/>
-              </a:rPr>
-              <a:t> </a:t>
-            </a:r>
-            <a:r>
-              <a:rPr lang="en-US" sz="1200" b="1" spc="-25">
-                <a:solidFill>
-                  <a:srgbClr val="020302"/>
-                </a:solidFill>
-                <a:latin typeface="Adobe Clean"/>
-                <a:cs typeface="Adobe Clean"/>
-              </a:rPr>
-              <a:t>f</a:t>
-            </a:r>
-            <a:r>
-              <a:rPr lang="en-US" sz="1200" b="1" spc="-15">
-                <a:solidFill>
-                  <a:srgbClr val="020302"/>
-                </a:solidFill>
-                <a:latin typeface="Adobe Clean"/>
-                <a:cs typeface="Adobe Clean"/>
-              </a:rPr>
-              <a:t>o</a:t>
-            </a:r>
-            <a:r>
-              <a:rPr lang="en-US" sz="1200" b="1">
-                <a:solidFill>
-                  <a:srgbClr val="020302"/>
-                </a:solidFill>
-                <a:latin typeface="Adobe Clean"/>
-                <a:cs typeface="Adobe Clean"/>
-              </a:rPr>
-              <a:t>r</a:t>
-            </a:r>
-            <a:r>
-              <a:rPr lang="en-US" sz="1200" b="1" spc="-45">
-                <a:solidFill>
-                  <a:srgbClr val="020302"/>
-                </a:solidFill>
-                <a:latin typeface="Adobe Clean"/>
-                <a:cs typeface="Adobe Clean"/>
-              </a:rPr>
-              <a:t> </a:t>
-            </a:r>
-            <a:r>
-              <a:rPr lang="en-US" sz="1200" b="1" spc="-30">
-                <a:solidFill>
-                  <a:srgbClr val="020302"/>
-                </a:solidFill>
-                <a:latin typeface="Adobe Clean"/>
-                <a:cs typeface="Adobe Clean"/>
-              </a:rPr>
-              <a:t>A</a:t>
-            </a:r>
-            <a:r>
-              <a:rPr lang="en-US" sz="1200" b="1" spc="-25">
-                <a:solidFill>
-                  <a:srgbClr val="020302"/>
-                </a:solidFill>
-                <a:latin typeface="Adobe Clean"/>
-                <a:cs typeface="Adobe Clean"/>
-              </a:rPr>
-              <a:t>E</a:t>
-            </a:r>
-            <a:r>
-              <a:rPr lang="en-US" sz="1200" b="1">
-                <a:solidFill>
-                  <a:srgbClr val="020302"/>
-                </a:solidFill>
-                <a:latin typeface="Adobe Clean"/>
-                <a:cs typeface="Adobe Clean"/>
-              </a:rPr>
-              <a:t>M</a:t>
-            </a:r>
-            <a:r>
-              <a:rPr lang="en-US" sz="1200" b="1" spc="-50">
-                <a:solidFill>
-                  <a:srgbClr val="020302"/>
-                </a:solidFill>
-                <a:latin typeface="Adobe Clean"/>
-                <a:cs typeface="Adobe Clean"/>
-              </a:rPr>
-              <a:t> </a:t>
-            </a:r>
-            <a:r>
-              <a:rPr lang="en-US" sz="1200" b="1" spc="-20">
-                <a:solidFill>
-                  <a:srgbClr val="020302"/>
-                </a:solidFill>
-                <a:latin typeface="Adobe Clean"/>
-                <a:cs typeface="Adobe Clean"/>
-              </a:rPr>
-              <a:t>a</a:t>
-            </a:r>
-            <a:r>
-              <a:rPr lang="en-US" sz="1200" b="1">
-                <a:solidFill>
-                  <a:srgbClr val="020302"/>
-                </a:solidFill>
-                <a:latin typeface="Adobe Clean"/>
-                <a:cs typeface="Adobe Clean"/>
-              </a:rPr>
-              <a:t>s</a:t>
-            </a:r>
-            <a:r>
-              <a:rPr lang="en-US" sz="1200" b="1" spc="-45">
-                <a:solidFill>
-                  <a:srgbClr val="020302"/>
-                </a:solidFill>
-                <a:latin typeface="Adobe Clean"/>
-                <a:cs typeface="Adobe Clean"/>
-              </a:rPr>
-              <a:t> </a:t>
-            </a:r>
-            <a:r>
-              <a:rPr lang="en-US" sz="1200" b="1">
-                <a:solidFill>
-                  <a:srgbClr val="020302"/>
-                </a:solidFill>
-                <a:latin typeface="Adobe Clean"/>
-                <a:cs typeface="Adobe Clean"/>
-              </a:rPr>
-              <a:t>a</a:t>
-            </a:r>
-            <a:r>
-              <a:rPr lang="en-US" sz="1200" b="1" spc="-40">
-                <a:solidFill>
-                  <a:srgbClr val="020302"/>
-                </a:solidFill>
-                <a:latin typeface="Adobe Clean"/>
-                <a:cs typeface="Adobe Clean"/>
-              </a:rPr>
-              <a:t> </a:t>
-            </a:r>
-            <a:r>
-              <a:rPr lang="en-US" sz="1200" b="1" spc="-15">
-                <a:solidFill>
-                  <a:srgbClr val="020302"/>
-                </a:solidFill>
-                <a:latin typeface="Adobe Clean"/>
-                <a:cs typeface="Adobe Clean"/>
-              </a:rPr>
-              <a:t>C</a:t>
-            </a:r>
-            <a:r>
-              <a:rPr lang="en-US" sz="1200" b="1" spc="-25">
-                <a:solidFill>
-                  <a:srgbClr val="020302"/>
-                </a:solidFill>
-                <a:latin typeface="Adobe Clean"/>
-                <a:cs typeface="Adobe Clean"/>
-              </a:rPr>
-              <a:t>l</a:t>
-            </a:r>
-            <a:r>
-              <a:rPr lang="en-US" sz="1200" b="1" spc="-15">
-                <a:solidFill>
-                  <a:srgbClr val="020302"/>
-                </a:solidFill>
-                <a:latin typeface="Adobe Clean"/>
-                <a:cs typeface="Adobe Clean"/>
-              </a:rPr>
-              <a:t>ou</a:t>
-            </a:r>
-            <a:r>
-              <a:rPr lang="en-US" sz="1200" b="1">
-                <a:solidFill>
-                  <a:srgbClr val="020302"/>
-                </a:solidFill>
-                <a:latin typeface="Adobe Clean"/>
-                <a:cs typeface="Adobe Clean"/>
-              </a:rPr>
-              <a:t>d</a:t>
-            </a:r>
-            <a:r>
-              <a:rPr lang="en-US" sz="1200" b="1" spc="-50">
-                <a:solidFill>
-                  <a:srgbClr val="020302"/>
-                </a:solidFill>
-                <a:latin typeface="Adobe Clean"/>
-                <a:cs typeface="Adobe Clean"/>
-              </a:rPr>
-              <a:t> </a:t>
-            </a:r>
-            <a:r>
-              <a:rPr lang="en-US" sz="1200" b="1" spc="-20">
-                <a:solidFill>
-                  <a:srgbClr val="020302"/>
-                </a:solidFill>
-                <a:latin typeface="Adobe Clean"/>
-                <a:cs typeface="Adobe Clean"/>
-              </a:rPr>
-              <a:t>S</a:t>
-            </a:r>
-            <a:r>
-              <a:rPr lang="en-US" sz="1200" b="1" spc="-25">
-                <a:solidFill>
-                  <a:srgbClr val="020302"/>
-                </a:solidFill>
-                <a:latin typeface="Adobe Clean"/>
-                <a:cs typeface="Adobe Clean"/>
-              </a:rPr>
-              <a:t>e</a:t>
-            </a:r>
-            <a:r>
-              <a:rPr lang="en-US" sz="1200" b="1" spc="-20">
-                <a:solidFill>
-                  <a:srgbClr val="020302"/>
-                </a:solidFill>
-                <a:latin typeface="Adobe Clean"/>
-                <a:cs typeface="Adobe Clean"/>
-              </a:rPr>
-              <a:t>r</a:t>
-            </a:r>
-            <a:r>
-              <a:rPr lang="en-US" sz="1200" b="1" spc="-25">
-                <a:solidFill>
-                  <a:srgbClr val="020302"/>
-                </a:solidFill>
-                <a:latin typeface="Adobe Clean"/>
-                <a:cs typeface="Adobe Clean"/>
-              </a:rPr>
-              <a:t>v</a:t>
-            </a:r>
-            <a:r>
-              <a:rPr lang="en-US" sz="1200" b="1" spc="-20">
-                <a:solidFill>
-                  <a:srgbClr val="020302"/>
-                </a:solidFill>
-                <a:latin typeface="Adobe Clean"/>
-                <a:cs typeface="Adobe Clean"/>
-              </a:rPr>
-              <a:t>i</a:t>
-            </a:r>
-            <a:r>
-              <a:rPr lang="en-US" sz="1200" b="1" spc="-30">
-                <a:solidFill>
-                  <a:srgbClr val="020302"/>
-                </a:solidFill>
-                <a:latin typeface="Adobe Clean"/>
-                <a:cs typeface="Adobe Clean"/>
-              </a:rPr>
-              <a:t>c</a:t>
-            </a:r>
-            <a:r>
-              <a:rPr lang="en-US" sz="1200" b="1">
-                <a:solidFill>
-                  <a:srgbClr val="020302"/>
-                </a:solidFill>
-                <a:latin typeface="Adobe Clean"/>
-                <a:cs typeface="Adobe Clean"/>
-              </a:rPr>
-              <a:t>e</a:t>
-            </a:r>
-            <a:endParaRPr lang="en-US" sz="1200">
-              <a:latin typeface="Adobe Clean"/>
-              <a:cs typeface="Adobe Clean"/>
-            </a:endParaRPr>
+              <a:t>as a Cloud Service</a:t>
+            </a:r>
           </a:p>
         </p:txBody>
       </p:sp>
@@ -11895,8 +9394,8 @@
         </p:nvSpPr>
         <p:spPr>
           <a:xfrm>
-            <a:off x="689237" y="1102554"/>
-            <a:ext cx="1036205" cy="197490"/>
+            <a:off x="689237" y="1102553"/>
+            <a:ext cx="1373941" cy="197490"/>
           </a:xfrm>
           <a:prstGeom prst="rect">
             <a:avLst/>
@@ -11917,99 +9416,15 @@
               </a:spcBef>
             </a:pPr>
             <a:r>
-              <a:rPr lang="en-US" sz="1200" b="1" spc="-20">
+              <a:rPr lang="it-IT" sz="1200" b="1" dirty="0">
                 <a:solidFill>
                   <a:srgbClr val="020302"/>
                 </a:solidFill>
                 <a:latin typeface="Adobe Clean"/>
                 <a:cs typeface="Adobe Clean"/>
               </a:rPr>
-              <a:t>Cas</a:t>
-            </a:r>
-            <a:r>
-              <a:rPr sz="1200" b="1">
-                <a:solidFill>
-                  <a:srgbClr val="020302"/>
-                </a:solidFill>
-                <a:latin typeface="Adobe Clean"/>
-                <a:cs typeface="Adobe Clean"/>
-              </a:rPr>
-              <a:t>e</a:t>
-            </a:r>
-            <a:r>
-              <a:rPr sz="1200" b="1" spc="-80">
-                <a:solidFill>
-                  <a:srgbClr val="020302"/>
-                </a:solidFill>
-                <a:latin typeface="Adobe Clean"/>
-                <a:cs typeface="Adobe Clean"/>
-              </a:rPr>
-              <a:t> </a:t>
-            </a:r>
-            <a:r>
-              <a:rPr sz="1200" b="1" spc="-20">
-                <a:solidFill>
-                  <a:srgbClr val="020302"/>
-                </a:solidFill>
-                <a:latin typeface="Adobe Clean"/>
-                <a:cs typeface="Adobe Clean"/>
-              </a:rPr>
-              <a:t>R</a:t>
-            </a:r>
-            <a:r>
-              <a:rPr sz="1200" b="1" spc="-25">
-                <a:solidFill>
-                  <a:srgbClr val="020302"/>
-                </a:solidFill>
-                <a:latin typeface="Adobe Clean"/>
-                <a:cs typeface="Adobe Clean"/>
-              </a:rPr>
-              <a:t>e</a:t>
-            </a:r>
-            <a:r>
-              <a:rPr sz="1200" b="1" spc="-30">
-                <a:solidFill>
-                  <a:srgbClr val="020302"/>
-                </a:solidFill>
-                <a:latin typeface="Adobe Clean"/>
-                <a:cs typeface="Adobe Clean"/>
-              </a:rPr>
-              <a:t>v</a:t>
-            </a:r>
-            <a:r>
-              <a:rPr sz="1200" b="1" spc="-20">
-                <a:solidFill>
-                  <a:srgbClr val="020302"/>
-                </a:solidFill>
-                <a:latin typeface="Adobe Clean"/>
-                <a:cs typeface="Adobe Clean"/>
-              </a:rPr>
-              <a:t>i</a:t>
-            </a:r>
-            <a:r>
-              <a:rPr sz="1200" b="1" spc="-25">
-                <a:solidFill>
-                  <a:srgbClr val="020302"/>
-                </a:solidFill>
-                <a:latin typeface="Adobe Clean"/>
-                <a:cs typeface="Adobe Clean"/>
-              </a:rPr>
-              <a:t>ew</a:t>
-            </a:r>
-            <a:r>
-              <a:rPr sz="1200" b="1">
-                <a:solidFill>
-                  <a:srgbClr val="020302"/>
-                </a:solidFill>
-                <a:latin typeface="Adobe Clean"/>
-                <a:cs typeface="Adobe Clean"/>
-              </a:rPr>
-              <a:t>s</a:t>
-            </a:r>
-            <a:endParaRPr sz="1200">
-              <a:latin typeface="Adobe Clean"/>
-              <a:cs typeface="Adobe Clean"/>
-            </a:endParaRPr>
+              <a:t>Valutazione dei casi</a:t>
+            </a:r>
           </a:p>
         </p:txBody>
       </p:sp>
@@ -12088,18 +9503,14 @@
               </a:spcBef>
             </a:pPr>
             <a:r>
-              <a:rPr lang="en-US" sz="1000">
+              <a:rPr lang="it-IT" sz="1000">
                 <a:solidFill>
                   <a:srgbClr val="4B4B4B"/>
                 </a:solidFill>
                 <a:latin typeface="Adobe Clean Light" panose="020B0303020404020204" pitchFamily="34" charset="0"/>
               </a:rPr>
-              <a:t>Regular scheduled review of open support requests, ensuring customer alignment on case description, business impact, status, priority and agreement on next steps required to ensure an expedient resolution.</a:t>
-            </a:r>
-            <a:endParaRPr sz="1000">
-              <a:latin typeface="Adobe Clean Light" panose="020B0303020404020204" pitchFamily="34" charset="0"/>
-              <a:cs typeface="AdobeClean-Light"/>
-            </a:endParaRPr>
+              <a:t>Valutazione periodica programmata delle richieste di supporto aperte, per garantirne l’allineamento in termini di descrizione dei casi, impatto sul business, stato, priorità e accordi sulle azioni successive necessarie a garantire una rapida risoluzione.</a:t>
+            </a:r>
           </a:p>
         </p:txBody>
       </p:sp>
@@ -12139,19 +9550,15 @@
               </a:spcBef>
             </a:pPr>
             <a:r>
-              <a:rPr lang="en-US" sz="1400" b="1" spc="-10">
+              <a:rPr lang="it-IT" sz="1400" b="1">
                 <a:solidFill>
                   <a:srgbClr val="020302"/>
                 </a:solidFill>
                 <a:latin typeface="Adobe Clean"/>
                 <a:cs typeface="Adobe Clean"/>
               </a:rPr>
-              <a:t>Cloud Support Activities - AEM</a:t>
-            </a:r>
-            <a:endParaRPr lang="en-US" sz="1400">
-              <a:latin typeface="Adobe Clean"/>
-              <a:cs typeface="Adobe Clean"/>
-            </a:endParaRPr>
+              <a:t>Attività di supporto cloud - AEM</a:t>
+            </a:r>
           </a:p>
         </p:txBody>
       </p:sp>
@@ -12234,7 +9641,7 @@
         </p:blipFill>
         <p:spPr>
           <a:xfrm>
-            <a:off x="2569142" y="3892352"/>
+            <a:off x="2705069" y="3892352"/>
             <a:ext cx="461665" cy="461665"/>
           </a:xfrm>
           <a:prstGeom prst="rect">
@@ -12625,6 +10032,133 @@
           </a:p>
         </p:txBody>
       </p:sp>
+      <p:grpSp>
+        <p:nvGrpSpPr>
+          <p:cNvPr id="62" name="object 3">
+            <a:extLst>
+              <a:ext uri="{FF2B5EF4-FFF2-40B4-BE49-F238E27FC236}">
+                <a16:creationId xmlns:a16="http://schemas.microsoft.com/office/drawing/2014/main" id="{C539739D-1D3E-204D-9819-C44D9AE36DE8}"/>
+              </a:ext>
+            </a:extLst>
+          </p:cNvPr>
+          <p:cNvGrpSpPr/>
+          <p:nvPr/>
+        </p:nvGrpSpPr>
+        <p:grpSpPr>
+          <a:xfrm rot="5400000">
+            <a:off x="1154159" y="-868525"/>
+            <a:ext cx="5661921" cy="7931849"/>
+            <a:chOff x="-247019" y="421767"/>
+            <a:chExt cx="3875281" cy="7641336"/>
+          </a:xfrm>
+        </p:grpSpPr>
+        <p:sp>
+          <p:nvSpPr>
+            <p:cNvPr id="63" name="object 4">
+              <a:extLst>
+                <a:ext uri="{FF2B5EF4-FFF2-40B4-BE49-F238E27FC236}">
+                  <a16:creationId xmlns:a16="http://schemas.microsoft.com/office/drawing/2014/main" id="{F41DD51E-EC9C-7B44-BE42-FA9C42B94675}"/>
+                </a:ext>
+              </a:extLst>
+            </p:cNvPr>
+            <p:cNvSpPr/>
+            <p:nvPr/>
+          </p:nvSpPr>
+          <p:spPr>
+            <a:xfrm>
+              <a:off x="3628262" y="576453"/>
+              <a:ext cx="0" cy="7486650"/>
+            </a:xfrm>
+            <a:custGeom>
+              <a:avLst/>
+              <a:gdLst/>
+              <a:ahLst/>
+              <a:cxnLst/>
+              <a:rect l="l" t="t" r="r" b="b"/>
+              <a:pathLst>
+                <a:path h="7486650">
+                  <a:moveTo>
+                    <a:pt x="0" y="0"/>
+                  </a:moveTo>
+                  <a:lnTo>
+                    <a:pt x="0" y="7486408"/>
+                  </a:lnTo>
+                </a:path>
+              </a:pathLst>
+            </a:custGeom>
+            <a:ln w="61722">
+              <a:solidFill>
+                <a:srgbClr val="EAEAEB"/>
+              </a:solidFill>
+            </a:ln>
+          </p:spPr>
+          <p:txBody>
+            <a:bodyPr wrap="square" lIns="0" tIns="0" rIns="0" bIns="0" rtlCol="0"/>
+            <a:lstStyle/>
+            <a:p>
+              <a:endParaRPr/>
+            </a:p>
+          </p:txBody>
+        </p:sp>
+        <p:sp>
+          <p:nvSpPr>
+            <p:cNvPr id="64" name="object 5">
+              <a:extLst>
+                <a:ext uri="{FF2B5EF4-FFF2-40B4-BE49-F238E27FC236}">
+                  <a16:creationId xmlns:a16="http://schemas.microsoft.com/office/drawing/2014/main" id="{6E97A2E1-56BC-2B46-9873-F675D66FF621}"/>
+                </a:ext>
+              </a:extLst>
+            </p:cNvPr>
+            <p:cNvSpPr/>
+            <p:nvPr/>
+          </p:nvSpPr>
+          <p:spPr>
+            <a:xfrm>
+              <a:off x="-247019" y="421767"/>
+              <a:ext cx="3844040" cy="7600950"/>
+            </a:xfrm>
+            <a:custGeom>
+              <a:avLst/>
+              <a:gdLst/>
+              <a:ahLst/>
+              <a:cxnLst/>
+              <a:rect l="l" t="t" r="r" b="b"/>
+              <a:pathLst>
+                <a:path w="3409950" h="7600950">
+                  <a:moveTo>
+                    <a:pt x="0" y="7600569"/>
+                  </a:moveTo>
+                  <a:lnTo>
+                    <a:pt x="3409492" y="7600569"/>
+                  </a:lnTo>
+                  <a:lnTo>
+                    <a:pt x="3409492" y="0"/>
+                  </a:lnTo>
+                  <a:lnTo>
+                    <a:pt x="0" y="0"/>
+                  </a:lnTo>
+                  <a:lnTo>
+                    <a:pt x="0" y="7600569"/>
+                  </a:lnTo>
+                  <a:close/>
+                </a:path>
+              </a:pathLst>
+            </a:custGeom>
+            <a:ln w="12954">
+              <a:solidFill>
+                <a:srgbClr val="EBEBEB"/>
+              </a:solidFill>
+            </a:ln>
+          </p:spPr>
+          <p:txBody>
+            <a:bodyPr wrap="square" lIns="0" tIns="0" rIns="0" bIns="0" rtlCol="0"/>
+            <a:lstStyle/>
+            <a:p>
+              <a:endParaRPr/>
+            </a:p>
+          </p:txBody>
+        </p:sp>
+      </p:grpSp>
     </p:spTree>
     <p:extLst>
       <p:ext uri="{BB962C8B-B14F-4D97-AF65-F5344CB8AC3E}">
@@ -12903,109 +10437,15 @@
               </a:lnSpc>
             </a:pPr>
             <a:r>
-              <a:rPr sz="800" spc="-10">
+              <a:rPr lang="it-IT" sz="800">
                 <a:solidFill>
                   <a:srgbClr val="6D6D6D"/>
                 </a:solidFill>
                 <a:latin typeface="Adobe Clean"/>
                 <a:cs typeface="Adobe Clean"/>
               </a:rPr>
-              <a:t>©202</a:t>
-            </a:r>
-            <a:r>
-              <a:rPr lang="en-US" sz="800" spc="-10">
-                <a:solidFill>
-                  <a:srgbClr val="6D6D6D"/>
-                </a:solidFill>
-                <a:latin typeface="Adobe Clean"/>
-                <a:cs typeface="Adobe Clean"/>
-              </a:rPr>
-              <a:t>1</a:t>
-            </a:r>
-            <a:r>
-              <a:rPr sz="800" spc="-5">
-                <a:solidFill>
-                  <a:srgbClr val="6D6D6D"/>
-                </a:solidFill>
-                <a:latin typeface="Adobe Clean"/>
-                <a:cs typeface="Adobe Clean"/>
-              </a:rPr>
-              <a:t> Adobe. All</a:t>
-            </a:r>
-            <a:r>
-              <a:rPr sz="800" spc="-15">
-                <a:solidFill>
-                  <a:srgbClr val="6D6D6D"/>
-                </a:solidFill>
-                <a:latin typeface="Adobe Clean"/>
-                <a:cs typeface="Adobe Clean"/>
-              </a:rPr>
-              <a:t> </a:t>
-            </a:r>
-            <a:r>
-              <a:rPr sz="800" spc="-10">
-                <a:solidFill>
-                  <a:srgbClr val="6D6D6D"/>
-                </a:solidFill>
-                <a:latin typeface="Adobe Clean"/>
-                <a:cs typeface="Adobe Clean"/>
-              </a:rPr>
-              <a:t>Rights</a:t>
-            </a:r>
-            <a:r>
-              <a:rPr sz="800" spc="-5">
-                <a:solidFill>
-                  <a:srgbClr val="6D6D6D"/>
-                </a:solidFill>
-                <a:latin typeface="Adobe Clean"/>
-                <a:cs typeface="Adobe Clean"/>
-              </a:rPr>
-              <a:t> </a:t>
-            </a:r>
-            <a:r>
-              <a:rPr sz="800" spc="-10">
-                <a:solidFill>
-                  <a:srgbClr val="6D6D6D"/>
-                </a:solidFill>
-                <a:latin typeface="Adobe Clean"/>
-                <a:cs typeface="Adobe Clean"/>
-              </a:rPr>
-              <a:t>Reserved.</a:t>
-            </a:r>
-            <a:r>
-              <a:rPr sz="800" spc="-5">
-                <a:solidFill>
-                  <a:srgbClr val="6D6D6D"/>
-                </a:solidFill>
-                <a:latin typeface="Adobe Clean"/>
-                <a:cs typeface="Adobe Clean"/>
-              </a:rPr>
-              <a:t> Adobe</a:t>
-            </a:r>
-            <a:r>
-              <a:rPr sz="800" spc="75">
-                <a:solidFill>
-                  <a:srgbClr val="6D6D6D"/>
-                </a:solidFill>
-                <a:latin typeface="Adobe Clean"/>
-                <a:cs typeface="Adobe Clean"/>
-              </a:rPr>
-              <a:t> </a:t>
-            </a:r>
-            <a:r>
-              <a:rPr sz="800" spc="-10">
-                <a:solidFill>
-                  <a:srgbClr val="6D6D6D"/>
-                </a:solidFill>
-                <a:latin typeface="Adobe Clean"/>
-                <a:cs typeface="Adobe Clean"/>
-              </a:rPr>
-              <a:t>Confidential.</a:t>
-            </a:r>
-            <a:endParaRPr sz="800">
-              <a:latin typeface="Adobe Clean"/>
-              <a:cs typeface="Adobe Clean"/>
-            </a:endParaRPr>
+              <a:t>©2021 Adobe. All Rights Reserved. Adobe Confidential.</a:t>
+            </a:r>
           </a:p>
         </p:txBody>
       </p:sp>
@@ -13017,8 +10457,8 @@
         </p:nvSpPr>
         <p:spPr>
           <a:xfrm>
-            <a:off x="4724780" y="914778"/>
-            <a:ext cx="1954230" cy="57597"/>
+            <a:off x="4625924" y="914778"/>
+            <a:ext cx="2222172" cy="63806"/>
           </a:xfrm>
           <a:custGeom>
             <a:avLst/>
@@ -13059,7 +10499,7 @@
         </p:nvSpPr>
         <p:spPr>
           <a:xfrm>
-            <a:off x="4843270" y="589788"/>
+            <a:off x="4645559" y="589788"/>
             <a:ext cx="2588260" cy="228268"/>
           </a:xfrm>
           <a:prstGeom prst="rect">
@@ -13067,190 +10507,29 @@
           </a:prstGeom>
         </p:spPr>
         <p:txBody>
-          <a:bodyPr vert="horz" wrap="square" lIns="0" tIns="12700" rIns="0" bIns="0" rtlCol="0" anchor="t">
+          <a:bodyPr vert="horz" wrap="square" lIns="0" tIns="12700" rIns="0" bIns="0" rtlCol="0">
             <a:spAutoFit/>
           </a:bodyPr>
           <a:lstStyle/>
           <a:p>
             <a:pPr marL="12700">
+              <a:lnSpc>
+                <a:spcPct val="100000"/>
+              </a:lnSpc>
               <a:spcBef>
                 <a:spcPts val="100"/>
               </a:spcBef>
             </a:pPr>
             <a:r>
-              <a:rPr sz="1400" b="1" spc="-25" dirty="0">
+              <a:rPr lang="it-IT" sz="1400" b="1" dirty="0">
                 <a:solidFill>
                   <a:srgbClr val="020302"/>
                 </a:solidFill>
                 <a:latin typeface="Adobe Clean"/>
                 <a:cs typeface="Adobe Clean"/>
               </a:rPr>
-              <a:t>Fi</a:t>
-            </a:r>
-            <a:r>
-              <a:rPr sz="1400" b="1" spc="-30" dirty="0">
-                <a:solidFill>
-                  <a:srgbClr val="020302"/>
-                </a:solidFill>
-                <a:latin typeface="Adobe Clean"/>
-                <a:cs typeface="Adobe Clean"/>
-              </a:rPr>
-              <a:t>e</a:t>
-            </a:r>
-            <a:r>
-              <a:rPr sz="1400" b="1" spc="-25" dirty="0">
-                <a:solidFill>
-                  <a:srgbClr val="020302"/>
-                </a:solidFill>
-                <a:latin typeface="Adobe Clean"/>
-                <a:cs typeface="Adobe Clean"/>
-              </a:rPr>
-              <a:t>l</a:t>
-            </a:r>
-            <a:r>
-              <a:rPr sz="1400" b="1" dirty="0">
-                <a:solidFill>
-                  <a:srgbClr val="020302"/>
-                </a:solidFill>
-                <a:latin typeface="Adobe Clean"/>
-                <a:cs typeface="Adobe Clean"/>
-              </a:rPr>
-              <a:t>d</a:t>
-            </a:r>
-            <a:r>
-              <a:rPr sz="1400" b="1" spc="-45" dirty="0">
-                <a:solidFill>
-                  <a:srgbClr val="020302"/>
-                </a:solidFill>
-                <a:latin typeface="Adobe Clean"/>
-                <a:cs typeface="Adobe Clean"/>
-              </a:rPr>
-              <a:t> </a:t>
-            </a:r>
-            <a:r>
-              <a:rPr sz="1400" b="1" spc="20" dirty="0">
-                <a:solidFill>
-                  <a:srgbClr val="020302"/>
-                </a:solidFill>
-                <a:latin typeface="Adobe Clean"/>
-                <a:cs typeface="Adobe Clean"/>
-              </a:rPr>
-              <a:t>S</a:t>
-            </a:r>
-            <a:r>
-              <a:rPr sz="1400" b="1" spc="10" dirty="0">
-                <a:solidFill>
-                  <a:srgbClr val="020302"/>
-                </a:solidFill>
-                <a:latin typeface="Adobe Clean"/>
-                <a:cs typeface="Adobe Clean"/>
-              </a:rPr>
-              <a:t>e</a:t>
-            </a:r>
-            <a:r>
-              <a:rPr sz="1400" b="1" spc="15" dirty="0">
-                <a:solidFill>
-                  <a:srgbClr val="020302"/>
-                </a:solidFill>
-                <a:latin typeface="Adobe Clean"/>
-                <a:cs typeface="Adobe Clean"/>
-              </a:rPr>
-              <a:t>rvi</a:t>
-            </a:r>
-            <a:r>
-              <a:rPr sz="1400" b="1" spc="10" dirty="0">
-                <a:solidFill>
-                  <a:srgbClr val="020302"/>
-                </a:solidFill>
-                <a:latin typeface="Adobe Clean"/>
-                <a:cs typeface="Adobe Clean"/>
-              </a:rPr>
-              <a:t>c</a:t>
-            </a:r>
-            <a:r>
-              <a:rPr sz="1400" b="1" dirty="0">
-                <a:solidFill>
-                  <a:srgbClr val="020302"/>
-                </a:solidFill>
-                <a:latin typeface="Adobe Clean"/>
-                <a:cs typeface="Adobe Clean"/>
-              </a:rPr>
-              <a:t>e</a:t>
-            </a:r>
-            <a:r>
-              <a:rPr lang="en-US" sz="1400" b="1" dirty="0">
-                <a:solidFill>
-                  <a:srgbClr val="020302"/>
-                </a:solidFill>
-                <a:latin typeface="Adobe Clean"/>
-                <a:cs typeface="Adobe Clean"/>
-              </a:rPr>
-              <a:t> </a:t>
-            </a:r>
-            <a:r>
-              <a:rPr sz="1400" b="1" spc="5" dirty="0">
-                <a:solidFill>
-                  <a:srgbClr val="020302"/>
-                </a:solidFill>
-                <a:latin typeface="Adobe Clean"/>
-                <a:cs typeface="Adobe Clean"/>
-              </a:rPr>
-              <a:t>A</a:t>
-            </a:r>
-            <a:r>
-              <a:rPr sz="1400" b="1" dirty="0">
-                <a:solidFill>
-                  <a:srgbClr val="020302"/>
-                </a:solidFill>
-                <a:latin typeface="Adobe Clean"/>
-                <a:cs typeface="Adobe Clean"/>
-              </a:rPr>
-              <a:t>ct</a:t>
-            </a:r>
-            <a:r>
-              <a:rPr sz="1400" b="1" spc="5" dirty="0">
-                <a:solidFill>
-                  <a:srgbClr val="020302"/>
-                </a:solidFill>
-                <a:latin typeface="Adobe Clean"/>
-                <a:cs typeface="Adobe Clean"/>
-              </a:rPr>
-              <a:t>ivi</a:t>
-            </a:r>
-            <a:r>
-              <a:rPr sz="1400" b="1" dirty="0">
-                <a:solidFill>
-                  <a:srgbClr val="020302"/>
-                </a:solidFill>
-                <a:latin typeface="Adobe Clean"/>
-                <a:cs typeface="Adobe Clean"/>
-              </a:rPr>
-              <a:t>t</a:t>
-            </a:r>
-            <a:r>
-              <a:rPr sz="1400" b="1" spc="5" dirty="0">
-                <a:solidFill>
-                  <a:srgbClr val="020302"/>
-                </a:solidFill>
-                <a:latin typeface="Adobe Clean"/>
-                <a:cs typeface="Adobe Clean"/>
-              </a:rPr>
-              <a:t>i</a:t>
-            </a:r>
-            <a:r>
-              <a:rPr sz="1400" b="1" dirty="0">
-                <a:solidFill>
-                  <a:srgbClr val="020302"/>
-                </a:solidFill>
-                <a:latin typeface="Adobe Clean"/>
-                <a:cs typeface="Adobe Clean"/>
-              </a:rPr>
-              <a:t>es</a:t>
-            </a:r>
-            <a:endParaRPr sz="1400" dirty="0">
-              <a:latin typeface="Adobe Clean"/>
-              <a:cs typeface="Adobe Clean"/>
-            </a:endParaRPr>
+              <a:t>Attività di servizio sul campo</a:t>
+            </a:r>
           </a:p>
         </p:txBody>
       </p:sp>
@@ -13284,99 +10563,15 @@
               </a:spcBef>
             </a:pPr>
             <a:r>
-              <a:rPr sz="1400" b="1" spc="-20">
+              <a:rPr lang="it-IT" sz="1400" b="1">
                 <a:solidFill>
                   <a:srgbClr val="020302"/>
                 </a:solidFill>
                 <a:latin typeface="Adobe Clean"/>
                 <a:cs typeface="Adobe Clean"/>
               </a:rPr>
-              <a:t>L</a:t>
-            </a:r>
-            <a:r>
-              <a:rPr sz="1400" b="1" spc="-10">
-                <a:solidFill>
-                  <a:srgbClr val="020302"/>
-                </a:solidFill>
-                <a:latin typeface="Adobe Clean"/>
-                <a:cs typeface="Adobe Clean"/>
-              </a:rPr>
-              <a:t>a</a:t>
-            </a:r>
-            <a:r>
-              <a:rPr sz="1400" b="1" spc="-15">
-                <a:solidFill>
-                  <a:srgbClr val="020302"/>
-                </a:solidFill>
-                <a:latin typeface="Adobe Clean"/>
-                <a:cs typeface="Adobe Clean"/>
-              </a:rPr>
-              <a:t>un</a:t>
-            </a:r>
-            <a:r>
-              <a:rPr sz="1400" b="1" spc="-20">
-                <a:solidFill>
-                  <a:srgbClr val="020302"/>
-                </a:solidFill>
-                <a:latin typeface="Adobe Clean"/>
-                <a:cs typeface="Adobe Clean"/>
-              </a:rPr>
-              <a:t>c</a:t>
-            </a:r>
-            <a:r>
-              <a:rPr sz="1400" b="1">
-                <a:solidFill>
-                  <a:srgbClr val="020302"/>
-                </a:solidFill>
-                <a:latin typeface="Adobe Clean"/>
-                <a:cs typeface="Adobe Clean"/>
-              </a:rPr>
-              <a:t>h</a:t>
-            </a:r>
-            <a:r>
-              <a:rPr sz="1400" b="1" spc="-30">
-                <a:solidFill>
-                  <a:srgbClr val="020302"/>
-                </a:solidFill>
-                <a:latin typeface="Adobe Clean"/>
-                <a:cs typeface="Adobe Clean"/>
-              </a:rPr>
-              <a:t> </a:t>
-            </a:r>
-            <a:r>
-              <a:rPr sz="1400" b="1" spc="-10">
-                <a:solidFill>
-                  <a:srgbClr val="020302"/>
-                </a:solidFill>
-                <a:latin typeface="Adobe Clean"/>
-                <a:cs typeface="Adobe Clean"/>
-              </a:rPr>
-              <a:t>Advisor</a:t>
-            </a:r>
-            <a:r>
-              <a:rPr sz="1400" b="1">
-                <a:solidFill>
-                  <a:srgbClr val="020302"/>
-                </a:solidFill>
-                <a:latin typeface="Adobe Clean"/>
-                <a:cs typeface="Adobe Clean"/>
-              </a:rPr>
-              <a:t>y</a:t>
-            </a:r>
-            <a:r>
-              <a:rPr sz="1400" b="1" spc="-60">
-                <a:solidFill>
-                  <a:srgbClr val="020302"/>
-                </a:solidFill>
-                <a:latin typeface="Adobe Clean"/>
-                <a:cs typeface="Adobe Clean"/>
-              </a:rPr>
-              <a:t> </a:t>
-            </a:r>
-            <a:endParaRPr sz="1400">
-              <a:latin typeface="Adobe Clean"/>
-              <a:cs typeface="Adobe Clean"/>
-            </a:endParaRPr>
+              <a:t>Launch Advisory </a:t>
+            </a:r>
           </a:p>
         </p:txBody>
       </p:sp>
@@ -13407,106 +10602,88 @@
               </a:spcBef>
             </a:pPr>
             <a:r>
-              <a:rPr lang="en-US" sz="1000">
+              <a:rPr lang="it-IT" sz="1000">
                 <a:solidFill>
                   <a:srgbClr val="1F1F1F"/>
                 </a:solidFill>
                 <a:latin typeface="AdobeClean-Light"/>
                 <a:cs typeface="AdobeClean-Light"/>
               </a:rPr>
-              <a:t>For customers </a:t>
-            </a:r>
-            <a:r>
-              <a:rPr sz="1000">
-                <a:solidFill>
-                  <a:srgbClr val="1F1F1F"/>
-                </a:solidFill>
-                <a:latin typeface="AdobeClean-Light"/>
-                <a:cs typeface="AdobeClean-Light"/>
-              </a:rPr>
-              <a:t>implementing a </a:t>
-            </a:r>
-            <a:r>
-              <a:rPr sz="1000" b="1">
+              <a:t>Per i clienti che implementano una</a:t>
+            </a:r>
+            <a:r>
+              <a:rPr lang="it-IT" sz="1000" b="1">
                 <a:solidFill>
                   <a:srgbClr val="1F1F1F"/>
                 </a:solidFill>
                 <a:latin typeface="Adobe Clean"/>
                 <a:cs typeface="Adobe Clean"/>
               </a:rPr>
-              <a:t>new Adobe Experience Cloud solution</a:t>
-            </a:r>
-            <a:r>
-              <a:rPr lang="en-US" sz="1000" b="1">
-                <a:solidFill>
-                  <a:srgbClr val="1F1F1F"/>
-                </a:solidFill>
-                <a:latin typeface="Adobe Clean"/>
-                <a:cs typeface="Adobe Clean"/>
-              </a:rPr>
-              <a:t>, </a:t>
-            </a:r>
-            <a:r>
-              <a:rPr lang="en-US" sz="1000">
+              <a:t> nuova soluzione Adobe Experience Cloud, </a:t>
+            </a:r>
+            <a:r>
+              <a:rPr lang="it-IT" sz="1000">
                 <a:latin typeface="Adobe Clean Light" charset="0"/>
                 <a:ea typeface="Adobe Clean Light" charset="0"/>
                 <a:cs typeface="Adobe Clean Light" charset="0"/>
               </a:rPr>
-              <a:t>Launch Advisory </a:t>
-            </a:r>
-            <a:r>
-              <a:rPr lang="en-US" sz="1000">
+              <a:t>Launch Advisory</a:t>
+            </a:r>
+            <a:r>
+              <a:rPr lang="it-IT" sz="1000">
                 <a:solidFill>
                   <a:srgbClr val="000000"/>
                 </a:solidFill>
                 <a:latin typeface="Adobe Clean SemiLight" panose="020B0403020404020204" pitchFamily="34" charset="0"/>
               </a:rPr>
-              <a:t>is a </a:t>
-            </a:r>
-            <a:r>
-              <a:rPr lang="en-US" sz="1000" b="1">
+              <a:t> offre un </a:t>
+            </a:r>
+            <a:r>
+              <a:rPr lang="it-IT" sz="1000" b="1">
                 <a:solidFill>
                   <a:srgbClr val="000000"/>
                 </a:solidFill>
                 <a:latin typeface="Adobe Clean SemiLight" panose="020B0403020404020204" pitchFamily="34" charset="0"/>
               </a:rPr>
-              <a:t>core set of advisory services </a:t>
-            </a:r>
-            <a:r>
-              <a:rPr lang="en-US" sz="1000">
+              <a:t>set principale di servizi di consulenza</a:t>
+            </a:r>
+            <a:r>
+              <a:rPr lang="it-IT" sz="1000">
                 <a:latin typeface="Adobe Clean Light" charset="0"/>
                 <a:ea typeface="Adobe Clean Light" charset="0"/>
                 <a:cs typeface="Adobe Clean Light" charset="0"/>
               </a:rPr>
-              <a:t>and recommendations that </a:t>
-            </a:r>
-            <a:r>
-              <a:rPr lang="en-US" sz="1000">
+              <a:t> e raccomandazioni consolidate, utili per il </a:t>
+            </a:r>
+            <a:r>
+              <a:rPr lang="it-IT" sz="1000" b="1">
                 <a:latin typeface="Adobe Clean Light" charset="0"/>
+                <a:ea typeface="Adobe Clean Light" charset="0"/>
+                <a:cs typeface="Adobe Clean Light" charset="0"/>
               </a:rPr>
-              <a:t>are proven to </a:t>
-            </a:r>
-            <a:r>
-              <a:rPr lang="en-US" sz="1000" b="1">
+              <a:t>successo dell’implementazione</a:t>
+            </a:r>
+            <a:r>
+              <a:rPr lang="it-IT" sz="1000">
                 <a:latin typeface="Adobe Clean Light" charset="0"/>
+                <a:ea typeface="Adobe Clean Light" charset="0"/>
+                <a:cs typeface="Adobe Clean Light" charset="0"/>
               </a:rPr>
-              <a:t>support successful deployments </a:t>
-            </a:r>
-            <a:r>
-              <a:rPr lang="en-US" sz="1000">
+              <a:t> e </a:t>
+            </a:r>
+            <a:r>
+              <a:rPr lang="it-IT" sz="1000" b="1">
                 <a:latin typeface="Adobe Clean Light" charset="0"/>
+                <a:ea typeface="Adobe Clean Light" charset="0"/>
+                <a:cs typeface="Adobe Clean Light" charset="0"/>
               </a:rPr>
-              <a:t>and </a:t>
-            </a:r>
-            <a:r>
-              <a:rPr lang="en-US" sz="1000" b="1">
+              <a:t>per velocizzare il time-to-value</a:t>
+            </a:r>
+            <a:r>
+              <a:rPr lang="it-IT" sz="1000">
                 <a:latin typeface="Adobe Clean Light" charset="0"/>
-              </a:rPr>
-              <a:t>accelerate time-to-value</a:t>
-            </a:r>
-            <a:r>
-              <a:rPr lang="en-US" sz="1000">
-                <a:latin typeface="Adobe Clean Light" charset="0"/>
+                <a:ea typeface="Adobe Clean Light" charset="0"/>
+                <a:cs typeface="Adobe Clean Light" charset="0"/>
               </a:rPr>
               <a:t>.</a:t>
             </a:r>
@@ -13567,75 +10744,68 @@
               </a:spcBef>
             </a:pPr>
             <a:r>
-              <a:rPr lang="en-US" sz="1000">
+              <a:rPr lang="it-IT" sz="1000">
                 <a:solidFill>
                   <a:srgbClr val="4B4B4B"/>
                 </a:solidFill>
                 <a:latin typeface="Adobe Clean Light" panose="020B0303020404020204" pitchFamily="34" charset="0"/>
               </a:rPr>
-              <a:t>Field Services are used for </a:t>
-            </a:r>
-            <a:r>
-              <a:rPr lang="en-US" sz="1000" b="1">
+              <a:t>I servizi sul campo sono utilizzati per la </a:t>
+            </a:r>
+            <a:r>
+              <a:rPr lang="it-IT" sz="1000" b="1">
                 <a:solidFill>
                   <a:srgbClr val="4B4B4B"/>
                 </a:solidFill>
                 <a:latin typeface="Adobe Clean" panose="020B0503020404020204" pitchFamily="34" charset="0"/>
               </a:rPr>
-              <a:t>quick resolution</a:t>
-            </a:r>
-            <a:r>
-              <a:rPr lang="en-US" sz="1000">
+              <a:t>risoluzione rapida</a:t>
+            </a:r>
+            <a:r>
+              <a:rPr lang="it-IT" sz="1000">
                 <a:solidFill>
                   <a:srgbClr val="4B4B4B"/>
                 </a:solidFill>
                 <a:latin typeface="Adobe Clean Light" panose="020B0303020404020204" pitchFamily="34" charset="0"/>
               </a:rPr>
-              <a:t>, focused customer success and accelerated</a:t>
-            </a:r>
-            <a:r>
-              <a:rPr lang="en-US" sz="1000" b="1">
+              <a:t> e si incentrano sul successo dei clienti e la velocizzazione del </a:t>
+            </a:r>
+            <a:r>
+              <a:rPr lang="it-IT" sz="1000" b="1">
                 <a:solidFill>
                   <a:srgbClr val="4B4B4B"/>
                 </a:solidFill>
                 <a:latin typeface="Adobe Clean" panose="020B0503020404020204" pitchFamily="34" charset="0"/>
               </a:rPr>
-              <a:t> time-to-value</a:t>
-            </a:r>
-            <a:r>
-              <a:rPr lang="en-US" sz="1000">
+              <a:t>time-to-value</a:t>
+            </a:r>
+            <a:r>
+              <a:rPr lang="it-IT" sz="1000">
                 <a:solidFill>
                   <a:srgbClr val="4B4B4B"/>
                 </a:solidFill>
                 <a:latin typeface="Adobe Clean Light" panose="020B0303020404020204" pitchFamily="34" charset="0"/>
               </a:rPr>
-              <a:t>. If Launch advisory is active there will be </a:t>
-            </a:r>
-            <a:r>
-              <a:rPr lang="en-US" sz="1000" b="1">
+              <a:t>. Se Launch Advisory è attivo, </a:t>
+            </a:r>
+            <a:r>
+              <a:rPr lang="it-IT" sz="1000" b="1">
                 <a:solidFill>
                   <a:srgbClr val="4B4B4B"/>
                 </a:solidFill>
                 <a:latin typeface="Adobe Clean" panose="020B0503020404020204" pitchFamily="34" charset="0"/>
               </a:rPr>
-              <a:t>no Field Services in year 1 </a:t>
-            </a:r>
-            <a:r>
-              <a:rPr lang="en-US" sz="1000">
+              <a:t>nel primo anno non sono previsti servizi sul campo</a:t>
+            </a:r>
+            <a:r>
+              <a:rPr lang="it-IT" sz="1000">
                 <a:solidFill>
                   <a:srgbClr val="4B4B4B"/>
                 </a:solidFill>
                 <a:latin typeface="Adobe Clean Light" panose="020B0303020404020204" pitchFamily="34" charset="0"/>
               </a:rPr>
-              <a:t>for any solution product covered by an Adobe Support contract. </a:t>
-            </a:r>
-            <a:endParaRPr lang="en-US" sz="1000">
-              <a:solidFill>
-                <a:srgbClr val="1F1F1F"/>
-              </a:solidFill>
-              <a:latin typeface="Adobe Clean Light" panose="020B0303020404020204" pitchFamily="34" charset="0"/>
-              <a:cs typeface="Adobe Clean"/>
-            </a:endParaRPr>
+              <a:t> per i prodotti coperti da un contratto di supporto Adobe. </a:t>
+            </a:r>
           </a:p>
           <a:p>
             <a:pPr marL="24130" marR="5080">
@@ -13812,7 +10982,7 @@
         <p:spPr>
           <a:xfrm>
             <a:off x="172087" y="3867961"/>
-            <a:ext cx="3525469" cy="2336537"/>
+            <a:ext cx="3525469" cy="2490425"/>
           </a:xfrm>
           <a:prstGeom prst="rect">
             <a:avLst/>
@@ -13830,37 +11000,54 @@
               </a:spcBef>
             </a:pPr>
             <a:r>
-              <a:rPr lang="en-US" sz="1000">
+              <a:rPr lang="it-IT" sz="1000" dirty="0">
                 <a:latin typeface="Adobe Clean Light" charset="0"/>
               </a:rPr>
-              <a:t>Adobe solution experts help validate requirements, architecture, development process, and launch readiness reviews </a:t>
-            </a:r>
-            <a:r>
-              <a:rPr lang="en-US" sz="1000">
+              <a:t>Gli esperti delle soluzioni Adobe aiutano a convalidare i requisiti, l’architettura, il processo di sviluppo e lo stato di preparazione, </a:t>
+            </a:r>
+            <a:r>
+              <a:rPr lang="it-IT" sz="1000" dirty="0">
                 <a:solidFill>
                   <a:srgbClr val="000000"/>
                 </a:solidFill>
                 <a:latin typeface="Adobe Clean SemiLight" panose="020B0403020404020204" pitchFamily="34" charset="0"/>
               </a:rPr>
-              <a:t>with </a:t>
-            </a:r>
-            <a:r>
-              <a:rPr lang="en-US" sz="1000" b="1">
+              <a:t>con </a:t>
+            </a:r>
+            <a:r>
+              <a:rPr lang="it-IT" sz="1000" b="1" dirty="0">
                 <a:solidFill>
                   <a:srgbClr val="000000"/>
                 </a:solidFill>
                 <a:latin typeface="Adobe Clean SemiLight" panose="020B0403020404020204" pitchFamily="34" charset="0"/>
               </a:rPr>
-              <a:t>best practice-based guidance </a:t>
-            </a:r>
-            <a:r>
-              <a:rPr lang="en-US" sz="1000">
+              <a:t>indicazioni basate su best practice</a:t>
+            </a:r>
+            <a:r>
+              <a:rPr lang="it-IT" sz="1000" dirty="0">
                 <a:solidFill>
                   <a:srgbClr val="000000"/>
                 </a:solidFill>
                 <a:latin typeface="Adobe Clean SemiLight" panose="020B0403020404020204" pitchFamily="34" charset="0"/>
               </a:rPr>
-              <a:t>to customers and implementation partners.</a:t>
+              <a:t> rivolte ai clienti e ai partner </a:t>
+            </a:r>
+            <a:br>
+              <a:rPr lang="sk-SK" sz="1000" dirty="0">
+                <a:solidFill>
+                  <a:srgbClr val="000000"/>
+                </a:solidFill>
+                <a:latin typeface="Adobe Clean SemiLight" panose="020B0403020404020204" pitchFamily="34" charset="0"/>
+              </a:rPr>
+            </a:br>
+            <a:r>
+              <a:rPr lang="it-IT" sz="1000" dirty="0">
+                <a:solidFill>
+                  <a:srgbClr val="000000"/>
+                </a:solidFill>
+                <a:latin typeface="Adobe Clean SemiLight" panose="020B0403020404020204" pitchFamily="34" charset="0"/>
+              </a:rPr>
+              <a:t>di implementazione.</a:t>
             </a:r>
           </a:p>
           <a:p>
@@ -13869,7 +11056,7 @@
                 <a:spcPts val="100"/>
               </a:spcBef>
             </a:pPr>
-            <a:endParaRPr lang="en-US" sz="1000">
+            <a:endParaRPr lang="en-US" sz="1000" dirty="0">
               <a:solidFill>
                 <a:srgbClr val="1F1F1F"/>
               </a:solidFill>
@@ -13884,22 +11071,33 @@
               </a:spcBef>
             </a:pPr>
             <a:r>
-              <a:rPr lang="en-US" sz="1000">
+              <a:rPr lang="it-IT" sz="1000" dirty="0">
                 <a:latin typeface="Adobe Clean Light" charset="0"/>
               </a:rPr>
-              <a:t>Launch Advisory will align with your project schedule through common milestones (</a:t>
-            </a:r>
-            <a:r>
-              <a:rPr lang="en-US" sz="1000" b="1">
+              <a:t>Launch Advisory si allinea alla pianificazione del progetto</a:t>
+            </a:r>
+            <a:br>
+              <a:rPr lang="sk-SK" sz="1000" dirty="0">
                 <a:latin typeface="Adobe Clean Light" charset="0"/>
               </a:rPr>
-              <a:t>Kickoff, Define, Design, Go-live and Post Launch</a:t>
-            </a:r>
-            <a:r>
-              <a:rPr lang="en-US" sz="1000">
+            </a:br>
+            <a:r>
+              <a:rPr lang="it-IT" sz="1000" dirty="0">
                 <a:latin typeface="Adobe Clean Light" charset="0"/>
               </a:rPr>
-              <a:t>) to guide, validate, assess and make recommendations.</a:t>
+              <a:t>del cliente, con obiettivi intermedi comuni (</a:t>
+            </a:r>
+            <a:r>
+              <a:rPr lang="it-IT" sz="1000" b="1" dirty="0">
+                <a:latin typeface="Adobe Clean Light" charset="0"/>
+              </a:rPr>
+              <a:t>avvio, definizione, progettazione, lancio e post-lancio</a:t>
+            </a:r>
+            <a:r>
+              <a:rPr lang="it-IT" sz="1000" dirty="0">
+                <a:latin typeface="Adobe Clean Light" charset="0"/>
+              </a:rPr>
+              <a:t>) per guidare, convalidare, valutare e formulare raccomandazioni.</a:t>
             </a:r>
           </a:p>
           <a:p>
@@ -13908,7 +11106,7 @@
                 <a:spcPts val="100"/>
               </a:spcBef>
             </a:pPr>
-            <a:endParaRPr lang="en-US" sz="1000">
+            <a:endParaRPr lang="en-US" sz="1000" dirty="0">
               <a:latin typeface="Adobe Clean Light" charset="0"/>
             </a:endParaRPr>
           </a:p>
@@ -13919,10 +11117,10 @@
               </a:spcBef>
             </a:pPr>
             <a:r>
-              <a:rPr lang="en-US" sz="1000">
+              <a:rPr lang="it-IT" sz="1000" dirty="0">
                 <a:latin typeface="Adobe Clean Light" charset="0"/>
               </a:rPr>
-              <a:t>Key Deliverables include:</a:t>
+              <a:t>Il servizio include i seguenti materiali:</a:t>
             </a:r>
           </a:p>
           <a:p>
@@ -13934,8 +11132,8 @@
               <a:buChar char="•"/>
             </a:pPr>
             <a:r>
-              <a:rPr lang="en-US" sz="1000"/>
-              <a:t>Kickoff (including project collaboration plan) deck</a:t>
+              <a:rPr lang="it-IT" sz="1000" dirty="0"/>
+              <a:t>Piano di lancio (incluso il piano di collaborazione al progetto)</a:t>
             </a:r>
           </a:p>
           <a:p>
@@ -13947,8 +11145,8 @@
               <a:buChar char="•"/>
             </a:pPr>
             <a:r>
-              <a:rPr lang="en-US" sz="1000"/>
-              <a:t>Assessment &amp; recommendations document(s)</a:t>
+              <a:rPr lang="it-IT" sz="1000" dirty="0"/>
+              <a:t>Documentazione relativa a valutazione e raccomandazioni</a:t>
             </a:r>
           </a:p>
           <a:p>
@@ -13960,8 +11158,8 @@
               <a:buChar char="•"/>
             </a:pPr>
             <a:r>
-              <a:rPr lang="en-US" sz="1000"/>
-              <a:t>Engagement summary</a:t>
+              <a:rPr lang="it-IT" sz="1000" dirty="0"/>
+              <a:t>Riepilogo dell’ambito delle attività di consulenza</a:t>
             </a:r>
           </a:p>
         </p:txBody>
@@ -14065,8 +11263,8 @@
           <a:p>
             <a:pPr algn="ctr"/>
             <a:r>
-              <a:rPr lang="en-US" sz="1600"/>
-              <a:t>Run &amp; Operate</a:t>
+              <a:rPr lang="it-IT" sz="1600"/>
+              <a:t>Esecuzione e utilizzo</a:t>
             </a:r>
           </a:p>
         </p:txBody>
@@ -14171,8 +11369,8 @@
           <a:p>
             <a:pPr algn="ctr"/>
             <a:r>
-              <a:rPr lang="en-US" sz="1600"/>
-              <a:t>Implementation</a:t>
+              <a:rPr lang="it-IT" sz="1600"/>
+              <a:t>Implementazione</a:t>
             </a:r>
           </a:p>
         </p:txBody>
@@ -14207,8 +11405,8 @@
           <a:p>
             <a:pPr algn="ctr"/>
             <a:r>
-              <a:rPr lang="en-US" sz="1100"/>
-              <a:t>Post Launch</a:t>
+              <a:rPr lang="it-IT" sz="1100"/>
+              <a:t>Post-lancio</a:t>
             </a:r>
           </a:p>
         </p:txBody>
@@ -14228,15 +11426,20 @@
           <p:nvPr/>
         </p:nvPicPr>
         <p:blipFill>
-          <a:blip r:embed="rId4"/>
-          <a:stretch>
-            <a:fillRect/>
-          </a:stretch>
+          <a:blip r:embed="rId4">
+            <a:extLst>
+              <a:ext uri="{28A0092B-C50C-407E-A947-70E740481C1C}">
+                <a14:useLocalDpi xmlns:a14="http://schemas.microsoft.com/office/drawing/2010/main" val="0"/>
+              </a:ext>
+            </a:extLst>
+          </a:blip>
+          <a:srcRect/>
+          <a:stretch/>
         </p:blipFill>
         <p:spPr>
           <a:xfrm>
-            <a:off x="333965" y="6379881"/>
-            <a:ext cx="3097872" cy="2855621"/>
+            <a:off x="334498" y="6379881"/>
+            <a:ext cx="3096805" cy="2855621"/>
           </a:xfrm>
           <a:prstGeom prst="rect">
             <a:avLst/>
@@ -14319,7 +11522,7 @@
           </a:prstGeom>
         </p:spPr>
         <p:txBody>
-          <a:bodyPr wrap="square" lIns="91440" tIns="45720" rIns="91440" bIns="45720" anchor="t">
+          <a:bodyPr wrap="square">
             <a:spAutoFit/>
           </a:bodyPr>
           <a:lstStyle/>
@@ -14330,29 +11533,74 @@
               </a:spcBef>
             </a:pPr>
             <a:r>
-              <a:rPr lang="en-US" sz="1000" b="1" dirty="0">
+              <a:rPr lang="it-IT" sz="1000" b="1" dirty="0">
                 <a:solidFill>
                   <a:srgbClr val="000000"/>
                 </a:solidFill>
                 <a:latin typeface="+mj-lt"/>
               </a:rPr>
-              <a:t>Technical Track Activities </a:t>
-            </a:r>
-            <a:r>
-              <a:rPr lang="en-US" sz="1000" dirty="0">
+              <a:t>Le attività tecniche</a:t>
+            </a:r>
+            <a:r>
+              <a:rPr lang="it-IT" sz="1000" dirty="0">
                 <a:solidFill>
                   <a:srgbClr val="000000"/>
                 </a:solidFill>
-                <a:latin typeface="Adobe Clean Light"/>
+                <a:latin typeface="Adobe Clean Light" panose="020B0303020404020204" pitchFamily="34" charset="0"/>
               </a:rPr>
-              <a:t>ensure customers are technically sound and maximizing their tool adoption. Specifically, these types of activities include support and recommendations related to platform configurations, integrations and troubleshooting.</a:t>
-            </a:r>
-            <a:endParaRPr lang="en-US" sz="1000" dirty="0">
-              <a:solidFill>
-                <a:srgbClr val="000000"/>
-              </a:solidFill>
-              <a:latin typeface="Adobe Clean Light" panose="020B0303020404020204" pitchFamily="34" charset="0"/>
-            </a:endParaRPr>
+              <a:t> supportano le competenze tecniche del clienti e sono volte a massimizzare l’adozione degli strumenti. </a:t>
+            </a:r>
+            <a:br>
+              <a:rPr lang="sk-SK" sz="1000" dirty="0">
+                <a:solidFill>
+                  <a:srgbClr val="000000"/>
+                </a:solidFill>
+                <a:latin typeface="Adobe Clean Light" panose="020B0303020404020204" pitchFamily="34" charset="0"/>
+              </a:rPr>
+            </a:br>
+            <a:r>
+              <a:rPr lang="it-IT" sz="1000" dirty="0">
+                <a:solidFill>
+                  <a:srgbClr val="000000"/>
+                </a:solidFill>
+                <a:latin typeface="Adobe Clean Light" panose="020B0303020404020204" pitchFamily="34" charset="0"/>
+              </a:rPr>
+              <a:t>In particolare, includono supporto e raccomandazioni in merito </a:t>
+            </a:r>
+            <a:br>
+              <a:rPr lang="sk-SK" sz="1000" dirty="0">
+                <a:solidFill>
+                  <a:srgbClr val="000000"/>
+                </a:solidFill>
+                <a:latin typeface="Adobe Clean Light" panose="020B0303020404020204" pitchFamily="34" charset="0"/>
+              </a:rPr>
+            </a:br>
+            <a:r>
+              <a:rPr lang="it-IT" sz="1000" dirty="0">
+                <a:solidFill>
+                  <a:srgbClr val="000000"/>
+                </a:solidFill>
+                <a:latin typeface="Adobe Clean Light" panose="020B0303020404020204" pitchFamily="34" charset="0"/>
+              </a:rPr>
+              <a:t>a configurazioni della piattaforma, integrazioni e risoluzione </a:t>
+            </a:r>
+            <a:br>
+              <a:rPr lang="sk-SK" sz="1000" dirty="0">
+                <a:solidFill>
+                  <a:srgbClr val="000000"/>
+                </a:solidFill>
+                <a:latin typeface="Adobe Clean Light" panose="020B0303020404020204" pitchFamily="34" charset="0"/>
+              </a:rPr>
+            </a:br>
+            <a:r>
+              <a:rPr lang="it-IT" sz="1000" dirty="0">
+                <a:solidFill>
+                  <a:srgbClr val="000000"/>
+                </a:solidFill>
+                <a:latin typeface="Adobe Clean Light" panose="020B0303020404020204" pitchFamily="34" charset="0"/>
+              </a:rPr>
+              <a:t>di problemi</a:t>
+            </a:r>
           </a:p>
           <a:p>
             <a:pPr marL="12700" marR="5080">
@@ -14360,7 +11608,7 @@
                 <a:spcPts val="100"/>
               </a:spcBef>
             </a:pPr>
-            <a:endParaRPr lang="en-US" sz="1000">
+            <a:endParaRPr lang="en-US" sz="1000" dirty="0">
               <a:latin typeface="Adobe Clean Light" charset="0"/>
             </a:endParaRPr>
           </a:p>
@@ -14371,10 +11619,10 @@
               </a:spcBef>
             </a:pPr>
             <a:r>
-              <a:rPr lang="en-US" sz="1000" dirty="0">
-                <a:latin typeface="Adobe Clean Light"/>
+              <a:rPr lang="it-IT" sz="1000" dirty="0">
+                <a:latin typeface="Adobe Clean Light" charset="0"/>
               </a:rPr>
-              <a:t>Types of technical activities available::</a:t>
+              <a:t>Attività tecniche disponibili:</a:t>
             </a:r>
           </a:p>
           <a:p>
@@ -14389,12 +11637,9 @@
               <a:buChar char="ü"/>
             </a:pPr>
             <a:r>
-              <a:rPr lang="en-US" sz="1000" dirty="0"/>
-              <a:t>Health audit</a:t>
-            </a:r>
-            <a:endParaRPr lang="en-US" sz="1000" dirty="0">
-              <a:cs typeface="Calibri"/>
-            </a:endParaRPr>
+              <a:rPr lang="it-IT" sz="1000" dirty="0"/>
+              <a:t>Audit sullo stato del sistema</a:t>
+            </a:r>
           </a:p>
           <a:p>
             <a:pPr marL="184150" marR="5080" indent="-171450">
@@ -14408,12 +11653,9 @@
               <a:buChar char="ü"/>
             </a:pPr>
             <a:r>
-              <a:rPr lang="en-US" sz="1000" dirty="0"/>
-              <a:t>Platform audit</a:t>
-            </a:r>
-            <a:endParaRPr lang="en-US" sz="1000" dirty="0">
-              <a:cs typeface="Calibri"/>
-            </a:endParaRPr>
+              <a:rPr lang="it-IT" sz="1000" dirty="0"/>
+              <a:t>Audit della piattaforma</a:t>
+            </a:r>
           </a:p>
           <a:p>
             <a:pPr marL="184150" marR="5080" indent="-171450">
@@ -14427,12 +11669,9 @@
               <a:buChar char="ü"/>
             </a:pPr>
             <a:r>
-              <a:rPr lang="en-US" sz="1000" dirty="0"/>
-              <a:t>Feature set enablement</a:t>
-            </a:r>
-            <a:endParaRPr lang="en-US" sz="1000" dirty="0">
-              <a:cs typeface="Calibri"/>
-            </a:endParaRPr>
+              <a:rPr lang="it-IT" sz="1000" dirty="0"/>
+              <a:t>Abilitazione del set di funzioni</a:t>
+            </a:r>
           </a:p>
           <a:p>
             <a:pPr marL="184150" marR="5080" indent="-171450">
@@ -14446,12 +11685,9 @@
               <a:buChar char="ü"/>
             </a:pPr>
             <a:r>
-              <a:rPr lang="en-US" sz="1000" dirty="0"/>
-              <a:t>Basic integrations and configurations</a:t>
-            </a:r>
-            <a:endParaRPr lang="en-US" sz="1000" dirty="0">
-              <a:cs typeface="Calibri"/>
-            </a:endParaRPr>
+              <a:rPr lang="it-IT" sz="1000" dirty="0"/>
+              <a:t>Integrazioni e configurazioni di base</a:t>
+            </a:r>
           </a:p>
           <a:p>
             <a:pPr marL="184150" marR="5080" indent="-171450">
@@ -14465,12 +11701,9 @@
               <a:buChar char="ü"/>
             </a:pPr>
             <a:r>
-              <a:rPr lang="en-US" sz="1000" dirty="0"/>
-              <a:t>Customer solution troubleshooting</a:t>
-            </a:r>
-            <a:endParaRPr lang="en-US" sz="1000" dirty="0">
-              <a:cs typeface="Calibri"/>
-            </a:endParaRPr>
+              <a:rPr lang="it-IT" sz="1000" dirty="0"/>
+              <a:t>Risoluzione di problemi inerenti la soluzione del cliente</a:t>
+            </a:r>
           </a:p>
           <a:p>
             <a:pPr marL="184150" marR="5080" indent="-171450">
@@ -14484,12 +11717,9 @@
               <a:buChar char="ü"/>
             </a:pPr>
             <a:r>
-              <a:rPr lang="en-US" sz="1000" dirty="0"/>
-              <a:t>Cloud service support</a:t>
-            </a:r>
-            <a:endParaRPr lang="en-US" sz="1000" dirty="0">
-              <a:cs typeface="Calibri"/>
-            </a:endParaRPr>
+              <a:rPr lang="it-IT" sz="1000" dirty="0"/>
+              <a:t>Supporto dei servizi cloud</a:t>
+            </a:r>
           </a:p>
         </p:txBody>
       </p:sp>
@@ -14515,7 +11745,7 @@
           </a:prstGeom>
         </p:spPr>
         <p:txBody>
-          <a:bodyPr wrap="square" lIns="91440" tIns="45720" rIns="91440" bIns="45720" anchor="t">
+          <a:bodyPr wrap="square">
             <a:spAutoFit/>
           </a:bodyPr>
           <a:lstStyle/>
@@ -14526,22 +11756,56 @@
               </a:spcBef>
             </a:pPr>
             <a:r>
-              <a:rPr lang="en-US" sz="1000" b="1" dirty="0">
+              <a:rPr lang="it-IT" sz="1000" b="1" dirty="0">
                 <a:solidFill>
                   <a:srgbClr val="000000"/>
                 </a:solidFill>
                 <a:latin typeface="+mj-lt"/>
               </a:rPr>
-              <a:t>Strategic Track Activities </a:t>
-            </a:r>
-            <a:r>
-              <a:rPr lang="en-US" sz="1000" dirty="0">
+              <a:t>Le attività strategiche</a:t>
+            </a:r>
+            <a:r>
+              <a:rPr lang="it-IT" sz="1000" dirty="0">
                 <a:solidFill>
                   <a:srgbClr val="000000"/>
                 </a:solidFill>
-                <a:latin typeface="Adobe Clean Light"/>
+                <a:latin typeface="Adobe Clean Light" panose="020B0303020404020204" pitchFamily="34" charset="0"/>
               </a:rPr>
-              <a:t>locate opportunities to ensure value is being realized from a customer’s Adobe solutions. They include support recommendations related to strategy, measurement and maturity to drive value realization across one or more Adobe solutions.</a:t>
+              <a:t> rilevano le opportunità che consentono </a:t>
+            </a:r>
+            <a:br>
+              <a:rPr lang="sk-SK" sz="1000" dirty="0">
+                <a:solidFill>
+                  <a:srgbClr val="000000"/>
+                </a:solidFill>
+                <a:latin typeface="Adobe Clean Light" panose="020B0303020404020204" pitchFamily="34" charset="0"/>
+              </a:rPr>
+            </a:br>
+            <a:r>
+              <a:rPr lang="it-IT" sz="1000" dirty="0">
+                <a:solidFill>
+                  <a:srgbClr val="000000"/>
+                </a:solidFill>
+                <a:latin typeface="Adobe Clean Light" panose="020B0303020404020204" pitchFamily="34" charset="0"/>
+              </a:rPr>
+              <a:t>di trarre maggior valore dalle soluzioni Adobe del cliente. Includono raccomandazioni di supporto relative a strategia, misurazione </a:t>
+            </a:r>
+            <a:br>
+              <a:rPr lang="sk-SK" sz="1000" dirty="0">
+                <a:solidFill>
+                  <a:srgbClr val="000000"/>
+                </a:solidFill>
+                <a:latin typeface="Adobe Clean Light" panose="020B0303020404020204" pitchFamily="34" charset="0"/>
+              </a:rPr>
+            </a:br>
+            <a:r>
+              <a:rPr lang="it-IT" sz="1000" dirty="0">
+                <a:solidFill>
+                  <a:srgbClr val="000000"/>
+                </a:solidFill>
+                <a:latin typeface="Adobe Clean Light" panose="020B0303020404020204" pitchFamily="34" charset="0"/>
+              </a:rPr>
+              <a:t>e livello di preparazione per favorire la realizzazione di valore tramite una o più soluzioni Adobe.</a:t>
             </a:r>
           </a:p>
           <a:p>
@@ -14550,7 +11814,7 @@
                 <a:spcPts val="100"/>
               </a:spcBef>
             </a:pPr>
-            <a:endParaRPr lang="en-US" sz="1000">
+            <a:endParaRPr lang="en-US" sz="1000" dirty="0">
               <a:latin typeface="Adobe Clean Light" charset="0"/>
             </a:endParaRPr>
           </a:p>
@@ -14561,14 +11825,11 @@
               </a:spcBef>
             </a:pPr>
             <a:r>
-              <a:rPr lang="en-US" sz="1000" dirty="0">
-                <a:latin typeface="Adobe Clean Light"/>
+              <a:rPr lang="it-IT" sz="1000" dirty="0">
+                <a:latin typeface="Adobe Clean Light" charset="0"/>
               </a:rPr>
-              <a:t>Types of strategic activities available:</a:t>
-            </a:r>
-            <a:endParaRPr lang="en-US" sz="1000" dirty="0">
-              <a:latin typeface="Adobe Clean Light" charset="0"/>
-            </a:endParaRPr>
+              <a:t>Attività strategiche disponibili:</a:t>
+            </a:r>
           </a:p>
           <a:p>
             <a:pPr marL="241300" marR="5080" indent="-228600">
@@ -14582,12 +11843,9 @@
               <a:buChar char="ü"/>
             </a:pPr>
             <a:r>
-              <a:rPr lang="en-US" sz="1000" dirty="0"/>
-              <a:t>Maturity Roadmap</a:t>
-            </a:r>
-            <a:endParaRPr lang="en-US" sz="1000" dirty="0">
-              <a:cs typeface="Calibri"/>
-            </a:endParaRPr>
+              <a:rPr lang="it-IT" sz="1000" dirty="0"/>
+              <a:t>Roadmap sul livello di preparazione</a:t>
+            </a:r>
           </a:p>
           <a:p>
             <a:pPr marL="241300" marR="5080" indent="-228600">
@@ -14601,12 +11859,9 @@
               <a:buChar char="ü"/>
             </a:pPr>
             <a:r>
-              <a:rPr lang="en-US" sz="1000" dirty="0"/>
-              <a:t>Use case development/measurement</a:t>
-            </a:r>
-            <a:endParaRPr lang="en-US" sz="1000" dirty="0">
-              <a:cs typeface="Calibri"/>
-            </a:endParaRPr>
+              <a:rPr lang="it-IT" sz="1000" dirty="0"/>
+              <a:t>Sviluppo e misurazione di casi d’uso</a:t>
+            </a:r>
           </a:p>
           <a:p>
             <a:pPr marL="241300" marR="5080" indent="-228600">
@@ -14620,12 +11875,9 @@
               <a:buChar char="ü"/>
             </a:pPr>
             <a:r>
-              <a:rPr lang="en-US" sz="1000" dirty="0"/>
-              <a:t>Reporting &amp; analysis</a:t>
-            </a:r>
-            <a:endParaRPr lang="en-US" sz="1000" dirty="0">
-              <a:cs typeface="Calibri"/>
-            </a:endParaRPr>
+              <a:rPr lang="it-IT" sz="1000" dirty="0"/>
+              <a:t>Reporting e analisi</a:t>
+            </a:r>
           </a:p>
           <a:p>
             <a:pPr marL="241300" marR="5080" indent="-228600">
@@ -14639,12 +11891,9 @@
               <a:buChar char="ü"/>
             </a:pPr>
             <a:r>
-              <a:rPr lang="en-US" sz="1000" dirty="0"/>
-              <a:t>Best practices enablement</a:t>
-            </a:r>
-            <a:endParaRPr lang="en-US" sz="1000" dirty="0">
-              <a:cs typeface="Calibri"/>
-            </a:endParaRPr>
+              <a:rPr lang="it-IT" sz="1000" dirty="0"/>
+              <a:t>Abilitazione delle best practice</a:t>
+            </a:r>
           </a:p>
         </p:txBody>
       </p:sp>
@@ -14682,73 +11931,96 @@
               </a:spcBef>
             </a:pPr>
             <a:r>
-              <a:rPr lang="en-US" sz="1000">
+              <a:rPr lang="it-IT" sz="1000" dirty="0">
                 <a:solidFill>
                   <a:srgbClr val="1F1F1F"/>
                 </a:solidFill>
                 <a:latin typeface="Adobe Clean" panose="020B0503020404020204" pitchFamily="34" charset="0"/>
                 <a:cs typeface="AdobeClean-Light"/>
               </a:rPr>
-              <a:t>As an Enterprise customer, you are eligible for</a:t>
-            </a:r>
-            <a:r>
-              <a:rPr lang="en-US" sz="1200" b="1" u="sng">
-                <a:solidFill>
-                  <a:srgbClr val="1F1F1F"/>
-                </a:solidFill>
-                <a:cs typeface="AdobeClean-Light"/>
-              </a:rPr>
-              <a:t> 2 </a:t>
-            </a:r>
-            <a:r>
-              <a:rPr lang="en-US" sz="1000" b="1" u="sng">
-                <a:solidFill>
-                  <a:srgbClr val="1F1F1F"/>
-                </a:solidFill>
-                <a:cs typeface="AdobeClean-Light"/>
-              </a:rPr>
-              <a:t>activities per year </a:t>
-            </a:r>
-            <a:r>
-              <a:rPr lang="en-US" sz="1000">
+              <a:t>I clienti Enterprise hanno diritto </a:t>
+            </a:r>
+            <a:br>
+              <a:rPr lang="sk-SK" sz="1000" dirty="0">
                 <a:solidFill>
                   <a:srgbClr val="1F1F1F"/>
                 </a:solidFill>
                 <a:latin typeface="Adobe Clean" panose="020B0503020404020204" pitchFamily="34" charset="0"/>
                 <a:cs typeface="AdobeClean-Light"/>
               </a:rPr>
-              <a:t>from the following two tracks:</a:t>
-            </a:r>
-            <a:r>
-              <a:rPr lang="en-US" sz="1000" b="1">
-                <a:solidFill>
-                  <a:srgbClr val="1F1F1F"/>
-                </a:solidFill>
-                <a:cs typeface="AdobeClean-Light"/>
-              </a:rPr>
-              <a:t> Technical </a:t>
-            </a:r>
-            <a:r>
-              <a:rPr lang="en-US" sz="1000">
+            </a:br>
+            <a:r>
+              <a:rPr lang="it-IT" sz="1000" dirty="0">
                 <a:solidFill>
                   <a:srgbClr val="1F1F1F"/>
                 </a:solidFill>
                 <a:latin typeface="Adobe Clean" panose="020B0503020404020204" pitchFamily="34" charset="0"/>
                 <a:cs typeface="AdobeClean-Light"/>
               </a:rPr>
-              <a:t>and/or </a:t>
-            </a:r>
-            <a:r>
-              <a:rPr lang="en-US" sz="1000" b="1">
+              <a:t>a </a:t>
+            </a:r>
+            <a:r>
+              <a:rPr lang="it-IT" sz="1200" b="1" u="sng" dirty="0">
                 <a:solidFill>
                   <a:srgbClr val="1F1F1F"/>
                 </a:solidFill>
+                <a:latin typeface="Adobe Clean" panose="020B0503020404020204" pitchFamily="34" charset="0"/>
                 <a:cs typeface="AdobeClean-Light"/>
               </a:rPr>
-              <a:t>Strategic</a:t>
-            </a:r>
-            <a:r>
-              <a:rPr lang="en-US" sz="1000">
+              <a:t>2 </a:t>
+            </a:r>
+            <a:r>
+              <a:rPr lang="it-IT" sz="1000" b="1" u="sng" dirty="0">
+                <a:solidFill>
+                  <a:srgbClr val="1F1F1F"/>
+                </a:solidFill>
+                <a:latin typeface="Adobe Clean" panose="020B0503020404020204" pitchFamily="34" charset="0"/>
+                <a:cs typeface="AdobeClean-Light"/>
+              </a:rPr>
+              <a:t>attività all’anno</a:t>
+            </a:r>
+            <a:r>
+              <a:rPr lang="it-IT" sz="1000" dirty="0">
+                <a:solidFill>
+                  <a:srgbClr val="1F1F1F"/>
+                </a:solidFill>
+                <a:latin typeface="Adobe Clean" panose="020B0503020404020204" pitchFamily="34" charset="0"/>
+                <a:cs typeface="AdobeClean-Light"/>
+              </a:rPr>
+              <a:t> di tipo</a:t>
+            </a:r>
+            <a:r>
+              <a:rPr lang="it-IT" sz="1000" b="1" dirty="0">
+                <a:solidFill>
+                  <a:srgbClr val="1F1F1F"/>
+                </a:solidFill>
+                <a:latin typeface="Adobe Clean" panose="020B0503020404020204" pitchFamily="34" charset="0"/>
+                <a:cs typeface="AdobeClean-Light"/>
+              </a:rPr>
+              <a:t> tecnico </a:t>
+            </a:r>
+            <a:r>
+              <a:rPr lang="it-IT" sz="1000" dirty="0">
+                <a:solidFill>
+                  <a:srgbClr val="1F1F1F"/>
+                </a:solidFill>
+                <a:latin typeface="Adobe Clean" panose="020B0503020404020204" pitchFamily="34" charset="0"/>
+                <a:cs typeface="AdobeClean-Light"/>
+              </a:rPr>
+              <a:t>e/o </a:t>
+            </a:r>
+            <a:r>
+              <a:rPr lang="it-IT" sz="1000" b="1" dirty="0">
+                <a:solidFill>
+                  <a:srgbClr val="1F1F1F"/>
+                </a:solidFill>
+                <a:latin typeface="Adobe Clean" panose="020B0503020404020204" pitchFamily="34" charset="0"/>
+                <a:cs typeface="AdobeClean-Light"/>
+              </a:rPr>
+              <a:t>strategico</a:t>
+            </a:r>
+            <a:r>
+              <a:rPr lang="it-IT" sz="1000" dirty="0">
                 <a:solidFill>
                   <a:srgbClr val="1F1F1F"/>
                 </a:solidFill>
@@ -14757,12 +12029,6 @@
               </a:rPr>
               <a:t>.</a:t>
             </a:r>
-            <a:endParaRPr lang="en-US" sz="1000" b="1">
-              <a:solidFill>
-                <a:prstClr val="black"/>
-              </a:solidFill>
-              <a:cs typeface="AdobeClean-Light"/>
-            </a:endParaRPr>
           </a:p>
         </p:txBody>
       </p:sp>
@@ -14796,8 +12062,8 @@
           <a:p>
             <a:pPr algn="ctr"/>
             <a:r>
-              <a:rPr lang="en-US" sz="1100"/>
-              <a:t>Go-Live</a:t>
+              <a:rPr lang="it-IT" sz="1100"/>
+              <a:t>Lancio</a:t>
             </a:r>
           </a:p>
         </p:txBody>
@@ -14832,8 +12098,8 @@
           <a:p>
             <a:pPr algn="ctr"/>
             <a:r>
-              <a:rPr lang="en-US" sz="1100"/>
-              <a:t>Define</a:t>
+              <a:rPr lang="it-IT" sz="1100"/>
+              <a:t>Definizione</a:t>
             </a:r>
           </a:p>
         </p:txBody>
@@ -14868,8 +12134,8 @@
           <a:p>
             <a:pPr algn="ctr"/>
             <a:r>
-              <a:rPr lang="en-US" sz="1100"/>
-              <a:t>Kickoff</a:t>
+              <a:rPr lang="it-IT" sz="1100"/>
+              <a:t>Avvio</a:t>
             </a:r>
           </a:p>
         </p:txBody>
@@ -14888,7 +12154,7 @@
         </p:nvSpPr>
         <p:spPr>
           <a:xfrm>
-            <a:off x="1558548" y="2320287"/>
+            <a:off x="1558548" y="2233788"/>
             <a:ext cx="826006" cy="261610"/>
           </a:xfrm>
           <a:prstGeom prst="rect">
@@ -14904,8 +12170,8 @@
           <a:p>
             <a:pPr algn="ctr"/>
             <a:r>
-              <a:rPr lang="en-US" sz="1100"/>
-              <a:t>Design</a:t>
+              <a:rPr lang="it-IT" sz="1100" dirty="0"/>
+              <a:t>Progettazione</a:t>
             </a:r>
           </a:p>
         </p:txBody>
@@ -14962,14 +12228,14 @@
           <a:p>
             <a:pPr algn="ctr"/>
             <a:r>
-              <a:rPr lang="en-US">
+              <a:rPr lang="it-IT">
                 <a:solidFill>
                   <a:schemeClr val="accent1">
                     <a:lumMod val="50000"/>
                   </a:schemeClr>
                 </a:solidFill>
               </a:rPr>
-              <a:t>2 Activities per Year</a:t>
+              <a:t>2 attività all’anno</a:t>
             </a:r>
           </a:p>
         </p:txBody>
@@ -15031,49 +12297,15 @@
               </a:lnSpc>
             </a:pPr>
             <a:r>
-              <a:rPr sz="500" spc="-5">
+              <a:rPr lang="it-IT" sz="500">
                 <a:solidFill>
                   <a:srgbClr val="6C6C6C"/>
                 </a:solidFill>
                 <a:latin typeface="Adobe Clean"/>
                 <a:cs typeface="Adobe Clean"/>
               </a:rPr>
-              <a:t>©2020 Adobe. All Rights Reserved. </a:t>
-            </a:r>
-            <a:r>
-              <a:rPr sz="500">
-                <a:solidFill>
-                  <a:srgbClr val="6C6C6C"/>
-                </a:solidFill>
-                <a:latin typeface="Adobe Clean"/>
-                <a:cs typeface="Adobe Clean"/>
-              </a:rPr>
-              <a:t>Adobe</a:t>
-            </a:r>
-            <a:r>
-              <a:rPr sz="500" spc="5">
-                <a:solidFill>
-                  <a:srgbClr val="6C6C6C"/>
-                </a:solidFill>
-                <a:latin typeface="Adobe Clean"/>
-                <a:cs typeface="Adobe Clean"/>
-              </a:rPr>
-              <a:t> </a:t>
-            </a:r>
-            <a:r>
-              <a:rPr sz="500" spc="-5">
-                <a:solidFill>
-                  <a:srgbClr val="6C6C6C"/>
-                </a:solidFill>
-                <a:latin typeface="Adobe Clean"/>
-                <a:cs typeface="Adobe Clean"/>
-              </a:rPr>
-              <a:t>Confidential.</a:t>
-            </a:r>
-            <a:endParaRPr sz="500">
-              <a:latin typeface="Adobe Clean"/>
-              <a:cs typeface="Adobe Clean"/>
-            </a:endParaRPr>
+              <a:t>©2020 Adobe. All Rights Reserved. Adobe Confidential.</a:t>
+            </a:r>
           </a:p>
           <a:p>
             <a:pPr>
@@ -15099,39 +12331,15 @@
               </a:spcBef>
             </a:pPr>
             <a:r>
-              <a:rPr sz="800" spc="-5">
+              <a:rPr lang="it-IT" sz="800">
                 <a:solidFill>
                   <a:srgbClr val="6D6D6D"/>
                 </a:solidFill>
                 <a:latin typeface="Adobe Clean"/>
                 <a:cs typeface="Adobe Clean"/>
               </a:rPr>
-              <a:t>©2020 Adobe. All Rights Reserved. Adobe</a:t>
-            </a:r>
-            <a:r>
-              <a:rPr sz="800" spc="75">
-                <a:solidFill>
-                  <a:srgbClr val="6D6D6D"/>
-                </a:solidFill>
-                <a:latin typeface="Adobe Clean"/>
-                <a:cs typeface="Adobe Clean"/>
-              </a:rPr>
-              <a:t> </a:t>
-            </a:r>
-            <a:r>
-              <a:rPr sz="800" spc="-5">
-                <a:solidFill>
-                  <a:srgbClr val="6D6D6D"/>
-                </a:solidFill>
-                <a:latin typeface="Adobe Clean"/>
-                <a:cs typeface="Adobe Clean"/>
-              </a:rPr>
-              <a:t>Confidential.</a:t>
-            </a:r>
-            <a:endParaRPr sz="800">
-              <a:latin typeface="Adobe Clean"/>
-              <a:cs typeface="Adobe Clean"/>
-            </a:endParaRPr>
+              <a:t>©2020 Adobe. All Rights Reserved. Adobe Confidential.</a:t>
+            </a:r>
           </a:p>
         </p:txBody>
       </p:sp>
@@ -15215,19 +12423,15 @@
               </a:spcBef>
             </a:pPr>
             <a:r>
-              <a:rPr lang="en-US" sz="1400" b="1" spc="-15">
+              <a:rPr lang="it-IT" sz="1400" b="1">
                 <a:solidFill>
                   <a:srgbClr val="020302"/>
                 </a:solidFill>
                 <a:latin typeface="Adobe Clean"/>
                 <a:cs typeface="Adobe Clean"/>
               </a:rPr>
-              <a:t>Resources</a:t>
-            </a:r>
-            <a:endParaRPr sz="1400">
-              <a:latin typeface="Adobe Clean"/>
-              <a:cs typeface="Adobe Clean"/>
-            </a:endParaRPr>
+              <a:t>Risorse</a:t>
+            </a:r>
           </a:p>
         </p:txBody>
       </p:sp>
@@ -15261,7 +12465,7 @@
               </a:spcBef>
             </a:pPr>
             <a:r>
-              <a:rPr sz="800" spc="-15">
+              <a:rPr lang="it-IT" sz="800">
                 <a:solidFill>
                   <a:srgbClr val="777879"/>
                 </a:solidFill>
@@ -15270,10 +12474,6 @@
               </a:rPr>
               <a:t>Adobe</a:t>
             </a:r>
-            <a:endParaRPr sz="800">
-              <a:latin typeface="Adobe Clean"/>
-              <a:cs typeface="Adobe Clean"/>
-            </a:endParaRPr>
           </a:p>
           <a:p>
             <a:pPr marL="12700">
@@ -15282,90 +12482,32 @@
               </a:lnSpc>
             </a:pPr>
             <a:r>
-              <a:rPr sz="800" spc="-15">
+              <a:rPr lang="it-IT" sz="800">
                 <a:solidFill>
                   <a:srgbClr val="777879"/>
                 </a:solidFill>
                 <a:latin typeface="Adobe Clean"/>
                 <a:cs typeface="Adobe Clean"/>
               </a:rPr>
-              <a:t>345 Park</a:t>
-            </a:r>
-            <a:r>
-              <a:rPr sz="800" spc="-100">
+              <a:t>345 Park Avenue</a:t>
+            </a:r>
+          </a:p>
+          <a:p>
+            <a:pPr marL="12700">
+              <a:lnSpc>
+                <a:spcPts val="944"/>
+              </a:lnSpc>
+            </a:pPr>
+            <a:r>
+              <a:rPr lang="it-IT" sz="800">
                 <a:solidFill>
                   <a:srgbClr val="777879"/>
                 </a:solidFill>
                 <a:latin typeface="Adobe Clean"/>
                 <a:cs typeface="Adobe Clean"/>
               </a:rPr>
-              <a:t> </a:t>
-            </a:r>
-            <a:r>
-              <a:rPr sz="800" spc="-15">
-                <a:solidFill>
-                  <a:srgbClr val="777879"/>
-                </a:solidFill>
-                <a:latin typeface="Adobe Clean"/>
-                <a:cs typeface="Adobe Clean"/>
-              </a:rPr>
-              <a:t>Avenue</a:t>
-            </a:r>
-            <a:endParaRPr sz="800">
-              <a:latin typeface="Adobe Clean"/>
-              <a:cs typeface="Adobe Clean"/>
-            </a:endParaRPr>
-          </a:p>
-          <a:p>
-            <a:pPr marL="12700">
-              <a:lnSpc>
-                <a:spcPts val="944"/>
-              </a:lnSpc>
-            </a:pPr>
-            <a:r>
-              <a:rPr sz="800" spc="-10">
-                <a:solidFill>
-                  <a:srgbClr val="777879"/>
-                </a:solidFill>
-                <a:latin typeface="Adobe Clean"/>
-                <a:cs typeface="Adobe Clean"/>
-              </a:rPr>
-              <a:t>San </a:t>
-            </a:r>
-            <a:r>
-              <a:rPr sz="800" spc="-15">
-                <a:solidFill>
-                  <a:srgbClr val="777879"/>
-                </a:solidFill>
-                <a:latin typeface="Adobe Clean"/>
-                <a:cs typeface="Adobe Clean"/>
-              </a:rPr>
-              <a:t>Jose,</a:t>
-            </a:r>
-            <a:r>
-              <a:rPr sz="800" spc="-140">
-                <a:solidFill>
-                  <a:srgbClr val="777879"/>
-                </a:solidFill>
-                <a:latin typeface="Adobe Clean"/>
-                <a:cs typeface="Adobe Clean"/>
-              </a:rPr>
-              <a:t> </a:t>
-            </a:r>
-            <a:r>
-              <a:rPr sz="800" spc="-20">
-                <a:solidFill>
-                  <a:srgbClr val="777879"/>
-                </a:solidFill>
-                <a:latin typeface="Adobe Clean"/>
-                <a:cs typeface="Adobe Clean"/>
-              </a:rPr>
-              <a:t>CA95110-2704</a:t>
-            </a:r>
-            <a:endParaRPr sz="800">
-              <a:latin typeface="Adobe Clean"/>
-              <a:cs typeface="Adobe Clean"/>
-            </a:endParaRPr>
+              <a:t>San Jose, CA 95110-2704</a:t>
+            </a:r>
           </a:p>
           <a:p>
             <a:pPr marL="12700">
@@ -15377,7 +12519,7 @@
               </a:spcBef>
             </a:pPr>
             <a:r>
-              <a:rPr sz="800" spc="-10">
+              <a:rPr lang="it-IT" sz="800">
                 <a:solidFill>
                   <a:srgbClr val="777879"/>
                 </a:solidFill>
@@ -15386,10 +12528,6 @@
               </a:rPr>
               <a:t>USA</a:t>
             </a:r>
-            <a:endParaRPr sz="800">
-              <a:latin typeface="Adobe Clean"/>
-              <a:cs typeface="Adobe Clean"/>
-            </a:endParaRPr>
           </a:p>
           <a:p>
             <a:pPr marL="12700">
@@ -15401,7 +12539,7 @@
               </a:spcBef>
             </a:pPr>
             <a:r>
-              <a:rPr sz="800" u="sng" spc="-25">
+              <a:rPr lang="it-IT" sz="800" u="sng">
                 <a:solidFill>
                   <a:srgbClr val="5F5F5F"/>
                 </a:solidFill>
@@ -15416,10 +12554,6 @@
               </a:rPr>
               <a:t>www.adobe.com</a:t>
             </a:r>
-            <a:endParaRPr sz="800">
-              <a:latin typeface="Adobe Clean"/>
-              <a:cs typeface="Adobe Clean"/>
-            </a:endParaRPr>
           </a:p>
         </p:txBody>
       </p:sp>
@@ -15580,7 +12714,7 @@
           </a:prstGeom>
         </p:spPr>
         <p:txBody>
-          <a:bodyPr vert="horz" wrap="square" lIns="0" tIns="29845" rIns="0" bIns="0" rtlCol="0" anchor="t">
+          <a:bodyPr vert="horz" wrap="square" lIns="0" tIns="29845" rIns="0" bIns="0" rtlCol="0">
             <a:spAutoFit/>
           </a:bodyPr>
           <a:lstStyle/>
@@ -15594,449 +12728,15 @@
               </a:spcBef>
             </a:pPr>
             <a:r>
-              <a:rPr sz="1100" i="1" spc="-10" dirty="0">
+              <a:rPr lang="it-IT" sz="1100" i="1">
                 <a:solidFill>
                   <a:srgbClr val="777879"/>
                 </a:solidFill>
                 <a:latin typeface="AdobeClean-LightIt"/>
                 <a:cs typeface="AdobeClean-LightIt"/>
               </a:rPr>
-              <a:t>To</a:t>
-            </a:r>
-            <a:r>
-              <a:rPr sz="1100" i="1" spc="-50" dirty="0">
-                <a:solidFill>
-                  <a:srgbClr val="777879"/>
-                </a:solidFill>
-                <a:latin typeface="AdobeClean-LightIt"/>
-                <a:cs typeface="AdobeClean-LightIt"/>
-              </a:rPr>
-              <a:t> </a:t>
-            </a:r>
-            <a:r>
-              <a:rPr sz="1100" i="1" spc="-15" dirty="0">
-                <a:solidFill>
-                  <a:srgbClr val="777879"/>
-                </a:solidFill>
-                <a:latin typeface="AdobeClean-LightIt"/>
-                <a:cs typeface="AdobeClean-LightIt"/>
-              </a:rPr>
-              <a:t>learn</a:t>
-            </a:r>
-            <a:r>
-              <a:rPr sz="1100" i="1" spc="-40" dirty="0">
-                <a:solidFill>
-                  <a:srgbClr val="777879"/>
-                </a:solidFill>
-                <a:latin typeface="AdobeClean-LightIt"/>
-                <a:cs typeface="AdobeClean-LightIt"/>
-              </a:rPr>
-              <a:t> </a:t>
-            </a:r>
-            <a:r>
-              <a:rPr sz="1100" i="1" spc="-15" dirty="0">
-                <a:solidFill>
-                  <a:srgbClr val="777879"/>
-                </a:solidFill>
-                <a:latin typeface="AdobeClean-LightIt"/>
-                <a:cs typeface="AdobeClean-LightIt"/>
-              </a:rPr>
-              <a:t>more</a:t>
-            </a:r>
-            <a:r>
-              <a:rPr sz="1100" i="1" spc="-45" dirty="0">
-                <a:solidFill>
-                  <a:srgbClr val="777879"/>
-                </a:solidFill>
-                <a:latin typeface="AdobeClean-LightIt"/>
-                <a:cs typeface="AdobeClean-LightIt"/>
-              </a:rPr>
-              <a:t> </a:t>
-            </a:r>
-            <a:r>
-              <a:rPr sz="1100" i="1" spc="-15" dirty="0">
-                <a:solidFill>
-                  <a:srgbClr val="777879"/>
-                </a:solidFill>
-                <a:latin typeface="AdobeClean-LightIt"/>
-                <a:cs typeface="AdobeClean-LightIt"/>
-              </a:rPr>
-              <a:t>about</a:t>
-            </a:r>
-            <a:r>
-              <a:rPr sz="1100" i="1" spc="-45" dirty="0">
-                <a:solidFill>
-                  <a:srgbClr val="777879"/>
-                </a:solidFill>
-                <a:latin typeface="AdobeClean-LightIt"/>
-                <a:cs typeface="AdobeClean-LightIt"/>
-              </a:rPr>
-              <a:t> </a:t>
-            </a:r>
-            <a:r>
-              <a:rPr sz="1100" i="1" spc="-15" dirty="0">
-                <a:solidFill>
-                  <a:srgbClr val="777879"/>
-                </a:solidFill>
-                <a:latin typeface="AdobeClean-LightIt"/>
-                <a:cs typeface="AdobeClean-LightIt"/>
-              </a:rPr>
-              <a:t>Adobe</a:t>
-            </a:r>
-            <a:r>
-              <a:rPr sz="1100" i="1" spc="-50" dirty="0">
-                <a:solidFill>
-                  <a:srgbClr val="777879"/>
-                </a:solidFill>
-                <a:latin typeface="AdobeClean-LightIt"/>
-                <a:cs typeface="AdobeClean-LightIt"/>
-              </a:rPr>
-              <a:t> </a:t>
-            </a:r>
-            <a:r>
-              <a:rPr sz="1100" i="1" spc="-15" dirty="0">
-                <a:solidFill>
-                  <a:srgbClr val="777879"/>
-                </a:solidFill>
-                <a:latin typeface="AdobeClean-LightIt"/>
-                <a:cs typeface="AdobeClean-LightIt"/>
-              </a:rPr>
-              <a:t>Support</a:t>
-            </a:r>
-            <a:r>
-              <a:rPr lang="en-US" sz="1100" i="1" spc="-15" dirty="0">
-                <a:solidFill>
-                  <a:srgbClr val="777879"/>
-                </a:solidFill>
-                <a:latin typeface="AdobeClean-LightIt"/>
-                <a:cs typeface="AdobeClean-LightIt"/>
-              </a:rPr>
-              <a:t> Offerings</a:t>
-            </a:r>
-            <a:r>
-              <a:rPr sz="1100" i="1" spc="-75" dirty="0">
-                <a:solidFill>
-                  <a:srgbClr val="777879"/>
-                </a:solidFill>
-                <a:latin typeface="AdobeClean-LightIt"/>
-                <a:cs typeface="AdobeClean-LightIt"/>
-              </a:rPr>
-              <a:t> </a:t>
-            </a:r>
-            <a:r>
-              <a:rPr sz="1100" i="1" spc="-15" dirty="0">
-                <a:solidFill>
-                  <a:srgbClr val="777879"/>
-                </a:solidFill>
-                <a:latin typeface="AdobeClean-LightIt"/>
-                <a:cs typeface="AdobeClean-LightIt"/>
-              </a:rPr>
-              <a:t>and</a:t>
-            </a:r>
-            <a:r>
-              <a:rPr sz="1100" i="1" spc="-50" dirty="0">
-                <a:solidFill>
-                  <a:srgbClr val="777879"/>
-                </a:solidFill>
-                <a:latin typeface="AdobeClean-LightIt"/>
-                <a:cs typeface="AdobeClean-LightIt"/>
-              </a:rPr>
-              <a:t> </a:t>
-            </a:r>
-            <a:r>
-              <a:rPr sz="1100" i="1" spc="-15" dirty="0">
-                <a:solidFill>
-                  <a:srgbClr val="777879"/>
-                </a:solidFill>
-                <a:latin typeface="AdobeClean-LightIt"/>
-                <a:cs typeface="AdobeClean-LightIt"/>
-              </a:rPr>
-              <a:t>the</a:t>
-            </a:r>
-            <a:r>
-              <a:rPr sz="1100" i="1" spc="-55" dirty="0">
-                <a:solidFill>
-                  <a:srgbClr val="777879"/>
-                </a:solidFill>
-                <a:latin typeface="AdobeClean-LightIt"/>
-                <a:cs typeface="AdobeClean-LightIt"/>
-              </a:rPr>
-              <a:t> </a:t>
-            </a:r>
-            <a:r>
-              <a:rPr sz="1100" i="1" spc="-15" dirty="0">
-                <a:solidFill>
-                  <a:srgbClr val="777879"/>
-                </a:solidFill>
-                <a:latin typeface="AdobeClean-LightIt"/>
-                <a:cs typeface="AdobeClean-LightIt"/>
-              </a:rPr>
-              <a:t>right</a:t>
-            </a:r>
-            <a:r>
-              <a:rPr sz="1100" i="1" spc="-95" dirty="0">
-                <a:solidFill>
-                  <a:srgbClr val="777879"/>
-                </a:solidFill>
-                <a:latin typeface="AdobeClean-LightIt"/>
-                <a:cs typeface="AdobeClean-LightIt"/>
-              </a:rPr>
-              <a:t> </a:t>
-            </a:r>
-            <a:r>
-              <a:rPr sz="1100" i="1" spc="-15" dirty="0">
-                <a:solidFill>
-                  <a:srgbClr val="777879"/>
-                </a:solidFill>
-                <a:latin typeface="AdobeClean-LightIt"/>
-                <a:cs typeface="AdobeClean-LightIt"/>
-              </a:rPr>
-              <a:t>level</a:t>
-            </a:r>
-            <a:r>
-              <a:rPr sz="1100" i="1" spc="-55" dirty="0">
-                <a:solidFill>
-                  <a:srgbClr val="777879"/>
-                </a:solidFill>
-                <a:latin typeface="AdobeClean-LightIt"/>
-                <a:cs typeface="AdobeClean-LightIt"/>
-              </a:rPr>
-              <a:t> </a:t>
-            </a:r>
-            <a:r>
-              <a:rPr sz="1100" i="1" spc="-15" dirty="0">
-                <a:solidFill>
-                  <a:srgbClr val="777879"/>
-                </a:solidFill>
-                <a:latin typeface="AdobeClean-LightIt"/>
-                <a:cs typeface="AdobeClean-LightIt"/>
-              </a:rPr>
-              <a:t>for</a:t>
-            </a:r>
-            <a:r>
-              <a:rPr sz="1100" i="1" spc="-85" dirty="0">
-                <a:solidFill>
-                  <a:srgbClr val="777879"/>
-                </a:solidFill>
-                <a:latin typeface="AdobeClean-LightIt"/>
-                <a:cs typeface="AdobeClean-LightIt"/>
-              </a:rPr>
-              <a:t> </a:t>
-            </a:r>
-            <a:r>
-              <a:rPr sz="1100" i="1" spc="-15" dirty="0">
-                <a:solidFill>
-                  <a:srgbClr val="777879"/>
-                </a:solidFill>
-                <a:latin typeface="AdobeClean-LightIt"/>
-                <a:cs typeface="AdobeClean-LightIt"/>
-              </a:rPr>
-              <a:t>you,</a:t>
-            </a:r>
-            <a:r>
-              <a:rPr sz="1100" i="1" spc="-65" dirty="0">
-                <a:solidFill>
-                  <a:srgbClr val="777879"/>
-                </a:solidFill>
-                <a:latin typeface="AdobeClean-LightIt"/>
-                <a:cs typeface="AdobeClean-LightIt"/>
-              </a:rPr>
-              <a:t> </a:t>
-            </a:r>
-            <a:r>
-              <a:rPr sz="1100" i="1" spc="-15" dirty="0">
-                <a:solidFill>
-                  <a:srgbClr val="777879"/>
-                </a:solidFill>
-                <a:latin typeface="AdobeClean-LightIt"/>
-                <a:cs typeface="AdobeClean-LightIt"/>
-              </a:rPr>
-              <a:t>contact</a:t>
-            </a:r>
-            <a:r>
-              <a:rPr sz="1100" i="1" spc="-85" dirty="0">
-                <a:solidFill>
-                  <a:srgbClr val="777879"/>
-                </a:solidFill>
-                <a:latin typeface="AdobeClean-LightIt"/>
-                <a:cs typeface="AdobeClean-LightIt"/>
-              </a:rPr>
-              <a:t> </a:t>
-            </a:r>
-            <a:r>
-              <a:rPr sz="1100" i="1" spc="-15" dirty="0">
-                <a:solidFill>
-                  <a:srgbClr val="777879"/>
-                </a:solidFill>
-                <a:latin typeface="AdobeClean-LightIt"/>
-                <a:cs typeface="AdobeClean-LightIt"/>
-              </a:rPr>
-              <a:t>your</a:t>
-            </a:r>
-            <a:r>
-              <a:rPr sz="1100" i="1" spc="-70" dirty="0">
-                <a:solidFill>
-                  <a:srgbClr val="777879"/>
-                </a:solidFill>
-                <a:latin typeface="AdobeClean-LightIt"/>
-                <a:cs typeface="AdobeClean-LightIt"/>
-              </a:rPr>
-              <a:t> </a:t>
-            </a:r>
-            <a:r>
-              <a:rPr sz="1100" i="1" spc="-15" dirty="0">
-                <a:solidFill>
-                  <a:srgbClr val="777879"/>
-                </a:solidFill>
-                <a:latin typeface="AdobeClean-LightIt"/>
-                <a:cs typeface="AdobeClean-LightIt"/>
-              </a:rPr>
-              <a:t>Named</a:t>
-            </a:r>
-            <a:r>
-              <a:rPr sz="1100" i="1" spc="-55" dirty="0">
-                <a:solidFill>
-                  <a:srgbClr val="777879"/>
-                </a:solidFill>
-                <a:latin typeface="AdobeClean-LightIt"/>
-                <a:cs typeface="AdobeClean-LightIt"/>
-              </a:rPr>
-              <a:t> </a:t>
-            </a:r>
-            <a:r>
-              <a:rPr sz="1100" i="1" spc="-25" dirty="0">
-                <a:solidFill>
-                  <a:srgbClr val="777879"/>
-                </a:solidFill>
-                <a:latin typeface="AdobeClean-LightIt"/>
-                <a:cs typeface="AdobeClean-LightIt"/>
-              </a:rPr>
-              <a:t>Account</a:t>
-            </a:r>
-            <a:r>
-              <a:rPr sz="1100" i="1" spc="-120" dirty="0">
-                <a:solidFill>
-                  <a:srgbClr val="777879"/>
-                </a:solidFill>
-                <a:latin typeface="AdobeClean-LightIt"/>
-                <a:cs typeface="AdobeClean-LightIt"/>
-              </a:rPr>
-              <a:t> </a:t>
-            </a:r>
-            <a:r>
-              <a:rPr sz="1100" i="1" spc="-20" dirty="0">
-                <a:solidFill>
-                  <a:srgbClr val="777879"/>
-                </a:solidFill>
-                <a:latin typeface="AdobeClean-LightIt"/>
-                <a:cs typeface="AdobeClean-LightIt"/>
-              </a:rPr>
-              <a:t>Manager</a:t>
-            </a:r>
-            <a:r>
-              <a:rPr lang="en-US" sz="1100" i="1" spc="-20" dirty="0">
-                <a:solidFill>
-                  <a:srgbClr val="777879"/>
-                </a:solidFill>
-                <a:latin typeface="AdobeClean-LightIt"/>
-                <a:cs typeface="AdobeClean-LightIt"/>
-              </a:rPr>
-              <a:t> </a:t>
-            </a:r>
-            <a:r>
-              <a:rPr sz="1100" i="1" spc="-20" dirty="0">
-                <a:solidFill>
-                  <a:srgbClr val="777879"/>
-                </a:solidFill>
-                <a:latin typeface="AdobeClean-LightIt"/>
-                <a:cs typeface="AdobeClean-LightIt"/>
-              </a:rPr>
-              <a:t> </a:t>
-            </a:r>
-            <a:r>
-              <a:rPr sz="1100" i="1" spc="-15" dirty="0">
-                <a:solidFill>
-                  <a:srgbClr val="777879"/>
-                </a:solidFill>
-                <a:latin typeface="AdobeClean-LightIt"/>
-                <a:cs typeface="AdobeClean-LightIt"/>
-              </a:rPr>
-              <a:t>(NAM) </a:t>
-            </a:r>
-            <a:r>
-              <a:rPr sz="1100" i="1" spc="-10" dirty="0">
-                <a:solidFill>
-                  <a:srgbClr val="777879"/>
-                </a:solidFill>
-                <a:latin typeface="AdobeClean-LightIt"/>
-                <a:cs typeface="AdobeClean-LightIt"/>
-              </a:rPr>
-              <a:t>or </a:t>
-            </a:r>
-            <a:r>
-              <a:rPr sz="1100" i="1" spc="-15" dirty="0">
-                <a:solidFill>
-                  <a:srgbClr val="777879"/>
-                </a:solidFill>
-                <a:latin typeface="AdobeClean-LightIt"/>
-                <a:cs typeface="AdobeClean-LightIt"/>
-              </a:rPr>
-              <a:t>Customer </a:t>
-            </a:r>
-            <a:r>
-              <a:rPr sz="1100" i="1" spc="-20" dirty="0">
-                <a:solidFill>
-                  <a:srgbClr val="777879"/>
-                </a:solidFill>
-                <a:latin typeface="AdobeClean-LightIt"/>
-                <a:cs typeface="AdobeClean-LightIt"/>
-              </a:rPr>
-              <a:t>Success</a:t>
-            </a:r>
-            <a:r>
-              <a:rPr sz="1100" i="1" spc="-180" dirty="0">
-                <a:solidFill>
-                  <a:srgbClr val="777879"/>
-                </a:solidFill>
-                <a:latin typeface="AdobeClean-LightIt"/>
-                <a:cs typeface="AdobeClean-LightIt"/>
-              </a:rPr>
-              <a:t> </a:t>
-            </a:r>
-            <a:r>
-              <a:rPr sz="1100" i="1" spc="-15" dirty="0">
-                <a:solidFill>
-                  <a:srgbClr val="777879"/>
-                </a:solidFill>
-                <a:latin typeface="AdobeClean-LightIt"/>
-                <a:cs typeface="AdobeClean-LightIt"/>
-              </a:rPr>
-              <a:t>Manager</a:t>
-            </a:r>
-            <a:r>
-              <a:rPr lang="en-US" sz="1100" i="1" spc="-15" dirty="0">
-                <a:solidFill>
-                  <a:srgbClr val="777879"/>
-                </a:solidFill>
-                <a:latin typeface="AdobeClean-LightIt"/>
-                <a:cs typeface="AdobeClean-LightIt"/>
-              </a:rPr>
-              <a:t> </a:t>
-            </a:r>
-            <a:r>
-              <a:rPr sz="1100" i="1" spc="-15" dirty="0">
-                <a:solidFill>
-                  <a:srgbClr val="777879"/>
-                </a:solidFill>
-                <a:latin typeface="AdobeClean-LightIt"/>
-                <a:cs typeface="AdobeClean-LightIt"/>
-              </a:rPr>
-              <a:t>(CSM)</a:t>
-            </a:r>
-            <a:endParaRPr sz="1100" dirty="0">
-              <a:latin typeface="AdobeClean-LightIt"/>
-              <a:cs typeface="AdobeClean-LightIt"/>
-            </a:endParaRPr>
+              <a:t>Per saperne di più sulle opzioni di Supporto Adobe e capire quale sia il livello più adatto alle tue esigenze, contatta il tuo Named Account Manager (NAM) o Customer Success Manager (CSM).</a:t>
+            </a:r>
           </a:p>
           <a:p>
             <a:pPr marL="34290">
@@ -16048,59 +12748,15 @@
               </a:spcBef>
             </a:pPr>
             <a:r>
-              <a:rPr sz="800" spc="-5" dirty="0">
+              <a:rPr lang="it-IT" sz="800">
                 <a:solidFill>
                   <a:srgbClr val="6D6D6D"/>
                 </a:solidFill>
                 <a:latin typeface="Adobe Clean"/>
                 <a:cs typeface="Adobe Clean"/>
               </a:rPr>
-              <a:t>©202</a:t>
-            </a:r>
-            <a:r>
-              <a:rPr lang="en-US" sz="800" spc="-5" dirty="0">
-                <a:solidFill>
-                  <a:srgbClr val="6D6D6D"/>
-                </a:solidFill>
-                <a:latin typeface="Adobe Clean"/>
-                <a:cs typeface="Adobe Clean"/>
-              </a:rPr>
-              <a:t>1</a:t>
-            </a:r>
-            <a:r>
-              <a:rPr sz="800" spc="-5" dirty="0">
-                <a:solidFill>
-                  <a:srgbClr val="6D6D6D"/>
-                </a:solidFill>
-                <a:latin typeface="Adobe Clean"/>
-                <a:cs typeface="Adobe Clean"/>
-              </a:rPr>
-              <a:t> Adobe. All Rights Reserved. Adobe</a:t>
-            </a:r>
-            <a:r>
-              <a:rPr sz="800" spc="75" dirty="0">
-                <a:solidFill>
-                  <a:srgbClr val="6D6D6D"/>
-                </a:solidFill>
-                <a:latin typeface="Adobe Clean"/>
-                <a:cs typeface="Adobe Clean"/>
-              </a:rPr>
-              <a:t> </a:t>
-            </a:r>
-            <a:r>
-              <a:rPr sz="800" spc="-5" dirty="0">
-                <a:solidFill>
-                  <a:srgbClr val="6D6D6D"/>
-                </a:solidFill>
-                <a:latin typeface="Adobe Clean"/>
-                <a:cs typeface="Adobe Clean"/>
-              </a:rPr>
-              <a:t>Confidential.</a:t>
-            </a:r>
-            <a:endParaRPr sz="800" dirty="0">
-              <a:latin typeface="Adobe Clean"/>
-              <a:cs typeface="Adobe Clean"/>
-            </a:endParaRPr>
+              <a:t>©2021 Adobe. All Rights Reserved. Adobe Confidential.</a:t>
+            </a:r>
           </a:p>
         </p:txBody>
       </p:sp>
@@ -16119,7 +12775,7 @@
         <p:spPr>
           <a:xfrm>
             <a:off x="190707" y="4913781"/>
-            <a:ext cx="6476646" cy="755976"/>
+            <a:ext cx="6943952" cy="755976"/>
           </a:xfrm>
           <a:prstGeom prst="rect">
             <a:avLst/>
@@ -16137,19 +12793,15 @@
               </a:spcBef>
             </a:pPr>
             <a:r>
-              <a:rPr lang="en-US" sz="1400" b="1" spc="-15">
+              <a:rPr lang="it-IT" sz="1400" b="1" dirty="0">
                 <a:solidFill>
                   <a:srgbClr val="020302"/>
                 </a:solidFill>
                 <a:latin typeface="Adobe Clean"/>
                 <a:cs typeface="Adobe Clean"/>
               </a:rPr>
-              <a:t>Regional scope of Adobe Support, Local Hours Of Operation And Language Support</a:t>
-            </a:r>
-            <a:endParaRPr lang="en-US" sz="1400" spc="-15">
-              <a:ea typeface="+mn-lt"/>
-              <a:cs typeface="+mn-lt"/>
-            </a:endParaRPr>
+              <a:t>Supporto Adobe: aree geografiche, orari operativi e lingue</a:t>
+            </a:r>
           </a:p>
           <a:p>
             <a:pPr>
@@ -16158,17 +12810,31 @@
               </a:spcBef>
             </a:pPr>
             <a:r>
-              <a:rPr lang="en-US" sz="1000" spc="-15">
+              <a:rPr lang="it-IT" sz="1000" dirty="0">
                 <a:solidFill>
                   <a:srgbClr val="1F1F1F"/>
                 </a:solidFill>
                 <a:latin typeface="AdobeClean-Light"/>
               </a:rPr>
-              <a:t>The regional scope of Adobe Support is established by aligning the customer's billing address (via the Sales Order or other Adobe Support purchasing document) to one of the following regions:</a:t>
-            </a:r>
-            <a:endParaRPr lang="en-US" sz="1000">
-              <a:latin typeface="AdobeClean-Light"/>
-            </a:endParaRPr>
+              <a:t>L’ambito del supporto Adobe è definito allineando l’indirizzo di fatturazione del cliente </a:t>
+            </a:r>
+            <a:br>
+              <a:rPr lang="sk-SK" sz="1000" dirty="0">
+                <a:solidFill>
+                  <a:srgbClr val="1F1F1F"/>
+                </a:solidFill>
+                <a:latin typeface="AdobeClean-Light"/>
+              </a:rPr>
+            </a:br>
+            <a:r>
+              <a:rPr lang="it-IT" sz="1000" dirty="0">
+                <a:solidFill>
+                  <a:srgbClr val="1F1F1F"/>
+                </a:solidFill>
+                <a:latin typeface="AdobeClean-Light"/>
+              </a:rPr>
+              <a:t>(in base all’ordine di vendita o altro documento di acquisto del servizio di supporto Adobe) a una delle seguenti aree geografiche:</a:t>
+            </a:r>
           </a:p>
         </p:txBody>
       </p:sp>
@@ -16240,13 +12906,13 @@
                     <a:p>
                       <a:pPr algn="ctr"/>
                       <a:r>
-                        <a:rPr lang="en-US" sz="1100">
+                        <a:rPr lang="it-IT" sz="1100">
                           <a:solidFill>
                             <a:schemeClr val="tx1"/>
                           </a:solidFill>
                           <a:latin typeface="Adobe Clean"/>
                         </a:rPr>
-                        <a:t>Americas</a:t>
+                        <a:t>Americhe</a:t>
                       </a:r>
                     </a:p>
                   </a:txBody>
@@ -16305,13 +12971,13 @@
                     <a:p>
                       <a:pPr algn="ctr"/>
                       <a:r>
-                        <a:rPr lang="en-US" sz="1100">
+                        <a:rPr lang="it-IT" sz="1100">
                           <a:solidFill>
                             <a:schemeClr val="tx1"/>
                           </a:solidFill>
                           <a:latin typeface="Adobe Clean"/>
                         </a:rPr>
-                        <a:t>Europe, Middle East &amp; Africa</a:t>
+                        <a:t>Europa, Medio Oriente e Africa</a:t>
                       </a:r>
                     </a:p>
                   </a:txBody>
@@ -16370,13 +13036,13 @@
                     <a:p>
                       <a:pPr algn="ctr"/>
                       <a:r>
-                        <a:rPr lang="en-US" sz="1100">
+                        <a:rPr lang="it-IT" sz="1100">
                           <a:solidFill>
                             <a:schemeClr val="tx1"/>
                           </a:solidFill>
                           <a:latin typeface="Adobe Clean"/>
                         </a:rPr>
-                        <a:t>Asia Pacific</a:t>
+                        <a:t>Asia-Pacifico</a:t>
                       </a:r>
                     </a:p>
                   </a:txBody>
@@ -16435,16 +13101,16 @@
                     <a:p>
                       <a:pPr algn="ctr"/>
                       <a:r>
-                        <a:rPr lang="en-US" sz="1100">
+                        <a:rPr lang="it-IT" sz="1100">
                           <a:solidFill>
                             <a:schemeClr val="tx1"/>
                           </a:solidFill>
                           <a:latin typeface="Adobe Clean"/>
                         </a:rPr>
-                        <a:t>Japan </a:t>
+                        <a:t>Giappone</a:t>
                       </a:r>
                       <a:r>
-                        <a:rPr lang="en-US" sz="1100" baseline="30000">
+                        <a:rPr lang="it-IT" sz="1100" baseline="30000">
                           <a:solidFill>
                             <a:schemeClr val="tx1"/>
                           </a:solidFill>
@@ -16452,12 +13118,6 @@
                         </a:rPr>
                         <a:t>1 </a:t>
                       </a:r>
-                      <a:endParaRPr lang="en-US" sz="1100">
-                        <a:solidFill>
-                          <a:schemeClr val="tx1"/>
-                        </a:solidFill>
-                        <a:latin typeface="Adobe Clean" panose="020B0503020404020204" pitchFamily="34" charset="0"/>
-                      </a:endParaRPr>
                     </a:p>
                   </a:txBody>
                   <a:tcPr anchor="ctr">
@@ -16522,13 +13182,13 @@
                     <a:p>
                       <a:pPr algn="ctr"/>
                       <a:r>
-                        <a:rPr lang="en-US" sz="1100">
+                        <a:rPr lang="it-IT" sz="1100">
                           <a:solidFill>
                             <a:schemeClr val="tx1"/>
                           </a:solidFill>
                           <a:latin typeface="Adobe Clean"/>
                         </a:rPr>
-                        <a:t>6 am – 5:30 pm</a:t>
+                        <a:t>06:00 – 17:30</a:t>
                       </a:r>
                     </a:p>
                   </a:txBody>
@@ -16587,13 +13247,13 @@
                     <a:p>
                       <a:pPr algn="ctr"/>
                       <a:r>
-                        <a:rPr lang="en-US" sz="1100">
+                        <a:rPr lang="it-IT" sz="1100">
                           <a:solidFill>
                             <a:schemeClr val="tx1"/>
                           </a:solidFill>
                           <a:latin typeface="Adobe Clean"/>
                         </a:rPr>
-                        <a:t>9 am – 5 pm</a:t>
+                        <a:t>09:00 – 17:00</a:t>
                       </a:r>
                     </a:p>
                   </a:txBody>
@@ -16652,13 +13312,13 @@
                     <a:p>
                       <a:pPr algn="ctr"/>
                       <a:r>
-                        <a:rPr lang="en-US" sz="1100">
+                        <a:rPr lang="it-IT" sz="1100">
                           <a:solidFill>
                             <a:schemeClr val="tx1"/>
                           </a:solidFill>
                           <a:latin typeface="Adobe Clean"/>
                         </a:rPr>
-                        <a:t>9 am – 5 pm</a:t>
+                        <a:t>09:00 – 17:00</a:t>
                       </a:r>
                     </a:p>
                   </a:txBody>
@@ -16717,13 +13377,13 @@
                     <a:p>
                       <a:pPr algn="ctr"/>
                       <a:r>
-                        <a:rPr lang="en-US" sz="1100">
+                        <a:rPr lang="it-IT" sz="1100">
                           <a:solidFill>
                             <a:schemeClr val="tx1"/>
                           </a:solidFill>
                           <a:latin typeface="Adobe Clean"/>
                         </a:rPr>
-                        <a:t>9 am – 5:30 pm</a:t>
+                        <a:t>09:00 – 17:30</a:t>
                       </a:r>
                     </a:p>
                   </a:txBody>
@@ -16800,12 +13460,12 @@
                         <a:buNone/>
                       </a:pPr>
                       <a:r>
-                        <a:rPr lang="en-US" sz="1100" b="0" i="0" u="none" strike="noStrike" noProof="0"/>
-                        <a:t>Language support is only available in English and Japanese.</a:t>
+                        <a:rPr lang="it-IT" sz="1100" b="0" i="0" u="none" strike="noStrike" noProof="0"/>
+                        <a:t>Il supporto è disponibile solo in inglese e giapponese.</a:t>
                       </a:r>
                     </a:p>
                     <a:p>
-                      <a:pPr lvl="0" algn="ctr">
+                      <a:pPr lvl="0" algn="l" rtl="0">
                         <a:lnSpc>
                           <a:spcPct val="100000"/>
                         </a:lnSpc>
@@ -16833,18 +13493,17 @@
                         <a:buNone/>
                       </a:pPr>
                       <a:r>
-                        <a:rPr lang="en-US" sz="1100" b="0" i="0" u="none" strike="noStrike" noProof="0"/>
+                        <a:rPr lang="it-IT" sz="1100" b="0" i="0" u="none" strike="noStrike" noProof="0"/>
                         <a:t> </a:t>
                       </a:r>
                       <a:r>
-                        <a:rPr lang="en-US" sz="1100" b="0" i="0" u="none" strike="noStrike" baseline="30000" noProof="0"/>
+                        <a:rPr lang="it-IT" sz="1100" b="0" i="0" u="none" strike="noStrike" baseline="30000" noProof="0"/>
                         <a:t>1 </a:t>
                       </a:r>
                       <a:r>
-                        <a:rPr lang="en-US" sz="1100" b="0" i="0" u="none" strike="noStrike" noProof="0"/>
-                        <a:t>P2, P3, P4 cases are limited to business hours only in Japan.</a:t>
+                        <a:rPr lang="it-IT" sz="1100" b="0" i="0" u="none" strike="noStrike" noProof="0"/>
+                        <a:t>In Giappone, i casi P2, P3 e P4 sono limitati al solo orario operativo.</a:t>
                       </a:r>
-                      <a:endParaRPr lang="en-US" sz="1100" b="1" i="0" u="none" strike="noStrike" noProof="0"/>
                     </a:p>
                   </a:txBody>
                   <a:tcPr anchor="ctr">
@@ -17208,129 +13867,15 @@
               </a:spcBef>
             </a:pPr>
             <a:r>
-              <a:rPr sz="1200" b="1" spc="-15">
+              <a:rPr lang="it-IT" sz="1200" b="1">
                 <a:solidFill>
                   <a:srgbClr val="FFFFFF"/>
                 </a:solidFill>
                 <a:latin typeface="Adobe Clean"/>
                 <a:cs typeface="Adobe Clean"/>
               </a:rPr>
-              <a:t>U</a:t>
-            </a:r>
-            <a:r>
-              <a:rPr sz="1200" b="1" spc="-20">
-                <a:solidFill>
-                  <a:srgbClr val="FFFFFF"/>
-                </a:solidFill>
-                <a:latin typeface="Adobe Clean"/>
-                <a:cs typeface="Adobe Clean"/>
-              </a:rPr>
-              <a:t>n</a:t>
-            </a:r>
-            <a:r>
-              <a:rPr sz="1200" b="1" spc="-25">
-                <a:solidFill>
-                  <a:srgbClr val="FFFFFF"/>
-                </a:solidFill>
-                <a:latin typeface="Adobe Clean"/>
-                <a:cs typeface="Adobe Clean"/>
-              </a:rPr>
-              <a:t>p</a:t>
-            </a:r>
-            <a:r>
-              <a:rPr sz="1200" b="1" spc="-15">
-                <a:solidFill>
-                  <a:srgbClr val="FFFFFF"/>
-                </a:solidFill>
-                <a:latin typeface="Adobe Clean"/>
-                <a:cs typeface="Adobe Clean"/>
-              </a:rPr>
-              <a:t>a</a:t>
-            </a:r>
-            <a:r>
-              <a:rPr sz="1200" b="1" spc="-25">
-                <a:solidFill>
-                  <a:srgbClr val="FFFFFF"/>
-                </a:solidFill>
-                <a:latin typeface="Adobe Clean"/>
-                <a:cs typeface="Adobe Clean"/>
-              </a:rPr>
-              <a:t>r</a:t>
-            </a:r>
-            <a:r>
-              <a:rPr sz="1200" b="1" spc="-15">
-                <a:solidFill>
-                  <a:srgbClr val="FFFFFF"/>
-                </a:solidFill>
-                <a:latin typeface="Adobe Clean"/>
-                <a:cs typeface="Adobe Clean"/>
-              </a:rPr>
-              <a:t>a</a:t>
-            </a:r>
-            <a:r>
-              <a:rPr sz="1200" b="1" spc="-30">
-                <a:solidFill>
-                  <a:srgbClr val="FFFFFF"/>
-                </a:solidFill>
-                <a:latin typeface="Adobe Clean"/>
-                <a:cs typeface="Adobe Clean"/>
-              </a:rPr>
-              <a:t>ll</a:t>
-            </a:r>
-            <a:r>
-              <a:rPr sz="1200" b="1" spc="-25">
-                <a:solidFill>
-                  <a:srgbClr val="FFFFFF"/>
-                </a:solidFill>
-                <a:latin typeface="Adobe Clean"/>
-                <a:cs typeface="Adobe Clean"/>
-              </a:rPr>
-              <a:t>e</a:t>
-            </a:r>
-            <a:r>
-              <a:rPr sz="1200" b="1" spc="-30">
-                <a:solidFill>
-                  <a:srgbClr val="FFFFFF"/>
-                </a:solidFill>
-                <a:latin typeface="Adobe Clean"/>
-                <a:cs typeface="Adobe Clean"/>
-              </a:rPr>
-              <a:t>l</a:t>
-            </a:r>
-            <a:r>
-              <a:rPr sz="1200" b="1" spc="-25">
-                <a:solidFill>
-                  <a:srgbClr val="FFFFFF"/>
-                </a:solidFill>
-                <a:latin typeface="Adobe Clean"/>
-                <a:cs typeface="Adobe Clean"/>
-              </a:rPr>
-              <a:t>e</a:t>
-            </a:r>
-            <a:r>
-              <a:rPr sz="1200" b="1">
-                <a:solidFill>
-                  <a:srgbClr val="FFFFFF"/>
-                </a:solidFill>
-                <a:latin typeface="Adobe Clean"/>
-                <a:cs typeface="Adobe Clean"/>
-              </a:rPr>
-              <a:t>d  </a:t>
-            </a:r>
-            <a:r>
-              <a:rPr sz="1200" b="1" spc="-25">
-                <a:solidFill>
-                  <a:srgbClr val="FFFFFF"/>
-                </a:solidFill>
-                <a:latin typeface="Adobe Clean"/>
-                <a:cs typeface="Adobe Clean"/>
-              </a:rPr>
-              <a:t>Expertise</a:t>
-            </a:r>
-            <a:endParaRPr sz="1200">
-              <a:latin typeface="Adobe Clean"/>
-              <a:cs typeface="Adobe Clean"/>
-            </a:endParaRPr>
+              <a:t>Eccellenza tecnica</a:t>
+            </a:r>
           </a:p>
         </p:txBody>
       </p:sp>
@@ -17370,19 +13915,15 @@
               </a:spcBef>
             </a:pPr>
             <a:r>
-              <a:rPr lang="en-US" sz="1200" b="1" spc="-15">
+              <a:rPr lang="it-IT" sz="1200" b="1">
                 <a:solidFill>
                   <a:srgbClr val="FFFFFF"/>
                 </a:solidFill>
                 <a:latin typeface="Adobe Clean"/>
                 <a:cs typeface="Adobe Clean"/>
               </a:rPr>
-              <a:t>Accelerated Support</a:t>
-            </a:r>
-            <a:endParaRPr sz="1200">
-              <a:latin typeface="Adobe Clean"/>
-              <a:cs typeface="Adobe Clean"/>
-            </a:endParaRPr>
+              <a:t>Supporto rapido</a:t>
+            </a:r>
           </a:p>
         </p:txBody>
       </p:sp>
@@ -17400,8 +13941,8 @@
         </p:nvSpPr>
         <p:spPr>
           <a:xfrm>
-            <a:off x="6624119" y="8543943"/>
-            <a:ext cx="510540" cy="385445"/>
+            <a:off x="6484405" y="8543943"/>
+            <a:ext cx="810895" cy="382797"/>
           </a:xfrm>
           <a:prstGeom prst="rect">
             <a:avLst/>
@@ -17422,109 +13963,15 @@
               </a:spcBef>
             </a:pPr>
             <a:r>
-              <a:rPr sz="1200" b="1" spc="-50">
+              <a:rPr lang="it-IT" sz="1200" b="1" dirty="0">
                 <a:solidFill>
                   <a:srgbClr val="FFFFFF"/>
                 </a:solidFill>
                 <a:latin typeface="Adobe Clean"/>
                 <a:cs typeface="Adobe Clean"/>
               </a:rPr>
-              <a:t>S</a:t>
-            </a:r>
-            <a:r>
-              <a:rPr sz="1200" b="1" spc="-20">
-                <a:solidFill>
-                  <a:srgbClr val="FFFFFF"/>
-                </a:solidFill>
-                <a:latin typeface="Adobe Clean"/>
-                <a:cs typeface="Adobe Clean"/>
-              </a:rPr>
-              <a:t>t</a:t>
-            </a:r>
-            <a:r>
-              <a:rPr sz="1200" b="1" spc="-75">
-                <a:solidFill>
-                  <a:srgbClr val="FFFFFF"/>
-                </a:solidFill>
-                <a:latin typeface="Adobe Clean"/>
-                <a:cs typeface="Adobe Clean"/>
-              </a:rPr>
-              <a:t>r</a:t>
-            </a:r>
-            <a:r>
-              <a:rPr sz="1200" b="1" spc="-90">
-                <a:solidFill>
-                  <a:srgbClr val="FFFFFF"/>
-                </a:solidFill>
-                <a:latin typeface="Adobe Clean"/>
-                <a:cs typeface="Adobe Clean"/>
-              </a:rPr>
-              <a:t>a</a:t>
-            </a:r>
-            <a:r>
-              <a:rPr sz="1200" b="1" spc="-55">
-                <a:solidFill>
-                  <a:srgbClr val="FFFFFF"/>
-                </a:solidFill>
-                <a:latin typeface="Adobe Clean"/>
-                <a:cs typeface="Adobe Clean"/>
-              </a:rPr>
-              <a:t>t</a:t>
-            </a:r>
-            <a:r>
-              <a:rPr sz="1200" b="1" spc="-100">
-                <a:solidFill>
-                  <a:srgbClr val="FFFFFF"/>
-                </a:solidFill>
-                <a:latin typeface="Adobe Clean"/>
-                <a:cs typeface="Adobe Clean"/>
-              </a:rPr>
-              <a:t>e</a:t>
-            </a:r>
-            <a:r>
-              <a:rPr sz="1200" b="1" spc="-80">
-                <a:solidFill>
-                  <a:srgbClr val="FFFFFF"/>
-                </a:solidFill>
-                <a:latin typeface="Adobe Clean"/>
-                <a:cs typeface="Adobe Clean"/>
-              </a:rPr>
-              <a:t>g</a:t>
-            </a:r>
-            <a:r>
-              <a:rPr sz="1200" b="1" spc="-35">
-                <a:solidFill>
-                  <a:srgbClr val="FFFFFF"/>
-                </a:solidFill>
-                <a:latin typeface="Adobe Clean"/>
-                <a:cs typeface="Adobe Clean"/>
-              </a:rPr>
-              <a:t>i</a:t>
-            </a:r>
-            <a:r>
-              <a:rPr sz="1200" b="1">
-                <a:solidFill>
-                  <a:srgbClr val="FFFFFF"/>
-                </a:solidFill>
-                <a:latin typeface="Adobe Clean"/>
-                <a:cs typeface="Adobe Clean"/>
-              </a:rPr>
-              <a:t>c  </a:t>
-            </a:r>
-            <a:r>
-              <a:rPr sz="1200" b="1" spc="-45">
-                <a:solidFill>
-                  <a:srgbClr val="FFFFFF"/>
-                </a:solidFill>
-                <a:latin typeface="Adobe Clean"/>
-                <a:cs typeface="Adobe Clean"/>
-              </a:rPr>
-              <a:t>Advice</a:t>
-            </a:r>
-            <a:endParaRPr sz="1200">
-              <a:latin typeface="Adobe Clean"/>
-              <a:cs typeface="Adobe Clean"/>
-            </a:endParaRPr>
+              <a:t>Consulenza strategica</a:t>
+            </a:r>
           </a:p>
         </p:txBody>
       </p:sp>
@@ -17543,14 +13990,14 @@
           <p:nvPr>
             <p:extLst>
               <p:ext uri="{D42A27DB-BD31-4B8C-83A1-F6EECF244321}">
-                <p14:modId xmlns:p14="http://schemas.microsoft.com/office/powerpoint/2010/main" val="4232335107"/>
+                <p14:modId xmlns:p14="http://schemas.microsoft.com/office/powerpoint/2010/main" val="1128716280"/>
               </p:ext>
             </p:extLst>
           </p:nvPr>
         </p:nvGraphicFramePr>
         <p:xfrm>
           <a:off x="194237" y="1272353"/>
-          <a:ext cx="7368291" cy="2931160"/>
+          <a:ext cx="7368291" cy="3235960"/>
         </p:xfrm>
         <a:graphic>
           <a:graphicData uri="http://schemas.openxmlformats.org/drawingml/2006/table">
@@ -17581,25 +14028,17 @@
                     <a:lstStyle/>
                     <a:p>
                       <a:r>
-                        <a:rPr lang="en-US" sz="1100" b="0" dirty="0">
+                        <a:rPr lang="it-IT" sz="1100" b="0">
                           <a:solidFill>
                             <a:schemeClr val="tx1"/>
                           </a:solidFill>
-                          <a:latin typeface="Adobe Clean"/>
+                          <a:latin typeface="Adobe Clean" panose="020B0503020404020204" pitchFamily="34" charset="0"/>
                           <a:ea typeface="+mn-ea"/>
                           <a:cs typeface="+mn-cs"/>
                           <a:hlinkClick r:id="rId7"/>
                         </a:rPr>
                         <a:t>Experience League</a:t>
                       </a:r>
-                      <a:endParaRPr lang="en-US" sz="1100" b="0" dirty="0">
-                        <a:solidFill>
-                          <a:schemeClr val="tx1"/>
-                        </a:solidFill>
-                        <a:latin typeface="Adobe Clean"/>
-                        <a:ea typeface="+mn-ea"/>
-                        <a:cs typeface="+mn-cs"/>
-                      </a:endParaRPr>
                     </a:p>
                   </a:txBody>
                   <a:tcPr marL="47625" marR="47625" marT="0" marB="0" anchor="ctr">
@@ -17655,7 +14094,7 @@
                     <a:bodyPr/>
                     <a:lstStyle/>
                     <a:p>
-                      <a:pPr marL="0" marR="0" lvl="0" indent="0" eaLnBrk="1" fontAlgn="auto" latinLnBrk="0" hangingPunct="1">
+                      <a:pPr marL="0" marR="0" lvl="0" indent="0" defTabSz="914400" eaLnBrk="1" fontAlgn="auto" latinLnBrk="0" hangingPunct="1">
                         <a:lnSpc>
                           <a:spcPct val="100000"/>
                         </a:lnSpc>
@@ -17669,26 +14108,41 @@
                         <a:buSzTx/>
                         <a:buFontTx/>
                         <a:buNone/>
+                        <a:tabLst/>
+                        <a:defRPr/>
                       </a:pPr>
                       <a:r>
-                        <a:rPr lang="en-US" sz="1000" b="0" kern="1200" dirty="0">
+                        <a:rPr lang="it-IT" sz="1000" b="0" dirty="0">
                           <a:solidFill>
                             <a:srgbClr val="000000"/>
                           </a:solidFill>
-                          <a:latin typeface="Adobe Clean Light"/>
+                          <a:latin typeface="Adobe Clean Light" panose="020B0303020404020204" pitchFamily="34" charset="0"/>
                           <a:ea typeface="+mn-ea"/>
                           <a:cs typeface="+mn-cs"/>
                         </a:rPr>
-                        <a:t>Experience League is how Adobe helps businesses achieve the value they expect from their Adobe investment. It’s the unified place where customers can learn, connect, and grow along a personalized path to success that includes self-help tutorials, product documentation, instructor-led training, community and technical support. </a:t>
+                        <a:t>Con Experience League, Adobe aiuta le aziende a conseguire il valore che si aspettano dalle soluzioni Adobe in cui hanno investito. </a:t>
                       </a:r>
-                      <a:endParaRPr lang="en-US" sz="1000" b="0" kern="1200">
-                        <a:solidFill>
-                          <a:srgbClr val="000000"/>
-                        </a:solidFill>
-                        <a:latin typeface="Adobe Clean Light" panose="020B0303020404020204" pitchFamily="34" charset="0"/>
-                        <a:ea typeface="+mn-ea"/>
-                        <a:cs typeface="+mn-cs"/>
-                      </a:endParaRPr>
+                      <a:br>
+                        <a:rPr lang="sk-SK" sz="1000" b="0" dirty="0">
+                          <a:solidFill>
+                            <a:srgbClr val="000000"/>
+                          </a:solidFill>
+                          <a:latin typeface="Adobe Clean Light" panose="020B0303020404020204" pitchFamily="34" charset="0"/>
+                          <a:ea typeface="+mn-ea"/>
+                          <a:cs typeface="+mn-cs"/>
+                        </a:rPr>
+                      </a:br>
+                      <a:r>
+                        <a:rPr lang="it-IT" sz="1000" b="0" dirty="0">
+                          <a:solidFill>
+                            <a:srgbClr val="000000"/>
+                          </a:solidFill>
+                          <a:latin typeface="Adobe Clean Light" panose="020B0303020404020204" pitchFamily="34" charset="0"/>
+                          <a:ea typeface="+mn-ea"/>
+                          <a:cs typeface="+mn-cs"/>
+                        </a:rPr>
+                        <a:t>In questo portale unificato, puoi imparare, relazionarti con altri professionisti e crescere seguendo un percorso personalizzato con tutorial, documentazione dei prodotti, formazione con istruttori, supporto tecnico e il sostegno dell’intera community. </a:t>
+                      </a:r>
                     </a:p>
                   </a:txBody>
                   <a:tcPr anchor="ctr">
@@ -17769,39 +14223,28 @@
                         <a:defRPr/>
                       </a:pPr>
                       <a:r>
-                        <a:rPr lang="en-US" sz="1100" dirty="0">
+                        <a:rPr lang="it-IT" sz="1100">
                           <a:solidFill>
                             <a:schemeClr val="dk1"/>
                           </a:solidFill>
-                          <a:effectLst/>
-                          <a:latin typeface="Adobe Clean"/>
+                          <a:latin typeface="Adobe Clean" panose="020B0503020404020204" pitchFamily="34" charset="0"/>
                           <a:ea typeface="+mn-ea"/>
                           <a:cs typeface="+mn-cs"/>
                           <a:hlinkClick r:id="rId8"/>
                         </a:rPr>
-                        <a:t>Training</a:t>
+                        <a:t>Formazione</a:t>
                       </a:r>
                       <a:r>
-                        <a:rPr lang="en-US" sz="1100" dirty="0">
+                        <a:rPr lang="it-IT" sz="1100">
                           <a:solidFill>
                             <a:schemeClr val="dk1"/>
                           </a:solidFill>
-                          <a:effectLst/>
-                          <a:latin typeface="Adobe Clean"/>
+                          <a:latin typeface="Adobe Clean" panose="020B0503020404020204" pitchFamily="34" charset="0"/>
                           <a:ea typeface="+mn-ea"/>
                           <a:cs typeface="+mn-cs"/>
                         </a:rPr>
                         <a:t> </a:t>
                       </a:r>
-                      <a:endParaRPr lang="en-US" sz="1100" dirty="0">
-                        <a:solidFill>
-                          <a:schemeClr val="tx1"/>
-                        </a:solidFill>
-                        <a:effectLst/>
-                        <a:latin typeface="Adobe Clean"/>
-                        <a:ea typeface="+mn-ea"/>
-                        <a:cs typeface="+mn-cs"/>
-                      </a:endParaRPr>
                     </a:p>
                   </a:txBody>
                   <a:tcPr anchor="ctr">
@@ -17875,15 +14318,15 @@
                         <a:defRPr/>
                       </a:pPr>
                       <a:r>
-                        <a:rPr lang="en-US" sz="1000" kern="1200" dirty="0">
+                        <a:rPr lang="it-IT" sz="1000">
                           <a:solidFill>
                             <a:srgbClr val="000000"/>
                           </a:solidFill>
-                          <a:latin typeface="Adobe Clean Light"/>
+                          <a:latin typeface="Adobe Clean Light" panose="020B0303020404020204" pitchFamily="34" charset="0"/>
                           <a:ea typeface="+mn-ea"/>
                           <a:cs typeface="+mn-cs"/>
                         </a:rPr>
-                        <a:t>Adobe Digital Learning Services courses are accessible from Experience League. Learning courses integrate both on-demand and instructor-led lessons.  Here you can accrue skills that have recognized market value and position them to drive success in your organizations.</a:t>
+                        <a:t>I corsi Adobe Digital Learning Services sono accessibili da Experience League. I corsi di apprendimento comprendono lezioni sia on-demand che guidate da istruttori.  Potrai acquisire nuove competenze particolarmente ricercate nel settore e metterle in pratica nella tua organizzazione, per favorirne il successo.</a:t>
                       </a:r>
                     </a:p>
                   </a:txBody>
@@ -17965,27 +14408,17 @@
                         <a:defRPr/>
                       </a:pPr>
                       <a:r>
-                        <a:rPr lang="en-US" sz="1100" dirty="0">
+                        <a:rPr lang="it-IT" sz="1100">
                           <a:solidFill>
                             <a:schemeClr val="tx1"/>
                           </a:solidFill>
-                          <a:effectLst/>
-                          <a:latin typeface="Adobe Clean"/>
+                          <a:latin typeface="Adobe Clean" panose="020B0503020404020204" pitchFamily="34" charset="0"/>
                           <a:ea typeface="+mn-ea"/>
                           <a:cs typeface="+mn-cs"/>
                           <a:hlinkClick r:id="rId9"/>
                         </a:rPr>
-                        <a:t>Production Issues &amp; System Outages</a:t>
+                        <a:t>Problemi di produzione e interruzioni del sistema</a:t>
                       </a:r>
-                      <a:endParaRPr lang="en-US" sz="1100" dirty="0">
-                        <a:solidFill>
-                          <a:schemeClr val="tx1"/>
-                        </a:solidFill>
-                        <a:effectLst/>
-                        <a:latin typeface="Adobe Clean"/>
-                        <a:ea typeface="+mn-ea"/>
-                        <a:cs typeface="+mn-cs"/>
-                      </a:endParaRPr>
                     </a:p>
                   </a:txBody>
                   <a:tcPr anchor="ctr">
@@ -18041,7 +14474,7 @@
                     <a:bodyPr/>
                     <a:lstStyle/>
                     <a:p>
-                      <a:pPr marL="0" marR="0" lvl="0" indent="0" eaLnBrk="1" fontAlgn="auto" latinLnBrk="0" hangingPunct="1">
+                      <a:pPr marL="0" marR="0" lvl="0" indent="0" defTabSz="914400" eaLnBrk="1" fontAlgn="auto" latinLnBrk="0" hangingPunct="1">
                         <a:lnSpc>
                           <a:spcPct val="100000"/>
                         </a:lnSpc>
@@ -18055,26 +14488,83 @@
                         <a:buSzTx/>
                         <a:buFontTx/>
                         <a:buNone/>
+                        <a:tabLst/>
+                        <a:defRPr/>
                       </a:pPr>
                       <a:r>
-                        <a:rPr lang="en-US" sz="1000" kern="1200" dirty="0">
+                        <a:rPr lang="it-IT" sz="1000" dirty="0">
                           <a:solidFill>
                             <a:srgbClr val="000000"/>
                           </a:solidFill>
-                          <a:latin typeface="Adobe Clean Light"/>
+                          <a:latin typeface="Adobe Clean Light" panose="020B0303020404020204" pitchFamily="34" charset="0"/>
                           <a:ea typeface="+mn-ea"/>
                           <a:cs typeface="+mn-cs"/>
                         </a:rPr>
-                        <a:t>Status.adobe.com conveys the health information of all Adobe products and services that are deployed in multi-tenant environments. Customers can choose their subscription preferences to get email notifications whenever Adobe creates, updates or resolves a product event. This can include scheduled maintenance or service issues of varying levels of severity. </a:t>
+                        <a:t>Status.adobe.com trasmette informazioni sullo stato di tutti i prodotti </a:t>
                       </a:r>
-                      <a:endParaRPr lang="en-US" sz="1000" kern="1200">
-                        <a:solidFill>
-                          <a:srgbClr val="000000"/>
-                        </a:solidFill>
-                        <a:latin typeface="Adobe Clean Light" panose="020B0303020404020204" pitchFamily="34" charset="0"/>
-                        <a:ea typeface="+mn-ea"/>
-                        <a:cs typeface="+mn-cs"/>
-                      </a:endParaRPr>
+                      <a:br>
+                        <a:rPr lang="sk-SK" sz="1000" dirty="0">
+                          <a:solidFill>
+                            <a:srgbClr val="000000"/>
+                          </a:solidFill>
+                          <a:latin typeface="Adobe Clean Light" panose="020B0303020404020204" pitchFamily="34" charset="0"/>
+                          <a:ea typeface="+mn-ea"/>
+                          <a:cs typeface="+mn-cs"/>
+                        </a:rPr>
+                      </a:br>
+                      <a:r>
+                        <a:rPr lang="it-IT" sz="1000" dirty="0">
+                          <a:solidFill>
+                            <a:srgbClr val="000000"/>
+                          </a:solidFill>
+                          <a:latin typeface="Adobe Clean Light" panose="020B0303020404020204" pitchFamily="34" charset="0"/>
+                          <a:ea typeface="+mn-ea"/>
+                          <a:cs typeface="+mn-cs"/>
+                        </a:rPr>
+                        <a:t>e i servizi Adobe implementati in ambienti multi-tenant. Puoi scegliere se ricevere notifiche e-mail ogni volta che Adobe segnala, aggiorna </a:t>
+                      </a:r>
+                      <a:br>
+                        <a:rPr lang="sk-SK" sz="1000" dirty="0">
+                          <a:solidFill>
+                            <a:srgbClr val="000000"/>
+                          </a:solidFill>
+                          <a:latin typeface="Adobe Clean Light" panose="020B0303020404020204" pitchFamily="34" charset="0"/>
+                          <a:ea typeface="+mn-ea"/>
+                          <a:cs typeface="+mn-cs"/>
+                        </a:rPr>
+                      </a:br>
+                      <a:r>
+                        <a:rPr lang="it-IT" sz="1000" dirty="0">
+                          <a:solidFill>
+                            <a:srgbClr val="000000"/>
+                          </a:solidFill>
+                          <a:latin typeface="Adobe Clean Light" panose="020B0303020404020204" pitchFamily="34" charset="0"/>
+                          <a:ea typeface="+mn-ea"/>
+                          <a:cs typeface="+mn-cs"/>
+                        </a:rPr>
+                        <a:t>o risolve un problema relativo a un prodotto. Vengono segnalate </a:t>
+                      </a:r>
+                      <a:br>
+                        <a:rPr lang="sk-SK" sz="1000" dirty="0">
+                          <a:solidFill>
+                            <a:srgbClr val="000000"/>
+                          </a:solidFill>
+                          <a:latin typeface="Adobe Clean Light" panose="020B0303020404020204" pitchFamily="34" charset="0"/>
+                          <a:ea typeface="+mn-ea"/>
+                          <a:cs typeface="+mn-cs"/>
+                        </a:rPr>
+                      </a:br>
+                      <a:r>
+                        <a:rPr lang="it-IT" sz="1000" dirty="0">
+                          <a:solidFill>
+                            <a:srgbClr val="000000"/>
+                          </a:solidFill>
+                          <a:latin typeface="Adobe Clean Light" panose="020B0303020404020204" pitchFamily="34" charset="0"/>
+                          <a:ea typeface="+mn-ea"/>
+                          <a:cs typeface="+mn-cs"/>
+                        </a:rPr>
+                        <a:t>ad esempio le interruzioni per manutenzione programmata o problemi relativi ai servizi con diversi livelli di gravità. </a:t>
+                      </a:r>
                     </a:p>
                   </a:txBody>
                   <a:tcPr anchor="ctr">
@@ -18155,27 +14645,17 @@
                         <a:defRPr/>
                       </a:pPr>
                       <a:r>
-                        <a:rPr lang="en-US" sz="1100" dirty="0">
+                        <a:rPr lang="it-IT" sz="1100">
                           <a:solidFill>
                             <a:schemeClr val="tx1"/>
                           </a:solidFill>
-                          <a:effectLst/>
-                          <a:latin typeface="Adobe Clean"/>
+                          <a:latin typeface="Adobe Clean" panose="020B0503020404020204" pitchFamily="34" charset="0"/>
                           <a:ea typeface="+mn-ea"/>
                           <a:cs typeface="+mn-cs"/>
                           <a:hlinkClick r:id="rId10"/>
                         </a:rPr>
-                        <a:t>Terms and Conditions</a:t>
+                        <a:t>Termini e condizioni</a:t>
                       </a:r>
-                      <a:endParaRPr lang="en-US" sz="1100" dirty="0">
-                        <a:solidFill>
-                          <a:schemeClr val="tx1"/>
-                        </a:solidFill>
-                        <a:effectLst/>
-                        <a:latin typeface="Adobe Clean"/>
-                        <a:ea typeface="+mn-ea"/>
-                        <a:cs typeface="+mn-cs"/>
-                      </a:endParaRPr>
                     </a:p>
                   </a:txBody>
                   <a:tcPr anchor="ctr">
@@ -18232,24 +14712,16 @@
                     <a:lstStyle/>
                     <a:p>
                       <a:r>
-                        <a:rPr lang="en-US" sz="1000" kern="1200" dirty="0">
+                        <a:rPr lang="it-IT" sz="1000" dirty="0">
                           <a:solidFill>
                             <a:srgbClr val="000000"/>
                           </a:solidFill>
-                          <a:latin typeface="Adobe Clean Light"/>
+                          <a:latin typeface="Adobe Clean Light" panose="020B0303020404020204" pitchFamily="34" charset="0"/>
                           <a:ea typeface="+mn-ea"/>
                           <a:cs typeface="+mn-cs"/>
                         </a:rPr>
-                        <a:t>Terms and conditions detailing Support Services offerings.</a:t>
+                        <a:t>Termini e condizioni che descrivono i servizi di supporto disponibili</a:t>
                       </a:r>
-                      <a:endParaRPr lang="en-US" sz="1000" kern="1200" dirty="0">
-                        <a:solidFill>
-                          <a:srgbClr val="000000"/>
-                        </a:solidFill>
-                        <a:latin typeface="Adobe Clean Light" panose="020B0303020404020204" pitchFamily="34" charset="0"/>
-                        <a:ea typeface="+mn-ea"/>
-                        <a:cs typeface="+mn-cs"/>
-                      </a:endParaRPr>
                     </a:p>
                   </a:txBody>
                   <a:tcPr anchor="ctr">
@@ -19019,6 +15491,12 @@
 </file>
 
 <file path=customXml/item1.xml><?xml version="1.0" encoding="utf-8"?>
+<p:properties xmlns:p="http://schemas.microsoft.com/office/2006/metadata/properties" xmlns:xsi="http://www.w3.org/2001/XMLSchema-instance" xmlns:pc="http://schemas.microsoft.com/office/infopath/2007/PartnerControls">
+  <documentManagement/>
+</p:properties>
+</file>
+
+<file path=customXml/item2.xml><?xml version="1.0" encoding="utf-8"?>
 <ct:contentTypeSchema xmlns:ct="http://schemas.microsoft.com/office/2006/metadata/contentType" xmlns:ma="http://schemas.microsoft.com/office/2006/metadata/properties/metaAttributes" ct:_="" ma:_="" ma:contentTypeName="Document" ma:contentTypeID="0x010100E783BF6876BCC646A459363AF21A7736" ma:contentTypeVersion="10" ma:contentTypeDescription="Create a new document." ma:contentTypeScope="" ma:versionID="c4ffda7f4f415767600769e454c2ea87">
   <xsd:schema xmlns:xsd="http://www.w3.org/2001/XMLSchema" xmlns:xs="http://www.w3.org/2001/XMLSchema" xmlns:p="http://schemas.microsoft.com/office/2006/metadata/properties" xmlns:ns2="8a053bff-88be-49e4-9a87-e748e18b8b62" xmlns:ns3="6c8368ec-3776-49b5-a5bb-90648cf9530f" targetNamespace="http://schemas.microsoft.com/office/2006/metadata/properties" ma:root="true" ma:fieldsID="df3ec33bccc23e23bce7bc897fad43d1" ns2:_="" ns3:_="">
     <xsd:import namespace="8a053bff-88be-49e4-9a87-e748e18b8b62"/>
@@ -19223,7 +15701,7 @@
 </ct:contentTypeSchema>
 </file>
 
-<file path=customXml/item2.xml><?xml version="1.0" encoding="utf-8"?>
+<file path=customXml/item3.xml><?xml version="1.0" encoding="utf-8"?>
 <?mso-contentType ?>
 <FormTemplates xmlns="http://schemas.microsoft.com/sharepoint/v3/contenttype/forms">
   <Display>DocumentLibraryForm</Display>
@@ -19232,13 +15710,16 @@
 </FormTemplates>
 </file>
 
-<file path=customXml/item3.xml><?xml version="1.0" encoding="utf-8"?>
-<p:properties xmlns:p="http://schemas.microsoft.com/office/2006/metadata/properties" xmlns:xsi="http://www.w3.org/2001/XMLSchema-instance" xmlns:pc="http://schemas.microsoft.com/office/infopath/2007/PartnerControls">
-  <documentManagement/>
-</p:properties>
+<file path=customXml/itemProps1.xml><?xml version="1.0" encoding="utf-8"?>
+<ds:datastoreItem xmlns:ds="http://schemas.openxmlformats.org/officeDocument/2006/customXml" ds:itemID="{ED4099BE-EDEC-4FF1-8378-446617236015}">
+  <ds:schemaRefs>
+    <ds:schemaRef ds:uri="http://schemas.microsoft.com/office/2006/metadata/properties"/>
+    <ds:schemaRef ds:uri="http://schemas.microsoft.com/office/infopath/2007/PartnerControls"/>
+  </ds:schemaRefs>
+</ds:datastoreItem>
 </file>
 
-<file path=customXml/itemProps1.xml><?xml version="1.0" encoding="utf-8"?>
+<file path=customXml/itemProps2.xml><?xml version="1.0" encoding="utf-8"?>
 <ds:datastoreItem xmlns:ds="http://schemas.openxmlformats.org/officeDocument/2006/customXml" ds:itemID="{FB2EBF8D-136B-48EC-8FC0-F70C0583664B}">
   <ds:schemaRefs>
     <ds:schemaRef ds:uri="6c8368ec-3776-49b5-a5bb-90648cf9530f"/>
@@ -19257,27 +15738,10 @@
 </ds:datastoreItem>
 </file>
 
-<file path=customXml/itemProps2.xml><?xml version="1.0" encoding="utf-8"?>
+<file path=customXml/itemProps3.xml><?xml version="1.0" encoding="utf-8"?>
 <ds:datastoreItem xmlns:ds="http://schemas.openxmlformats.org/officeDocument/2006/customXml" ds:itemID="{941989CE-20BB-4A6A-A33F-71A1AE469C3E}">
   <ds:schemaRefs>
     <ds:schemaRef ds:uri="http://schemas.microsoft.com/sharepoint/v3/contenttype/forms"/>
   </ds:schemaRefs>
 </ds:datastoreItem>
-</file>
-
-<file path=customXml/itemProps3.xml><?xml version="1.0" encoding="utf-8"?>
-<ds:datastoreItem xmlns:ds="http://schemas.openxmlformats.org/officeDocument/2006/customXml" ds:itemID="{ED4099BE-EDEC-4FF1-8378-446617236015}">
-  <ds:schemaRefs>
-    <ds:schemaRef ds:uri="6c8368ec-3776-49b5-a5bb-90648cf9530f"/>
-    <ds:schemaRef ds:uri="8a053bff-88be-49e4-9a87-e748e18b8b62"/>
-    <ds:schemaRef ds:uri="http://purl.org/dc/dcmitype/"/>
-    <ds:schemaRef ds:uri="http://purl.org/dc/elements/1.1/"/>
-    <ds:schemaRef ds:uri="http://purl.org/dc/terms/"/>
-    <ds:schemaRef ds:uri="http://schemas.microsoft.com/office/2006/documentManagement/types"/>
-    <ds:schemaRef ds:uri="http://schemas.microsoft.com/office/2006/metadata/properties"/>
-    <ds:schemaRef ds:uri="http://schemas.microsoft.com/office/infopath/2007/PartnerControls"/>
-    <ds:schemaRef ds:uri="http://schemas.openxmlformats.org/package/2006/metadata/core-properties"/>
-    <ds:schemaRef ds:uri="http://www.w3.org/XML/1998/namespace"/>
-  </ds:schemaRefs>
-</ds:datastoreItem>
 </file>
--- a/help/data-sheets/assets/EnterpriseSupportDatasheet.pptx
+++ b/help/data-sheets/assets/EnterpriseSupportDatasheet.pptx
@@ -144,13 +144,9 @@
 <file path=ppt/revisionInfo.xml><?xml version="1.0" encoding="utf-8"?>
 <p1510:revInfo xmlns:a="http://schemas.openxmlformats.org/drawingml/2006/main" xmlns:r="http://schemas.openxmlformats.org/officeDocument/2006/relationships" xmlns:p1510="http://schemas.microsoft.com/office/powerpoint/2015/10/main">
   <p1510:revLst>
-    <p1510:client id="{0AB2EF93-BE08-D205-D43E-3B568BB37DAA}" v="26" dt="2021-09-22T23:01:49.517"/>
-    <p1510:client id="{0AC6A3A1-0788-C69A-5EFD-279F3FA2CF0F}" v="51" dt="2021-09-22T18:56:17.553"/>
-    <p1510:client id="{112231ED-4F38-A856-2EFF-9D0F88AC9BDF}" v="3" dt="2021-09-22T19:11:31.474"/>
-    <p1510:client id="{3CA2F123-FAC9-2CDD-7937-C83283BA7837}" v="1" dt="2021-09-16T20:58:19.458"/>
-    <p1510:client id="{3F02B349-0406-AE51-D438-E7A0BE890230}" v="20" dt="2021-08-25T18:45:08.206"/>
-    <p1510:client id="{A40C3D7D-993B-38B2-2DDA-C562505A1054}" v="4" dt="2021-09-22T23:00:46.860"/>
-    <p1510:client id="{BAC4F85F-6423-7248-85C4-44132DA97563}" v="77" dt="2021-08-07T08:51:03.454"/>
+    <p1510:client id="{19826C17-B3F5-53A1-AAFF-C7771804C7A7}" v="128" dt="2021-10-13T18:50:39.613"/>
+    <p1510:client id="{1A3D389F-0E00-444F-BDF7-5C174E20EEC2}" v="2" dt="2021-10-13T19:33:05.183"/>
+    <p1510:client id="{D02E726A-82A5-CF13-9EBE-9B674D878D37}" v="22" dt="2021-10-12T19:51:27.470"/>
   </p1510:revLst>
 </p1510:revInfo>
 </file>
@@ -208,6 +204,139 @@
             <pc:docMk/>
             <pc:sldMk cId="1050037809" sldId="261"/>
             <ac:graphicFrameMk id="25" creationId="{3A91F5B0-3974-A14D-A146-FB590F2AAD18}"/>
+          </ac:graphicFrameMkLst>
+        </pc:graphicFrameChg>
+      </pc:sldChg>
+    </pc:docChg>
+  </pc:docChgLst>
+  <pc:docChgLst>
+    <pc:chgData name="Akilah Johnson" userId="S::akjohnso@adobe.com::2fa3aa60-0c9c-4d06-bae2-795983241227" providerId="AD" clId="Web-{19826C17-B3F5-53A1-AAFF-C7771804C7A7}"/>
+    <pc:docChg chg="modSld">
+      <pc:chgData name="Akilah Johnson" userId="S::akjohnso@adobe.com::2fa3aa60-0c9c-4d06-bae2-795983241227" providerId="AD" clId="Web-{19826C17-B3F5-53A1-AAFF-C7771804C7A7}" dt="2021-10-13T18:50:21.160" v="67"/>
+      <pc:docMkLst>
+        <pc:docMk/>
+      </pc:docMkLst>
+      <pc:sldChg chg="modSp">
+        <pc:chgData name="Akilah Johnson" userId="S::akjohnso@adobe.com::2fa3aa60-0c9c-4d06-bae2-795983241227" providerId="AD" clId="Web-{19826C17-B3F5-53A1-AAFF-C7771804C7A7}" dt="2021-10-13T18:38:26.810" v="9" actId="20577"/>
+        <pc:sldMkLst>
+          <pc:docMk/>
+          <pc:sldMk cId="5960377" sldId="259"/>
+        </pc:sldMkLst>
+        <pc:spChg chg="mod">
+          <ac:chgData name="Akilah Johnson" userId="S::akjohnso@adobe.com::2fa3aa60-0c9c-4d06-bae2-795983241227" providerId="AD" clId="Web-{19826C17-B3F5-53A1-AAFF-C7771804C7A7}" dt="2021-10-13T18:38:26.810" v="9" actId="20577"/>
+          <ac:spMkLst>
+            <pc:docMk/>
+            <pc:sldMk cId="5960377" sldId="259"/>
+            <ac:spMk id="75" creationId="{4602CC83-B0C7-8445-9007-87E67CDDD9D0}"/>
+          </ac:spMkLst>
+        </pc:spChg>
+        <pc:spChg chg="mod">
+          <ac:chgData name="Akilah Johnson" userId="S::akjohnso@adobe.com::2fa3aa60-0c9c-4d06-bae2-795983241227" providerId="AD" clId="Web-{19826C17-B3F5-53A1-AAFF-C7771804C7A7}" dt="2021-10-13T18:38:17.716" v="5" actId="20577"/>
+          <ac:spMkLst>
+            <pc:docMk/>
+            <pc:sldMk cId="5960377" sldId="259"/>
+            <ac:spMk id="83" creationId="{7A016ADC-2A30-8A4B-BE07-A9AB6C1898A7}"/>
+          </ac:spMkLst>
+        </pc:spChg>
+        <pc:spChg chg="mod">
+          <ac:chgData name="Akilah Johnson" userId="S::akjohnso@adobe.com::2fa3aa60-0c9c-4d06-bae2-795983241227" providerId="AD" clId="Web-{19826C17-B3F5-53A1-AAFF-C7771804C7A7}" dt="2021-10-13T18:38:19.654" v="6" actId="20577"/>
+          <ac:spMkLst>
+            <pc:docMk/>
+            <pc:sldMk cId="5960377" sldId="259"/>
+            <ac:spMk id="87" creationId="{57C0C871-6516-F145-97DA-27A143E6185C}"/>
+          </ac:spMkLst>
+        </pc:spChg>
+        <pc:spChg chg="mod">
+          <ac:chgData name="Akilah Johnson" userId="S::akjohnso@adobe.com::2fa3aa60-0c9c-4d06-bae2-795983241227" providerId="AD" clId="Web-{19826C17-B3F5-53A1-AAFF-C7771804C7A7}" dt="2021-10-13T18:38:14.044" v="4" actId="20577"/>
+          <ac:spMkLst>
+            <pc:docMk/>
+            <pc:sldMk cId="5960377" sldId="259"/>
+            <ac:spMk id="124" creationId="{14AAF776-9013-4C40-92F9-FFFE22C4038F}"/>
+          </ac:spMkLst>
+        </pc:spChg>
+        <pc:spChg chg="mod">
+          <ac:chgData name="Akilah Johnson" userId="S::akjohnso@adobe.com::2fa3aa60-0c9c-4d06-bae2-795983241227" providerId="AD" clId="Web-{19826C17-B3F5-53A1-AAFF-C7771804C7A7}" dt="2021-10-13T18:38:10.013" v="2" actId="20577"/>
+          <ac:spMkLst>
+            <pc:docMk/>
+            <pc:sldMk cId="5960377" sldId="259"/>
+            <ac:spMk id="125" creationId="{AF4EBBF5-5438-A043-B9AA-3822381D52EE}"/>
+          </ac:spMkLst>
+        </pc:spChg>
+        <pc:spChg chg="mod">
+          <ac:chgData name="Akilah Johnson" userId="S::akjohnso@adobe.com::2fa3aa60-0c9c-4d06-bae2-795983241227" providerId="AD" clId="Web-{19826C17-B3F5-53A1-AAFF-C7771804C7A7}" dt="2021-10-13T18:38:12.263" v="3" actId="20577"/>
+          <ac:spMkLst>
+            <pc:docMk/>
+            <pc:sldMk cId="5960377" sldId="259"/>
+            <ac:spMk id="126" creationId="{7F65676D-32E4-7B4B-BB85-4D504B5882BD}"/>
+          </ac:spMkLst>
+        </pc:spChg>
+      </pc:sldChg>
+      <pc:sldChg chg="modSp">
+        <pc:chgData name="Akilah Johnson" userId="S::akjohnso@adobe.com::2fa3aa60-0c9c-4d06-bae2-795983241227" providerId="AD" clId="Web-{19826C17-B3F5-53A1-AAFF-C7771804C7A7}" dt="2021-10-13T18:40:23.717" v="19" actId="20577"/>
+        <pc:sldMkLst>
+          <pc:docMk/>
+          <pc:sldMk cId="1050037809" sldId="261"/>
+        </pc:sldMkLst>
+        <pc:spChg chg="mod">
+          <ac:chgData name="Akilah Johnson" userId="S::akjohnso@adobe.com::2fa3aa60-0c9c-4d06-bae2-795983241227" providerId="AD" clId="Web-{19826C17-B3F5-53A1-AAFF-C7771804C7A7}" dt="2021-10-13T18:40:23.717" v="19" actId="20577"/>
+          <ac:spMkLst>
+            <pc:docMk/>
+            <pc:sldMk cId="1050037809" sldId="261"/>
+            <ac:spMk id="56" creationId="{00000000-0000-0000-0000-000000000000}"/>
+          </ac:spMkLst>
+        </pc:spChg>
+        <pc:graphicFrameChg chg="mod modGraphic">
+          <ac:chgData name="Akilah Johnson" userId="S::akjohnso@adobe.com::2fa3aa60-0c9c-4d06-bae2-795983241227" providerId="AD" clId="Web-{19826C17-B3F5-53A1-AAFF-C7771804C7A7}" dt="2021-10-13T18:39:38.154" v="17"/>
+          <ac:graphicFrameMkLst>
+            <pc:docMk/>
+            <pc:sldMk cId="1050037809" sldId="261"/>
+            <ac:graphicFrameMk id="111" creationId="{D8653CEC-4213-DE40-9BAF-D1E3318FF89C}"/>
+          </ac:graphicFrameMkLst>
+        </pc:graphicFrameChg>
+      </pc:sldChg>
+      <pc:sldChg chg="modSp">
+        <pc:chgData name="Akilah Johnson" userId="S::akjohnso@adobe.com::2fa3aa60-0c9c-4d06-bae2-795983241227" providerId="AD" clId="Web-{19826C17-B3F5-53A1-AAFF-C7771804C7A7}" dt="2021-10-13T18:39:10.373" v="15" actId="20577"/>
+        <pc:sldMkLst>
+          <pc:docMk/>
+          <pc:sldMk cId="717026355" sldId="266"/>
+        </pc:sldMkLst>
+        <pc:spChg chg="mod">
+          <ac:chgData name="Akilah Johnson" userId="S::akjohnso@adobe.com::2fa3aa60-0c9c-4d06-bae2-795983241227" providerId="AD" clId="Web-{19826C17-B3F5-53A1-AAFF-C7771804C7A7}" dt="2021-10-13T18:39:10.373" v="15" actId="20577"/>
+          <ac:spMkLst>
+            <pc:docMk/>
+            <pc:sldMk cId="717026355" sldId="266"/>
+            <ac:spMk id="9" creationId="{00000000-0000-0000-0000-000000000000}"/>
+          </ac:spMkLst>
+        </pc:spChg>
+        <pc:spChg chg="mod">
+          <ac:chgData name="Akilah Johnson" userId="S::akjohnso@adobe.com::2fa3aa60-0c9c-4d06-bae2-795983241227" providerId="AD" clId="Web-{19826C17-B3F5-53A1-AAFF-C7771804C7A7}" dt="2021-10-13T18:38:44.029" v="11" actId="20577"/>
+          <ac:spMkLst>
+            <pc:docMk/>
+            <pc:sldMk cId="717026355" sldId="266"/>
+            <ac:spMk id="82" creationId="{F6061E8D-9723-464D-AA49-7A3A3A02BE92}"/>
+          </ac:spMkLst>
+        </pc:spChg>
+        <pc:spChg chg="mod">
+          <ac:chgData name="Akilah Johnson" userId="S::akjohnso@adobe.com::2fa3aa60-0c9c-4d06-bae2-795983241227" providerId="AD" clId="Web-{19826C17-B3F5-53A1-AAFF-C7771804C7A7}" dt="2021-10-13T18:39:00.638" v="13" actId="20577"/>
+          <ac:spMkLst>
+            <pc:docMk/>
+            <pc:sldMk cId="717026355" sldId="266"/>
+            <ac:spMk id="83" creationId="{BB34E685-A734-974B-A33A-BE51D1A8BC0D}"/>
+          </ac:spMkLst>
+        </pc:spChg>
+      </pc:sldChg>
+      <pc:sldChg chg="modSp">
+        <pc:chgData name="Akilah Johnson" userId="S::akjohnso@adobe.com::2fa3aa60-0c9c-4d06-bae2-795983241227" providerId="AD" clId="Web-{19826C17-B3F5-53A1-AAFF-C7771804C7A7}" dt="2021-10-13T18:50:21.160" v="67"/>
+        <pc:sldMkLst>
+          <pc:docMk/>
+          <pc:sldMk cId="2161849182" sldId="267"/>
+        </pc:sldMkLst>
+        <pc:graphicFrameChg chg="mod modGraphic">
+          <ac:chgData name="Akilah Johnson" userId="S::akjohnso@adobe.com::2fa3aa60-0c9c-4d06-bae2-795983241227" providerId="AD" clId="Web-{19826C17-B3F5-53A1-AAFF-C7771804C7A7}" dt="2021-10-13T18:50:21.160" v="67"/>
+          <ac:graphicFrameMkLst>
+            <pc:docMk/>
+            <pc:sldMk cId="2161849182" sldId="267"/>
+            <ac:graphicFrameMk id="9" creationId="{00000000-0000-0000-0000-000000000000}"/>
           </ac:graphicFrameMkLst>
         </pc:graphicFrameChg>
       </pc:sldChg>
@@ -317,44 +446,89 @@
       </pc:sldChg>
     </pc:docChg>
   </pc:docChgLst>
+  <pc:docChgLst>
+    <pc:chgData name="Akilah Johnson" userId="S::akjohnso@adobe.com::2fa3aa60-0c9c-4d06-bae2-795983241227" providerId="AD" clId="Web-{D02E726A-82A5-CF13-9EBE-9B674D878D37}"/>
+    <pc:docChg chg="modSld">
+      <pc:chgData name="Akilah Johnson" userId="S::akjohnso@adobe.com::2fa3aa60-0c9c-4d06-bae2-795983241227" providerId="AD" clId="Web-{D02E726A-82A5-CF13-9EBE-9B674D878D37}" dt="2021-10-12T19:51:27.470" v="10"/>
+      <pc:docMkLst>
+        <pc:docMk/>
+      </pc:docMkLst>
+      <pc:sldChg chg="modSp delCm">
+        <pc:chgData name="Akilah Johnson" userId="S::akjohnso@adobe.com::2fa3aa60-0c9c-4d06-bae2-795983241227" providerId="AD" clId="Web-{D02E726A-82A5-CF13-9EBE-9B674D878D37}" dt="2021-10-12T19:51:27.470" v="10"/>
+        <pc:sldMkLst>
+          <pc:docMk/>
+          <pc:sldMk cId="2161849182" sldId="267"/>
+        </pc:sldMkLst>
+        <pc:spChg chg="mod">
+          <ac:chgData name="Akilah Johnson" userId="S::akjohnso@adobe.com::2fa3aa60-0c9c-4d06-bae2-795983241227" providerId="AD" clId="Web-{D02E726A-82A5-CF13-9EBE-9B674D878D37}" dt="2021-10-12T19:51:04.127" v="8" actId="20577"/>
+          <ac:spMkLst>
+            <pc:docMk/>
+            <pc:sldMk cId="2161849182" sldId="267"/>
+            <ac:spMk id="2" creationId="{00000000-0000-0000-0000-000000000000}"/>
+          </ac:spMkLst>
+        </pc:spChg>
+      </pc:sldChg>
+    </pc:docChg>
+  </pc:docChgLst>
+  <pc:docChgLst>
+    <pc:chgData name="Lauren Schutte" userId="6e08b2d3-447a-4d66-86be-444d50df187f" providerId="ADAL" clId="{1A3D389F-0E00-444F-BDF7-5C174E20EEC2}"/>
+    <pc:docChg chg="undo custSel modSld">
+      <pc:chgData name="Lauren Schutte" userId="6e08b2d3-447a-4d66-86be-444d50df187f" providerId="ADAL" clId="{1A3D389F-0E00-444F-BDF7-5C174E20EEC2}" dt="2021-10-13T19:40:59.066" v="67" actId="20577"/>
+      <pc:docMkLst>
+        <pc:docMk/>
+      </pc:docMkLst>
+      <pc:sldChg chg="delSp modSp mod">
+        <pc:chgData name="Lauren Schutte" userId="6e08b2d3-447a-4d66-86be-444d50df187f" providerId="ADAL" clId="{1A3D389F-0E00-444F-BDF7-5C174E20EEC2}" dt="2021-10-13T19:40:25.578" v="61" actId="478"/>
+        <pc:sldMkLst>
+          <pc:docMk/>
+          <pc:sldMk cId="5960377" sldId="259"/>
+        </pc:sldMkLst>
+        <pc:spChg chg="mod">
+          <ac:chgData name="Lauren Schutte" userId="6e08b2d3-447a-4d66-86be-444d50df187f" providerId="ADAL" clId="{1A3D389F-0E00-444F-BDF7-5C174E20EEC2}" dt="2021-10-13T19:33:45.182" v="59" actId="20577"/>
+          <ac:spMkLst>
+            <pc:docMk/>
+            <pc:sldMk cId="5960377" sldId="259"/>
+            <ac:spMk id="127" creationId="{BB896A03-8E7E-344F-BDE1-37C49461FF04}"/>
+          </ac:spMkLst>
+        </pc:spChg>
+        <pc:grpChg chg="del mod">
+          <ac:chgData name="Lauren Schutte" userId="6e08b2d3-447a-4d66-86be-444d50df187f" providerId="ADAL" clId="{1A3D389F-0E00-444F-BDF7-5C174E20EEC2}" dt="2021-10-13T19:40:25.578" v="61" actId="478"/>
+          <ac:grpSpMkLst>
+            <pc:docMk/>
+            <pc:sldMk cId="5960377" sldId="259"/>
+            <ac:grpSpMk id="62" creationId="{C539739D-1D3E-204D-9819-C44D9AE36DE8}"/>
+          </ac:grpSpMkLst>
+        </pc:grpChg>
+      </pc:sldChg>
+      <pc:sldChg chg="modSp mod">
+        <pc:chgData name="Lauren Schutte" userId="6e08b2d3-447a-4d66-86be-444d50df187f" providerId="ADAL" clId="{1A3D389F-0E00-444F-BDF7-5C174E20EEC2}" dt="2021-10-13T19:40:59.066" v="67" actId="20577"/>
+        <pc:sldMkLst>
+          <pc:docMk/>
+          <pc:sldMk cId="2161849182" sldId="267"/>
+        </pc:sldMkLst>
+        <pc:spChg chg="mod">
+          <ac:chgData name="Lauren Schutte" userId="6e08b2d3-447a-4d66-86be-444d50df187f" providerId="ADAL" clId="{1A3D389F-0E00-444F-BDF7-5C174E20EEC2}" dt="2021-10-13T19:40:59.066" v="67" actId="20577"/>
+          <ac:spMkLst>
+            <pc:docMk/>
+            <pc:sldMk cId="2161849182" sldId="267"/>
+            <ac:spMk id="2" creationId="{00000000-0000-0000-0000-000000000000}"/>
+          </ac:spMkLst>
+        </pc:spChg>
+        <pc:graphicFrameChg chg="mod modGraphic">
+          <ac:chgData name="Lauren Schutte" userId="6e08b2d3-447a-4d66-86be-444d50df187f" providerId="ADAL" clId="{1A3D389F-0E00-444F-BDF7-5C174E20EEC2}" dt="2021-10-13T19:33:05.183" v="58"/>
+          <ac:graphicFrameMkLst>
+            <pc:docMk/>
+            <pc:sldMk cId="2161849182" sldId="267"/>
+            <ac:graphicFrameMk id="9" creationId="{00000000-0000-0000-0000-000000000000}"/>
+          </ac:graphicFrameMkLst>
+        </pc:graphicFrameChg>
+      </pc:sldChg>
+    </pc:docChg>
+  </pc:docChgLst>
 </pc:chgInfo>
 </file>
 
 <file path=ppt/comments/comment1.xml><?xml version="1.0" encoding="utf-8"?>
-<p:cmLst xmlns:a="http://schemas.openxmlformats.org/drawingml/2006/main" xmlns:r="http://schemas.openxmlformats.org/officeDocument/2006/relationships" xmlns:p="http://schemas.openxmlformats.org/presentationml/2006/main">
-  <p:cm authorId="1" dt="2021-08-04T14:42:10.630" idx="4">
-    <p:pos x="-3291" y="2170"/>
-    <p:text/>
-    <p:extLst>
-      <p:ext uri="{C676402C-5697-4E1C-873F-D02D1690AC5C}">
-        <p15:threadingInfo xmlns:p15="http://schemas.microsoft.com/office/powerpoint/2012/main" timeZoneBias="420"/>
-      </p:ext>
-    </p:extLst>
-  </p:cm>
-  <p:cm authorId="1" dt="2021-08-04T14:42:19.668" idx="5">
-    <p:pos x="4567" y="1502"/>
-    <p:text>Can we add a darker blue line under 'Enterprise Support?'</p:text>
-    <p:extLst>
-      <p:ext uri="{C676402C-5697-4E1C-873F-D02D1690AC5C}">
-        <p15:threadingInfo xmlns:p15="http://schemas.microsoft.com/office/powerpoint/2012/main" timeZoneBias="420"/>
-      </p:ext>
-    </p:extLst>
-  </p:cm>
-  <p:cm authorId="1" dt="2021-08-04T15:01:35.985" idx="8">
-    <p:pos x="4567" y="1598"/>
-    <p:text>Hi Ankita, I did my best to keep the formatting you already worked so hard on. I added a few comments on things I'll need your help with . Thank again so much!</p:text>
-    <p:extLst>
-      <p:ext uri="{C676402C-5697-4E1C-873F-D02D1690AC5C}">
-        <p15:threadingInfo xmlns:p15="http://schemas.microsoft.com/office/powerpoint/2012/main" timeZoneBias="420">
-          <p15:parentCm authorId="1" idx="5"/>
-        </p15:threadingInfo>
-      </p:ext>
-    </p:extLst>
-  </p:cm>
-</p:cmLst>
-</file>
-
-<file path=ppt/comments/comment2.xml><?xml version="1.0" encoding="utf-8"?>
 <p:cmLst xmlns:a="http://schemas.openxmlformats.org/drawingml/2006/main" xmlns:r="http://schemas.openxmlformats.org/officeDocument/2006/relationships" xmlns:p="http://schemas.openxmlformats.org/presentationml/2006/main">
   <p:cm authorId="1" dt="2021-08-04T14:53:07.049" idx="6">
     <p:pos x="10" y="10"/>
@@ -450,7 +624,7 @@
           <a:p>
             <a:fld id="{CCB2A597-803A-C244-97E2-A01066125D19}" type="datetimeFigureOut">
               <a:rPr lang="en-US" smtClean="0"/>
-              <a:t>10/1/2021</a:t>
+              <a:t>11/12/2021</a:t>
             </a:fld>
             <a:endParaRPr lang="en-US"/>
           </a:p>
@@ -1231,7 +1405,7 @@
           <a:p>
             <a:fld id="{1D8BD707-D9CF-40AE-B4C6-C98DA3205C09}" type="datetimeFigureOut">
               <a:rPr lang="en-US"/>
-              <a:t>10/1/2021</a:t>
+              <a:t>11/12/2021</a:t>
             </a:fld>
             <a:endParaRPr lang="en-US"/>
           </a:p>
@@ -1471,7 +1645,7 @@
           <a:p>
             <a:fld id="{1D8BD707-D9CF-40AE-B4C6-C98DA3205C09}" type="datetimeFigureOut">
               <a:rPr lang="en-US"/>
-              <a:t>10/1/2021</a:t>
+              <a:t>11/12/2021</a:t>
             </a:fld>
             <a:endParaRPr lang="en-US"/>
           </a:p>
@@ -1724,7 +1898,7 @@
           <a:p>
             <a:fld id="{1D8BD707-D9CF-40AE-B4C6-C98DA3205C09}" type="datetimeFigureOut">
               <a:rPr lang="en-US"/>
-              <a:t>10/1/2021</a:t>
+              <a:t>11/12/2021</a:t>
             </a:fld>
             <a:endParaRPr lang="en-US"/>
           </a:p>
@@ -1911,7 +2085,7 @@
           <a:p>
             <a:fld id="{1D8BD707-D9CF-40AE-B4C6-C98DA3205C09}" type="datetimeFigureOut">
               <a:rPr lang="en-US"/>
-              <a:t>10/1/2021</a:t>
+              <a:t>11/12/2021</a:t>
             </a:fld>
             <a:endParaRPr lang="en-US"/>
           </a:p>
@@ -2069,7 +2243,7 @@
           <a:p>
             <a:fld id="{1D8BD707-D9CF-40AE-B4C6-C98DA3205C09}" type="datetimeFigureOut">
               <a:rPr lang="en-US"/>
-              <a:t>10/1/2021</a:t>
+              <a:t>11/12/2021</a:t>
             </a:fld>
             <a:endParaRPr lang="en-US"/>
           </a:p>
@@ -2327,7 +2501,7 @@
           <a:p>
             <a:fld id="{1D8BD707-D9CF-40AE-B4C6-C98DA3205C09}" type="datetimeFigureOut">
               <a:rPr lang="en-US"/>
-              <a:t>10/1/2021</a:t>
+              <a:t>11/12/2021</a:t>
             </a:fld>
             <a:endParaRPr lang="en-US"/>
           </a:p>
@@ -2566,24 +2740,21 @@
           </a:prstGeom>
         </p:spPr>
         <p:txBody>
-          <a:bodyPr vert="horz" wrap="square" lIns="0" tIns="12700" rIns="0" bIns="0" rtlCol="0">
+          <a:bodyPr vert="horz" wrap="square" lIns="0" tIns="12700" rIns="0" bIns="0" rtlCol="0" anchor="t">
             <a:spAutoFit/>
           </a:bodyPr>
           <a:lstStyle/>
           <a:p>
             <a:pPr marL="12700">
-              <a:lnSpc>
-                <a:spcPct val="100000"/>
-              </a:lnSpc>
               <a:spcBef>
                 <a:spcPts val="100"/>
               </a:spcBef>
             </a:pPr>
             <a:r>
               <a:rPr lang="it-IT" sz="2300">
-                <a:latin typeface="Adobe Clean" panose="020B0503020404020204" pitchFamily="34" charset="0"/>
-              </a:rPr>
-              <a:t>OPZIONI DI SUPPORTO ADOBE</a:t>
+                <a:latin typeface="Adobe Clean"/>
+              </a:rPr>
+              <a:t>PIANI DI SUPPORTO ADOBE</a:t>
             </a:r>
           </a:p>
         </p:txBody>
@@ -2596,8 +2767,8 @@
         </p:nvSpPr>
         <p:spPr>
           <a:xfrm>
-            <a:off x="125148" y="7013546"/>
-            <a:ext cx="2785110" cy="228268"/>
+            <a:off x="125148" y="7013545"/>
+            <a:ext cx="4561152" cy="234263"/>
           </a:xfrm>
           <a:prstGeom prst="rect">
             <a:avLst/>
@@ -2644,14 +2815,14 @@
           <p:nvPr>
             <p:extLst>
               <p:ext uri="{D42A27DB-BD31-4B8C-83A1-F6EECF244321}">
-                <p14:modId xmlns:p14="http://schemas.microsoft.com/office/powerpoint/2010/main" val="24320966"/>
+                <p14:modId xmlns:p14="http://schemas.microsoft.com/office/powerpoint/2010/main" val="1322106923"/>
               </p:ext>
             </p:extLst>
           </p:nvPr>
         </p:nvGraphicFramePr>
         <p:xfrm>
-          <a:off x="146919" y="7473158"/>
-          <a:ext cx="7477080" cy="2317408"/>
+          <a:off x="146919" y="7401714"/>
+          <a:ext cx="7477080" cy="2346613"/>
         </p:xfrm>
         <a:graphic>
           <a:graphicData uri="http://schemas.openxmlformats.org/drawingml/2006/table">
@@ -2697,7 +2868,7 @@
                         </a:spcBef>
                       </a:pPr>
                       <a:r>
-                        <a:rPr lang="it-IT" sz="900">
+                        <a:rPr lang="it-IT" sz="900" dirty="0">
                           <a:solidFill>
                             <a:srgbClr val="020302"/>
                           </a:solidFill>
@@ -2763,7 +2934,7 @@
                       </a:r>
                     </a:p>
                   </a:txBody>
-                  <a:tcPr marL="0" marR="0" marT="6985" marB="0" anchor="ctr">
+                  <a:tcPr marL="0" marR="0" marT="0" marB="0" anchor="ctr">
                     <a:lnL w="6350">
                       <a:solidFill>
                         <a:srgbClr val="B7B8B8"/>
@@ -2782,11 +2953,14 @@
                       </a:solidFill>
                       <a:prstDash val="solid"/>
                     </a:lnT>
-                    <a:lnB w="76200">
+                    <a:lnB w="76200" cap="flat" cmpd="sng" algn="ctr">
                       <a:solidFill>
                         <a:srgbClr val="B3B3B3"/>
                       </a:solidFill>
                       <a:prstDash val="solid"/>
+                      <a:round/>
+                      <a:headEnd type="none" w="med" len="med"/>
+                      <a:tailEnd type="none" w="med" len="med"/>
                     </a:lnB>
                     <a:solidFill>
                       <a:srgbClr val="D9D9D9"/>
@@ -2818,7 +2992,7 @@
                       </a:r>
                     </a:p>
                   </a:txBody>
-                  <a:tcPr marL="0" marR="0" marT="10160" marB="0" anchor="ctr">
+                  <a:tcPr marL="0" marR="0" marT="0" marB="0" anchor="ctr">
                     <a:lnL w="6350">
                       <a:solidFill>
                         <a:srgbClr val="B7B8B8"/>
@@ -2875,7 +3049,7 @@
                         </a:spcBef>
                       </a:pPr>
                       <a:r>
-                        <a:rPr lang="it-IT" sz="900" b="1">
+                        <a:rPr lang="it-IT" sz="900" b="1" dirty="0">
                           <a:solidFill>
                             <a:srgbClr val="020302"/>
                           </a:solidFill>
@@ -2886,7 +3060,7 @@
                       </a:r>
                     </a:p>
                     <a:p>
-                      <a:pPr marL="50800" marR="387985" lvl="0" indent="0" defTabSz="914400" eaLnBrk="1" fontAlgn="auto" latinLnBrk="0" hangingPunct="1">
+                      <a:pPr marL="50800" marR="387985" lvl="0" indent="0" eaLnBrk="1" fontAlgn="auto" latinLnBrk="0" hangingPunct="1">
                         <a:lnSpc>
                           <a:spcPts val="1000"/>
                         </a:lnSpc>
@@ -2900,26 +3074,13 @@
                         <a:buSzTx/>
                         <a:buFontTx/>
                         <a:buNone/>
-                        <a:tabLst/>
-                        <a:defRPr/>
                       </a:pPr>
                       <a:r>
-                        <a:rPr lang="it-IT" sz="900" b="0" i="0">
-                          <a:solidFill>
-                            <a:srgbClr val="020302"/>
-                          </a:solidFill>
-                          <a:latin typeface="Adobe Clean Light" panose="020B0303020404020204" pitchFamily="34" charset="0"/>
-                          <a:ea typeface="+mn-ea"/>
-                          <a:cs typeface="Adobe Clean"/>
-                        </a:rPr>
-                        <a:t> </a:t>
-                      </a:r>
-                      <a:r>
-                        <a:rPr lang="it-IT" sz="900" b="0" i="0" u="none" strike="noStrike">
+                        <a:rPr lang="it-IT" sz="900" b="0" i="0" u="none" strike="noStrike" dirty="0">
                           <a:solidFill>
                             <a:schemeClr val="tx1"/>
                           </a:solidFill>
-                          <a:latin typeface="Adobe Clean Light" panose="020B0303020404020204" pitchFamily="34" charset="0"/>
+                          <a:latin typeface="Adobe Clean Light"/>
                           <a:ea typeface="+mn-ea"/>
                           <a:cs typeface="+mn-cs"/>
                         </a:rPr>
@@ -2927,18 +3088,21 @@
                       </a:r>
                     </a:p>
                   </a:txBody>
-                  <a:tcPr marL="0" marR="0" marT="0" marB="0" anchor="ctr">
+                  <a:tcPr marL="0" marR="0" marT="0" marB="36000" anchor="ctr">
                     <a:lnL w="6350">
                       <a:solidFill>
                         <a:srgbClr val="B7B8B8"/>
                       </a:solidFill>
                       <a:prstDash val="solid"/>
                     </a:lnL>
-                    <a:lnR w="6350">
+                    <a:lnR w="6350" cap="flat" cmpd="sng" algn="ctr">
                       <a:solidFill>
                         <a:srgbClr val="B7B8B8"/>
                       </a:solidFill>
                       <a:prstDash val="solid"/>
+                      <a:round/>
+                      <a:headEnd type="none" w="med" len="med"/>
+                      <a:tailEnd type="none" w="med" len="med"/>
                     </a:lnR>
                     <a:lnT w="6350">
                       <a:solidFill>
@@ -2959,35 +3123,33 @@
                     <a:bodyPr/>
                     <a:lstStyle/>
                     <a:p>
-                      <a:pPr marL="542925" marR="492125" algn="ctr">
-                        <a:lnSpc>
-                          <a:spcPct val="102200"/>
-                        </a:lnSpc>
-                      </a:pPr>
+                      <a:pPr algn="ctr" fontAlgn="ctr"/>
                       <a:r>
-                        <a:rPr lang="it-IT" sz="900">
+                        <a:rPr lang="it-IT" sz="900" b="0" i="0" u="none" strike="noStrike" dirty="0">
                           <a:solidFill>
                             <a:srgbClr val="020302"/>
                           </a:solidFill>
-                          <a:latin typeface="AdobeClean-Light"/>
-                          <a:cs typeface="AdobeClean-Light"/>
+                          <a:latin typeface="AdobeClean-Light" panose="020B0503020404020204" pitchFamily="34" charset="0"/>
                         </a:rPr>
-                        <a:t>24x7 /           1 ora</a:t>
+                        <a:t>24x7/1 ora</a:t>
                       </a:r>
                     </a:p>
                   </a:txBody>
-                  <a:tcPr marL="0" marR="0" marT="0" marB="0" anchor="ctr">
+                  <a:tcPr marL="9525" marR="9525" marT="9525" marB="0" anchor="ctr">
                     <a:lnL w="6350">
                       <a:solidFill>
                         <a:srgbClr val="B7B8B8"/>
                       </a:solidFill>
                       <a:prstDash val="solid"/>
                     </a:lnL>
-                    <a:lnR w="6350">
+                    <a:lnR w="6350" cap="flat" cmpd="sng" algn="ctr">
                       <a:solidFill>
                         <a:srgbClr val="B7B8B8"/>
                       </a:solidFill>
                       <a:prstDash val="solid"/>
+                      <a:round/>
+                      <a:headEnd type="none" w="med" len="med"/>
+                      <a:tailEnd type="none" w="med" len="med"/>
                     </a:lnR>
                     <a:lnT w="76200">
                       <a:solidFill>
@@ -3008,32 +3170,27 @@
                     <a:bodyPr/>
                     <a:lstStyle/>
                     <a:p>
-                      <a:pPr marL="352425" marR="476250" indent="111125" algn="ctr">
-                        <a:lnSpc>
-                          <a:spcPct val="100000"/>
-                        </a:lnSpc>
-                        <a:spcBef>
-                          <a:spcPts val="700"/>
-                        </a:spcBef>
-                      </a:pPr>
+                      <a:pPr algn="ctr" fontAlgn="ctr"/>
                       <a:r>
-                        <a:rPr lang="it-IT" sz="900">
+                        <a:rPr lang="it-IT" sz="900" b="0" i="0" u="none" strike="noStrike">
                           <a:solidFill>
                             <a:srgbClr val="020302"/>
                           </a:solidFill>
-                          <a:latin typeface="AdobeClean-Light"/>
-                          <a:cs typeface="AdobeClean-Light"/>
+                          <a:latin typeface="AdobeClean-Light" panose="020B0503020404020204" pitchFamily="34" charset="0"/>
                         </a:rPr>
-                        <a:t>24x7 /  30 minuti</a:t>
+                        <a:t>24x7/30 minuti</a:t>
                       </a:r>
                     </a:p>
                   </a:txBody>
-                  <a:tcPr marL="0" marR="0" marT="0" marB="0" anchor="ctr">
-                    <a:lnL w="6350">
+                  <a:tcPr marL="9525" marR="9525" marT="9525" marB="0" anchor="ctr">
+                    <a:lnL w="6350" cap="flat" cmpd="sng" algn="ctr">
                       <a:solidFill>
                         <a:srgbClr val="B7B8B8"/>
                       </a:solidFill>
                       <a:prstDash val="solid"/>
+                      <a:round/>
+                      <a:headEnd type="none" w="med" len="med"/>
+                      <a:tailEnd type="none" w="med" len="med"/>
                     </a:lnL>
                     <a:lnR w="6350" cap="flat" cmpd="sng" algn="ctr">
                       <a:solidFill>
@@ -3072,7 +3229,7 @@
                   </a:ext>
                 </a:extLst>
               </a:tr>
-              <a:tr h="484755">
+              <a:tr h="0">
                 <a:tc>
                   <a:txBody>
                     <a:bodyPr/>
@@ -3087,7 +3244,7 @@
                         </a:spcBef>
                       </a:pPr>
                       <a:r>
-                        <a:rPr lang="it-IT" sz="900" b="1">
+                        <a:rPr lang="it-IT" sz="900" b="1" dirty="0">
                           <a:solidFill>
                             <a:srgbClr val="020302"/>
                           </a:solidFill>
@@ -3107,11 +3264,11 @@
                         </a:spcBef>
                       </a:pPr>
                       <a:r>
-                        <a:rPr lang="it-IT" sz="900" b="0" i="0" u="none" strike="noStrike">
+                        <a:rPr lang="it-IT" sz="900" b="0" i="0" u="none" strike="noStrike" dirty="0">
                           <a:solidFill>
                             <a:schemeClr val="tx1"/>
                           </a:solidFill>
-                          <a:latin typeface="Adobe Clean Light" panose="020B0303020404020204" pitchFamily="34" charset="0"/>
+                          <a:latin typeface="Adobe Clean Light"/>
                           <a:ea typeface="+mn-ea"/>
                           <a:cs typeface="+mn-cs"/>
                         </a:rPr>
@@ -3119,18 +3276,21 @@
                       </a:r>
                     </a:p>
                   </a:txBody>
-                  <a:tcPr marL="0" marR="0" marT="0" marB="0" anchor="ctr">
+                  <a:tcPr marL="0" marR="0" marT="0" marB="36000" anchor="ctr">
                     <a:lnL w="6350">
                       <a:solidFill>
                         <a:srgbClr val="B7B8B8"/>
                       </a:solidFill>
                       <a:prstDash val="solid"/>
                     </a:lnL>
-                    <a:lnR w="6350">
+                    <a:lnR w="6350" cap="flat" cmpd="sng" algn="ctr">
                       <a:solidFill>
                         <a:srgbClr val="B7B8B8"/>
                       </a:solidFill>
                       <a:prstDash val="solid"/>
+                      <a:round/>
+                      <a:headEnd type="none" w="med" len="med"/>
+                      <a:tailEnd type="none" w="med" len="med"/>
                     </a:lnR>
                     <a:lnT w="6350">
                       <a:solidFill>
@@ -3151,35 +3311,33 @@
                     <a:bodyPr/>
                     <a:lstStyle/>
                     <a:p>
-                      <a:pPr marL="473709" marR="343535" indent="-175895" algn="ctr">
-                        <a:lnSpc>
-                          <a:spcPct val="102200"/>
-                        </a:lnSpc>
-                      </a:pPr>
+                      <a:pPr algn="ctr" fontAlgn="ctr"/>
                       <a:r>
-                        <a:rPr lang="it-IT" sz="900">
+                        <a:rPr lang="it-IT" sz="900" b="0" i="0" u="none" strike="noStrike">
                           <a:solidFill>
                             <a:srgbClr val="020302"/>
                           </a:solidFill>
-                          <a:latin typeface="AdobeClean-Light"/>
-                          <a:cs typeface="AdobeClean-Light"/>
+                          <a:latin typeface="AdobeClean-Light" panose="020B0503020404020204" pitchFamily="34" charset="0"/>
                         </a:rPr>
-                        <a:t>Orario operativo /       4 ore</a:t>
+                        <a:t>Orario operativo/4 ore</a:t>
                       </a:r>
                     </a:p>
                   </a:txBody>
-                  <a:tcPr marL="0" marR="0" marT="0" marB="0" anchor="ctr">
+                  <a:tcPr marL="9525" marR="9525" marT="9525" marB="0" anchor="ctr">
                     <a:lnL w="6350">
                       <a:solidFill>
                         <a:srgbClr val="B7B8B8"/>
                       </a:solidFill>
                       <a:prstDash val="solid"/>
                     </a:lnL>
-                    <a:lnR w="6350">
+                    <a:lnR w="6350" cap="flat" cmpd="sng" algn="ctr">
                       <a:solidFill>
                         <a:srgbClr val="B7B8B8"/>
                       </a:solidFill>
                       <a:prstDash val="solid"/>
+                      <a:round/>
+                      <a:headEnd type="none" w="med" len="med"/>
+                      <a:tailEnd type="none" w="med" len="med"/>
                     </a:lnR>
                     <a:lnT w="6350">
                       <a:solidFill>
@@ -3200,30 +3358,27 @@
                     <a:bodyPr/>
                     <a:lstStyle/>
                     <a:p>
-                      <a:pPr marL="542925" marR="492125" algn="ctr">
-                        <a:lnSpc>
-                          <a:spcPct val="102200"/>
-                        </a:lnSpc>
-                      </a:pPr>
+                      <a:pPr algn="ctr" fontAlgn="ctr"/>
                       <a:r>
-                        <a:rPr lang="it-IT" sz="900">
+                        <a:rPr lang="it-IT" sz="900" b="0" i="0" u="none" strike="noStrike">
                           <a:solidFill>
                             <a:srgbClr val="020302"/>
                           </a:solidFill>
-                          <a:latin typeface="AdobeClean-Light"/>
-                          <a:ea typeface="+mn-ea"/>
-                          <a:cs typeface="AdobeClean-Light"/>
+                          <a:latin typeface="AdobeClean-Light" panose="020B0503020404020204" pitchFamily="34" charset="0"/>
                         </a:rPr>
-                        <a:t>24x5 /           1 ora</a:t>
+                        <a:t>24x5/1 ora</a:t>
                       </a:r>
                     </a:p>
                   </a:txBody>
-                  <a:tcPr marL="0" marR="0" marT="0" marB="0" anchor="ctr">
-                    <a:lnL w="6350">
+                  <a:tcPr marL="9525" marR="9525" marT="9525" marB="0" anchor="ctr">
+                    <a:lnL w="6350" cap="flat" cmpd="sng" algn="ctr">
                       <a:solidFill>
                         <a:srgbClr val="B7B8B8"/>
                       </a:solidFill>
                       <a:prstDash val="solid"/>
+                      <a:round/>
+                      <a:headEnd type="none" w="med" len="med"/>
+                      <a:tailEnd type="none" w="med" len="med"/>
                     </a:lnL>
                     <a:lnR w="6350" cap="flat" cmpd="sng" algn="ctr">
                       <a:solidFill>
@@ -3274,7 +3429,7 @@
                         </a:spcBef>
                       </a:pPr>
                       <a:r>
-                        <a:rPr lang="it-IT" sz="900" b="1" dirty="0">
+                        <a:rPr lang="it-IT" sz="900" b="1">
                           <a:solidFill>
                             <a:srgbClr val="020302"/>
                           </a:solidFill>
@@ -3294,36 +3449,15 @@
                         </a:spcBef>
                       </a:pPr>
                       <a:r>
-                        <a:rPr lang="it-IT" sz="900" b="0" i="0" u="none" strike="noStrike" dirty="0">
+                        <a:rPr lang="it-IT" sz="900" b="0" i="0" u="none" strike="noStrike">
                           <a:solidFill>
                             <a:schemeClr val="tx1"/>
                           </a:solidFill>
-                          <a:latin typeface="Adobe Clean Light" panose="020B0303020404020204" pitchFamily="34" charset="0"/>
+                          <a:latin typeface="Adobe Clean Light"/>
                           <a:ea typeface="+mn-ea"/>
                           <a:cs typeface="+mn-cs"/>
                         </a:rPr>
-                        <a:t>Le funzioni operative del cliente sono interessate da deterioramento lieve dei servizi </a:t>
-                      </a:r>
-                      <a:br>
-                        <a:rPr lang="sk-SK" sz="900" b="0" i="0" u="none" strike="noStrike" dirty="0">
-                          <a:solidFill>
-                            <a:schemeClr val="tx1"/>
-                          </a:solidFill>
-                          <a:latin typeface="Adobe Clean Light" panose="020B0303020404020204" pitchFamily="34" charset="0"/>
-                          <a:ea typeface="+mn-ea"/>
-                          <a:cs typeface="+mn-cs"/>
-                        </a:rPr>
-                      </a:br>
-                      <a:r>
-                        <a:rPr lang="it-IT" sz="900" b="0" i="0" u="none" strike="noStrike" dirty="0">
-                          <a:solidFill>
-                            <a:schemeClr val="tx1"/>
-                          </a:solidFill>
-                          <a:latin typeface="Adobe Clean Light" panose="020B0303020404020204" pitchFamily="34" charset="0"/>
-                          <a:ea typeface="+mn-ea"/>
-                          <a:cs typeface="+mn-cs"/>
-                        </a:rPr>
-                        <a:t>(o nessun deterioramento), tuttavia è possibile procedere mediante una soluzione temporanea.  </a:t>
+                        <a:t>Le funzioni operative del cliente sono interessate da deterioramento lieve dei servizi (o nessun deterioramento), tuttavia è possibile procedere mediante una soluzione temporanea </a:t>
                       </a:r>
                     </a:p>
                   </a:txBody>
@@ -3334,11 +3468,14 @@
                       </a:solidFill>
                       <a:prstDash val="solid"/>
                     </a:lnL>
-                    <a:lnR w="6350">
+                    <a:lnR w="6350" cap="flat" cmpd="sng" algn="ctr">
                       <a:solidFill>
                         <a:srgbClr val="B7B8B8"/>
                       </a:solidFill>
                       <a:prstDash val="solid"/>
+                      <a:round/>
+                      <a:headEnd type="none" w="med" len="med"/>
+                      <a:tailEnd type="none" w="med" len="med"/>
                     </a:lnR>
                     <a:lnT w="6350">
                       <a:solidFill>
@@ -3359,35 +3496,33 @@
                     <a:bodyPr/>
                     <a:lstStyle/>
                     <a:p>
-                      <a:pPr marL="473709" marR="343535" indent="-175895" algn="ctr">
-                        <a:lnSpc>
-                          <a:spcPct val="102200"/>
-                        </a:lnSpc>
-                      </a:pPr>
+                      <a:pPr algn="ctr" fontAlgn="ctr"/>
                       <a:r>
-                        <a:rPr lang="it-IT" sz="900">
+                        <a:rPr lang="it-IT" sz="900" b="0" i="0" u="none" strike="noStrike">
                           <a:solidFill>
                             <a:srgbClr val="020302"/>
                           </a:solidFill>
-                          <a:latin typeface="AdobeClean-Light"/>
-                          <a:cs typeface="AdobeClean-Light"/>
+                          <a:latin typeface="AdobeClean-Light" panose="020B0503020404020204" pitchFamily="34" charset="0"/>
                         </a:rPr>
-                        <a:t>Orario operativo /       6 ore</a:t>
+                        <a:t>Orario operativo/6 ore</a:t>
                       </a:r>
                     </a:p>
                   </a:txBody>
-                  <a:tcPr marL="0" marR="0" marT="0" marB="0" anchor="ctr">
+                  <a:tcPr marL="9525" marR="9525" marT="9525" marB="0" anchor="ctr">
                     <a:lnL w="6350">
                       <a:solidFill>
                         <a:srgbClr val="B7B8B8"/>
                       </a:solidFill>
                       <a:prstDash val="solid"/>
                     </a:lnL>
-                    <a:lnR w="6350">
+                    <a:lnR w="6350" cap="flat" cmpd="sng" algn="ctr">
                       <a:solidFill>
                         <a:srgbClr val="B7B8B8"/>
                       </a:solidFill>
                       <a:prstDash val="solid"/>
+                      <a:round/>
+                      <a:headEnd type="none" w="med" len="med"/>
+                      <a:tailEnd type="none" w="med" len="med"/>
                     </a:lnR>
                     <a:lnT w="6350">
                       <a:solidFill>
@@ -3408,51 +3543,27 @@
                     <a:bodyPr/>
                     <a:lstStyle/>
                     <a:p>
-                      <a:pPr marL="111125" marR="398780" indent="0" algn="ctr">
-                        <a:lnSpc>
-                          <a:spcPct val="102200"/>
-                        </a:lnSpc>
-                        <a:spcBef>
-                          <a:spcPts val="675"/>
-                        </a:spcBef>
-                      </a:pPr>
+                      <a:pPr algn="ctr" fontAlgn="ctr"/>
                       <a:r>
-                        <a:rPr lang="it-IT" sz="900" dirty="0">
+                        <a:rPr lang="it-IT" sz="900" b="0" i="0" u="none" strike="noStrike">
                           <a:solidFill>
                             <a:srgbClr val="020302"/>
                           </a:solidFill>
-                          <a:latin typeface="AdobeClean-Light"/>
-                          <a:cs typeface="AdobeClean-Light"/>
+                          <a:latin typeface="AdobeClean-Light" panose="020B0503020404020204" pitchFamily="34" charset="0"/>
                         </a:rPr>
-                        <a:t>Orario operativo /  </a:t>
-                      </a:r>
-                      <a:br>
-                        <a:rPr lang="sk-SK" sz="900" dirty="0">
-                          <a:solidFill>
-                            <a:srgbClr val="020302"/>
-                          </a:solidFill>
-                          <a:latin typeface="AdobeClean-Light"/>
-                          <a:cs typeface="AdobeClean-Light"/>
-                        </a:rPr>
-                      </a:br>
-                      <a:r>
-                        <a:rPr lang="it-IT" sz="900" dirty="0">
-                          <a:solidFill>
-                            <a:srgbClr val="020302"/>
-                          </a:solidFill>
-                          <a:latin typeface="AdobeClean-Light"/>
-                          <a:cs typeface="AdobeClean-Light"/>
-                        </a:rPr>
-                        <a:t>2 ore</a:t>
+                        <a:t>Orario operativo/2 ore</a:t>
                       </a:r>
                     </a:p>
                   </a:txBody>
-                  <a:tcPr marL="0" marR="0" marT="0" marB="0" anchor="ctr">
-                    <a:lnL w="6350">
+                  <a:tcPr marL="9525" marR="9525" marT="9525" marB="0" anchor="ctr">
+                    <a:lnL w="6350" cap="flat" cmpd="sng" algn="ctr">
                       <a:solidFill>
                         <a:srgbClr val="B7B8B8"/>
                       </a:solidFill>
                       <a:prstDash val="solid"/>
+                      <a:round/>
+                      <a:headEnd type="none" w="med" len="med"/>
+                      <a:tailEnd type="none" w="med" len="med"/>
                     </a:lnL>
                     <a:lnR w="6350" cap="flat" cmpd="sng" algn="ctr">
                       <a:solidFill>
@@ -3529,16 +3640,16 @@
                           </a:solidFill>
                           <a:latin typeface="Adobe Clean"/>
                           <a:ea typeface="+mn-ea"/>
-                          <a:cs typeface="Adobe Clean"/>
+                          <a:cs typeface="+mn-cs"/>
                         </a:rPr>
-                        <a:t> </a:t>
+                        <a:t> </a:t>
                       </a:r>
                       <a:r>
                         <a:rPr lang="it-IT" sz="900" b="0" i="0" u="none" strike="noStrike">
                           <a:solidFill>
                             <a:schemeClr val="tx1"/>
                           </a:solidFill>
-                          <a:latin typeface="Adobe Clean Light" panose="020B0303020404020204" pitchFamily="34" charset="0"/>
+                          <a:latin typeface="Adobe Clean Light"/>
                           <a:ea typeface="+mn-ea"/>
                           <a:cs typeface="+mn-cs"/>
                         </a:rPr>
@@ -3553,11 +3664,14 @@
                       </a:solidFill>
                       <a:prstDash val="solid"/>
                     </a:lnL>
-                    <a:lnR w="6350">
+                    <a:lnR w="6350" cap="flat" cmpd="sng" algn="ctr">
                       <a:solidFill>
                         <a:srgbClr val="B7B8B8"/>
                       </a:solidFill>
                       <a:prstDash val="solid"/>
+                      <a:round/>
+                      <a:headEnd type="none" w="med" len="med"/>
+                      <a:tailEnd type="none" w="med" len="med"/>
                     </a:lnR>
                     <a:lnT w="6350">
                       <a:solidFill>
@@ -3578,35 +3692,33 @@
                     <a:bodyPr/>
                     <a:lstStyle/>
                     <a:p>
-                      <a:pPr marL="473709" marR="343535" indent="-175895" algn="ctr">
-                        <a:lnSpc>
-                          <a:spcPct val="102200"/>
-                        </a:lnSpc>
-                      </a:pPr>
+                      <a:pPr algn="ctr" fontAlgn="ctr"/>
                       <a:r>
-                        <a:rPr lang="it-IT" sz="900" dirty="0">
+                        <a:rPr lang="it-IT" sz="900" b="0" i="0" u="none" strike="noStrike">
                           <a:solidFill>
                             <a:srgbClr val="020302"/>
                           </a:solidFill>
-                          <a:latin typeface="AdobeClean-Light"/>
-                          <a:cs typeface="AdobeClean-Light"/>
+                          <a:latin typeface="AdobeClean-Light" panose="020B0503020404020204" pitchFamily="34" charset="0"/>
                         </a:rPr>
-                        <a:t>Giorni lavorativi /        3 giorni</a:t>
+                        <a:t>Giorni lavorativi/3 giorni</a:t>
                       </a:r>
                     </a:p>
                   </a:txBody>
-                  <a:tcPr marL="0" marR="0" marT="0" marB="0" anchor="ctr">
+                  <a:tcPr marL="9525" marR="9525" marT="9525" marB="0" anchor="ctr">
                     <a:lnL w="6350">
                       <a:solidFill>
                         <a:srgbClr val="B7B8B8"/>
                       </a:solidFill>
                       <a:prstDash val="solid"/>
                     </a:lnL>
-                    <a:lnR w="6350">
+                    <a:lnR w="6350" cap="flat" cmpd="sng" algn="ctr">
                       <a:solidFill>
                         <a:srgbClr val="B7B8B8"/>
                       </a:solidFill>
                       <a:prstDash val="solid"/>
+                      <a:round/>
+                      <a:headEnd type="none" w="med" len="med"/>
+                      <a:tailEnd type="none" w="med" len="med"/>
                     </a:lnR>
                     <a:lnT w="6350">
                       <a:solidFill>
@@ -3627,29 +3739,27 @@
                     <a:bodyPr/>
                     <a:lstStyle/>
                     <a:p>
-                      <a:pPr marL="173038" marR="343535" indent="0" algn="ctr">
-                        <a:lnSpc>
-                          <a:spcPct val="102200"/>
-                        </a:lnSpc>
-                      </a:pPr>
+                      <a:pPr algn="ctr" fontAlgn="ctr"/>
                       <a:r>
-                        <a:rPr lang="it-IT" sz="900" dirty="0">
+                        <a:rPr lang="it-IT" sz="900" b="0" i="0" u="none" strike="noStrike" dirty="0">
                           <a:solidFill>
                             <a:srgbClr val="020302"/>
                           </a:solidFill>
-                          <a:latin typeface="AdobeClean-Light"/>
-                          <a:cs typeface="AdobeClean-Light"/>
+                          <a:latin typeface="AdobeClean-Light" panose="020B0503020404020204" pitchFamily="34" charset="0"/>
                         </a:rPr>
-                        <a:t>Giorni lavorativi / 1 giorno</a:t>
+                        <a:t>Giorni lavorativi/1 giorno</a:t>
                       </a:r>
                     </a:p>
                   </a:txBody>
-                  <a:tcPr marL="0" marR="0" marT="0" marB="0" anchor="ctr">
-                    <a:lnL w="6350">
+                  <a:tcPr marL="9525" marR="9525" marT="9525" marB="0" anchor="ctr">
+                    <a:lnL w="6350" cap="flat" cmpd="sng" algn="ctr">
                       <a:solidFill>
                         <a:srgbClr val="B7B8B8"/>
                       </a:solidFill>
                       <a:prstDash val="solid"/>
+                      <a:round/>
+                      <a:headEnd type="none" w="med" len="med"/>
+                      <a:tailEnd type="none" w="med" len="med"/>
                     </a:lnL>
                     <a:lnR w="6350" cap="flat" cmpd="sng" algn="ctr">
                       <a:solidFill>
@@ -3805,7 +3915,7 @@
         <p:spPr>
           <a:xfrm>
             <a:off x="146919" y="756605"/>
-            <a:ext cx="6035427" cy="1243417"/>
+            <a:ext cx="6035427" cy="1090940"/>
           </a:xfrm>
           <a:prstGeom prst="rect">
             <a:avLst/>
@@ -3826,7 +3936,7 @@
               </a:spcBef>
             </a:pPr>
             <a:r>
-              <a:rPr lang="it-IT" sz="1200">
+              <a:rPr lang="it-IT" sz="1200" dirty="0">
                 <a:solidFill>
                   <a:schemeClr val="bg1"/>
                 </a:solidFill>
@@ -3835,7 +3945,7 @@
               <a:t>Online | Business |</a:t>
             </a:r>
             <a:r>
-              <a:rPr lang="it-IT" sz="1200" b="1">
+              <a:rPr lang="it-IT" sz="1200" b="1" dirty="0">
                 <a:solidFill>
                   <a:schemeClr val="bg1"/>
                 </a:solidFill>
@@ -3844,15 +3954,16 @@
               <a:t> </a:t>
             </a:r>
             <a:r>
-              <a:rPr lang="it-IT" sz="1200" b="1">
+              <a:rPr lang="it-IT" sz="1200" b="1" dirty="0">
                 <a:solidFill>
                   <a:schemeClr val="bg1"/>
                 </a:solidFill>
+                <a:latin typeface="Adobe Clean" panose="020B0503020404020204" pitchFamily="34" charset="0"/>
               </a:rPr>
               <a:t>Enterprise</a:t>
             </a:r>
             <a:r>
-              <a:rPr lang="it-IT" sz="1200" b="1">
+              <a:rPr lang="it-IT" sz="1200" b="1" dirty="0">
                 <a:solidFill>
                   <a:schemeClr val="bg1"/>
                 </a:solidFill>
@@ -3861,7 +3972,7 @@
               <a:t> </a:t>
             </a:r>
             <a:r>
-              <a:rPr lang="it-IT" sz="1200">
+              <a:rPr lang="it-IT" sz="1200" dirty="0">
                 <a:solidFill>
                   <a:schemeClr val="bg1"/>
                 </a:solidFill>
@@ -3870,7 +3981,7 @@
               <a:t>| Elite</a:t>
             </a:r>
             <a:br>
-              <a:rPr lang="it-IT" sz="900">
+              <a:rPr lang="it-IT" sz="900" dirty="0">
                 <a:solidFill>
                   <a:schemeClr val="bg1"/>
                 </a:solidFill>
@@ -3878,7 +3989,7 @@
               </a:rPr>
             </a:br>
             <a:r>
-              <a:rPr lang="it-IT" sz="900">
+              <a:rPr lang="it-IT" sz="900" dirty="0">
                 <a:solidFill>
                   <a:schemeClr val="bg1"/>
                 </a:solidFill>
@@ -3886,13 +3997,81 @@
               <a:t>Il supporto </a:t>
             </a:r>
             <a:r>
-              <a:rPr lang="it-IT" sz="900">
+              <a:rPr lang="it-IT" sz="900" dirty="0">
                 <a:solidFill>
                   <a:schemeClr val="bg1"/>
                 </a:solidFill>
                 <a:latin typeface="Adobe Clean SemiLight" panose="020B0403020404020204" pitchFamily="34" charset="0"/>
               </a:rPr>
-              <a:t>ENTERPRISE include l’accesso a percorsi di apprendimento personalizzati e forum della community monitorati tramite Adobe Experience League. Puoi inoltre usufruire di documentazione tecnica dettagliata e note sulla versione sempre aggiornate. Ai clienti ENTERPRISE viene assegnato un Named Support Engineer che sarà il tuo contatto tecnico di riferimento all’interno del team Adobe Support. Conoscendo a fondo le tue specifiche soluzioni Experience Cloud, il team Adobe Support affiancherà i tuoi team tecnici per garantire la rapida risoluzione di tutte le richieste di supporto. Inoltre, può assistere nel coordinare l’erogazione di ulteriori benefici ENTERPRISE, riducendo al minimo il disagio nei momenti più critici. </a:t>
+              <a:t>ENTERPRISE include l’accesso a percorsi di apprendimento personalizzati e forum della community monitorati tramite Adobe Experience League. Puoi inoltre usufruire di documentazione tecnica dettagliata e note sulla versione sempre aggiornate. </a:t>
+            </a:r>
+            <a:br>
+              <a:rPr lang="it-IT" sz="900" dirty="0">
+                <a:solidFill>
+                  <a:schemeClr val="bg1"/>
+                </a:solidFill>
+                <a:latin typeface="Adobe Clean SemiLight" panose="020B0403020404020204" pitchFamily="34" charset="0"/>
+              </a:rPr>
+            </a:br>
+            <a:r>
+              <a:rPr lang="it-IT" sz="900" dirty="0">
+                <a:solidFill>
+                  <a:schemeClr val="bg1"/>
+                </a:solidFill>
+                <a:latin typeface="Adobe Clean SemiLight" panose="020B0403020404020204" pitchFamily="34" charset="0"/>
+              </a:rPr>
+              <a:t>Ai clienti ENTERPRISE viene assegnato un Named Support Engineer che sarà il tuo contatto tecnico di riferimento all’interno</a:t>
+            </a:r>
+            <a:br>
+              <a:rPr lang="it-IT" sz="900" dirty="0">
+                <a:solidFill>
+                  <a:schemeClr val="bg1"/>
+                </a:solidFill>
+                <a:latin typeface="Adobe Clean SemiLight" panose="020B0403020404020204" pitchFamily="34" charset="0"/>
+              </a:rPr>
+            </a:br>
+            <a:r>
+              <a:rPr lang="it-IT" sz="900" dirty="0">
+                <a:solidFill>
+                  <a:schemeClr val="bg1"/>
+                </a:solidFill>
+                <a:latin typeface="Adobe Clean SemiLight" panose="020B0403020404020204" pitchFamily="34" charset="0"/>
+              </a:rPr>
+              <a:t>del team Adobe Support. Conoscendo a fondo le tue specifiche soluzioni Experience Cloud, il team Adobe Support affiancherà </a:t>
+            </a:r>
+            <a:br>
+              <a:rPr lang="it-IT" sz="900" dirty="0">
+                <a:solidFill>
+                  <a:schemeClr val="bg1"/>
+                </a:solidFill>
+                <a:latin typeface="Adobe Clean SemiLight" panose="020B0403020404020204" pitchFamily="34" charset="0"/>
+              </a:rPr>
+            </a:br>
+            <a:r>
+              <a:rPr lang="it-IT" sz="900" dirty="0">
+                <a:solidFill>
+                  <a:schemeClr val="bg1"/>
+                </a:solidFill>
+                <a:latin typeface="Adobe Clean SemiLight" panose="020B0403020404020204" pitchFamily="34" charset="0"/>
+              </a:rPr>
+              <a:t>i tuoi team tecnici per garantire la rapida risoluzione di tutte le richieste di supporto. Inoltre, può assistere nel coordinare </a:t>
+            </a:r>
+            <a:br>
+              <a:rPr lang="it-IT" sz="900" dirty="0">
+                <a:solidFill>
+                  <a:schemeClr val="bg1"/>
+                </a:solidFill>
+                <a:latin typeface="Adobe Clean SemiLight" panose="020B0403020404020204" pitchFamily="34" charset="0"/>
+              </a:rPr>
+            </a:br>
+            <a:r>
+              <a:rPr lang="it-IT" sz="900" dirty="0">
+                <a:solidFill>
+                  <a:schemeClr val="bg1"/>
+                </a:solidFill>
+                <a:latin typeface="Adobe Clean SemiLight" panose="020B0403020404020204" pitchFamily="34" charset="0"/>
+              </a:rPr>
+              <a:t>l’erogazione di ulteriori benefici ENTERPRISE, riducendo al minimo il disagio nei momenti più critici. </a:t>
             </a:r>
           </a:p>
         </p:txBody>
@@ -3912,7 +4091,7 @@
           <p:nvPr>
             <p:extLst>
               <p:ext uri="{D42A27DB-BD31-4B8C-83A1-F6EECF244321}">
-                <p14:modId xmlns:p14="http://schemas.microsoft.com/office/powerpoint/2010/main" val="2304197327"/>
+                <p14:modId xmlns:p14="http://schemas.microsoft.com/office/powerpoint/2010/main" val="220313572"/>
               </p:ext>
             </p:extLst>
           </p:nvPr>
@@ -5529,7 +5708,7 @@
                         </a:spcBef>
                       </a:pPr>
                       <a:r>
-                        <a:rPr lang="it-IT" sz="900" dirty="0">
+                        <a:rPr lang="it-IT" sz="900">
                           <a:solidFill>
                             <a:srgbClr val="020302"/>
                           </a:solidFill>
@@ -6376,7 +6555,7 @@
                         <a:t>Valutazione della roadmap di prodotti, versioni, migrazione </a:t>
                       </a:r>
                       <a:br>
-                        <a:rPr lang="sk-SK" sz="900" dirty="0">
+                        <a:rPr lang="it-IT" sz="900" dirty="0">
                           <a:solidFill>
                             <a:srgbClr val="020302"/>
                           </a:solidFill>
@@ -7194,15 +7373,15 @@
         </p:nvSpPr>
         <p:spPr>
           <a:xfrm>
-            <a:off x="2835999" y="9021041"/>
-            <a:ext cx="2194560" cy="487313"/>
+            <a:off x="2835999" y="8863866"/>
+            <a:ext cx="2194560" cy="641201"/>
           </a:xfrm>
           <a:prstGeom prst="rect">
             <a:avLst/>
           </a:prstGeom>
         </p:spPr>
         <p:txBody>
-          <a:bodyPr vert="horz" wrap="square" lIns="0" tIns="12700" rIns="0" bIns="0" rtlCol="0">
+          <a:bodyPr vert="horz" wrap="square" lIns="0" tIns="12700" rIns="0" bIns="0" rtlCol="0" anchor="t">
             <a:spAutoFit/>
           </a:bodyPr>
           <a:lstStyle/>
@@ -7231,9 +7410,6 @@
           </a:p>
           <a:p>
             <a:pPr marL="33020" marR="159385">
-              <a:lnSpc>
-                <a:spcPct val="100000"/>
-              </a:lnSpc>
               <a:spcBef>
                 <a:spcPts val="100"/>
               </a:spcBef>
@@ -7249,17 +7425,36 @@
                 <a:latin typeface="AdobeClean-LightIt"/>
                 <a:cs typeface="AdobeClean-LightIt"/>
               </a:rPr>
-              <a:t>* Il supporto chat in diretta non è disponibile per tutti i prodotti</a:t>
-            </a:r>
-            <a:r>
-              <a:rPr lang="it-IT" sz="900" i="1" dirty="0">
+              <a:t>* Il supporto chat in diretta non </a:t>
+            </a:r>
+            <a:br>
+              <a:rPr lang="it-IT" sz="1000" i="1" dirty="0">
                 <a:solidFill>
                   <a:srgbClr val="7A7A7A"/>
                 </a:solidFill>
                 <a:latin typeface="AdobeClean-LightIt"/>
                 <a:cs typeface="AdobeClean-LightIt"/>
               </a:rPr>
-              <a:t>.  </a:t>
+            </a:br>
+            <a:r>
+              <a:rPr lang="it-IT" sz="1000" i="1" dirty="0">
+                <a:solidFill>
+                  <a:srgbClr val="7A7A7A"/>
+                </a:solidFill>
+                <a:latin typeface="AdobeClean-LightIt"/>
+                <a:cs typeface="AdobeClean-LightIt"/>
+              </a:rPr>
+              <a:t>è disponibile per tutti i prodotti</a:t>
+            </a:r>
+            <a:r>
+              <a:rPr lang="it-IT" sz="900" i="1" dirty="0">
+                <a:solidFill>
+                  <a:srgbClr val="7A7A7A"/>
+                </a:solidFill>
+                <a:latin typeface="AdobeClean-LightIt"/>
+                <a:cs typeface="AdobeClean-LightIt"/>
+              </a:rPr>
+              <a:t>.  </a:t>
             </a:r>
           </a:p>
         </p:txBody>
@@ -7280,7 +7475,7 @@
         </p:nvSpPr>
         <p:spPr>
           <a:xfrm>
-            <a:off x="689237" y="6664838"/>
+            <a:off x="689237" y="6374322"/>
             <a:ext cx="1568246" cy="184666"/>
           </a:xfrm>
           <a:prstGeom prst="rect">
@@ -7333,7 +7528,7 @@
         </p:nvSpPr>
         <p:spPr>
           <a:xfrm>
-            <a:off x="689237" y="6868024"/>
+            <a:off x="689237" y="6577508"/>
             <a:ext cx="959314" cy="184666"/>
           </a:xfrm>
           <a:prstGeom prst="rect">
@@ -7379,15 +7574,15 @@
         </p:nvSpPr>
         <p:spPr>
           <a:xfrm>
-            <a:off x="355868" y="7102087"/>
-            <a:ext cx="2194560" cy="959237"/>
+            <a:off x="355868" y="6811571"/>
+            <a:ext cx="2194560" cy="1113125"/>
           </a:xfrm>
           <a:prstGeom prst="rect">
             <a:avLst/>
           </a:prstGeom>
         </p:spPr>
         <p:txBody>
-          <a:bodyPr vert="horz" wrap="square" lIns="0" tIns="35560" rIns="0" bIns="0" rtlCol="0">
+          <a:bodyPr vert="horz" wrap="square" lIns="0" tIns="35560" rIns="0" bIns="0" rtlCol="0" anchor="t">
             <a:spAutoFit/>
           </a:bodyPr>
           <a:lstStyle/>
@@ -7397,9 +7592,60 @@
                 <a:solidFill>
                   <a:srgbClr val="4B4B4B"/>
                 </a:solidFill>
-                <a:latin typeface="Adobe Clean Light" panose="020B0303020404020204" pitchFamily="34" charset="0"/>
-              </a:rPr>
-              <a:t>Accesso online continuo a un database in continua crescita di soluzioni tecniche, documentazione del prodotto, risposte alle domande più frequenti e altro ancora. Possibilità di relazionarsi con professionisti e altri clienti della Community Adobe per condividere best practice ed esperienze.</a:t>
+                <a:latin typeface="Adobe Clean Light"/>
+              </a:rPr>
+              <a:t>Accesso online continuo a un database </a:t>
+            </a:r>
+            <a:br>
+              <a:rPr lang="it-IT" sz="1000" dirty="0">
+                <a:solidFill>
+                  <a:srgbClr val="4B4B4B"/>
+                </a:solidFill>
+                <a:latin typeface="Adobe Clean Light"/>
+              </a:rPr>
+            </a:br>
+            <a:r>
+              <a:rPr lang="it-IT" sz="1000" dirty="0">
+                <a:solidFill>
+                  <a:srgbClr val="4B4B4B"/>
+                </a:solidFill>
+                <a:latin typeface="Adobe Clean Light"/>
+              </a:rPr>
+              <a:t>in continua crescita di soluzioni tecniche, documentazione del prodotto, risposte </a:t>
+            </a:r>
+            <a:br>
+              <a:rPr lang="it-IT" sz="1000" dirty="0">
+                <a:solidFill>
+                  <a:srgbClr val="4B4B4B"/>
+                </a:solidFill>
+                <a:latin typeface="Adobe Clean Light"/>
+              </a:rPr>
+            </a:br>
+            <a:r>
+              <a:rPr lang="it-IT" sz="1000" dirty="0">
+                <a:solidFill>
+                  <a:srgbClr val="4B4B4B"/>
+                </a:solidFill>
+                <a:latin typeface="Adobe Clean Light"/>
+              </a:rPr>
+              <a:t>alle domande più frequenti e altro ancora. Possibilità di relazionarsi con professionisti </a:t>
+            </a:r>
+            <a:br>
+              <a:rPr lang="it-IT" sz="1000" dirty="0">
+                <a:solidFill>
+                  <a:srgbClr val="4B4B4B"/>
+                </a:solidFill>
+                <a:latin typeface="Adobe Clean Light"/>
+              </a:rPr>
+            </a:br>
+            <a:r>
+              <a:rPr lang="it-IT" sz="1000" dirty="0">
+                <a:solidFill>
+                  <a:srgbClr val="4B4B4B"/>
+                </a:solidFill>
+                <a:latin typeface="Adobe Clean Light"/>
+              </a:rPr>
+              <a:t>e altri clienti della Community Adobe per condividere best practice ed esperienze.</a:t>
             </a:r>
           </a:p>
         </p:txBody>
@@ -7420,7 +7666,7 @@
         </p:nvSpPr>
         <p:spPr>
           <a:xfrm>
-            <a:off x="5723508" y="6664838"/>
+            <a:off x="5723508" y="6374322"/>
             <a:ext cx="1463040" cy="184666"/>
           </a:xfrm>
           <a:prstGeom prst="rect">
@@ -7473,7 +7719,7 @@
         </p:nvSpPr>
         <p:spPr>
           <a:xfrm>
-            <a:off x="5723508" y="6868024"/>
+            <a:off x="5723508" y="6577508"/>
             <a:ext cx="1316707" cy="184666"/>
           </a:xfrm>
           <a:prstGeom prst="rect">
@@ -7519,25 +7765,25 @@
         </p:nvSpPr>
         <p:spPr>
           <a:xfrm>
-            <a:off x="5265660" y="7060285"/>
-            <a:ext cx="2506739" cy="1267014"/>
+            <a:off x="5265660" y="6769769"/>
+            <a:ext cx="2349577" cy="1267014"/>
           </a:xfrm>
           <a:prstGeom prst="rect">
             <a:avLst/>
           </a:prstGeom>
         </p:spPr>
         <p:txBody>
-          <a:bodyPr vert="horz" wrap="square" lIns="0" tIns="35560" rIns="0" bIns="0" rtlCol="0">
+          <a:bodyPr vert="horz" wrap="square" lIns="0" tIns="35560" rIns="0" bIns="0" rtlCol="0" anchor="t">
             <a:spAutoFit/>
           </a:bodyPr>
           <a:lstStyle/>
           <a:p>
             <a:r>
-              <a:rPr lang="it-IT" sz="1000" dirty="0">
+              <a:rPr lang="it-IT" sz="1000" spc="-10" dirty="0">
                 <a:solidFill>
                   <a:srgbClr val="4B4B4B"/>
                 </a:solidFill>
-                <a:latin typeface="Adobe Clean Light" panose="020B0303020404020204" pitchFamily="34" charset="0"/>
+                <a:latin typeface="Adobe Clean Light"/>
               </a:rPr>
               <a:t>Diventa un Experience Maker con Experience League. Puoi acquisire rapidamente le capacità necessarie nella gestione della customer experience seguendo un percorso di apprendimento personalizzato per sviluppare nuove competenze, partecipare a una comunità globale di professionisti e guadagnare riconoscimenti di valore sul piano professionale.</a:t>
             </a:r>
@@ -7560,7 +7806,7 @@
         </p:nvSpPr>
         <p:spPr>
           <a:xfrm>
-            <a:off x="3201544" y="8520784"/>
+            <a:off x="3201544" y="8363609"/>
             <a:ext cx="1543003" cy="184666"/>
           </a:xfrm>
           <a:prstGeom prst="rect">
@@ -7613,7 +7859,7 @@
         </p:nvSpPr>
         <p:spPr>
           <a:xfrm>
-            <a:off x="3201544" y="8702003"/>
+            <a:off x="3201544" y="8544828"/>
             <a:ext cx="840166" cy="184666"/>
           </a:xfrm>
           <a:prstGeom prst="rect">
@@ -7661,7 +7907,7 @@
         </p:nvSpPr>
         <p:spPr>
           <a:xfrm>
-            <a:off x="3201544" y="6664838"/>
+            <a:off x="3201544" y="6374322"/>
             <a:ext cx="2520000" cy="184666"/>
           </a:xfrm>
           <a:prstGeom prst="rect">
@@ -7714,7 +7960,7 @@
         </p:nvSpPr>
         <p:spPr>
           <a:xfrm>
-            <a:off x="3201544" y="6868024"/>
+            <a:off x="3201544" y="6577508"/>
             <a:ext cx="992259" cy="184666"/>
           </a:xfrm>
           <a:prstGeom prst="rect">
@@ -7760,8 +8006,8 @@
         </p:nvSpPr>
         <p:spPr>
           <a:xfrm>
-            <a:off x="2835999" y="7097788"/>
-            <a:ext cx="2194560" cy="805349"/>
+            <a:off x="2835998" y="6807272"/>
+            <a:ext cx="2269401" cy="959237"/>
           </a:xfrm>
           <a:prstGeom prst="rect">
             <a:avLst/>
@@ -7774,7 +8020,7 @@
           <a:lstStyle/>
           <a:p>
             <a:r>
-              <a:rPr lang="it-IT" sz="1000">
+              <a:rPr lang="it-IT" sz="1000" dirty="0">
                 <a:solidFill>
                   <a:srgbClr val="020302"/>
                 </a:solidFill>
@@ -7783,19 +8029,47 @@
               <a:t>Gli utenti autorizzati o i </a:t>
             </a:r>
             <a:r>
-              <a:rPr lang="it-IT" sz="1000" b="1">
+              <a:rPr lang="it-IT" sz="1000" b="1" dirty="0">
                 <a:solidFill>
                   <a:srgbClr val="020302"/>
                 </a:solidFill>
                 <a:latin typeface="AdobeClean-Light"/>
               </a:rPr>
-              <a:t>contatti interni per il supporto</a:t>
-            </a:r>
-            <a:r>
-              <a:rPr lang="it-IT" sz="1000">
+              <a:t>contatti interni per </a:t>
+            </a:r>
+            <a:br>
+              <a:rPr lang="it-IT" sz="1000" b="1" dirty="0">
+                <a:solidFill>
+                  <a:srgbClr val="020302"/>
+                </a:solidFill>
+                <a:latin typeface="AdobeClean-Light"/>
+              </a:rPr>
+            </a:br>
+            <a:r>
+              <a:rPr lang="it-IT" sz="1000" b="1" dirty="0">
+                <a:solidFill>
+                  <a:srgbClr val="020302"/>
+                </a:solidFill>
+                <a:latin typeface="AdobeClean-Light"/>
+              </a:rPr>
+              <a:t>il supporto</a:t>
+            </a:r>
+            <a:r>
+              <a:rPr lang="it-IT" sz="1000" dirty="0">
                 <a:latin typeface="Adobe Clean Light" panose="020B0303020404020204" pitchFamily="34" charset="0"/>
               </a:rPr>
-              <a:t> possono segnalare i problemi tramite tutti i canali disponibili (compreso il supporto telefonico per casi P1) e interagire con il team Adobe di assistenza tecnica per conto della tua azienda. </a:t>
+              <a:t> possono segnalare i problemi tramite tutti i canali disponibili (compreso il supporto telefonico per casi P1) e interagire con il team Adobe di assistenza tecnica </a:t>
+            </a:r>
+            <a:br>
+              <a:rPr lang="it-IT" sz="1000" dirty="0">
+                <a:latin typeface="Adobe Clean Light" panose="020B0303020404020204" pitchFamily="34" charset="0"/>
+              </a:rPr>
+            </a:br>
+            <a:r>
+              <a:rPr lang="it-IT" sz="1000" dirty="0">
+                <a:latin typeface="Adobe Clean Light" panose="020B0303020404020204" pitchFamily="34" charset="0"/>
+              </a:rPr>
+              <a:t>per conto della tua azienda. </a:t>
             </a:r>
           </a:p>
         </p:txBody>
@@ -7814,8 +8088,8 @@
         </p:nvSpPr>
         <p:spPr>
           <a:xfrm>
-            <a:off x="214971" y="6447157"/>
-            <a:ext cx="1848207" cy="45719"/>
+            <a:off x="214971" y="6156641"/>
+            <a:ext cx="2616264" cy="45719"/>
           </a:xfrm>
           <a:custGeom>
             <a:avLst/>
@@ -7862,7 +8136,7 @@
         </p:nvSpPr>
         <p:spPr>
           <a:xfrm>
-            <a:off x="214971" y="6124178"/>
+            <a:off x="214971" y="5833662"/>
             <a:ext cx="1901483" cy="307777"/>
           </a:xfrm>
           <a:prstGeom prst="rect">
@@ -7912,7 +8186,7 @@
         </p:nvSpPr>
         <p:spPr>
           <a:xfrm>
-            <a:off x="689237" y="8520784"/>
+            <a:off x="689237" y="8363609"/>
             <a:ext cx="991521" cy="184666"/>
           </a:xfrm>
           <a:prstGeom prst="rect">
@@ -7965,7 +8239,7 @@
         </p:nvSpPr>
         <p:spPr>
           <a:xfrm>
-            <a:off x="689237" y="8702003"/>
+            <a:off x="689237" y="8544828"/>
             <a:ext cx="604974" cy="184666"/>
           </a:xfrm>
           <a:prstGeom prst="rect">
@@ -8011,8 +8285,8 @@
         </p:nvSpPr>
         <p:spPr>
           <a:xfrm>
-            <a:off x="355867" y="8986613"/>
-            <a:ext cx="2480131" cy="805349"/>
+            <a:off x="355867" y="8829438"/>
+            <a:ext cx="2245029" cy="959237"/>
           </a:xfrm>
           <a:prstGeom prst="rect">
             <a:avLst/>
@@ -8031,7 +8305,24 @@
                 </a:solidFill>
                 <a:latin typeface="Adobe Clean Light" panose="020B0303020404020204" pitchFamily="34" charset="0"/>
               </a:rPr>
-              <a:t>Le sessioni Office Hours, guidate dal team di Assistenza clienti di Adobe, sono pensate per informare e aiutare i partecipanti a risolvere eventuali problemi e forniscono suggerimenti utili per ottenere il massimo dalle soluzioni Adobe. </a:t>
+              <a:t>Le sessioni Office Hours, guidate dal team </a:t>
+            </a:r>
+            <a:br>
+              <a:rPr lang="it-IT" sz="1000" dirty="0">
+                <a:solidFill>
+                  <a:srgbClr val="4B4B4B"/>
+                </a:solidFill>
+                <a:latin typeface="Adobe Clean Light" panose="020B0303020404020204" pitchFamily="34" charset="0"/>
+              </a:rPr>
+            </a:br>
+            <a:r>
+              <a:rPr lang="it-IT" sz="1000" dirty="0">
+                <a:solidFill>
+                  <a:srgbClr val="4B4B4B"/>
+                </a:solidFill>
+                <a:latin typeface="Adobe Clean Light" panose="020B0303020404020204" pitchFamily="34" charset="0"/>
+              </a:rPr>
+              <a:t>di Assistenza clienti di Adobe, sono pensate per informare e aiutare i partecipanti a risolvere eventuali problemi e forniscono suggerimenti utili per ottenere il massimo dalle soluzioni Adobe. </a:t>
             </a:r>
           </a:p>
         </p:txBody>
@@ -8052,8 +8343,8 @@
         </p:nvSpPr>
         <p:spPr>
           <a:xfrm>
-            <a:off x="5723508" y="8520784"/>
-            <a:ext cx="1303746" cy="184666"/>
+            <a:off x="5723508" y="8363609"/>
+            <a:ext cx="2048892" cy="184666"/>
           </a:xfrm>
           <a:prstGeom prst="rect">
             <a:avLst/>
@@ -8079,7 +8370,7 @@
               <a:defRPr/>
             </a:pPr>
             <a:r>
-              <a:rPr lang="it-IT" sz="1200">
+              <a:rPr lang="it-IT" sz="1200" spc="-10" dirty="0">
                 <a:solidFill>
                   <a:srgbClr val="000000"/>
                 </a:solidFill>
@@ -8105,7 +8396,7 @@
         </p:nvSpPr>
         <p:spPr>
           <a:xfrm>
-            <a:off x="5723508" y="8702003"/>
+            <a:off x="5723508" y="8544828"/>
             <a:ext cx="1267206" cy="184666"/>
           </a:xfrm>
           <a:prstGeom prst="rect">
@@ -8127,7 +8418,7 @@
               </a:spcAft>
             </a:pPr>
             <a:r>
-              <a:rPr lang="it-IT" sz="1200" b="1">
+              <a:rPr lang="it-IT" sz="1200" b="1" dirty="0">
                 <a:latin typeface="+mj-lt"/>
                 <a:ea typeface="Open Sans" pitchFamily="34" charset="0"/>
                 <a:cs typeface="Open Sans" pitchFamily="34" charset="0"/>
@@ -8151,7 +8442,7 @@
         </p:nvSpPr>
         <p:spPr>
           <a:xfrm>
-            <a:off x="5265661" y="8947635"/>
+            <a:off x="5265661" y="8790460"/>
             <a:ext cx="2194560" cy="805349"/>
           </a:xfrm>
           <a:prstGeom prst="rect">
@@ -8171,7 +8462,24 @@
                 </a:solidFill>
                 <a:latin typeface="Adobe Clean Light" panose="020B0303020404020204" pitchFamily="34" charset="0"/>
               </a:rPr>
-              <a:t>Accesso on-demand al portale di assistenza autonoma per inviare richieste di supporto, esaminare lo stato dei casi e sfogliare altre risorse, come la knowledge base, notizie e avvisi, suggerimenti e altro ancora.</a:t>
+              <a:t>Accesso on-demand al portale di assistenza autonoma per inviare richieste di supporto, esaminare lo stato dei casi e sfogliare altre risorse, come la knowledge base, notizie </a:t>
+            </a:r>
+            <a:br>
+              <a:rPr lang="it-IT" sz="1000" dirty="0">
+                <a:solidFill>
+                  <a:srgbClr val="4B4B4B"/>
+                </a:solidFill>
+                <a:latin typeface="Adobe Clean Light" panose="020B0303020404020204" pitchFamily="34" charset="0"/>
+              </a:rPr>
+            </a:br>
+            <a:r>
+              <a:rPr lang="it-IT" sz="1000" dirty="0">
+                <a:solidFill>
+                  <a:srgbClr val="4B4B4B"/>
+                </a:solidFill>
+                <a:latin typeface="Adobe Clean Light" panose="020B0303020404020204" pitchFamily="34" charset="0"/>
+              </a:rPr>
+              <a:t>e avvisi, suggerimenti e altro ancora.</a:t>
             </a:r>
           </a:p>
         </p:txBody>
@@ -8326,7 +8634,7 @@
         <p:spPr>
           <a:xfrm>
             <a:off x="214971" y="868681"/>
-            <a:ext cx="2103120" cy="45719"/>
+            <a:ext cx="2927642" cy="66021"/>
           </a:xfrm>
           <a:custGeom>
             <a:avLst/>
@@ -8395,7 +8703,7 @@
               </a:spcBef>
             </a:pPr>
             <a:r>
-              <a:rPr lang="it-IT" sz="1400" b="1">
+              <a:rPr lang="it-IT" sz="1400" b="1" dirty="0">
                 <a:solidFill>
                   <a:srgbClr val="020302"/>
                 </a:solidFill>
@@ -8421,8 +8729,8 @@
         </p:nvSpPr>
         <p:spPr>
           <a:xfrm>
-            <a:off x="689237" y="2603192"/>
-            <a:ext cx="1653911" cy="197490"/>
+            <a:off x="689237" y="2603191"/>
+            <a:ext cx="1958713" cy="197490"/>
           </a:xfrm>
           <a:prstGeom prst="rect">
             <a:avLst/>
@@ -8500,7 +8808,7 @@
               <a:t>Un contatto Adobe dedicato che può fornire assistenza e aggiornamenti regolari in merito ai casi che richiedono escalation, </a:t>
             </a:r>
             <a:br>
-              <a:rPr lang="sk-SK" sz="1000" dirty="0">
+              <a:rPr lang="it-IT" sz="1000" dirty="0">
                 <a:solidFill>
                   <a:srgbClr val="4B4B4B"/>
                 </a:solidFill>
@@ -8533,8 +8841,8 @@
         </p:nvSpPr>
         <p:spPr>
           <a:xfrm>
-            <a:off x="3201544" y="2592994"/>
-            <a:ext cx="1629948" cy="197490"/>
+            <a:off x="3201544" y="2592995"/>
+            <a:ext cx="1980056" cy="197490"/>
           </a:xfrm>
           <a:prstGeom prst="rect">
             <a:avLst/>
@@ -8555,7 +8863,7 @@
               </a:spcBef>
             </a:pPr>
             <a:r>
-              <a:rPr lang="it-IT" sz="1200" b="1">
+              <a:rPr lang="it-IT" sz="1200" b="1" dirty="0">
                 <a:solidFill>
                   <a:srgbClr val="020302"/>
                 </a:solidFill>
@@ -8612,7 +8920,7 @@
               <a:t>Valutazione semestrale completa dei </a:t>
             </a:r>
             <a:br>
-              <a:rPr lang="sk-SK" sz="1000" dirty="0">
+              <a:rPr lang="it-IT" sz="1000" dirty="0">
                 <a:solidFill>
                   <a:srgbClr val="4B4B4B"/>
                 </a:solidFill>
@@ -8629,7 +8937,7 @@
               <a:t>servizi erogati dal programma Enterprise, </a:t>
             </a:r>
             <a:br>
-              <a:rPr lang="sk-SK" sz="1000" dirty="0">
+              <a:rPr lang="it-IT" sz="1000" dirty="0">
                 <a:solidFill>
                   <a:srgbClr val="4B4B4B"/>
                 </a:solidFill>
@@ -8646,7 +8954,7 @@
               <a:t>dei vantaggi che offrono e delle metriche </a:t>
             </a:r>
             <a:br>
-              <a:rPr lang="sk-SK" sz="1000" dirty="0">
+              <a:rPr lang="it-IT" sz="1000" dirty="0">
                 <a:solidFill>
                   <a:srgbClr val="4B4B4B"/>
                 </a:solidFill>
@@ -8680,7 +8988,7 @@
         <p:spPr>
           <a:xfrm>
             <a:off x="5265661" y="1426694"/>
-            <a:ext cx="2194560" cy="628377"/>
+            <a:ext cx="2268200" cy="628377"/>
           </a:xfrm>
           <a:prstGeom prst="rect">
             <a:avLst/>
@@ -8701,13 +9009,47 @@
               </a:spcBef>
             </a:pPr>
             <a:r>
-              <a:rPr lang="it-IT" sz="1000">
+              <a:rPr lang="it-IT" sz="1000" dirty="0">
                 <a:solidFill>
                   <a:srgbClr val="4B4B4B"/>
                 </a:solidFill>
                 <a:latin typeface="Adobe Clean Light" panose="020B0303020404020204" pitchFamily="34" charset="0"/>
               </a:rPr>
-              <a:t>Una sessione di 60 minuti incentrata su una specifica funzionalità di prodotto e come utilizzarla per risolvere le problematiche più comuni.</a:t>
+              <a:t>Una sessione di 60 minuti incentrata su </a:t>
+            </a:r>
+            <a:br>
+              <a:rPr lang="it-IT" sz="1000" dirty="0">
+                <a:solidFill>
+                  <a:srgbClr val="4B4B4B"/>
+                </a:solidFill>
+                <a:latin typeface="Adobe Clean Light" panose="020B0303020404020204" pitchFamily="34" charset="0"/>
+              </a:rPr>
+            </a:br>
+            <a:r>
+              <a:rPr lang="it-IT" sz="1000" dirty="0">
+                <a:solidFill>
+                  <a:srgbClr val="4B4B4B"/>
+                </a:solidFill>
+                <a:latin typeface="Adobe Clean Light" panose="020B0303020404020204" pitchFamily="34" charset="0"/>
+              </a:rPr>
+              <a:t>una specifica funzionalità di prodotto e </a:t>
+            </a:r>
+            <a:br>
+              <a:rPr lang="it-IT" sz="1000" dirty="0">
+                <a:solidFill>
+                  <a:srgbClr val="4B4B4B"/>
+                </a:solidFill>
+                <a:latin typeface="Adobe Clean Light" panose="020B0303020404020204" pitchFamily="34" charset="0"/>
+              </a:rPr>
+            </a:br>
+            <a:r>
+              <a:rPr lang="it-IT" sz="1000" dirty="0">
+                <a:solidFill>
+                  <a:srgbClr val="4B4B4B"/>
+                </a:solidFill>
+                <a:latin typeface="Adobe Clean Light" panose="020B0303020404020204" pitchFamily="34" charset="0"/>
+              </a:rPr>
+              <a:t>come utilizzarla per risolvere le problematiche più comuni.</a:t>
             </a:r>
           </a:p>
         </p:txBody>
@@ -8726,7 +9068,7 @@
         </p:nvSpPr>
         <p:spPr>
           <a:xfrm>
-            <a:off x="5265661" y="5001737"/>
+            <a:off x="5284713" y="4944583"/>
             <a:ext cx="2194560" cy="536622"/>
           </a:xfrm>
           <a:prstGeom prst="rect">
@@ -8734,7 +9076,7 @@
           </a:prstGeom>
         </p:spPr>
         <p:txBody>
-          <a:bodyPr vert="horz" wrap="square" lIns="0" tIns="12700" rIns="0" bIns="0" rtlCol="0">
+          <a:bodyPr vert="horz" wrap="square" lIns="0" tIns="12700" rIns="0" bIns="0" rtlCol="0" anchor="t">
             <a:spAutoFit/>
           </a:bodyPr>
           <a:lstStyle/>
@@ -8752,16 +9094,16 @@
                 <a:solidFill>
                   <a:srgbClr val="4B4B4B"/>
                 </a:solidFill>
-                <a:latin typeface="Adobe Clean Light" panose="020B0303020404020204" pitchFamily="34" charset="0"/>
+                <a:latin typeface="Adobe Clean Light"/>
               </a:rPr>
               <a:t>Promuovere l’adozione di best practice </a:t>
             </a:r>
             <a:br>
-              <a:rPr lang="sk-SK" sz="1000" dirty="0">
+              <a:rPr lang="it-IT" sz="1000" dirty="0">
                 <a:solidFill>
                   <a:srgbClr val="4B4B4B"/>
                 </a:solidFill>
-                <a:latin typeface="Adobe Clean Light" panose="020B0303020404020204" pitchFamily="34" charset="0"/>
+                <a:latin typeface="Adobe Clean Light"/>
               </a:rPr>
             </a:br>
             <a:r>
@@ -8769,26 +9111,9 @@
                 <a:solidFill>
                   <a:srgbClr val="4B4B4B"/>
                 </a:solidFill>
-                <a:latin typeface="Adobe Clean Light" panose="020B0303020404020204" pitchFamily="34" charset="0"/>
-              </a:rPr>
-              <a:t>per la personalizzazione e componenti</a:t>
-            </a:r>
-            <a:br>
-              <a:rPr lang="sk-SK" sz="1000" dirty="0">
-                <a:solidFill>
-                  <a:srgbClr val="4B4B4B"/>
-                </a:solidFill>
-                <a:latin typeface="Adobe Clean Light" panose="020B0303020404020204" pitchFamily="34" charset="0"/>
-              </a:rPr>
-            </a:br>
-            <a:r>
-              <a:rPr lang="it-IT" sz="1000" dirty="0">
-                <a:solidFill>
-                  <a:srgbClr val="4B4B4B"/>
-                </a:solidFill>
-                <a:latin typeface="Adobe Clean Light" panose="020B0303020404020204" pitchFamily="34" charset="0"/>
-              </a:rPr>
-              <a:t>core di AEM as a Cloud Service</a:t>
+                <a:latin typeface="Adobe Clean Light"/>
+              </a:rPr>
+              <a:t>per la personalizzazione e componenti core di AEM as a Cloud Service.</a:t>
             </a:r>
           </a:p>
         </p:txBody>
@@ -8807,20 +9132,20 @@
         </p:nvSpPr>
         <p:spPr>
           <a:xfrm>
-            <a:off x="2835999" y="4994097"/>
-            <a:ext cx="2194560" cy="720903"/>
+            <a:off x="2831235" y="4936943"/>
+            <a:ext cx="2317029" cy="720903"/>
           </a:xfrm>
           <a:prstGeom prst="rect">
             <a:avLst/>
           </a:prstGeom>
         </p:spPr>
         <p:txBody>
-          <a:bodyPr vert="horz" wrap="square" lIns="0" tIns="12700" rIns="0" bIns="0" rtlCol="0">
+          <a:bodyPr vert="horz" wrap="square" lIns="0" tIns="12700" rIns="0" bIns="0" rtlCol="0" anchor="t">
             <a:spAutoFit/>
           </a:bodyPr>
           <a:lstStyle/>
           <a:p>
-            <a:pPr marL="14604" marR="5080" indent="-1905">
+            <a:pPr marL="13970" marR="5080" indent="-1905">
               <a:lnSpc>
                 <a:spcPct val="117000"/>
               </a:lnSpc>
@@ -8833,43 +9158,9 @@
                 <a:solidFill>
                   <a:srgbClr val="4B4B4B"/>
                 </a:solidFill>
-                <a:latin typeface="Adobe Clean Light" panose="020B0303020404020204" pitchFamily="34" charset="0"/>
-              </a:rPr>
-              <a:t>Individuare, valutare e fornire raccomandazioni su aree specifiche,</a:t>
-            </a:r>
-            <a:br>
-              <a:rPr lang="sk-SK" sz="1000" dirty="0">
-                <a:solidFill>
-                  <a:srgbClr val="4B4B4B"/>
-                </a:solidFill>
-                <a:latin typeface="Adobe Clean Light" panose="020B0303020404020204" pitchFamily="34" charset="0"/>
-              </a:rPr>
-            </a:br>
-            <a:r>
-              <a:rPr lang="it-IT" sz="1000" dirty="0">
-                <a:solidFill>
-                  <a:srgbClr val="4B4B4B"/>
-                </a:solidFill>
-                <a:latin typeface="Adobe Clean Light" panose="020B0303020404020204" pitchFamily="34" charset="0"/>
-              </a:rPr>
-              <a:t>relative all’adozione delle soluzioni, </a:t>
-            </a:r>
-            <a:br>
-              <a:rPr lang="sk-SK" sz="1000" dirty="0">
-                <a:solidFill>
-                  <a:srgbClr val="4B4B4B"/>
-                </a:solidFill>
-                <a:latin typeface="Adobe Clean Light" panose="020B0303020404020204" pitchFamily="34" charset="0"/>
-              </a:rPr>
-            </a:br>
-            <a:r>
-              <a:rPr lang="it-IT" sz="1000" dirty="0">
-                <a:solidFill>
-                  <a:srgbClr val="4B4B4B"/>
-                </a:solidFill>
-                <a:latin typeface="Adobe Clean Light" panose="020B0303020404020204" pitchFamily="34" charset="0"/>
-              </a:rPr>
-              <a:t>che offrono opportunità di ottimizzazione</a:t>
+                <a:latin typeface="Adobe Clean Light"/>
+              </a:rPr>
+              <a:t>Individuare, valutare e fornire raccomandazioni su aree specifiche, relative all’adozione delle soluzioni, che offrono opportunità di ottimizzazione.</a:t>
             </a:r>
           </a:p>
         </p:txBody>
@@ -8888,15 +9179,15 @@
         </p:nvSpPr>
         <p:spPr>
           <a:xfrm>
-            <a:off x="355868" y="4947989"/>
-            <a:ext cx="2194560" cy="717376"/>
+            <a:off x="365393" y="4890835"/>
+            <a:ext cx="2244455" cy="717376"/>
           </a:xfrm>
           <a:prstGeom prst="rect">
             <a:avLst/>
           </a:prstGeom>
         </p:spPr>
         <p:txBody>
-          <a:bodyPr vert="horz" wrap="square" lIns="0" tIns="12700" rIns="0" bIns="0" rtlCol="0">
+          <a:bodyPr vert="horz" wrap="square" lIns="0" tIns="12700" rIns="0" bIns="0" rtlCol="0" anchor="t">
             <a:spAutoFit/>
           </a:bodyPr>
           <a:lstStyle/>
@@ -8910,13 +9201,13 @@
               </a:spcBef>
             </a:pPr>
             <a:r>
-              <a:rPr lang="it-IT" sz="1000">
+              <a:rPr lang="it-IT" sz="1000" dirty="0">
                 <a:solidFill>
                   <a:srgbClr val="4B4B4B"/>
                 </a:solidFill>
-                <a:latin typeface="Adobe Clean Light" panose="020B0303020404020204" pitchFamily="34" charset="0"/>
-              </a:rPr>
-              <a:t>Governance operativa e tecnica per assistere i clienti di AEM as a Cloud Service a rispettare gli standard di settore e le best practice per AEM as a Cloud Service</a:t>
+                <a:latin typeface="Adobe Clean Light"/>
+              </a:rPr>
+              <a:t>Governance operativa e tecnica per assistere i clienti di AEM as a Cloud Service a rispettare gli standard di settore e le best practice per AEM as a Cloud Service.</a:t>
             </a:r>
           </a:p>
         </p:txBody>
@@ -8954,13 +9245,47 @@
               </a:spcBef>
             </a:pPr>
             <a:r>
-              <a:rPr lang="it-IT" sz="1000">
+              <a:rPr lang="it-IT" sz="1000" dirty="0">
                 <a:solidFill>
                   <a:srgbClr val="4B4B4B"/>
                 </a:solidFill>
                 <a:latin typeface="Adobe Clean Light" panose="020B0303020404020204" pitchFamily="34" charset="0"/>
               </a:rPr>
-              <a:t>Un tecnico del supporto dedicato che acquisisce familiarità con l’ambiente della soluzione e gli obiettivi di business del cliente. Il Named Support Engineer è un tecnico esperto che aiuta a coordinare la tua esperienza di assistenza Enterprise.</a:t>
+              <a:t>Un tecnico del supporto dedicato che acquisisce familiarità con l’ambiente della soluzione e gli obiettivi di business del cliente. Il Named Support Engineer è </a:t>
+            </a:r>
+            <a:br>
+              <a:rPr lang="it-IT" sz="1000" dirty="0">
+                <a:solidFill>
+                  <a:srgbClr val="4B4B4B"/>
+                </a:solidFill>
+                <a:latin typeface="Adobe Clean Light" panose="020B0303020404020204" pitchFamily="34" charset="0"/>
+              </a:rPr>
+            </a:br>
+            <a:r>
+              <a:rPr lang="it-IT" sz="1000" dirty="0">
+                <a:solidFill>
+                  <a:srgbClr val="4B4B4B"/>
+                </a:solidFill>
+                <a:latin typeface="Adobe Clean Light" panose="020B0303020404020204" pitchFamily="34" charset="0"/>
+              </a:rPr>
+              <a:t>un tecnico esperto che aiuta a coordinare </a:t>
+            </a:r>
+            <a:br>
+              <a:rPr lang="it-IT" sz="1000" dirty="0">
+                <a:solidFill>
+                  <a:srgbClr val="4B4B4B"/>
+                </a:solidFill>
+                <a:latin typeface="Adobe Clean Light" panose="020B0303020404020204" pitchFamily="34" charset="0"/>
+              </a:rPr>
+            </a:br>
+            <a:r>
+              <a:rPr lang="it-IT" sz="1000" dirty="0">
+                <a:solidFill>
+                  <a:srgbClr val="4B4B4B"/>
+                </a:solidFill>
+                <a:latin typeface="Adobe Clean Light" panose="020B0303020404020204" pitchFamily="34" charset="0"/>
+              </a:rPr>
+              <a:t>la tua esperienza di assistenza Enterprise.</a:t>
             </a:r>
           </a:p>
         </p:txBody>
@@ -9067,8 +9392,8 @@
         </p:nvSpPr>
         <p:spPr>
           <a:xfrm>
-            <a:off x="5723508" y="1099976"/>
-            <a:ext cx="1463040" cy="197490"/>
+            <a:off x="5723508" y="1099975"/>
+            <a:ext cx="1653605" cy="197490"/>
           </a:xfrm>
           <a:prstGeom prst="rect">
             <a:avLst/>
@@ -9089,7 +9414,7 @@
               </a:spcBef>
             </a:pPr>
             <a:r>
-              <a:rPr lang="it-IT" sz="1200" b="1" dirty="0">
+              <a:rPr lang="it-IT" sz="1200" b="1">
                 <a:solidFill>
                   <a:srgbClr val="020302"/>
                 </a:solidFill>
@@ -9115,8 +9440,8 @@
         </p:nvSpPr>
         <p:spPr>
           <a:xfrm>
-            <a:off x="5181600" y="4441989"/>
-            <a:ext cx="1972258" cy="646331"/>
+            <a:off x="5191126" y="4466703"/>
+            <a:ext cx="2520000" cy="430887"/>
           </a:xfrm>
           <a:prstGeom prst="rect">
             <a:avLst/>
@@ -9137,33 +9462,14 @@
               </a:spcBef>
             </a:pPr>
             <a:r>
-              <a:rPr lang="it-IT" sz="1200" b="1" dirty="0">
+              <a:rPr lang="it-IT" sz="1100" b="1" dirty="0">
                 <a:solidFill>
                   <a:srgbClr val="020302"/>
                 </a:solidFill>
                 <a:latin typeface="Adobe Clean"/>
                 <a:cs typeface="Adobe Clean"/>
               </a:rPr>
-              <a:t>Best practice per </a:t>
-            </a:r>
-            <a:br>
-              <a:rPr lang="sk-SK" sz="1200" b="1" dirty="0">
-                <a:solidFill>
-                  <a:srgbClr val="020302"/>
-                </a:solidFill>
-                <a:latin typeface="Adobe Clean"/>
-                <a:cs typeface="Adobe Clean"/>
-              </a:rPr>
-            </a:br>
-            <a:r>
-              <a:rPr lang="it-IT" sz="1200" b="1" dirty="0">
-                <a:solidFill>
-                  <a:srgbClr val="020302"/>
-                </a:solidFill>
-                <a:latin typeface="Adobe Clean"/>
-                <a:cs typeface="Adobe Clean"/>
-              </a:rPr>
-              <a:t>la personalizzazione di AEM as a Cloud Service</a:t>
+              <a:t>Best practice per la personalizzazione di AEM as a Cloud Service</a:t>
             </a:r>
           </a:p>
         </p:txBody>
@@ -9182,8 +9488,8 @@
         </p:nvSpPr>
         <p:spPr>
           <a:xfrm>
-            <a:off x="2752588" y="4438393"/>
-            <a:ext cx="1708650" cy="646331"/>
+            <a:off x="2743062" y="4438393"/>
+            <a:ext cx="2138500" cy="430887"/>
           </a:xfrm>
           <a:prstGeom prst="rect">
             <a:avLst/>
@@ -9204,17 +9510,17 @@
               </a:spcBef>
             </a:pPr>
             <a:r>
-              <a:rPr lang="it-IT" sz="1200" b="1" dirty="0">
+              <a:rPr lang="it-IT" sz="1100" b="1" dirty="0">
                 <a:solidFill>
                   <a:srgbClr val="020302"/>
                 </a:solidFill>
                 <a:latin typeface="Adobe Clean"/>
                 <a:cs typeface="Adobe Clean"/>
               </a:rPr>
-              <a:t>Servizi a valore aggiunto per AEM </a:t>
+              <a:t>Servizi a valore aggiunto </a:t>
             </a:r>
             <a:br>
-              <a:rPr lang="sk-SK" sz="1200" b="1" dirty="0">
+              <a:rPr lang="it-IT" sz="1100" b="1" dirty="0">
                 <a:solidFill>
                   <a:srgbClr val="020302"/>
                 </a:solidFill>
@@ -9223,14 +9529,14 @@
               </a:rPr>
             </a:br>
             <a:r>
-              <a:rPr lang="it-IT" sz="1200" b="1" dirty="0">
+              <a:rPr lang="it-IT" sz="1100" b="1" dirty="0">
                 <a:solidFill>
                   <a:srgbClr val="020302"/>
                 </a:solidFill>
                 <a:latin typeface="Adobe Clean"/>
                 <a:cs typeface="Adobe Clean"/>
               </a:rPr>
-              <a:t>as a Cloud Service</a:t>
+              <a:t>per AEM as a Cloud Service</a:t>
             </a:r>
           </a:p>
         </p:txBody>
@@ -9250,7 +9556,7 @@
         <p:spPr>
           <a:xfrm>
             <a:off x="381000" y="4438394"/>
-            <a:ext cx="1998943" cy="461665"/>
+            <a:ext cx="1998943" cy="430887"/>
           </a:xfrm>
           <a:prstGeom prst="rect">
             <a:avLst/>
@@ -9271,7 +9577,7 @@
               </a:spcBef>
             </a:pPr>
             <a:r>
-              <a:rPr lang="it-IT" sz="1200" b="1" dirty="0">
+              <a:rPr lang="it-IT" sz="1100" b="1" dirty="0">
                 <a:solidFill>
                   <a:srgbClr val="020302"/>
                 </a:solidFill>
@@ -9281,7 +9587,7 @@
               <a:t>Governance per AEM </a:t>
             </a:r>
             <a:br>
-              <a:rPr lang="sk-SK" sz="1200" b="1" dirty="0">
+              <a:rPr lang="it-IT" sz="1100" b="1" dirty="0">
                 <a:solidFill>
                   <a:srgbClr val="020302"/>
                 </a:solidFill>
@@ -9290,7 +9596,7 @@
               </a:rPr>
             </a:br>
             <a:r>
-              <a:rPr lang="it-IT" sz="1200" b="1" dirty="0">
+              <a:rPr lang="it-IT" sz="1100" b="1" dirty="0">
                 <a:solidFill>
                   <a:srgbClr val="020302"/>
                 </a:solidFill>
@@ -9394,8 +9700,8 @@
         </p:nvSpPr>
         <p:spPr>
           <a:xfrm>
-            <a:off x="689237" y="1102553"/>
-            <a:ext cx="1373941" cy="197490"/>
+            <a:off x="689237" y="1102554"/>
+            <a:ext cx="1757525" cy="197490"/>
           </a:xfrm>
           <a:prstGeom prst="rect">
             <a:avLst/>
@@ -9503,13 +9809,64 @@
               </a:spcBef>
             </a:pPr>
             <a:r>
-              <a:rPr lang="it-IT" sz="1000">
+              <a:rPr lang="it-IT" sz="1000" dirty="0">
                 <a:solidFill>
                   <a:srgbClr val="4B4B4B"/>
                 </a:solidFill>
                 <a:latin typeface="Adobe Clean Light" panose="020B0303020404020204" pitchFamily="34" charset="0"/>
               </a:rPr>
-              <a:t>Valutazione periodica programmata delle richieste di supporto aperte, per garantirne l’allineamento in termini di descrizione dei casi, impatto sul business, stato, priorità e accordi sulle azioni successive necessarie a garantire una rapida risoluzione.</a:t>
+              <a:t>Valutazione periodica programmata delle richieste di supporto aperte, per garantirne l’allineamento in termini di descrizione </a:t>
+            </a:r>
+            <a:br>
+              <a:rPr lang="it-IT" sz="1000" dirty="0">
+                <a:solidFill>
+                  <a:srgbClr val="4B4B4B"/>
+                </a:solidFill>
+                <a:latin typeface="Adobe Clean Light" panose="020B0303020404020204" pitchFamily="34" charset="0"/>
+              </a:rPr>
+            </a:br>
+            <a:r>
+              <a:rPr lang="it-IT" sz="1000" dirty="0">
+                <a:solidFill>
+                  <a:srgbClr val="4B4B4B"/>
+                </a:solidFill>
+                <a:latin typeface="Adobe Clean Light" panose="020B0303020404020204" pitchFamily="34" charset="0"/>
+              </a:rPr>
+              <a:t>dei casi, impatto sul business, stato, priorità </a:t>
+            </a:r>
+            <a:br>
+              <a:rPr lang="it-IT" sz="1000" dirty="0">
+                <a:solidFill>
+                  <a:srgbClr val="4B4B4B"/>
+                </a:solidFill>
+                <a:latin typeface="Adobe Clean Light" panose="020B0303020404020204" pitchFamily="34" charset="0"/>
+              </a:rPr>
+            </a:br>
+            <a:r>
+              <a:rPr lang="it-IT" sz="1000" dirty="0">
+                <a:solidFill>
+                  <a:srgbClr val="4B4B4B"/>
+                </a:solidFill>
+                <a:latin typeface="Adobe Clean Light" panose="020B0303020404020204" pitchFamily="34" charset="0"/>
+              </a:rPr>
+              <a:t>e accordi sulle azioni successive necessarie </a:t>
+            </a:r>
+            <a:br>
+              <a:rPr lang="it-IT" sz="1000" dirty="0">
+                <a:solidFill>
+                  <a:srgbClr val="4B4B4B"/>
+                </a:solidFill>
+                <a:latin typeface="Adobe Clean Light" panose="020B0303020404020204" pitchFamily="34" charset="0"/>
+              </a:rPr>
+            </a:br>
+            <a:r>
+              <a:rPr lang="it-IT" sz="1000" dirty="0">
+                <a:solidFill>
+                  <a:srgbClr val="4B4B4B"/>
+                </a:solidFill>
+                <a:latin typeface="Adobe Clean Light" panose="020B0303020404020204" pitchFamily="34" charset="0"/>
+              </a:rPr>
+              <a:t>a garantire una rapida risoluzione.</a:t>
             </a:r>
           </a:p>
         </p:txBody>
@@ -9576,8 +9933,8 @@
         </p:nvSpPr>
         <p:spPr>
           <a:xfrm>
-            <a:off x="214971" y="4310484"/>
-            <a:ext cx="2286000" cy="45719"/>
+            <a:off x="214970" y="4310484"/>
+            <a:ext cx="2394879" cy="73561"/>
           </a:xfrm>
           <a:custGeom>
             <a:avLst/>
@@ -9641,7 +9998,7 @@
         </p:blipFill>
         <p:spPr>
           <a:xfrm>
-            <a:off x="2705069" y="3892352"/>
+            <a:off x="2692974" y="3892352"/>
             <a:ext cx="461665" cy="461665"/>
           </a:xfrm>
           <a:prstGeom prst="rect">
@@ -9680,7 +10037,7 @@
         </p:blipFill>
         <p:spPr>
           <a:xfrm>
-            <a:off x="2776853" y="6679878"/>
+            <a:off x="2776853" y="6389362"/>
             <a:ext cx="411480" cy="411480"/>
           </a:xfrm>
           <a:prstGeom prst="rect">
@@ -9719,7 +10076,7 @@
         </p:blipFill>
         <p:spPr>
           <a:xfrm>
-            <a:off x="228600" y="8520784"/>
+            <a:off x="228600" y="8363609"/>
             <a:ext cx="411480" cy="411480"/>
           </a:xfrm>
           <a:prstGeom prst="rect">
@@ -9758,7 +10115,7 @@
         </p:blipFill>
         <p:spPr>
           <a:xfrm>
-            <a:off x="228600" y="6641210"/>
+            <a:off x="228600" y="6350694"/>
             <a:ext cx="411480" cy="411480"/>
           </a:xfrm>
           <a:prstGeom prst="rect">
@@ -9797,7 +10154,7 @@
         </p:blipFill>
         <p:spPr>
           <a:xfrm>
-            <a:off x="5257800" y="6629400"/>
+            <a:off x="5257800" y="6338884"/>
             <a:ext cx="411480" cy="411480"/>
           </a:xfrm>
           <a:prstGeom prst="rect">
@@ -9836,7 +10193,7 @@
         </p:blipFill>
         <p:spPr>
           <a:xfrm>
-            <a:off x="5257800" y="8520784"/>
+            <a:off x="5257800" y="8363609"/>
             <a:ext cx="411480" cy="411480"/>
           </a:xfrm>
           <a:prstGeom prst="rect">
@@ -9875,7 +10232,7 @@
         </p:blipFill>
         <p:spPr>
           <a:xfrm>
-            <a:off x="2776853" y="8520784"/>
+            <a:off x="2776853" y="8363609"/>
             <a:ext cx="411480" cy="411480"/>
           </a:xfrm>
           <a:prstGeom prst="rect">
@@ -9936,7 +10293,7 @@
         </p:nvSpPr>
         <p:spPr>
           <a:xfrm rot="5400000" flipH="1">
-            <a:off x="3863341" y="986533"/>
+            <a:off x="3863341" y="1013037"/>
             <a:ext cx="45719" cy="5577840"/>
           </a:xfrm>
           <a:custGeom>
@@ -9991,7 +10348,7 @@
         </p:nvSpPr>
         <p:spPr>
           <a:xfrm rot="5400000" flipH="1">
-            <a:off x="3863341" y="5514588"/>
+            <a:off x="3863341" y="5365076"/>
             <a:ext cx="45719" cy="5577840"/>
           </a:xfrm>
           <a:custGeom>
@@ -10032,133 +10389,6 @@
           </a:p>
         </p:txBody>
       </p:sp>
-      <p:grpSp>
-        <p:nvGrpSpPr>
-          <p:cNvPr id="62" name="object 3">
-            <a:extLst>
-              <a:ext uri="{FF2B5EF4-FFF2-40B4-BE49-F238E27FC236}">
-                <a16:creationId xmlns:a16="http://schemas.microsoft.com/office/drawing/2014/main" id="{C539739D-1D3E-204D-9819-C44D9AE36DE8}"/>
-              </a:ext>
-            </a:extLst>
-          </p:cNvPr>
-          <p:cNvGrpSpPr/>
-          <p:nvPr/>
-        </p:nvGrpSpPr>
-        <p:grpSpPr>
-          <a:xfrm rot="5400000">
-            <a:off x="1154159" y="-868525"/>
-            <a:ext cx="5661921" cy="7931849"/>
-            <a:chOff x="-247019" y="421767"/>
-            <a:chExt cx="3875281" cy="7641336"/>
-          </a:xfrm>
-        </p:grpSpPr>
-        <p:sp>
-          <p:nvSpPr>
-            <p:cNvPr id="63" name="object 4">
-              <a:extLst>
-                <a:ext uri="{FF2B5EF4-FFF2-40B4-BE49-F238E27FC236}">
-                  <a16:creationId xmlns:a16="http://schemas.microsoft.com/office/drawing/2014/main" id="{F41DD51E-EC9C-7B44-BE42-FA9C42B94675}"/>
-                </a:ext>
-              </a:extLst>
-            </p:cNvPr>
-            <p:cNvSpPr/>
-            <p:nvPr/>
-          </p:nvSpPr>
-          <p:spPr>
-            <a:xfrm>
-              <a:off x="3628262" y="576453"/>
-              <a:ext cx="0" cy="7486650"/>
-            </a:xfrm>
-            <a:custGeom>
-              <a:avLst/>
-              <a:gdLst/>
-              <a:ahLst/>
-              <a:cxnLst/>
-              <a:rect l="l" t="t" r="r" b="b"/>
-              <a:pathLst>
-                <a:path h="7486650">
-                  <a:moveTo>
-                    <a:pt x="0" y="0"/>
-                  </a:moveTo>
-                  <a:lnTo>
-                    <a:pt x="0" y="7486408"/>
-                  </a:lnTo>
-                </a:path>
-              </a:pathLst>
-            </a:custGeom>
-            <a:ln w="61722">
-              <a:solidFill>
-                <a:srgbClr val="EAEAEB"/>
-              </a:solidFill>
-            </a:ln>
-          </p:spPr>
-          <p:txBody>
-            <a:bodyPr wrap="square" lIns="0" tIns="0" rIns="0" bIns="0" rtlCol="0"/>
-            <a:lstStyle/>
-            <a:p>
-              <a:endParaRPr/>
-            </a:p>
-          </p:txBody>
-        </p:sp>
-        <p:sp>
-          <p:nvSpPr>
-            <p:cNvPr id="64" name="object 5">
-              <a:extLst>
-                <a:ext uri="{FF2B5EF4-FFF2-40B4-BE49-F238E27FC236}">
-                  <a16:creationId xmlns:a16="http://schemas.microsoft.com/office/drawing/2014/main" id="{6E97A2E1-56BC-2B46-9873-F675D66FF621}"/>
-                </a:ext>
-              </a:extLst>
-            </p:cNvPr>
-            <p:cNvSpPr/>
-            <p:nvPr/>
-          </p:nvSpPr>
-          <p:spPr>
-            <a:xfrm>
-              <a:off x="-247019" y="421767"/>
-              <a:ext cx="3844040" cy="7600950"/>
-            </a:xfrm>
-            <a:custGeom>
-              <a:avLst/>
-              <a:gdLst/>
-              <a:ahLst/>
-              <a:cxnLst/>
-              <a:rect l="l" t="t" r="r" b="b"/>
-              <a:pathLst>
-                <a:path w="3409950" h="7600950">
-                  <a:moveTo>
-                    <a:pt x="0" y="7600569"/>
-                  </a:moveTo>
-                  <a:lnTo>
-                    <a:pt x="3409492" y="7600569"/>
-                  </a:lnTo>
-                  <a:lnTo>
-                    <a:pt x="3409492" y="0"/>
-                  </a:lnTo>
-                  <a:lnTo>
-                    <a:pt x="0" y="0"/>
-                  </a:lnTo>
-                  <a:lnTo>
-                    <a:pt x="0" y="7600569"/>
-                  </a:lnTo>
-                  <a:close/>
-                </a:path>
-              </a:pathLst>
-            </a:custGeom>
-            <a:ln w="12954">
-              <a:solidFill>
-                <a:srgbClr val="EBEBEB"/>
-              </a:solidFill>
-            </a:ln>
-          </p:spPr>
-          <p:txBody>
-            <a:bodyPr wrap="square" lIns="0" tIns="0" rIns="0" bIns="0" rtlCol="0"/>
-            <a:lstStyle/>
-            <a:p>
-              <a:endParaRPr/>
-            </a:p>
-          </p:txBody>
-        </p:sp>
-      </p:grpSp>
     </p:spTree>
     <p:extLst>
       <p:ext uri="{BB962C8B-B14F-4D97-AF65-F5344CB8AC3E}">
@@ -10457,8 +10687,8 @@
         </p:nvSpPr>
         <p:spPr>
           <a:xfrm>
-            <a:off x="4625924" y="914778"/>
-            <a:ext cx="2222172" cy="63806"/>
+            <a:off x="4529508" y="914778"/>
+            <a:ext cx="2157033" cy="63806"/>
           </a:xfrm>
           <a:custGeom>
             <a:avLst/>
@@ -10499,7 +10729,7 @@
         </p:nvSpPr>
         <p:spPr>
           <a:xfrm>
-            <a:off x="4645559" y="589788"/>
+            <a:off x="4524169" y="589788"/>
             <a:ext cx="2588260" cy="228268"/>
           </a:xfrm>
           <a:prstGeom prst="rect">
@@ -10507,15 +10737,12 @@
           </a:prstGeom>
         </p:spPr>
         <p:txBody>
-          <a:bodyPr vert="horz" wrap="square" lIns="0" tIns="12700" rIns="0" bIns="0" rtlCol="0">
+          <a:bodyPr vert="horz" wrap="square" lIns="0" tIns="12700" rIns="0" bIns="0" rtlCol="0" anchor="t">
             <a:spAutoFit/>
           </a:bodyPr>
           <a:lstStyle/>
           <a:p>
             <a:pPr marL="12700">
-              <a:lnSpc>
-                <a:spcPct val="100000"/>
-              </a:lnSpc>
               <a:spcBef>
                 <a:spcPts val="100"/>
               </a:spcBef>
@@ -10583,8 +10810,8 @@
         </p:nvSpPr>
         <p:spPr>
           <a:xfrm>
-            <a:off x="242188" y="1225804"/>
-            <a:ext cx="3131692" cy="628377"/>
+            <a:off x="242187" y="1225804"/>
+            <a:ext cx="3189649" cy="782265"/>
           </a:xfrm>
           <a:prstGeom prst="rect">
             <a:avLst/>
@@ -10602,7 +10829,7 @@
               </a:spcBef>
             </a:pPr>
             <a:r>
-              <a:rPr lang="it-IT" sz="1000">
+              <a:rPr lang="it-IT" sz="1000" dirty="0">
                 <a:solidFill>
                   <a:srgbClr val="1F1F1F"/>
                 </a:solidFill>
@@ -10612,7 +10839,7 @@
               <a:t>Per i clienti che implementano una</a:t>
             </a:r>
             <a:r>
-              <a:rPr lang="it-IT" sz="1000" b="1">
+              <a:rPr lang="it-IT" sz="1000" b="1" dirty="0">
                 <a:solidFill>
                   <a:srgbClr val="1F1F1F"/>
                 </a:solidFill>
@@ -10622,7 +10849,7 @@
               <a:t> nuova soluzione Adobe Experience Cloud, </a:t>
             </a:r>
             <a:r>
-              <a:rPr lang="it-IT" sz="1000">
+              <a:rPr lang="it-IT" sz="1000" dirty="0">
                 <a:latin typeface="Adobe Clean Light" charset="0"/>
                 <a:ea typeface="Adobe Clean Light" charset="0"/>
                 <a:cs typeface="Adobe Clean Light" charset="0"/>
@@ -10630,7 +10857,7 @@
               <a:t>Launch Advisory</a:t>
             </a:r>
             <a:r>
-              <a:rPr lang="it-IT" sz="1000">
+              <a:rPr lang="it-IT" sz="1000" dirty="0">
                 <a:solidFill>
                   <a:srgbClr val="000000"/>
                 </a:solidFill>
@@ -10639,48 +10866,95 @@
               <a:t> offre un </a:t>
             </a:r>
             <a:r>
-              <a:rPr lang="it-IT" sz="1000" b="1">
+              <a:rPr lang="it-IT" sz="1000" b="1" dirty="0">
                 <a:solidFill>
                   <a:srgbClr val="000000"/>
                 </a:solidFill>
                 <a:latin typeface="Adobe Clean SemiLight" panose="020B0403020404020204" pitchFamily="34" charset="0"/>
               </a:rPr>
-              <a:t>set principale di servizi di consulenza</a:t>
-            </a:r>
-            <a:r>
-              <a:rPr lang="it-IT" sz="1000">
+              <a:t>set principale </a:t>
+            </a:r>
+            <a:br>
+              <a:rPr lang="it-IT" sz="1000" b="1" dirty="0">
+                <a:solidFill>
+                  <a:srgbClr val="000000"/>
+                </a:solidFill>
+                <a:latin typeface="Adobe Clean SemiLight" panose="020B0403020404020204" pitchFamily="34" charset="0"/>
+              </a:rPr>
+            </a:br>
+            <a:r>
+              <a:rPr lang="it-IT" sz="1000" b="1" dirty="0">
+                <a:solidFill>
+                  <a:srgbClr val="000000"/>
+                </a:solidFill>
+                <a:latin typeface="Adobe Clean SemiLight" panose="020B0403020404020204" pitchFamily="34" charset="0"/>
+              </a:rPr>
+              <a:t>di servizi di consulenza</a:t>
+            </a:r>
+            <a:r>
+              <a:rPr lang="it-IT" sz="1000" dirty="0">
                 <a:latin typeface="Adobe Clean Light" charset="0"/>
                 <a:ea typeface="Adobe Clean Light" charset="0"/>
                 <a:cs typeface="Adobe Clean Light" charset="0"/>
               </a:rPr>
-              <a:t> e raccomandazioni consolidate, utili per il </a:t>
-            </a:r>
-            <a:r>
-              <a:rPr lang="it-IT" sz="1000" b="1">
+              <a:t> e raccomandazioni consolidate, </a:t>
+            </a:r>
+            <a:br>
+              <a:rPr lang="it-IT" sz="1000" dirty="0">
                 <a:latin typeface="Adobe Clean Light" charset="0"/>
                 <a:ea typeface="Adobe Clean Light" charset="0"/>
                 <a:cs typeface="Adobe Clean Light" charset="0"/>
               </a:rPr>
-              <a:t>successo dell’implementazione</a:t>
-            </a:r>
-            <a:r>
-              <a:rPr lang="it-IT" sz="1000">
+            </a:br>
+            <a:r>
+              <a:rPr lang="it-IT" sz="1000" dirty="0">
                 <a:latin typeface="Adobe Clean Light" charset="0"/>
                 <a:ea typeface="Adobe Clean Light" charset="0"/>
                 <a:cs typeface="Adobe Clean Light" charset="0"/>
               </a:rPr>
-              <a:t> e </a:t>
-            </a:r>
-            <a:r>
-              <a:rPr lang="it-IT" sz="1000" b="1">
+              <a:t>utili per il </a:t>
+            </a:r>
+            <a:r>
+              <a:rPr lang="it-IT" sz="1000" b="1" dirty="0">
                 <a:latin typeface="Adobe Clean Light" charset="0"/>
                 <a:ea typeface="Adobe Clean Light" charset="0"/>
                 <a:cs typeface="Adobe Clean Light" charset="0"/>
               </a:rPr>
-              <a:t>per velocizzare il time-to-value</a:t>
-            </a:r>
-            <a:r>
-              <a:rPr lang="it-IT" sz="1000">
+              <a:t>successo dell’implementazione</a:t>
+            </a:r>
+            <a:r>
+              <a:rPr lang="it-IT" sz="1000" dirty="0">
+                <a:latin typeface="Adobe Clean Light" charset="0"/>
+                <a:ea typeface="Adobe Clean Light" charset="0"/>
+                <a:cs typeface="Adobe Clean Light" charset="0"/>
+              </a:rPr>
+              <a:t> e </a:t>
+            </a:r>
+            <a:r>
+              <a:rPr lang="it-IT" sz="1000" b="1" dirty="0">
+                <a:latin typeface="Adobe Clean Light" charset="0"/>
+                <a:ea typeface="Adobe Clean Light" charset="0"/>
+                <a:cs typeface="Adobe Clean Light" charset="0"/>
+              </a:rPr>
+              <a:t>per velocizzare </a:t>
+            </a:r>
+            <a:br>
+              <a:rPr lang="it-IT" sz="1000" b="1" dirty="0">
+                <a:latin typeface="Adobe Clean Light" charset="0"/>
+                <a:ea typeface="Adobe Clean Light" charset="0"/>
+                <a:cs typeface="Adobe Clean Light" charset="0"/>
+              </a:rPr>
+            </a:br>
+            <a:r>
+              <a:rPr lang="it-IT" sz="1000" b="1" dirty="0">
+                <a:latin typeface="Adobe Clean Light" charset="0"/>
+                <a:ea typeface="Adobe Clean Light" charset="0"/>
+                <a:cs typeface="Adobe Clean Light" charset="0"/>
+              </a:rPr>
+              <a:t>il time-to-value</a:t>
+            </a:r>
+            <a:r>
+              <a:rPr lang="it-IT" sz="1000" dirty="0">
                 <a:latin typeface="Adobe Clean Light" charset="0"/>
                 <a:ea typeface="Adobe Clean Light" charset="0"/>
                 <a:cs typeface="Adobe Clean Light" charset="0"/>
@@ -10725,8 +10999,8 @@
         </p:nvSpPr>
         <p:spPr>
           <a:xfrm>
-            <a:off x="3965471" y="1228675"/>
-            <a:ext cx="3603474" cy="859210"/>
+            <a:off x="3898791" y="1228675"/>
+            <a:ext cx="3684584" cy="859210"/>
           </a:xfrm>
           <a:prstGeom prst="rect">
             <a:avLst/>
@@ -10744,7 +11018,7 @@
               </a:spcBef>
             </a:pPr>
             <a:r>
-              <a:rPr lang="it-IT" sz="1000">
+              <a:rPr lang="it-IT" sz="1000" dirty="0">
                 <a:solidFill>
                   <a:srgbClr val="4B4B4B"/>
                 </a:solidFill>
@@ -10753,7 +11027,7 @@
               <a:t>I servizi sul campo sono utilizzati per la </a:t>
             </a:r>
             <a:r>
-              <a:rPr lang="it-IT" sz="1000" b="1">
+              <a:rPr lang="it-IT" sz="1000" b="1" dirty="0">
                 <a:solidFill>
                   <a:srgbClr val="4B4B4B"/>
                 </a:solidFill>
@@ -10762,7 +11036,7 @@
               <a:t>risoluzione rapida</a:t>
             </a:r>
             <a:r>
-              <a:rPr lang="it-IT" sz="1000">
+              <a:rPr lang="it-IT" sz="1000" dirty="0">
                 <a:solidFill>
                   <a:srgbClr val="4B4B4B"/>
                 </a:solidFill>
@@ -10771,7 +11045,7 @@
               <a:t> e si incentrano sul successo dei clienti e la velocizzazione del </a:t>
             </a:r>
             <a:r>
-              <a:rPr lang="it-IT" sz="1000" b="1">
+              <a:rPr lang="it-IT" sz="1000" b="1" dirty="0">
                 <a:solidFill>
                   <a:srgbClr val="4B4B4B"/>
                 </a:solidFill>
@@ -10780,7 +11054,7 @@
               <a:t>time-to-value</a:t>
             </a:r>
             <a:r>
-              <a:rPr lang="it-IT" sz="1000">
+              <a:rPr lang="it-IT" sz="1000" dirty="0">
                 <a:solidFill>
                   <a:srgbClr val="4B4B4B"/>
                 </a:solidFill>
@@ -10789,7 +11063,7 @@
               <a:t>. Se Launch Advisory è attivo, </a:t>
             </a:r>
             <a:r>
-              <a:rPr lang="it-IT" sz="1000" b="1">
+              <a:rPr lang="it-IT" sz="1000" b="1" dirty="0">
                 <a:solidFill>
                   <a:srgbClr val="4B4B4B"/>
                 </a:solidFill>
@@ -10798,7 +11072,7 @@
               <a:t>nel primo anno non sono previsti servizi sul campo</a:t>
             </a:r>
             <a:r>
-              <a:rPr lang="it-IT" sz="1000">
+              <a:rPr lang="it-IT" sz="1000" dirty="0">
                 <a:solidFill>
                   <a:srgbClr val="4B4B4B"/>
                 </a:solidFill>
@@ -10813,7 +11087,7 @@
                 <a:spcPts val="600"/>
               </a:spcBef>
             </a:pPr>
-            <a:endParaRPr lang="en-US" sz="1000" b="1">
+            <a:endParaRPr lang="en-US" sz="1000" b="1" dirty="0">
               <a:solidFill>
                 <a:srgbClr val="1F1F1F"/>
               </a:solidFill>
@@ -10886,7 +11160,7 @@
         <p:spPr>
           <a:xfrm rot="10800000" flipH="1">
             <a:off x="3692282" y="762000"/>
-            <a:ext cx="45719" cy="1188720"/>
+            <a:ext cx="45720" cy="1325882"/>
           </a:xfrm>
           <a:custGeom>
             <a:avLst/>
@@ -10982,7 +11256,7 @@
         <p:spPr>
           <a:xfrm>
             <a:off x="172087" y="3867961"/>
-            <a:ext cx="3525469" cy="2490425"/>
+            <a:ext cx="3565915" cy="2490425"/>
           </a:xfrm>
           <a:prstGeom prst="rect">
             <a:avLst/>
@@ -11005,8 +11279,13 @@
               </a:rPr>
               <a:t>Gli esperti delle soluzioni Adobe aiutano a convalidare i requisiti, l’architettura, il processo di sviluppo e lo stato di preparazione, </a:t>
             </a:r>
-            <a:r>
+            <a:br>
               <a:rPr lang="it-IT" sz="1000" dirty="0">
+                <a:latin typeface="Adobe Clean Light" charset="0"/>
+              </a:rPr>
+            </a:br>
+            <a:r>
+              <a:rPr lang="it-IT" sz="1000" dirty="0">
                 <a:solidFill>
                   <a:srgbClr val="000000"/>
                 </a:solidFill>
@@ -11030,10 +11309,10 @@
                 </a:solidFill>
                 <a:latin typeface="Adobe Clean SemiLight" panose="020B0403020404020204" pitchFamily="34" charset="0"/>
               </a:rPr>
-              <a:t> rivolte ai clienti e ai partner </a:t>
+              <a:t> rivolte ai clienti </a:t>
             </a:r>
             <a:br>
-              <a:rPr lang="sk-SK" sz="1000" dirty="0">
+              <a:rPr lang="it-IT" sz="1000" dirty="0">
                 <a:solidFill>
                   <a:srgbClr val="000000"/>
                 </a:solidFill>
@@ -11047,7 +11326,7 @@
                 </a:solidFill>
                 <a:latin typeface="Adobe Clean SemiLight" panose="020B0403020404020204" pitchFamily="34" charset="0"/>
               </a:rPr>
-              <a:t>di implementazione.</a:t>
+              <a:t>e ai partner di implementazione.</a:t>
             </a:r>
           </a:p>
           <a:p>
@@ -11074,18 +11353,7 @@
               <a:rPr lang="it-IT" sz="1000" dirty="0">
                 <a:latin typeface="Adobe Clean Light" charset="0"/>
               </a:rPr>
-              <a:t>Launch Advisory si allinea alla pianificazione del progetto</a:t>
-            </a:r>
-            <a:br>
-              <a:rPr lang="sk-SK" sz="1000" dirty="0">
-                <a:latin typeface="Adobe Clean Light" charset="0"/>
-              </a:rPr>
-            </a:br>
-            <a:r>
-              <a:rPr lang="it-IT" sz="1000" dirty="0">
-                <a:latin typeface="Adobe Clean Light" charset="0"/>
-              </a:rPr>
-              <a:t>del cliente, con obiettivi intermedi comuni (</a:t>
+              <a:t>Launch Advisory si allinea alla pianificazione del progetto del cliente, con obiettivi intermedi comuni (</a:t>
             </a:r>
             <a:r>
               <a:rPr lang="it-IT" sz="1000" b="1" dirty="0">
@@ -11405,7 +11673,7 @@
           <a:p>
             <a:pPr algn="ctr"/>
             <a:r>
-              <a:rPr lang="it-IT" sz="1100"/>
+              <a:rPr lang="it-IT" sz="1050"/>
               <a:t>Post-lancio</a:t>
             </a:r>
           </a:p>
@@ -11426,7 +11694,7 @@
           <p:nvPr/>
         </p:nvPicPr>
         <p:blipFill>
-          <a:blip r:embed="rId4">
+          <a:blip r:embed="rId4" cstate="print">
             <a:extLst>
               <a:ext uri="{28A0092B-C50C-407E-A947-70E740481C1C}">
                 <a14:useLocalDpi xmlns:a14="http://schemas.microsoft.com/office/drawing/2010/main" val="0"/>
@@ -11438,8 +11706,8 @@
         </p:blipFill>
         <p:spPr>
           <a:xfrm>
-            <a:off x="334498" y="6379881"/>
-            <a:ext cx="3096805" cy="2855621"/>
+            <a:off x="336106" y="6379881"/>
+            <a:ext cx="3093589" cy="2855621"/>
           </a:xfrm>
           <a:prstGeom prst="rect">
             <a:avLst/>
@@ -11514,15 +11782,15 @@
         </p:nvSpPr>
         <p:spPr>
           <a:xfrm>
-            <a:off x="3855907" y="4694431"/>
-            <a:ext cx="3525469" cy="2464777"/>
+            <a:off x="3855907" y="4632512"/>
+            <a:ext cx="3582528" cy="2310889"/>
           </a:xfrm>
           <a:prstGeom prst="rect">
             <a:avLst/>
           </a:prstGeom>
         </p:spPr>
         <p:txBody>
-          <a:bodyPr wrap="square">
+          <a:bodyPr wrap="square" lIns="91440" tIns="45720" rIns="91440" bIns="45720" anchor="t">
             <a:spAutoFit/>
           </a:bodyPr>
           <a:lstStyle/>
@@ -11537,7 +11805,7 @@
                 <a:solidFill>
                   <a:srgbClr val="000000"/>
                 </a:solidFill>
-                <a:latin typeface="+mj-lt"/>
+                <a:latin typeface="Adobe Clean" panose="020B0503020404020204" pitchFamily="34" charset="0"/>
               </a:rPr>
               <a:t>Le attività tecniche</a:t>
             </a:r>
@@ -11546,60 +11814,18 @@
                 <a:solidFill>
                   <a:srgbClr val="000000"/>
                 </a:solidFill>
-                <a:latin typeface="Adobe Clean Light" panose="020B0303020404020204" pitchFamily="34" charset="0"/>
-              </a:rPr>
-              <a:t> supportano le competenze tecniche del clienti e sono volte a massimizzare l’adozione degli strumenti. </a:t>
-            </a:r>
-            <a:br>
-              <a:rPr lang="sk-SK" sz="1000" dirty="0">
+                <a:latin typeface="Adobe Clean" panose="020B0503020404020204" pitchFamily="34" charset="0"/>
+              </a:rPr>
+              <a:t> </a:t>
+            </a:r>
+            <a:r>
+              <a:rPr lang="it-IT" sz="1000" dirty="0">
                 <a:solidFill>
                   <a:srgbClr val="000000"/>
                 </a:solidFill>
-                <a:latin typeface="Adobe Clean Light" panose="020B0303020404020204" pitchFamily="34" charset="0"/>
-              </a:rPr>
-            </a:br>
-            <a:r>
-              <a:rPr lang="it-IT" sz="1000" dirty="0">
-                <a:solidFill>
-                  <a:srgbClr val="000000"/>
-                </a:solidFill>
-                <a:latin typeface="Adobe Clean Light" panose="020B0303020404020204" pitchFamily="34" charset="0"/>
-              </a:rPr>
-              <a:t>In particolare, includono supporto e raccomandazioni in merito </a:t>
-            </a:r>
-            <a:br>
-              <a:rPr lang="sk-SK" sz="1000" dirty="0">
-                <a:solidFill>
-                  <a:srgbClr val="000000"/>
-                </a:solidFill>
-                <a:latin typeface="Adobe Clean Light" panose="020B0303020404020204" pitchFamily="34" charset="0"/>
-              </a:rPr>
-            </a:br>
-            <a:r>
-              <a:rPr lang="it-IT" sz="1000" dirty="0">
-                <a:solidFill>
-                  <a:srgbClr val="000000"/>
-                </a:solidFill>
-                <a:latin typeface="Adobe Clean Light" panose="020B0303020404020204" pitchFamily="34" charset="0"/>
-              </a:rPr>
-              <a:t>a configurazioni della piattaforma, integrazioni e risoluzione </a:t>
-            </a:r>
-            <a:br>
-              <a:rPr lang="sk-SK" sz="1000" dirty="0">
-                <a:solidFill>
-                  <a:srgbClr val="000000"/>
-                </a:solidFill>
-                <a:latin typeface="Adobe Clean Light" panose="020B0303020404020204" pitchFamily="34" charset="0"/>
-              </a:rPr>
-            </a:br>
-            <a:r>
-              <a:rPr lang="it-IT" sz="1000" dirty="0">
-                <a:solidFill>
-                  <a:srgbClr val="000000"/>
-                </a:solidFill>
-                <a:latin typeface="Adobe Clean Light" panose="020B0303020404020204" pitchFamily="34" charset="0"/>
-              </a:rPr>
-              <a:t>di problemi</a:t>
+                <a:latin typeface="Adobe Clean Light"/>
+              </a:rPr>
+              <a:t>supportano le competenze tecniche del clienti e sono volte a massimizzare l’adozione degli strumenti. In particolare, includono supporto e raccomandazioni in merito a configurazioni della piattaforma, integrazioni e risoluzione di problemi.</a:t>
             </a:r>
           </a:p>
           <a:p>
@@ -11620,7 +11846,7 @@
             </a:pPr>
             <a:r>
               <a:rPr lang="it-IT" sz="1000" dirty="0">
-                <a:latin typeface="Adobe Clean Light" charset="0"/>
+                <a:latin typeface="Adobe Clean Light"/>
               </a:rPr>
               <a:t>Attività tecniche disponibili:</a:t>
             </a:r>
@@ -11737,15 +11963,15 @@
         </p:nvSpPr>
         <p:spPr>
           <a:xfrm>
-            <a:off x="3851397" y="7249456"/>
-            <a:ext cx="3525469" cy="2054409"/>
+            <a:off x="3851397" y="7187537"/>
+            <a:ext cx="3582528" cy="2054409"/>
           </a:xfrm>
           <a:prstGeom prst="rect">
             <a:avLst/>
           </a:prstGeom>
         </p:spPr>
         <p:txBody>
-          <a:bodyPr wrap="square">
+          <a:bodyPr wrap="square" lIns="91440" tIns="45720" rIns="91440" bIns="45720" anchor="t">
             <a:spAutoFit/>
           </a:bodyPr>
           <a:lstStyle/>
@@ -11760,7 +11986,7 @@
                 <a:solidFill>
                   <a:srgbClr val="000000"/>
                 </a:solidFill>
-                <a:latin typeface="+mj-lt"/>
+                <a:latin typeface="Adobe Clean" panose="020B0503020404020204" pitchFamily="34" charset="0"/>
               </a:rPr>
               <a:t>Le attività strategiche</a:t>
             </a:r>
@@ -11769,16 +11995,25 @@
                 <a:solidFill>
                   <a:srgbClr val="000000"/>
                 </a:solidFill>
-                <a:latin typeface="Adobe Clean Light" panose="020B0303020404020204" pitchFamily="34" charset="0"/>
-              </a:rPr>
-              <a:t> rilevano le opportunità che consentono </a:t>
+                <a:latin typeface="Adobe Clean" panose="020B0503020404020204" pitchFamily="34" charset="0"/>
+              </a:rPr>
+              <a:t> </a:t>
+            </a:r>
+            <a:r>
+              <a:rPr lang="it-IT" sz="1000" dirty="0">
+                <a:solidFill>
+                  <a:srgbClr val="000000"/>
+                </a:solidFill>
+                <a:latin typeface="Adobe Clean Light"/>
+              </a:rPr>
+              <a:t>rilevano le opportunità che consentono </a:t>
             </a:r>
             <a:br>
-              <a:rPr lang="sk-SK" sz="1000" dirty="0">
+              <a:rPr lang="it-IT" sz="1000" dirty="0">
                 <a:solidFill>
                   <a:srgbClr val="000000"/>
                 </a:solidFill>
-                <a:latin typeface="Adobe Clean Light" panose="020B0303020404020204" pitchFamily="34" charset="0"/>
+                <a:latin typeface="Adobe Clean Light"/>
               </a:rPr>
             </a:br>
             <a:r>
@@ -11786,16 +12021,16 @@
                 <a:solidFill>
                   <a:srgbClr val="000000"/>
                 </a:solidFill>
-                <a:latin typeface="Adobe Clean Light" panose="020B0303020404020204" pitchFamily="34" charset="0"/>
-              </a:rPr>
-              <a:t>di trarre maggior valore dalle soluzioni Adobe del cliente. Includono raccomandazioni di supporto relative a strategia, misurazione </a:t>
+                <a:latin typeface="Adobe Clean Light"/>
+              </a:rPr>
+              <a:t>di trarre maggior valore dalle soluzioni Adobe del cliente. </a:t>
             </a:r>
             <a:br>
-              <a:rPr lang="sk-SK" sz="1000" dirty="0">
+              <a:rPr lang="it-IT" sz="1000" dirty="0">
                 <a:solidFill>
                   <a:srgbClr val="000000"/>
                 </a:solidFill>
-                <a:latin typeface="Adobe Clean Light" panose="020B0303020404020204" pitchFamily="34" charset="0"/>
+                <a:latin typeface="Adobe Clean Light"/>
               </a:rPr>
             </a:br>
             <a:r>
@@ -11803,9 +12038,26 @@
                 <a:solidFill>
                   <a:srgbClr val="000000"/>
                 </a:solidFill>
-                <a:latin typeface="Adobe Clean Light" panose="020B0303020404020204" pitchFamily="34" charset="0"/>
-              </a:rPr>
-              <a:t>e livello di preparazione per favorire la realizzazione di valore tramite una o più soluzioni Adobe.</a:t>
+                <a:latin typeface="Adobe Clean Light"/>
+              </a:rPr>
+              <a:t>Includono raccomandazioni di supporto relative a strategia, misurazione e livello di preparazione per favorire la realizzazione </a:t>
+            </a:r>
+            <a:br>
+              <a:rPr lang="it-IT" sz="1000" dirty="0">
+                <a:solidFill>
+                  <a:srgbClr val="000000"/>
+                </a:solidFill>
+                <a:latin typeface="Adobe Clean Light"/>
+              </a:rPr>
+            </a:br>
+            <a:r>
+              <a:rPr lang="it-IT" sz="1000" dirty="0">
+                <a:solidFill>
+                  <a:srgbClr val="000000"/>
+                </a:solidFill>
+                <a:latin typeface="Adobe Clean Light"/>
+              </a:rPr>
+              <a:t>di valore tramite una o più soluzioni Adobe.</a:t>
             </a:r>
           </a:p>
           <a:p>
@@ -11826,7 +12078,7 @@
             </a:pPr>
             <a:r>
               <a:rPr lang="it-IT" sz="1000" dirty="0">
-                <a:latin typeface="Adobe Clean Light" charset="0"/>
+                <a:latin typeface="Adobe Clean Light"/>
               </a:rPr>
               <a:t>Attività strategiche disponibili:</a:t>
             </a:r>
@@ -11938,26 +12190,7 @@
                 <a:latin typeface="Adobe Clean" panose="020B0503020404020204" pitchFamily="34" charset="0"/>
                 <a:cs typeface="AdobeClean-Light"/>
               </a:rPr>
-              <a:t>I clienti Enterprise hanno diritto </a:t>
-            </a:r>
-            <a:br>
-              <a:rPr lang="sk-SK" sz="1000" dirty="0">
-                <a:solidFill>
-                  <a:srgbClr val="1F1F1F"/>
-                </a:solidFill>
-                <a:latin typeface="Adobe Clean" panose="020B0503020404020204" pitchFamily="34" charset="0"/>
-                <a:cs typeface="AdobeClean-Light"/>
-              </a:rPr>
-            </a:br>
-            <a:r>
-              <a:rPr lang="it-IT" sz="1000" dirty="0">
-                <a:solidFill>
-                  <a:srgbClr val="1F1F1F"/>
-                </a:solidFill>
-                <a:latin typeface="Adobe Clean" panose="020B0503020404020204" pitchFamily="34" charset="0"/>
-                <a:cs typeface="AdobeClean-Light"/>
-              </a:rPr>
-              <a:t>a </a:t>
+              <a:t>I clienti Enterprise hanno diritto a </a:t>
             </a:r>
             <a:r>
               <a:rPr lang="it-IT" sz="1200" b="1" u="sng" dirty="0">
@@ -12046,7 +12279,7 @@
         </p:nvSpPr>
         <p:spPr>
           <a:xfrm>
-            <a:off x="2236134" y="2317134"/>
+            <a:off x="2259949" y="2317134"/>
             <a:ext cx="826006" cy="261610"/>
           </a:xfrm>
           <a:prstGeom prst="rect">
@@ -12062,7 +12295,7 @@
           <a:p>
             <a:pPr algn="ctr"/>
             <a:r>
-              <a:rPr lang="it-IT" sz="1100"/>
+              <a:rPr lang="it-IT" sz="1050"/>
               <a:t>Lancio</a:t>
             </a:r>
           </a:p>
@@ -12082,7 +12315,7 @@
         </p:nvSpPr>
         <p:spPr>
           <a:xfrm>
-            <a:off x="878679" y="2320287"/>
+            <a:off x="845340" y="2320287"/>
             <a:ext cx="826006" cy="261610"/>
           </a:xfrm>
           <a:prstGeom prst="rect">
@@ -12098,7 +12331,7 @@
           <a:p>
             <a:pPr algn="ctr"/>
             <a:r>
-              <a:rPr lang="it-IT" sz="1100"/>
+              <a:rPr lang="it-IT" sz="1050" dirty="0"/>
               <a:t>Definizione</a:t>
             </a:r>
           </a:p>
@@ -12134,7 +12367,7 @@
           <a:p>
             <a:pPr algn="ctr"/>
             <a:r>
-              <a:rPr lang="it-IT" sz="1100"/>
+              <a:rPr lang="it-IT" sz="1050"/>
               <a:t>Avvio</a:t>
             </a:r>
           </a:p>
@@ -12154,8 +12387,8 @@
         </p:nvSpPr>
         <p:spPr>
           <a:xfrm>
-            <a:off x="1558548" y="2233788"/>
-            <a:ext cx="826006" cy="261610"/>
+            <a:off x="1507288" y="2320287"/>
+            <a:ext cx="1014258" cy="261610"/>
           </a:xfrm>
           <a:prstGeom prst="rect">
             <a:avLst/>
@@ -12170,7 +12403,7 @@
           <a:p>
             <a:pPr algn="ctr"/>
             <a:r>
-              <a:rPr lang="it-IT" sz="1100" dirty="0"/>
+              <a:rPr lang="it-IT" sz="1050" dirty="0"/>
               <a:t>Progettazione</a:t>
             </a:r>
           </a:p>
@@ -12228,7 +12461,7 @@
           <a:p>
             <a:pPr algn="ctr"/>
             <a:r>
-              <a:rPr lang="it-IT">
+              <a:rPr lang="it-IT" dirty="0">
                 <a:solidFill>
                   <a:schemeClr val="accent1">
                     <a:lumMod val="50000"/>
@@ -12444,7 +12677,7 @@
         <p:spPr>
           <a:xfrm>
             <a:off x="6754821" y="9283729"/>
-            <a:ext cx="930275" cy="662305"/>
+            <a:ext cx="1017579" cy="662305"/>
           </a:xfrm>
           <a:prstGeom prst="rect">
             <a:avLst/>
@@ -12465,7 +12698,7 @@
               </a:spcBef>
             </a:pPr>
             <a:r>
-              <a:rPr lang="it-IT" sz="800">
+              <a:rPr lang="it-IT" sz="800" dirty="0">
                 <a:solidFill>
                   <a:srgbClr val="777879"/>
                 </a:solidFill>
@@ -12482,7 +12715,7 @@
               </a:lnSpc>
             </a:pPr>
             <a:r>
-              <a:rPr lang="it-IT" sz="800">
+              <a:rPr lang="it-IT" sz="800" dirty="0">
                 <a:solidFill>
                   <a:srgbClr val="777879"/>
                 </a:solidFill>
@@ -12499,7 +12732,7 @@
               </a:lnSpc>
             </a:pPr>
             <a:r>
-              <a:rPr lang="it-IT" sz="800">
+              <a:rPr lang="it-IT" sz="800" dirty="0">
                 <a:solidFill>
                   <a:srgbClr val="777879"/>
                 </a:solidFill>
@@ -12519,7 +12752,7 @@
               </a:spcBef>
             </a:pPr>
             <a:r>
-              <a:rPr lang="it-IT" sz="800">
+              <a:rPr lang="it-IT" sz="800" dirty="0">
                 <a:solidFill>
                   <a:srgbClr val="777879"/>
                 </a:solidFill>
@@ -12539,7 +12772,7 @@
               </a:spcBef>
             </a:pPr>
             <a:r>
-              <a:rPr lang="it-IT" sz="800" u="sng">
+              <a:rPr lang="it-IT" sz="800" u="sng" dirty="0">
                 <a:solidFill>
                   <a:srgbClr val="5F5F5F"/>
                 </a:solidFill>
@@ -12714,7 +12947,7 @@
           </a:prstGeom>
         </p:spPr>
         <p:txBody>
-          <a:bodyPr vert="horz" wrap="square" lIns="0" tIns="29845" rIns="0" bIns="0" rtlCol="0">
+          <a:bodyPr vert="horz" wrap="square" lIns="0" tIns="29845" rIns="0" bIns="0" rtlCol="0" anchor="t">
             <a:spAutoFit/>
           </a:bodyPr>
           <a:lstStyle/>
@@ -12774,8 +13007,8 @@
         </p:nvSpPr>
         <p:spPr>
           <a:xfrm>
-            <a:off x="190707" y="4913781"/>
-            <a:ext cx="6943952" cy="755976"/>
+            <a:off x="190706" y="4913781"/>
+            <a:ext cx="6605381" cy="755976"/>
           </a:xfrm>
           <a:prstGeom prst="rect">
             <a:avLst/>
@@ -12816,24 +13049,7 @@
                 </a:solidFill>
                 <a:latin typeface="AdobeClean-Light"/>
               </a:rPr>
-              <a:t>L’ambito del supporto Adobe è definito allineando l’indirizzo di fatturazione del cliente </a:t>
-            </a:r>
-            <a:br>
-              <a:rPr lang="sk-SK" sz="1000" dirty="0">
-                <a:solidFill>
-                  <a:srgbClr val="1F1F1F"/>
-                </a:solidFill>
-                <a:latin typeface="AdobeClean-Light"/>
-              </a:rPr>
-            </a:br>
-            <a:r>
-              <a:rPr lang="it-IT" sz="1000" dirty="0">
-                <a:solidFill>
-                  <a:srgbClr val="1F1F1F"/>
-                </a:solidFill>
-                <a:latin typeface="AdobeClean-Light"/>
-              </a:rPr>
-              <a:t>(in base all’ordine di vendita o altro documento di acquisto del servizio di supporto Adobe) a una delle seguenti aree geografiche:</a:t>
+              <a:t>L’ambito del supporto Adobe è definito allineando l’indirizzo di fatturazione del cliente (in base all’ordine di vendita o altro documento di acquisto del servizio di supporto Adobe) a una delle seguenti aree geografiche:</a:t>
             </a:r>
           </a:p>
         </p:txBody>
@@ -12853,7 +13069,7 @@
           <p:nvPr>
             <p:extLst>
               <p:ext uri="{D42A27DB-BD31-4B8C-83A1-F6EECF244321}">
-                <p14:modId xmlns:p14="http://schemas.microsoft.com/office/powerpoint/2010/main" val="1291534283"/>
+                <p14:modId xmlns:p14="http://schemas.microsoft.com/office/powerpoint/2010/main" val="126634078"/>
               </p:ext>
             </p:extLst>
           </p:nvPr>
@@ -12971,13 +13187,30 @@
                     <a:p>
                       <a:pPr algn="ctr"/>
                       <a:r>
-                        <a:rPr lang="it-IT" sz="1100">
+                        <a:rPr lang="it-IT" sz="1100" dirty="0">
                           <a:solidFill>
                             <a:schemeClr val="tx1"/>
                           </a:solidFill>
                           <a:latin typeface="Adobe Clean"/>
                         </a:rPr>
-                        <a:t>Europa, Medio Oriente e Africa</a:t>
+                        <a:t>Europa, Medio Oriente </a:t>
+                      </a:r>
+                      <a:br>
+                        <a:rPr lang="it-IT" sz="1100" dirty="0">
+                          <a:solidFill>
+                            <a:schemeClr val="tx1"/>
+                          </a:solidFill>
+                          <a:latin typeface="Adobe Clean"/>
+                        </a:rPr>
+                      </a:br>
+                      <a:r>
+                        <a:rPr lang="it-IT" sz="1100" dirty="0">
+                          <a:solidFill>
+                            <a:schemeClr val="tx1"/>
+                          </a:solidFill>
+                          <a:latin typeface="Adobe Clean"/>
+                        </a:rPr>
+                        <a:t>e Africa</a:t>
                       </a:r>
                     </a:p>
                   </a:txBody>
@@ -13460,7 +13693,7 @@
                         <a:buNone/>
                       </a:pPr>
                       <a:r>
-                        <a:rPr lang="it-IT" sz="1100" b="0" i="0" u="none" strike="noStrike" noProof="0"/>
+                        <a:rPr lang="it-IT" sz="1100" b="0" i="0" u="none" strike="noStrike" noProof="0" dirty="0"/>
                         <a:t>Il supporto è disponibile solo in inglese e giapponese.</a:t>
                       </a:r>
                     </a:p>
@@ -13477,7 +13710,7 @@
                         </a:spcAft>
                         <a:buNone/>
                       </a:pPr>
-                      <a:endParaRPr lang="en-US" sz="1100" b="0" i="0" u="none" strike="noStrike" noProof="0"/>
+                      <a:endParaRPr lang="en-US" sz="1100" b="0" i="0" u="none" strike="noStrike" noProof="0" dirty="0"/>
                     </a:p>
                     <a:p>
                       <a:pPr lvl="0" algn="ctr">
@@ -13493,15 +13726,15 @@
                         <a:buNone/>
                       </a:pPr>
                       <a:r>
-                        <a:rPr lang="it-IT" sz="1100" b="0" i="0" u="none" strike="noStrike" noProof="0"/>
+                        <a:rPr lang="it-IT" sz="1100" b="0" i="0" u="none" strike="noStrike" noProof="0" dirty="0"/>
                         <a:t> </a:t>
                       </a:r>
                       <a:r>
-                        <a:rPr lang="it-IT" sz="1100" b="0" i="0" u="none" strike="noStrike" baseline="30000" noProof="0"/>
+                        <a:rPr lang="it-IT" sz="1100" b="0" i="0" u="none" strike="noStrike" baseline="30000" noProof="0" dirty="0"/>
                         <a:t>1 </a:t>
                       </a:r>
                       <a:r>
-                        <a:rPr lang="it-IT" sz="1100" b="0" i="0" u="none" strike="noStrike" noProof="0"/>
+                        <a:rPr lang="it-IT" sz="1100" b="0" i="0" u="none" strike="noStrike" noProof="0" dirty="0"/>
                         <a:t>In Giappone, i casi P2, P3 e P4 sono limitati al solo orario operativo.</a:t>
                       </a:r>
                     </a:p>
@@ -13845,8 +14078,8 @@
         </p:nvSpPr>
         <p:spPr>
           <a:xfrm>
-            <a:off x="2840871" y="8528519"/>
-            <a:ext cx="810895" cy="385445"/>
+            <a:off x="2713358" y="8528519"/>
+            <a:ext cx="1065922" cy="385445"/>
           </a:xfrm>
           <a:prstGeom prst="rect">
             <a:avLst/>
@@ -13858,7 +14091,7 @@
           </a:bodyPr>
           <a:lstStyle/>
           <a:p>
-            <a:pPr marL="139065" marR="5080" indent="-139065">
+            <a:pPr marR="5080" algn="ctr">
               <a:lnSpc>
                 <a:spcPts val="1390"/>
               </a:lnSpc>
@@ -13867,7 +14100,7 @@
               </a:spcBef>
             </a:pPr>
             <a:r>
-              <a:rPr lang="it-IT" sz="1200" b="1">
+              <a:rPr lang="it-IT" sz="1200" b="1" dirty="0">
                 <a:solidFill>
                   <a:srgbClr val="FFFFFF"/>
                 </a:solidFill>
@@ -13906,7 +14139,7 @@
           </a:bodyPr>
           <a:lstStyle/>
           <a:p>
-            <a:pPr marL="139065" marR="5080" indent="-139065">
+            <a:pPr marR="5080" algn="ctr">
               <a:lnSpc>
                 <a:spcPts val="1390"/>
               </a:lnSpc>
@@ -13915,7 +14148,7 @@
               </a:spcBef>
             </a:pPr>
             <a:r>
-              <a:rPr lang="it-IT" sz="1200" b="1">
+              <a:rPr lang="it-IT" sz="1200" b="1" dirty="0">
                 <a:solidFill>
                   <a:srgbClr val="FFFFFF"/>
                 </a:solidFill>
@@ -13941,8 +14174,8 @@
         </p:nvSpPr>
         <p:spPr>
           <a:xfrm>
-            <a:off x="6484405" y="8543943"/>
-            <a:ext cx="810895" cy="382797"/>
+            <a:off x="6281738" y="8543943"/>
+            <a:ext cx="1195302" cy="385445"/>
           </a:xfrm>
           <a:prstGeom prst="rect">
             <a:avLst/>
@@ -13954,7 +14187,7 @@
           </a:bodyPr>
           <a:lstStyle/>
           <a:p>
-            <a:pPr marL="50800" marR="5080" indent="-51435">
+            <a:pPr marR="5080" algn="ctr">
               <a:lnSpc>
                 <a:spcPts val="1390"/>
               </a:lnSpc>
@@ -13990,7 +14223,7 @@
           <p:nvPr>
             <p:extLst>
               <p:ext uri="{D42A27DB-BD31-4B8C-83A1-F6EECF244321}">
-                <p14:modId xmlns:p14="http://schemas.microsoft.com/office/powerpoint/2010/main" val="1128716280"/>
+                <p14:modId xmlns:p14="http://schemas.microsoft.com/office/powerpoint/2010/main" val="4245876939"/>
               </p:ext>
             </p:extLst>
           </p:nvPr>
@@ -14032,7 +14265,7 @@
                           <a:solidFill>
                             <a:schemeClr val="tx1"/>
                           </a:solidFill>
-                          <a:latin typeface="Adobe Clean" panose="020B0503020404020204" pitchFamily="34" charset="0"/>
+                          <a:latin typeface="Adobe Clean"/>
                           <a:ea typeface="+mn-ea"/>
                           <a:cs typeface="+mn-cs"/>
                           <a:hlinkClick r:id="rId7"/>
@@ -14094,7 +14327,7 @@
                     <a:bodyPr/>
                     <a:lstStyle/>
                     <a:p>
-                      <a:pPr marL="0" marR="0" lvl="0" indent="0" defTabSz="914400" eaLnBrk="1" fontAlgn="auto" latinLnBrk="0" hangingPunct="1">
+                      <a:pPr marL="0" marR="0" lvl="0" indent="0" eaLnBrk="1" fontAlgn="auto" latinLnBrk="0" hangingPunct="1">
                         <a:lnSpc>
                           <a:spcPct val="100000"/>
                         </a:lnSpc>
@@ -14108,26 +14341,24 @@
                         <a:buSzTx/>
                         <a:buFontTx/>
                         <a:buNone/>
-                        <a:tabLst/>
-                        <a:defRPr/>
                       </a:pPr>
                       <a:r>
                         <a:rPr lang="it-IT" sz="1000" b="0" dirty="0">
                           <a:solidFill>
                             <a:srgbClr val="000000"/>
                           </a:solidFill>
-                          <a:latin typeface="Adobe Clean Light" panose="020B0303020404020204" pitchFamily="34" charset="0"/>
+                          <a:latin typeface="Adobe Clean Light"/>
                           <a:ea typeface="+mn-ea"/>
                           <a:cs typeface="+mn-cs"/>
                         </a:rPr>
-                        <a:t>Con Experience League, Adobe aiuta le aziende a conseguire il valore che si aspettano dalle soluzioni Adobe in cui hanno investito. </a:t>
+                        <a:t>Con Experience League, Adobe aiuta le aziende a conseguire il valore che si aspettano dalle soluzioni Adobe in cui hanno investito. In questo portale unificato, puoi imparare, relazionarti con altri professionisti </a:t>
                       </a:r>
                       <a:br>
-                        <a:rPr lang="sk-SK" sz="1000" b="0" dirty="0">
+                        <a:rPr lang="it-IT" sz="1000" b="0" dirty="0">
                           <a:solidFill>
                             <a:srgbClr val="000000"/>
                           </a:solidFill>
-                          <a:latin typeface="Adobe Clean Light" panose="020B0303020404020204" pitchFamily="34" charset="0"/>
+                          <a:latin typeface="Adobe Clean Light"/>
                           <a:ea typeface="+mn-ea"/>
                           <a:cs typeface="+mn-cs"/>
                         </a:rPr>
@@ -14137,11 +14368,11 @@
                           <a:solidFill>
                             <a:srgbClr val="000000"/>
                           </a:solidFill>
-                          <a:latin typeface="Adobe Clean Light" panose="020B0303020404020204" pitchFamily="34" charset="0"/>
+                          <a:latin typeface="Adobe Clean Light"/>
                           <a:ea typeface="+mn-ea"/>
                           <a:cs typeface="+mn-cs"/>
                         </a:rPr>
-                        <a:t>In questo portale unificato, puoi imparare, relazionarti con altri professionisti e crescere seguendo un percorso personalizzato con tutorial, documentazione dei prodotti, formazione con istruttori, supporto tecnico e il sostegno dell’intera community. </a:t>
+                        <a:t>e crescere seguendo un percorso personalizzato con tutorial, documentazione dei prodotti, formazione con istruttori, supporto tecnico e il sostegno dell’intera community. </a:t>
                       </a:r>
                     </a:p>
                   </a:txBody>
@@ -14227,7 +14458,7 @@
                           <a:solidFill>
                             <a:schemeClr val="dk1"/>
                           </a:solidFill>
-                          <a:latin typeface="Adobe Clean" panose="020B0503020404020204" pitchFamily="34" charset="0"/>
+                          <a:latin typeface="Adobe Clean"/>
                           <a:ea typeface="+mn-ea"/>
                           <a:cs typeface="+mn-cs"/>
                           <a:hlinkClick r:id="rId8"/>
@@ -14239,7 +14470,7 @@
                           <a:solidFill>
                             <a:schemeClr val="dk1"/>
                           </a:solidFill>
-                          <a:latin typeface="Adobe Clean" panose="020B0503020404020204" pitchFamily="34" charset="0"/>
+                          <a:latin typeface="Adobe Clean"/>
                           <a:ea typeface="+mn-ea"/>
                           <a:cs typeface="+mn-cs"/>
                         </a:rPr>
@@ -14318,11 +14549,11 @@
                         <a:defRPr/>
                       </a:pPr>
                       <a:r>
-                        <a:rPr lang="it-IT" sz="1000">
+                        <a:rPr lang="it-IT" sz="1000" dirty="0">
                           <a:solidFill>
                             <a:srgbClr val="000000"/>
                           </a:solidFill>
-                          <a:latin typeface="Adobe Clean Light" panose="020B0303020404020204" pitchFamily="34" charset="0"/>
+                          <a:latin typeface="Adobe Clean Light"/>
                           <a:ea typeface="+mn-ea"/>
                           <a:cs typeface="+mn-cs"/>
                         </a:rPr>
@@ -14412,7 +14643,7 @@
                           <a:solidFill>
                             <a:schemeClr val="tx1"/>
                           </a:solidFill>
-                          <a:latin typeface="Adobe Clean" panose="020B0503020404020204" pitchFamily="34" charset="0"/>
+                          <a:latin typeface="Adobe Clean"/>
                           <a:ea typeface="+mn-ea"/>
                           <a:cs typeface="+mn-cs"/>
                           <a:hlinkClick r:id="rId9"/>
@@ -14474,7 +14705,7 @@
                     <a:bodyPr/>
                     <a:lstStyle/>
                     <a:p>
-                      <a:pPr marL="0" marR="0" lvl="0" indent="0" defTabSz="914400" eaLnBrk="1" fontAlgn="auto" latinLnBrk="0" hangingPunct="1">
+                      <a:pPr marL="0" marR="0" lvl="0" indent="0" eaLnBrk="1" fontAlgn="auto" latinLnBrk="0" hangingPunct="1">
                         <a:lnSpc>
                           <a:spcPct val="100000"/>
                         </a:lnSpc>
@@ -14488,26 +14719,24 @@
                         <a:buSzTx/>
                         <a:buFontTx/>
                         <a:buNone/>
-                        <a:tabLst/>
-                        <a:defRPr/>
                       </a:pPr>
                       <a:r>
                         <a:rPr lang="it-IT" sz="1000" dirty="0">
                           <a:solidFill>
                             <a:srgbClr val="000000"/>
                           </a:solidFill>
-                          <a:latin typeface="Adobe Clean Light" panose="020B0303020404020204" pitchFamily="34" charset="0"/>
+                          <a:latin typeface="Adobe Clean Light"/>
                           <a:ea typeface="+mn-ea"/>
                           <a:cs typeface="+mn-cs"/>
                         </a:rPr>
                         <a:t>Status.adobe.com trasmette informazioni sullo stato di tutti i prodotti </a:t>
                       </a:r>
                       <a:br>
-                        <a:rPr lang="sk-SK" sz="1000" dirty="0">
+                        <a:rPr lang="it-IT" sz="1000" dirty="0">
                           <a:solidFill>
                             <a:srgbClr val="000000"/>
                           </a:solidFill>
-                          <a:latin typeface="Adobe Clean Light" panose="020B0303020404020204" pitchFamily="34" charset="0"/>
+                          <a:latin typeface="Adobe Clean Light"/>
                           <a:ea typeface="+mn-ea"/>
                           <a:cs typeface="+mn-cs"/>
                         </a:rPr>
@@ -14517,18 +14746,18 @@
                           <a:solidFill>
                             <a:srgbClr val="000000"/>
                           </a:solidFill>
-                          <a:latin typeface="Adobe Clean Light" panose="020B0303020404020204" pitchFamily="34" charset="0"/>
+                          <a:latin typeface="Adobe Clean Light"/>
                           <a:ea typeface="+mn-ea"/>
                           <a:cs typeface="+mn-cs"/>
                         </a:rPr>
                         <a:t>e i servizi Adobe implementati in ambienti multi-tenant. Puoi scegliere se ricevere notifiche e-mail ogni volta che Adobe segnala, aggiorna </a:t>
                       </a:r>
                       <a:br>
-                        <a:rPr lang="sk-SK" sz="1000" dirty="0">
+                        <a:rPr lang="it-IT" sz="1000" dirty="0">
                           <a:solidFill>
                             <a:srgbClr val="000000"/>
                           </a:solidFill>
-                          <a:latin typeface="Adobe Clean Light" panose="020B0303020404020204" pitchFamily="34" charset="0"/>
+                          <a:latin typeface="Adobe Clean Light"/>
                           <a:ea typeface="+mn-ea"/>
                           <a:cs typeface="+mn-cs"/>
                         </a:rPr>
@@ -14538,32 +14767,11 @@
                           <a:solidFill>
                             <a:srgbClr val="000000"/>
                           </a:solidFill>
-                          <a:latin typeface="Adobe Clean Light" panose="020B0303020404020204" pitchFamily="34" charset="0"/>
+                          <a:latin typeface="Adobe Clean Light"/>
                           <a:ea typeface="+mn-ea"/>
                           <a:cs typeface="+mn-cs"/>
                         </a:rPr>
-                        <a:t>o risolve un problema relativo a un prodotto. Vengono segnalate </a:t>
-                      </a:r>
-                      <a:br>
-                        <a:rPr lang="sk-SK" sz="1000" dirty="0">
-                          <a:solidFill>
-                            <a:srgbClr val="000000"/>
-                          </a:solidFill>
-                          <a:latin typeface="Adobe Clean Light" panose="020B0303020404020204" pitchFamily="34" charset="0"/>
-                          <a:ea typeface="+mn-ea"/>
-                          <a:cs typeface="+mn-cs"/>
-                        </a:rPr>
-                      </a:br>
-                      <a:r>
-                        <a:rPr lang="it-IT" sz="1000" dirty="0">
-                          <a:solidFill>
-                            <a:srgbClr val="000000"/>
-                          </a:solidFill>
-                          <a:latin typeface="Adobe Clean Light" panose="020B0303020404020204" pitchFamily="34" charset="0"/>
-                          <a:ea typeface="+mn-ea"/>
-                          <a:cs typeface="+mn-cs"/>
-                        </a:rPr>
-                        <a:t>ad esempio le interruzioni per manutenzione programmata o problemi relativi ai servizi con diversi livelli di gravità. </a:t>
+                        <a:t>o risolve un problema relativo a un prodotto. Vengono segnalate ad esempio le interruzioni per manutenzione programmata o problemi relativi ai servizi con diversi livelli di gravità. </a:t>
                       </a:r>
                     </a:p>
                   </a:txBody>
@@ -14649,7 +14857,7 @@
                           <a:solidFill>
                             <a:schemeClr val="tx1"/>
                           </a:solidFill>
-                          <a:latin typeface="Adobe Clean" panose="020B0503020404020204" pitchFamily="34" charset="0"/>
+                          <a:latin typeface="Adobe Clean"/>
                           <a:ea typeface="+mn-ea"/>
                           <a:cs typeface="+mn-cs"/>
                           <a:hlinkClick r:id="rId10"/>
@@ -14716,11 +14924,11 @@
                           <a:solidFill>
                             <a:srgbClr val="000000"/>
                           </a:solidFill>
-                          <a:latin typeface="Adobe Clean Light" panose="020B0303020404020204" pitchFamily="34" charset="0"/>
+                          <a:latin typeface="Adobe Clean Light"/>
                           <a:ea typeface="+mn-ea"/>
                           <a:cs typeface="+mn-cs"/>
                         </a:rPr>
-                        <a:t>Termini e condizioni che descrivono i servizi di supporto disponibili</a:t>
+                        <a:t>Termini e condizioni che descrivono i servizi di supporto disponibili.</a:t>
                       </a:r>
                     </a:p>
                   </a:txBody>
@@ -15713,8 +15921,16 @@
 <file path=customXml/itemProps1.xml><?xml version="1.0" encoding="utf-8"?>
 <ds:datastoreItem xmlns:ds="http://schemas.openxmlformats.org/officeDocument/2006/customXml" ds:itemID="{ED4099BE-EDEC-4FF1-8378-446617236015}">
   <ds:schemaRefs>
+    <ds:schemaRef ds:uri="6c8368ec-3776-49b5-a5bb-90648cf9530f"/>
+    <ds:schemaRef ds:uri="8a053bff-88be-49e4-9a87-e748e18b8b62"/>
+    <ds:schemaRef ds:uri="http://purl.org/dc/dcmitype/"/>
+    <ds:schemaRef ds:uri="http://purl.org/dc/elements/1.1/"/>
+    <ds:schemaRef ds:uri="http://purl.org/dc/terms/"/>
+    <ds:schemaRef ds:uri="http://schemas.microsoft.com/office/2006/documentManagement/types"/>
     <ds:schemaRef ds:uri="http://schemas.microsoft.com/office/2006/metadata/properties"/>
     <ds:schemaRef ds:uri="http://schemas.microsoft.com/office/infopath/2007/PartnerControls"/>
+    <ds:schemaRef ds:uri="http://schemas.openxmlformats.org/package/2006/metadata/core-properties"/>
+    <ds:schemaRef ds:uri="http://www.w3.org/XML/1998/namespace"/>
   </ds:schemaRefs>
 </ds:datastoreItem>
 </file>

--- a/help/data-sheets/assets/EnterpriseSupportDatasheet.pptx
+++ b/help/data-sheets/assets/EnterpriseSupportDatasheet.pptx
@@ -144,9 +144,7 @@
 <file path=ppt/revisionInfo.xml><?xml version="1.0" encoding="utf-8"?>
 <p1510:revInfo xmlns:a="http://schemas.openxmlformats.org/drawingml/2006/main" xmlns:r="http://schemas.openxmlformats.org/officeDocument/2006/relationships" xmlns:p1510="http://schemas.microsoft.com/office/powerpoint/2015/10/main">
   <p1510:revLst>
-    <p1510:client id="{19826C17-B3F5-53A1-AAFF-C7771804C7A7}" v="128" dt="2021-10-13T18:50:39.613"/>
-    <p1510:client id="{1A3D389F-0E00-444F-BDF7-5C174E20EEC2}" v="2" dt="2021-10-13T19:33:05.183"/>
-    <p1510:client id="{D02E726A-82A5-CF13-9EBE-9B674D878D37}" v="22" dt="2021-10-12T19:51:27.470"/>
+    <p1510:client id="{DC554207-FA81-638A-220E-C39F63BF408A}" v="13" dt="2021-11-23T23:51:45.093"/>
   </p1510:revLst>
 </p1510:revInfo>
 </file>
@@ -154,26 +152,58 @@
 <file path=ppt/changesInfos/changesInfo1.xml><?xml version="1.0" encoding="utf-8"?>
 <pc:chgInfo xmlns:a="http://schemas.openxmlformats.org/drawingml/2006/main" xmlns:r="http://schemas.openxmlformats.org/officeDocument/2006/relationships" xmlns:ac="http://schemas.microsoft.com/office/drawing/2013/main/command" xmlns:pc="http://schemas.microsoft.com/office/powerpoint/2013/main/command">
   <pc:docChgLst>
-    <pc:chgData name="Akilah Johnson" userId="S::akjohnso@adobe.com::2fa3aa60-0c9c-4d06-bae2-795983241227" providerId="AD" clId="Web-{0AB2EF93-BE08-D205-D43E-3B568BB37DAA}"/>
+    <pc:chgData name="Akilah Johnson" userId="S::akjohnso@adobe.com::2fa3aa60-0c9c-4d06-bae2-795983241227" providerId="AD" clId="Web-{A40C3D7D-993B-38B2-2DDA-C562505A1054}"/>
     <pc:docChg chg="modSld">
-      <pc:chgData name="Akilah Johnson" userId="S::akjohnso@adobe.com::2fa3aa60-0c9c-4d06-bae2-795983241227" providerId="AD" clId="Web-{0AB2EF93-BE08-D205-D43E-3B568BB37DAA}" dt="2021-09-22T23:01:45.877" v="13"/>
+      <pc:chgData name="Akilah Johnson" userId="S::akjohnso@adobe.com::2fa3aa60-0c9c-4d06-bae2-795983241227" providerId="AD" clId="Web-{A40C3D7D-993B-38B2-2DDA-C562505A1054}" dt="2021-09-22T23:00:46.860" v="3"/>
       <pc:docMkLst>
         <pc:docMk/>
       </pc:docMkLst>
       <pc:sldChg chg="modSp">
-        <pc:chgData name="Akilah Johnson" userId="S::akjohnso@adobe.com::2fa3aa60-0c9c-4d06-bae2-795983241227" providerId="AD" clId="Web-{0AB2EF93-BE08-D205-D43E-3B568BB37DAA}" dt="2021-09-22T23:01:45.877" v="13"/>
+        <pc:chgData name="Akilah Johnson" userId="S::akjohnso@adobe.com::2fa3aa60-0c9c-4d06-bae2-795983241227" providerId="AD" clId="Web-{A40C3D7D-993B-38B2-2DDA-C562505A1054}" dt="2021-09-22T23:00:46.860" v="3"/>
         <pc:sldMkLst>
           <pc:docMk/>
           <pc:sldMk cId="1050037809" sldId="261"/>
         </pc:sldMkLst>
         <pc:graphicFrameChg chg="mod modGraphic">
-          <ac:chgData name="Akilah Johnson" userId="S::akjohnso@adobe.com::2fa3aa60-0c9c-4d06-bae2-795983241227" providerId="AD" clId="Web-{0AB2EF93-BE08-D205-D43E-3B568BB37DAA}" dt="2021-09-22T23:01:45.877" v="13"/>
+          <ac:chgData name="Akilah Johnson" userId="S::akjohnso@adobe.com::2fa3aa60-0c9c-4d06-bae2-795983241227" providerId="AD" clId="Web-{A40C3D7D-993B-38B2-2DDA-C562505A1054}" dt="2021-09-22T23:00:46.860" v="3"/>
           <ac:graphicFrameMkLst>
             <pc:docMk/>
             <pc:sldMk cId="1050037809" sldId="261"/>
             <ac:graphicFrameMk id="25" creationId="{3A91F5B0-3974-A14D-A146-FB590F2AAD18}"/>
           </ac:graphicFrameMkLst>
         </pc:graphicFrameChg>
+      </pc:sldChg>
+    </pc:docChg>
+  </pc:docChgLst>
+  <pc:docChgLst>
+    <pc:chgData name="Akilah Johnson" userId="S::akjohnso@adobe.com::2fa3aa60-0c9c-4d06-bae2-795983241227" providerId="AD" clId="Web-{112231ED-4F38-A856-2EFF-9D0F88AC9BDF}"/>
+    <pc:docChg chg="modSld">
+      <pc:chgData name="Akilah Johnson" userId="S::akjohnso@adobe.com::2fa3aa60-0c9c-4d06-bae2-795983241227" providerId="AD" clId="Web-{112231ED-4F38-A856-2EFF-9D0F88AC9BDF}" dt="2021-09-22T19:11:31.474" v="2" actId="1076"/>
+      <pc:docMkLst>
+        <pc:docMk/>
+      </pc:docMkLst>
+      <pc:sldChg chg="modSp">
+        <pc:chgData name="Akilah Johnson" userId="S::akjohnso@adobe.com::2fa3aa60-0c9c-4d06-bae2-795983241227" providerId="AD" clId="Web-{112231ED-4F38-A856-2EFF-9D0F88AC9BDF}" dt="2021-09-22T19:11:31.474" v="2" actId="1076"/>
+        <pc:sldMkLst>
+          <pc:docMk/>
+          <pc:sldMk cId="1050037809" sldId="261"/>
+        </pc:sldMkLst>
+        <pc:spChg chg="mod">
+          <ac:chgData name="Akilah Johnson" userId="S::akjohnso@adobe.com::2fa3aa60-0c9c-4d06-bae2-795983241227" providerId="AD" clId="Web-{112231ED-4F38-A856-2EFF-9D0F88AC9BDF}" dt="2021-09-22T19:11:31.474" v="2" actId="1076"/>
+          <ac:spMkLst>
+            <pc:docMk/>
+            <pc:sldMk cId="1050037809" sldId="261"/>
+            <ac:spMk id="23" creationId="{00000000-0000-0000-0000-000000000000}"/>
+          </ac:spMkLst>
+        </pc:spChg>
+        <pc:spChg chg="mod">
+          <ac:chgData name="Akilah Johnson" userId="S::akjohnso@adobe.com::2fa3aa60-0c9c-4d06-bae2-795983241227" providerId="AD" clId="Web-{112231ED-4F38-A856-2EFF-9D0F88AC9BDF}" dt="2021-09-22T19:08:28.879" v="0" actId="1076"/>
+          <ac:spMkLst>
+            <pc:docMk/>
+            <pc:sldMk cId="1050037809" sldId="261"/>
+            <ac:spMk id="64" creationId="{41467BDC-3D83-D844-B922-CD07E94E5AAB}"/>
+          </ac:spMkLst>
+        </pc:spChg>
       </pc:sldChg>
     </pc:docChg>
   </pc:docChgLst>
@@ -206,6 +236,205 @@
             <ac:graphicFrameMk id="25" creationId="{3A91F5B0-3974-A14D-A146-FB590F2AAD18}"/>
           </ac:graphicFrameMkLst>
         </pc:graphicFrameChg>
+      </pc:sldChg>
+    </pc:docChg>
+  </pc:docChgLst>
+  <pc:docChgLst>
+    <pc:chgData name="Akilah Johnson" userId="S::akjohnso@adobe.com::2fa3aa60-0c9c-4d06-bae2-795983241227" providerId="AD" clId="Web-{DC554207-FA81-638A-220E-C39F63BF408A}"/>
+    <pc:docChg chg="modSld">
+      <pc:chgData name="Akilah Johnson" userId="S::akjohnso@adobe.com::2fa3aa60-0c9c-4d06-bae2-795983241227" providerId="AD" clId="Web-{DC554207-FA81-638A-220E-C39F63BF408A}" dt="2021-11-23T23:50:17.249" v="7"/>
+      <pc:docMkLst>
+        <pc:docMk/>
+      </pc:docMkLst>
+      <pc:sldChg chg="modSp">
+        <pc:chgData name="Akilah Johnson" userId="S::akjohnso@adobe.com::2fa3aa60-0c9c-4d06-bae2-795983241227" providerId="AD" clId="Web-{DC554207-FA81-638A-220E-C39F63BF408A}" dt="2021-11-23T23:50:17.249" v="7"/>
+        <pc:sldMkLst>
+          <pc:docMk/>
+          <pc:sldMk cId="2161849182" sldId="267"/>
+        </pc:sldMkLst>
+        <pc:graphicFrameChg chg="mod modGraphic">
+          <ac:chgData name="Akilah Johnson" userId="S::akjohnso@adobe.com::2fa3aa60-0c9c-4d06-bae2-795983241227" providerId="AD" clId="Web-{DC554207-FA81-638A-220E-C39F63BF408A}" dt="2021-11-23T23:50:17.249" v="7"/>
+          <ac:graphicFrameMkLst>
+            <pc:docMk/>
+            <pc:sldMk cId="2161849182" sldId="267"/>
+            <ac:graphicFrameMk id="9" creationId="{00000000-0000-0000-0000-000000000000}"/>
+          </ac:graphicFrameMkLst>
+        </pc:graphicFrameChg>
+      </pc:sldChg>
+    </pc:docChg>
+  </pc:docChgLst>
+  <pc:docChgLst>
+    <pc:chgData name="Akilah Johnson" userId="S::akjohnso@adobe.com::2fa3aa60-0c9c-4d06-bae2-795983241227" providerId="AD" clId="Web-{D02E726A-82A5-CF13-9EBE-9B674D878D37}"/>
+    <pc:docChg chg="modSld">
+      <pc:chgData name="Akilah Johnson" userId="S::akjohnso@adobe.com::2fa3aa60-0c9c-4d06-bae2-795983241227" providerId="AD" clId="Web-{D02E726A-82A5-CF13-9EBE-9B674D878D37}" dt="2021-10-12T19:51:27.470" v="10"/>
+      <pc:docMkLst>
+        <pc:docMk/>
+      </pc:docMkLst>
+      <pc:sldChg chg="modSp delCm">
+        <pc:chgData name="Akilah Johnson" userId="S::akjohnso@adobe.com::2fa3aa60-0c9c-4d06-bae2-795983241227" providerId="AD" clId="Web-{D02E726A-82A5-CF13-9EBE-9B674D878D37}" dt="2021-10-12T19:51:27.470" v="10"/>
+        <pc:sldMkLst>
+          <pc:docMk/>
+          <pc:sldMk cId="2161849182" sldId="267"/>
+        </pc:sldMkLst>
+        <pc:spChg chg="mod">
+          <ac:chgData name="Akilah Johnson" userId="S::akjohnso@adobe.com::2fa3aa60-0c9c-4d06-bae2-795983241227" providerId="AD" clId="Web-{D02E726A-82A5-CF13-9EBE-9B674D878D37}" dt="2021-10-12T19:51:04.127" v="8" actId="20577"/>
+          <ac:spMkLst>
+            <pc:docMk/>
+            <pc:sldMk cId="2161849182" sldId="267"/>
+            <ac:spMk id="2" creationId="{00000000-0000-0000-0000-000000000000}"/>
+          </ac:spMkLst>
+        </pc:spChg>
+      </pc:sldChg>
+    </pc:docChg>
+  </pc:docChgLst>
+  <pc:docChgLst>
+    <pc:chgData name="Akilah Johnson" userId="S::akjohnso@adobe.com::2fa3aa60-0c9c-4d06-bae2-795983241227" providerId="AD" clId="Web-{0AB2EF93-BE08-D205-D43E-3B568BB37DAA}"/>
+    <pc:docChg chg="modSld">
+      <pc:chgData name="Akilah Johnson" userId="S::akjohnso@adobe.com::2fa3aa60-0c9c-4d06-bae2-795983241227" providerId="AD" clId="Web-{0AB2EF93-BE08-D205-D43E-3B568BB37DAA}" dt="2021-09-22T23:01:45.877" v="13"/>
+      <pc:docMkLst>
+        <pc:docMk/>
+      </pc:docMkLst>
+      <pc:sldChg chg="modSp">
+        <pc:chgData name="Akilah Johnson" userId="S::akjohnso@adobe.com::2fa3aa60-0c9c-4d06-bae2-795983241227" providerId="AD" clId="Web-{0AB2EF93-BE08-D205-D43E-3B568BB37DAA}" dt="2021-09-22T23:01:45.877" v="13"/>
+        <pc:sldMkLst>
+          <pc:docMk/>
+          <pc:sldMk cId="1050037809" sldId="261"/>
+        </pc:sldMkLst>
+        <pc:graphicFrameChg chg="mod modGraphic">
+          <ac:chgData name="Akilah Johnson" userId="S::akjohnso@adobe.com::2fa3aa60-0c9c-4d06-bae2-795983241227" providerId="AD" clId="Web-{0AB2EF93-BE08-D205-D43E-3B568BB37DAA}" dt="2021-09-22T23:01:45.877" v="13"/>
+          <ac:graphicFrameMkLst>
+            <pc:docMk/>
+            <pc:sldMk cId="1050037809" sldId="261"/>
+            <ac:graphicFrameMk id="25" creationId="{3A91F5B0-3974-A14D-A146-FB590F2AAD18}"/>
+          </ac:graphicFrameMkLst>
+        </pc:graphicFrameChg>
+      </pc:sldChg>
+    </pc:docChg>
+  </pc:docChgLst>
+  <pc:docChgLst>
+    <pc:chgData name="Akilah Johnson" userId="2fa3aa60-0c9c-4d06-bae2-795983241227" providerId="ADAL" clId="{7598C71F-6B67-2947-B18A-AD3AFAF83B9E}"/>
+    <pc:docChg chg="modSld">
+      <pc:chgData name="Akilah Johnson" userId="2fa3aa60-0c9c-4d06-bae2-795983241227" providerId="ADAL" clId="{7598C71F-6B67-2947-B18A-AD3AFAF83B9E}" dt="2021-11-24T00:03:04.956" v="14" actId="20577"/>
+      <pc:docMkLst>
+        <pc:docMk/>
+      </pc:docMkLst>
+      <pc:sldChg chg="modSp mod">
+        <pc:chgData name="Akilah Johnson" userId="2fa3aa60-0c9c-4d06-bae2-795983241227" providerId="ADAL" clId="{7598C71F-6B67-2947-B18A-AD3AFAF83B9E}" dt="2021-11-24T00:03:04.956" v="14" actId="20577"/>
+        <pc:sldMkLst>
+          <pc:docMk/>
+          <pc:sldMk cId="2161849182" sldId="267"/>
+        </pc:sldMkLst>
+        <pc:graphicFrameChg chg="modGraphic">
+          <ac:chgData name="Akilah Johnson" userId="2fa3aa60-0c9c-4d06-bae2-795983241227" providerId="ADAL" clId="{7598C71F-6B67-2947-B18A-AD3AFAF83B9E}" dt="2021-11-24T00:03:04.956" v="14" actId="20577"/>
+          <ac:graphicFrameMkLst>
+            <pc:docMk/>
+            <pc:sldMk cId="2161849182" sldId="267"/>
+            <ac:graphicFrameMk id="9" creationId="{00000000-0000-0000-0000-000000000000}"/>
+          </ac:graphicFrameMkLst>
+        </pc:graphicFrameChg>
+      </pc:sldChg>
+    </pc:docChg>
+  </pc:docChgLst>
+  <pc:docChgLst>
+    <pc:chgData name="Andy Witt" userId="S::awitt@adobe.com::e9157bdf-53b2-40e4-9459-936793d75696" providerId="AD" clId="Web-{3F02B349-0406-AE51-D438-E7A0BE890230}"/>
+    <pc:docChg chg="modSld">
+      <pc:chgData name="Andy Witt" userId="S::awitt@adobe.com::e9157bdf-53b2-40e4-9459-936793d75696" providerId="AD" clId="Web-{3F02B349-0406-AE51-D438-E7A0BE890230}" dt="2021-08-25T18:45:07.550" v="11"/>
+      <pc:docMkLst>
+        <pc:docMk/>
+      </pc:docMkLst>
+      <pc:sldChg chg="modSp">
+        <pc:chgData name="Andy Witt" userId="S::awitt@adobe.com::e9157bdf-53b2-40e4-9459-936793d75696" providerId="AD" clId="Web-{3F02B349-0406-AE51-D438-E7A0BE890230}" dt="2021-08-25T18:45:07.550" v="11"/>
+        <pc:sldMkLst>
+          <pc:docMk/>
+          <pc:sldMk cId="1050037809" sldId="261"/>
+        </pc:sldMkLst>
+        <pc:graphicFrameChg chg="mod modGraphic">
+          <ac:chgData name="Andy Witt" userId="S::awitt@adobe.com::e9157bdf-53b2-40e4-9459-936793d75696" providerId="AD" clId="Web-{3F02B349-0406-AE51-D438-E7A0BE890230}" dt="2021-08-25T18:45:07.550" v="11"/>
+          <ac:graphicFrameMkLst>
+            <pc:docMk/>
+            <pc:sldMk cId="1050037809" sldId="261"/>
+            <ac:graphicFrameMk id="25" creationId="{3A91F5B0-3974-A14D-A146-FB590F2AAD18}"/>
+          </ac:graphicFrameMkLst>
+        </pc:graphicFrameChg>
+      </pc:sldChg>
+    </pc:docChg>
+  </pc:docChgLst>
+  <pc:docChgLst>
+    <pc:chgData name="Lauren Schutte" userId="6e08b2d3-447a-4d66-86be-444d50df187f" providerId="ADAL" clId="{1A3D389F-0E00-444F-BDF7-5C174E20EEC2}"/>
+    <pc:docChg chg="undo custSel modSld">
+      <pc:chgData name="Lauren Schutte" userId="6e08b2d3-447a-4d66-86be-444d50df187f" providerId="ADAL" clId="{1A3D389F-0E00-444F-BDF7-5C174E20EEC2}" dt="2021-10-13T19:40:59.066" v="67" actId="20577"/>
+      <pc:docMkLst>
+        <pc:docMk/>
+      </pc:docMkLst>
+      <pc:sldChg chg="delSp modSp mod">
+        <pc:chgData name="Lauren Schutte" userId="6e08b2d3-447a-4d66-86be-444d50df187f" providerId="ADAL" clId="{1A3D389F-0E00-444F-BDF7-5C174E20EEC2}" dt="2021-10-13T19:40:25.578" v="61" actId="478"/>
+        <pc:sldMkLst>
+          <pc:docMk/>
+          <pc:sldMk cId="5960377" sldId="259"/>
+        </pc:sldMkLst>
+        <pc:spChg chg="mod">
+          <ac:chgData name="Lauren Schutte" userId="6e08b2d3-447a-4d66-86be-444d50df187f" providerId="ADAL" clId="{1A3D389F-0E00-444F-BDF7-5C174E20EEC2}" dt="2021-10-13T19:33:45.182" v="59" actId="20577"/>
+          <ac:spMkLst>
+            <pc:docMk/>
+            <pc:sldMk cId="5960377" sldId="259"/>
+            <ac:spMk id="127" creationId="{BB896A03-8E7E-344F-BDE1-37C49461FF04}"/>
+          </ac:spMkLst>
+        </pc:spChg>
+        <pc:grpChg chg="del mod">
+          <ac:chgData name="Lauren Schutte" userId="6e08b2d3-447a-4d66-86be-444d50df187f" providerId="ADAL" clId="{1A3D389F-0E00-444F-BDF7-5C174E20EEC2}" dt="2021-10-13T19:40:25.578" v="61" actId="478"/>
+          <ac:grpSpMkLst>
+            <pc:docMk/>
+            <pc:sldMk cId="5960377" sldId="259"/>
+            <ac:grpSpMk id="62" creationId="{C539739D-1D3E-204D-9819-C44D9AE36DE8}"/>
+          </ac:grpSpMkLst>
+        </pc:grpChg>
+      </pc:sldChg>
+      <pc:sldChg chg="modSp mod">
+        <pc:chgData name="Lauren Schutte" userId="6e08b2d3-447a-4d66-86be-444d50df187f" providerId="ADAL" clId="{1A3D389F-0E00-444F-BDF7-5C174E20EEC2}" dt="2021-10-13T19:40:59.066" v="67" actId="20577"/>
+        <pc:sldMkLst>
+          <pc:docMk/>
+          <pc:sldMk cId="2161849182" sldId="267"/>
+        </pc:sldMkLst>
+        <pc:spChg chg="mod">
+          <ac:chgData name="Lauren Schutte" userId="6e08b2d3-447a-4d66-86be-444d50df187f" providerId="ADAL" clId="{1A3D389F-0E00-444F-BDF7-5C174E20EEC2}" dt="2021-10-13T19:40:59.066" v="67" actId="20577"/>
+          <ac:spMkLst>
+            <pc:docMk/>
+            <pc:sldMk cId="2161849182" sldId="267"/>
+            <ac:spMk id="2" creationId="{00000000-0000-0000-0000-000000000000}"/>
+          </ac:spMkLst>
+        </pc:spChg>
+        <pc:graphicFrameChg chg="mod modGraphic">
+          <ac:chgData name="Lauren Schutte" userId="6e08b2d3-447a-4d66-86be-444d50df187f" providerId="ADAL" clId="{1A3D389F-0E00-444F-BDF7-5C174E20EEC2}" dt="2021-10-13T19:33:05.183" v="58"/>
+          <ac:graphicFrameMkLst>
+            <pc:docMk/>
+            <pc:sldMk cId="2161849182" sldId="267"/>
+            <ac:graphicFrameMk id="9" creationId="{00000000-0000-0000-0000-000000000000}"/>
+          </ac:graphicFrameMkLst>
+        </pc:graphicFrameChg>
+      </pc:sldChg>
+    </pc:docChg>
+  </pc:docChgLst>
+  <pc:docChgLst>
+    <pc:chgData name="Akilah Johnson" userId="S::akjohnso@adobe.com::2fa3aa60-0c9c-4d06-bae2-795983241227" providerId="AD" clId="Web-{3CA2F123-FAC9-2CDD-7937-C83283BA7837}"/>
+    <pc:docChg chg="modSld">
+      <pc:chgData name="Akilah Johnson" userId="S::akjohnso@adobe.com::2fa3aa60-0c9c-4d06-bae2-795983241227" providerId="AD" clId="Web-{3CA2F123-FAC9-2CDD-7937-C83283BA7837}" dt="2021-09-16T20:58:19.458" v="0" actId="1076"/>
+      <pc:docMkLst>
+        <pc:docMk/>
+      </pc:docMkLst>
+      <pc:sldChg chg="modSp">
+        <pc:chgData name="Akilah Johnson" userId="S::akjohnso@adobe.com::2fa3aa60-0c9c-4d06-bae2-795983241227" providerId="AD" clId="Web-{3CA2F123-FAC9-2CDD-7937-C83283BA7837}" dt="2021-09-16T20:58:19.458" v="0" actId="1076"/>
+        <pc:sldMkLst>
+          <pc:docMk/>
+          <pc:sldMk cId="717026355" sldId="266"/>
+        </pc:sldMkLst>
+        <pc:spChg chg="mod">
+          <ac:chgData name="Akilah Johnson" userId="S::akjohnso@adobe.com::2fa3aa60-0c9c-4d06-bae2-795983241227" providerId="AD" clId="Web-{3CA2F123-FAC9-2CDD-7937-C83283BA7837}" dt="2021-09-16T20:58:19.458" v="0" actId="1076"/>
+          <ac:spMkLst>
+            <pc:docMk/>
+            <pc:sldMk cId="717026355" sldId="266"/>
+            <ac:spMk id="83" creationId="{BB34E685-A734-974B-A33A-BE51D1A8BC0D}"/>
+          </ac:spMkLst>
+        </pc:spChg>
       </pc:sldChg>
     </pc:docChg>
   </pc:docChgLst>
@@ -342,189 +571,6 @@
       </pc:sldChg>
     </pc:docChg>
   </pc:docChgLst>
-  <pc:docChgLst>
-    <pc:chgData name="Akilah Johnson" userId="S::akjohnso@adobe.com::2fa3aa60-0c9c-4d06-bae2-795983241227" providerId="AD" clId="Web-{112231ED-4F38-A856-2EFF-9D0F88AC9BDF}"/>
-    <pc:docChg chg="modSld">
-      <pc:chgData name="Akilah Johnson" userId="S::akjohnso@adobe.com::2fa3aa60-0c9c-4d06-bae2-795983241227" providerId="AD" clId="Web-{112231ED-4F38-A856-2EFF-9D0F88AC9BDF}" dt="2021-09-22T19:11:31.474" v="2" actId="1076"/>
-      <pc:docMkLst>
-        <pc:docMk/>
-      </pc:docMkLst>
-      <pc:sldChg chg="modSp">
-        <pc:chgData name="Akilah Johnson" userId="S::akjohnso@adobe.com::2fa3aa60-0c9c-4d06-bae2-795983241227" providerId="AD" clId="Web-{112231ED-4F38-A856-2EFF-9D0F88AC9BDF}" dt="2021-09-22T19:11:31.474" v="2" actId="1076"/>
-        <pc:sldMkLst>
-          <pc:docMk/>
-          <pc:sldMk cId="1050037809" sldId="261"/>
-        </pc:sldMkLst>
-        <pc:spChg chg="mod">
-          <ac:chgData name="Akilah Johnson" userId="S::akjohnso@adobe.com::2fa3aa60-0c9c-4d06-bae2-795983241227" providerId="AD" clId="Web-{112231ED-4F38-A856-2EFF-9D0F88AC9BDF}" dt="2021-09-22T19:11:31.474" v="2" actId="1076"/>
-          <ac:spMkLst>
-            <pc:docMk/>
-            <pc:sldMk cId="1050037809" sldId="261"/>
-            <ac:spMk id="23" creationId="{00000000-0000-0000-0000-000000000000}"/>
-          </ac:spMkLst>
-        </pc:spChg>
-        <pc:spChg chg="mod">
-          <ac:chgData name="Akilah Johnson" userId="S::akjohnso@adobe.com::2fa3aa60-0c9c-4d06-bae2-795983241227" providerId="AD" clId="Web-{112231ED-4F38-A856-2EFF-9D0F88AC9BDF}" dt="2021-09-22T19:08:28.879" v="0" actId="1076"/>
-          <ac:spMkLst>
-            <pc:docMk/>
-            <pc:sldMk cId="1050037809" sldId="261"/>
-            <ac:spMk id="64" creationId="{41467BDC-3D83-D844-B922-CD07E94E5AAB}"/>
-          </ac:spMkLst>
-        </pc:spChg>
-      </pc:sldChg>
-    </pc:docChg>
-  </pc:docChgLst>
-  <pc:docChgLst>
-    <pc:chgData name="Andy Witt" userId="S::awitt@adobe.com::e9157bdf-53b2-40e4-9459-936793d75696" providerId="AD" clId="Web-{3F02B349-0406-AE51-D438-E7A0BE890230}"/>
-    <pc:docChg chg="modSld">
-      <pc:chgData name="Andy Witt" userId="S::awitt@adobe.com::e9157bdf-53b2-40e4-9459-936793d75696" providerId="AD" clId="Web-{3F02B349-0406-AE51-D438-E7A0BE890230}" dt="2021-08-25T18:45:07.550" v="11"/>
-      <pc:docMkLst>
-        <pc:docMk/>
-      </pc:docMkLst>
-      <pc:sldChg chg="modSp">
-        <pc:chgData name="Andy Witt" userId="S::awitt@adobe.com::e9157bdf-53b2-40e4-9459-936793d75696" providerId="AD" clId="Web-{3F02B349-0406-AE51-D438-E7A0BE890230}" dt="2021-08-25T18:45:07.550" v="11"/>
-        <pc:sldMkLst>
-          <pc:docMk/>
-          <pc:sldMk cId="1050037809" sldId="261"/>
-        </pc:sldMkLst>
-        <pc:graphicFrameChg chg="mod modGraphic">
-          <ac:chgData name="Andy Witt" userId="S::awitt@adobe.com::e9157bdf-53b2-40e4-9459-936793d75696" providerId="AD" clId="Web-{3F02B349-0406-AE51-D438-E7A0BE890230}" dt="2021-08-25T18:45:07.550" v="11"/>
-          <ac:graphicFrameMkLst>
-            <pc:docMk/>
-            <pc:sldMk cId="1050037809" sldId="261"/>
-            <ac:graphicFrameMk id="25" creationId="{3A91F5B0-3974-A14D-A146-FB590F2AAD18}"/>
-          </ac:graphicFrameMkLst>
-        </pc:graphicFrameChg>
-      </pc:sldChg>
-    </pc:docChg>
-  </pc:docChgLst>
-  <pc:docChgLst>
-    <pc:chgData name="Akilah Johnson" userId="S::akjohnso@adobe.com::2fa3aa60-0c9c-4d06-bae2-795983241227" providerId="AD" clId="Web-{3CA2F123-FAC9-2CDD-7937-C83283BA7837}"/>
-    <pc:docChg chg="modSld">
-      <pc:chgData name="Akilah Johnson" userId="S::akjohnso@adobe.com::2fa3aa60-0c9c-4d06-bae2-795983241227" providerId="AD" clId="Web-{3CA2F123-FAC9-2CDD-7937-C83283BA7837}" dt="2021-09-16T20:58:19.458" v="0" actId="1076"/>
-      <pc:docMkLst>
-        <pc:docMk/>
-      </pc:docMkLst>
-      <pc:sldChg chg="modSp">
-        <pc:chgData name="Akilah Johnson" userId="S::akjohnso@adobe.com::2fa3aa60-0c9c-4d06-bae2-795983241227" providerId="AD" clId="Web-{3CA2F123-FAC9-2CDD-7937-C83283BA7837}" dt="2021-09-16T20:58:19.458" v="0" actId="1076"/>
-        <pc:sldMkLst>
-          <pc:docMk/>
-          <pc:sldMk cId="717026355" sldId="266"/>
-        </pc:sldMkLst>
-        <pc:spChg chg="mod">
-          <ac:chgData name="Akilah Johnson" userId="S::akjohnso@adobe.com::2fa3aa60-0c9c-4d06-bae2-795983241227" providerId="AD" clId="Web-{3CA2F123-FAC9-2CDD-7937-C83283BA7837}" dt="2021-09-16T20:58:19.458" v="0" actId="1076"/>
-          <ac:spMkLst>
-            <pc:docMk/>
-            <pc:sldMk cId="717026355" sldId="266"/>
-            <ac:spMk id="83" creationId="{BB34E685-A734-974B-A33A-BE51D1A8BC0D}"/>
-          </ac:spMkLst>
-        </pc:spChg>
-      </pc:sldChg>
-    </pc:docChg>
-  </pc:docChgLst>
-  <pc:docChgLst>
-    <pc:chgData name="Akilah Johnson" userId="S::akjohnso@adobe.com::2fa3aa60-0c9c-4d06-bae2-795983241227" providerId="AD" clId="Web-{A40C3D7D-993B-38B2-2DDA-C562505A1054}"/>
-    <pc:docChg chg="modSld">
-      <pc:chgData name="Akilah Johnson" userId="S::akjohnso@adobe.com::2fa3aa60-0c9c-4d06-bae2-795983241227" providerId="AD" clId="Web-{A40C3D7D-993B-38B2-2DDA-C562505A1054}" dt="2021-09-22T23:00:46.860" v="3"/>
-      <pc:docMkLst>
-        <pc:docMk/>
-      </pc:docMkLst>
-      <pc:sldChg chg="modSp">
-        <pc:chgData name="Akilah Johnson" userId="S::akjohnso@adobe.com::2fa3aa60-0c9c-4d06-bae2-795983241227" providerId="AD" clId="Web-{A40C3D7D-993B-38B2-2DDA-C562505A1054}" dt="2021-09-22T23:00:46.860" v="3"/>
-        <pc:sldMkLst>
-          <pc:docMk/>
-          <pc:sldMk cId="1050037809" sldId="261"/>
-        </pc:sldMkLst>
-        <pc:graphicFrameChg chg="mod modGraphic">
-          <ac:chgData name="Akilah Johnson" userId="S::akjohnso@adobe.com::2fa3aa60-0c9c-4d06-bae2-795983241227" providerId="AD" clId="Web-{A40C3D7D-993B-38B2-2DDA-C562505A1054}" dt="2021-09-22T23:00:46.860" v="3"/>
-          <ac:graphicFrameMkLst>
-            <pc:docMk/>
-            <pc:sldMk cId="1050037809" sldId="261"/>
-            <ac:graphicFrameMk id="25" creationId="{3A91F5B0-3974-A14D-A146-FB590F2AAD18}"/>
-          </ac:graphicFrameMkLst>
-        </pc:graphicFrameChg>
-      </pc:sldChg>
-    </pc:docChg>
-  </pc:docChgLst>
-  <pc:docChgLst>
-    <pc:chgData name="Akilah Johnson" userId="S::akjohnso@adobe.com::2fa3aa60-0c9c-4d06-bae2-795983241227" providerId="AD" clId="Web-{D02E726A-82A5-CF13-9EBE-9B674D878D37}"/>
-    <pc:docChg chg="modSld">
-      <pc:chgData name="Akilah Johnson" userId="S::akjohnso@adobe.com::2fa3aa60-0c9c-4d06-bae2-795983241227" providerId="AD" clId="Web-{D02E726A-82A5-CF13-9EBE-9B674D878D37}" dt="2021-10-12T19:51:27.470" v="10"/>
-      <pc:docMkLst>
-        <pc:docMk/>
-      </pc:docMkLst>
-      <pc:sldChg chg="modSp delCm">
-        <pc:chgData name="Akilah Johnson" userId="S::akjohnso@adobe.com::2fa3aa60-0c9c-4d06-bae2-795983241227" providerId="AD" clId="Web-{D02E726A-82A5-CF13-9EBE-9B674D878D37}" dt="2021-10-12T19:51:27.470" v="10"/>
-        <pc:sldMkLst>
-          <pc:docMk/>
-          <pc:sldMk cId="2161849182" sldId="267"/>
-        </pc:sldMkLst>
-        <pc:spChg chg="mod">
-          <ac:chgData name="Akilah Johnson" userId="S::akjohnso@adobe.com::2fa3aa60-0c9c-4d06-bae2-795983241227" providerId="AD" clId="Web-{D02E726A-82A5-CF13-9EBE-9B674D878D37}" dt="2021-10-12T19:51:04.127" v="8" actId="20577"/>
-          <ac:spMkLst>
-            <pc:docMk/>
-            <pc:sldMk cId="2161849182" sldId="267"/>
-            <ac:spMk id="2" creationId="{00000000-0000-0000-0000-000000000000}"/>
-          </ac:spMkLst>
-        </pc:spChg>
-      </pc:sldChg>
-    </pc:docChg>
-  </pc:docChgLst>
-  <pc:docChgLst>
-    <pc:chgData name="Lauren Schutte" userId="6e08b2d3-447a-4d66-86be-444d50df187f" providerId="ADAL" clId="{1A3D389F-0E00-444F-BDF7-5C174E20EEC2}"/>
-    <pc:docChg chg="undo custSel modSld">
-      <pc:chgData name="Lauren Schutte" userId="6e08b2d3-447a-4d66-86be-444d50df187f" providerId="ADAL" clId="{1A3D389F-0E00-444F-BDF7-5C174E20EEC2}" dt="2021-10-13T19:40:59.066" v="67" actId="20577"/>
-      <pc:docMkLst>
-        <pc:docMk/>
-      </pc:docMkLst>
-      <pc:sldChg chg="delSp modSp mod">
-        <pc:chgData name="Lauren Schutte" userId="6e08b2d3-447a-4d66-86be-444d50df187f" providerId="ADAL" clId="{1A3D389F-0E00-444F-BDF7-5C174E20EEC2}" dt="2021-10-13T19:40:25.578" v="61" actId="478"/>
-        <pc:sldMkLst>
-          <pc:docMk/>
-          <pc:sldMk cId="5960377" sldId="259"/>
-        </pc:sldMkLst>
-        <pc:spChg chg="mod">
-          <ac:chgData name="Lauren Schutte" userId="6e08b2d3-447a-4d66-86be-444d50df187f" providerId="ADAL" clId="{1A3D389F-0E00-444F-BDF7-5C174E20EEC2}" dt="2021-10-13T19:33:45.182" v="59" actId="20577"/>
-          <ac:spMkLst>
-            <pc:docMk/>
-            <pc:sldMk cId="5960377" sldId="259"/>
-            <ac:spMk id="127" creationId="{BB896A03-8E7E-344F-BDE1-37C49461FF04}"/>
-          </ac:spMkLst>
-        </pc:spChg>
-        <pc:grpChg chg="del mod">
-          <ac:chgData name="Lauren Schutte" userId="6e08b2d3-447a-4d66-86be-444d50df187f" providerId="ADAL" clId="{1A3D389F-0E00-444F-BDF7-5C174E20EEC2}" dt="2021-10-13T19:40:25.578" v="61" actId="478"/>
-          <ac:grpSpMkLst>
-            <pc:docMk/>
-            <pc:sldMk cId="5960377" sldId="259"/>
-            <ac:grpSpMk id="62" creationId="{C539739D-1D3E-204D-9819-C44D9AE36DE8}"/>
-          </ac:grpSpMkLst>
-        </pc:grpChg>
-      </pc:sldChg>
-      <pc:sldChg chg="modSp mod">
-        <pc:chgData name="Lauren Schutte" userId="6e08b2d3-447a-4d66-86be-444d50df187f" providerId="ADAL" clId="{1A3D389F-0E00-444F-BDF7-5C174E20EEC2}" dt="2021-10-13T19:40:59.066" v="67" actId="20577"/>
-        <pc:sldMkLst>
-          <pc:docMk/>
-          <pc:sldMk cId="2161849182" sldId="267"/>
-        </pc:sldMkLst>
-        <pc:spChg chg="mod">
-          <ac:chgData name="Lauren Schutte" userId="6e08b2d3-447a-4d66-86be-444d50df187f" providerId="ADAL" clId="{1A3D389F-0E00-444F-BDF7-5C174E20EEC2}" dt="2021-10-13T19:40:59.066" v="67" actId="20577"/>
-          <ac:spMkLst>
-            <pc:docMk/>
-            <pc:sldMk cId="2161849182" sldId="267"/>
-            <ac:spMk id="2" creationId="{00000000-0000-0000-0000-000000000000}"/>
-          </ac:spMkLst>
-        </pc:spChg>
-        <pc:graphicFrameChg chg="mod modGraphic">
-          <ac:chgData name="Lauren Schutte" userId="6e08b2d3-447a-4d66-86be-444d50df187f" providerId="ADAL" clId="{1A3D389F-0E00-444F-BDF7-5C174E20EEC2}" dt="2021-10-13T19:33:05.183" v="58"/>
-          <ac:graphicFrameMkLst>
-            <pc:docMk/>
-            <pc:sldMk cId="2161849182" sldId="267"/>
-            <ac:graphicFrameMk id="9" creationId="{00000000-0000-0000-0000-000000000000}"/>
-          </ac:graphicFrameMkLst>
-        </pc:graphicFrameChg>
-      </pc:sldChg>
-    </pc:docChg>
-  </pc:docChgLst>
 </pc:chgInfo>
 </file>
 
@@ -624,7 +670,7 @@
           <a:p>
             <a:fld id="{CCB2A597-803A-C244-97E2-A01066125D19}" type="datetimeFigureOut">
               <a:rPr lang="en-US" smtClean="0"/>
-              <a:t>11/12/2021</a:t>
+              <a:t>11/23/21</a:t>
             </a:fld>
             <a:endParaRPr lang="en-US"/>
           </a:p>
@@ -1405,7 +1451,7 @@
           <a:p>
             <a:fld id="{1D8BD707-D9CF-40AE-B4C6-C98DA3205C09}" type="datetimeFigureOut">
               <a:rPr lang="en-US"/>
-              <a:t>11/12/2021</a:t>
+              <a:t>11/23/21</a:t>
             </a:fld>
             <a:endParaRPr lang="en-US"/>
           </a:p>
@@ -1645,7 +1691,7 @@
           <a:p>
             <a:fld id="{1D8BD707-D9CF-40AE-B4C6-C98DA3205C09}" type="datetimeFigureOut">
               <a:rPr lang="en-US"/>
-              <a:t>11/12/2021</a:t>
+              <a:t>11/23/21</a:t>
             </a:fld>
             <a:endParaRPr lang="en-US"/>
           </a:p>
@@ -1898,7 +1944,7 @@
           <a:p>
             <a:fld id="{1D8BD707-D9CF-40AE-B4C6-C98DA3205C09}" type="datetimeFigureOut">
               <a:rPr lang="en-US"/>
-              <a:t>11/12/2021</a:t>
+              <a:t>11/23/21</a:t>
             </a:fld>
             <a:endParaRPr lang="en-US"/>
           </a:p>
@@ -2085,7 +2131,7 @@
           <a:p>
             <a:fld id="{1D8BD707-D9CF-40AE-B4C6-C98DA3205C09}" type="datetimeFigureOut">
               <a:rPr lang="en-US"/>
-              <a:t>11/12/2021</a:t>
+              <a:t>11/23/21</a:t>
             </a:fld>
             <a:endParaRPr lang="en-US"/>
           </a:p>
@@ -2243,7 +2289,7 @@
           <a:p>
             <a:fld id="{1D8BD707-D9CF-40AE-B4C6-C98DA3205C09}" type="datetimeFigureOut">
               <a:rPr lang="en-US"/>
-              <a:t>11/12/2021</a:t>
+              <a:t>11/23/21</a:t>
             </a:fld>
             <a:endParaRPr lang="en-US"/>
           </a:p>
@@ -2501,7 +2547,7 @@
           <a:p>
             <a:fld id="{1D8BD707-D9CF-40AE-B4C6-C98DA3205C09}" type="datetimeFigureOut">
               <a:rPr lang="en-US"/>
-              <a:t>11/12/2021</a:t>
+              <a:t>11/23/21</a:t>
             </a:fld>
             <a:endParaRPr lang="en-US"/>
           </a:p>
@@ -2751,11 +2797,32 @@
               </a:spcBef>
             </a:pPr>
             <a:r>
-              <a:rPr lang="it-IT" sz="2300">
-                <a:latin typeface="Adobe Clean"/>
-              </a:rPr>
-              <a:t>PIANI DI SUPPORTO ADOBE</a:t>
-            </a:r>
+              <a:rPr sz="2300" dirty="0">
+                <a:latin typeface="Adobe Clean"/>
+              </a:rPr>
+              <a:t>ADOBE</a:t>
+            </a:r>
+            <a:r>
+              <a:rPr lang="en-US" sz="2300" dirty="0">
+                <a:latin typeface="Adobe Clean"/>
+              </a:rPr>
+              <a:t> </a:t>
+            </a:r>
+            <a:r>
+              <a:rPr sz="2300" dirty="0">
+                <a:latin typeface="Adobe Clean"/>
+              </a:rPr>
+              <a:t>SUPPORT</a:t>
+            </a:r>
+            <a:r>
+              <a:rPr lang="en-US" sz="2300" dirty="0">
+                <a:latin typeface="Adobe Clean"/>
+              </a:rPr>
+              <a:t> PLANS</a:t>
+            </a:r>
+            <a:endParaRPr sz="2300" dirty="0">
+              <a:latin typeface="Adobe Clean" panose="020B0503020404020204" pitchFamily="34" charset="0"/>
+            </a:endParaRPr>
           </a:p>
         </p:txBody>
       </p:sp>
@@ -2767,8 +2834,8 @@
         </p:nvSpPr>
         <p:spPr>
           <a:xfrm>
-            <a:off x="125148" y="7013545"/>
-            <a:ext cx="4561152" cy="234263"/>
+            <a:off x="125148" y="7013546"/>
+            <a:ext cx="2785110" cy="228268"/>
           </a:xfrm>
           <a:prstGeom prst="rect">
             <a:avLst/>
@@ -2789,7 +2856,7 @@
               </a:spcBef>
             </a:pPr>
             <a:r>
-              <a:rPr lang="it-IT" sz="1400" b="1" u="sng" dirty="0">
+              <a:rPr sz="1400" b="1" u="sng" spc="15">
                 <a:solidFill>
                   <a:srgbClr val="020302"/>
                 </a:solidFill>
@@ -2801,8 +2868,477 @@
                 <a:latin typeface="Adobe Clean"/>
                 <a:cs typeface="Adobe Clean"/>
               </a:rPr>
-              <a:t>Obiettivi del livello di servizio: risposta iniziale</a:t>
-            </a:r>
+              <a:t>S</a:t>
+            </a:r>
+            <a:r>
+              <a:rPr sz="1400" b="1" u="sng" spc="5">
+                <a:solidFill>
+                  <a:srgbClr val="020302"/>
+                </a:solidFill>
+                <a:uFill>
+                  <a:solidFill>
+                    <a:srgbClr val="020302"/>
+                  </a:solidFill>
+                </a:uFill>
+                <a:latin typeface="Adobe Clean"/>
+                <a:cs typeface="Adobe Clean"/>
+              </a:rPr>
+              <a:t>er</a:t>
+            </a:r>
+            <a:r>
+              <a:rPr sz="1400" b="1" u="sng" spc="10">
+                <a:solidFill>
+                  <a:srgbClr val="020302"/>
+                </a:solidFill>
+                <a:uFill>
+                  <a:solidFill>
+                    <a:srgbClr val="020302"/>
+                  </a:solidFill>
+                </a:uFill>
+                <a:latin typeface="Adobe Clean"/>
+                <a:cs typeface="Adobe Clean"/>
+              </a:rPr>
+              <a:t>vi</a:t>
+            </a:r>
+            <a:r>
+              <a:rPr sz="1400" b="1" u="sng" spc="5">
+                <a:solidFill>
+                  <a:srgbClr val="020302"/>
+                </a:solidFill>
+                <a:uFill>
+                  <a:solidFill>
+                    <a:srgbClr val="020302"/>
+                  </a:solidFill>
+                </a:uFill>
+                <a:latin typeface="Adobe Clean"/>
+                <a:cs typeface="Adobe Clean"/>
+              </a:rPr>
+              <a:t>c</a:t>
+            </a:r>
+            <a:r>
+              <a:rPr sz="1400" b="1" u="sng">
+                <a:solidFill>
+                  <a:srgbClr val="020302"/>
+                </a:solidFill>
+                <a:uFill>
+                  <a:solidFill>
+                    <a:srgbClr val="020302"/>
+                  </a:solidFill>
+                </a:uFill>
+                <a:latin typeface="Adobe Clean"/>
+                <a:cs typeface="Adobe Clean"/>
+              </a:rPr>
+              <a:t>e</a:t>
+            </a:r>
+            <a:r>
+              <a:rPr sz="1400" b="1" u="sng" spc="20">
+                <a:solidFill>
+                  <a:srgbClr val="020302"/>
+                </a:solidFill>
+                <a:uFill>
+                  <a:solidFill>
+                    <a:srgbClr val="020302"/>
+                  </a:solidFill>
+                </a:uFill>
+                <a:latin typeface="Adobe Clean"/>
+                <a:cs typeface="Adobe Clean"/>
+              </a:rPr>
+              <a:t> </a:t>
+            </a:r>
+            <a:r>
+              <a:rPr sz="1400" b="1" u="sng" spc="-15">
+                <a:solidFill>
+                  <a:srgbClr val="020302"/>
+                </a:solidFill>
+                <a:uFill>
+                  <a:solidFill>
+                    <a:srgbClr val="020302"/>
+                  </a:solidFill>
+                </a:uFill>
+                <a:latin typeface="Adobe Clean"/>
+                <a:cs typeface="Adobe Clean"/>
+              </a:rPr>
+              <a:t>Le</a:t>
+            </a:r>
+            <a:r>
+              <a:rPr sz="1400" b="1" u="sng" spc="-10">
+                <a:solidFill>
+                  <a:srgbClr val="020302"/>
+                </a:solidFill>
+                <a:uFill>
+                  <a:solidFill>
+                    <a:srgbClr val="020302"/>
+                  </a:solidFill>
+                </a:uFill>
+                <a:latin typeface="Adobe Clean"/>
+                <a:cs typeface="Adobe Clean"/>
+              </a:rPr>
+              <a:t>v</a:t>
+            </a:r>
+            <a:r>
+              <a:rPr sz="1400" b="1" u="sng" spc="-15">
+                <a:solidFill>
+                  <a:srgbClr val="020302"/>
+                </a:solidFill>
+                <a:uFill>
+                  <a:solidFill>
+                    <a:srgbClr val="020302"/>
+                  </a:solidFill>
+                </a:uFill>
+                <a:latin typeface="Adobe Clean"/>
+                <a:cs typeface="Adobe Clean"/>
+              </a:rPr>
+              <a:t>e</a:t>
+            </a:r>
+            <a:r>
+              <a:rPr sz="1400" b="1" u="sng">
+                <a:solidFill>
+                  <a:srgbClr val="020302"/>
+                </a:solidFill>
+                <a:uFill>
+                  <a:solidFill>
+                    <a:srgbClr val="020302"/>
+                  </a:solidFill>
+                </a:uFill>
+                <a:latin typeface="Adobe Clean"/>
+                <a:cs typeface="Adobe Clean"/>
+              </a:rPr>
+              <a:t>l</a:t>
+            </a:r>
+            <a:r>
+              <a:rPr sz="1400" b="1" u="sng" spc="-15">
+                <a:solidFill>
+                  <a:srgbClr val="020302"/>
+                </a:solidFill>
+                <a:uFill>
+                  <a:solidFill>
+                    <a:srgbClr val="020302"/>
+                  </a:solidFill>
+                </a:uFill>
+                <a:latin typeface="Adobe Clean"/>
+                <a:cs typeface="Adobe Clean"/>
+              </a:rPr>
+              <a:t> </a:t>
+            </a:r>
+            <a:r>
+              <a:rPr sz="1400" b="1" u="sng" spc="-55">
+                <a:solidFill>
+                  <a:srgbClr val="020302"/>
+                </a:solidFill>
+                <a:uFill>
+                  <a:solidFill>
+                    <a:srgbClr val="020302"/>
+                  </a:solidFill>
+                </a:uFill>
+                <a:latin typeface="Adobe Clean"/>
+                <a:cs typeface="Adobe Clean"/>
+              </a:rPr>
+              <a:t>T</a:t>
+            </a:r>
+            <a:r>
+              <a:rPr sz="1400" b="1" u="sng" spc="-40">
+                <a:solidFill>
+                  <a:srgbClr val="020302"/>
+                </a:solidFill>
+                <a:uFill>
+                  <a:solidFill>
+                    <a:srgbClr val="020302"/>
+                  </a:solidFill>
+                </a:uFill>
+                <a:latin typeface="Adobe Clean"/>
+                <a:cs typeface="Adobe Clean"/>
+              </a:rPr>
+              <a:t>a</a:t>
+            </a:r>
+            <a:r>
+              <a:rPr sz="1400" b="1" u="sng" spc="-45">
+                <a:solidFill>
+                  <a:srgbClr val="020302"/>
+                </a:solidFill>
+                <a:uFill>
+                  <a:solidFill>
+                    <a:srgbClr val="020302"/>
+                  </a:solidFill>
+                </a:uFill>
+                <a:latin typeface="Adobe Clean"/>
+                <a:cs typeface="Adobe Clean"/>
+              </a:rPr>
+              <a:t>r</a:t>
+            </a:r>
+            <a:r>
+              <a:rPr sz="1400" b="1" u="sng" spc="-40">
+                <a:solidFill>
+                  <a:srgbClr val="020302"/>
+                </a:solidFill>
+                <a:uFill>
+                  <a:solidFill>
+                    <a:srgbClr val="020302"/>
+                  </a:solidFill>
+                </a:uFill>
+                <a:latin typeface="Adobe Clean"/>
+                <a:cs typeface="Adobe Clean"/>
+              </a:rPr>
+              <a:t>g</a:t>
+            </a:r>
+            <a:r>
+              <a:rPr sz="1400" b="1" u="sng" spc="-50">
+                <a:solidFill>
+                  <a:srgbClr val="020302"/>
+                </a:solidFill>
+                <a:uFill>
+                  <a:solidFill>
+                    <a:srgbClr val="020302"/>
+                  </a:solidFill>
+                </a:uFill>
+                <a:latin typeface="Adobe Clean"/>
+                <a:cs typeface="Adobe Clean"/>
+              </a:rPr>
+              <a:t>et</a:t>
+            </a:r>
+            <a:r>
+              <a:rPr sz="1400" b="1" u="sng" spc="-45">
+                <a:solidFill>
+                  <a:srgbClr val="020302"/>
+                </a:solidFill>
+                <a:uFill>
+                  <a:solidFill>
+                    <a:srgbClr val="020302"/>
+                  </a:solidFill>
+                </a:uFill>
+                <a:latin typeface="Adobe Clean"/>
+                <a:cs typeface="Adobe Clean"/>
+              </a:rPr>
+              <a:t>s</a:t>
+            </a:r>
+            <a:r>
+              <a:rPr sz="1400" b="1" u="sng">
+                <a:solidFill>
+                  <a:srgbClr val="020302"/>
+                </a:solidFill>
+                <a:uFill>
+                  <a:solidFill>
+                    <a:srgbClr val="020302"/>
+                  </a:solidFill>
+                </a:uFill>
+                <a:latin typeface="Adobe Clean"/>
+                <a:cs typeface="Adobe Clean"/>
+              </a:rPr>
+              <a:t>:</a:t>
+            </a:r>
+            <a:r>
+              <a:rPr sz="1400" b="1" u="sng" spc="-85">
+                <a:solidFill>
+                  <a:srgbClr val="020302"/>
+                </a:solidFill>
+                <a:uFill>
+                  <a:solidFill>
+                    <a:srgbClr val="020302"/>
+                  </a:solidFill>
+                </a:uFill>
+                <a:latin typeface="Adobe Clean"/>
+                <a:cs typeface="Adobe Clean"/>
+              </a:rPr>
+              <a:t> </a:t>
+            </a:r>
+            <a:r>
+              <a:rPr sz="1400" b="1" u="sng" spc="-15">
+                <a:solidFill>
+                  <a:srgbClr val="020302"/>
+                </a:solidFill>
+                <a:uFill>
+                  <a:solidFill>
+                    <a:srgbClr val="020302"/>
+                  </a:solidFill>
+                </a:uFill>
+                <a:latin typeface="Adobe Clean"/>
+                <a:cs typeface="Adobe Clean"/>
+              </a:rPr>
+              <a:t>I</a:t>
+            </a:r>
+            <a:r>
+              <a:rPr sz="1400" b="1" u="sng" spc="-10">
+                <a:solidFill>
+                  <a:srgbClr val="020302"/>
+                </a:solidFill>
+                <a:uFill>
+                  <a:solidFill>
+                    <a:srgbClr val="020302"/>
+                  </a:solidFill>
+                </a:uFill>
+                <a:latin typeface="Adobe Clean"/>
+                <a:cs typeface="Adobe Clean"/>
+              </a:rPr>
+              <a:t>ni</a:t>
+            </a:r>
+            <a:r>
+              <a:rPr sz="1400" b="1" u="sng" spc="-15">
+                <a:solidFill>
+                  <a:srgbClr val="020302"/>
+                </a:solidFill>
+                <a:uFill>
+                  <a:solidFill>
+                    <a:srgbClr val="020302"/>
+                  </a:solidFill>
+                </a:uFill>
+                <a:latin typeface="Adobe Clean"/>
+                <a:cs typeface="Adobe Clean"/>
+              </a:rPr>
+              <a:t>t</a:t>
+            </a:r>
+            <a:r>
+              <a:rPr sz="1400" b="1" u="sng" spc="-10">
+                <a:solidFill>
+                  <a:srgbClr val="020302"/>
+                </a:solidFill>
+                <a:uFill>
+                  <a:solidFill>
+                    <a:srgbClr val="020302"/>
+                  </a:solidFill>
+                </a:uFill>
+                <a:latin typeface="Adobe Clean"/>
+                <a:cs typeface="Adobe Clean"/>
+              </a:rPr>
+              <a:t>i</a:t>
+            </a:r>
+            <a:r>
+              <a:rPr sz="1400" b="1" u="sng" spc="-5">
+                <a:solidFill>
+                  <a:srgbClr val="020302"/>
+                </a:solidFill>
+                <a:uFill>
+                  <a:solidFill>
+                    <a:srgbClr val="020302"/>
+                  </a:solidFill>
+                </a:uFill>
+                <a:latin typeface="Adobe Clean"/>
+                <a:cs typeface="Adobe Clean"/>
+              </a:rPr>
+              <a:t>a</a:t>
+            </a:r>
+            <a:r>
+              <a:rPr sz="1400" b="1" u="sng">
+                <a:solidFill>
+                  <a:srgbClr val="020302"/>
+                </a:solidFill>
+                <a:uFill>
+                  <a:solidFill>
+                    <a:srgbClr val="020302"/>
+                  </a:solidFill>
+                </a:uFill>
+                <a:latin typeface="Adobe Clean"/>
+                <a:cs typeface="Adobe Clean"/>
+              </a:rPr>
+              <a:t>l</a:t>
+            </a:r>
+            <a:r>
+              <a:rPr sz="1400" b="1" u="sng" spc="-145">
+                <a:solidFill>
+                  <a:srgbClr val="020302"/>
+                </a:solidFill>
+                <a:uFill>
+                  <a:solidFill>
+                    <a:srgbClr val="020302"/>
+                  </a:solidFill>
+                </a:uFill>
+                <a:latin typeface="Adobe Clean"/>
+                <a:cs typeface="Adobe Clean"/>
+              </a:rPr>
+              <a:t> </a:t>
+            </a:r>
+            <a:r>
+              <a:rPr sz="1400" b="1" u="sng" spc="-15">
+                <a:solidFill>
+                  <a:srgbClr val="020302"/>
+                </a:solidFill>
+                <a:uFill>
+                  <a:solidFill>
+                    <a:srgbClr val="020302"/>
+                  </a:solidFill>
+                </a:uFill>
+                <a:latin typeface="Adobe Clean"/>
+                <a:cs typeface="Adobe Clean"/>
+              </a:rPr>
+              <a:t>R</a:t>
+            </a:r>
+            <a:r>
+              <a:rPr sz="1400" b="1" u="sng" spc="-20">
+                <a:solidFill>
+                  <a:srgbClr val="020302"/>
+                </a:solidFill>
+                <a:uFill>
+                  <a:solidFill>
+                    <a:srgbClr val="020302"/>
+                  </a:solidFill>
+                </a:uFill>
+                <a:latin typeface="Adobe Clean"/>
+                <a:cs typeface="Adobe Clean"/>
+              </a:rPr>
+              <a:t>e</a:t>
+            </a:r>
+            <a:r>
+              <a:rPr sz="1400" b="1" u="sng" spc="-15">
+                <a:solidFill>
+                  <a:srgbClr val="020302"/>
+                </a:solidFill>
+                <a:uFill>
+                  <a:solidFill>
+                    <a:srgbClr val="020302"/>
+                  </a:solidFill>
+                </a:uFill>
+                <a:latin typeface="Adobe Clean"/>
+                <a:cs typeface="Adobe Clean"/>
+              </a:rPr>
+              <a:t>s</a:t>
+            </a:r>
+            <a:r>
+              <a:rPr sz="1400" b="1" u="sng" spc="-20">
+                <a:solidFill>
+                  <a:srgbClr val="020302"/>
+                </a:solidFill>
+                <a:uFill>
+                  <a:solidFill>
+                    <a:srgbClr val="020302"/>
+                  </a:solidFill>
+                </a:uFill>
+                <a:latin typeface="Adobe Clean"/>
+                <a:cs typeface="Adobe Clean"/>
+              </a:rPr>
+              <a:t>p</a:t>
+            </a:r>
+            <a:r>
+              <a:rPr sz="1400" b="1" u="sng" spc="-15">
+                <a:solidFill>
+                  <a:srgbClr val="020302"/>
+                </a:solidFill>
+                <a:uFill>
+                  <a:solidFill>
+                    <a:srgbClr val="020302"/>
+                  </a:solidFill>
+                </a:uFill>
+                <a:latin typeface="Adobe Clean"/>
+                <a:cs typeface="Adobe Clean"/>
+              </a:rPr>
+              <a:t>ons</a:t>
+            </a:r>
+            <a:r>
+              <a:rPr sz="1400" b="1" u="sng">
+                <a:solidFill>
+                  <a:srgbClr val="020302"/>
+                </a:solidFill>
+                <a:uFill>
+                  <a:solidFill>
+                    <a:srgbClr val="020302"/>
+                  </a:solidFill>
+                </a:uFill>
+                <a:latin typeface="Adobe Clean"/>
+                <a:cs typeface="Adobe Clean"/>
+              </a:rPr>
+              <a:t>e</a:t>
+            </a:r>
+            <a:endParaRPr sz="1400" u="sng">
+              <a:latin typeface="Adobe Clean"/>
+              <a:cs typeface="Adobe Clean"/>
+            </a:endParaRPr>
           </a:p>
         </p:txBody>
       </p:sp>
@@ -2815,14 +3351,14 @@
           <p:nvPr>
             <p:extLst>
               <p:ext uri="{D42A27DB-BD31-4B8C-83A1-F6EECF244321}">
-                <p14:modId xmlns:p14="http://schemas.microsoft.com/office/powerpoint/2010/main" val="1322106923"/>
+                <p14:modId xmlns:p14="http://schemas.microsoft.com/office/powerpoint/2010/main" val="2035938553"/>
               </p:ext>
             </p:extLst>
           </p:nvPr>
         </p:nvGraphicFramePr>
         <p:xfrm>
-          <a:off x="146919" y="7401714"/>
-          <a:ext cx="7477080" cy="2346613"/>
+          <a:off x="146919" y="7473158"/>
+          <a:ext cx="7477080" cy="2190409"/>
         </p:xfrm>
         <a:graphic>
           <a:graphicData uri="http://schemas.openxmlformats.org/drawingml/2006/table">
@@ -2868,15 +3404,19 @@
                         </a:spcBef>
                       </a:pPr>
                       <a:r>
-                        <a:rPr lang="it-IT" sz="900" dirty="0">
+                        <a:rPr sz="900" spc="-20" dirty="0">
                           <a:solidFill>
                             <a:srgbClr val="020302"/>
                           </a:solidFill>
                           <a:latin typeface="Adobe Clean"/>
                           <a:cs typeface="Adobe Clean"/>
                         </a:rPr>
-                        <a:t>Priorità</a:t>
+                        <a:t>Priority</a:t>
                       </a:r>
+                      <a:endParaRPr sz="900" dirty="0">
+                        <a:latin typeface="Adobe Clean"/>
+                        <a:cs typeface="Adobe Clean"/>
+                      </a:endParaRPr>
                     </a:p>
                   </a:txBody>
                   <a:tcPr marL="0" marR="0" marT="6985" marB="0" anchor="ctr">
@@ -2923,15 +3463,19 @@
                         </a:spcBef>
                       </a:pPr>
                       <a:r>
-                        <a:rPr lang="it-IT" sz="900">
+                        <a:rPr sz="900" spc="0" dirty="0">
                           <a:solidFill>
                             <a:srgbClr val="020302"/>
                           </a:solidFill>
                           <a:latin typeface="Adobe Clean"/>
                           <a:cs typeface="Adobe Clean"/>
                         </a:rPr>
-                        <a:t>Supporto Online</a:t>
+                        <a:t>Online Support</a:t>
                       </a:r>
+                      <a:endParaRPr sz="900" spc="0" dirty="0">
+                        <a:latin typeface="Adobe Clean"/>
+                        <a:cs typeface="Adobe Clean"/>
+                      </a:endParaRPr>
                     </a:p>
                   </a:txBody>
                   <a:tcPr marL="0" marR="0" marT="0" marB="0" anchor="ctr">
@@ -2981,15 +3525,19 @@
                         </a:spcBef>
                       </a:pPr>
                       <a:r>
-                        <a:rPr lang="it-IT" sz="900">
+                        <a:rPr sz="900" spc="0" dirty="0">
                           <a:solidFill>
                             <a:srgbClr val="FFFFFF"/>
                           </a:solidFill>
                           <a:latin typeface="Adobe Clean"/>
                           <a:cs typeface="Adobe Clean"/>
                         </a:rPr>
-                        <a:t>Supporto Enterprise</a:t>
+                        <a:t>Enterprise Support</a:t>
                       </a:r>
+                      <a:endParaRPr sz="900" spc="0" dirty="0">
+                        <a:latin typeface="Adobe Clean"/>
+                        <a:cs typeface="Adobe Clean"/>
+                      </a:endParaRPr>
                     </a:p>
                   </a:txBody>
                   <a:tcPr marL="0" marR="0" marT="0" marB="0" anchor="ctr">
@@ -3049,15 +3597,109 @@
                         </a:spcBef>
                       </a:pPr>
                       <a:r>
-                        <a:rPr lang="it-IT" sz="900" b="1" dirty="0">
+                        <a:rPr sz="900" b="1" spc="-15" dirty="0">
                           <a:solidFill>
                             <a:srgbClr val="020302"/>
                           </a:solidFill>
                           <a:latin typeface="Adobe Clean"/>
                           <a:cs typeface="Adobe Clean"/>
                         </a:rPr>
-                        <a:t>PRIORITÀ 1 (P1)</a:t>
+                        <a:t>P</a:t>
                       </a:r>
+                      <a:r>
+                        <a:rPr sz="900" b="1" spc="-20" dirty="0">
+                          <a:solidFill>
+                            <a:srgbClr val="020302"/>
+                          </a:solidFill>
+                          <a:latin typeface="Adobe Clean"/>
+                          <a:cs typeface="Adobe Clean"/>
+                        </a:rPr>
+                        <a:t>R</a:t>
+                      </a:r>
+                      <a:r>
+                        <a:rPr sz="900" b="1" spc="-25" dirty="0">
+                          <a:solidFill>
+                            <a:srgbClr val="020302"/>
+                          </a:solidFill>
+                          <a:latin typeface="Adobe Clean"/>
+                          <a:cs typeface="Adobe Clean"/>
+                        </a:rPr>
+                        <a:t>I</a:t>
+                      </a:r>
+                      <a:r>
+                        <a:rPr sz="900" b="1" spc="-15" dirty="0">
+                          <a:solidFill>
+                            <a:srgbClr val="020302"/>
+                          </a:solidFill>
+                          <a:latin typeface="Adobe Clean"/>
+                          <a:cs typeface="Adobe Clean"/>
+                        </a:rPr>
+                        <a:t>O</a:t>
+                      </a:r>
+                      <a:r>
+                        <a:rPr sz="900" b="1" spc="-20" dirty="0">
+                          <a:solidFill>
+                            <a:srgbClr val="020302"/>
+                          </a:solidFill>
+                          <a:latin typeface="Adobe Clean"/>
+                          <a:cs typeface="Adobe Clean"/>
+                        </a:rPr>
+                        <a:t>R</a:t>
+                      </a:r>
+                      <a:r>
+                        <a:rPr sz="900" b="1" spc="-25" dirty="0">
+                          <a:solidFill>
+                            <a:srgbClr val="020302"/>
+                          </a:solidFill>
+                          <a:latin typeface="Adobe Clean"/>
+                          <a:cs typeface="Adobe Clean"/>
+                        </a:rPr>
+                        <a:t>I</a:t>
+                      </a:r>
+                      <a:r>
+                        <a:rPr sz="900" b="1" spc="-15" dirty="0">
+                          <a:solidFill>
+                            <a:srgbClr val="020302"/>
+                          </a:solidFill>
+                          <a:latin typeface="Adobe Clean"/>
+                          <a:cs typeface="Adobe Clean"/>
+                        </a:rPr>
+                        <a:t>T</a:t>
+                      </a:r>
+                      <a:r>
+                        <a:rPr sz="900" b="1" dirty="0">
+                          <a:solidFill>
+                            <a:srgbClr val="020302"/>
+                          </a:solidFill>
+                          <a:latin typeface="Adobe Clean"/>
+                          <a:cs typeface="Adobe Clean"/>
+                        </a:rPr>
+                        <a:t>Y</a:t>
+                      </a:r>
+                      <a:r>
+                        <a:rPr sz="900" b="1" spc="-40" dirty="0">
+                          <a:solidFill>
+                            <a:srgbClr val="020302"/>
+                          </a:solidFill>
+                          <a:latin typeface="Adobe Clean"/>
+                          <a:cs typeface="Adobe Clean"/>
+                        </a:rPr>
+                        <a:t> </a:t>
+                      </a:r>
+                      <a:r>
+                        <a:rPr sz="900" b="1" dirty="0">
+                          <a:solidFill>
+                            <a:srgbClr val="020302"/>
+                          </a:solidFill>
+                          <a:latin typeface="Adobe Clean"/>
+                          <a:cs typeface="Adobe Clean"/>
+                        </a:rPr>
+                        <a:t>1</a:t>
+                      </a:r>
+                      <a:endParaRPr sz="900" dirty="0">
+                        <a:latin typeface="Adobe Clean"/>
+                        <a:cs typeface="Adobe Clean"/>
+                      </a:endParaRPr>
                     </a:p>
                     <a:p>
                       <a:pPr marL="50800" marR="387985" lvl="0" indent="0" eaLnBrk="1" fontAlgn="auto" latinLnBrk="0" hangingPunct="1">
@@ -3076,19 +3718,34 @@
                         <a:buNone/>
                       </a:pPr>
                       <a:r>
-                        <a:rPr lang="it-IT" sz="900" b="0" i="0" u="none" strike="noStrike" dirty="0">
+                        <a:rPr lang="en-US" sz="900" b="0" i="0" spc="-130" dirty="0">
+                          <a:solidFill>
+                            <a:srgbClr val="020302"/>
+                          </a:solidFill>
+                          <a:latin typeface="Adobe Clean Light"/>
+                          <a:cs typeface="+mn-cs"/>
+                        </a:rPr>
+                        <a:t> </a:t>
+                      </a:r>
+                      <a:r>
+                        <a:rPr lang="en-US" sz="900" b="0" i="0" u="none" strike="noStrike" dirty="0">
                           <a:solidFill>
                             <a:schemeClr val="tx1"/>
                           </a:solidFill>
+                          <a:effectLst/>
                           <a:latin typeface="Adobe Clean Light"/>
                           <a:ea typeface="+mn-ea"/>
                           <a:cs typeface="+mn-cs"/>
                         </a:rPr>
-                        <a:t>Le funzioni operative di produzione del cliente non sono disponibili oppure si verificano problemi significativi di perdita di dati o deterioramento dei servizi ed è richiesto un intervento immediato per ripristinare funzionalità e usabilità</a:t>
+                        <a:t>Customer's production business functions are down or have significant data loss or degradation of services and immediate attention is required to restore functionality and usability</a:t>
                       </a:r>
+                      <a:endParaRPr lang="en-US" sz="900" b="0" i="0" dirty="0">
+                        <a:latin typeface="Adobe Clean Light"/>
+                        <a:cs typeface="AdobeClean-Light"/>
+                      </a:endParaRPr>
                     </a:p>
                   </a:txBody>
-                  <a:tcPr marL="0" marR="0" marT="0" marB="36000" anchor="ctr">
+                  <a:tcPr marL="0" marR="0" marT="0" marB="0" anchor="ctr">
                     <a:lnL w="6350">
                       <a:solidFill>
                         <a:srgbClr val="B7B8B8"/>
@@ -3125,13 +3782,14 @@
                     <a:p>
                       <a:pPr algn="ctr" fontAlgn="ctr"/>
                       <a:r>
-                        <a:rPr lang="it-IT" sz="900" b="0" i="0" u="none" strike="noStrike" dirty="0">
+                        <a:rPr lang="en-US" sz="900" b="0" i="0" u="none" strike="noStrike" dirty="0">
                           <a:solidFill>
                             <a:srgbClr val="020302"/>
                           </a:solidFill>
+                          <a:effectLst/>
                           <a:latin typeface="AdobeClean-Light" panose="020B0503020404020204" pitchFamily="34" charset="0"/>
                         </a:rPr>
-                        <a:t>24x7/1 ora</a:t>
+                        <a:t>24x7 /  1 hour</a:t>
                       </a:r>
                     </a:p>
                   </a:txBody>
@@ -3172,13 +3830,14 @@
                     <a:p>
                       <a:pPr algn="ctr" fontAlgn="ctr"/>
                       <a:r>
-                        <a:rPr lang="it-IT" sz="900" b="0" i="0" u="none" strike="noStrike">
+                        <a:rPr lang="en-US" sz="900" b="0" i="0" u="none" strike="noStrike" dirty="0">
                           <a:solidFill>
                             <a:srgbClr val="020302"/>
                           </a:solidFill>
-                          <a:latin typeface="AdobeClean-Light" panose="020B0503020404020204" pitchFamily="34" charset="0"/>
+                          <a:effectLst/>
+                          <a:latin typeface="AdobeClean-Light"/>
                         </a:rPr>
-                        <a:t>24x7/30 minuti</a:t>
+                        <a:t>24x7 / 30 minutes</a:t>
                       </a:r>
                     </a:p>
                   </a:txBody>
@@ -3244,15 +3903,109 @@
                         </a:spcBef>
                       </a:pPr>
                       <a:r>
-                        <a:rPr lang="it-IT" sz="900" b="1" dirty="0">
+                        <a:rPr sz="900" b="1" spc="-15" dirty="0">
                           <a:solidFill>
                             <a:srgbClr val="020302"/>
                           </a:solidFill>
                           <a:latin typeface="Adobe Clean"/>
                           <a:cs typeface="Adobe Clean"/>
                         </a:rPr>
-                        <a:t>PRIORITÀ 2 (P2)</a:t>
+                        <a:t>P</a:t>
                       </a:r>
+                      <a:r>
+                        <a:rPr sz="900" b="1" spc="-20" dirty="0">
+                          <a:solidFill>
+                            <a:srgbClr val="020302"/>
+                          </a:solidFill>
+                          <a:latin typeface="Adobe Clean"/>
+                          <a:cs typeface="Adobe Clean"/>
+                        </a:rPr>
+                        <a:t>R</a:t>
+                      </a:r>
+                      <a:r>
+                        <a:rPr sz="900" b="1" spc="-25" dirty="0">
+                          <a:solidFill>
+                            <a:srgbClr val="020302"/>
+                          </a:solidFill>
+                          <a:latin typeface="Adobe Clean"/>
+                          <a:cs typeface="Adobe Clean"/>
+                        </a:rPr>
+                        <a:t>I</a:t>
+                      </a:r>
+                      <a:r>
+                        <a:rPr sz="900" b="1" spc="-15" dirty="0">
+                          <a:solidFill>
+                            <a:srgbClr val="020302"/>
+                          </a:solidFill>
+                          <a:latin typeface="Adobe Clean"/>
+                          <a:cs typeface="Adobe Clean"/>
+                        </a:rPr>
+                        <a:t>O</a:t>
+                      </a:r>
+                      <a:r>
+                        <a:rPr sz="900" b="1" spc="-20" dirty="0">
+                          <a:solidFill>
+                            <a:srgbClr val="020302"/>
+                          </a:solidFill>
+                          <a:latin typeface="Adobe Clean"/>
+                          <a:cs typeface="Adobe Clean"/>
+                        </a:rPr>
+                        <a:t>R</a:t>
+                      </a:r>
+                      <a:r>
+                        <a:rPr sz="900" b="1" spc="-25" dirty="0">
+                          <a:solidFill>
+                            <a:srgbClr val="020302"/>
+                          </a:solidFill>
+                          <a:latin typeface="Adobe Clean"/>
+                          <a:cs typeface="Adobe Clean"/>
+                        </a:rPr>
+                        <a:t>I</a:t>
+                      </a:r>
+                      <a:r>
+                        <a:rPr sz="900" b="1" spc="-15" dirty="0">
+                          <a:solidFill>
+                            <a:srgbClr val="020302"/>
+                          </a:solidFill>
+                          <a:latin typeface="Adobe Clean"/>
+                          <a:cs typeface="Adobe Clean"/>
+                        </a:rPr>
+                        <a:t>T</a:t>
+                      </a:r>
+                      <a:r>
+                        <a:rPr sz="900" b="1" dirty="0">
+                          <a:solidFill>
+                            <a:srgbClr val="020302"/>
+                          </a:solidFill>
+                          <a:latin typeface="Adobe Clean"/>
+                          <a:cs typeface="Adobe Clean"/>
+                        </a:rPr>
+                        <a:t>Y</a:t>
+                      </a:r>
+                      <a:r>
+                        <a:rPr sz="900" b="1" spc="-40" dirty="0">
+                          <a:solidFill>
+                            <a:srgbClr val="020302"/>
+                          </a:solidFill>
+                          <a:latin typeface="Adobe Clean"/>
+                          <a:cs typeface="Adobe Clean"/>
+                        </a:rPr>
+                        <a:t> </a:t>
+                      </a:r>
+                      <a:r>
+                        <a:rPr sz="900" b="1" dirty="0">
+                          <a:solidFill>
+                            <a:srgbClr val="020302"/>
+                          </a:solidFill>
+                          <a:latin typeface="Adobe Clean"/>
+                          <a:cs typeface="Adobe Clean"/>
+                        </a:rPr>
+                        <a:t>2</a:t>
+                      </a:r>
+                      <a:endParaRPr sz="900" dirty="0">
+                        <a:latin typeface="Adobe Clean"/>
+                        <a:cs typeface="Adobe Clean"/>
+                      </a:endParaRPr>
                     </a:p>
                     <a:p>
                       <a:pPr marL="50165" marR="203200">
@@ -3264,19 +4017,24 @@
                         </a:spcBef>
                       </a:pPr>
                       <a:r>
-                        <a:rPr lang="it-IT" sz="900" b="0" i="0" u="none" strike="noStrike" dirty="0">
+                        <a:rPr lang="en-US" sz="900" b="0" i="0" u="none" strike="noStrike" dirty="0">
                           <a:solidFill>
                             <a:schemeClr val="tx1"/>
                           </a:solidFill>
+                          <a:effectLst/>
                           <a:latin typeface="Adobe Clean Light"/>
                           <a:ea typeface="+mn-ea"/>
                           <a:cs typeface="+mn-cs"/>
                         </a:rPr>
-                        <a:t>Le funzioni operative del cliente hanno subìto un notevole deterioramento o mancata disponibilità dei servizi, potenziale perdita di dati, oppure un problema interessa una funzione importante</a:t>
+                        <a:t>Customer's business functions have major degradation of services, or potential of data loss or a major feature is impacted</a:t>
                       </a:r>
+                      <a:endParaRPr lang="en-US" sz="900" b="0" i="0" dirty="0">
+                        <a:latin typeface="Adobe Clean Light"/>
+                        <a:cs typeface="AdobeClean-Light"/>
+                      </a:endParaRPr>
                     </a:p>
                   </a:txBody>
-                  <a:tcPr marL="0" marR="0" marT="0" marB="36000" anchor="ctr">
+                  <a:tcPr marL="0" marR="0" marT="0" marB="0" anchor="ctr">
                     <a:lnL w="6350">
                       <a:solidFill>
                         <a:srgbClr val="B7B8B8"/>
@@ -3313,13 +4071,14 @@
                     <a:p>
                       <a:pPr algn="ctr" fontAlgn="ctr"/>
                       <a:r>
-                        <a:rPr lang="it-IT" sz="900" b="0" i="0" u="none" strike="noStrike">
+                        <a:rPr lang="en-US" sz="900" b="0" i="0" u="none" strike="noStrike" dirty="0">
                           <a:solidFill>
                             <a:srgbClr val="020302"/>
                           </a:solidFill>
+                          <a:effectLst/>
                           <a:latin typeface="AdobeClean-Light" panose="020B0503020404020204" pitchFamily="34" charset="0"/>
                         </a:rPr>
-                        <a:t>Orario operativo/4 ore</a:t>
+                        <a:t>Business hours / 4 hours</a:t>
                       </a:r>
                     </a:p>
                   </a:txBody>
@@ -3360,13 +4119,14 @@
                     <a:p>
                       <a:pPr algn="ctr" fontAlgn="ctr"/>
                       <a:r>
-                        <a:rPr lang="it-IT" sz="900" b="0" i="0" u="none" strike="noStrike">
+                        <a:rPr lang="en-US" sz="900" b="0" i="0" u="none" strike="noStrike" dirty="0">
                           <a:solidFill>
                             <a:srgbClr val="020302"/>
                           </a:solidFill>
-                          <a:latin typeface="AdobeClean-Light" panose="020B0503020404020204" pitchFamily="34" charset="0"/>
+                          <a:effectLst/>
+                          <a:latin typeface="AdobeClean-Light"/>
                         </a:rPr>
-                        <a:t>24x5/1 ora</a:t>
+                        <a:t>24x5 / 1 hour</a:t>
                       </a:r>
                     </a:p>
                   </a:txBody>
@@ -3429,15 +4189,109 @@
                         </a:spcBef>
                       </a:pPr>
                       <a:r>
-                        <a:rPr lang="it-IT" sz="900" b="1">
+                        <a:rPr sz="900" b="1" spc="-15" dirty="0">
                           <a:solidFill>
                             <a:srgbClr val="020302"/>
                           </a:solidFill>
                           <a:latin typeface="Adobe Clean"/>
                           <a:cs typeface="Adobe Clean"/>
                         </a:rPr>
-                        <a:t>PRIORITÀ 3 (P3)</a:t>
+                        <a:t>P</a:t>
                       </a:r>
+                      <a:r>
+                        <a:rPr sz="900" b="1" spc="-20" dirty="0">
+                          <a:solidFill>
+                            <a:srgbClr val="020302"/>
+                          </a:solidFill>
+                          <a:latin typeface="Adobe Clean"/>
+                          <a:cs typeface="Adobe Clean"/>
+                        </a:rPr>
+                        <a:t>R</a:t>
+                      </a:r>
+                      <a:r>
+                        <a:rPr sz="900" b="1" spc="-25" dirty="0">
+                          <a:solidFill>
+                            <a:srgbClr val="020302"/>
+                          </a:solidFill>
+                          <a:latin typeface="Adobe Clean"/>
+                          <a:cs typeface="Adobe Clean"/>
+                        </a:rPr>
+                        <a:t>I</a:t>
+                      </a:r>
+                      <a:r>
+                        <a:rPr sz="900" b="1" spc="-15" dirty="0">
+                          <a:solidFill>
+                            <a:srgbClr val="020302"/>
+                          </a:solidFill>
+                          <a:latin typeface="Adobe Clean"/>
+                          <a:cs typeface="Adobe Clean"/>
+                        </a:rPr>
+                        <a:t>O</a:t>
+                      </a:r>
+                      <a:r>
+                        <a:rPr sz="900" b="1" spc="-20" dirty="0">
+                          <a:solidFill>
+                            <a:srgbClr val="020302"/>
+                          </a:solidFill>
+                          <a:latin typeface="Adobe Clean"/>
+                          <a:cs typeface="Adobe Clean"/>
+                        </a:rPr>
+                        <a:t>R</a:t>
+                      </a:r>
+                      <a:r>
+                        <a:rPr sz="900" b="1" spc="-25" dirty="0">
+                          <a:solidFill>
+                            <a:srgbClr val="020302"/>
+                          </a:solidFill>
+                          <a:latin typeface="Adobe Clean"/>
+                          <a:cs typeface="Adobe Clean"/>
+                        </a:rPr>
+                        <a:t>I</a:t>
+                      </a:r>
+                      <a:r>
+                        <a:rPr sz="900" b="1" spc="-15" dirty="0">
+                          <a:solidFill>
+                            <a:srgbClr val="020302"/>
+                          </a:solidFill>
+                          <a:latin typeface="Adobe Clean"/>
+                          <a:cs typeface="Adobe Clean"/>
+                        </a:rPr>
+                        <a:t>T</a:t>
+                      </a:r>
+                      <a:r>
+                        <a:rPr sz="900" b="1" dirty="0">
+                          <a:solidFill>
+                            <a:srgbClr val="020302"/>
+                          </a:solidFill>
+                          <a:latin typeface="Adobe Clean"/>
+                          <a:cs typeface="Adobe Clean"/>
+                        </a:rPr>
+                        <a:t>Y</a:t>
+                      </a:r>
+                      <a:r>
+                        <a:rPr sz="900" b="1" spc="-40" dirty="0">
+                          <a:solidFill>
+                            <a:srgbClr val="020302"/>
+                          </a:solidFill>
+                          <a:latin typeface="Adobe Clean"/>
+                          <a:cs typeface="Adobe Clean"/>
+                        </a:rPr>
+                        <a:t> </a:t>
+                      </a:r>
+                      <a:r>
+                        <a:rPr sz="900" b="1" dirty="0">
+                          <a:solidFill>
+                            <a:srgbClr val="020302"/>
+                          </a:solidFill>
+                          <a:latin typeface="Adobe Clean"/>
+                          <a:cs typeface="Adobe Clean"/>
+                        </a:rPr>
+                        <a:t>3</a:t>
+                      </a:r>
+                      <a:endParaRPr sz="900" dirty="0">
+                        <a:latin typeface="Adobe Clean"/>
+                        <a:cs typeface="Adobe Clean"/>
+                      </a:endParaRPr>
                     </a:p>
                     <a:p>
                       <a:pPr marL="49530" marR="212090" indent="-2540">
@@ -3449,16 +4303,45 @@
                         </a:spcBef>
                       </a:pPr>
                       <a:r>
-                        <a:rPr lang="it-IT" sz="900" b="0" i="0" u="none" strike="noStrike">
+                        <a:rPr lang="en-US" sz="900" b="0" i="0" u="none" strike="noStrike" dirty="0">
                           <a:solidFill>
                             <a:schemeClr val="tx1"/>
                           </a:solidFill>
+                          <a:effectLst/>
                           <a:latin typeface="Adobe Clean Light"/>
                           <a:ea typeface="+mn-ea"/>
                           <a:cs typeface="+mn-cs"/>
                         </a:rPr>
-                        <a:t>Le funzioni operative del cliente sono interessate da deterioramento lieve dei servizi (o nessun deterioramento), tuttavia è possibile procedere mediante una soluzione temporanea </a:t>
+                        <a:t>Customer's business </a:t>
                       </a:r>
+                      <a:r>
+                        <a:rPr lang="en-US" sz="900" b="0" i="0" u="none" strike="noStrike">
+                          <a:solidFill>
+                            <a:schemeClr val="tx1"/>
+                          </a:solidFill>
+                          <a:effectLst/>
+                          <a:latin typeface="Adobe Clean Light"/>
+                          <a:ea typeface="+mn-ea"/>
+                          <a:cs typeface="+mn-cs"/>
+                        </a:rPr>
+                        <a:t>functions have </a:t>
+                      </a:r>
+                      <a:r>
+                        <a:rPr lang="en-US" sz="900" b="0" i="0" u="none" strike="noStrike" dirty="0">
+                          <a:solidFill>
+                            <a:schemeClr val="tx1"/>
+                          </a:solidFill>
+                          <a:effectLst/>
+                          <a:latin typeface="Adobe Clean Light"/>
+                          <a:ea typeface="+mn-ea"/>
+                          <a:cs typeface="+mn-cs"/>
+                        </a:rPr>
+                        <a:t>minor to no degradation of services with a solution/workaround allowing business functions to continue </a:t>
+                      </a:r>
+                      <a:endParaRPr lang="en-US" sz="900" b="0" i="0" dirty="0">
+                        <a:latin typeface="Adobe Clean Light"/>
+                        <a:cs typeface="AdobeClean-Light"/>
+                      </a:endParaRPr>
                     </a:p>
                   </a:txBody>
                   <a:tcPr marL="0" marR="0" marT="0" marB="0" anchor="ctr">
@@ -3498,13 +4381,14 @@
                     <a:p>
                       <a:pPr algn="ctr" fontAlgn="ctr"/>
                       <a:r>
-                        <a:rPr lang="it-IT" sz="900" b="0" i="0" u="none" strike="noStrike">
+                        <a:rPr lang="en-US" sz="900" b="0" i="0" u="none" strike="noStrike" dirty="0">
                           <a:solidFill>
                             <a:srgbClr val="020302"/>
                           </a:solidFill>
+                          <a:effectLst/>
                           <a:latin typeface="AdobeClean-Light" panose="020B0503020404020204" pitchFamily="34" charset="0"/>
                         </a:rPr>
-                        <a:t>Orario operativo/6 ore</a:t>
+                        <a:t>Business hours / 6 hours</a:t>
                       </a:r>
                     </a:p>
                   </a:txBody>
@@ -3545,13 +4429,14 @@
                     <a:p>
                       <a:pPr algn="ctr" fontAlgn="ctr"/>
                       <a:r>
-                        <a:rPr lang="it-IT" sz="900" b="0" i="0" u="none" strike="noStrike">
+                        <a:rPr lang="en-US" sz="900" b="0" i="0" u="none" strike="noStrike" dirty="0">
                           <a:solidFill>
                             <a:srgbClr val="020302"/>
                           </a:solidFill>
-                          <a:latin typeface="AdobeClean-Light" panose="020B0503020404020204" pitchFamily="34" charset="0"/>
+                          <a:effectLst/>
+                          <a:latin typeface="AdobeClean-Light"/>
                         </a:rPr>
-                        <a:t>Orario operativo/2 ore</a:t>
+                        <a:t>Business hours / 2 hours</a:t>
                       </a:r>
                     </a:p>
                   </a:txBody>
@@ -3614,15 +4499,109 @@
                         </a:spcBef>
                       </a:pPr>
                       <a:r>
-                        <a:rPr lang="it-IT" sz="900" b="1">
+                        <a:rPr sz="900" b="1" spc="-15" dirty="0">
                           <a:solidFill>
                             <a:srgbClr val="020302"/>
                           </a:solidFill>
                           <a:latin typeface="Adobe Clean"/>
                           <a:cs typeface="Adobe Clean"/>
                         </a:rPr>
-                        <a:t>PRIORITÀ 4 (P4)</a:t>
+                        <a:t>P</a:t>
                       </a:r>
+                      <a:r>
+                        <a:rPr sz="900" b="1" spc="-20" dirty="0">
+                          <a:solidFill>
+                            <a:srgbClr val="020302"/>
+                          </a:solidFill>
+                          <a:latin typeface="Adobe Clean"/>
+                          <a:cs typeface="Adobe Clean"/>
+                        </a:rPr>
+                        <a:t>R</a:t>
+                      </a:r>
+                      <a:r>
+                        <a:rPr sz="900" b="1" spc="-25" dirty="0">
+                          <a:solidFill>
+                            <a:srgbClr val="020302"/>
+                          </a:solidFill>
+                          <a:latin typeface="Adobe Clean"/>
+                          <a:cs typeface="Adobe Clean"/>
+                        </a:rPr>
+                        <a:t>I</a:t>
+                      </a:r>
+                      <a:r>
+                        <a:rPr sz="900" b="1" spc="-15" dirty="0">
+                          <a:solidFill>
+                            <a:srgbClr val="020302"/>
+                          </a:solidFill>
+                          <a:latin typeface="Adobe Clean"/>
+                          <a:cs typeface="Adobe Clean"/>
+                        </a:rPr>
+                        <a:t>O</a:t>
+                      </a:r>
+                      <a:r>
+                        <a:rPr sz="900" b="1" spc="-20" dirty="0">
+                          <a:solidFill>
+                            <a:srgbClr val="020302"/>
+                          </a:solidFill>
+                          <a:latin typeface="Adobe Clean"/>
+                          <a:cs typeface="Adobe Clean"/>
+                        </a:rPr>
+                        <a:t>R</a:t>
+                      </a:r>
+                      <a:r>
+                        <a:rPr sz="900" b="1" spc="-25" dirty="0">
+                          <a:solidFill>
+                            <a:srgbClr val="020302"/>
+                          </a:solidFill>
+                          <a:latin typeface="Adobe Clean"/>
+                          <a:cs typeface="Adobe Clean"/>
+                        </a:rPr>
+                        <a:t>I</a:t>
+                      </a:r>
+                      <a:r>
+                        <a:rPr sz="900" b="1" spc="-15" dirty="0">
+                          <a:solidFill>
+                            <a:srgbClr val="020302"/>
+                          </a:solidFill>
+                          <a:latin typeface="Adobe Clean"/>
+                          <a:cs typeface="Adobe Clean"/>
+                        </a:rPr>
+                        <a:t>T</a:t>
+                      </a:r>
+                      <a:r>
+                        <a:rPr sz="900" b="1" dirty="0">
+                          <a:solidFill>
+                            <a:srgbClr val="020302"/>
+                          </a:solidFill>
+                          <a:latin typeface="Adobe Clean"/>
+                          <a:cs typeface="Adobe Clean"/>
+                        </a:rPr>
+                        <a:t>Y</a:t>
+                      </a:r>
+                      <a:r>
+                        <a:rPr sz="900" b="1" spc="-40" dirty="0">
+                          <a:solidFill>
+                            <a:srgbClr val="020302"/>
+                          </a:solidFill>
+                          <a:latin typeface="Adobe Clean"/>
+                          <a:cs typeface="Adobe Clean"/>
+                        </a:rPr>
+                        <a:t> </a:t>
+                      </a:r>
+                      <a:r>
+                        <a:rPr sz="900" b="1" dirty="0">
+                          <a:solidFill>
+                            <a:srgbClr val="020302"/>
+                          </a:solidFill>
+                          <a:latin typeface="Adobe Clean"/>
+                          <a:cs typeface="Adobe Clean"/>
+                        </a:rPr>
+                        <a:t>4</a:t>
+                      </a:r>
+                      <a:endParaRPr sz="900" dirty="0">
+                        <a:latin typeface="Adobe Clean"/>
+                        <a:cs typeface="Adobe Clean"/>
+                      </a:endParaRPr>
                     </a:p>
                     <a:p>
                       <a:pPr marL="49530">
@@ -3634,27 +4613,31 @@
                         </a:spcBef>
                       </a:pPr>
                       <a:r>
-                        <a:rPr lang="it-IT" sz="900" b="1">
+                        <a:rPr lang="en-US" sz="900" b="1" spc="-90" dirty="0">
                           <a:solidFill>
                             <a:srgbClr val="020302"/>
                           </a:solidFill>
                           <a:latin typeface="Adobe Clean"/>
-                          <a:ea typeface="+mn-ea"/>
                           <a:cs typeface="+mn-cs"/>
                         </a:rPr>
                         <a:t> </a:t>
                       </a:r>
                       <a:r>
-                        <a:rPr lang="it-IT" sz="900" b="0" i="0" u="none" strike="noStrike">
+                        <a:rPr lang="en-US" sz="900" b="0" i="0" u="none" strike="noStrike" dirty="0">
                           <a:solidFill>
                             <a:schemeClr val="tx1"/>
                           </a:solidFill>
+                          <a:effectLst/>
                           <a:latin typeface="Adobe Clean Light"/>
                           <a:ea typeface="+mn-ea"/>
                           <a:cs typeface="+mn-cs"/>
                         </a:rPr>
-                        <a:t>Domande generali sulle attuali funzionalità del prodotto o su una richiesta di miglioramento</a:t>
+                        <a:t>General question regarding current product functionality or an enhancement request</a:t>
                       </a:r>
+                      <a:endParaRPr lang="en-US" sz="900" b="0" i="0" dirty="0">
+                        <a:latin typeface="Adobe Clean Light"/>
+                        <a:cs typeface="AdobeClean-Light"/>
+                      </a:endParaRPr>
                     </a:p>
                   </a:txBody>
                   <a:tcPr marL="0" marR="0" marT="0" marB="0" anchor="ctr">
@@ -3694,13 +4677,14 @@
                     <a:p>
                       <a:pPr algn="ctr" fontAlgn="ctr"/>
                       <a:r>
-                        <a:rPr lang="it-IT" sz="900" b="0" i="0" u="none" strike="noStrike">
+                        <a:rPr lang="en-US" sz="900" b="0" i="0" u="none" strike="noStrike" dirty="0">
                           <a:solidFill>
                             <a:srgbClr val="020302"/>
                           </a:solidFill>
+                          <a:effectLst/>
                           <a:latin typeface="AdobeClean-Light" panose="020B0503020404020204" pitchFamily="34" charset="0"/>
                         </a:rPr>
-                        <a:t>Giorni lavorativi/3 giorni</a:t>
+                        <a:t>Business days / 3 days</a:t>
                       </a:r>
                     </a:p>
                   </a:txBody>
@@ -3741,13 +4725,14 @@
                     <a:p>
                       <a:pPr algn="ctr" fontAlgn="ctr"/>
                       <a:r>
-                        <a:rPr lang="it-IT" sz="900" b="0" i="0" u="none" strike="noStrike" dirty="0">
+                        <a:rPr lang="en-US" sz="900" b="0" i="0" u="none" strike="noStrike" dirty="0">
                           <a:solidFill>
                             <a:srgbClr val="020302"/>
                           </a:solidFill>
+                          <a:effectLst/>
                           <a:latin typeface="AdobeClean-Light" panose="020B0503020404020204" pitchFamily="34" charset="0"/>
                         </a:rPr>
-                        <a:t>Giorni lavorativi/1 giorno</a:t>
+                        <a:t>Business days / 1 day</a:t>
                       </a:r>
                     </a:p>
                   </a:txBody>
@@ -3855,8 +4840,40 @@
               </a:spcBef>
             </a:pPr>
             <a:r>
-              <a:rPr lang="it-IT"/>
-              <a:t>©2021 Adobe. All Rights Reserved. Adobe Confidential.</a:t>
+              <a:rPr spc="-10"/>
+              <a:t>©202</a:t>
+            </a:r>
+            <a:r>
+              <a:rPr lang="en-US" spc="-10"/>
+              <a:t>1</a:t>
+            </a:r>
+            <a:r>
+              <a:rPr spc="-5"/>
+              <a:t> Adobe. All</a:t>
+            </a:r>
+            <a:r>
+              <a:rPr spc="-10"/>
+              <a:t> Rights</a:t>
+            </a:r>
+            <a:r>
+              <a:rPr spc="-5"/>
+              <a:t> </a:t>
+            </a:r>
+            <a:r>
+              <a:rPr spc="-10"/>
+              <a:t>Reserved.</a:t>
+            </a:r>
+            <a:r>
+              <a:rPr spc="-5"/>
+              <a:t> Adobe</a:t>
+            </a:r>
+            <a:r>
+              <a:rPr spc="60"/>
+              <a:t> </a:t>
+            </a:r>
+            <a:r>
+              <a:rPr spc="-10"/>
+              <a:t>Confidential.</a:t>
             </a:r>
           </a:p>
         </p:txBody>
@@ -3890,7 +4907,7 @@
           <a:lstStyle/>
           <a:p>
             <a:r>
-              <a:rPr lang="it-IT" sz="700" i="1">
+              <a:rPr lang="en-US" sz="700" i="1">
                 <a:solidFill>
                   <a:schemeClr val="bg1"/>
                 </a:solidFill>
@@ -3915,7 +4932,7 @@
         <p:spPr>
           <a:xfrm>
             <a:off x="146919" y="756605"/>
-            <a:ext cx="6035427" cy="1090940"/>
+            <a:ext cx="6035427" cy="1243417"/>
           </a:xfrm>
           <a:prstGeom prst="rect">
             <a:avLst/>
@@ -3936,7 +4953,7 @@
               </a:spcBef>
             </a:pPr>
             <a:r>
-              <a:rPr lang="it-IT" sz="1200" dirty="0">
+              <a:rPr lang="en-US" sz="1200" dirty="0">
                 <a:solidFill>
                   <a:schemeClr val="bg1"/>
                 </a:solidFill>
@@ -3945,7 +4962,7 @@
               <a:t>Online | Business |</a:t>
             </a:r>
             <a:r>
-              <a:rPr lang="it-IT" sz="1200" b="1" dirty="0">
+              <a:rPr lang="en-US" sz="1200" b="1" dirty="0">
                 <a:solidFill>
                   <a:schemeClr val="bg1"/>
                 </a:solidFill>
@@ -3954,16 +4971,15 @@
               <a:t> </a:t>
             </a:r>
             <a:r>
-              <a:rPr lang="it-IT" sz="1200" b="1" dirty="0">
+              <a:rPr lang="en-US" sz="1200" b="1" dirty="0">
                 <a:solidFill>
                   <a:schemeClr val="bg1"/>
                 </a:solidFill>
-                <a:latin typeface="Adobe Clean" panose="020B0503020404020204" pitchFamily="34" charset="0"/>
               </a:rPr>
               <a:t>Enterprise</a:t>
             </a:r>
             <a:r>
-              <a:rPr lang="it-IT" sz="1200" b="1" dirty="0">
+              <a:rPr lang="en-US" sz="1200" b="1" dirty="0">
                 <a:solidFill>
                   <a:schemeClr val="bg1"/>
                 </a:solidFill>
@@ -3972,7 +4988,7 @@
               <a:t> </a:t>
             </a:r>
             <a:r>
-              <a:rPr lang="it-IT" sz="1200" dirty="0">
+              <a:rPr lang="en-US" sz="1200" dirty="0">
                 <a:solidFill>
                   <a:schemeClr val="bg1"/>
                 </a:solidFill>
@@ -3981,7 +4997,7 @@
               <a:t>| Elite</a:t>
             </a:r>
             <a:br>
-              <a:rPr lang="it-IT" sz="900" dirty="0">
+              <a:rPr lang="en-US" sz="900" dirty="0">
                 <a:solidFill>
                   <a:schemeClr val="bg1"/>
                 </a:solidFill>
@@ -3989,90 +5005,21 @@
               </a:rPr>
             </a:br>
             <a:r>
-              <a:rPr lang="it-IT" sz="900" dirty="0">
+              <a:rPr lang="en-US" sz="900" dirty="0">
                 <a:solidFill>
                   <a:schemeClr val="bg1"/>
                 </a:solidFill>
-              </a:rPr>
-              <a:t>Il supporto </a:t>
-            </a:r>
-            <a:r>
-              <a:rPr lang="it-IT" sz="900" dirty="0">
-                <a:solidFill>
-                  <a:schemeClr val="bg1"/>
-                </a:solidFill>
                 <a:latin typeface="Adobe Clean SemiLight" panose="020B0403020404020204" pitchFamily="34" charset="0"/>
               </a:rPr>
-              <a:t>ENTERPRISE include l’accesso a percorsi di apprendimento personalizzati e forum della community monitorati tramite Adobe Experience League. Puoi inoltre usufruire di documentazione tecnica dettagliata e note sulla versione sempre aggiornate. </a:t>
-            </a:r>
-            <a:br>
-              <a:rPr lang="it-IT" sz="900" dirty="0">
-                <a:solidFill>
-                  <a:schemeClr val="bg1"/>
-                </a:solidFill>
-                <a:latin typeface="Adobe Clean SemiLight" panose="020B0403020404020204" pitchFamily="34" charset="0"/>
-              </a:rPr>
-            </a:br>
-            <a:r>
-              <a:rPr lang="it-IT" sz="900" dirty="0">
-                <a:solidFill>
-                  <a:schemeClr val="bg1"/>
-                </a:solidFill>
-                <a:latin typeface="Adobe Clean SemiLight" panose="020B0403020404020204" pitchFamily="34" charset="0"/>
-              </a:rPr>
-              <a:t>Ai clienti ENTERPRISE viene assegnato un Named Support Engineer che sarà il tuo contatto tecnico di riferimento all’interno</a:t>
-            </a:r>
-            <a:br>
-              <a:rPr lang="it-IT" sz="900" dirty="0">
-                <a:solidFill>
-                  <a:schemeClr val="bg1"/>
-                </a:solidFill>
-                <a:latin typeface="Adobe Clean SemiLight" panose="020B0403020404020204" pitchFamily="34" charset="0"/>
-              </a:rPr>
-            </a:br>
-            <a:r>
-              <a:rPr lang="it-IT" sz="900" dirty="0">
-                <a:solidFill>
-                  <a:schemeClr val="bg1"/>
-                </a:solidFill>
-                <a:latin typeface="Adobe Clean SemiLight" panose="020B0403020404020204" pitchFamily="34" charset="0"/>
-              </a:rPr>
-              <a:t>del team Adobe Support. Conoscendo a fondo le tue specifiche soluzioni Experience Cloud, il team Adobe Support affiancherà </a:t>
-            </a:r>
-            <a:br>
-              <a:rPr lang="it-IT" sz="900" dirty="0">
-                <a:solidFill>
-                  <a:schemeClr val="bg1"/>
-                </a:solidFill>
-                <a:latin typeface="Adobe Clean SemiLight" panose="020B0403020404020204" pitchFamily="34" charset="0"/>
-              </a:rPr>
-            </a:br>
-            <a:r>
-              <a:rPr lang="it-IT" sz="900" dirty="0">
-                <a:solidFill>
-                  <a:schemeClr val="bg1"/>
-                </a:solidFill>
-                <a:latin typeface="Adobe Clean SemiLight" panose="020B0403020404020204" pitchFamily="34" charset="0"/>
-              </a:rPr>
-              <a:t>i tuoi team tecnici per garantire la rapida risoluzione di tutte le richieste di supporto. Inoltre, può assistere nel coordinare </a:t>
-            </a:r>
-            <a:br>
-              <a:rPr lang="it-IT" sz="900" dirty="0">
-                <a:solidFill>
-                  <a:schemeClr val="bg1"/>
-                </a:solidFill>
-                <a:latin typeface="Adobe Clean SemiLight" panose="020B0403020404020204" pitchFamily="34" charset="0"/>
-              </a:rPr>
-            </a:br>
-            <a:r>
-              <a:rPr lang="it-IT" sz="900" dirty="0">
-                <a:solidFill>
-                  <a:schemeClr val="bg1"/>
-                </a:solidFill>
-                <a:latin typeface="Adobe Clean SemiLight" panose="020B0403020404020204" pitchFamily="34" charset="0"/>
-              </a:rPr>
-              <a:t>l’erogazione di ulteriori benefici ENTERPRISE, riducendo al minimo il disagio nei momenti più critici. </a:t>
-            </a:r>
+              <a:t>ENTERPRISE support includes access to personalized learning paths and monitored community forums via the Adobe Experience League. You can also take advantage of our detailed and in-depth technical product documentation and current release notes. ENTERPRISE customers will also be provided with a Named Support Engineer who acts as your designated technical contact in the Adobe Support Team. With deep experience in your designated Experience Cloud solution, your support team will work in partnership with you and your technical teams to ensure timely resolution of all support requests. Your support team can also help coordinate and arrange delivery of the additional ENTERPRISE benefits ensuring minimal disruption to your business at the most critical time. </a:t>
+            </a:r>
+            <a:endParaRPr lang="en-US" sz="900" dirty="0">
+              <a:solidFill>
+                <a:schemeClr val="bg1"/>
+              </a:solidFill>
+              <a:latin typeface="Adobe Clean Light" panose="020B0303020404020204" pitchFamily="34" charset="0"/>
+              <a:cs typeface="AdobeClean-Light"/>
+            </a:endParaRPr>
           </a:p>
         </p:txBody>
       </p:sp>
@@ -4091,14 +5038,14 @@
           <p:nvPr>
             <p:extLst>
               <p:ext uri="{D42A27DB-BD31-4B8C-83A1-F6EECF244321}">
-                <p14:modId xmlns:p14="http://schemas.microsoft.com/office/powerpoint/2010/main" val="220313572"/>
+                <p14:modId xmlns:p14="http://schemas.microsoft.com/office/powerpoint/2010/main" val="2813555721"/>
               </p:ext>
             </p:extLst>
           </p:nvPr>
         </p:nvGraphicFramePr>
         <p:xfrm>
           <a:off x="125148" y="2159576"/>
-          <a:ext cx="7498851" cy="4776202"/>
+          <a:ext cx="7498851" cy="4675190"/>
         </p:xfrm>
         <a:graphic>
           <a:graphicData uri="http://schemas.openxmlformats.org/drawingml/2006/table">
@@ -4180,15 +5127,19 @@
                         <a:defRPr/>
                       </a:pPr>
                       <a:r>
-                        <a:rPr lang="it-IT" sz="900">
+                        <a:rPr lang="en-US" sz="900" spc="0">
                           <a:solidFill>
                             <a:srgbClr val="404040"/>
                           </a:solidFill>
                           <a:latin typeface="Adobe Clean"/>
                           <a:cs typeface="Adobe Clean"/>
                         </a:rPr>
-                        <a:t>Supporto Online</a:t>
+                        <a:t>Online  Support</a:t>
                       </a:r>
+                      <a:endParaRPr lang="en-US" sz="900" spc="0">
+                        <a:latin typeface="Adobe Clean"/>
+                        <a:cs typeface="Adobe Clean"/>
+                      </a:endParaRPr>
                     </a:p>
                   </a:txBody>
                   <a:tcPr marL="0" marR="0" marT="7620" marB="0" anchor="ctr">
@@ -4229,15 +5180,29 @@
                         </a:spcBef>
                       </a:pPr>
                       <a:r>
-                        <a:rPr lang="it-IT" sz="900">
+                        <a:rPr lang="en-US" sz="900" spc="0">
                           <a:solidFill>
                             <a:srgbClr val="FFFFFF"/>
                           </a:solidFill>
                           <a:latin typeface="Adobe Clean"/>
                           <a:cs typeface="Adobe Clean"/>
                         </a:rPr>
-                        <a:t>Supporto Enterprise</a:t>
+                        <a:t>Enterprise </a:t>
                       </a:r>
+                      <a:r>
+                        <a:rPr sz="900" spc="0">
+                          <a:solidFill>
+                            <a:srgbClr val="FFFFFF"/>
+                          </a:solidFill>
+                          <a:latin typeface="Adobe Clean"/>
+                          <a:cs typeface="Adobe Clean"/>
+                        </a:rPr>
+                        <a:t>Support</a:t>
+                      </a:r>
+                      <a:endParaRPr sz="900" spc="0">
+                        <a:latin typeface="Adobe Clean"/>
+                        <a:cs typeface="Adobe Clean"/>
+                      </a:endParaRPr>
                     </a:p>
                   </a:txBody>
                   <a:tcPr marL="0" marR="0" marT="7620" marB="0" anchor="ctr">
@@ -4305,7 +5270,7 @@
                     <a:bodyPr/>
                     <a:lstStyle/>
                     <a:p>
-                      <a:pPr marL="0" marR="0" lvl="0" indent="0" algn="l" defTabSz="914400" rtl="0" eaLnBrk="1" fontAlgn="auto" latinLnBrk="0" hangingPunct="1">
+                      <a:pPr marL="0" marR="0" lvl="0" indent="0" algn="ctr" defTabSz="914400" eaLnBrk="1" fontAlgn="auto" latinLnBrk="0" hangingPunct="1">
                         <a:lnSpc>
                           <a:spcPct val="100000"/>
                         </a:lnSpc>
@@ -4386,13 +5351,13 @@
                         <a:defRPr/>
                       </a:pPr>
                       <a:r>
-                        <a:rPr lang="it-IT" sz="800" i="1">
+                        <a:rPr lang="en-US" sz="800" i="1">
                           <a:solidFill>
                             <a:schemeClr val="bg1"/>
                           </a:solidFill>
                           <a:latin typeface="Adobe Clean Light" panose="020B0303020404020204" pitchFamily="34" charset="0"/>
                         </a:rPr>
-                        <a:t>Supporto a pagamento ($)</a:t>
+                        <a:t>Paid Support ($)</a:t>
                       </a:r>
                     </a:p>
                   </a:txBody>
@@ -4456,15 +5421,22 @@
                         </a:spcBef>
                       </a:pPr>
                       <a:r>
-                        <a:rPr lang="it-IT" sz="1000" b="1" i="0">
+                        <a:rPr lang="en-US" sz="1000" b="1" i="0" spc="0">
                           <a:solidFill>
                             <a:schemeClr val="bg1"/>
                           </a:solidFill>
                           <a:latin typeface="Adobe Clean" panose="020B0503020404020204" pitchFamily="34" charset="0"/>
                           <a:cs typeface="AdobeClean-Light"/>
                         </a:rPr>
-                        <a:t>Esperti assegnati</a:t>
+                        <a:t>Assigned Experts</a:t>
                       </a:r>
+                      <a:endParaRPr sz="1000" b="1" i="0" spc="0">
+                        <a:solidFill>
+                          <a:schemeClr val="bg1"/>
+                        </a:solidFill>
+                        <a:latin typeface="Adobe Clean" panose="020B0503020404020204" pitchFamily="34" charset="0"/>
+                        <a:cs typeface="AdobeClean-Light"/>
+                      </a:endParaRPr>
                     </a:p>
                   </a:txBody>
                   <a:tcPr marL="0" marR="0" marT="58419" marB="0" anchor="ctr">
@@ -4511,7 +5483,7 @@
                         </a:spcBef>
                       </a:pPr>
                       <a:r>
-                        <a:rPr lang="it-IT" sz="900">
+                        <a:rPr sz="900" spc="0">
                           <a:solidFill>
                             <a:srgbClr val="020302"/>
                           </a:solidFill>
@@ -4520,6 +5492,10 @@
                         </a:rPr>
                         <a:t>Account Support Lead</a:t>
                       </a:r>
+                      <a:endParaRPr sz="900" spc="0">
+                        <a:latin typeface="AdobeClean-Light"/>
+                        <a:cs typeface="AdobeClean-Light"/>
+                      </a:endParaRPr>
                     </a:p>
                   </a:txBody>
                   <a:tcPr marL="0" marR="0" marT="58419" marB="0">
@@ -4554,7 +5530,7 @@
                     <a:bodyPr/>
                     <a:lstStyle/>
                     <a:p>
-                      <a:pPr algn="l" rtl="0">
+                      <a:pPr algn="ctr">
                         <a:lnSpc>
                           <a:spcPct val="100000"/>
                         </a:lnSpc>
@@ -4595,7 +5571,7 @@
                     <a:bodyPr/>
                     <a:lstStyle/>
                     <a:p>
-                      <a:pPr algn="l" rtl="0">
+                      <a:pPr algn="ctr">
                         <a:lnSpc>
                           <a:spcPct val="100000"/>
                         </a:lnSpc>
@@ -4638,7 +5614,7 @@
                     <a:bodyPr/>
                     <a:lstStyle/>
                     <a:p>
-                      <a:pPr marL="50800" algn="l" rtl="0">
+                      <a:pPr marL="50800">
                         <a:lnSpc>
                           <a:spcPct val="100000"/>
                         </a:lnSpc>
@@ -4684,7 +5660,7 @@
                         </a:spcBef>
                       </a:pPr>
                       <a:r>
-                        <a:rPr lang="it-IT" sz="900">
+                        <a:rPr sz="900" spc="0">
                           <a:solidFill>
                             <a:srgbClr val="020302"/>
                           </a:solidFill>
@@ -4693,6 +5669,10 @@
                         </a:rPr>
                         <a:t>Named Support Engineer</a:t>
                       </a:r>
+                      <a:endParaRPr sz="900" spc="0">
+                        <a:latin typeface="AdobeClean-Light"/>
+                        <a:cs typeface="AdobeClean-Light"/>
+                      </a:endParaRPr>
                     </a:p>
                   </a:txBody>
                   <a:tcPr marL="0" marR="0" marT="58419" marB="0">
@@ -4715,7 +5695,7 @@
                     <a:bodyPr/>
                     <a:lstStyle/>
                     <a:p>
-                      <a:pPr algn="l" rtl="0">
+                      <a:pPr algn="ctr">
                         <a:lnSpc>
                           <a:spcPct val="100000"/>
                         </a:lnSpc>
@@ -4762,7 +5742,7 @@
                         <a:defRPr/>
                       </a:pPr>
                       <a:r>
-                        <a:rPr lang="it-IT" sz="900">
+                        <a:rPr lang="en-US" sz="900">
                           <a:solidFill>
                             <a:srgbClr val="020302"/>
                           </a:solidFill>
@@ -4771,6 +5751,10 @@
                         </a:rPr>
                         <a:t></a:t>
                       </a:r>
+                      <a:endParaRPr lang="en-US" sz="900">
+                        <a:latin typeface="Wingdings"/>
+                        <a:cs typeface="Wingdings"/>
+                      </a:endParaRPr>
                     </a:p>
                   </a:txBody>
                   <a:tcPr marL="0" marR="0" marT="0" marB="0" anchor="ctr">
@@ -4793,7 +5777,7 @@
                     <a:bodyPr/>
                     <a:lstStyle/>
                     <a:p>
-                      <a:pPr marL="50800" algn="l" rtl="0">
+                      <a:pPr marL="50800">
                         <a:lnSpc>
                           <a:spcPct val="100000"/>
                         </a:lnSpc>
@@ -4851,7 +5835,7 @@
                         </a:spcBef>
                       </a:pPr>
                       <a:r>
-                        <a:rPr lang="it-IT" sz="900">
+                        <a:rPr sz="900" spc="0">
                           <a:solidFill>
                             <a:srgbClr val="020302"/>
                           </a:solidFill>
@@ -4860,6 +5844,10 @@
                         </a:rPr>
                         <a:t>Technical Account Manager</a:t>
                       </a:r>
+                      <a:endParaRPr sz="900" spc="0">
+                        <a:latin typeface="AdobeClean-Light"/>
+                        <a:cs typeface="AdobeClean-Light"/>
+                      </a:endParaRPr>
                     </a:p>
                   </a:txBody>
                   <a:tcPr marL="0" marR="0" marT="63500" marB="0">
@@ -4888,7 +5876,7 @@
                     <a:bodyPr/>
                     <a:lstStyle/>
                     <a:p>
-                      <a:pPr algn="l" rtl="0">
+                      <a:pPr algn="ctr">
                         <a:lnSpc>
                           <a:spcPct val="100000"/>
                         </a:lnSpc>
@@ -4926,7 +5914,7 @@
                     <a:bodyPr/>
                     <a:lstStyle/>
                     <a:p>
-                      <a:pPr algn="l" rtl="0">
+                      <a:pPr algn="ctr">
                         <a:lnSpc>
                           <a:spcPct val="100000"/>
                         </a:lnSpc>
@@ -4977,15 +5965,22 @@
                         </a:spcBef>
                       </a:pPr>
                       <a:r>
-                        <a:rPr lang="it-IT" sz="1000" b="1" i="0">
+                        <a:rPr lang="en-US" sz="1000" b="1" i="0" spc="0">
                           <a:solidFill>
                             <a:schemeClr val="bg1"/>
                           </a:solidFill>
                           <a:latin typeface="Adobe Clean" panose="020B0503020404020204" pitchFamily="34" charset="0"/>
                           <a:cs typeface="AdobeClean-Light"/>
                         </a:rPr>
-                        <a:t>Servizi di assistenza</a:t>
+                        <a:t>Support Services</a:t>
                       </a:r>
+                      <a:endParaRPr sz="1000" b="1" i="0" spc="0">
+                        <a:solidFill>
+                          <a:schemeClr val="bg1"/>
+                        </a:solidFill>
+                        <a:latin typeface="Adobe Clean" panose="020B0503020404020204" pitchFamily="34" charset="0"/>
+                        <a:cs typeface="AdobeClean-Light"/>
+                      </a:endParaRPr>
                     </a:p>
                   </a:txBody>
                   <a:tcPr marL="0" marR="0" marT="57150" marB="0" anchor="ctr">
@@ -5041,15 +6036,29 @@
                         </a:spcBef>
                       </a:pPr>
                       <a:r>
-                        <a:rPr lang="it-IT" sz="900">
+                        <a:rPr lang="en-US" sz="900" spc="0">
                           <a:solidFill>
                             <a:srgbClr val="020302"/>
                           </a:solidFill>
                           <a:latin typeface="AdobeClean-Light"/>
                           <a:cs typeface="AdobeClean-Light"/>
                         </a:rPr>
-                        <a:t>Supporto Online</a:t>
+                        <a:t>Online</a:t>
                       </a:r>
+                      <a:r>
+                        <a:rPr sz="900" spc="0">
+                          <a:solidFill>
+                            <a:srgbClr val="020302"/>
+                          </a:solidFill>
+                          <a:latin typeface="AdobeClean-Light"/>
+                          <a:cs typeface="AdobeClean-Light"/>
+                        </a:rPr>
+                        <a:t> Support</a:t>
+                      </a:r>
+                      <a:endParaRPr sz="900" spc="0">
+                        <a:latin typeface="AdobeClean-Light"/>
+                        <a:cs typeface="AdobeClean-Light"/>
+                      </a:endParaRPr>
                     </a:p>
                   </a:txBody>
                   <a:tcPr marL="0" marR="0" marT="57150" marB="0">
@@ -5087,15 +6096,39 @@
                         </a:spcBef>
                       </a:pPr>
                       <a:r>
-                        <a:rPr lang="it-IT" sz="900">
+                        <a:rPr sz="900" spc="-25">
                           <a:solidFill>
                             <a:srgbClr val="020302"/>
                           </a:solidFill>
                           <a:latin typeface="AdobeClean-Light"/>
                           <a:cs typeface="AdobeClean-Light"/>
                         </a:rPr>
-                        <a:t>Orario operativo</a:t>
+                        <a:t>Business</a:t>
                       </a:r>
+                      <a:r>
+                        <a:rPr sz="900" spc="-15">
+                          <a:solidFill>
+                            <a:srgbClr val="020302"/>
+                          </a:solidFill>
+                          <a:latin typeface="AdobeClean-Light"/>
+                          <a:cs typeface="AdobeClean-Light"/>
+                        </a:rPr>
+                        <a:t> </a:t>
+                      </a:r>
+                      <a:r>
+                        <a:rPr sz="900" spc="-30">
+                          <a:solidFill>
+                            <a:srgbClr val="020302"/>
+                          </a:solidFill>
+                          <a:latin typeface="AdobeClean-Light"/>
+                          <a:cs typeface="AdobeClean-Light"/>
+                        </a:rPr>
+                        <a:t>hours</a:t>
+                      </a:r>
+                      <a:endParaRPr sz="900">
+                        <a:latin typeface="AdobeClean-Light"/>
+                        <a:cs typeface="AdobeClean-Light"/>
+                      </a:endParaRPr>
                     </a:p>
                   </a:txBody>
                   <a:tcPr marL="0" marR="0" marT="67945" marB="0">
@@ -5134,7 +6167,7 @@
                         </a:spcBef>
                       </a:pPr>
                       <a:r>
-                        <a:rPr lang="it-IT" sz="900">
+                        <a:rPr lang="en-US" sz="900" spc="-25">
                           <a:solidFill>
                             <a:srgbClr val="020302"/>
                           </a:solidFill>
@@ -5143,6 +6176,10 @@
                         </a:rPr>
                         <a:t>24x5</a:t>
                       </a:r>
+                      <a:endParaRPr sz="900">
+                        <a:latin typeface="AdobeClean-Light"/>
+                        <a:cs typeface="AdobeClean-Light"/>
+                      </a:endParaRPr>
                     </a:p>
                   </a:txBody>
                   <a:tcPr marL="0" marR="0" marT="67945" marB="0">
@@ -5176,7 +6213,7 @@
                     <a:bodyPr/>
                     <a:lstStyle/>
                     <a:p>
-                      <a:pPr marL="50800" algn="l" rtl="0">
+                      <a:pPr marL="50800">
                         <a:lnSpc>
                           <a:spcPct val="100000"/>
                         </a:lnSpc>
@@ -5225,15 +6262,39 @@
                         </a:spcBef>
                       </a:pPr>
                       <a:r>
-                        <a:rPr lang="it-IT" sz="900">
+                        <a:rPr sz="900" spc="0">
                           <a:solidFill>
                             <a:srgbClr val="020302"/>
                           </a:solidFill>
                           <a:latin typeface="AdobeClean-Light"/>
                           <a:cs typeface="AdobeClean-Light"/>
                         </a:rPr>
-                        <a:t>Supporto per problemi P1 24x7x365</a:t>
+                        <a:t>24x7</a:t>
                       </a:r>
+                      <a:r>
+                        <a:rPr lang="en-US" sz="900" spc="0">
+                          <a:solidFill>
+                            <a:srgbClr val="020302"/>
+                          </a:solidFill>
+                          <a:latin typeface="AdobeClean-Light"/>
+                          <a:cs typeface="AdobeClean-Light"/>
+                        </a:rPr>
+                        <a:t>x365</a:t>
+                      </a:r>
+                      <a:r>
+                        <a:rPr sz="900" spc="0">
+                          <a:solidFill>
+                            <a:srgbClr val="020302"/>
+                          </a:solidFill>
+                          <a:latin typeface="AdobeClean-Light"/>
+                          <a:cs typeface="AdobeClean-Light"/>
+                        </a:rPr>
+                        <a:t> P1 Issue Support</a:t>
+                      </a:r>
+                      <a:endParaRPr sz="900" spc="0">
+                        <a:latin typeface="AdobeClean-Light"/>
+                        <a:cs typeface="AdobeClean-Light"/>
+                      </a:endParaRPr>
                     </a:p>
                   </a:txBody>
                   <a:tcPr marL="0" marR="0" marT="57785" marB="0">
@@ -5265,7 +6326,7 @@
                         </a:spcBef>
                       </a:pPr>
                       <a:r>
-                        <a:rPr lang="it-IT" sz="900">
+                        <a:rPr sz="900">
                           <a:solidFill>
                             <a:srgbClr val="020302"/>
                           </a:solidFill>
@@ -5274,6 +6335,10 @@
                         </a:rPr>
                         <a:t></a:t>
                       </a:r>
+                      <a:endParaRPr sz="900">
+                        <a:latin typeface="Wingdings"/>
+                        <a:cs typeface="Wingdings"/>
+                      </a:endParaRPr>
                     </a:p>
                   </a:txBody>
                   <a:tcPr marL="0" marR="0" marT="58419" marB="0">
@@ -5303,7 +6368,7 @@
                         </a:spcBef>
                       </a:pPr>
                       <a:r>
-                        <a:rPr lang="it-IT" sz="900">
+                        <a:rPr sz="900">
                           <a:solidFill>
                             <a:srgbClr val="020302"/>
                           </a:solidFill>
@@ -5312,6 +6377,10 @@
                         </a:rPr>
                         <a:t></a:t>
                       </a:r>
+                      <a:endParaRPr sz="900">
+                        <a:latin typeface="Wingdings"/>
+                        <a:cs typeface="Wingdings"/>
+                      </a:endParaRPr>
                     </a:p>
                   </a:txBody>
                   <a:tcPr marL="0" marR="0" marT="58419" marB="0">
@@ -5334,7 +6403,7 @@
                     <a:bodyPr/>
                     <a:lstStyle/>
                     <a:p>
-                      <a:pPr marL="50800" algn="l" rtl="0">
+                      <a:pPr marL="50800">
                         <a:lnSpc>
                           <a:spcPct val="100000"/>
                         </a:lnSpc>
@@ -5392,15 +6461,19 @@
                         </a:spcBef>
                       </a:pPr>
                       <a:r>
-                        <a:rPr lang="it-IT" sz="900">
+                        <a:rPr lang="en-US" sz="900" spc="0">
                           <a:solidFill>
                             <a:srgbClr val="020302"/>
                           </a:solidFill>
                           <a:latin typeface="AdobeClean-Light"/>
                           <a:cs typeface="AdobeClean-Light"/>
                         </a:rPr>
-                        <a:t>Contatti interni per il supporto (per prodotto)</a:t>
+                        <a:t>Named Support Contacts (per product)</a:t>
                       </a:r>
+                      <a:endParaRPr sz="900" spc="0">
+                        <a:latin typeface="AdobeClean-Light"/>
+                        <a:cs typeface="AdobeClean-Light"/>
+                      </a:endParaRPr>
                     </a:p>
                   </a:txBody>
                   <a:tcPr marL="0" marR="0" marT="57785" marB="0">
@@ -5438,7 +6511,7 @@
                         </a:spcBef>
                       </a:pPr>
                       <a:r>
-                        <a:rPr lang="it-IT" sz="900">
+                        <a:rPr sz="900">
                           <a:solidFill>
                             <a:srgbClr val="020302"/>
                           </a:solidFill>
@@ -5447,6 +6520,10 @@
                         </a:rPr>
                         <a:t>4</a:t>
                       </a:r>
+                      <a:endParaRPr sz="900">
+                        <a:latin typeface="AdobeClean-Light"/>
+                        <a:cs typeface="AdobeClean-Light"/>
+                      </a:endParaRPr>
                     </a:p>
                   </a:txBody>
                   <a:tcPr marL="0" marR="0" marT="57785" marB="0">
@@ -5476,7 +6553,7 @@
                         </a:spcBef>
                       </a:pPr>
                       <a:r>
-                        <a:rPr lang="it-IT" sz="900">
+                        <a:rPr lang="en-US" sz="900">
                           <a:solidFill>
                             <a:srgbClr val="020302"/>
                           </a:solidFill>
@@ -5485,6 +6562,10 @@
                         </a:rPr>
                         <a:t>10</a:t>
                       </a:r>
+                      <a:endParaRPr sz="900">
+                        <a:latin typeface="AdobeClean-Light"/>
+                        <a:cs typeface="AdobeClean-Light"/>
+                      </a:endParaRPr>
                     </a:p>
                   </a:txBody>
                   <a:tcPr marL="0" marR="0" marT="57785" marB="0">
@@ -5507,7 +6588,7 @@
                     <a:bodyPr/>
                     <a:lstStyle/>
                     <a:p>
-                      <a:pPr marL="50800" algn="l" rtl="0">
+                      <a:pPr marL="50800">
                         <a:lnSpc>
                           <a:spcPct val="100000"/>
                         </a:lnSpc>
@@ -5556,15 +6637,19 @@
                         </a:spcBef>
                       </a:pPr>
                       <a:r>
-                        <a:rPr lang="it-IT" sz="900">
+                        <a:rPr lang="en-US" sz="900" spc="0">
                           <a:solidFill>
                             <a:srgbClr val="020302"/>
                           </a:solidFill>
                           <a:latin typeface="AdobeClean-Light"/>
                           <a:cs typeface="AdobeClean-Light"/>
                         </a:rPr>
-                        <a:t>Supporto telefonico in diretta</a:t>
+                        <a:t>Live Telephone Support</a:t>
                       </a:r>
+                      <a:endParaRPr sz="900" spc="0">
+                        <a:latin typeface="AdobeClean-Light"/>
+                        <a:cs typeface="AdobeClean-Light"/>
+                      </a:endParaRPr>
                     </a:p>
                   </a:txBody>
                   <a:tcPr marL="0" marR="0" marT="57785" marB="0">
@@ -5587,7 +6672,7 @@
                     <a:bodyPr/>
                     <a:lstStyle/>
                     <a:p>
-                      <a:pPr algn="l" rtl="0">
+                      <a:pPr algn="ctr">
                         <a:lnSpc>
                           <a:spcPct val="100000"/>
                         </a:lnSpc>
@@ -5628,7 +6713,7 @@
                         </a:spcBef>
                       </a:pPr>
                       <a:r>
-                        <a:rPr lang="it-IT" sz="900">
+                        <a:rPr sz="900">
                           <a:solidFill>
                             <a:srgbClr val="020302"/>
                           </a:solidFill>
@@ -5637,6 +6722,10 @@
                         </a:rPr>
                         <a:t></a:t>
                       </a:r>
+                      <a:endParaRPr sz="900">
+                        <a:latin typeface="Wingdings"/>
+                        <a:cs typeface="Wingdings"/>
+                      </a:endParaRPr>
                     </a:p>
                   </a:txBody>
                   <a:tcPr marL="0" marR="0" marT="59054" marB="0">
@@ -5659,7 +6748,7 @@
                     <a:bodyPr/>
                     <a:lstStyle/>
                     <a:p>
-                      <a:pPr marL="50800" algn="l" rtl="0">
+                      <a:pPr marL="50800">
                         <a:lnSpc>
                           <a:spcPct val="100000"/>
                         </a:lnSpc>
@@ -5708,15 +6797,19 @@
                         </a:spcBef>
                       </a:pPr>
                       <a:r>
-                        <a:rPr lang="it-IT" sz="900">
+                        <a:rPr sz="900" spc="0">
                           <a:solidFill>
                             <a:srgbClr val="020302"/>
                           </a:solidFill>
                           <a:latin typeface="AdobeClean-Light"/>
                           <a:cs typeface="AdobeClean-Light"/>
                         </a:rPr>
-                        <a:t>Gestione delle escalation</a:t>
+                        <a:t>Escalation Management</a:t>
                       </a:r>
+                      <a:endParaRPr sz="900" spc="0">
+                        <a:latin typeface="AdobeClean-Light"/>
+                        <a:cs typeface="AdobeClean-Light"/>
+                      </a:endParaRPr>
                     </a:p>
                   </a:txBody>
                   <a:tcPr marL="0" marR="0" marT="58419" marB="0">
@@ -5739,7 +6832,7 @@
                     <a:bodyPr/>
                     <a:lstStyle/>
                     <a:p>
-                      <a:pPr algn="l" rtl="0">
+                      <a:pPr algn="ctr">
                         <a:lnSpc>
                           <a:spcPct val="100000"/>
                         </a:lnSpc>
@@ -5780,7 +6873,7 @@
                         </a:spcBef>
                       </a:pPr>
                       <a:r>
-                        <a:rPr lang="it-IT" sz="900">
+                        <a:rPr sz="900">
                           <a:solidFill>
                             <a:srgbClr val="020302"/>
                           </a:solidFill>
@@ -5789,6 +6882,10 @@
                         </a:rPr>
                         <a:t></a:t>
                       </a:r>
+                      <a:endParaRPr sz="900">
+                        <a:latin typeface="Wingdings"/>
+                        <a:cs typeface="Wingdings"/>
+                      </a:endParaRPr>
                     </a:p>
                   </a:txBody>
                   <a:tcPr marL="0" marR="0" marT="59690" marB="0">
@@ -5811,7 +6908,7 @@
                     <a:bodyPr/>
                     <a:lstStyle/>
                     <a:p>
-                      <a:pPr marL="50800" algn="l" rtl="0">
+                      <a:pPr marL="50800">
                         <a:lnSpc>
                           <a:spcPct val="100000"/>
                         </a:lnSpc>
@@ -5860,15 +6957,29 @@
                         </a:spcBef>
                       </a:pPr>
                       <a:r>
-                        <a:rPr lang="it-IT" sz="900">
+                        <a:rPr sz="900" spc="0">
                           <a:solidFill>
                             <a:srgbClr val="020302"/>
                           </a:solidFill>
                           <a:latin typeface="AdobeClean-Light"/>
                           <a:cs typeface="AdobeClean-Light"/>
                         </a:rPr>
-                        <a:t>Valutazioni dei servizi all’anno</a:t>
+                        <a:t>Service Reviews </a:t>
                       </a:r>
+                      <a:r>
+                        <a:rPr lang="en-US" sz="900" spc="0">
+                          <a:solidFill>
+                            <a:srgbClr val="020302"/>
+                          </a:solidFill>
+                          <a:latin typeface="AdobeClean-Light"/>
+                          <a:cs typeface="AdobeClean-Light"/>
+                        </a:rPr>
+                        <a:t>per Year</a:t>
+                      </a:r>
+                      <a:endParaRPr sz="900" spc="0">
+                        <a:latin typeface="AdobeClean-Light"/>
+                        <a:cs typeface="AdobeClean-Light"/>
+                      </a:endParaRPr>
                     </a:p>
                   </a:txBody>
                   <a:tcPr marL="0" marR="0" marT="57150" marB="0">
@@ -5891,7 +7002,7 @@
                     <a:bodyPr/>
                     <a:lstStyle/>
                     <a:p>
-                      <a:pPr algn="l" rtl="0">
+                      <a:pPr>
                         <a:lnSpc>
                           <a:spcPct val="100000"/>
                         </a:lnSpc>
@@ -5926,12 +7037,16 @@
                         </a:lnSpc>
                       </a:pPr>
                       <a:r>
-                        <a:rPr lang="it-IT" sz="900">
+                        <a:rPr lang="en-US" sz="900">
                           <a:latin typeface="Times New Roman"/>
                           <a:cs typeface="Times New Roman"/>
                         </a:rPr>
                         <a:t>2</a:t>
                       </a:r>
+                      <a:endParaRPr sz="900">
+                        <a:latin typeface="Times New Roman"/>
+                        <a:cs typeface="Times New Roman"/>
+                      </a:endParaRPr>
                     </a:p>
                   </a:txBody>
                   <a:tcPr marL="0" marR="0" marT="0" marB="0">
@@ -5973,12 +7088,16 @@
                         </a:spcBef>
                       </a:pPr>
                       <a:r>
-                        <a:rPr lang="it-IT" sz="900">
+                        <a:rPr lang="en-US" sz="900" spc="0">
                           <a:latin typeface="AdobeClean-Light"/>
                           <a:cs typeface="AdobeClean-Light"/>
                         </a:rPr>
-                        <a:t>Sessioni con esperti all’anno</a:t>
+                        <a:t>Expert Sessions per Year</a:t>
                       </a:r>
+                      <a:endParaRPr sz="900" spc="0">
+                        <a:latin typeface="AdobeClean-Light"/>
+                        <a:cs typeface="AdobeClean-Light"/>
+                      </a:endParaRPr>
                     </a:p>
                   </a:txBody>
                   <a:tcPr marL="0" marR="0" marT="57150" marB="0">
@@ -6007,7 +7126,7 @@
                     <a:bodyPr/>
                     <a:lstStyle/>
                     <a:p>
-                      <a:pPr algn="l" rtl="0">
+                      <a:pPr>
                         <a:lnSpc>
                           <a:spcPct val="100000"/>
                         </a:lnSpc>
@@ -6042,12 +7161,16 @@
                         </a:lnSpc>
                       </a:pPr>
                       <a:r>
-                        <a:rPr lang="it-IT" sz="900">
+                        <a:rPr lang="en-US" sz="900">
                           <a:latin typeface="Times New Roman"/>
                           <a:cs typeface="Times New Roman"/>
                         </a:rPr>
                         <a:t>2</a:t>
                       </a:r>
+                      <a:endParaRPr sz="900">
+                        <a:latin typeface="Times New Roman"/>
+                        <a:cs typeface="Times New Roman"/>
+                      </a:endParaRPr>
                     </a:p>
                   </a:txBody>
                   <a:tcPr marL="0" marR="0" marT="0" marB="0">
@@ -6089,12 +7212,16 @@
                         </a:spcBef>
                       </a:pPr>
                       <a:r>
-                        <a:rPr lang="it-IT" sz="900">
+                        <a:rPr lang="en-US" sz="900" spc="0">
                           <a:latin typeface="AdobeClean-Light"/>
                           <a:cs typeface="AdobeClean-Light"/>
                         </a:rPr>
-                        <a:t>Valutazione dei casi</a:t>
+                        <a:t>Case Reviews</a:t>
                       </a:r>
+                      <a:endParaRPr sz="900" spc="0">
+                        <a:latin typeface="AdobeClean-Light"/>
+                        <a:cs typeface="AdobeClean-Light"/>
+                      </a:endParaRPr>
                     </a:p>
                   </a:txBody>
                   <a:tcPr marL="0" marR="0" marT="57150" marB="0">
@@ -6123,7 +7250,7 @@
                     <a:bodyPr/>
                     <a:lstStyle/>
                     <a:p>
-                      <a:pPr algn="l" rtl="0">
+                      <a:pPr>
                         <a:lnSpc>
                           <a:spcPct val="100000"/>
                         </a:lnSpc>
@@ -6170,7 +7297,7 @@
                         <a:defRPr/>
                       </a:pPr>
                       <a:r>
-                        <a:rPr lang="it-IT" sz="900">
+                        <a:rPr lang="en-US" sz="900">
                           <a:solidFill>
                             <a:srgbClr val="020302"/>
                           </a:solidFill>
@@ -6179,6 +7306,10 @@
                         </a:rPr>
                         <a:t></a:t>
                       </a:r>
+                      <a:endParaRPr lang="en-US" sz="900">
+                        <a:latin typeface="Wingdings"/>
+                        <a:cs typeface="Wingdings"/>
+                      </a:endParaRPr>
                     </a:p>
                   </a:txBody>
                   <a:tcPr marL="0" marR="0" marT="0" marB="0">
@@ -6201,7 +7332,7 @@
                     <a:bodyPr/>
                     <a:lstStyle/>
                     <a:p>
-                      <a:pPr marL="48895" algn="l" rtl="0">
+                      <a:pPr marL="48895">
                         <a:lnSpc>
                           <a:spcPct val="100000"/>
                         </a:lnSpc>
@@ -6259,15 +7390,29 @@
                         </a:spcBef>
                       </a:pPr>
                       <a:r>
-                        <a:rPr lang="it-IT" sz="900">
+                        <a:rPr sz="900" spc="0">
                           <a:solidFill>
                             <a:srgbClr val="020302"/>
                           </a:solidFill>
                           <a:latin typeface="AdobeClean-Light"/>
                           <a:cs typeface="AdobeClean-Light"/>
                         </a:rPr>
-                        <a:t>Gestione degli eventi</a:t>
+                        <a:t>Event </a:t>
                       </a:r>
+                      <a:r>
+                        <a:rPr lang="en-US" sz="900" spc="0">
+                          <a:solidFill>
+                            <a:srgbClr val="020302"/>
+                          </a:solidFill>
+                          <a:latin typeface="AdobeClean-Light"/>
+                          <a:cs typeface="AdobeClean-Light"/>
+                        </a:rPr>
+                        <a:t>Management</a:t>
+                      </a:r>
+                      <a:endParaRPr sz="900" spc="0">
+                        <a:latin typeface="AdobeClean-Light"/>
+                        <a:cs typeface="AdobeClean-Light"/>
+                      </a:endParaRPr>
                     </a:p>
                   </a:txBody>
                   <a:tcPr marL="0" marR="0" marT="58419" marB="0">
@@ -6296,7 +7441,7 @@
                     <a:bodyPr/>
                     <a:lstStyle/>
                     <a:p>
-                      <a:pPr algn="l" rtl="0">
+                      <a:pPr>
                         <a:lnSpc>
                           <a:spcPct val="100000"/>
                         </a:lnSpc>
@@ -6325,7 +7470,7 @@
                     <a:bodyPr/>
                     <a:lstStyle/>
                     <a:p>
-                      <a:pPr algn="l" rtl="0">
+                      <a:pPr>
                         <a:lnSpc>
                           <a:spcPct val="100000"/>
                         </a:lnSpc>
@@ -6356,7 +7501,7 @@
                     <a:bodyPr/>
                     <a:lstStyle/>
                     <a:p>
-                      <a:pPr marL="48895" algn="l" rtl="0">
+                      <a:pPr marL="48895">
                         <a:lnSpc>
                           <a:spcPct val="100000"/>
                         </a:lnSpc>
@@ -6405,15 +7550,39 @@
                         </a:spcBef>
                       </a:pPr>
                       <a:r>
-                        <a:rPr lang="it-IT" sz="900">
+                        <a:rPr sz="900" spc="0">
                           <a:solidFill>
                             <a:srgbClr val="020302"/>
                           </a:solidFill>
                           <a:latin typeface="AdobeClean-Light"/>
                           <a:cs typeface="AdobeClean-Light"/>
                         </a:rPr>
-                        <a:t>Valutazione ambiente, manutenzione e monitoraggio</a:t>
+                        <a:t>Environment</a:t>
                       </a:r>
+                      <a:r>
+                        <a:rPr lang="en-US" sz="900" spc="0">
+                          <a:solidFill>
+                            <a:srgbClr val="020302"/>
+                          </a:solidFill>
+                          <a:latin typeface="AdobeClean-Light"/>
+                          <a:cs typeface="AdobeClean-Light"/>
+                        </a:rPr>
+                        <a:t> </a:t>
+                      </a:r>
+                      <a:r>
+                        <a:rPr sz="900" spc="0">
+                          <a:solidFill>
+                            <a:srgbClr val="020302"/>
+                          </a:solidFill>
+                          <a:latin typeface="AdobeClean-Light"/>
+                          <a:cs typeface="AdobeClean-Light"/>
+                        </a:rPr>
+                        <a:t>Review, Maintenance &amp; Monitoring</a:t>
+                      </a:r>
+                      <a:endParaRPr sz="900" spc="0">
+                        <a:latin typeface="AdobeClean-Light"/>
+                        <a:cs typeface="AdobeClean-Light"/>
+                      </a:endParaRPr>
                     </a:p>
                   </a:txBody>
                   <a:tcPr marL="0" marR="0" marT="59055" marB="0">
@@ -6436,7 +7605,7 @@
                     <a:bodyPr/>
                     <a:lstStyle/>
                     <a:p>
-                      <a:pPr algn="l" rtl="0">
+                      <a:pPr>
                         <a:lnSpc>
                           <a:spcPct val="100000"/>
                         </a:lnSpc>
@@ -6465,7 +7634,7 @@
                     <a:bodyPr/>
                     <a:lstStyle/>
                     <a:p>
-                      <a:pPr algn="l" rtl="0">
+                      <a:pPr>
                         <a:lnSpc>
                           <a:spcPct val="100000"/>
                         </a:lnSpc>
@@ -6496,7 +7665,7 @@
                     <a:bodyPr/>
                     <a:lstStyle/>
                     <a:p>
-                      <a:pPr marL="49530" algn="l" rtl="0">
+                      <a:pPr marL="49530">
                         <a:lnSpc>
                           <a:spcPct val="100000"/>
                         </a:lnSpc>
@@ -6545,34 +7714,19 @@
                         </a:spcBef>
                       </a:pPr>
                       <a:r>
-                        <a:rPr lang="it-IT" sz="900" dirty="0">
+                        <a:rPr sz="900" spc="0">
                           <a:solidFill>
                             <a:srgbClr val="020302"/>
                           </a:solidFill>
                           <a:latin typeface="AdobeClean-Light"/>
                           <a:cs typeface="AdobeClean-Light"/>
                         </a:rPr>
-                        <a:t>Valutazione della roadmap di prodotti, versioni, migrazione </a:t>
+                        <a:t>Release, Migration, Upgrade &amp; Product Roadmap Review</a:t>
                       </a:r>
-                      <a:br>
-                        <a:rPr lang="it-IT" sz="900" dirty="0">
-                          <a:solidFill>
-                            <a:srgbClr val="020302"/>
-                          </a:solidFill>
-                          <a:latin typeface="AdobeClean-Light"/>
-                          <a:cs typeface="AdobeClean-Light"/>
-                        </a:rPr>
-                      </a:br>
-                      <a:r>
-                        <a:rPr lang="it-IT" sz="900" dirty="0">
-                          <a:solidFill>
-                            <a:srgbClr val="020302"/>
-                          </a:solidFill>
-                          <a:latin typeface="AdobeClean-Light"/>
-                          <a:cs typeface="AdobeClean-Light"/>
-                        </a:rPr>
-                        <a:t>e aggiornamento</a:t>
-                      </a:r>
+                      <a:endParaRPr sz="900" spc="0">
+                        <a:latin typeface="AdobeClean-Light"/>
+                        <a:cs typeface="AdobeClean-Light"/>
+                      </a:endParaRPr>
                     </a:p>
                   </a:txBody>
                   <a:tcPr marL="0" marR="0" marT="63500" marB="0">
@@ -6595,7 +7749,7 @@
                     <a:bodyPr/>
                     <a:lstStyle/>
                     <a:p>
-                      <a:pPr algn="l" rtl="0">
+                      <a:pPr>
                         <a:lnSpc>
                           <a:spcPct val="100000"/>
                         </a:lnSpc>
@@ -6624,7 +7778,7 @@
                     <a:bodyPr/>
                     <a:lstStyle/>
                     <a:p>
-                      <a:pPr algn="l" rtl="0">
+                      <a:pPr>
                         <a:lnSpc>
                           <a:spcPct val="100000"/>
                         </a:lnSpc>
@@ -6655,7 +7809,7 @@
                     <a:bodyPr/>
                     <a:lstStyle/>
                     <a:p>
-                      <a:pPr marL="49530" algn="l" rtl="0">
+                      <a:pPr marL="49530">
                         <a:lnSpc>
                           <a:spcPct val="100000"/>
                         </a:lnSpc>
@@ -6713,11 +7867,11 @@
                         </a:spcBef>
                       </a:pPr>
                       <a:r>
-                        <a:rPr lang="it-IT" sz="900">
+                        <a:rPr sz="900" spc="0">
                           <a:latin typeface="AdobeClean-Light"/>
                           <a:cs typeface="AdobeClean-Light"/>
                         </a:rPr>
-                        <a:t>Attività di supporto cloud - Experience Manager as Cloud</a:t>
+                        <a:t>Cloud Support Activities – Experience Manager as Cloud</a:t>
                       </a:r>
                     </a:p>
                   </a:txBody>
@@ -6747,7 +7901,7 @@
                     <a:bodyPr/>
                     <a:lstStyle/>
                     <a:p>
-                      <a:pPr algn="l" rtl="0">
+                      <a:pPr>
                         <a:lnSpc>
                           <a:spcPct val="100000"/>
                         </a:lnSpc>
@@ -6803,7 +7957,7 @@
                         <a:defRPr/>
                       </a:pPr>
                       <a:r>
-                        <a:rPr lang="it-IT" sz="900">
+                        <a:rPr lang="en-US" sz="900">
                           <a:solidFill>
                             <a:srgbClr val="020302"/>
                           </a:solidFill>
@@ -6812,9 +7966,13 @@
                         </a:rPr>
                         <a:t></a:t>
                       </a:r>
+                      <a:endParaRPr lang="en-US" sz="900">
+                        <a:latin typeface="Wingdings"/>
+                        <a:cs typeface="Wingdings"/>
+                      </a:endParaRPr>
                     </a:p>
                     <a:p>
-                      <a:pPr marL="0" marR="0" lvl="0" indent="0" algn="l" defTabSz="914400" rtl="0" eaLnBrk="1" fontAlgn="auto" latinLnBrk="0" hangingPunct="1">
+                      <a:pPr marL="0" marR="0" lvl="0" indent="0" algn="ctr" defTabSz="914400" eaLnBrk="1" fontAlgn="auto" latinLnBrk="0" hangingPunct="1">
                         <a:lnSpc>
                           <a:spcPct val="100000"/>
                         </a:lnSpc>
@@ -6877,15 +8035,22 @@
                         </a:spcBef>
                       </a:pPr>
                       <a:r>
-                        <a:rPr lang="it-IT" sz="1000" b="1" i="0">
+                        <a:rPr lang="en-US" sz="1000" b="1" i="0" spc="0">
                           <a:solidFill>
                             <a:schemeClr val="bg1"/>
                           </a:solidFill>
                           <a:latin typeface="Adobe Clean" panose="020B0503020404020204" pitchFamily="34" charset="0"/>
                           <a:cs typeface="AdobeClean-Light"/>
                         </a:rPr>
-                        <a:t>Servizi sul campo</a:t>
+                        <a:t>Field Services</a:t>
                       </a:r>
+                      <a:endParaRPr sz="1000" b="1" i="0" spc="0">
+                        <a:solidFill>
+                          <a:schemeClr val="bg1"/>
+                        </a:solidFill>
+                        <a:latin typeface="Adobe Clean" panose="020B0503020404020204" pitchFamily="34" charset="0"/>
+                        <a:cs typeface="AdobeClean-Light"/>
+                      </a:endParaRPr>
                     </a:p>
                   </a:txBody>
                   <a:tcPr marL="0" marR="0" marT="48260" marB="0" anchor="ctr">
@@ -6938,14 +8103,14 @@
                         </a:spcBef>
                       </a:pPr>
                       <a:r>
-                        <a:rPr lang="it-IT" sz="900">
+                        <a:rPr sz="900" spc="0">
                           <a:solidFill>
                             <a:srgbClr val="020302"/>
                           </a:solidFill>
                           <a:latin typeface="AdobeClean-Light"/>
                           <a:cs typeface="AdobeClean-Light"/>
                         </a:rPr>
-                        <a:t>Launch Advisory - Nel primo anno di nuove soluzioni</a:t>
+                        <a:t>Launch Advisory Services – First Year of new solution</a:t>
                       </a:r>
                     </a:p>
                   </a:txBody>
@@ -6985,7 +8150,7 @@
                     <a:bodyPr/>
                     <a:lstStyle/>
                     <a:p>
-                      <a:pPr algn="l" rtl="0">
+                      <a:pPr>
                         <a:lnSpc>
                           <a:spcPct val="100000"/>
                         </a:lnSpc>
@@ -7041,7 +8206,7 @@
                         <a:defRPr/>
                       </a:pPr>
                       <a:r>
-                        <a:rPr lang="it-IT" sz="900">
+                        <a:rPr lang="en-US" sz="900">
                           <a:solidFill>
                             <a:srgbClr val="020302"/>
                           </a:solidFill>
@@ -7050,6 +8215,10 @@
                         </a:rPr>
                         <a:t></a:t>
                       </a:r>
+                      <a:endParaRPr lang="en-US" sz="900">
+                        <a:latin typeface="Wingdings"/>
+                        <a:cs typeface="Wingdings"/>
+                      </a:endParaRPr>
                     </a:p>
                   </a:txBody>
                   <a:tcPr marL="0" marR="0" marT="0" marB="0">
@@ -7170,7 +8339,7 @@
                         <a:defRPr/>
                       </a:pPr>
                       <a:r>
-                        <a:rPr lang="it-IT" sz="900">
+                        <a:rPr lang="en-US" sz="900">
                           <a:solidFill>
                             <a:srgbClr val="020302"/>
                           </a:solidFill>
@@ -7179,6 +8348,10 @@
                         </a:rPr>
                         <a:t></a:t>
                       </a:r>
+                      <a:endParaRPr lang="en-US" sz="900">
+                        <a:latin typeface="Wingdings"/>
+                        <a:cs typeface="Wingdings"/>
+                      </a:endParaRPr>
                     </a:p>
                   </a:txBody>
                   <a:tcPr marL="0" marR="0" marT="0" marB="0">
@@ -7235,11 +8408,11 @@
                         <a:defRPr/>
                       </a:pPr>
                       <a:r>
-                        <a:rPr lang="it-IT" sz="900" dirty="0">
+                        <a:rPr lang="en-US" sz="900" spc="0">
                           <a:latin typeface="AdobeClean-Light"/>
                           <a:cs typeface="AdobeClean-Light"/>
                         </a:rPr>
-                        <a:t>Attività di servizio sul campo </a:t>
+                        <a:t>Field Service Activities </a:t>
                       </a:r>
                     </a:p>
                   </a:txBody>
@@ -7373,7 +8546,7 @@
         </p:nvSpPr>
         <p:spPr>
           <a:xfrm>
-            <a:off x="2835999" y="8863866"/>
+            <a:off x="2835999" y="9021041"/>
             <a:ext cx="2194560" cy="641201"/>
           </a:xfrm>
           <a:prstGeom prst="rect">
@@ -7398,14 +8571,154 @@
               </a:tabLst>
             </a:pPr>
             <a:r>
-              <a:rPr lang="it-IT" sz="1000" dirty="0">
+              <a:rPr sz="1000" spc="-20" dirty="0">
                 <a:solidFill>
                   <a:srgbClr val="020302"/>
                 </a:solidFill>
                 <a:latin typeface="AdobeClean-Light"/>
                 <a:cs typeface="AdobeClean-Light"/>
               </a:rPr>
-              <a:t>Avvia una sessione di chat per ottenere risposte e assistenza nell’invio di un caso.</a:t>
+              <a:t>Start </a:t>
+            </a:r>
+            <a:r>
+              <a:rPr sz="1000" dirty="0">
+                <a:solidFill>
+                  <a:srgbClr val="020302"/>
+                </a:solidFill>
+                <a:latin typeface="AdobeClean-Light"/>
+                <a:cs typeface="AdobeClean-Light"/>
+              </a:rPr>
+              <a:t>a </a:t>
+            </a:r>
+            <a:r>
+              <a:rPr sz="1000" spc="-15" dirty="0">
+                <a:solidFill>
+                  <a:srgbClr val="020302"/>
+                </a:solidFill>
+                <a:latin typeface="AdobeClean-Light"/>
+                <a:cs typeface="AdobeClean-Light"/>
+              </a:rPr>
+              <a:t>chat </a:t>
+            </a:r>
+            <a:r>
+              <a:rPr sz="1000" spc="-10" dirty="0">
+                <a:solidFill>
+                  <a:srgbClr val="020302"/>
+                </a:solidFill>
+                <a:latin typeface="AdobeClean-Light"/>
+                <a:cs typeface="AdobeClean-Light"/>
+              </a:rPr>
+              <a:t>session </a:t>
+            </a:r>
+            <a:r>
+              <a:rPr sz="1000" spc="-5" dirty="0">
+                <a:solidFill>
+                  <a:srgbClr val="020302"/>
+                </a:solidFill>
+                <a:latin typeface="AdobeClean-Light"/>
+                <a:cs typeface="AdobeClean-Light"/>
+              </a:rPr>
+              <a:t>to </a:t>
+            </a:r>
+            <a:r>
+              <a:rPr sz="1000" spc="-10" dirty="0">
+                <a:solidFill>
+                  <a:srgbClr val="020302"/>
+                </a:solidFill>
+                <a:latin typeface="AdobeClean-Light"/>
+                <a:cs typeface="AdobeClean-Light"/>
+              </a:rPr>
+              <a:t>get </a:t>
+            </a:r>
+            <a:r>
+              <a:rPr sz="1000" spc="-20" dirty="0">
+                <a:solidFill>
+                  <a:srgbClr val="020302"/>
+                </a:solidFill>
+                <a:latin typeface="AdobeClean-Light"/>
+                <a:cs typeface="AdobeClean-Light"/>
+              </a:rPr>
+              <a:t>answers</a:t>
+            </a:r>
+            <a:r>
+              <a:rPr lang="en-US" sz="1000" spc="-45" dirty="0">
+                <a:solidFill>
+                  <a:srgbClr val="020302"/>
+                </a:solidFill>
+                <a:latin typeface="AdobeClean-Light"/>
+                <a:cs typeface="AdobeClean-Light"/>
+              </a:rPr>
+              <a:t> </a:t>
+            </a:r>
+            <a:r>
+              <a:rPr lang="en-US" sz="1000" dirty="0">
+                <a:solidFill>
+                  <a:srgbClr val="020302"/>
+                </a:solidFill>
+                <a:latin typeface="AdobeClean-Light"/>
+                <a:cs typeface="AdobeClean-Light"/>
+              </a:rPr>
+              <a:t>&amp; </a:t>
+            </a:r>
+            <a:r>
+              <a:rPr sz="1000" spc="-15" dirty="0">
+                <a:solidFill>
+                  <a:srgbClr val="020302"/>
+                </a:solidFill>
+                <a:latin typeface="AdobeClean-Light"/>
+                <a:cs typeface="AdobeClean-Light"/>
+              </a:rPr>
+              <a:t>help </a:t>
+            </a:r>
+            <a:r>
+              <a:rPr sz="1000" spc="-10" dirty="0">
+                <a:solidFill>
+                  <a:srgbClr val="020302"/>
+                </a:solidFill>
+                <a:latin typeface="AdobeClean-Light"/>
+                <a:cs typeface="AdobeClean-Light"/>
+              </a:rPr>
+              <a:t>with</a:t>
+            </a:r>
+            <a:r>
+              <a:rPr sz="1000" spc="85" dirty="0">
+                <a:solidFill>
+                  <a:srgbClr val="020302"/>
+                </a:solidFill>
+                <a:latin typeface="AdobeClean-Light"/>
+                <a:cs typeface="AdobeClean-Light"/>
+              </a:rPr>
+              <a:t> </a:t>
+            </a:r>
+            <a:r>
+              <a:rPr sz="1000" spc="-10" dirty="0">
+                <a:solidFill>
+                  <a:srgbClr val="020302"/>
+                </a:solidFill>
+                <a:latin typeface="AdobeClean-Light"/>
+                <a:cs typeface="AdobeClean-Light"/>
+              </a:rPr>
+              <a:t>case </a:t>
+            </a:r>
+            <a:r>
+              <a:rPr sz="1000" spc="-20">
+                <a:solidFill>
+                  <a:srgbClr val="020302"/>
+                </a:solidFill>
+                <a:latin typeface="AdobeClean-Light"/>
+                <a:cs typeface="AdobeClean-Light"/>
+              </a:rPr>
+              <a:t>submission</a:t>
+            </a:r>
+            <a:r>
+              <a:rPr lang="en-US" sz="1000" spc="-20">
+                <a:solidFill>
+                  <a:srgbClr val="020302"/>
+                </a:solidFill>
+                <a:latin typeface="AdobeClean-Light"/>
+                <a:cs typeface="AdobeClean-Light"/>
+              </a:rPr>
+              <a:t>.</a:t>
             </a:r>
           </a:p>
           <a:p>
@@ -7418,44 +8731,49 @@
               </a:tabLst>
             </a:pPr>
             <a:r>
-              <a:rPr lang="it-IT" sz="1000" i="1" dirty="0">
+              <a:rPr sz="1000" i="1" spc="-10" dirty="0">
                 <a:solidFill>
                   <a:srgbClr val="7A7A7A"/>
                 </a:solidFill>
                 <a:latin typeface="AdobeClean-LightIt"/>
                 <a:cs typeface="AdobeClean-LightIt"/>
               </a:rPr>
-              <a:t>* Il supporto chat in diretta non </a:t>
-            </a:r>
-            <a:br>
-              <a:rPr lang="it-IT" sz="1000" i="1" dirty="0">
+              <a:t>*Not all </a:t>
+            </a:r>
+            <a:r>
+              <a:rPr sz="1000" i="1" spc="-20" dirty="0">
                 <a:solidFill>
                   <a:srgbClr val="7A7A7A"/>
                 </a:solidFill>
                 <a:latin typeface="AdobeClean-LightIt"/>
                 <a:cs typeface="AdobeClean-LightIt"/>
               </a:rPr>
-            </a:br>
-            <a:r>
-              <a:rPr lang="it-IT" sz="1000" i="1" dirty="0">
+              <a:t>products have live chat support</a:t>
+            </a:r>
+            <a:r>
+              <a:rPr sz="900" i="1" spc="-20" dirty="0">
                 <a:solidFill>
                   <a:srgbClr val="7A7A7A"/>
                 </a:solidFill>
                 <a:latin typeface="AdobeClean-LightIt"/>
                 <a:cs typeface="AdobeClean-LightIt"/>
               </a:rPr>
-              <a:t>è disponibile per tutti i prodotti</a:t>
-            </a:r>
-            <a:r>
-              <a:rPr lang="it-IT" sz="900" i="1" dirty="0">
+              <a:t>.</a:t>
+            </a:r>
+            <a:r>
+              <a:rPr lang="en-US" sz="900" i="1" spc="-20" dirty="0">
                 <a:solidFill>
                   <a:srgbClr val="7A7A7A"/>
                 </a:solidFill>
                 <a:latin typeface="AdobeClean-LightIt"/>
                 <a:cs typeface="AdobeClean-LightIt"/>
               </a:rPr>
-              <a:t>.  </a:t>
-            </a:r>
+              <a:t>  </a:t>
+            </a:r>
+            <a:endParaRPr sz="900">
+              <a:latin typeface="AdobeClean-Light"/>
+              <a:cs typeface="AdobeClean-Light"/>
+            </a:endParaRPr>
           </a:p>
         </p:txBody>
       </p:sp>
@@ -7475,7 +8793,7 @@
         </p:nvSpPr>
         <p:spPr>
           <a:xfrm>
-            <a:off x="689237" y="6374322"/>
+            <a:off x="689237" y="6664838"/>
             <a:ext cx="1568246" cy="184666"/>
           </a:xfrm>
           <a:prstGeom prst="rect">
@@ -7502,12 +8820,12 @@
               <a:defRPr/>
             </a:pPr>
             <a:r>
-              <a:rPr lang="it-IT" sz="1200">
+              <a:rPr lang="en-US" sz="1200">
                 <a:solidFill>
                   <a:srgbClr val="000000"/>
                 </a:solidFill>
               </a:rPr>
-              <a:t>Forum della community</a:t>
+              <a:t>Community Forums</a:t>
             </a:r>
           </a:p>
         </p:txBody>
@@ -7528,7 +8846,7 @@
         </p:nvSpPr>
         <p:spPr>
           <a:xfrm>
-            <a:off x="689237" y="6577508"/>
+            <a:off x="689237" y="6868024"/>
             <a:ext cx="959314" cy="184666"/>
           </a:xfrm>
           <a:prstGeom prst="rect">
@@ -7550,12 +8868,12 @@
               </a:spcAft>
             </a:pPr>
             <a:r>
-              <a:rPr lang="it-IT" sz="1200" b="1">
+              <a:rPr lang="en-US" sz="1200" b="1">
                 <a:latin typeface="+mj-lt"/>
                 <a:ea typeface="Open Sans" pitchFamily="34" charset="0"/>
                 <a:cs typeface="Open Sans" pitchFamily="34" charset="0"/>
               </a:rPr>
-              <a:t>Forum online</a:t>
+              <a:t>Online Forums</a:t>
             </a:r>
           </a:p>
         </p:txBody>
@@ -7574,8 +8892,8 @@
         </p:nvSpPr>
         <p:spPr>
           <a:xfrm>
-            <a:off x="355868" y="6811571"/>
-            <a:ext cx="2194560" cy="1113125"/>
+            <a:off x="355868" y="7102087"/>
+            <a:ext cx="2194560" cy="959237"/>
           </a:xfrm>
           <a:prstGeom prst="rect">
             <a:avLst/>
@@ -7588,65 +8906,20 @@
           <a:lstStyle/>
           <a:p>
             <a:r>
-              <a:rPr lang="it-IT" sz="1000" dirty="0">
+              <a:rPr lang="en-US" sz="1000" dirty="0">
                 <a:solidFill>
                   <a:srgbClr val="4B4B4B"/>
                 </a:solidFill>
                 <a:latin typeface="Adobe Clean Light"/>
               </a:rPr>
-              <a:t>Accesso online continuo a un database </a:t>
-            </a:r>
-            <a:br>
-              <a:rPr lang="it-IT" sz="1000" dirty="0">
-                <a:solidFill>
-                  <a:srgbClr val="4B4B4B"/>
-                </a:solidFill>
-                <a:latin typeface="Adobe Clean Light"/>
-              </a:rPr>
-            </a:br>
-            <a:r>
-              <a:rPr lang="it-IT" sz="1000" dirty="0">
-                <a:solidFill>
-                  <a:srgbClr val="4B4B4B"/>
-                </a:solidFill>
-                <a:latin typeface="Adobe Clean Light"/>
-              </a:rPr>
-              <a:t>in continua crescita di soluzioni tecniche, documentazione del prodotto, risposte </a:t>
-            </a:r>
-            <a:br>
-              <a:rPr lang="it-IT" sz="1000" dirty="0">
-                <a:solidFill>
-                  <a:srgbClr val="4B4B4B"/>
-                </a:solidFill>
-                <a:latin typeface="Adobe Clean Light"/>
-              </a:rPr>
-            </a:br>
-            <a:r>
-              <a:rPr lang="it-IT" sz="1000" dirty="0">
-                <a:solidFill>
-                  <a:srgbClr val="4B4B4B"/>
-                </a:solidFill>
-                <a:latin typeface="Adobe Clean Light"/>
-              </a:rPr>
-              <a:t>alle domande più frequenti e altro ancora. Possibilità di relazionarsi con professionisti </a:t>
-            </a:r>
-            <a:br>
-              <a:rPr lang="it-IT" sz="1000" dirty="0">
-                <a:solidFill>
-                  <a:srgbClr val="4B4B4B"/>
-                </a:solidFill>
-                <a:latin typeface="Adobe Clean Light"/>
-              </a:rPr>
-            </a:br>
-            <a:r>
-              <a:rPr lang="it-IT" sz="1000" dirty="0">
-                <a:solidFill>
-                  <a:srgbClr val="4B4B4B"/>
-                </a:solidFill>
-                <a:latin typeface="Adobe Clean Light"/>
-              </a:rPr>
-              <a:t>e altri clienti della Community Adobe per condividere best practice ed esperienze.</a:t>
-            </a:r>
+              <a:t>Continuous online access to a growing database of technical solutions, product documentation, FAQs and more. Connect with practitioners and other customers on Adobe Community to share best practices and lessons learned.</a:t>
+            </a:r>
+            <a:endParaRPr lang="en-US" sz="1000" dirty="0">
+              <a:solidFill>
+                <a:srgbClr val="4B4B4B"/>
+              </a:solidFill>
+              <a:latin typeface="Adobe Clean Light" panose="020B0303020404020204" pitchFamily="34" charset="0"/>
+            </a:endParaRPr>
           </a:p>
         </p:txBody>
       </p:sp>
@@ -7666,7 +8939,7 @@
         </p:nvSpPr>
         <p:spPr>
           <a:xfrm>
-            <a:off x="5723508" y="6374322"/>
+            <a:off x="5723508" y="6664838"/>
             <a:ext cx="1463040" cy="184666"/>
           </a:xfrm>
           <a:prstGeom prst="rect">
@@ -7693,7 +8966,7 @@
               <a:defRPr/>
             </a:pPr>
             <a:r>
-              <a:rPr lang="it-IT" sz="1200">
+              <a:rPr lang="en-US" sz="1200">
                 <a:solidFill>
                   <a:srgbClr val="000000"/>
                 </a:solidFill>
@@ -7719,7 +8992,7 @@
         </p:nvSpPr>
         <p:spPr>
           <a:xfrm>
-            <a:off x="5723508" y="6577508"/>
+            <a:off x="5723508" y="6868024"/>
             <a:ext cx="1316707" cy="184666"/>
           </a:xfrm>
           <a:prstGeom prst="rect">
@@ -7741,12 +9014,12 @@
               </a:spcAft>
             </a:pPr>
             <a:r>
-              <a:rPr lang="it-IT" sz="1200" b="1">
+              <a:rPr lang="en-US" sz="1200" b="1">
                 <a:latin typeface="+mj-lt"/>
                 <a:ea typeface="Open Sans" pitchFamily="34" charset="0"/>
                 <a:cs typeface="Open Sans" pitchFamily="34" charset="0"/>
               </a:rPr>
-              <a:t>Percorsi autoguidati</a:t>
+              <a:t>Self-guided Journeys</a:t>
             </a:r>
           </a:p>
         </p:txBody>
@@ -7765,8 +9038,8 @@
         </p:nvSpPr>
         <p:spPr>
           <a:xfrm>
-            <a:off x="5265660" y="6769769"/>
-            <a:ext cx="2349577" cy="1267014"/>
+            <a:off x="5265661" y="7060285"/>
+            <a:ext cx="2194560" cy="1113125"/>
           </a:xfrm>
           <a:prstGeom prst="rect">
             <a:avLst/>
@@ -7779,14 +9052,20 @@
           <a:lstStyle/>
           <a:p>
             <a:r>
-              <a:rPr lang="it-IT" sz="1000" spc="-10" dirty="0">
+              <a:rPr lang="en-US" sz="1000" dirty="0">
                 <a:solidFill>
                   <a:srgbClr val="4B4B4B"/>
                 </a:solidFill>
                 <a:latin typeface="Adobe Clean Light"/>
               </a:rPr>
-              <a:t>Diventa un Experience Maker con Experience League. Puoi acquisire rapidamente le capacità necessarie nella gestione della customer experience seguendo un percorso di apprendimento personalizzato per sviluppare nuove competenze, partecipare a una comunità globale di professionisti e guadagnare riconoscimenti di valore sul piano professionale.</a:t>
-            </a:r>
+              <a:t>Experience Makers are made with Experience League. Customers can kickstart their Customer Experience Management abilities with personalized learning to develop skills, engage with a global community of peers, and earn career advancing recognition.</a:t>
+            </a:r>
+            <a:endParaRPr lang="en-US" sz="1000" dirty="0">
+              <a:solidFill>
+                <a:srgbClr val="4B4B4B"/>
+              </a:solidFill>
+              <a:latin typeface="Adobe Clean Light" panose="020B0303020404020204" pitchFamily="34" charset="0"/>
+            </a:endParaRPr>
           </a:p>
         </p:txBody>
       </p:sp>
@@ -7806,7 +9085,7 @@
         </p:nvSpPr>
         <p:spPr>
           <a:xfrm>
-            <a:off x="3201544" y="8363609"/>
+            <a:off x="3201544" y="8520784"/>
             <a:ext cx="1543003" cy="184666"/>
           </a:xfrm>
           <a:prstGeom prst="rect">
@@ -7833,12 +9112,12 @@
               <a:defRPr/>
             </a:pPr>
             <a:r>
-              <a:rPr lang="it-IT" sz="1200">
+              <a:rPr lang="en-US" sz="1200">
                 <a:solidFill>
                   <a:srgbClr val="000000"/>
                 </a:solidFill>
               </a:rPr>
-              <a:t>Supporto chat in diretta*</a:t>
+              <a:t>Live Chat  Support*</a:t>
             </a:r>
           </a:p>
         </p:txBody>
@@ -7859,7 +9138,7 @@
         </p:nvSpPr>
         <p:spPr>
           <a:xfrm>
-            <a:off x="3201544" y="8544828"/>
+            <a:off x="3201544" y="8702003"/>
             <a:ext cx="840166" cy="184666"/>
           </a:xfrm>
           <a:prstGeom prst="rect">
@@ -7881,12 +9160,12 @@
               </a:spcAft>
             </a:pPr>
             <a:r>
-              <a:rPr lang="it-IT" sz="1200" b="1">
+              <a:rPr lang="en-US" sz="1200" b="1">
                 <a:latin typeface="+mj-lt"/>
                 <a:ea typeface="Open Sans" pitchFamily="34" charset="0"/>
                 <a:cs typeface="Open Sans" pitchFamily="34" charset="0"/>
               </a:rPr>
-              <a:t>Supporto chat</a:t>
+              <a:t>Chat Support</a:t>
             </a:r>
           </a:p>
         </p:txBody>
@@ -7907,7 +9186,7 @@
         </p:nvSpPr>
         <p:spPr>
           <a:xfrm>
-            <a:off x="3201544" y="6374322"/>
+            <a:off x="3201544" y="6664838"/>
             <a:ext cx="2520000" cy="184666"/>
           </a:xfrm>
           <a:prstGeom prst="rect">
@@ -7934,12 +9213,12 @@
               <a:defRPr/>
             </a:pPr>
             <a:r>
-              <a:rPr lang="it-IT" sz="1200">
+              <a:rPr lang="en-US" sz="1200">
                 <a:solidFill>
                   <a:srgbClr val="000000"/>
                 </a:solidFill>
               </a:rPr>
-              <a:t>24x7 P1 </a:t>
+              <a:t>24X7 P1 </a:t>
             </a:r>
           </a:p>
         </p:txBody>
@@ -7960,7 +9239,7 @@
         </p:nvSpPr>
         <p:spPr>
           <a:xfrm>
-            <a:off x="3201544" y="6577508"/>
+            <a:off x="3201544" y="6868024"/>
             <a:ext cx="992259" cy="184666"/>
           </a:xfrm>
           <a:prstGeom prst="rect">
@@ -7982,12 +9261,12 @@
               </a:spcAft>
             </a:pPr>
             <a:r>
-              <a:rPr lang="it-IT" sz="1200" b="1">
+              <a:rPr lang="en-US" sz="1200" b="1">
                 <a:latin typeface="+mj-lt"/>
                 <a:ea typeface="Open Sans" pitchFamily="34" charset="0"/>
                 <a:cs typeface="Open Sans" pitchFamily="34" charset="0"/>
               </a:rPr>
-              <a:t>Supporto telefonico</a:t>
+              <a:t>Phone  Support</a:t>
             </a:r>
           </a:p>
         </p:txBody>
@@ -8006,8 +9285,8 @@
         </p:nvSpPr>
         <p:spPr>
           <a:xfrm>
-            <a:off x="2835998" y="6807272"/>
-            <a:ext cx="2269401" cy="959237"/>
+            <a:off x="2835999" y="7097788"/>
+            <a:ext cx="2194560" cy="805349"/>
           </a:xfrm>
           <a:prstGeom prst="rect">
             <a:avLst/>
@@ -8020,57 +9299,35 @@
           <a:lstStyle/>
           <a:p>
             <a:r>
-              <a:rPr lang="it-IT" sz="1000" dirty="0">
+              <a:rPr lang="en-US" sz="1000">
                 <a:solidFill>
                   <a:srgbClr val="020302"/>
                 </a:solidFill>
                 <a:latin typeface="AdobeClean-Light"/>
               </a:rPr>
-              <a:t>Gli utenti autorizzati o i </a:t>
-            </a:r>
-            <a:r>
-              <a:rPr lang="it-IT" sz="1000" b="1" dirty="0">
+              <a:t>Authorized users or </a:t>
+            </a:r>
+            <a:r>
+              <a:rPr lang="en-US" sz="1000" b="1">
                 <a:solidFill>
                   <a:srgbClr val="020302"/>
                 </a:solidFill>
                 <a:latin typeface="AdobeClean-Light"/>
               </a:rPr>
-              <a:t>contatti interni per </a:t>
-            </a:r>
-            <a:br>
-              <a:rPr lang="it-IT" sz="1000" b="1" dirty="0">
-                <a:solidFill>
-                  <a:srgbClr val="020302"/>
-                </a:solidFill>
-                <a:latin typeface="AdobeClean-Light"/>
-              </a:rPr>
-            </a:br>
-            <a:r>
-              <a:rPr lang="it-IT" sz="1000" b="1" dirty="0">
-                <a:solidFill>
-                  <a:srgbClr val="020302"/>
-                </a:solidFill>
-                <a:latin typeface="AdobeClean-Light"/>
-              </a:rPr>
-              <a:t>il supporto</a:t>
-            </a:r>
-            <a:r>
-              <a:rPr lang="it-IT" sz="1000" dirty="0">
+              <a:t>Named Support Contacts </a:t>
+            </a:r>
+            <a:r>
+              <a:rPr lang="en-US" sz="1000">
                 <a:latin typeface="Adobe Clean Light" panose="020B0303020404020204" pitchFamily="34" charset="0"/>
               </a:rPr>
-              <a:t> possono segnalare i problemi tramite tutti i canali disponibili (compreso il supporto telefonico per casi P1) e interagire con il team Adobe di assistenza tecnica </a:t>
-            </a:r>
-            <a:br>
-              <a:rPr lang="it-IT" sz="1000" dirty="0">
-                <a:latin typeface="Adobe Clean Light" panose="020B0303020404020204" pitchFamily="34" charset="0"/>
-              </a:rPr>
-            </a:br>
-            <a:r>
-              <a:rPr lang="it-IT" sz="1000" dirty="0">
-                <a:latin typeface="Adobe Clean Light" panose="020B0303020404020204" pitchFamily="34" charset="0"/>
-              </a:rPr>
-              <a:t>per conto della tua azienda. </a:t>
-            </a:r>
+              <a:t>can submit issues through all available  channels (including phone for P1) and interact with our technical support team on behalf of your company. </a:t>
+            </a:r>
+            <a:endParaRPr lang="en-US" sz="1000">
+              <a:solidFill>
+                <a:srgbClr val="000000"/>
+              </a:solidFill>
+              <a:latin typeface="Adobe Clean Light" panose="020B0303020404020204" pitchFamily="34" charset="0"/>
+            </a:endParaRPr>
           </a:p>
         </p:txBody>
       </p:sp>
@@ -8088,8 +9345,8 @@
         </p:nvSpPr>
         <p:spPr>
           <a:xfrm>
-            <a:off x="214971" y="6156641"/>
-            <a:ext cx="2616264" cy="45719"/>
+            <a:off x="214971" y="6447157"/>
+            <a:ext cx="1848207" cy="45719"/>
           </a:xfrm>
           <a:custGeom>
             <a:avLst/>
@@ -8136,7 +9393,7 @@
         </p:nvSpPr>
         <p:spPr>
           <a:xfrm>
-            <a:off x="214971" y="5833662"/>
+            <a:off x="214971" y="6124178"/>
             <a:ext cx="1901483" cy="307777"/>
           </a:xfrm>
           <a:prstGeom prst="rect">
@@ -8158,15 +9415,19 @@
               </a:spcBef>
             </a:pPr>
             <a:r>
-              <a:rPr lang="it-IT" sz="1400" b="1">
-                <a:solidFill>
-                  <a:srgbClr val="020302"/>
-                </a:solidFill>
-                <a:latin typeface="Adobe Clean"/>
-                <a:cs typeface="Adobe Clean"/>
-              </a:rPr>
-              <a:t>Caratteristiche del supporto online</a:t>
-            </a:r>
+              <a:rPr lang="en-US" sz="1400" b="1" spc="-10">
+                <a:solidFill>
+                  <a:srgbClr val="020302"/>
+                </a:solidFill>
+                <a:latin typeface="Adobe Clean"/>
+                <a:cs typeface="Adobe Clean"/>
+              </a:rPr>
+              <a:t>Online Support Features</a:t>
+            </a:r>
+            <a:endParaRPr lang="en-US" sz="1400">
+              <a:latin typeface="Adobe Clean"/>
+              <a:cs typeface="Adobe Clean"/>
+            </a:endParaRPr>
           </a:p>
         </p:txBody>
       </p:sp>
@@ -8186,7 +9447,7 @@
         </p:nvSpPr>
         <p:spPr>
           <a:xfrm>
-            <a:off x="689237" y="8363609"/>
+            <a:off x="689237" y="8520784"/>
             <a:ext cx="991521" cy="184666"/>
           </a:xfrm>
           <a:prstGeom prst="rect">
@@ -8213,7 +9474,7 @@
               <a:defRPr/>
             </a:pPr>
             <a:r>
-              <a:rPr lang="it-IT" sz="1200">
+              <a:rPr lang="en-US" sz="1200">
                 <a:solidFill>
                   <a:srgbClr val="000000"/>
                 </a:solidFill>
@@ -8239,7 +9500,7 @@
         </p:nvSpPr>
         <p:spPr>
           <a:xfrm>
-            <a:off x="689237" y="8544828"/>
+            <a:off x="689237" y="8702003"/>
             <a:ext cx="604974" cy="184666"/>
           </a:xfrm>
           <a:prstGeom prst="rect">
@@ -8261,12 +9522,12 @@
               </a:spcAft>
             </a:pPr>
             <a:r>
-              <a:rPr lang="it-IT" sz="1200" b="1">
+              <a:rPr lang="en-US" sz="1200" b="1">
                 <a:latin typeface="+mj-lt"/>
                 <a:ea typeface="Open Sans" pitchFamily="34" charset="0"/>
                 <a:cs typeface="Open Sans" pitchFamily="34" charset="0"/>
               </a:rPr>
-              <a:t>Webinar</a:t>
+              <a:t>Webinars</a:t>
             </a:r>
           </a:p>
         </p:txBody>
@@ -8285,8 +9546,8 @@
         </p:nvSpPr>
         <p:spPr>
           <a:xfrm>
-            <a:off x="355867" y="8829438"/>
-            <a:ext cx="2245029" cy="959237"/>
+            <a:off x="355868" y="8986613"/>
+            <a:ext cx="2194560" cy="805349"/>
           </a:xfrm>
           <a:prstGeom prst="rect">
             <a:avLst/>
@@ -8299,30 +9560,13 @@
           <a:lstStyle/>
           <a:p>
             <a:r>
-              <a:rPr lang="it-IT" sz="1000" dirty="0">
+              <a:rPr lang="en-US" sz="1000">
                 <a:solidFill>
                   <a:srgbClr val="4B4B4B"/>
                 </a:solidFill>
                 <a:latin typeface="Adobe Clean Light" panose="020B0303020404020204" pitchFamily="34" charset="0"/>
               </a:rPr>
-              <a:t>Le sessioni Office Hours, guidate dal team </a:t>
-            </a:r>
-            <a:br>
-              <a:rPr lang="it-IT" sz="1000" dirty="0">
-                <a:solidFill>
-                  <a:srgbClr val="4B4B4B"/>
-                </a:solidFill>
-                <a:latin typeface="Adobe Clean Light" panose="020B0303020404020204" pitchFamily="34" charset="0"/>
-              </a:rPr>
-            </a:br>
-            <a:r>
-              <a:rPr lang="it-IT" sz="1000" dirty="0">
-                <a:solidFill>
-                  <a:srgbClr val="4B4B4B"/>
-                </a:solidFill>
-                <a:latin typeface="Adobe Clean Light" panose="020B0303020404020204" pitchFamily="34" charset="0"/>
-              </a:rPr>
-              <a:t>di Assistenza clienti di Adobe, sono pensate per informare e aiutare i partecipanti a risolvere eventuali problemi e forniscono suggerimenti utili per ottenere il massimo dalle soluzioni Adobe. </a:t>
+              <a:t>Office Hours led by the Adobe Customer Support team includes sessions designed to inform as well as help participants troubleshoot problems and provide tips and tricks for success with Adobe solutions. </a:t>
             </a:r>
           </a:p>
         </p:txBody>
@@ -8343,8 +9587,8 @@
         </p:nvSpPr>
         <p:spPr>
           <a:xfrm>
-            <a:off x="5723508" y="8363609"/>
-            <a:ext cx="2048892" cy="184666"/>
+            <a:off x="5723508" y="8520784"/>
+            <a:ext cx="1303746" cy="184666"/>
           </a:xfrm>
           <a:prstGeom prst="rect">
             <a:avLst/>
@@ -8370,12 +9614,12 @@
               <a:defRPr/>
             </a:pPr>
             <a:r>
-              <a:rPr lang="it-IT" sz="1200" spc="-10" dirty="0">
+              <a:rPr lang="en-US" sz="1200">
                 <a:solidFill>
                   <a:srgbClr val="000000"/>
                 </a:solidFill>
               </a:rPr>
-              <a:t>Portali di assistenza autonoma</a:t>
+              <a:t>Self-help Portals</a:t>
             </a:r>
           </a:p>
         </p:txBody>
@@ -8396,7 +9640,7 @@
         </p:nvSpPr>
         <p:spPr>
           <a:xfrm>
-            <a:off x="5723508" y="8544828"/>
+            <a:off x="5723508" y="8702003"/>
             <a:ext cx="1267206" cy="184666"/>
           </a:xfrm>
           <a:prstGeom prst="rect">
@@ -8418,12 +9662,12 @@
               </a:spcAft>
             </a:pPr>
             <a:r>
-              <a:rPr lang="it-IT" sz="1200" b="1" dirty="0">
+              <a:rPr lang="en-US" sz="1200" b="1">
                 <a:latin typeface="+mj-lt"/>
                 <a:ea typeface="Open Sans" pitchFamily="34" charset="0"/>
                 <a:cs typeface="Open Sans" pitchFamily="34" charset="0"/>
               </a:rPr>
-              <a:t>Portale di supporto 24/7</a:t>
+              <a:t>24/7 Support Portal</a:t>
             </a:r>
           </a:p>
         </p:txBody>
@@ -8442,7 +9686,7 @@
         </p:nvSpPr>
         <p:spPr>
           <a:xfrm>
-            <a:off x="5265661" y="8790460"/>
+            <a:off x="5265661" y="8947635"/>
             <a:ext cx="2194560" cy="805349"/>
           </a:xfrm>
           <a:prstGeom prst="rect">
@@ -8456,16 +9700,16 @@
           <a:lstStyle/>
           <a:p>
             <a:r>
-              <a:rPr lang="it-IT" sz="1000" dirty="0">
+              <a:rPr lang="en-US" sz="1000">
                 <a:solidFill>
                   <a:srgbClr val="4B4B4B"/>
                 </a:solidFill>
                 <a:latin typeface="Adobe Clean Light" panose="020B0303020404020204" pitchFamily="34" charset="0"/>
               </a:rPr>
-              <a:t>Accesso on-demand al portale di assistenza autonoma per inviare richieste di supporto, esaminare lo stato dei casi e sfogliare altre risorse, come la knowledge base, notizie </a:t>
+              <a:t>On-demand access to the online </a:t>
             </a:r>
             <a:br>
-              <a:rPr lang="it-IT" sz="1000" dirty="0">
+              <a:rPr lang="en-US" sz="1000">
                 <a:solidFill>
                   <a:srgbClr val="4B4B4B"/>
                 </a:solidFill>
@@ -8473,13 +9717,13 @@
               </a:rPr>
             </a:br>
             <a:r>
-              <a:rPr lang="it-IT" sz="1000" dirty="0">
+              <a:rPr lang="en-US" sz="1000">
                 <a:solidFill>
                   <a:srgbClr val="4B4B4B"/>
                 </a:solidFill>
                 <a:latin typeface="Adobe Clean Light" panose="020B0303020404020204" pitchFamily="34" charset="0"/>
               </a:rPr>
-              <a:t>e avvisi, suggerimenti e altro ancora.</a:t>
+              <a:t>Self-help Support Portal to submit support requests, review case status, and browse other resources, like our knowledgebase, news and alerts, featured tips, and more.</a:t>
             </a:r>
           </a:p>
         </p:txBody>
@@ -8613,8 +9857,36 @@
               </a:spcBef>
             </a:pPr>
             <a:r>
-              <a:rPr lang="it-IT"/>
-              <a:t>©2021 Adobe. All Rights Reserved. Adobe Confidential.</a:t>
+              <a:rPr lang="en-US" spc="-10"/>
+              <a:t>©2021</a:t>
+            </a:r>
+            <a:r>
+              <a:rPr lang="en-US" spc="-5"/>
+              <a:t> Adobe. All</a:t>
+            </a:r>
+            <a:r>
+              <a:rPr lang="en-US" spc="-10"/>
+              <a:t> Rights</a:t>
+            </a:r>
+            <a:r>
+              <a:rPr lang="en-US" spc="-5"/>
+              <a:t> </a:t>
+            </a:r>
+            <a:r>
+              <a:rPr lang="en-US" spc="-10"/>
+              <a:t>Reserved.</a:t>
+            </a:r>
+            <a:r>
+              <a:rPr lang="en-US" spc="-5"/>
+              <a:t> Adobe</a:t>
+            </a:r>
+            <a:r>
+              <a:rPr lang="en-US" spc="60"/>
+              <a:t> </a:t>
+            </a:r>
+            <a:r>
+              <a:rPr lang="en-US" spc="-10"/>
+              <a:t>Confidential.</a:t>
             </a:r>
           </a:p>
         </p:txBody>
@@ -8634,7 +9906,7 @@
         <p:spPr>
           <a:xfrm>
             <a:off x="214971" y="868681"/>
-            <a:ext cx="2927642" cy="66021"/>
+            <a:ext cx="2103120" cy="45719"/>
           </a:xfrm>
           <a:custGeom>
             <a:avLst/>
@@ -8703,15 +9975,19 @@
               </a:spcBef>
             </a:pPr>
             <a:r>
-              <a:rPr lang="it-IT" sz="1400" b="1" dirty="0">
-                <a:solidFill>
-                  <a:srgbClr val="020302"/>
-                </a:solidFill>
-                <a:latin typeface="Adobe Clean"/>
-                <a:cs typeface="Adobe Clean"/>
-              </a:rPr>
-              <a:t>Caratteristiche del supporto Enterprise</a:t>
-            </a:r>
+              <a:rPr lang="en-US" sz="1400" b="1" spc="-10">
+                <a:solidFill>
+                  <a:srgbClr val="020302"/>
+                </a:solidFill>
+                <a:latin typeface="Adobe Clean"/>
+                <a:cs typeface="Adobe Clean"/>
+              </a:rPr>
+              <a:t>Enterprise Support Features</a:t>
+            </a:r>
+            <a:endParaRPr lang="en-US" sz="1400">
+              <a:latin typeface="Adobe Clean"/>
+              <a:cs typeface="Adobe Clean"/>
+            </a:endParaRPr>
           </a:p>
         </p:txBody>
       </p:sp>
@@ -8729,8 +10005,8 @@
         </p:nvSpPr>
         <p:spPr>
           <a:xfrm>
-            <a:off x="689237" y="2603191"/>
-            <a:ext cx="1958713" cy="197490"/>
+            <a:off x="689237" y="2603192"/>
+            <a:ext cx="1555491" cy="197490"/>
           </a:xfrm>
           <a:prstGeom prst="rect">
             <a:avLst/>
@@ -8751,15 +10027,199 @@
               </a:spcBef>
             </a:pPr>
             <a:r>
-              <a:rPr lang="it-IT" sz="1200" b="1" dirty="0">
-                <a:solidFill>
-                  <a:srgbClr val="020302"/>
-                </a:solidFill>
-                <a:latin typeface="Adobe Clean"/>
-                <a:cs typeface="Adobe Clean"/>
-              </a:rPr>
-              <a:t>Gestione delle escalation</a:t>
-            </a:r>
+              <a:rPr sz="1200" b="1" spc="-25">
+                <a:solidFill>
+                  <a:srgbClr val="020302"/>
+                </a:solidFill>
+                <a:latin typeface="Adobe Clean"/>
+                <a:cs typeface="Adobe Clean"/>
+              </a:rPr>
+              <a:t>E</a:t>
+            </a:r>
+            <a:r>
+              <a:rPr sz="1200" b="1" spc="-20">
+                <a:solidFill>
+                  <a:srgbClr val="020302"/>
+                </a:solidFill>
+                <a:latin typeface="Adobe Clean"/>
+                <a:cs typeface="Adobe Clean"/>
+              </a:rPr>
+              <a:t>s</a:t>
+            </a:r>
+            <a:r>
+              <a:rPr sz="1200" b="1" spc="-30">
+                <a:solidFill>
+                  <a:srgbClr val="020302"/>
+                </a:solidFill>
+                <a:latin typeface="Adobe Clean"/>
+                <a:cs typeface="Adobe Clean"/>
+              </a:rPr>
+              <a:t>c</a:t>
+            </a:r>
+            <a:r>
+              <a:rPr sz="1200" b="1" spc="-20">
+                <a:solidFill>
+                  <a:srgbClr val="020302"/>
+                </a:solidFill>
+                <a:latin typeface="Adobe Clean"/>
+                <a:cs typeface="Adobe Clean"/>
+              </a:rPr>
+              <a:t>a</a:t>
+            </a:r>
+            <a:r>
+              <a:rPr sz="1200" b="1" spc="-25">
+                <a:solidFill>
+                  <a:srgbClr val="020302"/>
+                </a:solidFill>
+                <a:latin typeface="Adobe Clean"/>
+                <a:cs typeface="Adobe Clean"/>
+              </a:rPr>
+              <a:t>l</a:t>
+            </a:r>
+            <a:r>
+              <a:rPr sz="1200" b="1" spc="-20">
+                <a:solidFill>
+                  <a:srgbClr val="020302"/>
+                </a:solidFill>
+                <a:latin typeface="Adobe Clean"/>
+                <a:cs typeface="Adobe Clean"/>
+              </a:rPr>
+              <a:t>a</a:t>
+            </a:r>
+            <a:r>
+              <a:rPr sz="1200" b="1" spc="-25">
+                <a:solidFill>
+                  <a:srgbClr val="020302"/>
+                </a:solidFill>
+                <a:latin typeface="Adobe Clean"/>
+                <a:cs typeface="Adobe Clean"/>
+              </a:rPr>
+              <a:t>t</a:t>
+            </a:r>
+            <a:r>
+              <a:rPr sz="1200" b="1" spc="-20">
+                <a:solidFill>
+                  <a:srgbClr val="020302"/>
+                </a:solidFill>
+                <a:latin typeface="Adobe Clean"/>
+                <a:cs typeface="Adobe Clean"/>
+              </a:rPr>
+              <a:t>i</a:t>
+            </a:r>
+            <a:r>
+              <a:rPr sz="1200" b="1" spc="-15">
+                <a:solidFill>
+                  <a:srgbClr val="020302"/>
+                </a:solidFill>
+                <a:latin typeface="Adobe Clean"/>
+                <a:cs typeface="Adobe Clean"/>
+              </a:rPr>
+              <a:t>o</a:t>
+            </a:r>
+            <a:r>
+              <a:rPr sz="1200" b="1">
+                <a:solidFill>
+                  <a:srgbClr val="020302"/>
+                </a:solidFill>
+                <a:latin typeface="Adobe Clean"/>
+                <a:cs typeface="Adobe Clean"/>
+              </a:rPr>
+              <a:t>n</a:t>
+            </a:r>
+            <a:r>
+              <a:rPr sz="1200" b="1" spc="-55">
+                <a:solidFill>
+                  <a:srgbClr val="020302"/>
+                </a:solidFill>
+                <a:latin typeface="Adobe Clean"/>
+                <a:cs typeface="Adobe Clean"/>
+              </a:rPr>
+              <a:t> </a:t>
+            </a:r>
+            <a:r>
+              <a:rPr sz="1200" b="1" spc="-35">
+                <a:solidFill>
+                  <a:srgbClr val="020302"/>
+                </a:solidFill>
+                <a:latin typeface="Adobe Clean"/>
+                <a:cs typeface="Adobe Clean"/>
+              </a:rPr>
+              <a:t>M</a:t>
+            </a:r>
+            <a:r>
+              <a:rPr sz="1200" b="1" spc="-25">
+                <a:solidFill>
+                  <a:srgbClr val="020302"/>
+                </a:solidFill>
+                <a:latin typeface="Adobe Clean"/>
+                <a:cs typeface="Adobe Clean"/>
+              </a:rPr>
+              <a:t>a</a:t>
+            </a:r>
+            <a:r>
+              <a:rPr sz="1200" b="1" spc="-30">
+                <a:solidFill>
+                  <a:srgbClr val="020302"/>
+                </a:solidFill>
+                <a:latin typeface="Adobe Clean"/>
+                <a:cs typeface="Adobe Clean"/>
+              </a:rPr>
+              <a:t>n</a:t>
+            </a:r>
+            <a:r>
+              <a:rPr sz="1200" b="1" spc="-25">
+                <a:solidFill>
+                  <a:srgbClr val="020302"/>
+                </a:solidFill>
+                <a:latin typeface="Adobe Clean"/>
+                <a:cs typeface="Adobe Clean"/>
+              </a:rPr>
+              <a:t>a</a:t>
+            </a:r>
+            <a:r>
+              <a:rPr sz="1200" b="1" spc="-30">
+                <a:solidFill>
+                  <a:srgbClr val="020302"/>
+                </a:solidFill>
+                <a:latin typeface="Adobe Clean"/>
+                <a:cs typeface="Adobe Clean"/>
+              </a:rPr>
+              <a:t>ge</a:t>
+            </a:r>
+            <a:r>
+              <a:rPr sz="1200" b="1" spc="-25">
+                <a:solidFill>
+                  <a:srgbClr val="020302"/>
+                </a:solidFill>
+                <a:latin typeface="Adobe Clean"/>
+                <a:cs typeface="Adobe Clean"/>
+              </a:rPr>
+              <a:t>m</a:t>
+            </a:r>
+            <a:r>
+              <a:rPr sz="1200" b="1" spc="-30">
+                <a:solidFill>
+                  <a:srgbClr val="020302"/>
+                </a:solidFill>
+                <a:latin typeface="Adobe Clean"/>
+                <a:cs typeface="Adobe Clean"/>
+              </a:rPr>
+              <a:t>en</a:t>
+            </a:r>
+            <a:r>
+              <a:rPr sz="1200" b="1">
+                <a:solidFill>
+                  <a:srgbClr val="020302"/>
+                </a:solidFill>
+                <a:latin typeface="Adobe Clean"/>
+                <a:cs typeface="Adobe Clean"/>
+              </a:rPr>
+              <a:t>t</a:t>
+            </a:r>
+            <a:endParaRPr sz="1200">
+              <a:latin typeface="Adobe Clean"/>
+              <a:cs typeface="Adobe Clean"/>
+            </a:endParaRPr>
           </a:p>
         </p:txBody>
       </p:sp>
@@ -8799,31 +10259,18 @@
               </a:spcBef>
             </a:pPr>
             <a:r>
-              <a:rPr lang="it-IT" sz="1000" dirty="0">
+              <a:rPr lang="en-US" sz="1000">
                 <a:solidFill>
                   <a:srgbClr val="4B4B4B"/>
                 </a:solidFill>
                 <a:latin typeface="Adobe Clean Light" panose="020B0303020404020204" pitchFamily="34" charset="0"/>
               </a:rPr>
-              <a:t>Un contatto Adobe dedicato che può fornire assistenza e aggiornamenti regolari in merito ai casi che richiedono escalation, </a:t>
-            </a:r>
-            <a:br>
-              <a:rPr lang="it-IT" sz="1000" dirty="0">
-                <a:solidFill>
-                  <a:srgbClr val="4B4B4B"/>
-                </a:solidFill>
-                <a:latin typeface="Adobe Clean Light" panose="020B0303020404020204" pitchFamily="34" charset="0"/>
-              </a:rPr>
-            </a:br>
-            <a:r>
-              <a:rPr lang="it-IT" sz="1000" dirty="0">
-                <a:solidFill>
-                  <a:srgbClr val="4B4B4B"/>
-                </a:solidFill>
-                <a:latin typeface="Adobe Clean Light" panose="020B0303020404020204" pitchFamily="34" charset="0"/>
-              </a:rPr>
-              <a:t>e assicurarsi che venga data priorità alle richieste di supporto aperte più critiche.</a:t>
-            </a:r>
+              <a:t>A designated point of contact within Adobe who can provide escalation assistance, regular updates and ensure priority is given to your most critical open support requests.</a:t>
+            </a:r>
+            <a:endParaRPr sz="1000">
+              <a:latin typeface="Adobe Clean Light" panose="020B0303020404020204" pitchFamily="34" charset="0"/>
+              <a:cs typeface="AdobeClean-Light"/>
+            </a:endParaRPr>
           </a:p>
         </p:txBody>
       </p:sp>
@@ -8842,7 +10289,7 @@
         <p:spPr>
           <a:xfrm>
             <a:off x="3201544" y="2592995"/>
-            <a:ext cx="1980056" cy="197490"/>
+            <a:ext cx="1036205" cy="197490"/>
           </a:xfrm>
           <a:prstGeom prst="rect">
             <a:avLst/>
@@ -8863,15 +10310,149 @@
               </a:spcBef>
             </a:pPr>
             <a:r>
-              <a:rPr lang="it-IT" sz="1200" b="1" dirty="0">
-                <a:solidFill>
-                  <a:srgbClr val="020302"/>
-                </a:solidFill>
-                <a:latin typeface="Adobe Clean"/>
-                <a:cs typeface="Adobe Clean"/>
-              </a:rPr>
-              <a:t>Valutazione dei servizi</a:t>
-            </a:r>
+              <a:rPr sz="1200" b="1" spc="-20">
+                <a:solidFill>
+                  <a:srgbClr val="020302"/>
+                </a:solidFill>
+                <a:latin typeface="Adobe Clean"/>
+                <a:cs typeface="Adobe Clean"/>
+              </a:rPr>
+              <a:t>S</a:t>
+            </a:r>
+            <a:r>
+              <a:rPr sz="1200" b="1" spc="-25">
+                <a:solidFill>
+                  <a:srgbClr val="020302"/>
+                </a:solidFill>
+                <a:latin typeface="Adobe Clean"/>
+                <a:cs typeface="Adobe Clean"/>
+              </a:rPr>
+              <a:t>e</a:t>
+            </a:r>
+            <a:r>
+              <a:rPr sz="1200" b="1" spc="-20">
+                <a:solidFill>
+                  <a:srgbClr val="020302"/>
+                </a:solidFill>
+                <a:latin typeface="Adobe Clean"/>
+                <a:cs typeface="Adobe Clean"/>
+              </a:rPr>
+              <a:t>r</a:t>
+            </a:r>
+            <a:r>
+              <a:rPr sz="1200" b="1" spc="-25">
+                <a:solidFill>
+                  <a:srgbClr val="020302"/>
+                </a:solidFill>
+                <a:latin typeface="Adobe Clean"/>
+                <a:cs typeface="Adobe Clean"/>
+              </a:rPr>
+              <a:t>v</a:t>
+            </a:r>
+            <a:r>
+              <a:rPr sz="1200" b="1" spc="-20">
+                <a:solidFill>
+                  <a:srgbClr val="020302"/>
+                </a:solidFill>
+                <a:latin typeface="Adobe Clean"/>
+                <a:cs typeface="Adobe Clean"/>
+              </a:rPr>
+              <a:t>i</a:t>
+            </a:r>
+            <a:r>
+              <a:rPr sz="1200" b="1" spc="-30">
+                <a:solidFill>
+                  <a:srgbClr val="020302"/>
+                </a:solidFill>
+                <a:latin typeface="Adobe Clean"/>
+                <a:cs typeface="Adobe Clean"/>
+              </a:rPr>
+              <a:t>c</a:t>
+            </a:r>
+            <a:r>
+              <a:rPr sz="1200" b="1">
+                <a:solidFill>
+                  <a:srgbClr val="020302"/>
+                </a:solidFill>
+                <a:latin typeface="Adobe Clean"/>
+                <a:cs typeface="Adobe Clean"/>
+              </a:rPr>
+              <a:t>e</a:t>
+            </a:r>
+            <a:r>
+              <a:rPr sz="1200" b="1" spc="-80">
+                <a:solidFill>
+                  <a:srgbClr val="020302"/>
+                </a:solidFill>
+                <a:latin typeface="Adobe Clean"/>
+                <a:cs typeface="Adobe Clean"/>
+              </a:rPr>
+              <a:t> </a:t>
+            </a:r>
+            <a:r>
+              <a:rPr sz="1200" b="1" spc="-20">
+                <a:solidFill>
+                  <a:srgbClr val="020302"/>
+                </a:solidFill>
+                <a:latin typeface="Adobe Clean"/>
+                <a:cs typeface="Adobe Clean"/>
+              </a:rPr>
+              <a:t>R</a:t>
+            </a:r>
+            <a:r>
+              <a:rPr sz="1200" b="1" spc="-25">
+                <a:solidFill>
+                  <a:srgbClr val="020302"/>
+                </a:solidFill>
+                <a:latin typeface="Adobe Clean"/>
+                <a:cs typeface="Adobe Clean"/>
+              </a:rPr>
+              <a:t>e</a:t>
+            </a:r>
+            <a:r>
+              <a:rPr sz="1200" b="1" spc="-30">
+                <a:solidFill>
+                  <a:srgbClr val="020302"/>
+                </a:solidFill>
+                <a:latin typeface="Adobe Clean"/>
+                <a:cs typeface="Adobe Clean"/>
+              </a:rPr>
+              <a:t>v</a:t>
+            </a:r>
+            <a:r>
+              <a:rPr sz="1200" b="1" spc="-20">
+                <a:solidFill>
+                  <a:srgbClr val="020302"/>
+                </a:solidFill>
+                <a:latin typeface="Adobe Clean"/>
+                <a:cs typeface="Adobe Clean"/>
+              </a:rPr>
+              <a:t>i</a:t>
+            </a:r>
+            <a:r>
+              <a:rPr sz="1200" b="1" spc="-25">
+                <a:solidFill>
+                  <a:srgbClr val="020302"/>
+                </a:solidFill>
+                <a:latin typeface="Adobe Clean"/>
+                <a:cs typeface="Adobe Clean"/>
+              </a:rPr>
+              <a:t>ew</a:t>
+            </a:r>
+            <a:r>
+              <a:rPr sz="1200" b="1">
+                <a:solidFill>
+                  <a:srgbClr val="020302"/>
+                </a:solidFill>
+                <a:latin typeface="Adobe Clean"/>
+                <a:cs typeface="Adobe Clean"/>
+              </a:rPr>
+              <a:t>s</a:t>
+            </a:r>
+            <a:endParaRPr sz="1200">
+              <a:latin typeface="Adobe Clean"/>
+              <a:cs typeface="Adobe Clean"/>
+            </a:endParaRPr>
           </a:p>
         </p:txBody>
       </p:sp>
@@ -8890,6 +10471,57 @@
         <p:spPr>
           <a:xfrm>
             <a:off x="2835999" y="2921585"/>
+            <a:ext cx="2194560" cy="474489"/>
+          </a:xfrm>
+          <a:prstGeom prst="rect">
+            <a:avLst/>
+          </a:prstGeom>
+        </p:spPr>
+        <p:txBody>
+          <a:bodyPr vert="horz" wrap="square" lIns="0" tIns="12700" rIns="0" bIns="0" rtlCol="0">
+            <a:spAutoFit/>
+          </a:bodyPr>
+          <a:lstStyle/>
+          <a:p>
+            <a:pPr marL="12700">
+              <a:lnSpc>
+                <a:spcPct val="100000"/>
+              </a:lnSpc>
+              <a:spcBef>
+                <a:spcPts val="100"/>
+              </a:spcBef>
+            </a:pPr>
+            <a:r>
+              <a:rPr lang="en-US" sz="1000">
+                <a:solidFill>
+                  <a:srgbClr val="4B4B4B"/>
+                </a:solidFill>
+                <a:latin typeface="Adobe Clean Light" panose="020B0303020404020204" pitchFamily="34" charset="0"/>
+              </a:rPr>
+              <a:t>A bi-annual comprehensive review of  Enterprise program services, benefits and support metrics.</a:t>
+            </a:r>
+            <a:endParaRPr sz="1000">
+              <a:latin typeface="Adobe Clean Light" panose="020B0303020404020204" pitchFamily="34" charset="0"/>
+              <a:cs typeface="AdobeClean-Light"/>
+            </a:endParaRPr>
+          </a:p>
+        </p:txBody>
+      </p:sp>
+      <p:sp>
+        <p:nvSpPr>
+          <p:cNvPr id="123" name="object 65">
+            <a:extLst>
+              <a:ext uri="{FF2B5EF4-FFF2-40B4-BE49-F238E27FC236}">
+                <a16:creationId xmlns:a16="http://schemas.microsoft.com/office/drawing/2014/main" id="{A68C77C5-EF3C-7143-9359-14C6A26D1276}"/>
+              </a:ext>
+            </a:extLst>
+          </p:cNvPr>
+          <p:cNvSpPr txBox="1"/>
+          <p:nvPr/>
+        </p:nvSpPr>
+        <p:spPr>
+          <a:xfrm>
+            <a:off x="5265661" y="1426694"/>
             <a:ext cx="2194560" cy="628377"/>
           </a:xfrm>
           <a:prstGeom prst="rect">
@@ -8911,146 +10543,18 @@
               </a:spcBef>
             </a:pPr>
             <a:r>
-              <a:rPr lang="it-IT" sz="1000" dirty="0">
+              <a:rPr lang="en-US" sz="1000">
                 <a:solidFill>
                   <a:srgbClr val="4B4B4B"/>
                 </a:solidFill>
                 <a:latin typeface="Adobe Clean Light" panose="020B0303020404020204" pitchFamily="34" charset="0"/>
               </a:rPr>
-              <a:t>Valutazione semestrale completa dei </a:t>
-            </a:r>
-            <a:br>
-              <a:rPr lang="it-IT" sz="1000" dirty="0">
-                <a:solidFill>
-                  <a:srgbClr val="4B4B4B"/>
-                </a:solidFill>
-                <a:latin typeface="Adobe Clean Light" panose="020B0303020404020204" pitchFamily="34" charset="0"/>
-              </a:rPr>
-            </a:br>
-            <a:r>
-              <a:rPr lang="it-IT" sz="1000" dirty="0">
-                <a:solidFill>
-                  <a:srgbClr val="4B4B4B"/>
-                </a:solidFill>
-                <a:latin typeface="Adobe Clean Light" panose="020B0303020404020204" pitchFamily="34" charset="0"/>
-              </a:rPr>
-              <a:t>servizi erogati dal programma Enterprise, </a:t>
-            </a:r>
-            <a:br>
-              <a:rPr lang="it-IT" sz="1000" dirty="0">
-                <a:solidFill>
-                  <a:srgbClr val="4B4B4B"/>
-                </a:solidFill>
-                <a:latin typeface="Adobe Clean Light" panose="020B0303020404020204" pitchFamily="34" charset="0"/>
-              </a:rPr>
-            </a:br>
-            <a:r>
-              <a:rPr lang="it-IT" sz="1000" dirty="0">
-                <a:solidFill>
-                  <a:srgbClr val="4B4B4B"/>
-                </a:solidFill>
-                <a:latin typeface="Adobe Clean Light" panose="020B0303020404020204" pitchFamily="34" charset="0"/>
-              </a:rPr>
-              <a:t>dei vantaggi che offrono e delle metriche </a:t>
-            </a:r>
-            <a:br>
-              <a:rPr lang="it-IT" sz="1000" dirty="0">
-                <a:solidFill>
-                  <a:srgbClr val="4B4B4B"/>
-                </a:solidFill>
-                <a:latin typeface="Adobe Clean Light" panose="020B0303020404020204" pitchFamily="34" charset="0"/>
-              </a:rPr>
-            </a:br>
-            <a:r>
-              <a:rPr lang="it-IT" sz="1000" dirty="0">
-                <a:solidFill>
-                  <a:srgbClr val="4B4B4B"/>
-                </a:solidFill>
-                <a:latin typeface="Adobe Clean Light" panose="020B0303020404020204" pitchFamily="34" charset="0"/>
-              </a:rPr>
-              <a:t>di adottate.</a:t>
-            </a:r>
-          </a:p>
-        </p:txBody>
-      </p:sp>
-      <p:sp>
-        <p:nvSpPr>
-          <p:cNvPr id="123" name="object 65">
-            <a:extLst>
-              <a:ext uri="{FF2B5EF4-FFF2-40B4-BE49-F238E27FC236}">
-                <a16:creationId xmlns:a16="http://schemas.microsoft.com/office/drawing/2014/main" id="{A68C77C5-EF3C-7143-9359-14C6A26D1276}"/>
-              </a:ext>
-            </a:extLst>
-          </p:cNvPr>
-          <p:cNvSpPr txBox="1"/>
-          <p:nvPr/>
-        </p:nvSpPr>
-        <p:spPr>
-          <a:xfrm>
-            <a:off x="5265661" y="1426694"/>
-            <a:ext cx="2268200" cy="628377"/>
-          </a:xfrm>
-          <a:prstGeom prst="rect">
-            <a:avLst/>
-          </a:prstGeom>
-        </p:spPr>
-        <p:txBody>
-          <a:bodyPr vert="horz" wrap="square" lIns="0" tIns="12700" rIns="0" bIns="0" rtlCol="0">
-            <a:spAutoFit/>
-          </a:bodyPr>
-          <a:lstStyle/>
-          <a:p>
-            <a:pPr marL="12700">
-              <a:lnSpc>
-                <a:spcPct val="100000"/>
-              </a:lnSpc>
-              <a:spcBef>
-                <a:spcPts val="100"/>
-              </a:spcBef>
-            </a:pPr>
-            <a:r>
-              <a:rPr lang="it-IT" sz="1000" dirty="0">
-                <a:solidFill>
-                  <a:srgbClr val="4B4B4B"/>
-                </a:solidFill>
-                <a:latin typeface="Adobe Clean Light" panose="020B0303020404020204" pitchFamily="34" charset="0"/>
-              </a:rPr>
-              <a:t>Una sessione di 60 minuti incentrata su </a:t>
-            </a:r>
-            <a:br>
-              <a:rPr lang="it-IT" sz="1000" dirty="0">
-                <a:solidFill>
-                  <a:srgbClr val="4B4B4B"/>
-                </a:solidFill>
-                <a:latin typeface="Adobe Clean Light" panose="020B0303020404020204" pitchFamily="34" charset="0"/>
-              </a:rPr>
-            </a:br>
-            <a:r>
-              <a:rPr lang="it-IT" sz="1000" dirty="0">
-                <a:solidFill>
-                  <a:srgbClr val="4B4B4B"/>
-                </a:solidFill>
-                <a:latin typeface="Adobe Clean Light" panose="020B0303020404020204" pitchFamily="34" charset="0"/>
-              </a:rPr>
-              <a:t>una specifica funzionalità di prodotto e </a:t>
-            </a:r>
-            <a:br>
-              <a:rPr lang="it-IT" sz="1000" dirty="0">
-                <a:solidFill>
-                  <a:srgbClr val="4B4B4B"/>
-                </a:solidFill>
-                <a:latin typeface="Adobe Clean Light" panose="020B0303020404020204" pitchFamily="34" charset="0"/>
-              </a:rPr>
-            </a:br>
-            <a:r>
-              <a:rPr lang="it-IT" sz="1000" dirty="0">
-                <a:solidFill>
-                  <a:srgbClr val="4B4B4B"/>
-                </a:solidFill>
-                <a:latin typeface="Adobe Clean Light" panose="020B0303020404020204" pitchFamily="34" charset="0"/>
-              </a:rPr>
-              <a:t>come utilizzarla per risolvere le problematiche più comuni.</a:t>
-            </a:r>
+              <a:t>A 60-minute session focusing on a specific product feature and how it can be utilized to solve common business problems.</a:t>
+            </a:r>
+            <a:endParaRPr sz="1000">
+              <a:latin typeface="Adobe Clean Light" panose="020B0303020404020204" pitchFamily="34" charset="0"/>
+              <a:cs typeface="AdobeClean-Light"/>
+            </a:endParaRPr>
           </a:p>
         </p:txBody>
       </p:sp>
@@ -9068,7 +10572,7 @@
         </p:nvSpPr>
         <p:spPr>
           <a:xfrm>
-            <a:off x="5284713" y="4944583"/>
+            <a:off x="5265661" y="5001737"/>
             <a:ext cx="2194560" cy="536622"/>
           </a:xfrm>
           <a:prstGeom prst="rect">
@@ -9090,31 +10594,20 @@
               </a:spcBef>
             </a:pPr>
             <a:r>
-              <a:rPr lang="it-IT" sz="1000" dirty="0">
+              <a:rPr lang="en-US" sz="1000" dirty="0">
                 <a:solidFill>
                   <a:srgbClr val="4B4B4B"/>
                 </a:solidFill>
                 <a:latin typeface="Adobe Clean Light"/>
               </a:rPr>
-              <a:t>Promuovere l’adozione di best practice </a:t>
-            </a:r>
-            <a:br>
-              <a:rPr lang="it-IT" sz="1000" dirty="0">
-                <a:solidFill>
-                  <a:srgbClr val="4B4B4B"/>
-                </a:solidFill>
-                <a:latin typeface="Adobe Clean Light"/>
-              </a:rPr>
-            </a:br>
-            <a:r>
-              <a:rPr lang="it-IT" sz="1000" dirty="0">
-                <a:solidFill>
-                  <a:srgbClr val="4B4B4B"/>
-                </a:solidFill>
-                <a:latin typeface="Adobe Clean Light"/>
-              </a:rPr>
-              <a:t>per la personalizzazione e componenti core di AEM as a Cloud Service.</a:t>
-            </a:r>
+              <a:t>Drive adoption of customization best practices and core components in AEM as a Cloud Service.</a:t>
+            </a:r>
+            <a:endParaRPr sz="1000" dirty="0">
+              <a:solidFill>
+                <a:srgbClr val="4B4B4B"/>
+              </a:solidFill>
+              <a:latin typeface="Adobe Clean Light" panose="020B0303020404020204" pitchFamily="34" charset="0"/>
+            </a:endParaRPr>
           </a:p>
         </p:txBody>
       </p:sp>
@@ -9132,8 +10625,8 @@
         </p:nvSpPr>
         <p:spPr>
           <a:xfrm>
-            <a:off x="2831235" y="4936943"/>
-            <a:ext cx="2317029" cy="720903"/>
+            <a:off x="2835999" y="4994097"/>
+            <a:ext cx="2194560" cy="720903"/>
           </a:xfrm>
           <a:prstGeom prst="rect">
             <a:avLst/>
@@ -9154,14 +10647,20 @@
               </a:spcBef>
             </a:pPr>
             <a:r>
-              <a:rPr lang="it-IT" sz="1000" dirty="0">
+              <a:rPr lang="en-US" sz="1000" dirty="0">
                 <a:solidFill>
                   <a:srgbClr val="4B4B4B"/>
                 </a:solidFill>
                 <a:latin typeface="Adobe Clean Light"/>
               </a:rPr>
-              <a:t>Individuare, valutare e fornire raccomandazioni su aree specifiche, relative all’adozione delle soluzioni, che offrono opportunità di ottimizzazione.</a:t>
-            </a:r>
+              <a:t>Identify, review and provide recommendations on customized solution adoption areas that have opportunities for optimization.</a:t>
+            </a:r>
+            <a:endParaRPr lang="en-US" sz="1000" dirty="0">
+              <a:solidFill>
+                <a:srgbClr val="4B4B4B"/>
+              </a:solidFill>
+              <a:latin typeface="Adobe Clean Light" panose="020B0303020404020204" pitchFamily="34" charset="0"/>
+            </a:endParaRPr>
           </a:p>
         </p:txBody>
       </p:sp>
@@ -9179,8 +10678,8 @@
         </p:nvSpPr>
         <p:spPr>
           <a:xfrm>
-            <a:off x="365393" y="4890835"/>
-            <a:ext cx="2244455" cy="717376"/>
+            <a:off x="355868" y="4947989"/>
+            <a:ext cx="2194560" cy="717376"/>
           </a:xfrm>
           <a:prstGeom prst="rect">
             <a:avLst/>
@@ -9201,14 +10700,20 @@
               </a:spcBef>
             </a:pPr>
             <a:r>
-              <a:rPr lang="it-IT" sz="1000" dirty="0">
+              <a:rPr lang="en-US" sz="1000" dirty="0">
                 <a:solidFill>
                   <a:srgbClr val="4B4B4B"/>
                 </a:solidFill>
                 <a:latin typeface="Adobe Clean Light"/>
               </a:rPr>
-              <a:t>Governance operativa e tecnica per assistere i clienti di AEM as a Cloud Service a rispettare gli standard di settore e le best practice per AEM as a Cloud Service.</a:t>
-            </a:r>
+              <a:t>Technical &amp; operational governance to assist AEM as a Cloud Service Customers in adhering to industry standards and best practices for AEM as a Cloud Service.</a:t>
+            </a:r>
+            <a:endParaRPr sz="1000" dirty="0">
+              <a:solidFill>
+                <a:srgbClr val="4B4B4B"/>
+              </a:solidFill>
+              <a:latin typeface="Adobe Clean Light" panose="020B0303020404020204" pitchFamily="34" charset="0"/>
+            </a:endParaRPr>
           </a:p>
         </p:txBody>
       </p:sp>
@@ -9245,48 +10750,20 @@
               </a:spcBef>
             </a:pPr>
             <a:r>
-              <a:rPr lang="it-IT" sz="1000" dirty="0">
+              <a:rPr lang="en-US" sz="1000" dirty="0">
                 <a:solidFill>
                   <a:srgbClr val="4B4B4B"/>
                 </a:solidFill>
                 <a:latin typeface="Adobe Clean Light" panose="020B0303020404020204" pitchFamily="34" charset="0"/>
               </a:rPr>
-              <a:t>Un tecnico del supporto dedicato che acquisisce familiarità con l’ambiente della soluzione e gli obiettivi di business del cliente. Il Named Support Engineer è </a:t>
-            </a:r>
-            <a:br>
-              <a:rPr lang="it-IT" sz="1000" dirty="0">
-                <a:solidFill>
-                  <a:srgbClr val="4B4B4B"/>
-                </a:solidFill>
-                <a:latin typeface="Adobe Clean Light" panose="020B0303020404020204" pitchFamily="34" charset="0"/>
-              </a:rPr>
-            </a:br>
-            <a:r>
-              <a:rPr lang="it-IT" sz="1000" dirty="0">
-                <a:solidFill>
-                  <a:srgbClr val="4B4B4B"/>
-                </a:solidFill>
-                <a:latin typeface="Adobe Clean Light" panose="020B0303020404020204" pitchFamily="34" charset="0"/>
-              </a:rPr>
-              <a:t>un tecnico esperto che aiuta a coordinare </a:t>
-            </a:r>
-            <a:br>
-              <a:rPr lang="it-IT" sz="1000" dirty="0">
-                <a:solidFill>
-                  <a:srgbClr val="4B4B4B"/>
-                </a:solidFill>
-                <a:latin typeface="Adobe Clean Light" panose="020B0303020404020204" pitchFamily="34" charset="0"/>
-              </a:rPr>
-            </a:br>
-            <a:r>
-              <a:rPr lang="it-IT" sz="1000" dirty="0">
-                <a:solidFill>
-                  <a:srgbClr val="4B4B4B"/>
-                </a:solidFill>
-                <a:latin typeface="Adobe Clean Light" panose="020B0303020404020204" pitchFamily="34" charset="0"/>
-              </a:rPr>
-              <a:t>la tua esperienza di assistenza Enterprise.</a:t>
-            </a:r>
+              <a:t>A designated support engineer who becomes familiar with your solution environment and business goals. The NSE is an experienced support engineer that helps coordinate your Enterprise Support experience.</a:t>
+            </a:r>
+            <a:endParaRPr lang="en-US" sz="1000" dirty="0">
+              <a:solidFill>
+                <a:srgbClr val="000000"/>
+              </a:solidFill>
+              <a:latin typeface="Adobe Clean Light" panose="020B0303020404020204" pitchFamily="34" charset="0"/>
+            </a:endParaRPr>
           </a:p>
         </p:txBody>
       </p:sp>
@@ -9328,7 +10805,7 @@
               </a:spcAft>
             </a:pPr>
             <a:r>
-              <a:rPr lang="it-IT" sz="1200" b="1">
+              <a:rPr lang="en-US" sz="1200" b="1" spc="-10">
                 <a:solidFill>
                   <a:srgbClr val="020302"/>
                 </a:solidFill>
@@ -9392,8 +10869,8 @@
         </p:nvSpPr>
         <p:spPr>
           <a:xfrm>
-            <a:off x="5723508" y="1099975"/>
-            <a:ext cx="1653605" cy="197490"/>
+            <a:off x="5723508" y="1099976"/>
+            <a:ext cx="1036205" cy="197490"/>
           </a:xfrm>
           <a:prstGeom prst="rect">
             <a:avLst/>
@@ -9414,15 +10891,19 @@
               </a:spcBef>
             </a:pPr>
             <a:r>
-              <a:rPr lang="it-IT" sz="1200" b="1">
-                <a:solidFill>
-                  <a:srgbClr val="020302"/>
-                </a:solidFill>
-                <a:latin typeface="Adobe Clean"/>
-                <a:cs typeface="Adobe Clean"/>
-              </a:rPr>
-              <a:t>Sessioni con esperti</a:t>
-            </a:r>
+              <a:rPr lang="en-US" sz="1200" b="1" spc="-20">
+                <a:solidFill>
+                  <a:srgbClr val="020302"/>
+                </a:solidFill>
+                <a:latin typeface="Adobe Clean"/>
+                <a:cs typeface="Adobe Clean"/>
+              </a:rPr>
+              <a:t>Expert Sessions</a:t>
+            </a:r>
+            <a:endParaRPr sz="1200">
+              <a:latin typeface="Adobe Clean"/>
+              <a:cs typeface="Adobe Clean"/>
+            </a:endParaRPr>
           </a:p>
         </p:txBody>
       </p:sp>
@@ -9440,8 +10921,8 @@
         </p:nvSpPr>
         <p:spPr>
           <a:xfrm>
-            <a:off x="5191126" y="4466703"/>
-            <a:ext cx="2520000" cy="430887"/>
+            <a:off x="5181600" y="4466703"/>
+            <a:ext cx="1972258" cy="461665"/>
           </a:xfrm>
           <a:prstGeom prst="rect">
             <a:avLst/>
@@ -9462,15 +10943,489 @@
               </a:spcBef>
             </a:pPr>
             <a:r>
-              <a:rPr lang="it-IT" sz="1100" b="1" dirty="0">
-                <a:solidFill>
-                  <a:srgbClr val="020302"/>
-                </a:solidFill>
-                <a:latin typeface="Adobe Clean"/>
-                <a:cs typeface="Adobe Clean"/>
-              </a:rPr>
-              <a:t>Best practice per la personalizzazione di AEM as a Cloud Service</a:t>
-            </a:r>
+              <a:rPr lang="en-US" sz="1200" b="1" spc="-15">
+                <a:solidFill>
+                  <a:srgbClr val="020302"/>
+                </a:solidFill>
+                <a:latin typeface="Adobe Clean"/>
+                <a:cs typeface="Adobe Clean"/>
+              </a:rPr>
+              <a:t>C</a:t>
+            </a:r>
+            <a:r>
+              <a:rPr lang="en-US" sz="1200" b="1" spc="-20">
+                <a:solidFill>
+                  <a:srgbClr val="020302"/>
+                </a:solidFill>
+                <a:latin typeface="Adobe Clean"/>
+                <a:cs typeface="Adobe Clean"/>
+              </a:rPr>
+              <a:t>u</a:t>
+            </a:r>
+            <a:r>
+              <a:rPr lang="en-US" sz="1200" b="1" spc="-25">
+                <a:solidFill>
+                  <a:srgbClr val="020302"/>
+                </a:solidFill>
+                <a:latin typeface="Adobe Clean"/>
+                <a:cs typeface="Adobe Clean"/>
+              </a:rPr>
+              <a:t>st</a:t>
+            </a:r>
+            <a:r>
+              <a:rPr lang="en-US" sz="1200" b="1" spc="-15">
+                <a:solidFill>
+                  <a:srgbClr val="020302"/>
+                </a:solidFill>
+                <a:latin typeface="Adobe Clean"/>
+                <a:cs typeface="Adobe Clean"/>
+              </a:rPr>
+              <a:t>o</a:t>
+            </a:r>
+            <a:r>
+              <a:rPr lang="en-US" sz="1200" b="1" spc="-20">
+                <a:solidFill>
+                  <a:srgbClr val="020302"/>
+                </a:solidFill>
+                <a:latin typeface="Adobe Clean"/>
+                <a:cs typeface="Adobe Clean"/>
+              </a:rPr>
+              <a:t>miza</a:t>
+            </a:r>
+            <a:r>
+              <a:rPr lang="en-US" sz="1200" b="1" spc="-25">
+                <a:solidFill>
+                  <a:srgbClr val="020302"/>
+                </a:solidFill>
+                <a:latin typeface="Adobe Clean"/>
+                <a:cs typeface="Adobe Clean"/>
+              </a:rPr>
+              <a:t>t</a:t>
+            </a:r>
+            <a:r>
+              <a:rPr lang="en-US" sz="1200" b="1" spc="-20">
+                <a:solidFill>
+                  <a:srgbClr val="020302"/>
+                </a:solidFill>
+                <a:latin typeface="Adobe Clean"/>
+                <a:cs typeface="Adobe Clean"/>
+              </a:rPr>
+              <a:t>i</a:t>
+            </a:r>
+            <a:r>
+              <a:rPr lang="en-US" sz="1200" b="1" spc="-15">
+                <a:solidFill>
+                  <a:srgbClr val="020302"/>
+                </a:solidFill>
+                <a:latin typeface="Adobe Clean"/>
+                <a:cs typeface="Adobe Clean"/>
+              </a:rPr>
+              <a:t>o</a:t>
+            </a:r>
+            <a:r>
+              <a:rPr lang="en-US" sz="1200" b="1">
+                <a:solidFill>
+                  <a:srgbClr val="020302"/>
+                </a:solidFill>
+                <a:latin typeface="Adobe Clean"/>
+                <a:cs typeface="Adobe Clean"/>
+              </a:rPr>
+              <a:t>n</a:t>
+            </a:r>
+            <a:r>
+              <a:rPr lang="en-US" sz="1200" b="1" spc="-50">
+                <a:solidFill>
+                  <a:srgbClr val="020302"/>
+                </a:solidFill>
+                <a:latin typeface="Adobe Clean"/>
+                <a:cs typeface="Adobe Clean"/>
+              </a:rPr>
+              <a:t> </a:t>
+            </a:r>
+            <a:r>
+              <a:rPr lang="en-US" sz="1200" b="1" spc="-20">
+                <a:solidFill>
+                  <a:srgbClr val="020302"/>
+                </a:solidFill>
+                <a:latin typeface="Adobe Clean"/>
+                <a:cs typeface="Adobe Clean"/>
+              </a:rPr>
+              <a:t>B</a:t>
+            </a:r>
+            <a:r>
+              <a:rPr lang="en-US" sz="1200" b="1" spc="-25">
+                <a:solidFill>
+                  <a:srgbClr val="020302"/>
+                </a:solidFill>
+                <a:latin typeface="Adobe Clean"/>
+                <a:cs typeface="Adobe Clean"/>
+              </a:rPr>
+              <a:t>es</a:t>
+            </a:r>
+            <a:r>
+              <a:rPr lang="en-US" sz="1200" b="1">
+                <a:solidFill>
+                  <a:srgbClr val="020302"/>
+                </a:solidFill>
+                <a:latin typeface="Adobe Clean"/>
+                <a:cs typeface="Adobe Clean"/>
+              </a:rPr>
+              <a:t>t</a:t>
+            </a:r>
+            <a:r>
+              <a:rPr lang="en-US" sz="1200" b="1" spc="-50">
+                <a:solidFill>
+                  <a:srgbClr val="020302"/>
+                </a:solidFill>
+                <a:latin typeface="Adobe Clean"/>
+                <a:cs typeface="Adobe Clean"/>
+              </a:rPr>
+              <a:t> </a:t>
+            </a:r>
+            <a:r>
+              <a:rPr lang="en-US" sz="1200" b="1" spc="-25">
+                <a:solidFill>
+                  <a:srgbClr val="020302"/>
+                </a:solidFill>
+                <a:latin typeface="Adobe Clean"/>
+                <a:cs typeface="Adobe Clean"/>
+              </a:rPr>
+              <a:t>P</a:t>
+            </a:r>
+            <a:r>
+              <a:rPr lang="en-US" sz="1200" b="1" spc="-20">
+                <a:solidFill>
+                  <a:srgbClr val="020302"/>
+                </a:solidFill>
+                <a:latin typeface="Adobe Clean"/>
+                <a:cs typeface="Adobe Clean"/>
+              </a:rPr>
+              <a:t>ra</a:t>
+            </a:r>
+            <a:r>
+              <a:rPr lang="en-US" sz="1200" b="1" spc="-30">
+                <a:solidFill>
+                  <a:srgbClr val="020302"/>
+                </a:solidFill>
+                <a:latin typeface="Adobe Clean"/>
+                <a:cs typeface="Adobe Clean"/>
+              </a:rPr>
+              <a:t>c</a:t>
+            </a:r>
+            <a:r>
+              <a:rPr lang="en-US" sz="1200" b="1" spc="-25">
+                <a:solidFill>
+                  <a:srgbClr val="020302"/>
+                </a:solidFill>
+                <a:latin typeface="Adobe Clean"/>
+                <a:cs typeface="Adobe Clean"/>
+              </a:rPr>
+              <a:t>t</a:t>
+            </a:r>
+            <a:r>
+              <a:rPr lang="en-US" sz="1200" b="1" spc="-20">
+                <a:solidFill>
+                  <a:srgbClr val="020302"/>
+                </a:solidFill>
+                <a:latin typeface="Adobe Clean"/>
+                <a:cs typeface="Adobe Clean"/>
+              </a:rPr>
+              <a:t>i</a:t>
+            </a:r>
+            <a:r>
+              <a:rPr lang="en-US" sz="1200" b="1" spc="-30">
+                <a:solidFill>
+                  <a:srgbClr val="020302"/>
+                </a:solidFill>
+                <a:latin typeface="Adobe Clean"/>
+                <a:cs typeface="Adobe Clean"/>
+              </a:rPr>
+              <a:t>c</a:t>
+            </a:r>
+            <a:r>
+              <a:rPr lang="en-US" sz="1200" b="1" spc="-25">
+                <a:solidFill>
+                  <a:srgbClr val="020302"/>
+                </a:solidFill>
+                <a:latin typeface="Adobe Clean"/>
+                <a:cs typeface="Adobe Clean"/>
+              </a:rPr>
+              <a:t>e</a:t>
+            </a:r>
+            <a:r>
+              <a:rPr lang="en-US" sz="1200" b="1">
+                <a:solidFill>
+                  <a:srgbClr val="020302"/>
+                </a:solidFill>
+                <a:latin typeface="Adobe Clean"/>
+                <a:cs typeface="Adobe Clean"/>
+              </a:rPr>
+              <a:t>s</a:t>
+            </a:r>
+            <a:r>
+              <a:rPr lang="en-US" sz="1200" b="1" spc="-45">
+                <a:solidFill>
+                  <a:srgbClr val="020302"/>
+                </a:solidFill>
+                <a:latin typeface="Adobe Clean"/>
+                <a:cs typeface="Adobe Clean"/>
+              </a:rPr>
+              <a:t> </a:t>
+            </a:r>
+            <a:r>
+              <a:rPr lang="en-US" sz="1200" b="1" spc="-25">
+                <a:solidFill>
+                  <a:srgbClr val="020302"/>
+                </a:solidFill>
+                <a:latin typeface="Adobe Clean"/>
+                <a:cs typeface="Adobe Clean"/>
+              </a:rPr>
+              <a:t>f</a:t>
+            </a:r>
+            <a:r>
+              <a:rPr lang="en-US" sz="1200" b="1" spc="-15">
+                <a:solidFill>
+                  <a:srgbClr val="020302"/>
+                </a:solidFill>
+                <a:latin typeface="Adobe Clean"/>
+                <a:cs typeface="Adobe Clean"/>
+              </a:rPr>
+              <a:t>o</a:t>
+            </a:r>
+            <a:r>
+              <a:rPr lang="en-US" sz="1200" b="1">
+                <a:solidFill>
+                  <a:srgbClr val="020302"/>
+                </a:solidFill>
+                <a:latin typeface="Adobe Clean"/>
+                <a:cs typeface="Adobe Clean"/>
+              </a:rPr>
+              <a:t>r</a:t>
+            </a:r>
+            <a:r>
+              <a:rPr lang="en-US" sz="1200" b="1" spc="-45">
+                <a:solidFill>
+                  <a:srgbClr val="020302"/>
+                </a:solidFill>
+                <a:latin typeface="Adobe Clean"/>
+                <a:cs typeface="Adobe Clean"/>
+              </a:rPr>
+              <a:t> </a:t>
+            </a:r>
+            <a:r>
+              <a:rPr lang="en-US" sz="1200" b="1" spc="-30">
+                <a:solidFill>
+                  <a:srgbClr val="020302"/>
+                </a:solidFill>
+                <a:latin typeface="Adobe Clean"/>
+                <a:cs typeface="Adobe Clean"/>
+              </a:rPr>
+              <a:t>AE</a:t>
+            </a:r>
+            <a:r>
+              <a:rPr lang="en-US" sz="1200" b="1">
+                <a:solidFill>
+                  <a:srgbClr val="020302"/>
+                </a:solidFill>
+                <a:latin typeface="Adobe Clean"/>
+                <a:cs typeface="Adobe Clean"/>
+              </a:rPr>
+              <a:t>M</a:t>
+            </a:r>
+            <a:r>
+              <a:rPr lang="en-US" sz="1200" b="1" spc="-55">
+                <a:solidFill>
+                  <a:srgbClr val="020302"/>
+                </a:solidFill>
+                <a:latin typeface="Adobe Clean"/>
+                <a:cs typeface="Adobe Clean"/>
+              </a:rPr>
+              <a:t> </a:t>
+            </a:r>
+            <a:r>
+              <a:rPr lang="en-US" sz="1200" b="1" spc="-20">
+                <a:solidFill>
+                  <a:srgbClr val="020302"/>
+                </a:solidFill>
+                <a:latin typeface="Adobe Clean"/>
+                <a:cs typeface="Adobe Clean"/>
+              </a:rPr>
+              <a:t>a</a:t>
+            </a:r>
+            <a:r>
+              <a:rPr lang="en-US" sz="1200" b="1">
+                <a:solidFill>
+                  <a:srgbClr val="020302"/>
+                </a:solidFill>
+                <a:latin typeface="Adobe Clean"/>
+                <a:cs typeface="Adobe Clean"/>
+              </a:rPr>
+              <a:t>s</a:t>
+            </a:r>
+            <a:r>
+              <a:rPr lang="en-US" sz="1200" b="1" spc="-45">
+                <a:solidFill>
+                  <a:srgbClr val="020302"/>
+                </a:solidFill>
+                <a:latin typeface="Adobe Clean"/>
+                <a:cs typeface="Adobe Clean"/>
+              </a:rPr>
+              <a:t> </a:t>
+            </a:r>
+            <a:r>
+              <a:rPr lang="en-US" sz="1200" b="1">
+                <a:solidFill>
+                  <a:srgbClr val="020302"/>
+                </a:solidFill>
+                <a:latin typeface="Adobe Clean"/>
+                <a:cs typeface="Adobe Clean"/>
+              </a:rPr>
+              <a:t>a</a:t>
+            </a:r>
+            <a:r>
+              <a:rPr lang="en-US" sz="1200" b="1" spc="-45">
+                <a:solidFill>
+                  <a:srgbClr val="020302"/>
+                </a:solidFill>
+                <a:latin typeface="Adobe Clean"/>
+                <a:cs typeface="Adobe Clean"/>
+              </a:rPr>
+              <a:t> </a:t>
+            </a:r>
+            <a:r>
+              <a:rPr lang="en-US" sz="1200" b="1" spc="-15">
+                <a:solidFill>
+                  <a:srgbClr val="020302"/>
+                </a:solidFill>
+                <a:latin typeface="Adobe Clean"/>
+                <a:cs typeface="Adobe Clean"/>
+              </a:rPr>
+              <a:t>C</a:t>
+            </a:r>
+            <a:r>
+              <a:rPr lang="en-US" sz="1200" b="1" spc="-25">
+                <a:solidFill>
+                  <a:srgbClr val="020302"/>
+                </a:solidFill>
+                <a:latin typeface="Adobe Clean"/>
+                <a:cs typeface="Adobe Clean"/>
+              </a:rPr>
+              <a:t>l</a:t>
+            </a:r>
+            <a:r>
+              <a:rPr lang="en-US" sz="1200" b="1" spc="-15">
+                <a:solidFill>
+                  <a:srgbClr val="020302"/>
+                </a:solidFill>
+                <a:latin typeface="Adobe Clean"/>
+                <a:cs typeface="Adobe Clean"/>
+              </a:rPr>
+              <a:t>o</a:t>
+            </a:r>
+            <a:r>
+              <a:rPr lang="en-US" sz="1200" b="1" spc="-20">
+                <a:solidFill>
+                  <a:srgbClr val="020302"/>
+                </a:solidFill>
+                <a:latin typeface="Adobe Clean"/>
+                <a:cs typeface="Adobe Clean"/>
+              </a:rPr>
+              <a:t>u</a:t>
+            </a:r>
+            <a:r>
+              <a:rPr lang="en-US" sz="1200" b="1">
+                <a:solidFill>
+                  <a:srgbClr val="020302"/>
+                </a:solidFill>
+                <a:latin typeface="Adobe Clean"/>
+                <a:cs typeface="Adobe Clean"/>
+              </a:rPr>
+              <a:t>d</a:t>
+            </a:r>
+            <a:r>
+              <a:rPr lang="en-US" sz="1200" b="1" spc="-50">
+                <a:solidFill>
+                  <a:srgbClr val="020302"/>
+                </a:solidFill>
+                <a:latin typeface="Adobe Clean"/>
+                <a:cs typeface="Adobe Clean"/>
+              </a:rPr>
+              <a:t> </a:t>
+            </a:r>
+            <a:r>
+              <a:rPr lang="en-US" sz="1200" b="1" spc="-20">
+                <a:solidFill>
+                  <a:srgbClr val="020302"/>
+                </a:solidFill>
+                <a:latin typeface="Adobe Clean"/>
+                <a:cs typeface="Adobe Clean"/>
+              </a:rPr>
+              <a:t>S</a:t>
+            </a:r>
+            <a:r>
+              <a:rPr lang="en-US" sz="1200" b="1" spc="-25">
+                <a:solidFill>
+                  <a:srgbClr val="020302"/>
+                </a:solidFill>
+                <a:latin typeface="Adobe Clean"/>
+                <a:cs typeface="Adobe Clean"/>
+              </a:rPr>
+              <a:t>e</a:t>
+            </a:r>
+            <a:r>
+              <a:rPr lang="en-US" sz="1200" b="1" spc="-20">
+                <a:solidFill>
+                  <a:srgbClr val="020302"/>
+                </a:solidFill>
+                <a:latin typeface="Adobe Clean"/>
+                <a:cs typeface="Adobe Clean"/>
+              </a:rPr>
+              <a:t>r</a:t>
+            </a:r>
+            <a:r>
+              <a:rPr lang="en-US" sz="1200" b="1" spc="-30">
+                <a:solidFill>
+                  <a:srgbClr val="020302"/>
+                </a:solidFill>
+                <a:latin typeface="Adobe Clean"/>
+                <a:cs typeface="Adobe Clean"/>
+              </a:rPr>
+              <a:t>v</a:t>
+            </a:r>
+            <a:r>
+              <a:rPr lang="en-US" sz="1200" b="1" spc="-20">
+                <a:solidFill>
+                  <a:srgbClr val="020302"/>
+                </a:solidFill>
+                <a:latin typeface="Adobe Clean"/>
+                <a:cs typeface="Adobe Clean"/>
+              </a:rPr>
+              <a:t>i</a:t>
+            </a:r>
+            <a:r>
+              <a:rPr lang="en-US" sz="1200" b="1" spc="-30">
+                <a:solidFill>
+                  <a:srgbClr val="020302"/>
+                </a:solidFill>
+                <a:latin typeface="Adobe Clean"/>
+                <a:cs typeface="Adobe Clean"/>
+              </a:rPr>
+              <a:t>c</a:t>
+            </a:r>
+            <a:r>
+              <a:rPr lang="en-US" sz="1200" b="1">
+                <a:solidFill>
+                  <a:srgbClr val="020302"/>
+                </a:solidFill>
+                <a:latin typeface="Adobe Clean"/>
+                <a:cs typeface="Adobe Clean"/>
+              </a:rPr>
+              <a:t>e</a:t>
+            </a:r>
+            <a:endParaRPr lang="en-US" sz="1200">
+              <a:latin typeface="Adobe Clean"/>
+              <a:cs typeface="Adobe Clean"/>
+            </a:endParaRPr>
           </a:p>
         </p:txBody>
       </p:sp>
@@ -9488,8 +11443,8 @@
         </p:nvSpPr>
         <p:spPr>
           <a:xfrm>
-            <a:off x="2743062" y="4438393"/>
-            <a:ext cx="2138500" cy="430887"/>
+            <a:off x="2752588" y="4438393"/>
+            <a:ext cx="1708650" cy="461665"/>
           </a:xfrm>
           <a:prstGeom prst="rect">
             <a:avLst/>
@@ -9510,34 +11465,19 @@
               </a:spcBef>
             </a:pPr>
             <a:r>
-              <a:rPr lang="it-IT" sz="1100" b="1" dirty="0">
-                <a:solidFill>
-                  <a:srgbClr val="020302"/>
-                </a:solidFill>
-                <a:latin typeface="Adobe Clean"/>
-                <a:cs typeface="Adobe Clean"/>
-              </a:rPr>
-              <a:t>Servizi a valore aggiunto </a:t>
-            </a:r>
-            <a:br>
-              <a:rPr lang="it-IT" sz="1100" b="1" dirty="0">
-                <a:solidFill>
-                  <a:srgbClr val="020302"/>
-                </a:solidFill>
-                <a:latin typeface="Adobe Clean"/>
-                <a:cs typeface="Adobe Clean"/>
-              </a:rPr>
-            </a:br>
-            <a:r>
-              <a:rPr lang="it-IT" sz="1100" b="1" dirty="0">
-                <a:solidFill>
-                  <a:srgbClr val="020302"/>
-                </a:solidFill>
-                <a:latin typeface="Adobe Clean"/>
-                <a:cs typeface="Adobe Clean"/>
-              </a:rPr>
-              <a:t>per AEM as a Cloud Service</a:t>
-            </a:r>
+              <a:rPr lang="en-US" sz="1200" b="1" spc="-25">
+                <a:solidFill>
+                  <a:srgbClr val="020302"/>
+                </a:solidFill>
+                <a:latin typeface="Adobe Clean"/>
+                <a:cs typeface="Adobe Clean"/>
+              </a:rPr>
+              <a:t>Value-added Services for AEM as a Cloud Service</a:t>
+            </a:r>
+            <a:endParaRPr lang="en-US" sz="1200">
+              <a:latin typeface="Adobe Clean"/>
+              <a:cs typeface="Adobe Clean"/>
+            </a:endParaRPr>
           </a:p>
         </p:txBody>
       </p:sp>
@@ -9556,7 +11496,7 @@
         <p:spPr>
           <a:xfrm>
             <a:off x="381000" y="4438394"/>
-            <a:ext cx="1998943" cy="430887"/>
+            <a:ext cx="1998943" cy="461665"/>
           </a:xfrm>
           <a:prstGeom prst="rect">
             <a:avLst/>
@@ -9577,34 +11517,359 @@
               </a:spcBef>
             </a:pPr>
             <a:r>
-              <a:rPr lang="it-IT" sz="1100" b="1" dirty="0">
-                <a:solidFill>
-                  <a:srgbClr val="020302"/>
-                </a:solidFill>
-                <a:latin typeface="Adobe Clean"/>
-                <a:cs typeface="Adobe Clean"/>
-              </a:rPr>
-              <a:t>Governance per AEM </a:t>
-            </a:r>
-            <a:br>
-              <a:rPr lang="it-IT" sz="1100" b="1" dirty="0">
-                <a:solidFill>
-                  <a:srgbClr val="020302"/>
-                </a:solidFill>
-                <a:latin typeface="Adobe Clean"/>
-                <a:cs typeface="Adobe Clean"/>
-              </a:rPr>
-            </a:br>
-            <a:r>
-              <a:rPr lang="it-IT" sz="1100" b="1" dirty="0">
-                <a:solidFill>
-                  <a:srgbClr val="020302"/>
-                </a:solidFill>
-                <a:latin typeface="Adobe Clean"/>
-                <a:cs typeface="Adobe Clean"/>
-              </a:rPr>
-              <a:t>as a Cloud Service</a:t>
-            </a:r>
+              <a:rPr lang="en-US" sz="1200" b="1" spc="-20">
+                <a:solidFill>
+                  <a:srgbClr val="020302"/>
+                </a:solidFill>
+                <a:latin typeface="Adobe Clean"/>
+                <a:cs typeface="Adobe Clean"/>
+              </a:rPr>
+              <a:t>G</a:t>
+            </a:r>
+            <a:r>
+              <a:rPr lang="en-US" sz="1200" b="1" spc="-15">
+                <a:solidFill>
+                  <a:srgbClr val="020302"/>
+                </a:solidFill>
+                <a:latin typeface="Adobe Clean"/>
+                <a:cs typeface="Adobe Clean"/>
+              </a:rPr>
+              <a:t>o</a:t>
+            </a:r>
+            <a:r>
+              <a:rPr lang="en-US" sz="1200" b="1" spc="-25">
+                <a:solidFill>
+                  <a:srgbClr val="020302"/>
+                </a:solidFill>
+                <a:latin typeface="Adobe Clean"/>
+                <a:cs typeface="Adobe Clean"/>
+              </a:rPr>
+              <a:t>ve</a:t>
+            </a:r>
+            <a:r>
+              <a:rPr lang="en-US" sz="1200" b="1" spc="-20">
+                <a:solidFill>
+                  <a:srgbClr val="020302"/>
+                </a:solidFill>
+                <a:latin typeface="Adobe Clean"/>
+                <a:cs typeface="Adobe Clean"/>
+              </a:rPr>
+              <a:t>r</a:t>
+            </a:r>
+            <a:r>
+              <a:rPr lang="en-US" sz="1200" b="1" spc="-25">
+                <a:solidFill>
+                  <a:srgbClr val="020302"/>
+                </a:solidFill>
+                <a:latin typeface="Adobe Clean"/>
+                <a:cs typeface="Adobe Clean"/>
+              </a:rPr>
+              <a:t>n</a:t>
+            </a:r>
+            <a:r>
+              <a:rPr lang="en-US" sz="1200" b="1" spc="-20">
+                <a:solidFill>
+                  <a:srgbClr val="020302"/>
+                </a:solidFill>
+                <a:latin typeface="Adobe Clean"/>
+                <a:cs typeface="Adobe Clean"/>
+              </a:rPr>
+              <a:t>a</a:t>
+            </a:r>
+            <a:r>
+              <a:rPr lang="en-US" sz="1200" b="1" spc="-25">
+                <a:solidFill>
+                  <a:srgbClr val="020302"/>
+                </a:solidFill>
+                <a:latin typeface="Adobe Clean"/>
+                <a:cs typeface="Adobe Clean"/>
+              </a:rPr>
+              <a:t>n</a:t>
+            </a:r>
+            <a:r>
+              <a:rPr lang="en-US" sz="1200" b="1" spc="-30">
+                <a:solidFill>
+                  <a:srgbClr val="020302"/>
+                </a:solidFill>
+                <a:latin typeface="Adobe Clean"/>
+                <a:cs typeface="Adobe Clean"/>
+              </a:rPr>
+              <a:t>c</a:t>
+            </a:r>
+            <a:r>
+              <a:rPr lang="en-US" sz="1200" b="1">
+                <a:solidFill>
+                  <a:srgbClr val="020302"/>
+                </a:solidFill>
+                <a:latin typeface="Adobe Clean"/>
+                <a:cs typeface="Adobe Clean"/>
+              </a:rPr>
+              <a:t>e</a:t>
+            </a:r>
+            <a:r>
+              <a:rPr lang="en-US" sz="1200" b="1" spc="-50">
+                <a:solidFill>
+                  <a:srgbClr val="020302"/>
+                </a:solidFill>
+                <a:latin typeface="Adobe Clean"/>
+                <a:cs typeface="Adobe Clean"/>
+              </a:rPr>
+              <a:t> </a:t>
+            </a:r>
+            <a:r>
+              <a:rPr lang="en-US" sz="1200" b="1" spc="-25">
+                <a:solidFill>
+                  <a:srgbClr val="020302"/>
+                </a:solidFill>
+                <a:latin typeface="Adobe Clean"/>
+                <a:cs typeface="Adobe Clean"/>
+              </a:rPr>
+              <a:t>f</a:t>
+            </a:r>
+            <a:r>
+              <a:rPr lang="en-US" sz="1200" b="1" spc="-15">
+                <a:solidFill>
+                  <a:srgbClr val="020302"/>
+                </a:solidFill>
+                <a:latin typeface="Adobe Clean"/>
+                <a:cs typeface="Adobe Clean"/>
+              </a:rPr>
+              <a:t>o</a:t>
+            </a:r>
+            <a:r>
+              <a:rPr lang="en-US" sz="1200" b="1">
+                <a:solidFill>
+                  <a:srgbClr val="020302"/>
+                </a:solidFill>
+                <a:latin typeface="Adobe Clean"/>
+                <a:cs typeface="Adobe Clean"/>
+              </a:rPr>
+              <a:t>r</a:t>
+            </a:r>
+            <a:r>
+              <a:rPr lang="en-US" sz="1200" b="1" spc="-45">
+                <a:solidFill>
+                  <a:srgbClr val="020302"/>
+                </a:solidFill>
+                <a:latin typeface="Adobe Clean"/>
+                <a:cs typeface="Adobe Clean"/>
+              </a:rPr>
+              <a:t> </a:t>
+            </a:r>
+            <a:r>
+              <a:rPr lang="en-US" sz="1200" b="1" spc="-30">
+                <a:solidFill>
+                  <a:srgbClr val="020302"/>
+                </a:solidFill>
+                <a:latin typeface="Adobe Clean"/>
+                <a:cs typeface="Adobe Clean"/>
+              </a:rPr>
+              <a:t>A</a:t>
+            </a:r>
+            <a:r>
+              <a:rPr lang="en-US" sz="1200" b="1" spc="-25">
+                <a:solidFill>
+                  <a:srgbClr val="020302"/>
+                </a:solidFill>
+                <a:latin typeface="Adobe Clean"/>
+                <a:cs typeface="Adobe Clean"/>
+              </a:rPr>
+              <a:t>E</a:t>
+            </a:r>
+            <a:r>
+              <a:rPr lang="en-US" sz="1200" b="1">
+                <a:solidFill>
+                  <a:srgbClr val="020302"/>
+                </a:solidFill>
+                <a:latin typeface="Adobe Clean"/>
+                <a:cs typeface="Adobe Clean"/>
+              </a:rPr>
+              <a:t>M</a:t>
+            </a:r>
+            <a:r>
+              <a:rPr lang="en-US" sz="1200" b="1" spc="-50">
+                <a:solidFill>
+                  <a:srgbClr val="020302"/>
+                </a:solidFill>
+                <a:latin typeface="Adobe Clean"/>
+                <a:cs typeface="Adobe Clean"/>
+              </a:rPr>
+              <a:t> </a:t>
+            </a:r>
+            <a:r>
+              <a:rPr lang="en-US" sz="1200" b="1" spc="-20">
+                <a:solidFill>
+                  <a:srgbClr val="020302"/>
+                </a:solidFill>
+                <a:latin typeface="Adobe Clean"/>
+                <a:cs typeface="Adobe Clean"/>
+              </a:rPr>
+              <a:t>a</a:t>
+            </a:r>
+            <a:r>
+              <a:rPr lang="en-US" sz="1200" b="1">
+                <a:solidFill>
+                  <a:srgbClr val="020302"/>
+                </a:solidFill>
+                <a:latin typeface="Adobe Clean"/>
+                <a:cs typeface="Adobe Clean"/>
+              </a:rPr>
+              <a:t>s</a:t>
+            </a:r>
+            <a:r>
+              <a:rPr lang="en-US" sz="1200" b="1" spc="-45">
+                <a:solidFill>
+                  <a:srgbClr val="020302"/>
+                </a:solidFill>
+                <a:latin typeface="Adobe Clean"/>
+                <a:cs typeface="Adobe Clean"/>
+              </a:rPr>
+              <a:t> </a:t>
+            </a:r>
+            <a:r>
+              <a:rPr lang="en-US" sz="1200" b="1">
+                <a:solidFill>
+                  <a:srgbClr val="020302"/>
+                </a:solidFill>
+                <a:latin typeface="Adobe Clean"/>
+                <a:cs typeface="Adobe Clean"/>
+              </a:rPr>
+              <a:t>a</a:t>
+            </a:r>
+            <a:r>
+              <a:rPr lang="en-US" sz="1200" b="1" spc="-40">
+                <a:solidFill>
+                  <a:srgbClr val="020302"/>
+                </a:solidFill>
+                <a:latin typeface="Adobe Clean"/>
+                <a:cs typeface="Adobe Clean"/>
+              </a:rPr>
+              <a:t> </a:t>
+            </a:r>
+            <a:r>
+              <a:rPr lang="en-US" sz="1200" b="1" spc="-15">
+                <a:solidFill>
+                  <a:srgbClr val="020302"/>
+                </a:solidFill>
+                <a:latin typeface="Adobe Clean"/>
+                <a:cs typeface="Adobe Clean"/>
+              </a:rPr>
+              <a:t>C</a:t>
+            </a:r>
+            <a:r>
+              <a:rPr lang="en-US" sz="1200" b="1" spc="-25">
+                <a:solidFill>
+                  <a:srgbClr val="020302"/>
+                </a:solidFill>
+                <a:latin typeface="Adobe Clean"/>
+                <a:cs typeface="Adobe Clean"/>
+              </a:rPr>
+              <a:t>l</a:t>
+            </a:r>
+            <a:r>
+              <a:rPr lang="en-US" sz="1200" b="1" spc="-15">
+                <a:solidFill>
+                  <a:srgbClr val="020302"/>
+                </a:solidFill>
+                <a:latin typeface="Adobe Clean"/>
+                <a:cs typeface="Adobe Clean"/>
+              </a:rPr>
+              <a:t>ou</a:t>
+            </a:r>
+            <a:r>
+              <a:rPr lang="en-US" sz="1200" b="1">
+                <a:solidFill>
+                  <a:srgbClr val="020302"/>
+                </a:solidFill>
+                <a:latin typeface="Adobe Clean"/>
+                <a:cs typeface="Adobe Clean"/>
+              </a:rPr>
+              <a:t>d</a:t>
+            </a:r>
+            <a:r>
+              <a:rPr lang="en-US" sz="1200" b="1" spc="-50">
+                <a:solidFill>
+                  <a:srgbClr val="020302"/>
+                </a:solidFill>
+                <a:latin typeface="Adobe Clean"/>
+                <a:cs typeface="Adobe Clean"/>
+              </a:rPr>
+              <a:t> </a:t>
+            </a:r>
+            <a:r>
+              <a:rPr lang="en-US" sz="1200" b="1" spc="-20">
+                <a:solidFill>
+                  <a:srgbClr val="020302"/>
+                </a:solidFill>
+                <a:latin typeface="Adobe Clean"/>
+                <a:cs typeface="Adobe Clean"/>
+              </a:rPr>
+              <a:t>S</a:t>
+            </a:r>
+            <a:r>
+              <a:rPr lang="en-US" sz="1200" b="1" spc="-25">
+                <a:solidFill>
+                  <a:srgbClr val="020302"/>
+                </a:solidFill>
+                <a:latin typeface="Adobe Clean"/>
+                <a:cs typeface="Adobe Clean"/>
+              </a:rPr>
+              <a:t>e</a:t>
+            </a:r>
+            <a:r>
+              <a:rPr lang="en-US" sz="1200" b="1" spc="-20">
+                <a:solidFill>
+                  <a:srgbClr val="020302"/>
+                </a:solidFill>
+                <a:latin typeface="Adobe Clean"/>
+                <a:cs typeface="Adobe Clean"/>
+              </a:rPr>
+              <a:t>r</a:t>
+            </a:r>
+            <a:r>
+              <a:rPr lang="en-US" sz="1200" b="1" spc="-25">
+                <a:solidFill>
+                  <a:srgbClr val="020302"/>
+                </a:solidFill>
+                <a:latin typeface="Adobe Clean"/>
+                <a:cs typeface="Adobe Clean"/>
+              </a:rPr>
+              <a:t>v</a:t>
+            </a:r>
+            <a:r>
+              <a:rPr lang="en-US" sz="1200" b="1" spc="-20">
+                <a:solidFill>
+                  <a:srgbClr val="020302"/>
+                </a:solidFill>
+                <a:latin typeface="Adobe Clean"/>
+                <a:cs typeface="Adobe Clean"/>
+              </a:rPr>
+              <a:t>i</a:t>
+            </a:r>
+            <a:r>
+              <a:rPr lang="en-US" sz="1200" b="1" spc="-30">
+                <a:solidFill>
+                  <a:srgbClr val="020302"/>
+                </a:solidFill>
+                <a:latin typeface="Adobe Clean"/>
+                <a:cs typeface="Adobe Clean"/>
+              </a:rPr>
+              <a:t>c</a:t>
+            </a:r>
+            <a:r>
+              <a:rPr lang="en-US" sz="1200" b="1">
+                <a:solidFill>
+                  <a:srgbClr val="020302"/>
+                </a:solidFill>
+                <a:latin typeface="Adobe Clean"/>
+                <a:cs typeface="Adobe Clean"/>
+              </a:rPr>
+              <a:t>e</a:t>
+            </a:r>
+            <a:endParaRPr lang="en-US" sz="1200">
+              <a:latin typeface="Adobe Clean"/>
+              <a:cs typeface="Adobe Clean"/>
+            </a:endParaRPr>
           </a:p>
         </p:txBody>
       </p:sp>
@@ -9701,7 +11966,7 @@
         <p:spPr>
           <a:xfrm>
             <a:off x="689237" y="1102554"/>
-            <a:ext cx="1757525" cy="197490"/>
+            <a:ext cx="1036205" cy="197490"/>
           </a:xfrm>
           <a:prstGeom prst="rect">
             <a:avLst/>
@@ -9722,15 +11987,99 @@
               </a:spcBef>
             </a:pPr>
             <a:r>
-              <a:rPr lang="it-IT" sz="1200" b="1" dirty="0">
-                <a:solidFill>
-                  <a:srgbClr val="020302"/>
-                </a:solidFill>
-                <a:latin typeface="Adobe Clean"/>
-                <a:cs typeface="Adobe Clean"/>
-              </a:rPr>
-              <a:t>Valutazione dei casi</a:t>
-            </a:r>
+              <a:rPr lang="en-US" sz="1200" b="1" spc="-20">
+                <a:solidFill>
+                  <a:srgbClr val="020302"/>
+                </a:solidFill>
+                <a:latin typeface="Adobe Clean"/>
+                <a:cs typeface="Adobe Clean"/>
+              </a:rPr>
+              <a:t>Cas</a:t>
+            </a:r>
+            <a:r>
+              <a:rPr sz="1200" b="1">
+                <a:solidFill>
+                  <a:srgbClr val="020302"/>
+                </a:solidFill>
+                <a:latin typeface="Adobe Clean"/>
+                <a:cs typeface="Adobe Clean"/>
+              </a:rPr>
+              <a:t>e</a:t>
+            </a:r>
+            <a:r>
+              <a:rPr sz="1200" b="1" spc="-80">
+                <a:solidFill>
+                  <a:srgbClr val="020302"/>
+                </a:solidFill>
+                <a:latin typeface="Adobe Clean"/>
+                <a:cs typeface="Adobe Clean"/>
+              </a:rPr>
+              <a:t> </a:t>
+            </a:r>
+            <a:r>
+              <a:rPr sz="1200" b="1" spc="-20">
+                <a:solidFill>
+                  <a:srgbClr val="020302"/>
+                </a:solidFill>
+                <a:latin typeface="Adobe Clean"/>
+                <a:cs typeface="Adobe Clean"/>
+              </a:rPr>
+              <a:t>R</a:t>
+            </a:r>
+            <a:r>
+              <a:rPr sz="1200" b="1" spc="-25">
+                <a:solidFill>
+                  <a:srgbClr val="020302"/>
+                </a:solidFill>
+                <a:latin typeface="Adobe Clean"/>
+                <a:cs typeface="Adobe Clean"/>
+              </a:rPr>
+              <a:t>e</a:t>
+            </a:r>
+            <a:r>
+              <a:rPr sz="1200" b="1" spc="-30">
+                <a:solidFill>
+                  <a:srgbClr val="020302"/>
+                </a:solidFill>
+                <a:latin typeface="Adobe Clean"/>
+                <a:cs typeface="Adobe Clean"/>
+              </a:rPr>
+              <a:t>v</a:t>
+            </a:r>
+            <a:r>
+              <a:rPr sz="1200" b="1" spc="-20">
+                <a:solidFill>
+                  <a:srgbClr val="020302"/>
+                </a:solidFill>
+                <a:latin typeface="Adobe Clean"/>
+                <a:cs typeface="Adobe Clean"/>
+              </a:rPr>
+              <a:t>i</a:t>
+            </a:r>
+            <a:r>
+              <a:rPr sz="1200" b="1" spc="-25">
+                <a:solidFill>
+                  <a:srgbClr val="020302"/>
+                </a:solidFill>
+                <a:latin typeface="Adobe Clean"/>
+                <a:cs typeface="Adobe Clean"/>
+              </a:rPr>
+              <a:t>ew</a:t>
+            </a:r>
+            <a:r>
+              <a:rPr sz="1200" b="1">
+                <a:solidFill>
+                  <a:srgbClr val="020302"/>
+                </a:solidFill>
+                <a:latin typeface="Adobe Clean"/>
+                <a:cs typeface="Adobe Clean"/>
+              </a:rPr>
+              <a:t>s</a:t>
+            </a:r>
+            <a:endParaRPr sz="1200">
+              <a:latin typeface="Adobe Clean"/>
+              <a:cs typeface="Adobe Clean"/>
+            </a:endParaRPr>
           </a:p>
         </p:txBody>
       </p:sp>
@@ -9809,65 +12158,18 @@
               </a:spcBef>
             </a:pPr>
             <a:r>
-              <a:rPr lang="it-IT" sz="1000" dirty="0">
+              <a:rPr lang="en-US" sz="1000">
                 <a:solidFill>
                   <a:srgbClr val="4B4B4B"/>
                 </a:solidFill>
                 <a:latin typeface="Adobe Clean Light" panose="020B0303020404020204" pitchFamily="34" charset="0"/>
               </a:rPr>
-              <a:t>Valutazione periodica programmata delle richieste di supporto aperte, per garantirne l’allineamento in termini di descrizione </a:t>
-            </a:r>
-            <a:br>
-              <a:rPr lang="it-IT" sz="1000" dirty="0">
-                <a:solidFill>
-                  <a:srgbClr val="4B4B4B"/>
-                </a:solidFill>
-                <a:latin typeface="Adobe Clean Light" panose="020B0303020404020204" pitchFamily="34" charset="0"/>
-              </a:rPr>
-            </a:br>
-            <a:r>
-              <a:rPr lang="it-IT" sz="1000" dirty="0">
-                <a:solidFill>
-                  <a:srgbClr val="4B4B4B"/>
-                </a:solidFill>
-                <a:latin typeface="Adobe Clean Light" panose="020B0303020404020204" pitchFamily="34" charset="0"/>
-              </a:rPr>
-              <a:t>dei casi, impatto sul business, stato, priorità </a:t>
-            </a:r>
-            <a:br>
-              <a:rPr lang="it-IT" sz="1000" dirty="0">
-                <a:solidFill>
-                  <a:srgbClr val="4B4B4B"/>
-                </a:solidFill>
-                <a:latin typeface="Adobe Clean Light" panose="020B0303020404020204" pitchFamily="34" charset="0"/>
-              </a:rPr>
-            </a:br>
-            <a:r>
-              <a:rPr lang="it-IT" sz="1000" dirty="0">
-                <a:solidFill>
-                  <a:srgbClr val="4B4B4B"/>
-                </a:solidFill>
-                <a:latin typeface="Adobe Clean Light" panose="020B0303020404020204" pitchFamily="34" charset="0"/>
-              </a:rPr>
-              <a:t>e accordi sulle azioni successive necessarie </a:t>
-            </a:r>
-            <a:br>
-              <a:rPr lang="it-IT" sz="1000" dirty="0">
-                <a:solidFill>
-                  <a:srgbClr val="4B4B4B"/>
-                </a:solidFill>
-                <a:latin typeface="Adobe Clean Light" panose="020B0303020404020204" pitchFamily="34" charset="0"/>
-              </a:rPr>
-            </a:br>
-            <a:r>
-              <a:rPr lang="it-IT" sz="1000" dirty="0">
-                <a:solidFill>
-                  <a:srgbClr val="4B4B4B"/>
-                </a:solidFill>
-                <a:latin typeface="Adobe Clean Light" panose="020B0303020404020204" pitchFamily="34" charset="0"/>
-              </a:rPr>
-              <a:t>a garantire una rapida risoluzione.</a:t>
-            </a:r>
+              <a:t>Regular scheduled review of open support requests, ensuring customer alignment on case description, business impact, status, priority and agreement on next steps required to ensure an expedient resolution.</a:t>
+            </a:r>
+            <a:endParaRPr sz="1000">
+              <a:latin typeface="Adobe Clean Light" panose="020B0303020404020204" pitchFamily="34" charset="0"/>
+              <a:cs typeface="AdobeClean-Light"/>
+            </a:endParaRPr>
           </a:p>
         </p:txBody>
       </p:sp>
@@ -9907,15 +12209,19 @@
               </a:spcBef>
             </a:pPr>
             <a:r>
-              <a:rPr lang="it-IT" sz="1400" b="1">
-                <a:solidFill>
-                  <a:srgbClr val="020302"/>
-                </a:solidFill>
-                <a:latin typeface="Adobe Clean"/>
-                <a:cs typeface="Adobe Clean"/>
-              </a:rPr>
-              <a:t>Attività di supporto cloud - AEM</a:t>
-            </a:r>
+              <a:rPr lang="en-US" sz="1400" b="1" spc="-10">
+                <a:solidFill>
+                  <a:srgbClr val="020302"/>
+                </a:solidFill>
+                <a:latin typeface="Adobe Clean"/>
+                <a:cs typeface="Adobe Clean"/>
+              </a:rPr>
+              <a:t>Cloud Support Activities - AEM</a:t>
+            </a:r>
+            <a:endParaRPr lang="en-US" sz="1400">
+              <a:latin typeface="Adobe Clean"/>
+              <a:cs typeface="Adobe Clean"/>
+            </a:endParaRPr>
           </a:p>
         </p:txBody>
       </p:sp>
@@ -9933,8 +12239,8 @@
         </p:nvSpPr>
         <p:spPr>
           <a:xfrm>
-            <a:off x="214970" y="4310484"/>
-            <a:ext cx="2394879" cy="73561"/>
+            <a:off x="214971" y="4310484"/>
+            <a:ext cx="2286000" cy="45719"/>
           </a:xfrm>
           <a:custGeom>
             <a:avLst/>
@@ -9998,7 +12304,7 @@
         </p:blipFill>
         <p:spPr>
           <a:xfrm>
-            <a:off x="2692974" y="3892352"/>
+            <a:off x="2569142" y="3892352"/>
             <a:ext cx="461665" cy="461665"/>
           </a:xfrm>
           <a:prstGeom prst="rect">
@@ -10037,7 +12343,7 @@
         </p:blipFill>
         <p:spPr>
           <a:xfrm>
-            <a:off x="2776853" y="6389362"/>
+            <a:off x="2776853" y="6679878"/>
             <a:ext cx="411480" cy="411480"/>
           </a:xfrm>
           <a:prstGeom prst="rect">
@@ -10076,7 +12382,7 @@
         </p:blipFill>
         <p:spPr>
           <a:xfrm>
-            <a:off x="228600" y="8363609"/>
+            <a:off x="228600" y="8520784"/>
             <a:ext cx="411480" cy="411480"/>
           </a:xfrm>
           <a:prstGeom prst="rect">
@@ -10115,7 +12421,7 @@
         </p:blipFill>
         <p:spPr>
           <a:xfrm>
-            <a:off x="228600" y="6350694"/>
+            <a:off x="228600" y="6641210"/>
             <a:ext cx="411480" cy="411480"/>
           </a:xfrm>
           <a:prstGeom prst="rect">
@@ -10154,7 +12460,7 @@
         </p:blipFill>
         <p:spPr>
           <a:xfrm>
-            <a:off x="5257800" y="6338884"/>
+            <a:off x="5257800" y="6629400"/>
             <a:ext cx="411480" cy="411480"/>
           </a:xfrm>
           <a:prstGeom prst="rect">
@@ -10193,7 +12499,7 @@
         </p:blipFill>
         <p:spPr>
           <a:xfrm>
-            <a:off x="5257800" y="8363609"/>
+            <a:off x="5257800" y="8520784"/>
             <a:ext cx="411480" cy="411480"/>
           </a:xfrm>
           <a:prstGeom prst="rect">
@@ -10232,7 +12538,7 @@
         </p:blipFill>
         <p:spPr>
           <a:xfrm>
-            <a:off x="2776853" y="8363609"/>
+            <a:off x="2776853" y="8520784"/>
             <a:ext cx="411480" cy="411480"/>
           </a:xfrm>
           <a:prstGeom prst="rect">
@@ -10293,7 +12599,7 @@
         </p:nvSpPr>
         <p:spPr>
           <a:xfrm rot="5400000" flipH="1">
-            <a:off x="3863341" y="1013037"/>
+            <a:off x="3863341" y="986533"/>
             <a:ext cx="45719" cy="5577840"/>
           </a:xfrm>
           <a:custGeom>
@@ -10348,7 +12654,7 @@
         </p:nvSpPr>
         <p:spPr>
           <a:xfrm rot="5400000" flipH="1">
-            <a:off x="3863341" y="5365076"/>
+            <a:off x="3863341" y="5514588"/>
             <a:ext cx="45719" cy="5577840"/>
           </a:xfrm>
           <a:custGeom>
@@ -10667,15 +12973,109 @@
               </a:lnSpc>
             </a:pPr>
             <a:r>
-              <a:rPr lang="it-IT" sz="800">
+              <a:rPr sz="800" spc="-10">
                 <a:solidFill>
                   <a:srgbClr val="6D6D6D"/>
                 </a:solidFill>
                 <a:latin typeface="Adobe Clean"/>
                 <a:cs typeface="Adobe Clean"/>
               </a:rPr>
-              <a:t>©2021 Adobe. All Rights Reserved. Adobe Confidential.</a:t>
-            </a:r>
+              <a:t>©202</a:t>
+            </a:r>
+            <a:r>
+              <a:rPr lang="en-US" sz="800" spc="-10">
+                <a:solidFill>
+                  <a:srgbClr val="6D6D6D"/>
+                </a:solidFill>
+                <a:latin typeface="Adobe Clean"/>
+                <a:cs typeface="Adobe Clean"/>
+              </a:rPr>
+              <a:t>1</a:t>
+            </a:r>
+            <a:r>
+              <a:rPr sz="800" spc="-5">
+                <a:solidFill>
+                  <a:srgbClr val="6D6D6D"/>
+                </a:solidFill>
+                <a:latin typeface="Adobe Clean"/>
+                <a:cs typeface="Adobe Clean"/>
+              </a:rPr>
+              <a:t> Adobe. All</a:t>
+            </a:r>
+            <a:r>
+              <a:rPr sz="800" spc="-15">
+                <a:solidFill>
+                  <a:srgbClr val="6D6D6D"/>
+                </a:solidFill>
+                <a:latin typeface="Adobe Clean"/>
+                <a:cs typeface="Adobe Clean"/>
+              </a:rPr>
+              <a:t> </a:t>
+            </a:r>
+            <a:r>
+              <a:rPr sz="800" spc="-10">
+                <a:solidFill>
+                  <a:srgbClr val="6D6D6D"/>
+                </a:solidFill>
+                <a:latin typeface="Adobe Clean"/>
+                <a:cs typeface="Adobe Clean"/>
+              </a:rPr>
+              <a:t>Rights</a:t>
+            </a:r>
+            <a:r>
+              <a:rPr sz="800" spc="-5">
+                <a:solidFill>
+                  <a:srgbClr val="6D6D6D"/>
+                </a:solidFill>
+                <a:latin typeface="Adobe Clean"/>
+                <a:cs typeface="Adobe Clean"/>
+              </a:rPr>
+              <a:t> </a:t>
+            </a:r>
+            <a:r>
+              <a:rPr sz="800" spc="-10">
+                <a:solidFill>
+                  <a:srgbClr val="6D6D6D"/>
+                </a:solidFill>
+                <a:latin typeface="Adobe Clean"/>
+                <a:cs typeface="Adobe Clean"/>
+              </a:rPr>
+              <a:t>Reserved.</a:t>
+            </a:r>
+            <a:r>
+              <a:rPr sz="800" spc="-5">
+                <a:solidFill>
+                  <a:srgbClr val="6D6D6D"/>
+                </a:solidFill>
+                <a:latin typeface="Adobe Clean"/>
+                <a:cs typeface="Adobe Clean"/>
+              </a:rPr>
+              <a:t> Adobe</a:t>
+            </a:r>
+            <a:r>
+              <a:rPr sz="800" spc="75">
+                <a:solidFill>
+                  <a:srgbClr val="6D6D6D"/>
+                </a:solidFill>
+                <a:latin typeface="Adobe Clean"/>
+                <a:cs typeface="Adobe Clean"/>
+              </a:rPr>
+              <a:t> </a:t>
+            </a:r>
+            <a:r>
+              <a:rPr sz="800" spc="-10">
+                <a:solidFill>
+                  <a:srgbClr val="6D6D6D"/>
+                </a:solidFill>
+                <a:latin typeface="Adobe Clean"/>
+                <a:cs typeface="Adobe Clean"/>
+              </a:rPr>
+              <a:t>Confidential.</a:t>
+            </a:r>
+            <a:endParaRPr sz="800">
+              <a:latin typeface="Adobe Clean"/>
+              <a:cs typeface="Adobe Clean"/>
+            </a:endParaRPr>
           </a:p>
         </p:txBody>
       </p:sp>
@@ -10687,8 +13087,8 @@
         </p:nvSpPr>
         <p:spPr>
           <a:xfrm>
-            <a:off x="4529508" y="914778"/>
-            <a:ext cx="2157033" cy="63806"/>
+            <a:off x="4724780" y="914778"/>
+            <a:ext cx="1954230" cy="57597"/>
           </a:xfrm>
           <a:custGeom>
             <a:avLst/>
@@ -10729,7 +13129,7 @@
         </p:nvSpPr>
         <p:spPr>
           <a:xfrm>
-            <a:off x="4524169" y="589788"/>
+            <a:off x="4843270" y="589788"/>
             <a:ext cx="2588260" cy="228268"/>
           </a:xfrm>
           <a:prstGeom prst="rect">
@@ -10748,15 +13148,179 @@
               </a:spcBef>
             </a:pPr>
             <a:r>
-              <a:rPr lang="it-IT" sz="1400" b="1" dirty="0">
-                <a:solidFill>
-                  <a:srgbClr val="020302"/>
-                </a:solidFill>
-                <a:latin typeface="Adobe Clean"/>
-                <a:cs typeface="Adobe Clean"/>
-              </a:rPr>
-              <a:t>Attività di servizio sul campo</a:t>
-            </a:r>
+              <a:rPr sz="1400" b="1" spc="-25" dirty="0">
+                <a:solidFill>
+                  <a:srgbClr val="020302"/>
+                </a:solidFill>
+                <a:latin typeface="Adobe Clean"/>
+                <a:cs typeface="Adobe Clean"/>
+              </a:rPr>
+              <a:t>Fi</a:t>
+            </a:r>
+            <a:r>
+              <a:rPr sz="1400" b="1" spc="-30" dirty="0">
+                <a:solidFill>
+                  <a:srgbClr val="020302"/>
+                </a:solidFill>
+                <a:latin typeface="Adobe Clean"/>
+                <a:cs typeface="Adobe Clean"/>
+              </a:rPr>
+              <a:t>e</a:t>
+            </a:r>
+            <a:r>
+              <a:rPr sz="1400" b="1" spc="-25" dirty="0">
+                <a:solidFill>
+                  <a:srgbClr val="020302"/>
+                </a:solidFill>
+                <a:latin typeface="Adobe Clean"/>
+                <a:cs typeface="Adobe Clean"/>
+              </a:rPr>
+              <a:t>l</a:t>
+            </a:r>
+            <a:r>
+              <a:rPr sz="1400" b="1" dirty="0">
+                <a:solidFill>
+                  <a:srgbClr val="020302"/>
+                </a:solidFill>
+                <a:latin typeface="Adobe Clean"/>
+                <a:cs typeface="Adobe Clean"/>
+              </a:rPr>
+              <a:t>d</a:t>
+            </a:r>
+            <a:r>
+              <a:rPr sz="1400" b="1" spc="-45" dirty="0">
+                <a:solidFill>
+                  <a:srgbClr val="020302"/>
+                </a:solidFill>
+                <a:latin typeface="Adobe Clean"/>
+                <a:cs typeface="Adobe Clean"/>
+              </a:rPr>
+              <a:t> </a:t>
+            </a:r>
+            <a:r>
+              <a:rPr sz="1400" b="1" spc="20" dirty="0">
+                <a:solidFill>
+                  <a:srgbClr val="020302"/>
+                </a:solidFill>
+                <a:latin typeface="Adobe Clean"/>
+                <a:cs typeface="Adobe Clean"/>
+              </a:rPr>
+              <a:t>S</a:t>
+            </a:r>
+            <a:r>
+              <a:rPr sz="1400" b="1" spc="10" dirty="0">
+                <a:solidFill>
+                  <a:srgbClr val="020302"/>
+                </a:solidFill>
+                <a:latin typeface="Adobe Clean"/>
+                <a:cs typeface="Adobe Clean"/>
+              </a:rPr>
+              <a:t>e</a:t>
+            </a:r>
+            <a:r>
+              <a:rPr sz="1400" b="1" spc="15" dirty="0">
+                <a:solidFill>
+                  <a:srgbClr val="020302"/>
+                </a:solidFill>
+                <a:latin typeface="Adobe Clean"/>
+                <a:cs typeface="Adobe Clean"/>
+              </a:rPr>
+              <a:t>rvi</a:t>
+            </a:r>
+            <a:r>
+              <a:rPr sz="1400" b="1" spc="10" dirty="0">
+                <a:solidFill>
+                  <a:srgbClr val="020302"/>
+                </a:solidFill>
+                <a:latin typeface="Adobe Clean"/>
+                <a:cs typeface="Adobe Clean"/>
+              </a:rPr>
+              <a:t>c</a:t>
+            </a:r>
+            <a:r>
+              <a:rPr sz="1400" b="1" dirty="0">
+                <a:solidFill>
+                  <a:srgbClr val="020302"/>
+                </a:solidFill>
+                <a:latin typeface="Adobe Clean"/>
+                <a:cs typeface="Adobe Clean"/>
+              </a:rPr>
+              <a:t>e</a:t>
+            </a:r>
+            <a:r>
+              <a:rPr lang="en-US" sz="1400" b="1" dirty="0">
+                <a:solidFill>
+                  <a:srgbClr val="020302"/>
+                </a:solidFill>
+                <a:latin typeface="Adobe Clean"/>
+                <a:cs typeface="Adobe Clean"/>
+              </a:rPr>
+              <a:t> </a:t>
+            </a:r>
+            <a:r>
+              <a:rPr sz="1400" b="1" spc="5" dirty="0">
+                <a:solidFill>
+                  <a:srgbClr val="020302"/>
+                </a:solidFill>
+                <a:latin typeface="Adobe Clean"/>
+                <a:cs typeface="Adobe Clean"/>
+              </a:rPr>
+              <a:t>A</a:t>
+            </a:r>
+            <a:r>
+              <a:rPr sz="1400" b="1" dirty="0">
+                <a:solidFill>
+                  <a:srgbClr val="020302"/>
+                </a:solidFill>
+                <a:latin typeface="Adobe Clean"/>
+                <a:cs typeface="Adobe Clean"/>
+              </a:rPr>
+              <a:t>ct</a:t>
+            </a:r>
+            <a:r>
+              <a:rPr sz="1400" b="1" spc="5" dirty="0">
+                <a:solidFill>
+                  <a:srgbClr val="020302"/>
+                </a:solidFill>
+                <a:latin typeface="Adobe Clean"/>
+                <a:cs typeface="Adobe Clean"/>
+              </a:rPr>
+              <a:t>ivi</a:t>
+            </a:r>
+            <a:r>
+              <a:rPr sz="1400" b="1" dirty="0">
+                <a:solidFill>
+                  <a:srgbClr val="020302"/>
+                </a:solidFill>
+                <a:latin typeface="Adobe Clean"/>
+                <a:cs typeface="Adobe Clean"/>
+              </a:rPr>
+              <a:t>t</a:t>
+            </a:r>
+            <a:r>
+              <a:rPr sz="1400" b="1" spc="5" dirty="0">
+                <a:solidFill>
+                  <a:srgbClr val="020302"/>
+                </a:solidFill>
+                <a:latin typeface="Adobe Clean"/>
+                <a:cs typeface="Adobe Clean"/>
+              </a:rPr>
+              <a:t>i</a:t>
+            </a:r>
+            <a:r>
+              <a:rPr sz="1400" b="1" dirty="0">
+                <a:solidFill>
+                  <a:srgbClr val="020302"/>
+                </a:solidFill>
+                <a:latin typeface="Adobe Clean"/>
+                <a:cs typeface="Adobe Clean"/>
+              </a:rPr>
+              <a:t>es</a:t>
+            </a:r>
+            <a:endParaRPr sz="1400" dirty="0">
+              <a:latin typeface="Adobe Clean"/>
+              <a:cs typeface="Adobe Clean"/>
+            </a:endParaRPr>
           </a:p>
         </p:txBody>
       </p:sp>
@@ -10790,15 +13354,99 @@
               </a:spcBef>
             </a:pPr>
             <a:r>
-              <a:rPr lang="it-IT" sz="1400" b="1">
-                <a:solidFill>
-                  <a:srgbClr val="020302"/>
-                </a:solidFill>
-                <a:latin typeface="Adobe Clean"/>
-                <a:cs typeface="Adobe Clean"/>
-              </a:rPr>
-              <a:t>Launch Advisory </a:t>
-            </a:r>
+              <a:rPr sz="1400" b="1" spc="-20">
+                <a:solidFill>
+                  <a:srgbClr val="020302"/>
+                </a:solidFill>
+                <a:latin typeface="Adobe Clean"/>
+                <a:cs typeface="Adobe Clean"/>
+              </a:rPr>
+              <a:t>L</a:t>
+            </a:r>
+            <a:r>
+              <a:rPr sz="1400" b="1" spc="-10">
+                <a:solidFill>
+                  <a:srgbClr val="020302"/>
+                </a:solidFill>
+                <a:latin typeface="Adobe Clean"/>
+                <a:cs typeface="Adobe Clean"/>
+              </a:rPr>
+              <a:t>a</a:t>
+            </a:r>
+            <a:r>
+              <a:rPr sz="1400" b="1" spc="-15">
+                <a:solidFill>
+                  <a:srgbClr val="020302"/>
+                </a:solidFill>
+                <a:latin typeface="Adobe Clean"/>
+                <a:cs typeface="Adobe Clean"/>
+              </a:rPr>
+              <a:t>un</a:t>
+            </a:r>
+            <a:r>
+              <a:rPr sz="1400" b="1" spc="-20">
+                <a:solidFill>
+                  <a:srgbClr val="020302"/>
+                </a:solidFill>
+                <a:latin typeface="Adobe Clean"/>
+                <a:cs typeface="Adobe Clean"/>
+              </a:rPr>
+              <a:t>c</a:t>
+            </a:r>
+            <a:r>
+              <a:rPr sz="1400" b="1">
+                <a:solidFill>
+                  <a:srgbClr val="020302"/>
+                </a:solidFill>
+                <a:latin typeface="Adobe Clean"/>
+                <a:cs typeface="Adobe Clean"/>
+              </a:rPr>
+              <a:t>h</a:t>
+            </a:r>
+            <a:r>
+              <a:rPr sz="1400" b="1" spc="-30">
+                <a:solidFill>
+                  <a:srgbClr val="020302"/>
+                </a:solidFill>
+                <a:latin typeface="Adobe Clean"/>
+                <a:cs typeface="Adobe Clean"/>
+              </a:rPr>
+              <a:t> </a:t>
+            </a:r>
+            <a:r>
+              <a:rPr sz="1400" b="1" spc="-10">
+                <a:solidFill>
+                  <a:srgbClr val="020302"/>
+                </a:solidFill>
+                <a:latin typeface="Adobe Clean"/>
+                <a:cs typeface="Adobe Clean"/>
+              </a:rPr>
+              <a:t>Advisor</a:t>
+            </a:r>
+            <a:r>
+              <a:rPr sz="1400" b="1">
+                <a:solidFill>
+                  <a:srgbClr val="020302"/>
+                </a:solidFill>
+                <a:latin typeface="Adobe Clean"/>
+                <a:cs typeface="Adobe Clean"/>
+              </a:rPr>
+              <a:t>y</a:t>
+            </a:r>
+            <a:r>
+              <a:rPr sz="1400" b="1" spc="-60">
+                <a:solidFill>
+                  <a:srgbClr val="020302"/>
+                </a:solidFill>
+                <a:latin typeface="Adobe Clean"/>
+                <a:cs typeface="Adobe Clean"/>
+              </a:rPr>
+              <a:t> </a:t>
+            </a:r>
+            <a:endParaRPr sz="1400">
+              <a:latin typeface="Adobe Clean"/>
+              <a:cs typeface="Adobe Clean"/>
+            </a:endParaRPr>
           </a:p>
         </p:txBody>
       </p:sp>
@@ -10810,8 +13458,8 @@
         </p:nvSpPr>
         <p:spPr>
           <a:xfrm>
-            <a:off x="242187" y="1225804"/>
-            <a:ext cx="3189649" cy="782265"/>
+            <a:off x="242188" y="1225804"/>
+            <a:ext cx="3131692" cy="628377"/>
           </a:xfrm>
           <a:prstGeom prst="rect">
             <a:avLst/>
@@ -10829,135 +13477,106 @@
               </a:spcBef>
             </a:pPr>
             <a:r>
-              <a:rPr lang="it-IT" sz="1000" dirty="0">
+              <a:rPr lang="en-US" sz="1000">
                 <a:solidFill>
                   <a:srgbClr val="1F1F1F"/>
                 </a:solidFill>
                 <a:latin typeface="AdobeClean-Light"/>
                 <a:cs typeface="AdobeClean-Light"/>
               </a:rPr>
-              <a:t>Per i clienti che implementano una</a:t>
-            </a:r>
-            <a:r>
-              <a:rPr lang="it-IT" sz="1000" b="1" dirty="0">
+              <a:t>For customers </a:t>
+            </a:r>
+            <a:r>
+              <a:rPr sz="1000">
                 <a:solidFill>
                   <a:srgbClr val="1F1F1F"/>
                 </a:solidFill>
-                <a:latin typeface="Adobe Clean"/>
-                <a:cs typeface="Adobe Clean"/>
-              </a:rPr>
-              <a:t> nuova soluzione Adobe Experience Cloud, </a:t>
-            </a:r>
-            <a:r>
-              <a:rPr lang="it-IT" sz="1000" dirty="0">
+                <a:latin typeface="AdobeClean-Light"/>
+                <a:cs typeface="AdobeClean-Light"/>
+              </a:rPr>
+              <a:t>implementing a </a:t>
+            </a:r>
+            <a:r>
+              <a:rPr sz="1000" b="1">
+                <a:solidFill>
+                  <a:srgbClr val="1F1F1F"/>
+                </a:solidFill>
+                <a:latin typeface="Adobe Clean"/>
+                <a:cs typeface="Adobe Clean"/>
+              </a:rPr>
+              <a:t>new Adobe Experience Cloud solution</a:t>
+            </a:r>
+            <a:r>
+              <a:rPr lang="en-US" sz="1000" b="1">
+                <a:solidFill>
+                  <a:srgbClr val="1F1F1F"/>
+                </a:solidFill>
+                <a:latin typeface="Adobe Clean"/>
+                <a:cs typeface="Adobe Clean"/>
+              </a:rPr>
+              <a:t>, </a:t>
+            </a:r>
+            <a:r>
+              <a:rPr lang="en-US" sz="1000">
                 <a:latin typeface="Adobe Clean Light" charset="0"/>
                 <a:ea typeface="Adobe Clean Light" charset="0"/>
                 <a:cs typeface="Adobe Clean Light" charset="0"/>
               </a:rPr>
-              <a:t>Launch Advisory</a:t>
-            </a:r>
-            <a:r>
-              <a:rPr lang="it-IT" sz="1000" dirty="0">
+              <a:t>Launch Advisory </a:t>
+            </a:r>
+            <a:r>
+              <a:rPr lang="en-US" sz="1000">
                 <a:solidFill>
                   <a:srgbClr val="000000"/>
                 </a:solidFill>
                 <a:latin typeface="Adobe Clean SemiLight" panose="020B0403020404020204" pitchFamily="34" charset="0"/>
               </a:rPr>
-              <a:t> offre un </a:t>
-            </a:r>
-            <a:r>
-              <a:rPr lang="it-IT" sz="1000" b="1" dirty="0">
+              <a:t>is a </a:t>
+            </a:r>
+            <a:r>
+              <a:rPr lang="en-US" sz="1000" b="1">
                 <a:solidFill>
                   <a:srgbClr val="000000"/>
                 </a:solidFill>
                 <a:latin typeface="Adobe Clean SemiLight" panose="020B0403020404020204" pitchFamily="34" charset="0"/>
               </a:rPr>
-              <a:t>set principale </a:t>
-            </a:r>
-            <a:br>
-              <a:rPr lang="it-IT" sz="1000" b="1" dirty="0">
-                <a:solidFill>
-                  <a:srgbClr val="000000"/>
-                </a:solidFill>
-                <a:latin typeface="Adobe Clean SemiLight" panose="020B0403020404020204" pitchFamily="34" charset="0"/>
-              </a:rPr>
-            </a:br>
-            <a:r>
-              <a:rPr lang="it-IT" sz="1000" b="1" dirty="0">
-                <a:solidFill>
-                  <a:srgbClr val="000000"/>
-                </a:solidFill>
-                <a:latin typeface="Adobe Clean SemiLight" panose="020B0403020404020204" pitchFamily="34" charset="0"/>
-              </a:rPr>
-              <a:t>di servizi di consulenza</a:t>
-            </a:r>
-            <a:r>
-              <a:rPr lang="it-IT" sz="1000" dirty="0">
+              <a:t>core set of advisory services </a:t>
+            </a:r>
+            <a:r>
+              <a:rPr lang="en-US" sz="1000">
                 <a:latin typeface="Adobe Clean Light" charset="0"/>
                 <a:ea typeface="Adobe Clean Light" charset="0"/>
                 <a:cs typeface="Adobe Clean Light" charset="0"/>
               </a:rPr>
-              <a:t> e raccomandazioni consolidate, </a:t>
-            </a:r>
-            <a:br>
-              <a:rPr lang="it-IT" sz="1000" dirty="0">
+              <a:t>and recommendations that </a:t>
+            </a:r>
+            <a:r>
+              <a:rPr lang="en-US" sz="1000">
                 <a:latin typeface="Adobe Clean Light" charset="0"/>
-                <a:ea typeface="Adobe Clean Light" charset="0"/>
-                <a:cs typeface="Adobe Clean Light" charset="0"/>
-              </a:rPr>
-            </a:br>
-            <a:r>
-              <a:rPr lang="it-IT" sz="1000" dirty="0">
+              </a:rPr>
+              <a:t>are proven to </a:t>
+            </a:r>
+            <a:r>
+              <a:rPr lang="en-US" sz="1000" b="1">
                 <a:latin typeface="Adobe Clean Light" charset="0"/>
-                <a:ea typeface="Adobe Clean Light" charset="0"/>
-                <a:cs typeface="Adobe Clean Light" charset="0"/>
-              </a:rPr>
-              <a:t>utili per il </a:t>
-            </a:r>
-            <a:r>
-              <a:rPr lang="it-IT" sz="1000" b="1" dirty="0">
+              </a:rPr>
+              <a:t>support successful deployments </a:t>
+            </a:r>
+            <a:r>
+              <a:rPr lang="en-US" sz="1000">
                 <a:latin typeface="Adobe Clean Light" charset="0"/>
-                <a:ea typeface="Adobe Clean Light" charset="0"/>
-                <a:cs typeface="Adobe Clean Light" charset="0"/>
-              </a:rPr>
-              <a:t>successo dell’implementazione</a:t>
-            </a:r>
-            <a:r>
-              <a:rPr lang="it-IT" sz="1000" dirty="0">
+              </a:rPr>
+              <a:t>and </a:t>
+            </a:r>
+            <a:r>
+              <a:rPr lang="en-US" sz="1000" b="1">
                 <a:latin typeface="Adobe Clean Light" charset="0"/>
-                <a:ea typeface="Adobe Clean Light" charset="0"/>
-                <a:cs typeface="Adobe Clean Light" charset="0"/>
-              </a:rPr>
-              <a:t> e </a:t>
-            </a:r>
-            <a:r>
-              <a:rPr lang="it-IT" sz="1000" b="1" dirty="0">
+              </a:rPr>
+              <a:t>accelerate time-to-value</a:t>
+            </a:r>
+            <a:r>
+              <a:rPr lang="en-US" sz="1000">
                 <a:latin typeface="Adobe Clean Light" charset="0"/>
-                <a:ea typeface="Adobe Clean Light" charset="0"/>
-                <a:cs typeface="Adobe Clean Light" charset="0"/>
-              </a:rPr>
-              <a:t>per velocizzare </a:t>
-            </a:r>
-            <a:br>
-              <a:rPr lang="it-IT" sz="1000" b="1" dirty="0">
-                <a:latin typeface="Adobe Clean Light" charset="0"/>
-                <a:ea typeface="Adobe Clean Light" charset="0"/>
-                <a:cs typeface="Adobe Clean Light" charset="0"/>
-              </a:rPr>
-            </a:br>
-            <a:r>
-              <a:rPr lang="it-IT" sz="1000" b="1" dirty="0">
-                <a:latin typeface="Adobe Clean Light" charset="0"/>
-                <a:ea typeface="Adobe Clean Light" charset="0"/>
-                <a:cs typeface="Adobe Clean Light" charset="0"/>
-              </a:rPr>
-              <a:t>il time-to-value</a:t>
-            </a:r>
-            <a:r>
-              <a:rPr lang="it-IT" sz="1000" dirty="0">
-                <a:latin typeface="Adobe Clean Light" charset="0"/>
-                <a:ea typeface="Adobe Clean Light" charset="0"/>
-                <a:cs typeface="Adobe Clean Light" charset="0"/>
               </a:rPr>
               <a:t>.</a:t>
             </a:r>
@@ -10999,8 +13618,8 @@
         </p:nvSpPr>
         <p:spPr>
           <a:xfrm>
-            <a:off x="3898791" y="1228675"/>
-            <a:ext cx="3684584" cy="859210"/>
+            <a:off x="3965471" y="1228675"/>
+            <a:ext cx="3603474" cy="859210"/>
           </a:xfrm>
           <a:prstGeom prst="rect">
             <a:avLst/>
@@ -11018,68 +13637,75 @@
               </a:spcBef>
             </a:pPr>
             <a:r>
-              <a:rPr lang="it-IT" sz="1000" dirty="0">
+              <a:rPr lang="en-US" sz="1000">
                 <a:solidFill>
                   <a:srgbClr val="4B4B4B"/>
                 </a:solidFill>
                 <a:latin typeface="Adobe Clean Light" panose="020B0303020404020204" pitchFamily="34" charset="0"/>
               </a:rPr>
-              <a:t>I servizi sul campo sono utilizzati per la </a:t>
-            </a:r>
-            <a:r>
-              <a:rPr lang="it-IT" sz="1000" b="1" dirty="0">
+              <a:t>Field Services are used for </a:t>
+            </a:r>
+            <a:r>
+              <a:rPr lang="en-US" sz="1000" b="1">
                 <a:solidFill>
                   <a:srgbClr val="4B4B4B"/>
                 </a:solidFill>
                 <a:latin typeface="Adobe Clean" panose="020B0503020404020204" pitchFamily="34" charset="0"/>
               </a:rPr>
-              <a:t>risoluzione rapida</a:t>
-            </a:r>
-            <a:r>
-              <a:rPr lang="it-IT" sz="1000" dirty="0">
+              <a:t>quick resolution</a:t>
+            </a:r>
+            <a:r>
+              <a:rPr lang="en-US" sz="1000">
                 <a:solidFill>
                   <a:srgbClr val="4B4B4B"/>
                 </a:solidFill>
                 <a:latin typeface="Adobe Clean Light" panose="020B0303020404020204" pitchFamily="34" charset="0"/>
               </a:rPr>
-              <a:t> e si incentrano sul successo dei clienti e la velocizzazione del </a:t>
-            </a:r>
-            <a:r>
-              <a:rPr lang="it-IT" sz="1000" b="1" dirty="0">
+              <a:t>, focused customer success and accelerated</a:t>
+            </a:r>
+            <a:r>
+              <a:rPr lang="en-US" sz="1000" b="1">
                 <a:solidFill>
                   <a:srgbClr val="4B4B4B"/>
                 </a:solidFill>
                 <a:latin typeface="Adobe Clean" panose="020B0503020404020204" pitchFamily="34" charset="0"/>
               </a:rPr>
-              <a:t>time-to-value</a:t>
-            </a:r>
-            <a:r>
-              <a:rPr lang="it-IT" sz="1000" dirty="0">
+              <a:t> time-to-value</a:t>
+            </a:r>
+            <a:r>
+              <a:rPr lang="en-US" sz="1000">
                 <a:solidFill>
                   <a:srgbClr val="4B4B4B"/>
                 </a:solidFill>
                 <a:latin typeface="Adobe Clean Light" panose="020B0303020404020204" pitchFamily="34" charset="0"/>
               </a:rPr>
-              <a:t>. Se Launch Advisory è attivo, </a:t>
-            </a:r>
-            <a:r>
-              <a:rPr lang="it-IT" sz="1000" b="1" dirty="0">
+              <a:t>. If Launch advisory is active there will be </a:t>
+            </a:r>
+            <a:r>
+              <a:rPr lang="en-US" sz="1000" b="1">
                 <a:solidFill>
                   <a:srgbClr val="4B4B4B"/>
                 </a:solidFill>
                 <a:latin typeface="Adobe Clean" panose="020B0503020404020204" pitchFamily="34" charset="0"/>
               </a:rPr>
-              <a:t>nel primo anno non sono previsti servizi sul campo</a:t>
-            </a:r>
-            <a:r>
-              <a:rPr lang="it-IT" sz="1000" dirty="0">
+              <a:t>no Field Services in year 1 </a:t>
+            </a:r>
+            <a:r>
+              <a:rPr lang="en-US" sz="1000">
                 <a:solidFill>
                   <a:srgbClr val="4B4B4B"/>
                 </a:solidFill>
                 <a:latin typeface="Adobe Clean Light" panose="020B0303020404020204" pitchFamily="34" charset="0"/>
               </a:rPr>
-              <a:t> per i prodotti coperti da un contratto di supporto Adobe. </a:t>
-            </a:r>
+              <a:t>for any solution product covered by an Adobe Support contract. </a:t>
+            </a:r>
+            <a:endParaRPr lang="en-US" sz="1000">
+              <a:solidFill>
+                <a:srgbClr val="1F1F1F"/>
+              </a:solidFill>
+              <a:latin typeface="Adobe Clean Light" panose="020B0303020404020204" pitchFamily="34" charset="0"/>
+              <a:cs typeface="Adobe Clean"/>
+            </a:endParaRPr>
           </a:p>
           <a:p>
             <a:pPr marL="24130" marR="5080">
@@ -11087,7 +13713,7 @@
                 <a:spcPts val="600"/>
               </a:spcBef>
             </a:pPr>
-            <a:endParaRPr lang="en-US" sz="1000" b="1" dirty="0">
+            <a:endParaRPr lang="en-US" sz="1000" b="1">
               <a:solidFill>
                 <a:srgbClr val="1F1F1F"/>
               </a:solidFill>
@@ -11160,7 +13786,7 @@
         <p:spPr>
           <a:xfrm rot="10800000" flipH="1">
             <a:off x="3692282" y="762000"/>
-            <a:ext cx="45720" cy="1325882"/>
+            <a:ext cx="45719" cy="1188720"/>
           </a:xfrm>
           <a:custGeom>
             <a:avLst/>
@@ -11256,7 +13882,7 @@
         <p:spPr>
           <a:xfrm>
             <a:off x="172087" y="3867961"/>
-            <a:ext cx="3565915" cy="2490425"/>
+            <a:ext cx="3525469" cy="2336537"/>
           </a:xfrm>
           <a:prstGeom prst="rect">
             <a:avLst/>
@@ -11274,59 +13900,37 @@
               </a:spcBef>
             </a:pPr>
             <a:r>
-              <a:rPr lang="it-IT" sz="1000" dirty="0">
+              <a:rPr lang="en-US" sz="1000">
                 <a:latin typeface="Adobe Clean Light" charset="0"/>
               </a:rPr>
-              <a:t>Gli esperti delle soluzioni Adobe aiutano a convalidare i requisiti, l’architettura, il processo di sviluppo e lo stato di preparazione, </a:t>
-            </a:r>
-            <a:br>
-              <a:rPr lang="it-IT" sz="1000" dirty="0">
-                <a:latin typeface="Adobe Clean Light" charset="0"/>
-              </a:rPr>
-            </a:br>
-            <a:r>
-              <a:rPr lang="it-IT" sz="1000" dirty="0">
+              <a:t>Adobe solution experts help validate requirements, architecture, development process, and launch readiness reviews </a:t>
+            </a:r>
+            <a:r>
+              <a:rPr lang="en-US" sz="1000">
                 <a:solidFill>
                   <a:srgbClr val="000000"/>
                 </a:solidFill>
                 <a:latin typeface="Adobe Clean SemiLight" panose="020B0403020404020204" pitchFamily="34" charset="0"/>
               </a:rPr>
-              <a:t>con </a:t>
-            </a:r>
-            <a:r>
-              <a:rPr lang="it-IT" sz="1000" b="1" dirty="0">
+              <a:t>with </a:t>
+            </a:r>
+            <a:r>
+              <a:rPr lang="en-US" sz="1000" b="1">
                 <a:solidFill>
                   <a:srgbClr val="000000"/>
                 </a:solidFill>
                 <a:latin typeface="Adobe Clean SemiLight" panose="020B0403020404020204" pitchFamily="34" charset="0"/>
               </a:rPr>
-              <a:t>indicazioni basate su best practice</a:t>
-            </a:r>
-            <a:r>
-              <a:rPr lang="it-IT" sz="1000" dirty="0">
+              <a:t>best practice-based guidance </a:t>
+            </a:r>
+            <a:r>
+              <a:rPr lang="en-US" sz="1000">
                 <a:solidFill>
                   <a:srgbClr val="000000"/>
                 </a:solidFill>
                 <a:latin typeface="Adobe Clean SemiLight" panose="020B0403020404020204" pitchFamily="34" charset="0"/>
               </a:rPr>
-              <a:t> rivolte ai clienti </a:t>
-            </a:r>
-            <a:br>
-              <a:rPr lang="it-IT" sz="1000" dirty="0">
-                <a:solidFill>
-                  <a:srgbClr val="000000"/>
-                </a:solidFill>
-                <a:latin typeface="Adobe Clean SemiLight" panose="020B0403020404020204" pitchFamily="34" charset="0"/>
-              </a:rPr>
-            </a:br>
-            <a:r>
-              <a:rPr lang="it-IT" sz="1000" dirty="0">
-                <a:solidFill>
-                  <a:srgbClr val="000000"/>
-                </a:solidFill>
-                <a:latin typeface="Adobe Clean SemiLight" panose="020B0403020404020204" pitchFamily="34" charset="0"/>
-              </a:rPr>
-              <a:t>e ai partner di implementazione.</a:t>
+              <a:t>to customers and implementation partners.</a:t>
             </a:r>
           </a:p>
           <a:p>
@@ -11335,7 +13939,7 @@
                 <a:spcPts val="100"/>
               </a:spcBef>
             </a:pPr>
-            <a:endParaRPr lang="en-US" sz="1000" dirty="0">
+            <a:endParaRPr lang="en-US" sz="1000">
               <a:solidFill>
                 <a:srgbClr val="1F1F1F"/>
               </a:solidFill>
@@ -11350,22 +13954,22 @@
               </a:spcBef>
             </a:pPr>
             <a:r>
-              <a:rPr lang="it-IT" sz="1000" dirty="0">
+              <a:rPr lang="en-US" sz="1000">
                 <a:latin typeface="Adobe Clean Light" charset="0"/>
               </a:rPr>
-              <a:t>Launch Advisory si allinea alla pianificazione del progetto del cliente, con obiettivi intermedi comuni (</a:t>
-            </a:r>
-            <a:r>
-              <a:rPr lang="it-IT" sz="1000" b="1" dirty="0">
+              <a:t>Launch Advisory will align with your project schedule through common milestones (</a:t>
+            </a:r>
+            <a:r>
+              <a:rPr lang="en-US" sz="1000" b="1">
                 <a:latin typeface="Adobe Clean Light" charset="0"/>
               </a:rPr>
-              <a:t>avvio, definizione, progettazione, lancio e post-lancio</a:t>
-            </a:r>
-            <a:r>
-              <a:rPr lang="it-IT" sz="1000" dirty="0">
+              <a:t>Kickoff, Define, Design, Go-live and Post Launch</a:t>
+            </a:r>
+            <a:r>
+              <a:rPr lang="en-US" sz="1000">
                 <a:latin typeface="Adobe Clean Light" charset="0"/>
               </a:rPr>
-              <a:t>) per guidare, convalidare, valutare e formulare raccomandazioni.</a:t>
+              <a:t>) to guide, validate, assess and make recommendations.</a:t>
             </a:r>
           </a:p>
           <a:p>
@@ -11374,7 +13978,7 @@
                 <a:spcPts val="100"/>
               </a:spcBef>
             </a:pPr>
-            <a:endParaRPr lang="en-US" sz="1000" dirty="0">
+            <a:endParaRPr lang="en-US" sz="1000">
               <a:latin typeface="Adobe Clean Light" charset="0"/>
             </a:endParaRPr>
           </a:p>
@@ -11385,10 +13989,10 @@
               </a:spcBef>
             </a:pPr>
             <a:r>
-              <a:rPr lang="it-IT" sz="1000" dirty="0">
+              <a:rPr lang="en-US" sz="1000">
                 <a:latin typeface="Adobe Clean Light" charset="0"/>
               </a:rPr>
-              <a:t>Il servizio include i seguenti materiali:</a:t>
+              <a:t>Key Deliverables include:</a:t>
             </a:r>
           </a:p>
           <a:p>
@@ -11400,8 +14004,8 @@
               <a:buChar char="•"/>
             </a:pPr>
             <a:r>
-              <a:rPr lang="it-IT" sz="1000" dirty="0"/>
-              <a:t>Piano di lancio (incluso il piano di collaborazione al progetto)</a:t>
+              <a:rPr lang="en-US" sz="1000"/>
+              <a:t>Kickoff (including project collaboration plan) deck</a:t>
             </a:r>
           </a:p>
           <a:p>
@@ -11413,8 +14017,8 @@
               <a:buChar char="•"/>
             </a:pPr>
             <a:r>
-              <a:rPr lang="it-IT" sz="1000" dirty="0"/>
-              <a:t>Documentazione relativa a valutazione e raccomandazioni</a:t>
+              <a:rPr lang="en-US" sz="1000"/>
+              <a:t>Assessment &amp; recommendations document(s)</a:t>
             </a:r>
           </a:p>
           <a:p>
@@ -11426,8 +14030,8 @@
               <a:buChar char="•"/>
             </a:pPr>
             <a:r>
-              <a:rPr lang="it-IT" sz="1000" dirty="0"/>
-              <a:t>Riepilogo dell’ambito delle attività di consulenza</a:t>
+              <a:rPr lang="en-US" sz="1000"/>
+              <a:t>Engagement summary</a:t>
             </a:r>
           </a:p>
         </p:txBody>
@@ -11531,8 +14135,8 @@
           <a:p>
             <a:pPr algn="ctr"/>
             <a:r>
-              <a:rPr lang="it-IT" sz="1600"/>
-              <a:t>Esecuzione e utilizzo</a:t>
+              <a:rPr lang="en-US" sz="1600"/>
+              <a:t>Run &amp; Operate</a:t>
             </a:r>
           </a:p>
         </p:txBody>
@@ -11637,8 +14241,8 @@
           <a:p>
             <a:pPr algn="ctr"/>
             <a:r>
-              <a:rPr lang="it-IT" sz="1600"/>
-              <a:t>Implementazione</a:t>
+              <a:rPr lang="en-US" sz="1600"/>
+              <a:t>Implementation</a:t>
             </a:r>
           </a:p>
         </p:txBody>
@@ -11673,8 +14277,8 @@
           <a:p>
             <a:pPr algn="ctr"/>
             <a:r>
-              <a:rPr lang="it-IT" sz="1050"/>
-              <a:t>Post-lancio</a:t>
+              <a:rPr lang="en-US" sz="1100"/>
+              <a:t>Post Launch</a:t>
             </a:r>
           </a:p>
         </p:txBody>
@@ -11694,20 +14298,15 @@
           <p:nvPr/>
         </p:nvPicPr>
         <p:blipFill>
-          <a:blip r:embed="rId4" cstate="print">
-            <a:extLst>
-              <a:ext uri="{28A0092B-C50C-407E-A947-70E740481C1C}">
-                <a14:useLocalDpi xmlns:a14="http://schemas.microsoft.com/office/drawing/2010/main" val="0"/>
-              </a:ext>
-            </a:extLst>
-          </a:blip>
-          <a:srcRect/>
-          <a:stretch/>
+          <a:blip r:embed="rId4"/>
+          <a:stretch>
+            <a:fillRect/>
+          </a:stretch>
         </p:blipFill>
         <p:spPr>
           <a:xfrm>
-            <a:off x="336106" y="6379881"/>
-            <a:ext cx="3093589" cy="2855621"/>
+            <a:off x="333965" y="6379881"/>
+            <a:ext cx="3097872" cy="2855621"/>
           </a:xfrm>
           <a:prstGeom prst="rect">
             <a:avLst/>
@@ -11782,8 +14381,8 @@
         </p:nvSpPr>
         <p:spPr>
           <a:xfrm>
-            <a:off x="3855907" y="4632512"/>
-            <a:ext cx="3582528" cy="2310889"/>
+            <a:off x="3855907" y="4694431"/>
+            <a:ext cx="3525469" cy="2464777"/>
           </a:xfrm>
           <a:prstGeom prst="rect">
             <a:avLst/>
@@ -11801,32 +14400,29 @@
               </a:spcBef>
             </a:pPr>
             <a:r>
-              <a:rPr lang="it-IT" sz="1000" b="1" dirty="0">
+              <a:rPr lang="en-US" sz="1000" b="1" dirty="0">
                 <a:solidFill>
                   <a:srgbClr val="000000"/>
                 </a:solidFill>
-                <a:latin typeface="Adobe Clean" panose="020B0503020404020204" pitchFamily="34" charset="0"/>
-              </a:rPr>
-              <a:t>Le attività tecniche</a:t>
-            </a:r>
-            <a:r>
-              <a:rPr lang="it-IT" sz="1000" dirty="0">
+                <a:latin typeface="+mj-lt"/>
+              </a:rPr>
+              <a:t>Technical Track Activities </a:t>
+            </a:r>
+            <a:r>
+              <a:rPr lang="en-US" sz="1000" dirty="0">
                 <a:solidFill>
                   <a:srgbClr val="000000"/>
                 </a:solidFill>
-                <a:latin typeface="Adobe Clean" panose="020B0503020404020204" pitchFamily="34" charset="0"/>
-              </a:rPr>
-              <a:t> </a:t>
-            </a:r>
-            <a:r>
-              <a:rPr lang="it-IT" sz="1000" dirty="0">
-                <a:solidFill>
-                  <a:srgbClr val="000000"/>
-                </a:solidFill>
                 <a:latin typeface="Adobe Clean Light"/>
               </a:rPr>
-              <a:t>supportano le competenze tecniche del clienti e sono volte a massimizzare l’adozione degli strumenti. In particolare, includono supporto e raccomandazioni in merito a configurazioni della piattaforma, integrazioni e risoluzione di problemi.</a:t>
-            </a:r>
+              <a:t>ensure customers are technically sound and maximizing their tool adoption. Specifically, these types of activities include support and recommendations related to platform configurations, integrations and troubleshooting.</a:t>
+            </a:r>
+            <a:endParaRPr lang="en-US" sz="1000" dirty="0">
+              <a:solidFill>
+                <a:srgbClr val="000000"/>
+              </a:solidFill>
+              <a:latin typeface="Adobe Clean Light" panose="020B0303020404020204" pitchFamily="34" charset="0"/>
+            </a:endParaRPr>
           </a:p>
           <a:p>
             <a:pPr marL="12700" marR="5080">
@@ -11834,7 +14430,7 @@
                 <a:spcPts val="100"/>
               </a:spcBef>
             </a:pPr>
-            <a:endParaRPr lang="en-US" sz="1000" dirty="0">
+            <a:endParaRPr lang="en-US" sz="1000">
               <a:latin typeface="Adobe Clean Light" charset="0"/>
             </a:endParaRPr>
           </a:p>
@@ -11845,10 +14441,10 @@
               </a:spcBef>
             </a:pPr>
             <a:r>
-              <a:rPr lang="it-IT" sz="1000" dirty="0">
+              <a:rPr lang="en-US" sz="1000" dirty="0">
                 <a:latin typeface="Adobe Clean Light"/>
               </a:rPr>
-              <a:t>Attività tecniche disponibili:</a:t>
+              <a:t>Types of technical activities available::</a:t>
             </a:r>
           </a:p>
           <a:p>
@@ -11863,9 +14459,12 @@
               <a:buChar char="ü"/>
             </a:pPr>
             <a:r>
-              <a:rPr lang="it-IT" sz="1000" dirty="0"/>
-              <a:t>Audit sullo stato del sistema</a:t>
-            </a:r>
+              <a:rPr lang="en-US" sz="1000" dirty="0"/>
+              <a:t>Health audit</a:t>
+            </a:r>
+            <a:endParaRPr lang="en-US" sz="1000" dirty="0">
+              <a:cs typeface="Calibri"/>
+            </a:endParaRPr>
           </a:p>
           <a:p>
             <a:pPr marL="184150" marR="5080" indent="-171450">
@@ -11879,9 +14478,12 @@
               <a:buChar char="ü"/>
             </a:pPr>
             <a:r>
-              <a:rPr lang="it-IT" sz="1000" dirty="0"/>
-              <a:t>Audit della piattaforma</a:t>
-            </a:r>
+              <a:rPr lang="en-US" sz="1000" dirty="0"/>
+              <a:t>Platform audit</a:t>
+            </a:r>
+            <a:endParaRPr lang="en-US" sz="1000" dirty="0">
+              <a:cs typeface="Calibri"/>
+            </a:endParaRPr>
           </a:p>
           <a:p>
             <a:pPr marL="184150" marR="5080" indent="-171450">
@@ -11895,9 +14497,12 @@
               <a:buChar char="ü"/>
             </a:pPr>
             <a:r>
-              <a:rPr lang="it-IT" sz="1000" dirty="0"/>
-              <a:t>Abilitazione del set di funzioni</a:t>
-            </a:r>
+              <a:rPr lang="en-US" sz="1000" dirty="0"/>
+              <a:t>Feature set enablement</a:t>
+            </a:r>
+            <a:endParaRPr lang="en-US" sz="1000" dirty="0">
+              <a:cs typeface="Calibri"/>
+            </a:endParaRPr>
           </a:p>
           <a:p>
             <a:pPr marL="184150" marR="5080" indent="-171450">
@@ -11911,9 +14516,12 @@
               <a:buChar char="ü"/>
             </a:pPr>
             <a:r>
-              <a:rPr lang="it-IT" sz="1000" dirty="0"/>
-              <a:t>Integrazioni e configurazioni di base</a:t>
-            </a:r>
+              <a:rPr lang="en-US" sz="1000" dirty="0"/>
+              <a:t>Basic integrations and configurations</a:t>
+            </a:r>
+            <a:endParaRPr lang="en-US" sz="1000" dirty="0">
+              <a:cs typeface="Calibri"/>
+            </a:endParaRPr>
           </a:p>
           <a:p>
             <a:pPr marL="184150" marR="5080" indent="-171450">
@@ -11927,9 +14535,12 @@
               <a:buChar char="ü"/>
             </a:pPr>
             <a:r>
-              <a:rPr lang="it-IT" sz="1000" dirty="0"/>
-              <a:t>Risoluzione di problemi inerenti la soluzione del cliente</a:t>
-            </a:r>
+              <a:rPr lang="en-US" sz="1000" dirty="0"/>
+              <a:t>Customer solution troubleshooting</a:t>
+            </a:r>
+            <a:endParaRPr lang="en-US" sz="1000" dirty="0">
+              <a:cs typeface="Calibri"/>
+            </a:endParaRPr>
           </a:p>
           <a:p>
             <a:pPr marL="184150" marR="5080" indent="-171450">
@@ -11943,9 +14554,12 @@
               <a:buChar char="ü"/>
             </a:pPr>
             <a:r>
-              <a:rPr lang="it-IT" sz="1000" dirty="0"/>
-              <a:t>Supporto dei servizi cloud</a:t>
-            </a:r>
+              <a:rPr lang="en-US" sz="1000" dirty="0"/>
+              <a:t>Cloud service support</a:t>
+            </a:r>
+            <a:endParaRPr lang="en-US" sz="1000" dirty="0">
+              <a:cs typeface="Calibri"/>
+            </a:endParaRPr>
           </a:p>
         </p:txBody>
       </p:sp>
@@ -11963,8 +14577,8 @@
         </p:nvSpPr>
         <p:spPr>
           <a:xfrm>
-            <a:off x="3851397" y="7187537"/>
-            <a:ext cx="3582528" cy="2054409"/>
+            <a:off x="3851397" y="7249456"/>
+            <a:ext cx="3525469" cy="2054409"/>
           </a:xfrm>
           <a:prstGeom prst="rect">
             <a:avLst/>
@@ -11982,82 +14596,22 @@
               </a:spcBef>
             </a:pPr>
             <a:r>
-              <a:rPr lang="it-IT" sz="1000" b="1" dirty="0">
+              <a:rPr lang="en-US" sz="1000" b="1" dirty="0">
                 <a:solidFill>
                   <a:srgbClr val="000000"/>
                 </a:solidFill>
-                <a:latin typeface="Adobe Clean" panose="020B0503020404020204" pitchFamily="34" charset="0"/>
-              </a:rPr>
-              <a:t>Le attività strategiche</a:t>
-            </a:r>
-            <a:r>
-              <a:rPr lang="it-IT" sz="1000" dirty="0">
+                <a:latin typeface="+mj-lt"/>
+              </a:rPr>
+              <a:t>Strategic Track Activities </a:t>
+            </a:r>
+            <a:r>
+              <a:rPr lang="en-US" sz="1000" dirty="0">
                 <a:solidFill>
                   <a:srgbClr val="000000"/>
                 </a:solidFill>
-                <a:latin typeface="Adobe Clean" panose="020B0503020404020204" pitchFamily="34" charset="0"/>
-              </a:rPr>
-              <a:t> </a:t>
-            </a:r>
-            <a:r>
-              <a:rPr lang="it-IT" sz="1000" dirty="0">
-                <a:solidFill>
-                  <a:srgbClr val="000000"/>
-                </a:solidFill>
                 <a:latin typeface="Adobe Clean Light"/>
               </a:rPr>
-              <a:t>rilevano le opportunità che consentono </a:t>
-            </a:r>
-            <a:br>
-              <a:rPr lang="it-IT" sz="1000" dirty="0">
-                <a:solidFill>
-                  <a:srgbClr val="000000"/>
-                </a:solidFill>
-                <a:latin typeface="Adobe Clean Light"/>
-              </a:rPr>
-            </a:br>
-            <a:r>
-              <a:rPr lang="it-IT" sz="1000" dirty="0">
-                <a:solidFill>
-                  <a:srgbClr val="000000"/>
-                </a:solidFill>
-                <a:latin typeface="Adobe Clean Light"/>
-              </a:rPr>
-              <a:t>di trarre maggior valore dalle soluzioni Adobe del cliente. </a:t>
-            </a:r>
-            <a:br>
-              <a:rPr lang="it-IT" sz="1000" dirty="0">
-                <a:solidFill>
-                  <a:srgbClr val="000000"/>
-                </a:solidFill>
-                <a:latin typeface="Adobe Clean Light"/>
-              </a:rPr>
-            </a:br>
-            <a:r>
-              <a:rPr lang="it-IT" sz="1000" dirty="0">
-                <a:solidFill>
-                  <a:srgbClr val="000000"/>
-                </a:solidFill>
-                <a:latin typeface="Adobe Clean Light"/>
-              </a:rPr>
-              <a:t>Includono raccomandazioni di supporto relative a strategia, misurazione e livello di preparazione per favorire la realizzazione </a:t>
-            </a:r>
-            <a:br>
-              <a:rPr lang="it-IT" sz="1000" dirty="0">
-                <a:solidFill>
-                  <a:srgbClr val="000000"/>
-                </a:solidFill>
-                <a:latin typeface="Adobe Clean Light"/>
-              </a:rPr>
-            </a:br>
-            <a:r>
-              <a:rPr lang="it-IT" sz="1000" dirty="0">
-                <a:solidFill>
-                  <a:srgbClr val="000000"/>
-                </a:solidFill>
-                <a:latin typeface="Adobe Clean Light"/>
-              </a:rPr>
-              <a:t>di valore tramite una o più soluzioni Adobe.</a:t>
+              <a:t>locate opportunities to ensure value is being realized from a customer’s Adobe solutions. They include support recommendations related to strategy, measurement and maturity to drive value realization across one or more Adobe solutions.</a:t>
             </a:r>
           </a:p>
           <a:p>
@@ -12066,7 +14620,7 @@
                 <a:spcPts val="100"/>
               </a:spcBef>
             </a:pPr>
-            <a:endParaRPr lang="en-US" sz="1000" dirty="0">
+            <a:endParaRPr lang="en-US" sz="1000">
               <a:latin typeface="Adobe Clean Light" charset="0"/>
             </a:endParaRPr>
           </a:p>
@@ -12077,11 +14631,14 @@
               </a:spcBef>
             </a:pPr>
             <a:r>
-              <a:rPr lang="it-IT" sz="1000" dirty="0">
+              <a:rPr lang="en-US" sz="1000" dirty="0">
                 <a:latin typeface="Adobe Clean Light"/>
               </a:rPr>
-              <a:t>Attività strategiche disponibili:</a:t>
-            </a:r>
+              <a:t>Types of strategic activities available:</a:t>
+            </a:r>
+            <a:endParaRPr lang="en-US" sz="1000" dirty="0">
+              <a:latin typeface="Adobe Clean Light" charset="0"/>
+            </a:endParaRPr>
           </a:p>
           <a:p>
             <a:pPr marL="241300" marR="5080" indent="-228600">
@@ -12095,9 +14652,12 @@
               <a:buChar char="ü"/>
             </a:pPr>
             <a:r>
-              <a:rPr lang="it-IT" sz="1000" dirty="0"/>
-              <a:t>Roadmap sul livello di preparazione</a:t>
-            </a:r>
+              <a:rPr lang="en-US" sz="1000" dirty="0"/>
+              <a:t>Maturity Roadmap</a:t>
+            </a:r>
+            <a:endParaRPr lang="en-US" sz="1000" dirty="0">
+              <a:cs typeface="Calibri"/>
+            </a:endParaRPr>
           </a:p>
           <a:p>
             <a:pPr marL="241300" marR="5080" indent="-228600">
@@ -12111,9 +14671,12 @@
               <a:buChar char="ü"/>
             </a:pPr>
             <a:r>
-              <a:rPr lang="it-IT" sz="1000" dirty="0"/>
-              <a:t>Sviluppo e misurazione di casi d’uso</a:t>
-            </a:r>
+              <a:rPr lang="en-US" sz="1000" dirty="0"/>
+              <a:t>Use case development/measurement</a:t>
+            </a:r>
+            <a:endParaRPr lang="en-US" sz="1000" dirty="0">
+              <a:cs typeface="Calibri"/>
+            </a:endParaRPr>
           </a:p>
           <a:p>
             <a:pPr marL="241300" marR="5080" indent="-228600">
@@ -12127,9 +14690,12 @@
               <a:buChar char="ü"/>
             </a:pPr>
             <a:r>
-              <a:rPr lang="it-IT" sz="1000" dirty="0"/>
-              <a:t>Reporting e analisi</a:t>
-            </a:r>
+              <a:rPr lang="en-US" sz="1000" dirty="0"/>
+              <a:t>Reporting &amp; analysis</a:t>
+            </a:r>
+            <a:endParaRPr lang="en-US" sz="1000" dirty="0">
+              <a:cs typeface="Calibri"/>
+            </a:endParaRPr>
           </a:p>
           <a:p>
             <a:pPr marL="241300" marR="5080" indent="-228600">
@@ -12143,9 +14709,12 @@
               <a:buChar char="ü"/>
             </a:pPr>
             <a:r>
-              <a:rPr lang="it-IT" sz="1000" dirty="0"/>
-              <a:t>Abilitazione delle best practice</a:t>
-            </a:r>
+              <a:rPr lang="en-US" sz="1000" dirty="0"/>
+              <a:t>Best practices enablement</a:t>
+            </a:r>
+            <a:endParaRPr lang="en-US" sz="1000" dirty="0">
+              <a:cs typeface="Calibri"/>
+            </a:endParaRPr>
           </a:p>
         </p:txBody>
       </p:sp>
@@ -12183,77 +14752,73 @@
               </a:spcBef>
             </a:pPr>
             <a:r>
-              <a:rPr lang="it-IT" sz="1000" dirty="0">
+              <a:rPr lang="en-US" sz="1000">
                 <a:solidFill>
                   <a:srgbClr val="1F1F1F"/>
                 </a:solidFill>
                 <a:latin typeface="Adobe Clean" panose="020B0503020404020204" pitchFamily="34" charset="0"/>
                 <a:cs typeface="AdobeClean-Light"/>
               </a:rPr>
-              <a:t>I clienti Enterprise hanno diritto a </a:t>
-            </a:r>
-            <a:r>
-              <a:rPr lang="it-IT" sz="1200" b="1" u="sng" dirty="0">
+              <a:t>As an Enterprise customer, you are eligible for</a:t>
+            </a:r>
+            <a:r>
+              <a:rPr lang="en-US" sz="1200" b="1" u="sng">
+                <a:solidFill>
+                  <a:srgbClr val="1F1F1F"/>
+                </a:solidFill>
+                <a:cs typeface="AdobeClean-Light"/>
+              </a:rPr>
+              <a:t> 2 </a:t>
+            </a:r>
+            <a:r>
+              <a:rPr lang="en-US" sz="1000" b="1" u="sng">
+                <a:solidFill>
+                  <a:srgbClr val="1F1F1F"/>
+                </a:solidFill>
+                <a:cs typeface="AdobeClean-Light"/>
+              </a:rPr>
+              <a:t>activities per year </a:t>
+            </a:r>
+            <a:r>
+              <a:rPr lang="en-US" sz="1000">
                 <a:solidFill>
                   <a:srgbClr val="1F1F1F"/>
                 </a:solidFill>
                 <a:latin typeface="Adobe Clean" panose="020B0503020404020204" pitchFamily="34" charset="0"/>
                 <a:cs typeface="AdobeClean-Light"/>
               </a:rPr>
-              <a:t>2 </a:t>
-            </a:r>
-            <a:r>
-              <a:rPr lang="it-IT" sz="1000" b="1" u="sng" dirty="0">
+              <a:t>from the following two tracks:</a:t>
+            </a:r>
+            <a:r>
+              <a:rPr lang="en-US" sz="1000" b="1">
+                <a:solidFill>
+                  <a:srgbClr val="1F1F1F"/>
+                </a:solidFill>
+                <a:cs typeface="AdobeClean-Light"/>
+              </a:rPr>
+              <a:t> Technical </a:t>
+            </a:r>
+            <a:r>
+              <a:rPr lang="en-US" sz="1000">
                 <a:solidFill>
                   <a:srgbClr val="1F1F1F"/>
                 </a:solidFill>
                 <a:latin typeface="Adobe Clean" panose="020B0503020404020204" pitchFamily="34" charset="0"/>
                 <a:cs typeface="AdobeClean-Light"/>
               </a:rPr>
-              <a:t>attività all’anno</a:t>
-            </a:r>
-            <a:r>
-              <a:rPr lang="it-IT" sz="1000" dirty="0">
+              <a:t>and/or </a:t>
+            </a:r>
+            <a:r>
+              <a:rPr lang="en-US" sz="1000" b="1">
                 <a:solidFill>
                   <a:srgbClr val="1F1F1F"/>
                 </a:solidFill>
-                <a:latin typeface="Adobe Clean" panose="020B0503020404020204" pitchFamily="34" charset="0"/>
                 <a:cs typeface="AdobeClean-Light"/>
               </a:rPr>
-              <a:t> di tipo</a:t>
-            </a:r>
-            <a:r>
-              <a:rPr lang="it-IT" sz="1000" b="1" dirty="0">
-                <a:solidFill>
-                  <a:srgbClr val="1F1F1F"/>
-                </a:solidFill>
-                <a:latin typeface="Adobe Clean" panose="020B0503020404020204" pitchFamily="34" charset="0"/>
-                <a:cs typeface="AdobeClean-Light"/>
-              </a:rPr>
-              <a:t> tecnico </a:t>
-            </a:r>
-            <a:r>
-              <a:rPr lang="it-IT" sz="1000" dirty="0">
-                <a:solidFill>
-                  <a:srgbClr val="1F1F1F"/>
-                </a:solidFill>
-                <a:latin typeface="Adobe Clean" panose="020B0503020404020204" pitchFamily="34" charset="0"/>
-                <a:cs typeface="AdobeClean-Light"/>
-              </a:rPr>
-              <a:t>e/o </a:t>
-            </a:r>
-            <a:r>
-              <a:rPr lang="it-IT" sz="1000" b="1" dirty="0">
-                <a:solidFill>
-                  <a:srgbClr val="1F1F1F"/>
-                </a:solidFill>
-                <a:latin typeface="Adobe Clean" panose="020B0503020404020204" pitchFamily="34" charset="0"/>
-                <a:cs typeface="AdobeClean-Light"/>
-              </a:rPr>
-              <a:t>strategico</a:t>
-            </a:r>
-            <a:r>
-              <a:rPr lang="it-IT" sz="1000" dirty="0">
+              <a:t>Strategic</a:t>
+            </a:r>
+            <a:r>
+              <a:rPr lang="en-US" sz="1000">
                 <a:solidFill>
                   <a:srgbClr val="1F1F1F"/>
                 </a:solidFill>
@@ -12262,6 +14827,12 @@
               </a:rPr>
               <a:t>.</a:t>
             </a:r>
+            <a:endParaRPr lang="en-US" sz="1000" b="1">
+              <a:solidFill>
+                <a:prstClr val="black"/>
+              </a:solidFill>
+              <a:cs typeface="AdobeClean-Light"/>
+            </a:endParaRPr>
           </a:p>
         </p:txBody>
       </p:sp>
@@ -12279,7 +14850,7 @@
         </p:nvSpPr>
         <p:spPr>
           <a:xfrm>
-            <a:off x="2259949" y="2317134"/>
+            <a:off x="2236134" y="2317134"/>
             <a:ext cx="826006" cy="261610"/>
           </a:xfrm>
           <a:prstGeom prst="rect">
@@ -12295,8 +14866,8 @@
           <a:p>
             <a:pPr algn="ctr"/>
             <a:r>
-              <a:rPr lang="it-IT" sz="1050"/>
-              <a:t>Lancio</a:t>
+              <a:rPr lang="en-US" sz="1100"/>
+              <a:t>Go-Live</a:t>
             </a:r>
           </a:p>
         </p:txBody>
@@ -12315,7 +14886,7 @@
         </p:nvSpPr>
         <p:spPr>
           <a:xfrm>
-            <a:off x="845340" y="2320287"/>
+            <a:off x="878679" y="2320287"/>
             <a:ext cx="826006" cy="261610"/>
           </a:xfrm>
           <a:prstGeom prst="rect">
@@ -12331,8 +14902,8 @@
           <a:p>
             <a:pPr algn="ctr"/>
             <a:r>
-              <a:rPr lang="it-IT" sz="1050" dirty="0"/>
-              <a:t>Definizione</a:t>
+              <a:rPr lang="en-US" sz="1100"/>
+              <a:t>Define</a:t>
             </a:r>
           </a:p>
         </p:txBody>
@@ -12367,8 +14938,8 @@
           <a:p>
             <a:pPr algn="ctr"/>
             <a:r>
-              <a:rPr lang="it-IT" sz="1050"/>
-              <a:t>Avvio</a:t>
+              <a:rPr lang="en-US" sz="1100"/>
+              <a:t>Kickoff</a:t>
             </a:r>
           </a:p>
         </p:txBody>
@@ -12387,8 +14958,8 @@
         </p:nvSpPr>
         <p:spPr>
           <a:xfrm>
-            <a:off x="1507288" y="2320287"/>
-            <a:ext cx="1014258" cy="261610"/>
+            <a:off x="1558548" y="2320287"/>
+            <a:ext cx="826006" cy="261610"/>
           </a:xfrm>
           <a:prstGeom prst="rect">
             <a:avLst/>
@@ -12403,8 +14974,8 @@
           <a:p>
             <a:pPr algn="ctr"/>
             <a:r>
-              <a:rPr lang="it-IT" sz="1050" dirty="0"/>
-              <a:t>Progettazione</a:t>
+              <a:rPr lang="en-US" sz="1100"/>
+              <a:t>Design</a:t>
             </a:r>
           </a:p>
         </p:txBody>
@@ -12461,14 +15032,14 @@
           <a:p>
             <a:pPr algn="ctr"/>
             <a:r>
-              <a:rPr lang="it-IT" dirty="0">
+              <a:rPr lang="en-US">
                 <a:solidFill>
                   <a:schemeClr val="accent1">
                     <a:lumMod val="50000"/>
                   </a:schemeClr>
                 </a:solidFill>
               </a:rPr>
-              <a:t>2 attività all’anno</a:t>
+              <a:t>2 Activities per Year</a:t>
             </a:r>
           </a:p>
         </p:txBody>
@@ -12530,15 +15101,49 @@
               </a:lnSpc>
             </a:pPr>
             <a:r>
-              <a:rPr lang="it-IT" sz="500">
+              <a:rPr sz="500" spc="-5">
                 <a:solidFill>
                   <a:srgbClr val="6C6C6C"/>
                 </a:solidFill>
                 <a:latin typeface="Adobe Clean"/>
                 <a:cs typeface="Adobe Clean"/>
               </a:rPr>
-              <a:t>©2020 Adobe. All Rights Reserved. Adobe Confidential.</a:t>
-            </a:r>
+              <a:t>©2020 Adobe. All Rights Reserved. </a:t>
+            </a:r>
+            <a:r>
+              <a:rPr sz="500">
+                <a:solidFill>
+                  <a:srgbClr val="6C6C6C"/>
+                </a:solidFill>
+                <a:latin typeface="Adobe Clean"/>
+                <a:cs typeface="Adobe Clean"/>
+              </a:rPr>
+              <a:t>Adobe</a:t>
+            </a:r>
+            <a:r>
+              <a:rPr sz="500" spc="5">
+                <a:solidFill>
+                  <a:srgbClr val="6C6C6C"/>
+                </a:solidFill>
+                <a:latin typeface="Adobe Clean"/>
+                <a:cs typeface="Adobe Clean"/>
+              </a:rPr>
+              <a:t> </a:t>
+            </a:r>
+            <a:r>
+              <a:rPr sz="500" spc="-5">
+                <a:solidFill>
+                  <a:srgbClr val="6C6C6C"/>
+                </a:solidFill>
+                <a:latin typeface="Adobe Clean"/>
+                <a:cs typeface="Adobe Clean"/>
+              </a:rPr>
+              <a:t>Confidential.</a:t>
+            </a:r>
+            <a:endParaRPr sz="500">
+              <a:latin typeface="Adobe Clean"/>
+              <a:cs typeface="Adobe Clean"/>
+            </a:endParaRPr>
           </a:p>
           <a:p>
             <a:pPr>
@@ -12564,15 +15169,39 @@
               </a:spcBef>
             </a:pPr>
             <a:r>
-              <a:rPr lang="it-IT" sz="800">
+              <a:rPr sz="800" spc="-5">
                 <a:solidFill>
                   <a:srgbClr val="6D6D6D"/>
                 </a:solidFill>
                 <a:latin typeface="Adobe Clean"/>
                 <a:cs typeface="Adobe Clean"/>
               </a:rPr>
-              <a:t>©2020 Adobe. All Rights Reserved. Adobe Confidential.</a:t>
-            </a:r>
+              <a:t>©2020 Adobe. All Rights Reserved. Adobe</a:t>
+            </a:r>
+            <a:r>
+              <a:rPr sz="800" spc="75">
+                <a:solidFill>
+                  <a:srgbClr val="6D6D6D"/>
+                </a:solidFill>
+                <a:latin typeface="Adobe Clean"/>
+                <a:cs typeface="Adobe Clean"/>
+              </a:rPr>
+              <a:t> </a:t>
+            </a:r>
+            <a:r>
+              <a:rPr sz="800" spc="-5">
+                <a:solidFill>
+                  <a:srgbClr val="6D6D6D"/>
+                </a:solidFill>
+                <a:latin typeface="Adobe Clean"/>
+                <a:cs typeface="Adobe Clean"/>
+              </a:rPr>
+              <a:t>Confidential.</a:t>
+            </a:r>
+            <a:endParaRPr sz="800">
+              <a:latin typeface="Adobe Clean"/>
+              <a:cs typeface="Adobe Clean"/>
+            </a:endParaRPr>
           </a:p>
         </p:txBody>
       </p:sp>
@@ -12656,15 +15285,19 @@
               </a:spcBef>
             </a:pPr>
             <a:r>
-              <a:rPr lang="it-IT" sz="1400" b="1">
-                <a:solidFill>
-                  <a:srgbClr val="020302"/>
-                </a:solidFill>
-                <a:latin typeface="Adobe Clean"/>
-                <a:cs typeface="Adobe Clean"/>
-              </a:rPr>
-              <a:t>Risorse</a:t>
-            </a:r>
+              <a:rPr lang="en-US" sz="1400" b="1" spc="-15">
+                <a:solidFill>
+                  <a:srgbClr val="020302"/>
+                </a:solidFill>
+                <a:latin typeface="Adobe Clean"/>
+                <a:cs typeface="Adobe Clean"/>
+              </a:rPr>
+              <a:t>Resources</a:t>
+            </a:r>
+            <a:endParaRPr sz="1400">
+              <a:latin typeface="Adobe Clean"/>
+              <a:cs typeface="Adobe Clean"/>
+            </a:endParaRPr>
           </a:p>
         </p:txBody>
       </p:sp>
@@ -12677,7 +15310,7 @@
         <p:spPr>
           <a:xfrm>
             <a:off x="6754821" y="9283729"/>
-            <a:ext cx="1017579" cy="662305"/>
+            <a:ext cx="930275" cy="662305"/>
           </a:xfrm>
           <a:prstGeom prst="rect">
             <a:avLst/>
@@ -12698,7 +15331,7 @@
               </a:spcBef>
             </a:pPr>
             <a:r>
-              <a:rPr lang="it-IT" sz="800" dirty="0">
+              <a:rPr sz="800" spc="-15">
                 <a:solidFill>
                   <a:srgbClr val="777879"/>
                 </a:solidFill>
@@ -12707,6 +15340,10 @@
               </a:rPr>
               <a:t>Adobe</a:t>
             </a:r>
+            <a:endParaRPr sz="800">
+              <a:latin typeface="Adobe Clean"/>
+              <a:cs typeface="Adobe Clean"/>
+            </a:endParaRPr>
           </a:p>
           <a:p>
             <a:pPr marL="12700">
@@ -12715,15 +15352,39 @@
               </a:lnSpc>
             </a:pPr>
             <a:r>
-              <a:rPr lang="it-IT" sz="800" dirty="0">
+              <a:rPr sz="800" spc="-15">
                 <a:solidFill>
                   <a:srgbClr val="777879"/>
                 </a:solidFill>
                 <a:latin typeface="Adobe Clean"/>
                 <a:cs typeface="Adobe Clean"/>
               </a:rPr>
-              <a:t>345 Park Avenue</a:t>
-            </a:r>
+              <a:t>345 Park</a:t>
+            </a:r>
+            <a:r>
+              <a:rPr sz="800" spc="-100">
+                <a:solidFill>
+                  <a:srgbClr val="777879"/>
+                </a:solidFill>
+                <a:latin typeface="Adobe Clean"/>
+                <a:cs typeface="Adobe Clean"/>
+              </a:rPr>
+              <a:t> </a:t>
+            </a:r>
+            <a:r>
+              <a:rPr sz="800" spc="-15">
+                <a:solidFill>
+                  <a:srgbClr val="777879"/>
+                </a:solidFill>
+                <a:latin typeface="Adobe Clean"/>
+                <a:cs typeface="Adobe Clean"/>
+              </a:rPr>
+              <a:t>Avenue</a:t>
+            </a:r>
+            <a:endParaRPr sz="800">
+              <a:latin typeface="Adobe Clean"/>
+              <a:cs typeface="Adobe Clean"/>
+            </a:endParaRPr>
           </a:p>
           <a:p>
             <a:pPr marL="12700">
@@ -12732,15 +15393,49 @@
               </a:lnSpc>
             </a:pPr>
             <a:r>
-              <a:rPr lang="it-IT" sz="800" dirty="0">
+              <a:rPr sz="800" spc="-10">
                 <a:solidFill>
                   <a:srgbClr val="777879"/>
                 </a:solidFill>
                 <a:latin typeface="Adobe Clean"/>
                 <a:cs typeface="Adobe Clean"/>
               </a:rPr>
-              <a:t>San Jose, CA 95110-2704</a:t>
-            </a:r>
+              <a:t>San </a:t>
+            </a:r>
+            <a:r>
+              <a:rPr sz="800" spc="-15">
+                <a:solidFill>
+                  <a:srgbClr val="777879"/>
+                </a:solidFill>
+                <a:latin typeface="Adobe Clean"/>
+                <a:cs typeface="Adobe Clean"/>
+              </a:rPr>
+              <a:t>Jose,</a:t>
+            </a:r>
+            <a:r>
+              <a:rPr sz="800" spc="-140">
+                <a:solidFill>
+                  <a:srgbClr val="777879"/>
+                </a:solidFill>
+                <a:latin typeface="Adobe Clean"/>
+                <a:cs typeface="Adobe Clean"/>
+              </a:rPr>
+              <a:t> </a:t>
+            </a:r>
+            <a:r>
+              <a:rPr sz="800" spc="-20">
+                <a:solidFill>
+                  <a:srgbClr val="777879"/>
+                </a:solidFill>
+                <a:latin typeface="Adobe Clean"/>
+                <a:cs typeface="Adobe Clean"/>
+              </a:rPr>
+              <a:t>CA95110-2704</a:t>
+            </a:r>
+            <a:endParaRPr sz="800">
+              <a:latin typeface="Adobe Clean"/>
+              <a:cs typeface="Adobe Clean"/>
+            </a:endParaRPr>
           </a:p>
           <a:p>
             <a:pPr marL="12700">
@@ -12752,7 +15447,7 @@
               </a:spcBef>
             </a:pPr>
             <a:r>
-              <a:rPr lang="it-IT" sz="800" dirty="0">
+              <a:rPr sz="800" spc="-10">
                 <a:solidFill>
                   <a:srgbClr val="777879"/>
                 </a:solidFill>
@@ -12761,6 +15456,10 @@
               </a:rPr>
               <a:t>USA</a:t>
             </a:r>
+            <a:endParaRPr sz="800">
+              <a:latin typeface="Adobe Clean"/>
+              <a:cs typeface="Adobe Clean"/>
+            </a:endParaRPr>
           </a:p>
           <a:p>
             <a:pPr marL="12700">
@@ -12772,7 +15471,7 @@
               </a:spcBef>
             </a:pPr>
             <a:r>
-              <a:rPr lang="it-IT" sz="800" u="sng" dirty="0">
+              <a:rPr sz="800" u="sng" spc="-25">
                 <a:solidFill>
                   <a:srgbClr val="5F5F5F"/>
                 </a:solidFill>
@@ -12787,6 +15486,10 @@
               </a:rPr>
               <a:t>www.adobe.com</a:t>
             </a:r>
+            <a:endParaRPr sz="800">
+              <a:latin typeface="Adobe Clean"/>
+              <a:cs typeface="Adobe Clean"/>
+            </a:endParaRPr>
           </a:p>
         </p:txBody>
       </p:sp>
@@ -12961,15 +15664,449 @@
               </a:spcBef>
             </a:pPr>
             <a:r>
-              <a:rPr lang="it-IT" sz="1100" i="1">
+              <a:rPr sz="1100" i="1" spc="-10" dirty="0">
                 <a:solidFill>
                   <a:srgbClr val="777879"/>
                 </a:solidFill>
                 <a:latin typeface="AdobeClean-LightIt"/>
                 <a:cs typeface="AdobeClean-LightIt"/>
               </a:rPr>
-              <a:t>Per saperne di più sulle opzioni di Supporto Adobe e capire quale sia il livello più adatto alle tue esigenze, contatta il tuo Named Account Manager (NAM) o Customer Success Manager (CSM).</a:t>
-            </a:r>
+              <a:t>To</a:t>
+            </a:r>
+            <a:r>
+              <a:rPr sz="1100" i="1" spc="-50" dirty="0">
+                <a:solidFill>
+                  <a:srgbClr val="777879"/>
+                </a:solidFill>
+                <a:latin typeface="AdobeClean-LightIt"/>
+                <a:cs typeface="AdobeClean-LightIt"/>
+              </a:rPr>
+              <a:t> </a:t>
+            </a:r>
+            <a:r>
+              <a:rPr sz="1100" i="1" spc="-15" dirty="0">
+                <a:solidFill>
+                  <a:srgbClr val="777879"/>
+                </a:solidFill>
+                <a:latin typeface="AdobeClean-LightIt"/>
+                <a:cs typeface="AdobeClean-LightIt"/>
+              </a:rPr>
+              <a:t>learn</a:t>
+            </a:r>
+            <a:r>
+              <a:rPr sz="1100" i="1" spc="-40" dirty="0">
+                <a:solidFill>
+                  <a:srgbClr val="777879"/>
+                </a:solidFill>
+                <a:latin typeface="AdobeClean-LightIt"/>
+                <a:cs typeface="AdobeClean-LightIt"/>
+              </a:rPr>
+              <a:t> </a:t>
+            </a:r>
+            <a:r>
+              <a:rPr sz="1100" i="1" spc="-15" dirty="0">
+                <a:solidFill>
+                  <a:srgbClr val="777879"/>
+                </a:solidFill>
+                <a:latin typeface="AdobeClean-LightIt"/>
+                <a:cs typeface="AdobeClean-LightIt"/>
+              </a:rPr>
+              <a:t>more</a:t>
+            </a:r>
+            <a:r>
+              <a:rPr sz="1100" i="1" spc="-45" dirty="0">
+                <a:solidFill>
+                  <a:srgbClr val="777879"/>
+                </a:solidFill>
+                <a:latin typeface="AdobeClean-LightIt"/>
+                <a:cs typeface="AdobeClean-LightIt"/>
+              </a:rPr>
+              <a:t> </a:t>
+            </a:r>
+            <a:r>
+              <a:rPr sz="1100" i="1" spc="-15" dirty="0">
+                <a:solidFill>
+                  <a:srgbClr val="777879"/>
+                </a:solidFill>
+                <a:latin typeface="AdobeClean-LightIt"/>
+                <a:cs typeface="AdobeClean-LightIt"/>
+              </a:rPr>
+              <a:t>about</a:t>
+            </a:r>
+            <a:r>
+              <a:rPr sz="1100" i="1" spc="-45" dirty="0">
+                <a:solidFill>
+                  <a:srgbClr val="777879"/>
+                </a:solidFill>
+                <a:latin typeface="AdobeClean-LightIt"/>
+                <a:cs typeface="AdobeClean-LightIt"/>
+              </a:rPr>
+              <a:t> </a:t>
+            </a:r>
+            <a:r>
+              <a:rPr sz="1100" i="1" spc="-15" dirty="0">
+                <a:solidFill>
+                  <a:srgbClr val="777879"/>
+                </a:solidFill>
+                <a:latin typeface="AdobeClean-LightIt"/>
+                <a:cs typeface="AdobeClean-LightIt"/>
+              </a:rPr>
+              <a:t>Adobe</a:t>
+            </a:r>
+            <a:r>
+              <a:rPr sz="1100" i="1" spc="-50" dirty="0">
+                <a:solidFill>
+                  <a:srgbClr val="777879"/>
+                </a:solidFill>
+                <a:latin typeface="AdobeClean-LightIt"/>
+                <a:cs typeface="AdobeClean-LightIt"/>
+              </a:rPr>
+              <a:t> </a:t>
+            </a:r>
+            <a:r>
+              <a:rPr sz="1100" i="1" spc="-15" dirty="0">
+                <a:solidFill>
+                  <a:srgbClr val="777879"/>
+                </a:solidFill>
+                <a:latin typeface="AdobeClean-LightIt"/>
+                <a:cs typeface="AdobeClean-LightIt"/>
+              </a:rPr>
+              <a:t>Support</a:t>
+            </a:r>
+            <a:r>
+              <a:rPr lang="en-US" sz="1100" i="1" spc="-15" dirty="0">
+                <a:solidFill>
+                  <a:srgbClr val="777879"/>
+                </a:solidFill>
+                <a:latin typeface="AdobeClean-LightIt"/>
+                <a:cs typeface="AdobeClean-LightIt"/>
+              </a:rPr>
+              <a:t> Offerings</a:t>
+            </a:r>
+            <a:r>
+              <a:rPr sz="1100" i="1" spc="-75" dirty="0">
+                <a:solidFill>
+                  <a:srgbClr val="777879"/>
+                </a:solidFill>
+                <a:latin typeface="AdobeClean-LightIt"/>
+                <a:cs typeface="AdobeClean-LightIt"/>
+              </a:rPr>
+              <a:t> </a:t>
+            </a:r>
+            <a:r>
+              <a:rPr sz="1100" i="1" spc="-15" dirty="0">
+                <a:solidFill>
+                  <a:srgbClr val="777879"/>
+                </a:solidFill>
+                <a:latin typeface="AdobeClean-LightIt"/>
+                <a:cs typeface="AdobeClean-LightIt"/>
+              </a:rPr>
+              <a:t>and</a:t>
+            </a:r>
+            <a:r>
+              <a:rPr sz="1100" i="1" spc="-50" dirty="0">
+                <a:solidFill>
+                  <a:srgbClr val="777879"/>
+                </a:solidFill>
+                <a:latin typeface="AdobeClean-LightIt"/>
+                <a:cs typeface="AdobeClean-LightIt"/>
+              </a:rPr>
+              <a:t> </a:t>
+            </a:r>
+            <a:r>
+              <a:rPr sz="1100" i="1" spc="-15" dirty="0">
+                <a:solidFill>
+                  <a:srgbClr val="777879"/>
+                </a:solidFill>
+                <a:latin typeface="AdobeClean-LightIt"/>
+                <a:cs typeface="AdobeClean-LightIt"/>
+              </a:rPr>
+              <a:t>the</a:t>
+            </a:r>
+            <a:r>
+              <a:rPr sz="1100" i="1" spc="-55" dirty="0">
+                <a:solidFill>
+                  <a:srgbClr val="777879"/>
+                </a:solidFill>
+                <a:latin typeface="AdobeClean-LightIt"/>
+                <a:cs typeface="AdobeClean-LightIt"/>
+              </a:rPr>
+              <a:t> </a:t>
+            </a:r>
+            <a:r>
+              <a:rPr sz="1100" i="1" spc="-15" dirty="0">
+                <a:solidFill>
+                  <a:srgbClr val="777879"/>
+                </a:solidFill>
+                <a:latin typeface="AdobeClean-LightIt"/>
+                <a:cs typeface="AdobeClean-LightIt"/>
+              </a:rPr>
+              <a:t>right</a:t>
+            </a:r>
+            <a:r>
+              <a:rPr sz="1100" i="1" spc="-95" dirty="0">
+                <a:solidFill>
+                  <a:srgbClr val="777879"/>
+                </a:solidFill>
+                <a:latin typeface="AdobeClean-LightIt"/>
+                <a:cs typeface="AdobeClean-LightIt"/>
+              </a:rPr>
+              <a:t> </a:t>
+            </a:r>
+            <a:r>
+              <a:rPr sz="1100" i="1" spc="-15" dirty="0">
+                <a:solidFill>
+                  <a:srgbClr val="777879"/>
+                </a:solidFill>
+                <a:latin typeface="AdobeClean-LightIt"/>
+                <a:cs typeface="AdobeClean-LightIt"/>
+              </a:rPr>
+              <a:t>level</a:t>
+            </a:r>
+            <a:r>
+              <a:rPr sz="1100" i="1" spc="-55" dirty="0">
+                <a:solidFill>
+                  <a:srgbClr val="777879"/>
+                </a:solidFill>
+                <a:latin typeface="AdobeClean-LightIt"/>
+                <a:cs typeface="AdobeClean-LightIt"/>
+              </a:rPr>
+              <a:t> </a:t>
+            </a:r>
+            <a:r>
+              <a:rPr sz="1100" i="1" spc="-15" dirty="0">
+                <a:solidFill>
+                  <a:srgbClr val="777879"/>
+                </a:solidFill>
+                <a:latin typeface="AdobeClean-LightIt"/>
+                <a:cs typeface="AdobeClean-LightIt"/>
+              </a:rPr>
+              <a:t>for</a:t>
+            </a:r>
+            <a:r>
+              <a:rPr sz="1100" i="1" spc="-85" dirty="0">
+                <a:solidFill>
+                  <a:srgbClr val="777879"/>
+                </a:solidFill>
+                <a:latin typeface="AdobeClean-LightIt"/>
+                <a:cs typeface="AdobeClean-LightIt"/>
+              </a:rPr>
+              <a:t> </a:t>
+            </a:r>
+            <a:r>
+              <a:rPr sz="1100" i="1" spc="-15" dirty="0">
+                <a:solidFill>
+                  <a:srgbClr val="777879"/>
+                </a:solidFill>
+                <a:latin typeface="AdobeClean-LightIt"/>
+                <a:cs typeface="AdobeClean-LightIt"/>
+              </a:rPr>
+              <a:t>you,</a:t>
+            </a:r>
+            <a:r>
+              <a:rPr sz="1100" i="1" spc="-65" dirty="0">
+                <a:solidFill>
+                  <a:srgbClr val="777879"/>
+                </a:solidFill>
+                <a:latin typeface="AdobeClean-LightIt"/>
+                <a:cs typeface="AdobeClean-LightIt"/>
+              </a:rPr>
+              <a:t> </a:t>
+            </a:r>
+            <a:r>
+              <a:rPr sz="1100" i="1" spc="-15" dirty="0">
+                <a:solidFill>
+                  <a:srgbClr val="777879"/>
+                </a:solidFill>
+                <a:latin typeface="AdobeClean-LightIt"/>
+                <a:cs typeface="AdobeClean-LightIt"/>
+              </a:rPr>
+              <a:t>contact</a:t>
+            </a:r>
+            <a:r>
+              <a:rPr sz="1100" i="1" spc="-85" dirty="0">
+                <a:solidFill>
+                  <a:srgbClr val="777879"/>
+                </a:solidFill>
+                <a:latin typeface="AdobeClean-LightIt"/>
+                <a:cs typeface="AdobeClean-LightIt"/>
+              </a:rPr>
+              <a:t> </a:t>
+            </a:r>
+            <a:r>
+              <a:rPr sz="1100" i="1" spc="-15" dirty="0">
+                <a:solidFill>
+                  <a:srgbClr val="777879"/>
+                </a:solidFill>
+                <a:latin typeface="AdobeClean-LightIt"/>
+                <a:cs typeface="AdobeClean-LightIt"/>
+              </a:rPr>
+              <a:t>your</a:t>
+            </a:r>
+            <a:r>
+              <a:rPr sz="1100" i="1" spc="-70" dirty="0">
+                <a:solidFill>
+                  <a:srgbClr val="777879"/>
+                </a:solidFill>
+                <a:latin typeface="AdobeClean-LightIt"/>
+                <a:cs typeface="AdobeClean-LightIt"/>
+              </a:rPr>
+              <a:t> </a:t>
+            </a:r>
+            <a:r>
+              <a:rPr sz="1100" i="1" spc="-15" dirty="0">
+                <a:solidFill>
+                  <a:srgbClr val="777879"/>
+                </a:solidFill>
+                <a:latin typeface="AdobeClean-LightIt"/>
+                <a:cs typeface="AdobeClean-LightIt"/>
+              </a:rPr>
+              <a:t>Named</a:t>
+            </a:r>
+            <a:r>
+              <a:rPr sz="1100" i="1" spc="-55" dirty="0">
+                <a:solidFill>
+                  <a:srgbClr val="777879"/>
+                </a:solidFill>
+                <a:latin typeface="AdobeClean-LightIt"/>
+                <a:cs typeface="AdobeClean-LightIt"/>
+              </a:rPr>
+              <a:t> </a:t>
+            </a:r>
+            <a:r>
+              <a:rPr sz="1100" i="1" spc="-25" dirty="0">
+                <a:solidFill>
+                  <a:srgbClr val="777879"/>
+                </a:solidFill>
+                <a:latin typeface="AdobeClean-LightIt"/>
+                <a:cs typeface="AdobeClean-LightIt"/>
+              </a:rPr>
+              <a:t>Account</a:t>
+            </a:r>
+            <a:r>
+              <a:rPr sz="1100" i="1" spc="-120" dirty="0">
+                <a:solidFill>
+                  <a:srgbClr val="777879"/>
+                </a:solidFill>
+                <a:latin typeface="AdobeClean-LightIt"/>
+                <a:cs typeface="AdobeClean-LightIt"/>
+              </a:rPr>
+              <a:t> </a:t>
+            </a:r>
+            <a:r>
+              <a:rPr sz="1100" i="1" spc="-20" dirty="0">
+                <a:solidFill>
+                  <a:srgbClr val="777879"/>
+                </a:solidFill>
+                <a:latin typeface="AdobeClean-LightIt"/>
+                <a:cs typeface="AdobeClean-LightIt"/>
+              </a:rPr>
+              <a:t>Manager</a:t>
+            </a:r>
+            <a:r>
+              <a:rPr lang="en-US" sz="1100" i="1" spc="-20" dirty="0">
+                <a:solidFill>
+                  <a:srgbClr val="777879"/>
+                </a:solidFill>
+                <a:latin typeface="AdobeClean-LightIt"/>
+                <a:cs typeface="AdobeClean-LightIt"/>
+              </a:rPr>
+              <a:t> </a:t>
+            </a:r>
+            <a:r>
+              <a:rPr sz="1100" i="1" spc="-20" dirty="0">
+                <a:solidFill>
+                  <a:srgbClr val="777879"/>
+                </a:solidFill>
+                <a:latin typeface="AdobeClean-LightIt"/>
+                <a:cs typeface="AdobeClean-LightIt"/>
+              </a:rPr>
+              <a:t> </a:t>
+            </a:r>
+            <a:r>
+              <a:rPr sz="1100" i="1" spc="-15" dirty="0">
+                <a:solidFill>
+                  <a:srgbClr val="777879"/>
+                </a:solidFill>
+                <a:latin typeface="AdobeClean-LightIt"/>
+                <a:cs typeface="AdobeClean-LightIt"/>
+              </a:rPr>
+              <a:t>(NAM) </a:t>
+            </a:r>
+            <a:r>
+              <a:rPr sz="1100" i="1" spc="-10" dirty="0">
+                <a:solidFill>
+                  <a:srgbClr val="777879"/>
+                </a:solidFill>
+                <a:latin typeface="AdobeClean-LightIt"/>
+                <a:cs typeface="AdobeClean-LightIt"/>
+              </a:rPr>
+              <a:t>or </a:t>
+            </a:r>
+            <a:r>
+              <a:rPr sz="1100" i="1" spc="-15" dirty="0">
+                <a:solidFill>
+                  <a:srgbClr val="777879"/>
+                </a:solidFill>
+                <a:latin typeface="AdobeClean-LightIt"/>
+                <a:cs typeface="AdobeClean-LightIt"/>
+              </a:rPr>
+              <a:t>Customer </a:t>
+            </a:r>
+            <a:r>
+              <a:rPr sz="1100" i="1" spc="-20" dirty="0">
+                <a:solidFill>
+                  <a:srgbClr val="777879"/>
+                </a:solidFill>
+                <a:latin typeface="AdobeClean-LightIt"/>
+                <a:cs typeface="AdobeClean-LightIt"/>
+              </a:rPr>
+              <a:t>Success</a:t>
+            </a:r>
+            <a:r>
+              <a:rPr sz="1100" i="1" spc="-180" dirty="0">
+                <a:solidFill>
+                  <a:srgbClr val="777879"/>
+                </a:solidFill>
+                <a:latin typeface="AdobeClean-LightIt"/>
+                <a:cs typeface="AdobeClean-LightIt"/>
+              </a:rPr>
+              <a:t> </a:t>
+            </a:r>
+            <a:r>
+              <a:rPr sz="1100" i="1" spc="-15" dirty="0">
+                <a:solidFill>
+                  <a:srgbClr val="777879"/>
+                </a:solidFill>
+                <a:latin typeface="AdobeClean-LightIt"/>
+                <a:cs typeface="AdobeClean-LightIt"/>
+              </a:rPr>
+              <a:t>Manager</a:t>
+            </a:r>
+            <a:r>
+              <a:rPr lang="en-US" sz="1100" i="1" spc="-15" dirty="0">
+                <a:solidFill>
+                  <a:srgbClr val="777879"/>
+                </a:solidFill>
+                <a:latin typeface="AdobeClean-LightIt"/>
+                <a:cs typeface="AdobeClean-LightIt"/>
+              </a:rPr>
+              <a:t> </a:t>
+            </a:r>
+            <a:r>
+              <a:rPr sz="1100" i="1" spc="-15" dirty="0">
+                <a:solidFill>
+                  <a:srgbClr val="777879"/>
+                </a:solidFill>
+                <a:latin typeface="AdobeClean-LightIt"/>
+                <a:cs typeface="AdobeClean-LightIt"/>
+              </a:rPr>
+              <a:t>(CSM)</a:t>
+            </a:r>
+            <a:endParaRPr sz="1100" dirty="0">
+              <a:latin typeface="AdobeClean-LightIt"/>
+              <a:cs typeface="AdobeClean-LightIt"/>
+            </a:endParaRPr>
           </a:p>
           <a:p>
             <a:pPr marL="34290">
@@ -12981,15 +16118,59 @@
               </a:spcBef>
             </a:pPr>
             <a:r>
-              <a:rPr lang="it-IT" sz="800">
+              <a:rPr sz="800" spc="-5" dirty="0">
                 <a:solidFill>
                   <a:srgbClr val="6D6D6D"/>
                 </a:solidFill>
                 <a:latin typeface="Adobe Clean"/>
                 <a:cs typeface="Adobe Clean"/>
               </a:rPr>
-              <a:t>©2021 Adobe. All Rights Reserved. Adobe Confidential.</a:t>
-            </a:r>
+              <a:t>©202</a:t>
+            </a:r>
+            <a:r>
+              <a:rPr lang="en-US" sz="800" spc="-5" dirty="0">
+                <a:solidFill>
+                  <a:srgbClr val="6D6D6D"/>
+                </a:solidFill>
+                <a:latin typeface="Adobe Clean"/>
+                <a:cs typeface="Adobe Clean"/>
+              </a:rPr>
+              <a:t>1</a:t>
+            </a:r>
+            <a:r>
+              <a:rPr sz="800" spc="-5" dirty="0">
+                <a:solidFill>
+                  <a:srgbClr val="6D6D6D"/>
+                </a:solidFill>
+                <a:latin typeface="Adobe Clean"/>
+                <a:cs typeface="Adobe Clean"/>
+              </a:rPr>
+              <a:t> Adobe. All Rights Reserved. Adobe</a:t>
+            </a:r>
+            <a:r>
+              <a:rPr sz="800" spc="75" dirty="0">
+                <a:solidFill>
+                  <a:srgbClr val="6D6D6D"/>
+                </a:solidFill>
+                <a:latin typeface="Adobe Clean"/>
+                <a:cs typeface="Adobe Clean"/>
+              </a:rPr>
+              <a:t> </a:t>
+            </a:r>
+            <a:r>
+              <a:rPr sz="800" spc="-5" dirty="0">
+                <a:solidFill>
+                  <a:srgbClr val="6D6D6D"/>
+                </a:solidFill>
+                <a:latin typeface="Adobe Clean"/>
+                <a:cs typeface="Adobe Clean"/>
+              </a:rPr>
+              <a:t>Confidential.</a:t>
+            </a:r>
+            <a:endParaRPr sz="800" dirty="0">
+              <a:latin typeface="Adobe Clean"/>
+              <a:cs typeface="Adobe Clean"/>
+            </a:endParaRPr>
           </a:p>
         </p:txBody>
       </p:sp>
@@ -13007,8 +16188,8 @@
         </p:nvSpPr>
         <p:spPr>
           <a:xfrm>
-            <a:off x="190706" y="4913781"/>
-            <a:ext cx="6605381" cy="755976"/>
+            <a:off x="190707" y="4913781"/>
+            <a:ext cx="6476646" cy="755976"/>
           </a:xfrm>
           <a:prstGeom prst="rect">
             <a:avLst/>
@@ -13026,15 +16207,19 @@
               </a:spcBef>
             </a:pPr>
             <a:r>
-              <a:rPr lang="it-IT" sz="1400" b="1" dirty="0">
-                <a:solidFill>
-                  <a:srgbClr val="020302"/>
-                </a:solidFill>
-                <a:latin typeface="Adobe Clean"/>
-                <a:cs typeface="Adobe Clean"/>
-              </a:rPr>
-              <a:t>Supporto Adobe: aree geografiche, orari operativi e lingue</a:t>
-            </a:r>
+              <a:rPr lang="en-US" sz="1400" b="1" spc="-15">
+                <a:solidFill>
+                  <a:srgbClr val="020302"/>
+                </a:solidFill>
+                <a:latin typeface="Adobe Clean"/>
+                <a:cs typeface="Adobe Clean"/>
+              </a:rPr>
+              <a:t>Regional scope of Adobe Support, Local Hours Of Operation And Language Support</a:t>
+            </a:r>
+            <a:endParaRPr lang="en-US" sz="1400" spc="-15">
+              <a:ea typeface="+mn-lt"/>
+              <a:cs typeface="+mn-lt"/>
+            </a:endParaRPr>
           </a:p>
           <a:p>
             <a:pPr>
@@ -13043,14 +16228,17 @@
               </a:spcBef>
             </a:pPr>
             <a:r>
-              <a:rPr lang="it-IT" sz="1000" dirty="0">
+              <a:rPr lang="en-US" sz="1000" spc="-15">
                 <a:solidFill>
                   <a:srgbClr val="1F1F1F"/>
                 </a:solidFill>
                 <a:latin typeface="AdobeClean-Light"/>
               </a:rPr>
-              <a:t>L’ambito del supporto Adobe è definito allineando l’indirizzo di fatturazione del cliente (in base all’ordine di vendita o altro documento di acquisto del servizio di supporto Adobe) a una delle seguenti aree geografiche:</a:t>
-            </a:r>
+              <a:t>The regional scope of Adobe Support is established by aligning the customer's billing address (via the Sales Order or other Adobe Support purchasing document) to one of the following regions:</a:t>
+            </a:r>
+            <a:endParaRPr lang="en-US" sz="1000">
+              <a:latin typeface="AdobeClean-Light"/>
+            </a:endParaRPr>
           </a:p>
         </p:txBody>
       </p:sp>
@@ -13069,7 +16257,7 @@
           <p:nvPr>
             <p:extLst>
               <p:ext uri="{D42A27DB-BD31-4B8C-83A1-F6EECF244321}">
-                <p14:modId xmlns:p14="http://schemas.microsoft.com/office/powerpoint/2010/main" val="126634078"/>
+                <p14:modId xmlns:p14="http://schemas.microsoft.com/office/powerpoint/2010/main" val="1291534283"/>
               </p:ext>
             </p:extLst>
           </p:nvPr>
@@ -13122,13 +16310,13 @@
                     <a:p>
                       <a:pPr algn="ctr"/>
                       <a:r>
-                        <a:rPr lang="it-IT" sz="1100">
+                        <a:rPr lang="en-US" sz="1100">
                           <a:solidFill>
                             <a:schemeClr val="tx1"/>
                           </a:solidFill>
                           <a:latin typeface="Adobe Clean"/>
                         </a:rPr>
-                        <a:t>Americhe</a:t>
+                        <a:t>Americas</a:t>
                       </a:r>
                     </a:p>
                   </a:txBody>
@@ -13187,30 +16375,13 @@
                     <a:p>
                       <a:pPr algn="ctr"/>
                       <a:r>
-                        <a:rPr lang="it-IT" sz="1100" dirty="0">
+                        <a:rPr lang="en-US" sz="1100">
                           <a:solidFill>
                             <a:schemeClr val="tx1"/>
                           </a:solidFill>
                           <a:latin typeface="Adobe Clean"/>
                         </a:rPr>
-                        <a:t>Europa, Medio Oriente </a:t>
-                      </a:r>
-                      <a:br>
-                        <a:rPr lang="it-IT" sz="1100" dirty="0">
-                          <a:solidFill>
-                            <a:schemeClr val="tx1"/>
-                          </a:solidFill>
-                          <a:latin typeface="Adobe Clean"/>
-                        </a:rPr>
-                      </a:br>
-                      <a:r>
-                        <a:rPr lang="it-IT" sz="1100" dirty="0">
-                          <a:solidFill>
-                            <a:schemeClr val="tx1"/>
-                          </a:solidFill>
-                          <a:latin typeface="Adobe Clean"/>
-                        </a:rPr>
-                        <a:t>e Africa</a:t>
+                        <a:t>Europe, Middle East &amp; Africa</a:t>
                       </a:r>
                     </a:p>
                   </a:txBody>
@@ -13269,13 +16440,13 @@
                     <a:p>
                       <a:pPr algn="ctr"/>
                       <a:r>
-                        <a:rPr lang="it-IT" sz="1100">
+                        <a:rPr lang="en-US" sz="1100">
                           <a:solidFill>
                             <a:schemeClr val="tx1"/>
                           </a:solidFill>
                           <a:latin typeface="Adobe Clean"/>
                         </a:rPr>
-                        <a:t>Asia-Pacifico</a:t>
+                        <a:t>Asia Pacific</a:t>
                       </a:r>
                     </a:p>
                   </a:txBody>
@@ -13334,16 +16505,16 @@
                     <a:p>
                       <a:pPr algn="ctr"/>
                       <a:r>
-                        <a:rPr lang="it-IT" sz="1100">
+                        <a:rPr lang="en-US" sz="1100">
                           <a:solidFill>
                             <a:schemeClr val="tx1"/>
                           </a:solidFill>
                           <a:latin typeface="Adobe Clean"/>
                         </a:rPr>
-                        <a:t>Giappone</a:t>
+                        <a:t>Japan </a:t>
                       </a:r>
                       <a:r>
-                        <a:rPr lang="it-IT" sz="1100" baseline="30000">
+                        <a:rPr lang="en-US" sz="1100" baseline="30000">
                           <a:solidFill>
                             <a:schemeClr val="tx1"/>
                           </a:solidFill>
@@ -13351,6 +16522,12 @@
                         </a:rPr>
                         <a:t>1 </a:t>
                       </a:r>
+                      <a:endParaRPr lang="en-US" sz="1100">
+                        <a:solidFill>
+                          <a:schemeClr val="tx1"/>
+                        </a:solidFill>
+                        <a:latin typeface="Adobe Clean" panose="020B0503020404020204" pitchFamily="34" charset="0"/>
+                      </a:endParaRPr>
                     </a:p>
                   </a:txBody>
                   <a:tcPr anchor="ctr">
@@ -13415,13 +16592,13 @@
                     <a:p>
                       <a:pPr algn="ctr"/>
                       <a:r>
-                        <a:rPr lang="it-IT" sz="1100">
+                        <a:rPr lang="en-US" sz="1100">
                           <a:solidFill>
                             <a:schemeClr val="tx1"/>
                           </a:solidFill>
                           <a:latin typeface="Adobe Clean"/>
                         </a:rPr>
-                        <a:t>06:00 – 17:30</a:t>
+                        <a:t>6 am – 5:30 pm</a:t>
                       </a:r>
                     </a:p>
                   </a:txBody>
@@ -13480,13 +16657,13 @@
                     <a:p>
                       <a:pPr algn="ctr"/>
                       <a:r>
-                        <a:rPr lang="it-IT" sz="1100">
+                        <a:rPr lang="en-US" sz="1100">
                           <a:solidFill>
                             <a:schemeClr val="tx1"/>
                           </a:solidFill>
                           <a:latin typeface="Adobe Clean"/>
                         </a:rPr>
-                        <a:t>09:00 – 17:00</a:t>
+                        <a:t>9 am – 5 pm</a:t>
                       </a:r>
                     </a:p>
                   </a:txBody>
@@ -13545,13 +16722,13 @@
                     <a:p>
                       <a:pPr algn="ctr"/>
                       <a:r>
-                        <a:rPr lang="it-IT" sz="1100">
+                        <a:rPr lang="en-US" sz="1100">
                           <a:solidFill>
                             <a:schemeClr val="tx1"/>
                           </a:solidFill>
                           <a:latin typeface="Adobe Clean"/>
                         </a:rPr>
-                        <a:t>09:00 – 17:00</a:t>
+                        <a:t>9 am – 5 pm</a:t>
                       </a:r>
                     </a:p>
                   </a:txBody>
@@ -13610,13 +16787,13 @@
                     <a:p>
                       <a:pPr algn="ctr"/>
                       <a:r>
-                        <a:rPr lang="it-IT" sz="1100">
+                        <a:rPr lang="en-US" sz="1100">
                           <a:solidFill>
                             <a:schemeClr val="tx1"/>
                           </a:solidFill>
                           <a:latin typeface="Adobe Clean"/>
                         </a:rPr>
-                        <a:t>09:00 – 17:30</a:t>
+                        <a:t>9 am – 5:30 pm</a:t>
                       </a:r>
                     </a:p>
                   </a:txBody>
@@ -13693,12 +16870,12 @@
                         <a:buNone/>
                       </a:pPr>
                       <a:r>
-                        <a:rPr lang="it-IT" sz="1100" b="0" i="0" u="none" strike="noStrike" noProof="0" dirty="0"/>
-                        <a:t>Il supporto è disponibile solo in inglese e giapponese.</a:t>
+                        <a:rPr lang="en-US" sz="1100" b="0" i="0" u="none" strike="noStrike" noProof="0"/>
+                        <a:t>Language support is only available in English and Japanese.</a:t>
                       </a:r>
                     </a:p>
                     <a:p>
-                      <a:pPr lvl="0" algn="l" rtl="0">
+                      <a:pPr lvl="0" algn="ctr">
                         <a:lnSpc>
                           <a:spcPct val="100000"/>
                         </a:lnSpc>
@@ -13710,7 +16887,7 @@
                         </a:spcAft>
                         <a:buNone/>
                       </a:pPr>
-                      <a:endParaRPr lang="en-US" sz="1100" b="0" i="0" u="none" strike="noStrike" noProof="0" dirty="0"/>
+                      <a:endParaRPr lang="en-US" sz="1100" b="0" i="0" u="none" strike="noStrike" noProof="0"/>
                     </a:p>
                     <a:p>
                       <a:pPr lvl="0" algn="ctr">
@@ -13726,17 +16903,18 @@
                         <a:buNone/>
                       </a:pPr>
                       <a:r>
-                        <a:rPr lang="it-IT" sz="1100" b="0" i="0" u="none" strike="noStrike" noProof="0" dirty="0"/>
+                        <a:rPr lang="en-US" sz="1100" b="0" i="0" u="none" strike="noStrike" noProof="0"/>
                         <a:t> </a:t>
                       </a:r>
                       <a:r>
-                        <a:rPr lang="it-IT" sz="1100" b="0" i="0" u="none" strike="noStrike" baseline="30000" noProof="0" dirty="0"/>
+                        <a:rPr lang="en-US" sz="1100" b="0" i="0" u="none" strike="noStrike" baseline="30000" noProof="0"/>
                         <a:t>1 </a:t>
                       </a:r>
                       <a:r>
-                        <a:rPr lang="it-IT" sz="1100" b="0" i="0" u="none" strike="noStrike" noProof="0" dirty="0"/>
-                        <a:t>In Giappone, i casi P2, P3 e P4 sono limitati al solo orario operativo.</a:t>
+                        <a:rPr lang="en-US" sz="1100" b="0" i="0" u="none" strike="noStrike" noProof="0"/>
+                        <a:t>P2, P3, P4 cases are limited to business hours only in Japan.</a:t>
                       </a:r>
+                      <a:endParaRPr lang="en-US" sz="1100" b="1" i="0" u="none" strike="noStrike" noProof="0"/>
                     </a:p>
                   </a:txBody>
                   <a:tcPr anchor="ctr">
@@ -14078,8 +17256,8 @@
         </p:nvSpPr>
         <p:spPr>
           <a:xfrm>
-            <a:off x="2713358" y="8528519"/>
-            <a:ext cx="1065922" cy="385445"/>
+            <a:off x="2840871" y="8528519"/>
+            <a:ext cx="810895" cy="385445"/>
           </a:xfrm>
           <a:prstGeom prst="rect">
             <a:avLst/>
@@ -14091,7 +17269,7 @@
           </a:bodyPr>
           <a:lstStyle/>
           <a:p>
-            <a:pPr marR="5080" algn="ctr">
+            <a:pPr marL="139065" marR="5080" indent="-139065">
               <a:lnSpc>
                 <a:spcPts val="1390"/>
               </a:lnSpc>
@@ -14100,15 +17278,129 @@
               </a:spcBef>
             </a:pPr>
             <a:r>
-              <a:rPr lang="it-IT" sz="1200" b="1" dirty="0">
+              <a:rPr sz="1200" b="1" spc="-15">
                 <a:solidFill>
                   <a:srgbClr val="FFFFFF"/>
                 </a:solidFill>
                 <a:latin typeface="Adobe Clean"/>
                 <a:cs typeface="Adobe Clean"/>
               </a:rPr>
-              <a:t>Eccellenza tecnica</a:t>
-            </a:r>
+              <a:t>U</a:t>
+            </a:r>
+            <a:r>
+              <a:rPr sz="1200" b="1" spc="-20">
+                <a:solidFill>
+                  <a:srgbClr val="FFFFFF"/>
+                </a:solidFill>
+                <a:latin typeface="Adobe Clean"/>
+                <a:cs typeface="Adobe Clean"/>
+              </a:rPr>
+              <a:t>n</a:t>
+            </a:r>
+            <a:r>
+              <a:rPr sz="1200" b="1" spc="-25">
+                <a:solidFill>
+                  <a:srgbClr val="FFFFFF"/>
+                </a:solidFill>
+                <a:latin typeface="Adobe Clean"/>
+                <a:cs typeface="Adobe Clean"/>
+              </a:rPr>
+              <a:t>p</a:t>
+            </a:r>
+            <a:r>
+              <a:rPr sz="1200" b="1" spc="-15">
+                <a:solidFill>
+                  <a:srgbClr val="FFFFFF"/>
+                </a:solidFill>
+                <a:latin typeface="Adobe Clean"/>
+                <a:cs typeface="Adobe Clean"/>
+              </a:rPr>
+              <a:t>a</a:t>
+            </a:r>
+            <a:r>
+              <a:rPr sz="1200" b="1" spc="-25">
+                <a:solidFill>
+                  <a:srgbClr val="FFFFFF"/>
+                </a:solidFill>
+                <a:latin typeface="Adobe Clean"/>
+                <a:cs typeface="Adobe Clean"/>
+              </a:rPr>
+              <a:t>r</a:t>
+            </a:r>
+            <a:r>
+              <a:rPr sz="1200" b="1" spc="-15">
+                <a:solidFill>
+                  <a:srgbClr val="FFFFFF"/>
+                </a:solidFill>
+                <a:latin typeface="Adobe Clean"/>
+                <a:cs typeface="Adobe Clean"/>
+              </a:rPr>
+              <a:t>a</a:t>
+            </a:r>
+            <a:r>
+              <a:rPr sz="1200" b="1" spc="-30">
+                <a:solidFill>
+                  <a:srgbClr val="FFFFFF"/>
+                </a:solidFill>
+                <a:latin typeface="Adobe Clean"/>
+                <a:cs typeface="Adobe Clean"/>
+              </a:rPr>
+              <a:t>ll</a:t>
+            </a:r>
+            <a:r>
+              <a:rPr sz="1200" b="1" spc="-25">
+                <a:solidFill>
+                  <a:srgbClr val="FFFFFF"/>
+                </a:solidFill>
+                <a:latin typeface="Adobe Clean"/>
+                <a:cs typeface="Adobe Clean"/>
+              </a:rPr>
+              <a:t>e</a:t>
+            </a:r>
+            <a:r>
+              <a:rPr sz="1200" b="1" spc="-30">
+                <a:solidFill>
+                  <a:srgbClr val="FFFFFF"/>
+                </a:solidFill>
+                <a:latin typeface="Adobe Clean"/>
+                <a:cs typeface="Adobe Clean"/>
+              </a:rPr>
+              <a:t>l</a:t>
+            </a:r>
+            <a:r>
+              <a:rPr sz="1200" b="1" spc="-25">
+                <a:solidFill>
+                  <a:srgbClr val="FFFFFF"/>
+                </a:solidFill>
+                <a:latin typeface="Adobe Clean"/>
+                <a:cs typeface="Adobe Clean"/>
+              </a:rPr>
+              <a:t>e</a:t>
+            </a:r>
+            <a:r>
+              <a:rPr sz="1200" b="1">
+                <a:solidFill>
+                  <a:srgbClr val="FFFFFF"/>
+                </a:solidFill>
+                <a:latin typeface="Adobe Clean"/>
+                <a:cs typeface="Adobe Clean"/>
+              </a:rPr>
+              <a:t>d  </a:t>
+            </a:r>
+            <a:r>
+              <a:rPr sz="1200" b="1" spc="-25">
+                <a:solidFill>
+                  <a:srgbClr val="FFFFFF"/>
+                </a:solidFill>
+                <a:latin typeface="Adobe Clean"/>
+                <a:cs typeface="Adobe Clean"/>
+              </a:rPr>
+              <a:t>Expertise</a:t>
+            </a:r>
+            <a:endParaRPr sz="1200">
+              <a:latin typeface="Adobe Clean"/>
+              <a:cs typeface="Adobe Clean"/>
+            </a:endParaRPr>
           </a:p>
         </p:txBody>
       </p:sp>
@@ -14139,7 +17431,7 @@
           </a:bodyPr>
           <a:lstStyle/>
           <a:p>
-            <a:pPr marR="5080" algn="ctr">
+            <a:pPr marL="139065" marR="5080" indent="-139065">
               <a:lnSpc>
                 <a:spcPts val="1390"/>
               </a:lnSpc>
@@ -14148,15 +17440,19 @@
               </a:spcBef>
             </a:pPr>
             <a:r>
-              <a:rPr lang="it-IT" sz="1200" b="1" dirty="0">
+              <a:rPr lang="en-US" sz="1200" b="1" spc="-15">
                 <a:solidFill>
                   <a:srgbClr val="FFFFFF"/>
                 </a:solidFill>
                 <a:latin typeface="Adobe Clean"/>
                 <a:cs typeface="Adobe Clean"/>
               </a:rPr>
-              <a:t>Supporto rapido</a:t>
-            </a:r>
+              <a:t>Accelerated Support</a:t>
+            </a:r>
+            <a:endParaRPr sz="1200">
+              <a:latin typeface="Adobe Clean"/>
+              <a:cs typeface="Adobe Clean"/>
+            </a:endParaRPr>
           </a:p>
         </p:txBody>
       </p:sp>
@@ -14174,8 +17470,8 @@
         </p:nvSpPr>
         <p:spPr>
           <a:xfrm>
-            <a:off x="6281738" y="8543943"/>
-            <a:ext cx="1195302" cy="385445"/>
+            <a:off x="6624119" y="8543943"/>
+            <a:ext cx="510540" cy="385445"/>
           </a:xfrm>
           <a:prstGeom prst="rect">
             <a:avLst/>
@@ -14187,7 +17483,7 @@
           </a:bodyPr>
           <a:lstStyle/>
           <a:p>
-            <a:pPr marR="5080" algn="ctr">
+            <a:pPr marL="50800" marR="5080" indent="-51435">
               <a:lnSpc>
                 <a:spcPts val="1390"/>
               </a:lnSpc>
@@ -14196,15 +17492,109 @@
               </a:spcBef>
             </a:pPr>
             <a:r>
-              <a:rPr lang="it-IT" sz="1200" b="1" dirty="0">
+              <a:rPr sz="1200" b="1" spc="-50">
                 <a:solidFill>
                   <a:srgbClr val="FFFFFF"/>
                 </a:solidFill>
                 <a:latin typeface="Adobe Clean"/>
                 <a:cs typeface="Adobe Clean"/>
               </a:rPr>
-              <a:t>Consulenza strategica</a:t>
-            </a:r>
+              <a:t>S</a:t>
+            </a:r>
+            <a:r>
+              <a:rPr sz="1200" b="1" spc="-20">
+                <a:solidFill>
+                  <a:srgbClr val="FFFFFF"/>
+                </a:solidFill>
+                <a:latin typeface="Adobe Clean"/>
+                <a:cs typeface="Adobe Clean"/>
+              </a:rPr>
+              <a:t>t</a:t>
+            </a:r>
+            <a:r>
+              <a:rPr sz="1200" b="1" spc="-75">
+                <a:solidFill>
+                  <a:srgbClr val="FFFFFF"/>
+                </a:solidFill>
+                <a:latin typeface="Adobe Clean"/>
+                <a:cs typeface="Adobe Clean"/>
+              </a:rPr>
+              <a:t>r</a:t>
+            </a:r>
+            <a:r>
+              <a:rPr sz="1200" b="1" spc="-90">
+                <a:solidFill>
+                  <a:srgbClr val="FFFFFF"/>
+                </a:solidFill>
+                <a:latin typeface="Adobe Clean"/>
+                <a:cs typeface="Adobe Clean"/>
+              </a:rPr>
+              <a:t>a</a:t>
+            </a:r>
+            <a:r>
+              <a:rPr sz="1200" b="1" spc="-55">
+                <a:solidFill>
+                  <a:srgbClr val="FFFFFF"/>
+                </a:solidFill>
+                <a:latin typeface="Adobe Clean"/>
+                <a:cs typeface="Adobe Clean"/>
+              </a:rPr>
+              <a:t>t</a:t>
+            </a:r>
+            <a:r>
+              <a:rPr sz="1200" b="1" spc="-100">
+                <a:solidFill>
+                  <a:srgbClr val="FFFFFF"/>
+                </a:solidFill>
+                <a:latin typeface="Adobe Clean"/>
+                <a:cs typeface="Adobe Clean"/>
+              </a:rPr>
+              <a:t>e</a:t>
+            </a:r>
+            <a:r>
+              <a:rPr sz="1200" b="1" spc="-80">
+                <a:solidFill>
+                  <a:srgbClr val="FFFFFF"/>
+                </a:solidFill>
+                <a:latin typeface="Adobe Clean"/>
+                <a:cs typeface="Adobe Clean"/>
+              </a:rPr>
+              <a:t>g</a:t>
+            </a:r>
+            <a:r>
+              <a:rPr sz="1200" b="1" spc="-35">
+                <a:solidFill>
+                  <a:srgbClr val="FFFFFF"/>
+                </a:solidFill>
+                <a:latin typeface="Adobe Clean"/>
+                <a:cs typeface="Adobe Clean"/>
+              </a:rPr>
+              <a:t>i</a:t>
+            </a:r>
+            <a:r>
+              <a:rPr sz="1200" b="1">
+                <a:solidFill>
+                  <a:srgbClr val="FFFFFF"/>
+                </a:solidFill>
+                <a:latin typeface="Adobe Clean"/>
+                <a:cs typeface="Adobe Clean"/>
+              </a:rPr>
+              <a:t>c  </a:t>
+            </a:r>
+            <a:r>
+              <a:rPr sz="1200" b="1" spc="-45">
+                <a:solidFill>
+                  <a:srgbClr val="FFFFFF"/>
+                </a:solidFill>
+                <a:latin typeface="Adobe Clean"/>
+                <a:cs typeface="Adobe Clean"/>
+              </a:rPr>
+              <a:t>Advice</a:t>
+            </a:r>
+            <a:endParaRPr sz="1200">
+              <a:latin typeface="Adobe Clean"/>
+              <a:cs typeface="Adobe Clean"/>
+            </a:endParaRPr>
           </a:p>
         </p:txBody>
       </p:sp>
@@ -14223,14 +17613,14 @@
           <p:nvPr>
             <p:extLst>
               <p:ext uri="{D42A27DB-BD31-4B8C-83A1-F6EECF244321}">
-                <p14:modId xmlns:p14="http://schemas.microsoft.com/office/powerpoint/2010/main" val="4245876939"/>
+                <p14:modId xmlns:p14="http://schemas.microsoft.com/office/powerpoint/2010/main" val="4232335107"/>
               </p:ext>
             </p:extLst>
           </p:nvPr>
         </p:nvGraphicFramePr>
         <p:xfrm>
           <a:off x="194237" y="1272353"/>
-          <a:ext cx="7368291" cy="3235960"/>
+          <a:ext cx="7368291" cy="2931160"/>
         </p:xfrm>
         <a:graphic>
           <a:graphicData uri="http://schemas.openxmlformats.org/drawingml/2006/table">
@@ -14261,7 +17651,7 @@
                     <a:lstStyle/>
                     <a:p>
                       <a:r>
-                        <a:rPr lang="it-IT" sz="1100" b="0">
+                        <a:rPr lang="en-US" sz="1100" b="0" dirty="0">
                           <a:solidFill>
                             <a:schemeClr val="tx1"/>
                           </a:solidFill>
@@ -14272,6 +17662,14 @@
                         </a:rPr>
                         <a:t>Experience League</a:t>
                       </a:r>
+                      <a:endParaRPr lang="en-US" sz="1100" b="0" dirty="0">
+                        <a:solidFill>
+                          <a:schemeClr val="tx1"/>
+                        </a:solidFill>
+                        <a:latin typeface="Adobe Clean"/>
+                        <a:ea typeface="+mn-ea"/>
+                        <a:cs typeface="+mn-cs"/>
+                      </a:endParaRPr>
                     </a:p>
                   </a:txBody>
                   <a:tcPr marL="47625" marR="47625" marT="0" marB="0" anchor="ctr">
@@ -14343,7 +17741,7 @@
                         <a:buNone/>
                       </a:pPr>
                       <a:r>
-                        <a:rPr lang="it-IT" sz="1000" b="0" dirty="0">
+                        <a:rPr lang="en-US" sz="1000" b="0" kern="1200" dirty="0">
                           <a:solidFill>
                             <a:srgbClr val="000000"/>
                           </a:solidFill>
@@ -14351,29 +17749,16 @@
                           <a:ea typeface="+mn-ea"/>
                           <a:cs typeface="+mn-cs"/>
                         </a:rPr>
-                        <a:t>Con Experience League, Adobe aiuta le aziende a conseguire il valore che si aspettano dalle soluzioni Adobe in cui hanno investito. In questo portale unificato, puoi imparare, relazionarti con altri professionisti </a:t>
+                        <a:t>Experience League is how Adobe helps businesses achieve the value they expect from their Adobe investment. It’s the unified place where customers can learn, connect, and grow along a personalized path to success that includes self-help tutorials, product documentation, instructor-led training, community and technical support. </a:t>
                       </a:r>
-                      <a:br>
-                        <a:rPr lang="it-IT" sz="1000" b="0" dirty="0">
-                          <a:solidFill>
-                            <a:srgbClr val="000000"/>
-                          </a:solidFill>
-                          <a:latin typeface="Adobe Clean Light"/>
-                          <a:ea typeface="+mn-ea"/>
-                          <a:cs typeface="+mn-cs"/>
-                        </a:rPr>
-                      </a:br>
-                      <a:r>
-                        <a:rPr lang="it-IT" sz="1000" b="0" dirty="0">
-                          <a:solidFill>
-                            <a:srgbClr val="000000"/>
-                          </a:solidFill>
-                          <a:latin typeface="Adobe Clean Light"/>
-                          <a:ea typeface="+mn-ea"/>
-                          <a:cs typeface="+mn-cs"/>
-                        </a:rPr>
-                        <a:t>e crescere seguendo un percorso personalizzato con tutorial, documentazione dei prodotti, formazione con istruttori, supporto tecnico e il sostegno dell’intera community. </a:t>
-                      </a:r>
+                      <a:endParaRPr lang="en-US" sz="1000" b="0" kern="1200">
+                        <a:solidFill>
+                          <a:srgbClr val="000000"/>
+                        </a:solidFill>
+                        <a:latin typeface="Adobe Clean Light" panose="020B0303020404020204" pitchFamily="34" charset="0"/>
+                        <a:ea typeface="+mn-ea"/>
+                        <a:cs typeface="+mn-cs"/>
+                      </a:endParaRPr>
                     </a:p>
                   </a:txBody>
                   <a:tcPr anchor="ctr">
@@ -14454,28 +17839,39 @@
                         <a:defRPr/>
                       </a:pPr>
                       <a:r>
-                        <a:rPr lang="it-IT" sz="1100">
+                        <a:rPr lang="en-US" sz="1100" dirty="0">
                           <a:solidFill>
                             <a:schemeClr val="dk1"/>
                           </a:solidFill>
+                          <a:effectLst/>
                           <a:latin typeface="Adobe Clean"/>
                           <a:ea typeface="+mn-ea"/>
                           <a:cs typeface="+mn-cs"/>
                           <a:hlinkClick r:id="rId8"/>
                         </a:rPr>
-                        <a:t>Formazione</a:t>
+                        <a:t>Training</a:t>
                       </a:r>
                       <a:r>
-                        <a:rPr lang="it-IT" sz="1100">
+                        <a:rPr lang="en-US" sz="1100" dirty="0">
                           <a:solidFill>
                             <a:schemeClr val="dk1"/>
                           </a:solidFill>
+                          <a:effectLst/>
                           <a:latin typeface="Adobe Clean"/>
                           <a:ea typeface="+mn-ea"/>
                           <a:cs typeface="+mn-cs"/>
                         </a:rPr>
                         <a:t> </a:t>
                       </a:r>
+                      <a:endParaRPr lang="en-US" sz="1100" dirty="0">
+                        <a:solidFill>
+                          <a:schemeClr val="tx1"/>
+                        </a:solidFill>
+                        <a:effectLst/>
+                        <a:latin typeface="Adobe Clean"/>
+                        <a:ea typeface="+mn-ea"/>
+                        <a:cs typeface="+mn-cs"/>
+                      </a:endParaRPr>
                     </a:p>
                   </a:txBody>
                   <a:tcPr anchor="ctr">
@@ -14549,7 +17945,7 @@
                         <a:defRPr/>
                       </a:pPr>
                       <a:r>
-                        <a:rPr lang="it-IT" sz="1000" dirty="0">
+                        <a:rPr lang="en-US" sz="1000" kern="1200" dirty="0">
                           <a:solidFill>
                             <a:srgbClr val="000000"/>
                           </a:solidFill>
@@ -14557,7 +17953,7 @@
                           <a:ea typeface="+mn-ea"/>
                           <a:cs typeface="+mn-cs"/>
                         </a:rPr>
-                        <a:t>I corsi Adobe Digital Learning Services sono accessibili da Experience League. I corsi di apprendimento comprendono lezioni sia on-demand che guidate da istruttori.  Potrai acquisire nuove competenze particolarmente ricercate nel settore e metterle in pratica nella tua organizzazione, per favorirne il successo.</a:t>
+                        <a:t>Adobe Digital Learning Services courses are accessible from Experience League. Learning courses integrate both on-demand and instructor-led lessons.  Here you can accrue skills that have recognized market value and position them to drive success in your organizations.</a:t>
                       </a:r>
                     </a:p>
                   </a:txBody>
@@ -14639,17 +18035,27 @@
                         <a:defRPr/>
                       </a:pPr>
                       <a:r>
-                        <a:rPr lang="it-IT" sz="1100">
+                        <a:rPr lang="en-US" sz="1100" dirty="0">
                           <a:solidFill>
                             <a:schemeClr val="tx1"/>
                           </a:solidFill>
+                          <a:effectLst/>
                           <a:latin typeface="Adobe Clean"/>
                           <a:ea typeface="+mn-ea"/>
                           <a:cs typeface="+mn-cs"/>
                           <a:hlinkClick r:id="rId9"/>
                         </a:rPr>
-                        <a:t>Problemi di produzione e interruzioni del sistema</a:t>
+                        <a:t>Production Issues &amp; System Outages</a:t>
                       </a:r>
+                      <a:endParaRPr lang="en-US" sz="1100" dirty="0">
+                        <a:solidFill>
+                          <a:schemeClr val="tx1"/>
+                        </a:solidFill>
+                        <a:effectLst/>
+                        <a:latin typeface="Adobe Clean"/>
+                        <a:ea typeface="+mn-ea"/>
+                        <a:cs typeface="+mn-cs"/>
+                      </a:endParaRPr>
                     </a:p>
                   </a:txBody>
                   <a:tcPr anchor="ctr">
@@ -14721,7 +18127,7 @@
                         <a:buNone/>
                       </a:pPr>
                       <a:r>
-                        <a:rPr lang="it-IT" sz="1000" dirty="0">
+                        <a:rPr lang="en-US" sz="1000" kern="1200" dirty="0">
                           <a:solidFill>
                             <a:srgbClr val="000000"/>
                           </a:solidFill>
@@ -14729,50 +18135,16 @@
                           <a:ea typeface="+mn-ea"/>
                           <a:cs typeface="+mn-cs"/>
                         </a:rPr>
-                        <a:t>Status.adobe.com trasmette informazioni sullo stato di tutti i prodotti </a:t>
+                        <a:t>Status.adobe.com conveys the health information of all Adobe products and services that are deployed in multi-tenant environments. Customers can choose their subscription preferences to get email notifications whenever Adobe creates, updates or resolves a product event. This can include scheduled maintenance or service issues of varying levels of severity. </a:t>
                       </a:r>
-                      <a:br>
-                        <a:rPr lang="it-IT" sz="1000" dirty="0">
-                          <a:solidFill>
-                            <a:srgbClr val="000000"/>
-                          </a:solidFill>
-                          <a:latin typeface="Adobe Clean Light"/>
-                          <a:ea typeface="+mn-ea"/>
-                          <a:cs typeface="+mn-cs"/>
-                        </a:rPr>
-                      </a:br>
-                      <a:r>
-                        <a:rPr lang="it-IT" sz="1000" dirty="0">
-                          <a:solidFill>
-                            <a:srgbClr val="000000"/>
-                          </a:solidFill>
-                          <a:latin typeface="Adobe Clean Light"/>
-                          <a:ea typeface="+mn-ea"/>
-                          <a:cs typeface="+mn-cs"/>
-                        </a:rPr>
-                        <a:t>e i servizi Adobe implementati in ambienti multi-tenant. Puoi scegliere se ricevere notifiche e-mail ogni volta che Adobe segnala, aggiorna </a:t>
-                      </a:r>
-                      <a:br>
-                        <a:rPr lang="it-IT" sz="1000" dirty="0">
-                          <a:solidFill>
-                            <a:srgbClr val="000000"/>
-                          </a:solidFill>
-                          <a:latin typeface="Adobe Clean Light"/>
-                          <a:ea typeface="+mn-ea"/>
-                          <a:cs typeface="+mn-cs"/>
-                        </a:rPr>
-                      </a:br>
-                      <a:r>
-                        <a:rPr lang="it-IT" sz="1000" dirty="0">
-                          <a:solidFill>
-                            <a:srgbClr val="000000"/>
-                          </a:solidFill>
-                          <a:latin typeface="Adobe Clean Light"/>
-                          <a:ea typeface="+mn-ea"/>
-                          <a:cs typeface="+mn-cs"/>
-                        </a:rPr>
-                        <a:t>o risolve un problema relativo a un prodotto. Vengono segnalate ad esempio le interruzioni per manutenzione programmata o problemi relativi ai servizi con diversi livelli di gravità. </a:t>
-                      </a:r>
+                      <a:endParaRPr lang="en-US" sz="1000" kern="1200">
+                        <a:solidFill>
+                          <a:srgbClr val="000000"/>
+                        </a:solidFill>
+                        <a:latin typeface="Adobe Clean Light" panose="020B0303020404020204" pitchFamily="34" charset="0"/>
+                        <a:ea typeface="+mn-ea"/>
+                        <a:cs typeface="+mn-cs"/>
+                      </a:endParaRPr>
                     </a:p>
                   </a:txBody>
                   <a:tcPr anchor="ctr">
@@ -14853,17 +18225,27 @@
                         <a:defRPr/>
                       </a:pPr>
                       <a:r>
-                        <a:rPr lang="it-IT" sz="1100">
+                        <a:rPr lang="en-US" sz="1100" dirty="0">
                           <a:solidFill>
                             <a:schemeClr val="tx1"/>
                           </a:solidFill>
+                          <a:effectLst/>
                           <a:latin typeface="Adobe Clean"/>
                           <a:ea typeface="+mn-ea"/>
                           <a:cs typeface="+mn-cs"/>
                           <a:hlinkClick r:id="rId10"/>
                         </a:rPr>
-                        <a:t>Termini e condizioni</a:t>
+                        <a:t>Terms and Conditions</a:t>
                       </a:r>
+                      <a:endParaRPr lang="en-US" sz="1100" dirty="0">
+                        <a:solidFill>
+                          <a:schemeClr val="tx1"/>
+                        </a:solidFill>
+                        <a:effectLst/>
+                        <a:latin typeface="Adobe Clean"/>
+                        <a:ea typeface="+mn-ea"/>
+                        <a:cs typeface="+mn-cs"/>
+                      </a:endParaRPr>
                     </a:p>
                   </a:txBody>
                   <a:tcPr anchor="ctr">
@@ -14920,7 +18302,7 @@
                     <a:lstStyle/>
                     <a:p>
                       <a:r>
-                        <a:rPr lang="it-IT" sz="1000" dirty="0">
+                        <a:rPr lang="en-US" sz="1000" kern="1200" dirty="0">
                           <a:solidFill>
                             <a:srgbClr val="000000"/>
                           </a:solidFill>
@@ -14928,8 +18310,16 @@
                           <a:ea typeface="+mn-ea"/>
                           <a:cs typeface="+mn-cs"/>
                         </a:rPr>
-                        <a:t>Termini e condizioni che descrivono i servizi di supporto disponibili.</a:t>
+                        <a:t>Terms and conditions detailing Support Services offerings.</a:t>
                       </a:r>
+                      <a:endParaRPr lang="en-US" sz="1000" kern="1200" dirty="0">
+                        <a:solidFill>
+                          <a:srgbClr val="000000"/>
+                        </a:solidFill>
+                        <a:latin typeface="Adobe Clean Light" panose="020B0303020404020204" pitchFamily="34" charset="0"/>
+                        <a:ea typeface="+mn-ea"/>
+                        <a:cs typeface="+mn-cs"/>
+                      </a:endParaRPr>
                     </a:p>
                   </a:txBody>
                   <a:tcPr anchor="ctr">
@@ -15921,16 +19311,16 @@
 <file path=customXml/itemProps1.xml><?xml version="1.0" encoding="utf-8"?>
 <ds:datastoreItem xmlns:ds="http://schemas.openxmlformats.org/officeDocument/2006/customXml" ds:itemID="{ED4099BE-EDEC-4FF1-8378-446617236015}">
   <ds:schemaRefs>
+    <ds:schemaRef ds:uri="8a053bff-88be-49e4-9a87-e748e18b8b62"/>
+    <ds:schemaRef ds:uri="http://purl.org/dc/elements/1.1/"/>
+    <ds:schemaRef ds:uri="http://schemas.microsoft.com/office/2006/metadata/properties"/>
+    <ds:schemaRef ds:uri="http://www.w3.org/XML/1998/namespace"/>
+    <ds:schemaRef ds:uri="http://purl.org/dc/dcmitype/"/>
+    <ds:schemaRef ds:uri="http://schemas.microsoft.com/office/2006/documentManagement/types"/>
+    <ds:schemaRef ds:uri="http://schemas.openxmlformats.org/package/2006/metadata/core-properties"/>
+    <ds:schemaRef ds:uri="http://schemas.microsoft.com/office/infopath/2007/PartnerControls"/>
     <ds:schemaRef ds:uri="6c8368ec-3776-49b5-a5bb-90648cf9530f"/>
-    <ds:schemaRef ds:uri="8a053bff-88be-49e4-9a87-e748e18b8b62"/>
-    <ds:schemaRef ds:uri="http://purl.org/dc/dcmitype/"/>
-    <ds:schemaRef ds:uri="http://purl.org/dc/elements/1.1/"/>
     <ds:schemaRef ds:uri="http://purl.org/dc/terms/"/>
-    <ds:schemaRef ds:uri="http://schemas.microsoft.com/office/2006/documentManagement/types"/>
-    <ds:schemaRef ds:uri="http://schemas.microsoft.com/office/2006/metadata/properties"/>
-    <ds:schemaRef ds:uri="http://schemas.microsoft.com/office/infopath/2007/PartnerControls"/>
-    <ds:schemaRef ds:uri="http://schemas.openxmlformats.org/package/2006/metadata/core-properties"/>
-    <ds:schemaRef ds:uri="http://www.w3.org/XML/1998/namespace"/>
   </ds:schemaRefs>
 </ds:datastoreItem>
 </file>

--- a/help/data-sheets/assets/EnterpriseSupportDatasheet.pptx
+++ b/help/data-sheets/assets/EnterpriseSupportDatasheet.pptx
@@ -144,9 +144,388 @@
 <file path=ppt/revisionInfo.xml><?xml version="1.0" encoding="utf-8"?>
 <p1510:revInfo xmlns:a="http://schemas.openxmlformats.org/drawingml/2006/main" xmlns:r="http://schemas.openxmlformats.org/officeDocument/2006/relationships" xmlns:p1510="http://schemas.microsoft.com/office/powerpoint/2015/10/main">
   <p1510:revLst>
-    <p1510:client id="{51054313-E3E9-A543-B651-B15A687DE6AB}" v="3" dt="2021-12-06T17:04:25.104"/>
+    <p1510:client id="{19826C17-B3F5-53A1-AAFF-C7771804C7A7}" v="128" dt="2021-10-13T18:50:39.613"/>
+    <p1510:client id="{1A3D389F-0E00-444F-BDF7-5C174E20EEC2}" v="2" dt="2021-10-13T19:33:05.183"/>
+    <p1510:client id="{D02E726A-82A5-CF13-9EBE-9B674D878D37}" v="22" dt="2021-10-12T19:51:27.470"/>
   </p1510:revLst>
 </p1510:revInfo>
+</file>
+
+<file path=ppt/changesInfos/changesInfo1.xml><?xml version="1.0" encoding="utf-8"?>
+<pc:chgInfo xmlns:a="http://schemas.openxmlformats.org/drawingml/2006/main" xmlns:r="http://schemas.openxmlformats.org/officeDocument/2006/relationships" xmlns:ac="http://schemas.microsoft.com/office/drawing/2013/main/command" xmlns:pc="http://schemas.microsoft.com/office/powerpoint/2013/main/command">
+  <pc:docChgLst>
+    <pc:chgData name="Akilah Johnson" userId="S::akjohnso@adobe.com::2fa3aa60-0c9c-4d06-bae2-795983241227" providerId="AD" clId="Web-{0AB2EF93-BE08-D205-D43E-3B568BB37DAA}"/>
+    <pc:docChg chg="modSld">
+      <pc:chgData name="Akilah Johnson" userId="S::akjohnso@adobe.com::2fa3aa60-0c9c-4d06-bae2-795983241227" providerId="AD" clId="Web-{0AB2EF93-BE08-D205-D43E-3B568BB37DAA}" dt="2021-09-22T23:01:45.877" v="13"/>
+      <pc:docMkLst>
+        <pc:docMk/>
+      </pc:docMkLst>
+      <pc:sldChg chg="modSp">
+        <pc:chgData name="Akilah Johnson" userId="S::akjohnso@adobe.com::2fa3aa60-0c9c-4d06-bae2-795983241227" providerId="AD" clId="Web-{0AB2EF93-BE08-D205-D43E-3B568BB37DAA}" dt="2021-09-22T23:01:45.877" v="13"/>
+        <pc:sldMkLst>
+          <pc:docMk/>
+          <pc:sldMk cId="1050037809" sldId="261"/>
+        </pc:sldMkLst>
+        <pc:graphicFrameChg chg="mod modGraphic">
+          <ac:chgData name="Akilah Johnson" userId="S::akjohnso@adobe.com::2fa3aa60-0c9c-4d06-bae2-795983241227" providerId="AD" clId="Web-{0AB2EF93-BE08-D205-D43E-3B568BB37DAA}" dt="2021-09-22T23:01:45.877" v="13"/>
+          <ac:graphicFrameMkLst>
+            <pc:docMk/>
+            <pc:sldMk cId="1050037809" sldId="261"/>
+            <ac:graphicFrameMk id="25" creationId="{3A91F5B0-3974-A14D-A146-FB590F2AAD18}"/>
+          </ac:graphicFrameMkLst>
+        </pc:graphicFrameChg>
+      </pc:sldChg>
+    </pc:docChg>
+  </pc:docChgLst>
+  <pc:docChgLst>
+    <pc:chgData name="Akilah Johnson" userId="S::akjohnso@adobe.com::2fa3aa60-0c9c-4d06-bae2-795983241227" providerId="AD" clId="Web-{0AC6A3A1-0788-C69A-5EFD-279F3FA2CF0F}"/>
+    <pc:docChg chg="modSld">
+      <pc:chgData name="Akilah Johnson" userId="S::akjohnso@adobe.com::2fa3aa60-0c9c-4d06-bae2-795983241227" providerId="AD" clId="Web-{0AC6A3A1-0788-C69A-5EFD-279F3FA2CF0F}" dt="2021-09-22T18:56:17.553" v="29"/>
+      <pc:docMkLst>
+        <pc:docMk/>
+      </pc:docMkLst>
+      <pc:sldChg chg="modSp delCm">
+        <pc:chgData name="Akilah Johnson" userId="S::akjohnso@adobe.com::2fa3aa60-0c9c-4d06-bae2-795983241227" providerId="AD" clId="Web-{0AC6A3A1-0788-C69A-5EFD-279F3FA2CF0F}" dt="2021-09-22T18:56:17.553" v="29"/>
+        <pc:sldMkLst>
+          <pc:docMk/>
+          <pc:sldMk cId="1050037809" sldId="261"/>
+        </pc:sldMkLst>
+        <pc:spChg chg="mod">
+          <ac:chgData name="Akilah Johnson" userId="S::akjohnso@adobe.com::2fa3aa60-0c9c-4d06-bae2-795983241227" providerId="AD" clId="Web-{0AC6A3A1-0788-C69A-5EFD-279F3FA2CF0F}" dt="2021-09-22T18:55:46.585" v="16" actId="20577"/>
+          <ac:spMkLst>
+            <pc:docMk/>
+            <pc:sldMk cId="1050037809" sldId="261"/>
+            <ac:spMk id="64" creationId="{41467BDC-3D83-D844-B922-CD07E94E5AAB}"/>
+          </ac:spMkLst>
+        </pc:spChg>
+        <pc:graphicFrameChg chg="mod modGraphic">
+          <ac:chgData name="Akilah Johnson" userId="S::akjohnso@adobe.com::2fa3aa60-0c9c-4d06-bae2-795983241227" providerId="AD" clId="Web-{0AC6A3A1-0788-C69A-5EFD-279F3FA2CF0F}" dt="2021-09-22T18:55:59.928" v="28"/>
+          <ac:graphicFrameMkLst>
+            <pc:docMk/>
+            <pc:sldMk cId="1050037809" sldId="261"/>
+            <ac:graphicFrameMk id="25" creationId="{3A91F5B0-3974-A14D-A146-FB590F2AAD18}"/>
+          </ac:graphicFrameMkLst>
+        </pc:graphicFrameChg>
+      </pc:sldChg>
+    </pc:docChg>
+  </pc:docChgLst>
+  <pc:docChgLst>
+    <pc:chgData name="Akilah Johnson" userId="S::akjohnso@adobe.com::2fa3aa60-0c9c-4d06-bae2-795983241227" providerId="AD" clId="Web-{19826C17-B3F5-53A1-AAFF-C7771804C7A7}"/>
+    <pc:docChg chg="modSld">
+      <pc:chgData name="Akilah Johnson" userId="S::akjohnso@adobe.com::2fa3aa60-0c9c-4d06-bae2-795983241227" providerId="AD" clId="Web-{19826C17-B3F5-53A1-AAFF-C7771804C7A7}" dt="2021-10-13T18:50:21.160" v="67"/>
+      <pc:docMkLst>
+        <pc:docMk/>
+      </pc:docMkLst>
+      <pc:sldChg chg="modSp">
+        <pc:chgData name="Akilah Johnson" userId="S::akjohnso@adobe.com::2fa3aa60-0c9c-4d06-bae2-795983241227" providerId="AD" clId="Web-{19826C17-B3F5-53A1-AAFF-C7771804C7A7}" dt="2021-10-13T18:38:26.810" v="9" actId="20577"/>
+        <pc:sldMkLst>
+          <pc:docMk/>
+          <pc:sldMk cId="5960377" sldId="259"/>
+        </pc:sldMkLst>
+        <pc:spChg chg="mod">
+          <ac:chgData name="Akilah Johnson" userId="S::akjohnso@adobe.com::2fa3aa60-0c9c-4d06-bae2-795983241227" providerId="AD" clId="Web-{19826C17-B3F5-53A1-AAFF-C7771804C7A7}" dt="2021-10-13T18:38:26.810" v="9" actId="20577"/>
+          <ac:spMkLst>
+            <pc:docMk/>
+            <pc:sldMk cId="5960377" sldId="259"/>
+            <ac:spMk id="75" creationId="{4602CC83-B0C7-8445-9007-87E67CDDD9D0}"/>
+          </ac:spMkLst>
+        </pc:spChg>
+        <pc:spChg chg="mod">
+          <ac:chgData name="Akilah Johnson" userId="S::akjohnso@adobe.com::2fa3aa60-0c9c-4d06-bae2-795983241227" providerId="AD" clId="Web-{19826C17-B3F5-53A1-AAFF-C7771804C7A7}" dt="2021-10-13T18:38:17.716" v="5" actId="20577"/>
+          <ac:spMkLst>
+            <pc:docMk/>
+            <pc:sldMk cId="5960377" sldId="259"/>
+            <ac:spMk id="83" creationId="{7A016ADC-2A30-8A4B-BE07-A9AB6C1898A7}"/>
+          </ac:spMkLst>
+        </pc:spChg>
+        <pc:spChg chg="mod">
+          <ac:chgData name="Akilah Johnson" userId="S::akjohnso@adobe.com::2fa3aa60-0c9c-4d06-bae2-795983241227" providerId="AD" clId="Web-{19826C17-B3F5-53A1-AAFF-C7771804C7A7}" dt="2021-10-13T18:38:19.654" v="6" actId="20577"/>
+          <ac:spMkLst>
+            <pc:docMk/>
+            <pc:sldMk cId="5960377" sldId="259"/>
+            <ac:spMk id="87" creationId="{57C0C871-6516-F145-97DA-27A143E6185C}"/>
+          </ac:spMkLst>
+        </pc:spChg>
+        <pc:spChg chg="mod">
+          <ac:chgData name="Akilah Johnson" userId="S::akjohnso@adobe.com::2fa3aa60-0c9c-4d06-bae2-795983241227" providerId="AD" clId="Web-{19826C17-B3F5-53A1-AAFF-C7771804C7A7}" dt="2021-10-13T18:38:14.044" v="4" actId="20577"/>
+          <ac:spMkLst>
+            <pc:docMk/>
+            <pc:sldMk cId="5960377" sldId="259"/>
+            <ac:spMk id="124" creationId="{14AAF776-9013-4C40-92F9-FFFE22C4038F}"/>
+          </ac:spMkLst>
+        </pc:spChg>
+        <pc:spChg chg="mod">
+          <ac:chgData name="Akilah Johnson" userId="S::akjohnso@adobe.com::2fa3aa60-0c9c-4d06-bae2-795983241227" providerId="AD" clId="Web-{19826C17-B3F5-53A1-AAFF-C7771804C7A7}" dt="2021-10-13T18:38:10.013" v="2" actId="20577"/>
+          <ac:spMkLst>
+            <pc:docMk/>
+            <pc:sldMk cId="5960377" sldId="259"/>
+            <ac:spMk id="125" creationId="{AF4EBBF5-5438-A043-B9AA-3822381D52EE}"/>
+          </ac:spMkLst>
+        </pc:spChg>
+        <pc:spChg chg="mod">
+          <ac:chgData name="Akilah Johnson" userId="S::akjohnso@adobe.com::2fa3aa60-0c9c-4d06-bae2-795983241227" providerId="AD" clId="Web-{19826C17-B3F5-53A1-AAFF-C7771804C7A7}" dt="2021-10-13T18:38:12.263" v="3" actId="20577"/>
+          <ac:spMkLst>
+            <pc:docMk/>
+            <pc:sldMk cId="5960377" sldId="259"/>
+            <ac:spMk id="126" creationId="{7F65676D-32E4-7B4B-BB85-4D504B5882BD}"/>
+          </ac:spMkLst>
+        </pc:spChg>
+      </pc:sldChg>
+      <pc:sldChg chg="modSp">
+        <pc:chgData name="Akilah Johnson" userId="S::akjohnso@adobe.com::2fa3aa60-0c9c-4d06-bae2-795983241227" providerId="AD" clId="Web-{19826C17-B3F5-53A1-AAFF-C7771804C7A7}" dt="2021-10-13T18:40:23.717" v="19" actId="20577"/>
+        <pc:sldMkLst>
+          <pc:docMk/>
+          <pc:sldMk cId="1050037809" sldId="261"/>
+        </pc:sldMkLst>
+        <pc:spChg chg="mod">
+          <ac:chgData name="Akilah Johnson" userId="S::akjohnso@adobe.com::2fa3aa60-0c9c-4d06-bae2-795983241227" providerId="AD" clId="Web-{19826C17-B3F5-53A1-AAFF-C7771804C7A7}" dt="2021-10-13T18:40:23.717" v="19" actId="20577"/>
+          <ac:spMkLst>
+            <pc:docMk/>
+            <pc:sldMk cId="1050037809" sldId="261"/>
+            <ac:spMk id="56" creationId="{00000000-0000-0000-0000-000000000000}"/>
+          </ac:spMkLst>
+        </pc:spChg>
+        <pc:graphicFrameChg chg="mod modGraphic">
+          <ac:chgData name="Akilah Johnson" userId="S::akjohnso@adobe.com::2fa3aa60-0c9c-4d06-bae2-795983241227" providerId="AD" clId="Web-{19826C17-B3F5-53A1-AAFF-C7771804C7A7}" dt="2021-10-13T18:39:38.154" v="17"/>
+          <ac:graphicFrameMkLst>
+            <pc:docMk/>
+            <pc:sldMk cId="1050037809" sldId="261"/>
+            <ac:graphicFrameMk id="111" creationId="{D8653CEC-4213-DE40-9BAF-D1E3318FF89C}"/>
+          </ac:graphicFrameMkLst>
+        </pc:graphicFrameChg>
+      </pc:sldChg>
+      <pc:sldChg chg="modSp">
+        <pc:chgData name="Akilah Johnson" userId="S::akjohnso@adobe.com::2fa3aa60-0c9c-4d06-bae2-795983241227" providerId="AD" clId="Web-{19826C17-B3F5-53A1-AAFF-C7771804C7A7}" dt="2021-10-13T18:39:10.373" v="15" actId="20577"/>
+        <pc:sldMkLst>
+          <pc:docMk/>
+          <pc:sldMk cId="717026355" sldId="266"/>
+        </pc:sldMkLst>
+        <pc:spChg chg="mod">
+          <ac:chgData name="Akilah Johnson" userId="S::akjohnso@adobe.com::2fa3aa60-0c9c-4d06-bae2-795983241227" providerId="AD" clId="Web-{19826C17-B3F5-53A1-AAFF-C7771804C7A7}" dt="2021-10-13T18:39:10.373" v="15" actId="20577"/>
+          <ac:spMkLst>
+            <pc:docMk/>
+            <pc:sldMk cId="717026355" sldId="266"/>
+            <ac:spMk id="9" creationId="{00000000-0000-0000-0000-000000000000}"/>
+          </ac:spMkLst>
+        </pc:spChg>
+        <pc:spChg chg="mod">
+          <ac:chgData name="Akilah Johnson" userId="S::akjohnso@adobe.com::2fa3aa60-0c9c-4d06-bae2-795983241227" providerId="AD" clId="Web-{19826C17-B3F5-53A1-AAFF-C7771804C7A7}" dt="2021-10-13T18:38:44.029" v="11" actId="20577"/>
+          <ac:spMkLst>
+            <pc:docMk/>
+            <pc:sldMk cId="717026355" sldId="266"/>
+            <ac:spMk id="82" creationId="{F6061E8D-9723-464D-AA49-7A3A3A02BE92}"/>
+          </ac:spMkLst>
+        </pc:spChg>
+        <pc:spChg chg="mod">
+          <ac:chgData name="Akilah Johnson" userId="S::akjohnso@adobe.com::2fa3aa60-0c9c-4d06-bae2-795983241227" providerId="AD" clId="Web-{19826C17-B3F5-53A1-AAFF-C7771804C7A7}" dt="2021-10-13T18:39:00.638" v="13" actId="20577"/>
+          <ac:spMkLst>
+            <pc:docMk/>
+            <pc:sldMk cId="717026355" sldId="266"/>
+            <ac:spMk id="83" creationId="{BB34E685-A734-974B-A33A-BE51D1A8BC0D}"/>
+          </ac:spMkLst>
+        </pc:spChg>
+      </pc:sldChg>
+      <pc:sldChg chg="modSp">
+        <pc:chgData name="Akilah Johnson" userId="S::akjohnso@adobe.com::2fa3aa60-0c9c-4d06-bae2-795983241227" providerId="AD" clId="Web-{19826C17-B3F5-53A1-AAFF-C7771804C7A7}" dt="2021-10-13T18:50:21.160" v="67"/>
+        <pc:sldMkLst>
+          <pc:docMk/>
+          <pc:sldMk cId="2161849182" sldId="267"/>
+        </pc:sldMkLst>
+        <pc:graphicFrameChg chg="mod modGraphic">
+          <ac:chgData name="Akilah Johnson" userId="S::akjohnso@adobe.com::2fa3aa60-0c9c-4d06-bae2-795983241227" providerId="AD" clId="Web-{19826C17-B3F5-53A1-AAFF-C7771804C7A7}" dt="2021-10-13T18:50:21.160" v="67"/>
+          <ac:graphicFrameMkLst>
+            <pc:docMk/>
+            <pc:sldMk cId="2161849182" sldId="267"/>
+            <ac:graphicFrameMk id="9" creationId="{00000000-0000-0000-0000-000000000000}"/>
+          </ac:graphicFrameMkLst>
+        </pc:graphicFrameChg>
+      </pc:sldChg>
+    </pc:docChg>
+  </pc:docChgLst>
+  <pc:docChgLst>
+    <pc:chgData name="Akilah Johnson" userId="S::akjohnso@adobe.com::2fa3aa60-0c9c-4d06-bae2-795983241227" providerId="AD" clId="Web-{112231ED-4F38-A856-2EFF-9D0F88AC9BDF}"/>
+    <pc:docChg chg="modSld">
+      <pc:chgData name="Akilah Johnson" userId="S::akjohnso@adobe.com::2fa3aa60-0c9c-4d06-bae2-795983241227" providerId="AD" clId="Web-{112231ED-4F38-A856-2EFF-9D0F88AC9BDF}" dt="2021-09-22T19:11:31.474" v="2" actId="1076"/>
+      <pc:docMkLst>
+        <pc:docMk/>
+      </pc:docMkLst>
+      <pc:sldChg chg="modSp">
+        <pc:chgData name="Akilah Johnson" userId="S::akjohnso@adobe.com::2fa3aa60-0c9c-4d06-bae2-795983241227" providerId="AD" clId="Web-{112231ED-4F38-A856-2EFF-9D0F88AC9BDF}" dt="2021-09-22T19:11:31.474" v="2" actId="1076"/>
+        <pc:sldMkLst>
+          <pc:docMk/>
+          <pc:sldMk cId="1050037809" sldId="261"/>
+        </pc:sldMkLst>
+        <pc:spChg chg="mod">
+          <ac:chgData name="Akilah Johnson" userId="S::akjohnso@adobe.com::2fa3aa60-0c9c-4d06-bae2-795983241227" providerId="AD" clId="Web-{112231ED-4F38-A856-2EFF-9D0F88AC9BDF}" dt="2021-09-22T19:11:31.474" v="2" actId="1076"/>
+          <ac:spMkLst>
+            <pc:docMk/>
+            <pc:sldMk cId="1050037809" sldId="261"/>
+            <ac:spMk id="23" creationId="{00000000-0000-0000-0000-000000000000}"/>
+          </ac:spMkLst>
+        </pc:spChg>
+        <pc:spChg chg="mod">
+          <ac:chgData name="Akilah Johnson" userId="S::akjohnso@adobe.com::2fa3aa60-0c9c-4d06-bae2-795983241227" providerId="AD" clId="Web-{112231ED-4F38-A856-2EFF-9D0F88AC9BDF}" dt="2021-09-22T19:08:28.879" v="0" actId="1076"/>
+          <ac:spMkLst>
+            <pc:docMk/>
+            <pc:sldMk cId="1050037809" sldId="261"/>
+            <ac:spMk id="64" creationId="{41467BDC-3D83-D844-B922-CD07E94E5AAB}"/>
+          </ac:spMkLst>
+        </pc:spChg>
+      </pc:sldChg>
+    </pc:docChg>
+  </pc:docChgLst>
+  <pc:docChgLst>
+    <pc:chgData name="Andy Witt" userId="S::awitt@adobe.com::e9157bdf-53b2-40e4-9459-936793d75696" providerId="AD" clId="Web-{3F02B349-0406-AE51-D438-E7A0BE890230}"/>
+    <pc:docChg chg="modSld">
+      <pc:chgData name="Andy Witt" userId="S::awitt@adobe.com::e9157bdf-53b2-40e4-9459-936793d75696" providerId="AD" clId="Web-{3F02B349-0406-AE51-D438-E7A0BE890230}" dt="2021-08-25T18:45:07.550" v="11"/>
+      <pc:docMkLst>
+        <pc:docMk/>
+      </pc:docMkLst>
+      <pc:sldChg chg="modSp">
+        <pc:chgData name="Andy Witt" userId="S::awitt@adobe.com::e9157bdf-53b2-40e4-9459-936793d75696" providerId="AD" clId="Web-{3F02B349-0406-AE51-D438-E7A0BE890230}" dt="2021-08-25T18:45:07.550" v="11"/>
+        <pc:sldMkLst>
+          <pc:docMk/>
+          <pc:sldMk cId="1050037809" sldId="261"/>
+        </pc:sldMkLst>
+        <pc:graphicFrameChg chg="mod modGraphic">
+          <ac:chgData name="Andy Witt" userId="S::awitt@adobe.com::e9157bdf-53b2-40e4-9459-936793d75696" providerId="AD" clId="Web-{3F02B349-0406-AE51-D438-E7A0BE890230}" dt="2021-08-25T18:45:07.550" v="11"/>
+          <ac:graphicFrameMkLst>
+            <pc:docMk/>
+            <pc:sldMk cId="1050037809" sldId="261"/>
+            <ac:graphicFrameMk id="25" creationId="{3A91F5B0-3974-A14D-A146-FB590F2AAD18}"/>
+          </ac:graphicFrameMkLst>
+        </pc:graphicFrameChg>
+      </pc:sldChg>
+    </pc:docChg>
+  </pc:docChgLst>
+  <pc:docChgLst>
+    <pc:chgData name="Akilah Johnson" userId="S::akjohnso@adobe.com::2fa3aa60-0c9c-4d06-bae2-795983241227" providerId="AD" clId="Web-{3CA2F123-FAC9-2CDD-7937-C83283BA7837}"/>
+    <pc:docChg chg="modSld">
+      <pc:chgData name="Akilah Johnson" userId="S::akjohnso@adobe.com::2fa3aa60-0c9c-4d06-bae2-795983241227" providerId="AD" clId="Web-{3CA2F123-FAC9-2CDD-7937-C83283BA7837}" dt="2021-09-16T20:58:19.458" v="0" actId="1076"/>
+      <pc:docMkLst>
+        <pc:docMk/>
+      </pc:docMkLst>
+      <pc:sldChg chg="modSp">
+        <pc:chgData name="Akilah Johnson" userId="S::akjohnso@adobe.com::2fa3aa60-0c9c-4d06-bae2-795983241227" providerId="AD" clId="Web-{3CA2F123-FAC9-2CDD-7937-C83283BA7837}" dt="2021-09-16T20:58:19.458" v="0" actId="1076"/>
+        <pc:sldMkLst>
+          <pc:docMk/>
+          <pc:sldMk cId="717026355" sldId="266"/>
+        </pc:sldMkLst>
+        <pc:spChg chg="mod">
+          <ac:chgData name="Akilah Johnson" userId="S::akjohnso@adobe.com::2fa3aa60-0c9c-4d06-bae2-795983241227" providerId="AD" clId="Web-{3CA2F123-FAC9-2CDD-7937-C83283BA7837}" dt="2021-09-16T20:58:19.458" v="0" actId="1076"/>
+          <ac:spMkLst>
+            <pc:docMk/>
+            <pc:sldMk cId="717026355" sldId="266"/>
+            <ac:spMk id="83" creationId="{BB34E685-A734-974B-A33A-BE51D1A8BC0D}"/>
+          </ac:spMkLst>
+        </pc:spChg>
+      </pc:sldChg>
+    </pc:docChg>
+  </pc:docChgLst>
+  <pc:docChgLst>
+    <pc:chgData name="Akilah Johnson" userId="S::akjohnso@adobe.com::2fa3aa60-0c9c-4d06-bae2-795983241227" providerId="AD" clId="Web-{A40C3D7D-993B-38B2-2DDA-C562505A1054}"/>
+    <pc:docChg chg="modSld">
+      <pc:chgData name="Akilah Johnson" userId="S::akjohnso@adobe.com::2fa3aa60-0c9c-4d06-bae2-795983241227" providerId="AD" clId="Web-{A40C3D7D-993B-38B2-2DDA-C562505A1054}" dt="2021-09-22T23:00:46.860" v="3"/>
+      <pc:docMkLst>
+        <pc:docMk/>
+      </pc:docMkLst>
+      <pc:sldChg chg="modSp">
+        <pc:chgData name="Akilah Johnson" userId="S::akjohnso@adobe.com::2fa3aa60-0c9c-4d06-bae2-795983241227" providerId="AD" clId="Web-{A40C3D7D-993B-38B2-2DDA-C562505A1054}" dt="2021-09-22T23:00:46.860" v="3"/>
+        <pc:sldMkLst>
+          <pc:docMk/>
+          <pc:sldMk cId="1050037809" sldId="261"/>
+        </pc:sldMkLst>
+        <pc:graphicFrameChg chg="mod modGraphic">
+          <ac:chgData name="Akilah Johnson" userId="S::akjohnso@adobe.com::2fa3aa60-0c9c-4d06-bae2-795983241227" providerId="AD" clId="Web-{A40C3D7D-993B-38B2-2DDA-C562505A1054}" dt="2021-09-22T23:00:46.860" v="3"/>
+          <ac:graphicFrameMkLst>
+            <pc:docMk/>
+            <pc:sldMk cId="1050037809" sldId="261"/>
+            <ac:graphicFrameMk id="25" creationId="{3A91F5B0-3974-A14D-A146-FB590F2AAD18}"/>
+          </ac:graphicFrameMkLst>
+        </pc:graphicFrameChg>
+      </pc:sldChg>
+    </pc:docChg>
+  </pc:docChgLst>
+  <pc:docChgLst>
+    <pc:chgData name="Akilah Johnson" userId="S::akjohnso@adobe.com::2fa3aa60-0c9c-4d06-bae2-795983241227" providerId="AD" clId="Web-{D02E726A-82A5-CF13-9EBE-9B674D878D37}"/>
+    <pc:docChg chg="modSld">
+      <pc:chgData name="Akilah Johnson" userId="S::akjohnso@adobe.com::2fa3aa60-0c9c-4d06-bae2-795983241227" providerId="AD" clId="Web-{D02E726A-82A5-CF13-9EBE-9B674D878D37}" dt="2021-10-12T19:51:27.470" v="10"/>
+      <pc:docMkLst>
+        <pc:docMk/>
+      </pc:docMkLst>
+      <pc:sldChg chg="modSp delCm">
+        <pc:chgData name="Akilah Johnson" userId="S::akjohnso@adobe.com::2fa3aa60-0c9c-4d06-bae2-795983241227" providerId="AD" clId="Web-{D02E726A-82A5-CF13-9EBE-9B674D878D37}" dt="2021-10-12T19:51:27.470" v="10"/>
+        <pc:sldMkLst>
+          <pc:docMk/>
+          <pc:sldMk cId="2161849182" sldId="267"/>
+        </pc:sldMkLst>
+        <pc:spChg chg="mod">
+          <ac:chgData name="Akilah Johnson" userId="S::akjohnso@adobe.com::2fa3aa60-0c9c-4d06-bae2-795983241227" providerId="AD" clId="Web-{D02E726A-82A5-CF13-9EBE-9B674D878D37}" dt="2021-10-12T19:51:04.127" v="8" actId="20577"/>
+          <ac:spMkLst>
+            <pc:docMk/>
+            <pc:sldMk cId="2161849182" sldId="267"/>
+            <ac:spMk id="2" creationId="{00000000-0000-0000-0000-000000000000}"/>
+          </ac:spMkLst>
+        </pc:spChg>
+      </pc:sldChg>
+    </pc:docChg>
+  </pc:docChgLst>
+  <pc:docChgLst>
+    <pc:chgData name="Lauren Schutte" userId="6e08b2d3-447a-4d66-86be-444d50df187f" providerId="ADAL" clId="{1A3D389F-0E00-444F-BDF7-5C174E20EEC2}"/>
+    <pc:docChg chg="undo custSel modSld">
+      <pc:chgData name="Lauren Schutte" userId="6e08b2d3-447a-4d66-86be-444d50df187f" providerId="ADAL" clId="{1A3D389F-0E00-444F-BDF7-5C174E20EEC2}" dt="2021-10-13T19:40:59.066" v="67" actId="20577"/>
+      <pc:docMkLst>
+        <pc:docMk/>
+      </pc:docMkLst>
+      <pc:sldChg chg="delSp modSp mod">
+        <pc:chgData name="Lauren Schutte" userId="6e08b2d3-447a-4d66-86be-444d50df187f" providerId="ADAL" clId="{1A3D389F-0E00-444F-BDF7-5C174E20EEC2}" dt="2021-10-13T19:40:25.578" v="61" actId="478"/>
+        <pc:sldMkLst>
+          <pc:docMk/>
+          <pc:sldMk cId="5960377" sldId="259"/>
+        </pc:sldMkLst>
+        <pc:spChg chg="mod">
+          <ac:chgData name="Lauren Schutte" userId="6e08b2d3-447a-4d66-86be-444d50df187f" providerId="ADAL" clId="{1A3D389F-0E00-444F-BDF7-5C174E20EEC2}" dt="2021-10-13T19:33:45.182" v="59" actId="20577"/>
+          <ac:spMkLst>
+            <pc:docMk/>
+            <pc:sldMk cId="5960377" sldId="259"/>
+            <ac:spMk id="127" creationId="{BB896A03-8E7E-344F-BDE1-37C49461FF04}"/>
+          </ac:spMkLst>
+        </pc:spChg>
+        <pc:grpChg chg="del mod">
+          <ac:chgData name="Lauren Schutte" userId="6e08b2d3-447a-4d66-86be-444d50df187f" providerId="ADAL" clId="{1A3D389F-0E00-444F-BDF7-5C174E20EEC2}" dt="2021-10-13T19:40:25.578" v="61" actId="478"/>
+          <ac:grpSpMkLst>
+            <pc:docMk/>
+            <pc:sldMk cId="5960377" sldId="259"/>
+            <ac:grpSpMk id="62" creationId="{C539739D-1D3E-204D-9819-C44D9AE36DE8}"/>
+          </ac:grpSpMkLst>
+        </pc:grpChg>
+      </pc:sldChg>
+      <pc:sldChg chg="modSp mod">
+        <pc:chgData name="Lauren Schutte" userId="6e08b2d3-447a-4d66-86be-444d50df187f" providerId="ADAL" clId="{1A3D389F-0E00-444F-BDF7-5C174E20EEC2}" dt="2021-10-13T19:40:59.066" v="67" actId="20577"/>
+        <pc:sldMkLst>
+          <pc:docMk/>
+          <pc:sldMk cId="2161849182" sldId="267"/>
+        </pc:sldMkLst>
+        <pc:spChg chg="mod">
+          <ac:chgData name="Lauren Schutte" userId="6e08b2d3-447a-4d66-86be-444d50df187f" providerId="ADAL" clId="{1A3D389F-0E00-444F-BDF7-5C174E20EEC2}" dt="2021-10-13T19:40:59.066" v="67" actId="20577"/>
+          <ac:spMkLst>
+            <pc:docMk/>
+            <pc:sldMk cId="2161849182" sldId="267"/>
+            <ac:spMk id="2" creationId="{00000000-0000-0000-0000-000000000000}"/>
+          </ac:spMkLst>
+        </pc:spChg>
+        <pc:graphicFrameChg chg="mod modGraphic">
+          <ac:chgData name="Lauren Schutte" userId="6e08b2d3-447a-4d66-86be-444d50df187f" providerId="ADAL" clId="{1A3D389F-0E00-444F-BDF7-5C174E20EEC2}" dt="2021-10-13T19:33:05.183" v="58"/>
+          <ac:graphicFrameMkLst>
+            <pc:docMk/>
+            <pc:sldMk cId="2161849182" sldId="267"/>
+            <ac:graphicFrameMk id="9" creationId="{00000000-0000-0000-0000-000000000000}"/>
+          </ac:graphicFrameMkLst>
+        </pc:graphicFrameChg>
+      </pc:sldChg>
+    </pc:docChg>
+  </pc:docChgLst>
+</pc:chgInfo>
 </file>
 
 <file path=ppt/comments/comment1.xml><?xml version="1.0" encoding="utf-8"?>
@@ -245,7 +624,7 @@
           <a:p>
             <a:fld id="{CCB2A597-803A-C244-97E2-A01066125D19}" type="datetimeFigureOut">
               <a:rPr lang="en-US" smtClean="0"/>
-              <a:t>12/9/2021</a:t>
+              <a:t>11/12/2021</a:t>
             </a:fld>
             <a:endParaRPr lang="en-US"/>
           </a:p>
@@ -1026,7 +1405,7 @@
           <a:p>
             <a:fld id="{1D8BD707-D9CF-40AE-B4C6-C98DA3205C09}" type="datetimeFigureOut">
               <a:rPr lang="en-US"/>
-              <a:t>12/9/2021</a:t>
+              <a:t>11/12/2021</a:t>
             </a:fld>
             <a:endParaRPr lang="en-US"/>
           </a:p>
@@ -1266,7 +1645,7 @@
           <a:p>
             <a:fld id="{1D8BD707-D9CF-40AE-B4C6-C98DA3205C09}" type="datetimeFigureOut">
               <a:rPr lang="en-US"/>
-              <a:t>12/9/2021</a:t>
+              <a:t>11/12/2021</a:t>
             </a:fld>
             <a:endParaRPr lang="en-US"/>
           </a:p>
@@ -1519,7 +1898,7 @@
           <a:p>
             <a:fld id="{1D8BD707-D9CF-40AE-B4C6-C98DA3205C09}" type="datetimeFigureOut">
               <a:rPr lang="en-US"/>
-              <a:t>12/9/2021</a:t>
+              <a:t>11/12/2021</a:t>
             </a:fld>
             <a:endParaRPr lang="en-US"/>
           </a:p>
@@ -1706,7 +2085,7 @@
           <a:p>
             <a:fld id="{1D8BD707-D9CF-40AE-B4C6-C98DA3205C09}" type="datetimeFigureOut">
               <a:rPr lang="en-US"/>
-              <a:t>12/9/2021</a:t>
+              <a:t>11/12/2021</a:t>
             </a:fld>
             <a:endParaRPr lang="en-US"/>
           </a:p>
@@ -1864,7 +2243,7 @@
           <a:p>
             <a:fld id="{1D8BD707-D9CF-40AE-B4C6-C98DA3205C09}" type="datetimeFigureOut">
               <a:rPr lang="en-US"/>
-              <a:t>12/9/2021</a:t>
+              <a:t>11/12/2021</a:t>
             </a:fld>
             <a:endParaRPr lang="en-US"/>
           </a:p>
@@ -2122,7 +2501,7 @@
           <a:p>
             <a:fld id="{1D8BD707-D9CF-40AE-B4C6-C98DA3205C09}" type="datetimeFigureOut">
               <a:rPr lang="en-US"/>
-              <a:t>12/9/2021</a:t>
+              <a:t>11/12/2021</a:t>
             </a:fld>
             <a:endParaRPr lang="en-US"/>
           </a:p>
@@ -2372,32 +2751,11 @@
               </a:spcBef>
             </a:pPr>
             <a:r>
-              <a:rPr sz="2300" dirty="0">
+              <a:rPr lang="it-IT" sz="2300">
                 <a:latin typeface="Adobe Clean"/>
               </a:rPr>
-              <a:t>ADOBE</a:t>
-            </a:r>
-            <a:r>
-              <a:rPr lang="en-US" sz="2300" dirty="0">
-                <a:latin typeface="Adobe Clean"/>
-              </a:rPr>
-              <a:t> </a:t>
-            </a:r>
-            <a:r>
-              <a:rPr sz="2300" dirty="0">
-                <a:latin typeface="Adobe Clean"/>
-              </a:rPr>
-              <a:t>SUPPORT</a:t>
-            </a:r>
-            <a:r>
-              <a:rPr lang="en-US" sz="2300" dirty="0">
-                <a:latin typeface="Adobe Clean"/>
-              </a:rPr>
-              <a:t> PLANS</a:t>
-            </a:r>
-            <a:endParaRPr sz="2300" dirty="0">
-              <a:latin typeface="Adobe Clean" panose="020B0503020404020204" pitchFamily="34" charset="0"/>
-            </a:endParaRPr>
+              <a:t>PIANI DI SUPPORTO ADOBE</a:t>
+            </a:r>
           </a:p>
         </p:txBody>
       </p:sp>
@@ -2409,8 +2767,8 @@
         </p:nvSpPr>
         <p:spPr>
           <a:xfrm>
-            <a:off x="125148" y="7013546"/>
-            <a:ext cx="2785110" cy="228268"/>
+            <a:off x="125148" y="7013545"/>
+            <a:ext cx="4561152" cy="234263"/>
           </a:xfrm>
           <a:prstGeom prst="rect">
             <a:avLst/>
@@ -2431,7 +2789,7 @@
               </a:spcBef>
             </a:pPr>
             <a:r>
-              <a:rPr sz="1400" b="1" u="sng" spc="15">
+              <a:rPr lang="it-IT" sz="1400" b="1" u="sng" dirty="0">
                 <a:solidFill>
                   <a:srgbClr val="020302"/>
                 </a:solidFill>
@@ -2443,477 +2801,8 @@
                 <a:latin typeface="Adobe Clean"/>
                 <a:cs typeface="Adobe Clean"/>
               </a:rPr>
-              <a:t>S</a:t>
-            </a:r>
-            <a:r>
-              <a:rPr sz="1400" b="1" u="sng" spc="5">
-                <a:solidFill>
-                  <a:srgbClr val="020302"/>
-                </a:solidFill>
-                <a:uFill>
-                  <a:solidFill>
-                    <a:srgbClr val="020302"/>
-                  </a:solidFill>
-                </a:uFill>
-                <a:latin typeface="Adobe Clean"/>
-                <a:cs typeface="Adobe Clean"/>
-              </a:rPr>
-              <a:t>er</a:t>
-            </a:r>
-            <a:r>
-              <a:rPr sz="1400" b="1" u="sng" spc="10">
-                <a:solidFill>
-                  <a:srgbClr val="020302"/>
-                </a:solidFill>
-                <a:uFill>
-                  <a:solidFill>
-                    <a:srgbClr val="020302"/>
-                  </a:solidFill>
-                </a:uFill>
-                <a:latin typeface="Adobe Clean"/>
-                <a:cs typeface="Adobe Clean"/>
-              </a:rPr>
-              <a:t>vi</a:t>
-            </a:r>
-            <a:r>
-              <a:rPr sz="1400" b="1" u="sng" spc="5">
-                <a:solidFill>
-                  <a:srgbClr val="020302"/>
-                </a:solidFill>
-                <a:uFill>
-                  <a:solidFill>
-                    <a:srgbClr val="020302"/>
-                  </a:solidFill>
-                </a:uFill>
-                <a:latin typeface="Adobe Clean"/>
-                <a:cs typeface="Adobe Clean"/>
-              </a:rPr>
-              <a:t>c</a:t>
-            </a:r>
-            <a:r>
-              <a:rPr sz="1400" b="1" u="sng">
-                <a:solidFill>
-                  <a:srgbClr val="020302"/>
-                </a:solidFill>
-                <a:uFill>
-                  <a:solidFill>
-                    <a:srgbClr val="020302"/>
-                  </a:solidFill>
-                </a:uFill>
-                <a:latin typeface="Adobe Clean"/>
-                <a:cs typeface="Adobe Clean"/>
-              </a:rPr>
-              <a:t>e</a:t>
-            </a:r>
-            <a:r>
-              <a:rPr sz="1400" b="1" u="sng" spc="20">
-                <a:solidFill>
-                  <a:srgbClr val="020302"/>
-                </a:solidFill>
-                <a:uFill>
-                  <a:solidFill>
-                    <a:srgbClr val="020302"/>
-                  </a:solidFill>
-                </a:uFill>
-                <a:latin typeface="Adobe Clean"/>
-                <a:cs typeface="Adobe Clean"/>
-              </a:rPr>
-              <a:t> </a:t>
-            </a:r>
-            <a:r>
-              <a:rPr sz="1400" b="1" u="sng" spc="-15">
-                <a:solidFill>
-                  <a:srgbClr val="020302"/>
-                </a:solidFill>
-                <a:uFill>
-                  <a:solidFill>
-                    <a:srgbClr val="020302"/>
-                  </a:solidFill>
-                </a:uFill>
-                <a:latin typeface="Adobe Clean"/>
-                <a:cs typeface="Adobe Clean"/>
-              </a:rPr>
-              <a:t>Le</a:t>
-            </a:r>
-            <a:r>
-              <a:rPr sz="1400" b="1" u="sng" spc="-10">
-                <a:solidFill>
-                  <a:srgbClr val="020302"/>
-                </a:solidFill>
-                <a:uFill>
-                  <a:solidFill>
-                    <a:srgbClr val="020302"/>
-                  </a:solidFill>
-                </a:uFill>
-                <a:latin typeface="Adobe Clean"/>
-                <a:cs typeface="Adobe Clean"/>
-              </a:rPr>
-              <a:t>v</a:t>
-            </a:r>
-            <a:r>
-              <a:rPr sz="1400" b="1" u="sng" spc="-15">
-                <a:solidFill>
-                  <a:srgbClr val="020302"/>
-                </a:solidFill>
-                <a:uFill>
-                  <a:solidFill>
-                    <a:srgbClr val="020302"/>
-                  </a:solidFill>
-                </a:uFill>
-                <a:latin typeface="Adobe Clean"/>
-                <a:cs typeface="Adobe Clean"/>
-              </a:rPr>
-              <a:t>e</a:t>
-            </a:r>
-            <a:r>
-              <a:rPr sz="1400" b="1" u="sng">
-                <a:solidFill>
-                  <a:srgbClr val="020302"/>
-                </a:solidFill>
-                <a:uFill>
-                  <a:solidFill>
-                    <a:srgbClr val="020302"/>
-                  </a:solidFill>
-                </a:uFill>
-                <a:latin typeface="Adobe Clean"/>
-                <a:cs typeface="Adobe Clean"/>
-              </a:rPr>
-              <a:t>l</a:t>
-            </a:r>
-            <a:r>
-              <a:rPr sz="1400" b="1" u="sng" spc="-15">
-                <a:solidFill>
-                  <a:srgbClr val="020302"/>
-                </a:solidFill>
-                <a:uFill>
-                  <a:solidFill>
-                    <a:srgbClr val="020302"/>
-                  </a:solidFill>
-                </a:uFill>
-                <a:latin typeface="Adobe Clean"/>
-                <a:cs typeface="Adobe Clean"/>
-              </a:rPr>
-              <a:t> </a:t>
-            </a:r>
-            <a:r>
-              <a:rPr sz="1400" b="1" u="sng" spc="-55">
-                <a:solidFill>
-                  <a:srgbClr val="020302"/>
-                </a:solidFill>
-                <a:uFill>
-                  <a:solidFill>
-                    <a:srgbClr val="020302"/>
-                  </a:solidFill>
-                </a:uFill>
-                <a:latin typeface="Adobe Clean"/>
-                <a:cs typeface="Adobe Clean"/>
-              </a:rPr>
-              <a:t>T</a:t>
-            </a:r>
-            <a:r>
-              <a:rPr sz="1400" b="1" u="sng" spc="-40">
-                <a:solidFill>
-                  <a:srgbClr val="020302"/>
-                </a:solidFill>
-                <a:uFill>
-                  <a:solidFill>
-                    <a:srgbClr val="020302"/>
-                  </a:solidFill>
-                </a:uFill>
-                <a:latin typeface="Adobe Clean"/>
-                <a:cs typeface="Adobe Clean"/>
-              </a:rPr>
-              <a:t>a</a:t>
-            </a:r>
-            <a:r>
-              <a:rPr sz="1400" b="1" u="sng" spc="-45">
-                <a:solidFill>
-                  <a:srgbClr val="020302"/>
-                </a:solidFill>
-                <a:uFill>
-                  <a:solidFill>
-                    <a:srgbClr val="020302"/>
-                  </a:solidFill>
-                </a:uFill>
-                <a:latin typeface="Adobe Clean"/>
-                <a:cs typeface="Adobe Clean"/>
-              </a:rPr>
-              <a:t>r</a:t>
-            </a:r>
-            <a:r>
-              <a:rPr sz="1400" b="1" u="sng" spc="-40">
-                <a:solidFill>
-                  <a:srgbClr val="020302"/>
-                </a:solidFill>
-                <a:uFill>
-                  <a:solidFill>
-                    <a:srgbClr val="020302"/>
-                  </a:solidFill>
-                </a:uFill>
-                <a:latin typeface="Adobe Clean"/>
-                <a:cs typeface="Adobe Clean"/>
-              </a:rPr>
-              <a:t>g</a:t>
-            </a:r>
-            <a:r>
-              <a:rPr sz="1400" b="1" u="sng" spc="-50">
-                <a:solidFill>
-                  <a:srgbClr val="020302"/>
-                </a:solidFill>
-                <a:uFill>
-                  <a:solidFill>
-                    <a:srgbClr val="020302"/>
-                  </a:solidFill>
-                </a:uFill>
-                <a:latin typeface="Adobe Clean"/>
-                <a:cs typeface="Adobe Clean"/>
-              </a:rPr>
-              <a:t>et</a:t>
-            </a:r>
-            <a:r>
-              <a:rPr sz="1400" b="1" u="sng" spc="-45">
-                <a:solidFill>
-                  <a:srgbClr val="020302"/>
-                </a:solidFill>
-                <a:uFill>
-                  <a:solidFill>
-                    <a:srgbClr val="020302"/>
-                  </a:solidFill>
-                </a:uFill>
-                <a:latin typeface="Adobe Clean"/>
-                <a:cs typeface="Adobe Clean"/>
-              </a:rPr>
-              <a:t>s</a:t>
-            </a:r>
-            <a:r>
-              <a:rPr sz="1400" b="1" u="sng">
-                <a:solidFill>
-                  <a:srgbClr val="020302"/>
-                </a:solidFill>
-                <a:uFill>
-                  <a:solidFill>
-                    <a:srgbClr val="020302"/>
-                  </a:solidFill>
-                </a:uFill>
-                <a:latin typeface="Adobe Clean"/>
-                <a:cs typeface="Adobe Clean"/>
-              </a:rPr>
-              <a:t>:</a:t>
-            </a:r>
-            <a:r>
-              <a:rPr sz="1400" b="1" u="sng" spc="-85">
-                <a:solidFill>
-                  <a:srgbClr val="020302"/>
-                </a:solidFill>
-                <a:uFill>
-                  <a:solidFill>
-                    <a:srgbClr val="020302"/>
-                  </a:solidFill>
-                </a:uFill>
-                <a:latin typeface="Adobe Clean"/>
-                <a:cs typeface="Adobe Clean"/>
-              </a:rPr>
-              <a:t> </a:t>
-            </a:r>
-            <a:r>
-              <a:rPr sz="1400" b="1" u="sng" spc="-15">
-                <a:solidFill>
-                  <a:srgbClr val="020302"/>
-                </a:solidFill>
-                <a:uFill>
-                  <a:solidFill>
-                    <a:srgbClr val="020302"/>
-                  </a:solidFill>
-                </a:uFill>
-                <a:latin typeface="Adobe Clean"/>
-                <a:cs typeface="Adobe Clean"/>
-              </a:rPr>
-              <a:t>I</a:t>
-            </a:r>
-            <a:r>
-              <a:rPr sz="1400" b="1" u="sng" spc="-10">
-                <a:solidFill>
-                  <a:srgbClr val="020302"/>
-                </a:solidFill>
-                <a:uFill>
-                  <a:solidFill>
-                    <a:srgbClr val="020302"/>
-                  </a:solidFill>
-                </a:uFill>
-                <a:latin typeface="Adobe Clean"/>
-                <a:cs typeface="Adobe Clean"/>
-              </a:rPr>
-              <a:t>ni</a:t>
-            </a:r>
-            <a:r>
-              <a:rPr sz="1400" b="1" u="sng" spc="-15">
-                <a:solidFill>
-                  <a:srgbClr val="020302"/>
-                </a:solidFill>
-                <a:uFill>
-                  <a:solidFill>
-                    <a:srgbClr val="020302"/>
-                  </a:solidFill>
-                </a:uFill>
-                <a:latin typeface="Adobe Clean"/>
-                <a:cs typeface="Adobe Clean"/>
-              </a:rPr>
-              <a:t>t</a:t>
-            </a:r>
-            <a:r>
-              <a:rPr sz="1400" b="1" u="sng" spc="-10">
-                <a:solidFill>
-                  <a:srgbClr val="020302"/>
-                </a:solidFill>
-                <a:uFill>
-                  <a:solidFill>
-                    <a:srgbClr val="020302"/>
-                  </a:solidFill>
-                </a:uFill>
-                <a:latin typeface="Adobe Clean"/>
-                <a:cs typeface="Adobe Clean"/>
-              </a:rPr>
-              <a:t>i</a:t>
-            </a:r>
-            <a:r>
-              <a:rPr sz="1400" b="1" u="sng" spc="-5">
-                <a:solidFill>
-                  <a:srgbClr val="020302"/>
-                </a:solidFill>
-                <a:uFill>
-                  <a:solidFill>
-                    <a:srgbClr val="020302"/>
-                  </a:solidFill>
-                </a:uFill>
-                <a:latin typeface="Adobe Clean"/>
-                <a:cs typeface="Adobe Clean"/>
-              </a:rPr>
-              <a:t>a</a:t>
-            </a:r>
-            <a:r>
-              <a:rPr sz="1400" b="1" u="sng">
-                <a:solidFill>
-                  <a:srgbClr val="020302"/>
-                </a:solidFill>
-                <a:uFill>
-                  <a:solidFill>
-                    <a:srgbClr val="020302"/>
-                  </a:solidFill>
-                </a:uFill>
-                <a:latin typeface="Adobe Clean"/>
-                <a:cs typeface="Adobe Clean"/>
-              </a:rPr>
-              <a:t>l</a:t>
-            </a:r>
-            <a:r>
-              <a:rPr sz="1400" b="1" u="sng" spc="-145">
-                <a:solidFill>
-                  <a:srgbClr val="020302"/>
-                </a:solidFill>
-                <a:uFill>
-                  <a:solidFill>
-                    <a:srgbClr val="020302"/>
-                  </a:solidFill>
-                </a:uFill>
-                <a:latin typeface="Adobe Clean"/>
-                <a:cs typeface="Adobe Clean"/>
-              </a:rPr>
-              <a:t> </a:t>
-            </a:r>
-            <a:r>
-              <a:rPr sz="1400" b="1" u="sng" spc="-15">
-                <a:solidFill>
-                  <a:srgbClr val="020302"/>
-                </a:solidFill>
-                <a:uFill>
-                  <a:solidFill>
-                    <a:srgbClr val="020302"/>
-                  </a:solidFill>
-                </a:uFill>
-                <a:latin typeface="Adobe Clean"/>
-                <a:cs typeface="Adobe Clean"/>
-              </a:rPr>
-              <a:t>R</a:t>
-            </a:r>
-            <a:r>
-              <a:rPr sz="1400" b="1" u="sng" spc="-20">
-                <a:solidFill>
-                  <a:srgbClr val="020302"/>
-                </a:solidFill>
-                <a:uFill>
-                  <a:solidFill>
-                    <a:srgbClr val="020302"/>
-                  </a:solidFill>
-                </a:uFill>
-                <a:latin typeface="Adobe Clean"/>
-                <a:cs typeface="Adobe Clean"/>
-              </a:rPr>
-              <a:t>e</a:t>
-            </a:r>
-            <a:r>
-              <a:rPr sz="1400" b="1" u="sng" spc="-15">
-                <a:solidFill>
-                  <a:srgbClr val="020302"/>
-                </a:solidFill>
-                <a:uFill>
-                  <a:solidFill>
-                    <a:srgbClr val="020302"/>
-                  </a:solidFill>
-                </a:uFill>
-                <a:latin typeface="Adobe Clean"/>
-                <a:cs typeface="Adobe Clean"/>
-              </a:rPr>
-              <a:t>s</a:t>
-            </a:r>
-            <a:r>
-              <a:rPr sz="1400" b="1" u="sng" spc="-20">
-                <a:solidFill>
-                  <a:srgbClr val="020302"/>
-                </a:solidFill>
-                <a:uFill>
-                  <a:solidFill>
-                    <a:srgbClr val="020302"/>
-                  </a:solidFill>
-                </a:uFill>
-                <a:latin typeface="Adobe Clean"/>
-                <a:cs typeface="Adobe Clean"/>
-              </a:rPr>
-              <a:t>p</a:t>
-            </a:r>
-            <a:r>
-              <a:rPr sz="1400" b="1" u="sng" spc="-15">
-                <a:solidFill>
-                  <a:srgbClr val="020302"/>
-                </a:solidFill>
-                <a:uFill>
-                  <a:solidFill>
-                    <a:srgbClr val="020302"/>
-                  </a:solidFill>
-                </a:uFill>
-                <a:latin typeface="Adobe Clean"/>
-                <a:cs typeface="Adobe Clean"/>
-              </a:rPr>
-              <a:t>ons</a:t>
-            </a:r>
-            <a:r>
-              <a:rPr sz="1400" b="1" u="sng">
-                <a:solidFill>
-                  <a:srgbClr val="020302"/>
-                </a:solidFill>
-                <a:uFill>
-                  <a:solidFill>
-                    <a:srgbClr val="020302"/>
-                  </a:solidFill>
-                </a:uFill>
-                <a:latin typeface="Adobe Clean"/>
-                <a:cs typeface="Adobe Clean"/>
-              </a:rPr>
-              <a:t>e</a:t>
-            </a:r>
-            <a:endParaRPr sz="1400" u="sng">
-              <a:latin typeface="Adobe Clean"/>
-              <a:cs typeface="Adobe Clean"/>
-            </a:endParaRPr>
+              <a:t>Obiettivi del livello di servizio: risposta iniziale</a:t>
+            </a:r>
           </a:p>
         </p:txBody>
       </p:sp>
@@ -2926,14 +2815,14 @@
           <p:nvPr>
             <p:extLst>
               <p:ext uri="{D42A27DB-BD31-4B8C-83A1-F6EECF244321}">
-                <p14:modId xmlns:p14="http://schemas.microsoft.com/office/powerpoint/2010/main" val="3537242808"/>
+                <p14:modId xmlns:p14="http://schemas.microsoft.com/office/powerpoint/2010/main" val="1322106923"/>
               </p:ext>
             </p:extLst>
           </p:nvPr>
         </p:nvGraphicFramePr>
         <p:xfrm>
-          <a:off x="146919" y="7473158"/>
-          <a:ext cx="7477080" cy="2256833"/>
+          <a:off x="146919" y="7401714"/>
+          <a:ext cx="7477080" cy="2346613"/>
         </p:xfrm>
         <a:graphic>
           <a:graphicData uri="http://schemas.openxmlformats.org/drawingml/2006/table">
@@ -2979,19 +2868,15 @@
                         </a:spcBef>
                       </a:pPr>
                       <a:r>
-                        <a:rPr sz="900" spc="-20" dirty="0">
+                        <a:rPr lang="it-IT" sz="900" dirty="0">
                           <a:solidFill>
                             <a:srgbClr val="020302"/>
                           </a:solidFill>
                           <a:latin typeface="Adobe Clean"/>
                           <a:cs typeface="Adobe Clean"/>
                         </a:rPr>
-                        <a:t>Priority</a:t>
+                        <a:t>Priorità</a:t>
                       </a:r>
-                      <a:endParaRPr sz="900" dirty="0">
-                        <a:latin typeface="Adobe Clean"/>
-                        <a:cs typeface="Adobe Clean"/>
-                      </a:endParaRPr>
                     </a:p>
                   </a:txBody>
                   <a:tcPr marL="0" marR="0" marT="6985" marB="0" anchor="ctr">
@@ -3038,19 +2923,15 @@
                         </a:spcBef>
                       </a:pPr>
                       <a:r>
-                        <a:rPr sz="900" spc="0" dirty="0">
+                        <a:rPr lang="it-IT" sz="900">
                           <a:solidFill>
                             <a:srgbClr val="020302"/>
                           </a:solidFill>
                           <a:latin typeface="Adobe Clean"/>
                           <a:cs typeface="Adobe Clean"/>
                         </a:rPr>
-                        <a:t>Online Support</a:t>
+                        <a:t>Supporto Online</a:t>
                       </a:r>
-                      <a:endParaRPr sz="900" spc="0" dirty="0">
-                        <a:latin typeface="Adobe Clean"/>
-                        <a:cs typeface="Adobe Clean"/>
-                      </a:endParaRPr>
                     </a:p>
                   </a:txBody>
                   <a:tcPr marL="0" marR="0" marT="0" marB="0" anchor="ctr">
@@ -3100,19 +2981,15 @@
                         </a:spcBef>
                       </a:pPr>
                       <a:r>
-                        <a:rPr sz="900" spc="0" dirty="0">
+                        <a:rPr lang="it-IT" sz="900">
                           <a:solidFill>
                             <a:srgbClr val="FFFFFF"/>
                           </a:solidFill>
                           <a:latin typeface="Adobe Clean"/>
                           <a:cs typeface="Adobe Clean"/>
                         </a:rPr>
-                        <a:t>Enterprise Support</a:t>
+                        <a:t>Supporto Enterprise</a:t>
                       </a:r>
-                      <a:endParaRPr sz="900" spc="0" dirty="0">
-                        <a:latin typeface="Adobe Clean"/>
-                        <a:cs typeface="Adobe Clean"/>
-                      </a:endParaRPr>
                     </a:p>
                   </a:txBody>
                   <a:tcPr marL="0" marR="0" marT="0" marB="0" anchor="ctr">
@@ -3172,109 +3049,15 @@
                         </a:spcBef>
                       </a:pPr>
                       <a:r>
-                        <a:rPr sz="900" b="1" spc="-15" dirty="0">
+                        <a:rPr lang="it-IT" sz="900" b="1" dirty="0">
                           <a:solidFill>
                             <a:srgbClr val="020302"/>
                           </a:solidFill>
                           <a:latin typeface="Adobe Clean"/>
                           <a:cs typeface="Adobe Clean"/>
                         </a:rPr>
-                        <a:t>P</a:t>
+                        <a:t>PRIORITÀ 1 (P1)</a:t>
                       </a:r>
-                      <a:r>
-                        <a:rPr sz="900" b="1" spc="-20" dirty="0">
-                          <a:solidFill>
-                            <a:srgbClr val="020302"/>
-                          </a:solidFill>
-                          <a:latin typeface="Adobe Clean"/>
-                          <a:cs typeface="Adobe Clean"/>
-                        </a:rPr>
-                        <a:t>R</a:t>
-                      </a:r>
-                      <a:r>
-                        <a:rPr sz="900" b="1" spc="-25" dirty="0">
-                          <a:solidFill>
-                            <a:srgbClr val="020302"/>
-                          </a:solidFill>
-                          <a:latin typeface="Adobe Clean"/>
-                          <a:cs typeface="Adobe Clean"/>
-                        </a:rPr>
-                        <a:t>I</a:t>
-                      </a:r>
-                      <a:r>
-                        <a:rPr sz="900" b="1" spc="-15" dirty="0">
-                          <a:solidFill>
-                            <a:srgbClr val="020302"/>
-                          </a:solidFill>
-                          <a:latin typeface="Adobe Clean"/>
-                          <a:cs typeface="Adobe Clean"/>
-                        </a:rPr>
-                        <a:t>O</a:t>
-                      </a:r>
-                      <a:r>
-                        <a:rPr sz="900" b="1" spc="-20" dirty="0">
-                          <a:solidFill>
-                            <a:srgbClr val="020302"/>
-                          </a:solidFill>
-                          <a:latin typeface="Adobe Clean"/>
-                          <a:cs typeface="Adobe Clean"/>
-                        </a:rPr>
-                        <a:t>R</a:t>
-                      </a:r>
-                      <a:r>
-                        <a:rPr sz="900" b="1" spc="-25" dirty="0">
-                          <a:solidFill>
-                            <a:srgbClr val="020302"/>
-                          </a:solidFill>
-                          <a:latin typeface="Adobe Clean"/>
-                          <a:cs typeface="Adobe Clean"/>
-                        </a:rPr>
-                        <a:t>I</a:t>
-                      </a:r>
-                      <a:r>
-                        <a:rPr sz="900" b="1" spc="-15" dirty="0">
-                          <a:solidFill>
-                            <a:srgbClr val="020302"/>
-                          </a:solidFill>
-                          <a:latin typeface="Adobe Clean"/>
-                          <a:cs typeface="Adobe Clean"/>
-                        </a:rPr>
-                        <a:t>T</a:t>
-                      </a:r>
-                      <a:r>
-                        <a:rPr sz="900" b="1" dirty="0">
-                          <a:solidFill>
-                            <a:srgbClr val="020302"/>
-                          </a:solidFill>
-                          <a:latin typeface="Adobe Clean"/>
-                          <a:cs typeface="Adobe Clean"/>
-                        </a:rPr>
-                        <a:t>Y</a:t>
-                      </a:r>
-                      <a:r>
-                        <a:rPr sz="900" b="1" spc="-40" dirty="0">
-                          <a:solidFill>
-                            <a:srgbClr val="020302"/>
-                          </a:solidFill>
-                          <a:latin typeface="Adobe Clean"/>
-                          <a:cs typeface="Adobe Clean"/>
-                        </a:rPr>
-                        <a:t> </a:t>
-                      </a:r>
-                      <a:r>
-                        <a:rPr sz="900" b="1" dirty="0">
-                          <a:solidFill>
-                            <a:srgbClr val="020302"/>
-                          </a:solidFill>
-                          <a:latin typeface="Adobe Clean"/>
-                          <a:cs typeface="Adobe Clean"/>
-                        </a:rPr>
-                        <a:t>1</a:t>
-                      </a:r>
-                      <a:endParaRPr sz="900" dirty="0">
-                        <a:latin typeface="Adobe Clean"/>
-                        <a:cs typeface="Adobe Clean"/>
-                      </a:endParaRPr>
                     </a:p>
                     <a:p>
                       <a:pPr marL="50800" marR="387985" lvl="0" indent="0" eaLnBrk="1" fontAlgn="auto" latinLnBrk="0" hangingPunct="1">
@@ -3293,34 +3076,19 @@
                         <a:buNone/>
                       </a:pPr>
                       <a:r>
-                        <a:rPr lang="en-US" sz="900" b="0" i="0" spc="-130" dirty="0">
-                          <a:solidFill>
-                            <a:srgbClr val="020302"/>
-                          </a:solidFill>
-                          <a:latin typeface="Adobe Clean Light"/>
-                          <a:cs typeface="+mn-cs"/>
-                        </a:rPr>
-                        <a:t> </a:t>
-                      </a:r>
-                      <a:r>
-                        <a:rPr lang="en-US" sz="900" b="0" i="0" u="none" strike="noStrike" dirty="0">
+                        <a:rPr lang="it-IT" sz="900" b="0" i="0" u="none" strike="noStrike" dirty="0">
                           <a:solidFill>
                             <a:schemeClr val="tx1"/>
                           </a:solidFill>
-                          <a:effectLst/>
                           <a:latin typeface="Adobe Clean Light"/>
                           <a:ea typeface="+mn-ea"/>
                           <a:cs typeface="+mn-cs"/>
                         </a:rPr>
-                        <a:t>Customer's production business functions are down or have significant data loss or degradation of services and immediate attention is required to restore functionality and usability</a:t>
+                        <a:t>Le funzioni operative di produzione del cliente non sono disponibili oppure si verificano problemi significativi di perdita di dati o deterioramento dei servizi ed è richiesto un intervento immediato per ripristinare funzionalità e usabilità</a:t>
                       </a:r>
-                      <a:endParaRPr lang="en-US" sz="900" b="0" i="0" dirty="0">
-                        <a:latin typeface="Adobe Clean Light"/>
-                        <a:cs typeface="AdobeClean-Light"/>
-                      </a:endParaRPr>
                     </a:p>
                   </a:txBody>
-                  <a:tcPr marL="0" marR="0" marT="0" marB="0" anchor="ctr">
+                  <a:tcPr marL="0" marR="0" marT="0" marB="36000" anchor="ctr">
                     <a:lnL w="6350">
                       <a:solidFill>
                         <a:srgbClr val="B7B8B8"/>
@@ -3357,14 +3125,13 @@
                     <a:p>
                       <a:pPr algn="ctr" fontAlgn="ctr"/>
                       <a:r>
-                        <a:rPr lang="en-US" sz="900" b="0" i="0" u="none" strike="noStrike" dirty="0">
+                        <a:rPr lang="it-IT" sz="900" b="0" i="0" u="none" strike="noStrike" dirty="0">
                           <a:solidFill>
                             <a:srgbClr val="020302"/>
                           </a:solidFill>
-                          <a:effectLst/>
                           <a:latin typeface="AdobeClean-Light" panose="020B0503020404020204" pitchFamily="34" charset="0"/>
                         </a:rPr>
-                        <a:t>24x7 /  1 hour</a:t>
+                        <a:t>24x7/1 ora</a:t>
                       </a:r>
                     </a:p>
                   </a:txBody>
@@ -3405,14 +3172,13 @@
                     <a:p>
                       <a:pPr algn="ctr" fontAlgn="ctr"/>
                       <a:r>
-                        <a:rPr lang="en-US" sz="900" b="0" i="0" u="none" strike="noStrike" dirty="0">
+                        <a:rPr lang="it-IT" sz="900" b="0" i="0" u="none" strike="noStrike">
                           <a:solidFill>
                             <a:srgbClr val="020302"/>
                           </a:solidFill>
-                          <a:effectLst/>
-                          <a:latin typeface="AdobeClean-Light"/>
+                          <a:latin typeface="AdobeClean-Light" panose="020B0503020404020204" pitchFamily="34" charset="0"/>
                         </a:rPr>
-                        <a:t>24x7 / 30 minutes</a:t>
+                        <a:t>24x7/30 minuti</a:t>
                       </a:r>
                     </a:p>
                   </a:txBody>
@@ -3478,172 +3244,39 @@
                         </a:spcBef>
                       </a:pPr>
                       <a:r>
-                        <a:rPr sz="900" b="1" spc="-15" dirty="0">
+                        <a:rPr lang="it-IT" sz="900" b="1" dirty="0">
                           <a:solidFill>
                             <a:srgbClr val="020302"/>
                           </a:solidFill>
                           <a:latin typeface="Adobe Clean"/>
                           <a:cs typeface="Adobe Clean"/>
                         </a:rPr>
-                        <a:t>P</a:t>
+                        <a:t>PRIORITÀ 2 (P2)</a:t>
                       </a:r>
-                      <a:r>
-                        <a:rPr sz="900" b="1" spc="-20" dirty="0">
-                          <a:solidFill>
-                            <a:srgbClr val="020302"/>
-                          </a:solidFill>
-                          <a:latin typeface="Adobe Clean"/>
-                          <a:cs typeface="Adobe Clean"/>
-                        </a:rPr>
-                        <a:t>R</a:t>
-                      </a:r>
-                      <a:r>
-                        <a:rPr sz="900" b="1" spc="-25" dirty="0">
-                          <a:solidFill>
-                            <a:srgbClr val="020302"/>
-                          </a:solidFill>
-                          <a:latin typeface="Adobe Clean"/>
-                          <a:cs typeface="Adobe Clean"/>
-                        </a:rPr>
-                        <a:t>I</a:t>
-                      </a:r>
-                      <a:r>
-                        <a:rPr sz="900" b="1" spc="-15" dirty="0">
-                          <a:solidFill>
-                            <a:srgbClr val="020302"/>
-                          </a:solidFill>
-                          <a:latin typeface="Adobe Clean"/>
-                          <a:cs typeface="Adobe Clean"/>
-                        </a:rPr>
-                        <a:t>O</a:t>
-                      </a:r>
-                      <a:r>
-                        <a:rPr sz="900" b="1" spc="-20" dirty="0">
-                          <a:solidFill>
-                            <a:srgbClr val="020302"/>
-                          </a:solidFill>
-                          <a:latin typeface="Adobe Clean"/>
-                          <a:cs typeface="Adobe Clean"/>
-                        </a:rPr>
-                        <a:t>R</a:t>
-                      </a:r>
-                      <a:r>
-                        <a:rPr sz="900" b="1" spc="-25" dirty="0">
-                          <a:solidFill>
-                            <a:srgbClr val="020302"/>
-                          </a:solidFill>
-                          <a:latin typeface="Adobe Clean"/>
-                          <a:cs typeface="Adobe Clean"/>
-                        </a:rPr>
-                        <a:t>I</a:t>
-                      </a:r>
-                      <a:r>
-                        <a:rPr sz="900" b="1" spc="-15" dirty="0">
-                          <a:solidFill>
-                            <a:srgbClr val="020302"/>
-                          </a:solidFill>
-                          <a:latin typeface="Adobe Clean"/>
-                          <a:cs typeface="Adobe Clean"/>
-                        </a:rPr>
-                        <a:t>T</a:t>
-                      </a:r>
-                      <a:r>
-                        <a:rPr sz="900" b="1" dirty="0">
-                          <a:solidFill>
-                            <a:srgbClr val="020302"/>
-                          </a:solidFill>
-                          <a:latin typeface="Adobe Clean"/>
-                          <a:cs typeface="Adobe Clean"/>
-                        </a:rPr>
-                        <a:t>Y</a:t>
-                      </a:r>
-                      <a:r>
-                        <a:rPr sz="900" b="1" spc="-40" dirty="0">
-                          <a:solidFill>
-                            <a:srgbClr val="020302"/>
-                          </a:solidFill>
-                          <a:latin typeface="Adobe Clean"/>
-                          <a:cs typeface="Adobe Clean"/>
-                        </a:rPr>
-                        <a:t> </a:t>
-                      </a:r>
-                      <a:r>
-                        <a:rPr sz="900" b="1" dirty="0">
-                          <a:solidFill>
-                            <a:srgbClr val="020302"/>
-                          </a:solidFill>
-                          <a:latin typeface="Adobe Clean"/>
-                          <a:cs typeface="Adobe Clean"/>
-                        </a:rPr>
-                        <a:t>2</a:t>
-                      </a:r>
-                      <a:endParaRPr lang="en-US" sz="900" b="1" dirty="0">
-                        <a:solidFill>
-                          <a:srgbClr val="020302"/>
-                        </a:solidFill>
-                        <a:latin typeface="Adobe Clean"/>
-                        <a:cs typeface="Adobe Clean"/>
-                      </a:endParaRPr>
                     </a:p>
                     <a:p>
-                      <a:pPr marL="50800" marR="0" lvl="0" indent="0" defTabSz="914400" eaLnBrk="1" fontAlgn="auto" latinLnBrk="0" hangingPunct="1">
+                      <a:pPr marL="50165" marR="203200">
                         <a:lnSpc>
-                          <a:spcPct val="100000"/>
+                          <a:spcPts val="1000"/>
                         </a:lnSpc>
                         <a:spcBef>
-                          <a:spcPts val="125"/>
+                          <a:spcPts val="415"/>
                         </a:spcBef>
-                        <a:spcAft>
-                          <a:spcPts val="0"/>
-                        </a:spcAft>
-                        <a:buClrTx/>
-                        <a:buSzTx/>
-                        <a:buFontTx/>
-                        <a:buNone/>
-                        <a:tabLst/>
-                        <a:defRPr/>
                       </a:pPr>
                       <a:r>
-                        <a:rPr lang="en-US" sz="900" b="0" i="0" spc="-130" dirty="0">
-                          <a:solidFill>
-                            <a:srgbClr val="020302"/>
-                          </a:solidFill>
-                          <a:latin typeface="Adobe Clean Light"/>
-                          <a:cs typeface="+mn-cs"/>
-                        </a:rPr>
-                        <a:t> </a:t>
-                      </a:r>
-                      <a:r>
-                        <a:rPr lang="en-US" sz="900" b="0" i="0" u="none" strike="noStrike" dirty="0">
+                        <a:rPr lang="it-IT" sz="900" b="0" i="0" u="none" strike="noStrike" dirty="0">
                           <a:solidFill>
                             <a:schemeClr val="tx1"/>
                           </a:solidFill>
-                          <a:effectLst/>
                           <a:latin typeface="Adobe Clean Light"/>
                           <a:ea typeface="+mn-ea"/>
                           <a:cs typeface="+mn-cs"/>
                         </a:rPr>
-                        <a:t>Customer’s business functions have major service degradations or potential data loss, or a major feature </a:t>
+                        <a:t>Le funzioni operative del cliente hanno subìto un notevole deterioramento o mancata disponibilità dei servizi, potenziale perdita di dati, oppure un problema interessa una funzione importante</a:t>
                       </a:r>
-                      <a:r>
-                        <a:rPr lang="en-US" sz="900" b="0" i="0" u="none" strike="noStrike">
-                          <a:solidFill>
-                            <a:schemeClr val="tx1"/>
-                          </a:solidFill>
-                          <a:effectLst/>
-                          <a:latin typeface="Adobe Clean Light"/>
-                          <a:ea typeface="+mn-ea"/>
-                          <a:cs typeface="+mn-cs"/>
-                        </a:rPr>
-                        <a:t>is impacted.</a:t>
-                      </a:r>
-                      <a:endParaRPr lang="en-US" sz="900" b="0" i="0" dirty="0">
-                        <a:latin typeface="Adobe Clean Light"/>
-                        <a:cs typeface="AdobeClean-Light"/>
-                      </a:endParaRPr>
                     </a:p>
                   </a:txBody>
-                  <a:tcPr marL="0" marR="0" marT="0" marB="0" anchor="ctr">
+                  <a:tcPr marL="0" marR="0" marT="0" marB="36000" anchor="ctr">
                     <a:lnL w="6350">
                       <a:solidFill>
                         <a:srgbClr val="B7B8B8"/>
@@ -3680,14 +3313,13 @@
                     <a:p>
                       <a:pPr algn="ctr" fontAlgn="ctr"/>
                       <a:r>
-                        <a:rPr lang="en-US" sz="900" b="0" i="0" u="none" strike="noStrike" dirty="0">
+                        <a:rPr lang="it-IT" sz="900" b="0" i="0" u="none" strike="noStrike">
                           <a:solidFill>
                             <a:srgbClr val="020302"/>
                           </a:solidFill>
-                          <a:effectLst/>
                           <a:latin typeface="AdobeClean-Light" panose="020B0503020404020204" pitchFamily="34" charset="0"/>
                         </a:rPr>
-                        <a:t>Business hours / 4 hours</a:t>
+                        <a:t>Orario operativo/4 ore</a:t>
                       </a:r>
                     </a:p>
                   </a:txBody>
@@ -3728,14 +3360,13 @@
                     <a:p>
                       <a:pPr algn="ctr" fontAlgn="ctr"/>
                       <a:r>
-                        <a:rPr lang="en-US" sz="900" b="0" i="0" u="none" strike="noStrike" dirty="0">
+                        <a:rPr lang="it-IT" sz="900" b="0" i="0" u="none" strike="noStrike">
                           <a:solidFill>
                             <a:srgbClr val="020302"/>
                           </a:solidFill>
-                          <a:effectLst/>
-                          <a:latin typeface="AdobeClean-Light"/>
+                          <a:latin typeface="AdobeClean-Light" panose="020B0503020404020204" pitchFamily="34" charset="0"/>
                         </a:rPr>
-                        <a:t>24x5 / 1 hour</a:t>
+                        <a:t>24x5/1 ora</a:t>
                       </a:r>
                     </a:p>
                   </a:txBody>
@@ -3798,109 +3429,15 @@
                         </a:spcBef>
                       </a:pPr>
                       <a:r>
-                        <a:rPr sz="900" b="1" spc="-15" dirty="0">
+                        <a:rPr lang="it-IT" sz="900" b="1">
                           <a:solidFill>
                             <a:srgbClr val="020302"/>
                           </a:solidFill>
                           <a:latin typeface="Adobe Clean"/>
                           <a:cs typeface="Adobe Clean"/>
                         </a:rPr>
-                        <a:t>P</a:t>
+                        <a:t>PRIORITÀ 3 (P3)</a:t>
                       </a:r>
-                      <a:r>
-                        <a:rPr sz="900" b="1" spc="-20" dirty="0">
-                          <a:solidFill>
-                            <a:srgbClr val="020302"/>
-                          </a:solidFill>
-                          <a:latin typeface="Adobe Clean"/>
-                          <a:cs typeface="Adobe Clean"/>
-                        </a:rPr>
-                        <a:t>R</a:t>
-                      </a:r>
-                      <a:r>
-                        <a:rPr sz="900" b="1" spc="-25" dirty="0">
-                          <a:solidFill>
-                            <a:srgbClr val="020302"/>
-                          </a:solidFill>
-                          <a:latin typeface="Adobe Clean"/>
-                          <a:cs typeface="Adobe Clean"/>
-                        </a:rPr>
-                        <a:t>I</a:t>
-                      </a:r>
-                      <a:r>
-                        <a:rPr sz="900" b="1" spc="-15" dirty="0">
-                          <a:solidFill>
-                            <a:srgbClr val="020302"/>
-                          </a:solidFill>
-                          <a:latin typeface="Adobe Clean"/>
-                          <a:cs typeface="Adobe Clean"/>
-                        </a:rPr>
-                        <a:t>O</a:t>
-                      </a:r>
-                      <a:r>
-                        <a:rPr sz="900" b="1" spc="-20" dirty="0">
-                          <a:solidFill>
-                            <a:srgbClr val="020302"/>
-                          </a:solidFill>
-                          <a:latin typeface="Adobe Clean"/>
-                          <a:cs typeface="Adobe Clean"/>
-                        </a:rPr>
-                        <a:t>R</a:t>
-                      </a:r>
-                      <a:r>
-                        <a:rPr sz="900" b="1" spc="-25" dirty="0">
-                          <a:solidFill>
-                            <a:srgbClr val="020302"/>
-                          </a:solidFill>
-                          <a:latin typeface="Adobe Clean"/>
-                          <a:cs typeface="Adobe Clean"/>
-                        </a:rPr>
-                        <a:t>I</a:t>
-                      </a:r>
-                      <a:r>
-                        <a:rPr sz="900" b="1" spc="-15" dirty="0">
-                          <a:solidFill>
-                            <a:srgbClr val="020302"/>
-                          </a:solidFill>
-                          <a:latin typeface="Adobe Clean"/>
-                          <a:cs typeface="Adobe Clean"/>
-                        </a:rPr>
-                        <a:t>T</a:t>
-                      </a:r>
-                      <a:r>
-                        <a:rPr sz="900" b="1" dirty="0">
-                          <a:solidFill>
-                            <a:srgbClr val="020302"/>
-                          </a:solidFill>
-                          <a:latin typeface="Adobe Clean"/>
-                          <a:cs typeface="Adobe Clean"/>
-                        </a:rPr>
-                        <a:t>Y</a:t>
-                      </a:r>
-                      <a:r>
-                        <a:rPr sz="900" b="1" spc="-40" dirty="0">
-                          <a:solidFill>
-                            <a:srgbClr val="020302"/>
-                          </a:solidFill>
-                          <a:latin typeface="Adobe Clean"/>
-                          <a:cs typeface="Adobe Clean"/>
-                        </a:rPr>
-                        <a:t> </a:t>
-                      </a:r>
-                      <a:r>
-                        <a:rPr sz="900" b="1" dirty="0">
-                          <a:solidFill>
-                            <a:srgbClr val="020302"/>
-                          </a:solidFill>
-                          <a:latin typeface="Adobe Clean"/>
-                          <a:cs typeface="Adobe Clean"/>
-                        </a:rPr>
-                        <a:t>3</a:t>
-                      </a:r>
-                      <a:endParaRPr sz="900" dirty="0">
-                        <a:latin typeface="Adobe Clean"/>
-                        <a:cs typeface="Adobe Clean"/>
-                      </a:endParaRPr>
                     </a:p>
                     <a:p>
                       <a:pPr marL="49530" marR="212090" indent="-2540">
@@ -3912,45 +3449,16 @@
                         </a:spcBef>
                       </a:pPr>
                       <a:r>
-                        <a:rPr lang="en-US" sz="900" b="0" i="0" u="none" strike="noStrike" dirty="0">
+                        <a:rPr lang="it-IT" sz="900" b="0" i="0" u="none" strike="noStrike">
                           <a:solidFill>
                             <a:schemeClr val="tx1"/>
                           </a:solidFill>
-                          <a:effectLst/>
                           <a:latin typeface="Adobe Clean Light"/>
                           <a:ea typeface="+mn-ea"/>
                           <a:cs typeface="+mn-cs"/>
                         </a:rPr>
-                        <a:t>Customer's business </a:t>
+                        <a:t>Le funzioni operative del cliente sono interessate da deterioramento lieve dei servizi (o nessun deterioramento), tuttavia è possibile procedere mediante una soluzione temporanea </a:t>
                       </a:r>
-                      <a:r>
-                        <a:rPr lang="en-US" sz="900" b="0" i="0" u="none" strike="noStrike">
-                          <a:solidFill>
-                            <a:schemeClr val="tx1"/>
-                          </a:solidFill>
-                          <a:effectLst/>
-                          <a:latin typeface="Adobe Clean Light"/>
-                          <a:ea typeface="+mn-ea"/>
-                          <a:cs typeface="+mn-cs"/>
-                        </a:rPr>
-                        <a:t>functions have </a:t>
-                      </a:r>
-                      <a:r>
-                        <a:rPr lang="en-US" sz="900" b="0" i="0" u="none" strike="noStrike" dirty="0">
-                          <a:solidFill>
-                            <a:schemeClr val="tx1"/>
-                          </a:solidFill>
-                          <a:effectLst/>
-                          <a:latin typeface="Adobe Clean Light"/>
-                          <a:ea typeface="+mn-ea"/>
-                          <a:cs typeface="+mn-cs"/>
-                        </a:rPr>
-                        <a:t>minor to no degradation of services with a solution/workaround allowing business functions to continue </a:t>
-                      </a:r>
-                      <a:endParaRPr lang="en-US" sz="900" b="0" i="0" dirty="0">
-                        <a:latin typeface="Adobe Clean Light"/>
-                        <a:cs typeface="AdobeClean-Light"/>
-                      </a:endParaRPr>
                     </a:p>
                   </a:txBody>
                   <a:tcPr marL="0" marR="0" marT="0" marB="0" anchor="ctr">
@@ -3990,14 +3498,13 @@
                     <a:p>
                       <a:pPr algn="ctr" fontAlgn="ctr"/>
                       <a:r>
-                        <a:rPr lang="en-US" sz="900" b="0" i="0" u="none" strike="noStrike" dirty="0">
+                        <a:rPr lang="it-IT" sz="900" b="0" i="0" u="none" strike="noStrike">
                           <a:solidFill>
                             <a:srgbClr val="020302"/>
                           </a:solidFill>
-                          <a:effectLst/>
                           <a:latin typeface="AdobeClean-Light" panose="020B0503020404020204" pitchFamily="34" charset="0"/>
                         </a:rPr>
-                        <a:t>Business hours / 6 hours</a:t>
+                        <a:t>Orario operativo/6 ore</a:t>
                       </a:r>
                     </a:p>
                   </a:txBody>
@@ -4038,14 +3545,13 @@
                     <a:p>
                       <a:pPr algn="ctr" fontAlgn="ctr"/>
                       <a:r>
-                        <a:rPr lang="en-US" sz="900" b="0" i="0" u="none" strike="noStrike" dirty="0">
+                        <a:rPr lang="it-IT" sz="900" b="0" i="0" u="none" strike="noStrike">
                           <a:solidFill>
                             <a:srgbClr val="020302"/>
                           </a:solidFill>
-                          <a:effectLst/>
-                          <a:latin typeface="AdobeClean-Light"/>
+                          <a:latin typeface="AdobeClean-Light" panose="020B0503020404020204" pitchFamily="34" charset="0"/>
                         </a:rPr>
-                        <a:t>Business hours / 2 hours</a:t>
+                        <a:t>Orario operativo/2 ore</a:t>
                       </a:r>
                     </a:p>
                   </a:txBody>
@@ -4108,109 +3614,15 @@
                         </a:spcBef>
                       </a:pPr>
                       <a:r>
-                        <a:rPr sz="900" b="1" spc="-15" dirty="0">
+                        <a:rPr lang="it-IT" sz="900" b="1">
                           <a:solidFill>
                             <a:srgbClr val="020302"/>
                           </a:solidFill>
                           <a:latin typeface="Adobe Clean"/>
                           <a:cs typeface="Adobe Clean"/>
                         </a:rPr>
-                        <a:t>P</a:t>
+                        <a:t>PRIORITÀ 4 (P4)</a:t>
                       </a:r>
-                      <a:r>
-                        <a:rPr sz="900" b="1" spc="-20" dirty="0">
-                          <a:solidFill>
-                            <a:srgbClr val="020302"/>
-                          </a:solidFill>
-                          <a:latin typeface="Adobe Clean"/>
-                          <a:cs typeface="Adobe Clean"/>
-                        </a:rPr>
-                        <a:t>R</a:t>
-                      </a:r>
-                      <a:r>
-                        <a:rPr sz="900" b="1" spc="-25" dirty="0">
-                          <a:solidFill>
-                            <a:srgbClr val="020302"/>
-                          </a:solidFill>
-                          <a:latin typeface="Adobe Clean"/>
-                          <a:cs typeface="Adobe Clean"/>
-                        </a:rPr>
-                        <a:t>I</a:t>
-                      </a:r>
-                      <a:r>
-                        <a:rPr sz="900" b="1" spc="-15" dirty="0">
-                          <a:solidFill>
-                            <a:srgbClr val="020302"/>
-                          </a:solidFill>
-                          <a:latin typeface="Adobe Clean"/>
-                          <a:cs typeface="Adobe Clean"/>
-                        </a:rPr>
-                        <a:t>O</a:t>
-                      </a:r>
-                      <a:r>
-                        <a:rPr sz="900" b="1" spc="-20" dirty="0">
-                          <a:solidFill>
-                            <a:srgbClr val="020302"/>
-                          </a:solidFill>
-                          <a:latin typeface="Adobe Clean"/>
-                          <a:cs typeface="Adobe Clean"/>
-                        </a:rPr>
-                        <a:t>R</a:t>
-                      </a:r>
-                      <a:r>
-                        <a:rPr sz="900" b="1" spc="-25" dirty="0">
-                          <a:solidFill>
-                            <a:srgbClr val="020302"/>
-                          </a:solidFill>
-                          <a:latin typeface="Adobe Clean"/>
-                          <a:cs typeface="Adobe Clean"/>
-                        </a:rPr>
-                        <a:t>I</a:t>
-                      </a:r>
-                      <a:r>
-                        <a:rPr sz="900" b="1" spc="-15" dirty="0">
-                          <a:solidFill>
-                            <a:srgbClr val="020302"/>
-                          </a:solidFill>
-                          <a:latin typeface="Adobe Clean"/>
-                          <a:cs typeface="Adobe Clean"/>
-                        </a:rPr>
-                        <a:t>T</a:t>
-                      </a:r>
-                      <a:r>
-                        <a:rPr sz="900" b="1" dirty="0">
-                          <a:solidFill>
-                            <a:srgbClr val="020302"/>
-                          </a:solidFill>
-                          <a:latin typeface="Adobe Clean"/>
-                          <a:cs typeface="Adobe Clean"/>
-                        </a:rPr>
-                        <a:t>Y</a:t>
-                      </a:r>
-                      <a:r>
-                        <a:rPr sz="900" b="1" spc="-40" dirty="0">
-                          <a:solidFill>
-                            <a:srgbClr val="020302"/>
-                          </a:solidFill>
-                          <a:latin typeface="Adobe Clean"/>
-                          <a:cs typeface="Adobe Clean"/>
-                        </a:rPr>
-                        <a:t> </a:t>
-                      </a:r>
-                      <a:r>
-                        <a:rPr sz="900" b="1" dirty="0">
-                          <a:solidFill>
-                            <a:srgbClr val="020302"/>
-                          </a:solidFill>
-                          <a:latin typeface="Adobe Clean"/>
-                          <a:cs typeface="Adobe Clean"/>
-                        </a:rPr>
-                        <a:t>4</a:t>
-                      </a:r>
-                      <a:endParaRPr sz="900" dirty="0">
-                        <a:latin typeface="Adobe Clean"/>
-                        <a:cs typeface="Adobe Clean"/>
-                      </a:endParaRPr>
                     </a:p>
                     <a:p>
                       <a:pPr marL="49530">
@@ -4222,31 +3634,27 @@
                         </a:spcBef>
                       </a:pPr>
                       <a:r>
-                        <a:rPr lang="en-US" sz="900" b="1" spc="-90" dirty="0">
+                        <a:rPr lang="it-IT" sz="900" b="1">
                           <a:solidFill>
                             <a:srgbClr val="020302"/>
                           </a:solidFill>
                           <a:latin typeface="Adobe Clean"/>
+                          <a:ea typeface="+mn-ea"/>
                           <a:cs typeface="+mn-cs"/>
                         </a:rPr>
                         <a:t> </a:t>
                       </a:r>
                       <a:r>
-                        <a:rPr lang="en-US" sz="900" b="0" i="0" u="none" strike="noStrike" dirty="0">
+                        <a:rPr lang="it-IT" sz="900" b="0" i="0" u="none" strike="noStrike">
                           <a:solidFill>
                             <a:schemeClr val="tx1"/>
                           </a:solidFill>
-                          <a:effectLst/>
                           <a:latin typeface="Adobe Clean Light"/>
                           <a:ea typeface="+mn-ea"/>
                           <a:cs typeface="+mn-cs"/>
                         </a:rPr>
-                        <a:t>General question regarding current product functionality or an enhancement request</a:t>
+                        <a:t>Domande generali sulle attuali funzionalità del prodotto o su una richiesta di miglioramento</a:t>
                       </a:r>
-                      <a:endParaRPr lang="en-US" sz="900" b="0" i="0" dirty="0">
-                        <a:latin typeface="Adobe Clean Light"/>
-                        <a:cs typeface="AdobeClean-Light"/>
-                      </a:endParaRPr>
                     </a:p>
                   </a:txBody>
                   <a:tcPr marL="0" marR="0" marT="0" marB="0" anchor="ctr">
@@ -4286,14 +3694,13 @@
                     <a:p>
                       <a:pPr algn="ctr" fontAlgn="ctr"/>
                       <a:r>
-                        <a:rPr lang="en-US" sz="900" b="0" i="0" u="none" strike="noStrike" dirty="0">
+                        <a:rPr lang="it-IT" sz="900" b="0" i="0" u="none" strike="noStrike">
                           <a:solidFill>
                             <a:srgbClr val="020302"/>
                           </a:solidFill>
-                          <a:effectLst/>
                           <a:latin typeface="AdobeClean-Light" panose="020B0503020404020204" pitchFamily="34" charset="0"/>
                         </a:rPr>
-                        <a:t>Business days / 3 days</a:t>
+                        <a:t>Giorni lavorativi/3 giorni</a:t>
                       </a:r>
                     </a:p>
                   </a:txBody>
@@ -4334,14 +3741,13 @@
                     <a:p>
                       <a:pPr algn="ctr" fontAlgn="ctr"/>
                       <a:r>
-                        <a:rPr lang="en-US" sz="900" b="0" i="0" u="none" strike="noStrike" dirty="0">
+                        <a:rPr lang="it-IT" sz="900" b="0" i="0" u="none" strike="noStrike" dirty="0">
                           <a:solidFill>
                             <a:srgbClr val="020302"/>
                           </a:solidFill>
-                          <a:effectLst/>
                           <a:latin typeface="AdobeClean-Light" panose="020B0503020404020204" pitchFamily="34" charset="0"/>
                         </a:rPr>
-                        <a:t>Business days / 1 day</a:t>
+                        <a:t>Giorni lavorativi/1 giorno</a:t>
                       </a:r>
                     </a:p>
                   </a:txBody>
@@ -4449,40 +3855,8 @@
               </a:spcBef>
             </a:pPr>
             <a:r>
-              <a:rPr spc="-10"/>
-              <a:t>©202</a:t>
-            </a:r>
-            <a:r>
-              <a:rPr lang="en-US" spc="-10"/>
-              <a:t>1</a:t>
-            </a:r>
-            <a:r>
-              <a:rPr spc="-5"/>
-              <a:t> Adobe. All</a:t>
-            </a:r>
-            <a:r>
-              <a:rPr spc="-10"/>
-              <a:t> Rights</a:t>
-            </a:r>
-            <a:r>
-              <a:rPr spc="-5"/>
-              <a:t> </a:t>
-            </a:r>
-            <a:r>
-              <a:rPr spc="-10"/>
-              <a:t>Reserved.</a:t>
-            </a:r>
-            <a:r>
-              <a:rPr spc="-5"/>
-              <a:t> Adobe</a:t>
-            </a:r>
-            <a:r>
-              <a:rPr spc="60"/>
-              <a:t> </a:t>
-            </a:r>
-            <a:r>
-              <a:rPr spc="-10"/>
-              <a:t>Confidential.</a:t>
+              <a:rPr lang="it-IT"/>
+              <a:t>©2021 Adobe. All Rights Reserved. Adobe Confidential.</a:t>
             </a:r>
           </a:p>
         </p:txBody>
@@ -4516,7 +3890,7 @@
           <a:lstStyle/>
           <a:p>
             <a:r>
-              <a:rPr lang="en-US" sz="700" i="1">
+              <a:rPr lang="it-IT" sz="700" i="1">
                 <a:solidFill>
                   <a:schemeClr val="bg1"/>
                 </a:solidFill>
@@ -4541,7 +3915,7 @@
         <p:spPr>
           <a:xfrm>
             <a:off x="146919" y="756605"/>
-            <a:ext cx="6035427" cy="1243417"/>
+            <a:ext cx="6035427" cy="1090940"/>
           </a:xfrm>
           <a:prstGeom prst="rect">
             <a:avLst/>
@@ -4562,7 +3936,7 @@
               </a:spcBef>
             </a:pPr>
             <a:r>
-              <a:rPr lang="en-US" sz="1200" dirty="0">
+              <a:rPr lang="it-IT" sz="1200" dirty="0">
                 <a:solidFill>
                   <a:schemeClr val="bg1"/>
                 </a:solidFill>
@@ -4571,7 +3945,7 @@
               <a:t>Online | Business |</a:t>
             </a:r>
             <a:r>
-              <a:rPr lang="en-US" sz="1200" b="1" dirty="0">
+              <a:rPr lang="it-IT" sz="1200" b="1" dirty="0">
                 <a:solidFill>
                   <a:schemeClr val="bg1"/>
                 </a:solidFill>
@@ -4580,15 +3954,16 @@
               <a:t> </a:t>
             </a:r>
             <a:r>
-              <a:rPr lang="en-US" sz="1200" b="1" dirty="0">
+              <a:rPr lang="it-IT" sz="1200" b="1" dirty="0">
                 <a:solidFill>
                   <a:schemeClr val="bg1"/>
                 </a:solidFill>
+                <a:latin typeface="Adobe Clean" panose="020B0503020404020204" pitchFamily="34" charset="0"/>
               </a:rPr>
               <a:t>Enterprise</a:t>
             </a:r>
             <a:r>
-              <a:rPr lang="en-US" sz="1200" b="1" dirty="0">
+              <a:rPr lang="it-IT" sz="1200" b="1" dirty="0">
                 <a:solidFill>
                   <a:schemeClr val="bg1"/>
                 </a:solidFill>
@@ -4597,7 +3972,7 @@
               <a:t> </a:t>
             </a:r>
             <a:r>
-              <a:rPr lang="en-US" sz="1200" dirty="0">
+              <a:rPr lang="it-IT" sz="1200" dirty="0">
                 <a:solidFill>
                   <a:schemeClr val="bg1"/>
                 </a:solidFill>
@@ -4606,7 +3981,7 @@
               <a:t>| Elite</a:t>
             </a:r>
             <a:br>
-              <a:rPr lang="en-US" sz="900" dirty="0">
+              <a:rPr lang="it-IT" sz="900" dirty="0">
                 <a:solidFill>
                   <a:schemeClr val="bg1"/>
                 </a:solidFill>
@@ -4614,21 +3989,90 @@
               </a:rPr>
             </a:br>
             <a:r>
-              <a:rPr lang="en-US" sz="900" dirty="0">
+              <a:rPr lang="it-IT" sz="900" dirty="0">
                 <a:solidFill>
                   <a:schemeClr val="bg1"/>
                 </a:solidFill>
+              </a:rPr>
+              <a:t>Il supporto </a:t>
+            </a:r>
+            <a:r>
+              <a:rPr lang="it-IT" sz="900" dirty="0">
+                <a:solidFill>
+                  <a:schemeClr val="bg1"/>
+                </a:solidFill>
                 <a:latin typeface="Adobe Clean SemiLight" panose="020B0403020404020204" pitchFamily="34" charset="0"/>
               </a:rPr>
-              <a:t>ENTERPRISE support includes access to personalized learning paths and monitored community forums via the Adobe Experience League. You can also take advantage of our detailed and in-depth technical product documentation and current release notes. ENTERPRISE customers will also be provided with a Named Support Engineer who acts as your designated technical contact in the Adobe Support Team. With deep experience in your designated Experience Cloud solution, your support team will work in partnership with you and your technical teams to ensure timely resolution of all support requests. Your support team can also help coordinate and arrange delivery of the additional ENTERPRISE benefits ensuring minimal disruption to your business at the most critical time. </a:t>
-            </a:r>
-            <a:endParaRPr lang="en-US" sz="900" dirty="0">
-              <a:solidFill>
-                <a:schemeClr val="bg1"/>
-              </a:solidFill>
-              <a:latin typeface="Adobe Clean Light" panose="020B0303020404020204" pitchFamily="34" charset="0"/>
-              <a:cs typeface="AdobeClean-Light"/>
-            </a:endParaRPr>
+              <a:t>ENTERPRISE include l’accesso a percorsi di apprendimento personalizzati e forum della community monitorati tramite Adobe Experience League. Puoi inoltre usufruire di documentazione tecnica dettagliata e note sulla versione sempre aggiornate. </a:t>
+            </a:r>
+            <a:br>
+              <a:rPr lang="it-IT" sz="900" dirty="0">
+                <a:solidFill>
+                  <a:schemeClr val="bg1"/>
+                </a:solidFill>
+                <a:latin typeface="Adobe Clean SemiLight" panose="020B0403020404020204" pitchFamily="34" charset="0"/>
+              </a:rPr>
+            </a:br>
+            <a:r>
+              <a:rPr lang="it-IT" sz="900" dirty="0">
+                <a:solidFill>
+                  <a:schemeClr val="bg1"/>
+                </a:solidFill>
+                <a:latin typeface="Adobe Clean SemiLight" panose="020B0403020404020204" pitchFamily="34" charset="0"/>
+              </a:rPr>
+              <a:t>Ai clienti ENTERPRISE viene assegnato un Named Support Engineer che sarà il tuo contatto tecnico di riferimento all’interno</a:t>
+            </a:r>
+            <a:br>
+              <a:rPr lang="it-IT" sz="900" dirty="0">
+                <a:solidFill>
+                  <a:schemeClr val="bg1"/>
+                </a:solidFill>
+                <a:latin typeface="Adobe Clean SemiLight" panose="020B0403020404020204" pitchFamily="34" charset="0"/>
+              </a:rPr>
+            </a:br>
+            <a:r>
+              <a:rPr lang="it-IT" sz="900" dirty="0">
+                <a:solidFill>
+                  <a:schemeClr val="bg1"/>
+                </a:solidFill>
+                <a:latin typeface="Adobe Clean SemiLight" panose="020B0403020404020204" pitchFamily="34" charset="0"/>
+              </a:rPr>
+              <a:t>del team Adobe Support. Conoscendo a fondo le tue specifiche soluzioni Experience Cloud, il team Adobe Support affiancherà </a:t>
+            </a:r>
+            <a:br>
+              <a:rPr lang="it-IT" sz="900" dirty="0">
+                <a:solidFill>
+                  <a:schemeClr val="bg1"/>
+                </a:solidFill>
+                <a:latin typeface="Adobe Clean SemiLight" panose="020B0403020404020204" pitchFamily="34" charset="0"/>
+              </a:rPr>
+            </a:br>
+            <a:r>
+              <a:rPr lang="it-IT" sz="900" dirty="0">
+                <a:solidFill>
+                  <a:schemeClr val="bg1"/>
+                </a:solidFill>
+                <a:latin typeface="Adobe Clean SemiLight" panose="020B0403020404020204" pitchFamily="34" charset="0"/>
+              </a:rPr>
+              <a:t>i tuoi team tecnici per garantire la rapida risoluzione di tutte le richieste di supporto. Inoltre, può assistere nel coordinare </a:t>
+            </a:r>
+            <a:br>
+              <a:rPr lang="it-IT" sz="900" dirty="0">
+                <a:solidFill>
+                  <a:schemeClr val="bg1"/>
+                </a:solidFill>
+                <a:latin typeface="Adobe Clean SemiLight" panose="020B0403020404020204" pitchFamily="34" charset="0"/>
+              </a:rPr>
+            </a:br>
+            <a:r>
+              <a:rPr lang="it-IT" sz="900" dirty="0">
+                <a:solidFill>
+                  <a:schemeClr val="bg1"/>
+                </a:solidFill>
+                <a:latin typeface="Adobe Clean SemiLight" panose="020B0403020404020204" pitchFamily="34" charset="0"/>
+              </a:rPr>
+              <a:t>l’erogazione di ulteriori benefici ENTERPRISE, riducendo al minimo il disagio nei momenti più critici. </a:t>
+            </a:r>
           </a:p>
         </p:txBody>
       </p:sp>
@@ -4647,14 +4091,14 @@
           <p:nvPr>
             <p:extLst>
               <p:ext uri="{D42A27DB-BD31-4B8C-83A1-F6EECF244321}">
-                <p14:modId xmlns:p14="http://schemas.microsoft.com/office/powerpoint/2010/main" val="2813555721"/>
+                <p14:modId xmlns:p14="http://schemas.microsoft.com/office/powerpoint/2010/main" val="220313572"/>
               </p:ext>
             </p:extLst>
           </p:nvPr>
         </p:nvGraphicFramePr>
         <p:xfrm>
           <a:off x="125148" y="2159576"/>
-          <a:ext cx="7498851" cy="4675190"/>
+          <a:ext cx="7498851" cy="4776202"/>
         </p:xfrm>
         <a:graphic>
           <a:graphicData uri="http://schemas.openxmlformats.org/drawingml/2006/table">
@@ -4736,19 +4180,15 @@
                         <a:defRPr/>
                       </a:pPr>
                       <a:r>
-                        <a:rPr lang="en-US" sz="900" spc="0">
+                        <a:rPr lang="it-IT" sz="900">
                           <a:solidFill>
                             <a:srgbClr val="404040"/>
                           </a:solidFill>
                           <a:latin typeface="Adobe Clean"/>
                           <a:cs typeface="Adobe Clean"/>
                         </a:rPr>
-                        <a:t>Online  Support</a:t>
+                        <a:t>Supporto Online</a:t>
                       </a:r>
-                      <a:endParaRPr lang="en-US" sz="900" spc="0">
-                        <a:latin typeface="Adobe Clean"/>
-                        <a:cs typeface="Adobe Clean"/>
-                      </a:endParaRPr>
                     </a:p>
                   </a:txBody>
                   <a:tcPr marL="0" marR="0" marT="7620" marB="0" anchor="ctr">
@@ -4789,29 +4229,15 @@
                         </a:spcBef>
                       </a:pPr>
                       <a:r>
-                        <a:rPr lang="en-US" sz="900" spc="0">
+                        <a:rPr lang="it-IT" sz="900">
                           <a:solidFill>
                             <a:srgbClr val="FFFFFF"/>
                           </a:solidFill>
                           <a:latin typeface="Adobe Clean"/>
                           <a:cs typeface="Adobe Clean"/>
                         </a:rPr>
-                        <a:t>Enterprise </a:t>
+                        <a:t>Supporto Enterprise</a:t>
                       </a:r>
-                      <a:r>
-                        <a:rPr sz="900" spc="0">
-                          <a:solidFill>
-                            <a:srgbClr val="FFFFFF"/>
-                          </a:solidFill>
-                          <a:latin typeface="Adobe Clean"/>
-                          <a:cs typeface="Adobe Clean"/>
-                        </a:rPr>
-                        <a:t>Support</a:t>
-                      </a:r>
-                      <a:endParaRPr sz="900" spc="0">
-                        <a:latin typeface="Adobe Clean"/>
-                        <a:cs typeface="Adobe Clean"/>
-                      </a:endParaRPr>
                     </a:p>
                   </a:txBody>
                   <a:tcPr marL="0" marR="0" marT="7620" marB="0" anchor="ctr">
@@ -4879,7 +4305,7 @@
                     <a:bodyPr/>
                     <a:lstStyle/>
                     <a:p>
-                      <a:pPr marL="0" marR="0" lvl="0" indent="0" algn="ctr" defTabSz="914400" eaLnBrk="1" fontAlgn="auto" latinLnBrk="0" hangingPunct="1">
+                      <a:pPr marL="0" marR="0" lvl="0" indent="0" algn="l" defTabSz="914400" rtl="0" eaLnBrk="1" fontAlgn="auto" latinLnBrk="0" hangingPunct="1">
                         <a:lnSpc>
                           <a:spcPct val="100000"/>
                         </a:lnSpc>
@@ -4960,13 +4386,13 @@
                         <a:defRPr/>
                       </a:pPr>
                       <a:r>
-                        <a:rPr lang="en-US" sz="800" i="1">
+                        <a:rPr lang="it-IT" sz="800" i="1">
                           <a:solidFill>
                             <a:schemeClr val="bg1"/>
                           </a:solidFill>
                           <a:latin typeface="Adobe Clean Light" panose="020B0303020404020204" pitchFamily="34" charset="0"/>
                         </a:rPr>
-                        <a:t>Paid Support ($)</a:t>
+                        <a:t>Supporto a pagamento ($)</a:t>
                       </a:r>
                     </a:p>
                   </a:txBody>
@@ -5030,22 +4456,15 @@
                         </a:spcBef>
                       </a:pPr>
                       <a:r>
-                        <a:rPr lang="en-US" sz="1000" b="1" i="0" spc="0">
+                        <a:rPr lang="it-IT" sz="1000" b="1" i="0">
                           <a:solidFill>
                             <a:schemeClr val="bg1"/>
                           </a:solidFill>
                           <a:latin typeface="Adobe Clean" panose="020B0503020404020204" pitchFamily="34" charset="0"/>
                           <a:cs typeface="AdobeClean-Light"/>
                         </a:rPr>
-                        <a:t>Assigned Experts</a:t>
+                        <a:t>Esperti assegnati</a:t>
                       </a:r>
-                      <a:endParaRPr sz="1000" b="1" i="0" spc="0">
-                        <a:solidFill>
-                          <a:schemeClr val="bg1"/>
-                        </a:solidFill>
-                        <a:latin typeface="Adobe Clean" panose="020B0503020404020204" pitchFamily="34" charset="0"/>
-                        <a:cs typeface="AdobeClean-Light"/>
-                      </a:endParaRPr>
                     </a:p>
                   </a:txBody>
                   <a:tcPr marL="0" marR="0" marT="58419" marB="0" anchor="ctr">
@@ -5092,7 +4511,7 @@
                         </a:spcBef>
                       </a:pPr>
                       <a:r>
-                        <a:rPr sz="900" spc="0">
+                        <a:rPr lang="it-IT" sz="900">
                           <a:solidFill>
                             <a:srgbClr val="020302"/>
                           </a:solidFill>
@@ -5101,10 +4520,6 @@
                         </a:rPr>
                         <a:t>Account Support Lead</a:t>
                       </a:r>
-                      <a:endParaRPr sz="900" spc="0">
-                        <a:latin typeface="AdobeClean-Light"/>
-                        <a:cs typeface="AdobeClean-Light"/>
-                      </a:endParaRPr>
                     </a:p>
                   </a:txBody>
                   <a:tcPr marL="0" marR="0" marT="58419" marB="0">
@@ -5139,7 +4554,7 @@
                     <a:bodyPr/>
                     <a:lstStyle/>
                     <a:p>
-                      <a:pPr algn="ctr">
+                      <a:pPr algn="l" rtl="0">
                         <a:lnSpc>
                           <a:spcPct val="100000"/>
                         </a:lnSpc>
@@ -5180,7 +4595,7 @@
                     <a:bodyPr/>
                     <a:lstStyle/>
                     <a:p>
-                      <a:pPr algn="ctr">
+                      <a:pPr algn="l" rtl="0">
                         <a:lnSpc>
                           <a:spcPct val="100000"/>
                         </a:lnSpc>
@@ -5223,7 +4638,7 @@
                     <a:bodyPr/>
                     <a:lstStyle/>
                     <a:p>
-                      <a:pPr marL="50800">
+                      <a:pPr marL="50800" algn="l" rtl="0">
                         <a:lnSpc>
                           <a:spcPct val="100000"/>
                         </a:lnSpc>
@@ -5269,7 +4684,7 @@
                         </a:spcBef>
                       </a:pPr>
                       <a:r>
-                        <a:rPr sz="900" spc="0">
+                        <a:rPr lang="it-IT" sz="900">
                           <a:solidFill>
                             <a:srgbClr val="020302"/>
                           </a:solidFill>
@@ -5278,10 +4693,6 @@
                         </a:rPr>
                         <a:t>Named Support Engineer</a:t>
                       </a:r>
-                      <a:endParaRPr sz="900" spc="0">
-                        <a:latin typeface="AdobeClean-Light"/>
-                        <a:cs typeface="AdobeClean-Light"/>
-                      </a:endParaRPr>
                     </a:p>
                   </a:txBody>
                   <a:tcPr marL="0" marR="0" marT="58419" marB="0">
@@ -5304,7 +4715,7 @@
                     <a:bodyPr/>
                     <a:lstStyle/>
                     <a:p>
-                      <a:pPr algn="ctr">
+                      <a:pPr algn="l" rtl="0">
                         <a:lnSpc>
                           <a:spcPct val="100000"/>
                         </a:lnSpc>
@@ -5351,7 +4762,7 @@
                         <a:defRPr/>
                       </a:pPr>
                       <a:r>
-                        <a:rPr lang="en-US" sz="900">
+                        <a:rPr lang="it-IT" sz="900">
                           <a:solidFill>
                             <a:srgbClr val="020302"/>
                           </a:solidFill>
@@ -5360,10 +4771,6 @@
                         </a:rPr>
                         <a:t></a:t>
                       </a:r>
-                      <a:endParaRPr lang="en-US" sz="900">
-                        <a:latin typeface="Wingdings"/>
-                        <a:cs typeface="Wingdings"/>
-                      </a:endParaRPr>
                     </a:p>
                   </a:txBody>
                   <a:tcPr marL="0" marR="0" marT="0" marB="0" anchor="ctr">
@@ -5386,7 +4793,7 @@
                     <a:bodyPr/>
                     <a:lstStyle/>
                     <a:p>
-                      <a:pPr marL="50800">
+                      <a:pPr marL="50800" algn="l" rtl="0">
                         <a:lnSpc>
                           <a:spcPct val="100000"/>
                         </a:lnSpc>
@@ -5444,7 +4851,7 @@
                         </a:spcBef>
                       </a:pPr>
                       <a:r>
-                        <a:rPr sz="900" spc="0">
+                        <a:rPr lang="it-IT" sz="900">
                           <a:solidFill>
                             <a:srgbClr val="020302"/>
                           </a:solidFill>
@@ -5453,10 +4860,6 @@
                         </a:rPr>
                         <a:t>Technical Account Manager</a:t>
                       </a:r>
-                      <a:endParaRPr sz="900" spc="0">
-                        <a:latin typeface="AdobeClean-Light"/>
-                        <a:cs typeface="AdobeClean-Light"/>
-                      </a:endParaRPr>
                     </a:p>
                   </a:txBody>
                   <a:tcPr marL="0" marR="0" marT="63500" marB="0">
@@ -5485,7 +4888,7 @@
                     <a:bodyPr/>
                     <a:lstStyle/>
                     <a:p>
-                      <a:pPr algn="ctr">
+                      <a:pPr algn="l" rtl="0">
                         <a:lnSpc>
                           <a:spcPct val="100000"/>
                         </a:lnSpc>
@@ -5523,7 +4926,7 @@
                     <a:bodyPr/>
                     <a:lstStyle/>
                     <a:p>
-                      <a:pPr algn="ctr">
+                      <a:pPr algn="l" rtl="0">
                         <a:lnSpc>
                           <a:spcPct val="100000"/>
                         </a:lnSpc>
@@ -5574,22 +4977,15 @@
                         </a:spcBef>
                       </a:pPr>
                       <a:r>
-                        <a:rPr lang="en-US" sz="1000" b="1" i="0" spc="0">
+                        <a:rPr lang="it-IT" sz="1000" b="1" i="0">
                           <a:solidFill>
                             <a:schemeClr val="bg1"/>
                           </a:solidFill>
                           <a:latin typeface="Adobe Clean" panose="020B0503020404020204" pitchFamily="34" charset="0"/>
                           <a:cs typeface="AdobeClean-Light"/>
                         </a:rPr>
-                        <a:t>Support Services</a:t>
+                        <a:t>Servizi di assistenza</a:t>
                       </a:r>
-                      <a:endParaRPr sz="1000" b="1" i="0" spc="0">
-                        <a:solidFill>
-                          <a:schemeClr val="bg1"/>
-                        </a:solidFill>
-                        <a:latin typeface="Adobe Clean" panose="020B0503020404020204" pitchFamily="34" charset="0"/>
-                        <a:cs typeface="AdobeClean-Light"/>
-                      </a:endParaRPr>
                     </a:p>
                   </a:txBody>
                   <a:tcPr marL="0" marR="0" marT="57150" marB="0" anchor="ctr">
@@ -5645,29 +5041,15 @@
                         </a:spcBef>
                       </a:pPr>
                       <a:r>
-                        <a:rPr lang="en-US" sz="900" spc="0">
+                        <a:rPr lang="it-IT" sz="900">
                           <a:solidFill>
                             <a:srgbClr val="020302"/>
                           </a:solidFill>
                           <a:latin typeface="AdobeClean-Light"/>
                           <a:cs typeface="AdobeClean-Light"/>
                         </a:rPr>
-                        <a:t>Online</a:t>
+                        <a:t>Supporto Online</a:t>
                       </a:r>
-                      <a:r>
-                        <a:rPr sz="900" spc="0">
-                          <a:solidFill>
-                            <a:srgbClr val="020302"/>
-                          </a:solidFill>
-                          <a:latin typeface="AdobeClean-Light"/>
-                          <a:cs typeface="AdobeClean-Light"/>
-                        </a:rPr>
-                        <a:t> Support</a:t>
-                      </a:r>
-                      <a:endParaRPr sz="900" spc="0">
-                        <a:latin typeface="AdobeClean-Light"/>
-                        <a:cs typeface="AdobeClean-Light"/>
-                      </a:endParaRPr>
                     </a:p>
                   </a:txBody>
                   <a:tcPr marL="0" marR="0" marT="57150" marB="0">
@@ -5705,39 +5087,15 @@
                         </a:spcBef>
                       </a:pPr>
                       <a:r>
-                        <a:rPr sz="900" spc="-25">
+                        <a:rPr lang="it-IT" sz="900">
                           <a:solidFill>
                             <a:srgbClr val="020302"/>
                           </a:solidFill>
                           <a:latin typeface="AdobeClean-Light"/>
                           <a:cs typeface="AdobeClean-Light"/>
                         </a:rPr>
-                        <a:t>Business</a:t>
+                        <a:t>Orario operativo</a:t>
                       </a:r>
-                      <a:r>
-                        <a:rPr sz="900" spc="-15">
-                          <a:solidFill>
-                            <a:srgbClr val="020302"/>
-                          </a:solidFill>
-                          <a:latin typeface="AdobeClean-Light"/>
-                          <a:cs typeface="AdobeClean-Light"/>
-                        </a:rPr>
-                        <a:t> </a:t>
-                      </a:r>
-                      <a:r>
-                        <a:rPr sz="900" spc="-30">
-                          <a:solidFill>
-                            <a:srgbClr val="020302"/>
-                          </a:solidFill>
-                          <a:latin typeface="AdobeClean-Light"/>
-                          <a:cs typeface="AdobeClean-Light"/>
-                        </a:rPr>
-                        <a:t>hours</a:t>
-                      </a:r>
-                      <a:endParaRPr sz="900">
-                        <a:latin typeface="AdobeClean-Light"/>
-                        <a:cs typeface="AdobeClean-Light"/>
-                      </a:endParaRPr>
                     </a:p>
                   </a:txBody>
                   <a:tcPr marL="0" marR="0" marT="67945" marB="0">
@@ -5776,7 +5134,7 @@
                         </a:spcBef>
                       </a:pPr>
                       <a:r>
-                        <a:rPr lang="en-US" sz="900" spc="-25">
+                        <a:rPr lang="it-IT" sz="900">
                           <a:solidFill>
                             <a:srgbClr val="020302"/>
                           </a:solidFill>
@@ -5785,10 +5143,6 @@
                         </a:rPr>
                         <a:t>24x5</a:t>
                       </a:r>
-                      <a:endParaRPr sz="900">
-                        <a:latin typeface="AdobeClean-Light"/>
-                        <a:cs typeface="AdobeClean-Light"/>
-                      </a:endParaRPr>
                     </a:p>
                   </a:txBody>
                   <a:tcPr marL="0" marR="0" marT="67945" marB="0">
@@ -5822,7 +5176,7 @@
                     <a:bodyPr/>
                     <a:lstStyle/>
                     <a:p>
-                      <a:pPr marL="50800">
+                      <a:pPr marL="50800" algn="l" rtl="0">
                         <a:lnSpc>
                           <a:spcPct val="100000"/>
                         </a:lnSpc>
@@ -5871,39 +5225,15 @@
                         </a:spcBef>
                       </a:pPr>
                       <a:r>
-                        <a:rPr sz="900" spc="0">
+                        <a:rPr lang="it-IT" sz="900">
                           <a:solidFill>
                             <a:srgbClr val="020302"/>
                           </a:solidFill>
                           <a:latin typeface="AdobeClean-Light"/>
                           <a:cs typeface="AdobeClean-Light"/>
                         </a:rPr>
-                        <a:t>24x7</a:t>
+                        <a:t>Supporto per problemi P1 24x7x365</a:t>
                       </a:r>
-                      <a:r>
-                        <a:rPr lang="en-US" sz="900" spc="0">
-                          <a:solidFill>
-                            <a:srgbClr val="020302"/>
-                          </a:solidFill>
-                          <a:latin typeface="AdobeClean-Light"/>
-                          <a:cs typeface="AdobeClean-Light"/>
-                        </a:rPr>
-                        <a:t>x365</a:t>
-                      </a:r>
-                      <a:r>
-                        <a:rPr sz="900" spc="0">
-                          <a:solidFill>
-                            <a:srgbClr val="020302"/>
-                          </a:solidFill>
-                          <a:latin typeface="AdobeClean-Light"/>
-                          <a:cs typeface="AdobeClean-Light"/>
-                        </a:rPr>
-                        <a:t> P1 Issue Support</a:t>
-                      </a:r>
-                      <a:endParaRPr sz="900" spc="0">
-                        <a:latin typeface="AdobeClean-Light"/>
-                        <a:cs typeface="AdobeClean-Light"/>
-                      </a:endParaRPr>
                     </a:p>
                   </a:txBody>
                   <a:tcPr marL="0" marR="0" marT="57785" marB="0">
@@ -5935,7 +5265,7 @@
                         </a:spcBef>
                       </a:pPr>
                       <a:r>
-                        <a:rPr sz="900">
+                        <a:rPr lang="it-IT" sz="900">
                           <a:solidFill>
                             <a:srgbClr val="020302"/>
                           </a:solidFill>
@@ -5944,10 +5274,6 @@
                         </a:rPr>
                         <a:t></a:t>
                       </a:r>
-                      <a:endParaRPr sz="900">
-                        <a:latin typeface="Wingdings"/>
-                        <a:cs typeface="Wingdings"/>
-                      </a:endParaRPr>
                     </a:p>
                   </a:txBody>
                   <a:tcPr marL="0" marR="0" marT="58419" marB="0">
@@ -5977,7 +5303,7 @@
                         </a:spcBef>
                       </a:pPr>
                       <a:r>
-                        <a:rPr sz="900">
+                        <a:rPr lang="it-IT" sz="900">
                           <a:solidFill>
                             <a:srgbClr val="020302"/>
                           </a:solidFill>
@@ -5986,10 +5312,6 @@
                         </a:rPr>
                         <a:t></a:t>
                       </a:r>
-                      <a:endParaRPr sz="900">
-                        <a:latin typeface="Wingdings"/>
-                        <a:cs typeface="Wingdings"/>
-                      </a:endParaRPr>
                     </a:p>
                   </a:txBody>
                   <a:tcPr marL="0" marR="0" marT="58419" marB="0">
@@ -6012,7 +5334,7 @@
                     <a:bodyPr/>
                     <a:lstStyle/>
                     <a:p>
-                      <a:pPr marL="50800">
+                      <a:pPr marL="50800" algn="l" rtl="0">
                         <a:lnSpc>
                           <a:spcPct val="100000"/>
                         </a:lnSpc>
@@ -6070,19 +5392,15 @@
                         </a:spcBef>
                       </a:pPr>
                       <a:r>
-                        <a:rPr lang="en-US" sz="900" spc="0">
+                        <a:rPr lang="it-IT" sz="900">
                           <a:solidFill>
                             <a:srgbClr val="020302"/>
                           </a:solidFill>
                           <a:latin typeface="AdobeClean-Light"/>
                           <a:cs typeface="AdobeClean-Light"/>
                         </a:rPr>
-                        <a:t>Named Support Contacts (per product)</a:t>
+                        <a:t>Contatti interni per il supporto (per prodotto)</a:t>
                       </a:r>
-                      <a:endParaRPr sz="900" spc="0">
-                        <a:latin typeface="AdobeClean-Light"/>
-                        <a:cs typeface="AdobeClean-Light"/>
-                      </a:endParaRPr>
                     </a:p>
                   </a:txBody>
                   <a:tcPr marL="0" marR="0" marT="57785" marB="0">
@@ -6120,7 +5438,7 @@
                         </a:spcBef>
                       </a:pPr>
                       <a:r>
-                        <a:rPr sz="900">
+                        <a:rPr lang="it-IT" sz="900">
                           <a:solidFill>
                             <a:srgbClr val="020302"/>
                           </a:solidFill>
@@ -6129,10 +5447,6 @@
                         </a:rPr>
                         <a:t>4</a:t>
                       </a:r>
-                      <a:endParaRPr sz="900">
-                        <a:latin typeface="AdobeClean-Light"/>
-                        <a:cs typeface="AdobeClean-Light"/>
-                      </a:endParaRPr>
                     </a:p>
                   </a:txBody>
                   <a:tcPr marL="0" marR="0" marT="57785" marB="0">
@@ -6162,7 +5476,7 @@
                         </a:spcBef>
                       </a:pPr>
                       <a:r>
-                        <a:rPr lang="en-US" sz="900">
+                        <a:rPr lang="it-IT" sz="900">
                           <a:solidFill>
                             <a:srgbClr val="020302"/>
                           </a:solidFill>
@@ -6171,10 +5485,6 @@
                         </a:rPr>
                         <a:t>10</a:t>
                       </a:r>
-                      <a:endParaRPr sz="900">
-                        <a:latin typeface="AdobeClean-Light"/>
-                        <a:cs typeface="AdobeClean-Light"/>
-                      </a:endParaRPr>
                     </a:p>
                   </a:txBody>
                   <a:tcPr marL="0" marR="0" marT="57785" marB="0">
@@ -6197,7 +5507,7 @@
                     <a:bodyPr/>
                     <a:lstStyle/>
                     <a:p>
-                      <a:pPr marL="50800">
+                      <a:pPr marL="50800" algn="l" rtl="0">
                         <a:lnSpc>
                           <a:spcPct val="100000"/>
                         </a:lnSpc>
@@ -6246,19 +5556,15 @@
                         </a:spcBef>
                       </a:pPr>
                       <a:r>
-                        <a:rPr lang="en-US" sz="900" spc="0">
+                        <a:rPr lang="it-IT" sz="900">
                           <a:solidFill>
                             <a:srgbClr val="020302"/>
                           </a:solidFill>
                           <a:latin typeface="AdobeClean-Light"/>
                           <a:cs typeface="AdobeClean-Light"/>
                         </a:rPr>
-                        <a:t>Live Telephone Support</a:t>
+                        <a:t>Supporto telefonico in diretta</a:t>
                       </a:r>
-                      <a:endParaRPr sz="900" spc="0">
-                        <a:latin typeface="AdobeClean-Light"/>
-                        <a:cs typeface="AdobeClean-Light"/>
-                      </a:endParaRPr>
                     </a:p>
                   </a:txBody>
                   <a:tcPr marL="0" marR="0" marT="57785" marB="0">
@@ -6281,7 +5587,7 @@
                     <a:bodyPr/>
                     <a:lstStyle/>
                     <a:p>
-                      <a:pPr algn="ctr">
+                      <a:pPr algn="l" rtl="0">
                         <a:lnSpc>
                           <a:spcPct val="100000"/>
                         </a:lnSpc>
@@ -6322,7 +5628,7 @@
                         </a:spcBef>
                       </a:pPr>
                       <a:r>
-                        <a:rPr sz="900">
+                        <a:rPr lang="it-IT" sz="900">
                           <a:solidFill>
                             <a:srgbClr val="020302"/>
                           </a:solidFill>
@@ -6331,10 +5637,6 @@
                         </a:rPr>
                         <a:t></a:t>
                       </a:r>
-                      <a:endParaRPr sz="900">
-                        <a:latin typeface="Wingdings"/>
-                        <a:cs typeface="Wingdings"/>
-                      </a:endParaRPr>
                     </a:p>
                   </a:txBody>
                   <a:tcPr marL="0" marR="0" marT="59054" marB="0">
@@ -6357,7 +5659,7 @@
                     <a:bodyPr/>
                     <a:lstStyle/>
                     <a:p>
-                      <a:pPr marL="50800">
+                      <a:pPr marL="50800" algn="l" rtl="0">
                         <a:lnSpc>
                           <a:spcPct val="100000"/>
                         </a:lnSpc>
@@ -6406,19 +5708,15 @@
                         </a:spcBef>
                       </a:pPr>
                       <a:r>
-                        <a:rPr sz="900" spc="0">
+                        <a:rPr lang="it-IT" sz="900">
                           <a:solidFill>
                             <a:srgbClr val="020302"/>
                           </a:solidFill>
                           <a:latin typeface="AdobeClean-Light"/>
                           <a:cs typeface="AdobeClean-Light"/>
                         </a:rPr>
-                        <a:t>Escalation Management</a:t>
+                        <a:t>Gestione delle escalation</a:t>
                       </a:r>
-                      <a:endParaRPr sz="900" spc="0">
-                        <a:latin typeface="AdobeClean-Light"/>
-                        <a:cs typeface="AdobeClean-Light"/>
-                      </a:endParaRPr>
                     </a:p>
                   </a:txBody>
                   <a:tcPr marL="0" marR="0" marT="58419" marB="0">
@@ -6441,7 +5739,7 @@
                     <a:bodyPr/>
                     <a:lstStyle/>
                     <a:p>
-                      <a:pPr algn="ctr">
+                      <a:pPr algn="l" rtl="0">
                         <a:lnSpc>
                           <a:spcPct val="100000"/>
                         </a:lnSpc>
@@ -6482,7 +5780,7 @@
                         </a:spcBef>
                       </a:pPr>
                       <a:r>
-                        <a:rPr sz="900">
+                        <a:rPr lang="it-IT" sz="900">
                           <a:solidFill>
                             <a:srgbClr val="020302"/>
                           </a:solidFill>
@@ -6491,10 +5789,6 @@
                         </a:rPr>
                         <a:t></a:t>
                       </a:r>
-                      <a:endParaRPr sz="900">
-                        <a:latin typeface="Wingdings"/>
-                        <a:cs typeface="Wingdings"/>
-                      </a:endParaRPr>
                     </a:p>
                   </a:txBody>
                   <a:tcPr marL="0" marR="0" marT="59690" marB="0">
@@ -6517,7 +5811,7 @@
                     <a:bodyPr/>
                     <a:lstStyle/>
                     <a:p>
-                      <a:pPr marL="50800">
+                      <a:pPr marL="50800" algn="l" rtl="0">
                         <a:lnSpc>
                           <a:spcPct val="100000"/>
                         </a:lnSpc>
@@ -6566,29 +5860,15 @@
                         </a:spcBef>
                       </a:pPr>
                       <a:r>
-                        <a:rPr sz="900" spc="0">
+                        <a:rPr lang="it-IT" sz="900">
                           <a:solidFill>
                             <a:srgbClr val="020302"/>
                           </a:solidFill>
                           <a:latin typeface="AdobeClean-Light"/>
                           <a:cs typeface="AdobeClean-Light"/>
                         </a:rPr>
-                        <a:t>Service Reviews </a:t>
+                        <a:t>Valutazioni dei servizi all’anno</a:t>
                       </a:r>
-                      <a:r>
-                        <a:rPr lang="en-US" sz="900" spc="0">
-                          <a:solidFill>
-                            <a:srgbClr val="020302"/>
-                          </a:solidFill>
-                          <a:latin typeface="AdobeClean-Light"/>
-                          <a:cs typeface="AdobeClean-Light"/>
-                        </a:rPr>
-                        <a:t>per Year</a:t>
-                      </a:r>
-                      <a:endParaRPr sz="900" spc="0">
-                        <a:latin typeface="AdobeClean-Light"/>
-                        <a:cs typeface="AdobeClean-Light"/>
-                      </a:endParaRPr>
                     </a:p>
                   </a:txBody>
                   <a:tcPr marL="0" marR="0" marT="57150" marB="0">
@@ -6611,7 +5891,7 @@
                     <a:bodyPr/>
                     <a:lstStyle/>
                     <a:p>
-                      <a:pPr>
+                      <a:pPr algn="l" rtl="0">
                         <a:lnSpc>
                           <a:spcPct val="100000"/>
                         </a:lnSpc>
@@ -6646,16 +5926,12 @@
                         </a:lnSpc>
                       </a:pPr>
                       <a:r>
-                        <a:rPr lang="en-US" sz="900">
+                        <a:rPr lang="it-IT" sz="900">
                           <a:latin typeface="Times New Roman"/>
                           <a:cs typeface="Times New Roman"/>
                         </a:rPr>
                         <a:t>2</a:t>
                       </a:r>
-                      <a:endParaRPr sz="900">
-                        <a:latin typeface="Times New Roman"/>
-                        <a:cs typeface="Times New Roman"/>
-                      </a:endParaRPr>
                     </a:p>
                   </a:txBody>
                   <a:tcPr marL="0" marR="0" marT="0" marB="0">
@@ -6697,16 +5973,12 @@
                         </a:spcBef>
                       </a:pPr>
                       <a:r>
-                        <a:rPr lang="en-US" sz="900" spc="0">
+                        <a:rPr lang="it-IT" sz="900">
                           <a:latin typeface="AdobeClean-Light"/>
                           <a:cs typeface="AdobeClean-Light"/>
                         </a:rPr>
-                        <a:t>Expert Sessions per Year</a:t>
+                        <a:t>Sessioni con esperti all’anno</a:t>
                       </a:r>
-                      <a:endParaRPr sz="900" spc="0">
-                        <a:latin typeface="AdobeClean-Light"/>
-                        <a:cs typeface="AdobeClean-Light"/>
-                      </a:endParaRPr>
                     </a:p>
                   </a:txBody>
                   <a:tcPr marL="0" marR="0" marT="57150" marB="0">
@@ -6735,7 +6007,7 @@
                     <a:bodyPr/>
                     <a:lstStyle/>
                     <a:p>
-                      <a:pPr>
+                      <a:pPr algn="l" rtl="0">
                         <a:lnSpc>
                           <a:spcPct val="100000"/>
                         </a:lnSpc>
@@ -6770,16 +6042,12 @@
                         </a:lnSpc>
                       </a:pPr>
                       <a:r>
-                        <a:rPr lang="en-US" sz="900">
+                        <a:rPr lang="it-IT" sz="900">
                           <a:latin typeface="Times New Roman"/>
                           <a:cs typeface="Times New Roman"/>
                         </a:rPr>
                         <a:t>2</a:t>
                       </a:r>
-                      <a:endParaRPr sz="900">
-                        <a:latin typeface="Times New Roman"/>
-                        <a:cs typeface="Times New Roman"/>
-                      </a:endParaRPr>
                     </a:p>
                   </a:txBody>
                   <a:tcPr marL="0" marR="0" marT="0" marB="0">
@@ -6821,16 +6089,12 @@
                         </a:spcBef>
                       </a:pPr>
                       <a:r>
-                        <a:rPr lang="en-US" sz="900" spc="0">
+                        <a:rPr lang="it-IT" sz="900">
                           <a:latin typeface="AdobeClean-Light"/>
                           <a:cs typeface="AdobeClean-Light"/>
                         </a:rPr>
-                        <a:t>Case Reviews</a:t>
+                        <a:t>Valutazione dei casi</a:t>
                       </a:r>
-                      <a:endParaRPr sz="900" spc="0">
-                        <a:latin typeface="AdobeClean-Light"/>
-                        <a:cs typeface="AdobeClean-Light"/>
-                      </a:endParaRPr>
                     </a:p>
                   </a:txBody>
                   <a:tcPr marL="0" marR="0" marT="57150" marB="0">
@@ -6859,7 +6123,7 @@
                     <a:bodyPr/>
                     <a:lstStyle/>
                     <a:p>
-                      <a:pPr>
+                      <a:pPr algn="l" rtl="0">
                         <a:lnSpc>
                           <a:spcPct val="100000"/>
                         </a:lnSpc>
@@ -6906,7 +6170,7 @@
                         <a:defRPr/>
                       </a:pPr>
                       <a:r>
-                        <a:rPr lang="en-US" sz="900">
+                        <a:rPr lang="it-IT" sz="900">
                           <a:solidFill>
                             <a:srgbClr val="020302"/>
                           </a:solidFill>
@@ -6915,10 +6179,6 @@
                         </a:rPr>
                         <a:t></a:t>
                       </a:r>
-                      <a:endParaRPr lang="en-US" sz="900">
-                        <a:latin typeface="Wingdings"/>
-                        <a:cs typeface="Wingdings"/>
-                      </a:endParaRPr>
                     </a:p>
                   </a:txBody>
                   <a:tcPr marL="0" marR="0" marT="0" marB="0">
@@ -6941,7 +6201,7 @@
                     <a:bodyPr/>
                     <a:lstStyle/>
                     <a:p>
-                      <a:pPr marL="48895">
+                      <a:pPr marL="48895" algn="l" rtl="0">
                         <a:lnSpc>
                           <a:spcPct val="100000"/>
                         </a:lnSpc>
@@ -6999,29 +6259,15 @@
                         </a:spcBef>
                       </a:pPr>
                       <a:r>
-                        <a:rPr sz="900" spc="0">
+                        <a:rPr lang="it-IT" sz="900">
                           <a:solidFill>
                             <a:srgbClr val="020302"/>
                           </a:solidFill>
                           <a:latin typeface="AdobeClean-Light"/>
                           <a:cs typeface="AdobeClean-Light"/>
                         </a:rPr>
-                        <a:t>Event </a:t>
+                        <a:t>Gestione degli eventi</a:t>
                       </a:r>
-                      <a:r>
-                        <a:rPr lang="en-US" sz="900" spc="0">
-                          <a:solidFill>
-                            <a:srgbClr val="020302"/>
-                          </a:solidFill>
-                          <a:latin typeface="AdobeClean-Light"/>
-                          <a:cs typeface="AdobeClean-Light"/>
-                        </a:rPr>
-                        <a:t>Management</a:t>
-                      </a:r>
-                      <a:endParaRPr sz="900" spc="0">
-                        <a:latin typeface="AdobeClean-Light"/>
-                        <a:cs typeface="AdobeClean-Light"/>
-                      </a:endParaRPr>
                     </a:p>
                   </a:txBody>
                   <a:tcPr marL="0" marR="0" marT="58419" marB="0">
@@ -7050,7 +6296,7 @@
                     <a:bodyPr/>
                     <a:lstStyle/>
                     <a:p>
-                      <a:pPr>
+                      <a:pPr algn="l" rtl="0">
                         <a:lnSpc>
                           <a:spcPct val="100000"/>
                         </a:lnSpc>
@@ -7079,7 +6325,7 @@
                     <a:bodyPr/>
                     <a:lstStyle/>
                     <a:p>
-                      <a:pPr>
+                      <a:pPr algn="l" rtl="0">
                         <a:lnSpc>
                           <a:spcPct val="100000"/>
                         </a:lnSpc>
@@ -7110,7 +6356,7 @@
                     <a:bodyPr/>
                     <a:lstStyle/>
                     <a:p>
-                      <a:pPr marL="48895">
+                      <a:pPr marL="48895" algn="l" rtl="0">
                         <a:lnSpc>
                           <a:spcPct val="100000"/>
                         </a:lnSpc>
@@ -7159,39 +6405,15 @@
                         </a:spcBef>
                       </a:pPr>
                       <a:r>
-                        <a:rPr sz="900" spc="0">
+                        <a:rPr lang="it-IT" sz="900">
                           <a:solidFill>
                             <a:srgbClr val="020302"/>
                           </a:solidFill>
                           <a:latin typeface="AdobeClean-Light"/>
                           <a:cs typeface="AdobeClean-Light"/>
                         </a:rPr>
-                        <a:t>Environment</a:t>
+                        <a:t>Valutazione ambiente, manutenzione e monitoraggio</a:t>
                       </a:r>
-                      <a:r>
-                        <a:rPr lang="en-US" sz="900" spc="0">
-                          <a:solidFill>
-                            <a:srgbClr val="020302"/>
-                          </a:solidFill>
-                          <a:latin typeface="AdobeClean-Light"/>
-                          <a:cs typeface="AdobeClean-Light"/>
-                        </a:rPr>
-                        <a:t> </a:t>
-                      </a:r>
-                      <a:r>
-                        <a:rPr sz="900" spc="0">
-                          <a:solidFill>
-                            <a:srgbClr val="020302"/>
-                          </a:solidFill>
-                          <a:latin typeface="AdobeClean-Light"/>
-                          <a:cs typeface="AdobeClean-Light"/>
-                        </a:rPr>
-                        <a:t>Review, Maintenance &amp; Monitoring</a:t>
-                      </a:r>
-                      <a:endParaRPr sz="900" spc="0">
-                        <a:latin typeface="AdobeClean-Light"/>
-                        <a:cs typeface="AdobeClean-Light"/>
-                      </a:endParaRPr>
                     </a:p>
                   </a:txBody>
                   <a:tcPr marL="0" marR="0" marT="59055" marB="0">
@@ -7214,7 +6436,7 @@
                     <a:bodyPr/>
                     <a:lstStyle/>
                     <a:p>
-                      <a:pPr>
+                      <a:pPr algn="l" rtl="0">
                         <a:lnSpc>
                           <a:spcPct val="100000"/>
                         </a:lnSpc>
@@ -7243,7 +6465,7 @@
                     <a:bodyPr/>
                     <a:lstStyle/>
                     <a:p>
-                      <a:pPr>
+                      <a:pPr algn="l" rtl="0">
                         <a:lnSpc>
                           <a:spcPct val="100000"/>
                         </a:lnSpc>
@@ -7274,7 +6496,7 @@
                     <a:bodyPr/>
                     <a:lstStyle/>
                     <a:p>
-                      <a:pPr marL="49530">
+                      <a:pPr marL="49530" algn="l" rtl="0">
                         <a:lnSpc>
                           <a:spcPct val="100000"/>
                         </a:lnSpc>
@@ -7323,19 +6545,34 @@
                         </a:spcBef>
                       </a:pPr>
                       <a:r>
-                        <a:rPr sz="900" spc="0">
+                        <a:rPr lang="it-IT" sz="900" dirty="0">
                           <a:solidFill>
                             <a:srgbClr val="020302"/>
                           </a:solidFill>
                           <a:latin typeface="AdobeClean-Light"/>
                           <a:cs typeface="AdobeClean-Light"/>
                         </a:rPr>
-                        <a:t>Release, Migration, Upgrade &amp; Product Roadmap Review</a:t>
+                        <a:t>Valutazione della roadmap di prodotti, versioni, migrazione </a:t>
                       </a:r>
-                      <a:endParaRPr sz="900" spc="0">
-                        <a:latin typeface="AdobeClean-Light"/>
-                        <a:cs typeface="AdobeClean-Light"/>
-                      </a:endParaRPr>
+                      <a:br>
+                        <a:rPr lang="it-IT" sz="900" dirty="0">
+                          <a:solidFill>
+                            <a:srgbClr val="020302"/>
+                          </a:solidFill>
+                          <a:latin typeface="AdobeClean-Light"/>
+                          <a:cs typeface="AdobeClean-Light"/>
+                        </a:rPr>
+                      </a:br>
+                      <a:r>
+                        <a:rPr lang="it-IT" sz="900" dirty="0">
+                          <a:solidFill>
+                            <a:srgbClr val="020302"/>
+                          </a:solidFill>
+                          <a:latin typeface="AdobeClean-Light"/>
+                          <a:cs typeface="AdobeClean-Light"/>
+                        </a:rPr>
+                        <a:t>e aggiornamento</a:t>
+                      </a:r>
                     </a:p>
                   </a:txBody>
                   <a:tcPr marL="0" marR="0" marT="63500" marB="0">
@@ -7358,7 +6595,7 @@
                     <a:bodyPr/>
                     <a:lstStyle/>
                     <a:p>
-                      <a:pPr>
+                      <a:pPr algn="l" rtl="0">
                         <a:lnSpc>
                           <a:spcPct val="100000"/>
                         </a:lnSpc>
@@ -7387,7 +6624,7 @@
                     <a:bodyPr/>
                     <a:lstStyle/>
                     <a:p>
-                      <a:pPr>
+                      <a:pPr algn="l" rtl="0">
                         <a:lnSpc>
                           <a:spcPct val="100000"/>
                         </a:lnSpc>
@@ -7418,7 +6655,7 @@
                     <a:bodyPr/>
                     <a:lstStyle/>
                     <a:p>
-                      <a:pPr marL="49530">
+                      <a:pPr marL="49530" algn="l" rtl="0">
                         <a:lnSpc>
                           <a:spcPct val="100000"/>
                         </a:lnSpc>
@@ -7476,11 +6713,11 @@
                         </a:spcBef>
                       </a:pPr>
                       <a:r>
-                        <a:rPr sz="900" spc="0">
+                        <a:rPr lang="it-IT" sz="900">
                           <a:latin typeface="AdobeClean-Light"/>
                           <a:cs typeface="AdobeClean-Light"/>
                         </a:rPr>
-                        <a:t>Cloud Support Activities – Experience Manager as Cloud</a:t>
+                        <a:t>Attività di supporto cloud - Experience Manager as Cloud</a:t>
                       </a:r>
                     </a:p>
                   </a:txBody>
@@ -7510,7 +6747,7 @@
                     <a:bodyPr/>
                     <a:lstStyle/>
                     <a:p>
-                      <a:pPr>
+                      <a:pPr algn="l" rtl="0">
                         <a:lnSpc>
                           <a:spcPct val="100000"/>
                         </a:lnSpc>
@@ -7566,7 +6803,7 @@
                         <a:defRPr/>
                       </a:pPr>
                       <a:r>
-                        <a:rPr lang="en-US" sz="900">
+                        <a:rPr lang="it-IT" sz="900">
                           <a:solidFill>
                             <a:srgbClr val="020302"/>
                           </a:solidFill>
@@ -7575,13 +6812,9 @@
                         </a:rPr>
                         <a:t></a:t>
                       </a:r>
-                      <a:endParaRPr lang="en-US" sz="900">
-                        <a:latin typeface="Wingdings"/>
-                        <a:cs typeface="Wingdings"/>
-                      </a:endParaRPr>
                     </a:p>
                     <a:p>
-                      <a:pPr marL="0" marR="0" lvl="0" indent="0" algn="ctr" defTabSz="914400" eaLnBrk="1" fontAlgn="auto" latinLnBrk="0" hangingPunct="1">
+                      <a:pPr marL="0" marR="0" lvl="0" indent="0" algn="l" defTabSz="914400" rtl="0" eaLnBrk="1" fontAlgn="auto" latinLnBrk="0" hangingPunct="1">
                         <a:lnSpc>
                           <a:spcPct val="100000"/>
                         </a:lnSpc>
@@ -7644,22 +6877,15 @@
                         </a:spcBef>
                       </a:pPr>
                       <a:r>
-                        <a:rPr lang="en-US" sz="1000" b="1" i="0" spc="0">
+                        <a:rPr lang="it-IT" sz="1000" b="1" i="0">
                           <a:solidFill>
                             <a:schemeClr val="bg1"/>
                           </a:solidFill>
                           <a:latin typeface="Adobe Clean" panose="020B0503020404020204" pitchFamily="34" charset="0"/>
                           <a:cs typeface="AdobeClean-Light"/>
                         </a:rPr>
-                        <a:t>Field Services</a:t>
+                        <a:t>Servizi sul campo</a:t>
                       </a:r>
-                      <a:endParaRPr sz="1000" b="1" i="0" spc="0">
-                        <a:solidFill>
-                          <a:schemeClr val="bg1"/>
-                        </a:solidFill>
-                        <a:latin typeface="Adobe Clean" panose="020B0503020404020204" pitchFamily="34" charset="0"/>
-                        <a:cs typeface="AdobeClean-Light"/>
-                      </a:endParaRPr>
                     </a:p>
                   </a:txBody>
                   <a:tcPr marL="0" marR="0" marT="48260" marB="0" anchor="ctr">
@@ -7712,14 +6938,14 @@
                         </a:spcBef>
                       </a:pPr>
                       <a:r>
-                        <a:rPr sz="900" spc="0">
+                        <a:rPr lang="it-IT" sz="900">
                           <a:solidFill>
                             <a:srgbClr val="020302"/>
                           </a:solidFill>
                           <a:latin typeface="AdobeClean-Light"/>
                           <a:cs typeface="AdobeClean-Light"/>
                         </a:rPr>
-                        <a:t>Launch Advisory Services – First Year of new solution</a:t>
+                        <a:t>Launch Advisory - Nel primo anno di nuove soluzioni</a:t>
                       </a:r>
                     </a:p>
                   </a:txBody>
@@ -7759,7 +6985,7 @@
                     <a:bodyPr/>
                     <a:lstStyle/>
                     <a:p>
-                      <a:pPr>
+                      <a:pPr algn="l" rtl="0">
                         <a:lnSpc>
                           <a:spcPct val="100000"/>
                         </a:lnSpc>
@@ -7815,7 +7041,7 @@
                         <a:defRPr/>
                       </a:pPr>
                       <a:r>
-                        <a:rPr lang="en-US" sz="900">
+                        <a:rPr lang="it-IT" sz="900">
                           <a:solidFill>
                             <a:srgbClr val="020302"/>
                           </a:solidFill>
@@ -7824,10 +7050,6 @@
                         </a:rPr>
                         <a:t></a:t>
                       </a:r>
-                      <a:endParaRPr lang="en-US" sz="900">
-                        <a:latin typeface="Wingdings"/>
-                        <a:cs typeface="Wingdings"/>
-                      </a:endParaRPr>
                     </a:p>
                   </a:txBody>
                   <a:tcPr marL="0" marR="0" marT="0" marB="0">
@@ -7948,7 +7170,7 @@
                         <a:defRPr/>
                       </a:pPr>
                       <a:r>
-                        <a:rPr lang="en-US" sz="900">
+                        <a:rPr lang="it-IT" sz="900">
                           <a:solidFill>
                             <a:srgbClr val="020302"/>
                           </a:solidFill>
@@ -7957,10 +7179,6 @@
                         </a:rPr>
                         <a:t></a:t>
                       </a:r>
-                      <a:endParaRPr lang="en-US" sz="900">
-                        <a:latin typeface="Wingdings"/>
-                        <a:cs typeface="Wingdings"/>
-                      </a:endParaRPr>
                     </a:p>
                   </a:txBody>
                   <a:tcPr marL="0" marR="0" marT="0" marB="0">
@@ -8017,11 +7235,11 @@
                         <a:defRPr/>
                       </a:pPr>
                       <a:r>
-                        <a:rPr lang="en-US" sz="900" spc="0">
+                        <a:rPr lang="it-IT" sz="900" dirty="0">
                           <a:latin typeface="AdobeClean-Light"/>
                           <a:cs typeface="AdobeClean-Light"/>
                         </a:rPr>
-                        <a:t>Field Service Activities </a:t>
+                        <a:t>Attività di servizio sul campo </a:t>
                       </a:r>
                     </a:p>
                   </a:txBody>
@@ -8155,7 +7373,7 @@
         </p:nvSpPr>
         <p:spPr>
           <a:xfrm>
-            <a:off x="2835999" y="9021041"/>
+            <a:off x="2835999" y="8863866"/>
             <a:ext cx="2194560" cy="641201"/>
           </a:xfrm>
           <a:prstGeom prst="rect">
@@ -8180,154 +7398,14 @@
               </a:tabLst>
             </a:pPr>
             <a:r>
-              <a:rPr sz="1000" spc="-20" dirty="0">
+              <a:rPr lang="it-IT" sz="1000" dirty="0">
                 <a:solidFill>
                   <a:srgbClr val="020302"/>
                 </a:solidFill>
                 <a:latin typeface="AdobeClean-Light"/>
                 <a:cs typeface="AdobeClean-Light"/>
               </a:rPr>
-              <a:t>Start </a:t>
-            </a:r>
-            <a:r>
-              <a:rPr sz="1000" dirty="0">
-                <a:solidFill>
-                  <a:srgbClr val="020302"/>
-                </a:solidFill>
-                <a:latin typeface="AdobeClean-Light"/>
-                <a:cs typeface="AdobeClean-Light"/>
-              </a:rPr>
-              <a:t>a </a:t>
-            </a:r>
-            <a:r>
-              <a:rPr sz="1000" spc="-15" dirty="0">
-                <a:solidFill>
-                  <a:srgbClr val="020302"/>
-                </a:solidFill>
-                <a:latin typeface="AdobeClean-Light"/>
-                <a:cs typeface="AdobeClean-Light"/>
-              </a:rPr>
-              <a:t>chat </a:t>
-            </a:r>
-            <a:r>
-              <a:rPr sz="1000" spc="-10" dirty="0">
-                <a:solidFill>
-                  <a:srgbClr val="020302"/>
-                </a:solidFill>
-                <a:latin typeface="AdobeClean-Light"/>
-                <a:cs typeface="AdobeClean-Light"/>
-              </a:rPr>
-              <a:t>session </a:t>
-            </a:r>
-            <a:r>
-              <a:rPr sz="1000" spc="-5" dirty="0">
-                <a:solidFill>
-                  <a:srgbClr val="020302"/>
-                </a:solidFill>
-                <a:latin typeface="AdobeClean-Light"/>
-                <a:cs typeface="AdobeClean-Light"/>
-              </a:rPr>
-              <a:t>to </a:t>
-            </a:r>
-            <a:r>
-              <a:rPr sz="1000" spc="-10" dirty="0">
-                <a:solidFill>
-                  <a:srgbClr val="020302"/>
-                </a:solidFill>
-                <a:latin typeface="AdobeClean-Light"/>
-                <a:cs typeface="AdobeClean-Light"/>
-              </a:rPr>
-              <a:t>get </a:t>
-            </a:r>
-            <a:r>
-              <a:rPr sz="1000" spc="-20" dirty="0">
-                <a:solidFill>
-                  <a:srgbClr val="020302"/>
-                </a:solidFill>
-                <a:latin typeface="AdobeClean-Light"/>
-                <a:cs typeface="AdobeClean-Light"/>
-              </a:rPr>
-              <a:t>answers</a:t>
-            </a:r>
-            <a:r>
-              <a:rPr lang="en-US" sz="1000" spc="-45" dirty="0">
-                <a:solidFill>
-                  <a:srgbClr val="020302"/>
-                </a:solidFill>
-                <a:latin typeface="AdobeClean-Light"/>
-                <a:cs typeface="AdobeClean-Light"/>
-              </a:rPr>
-              <a:t> </a:t>
-            </a:r>
-            <a:r>
-              <a:rPr lang="en-US" sz="1000" dirty="0">
-                <a:solidFill>
-                  <a:srgbClr val="020302"/>
-                </a:solidFill>
-                <a:latin typeface="AdobeClean-Light"/>
-                <a:cs typeface="AdobeClean-Light"/>
-              </a:rPr>
-              <a:t>&amp; </a:t>
-            </a:r>
-            <a:r>
-              <a:rPr sz="1000" spc="-15" dirty="0">
-                <a:solidFill>
-                  <a:srgbClr val="020302"/>
-                </a:solidFill>
-                <a:latin typeface="AdobeClean-Light"/>
-                <a:cs typeface="AdobeClean-Light"/>
-              </a:rPr>
-              <a:t>help </a:t>
-            </a:r>
-            <a:r>
-              <a:rPr sz="1000" spc="-10" dirty="0">
-                <a:solidFill>
-                  <a:srgbClr val="020302"/>
-                </a:solidFill>
-                <a:latin typeface="AdobeClean-Light"/>
-                <a:cs typeface="AdobeClean-Light"/>
-              </a:rPr>
-              <a:t>with</a:t>
-            </a:r>
-            <a:r>
-              <a:rPr sz="1000" spc="85" dirty="0">
-                <a:solidFill>
-                  <a:srgbClr val="020302"/>
-                </a:solidFill>
-                <a:latin typeface="AdobeClean-Light"/>
-                <a:cs typeface="AdobeClean-Light"/>
-              </a:rPr>
-              <a:t> </a:t>
-            </a:r>
-            <a:r>
-              <a:rPr sz="1000" spc="-10" dirty="0">
-                <a:solidFill>
-                  <a:srgbClr val="020302"/>
-                </a:solidFill>
-                <a:latin typeface="AdobeClean-Light"/>
-                <a:cs typeface="AdobeClean-Light"/>
-              </a:rPr>
-              <a:t>case </a:t>
-            </a:r>
-            <a:r>
-              <a:rPr sz="1000" spc="-20">
-                <a:solidFill>
-                  <a:srgbClr val="020302"/>
-                </a:solidFill>
-                <a:latin typeface="AdobeClean-Light"/>
-                <a:cs typeface="AdobeClean-Light"/>
-              </a:rPr>
-              <a:t>submission</a:t>
-            </a:r>
-            <a:r>
-              <a:rPr lang="en-US" sz="1000" spc="-20">
-                <a:solidFill>
-                  <a:srgbClr val="020302"/>
-                </a:solidFill>
-                <a:latin typeface="AdobeClean-Light"/>
-                <a:cs typeface="AdobeClean-Light"/>
-              </a:rPr>
-              <a:t>.</a:t>
+              <a:t>Avvia una sessione di chat per ottenere risposte e assistenza nell’invio di un caso.</a:t>
             </a:r>
           </a:p>
           <a:p>
@@ -8340,49 +7418,44 @@
               </a:tabLst>
             </a:pPr>
             <a:r>
-              <a:rPr sz="1000" i="1" spc="-10" dirty="0">
+              <a:rPr lang="it-IT" sz="1000" i="1" dirty="0">
                 <a:solidFill>
                   <a:srgbClr val="7A7A7A"/>
                 </a:solidFill>
                 <a:latin typeface="AdobeClean-LightIt"/>
                 <a:cs typeface="AdobeClean-LightIt"/>
               </a:rPr>
-              <a:t>*Not all </a:t>
-            </a:r>
-            <a:r>
-              <a:rPr sz="1000" i="1" spc="-20" dirty="0">
+              <a:t>* Il supporto chat in diretta non </a:t>
+            </a:r>
+            <a:br>
+              <a:rPr lang="it-IT" sz="1000" i="1" dirty="0">
                 <a:solidFill>
                   <a:srgbClr val="7A7A7A"/>
                 </a:solidFill>
                 <a:latin typeface="AdobeClean-LightIt"/>
                 <a:cs typeface="AdobeClean-LightIt"/>
               </a:rPr>
-              <a:t>products have live chat support</a:t>
-            </a:r>
-            <a:r>
-              <a:rPr sz="900" i="1" spc="-20" dirty="0">
+            </a:br>
+            <a:r>
+              <a:rPr lang="it-IT" sz="1000" i="1" dirty="0">
                 <a:solidFill>
                   <a:srgbClr val="7A7A7A"/>
                 </a:solidFill>
                 <a:latin typeface="AdobeClean-LightIt"/>
                 <a:cs typeface="AdobeClean-LightIt"/>
               </a:rPr>
-              <a:t>.</a:t>
-            </a:r>
-            <a:r>
-              <a:rPr lang="en-US" sz="900" i="1" spc="-20" dirty="0">
+              <a:t>è disponibile per tutti i prodotti</a:t>
+            </a:r>
+            <a:r>
+              <a:rPr lang="it-IT" sz="900" i="1" dirty="0">
                 <a:solidFill>
                   <a:srgbClr val="7A7A7A"/>
                 </a:solidFill>
                 <a:latin typeface="AdobeClean-LightIt"/>
                 <a:cs typeface="AdobeClean-LightIt"/>
               </a:rPr>
-              <a:t>  </a:t>
-            </a:r>
-            <a:endParaRPr sz="900">
-              <a:latin typeface="AdobeClean-Light"/>
-              <a:cs typeface="AdobeClean-Light"/>
-            </a:endParaRPr>
+              <a:t>.  </a:t>
+            </a:r>
           </a:p>
         </p:txBody>
       </p:sp>
@@ -8402,7 +7475,7 @@
         </p:nvSpPr>
         <p:spPr>
           <a:xfrm>
-            <a:off x="689237" y="6664838"/>
+            <a:off x="689237" y="6374322"/>
             <a:ext cx="1568246" cy="184666"/>
           </a:xfrm>
           <a:prstGeom prst="rect">
@@ -8429,12 +7502,12 @@
               <a:defRPr/>
             </a:pPr>
             <a:r>
-              <a:rPr lang="en-US" sz="1200">
+              <a:rPr lang="it-IT" sz="1200">
                 <a:solidFill>
                   <a:srgbClr val="000000"/>
                 </a:solidFill>
               </a:rPr>
-              <a:t>Community Forums</a:t>
+              <a:t>Forum della community</a:t>
             </a:r>
           </a:p>
         </p:txBody>
@@ -8455,7 +7528,7 @@
         </p:nvSpPr>
         <p:spPr>
           <a:xfrm>
-            <a:off x="689237" y="6868024"/>
+            <a:off x="689237" y="6577508"/>
             <a:ext cx="959314" cy="184666"/>
           </a:xfrm>
           <a:prstGeom prst="rect">
@@ -8477,12 +7550,12 @@
               </a:spcAft>
             </a:pPr>
             <a:r>
-              <a:rPr lang="en-US" sz="1200" b="1">
+              <a:rPr lang="it-IT" sz="1200" b="1">
                 <a:latin typeface="+mj-lt"/>
                 <a:ea typeface="Open Sans" pitchFamily="34" charset="0"/>
                 <a:cs typeface="Open Sans" pitchFamily="34" charset="0"/>
               </a:rPr>
-              <a:t>Online Forums</a:t>
+              <a:t>Forum online</a:t>
             </a:r>
           </a:p>
         </p:txBody>
@@ -8501,8 +7574,8 @@
         </p:nvSpPr>
         <p:spPr>
           <a:xfrm>
-            <a:off x="355868" y="7102087"/>
-            <a:ext cx="2194560" cy="959237"/>
+            <a:off x="355868" y="6811571"/>
+            <a:ext cx="2194560" cy="1113125"/>
           </a:xfrm>
           <a:prstGeom prst="rect">
             <a:avLst/>
@@ -8515,20 +7588,65 @@
           <a:lstStyle/>
           <a:p>
             <a:r>
-              <a:rPr lang="en-US" sz="1000" dirty="0">
+              <a:rPr lang="it-IT" sz="1000" dirty="0">
                 <a:solidFill>
                   <a:srgbClr val="4B4B4B"/>
                 </a:solidFill>
                 <a:latin typeface="Adobe Clean Light"/>
               </a:rPr>
-              <a:t>Continuous online access to a growing database of technical solutions, product documentation, FAQs and more. Connect with practitioners and other customers on Adobe Community to share best practices and lessons learned.</a:t>
-            </a:r>
-            <a:endParaRPr lang="en-US" sz="1000" dirty="0">
-              <a:solidFill>
-                <a:srgbClr val="4B4B4B"/>
-              </a:solidFill>
-              <a:latin typeface="Adobe Clean Light" panose="020B0303020404020204" pitchFamily="34" charset="0"/>
-            </a:endParaRPr>
+              <a:t>Accesso online continuo a un database </a:t>
+            </a:r>
+            <a:br>
+              <a:rPr lang="it-IT" sz="1000" dirty="0">
+                <a:solidFill>
+                  <a:srgbClr val="4B4B4B"/>
+                </a:solidFill>
+                <a:latin typeface="Adobe Clean Light"/>
+              </a:rPr>
+            </a:br>
+            <a:r>
+              <a:rPr lang="it-IT" sz="1000" dirty="0">
+                <a:solidFill>
+                  <a:srgbClr val="4B4B4B"/>
+                </a:solidFill>
+                <a:latin typeface="Adobe Clean Light"/>
+              </a:rPr>
+              <a:t>in continua crescita di soluzioni tecniche, documentazione del prodotto, risposte </a:t>
+            </a:r>
+            <a:br>
+              <a:rPr lang="it-IT" sz="1000" dirty="0">
+                <a:solidFill>
+                  <a:srgbClr val="4B4B4B"/>
+                </a:solidFill>
+                <a:latin typeface="Adobe Clean Light"/>
+              </a:rPr>
+            </a:br>
+            <a:r>
+              <a:rPr lang="it-IT" sz="1000" dirty="0">
+                <a:solidFill>
+                  <a:srgbClr val="4B4B4B"/>
+                </a:solidFill>
+                <a:latin typeface="Adobe Clean Light"/>
+              </a:rPr>
+              <a:t>alle domande più frequenti e altro ancora. Possibilità di relazionarsi con professionisti </a:t>
+            </a:r>
+            <a:br>
+              <a:rPr lang="it-IT" sz="1000" dirty="0">
+                <a:solidFill>
+                  <a:srgbClr val="4B4B4B"/>
+                </a:solidFill>
+                <a:latin typeface="Adobe Clean Light"/>
+              </a:rPr>
+            </a:br>
+            <a:r>
+              <a:rPr lang="it-IT" sz="1000" dirty="0">
+                <a:solidFill>
+                  <a:srgbClr val="4B4B4B"/>
+                </a:solidFill>
+                <a:latin typeface="Adobe Clean Light"/>
+              </a:rPr>
+              <a:t>e altri clienti della Community Adobe per condividere best practice ed esperienze.</a:t>
+            </a:r>
           </a:p>
         </p:txBody>
       </p:sp>
@@ -8548,7 +7666,7 @@
         </p:nvSpPr>
         <p:spPr>
           <a:xfrm>
-            <a:off x="5723508" y="6664838"/>
+            <a:off x="5723508" y="6374322"/>
             <a:ext cx="1463040" cy="184666"/>
           </a:xfrm>
           <a:prstGeom prst="rect">
@@ -8575,7 +7693,7 @@
               <a:defRPr/>
             </a:pPr>
             <a:r>
-              <a:rPr lang="en-US" sz="1200">
+              <a:rPr lang="it-IT" sz="1200">
                 <a:solidFill>
                   <a:srgbClr val="000000"/>
                 </a:solidFill>
@@ -8601,7 +7719,7 @@
         </p:nvSpPr>
         <p:spPr>
           <a:xfrm>
-            <a:off x="5723508" y="6868024"/>
+            <a:off x="5723508" y="6577508"/>
             <a:ext cx="1316707" cy="184666"/>
           </a:xfrm>
           <a:prstGeom prst="rect">
@@ -8623,12 +7741,12 @@
               </a:spcAft>
             </a:pPr>
             <a:r>
-              <a:rPr lang="en-US" sz="1200" b="1">
+              <a:rPr lang="it-IT" sz="1200" b="1">
                 <a:latin typeface="+mj-lt"/>
                 <a:ea typeface="Open Sans" pitchFamily="34" charset="0"/>
                 <a:cs typeface="Open Sans" pitchFamily="34" charset="0"/>
               </a:rPr>
-              <a:t>Self-guided Journeys</a:t>
+              <a:t>Percorsi autoguidati</a:t>
             </a:r>
           </a:p>
         </p:txBody>
@@ -8647,8 +7765,8 @@
         </p:nvSpPr>
         <p:spPr>
           <a:xfrm>
-            <a:off x="5265661" y="7060285"/>
-            <a:ext cx="2194560" cy="1113125"/>
+            <a:off x="5265660" y="6769769"/>
+            <a:ext cx="2349577" cy="1267014"/>
           </a:xfrm>
           <a:prstGeom prst="rect">
             <a:avLst/>
@@ -8661,20 +7779,14 @@
           <a:lstStyle/>
           <a:p>
             <a:r>
-              <a:rPr lang="en-US" sz="1000" dirty="0">
+              <a:rPr lang="it-IT" sz="1000" spc="-10" dirty="0">
                 <a:solidFill>
                   <a:srgbClr val="4B4B4B"/>
                 </a:solidFill>
                 <a:latin typeface="Adobe Clean Light"/>
               </a:rPr>
-              <a:t>Experience Makers are made with Experience League. Customers can kickstart their Customer Experience Management abilities with personalized learning to develop skills, engage with a global community of peers, and earn career advancing recognition.</a:t>
-            </a:r>
-            <a:endParaRPr lang="en-US" sz="1000" dirty="0">
-              <a:solidFill>
-                <a:srgbClr val="4B4B4B"/>
-              </a:solidFill>
-              <a:latin typeface="Adobe Clean Light" panose="020B0303020404020204" pitchFamily="34" charset="0"/>
-            </a:endParaRPr>
+              <a:t>Diventa un Experience Maker con Experience League. Puoi acquisire rapidamente le capacità necessarie nella gestione della customer experience seguendo un percorso di apprendimento personalizzato per sviluppare nuove competenze, partecipare a una comunità globale di professionisti e guadagnare riconoscimenti di valore sul piano professionale.</a:t>
+            </a:r>
           </a:p>
         </p:txBody>
       </p:sp>
@@ -8694,7 +7806,7 @@
         </p:nvSpPr>
         <p:spPr>
           <a:xfrm>
-            <a:off x="3201544" y="8520784"/>
+            <a:off x="3201544" y="8363609"/>
             <a:ext cx="1543003" cy="184666"/>
           </a:xfrm>
           <a:prstGeom prst="rect">
@@ -8721,12 +7833,12 @@
               <a:defRPr/>
             </a:pPr>
             <a:r>
-              <a:rPr lang="en-US" sz="1200">
+              <a:rPr lang="it-IT" sz="1200">
                 <a:solidFill>
                   <a:srgbClr val="000000"/>
                 </a:solidFill>
               </a:rPr>
-              <a:t>Live Chat  Support*</a:t>
+              <a:t>Supporto chat in diretta*</a:t>
             </a:r>
           </a:p>
         </p:txBody>
@@ -8747,7 +7859,7 @@
         </p:nvSpPr>
         <p:spPr>
           <a:xfrm>
-            <a:off x="3201544" y="8702003"/>
+            <a:off x="3201544" y="8544828"/>
             <a:ext cx="840166" cy="184666"/>
           </a:xfrm>
           <a:prstGeom prst="rect">
@@ -8769,12 +7881,12 @@
               </a:spcAft>
             </a:pPr>
             <a:r>
-              <a:rPr lang="en-US" sz="1200" b="1">
+              <a:rPr lang="it-IT" sz="1200" b="1">
                 <a:latin typeface="+mj-lt"/>
                 <a:ea typeface="Open Sans" pitchFamily="34" charset="0"/>
                 <a:cs typeface="Open Sans" pitchFamily="34" charset="0"/>
               </a:rPr>
-              <a:t>Chat Support</a:t>
+              <a:t>Supporto chat</a:t>
             </a:r>
           </a:p>
         </p:txBody>
@@ -8795,7 +7907,7 @@
         </p:nvSpPr>
         <p:spPr>
           <a:xfrm>
-            <a:off x="3201544" y="6664838"/>
+            <a:off x="3201544" y="6374322"/>
             <a:ext cx="2520000" cy="184666"/>
           </a:xfrm>
           <a:prstGeom prst="rect">
@@ -8822,12 +7934,12 @@
               <a:defRPr/>
             </a:pPr>
             <a:r>
-              <a:rPr lang="en-US" sz="1200">
+              <a:rPr lang="it-IT" sz="1200">
                 <a:solidFill>
                   <a:srgbClr val="000000"/>
                 </a:solidFill>
               </a:rPr>
-              <a:t>24X7 P1 </a:t>
+              <a:t>24x7 P1 </a:t>
             </a:r>
           </a:p>
         </p:txBody>
@@ -8848,7 +7960,7 @@
         </p:nvSpPr>
         <p:spPr>
           <a:xfrm>
-            <a:off x="3201544" y="6868024"/>
+            <a:off x="3201544" y="6577508"/>
             <a:ext cx="992259" cy="184666"/>
           </a:xfrm>
           <a:prstGeom prst="rect">
@@ -8870,12 +7982,12 @@
               </a:spcAft>
             </a:pPr>
             <a:r>
-              <a:rPr lang="en-US" sz="1200" b="1">
+              <a:rPr lang="it-IT" sz="1200" b="1">
                 <a:latin typeface="+mj-lt"/>
                 <a:ea typeface="Open Sans" pitchFamily="34" charset="0"/>
                 <a:cs typeface="Open Sans" pitchFamily="34" charset="0"/>
               </a:rPr>
-              <a:t>Phone  Support</a:t>
+              <a:t>Supporto telefonico</a:t>
             </a:r>
           </a:p>
         </p:txBody>
@@ -8894,8 +8006,8 @@
         </p:nvSpPr>
         <p:spPr>
           <a:xfrm>
-            <a:off x="2835999" y="7097788"/>
-            <a:ext cx="2194560" cy="805349"/>
+            <a:off x="2835998" y="6807272"/>
+            <a:ext cx="2269401" cy="959237"/>
           </a:xfrm>
           <a:prstGeom prst="rect">
             <a:avLst/>
@@ -8908,35 +8020,57 @@
           <a:lstStyle/>
           <a:p>
             <a:r>
-              <a:rPr lang="en-US" sz="1000">
+              <a:rPr lang="it-IT" sz="1000" dirty="0">
                 <a:solidFill>
                   <a:srgbClr val="020302"/>
                 </a:solidFill>
                 <a:latin typeface="AdobeClean-Light"/>
               </a:rPr>
-              <a:t>Authorized users or </a:t>
-            </a:r>
-            <a:r>
-              <a:rPr lang="en-US" sz="1000" b="1">
+              <a:t>Gli utenti autorizzati o i </a:t>
+            </a:r>
+            <a:r>
+              <a:rPr lang="it-IT" sz="1000" b="1" dirty="0">
                 <a:solidFill>
                   <a:srgbClr val="020302"/>
                 </a:solidFill>
                 <a:latin typeface="AdobeClean-Light"/>
               </a:rPr>
-              <a:t>Named Support Contacts </a:t>
-            </a:r>
-            <a:r>
-              <a:rPr lang="en-US" sz="1000">
+              <a:t>contatti interni per </a:t>
+            </a:r>
+            <a:br>
+              <a:rPr lang="it-IT" sz="1000" b="1" dirty="0">
+                <a:solidFill>
+                  <a:srgbClr val="020302"/>
+                </a:solidFill>
+                <a:latin typeface="AdobeClean-Light"/>
+              </a:rPr>
+            </a:br>
+            <a:r>
+              <a:rPr lang="it-IT" sz="1000" b="1" dirty="0">
+                <a:solidFill>
+                  <a:srgbClr val="020302"/>
+                </a:solidFill>
+                <a:latin typeface="AdobeClean-Light"/>
+              </a:rPr>
+              <a:t>il supporto</a:t>
+            </a:r>
+            <a:r>
+              <a:rPr lang="it-IT" sz="1000" dirty="0">
                 <a:latin typeface="Adobe Clean Light" panose="020B0303020404020204" pitchFamily="34" charset="0"/>
               </a:rPr>
-              <a:t>can submit issues through all available  channels (including phone for P1) and interact with our technical support team on behalf of your company. </a:t>
-            </a:r>
-            <a:endParaRPr lang="en-US" sz="1000">
-              <a:solidFill>
-                <a:srgbClr val="000000"/>
-              </a:solidFill>
-              <a:latin typeface="Adobe Clean Light" panose="020B0303020404020204" pitchFamily="34" charset="0"/>
-            </a:endParaRPr>
+              <a:t> possono segnalare i problemi tramite tutti i canali disponibili (compreso il supporto telefonico per casi P1) e interagire con il team Adobe di assistenza tecnica </a:t>
+            </a:r>
+            <a:br>
+              <a:rPr lang="it-IT" sz="1000" dirty="0">
+                <a:latin typeface="Adobe Clean Light" panose="020B0303020404020204" pitchFamily="34" charset="0"/>
+              </a:rPr>
+            </a:br>
+            <a:r>
+              <a:rPr lang="it-IT" sz="1000" dirty="0">
+                <a:latin typeface="Adobe Clean Light" panose="020B0303020404020204" pitchFamily="34" charset="0"/>
+              </a:rPr>
+              <a:t>per conto della tua azienda. </a:t>
+            </a:r>
           </a:p>
         </p:txBody>
       </p:sp>
@@ -8954,8 +8088,8 @@
         </p:nvSpPr>
         <p:spPr>
           <a:xfrm>
-            <a:off x="214971" y="6447157"/>
-            <a:ext cx="1848207" cy="45719"/>
+            <a:off x="214971" y="6156641"/>
+            <a:ext cx="2616264" cy="45719"/>
           </a:xfrm>
           <a:custGeom>
             <a:avLst/>
@@ -9002,7 +8136,7 @@
         </p:nvSpPr>
         <p:spPr>
           <a:xfrm>
-            <a:off x="214971" y="6124178"/>
+            <a:off x="214971" y="5833662"/>
             <a:ext cx="1901483" cy="307777"/>
           </a:xfrm>
           <a:prstGeom prst="rect">
@@ -9024,19 +8158,15 @@
               </a:spcBef>
             </a:pPr>
             <a:r>
-              <a:rPr lang="en-US" sz="1400" b="1" spc="-10">
+              <a:rPr lang="it-IT" sz="1400" b="1">
                 <a:solidFill>
                   <a:srgbClr val="020302"/>
                 </a:solidFill>
                 <a:latin typeface="Adobe Clean"/>
                 <a:cs typeface="Adobe Clean"/>
               </a:rPr>
-              <a:t>Online Support Features</a:t>
-            </a:r>
-            <a:endParaRPr lang="en-US" sz="1400">
-              <a:latin typeface="Adobe Clean"/>
-              <a:cs typeface="Adobe Clean"/>
-            </a:endParaRPr>
+              <a:t>Caratteristiche del supporto online</a:t>
+            </a:r>
           </a:p>
         </p:txBody>
       </p:sp>
@@ -9056,7 +8186,7 @@
         </p:nvSpPr>
         <p:spPr>
           <a:xfrm>
-            <a:off x="689237" y="8520784"/>
+            <a:off x="689237" y="8363609"/>
             <a:ext cx="991521" cy="184666"/>
           </a:xfrm>
           <a:prstGeom prst="rect">
@@ -9083,7 +8213,7 @@
               <a:defRPr/>
             </a:pPr>
             <a:r>
-              <a:rPr lang="en-US" sz="1200">
+              <a:rPr lang="it-IT" sz="1200">
                 <a:solidFill>
                   <a:srgbClr val="000000"/>
                 </a:solidFill>
@@ -9109,7 +8239,7 @@
         </p:nvSpPr>
         <p:spPr>
           <a:xfrm>
-            <a:off x="689237" y="8702003"/>
+            <a:off x="689237" y="8544828"/>
             <a:ext cx="604974" cy="184666"/>
           </a:xfrm>
           <a:prstGeom prst="rect">
@@ -9131,12 +8261,12 @@
               </a:spcAft>
             </a:pPr>
             <a:r>
-              <a:rPr lang="en-US" sz="1200" b="1">
+              <a:rPr lang="it-IT" sz="1200" b="1">
                 <a:latin typeface="+mj-lt"/>
                 <a:ea typeface="Open Sans" pitchFamily="34" charset="0"/>
                 <a:cs typeface="Open Sans" pitchFamily="34" charset="0"/>
               </a:rPr>
-              <a:t>Webinars</a:t>
+              <a:t>Webinar</a:t>
             </a:r>
           </a:p>
         </p:txBody>
@@ -9155,8 +8285,8 @@
         </p:nvSpPr>
         <p:spPr>
           <a:xfrm>
-            <a:off x="355868" y="8986613"/>
-            <a:ext cx="2194560" cy="805349"/>
+            <a:off x="355867" y="8829438"/>
+            <a:ext cx="2245029" cy="959237"/>
           </a:xfrm>
           <a:prstGeom prst="rect">
             <a:avLst/>
@@ -9169,13 +8299,30 @@
           <a:lstStyle/>
           <a:p>
             <a:r>
-              <a:rPr lang="en-US" sz="1000">
+              <a:rPr lang="it-IT" sz="1000" dirty="0">
                 <a:solidFill>
                   <a:srgbClr val="4B4B4B"/>
                 </a:solidFill>
                 <a:latin typeface="Adobe Clean Light" panose="020B0303020404020204" pitchFamily="34" charset="0"/>
               </a:rPr>
-              <a:t>Office Hours led by the Adobe Customer Support team includes sessions designed to inform as well as help participants troubleshoot problems and provide tips and tricks for success with Adobe solutions. </a:t>
+              <a:t>Le sessioni Office Hours, guidate dal team </a:t>
+            </a:r>
+            <a:br>
+              <a:rPr lang="it-IT" sz="1000" dirty="0">
+                <a:solidFill>
+                  <a:srgbClr val="4B4B4B"/>
+                </a:solidFill>
+                <a:latin typeface="Adobe Clean Light" panose="020B0303020404020204" pitchFamily="34" charset="0"/>
+              </a:rPr>
+            </a:br>
+            <a:r>
+              <a:rPr lang="it-IT" sz="1000" dirty="0">
+                <a:solidFill>
+                  <a:srgbClr val="4B4B4B"/>
+                </a:solidFill>
+                <a:latin typeface="Adobe Clean Light" panose="020B0303020404020204" pitchFamily="34" charset="0"/>
+              </a:rPr>
+              <a:t>di Assistenza clienti di Adobe, sono pensate per informare e aiutare i partecipanti a risolvere eventuali problemi e forniscono suggerimenti utili per ottenere il massimo dalle soluzioni Adobe. </a:t>
             </a:r>
           </a:p>
         </p:txBody>
@@ -9196,8 +8343,8 @@
         </p:nvSpPr>
         <p:spPr>
           <a:xfrm>
-            <a:off x="5723508" y="8520784"/>
-            <a:ext cx="1303746" cy="184666"/>
+            <a:off x="5723508" y="8363609"/>
+            <a:ext cx="2048892" cy="184666"/>
           </a:xfrm>
           <a:prstGeom prst="rect">
             <a:avLst/>
@@ -9223,12 +8370,12 @@
               <a:defRPr/>
             </a:pPr>
             <a:r>
-              <a:rPr lang="en-US" sz="1200">
+              <a:rPr lang="it-IT" sz="1200" spc="-10" dirty="0">
                 <a:solidFill>
                   <a:srgbClr val="000000"/>
                 </a:solidFill>
               </a:rPr>
-              <a:t>Self-help Portals</a:t>
+              <a:t>Portali di assistenza autonoma</a:t>
             </a:r>
           </a:p>
         </p:txBody>
@@ -9249,7 +8396,7 @@
         </p:nvSpPr>
         <p:spPr>
           <a:xfrm>
-            <a:off x="5723508" y="8702003"/>
+            <a:off x="5723508" y="8544828"/>
             <a:ext cx="1267206" cy="184666"/>
           </a:xfrm>
           <a:prstGeom prst="rect">
@@ -9271,12 +8418,12 @@
               </a:spcAft>
             </a:pPr>
             <a:r>
-              <a:rPr lang="en-US" sz="1200" b="1">
+              <a:rPr lang="it-IT" sz="1200" b="1" dirty="0">
                 <a:latin typeface="+mj-lt"/>
                 <a:ea typeface="Open Sans" pitchFamily="34" charset="0"/>
                 <a:cs typeface="Open Sans" pitchFamily="34" charset="0"/>
               </a:rPr>
-              <a:t>24/7 Support Portal</a:t>
+              <a:t>Portale di supporto 24/7</a:t>
             </a:r>
           </a:p>
         </p:txBody>
@@ -9295,7 +8442,7 @@
         </p:nvSpPr>
         <p:spPr>
           <a:xfrm>
-            <a:off x="5265661" y="8947635"/>
+            <a:off x="5265661" y="8790460"/>
             <a:ext cx="2194560" cy="805349"/>
           </a:xfrm>
           <a:prstGeom prst="rect">
@@ -9309,16 +8456,16 @@
           <a:lstStyle/>
           <a:p>
             <a:r>
-              <a:rPr lang="en-US" sz="1000">
+              <a:rPr lang="it-IT" sz="1000" dirty="0">
                 <a:solidFill>
                   <a:srgbClr val="4B4B4B"/>
                 </a:solidFill>
                 <a:latin typeface="Adobe Clean Light" panose="020B0303020404020204" pitchFamily="34" charset="0"/>
               </a:rPr>
-              <a:t>On-demand access to the online </a:t>
+              <a:t>Accesso on-demand al portale di assistenza autonoma per inviare richieste di supporto, esaminare lo stato dei casi e sfogliare altre risorse, come la knowledge base, notizie </a:t>
             </a:r>
             <a:br>
-              <a:rPr lang="en-US" sz="1000">
+              <a:rPr lang="it-IT" sz="1000" dirty="0">
                 <a:solidFill>
                   <a:srgbClr val="4B4B4B"/>
                 </a:solidFill>
@@ -9326,13 +8473,13 @@
               </a:rPr>
             </a:br>
             <a:r>
-              <a:rPr lang="en-US" sz="1000">
+              <a:rPr lang="it-IT" sz="1000" dirty="0">
                 <a:solidFill>
                   <a:srgbClr val="4B4B4B"/>
                 </a:solidFill>
                 <a:latin typeface="Adobe Clean Light" panose="020B0303020404020204" pitchFamily="34" charset="0"/>
               </a:rPr>
-              <a:t>Self-help Support Portal to submit support requests, review case status, and browse other resources, like our knowledgebase, news and alerts, featured tips, and more.</a:t>
+              <a:t>e avvisi, suggerimenti e altro ancora.</a:t>
             </a:r>
           </a:p>
         </p:txBody>
@@ -9466,36 +8613,8 @@
               </a:spcBef>
             </a:pPr>
             <a:r>
-              <a:rPr lang="en-US" spc="-10"/>
-              <a:t>©2021</a:t>
-            </a:r>
-            <a:r>
-              <a:rPr lang="en-US" spc="-5"/>
-              <a:t> Adobe. All</a:t>
-            </a:r>
-            <a:r>
-              <a:rPr lang="en-US" spc="-10"/>
-              <a:t> Rights</a:t>
-            </a:r>
-            <a:r>
-              <a:rPr lang="en-US" spc="-5"/>
-              <a:t> </a:t>
-            </a:r>
-            <a:r>
-              <a:rPr lang="en-US" spc="-10"/>
-              <a:t>Reserved.</a:t>
-            </a:r>
-            <a:r>
-              <a:rPr lang="en-US" spc="-5"/>
-              <a:t> Adobe</a:t>
-            </a:r>
-            <a:r>
-              <a:rPr lang="en-US" spc="60"/>
-              <a:t> </a:t>
-            </a:r>
-            <a:r>
-              <a:rPr lang="en-US" spc="-10"/>
-              <a:t>Confidential.</a:t>
+              <a:rPr lang="it-IT"/>
+              <a:t>©2021 Adobe. All Rights Reserved. Adobe Confidential.</a:t>
             </a:r>
           </a:p>
         </p:txBody>
@@ -9515,7 +8634,7 @@
         <p:spPr>
           <a:xfrm>
             <a:off x="214971" y="868681"/>
-            <a:ext cx="2103120" cy="45719"/>
+            <a:ext cx="2927642" cy="66021"/>
           </a:xfrm>
           <a:custGeom>
             <a:avLst/>
@@ -9584,19 +8703,15 @@
               </a:spcBef>
             </a:pPr>
             <a:r>
-              <a:rPr lang="en-US" sz="1400" b="1" spc="-10">
+              <a:rPr lang="it-IT" sz="1400" b="1" dirty="0">
                 <a:solidFill>
                   <a:srgbClr val="020302"/>
                 </a:solidFill>
                 <a:latin typeface="Adobe Clean"/>
                 <a:cs typeface="Adobe Clean"/>
               </a:rPr>
-              <a:t>Enterprise Support Features</a:t>
-            </a:r>
-            <a:endParaRPr lang="en-US" sz="1400">
-              <a:latin typeface="Adobe Clean"/>
-              <a:cs typeface="Adobe Clean"/>
-            </a:endParaRPr>
+              <a:t>Caratteristiche del supporto Enterprise</a:t>
+            </a:r>
           </a:p>
         </p:txBody>
       </p:sp>
@@ -9614,8 +8729,8 @@
         </p:nvSpPr>
         <p:spPr>
           <a:xfrm>
-            <a:off x="689237" y="2603192"/>
-            <a:ext cx="1555491" cy="197490"/>
+            <a:off x="689237" y="2603191"/>
+            <a:ext cx="1958713" cy="197490"/>
           </a:xfrm>
           <a:prstGeom prst="rect">
             <a:avLst/>
@@ -9636,199 +8751,15 @@
               </a:spcBef>
             </a:pPr>
             <a:r>
-              <a:rPr sz="1200" b="1" spc="-25">
+              <a:rPr lang="it-IT" sz="1200" b="1" dirty="0">
                 <a:solidFill>
                   <a:srgbClr val="020302"/>
                 </a:solidFill>
                 <a:latin typeface="Adobe Clean"/>
                 <a:cs typeface="Adobe Clean"/>
               </a:rPr>
-              <a:t>E</a:t>
-            </a:r>
-            <a:r>
-              <a:rPr sz="1200" b="1" spc="-20">
-                <a:solidFill>
-                  <a:srgbClr val="020302"/>
-                </a:solidFill>
-                <a:latin typeface="Adobe Clean"/>
-                <a:cs typeface="Adobe Clean"/>
-              </a:rPr>
-              <a:t>s</a:t>
-            </a:r>
-            <a:r>
-              <a:rPr sz="1200" b="1" spc="-30">
-                <a:solidFill>
-                  <a:srgbClr val="020302"/>
-                </a:solidFill>
-                <a:latin typeface="Adobe Clean"/>
-                <a:cs typeface="Adobe Clean"/>
-              </a:rPr>
-              <a:t>c</a:t>
-            </a:r>
-            <a:r>
-              <a:rPr sz="1200" b="1" spc="-20">
-                <a:solidFill>
-                  <a:srgbClr val="020302"/>
-                </a:solidFill>
-                <a:latin typeface="Adobe Clean"/>
-                <a:cs typeface="Adobe Clean"/>
-              </a:rPr>
-              <a:t>a</a:t>
-            </a:r>
-            <a:r>
-              <a:rPr sz="1200" b="1" spc="-25">
-                <a:solidFill>
-                  <a:srgbClr val="020302"/>
-                </a:solidFill>
-                <a:latin typeface="Adobe Clean"/>
-                <a:cs typeface="Adobe Clean"/>
-              </a:rPr>
-              <a:t>l</a:t>
-            </a:r>
-            <a:r>
-              <a:rPr sz="1200" b="1" spc="-20">
-                <a:solidFill>
-                  <a:srgbClr val="020302"/>
-                </a:solidFill>
-                <a:latin typeface="Adobe Clean"/>
-                <a:cs typeface="Adobe Clean"/>
-              </a:rPr>
-              <a:t>a</a:t>
-            </a:r>
-            <a:r>
-              <a:rPr sz="1200" b="1" spc="-25">
-                <a:solidFill>
-                  <a:srgbClr val="020302"/>
-                </a:solidFill>
-                <a:latin typeface="Adobe Clean"/>
-                <a:cs typeface="Adobe Clean"/>
-              </a:rPr>
-              <a:t>t</a:t>
-            </a:r>
-            <a:r>
-              <a:rPr sz="1200" b="1" spc="-20">
-                <a:solidFill>
-                  <a:srgbClr val="020302"/>
-                </a:solidFill>
-                <a:latin typeface="Adobe Clean"/>
-                <a:cs typeface="Adobe Clean"/>
-              </a:rPr>
-              <a:t>i</a:t>
-            </a:r>
-            <a:r>
-              <a:rPr sz="1200" b="1" spc="-15">
-                <a:solidFill>
-                  <a:srgbClr val="020302"/>
-                </a:solidFill>
-                <a:latin typeface="Adobe Clean"/>
-                <a:cs typeface="Adobe Clean"/>
-              </a:rPr>
-              <a:t>o</a:t>
-            </a:r>
-            <a:r>
-              <a:rPr sz="1200" b="1">
-                <a:solidFill>
-                  <a:srgbClr val="020302"/>
-                </a:solidFill>
-                <a:latin typeface="Adobe Clean"/>
-                <a:cs typeface="Adobe Clean"/>
-              </a:rPr>
-              <a:t>n</a:t>
-            </a:r>
-            <a:r>
-              <a:rPr sz="1200" b="1" spc="-55">
-                <a:solidFill>
-                  <a:srgbClr val="020302"/>
-                </a:solidFill>
-                <a:latin typeface="Adobe Clean"/>
-                <a:cs typeface="Adobe Clean"/>
-              </a:rPr>
-              <a:t> </a:t>
-            </a:r>
-            <a:r>
-              <a:rPr sz="1200" b="1" spc="-35">
-                <a:solidFill>
-                  <a:srgbClr val="020302"/>
-                </a:solidFill>
-                <a:latin typeface="Adobe Clean"/>
-                <a:cs typeface="Adobe Clean"/>
-              </a:rPr>
-              <a:t>M</a:t>
-            </a:r>
-            <a:r>
-              <a:rPr sz="1200" b="1" spc="-25">
-                <a:solidFill>
-                  <a:srgbClr val="020302"/>
-                </a:solidFill>
-                <a:latin typeface="Adobe Clean"/>
-                <a:cs typeface="Adobe Clean"/>
-              </a:rPr>
-              <a:t>a</a:t>
-            </a:r>
-            <a:r>
-              <a:rPr sz="1200" b="1" spc="-30">
-                <a:solidFill>
-                  <a:srgbClr val="020302"/>
-                </a:solidFill>
-                <a:latin typeface="Adobe Clean"/>
-                <a:cs typeface="Adobe Clean"/>
-              </a:rPr>
-              <a:t>n</a:t>
-            </a:r>
-            <a:r>
-              <a:rPr sz="1200" b="1" spc="-25">
-                <a:solidFill>
-                  <a:srgbClr val="020302"/>
-                </a:solidFill>
-                <a:latin typeface="Adobe Clean"/>
-                <a:cs typeface="Adobe Clean"/>
-              </a:rPr>
-              <a:t>a</a:t>
-            </a:r>
-            <a:r>
-              <a:rPr sz="1200" b="1" spc="-30">
-                <a:solidFill>
-                  <a:srgbClr val="020302"/>
-                </a:solidFill>
-                <a:latin typeface="Adobe Clean"/>
-                <a:cs typeface="Adobe Clean"/>
-              </a:rPr>
-              <a:t>ge</a:t>
-            </a:r>
-            <a:r>
-              <a:rPr sz="1200" b="1" spc="-25">
-                <a:solidFill>
-                  <a:srgbClr val="020302"/>
-                </a:solidFill>
-                <a:latin typeface="Adobe Clean"/>
-                <a:cs typeface="Adobe Clean"/>
-              </a:rPr>
-              <a:t>m</a:t>
-            </a:r>
-            <a:r>
-              <a:rPr sz="1200" b="1" spc="-30">
-                <a:solidFill>
-                  <a:srgbClr val="020302"/>
-                </a:solidFill>
-                <a:latin typeface="Adobe Clean"/>
-                <a:cs typeface="Adobe Clean"/>
-              </a:rPr>
-              <a:t>en</a:t>
-            </a:r>
-            <a:r>
-              <a:rPr sz="1200" b="1">
-                <a:solidFill>
-                  <a:srgbClr val="020302"/>
-                </a:solidFill>
-                <a:latin typeface="Adobe Clean"/>
-                <a:cs typeface="Adobe Clean"/>
-              </a:rPr>
-              <a:t>t</a:t>
-            </a:r>
-            <a:endParaRPr sz="1200">
-              <a:latin typeface="Adobe Clean"/>
-              <a:cs typeface="Adobe Clean"/>
-            </a:endParaRPr>
+              <a:t>Gestione delle escalation</a:t>
+            </a:r>
           </a:p>
         </p:txBody>
       </p:sp>
@@ -9868,18 +8799,31 @@
               </a:spcBef>
             </a:pPr>
             <a:r>
-              <a:rPr lang="en-US" sz="1000">
+              <a:rPr lang="it-IT" sz="1000" dirty="0">
                 <a:solidFill>
                   <a:srgbClr val="4B4B4B"/>
                 </a:solidFill>
                 <a:latin typeface="Adobe Clean Light" panose="020B0303020404020204" pitchFamily="34" charset="0"/>
               </a:rPr>
-              <a:t>A designated point of contact within Adobe who can provide escalation assistance, regular updates and ensure priority is given to your most critical open support requests.</a:t>
-            </a:r>
-            <a:endParaRPr sz="1000">
-              <a:latin typeface="Adobe Clean Light" panose="020B0303020404020204" pitchFamily="34" charset="0"/>
-              <a:cs typeface="AdobeClean-Light"/>
-            </a:endParaRPr>
+              <a:t>Un contatto Adobe dedicato che può fornire assistenza e aggiornamenti regolari in merito ai casi che richiedono escalation, </a:t>
+            </a:r>
+            <a:br>
+              <a:rPr lang="it-IT" sz="1000" dirty="0">
+                <a:solidFill>
+                  <a:srgbClr val="4B4B4B"/>
+                </a:solidFill>
+                <a:latin typeface="Adobe Clean Light" panose="020B0303020404020204" pitchFamily="34" charset="0"/>
+              </a:rPr>
+            </a:br>
+            <a:r>
+              <a:rPr lang="it-IT" sz="1000" dirty="0">
+                <a:solidFill>
+                  <a:srgbClr val="4B4B4B"/>
+                </a:solidFill>
+                <a:latin typeface="Adobe Clean Light" panose="020B0303020404020204" pitchFamily="34" charset="0"/>
+              </a:rPr>
+              <a:t>e assicurarsi che venga data priorità alle richieste di supporto aperte più critiche.</a:t>
+            </a:r>
           </a:p>
         </p:txBody>
       </p:sp>
@@ -9898,7 +8842,7 @@
         <p:spPr>
           <a:xfrm>
             <a:off x="3201544" y="2592995"/>
-            <a:ext cx="1036205" cy="197490"/>
+            <a:ext cx="1980056" cy="197490"/>
           </a:xfrm>
           <a:prstGeom prst="rect">
             <a:avLst/>
@@ -9919,149 +8863,15 @@
               </a:spcBef>
             </a:pPr>
             <a:r>
-              <a:rPr sz="1200" b="1" spc="-20">
+              <a:rPr lang="it-IT" sz="1200" b="1" dirty="0">
                 <a:solidFill>
                   <a:srgbClr val="020302"/>
                 </a:solidFill>
                 <a:latin typeface="Adobe Clean"/>
                 <a:cs typeface="Adobe Clean"/>
               </a:rPr>
-              <a:t>S</a:t>
-            </a:r>
-            <a:r>
-              <a:rPr sz="1200" b="1" spc="-25">
-                <a:solidFill>
-                  <a:srgbClr val="020302"/>
-                </a:solidFill>
-                <a:latin typeface="Adobe Clean"/>
-                <a:cs typeface="Adobe Clean"/>
-              </a:rPr>
-              <a:t>e</a:t>
-            </a:r>
-            <a:r>
-              <a:rPr sz="1200" b="1" spc="-20">
-                <a:solidFill>
-                  <a:srgbClr val="020302"/>
-                </a:solidFill>
-                <a:latin typeface="Adobe Clean"/>
-                <a:cs typeface="Adobe Clean"/>
-              </a:rPr>
-              <a:t>r</a:t>
-            </a:r>
-            <a:r>
-              <a:rPr sz="1200" b="1" spc="-25">
-                <a:solidFill>
-                  <a:srgbClr val="020302"/>
-                </a:solidFill>
-                <a:latin typeface="Adobe Clean"/>
-                <a:cs typeface="Adobe Clean"/>
-              </a:rPr>
-              <a:t>v</a:t>
-            </a:r>
-            <a:r>
-              <a:rPr sz="1200" b="1" spc="-20">
-                <a:solidFill>
-                  <a:srgbClr val="020302"/>
-                </a:solidFill>
-                <a:latin typeface="Adobe Clean"/>
-                <a:cs typeface="Adobe Clean"/>
-              </a:rPr>
-              <a:t>i</a:t>
-            </a:r>
-            <a:r>
-              <a:rPr sz="1200" b="1" spc="-30">
-                <a:solidFill>
-                  <a:srgbClr val="020302"/>
-                </a:solidFill>
-                <a:latin typeface="Adobe Clean"/>
-                <a:cs typeface="Adobe Clean"/>
-              </a:rPr>
-              <a:t>c</a:t>
-            </a:r>
-            <a:r>
-              <a:rPr sz="1200" b="1">
-                <a:solidFill>
-                  <a:srgbClr val="020302"/>
-                </a:solidFill>
-                <a:latin typeface="Adobe Clean"/>
-                <a:cs typeface="Adobe Clean"/>
-              </a:rPr>
-              <a:t>e</a:t>
-            </a:r>
-            <a:r>
-              <a:rPr sz="1200" b="1" spc="-80">
-                <a:solidFill>
-                  <a:srgbClr val="020302"/>
-                </a:solidFill>
-                <a:latin typeface="Adobe Clean"/>
-                <a:cs typeface="Adobe Clean"/>
-              </a:rPr>
-              <a:t> </a:t>
-            </a:r>
-            <a:r>
-              <a:rPr sz="1200" b="1" spc="-20">
-                <a:solidFill>
-                  <a:srgbClr val="020302"/>
-                </a:solidFill>
-                <a:latin typeface="Adobe Clean"/>
-                <a:cs typeface="Adobe Clean"/>
-              </a:rPr>
-              <a:t>R</a:t>
-            </a:r>
-            <a:r>
-              <a:rPr sz="1200" b="1" spc="-25">
-                <a:solidFill>
-                  <a:srgbClr val="020302"/>
-                </a:solidFill>
-                <a:latin typeface="Adobe Clean"/>
-                <a:cs typeface="Adobe Clean"/>
-              </a:rPr>
-              <a:t>e</a:t>
-            </a:r>
-            <a:r>
-              <a:rPr sz="1200" b="1" spc="-30">
-                <a:solidFill>
-                  <a:srgbClr val="020302"/>
-                </a:solidFill>
-                <a:latin typeface="Adobe Clean"/>
-                <a:cs typeface="Adobe Clean"/>
-              </a:rPr>
-              <a:t>v</a:t>
-            </a:r>
-            <a:r>
-              <a:rPr sz="1200" b="1" spc="-20">
-                <a:solidFill>
-                  <a:srgbClr val="020302"/>
-                </a:solidFill>
-                <a:latin typeface="Adobe Clean"/>
-                <a:cs typeface="Adobe Clean"/>
-              </a:rPr>
-              <a:t>i</a:t>
-            </a:r>
-            <a:r>
-              <a:rPr sz="1200" b="1" spc="-25">
-                <a:solidFill>
-                  <a:srgbClr val="020302"/>
-                </a:solidFill>
-                <a:latin typeface="Adobe Clean"/>
-                <a:cs typeface="Adobe Clean"/>
-              </a:rPr>
-              <a:t>ew</a:t>
-            </a:r>
-            <a:r>
-              <a:rPr sz="1200" b="1">
-                <a:solidFill>
-                  <a:srgbClr val="020302"/>
-                </a:solidFill>
-                <a:latin typeface="Adobe Clean"/>
-                <a:cs typeface="Adobe Clean"/>
-              </a:rPr>
-              <a:t>s</a:t>
-            </a:r>
-            <a:endParaRPr sz="1200">
-              <a:latin typeface="Adobe Clean"/>
-              <a:cs typeface="Adobe Clean"/>
-            </a:endParaRPr>
+              <a:t>Valutazione dei servizi</a:t>
+            </a:r>
           </a:p>
         </p:txBody>
       </p:sp>
@@ -10080,7 +8890,7 @@
         <p:spPr>
           <a:xfrm>
             <a:off x="2835999" y="2921585"/>
-            <a:ext cx="2194560" cy="474489"/>
+            <a:ext cx="2194560" cy="628377"/>
           </a:xfrm>
           <a:prstGeom prst="rect">
             <a:avLst/>
@@ -10101,18 +8911,65 @@
               </a:spcBef>
             </a:pPr>
             <a:r>
-              <a:rPr lang="en-US" sz="1000">
+              <a:rPr lang="it-IT" sz="1000" dirty="0">
                 <a:solidFill>
                   <a:srgbClr val="4B4B4B"/>
                 </a:solidFill>
                 <a:latin typeface="Adobe Clean Light" panose="020B0303020404020204" pitchFamily="34" charset="0"/>
               </a:rPr>
-              <a:t>A bi-annual comprehensive review of  Enterprise program services, benefits and support metrics.</a:t>
-            </a:r>
-            <a:endParaRPr sz="1000">
-              <a:latin typeface="Adobe Clean Light" panose="020B0303020404020204" pitchFamily="34" charset="0"/>
-              <a:cs typeface="AdobeClean-Light"/>
-            </a:endParaRPr>
+              <a:t>Valutazione semestrale completa dei </a:t>
+            </a:r>
+            <a:br>
+              <a:rPr lang="it-IT" sz="1000" dirty="0">
+                <a:solidFill>
+                  <a:srgbClr val="4B4B4B"/>
+                </a:solidFill>
+                <a:latin typeface="Adobe Clean Light" panose="020B0303020404020204" pitchFamily="34" charset="0"/>
+              </a:rPr>
+            </a:br>
+            <a:r>
+              <a:rPr lang="it-IT" sz="1000" dirty="0">
+                <a:solidFill>
+                  <a:srgbClr val="4B4B4B"/>
+                </a:solidFill>
+                <a:latin typeface="Adobe Clean Light" panose="020B0303020404020204" pitchFamily="34" charset="0"/>
+              </a:rPr>
+              <a:t>servizi erogati dal programma Enterprise, </a:t>
+            </a:r>
+            <a:br>
+              <a:rPr lang="it-IT" sz="1000" dirty="0">
+                <a:solidFill>
+                  <a:srgbClr val="4B4B4B"/>
+                </a:solidFill>
+                <a:latin typeface="Adobe Clean Light" panose="020B0303020404020204" pitchFamily="34" charset="0"/>
+              </a:rPr>
+            </a:br>
+            <a:r>
+              <a:rPr lang="it-IT" sz="1000" dirty="0">
+                <a:solidFill>
+                  <a:srgbClr val="4B4B4B"/>
+                </a:solidFill>
+                <a:latin typeface="Adobe Clean Light" panose="020B0303020404020204" pitchFamily="34" charset="0"/>
+              </a:rPr>
+              <a:t>dei vantaggi che offrono e delle metriche </a:t>
+            </a:r>
+            <a:br>
+              <a:rPr lang="it-IT" sz="1000" dirty="0">
+                <a:solidFill>
+                  <a:srgbClr val="4B4B4B"/>
+                </a:solidFill>
+                <a:latin typeface="Adobe Clean Light" panose="020B0303020404020204" pitchFamily="34" charset="0"/>
+              </a:rPr>
+            </a:br>
+            <a:r>
+              <a:rPr lang="it-IT" sz="1000" dirty="0">
+                <a:solidFill>
+                  <a:srgbClr val="4B4B4B"/>
+                </a:solidFill>
+                <a:latin typeface="Adobe Clean Light" panose="020B0303020404020204" pitchFamily="34" charset="0"/>
+              </a:rPr>
+              <a:t>di adottate.</a:t>
+            </a:r>
           </a:p>
         </p:txBody>
       </p:sp>
@@ -10131,7 +8988,7 @@
         <p:spPr>
           <a:xfrm>
             <a:off x="5265661" y="1426694"/>
-            <a:ext cx="2194560" cy="628377"/>
+            <a:ext cx="2268200" cy="628377"/>
           </a:xfrm>
           <a:prstGeom prst="rect">
             <a:avLst/>
@@ -10152,18 +9009,48 @@
               </a:spcBef>
             </a:pPr>
             <a:r>
-              <a:rPr lang="en-US" sz="1000">
+              <a:rPr lang="it-IT" sz="1000" dirty="0">
                 <a:solidFill>
                   <a:srgbClr val="4B4B4B"/>
                 </a:solidFill>
                 <a:latin typeface="Adobe Clean Light" panose="020B0303020404020204" pitchFamily="34" charset="0"/>
               </a:rPr>
-              <a:t>A 60-minute session focusing on a specific product feature and how it can be utilized to solve common business problems.</a:t>
-            </a:r>
-            <a:endParaRPr sz="1000">
-              <a:latin typeface="Adobe Clean Light" panose="020B0303020404020204" pitchFamily="34" charset="0"/>
-              <a:cs typeface="AdobeClean-Light"/>
-            </a:endParaRPr>
+              <a:t>Una sessione di 60 minuti incentrata su </a:t>
+            </a:r>
+            <a:br>
+              <a:rPr lang="it-IT" sz="1000" dirty="0">
+                <a:solidFill>
+                  <a:srgbClr val="4B4B4B"/>
+                </a:solidFill>
+                <a:latin typeface="Adobe Clean Light" panose="020B0303020404020204" pitchFamily="34" charset="0"/>
+              </a:rPr>
+            </a:br>
+            <a:r>
+              <a:rPr lang="it-IT" sz="1000" dirty="0">
+                <a:solidFill>
+                  <a:srgbClr val="4B4B4B"/>
+                </a:solidFill>
+                <a:latin typeface="Adobe Clean Light" panose="020B0303020404020204" pitchFamily="34" charset="0"/>
+              </a:rPr>
+              <a:t>una specifica funzionalità di prodotto e </a:t>
+            </a:r>
+            <a:br>
+              <a:rPr lang="it-IT" sz="1000" dirty="0">
+                <a:solidFill>
+                  <a:srgbClr val="4B4B4B"/>
+                </a:solidFill>
+                <a:latin typeface="Adobe Clean Light" panose="020B0303020404020204" pitchFamily="34" charset="0"/>
+              </a:rPr>
+            </a:br>
+            <a:r>
+              <a:rPr lang="it-IT" sz="1000" dirty="0">
+                <a:solidFill>
+                  <a:srgbClr val="4B4B4B"/>
+                </a:solidFill>
+                <a:latin typeface="Adobe Clean Light" panose="020B0303020404020204" pitchFamily="34" charset="0"/>
+              </a:rPr>
+              <a:t>come utilizzarla per risolvere le problematiche più comuni.</a:t>
+            </a:r>
           </a:p>
         </p:txBody>
       </p:sp>
@@ -10181,7 +9068,7 @@
         </p:nvSpPr>
         <p:spPr>
           <a:xfrm>
-            <a:off x="5265661" y="5001737"/>
+            <a:off x="5284713" y="4944583"/>
             <a:ext cx="2194560" cy="536622"/>
           </a:xfrm>
           <a:prstGeom prst="rect">
@@ -10203,20 +9090,31 @@
               </a:spcBef>
             </a:pPr>
             <a:r>
-              <a:rPr lang="en-US" sz="1000" dirty="0">
+              <a:rPr lang="it-IT" sz="1000" dirty="0">
                 <a:solidFill>
                   <a:srgbClr val="4B4B4B"/>
                 </a:solidFill>
                 <a:latin typeface="Adobe Clean Light"/>
               </a:rPr>
-              <a:t>Drive adoption of customization best practices and core components in AEM as a Cloud Service.</a:t>
-            </a:r>
-            <a:endParaRPr sz="1000" dirty="0">
-              <a:solidFill>
-                <a:srgbClr val="4B4B4B"/>
-              </a:solidFill>
-              <a:latin typeface="Adobe Clean Light" panose="020B0303020404020204" pitchFamily="34" charset="0"/>
-            </a:endParaRPr>
+              <a:t>Promuovere l’adozione di best practice </a:t>
+            </a:r>
+            <a:br>
+              <a:rPr lang="it-IT" sz="1000" dirty="0">
+                <a:solidFill>
+                  <a:srgbClr val="4B4B4B"/>
+                </a:solidFill>
+                <a:latin typeface="Adobe Clean Light"/>
+              </a:rPr>
+            </a:br>
+            <a:r>
+              <a:rPr lang="it-IT" sz="1000" dirty="0">
+                <a:solidFill>
+                  <a:srgbClr val="4B4B4B"/>
+                </a:solidFill>
+                <a:latin typeface="Adobe Clean Light"/>
+              </a:rPr>
+              <a:t>per la personalizzazione e componenti core di AEM as a Cloud Service.</a:t>
+            </a:r>
           </a:p>
         </p:txBody>
       </p:sp>
@@ -10234,8 +9132,8 @@
         </p:nvSpPr>
         <p:spPr>
           <a:xfrm>
-            <a:off x="2835999" y="4994097"/>
-            <a:ext cx="2194560" cy="720903"/>
+            <a:off x="2831235" y="4936943"/>
+            <a:ext cx="2317029" cy="720903"/>
           </a:xfrm>
           <a:prstGeom prst="rect">
             <a:avLst/>
@@ -10256,20 +9154,14 @@
               </a:spcBef>
             </a:pPr>
             <a:r>
-              <a:rPr lang="en-US" sz="1000" dirty="0">
+              <a:rPr lang="it-IT" sz="1000" dirty="0">
                 <a:solidFill>
                   <a:srgbClr val="4B4B4B"/>
                 </a:solidFill>
                 <a:latin typeface="Adobe Clean Light"/>
               </a:rPr>
-              <a:t>Identify, review and provide recommendations on customized solution adoption areas that have opportunities for optimization.</a:t>
-            </a:r>
-            <a:endParaRPr lang="en-US" sz="1000" dirty="0">
-              <a:solidFill>
-                <a:srgbClr val="4B4B4B"/>
-              </a:solidFill>
-              <a:latin typeface="Adobe Clean Light" panose="020B0303020404020204" pitchFamily="34" charset="0"/>
-            </a:endParaRPr>
+              <a:t>Individuare, valutare e fornire raccomandazioni su aree specifiche, relative all’adozione delle soluzioni, che offrono opportunità di ottimizzazione.</a:t>
+            </a:r>
           </a:p>
         </p:txBody>
       </p:sp>
@@ -10287,8 +9179,8 @@
         </p:nvSpPr>
         <p:spPr>
           <a:xfrm>
-            <a:off x="355868" y="4947989"/>
-            <a:ext cx="2194560" cy="717376"/>
+            <a:off x="365393" y="4890835"/>
+            <a:ext cx="2244455" cy="717376"/>
           </a:xfrm>
           <a:prstGeom prst="rect">
             <a:avLst/>
@@ -10309,20 +9201,14 @@
               </a:spcBef>
             </a:pPr>
             <a:r>
-              <a:rPr lang="en-US" sz="1000" dirty="0">
+              <a:rPr lang="it-IT" sz="1000" dirty="0">
                 <a:solidFill>
                   <a:srgbClr val="4B4B4B"/>
                 </a:solidFill>
                 <a:latin typeface="Adobe Clean Light"/>
               </a:rPr>
-              <a:t>Technical &amp; operational governance to assist AEM as a Cloud Service Customers in adhering to industry standards and best practices for AEM as a Cloud Service.</a:t>
-            </a:r>
-            <a:endParaRPr sz="1000" dirty="0">
-              <a:solidFill>
-                <a:srgbClr val="4B4B4B"/>
-              </a:solidFill>
-              <a:latin typeface="Adobe Clean Light" panose="020B0303020404020204" pitchFamily="34" charset="0"/>
-            </a:endParaRPr>
+              <a:t>Governance operativa e tecnica per assistere i clienti di AEM as a Cloud Service a rispettare gli standard di settore e le best practice per AEM as a Cloud Service.</a:t>
+            </a:r>
           </a:p>
         </p:txBody>
       </p:sp>
@@ -10359,20 +9245,48 @@
               </a:spcBef>
             </a:pPr>
             <a:r>
-              <a:rPr lang="en-US" sz="1000" dirty="0">
+              <a:rPr lang="it-IT" sz="1000" dirty="0">
                 <a:solidFill>
                   <a:srgbClr val="4B4B4B"/>
                 </a:solidFill>
                 <a:latin typeface="Adobe Clean Light" panose="020B0303020404020204" pitchFamily="34" charset="0"/>
               </a:rPr>
-              <a:t>A designated support engineer who becomes familiar with your solution environment and business goals. The NSE is an experienced support engineer that helps coordinate your Enterprise Support experience.</a:t>
-            </a:r>
-            <a:endParaRPr lang="en-US" sz="1000" dirty="0">
-              <a:solidFill>
-                <a:srgbClr val="000000"/>
-              </a:solidFill>
-              <a:latin typeface="Adobe Clean Light" panose="020B0303020404020204" pitchFamily="34" charset="0"/>
-            </a:endParaRPr>
+              <a:t>Un tecnico del supporto dedicato che acquisisce familiarità con l’ambiente della soluzione e gli obiettivi di business del cliente. Il Named Support Engineer è </a:t>
+            </a:r>
+            <a:br>
+              <a:rPr lang="it-IT" sz="1000" dirty="0">
+                <a:solidFill>
+                  <a:srgbClr val="4B4B4B"/>
+                </a:solidFill>
+                <a:latin typeface="Adobe Clean Light" panose="020B0303020404020204" pitchFamily="34" charset="0"/>
+              </a:rPr>
+            </a:br>
+            <a:r>
+              <a:rPr lang="it-IT" sz="1000" dirty="0">
+                <a:solidFill>
+                  <a:srgbClr val="4B4B4B"/>
+                </a:solidFill>
+                <a:latin typeface="Adobe Clean Light" panose="020B0303020404020204" pitchFamily="34" charset="0"/>
+              </a:rPr>
+              <a:t>un tecnico esperto che aiuta a coordinare </a:t>
+            </a:r>
+            <a:br>
+              <a:rPr lang="it-IT" sz="1000" dirty="0">
+                <a:solidFill>
+                  <a:srgbClr val="4B4B4B"/>
+                </a:solidFill>
+                <a:latin typeface="Adobe Clean Light" panose="020B0303020404020204" pitchFamily="34" charset="0"/>
+              </a:rPr>
+            </a:br>
+            <a:r>
+              <a:rPr lang="it-IT" sz="1000" dirty="0">
+                <a:solidFill>
+                  <a:srgbClr val="4B4B4B"/>
+                </a:solidFill>
+                <a:latin typeface="Adobe Clean Light" panose="020B0303020404020204" pitchFamily="34" charset="0"/>
+              </a:rPr>
+              <a:t>la tua esperienza di assistenza Enterprise.</a:t>
+            </a:r>
           </a:p>
         </p:txBody>
       </p:sp>
@@ -10414,7 +9328,7 @@
               </a:spcAft>
             </a:pPr>
             <a:r>
-              <a:rPr lang="en-US" sz="1200" b="1" spc="-10">
+              <a:rPr lang="it-IT" sz="1200" b="1">
                 <a:solidFill>
                   <a:srgbClr val="020302"/>
                 </a:solidFill>
@@ -10478,8 +9392,8 @@
         </p:nvSpPr>
         <p:spPr>
           <a:xfrm>
-            <a:off x="5723508" y="1099976"/>
-            <a:ext cx="1036205" cy="197490"/>
+            <a:off x="5723508" y="1099975"/>
+            <a:ext cx="1653605" cy="197490"/>
           </a:xfrm>
           <a:prstGeom prst="rect">
             <a:avLst/>
@@ -10500,19 +9414,15 @@
               </a:spcBef>
             </a:pPr>
             <a:r>
-              <a:rPr lang="en-US" sz="1200" b="1" spc="-20">
+              <a:rPr lang="it-IT" sz="1200" b="1">
                 <a:solidFill>
                   <a:srgbClr val="020302"/>
                 </a:solidFill>
                 <a:latin typeface="Adobe Clean"/>
                 <a:cs typeface="Adobe Clean"/>
               </a:rPr>
-              <a:t>Expert Sessions</a:t>
-            </a:r>
-            <a:endParaRPr sz="1200">
-              <a:latin typeface="Adobe Clean"/>
-              <a:cs typeface="Adobe Clean"/>
-            </a:endParaRPr>
+              <a:t>Sessioni con esperti</a:t>
+            </a:r>
           </a:p>
         </p:txBody>
       </p:sp>
@@ -10530,8 +9440,8 @@
         </p:nvSpPr>
         <p:spPr>
           <a:xfrm>
-            <a:off x="5181600" y="4466703"/>
-            <a:ext cx="1972258" cy="461665"/>
+            <a:off x="5191126" y="4466703"/>
+            <a:ext cx="2520000" cy="430887"/>
           </a:xfrm>
           <a:prstGeom prst="rect">
             <a:avLst/>
@@ -10552,489 +9462,15 @@
               </a:spcBef>
             </a:pPr>
             <a:r>
-              <a:rPr lang="en-US" sz="1200" b="1" spc="-15">
+              <a:rPr lang="it-IT" sz="1100" b="1" dirty="0">
                 <a:solidFill>
                   <a:srgbClr val="020302"/>
                 </a:solidFill>
                 <a:latin typeface="Adobe Clean"/>
                 <a:cs typeface="Adobe Clean"/>
               </a:rPr>
-              <a:t>C</a:t>
-            </a:r>
-            <a:r>
-              <a:rPr lang="en-US" sz="1200" b="1" spc="-20">
-                <a:solidFill>
-                  <a:srgbClr val="020302"/>
-                </a:solidFill>
-                <a:latin typeface="Adobe Clean"/>
-                <a:cs typeface="Adobe Clean"/>
-              </a:rPr>
-              <a:t>u</a:t>
-            </a:r>
-            <a:r>
-              <a:rPr lang="en-US" sz="1200" b="1" spc="-25">
-                <a:solidFill>
-                  <a:srgbClr val="020302"/>
-                </a:solidFill>
-                <a:latin typeface="Adobe Clean"/>
-                <a:cs typeface="Adobe Clean"/>
-              </a:rPr>
-              <a:t>st</a:t>
-            </a:r>
-            <a:r>
-              <a:rPr lang="en-US" sz="1200" b="1" spc="-15">
-                <a:solidFill>
-                  <a:srgbClr val="020302"/>
-                </a:solidFill>
-                <a:latin typeface="Adobe Clean"/>
-                <a:cs typeface="Adobe Clean"/>
-              </a:rPr>
-              <a:t>o</a:t>
-            </a:r>
-            <a:r>
-              <a:rPr lang="en-US" sz="1200" b="1" spc="-20">
-                <a:solidFill>
-                  <a:srgbClr val="020302"/>
-                </a:solidFill>
-                <a:latin typeface="Adobe Clean"/>
-                <a:cs typeface="Adobe Clean"/>
-              </a:rPr>
-              <a:t>miza</a:t>
-            </a:r>
-            <a:r>
-              <a:rPr lang="en-US" sz="1200" b="1" spc="-25">
-                <a:solidFill>
-                  <a:srgbClr val="020302"/>
-                </a:solidFill>
-                <a:latin typeface="Adobe Clean"/>
-                <a:cs typeface="Adobe Clean"/>
-              </a:rPr>
-              <a:t>t</a:t>
-            </a:r>
-            <a:r>
-              <a:rPr lang="en-US" sz="1200" b="1" spc="-20">
-                <a:solidFill>
-                  <a:srgbClr val="020302"/>
-                </a:solidFill>
-                <a:latin typeface="Adobe Clean"/>
-                <a:cs typeface="Adobe Clean"/>
-              </a:rPr>
-              <a:t>i</a:t>
-            </a:r>
-            <a:r>
-              <a:rPr lang="en-US" sz="1200" b="1" spc="-15">
-                <a:solidFill>
-                  <a:srgbClr val="020302"/>
-                </a:solidFill>
-                <a:latin typeface="Adobe Clean"/>
-                <a:cs typeface="Adobe Clean"/>
-              </a:rPr>
-              <a:t>o</a:t>
-            </a:r>
-            <a:r>
-              <a:rPr lang="en-US" sz="1200" b="1">
-                <a:solidFill>
-                  <a:srgbClr val="020302"/>
-                </a:solidFill>
-                <a:latin typeface="Adobe Clean"/>
-                <a:cs typeface="Adobe Clean"/>
-              </a:rPr>
-              <a:t>n</a:t>
-            </a:r>
-            <a:r>
-              <a:rPr lang="en-US" sz="1200" b="1" spc="-50">
-                <a:solidFill>
-                  <a:srgbClr val="020302"/>
-                </a:solidFill>
-                <a:latin typeface="Adobe Clean"/>
-                <a:cs typeface="Adobe Clean"/>
-              </a:rPr>
-              <a:t> </a:t>
-            </a:r>
-            <a:r>
-              <a:rPr lang="en-US" sz="1200" b="1" spc="-20">
-                <a:solidFill>
-                  <a:srgbClr val="020302"/>
-                </a:solidFill>
-                <a:latin typeface="Adobe Clean"/>
-                <a:cs typeface="Adobe Clean"/>
-              </a:rPr>
-              <a:t>B</a:t>
-            </a:r>
-            <a:r>
-              <a:rPr lang="en-US" sz="1200" b="1" spc="-25">
-                <a:solidFill>
-                  <a:srgbClr val="020302"/>
-                </a:solidFill>
-                <a:latin typeface="Adobe Clean"/>
-                <a:cs typeface="Adobe Clean"/>
-              </a:rPr>
-              <a:t>es</a:t>
-            </a:r>
-            <a:r>
-              <a:rPr lang="en-US" sz="1200" b="1">
-                <a:solidFill>
-                  <a:srgbClr val="020302"/>
-                </a:solidFill>
-                <a:latin typeface="Adobe Clean"/>
-                <a:cs typeface="Adobe Clean"/>
-              </a:rPr>
-              <a:t>t</a:t>
-            </a:r>
-            <a:r>
-              <a:rPr lang="en-US" sz="1200" b="1" spc="-50">
-                <a:solidFill>
-                  <a:srgbClr val="020302"/>
-                </a:solidFill>
-                <a:latin typeface="Adobe Clean"/>
-                <a:cs typeface="Adobe Clean"/>
-              </a:rPr>
-              <a:t> </a:t>
-            </a:r>
-            <a:r>
-              <a:rPr lang="en-US" sz="1200" b="1" spc="-25">
-                <a:solidFill>
-                  <a:srgbClr val="020302"/>
-                </a:solidFill>
-                <a:latin typeface="Adobe Clean"/>
-                <a:cs typeface="Adobe Clean"/>
-              </a:rPr>
-              <a:t>P</a:t>
-            </a:r>
-            <a:r>
-              <a:rPr lang="en-US" sz="1200" b="1" spc="-20">
-                <a:solidFill>
-                  <a:srgbClr val="020302"/>
-                </a:solidFill>
-                <a:latin typeface="Adobe Clean"/>
-                <a:cs typeface="Adobe Clean"/>
-              </a:rPr>
-              <a:t>ra</a:t>
-            </a:r>
-            <a:r>
-              <a:rPr lang="en-US" sz="1200" b="1" spc="-30">
-                <a:solidFill>
-                  <a:srgbClr val="020302"/>
-                </a:solidFill>
-                <a:latin typeface="Adobe Clean"/>
-                <a:cs typeface="Adobe Clean"/>
-              </a:rPr>
-              <a:t>c</a:t>
-            </a:r>
-            <a:r>
-              <a:rPr lang="en-US" sz="1200" b="1" spc="-25">
-                <a:solidFill>
-                  <a:srgbClr val="020302"/>
-                </a:solidFill>
-                <a:latin typeface="Adobe Clean"/>
-                <a:cs typeface="Adobe Clean"/>
-              </a:rPr>
-              <a:t>t</a:t>
-            </a:r>
-            <a:r>
-              <a:rPr lang="en-US" sz="1200" b="1" spc="-20">
-                <a:solidFill>
-                  <a:srgbClr val="020302"/>
-                </a:solidFill>
-                <a:latin typeface="Adobe Clean"/>
-                <a:cs typeface="Adobe Clean"/>
-              </a:rPr>
-              <a:t>i</a:t>
-            </a:r>
-            <a:r>
-              <a:rPr lang="en-US" sz="1200" b="1" spc="-30">
-                <a:solidFill>
-                  <a:srgbClr val="020302"/>
-                </a:solidFill>
-                <a:latin typeface="Adobe Clean"/>
-                <a:cs typeface="Adobe Clean"/>
-              </a:rPr>
-              <a:t>c</a:t>
-            </a:r>
-            <a:r>
-              <a:rPr lang="en-US" sz="1200" b="1" spc="-25">
-                <a:solidFill>
-                  <a:srgbClr val="020302"/>
-                </a:solidFill>
-                <a:latin typeface="Adobe Clean"/>
-                <a:cs typeface="Adobe Clean"/>
-              </a:rPr>
-              <a:t>e</a:t>
-            </a:r>
-            <a:r>
-              <a:rPr lang="en-US" sz="1200" b="1">
-                <a:solidFill>
-                  <a:srgbClr val="020302"/>
-                </a:solidFill>
-                <a:latin typeface="Adobe Clean"/>
-                <a:cs typeface="Adobe Clean"/>
-              </a:rPr>
-              <a:t>s</a:t>
-            </a:r>
-            <a:r>
-              <a:rPr lang="en-US" sz="1200" b="1" spc="-45">
-                <a:solidFill>
-                  <a:srgbClr val="020302"/>
-                </a:solidFill>
-                <a:latin typeface="Adobe Clean"/>
-                <a:cs typeface="Adobe Clean"/>
-              </a:rPr>
-              <a:t> </a:t>
-            </a:r>
-            <a:r>
-              <a:rPr lang="en-US" sz="1200" b="1" spc="-25">
-                <a:solidFill>
-                  <a:srgbClr val="020302"/>
-                </a:solidFill>
-                <a:latin typeface="Adobe Clean"/>
-                <a:cs typeface="Adobe Clean"/>
-              </a:rPr>
-              <a:t>f</a:t>
-            </a:r>
-            <a:r>
-              <a:rPr lang="en-US" sz="1200" b="1" spc="-15">
-                <a:solidFill>
-                  <a:srgbClr val="020302"/>
-                </a:solidFill>
-                <a:latin typeface="Adobe Clean"/>
-                <a:cs typeface="Adobe Clean"/>
-              </a:rPr>
-              <a:t>o</a:t>
-            </a:r>
-            <a:r>
-              <a:rPr lang="en-US" sz="1200" b="1">
-                <a:solidFill>
-                  <a:srgbClr val="020302"/>
-                </a:solidFill>
-                <a:latin typeface="Adobe Clean"/>
-                <a:cs typeface="Adobe Clean"/>
-              </a:rPr>
-              <a:t>r</a:t>
-            </a:r>
-            <a:r>
-              <a:rPr lang="en-US" sz="1200" b="1" spc="-45">
-                <a:solidFill>
-                  <a:srgbClr val="020302"/>
-                </a:solidFill>
-                <a:latin typeface="Adobe Clean"/>
-                <a:cs typeface="Adobe Clean"/>
-              </a:rPr>
-              <a:t> </a:t>
-            </a:r>
-            <a:r>
-              <a:rPr lang="en-US" sz="1200" b="1" spc="-30">
-                <a:solidFill>
-                  <a:srgbClr val="020302"/>
-                </a:solidFill>
-                <a:latin typeface="Adobe Clean"/>
-                <a:cs typeface="Adobe Clean"/>
-              </a:rPr>
-              <a:t>AE</a:t>
-            </a:r>
-            <a:r>
-              <a:rPr lang="en-US" sz="1200" b="1">
-                <a:solidFill>
-                  <a:srgbClr val="020302"/>
-                </a:solidFill>
-                <a:latin typeface="Adobe Clean"/>
-                <a:cs typeface="Adobe Clean"/>
-              </a:rPr>
-              <a:t>M</a:t>
-            </a:r>
-            <a:r>
-              <a:rPr lang="en-US" sz="1200" b="1" spc="-55">
-                <a:solidFill>
-                  <a:srgbClr val="020302"/>
-                </a:solidFill>
-                <a:latin typeface="Adobe Clean"/>
-                <a:cs typeface="Adobe Clean"/>
-              </a:rPr>
-              <a:t> </a:t>
-            </a:r>
-            <a:r>
-              <a:rPr lang="en-US" sz="1200" b="1" spc="-20">
-                <a:solidFill>
-                  <a:srgbClr val="020302"/>
-                </a:solidFill>
-                <a:latin typeface="Adobe Clean"/>
-                <a:cs typeface="Adobe Clean"/>
-              </a:rPr>
-              <a:t>a</a:t>
-            </a:r>
-            <a:r>
-              <a:rPr lang="en-US" sz="1200" b="1">
-                <a:solidFill>
-                  <a:srgbClr val="020302"/>
-                </a:solidFill>
-                <a:latin typeface="Adobe Clean"/>
-                <a:cs typeface="Adobe Clean"/>
-              </a:rPr>
-              <a:t>s</a:t>
-            </a:r>
-            <a:r>
-              <a:rPr lang="en-US" sz="1200" b="1" spc="-45">
-                <a:solidFill>
-                  <a:srgbClr val="020302"/>
-                </a:solidFill>
-                <a:latin typeface="Adobe Clean"/>
-                <a:cs typeface="Adobe Clean"/>
-              </a:rPr>
-              <a:t> </a:t>
-            </a:r>
-            <a:r>
-              <a:rPr lang="en-US" sz="1200" b="1">
-                <a:solidFill>
-                  <a:srgbClr val="020302"/>
-                </a:solidFill>
-                <a:latin typeface="Adobe Clean"/>
-                <a:cs typeface="Adobe Clean"/>
-              </a:rPr>
-              <a:t>a</a:t>
-            </a:r>
-            <a:r>
-              <a:rPr lang="en-US" sz="1200" b="1" spc="-45">
-                <a:solidFill>
-                  <a:srgbClr val="020302"/>
-                </a:solidFill>
-                <a:latin typeface="Adobe Clean"/>
-                <a:cs typeface="Adobe Clean"/>
-              </a:rPr>
-              <a:t> </a:t>
-            </a:r>
-            <a:r>
-              <a:rPr lang="en-US" sz="1200" b="1" spc="-15">
-                <a:solidFill>
-                  <a:srgbClr val="020302"/>
-                </a:solidFill>
-                <a:latin typeface="Adobe Clean"/>
-                <a:cs typeface="Adobe Clean"/>
-              </a:rPr>
-              <a:t>C</a:t>
-            </a:r>
-            <a:r>
-              <a:rPr lang="en-US" sz="1200" b="1" spc="-25">
-                <a:solidFill>
-                  <a:srgbClr val="020302"/>
-                </a:solidFill>
-                <a:latin typeface="Adobe Clean"/>
-                <a:cs typeface="Adobe Clean"/>
-              </a:rPr>
-              <a:t>l</a:t>
-            </a:r>
-            <a:r>
-              <a:rPr lang="en-US" sz="1200" b="1" spc="-15">
-                <a:solidFill>
-                  <a:srgbClr val="020302"/>
-                </a:solidFill>
-                <a:latin typeface="Adobe Clean"/>
-                <a:cs typeface="Adobe Clean"/>
-              </a:rPr>
-              <a:t>o</a:t>
-            </a:r>
-            <a:r>
-              <a:rPr lang="en-US" sz="1200" b="1" spc="-20">
-                <a:solidFill>
-                  <a:srgbClr val="020302"/>
-                </a:solidFill>
-                <a:latin typeface="Adobe Clean"/>
-                <a:cs typeface="Adobe Clean"/>
-              </a:rPr>
-              <a:t>u</a:t>
-            </a:r>
-            <a:r>
-              <a:rPr lang="en-US" sz="1200" b="1">
-                <a:solidFill>
-                  <a:srgbClr val="020302"/>
-                </a:solidFill>
-                <a:latin typeface="Adobe Clean"/>
-                <a:cs typeface="Adobe Clean"/>
-              </a:rPr>
-              <a:t>d</a:t>
-            </a:r>
-            <a:r>
-              <a:rPr lang="en-US" sz="1200" b="1" spc="-50">
-                <a:solidFill>
-                  <a:srgbClr val="020302"/>
-                </a:solidFill>
-                <a:latin typeface="Adobe Clean"/>
-                <a:cs typeface="Adobe Clean"/>
-              </a:rPr>
-              <a:t> </a:t>
-            </a:r>
-            <a:r>
-              <a:rPr lang="en-US" sz="1200" b="1" spc="-20">
-                <a:solidFill>
-                  <a:srgbClr val="020302"/>
-                </a:solidFill>
-                <a:latin typeface="Adobe Clean"/>
-                <a:cs typeface="Adobe Clean"/>
-              </a:rPr>
-              <a:t>S</a:t>
-            </a:r>
-            <a:r>
-              <a:rPr lang="en-US" sz="1200" b="1" spc="-25">
-                <a:solidFill>
-                  <a:srgbClr val="020302"/>
-                </a:solidFill>
-                <a:latin typeface="Adobe Clean"/>
-                <a:cs typeface="Adobe Clean"/>
-              </a:rPr>
-              <a:t>e</a:t>
-            </a:r>
-            <a:r>
-              <a:rPr lang="en-US" sz="1200" b="1" spc="-20">
-                <a:solidFill>
-                  <a:srgbClr val="020302"/>
-                </a:solidFill>
-                <a:latin typeface="Adobe Clean"/>
-                <a:cs typeface="Adobe Clean"/>
-              </a:rPr>
-              <a:t>r</a:t>
-            </a:r>
-            <a:r>
-              <a:rPr lang="en-US" sz="1200" b="1" spc="-30">
-                <a:solidFill>
-                  <a:srgbClr val="020302"/>
-                </a:solidFill>
-                <a:latin typeface="Adobe Clean"/>
-                <a:cs typeface="Adobe Clean"/>
-              </a:rPr>
-              <a:t>v</a:t>
-            </a:r>
-            <a:r>
-              <a:rPr lang="en-US" sz="1200" b="1" spc="-20">
-                <a:solidFill>
-                  <a:srgbClr val="020302"/>
-                </a:solidFill>
-                <a:latin typeface="Adobe Clean"/>
-                <a:cs typeface="Adobe Clean"/>
-              </a:rPr>
-              <a:t>i</a:t>
-            </a:r>
-            <a:r>
-              <a:rPr lang="en-US" sz="1200" b="1" spc="-30">
-                <a:solidFill>
-                  <a:srgbClr val="020302"/>
-                </a:solidFill>
-                <a:latin typeface="Adobe Clean"/>
-                <a:cs typeface="Adobe Clean"/>
-              </a:rPr>
-              <a:t>c</a:t>
-            </a:r>
-            <a:r>
-              <a:rPr lang="en-US" sz="1200" b="1">
-                <a:solidFill>
-                  <a:srgbClr val="020302"/>
-                </a:solidFill>
-                <a:latin typeface="Adobe Clean"/>
-                <a:cs typeface="Adobe Clean"/>
-              </a:rPr>
-              <a:t>e</a:t>
-            </a:r>
-            <a:endParaRPr lang="en-US" sz="1200">
-              <a:latin typeface="Adobe Clean"/>
-              <a:cs typeface="Adobe Clean"/>
-            </a:endParaRPr>
+              <a:t>Best practice per la personalizzazione di AEM as a Cloud Service</a:t>
+            </a:r>
           </a:p>
         </p:txBody>
       </p:sp>
@@ -11052,8 +9488,8 @@
         </p:nvSpPr>
         <p:spPr>
           <a:xfrm>
-            <a:off x="2752588" y="4438393"/>
-            <a:ext cx="1708650" cy="461665"/>
+            <a:off x="2743062" y="4438393"/>
+            <a:ext cx="2138500" cy="430887"/>
           </a:xfrm>
           <a:prstGeom prst="rect">
             <a:avLst/>
@@ -11074,19 +9510,34 @@
               </a:spcBef>
             </a:pPr>
             <a:r>
-              <a:rPr lang="en-US" sz="1200" b="1" spc="-25">
+              <a:rPr lang="it-IT" sz="1100" b="1" dirty="0">
                 <a:solidFill>
                   <a:srgbClr val="020302"/>
                 </a:solidFill>
                 <a:latin typeface="Adobe Clean"/>
                 <a:cs typeface="Adobe Clean"/>
               </a:rPr>
-              <a:t>Value-added Services for AEM as a Cloud Service</a:t>
-            </a:r>
-            <a:endParaRPr lang="en-US" sz="1200">
-              <a:latin typeface="Adobe Clean"/>
-              <a:cs typeface="Adobe Clean"/>
-            </a:endParaRPr>
+              <a:t>Servizi a valore aggiunto </a:t>
+            </a:r>
+            <a:br>
+              <a:rPr lang="it-IT" sz="1100" b="1" dirty="0">
+                <a:solidFill>
+                  <a:srgbClr val="020302"/>
+                </a:solidFill>
+                <a:latin typeface="Adobe Clean"/>
+                <a:cs typeface="Adobe Clean"/>
+              </a:rPr>
+            </a:br>
+            <a:r>
+              <a:rPr lang="it-IT" sz="1100" b="1" dirty="0">
+                <a:solidFill>
+                  <a:srgbClr val="020302"/>
+                </a:solidFill>
+                <a:latin typeface="Adobe Clean"/>
+                <a:cs typeface="Adobe Clean"/>
+              </a:rPr>
+              <a:t>per AEM as a Cloud Service</a:t>
+            </a:r>
           </a:p>
         </p:txBody>
       </p:sp>
@@ -11105,7 +9556,7 @@
         <p:spPr>
           <a:xfrm>
             <a:off x="381000" y="4438394"/>
-            <a:ext cx="1998943" cy="461665"/>
+            <a:ext cx="1998943" cy="430887"/>
           </a:xfrm>
           <a:prstGeom prst="rect">
             <a:avLst/>
@@ -11126,359 +9577,34 @@
               </a:spcBef>
             </a:pPr>
             <a:r>
-              <a:rPr lang="en-US" sz="1200" b="1" spc="-20">
+              <a:rPr lang="it-IT" sz="1100" b="1" dirty="0">
                 <a:solidFill>
                   <a:srgbClr val="020302"/>
                 </a:solidFill>
                 <a:latin typeface="Adobe Clean"/>
                 <a:cs typeface="Adobe Clean"/>
               </a:rPr>
-              <a:t>G</a:t>
-            </a:r>
-            <a:r>
-              <a:rPr lang="en-US" sz="1200" b="1" spc="-15">
+              <a:t>Governance per AEM </a:t>
+            </a:r>
+            <a:br>
+              <a:rPr lang="it-IT" sz="1100" b="1" dirty="0">
                 <a:solidFill>
                   <a:srgbClr val="020302"/>
                 </a:solidFill>
                 <a:latin typeface="Adobe Clean"/>
                 <a:cs typeface="Adobe Clean"/>
               </a:rPr>
-              <a:t>o</a:t>
-            </a:r>
-            <a:r>
-              <a:rPr lang="en-US" sz="1200" b="1" spc="-25">
+            </a:br>
+            <a:r>
+              <a:rPr lang="it-IT" sz="1100" b="1" dirty="0">
                 <a:solidFill>
                   <a:srgbClr val="020302"/>
                 </a:solidFill>
                 <a:latin typeface="Adobe Clean"/>
                 <a:cs typeface="Adobe Clean"/>
               </a:rPr>
-              <a:t>ve</a:t>
-            </a:r>
-            <a:r>
-              <a:rPr lang="en-US" sz="1200" b="1" spc="-20">
-                <a:solidFill>
-                  <a:srgbClr val="020302"/>
-                </a:solidFill>
-                <a:latin typeface="Adobe Clean"/>
-                <a:cs typeface="Adobe Clean"/>
-              </a:rPr>
-              <a:t>r</a:t>
-            </a:r>
-            <a:r>
-              <a:rPr lang="en-US" sz="1200" b="1" spc="-25">
-                <a:solidFill>
-                  <a:srgbClr val="020302"/>
-                </a:solidFill>
-                <a:latin typeface="Adobe Clean"/>
-                <a:cs typeface="Adobe Clean"/>
-              </a:rPr>
-              <a:t>n</a:t>
-            </a:r>
-            <a:r>
-              <a:rPr lang="en-US" sz="1200" b="1" spc="-20">
-                <a:solidFill>
-                  <a:srgbClr val="020302"/>
-                </a:solidFill>
-                <a:latin typeface="Adobe Clean"/>
-                <a:cs typeface="Adobe Clean"/>
-              </a:rPr>
-              <a:t>a</a:t>
-            </a:r>
-            <a:r>
-              <a:rPr lang="en-US" sz="1200" b="1" spc="-25">
-                <a:solidFill>
-                  <a:srgbClr val="020302"/>
-                </a:solidFill>
-                <a:latin typeface="Adobe Clean"/>
-                <a:cs typeface="Adobe Clean"/>
-              </a:rPr>
-              <a:t>n</a:t>
-            </a:r>
-            <a:r>
-              <a:rPr lang="en-US" sz="1200" b="1" spc="-30">
-                <a:solidFill>
-                  <a:srgbClr val="020302"/>
-                </a:solidFill>
-                <a:latin typeface="Adobe Clean"/>
-                <a:cs typeface="Adobe Clean"/>
-              </a:rPr>
-              <a:t>c</a:t>
-            </a:r>
-            <a:r>
-              <a:rPr lang="en-US" sz="1200" b="1">
-                <a:solidFill>
-                  <a:srgbClr val="020302"/>
-                </a:solidFill>
-                <a:latin typeface="Adobe Clean"/>
-                <a:cs typeface="Adobe Clean"/>
-              </a:rPr>
-              <a:t>e</a:t>
-            </a:r>
-            <a:r>
-              <a:rPr lang="en-US" sz="1200" b="1" spc="-50">
-                <a:solidFill>
-                  <a:srgbClr val="020302"/>
-                </a:solidFill>
-                <a:latin typeface="Adobe Clean"/>
-                <a:cs typeface="Adobe Clean"/>
-              </a:rPr>
-              <a:t> </a:t>
-            </a:r>
-            <a:r>
-              <a:rPr lang="en-US" sz="1200" b="1" spc="-25">
-                <a:solidFill>
-                  <a:srgbClr val="020302"/>
-                </a:solidFill>
-                <a:latin typeface="Adobe Clean"/>
-                <a:cs typeface="Adobe Clean"/>
-              </a:rPr>
-              <a:t>f</a:t>
-            </a:r>
-            <a:r>
-              <a:rPr lang="en-US" sz="1200" b="1" spc="-15">
-                <a:solidFill>
-                  <a:srgbClr val="020302"/>
-                </a:solidFill>
-                <a:latin typeface="Adobe Clean"/>
-                <a:cs typeface="Adobe Clean"/>
-              </a:rPr>
-              <a:t>o</a:t>
-            </a:r>
-            <a:r>
-              <a:rPr lang="en-US" sz="1200" b="1">
-                <a:solidFill>
-                  <a:srgbClr val="020302"/>
-                </a:solidFill>
-                <a:latin typeface="Adobe Clean"/>
-                <a:cs typeface="Adobe Clean"/>
-              </a:rPr>
-              <a:t>r</a:t>
-            </a:r>
-            <a:r>
-              <a:rPr lang="en-US" sz="1200" b="1" spc="-45">
-                <a:solidFill>
-                  <a:srgbClr val="020302"/>
-                </a:solidFill>
-                <a:latin typeface="Adobe Clean"/>
-                <a:cs typeface="Adobe Clean"/>
-              </a:rPr>
-              <a:t> </a:t>
-            </a:r>
-            <a:r>
-              <a:rPr lang="en-US" sz="1200" b="1" spc="-30">
-                <a:solidFill>
-                  <a:srgbClr val="020302"/>
-                </a:solidFill>
-                <a:latin typeface="Adobe Clean"/>
-                <a:cs typeface="Adobe Clean"/>
-              </a:rPr>
-              <a:t>A</a:t>
-            </a:r>
-            <a:r>
-              <a:rPr lang="en-US" sz="1200" b="1" spc="-25">
-                <a:solidFill>
-                  <a:srgbClr val="020302"/>
-                </a:solidFill>
-                <a:latin typeface="Adobe Clean"/>
-                <a:cs typeface="Adobe Clean"/>
-              </a:rPr>
-              <a:t>E</a:t>
-            </a:r>
-            <a:r>
-              <a:rPr lang="en-US" sz="1200" b="1">
-                <a:solidFill>
-                  <a:srgbClr val="020302"/>
-                </a:solidFill>
-                <a:latin typeface="Adobe Clean"/>
-                <a:cs typeface="Adobe Clean"/>
-              </a:rPr>
-              <a:t>M</a:t>
-            </a:r>
-            <a:r>
-              <a:rPr lang="en-US" sz="1200" b="1" spc="-50">
-                <a:solidFill>
-                  <a:srgbClr val="020302"/>
-                </a:solidFill>
-                <a:latin typeface="Adobe Clean"/>
-                <a:cs typeface="Adobe Clean"/>
-              </a:rPr>
-              <a:t> </a:t>
-            </a:r>
-            <a:r>
-              <a:rPr lang="en-US" sz="1200" b="1" spc="-20">
-                <a:solidFill>
-                  <a:srgbClr val="020302"/>
-                </a:solidFill>
-                <a:latin typeface="Adobe Clean"/>
-                <a:cs typeface="Adobe Clean"/>
-              </a:rPr>
-              <a:t>a</a:t>
-            </a:r>
-            <a:r>
-              <a:rPr lang="en-US" sz="1200" b="1">
-                <a:solidFill>
-                  <a:srgbClr val="020302"/>
-                </a:solidFill>
-                <a:latin typeface="Adobe Clean"/>
-                <a:cs typeface="Adobe Clean"/>
-              </a:rPr>
-              <a:t>s</a:t>
-            </a:r>
-            <a:r>
-              <a:rPr lang="en-US" sz="1200" b="1" spc="-45">
-                <a:solidFill>
-                  <a:srgbClr val="020302"/>
-                </a:solidFill>
-                <a:latin typeface="Adobe Clean"/>
-                <a:cs typeface="Adobe Clean"/>
-              </a:rPr>
-              <a:t> </a:t>
-            </a:r>
-            <a:r>
-              <a:rPr lang="en-US" sz="1200" b="1">
-                <a:solidFill>
-                  <a:srgbClr val="020302"/>
-                </a:solidFill>
-                <a:latin typeface="Adobe Clean"/>
-                <a:cs typeface="Adobe Clean"/>
-              </a:rPr>
-              <a:t>a</a:t>
-            </a:r>
-            <a:r>
-              <a:rPr lang="en-US" sz="1200" b="1" spc="-40">
-                <a:solidFill>
-                  <a:srgbClr val="020302"/>
-                </a:solidFill>
-                <a:latin typeface="Adobe Clean"/>
-                <a:cs typeface="Adobe Clean"/>
-              </a:rPr>
-              <a:t> </a:t>
-            </a:r>
-            <a:r>
-              <a:rPr lang="en-US" sz="1200" b="1" spc="-15">
-                <a:solidFill>
-                  <a:srgbClr val="020302"/>
-                </a:solidFill>
-                <a:latin typeface="Adobe Clean"/>
-                <a:cs typeface="Adobe Clean"/>
-              </a:rPr>
-              <a:t>C</a:t>
-            </a:r>
-            <a:r>
-              <a:rPr lang="en-US" sz="1200" b="1" spc="-25">
-                <a:solidFill>
-                  <a:srgbClr val="020302"/>
-                </a:solidFill>
-                <a:latin typeface="Adobe Clean"/>
-                <a:cs typeface="Adobe Clean"/>
-              </a:rPr>
-              <a:t>l</a:t>
-            </a:r>
-            <a:r>
-              <a:rPr lang="en-US" sz="1200" b="1" spc="-15">
-                <a:solidFill>
-                  <a:srgbClr val="020302"/>
-                </a:solidFill>
-                <a:latin typeface="Adobe Clean"/>
-                <a:cs typeface="Adobe Clean"/>
-              </a:rPr>
-              <a:t>ou</a:t>
-            </a:r>
-            <a:r>
-              <a:rPr lang="en-US" sz="1200" b="1">
-                <a:solidFill>
-                  <a:srgbClr val="020302"/>
-                </a:solidFill>
-                <a:latin typeface="Adobe Clean"/>
-                <a:cs typeface="Adobe Clean"/>
-              </a:rPr>
-              <a:t>d</a:t>
-            </a:r>
-            <a:r>
-              <a:rPr lang="en-US" sz="1200" b="1" spc="-50">
-                <a:solidFill>
-                  <a:srgbClr val="020302"/>
-                </a:solidFill>
-                <a:latin typeface="Adobe Clean"/>
-                <a:cs typeface="Adobe Clean"/>
-              </a:rPr>
-              <a:t> </a:t>
-            </a:r>
-            <a:r>
-              <a:rPr lang="en-US" sz="1200" b="1" spc="-20">
-                <a:solidFill>
-                  <a:srgbClr val="020302"/>
-                </a:solidFill>
-                <a:latin typeface="Adobe Clean"/>
-                <a:cs typeface="Adobe Clean"/>
-              </a:rPr>
-              <a:t>S</a:t>
-            </a:r>
-            <a:r>
-              <a:rPr lang="en-US" sz="1200" b="1" spc="-25">
-                <a:solidFill>
-                  <a:srgbClr val="020302"/>
-                </a:solidFill>
-                <a:latin typeface="Adobe Clean"/>
-                <a:cs typeface="Adobe Clean"/>
-              </a:rPr>
-              <a:t>e</a:t>
-            </a:r>
-            <a:r>
-              <a:rPr lang="en-US" sz="1200" b="1" spc="-20">
-                <a:solidFill>
-                  <a:srgbClr val="020302"/>
-                </a:solidFill>
-                <a:latin typeface="Adobe Clean"/>
-                <a:cs typeface="Adobe Clean"/>
-              </a:rPr>
-              <a:t>r</a:t>
-            </a:r>
-            <a:r>
-              <a:rPr lang="en-US" sz="1200" b="1" spc="-25">
-                <a:solidFill>
-                  <a:srgbClr val="020302"/>
-                </a:solidFill>
-                <a:latin typeface="Adobe Clean"/>
-                <a:cs typeface="Adobe Clean"/>
-              </a:rPr>
-              <a:t>v</a:t>
-            </a:r>
-            <a:r>
-              <a:rPr lang="en-US" sz="1200" b="1" spc="-20">
-                <a:solidFill>
-                  <a:srgbClr val="020302"/>
-                </a:solidFill>
-                <a:latin typeface="Adobe Clean"/>
-                <a:cs typeface="Adobe Clean"/>
-              </a:rPr>
-              <a:t>i</a:t>
-            </a:r>
-            <a:r>
-              <a:rPr lang="en-US" sz="1200" b="1" spc="-30">
-                <a:solidFill>
-                  <a:srgbClr val="020302"/>
-                </a:solidFill>
-                <a:latin typeface="Adobe Clean"/>
-                <a:cs typeface="Adobe Clean"/>
-              </a:rPr>
-              <a:t>c</a:t>
-            </a:r>
-            <a:r>
-              <a:rPr lang="en-US" sz="1200" b="1">
-                <a:solidFill>
-                  <a:srgbClr val="020302"/>
-                </a:solidFill>
-                <a:latin typeface="Adobe Clean"/>
-                <a:cs typeface="Adobe Clean"/>
-              </a:rPr>
-              <a:t>e</a:t>
-            </a:r>
-            <a:endParaRPr lang="en-US" sz="1200">
-              <a:latin typeface="Adobe Clean"/>
-              <a:cs typeface="Adobe Clean"/>
-            </a:endParaRPr>
+              <a:t>as a Cloud Service</a:t>
+            </a:r>
           </a:p>
         </p:txBody>
       </p:sp>
@@ -11575,7 +9701,7 @@
         <p:spPr>
           <a:xfrm>
             <a:off x="689237" y="1102554"/>
-            <a:ext cx="1036205" cy="197490"/>
+            <a:ext cx="1757525" cy="197490"/>
           </a:xfrm>
           <a:prstGeom prst="rect">
             <a:avLst/>
@@ -11596,99 +9722,15 @@
               </a:spcBef>
             </a:pPr>
             <a:r>
-              <a:rPr lang="en-US" sz="1200" b="1" spc="-20">
+              <a:rPr lang="it-IT" sz="1200" b="1" dirty="0">
                 <a:solidFill>
                   <a:srgbClr val="020302"/>
                 </a:solidFill>
                 <a:latin typeface="Adobe Clean"/>
                 <a:cs typeface="Adobe Clean"/>
               </a:rPr>
-              <a:t>Cas</a:t>
-            </a:r>
-            <a:r>
-              <a:rPr sz="1200" b="1">
-                <a:solidFill>
-                  <a:srgbClr val="020302"/>
-                </a:solidFill>
-                <a:latin typeface="Adobe Clean"/>
-                <a:cs typeface="Adobe Clean"/>
-              </a:rPr>
-              <a:t>e</a:t>
-            </a:r>
-            <a:r>
-              <a:rPr sz="1200" b="1" spc="-80">
-                <a:solidFill>
-                  <a:srgbClr val="020302"/>
-                </a:solidFill>
-                <a:latin typeface="Adobe Clean"/>
-                <a:cs typeface="Adobe Clean"/>
-              </a:rPr>
-              <a:t> </a:t>
-            </a:r>
-            <a:r>
-              <a:rPr sz="1200" b="1" spc="-20">
-                <a:solidFill>
-                  <a:srgbClr val="020302"/>
-                </a:solidFill>
-                <a:latin typeface="Adobe Clean"/>
-                <a:cs typeface="Adobe Clean"/>
-              </a:rPr>
-              <a:t>R</a:t>
-            </a:r>
-            <a:r>
-              <a:rPr sz="1200" b="1" spc="-25">
-                <a:solidFill>
-                  <a:srgbClr val="020302"/>
-                </a:solidFill>
-                <a:latin typeface="Adobe Clean"/>
-                <a:cs typeface="Adobe Clean"/>
-              </a:rPr>
-              <a:t>e</a:t>
-            </a:r>
-            <a:r>
-              <a:rPr sz="1200" b="1" spc="-30">
-                <a:solidFill>
-                  <a:srgbClr val="020302"/>
-                </a:solidFill>
-                <a:latin typeface="Adobe Clean"/>
-                <a:cs typeface="Adobe Clean"/>
-              </a:rPr>
-              <a:t>v</a:t>
-            </a:r>
-            <a:r>
-              <a:rPr sz="1200" b="1" spc="-20">
-                <a:solidFill>
-                  <a:srgbClr val="020302"/>
-                </a:solidFill>
-                <a:latin typeface="Adobe Clean"/>
-                <a:cs typeface="Adobe Clean"/>
-              </a:rPr>
-              <a:t>i</a:t>
-            </a:r>
-            <a:r>
-              <a:rPr sz="1200" b="1" spc="-25">
-                <a:solidFill>
-                  <a:srgbClr val="020302"/>
-                </a:solidFill>
-                <a:latin typeface="Adobe Clean"/>
-                <a:cs typeface="Adobe Clean"/>
-              </a:rPr>
-              <a:t>ew</a:t>
-            </a:r>
-            <a:r>
-              <a:rPr sz="1200" b="1">
-                <a:solidFill>
-                  <a:srgbClr val="020302"/>
-                </a:solidFill>
-                <a:latin typeface="Adobe Clean"/>
-                <a:cs typeface="Adobe Clean"/>
-              </a:rPr>
-              <a:t>s</a:t>
-            </a:r>
-            <a:endParaRPr sz="1200">
-              <a:latin typeface="Adobe Clean"/>
-              <a:cs typeface="Adobe Clean"/>
-            </a:endParaRPr>
+              <a:t>Valutazione dei casi</a:t>
+            </a:r>
           </a:p>
         </p:txBody>
       </p:sp>
@@ -11767,18 +9809,65 @@
               </a:spcBef>
             </a:pPr>
             <a:r>
-              <a:rPr lang="en-US" sz="1000">
+              <a:rPr lang="it-IT" sz="1000" dirty="0">
                 <a:solidFill>
                   <a:srgbClr val="4B4B4B"/>
                 </a:solidFill>
                 <a:latin typeface="Adobe Clean Light" panose="020B0303020404020204" pitchFamily="34" charset="0"/>
               </a:rPr>
-              <a:t>Regular scheduled review of open support requests, ensuring customer alignment on case description, business impact, status, priority and agreement on next steps required to ensure an expedient resolution.</a:t>
-            </a:r>
-            <a:endParaRPr sz="1000">
-              <a:latin typeface="Adobe Clean Light" panose="020B0303020404020204" pitchFamily="34" charset="0"/>
-              <a:cs typeface="AdobeClean-Light"/>
-            </a:endParaRPr>
+              <a:t>Valutazione periodica programmata delle richieste di supporto aperte, per garantirne l’allineamento in termini di descrizione </a:t>
+            </a:r>
+            <a:br>
+              <a:rPr lang="it-IT" sz="1000" dirty="0">
+                <a:solidFill>
+                  <a:srgbClr val="4B4B4B"/>
+                </a:solidFill>
+                <a:latin typeface="Adobe Clean Light" panose="020B0303020404020204" pitchFamily="34" charset="0"/>
+              </a:rPr>
+            </a:br>
+            <a:r>
+              <a:rPr lang="it-IT" sz="1000" dirty="0">
+                <a:solidFill>
+                  <a:srgbClr val="4B4B4B"/>
+                </a:solidFill>
+                <a:latin typeface="Adobe Clean Light" panose="020B0303020404020204" pitchFamily="34" charset="0"/>
+              </a:rPr>
+              <a:t>dei casi, impatto sul business, stato, priorità </a:t>
+            </a:r>
+            <a:br>
+              <a:rPr lang="it-IT" sz="1000" dirty="0">
+                <a:solidFill>
+                  <a:srgbClr val="4B4B4B"/>
+                </a:solidFill>
+                <a:latin typeface="Adobe Clean Light" panose="020B0303020404020204" pitchFamily="34" charset="0"/>
+              </a:rPr>
+            </a:br>
+            <a:r>
+              <a:rPr lang="it-IT" sz="1000" dirty="0">
+                <a:solidFill>
+                  <a:srgbClr val="4B4B4B"/>
+                </a:solidFill>
+                <a:latin typeface="Adobe Clean Light" panose="020B0303020404020204" pitchFamily="34" charset="0"/>
+              </a:rPr>
+              <a:t>e accordi sulle azioni successive necessarie </a:t>
+            </a:r>
+            <a:br>
+              <a:rPr lang="it-IT" sz="1000" dirty="0">
+                <a:solidFill>
+                  <a:srgbClr val="4B4B4B"/>
+                </a:solidFill>
+                <a:latin typeface="Adobe Clean Light" panose="020B0303020404020204" pitchFamily="34" charset="0"/>
+              </a:rPr>
+            </a:br>
+            <a:r>
+              <a:rPr lang="it-IT" sz="1000" dirty="0">
+                <a:solidFill>
+                  <a:srgbClr val="4B4B4B"/>
+                </a:solidFill>
+                <a:latin typeface="Adobe Clean Light" panose="020B0303020404020204" pitchFamily="34" charset="0"/>
+              </a:rPr>
+              <a:t>a garantire una rapida risoluzione.</a:t>
+            </a:r>
           </a:p>
         </p:txBody>
       </p:sp>
@@ -11818,19 +9907,15 @@
               </a:spcBef>
             </a:pPr>
             <a:r>
-              <a:rPr lang="en-US" sz="1400" b="1" spc="-10">
+              <a:rPr lang="it-IT" sz="1400" b="1">
                 <a:solidFill>
                   <a:srgbClr val="020302"/>
                 </a:solidFill>
                 <a:latin typeface="Adobe Clean"/>
                 <a:cs typeface="Adobe Clean"/>
               </a:rPr>
-              <a:t>Cloud Support Activities - AEM</a:t>
-            </a:r>
-            <a:endParaRPr lang="en-US" sz="1400">
-              <a:latin typeface="Adobe Clean"/>
-              <a:cs typeface="Adobe Clean"/>
-            </a:endParaRPr>
+              <a:t>Attività di supporto cloud - AEM</a:t>
+            </a:r>
           </a:p>
         </p:txBody>
       </p:sp>
@@ -11848,8 +9933,8 @@
         </p:nvSpPr>
         <p:spPr>
           <a:xfrm>
-            <a:off x="214971" y="4310484"/>
-            <a:ext cx="2286000" cy="45719"/>
+            <a:off x="214970" y="4310484"/>
+            <a:ext cx="2394879" cy="73561"/>
           </a:xfrm>
           <a:custGeom>
             <a:avLst/>
@@ -11913,7 +9998,7 @@
         </p:blipFill>
         <p:spPr>
           <a:xfrm>
-            <a:off x="2569142" y="3892352"/>
+            <a:off x="2692974" y="3892352"/>
             <a:ext cx="461665" cy="461665"/>
           </a:xfrm>
           <a:prstGeom prst="rect">
@@ -11952,7 +10037,7 @@
         </p:blipFill>
         <p:spPr>
           <a:xfrm>
-            <a:off x="2776853" y="6679878"/>
+            <a:off x="2776853" y="6389362"/>
             <a:ext cx="411480" cy="411480"/>
           </a:xfrm>
           <a:prstGeom prst="rect">
@@ -11991,7 +10076,7 @@
         </p:blipFill>
         <p:spPr>
           <a:xfrm>
-            <a:off x="228600" y="8520784"/>
+            <a:off x="228600" y="8363609"/>
             <a:ext cx="411480" cy="411480"/>
           </a:xfrm>
           <a:prstGeom prst="rect">
@@ -12030,7 +10115,7 @@
         </p:blipFill>
         <p:spPr>
           <a:xfrm>
-            <a:off x="228600" y="6641210"/>
+            <a:off x="228600" y="6350694"/>
             <a:ext cx="411480" cy="411480"/>
           </a:xfrm>
           <a:prstGeom prst="rect">
@@ -12069,7 +10154,7 @@
         </p:blipFill>
         <p:spPr>
           <a:xfrm>
-            <a:off x="5257800" y="6629400"/>
+            <a:off x="5257800" y="6338884"/>
             <a:ext cx="411480" cy="411480"/>
           </a:xfrm>
           <a:prstGeom prst="rect">
@@ -12108,7 +10193,7 @@
         </p:blipFill>
         <p:spPr>
           <a:xfrm>
-            <a:off x="5257800" y="8520784"/>
+            <a:off x="5257800" y="8363609"/>
             <a:ext cx="411480" cy="411480"/>
           </a:xfrm>
           <a:prstGeom prst="rect">
@@ -12147,7 +10232,7 @@
         </p:blipFill>
         <p:spPr>
           <a:xfrm>
-            <a:off x="2776853" y="8520784"/>
+            <a:off x="2776853" y="8363609"/>
             <a:ext cx="411480" cy="411480"/>
           </a:xfrm>
           <a:prstGeom prst="rect">
@@ -12208,7 +10293,7 @@
         </p:nvSpPr>
         <p:spPr>
           <a:xfrm rot="5400000" flipH="1">
-            <a:off x="3863341" y="986533"/>
+            <a:off x="3863341" y="1013037"/>
             <a:ext cx="45719" cy="5577840"/>
           </a:xfrm>
           <a:custGeom>
@@ -12263,7 +10348,7 @@
         </p:nvSpPr>
         <p:spPr>
           <a:xfrm rot="5400000" flipH="1">
-            <a:off x="3863341" y="5514588"/>
+            <a:off x="3863341" y="5365076"/>
             <a:ext cx="45719" cy="5577840"/>
           </a:xfrm>
           <a:custGeom>
@@ -12582,109 +10667,15 @@
               </a:lnSpc>
             </a:pPr>
             <a:r>
-              <a:rPr sz="800" spc="-10">
+              <a:rPr lang="it-IT" sz="800">
                 <a:solidFill>
                   <a:srgbClr val="6D6D6D"/>
                 </a:solidFill>
                 <a:latin typeface="Adobe Clean"/>
                 <a:cs typeface="Adobe Clean"/>
               </a:rPr>
-              <a:t>©202</a:t>
-            </a:r>
-            <a:r>
-              <a:rPr lang="en-US" sz="800" spc="-10">
-                <a:solidFill>
-                  <a:srgbClr val="6D6D6D"/>
-                </a:solidFill>
-                <a:latin typeface="Adobe Clean"/>
-                <a:cs typeface="Adobe Clean"/>
-              </a:rPr>
-              <a:t>1</a:t>
-            </a:r>
-            <a:r>
-              <a:rPr sz="800" spc="-5">
-                <a:solidFill>
-                  <a:srgbClr val="6D6D6D"/>
-                </a:solidFill>
-                <a:latin typeface="Adobe Clean"/>
-                <a:cs typeface="Adobe Clean"/>
-              </a:rPr>
-              <a:t> Adobe. All</a:t>
-            </a:r>
-            <a:r>
-              <a:rPr sz="800" spc="-15">
-                <a:solidFill>
-                  <a:srgbClr val="6D6D6D"/>
-                </a:solidFill>
-                <a:latin typeface="Adobe Clean"/>
-                <a:cs typeface="Adobe Clean"/>
-              </a:rPr>
-              <a:t> </a:t>
-            </a:r>
-            <a:r>
-              <a:rPr sz="800" spc="-10">
-                <a:solidFill>
-                  <a:srgbClr val="6D6D6D"/>
-                </a:solidFill>
-                <a:latin typeface="Adobe Clean"/>
-                <a:cs typeface="Adobe Clean"/>
-              </a:rPr>
-              <a:t>Rights</a:t>
-            </a:r>
-            <a:r>
-              <a:rPr sz="800" spc="-5">
-                <a:solidFill>
-                  <a:srgbClr val="6D6D6D"/>
-                </a:solidFill>
-                <a:latin typeface="Adobe Clean"/>
-                <a:cs typeface="Adobe Clean"/>
-              </a:rPr>
-              <a:t> </a:t>
-            </a:r>
-            <a:r>
-              <a:rPr sz="800" spc="-10">
-                <a:solidFill>
-                  <a:srgbClr val="6D6D6D"/>
-                </a:solidFill>
-                <a:latin typeface="Adobe Clean"/>
-                <a:cs typeface="Adobe Clean"/>
-              </a:rPr>
-              <a:t>Reserved.</a:t>
-            </a:r>
-            <a:r>
-              <a:rPr sz="800" spc="-5">
-                <a:solidFill>
-                  <a:srgbClr val="6D6D6D"/>
-                </a:solidFill>
-                <a:latin typeface="Adobe Clean"/>
-                <a:cs typeface="Adobe Clean"/>
-              </a:rPr>
-              <a:t> Adobe</a:t>
-            </a:r>
-            <a:r>
-              <a:rPr sz="800" spc="75">
-                <a:solidFill>
-                  <a:srgbClr val="6D6D6D"/>
-                </a:solidFill>
-                <a:latin typeface="Adobe Clean"/>
-                <a:cs typeface="Adobe Clean"/>
-              </a:rPr>
-              <a:t> </a:t>
-            </a:r>
-            <a:r>
-              <a:rPr sz="800" spc="-10">
-                <a:solidFill>
-                  <a:srgbClr val="6D6D6D"/>
-                </a:solidFill>
-                <a:latin typeface="Adobe Clean"/>
-                <a:cs typeface="Adobe Clean"/>
-              </a:rPr>
-              <a:t>Confidential.</a:t>
-            </a:r>
-            <a:endParaRPr sz="800">
-              <a:latin typeface="Adobe Clean"/>
-              <a:cs typeface="Adobe Clean"/>
-            </a:endParaRPr>
+              <a:t>©2021 Adobe. All Rights Reserved. Adobe Confidential.</a:t>
+            </a:r>
           </a:p>
         </p:txBody>
       </p:sp>
@@ -12696,8 +10687,8 @@
         </p:nvSpPr>
         <p:spPr>
           <a:xfrm>
-            <a:off x="4724780" y="914778"/>
-            <a:ext cx="1954230" cy="57597"/>
+            <a:off x="4529508" y="914778"/>
+            <a:ext cx="2157033" cy="63806"/>
           </a:xfrm>
           <a:custGeom>
             <a:avLst/>
@@ -12738,7 +10729,7 @@
         </p:nvSpPr>
         <p:spPr>
           <a:xfrm>
-            <a:off x="4843270" y="589788"/>
+            <a:off x="4524169" y="589788"/>
             <a:ext cx="2588260" cy="228268"/>
           </a:xfrm>
           <a:prstGeom prst="rect">
@@ -12757,179 +10748,15 @@
               </a:spcBef>
             </a:pPr>
             <a:r>
-              <a:rPr sz="1400" b="1" spc="-25" dirty="0">
+              <a:rPr lang="it-IT" sz="1400" b="1" dirty="0">
                 <a:solidFill>
                   <a:srgbClr val="020302"/>
                 </a:solidFill>
                 <a:latin typeface="Adobe Clean"/>
                 <a:cs typeface="Adobe Clean"/>
               </a:rPr>
-              <a:t>Fi</a:t>
-            </a:r>
-            <a:r>
-              <a:rPr sz="1400" b="1" spc="-30" dirty="0">
-                <a:solidFill>
-                  <a:srgbClr val="020302"/>
-                </a:solidFill>
-                <a:latin typeface="Adobe Clean"/>
-                <a:cs typeface="Adobe Clean"/>
-              </a:rPr>
-              <a:t>e</a:t>
-            </a:r>
-            <a:r>
-              <a:rPr sz="1400" b="1" spc="-25" dirty="0">
-                <a:solidFill>
-                  <a:srgbClr val="020302"/>
-                </a:solidFill>
-                <a:latin typeface="Adobe Clean"/>
-                <a:cs typeface="Adobe Clean"/>
-              </a:rPr>
-              <a:t>l</a:t>
-            </a:r>
-            <a:r>
-              <a:rPr sz="1400" b="1" dirty="0">
-                <a:solidFill>
-                  <a:srgbClr val="020302"/>
-                </a:solidFill>
-                <a:latin typeface="Adobe Clean"/>
-                <a:cs typeface="Adobe Clean"/>
-              </a:rPr>
-              <a:t>d</a:t>
-            </a:r>
-            <a:r>
-              <a:rPr sz="1400" b="1" spc="-45" dirty="0">
-                <a:solidFill>
-                  <a:srgbClr val="020302"/>
-                </a:solidFill>
-                <a:latin typeface="Adobe Clean"/>
-                <a:cs typeface="Adobe Clean"/>
-              </a:rPr>
-              <a:t> </a:t>
-            </a:r>
-            <a:r>
-              <a:rPr sz="1400" b="1" spc="20" dirty="0">
-                <a:solidFill>
-                  <a:srgbClr val="020302"/>
-                </a:solidFill>
-                <a:latin typeface="Adobe Clean"/>
-                <a:cs typeface="Adobe Clean"/>
-              </a:rPr>
-              <a:t>S</a:t>
-            </a:r>
-            <a:r>
-              <a:rPr sz="1400" b="1" spc="10" dirty="0">
-                <a:solidFill>
-                  <a:srgbClr val="020302"/>
-                </a:solidFill>
-                <a:latin typeface="Adobe Clean"/>
-                <a:cs typeface="Adobe Clean"/>
-              </a:rPr>
-              <a:t>e</a:t>
-            </a:r>
-            <a:r>
-              <a:rPr sz="1400" b="1" spc="15" dirty="0">
-                <a:solidFill>
-                  <a:srgbClr val="020302"/>
-                </a:solidFill>
-                <a:latin typeface="Adobe Clean"/>
-                <a:cs typeface="Adobe Clean"/>
-              </a:rPr>
-              <a:t>rvi</a:t>
-            </a:r>
-            <a:r>
-              <a:rPr sz="1400" b="1" spc="10" dirty="0">
-                <a:solidFill>
-                  <a:srgbClr val="020302"/>
-                </a:solidFill>
-                <a:latin typeface="Adobe Clean"/>
-                <a:cs typeface="Adobe Clean"/>
-              </a:rPr>
-              <a:t>c</a:t>
-            </a:r>
-            <a:r>
-              <a:rPr sz="1400" b="1" dirty="0">
-                <a:solidFill>
-                  <a:srgbClr val="020302"/>
-                </a:solidFill>
-                <a:latin typeface="Adobe Clean"/>
-                <a:cs typeface="Adobe Clean"/>
-              </a:rPr>
-              <a:t>e</a:t>
-            </a:r>
-            <a:r>
-              <a:rPr lang="en-US" sz="1400" b="1" dirty="0">
-                <a:solidFill>
-                  <a:srgbClr val="020302"/>
-                </a:solidFill>
-                <a:latin typeface="Adobe Clean"/>
-                <a:cs typeface="Adobe Clean"/>
-              </a:rPr>
-              <a:t> </a:t>
-            </a:r>
-            <a:r>
-              <a:rPr sz="1400" b="1" spc="5" dirty="0">
-                <a:solidFill>
-                  <a:srgbClr val="020302"/>
-                </a:solidFill>
-                <a:latin typeface="Adobe Clean"/>
-                <a:cs typeface="Adobe Clean"/>
-              </a:rPr>
-              <a:t>A</a:t>
-            </a:r>
-            <a:r>
-              <a:rPr sz="1400" b="1" dirty="0">
-                <a:solidFill>
-                  <a:srgbClr val="020302"/>
-                </a:solidFill>
-                <a:latin typeface="Adobe Clean"/>
-                <a:cs typeface="Adobe Clean"/>
-              </a:rPr>
-              <a:t>ct</a:t>
-            </a:r>
-            <a:r>
-              <a:rPr sz="1400" b="1" spc="5" dirty="0">
-                <a:solidFill>
-                  <a:srgbClr val="020302"/>
-                </a:solidFill>
-                <a:latin typeface="Adobe Clean"/>
-                <a:cs typeface="Adobe Clean"/>
-              </a:rPr>
-              <a:t>ivi</a:t>
-            </a:r>
-            <a:r>
-              <a:rPr sz="1400" b="1" dirty="0">
-                <a:solidFill>
-                  <a:srgbClr val="020302"/>
-                </a:solidFill>
-                <a:latin typeface="Adobe Clean"/>
-                <a:cs typeface="Adobe Clean"/>
-              </a:rPr>
-              <a:t>t</a:t>
-            </a:r>
-            <a:r>
-              <a:rPr sz="1400" b="1" spc="5" dirty="0">
-                <a:solidFill>
-                  <a:srgbClr val="020302"/>
-                </a:solidFill>
-                <a:latin typeface="Adobe Clean"/>
-                <a:cs typeface="Adobe Clean"/>
-              </a:rPr>
-              <a:t>i</a:t>
-            </a:r>
-            <a:r>
-              <a:rPr sz="1400" b="1" dirty="0">
-                <a:solidFill>
-                  <a:srgbClr val="020302"/>
-                </a:solidFill>
-                <a:latin typeface="Adobe Clean"/>
-                <a:cs typeface="Adobe Clean"/>
-              </a:rPr>
-              <a:t>es</a:t>
-            </a:r>
-            <a:endParaRPr sz="1400" dirty="0">
-              <a:latin typeface="Adobe Clean"/>
-              <a:cs typeface="Adobe Clean"/>
-            </a:endParaRPr>
+              <a:t>Attività di servizio sul campo</a:t>
+            </a:r>
           </a:p>
         </p:txBody>
       </p:sp>
@@ -12963,99 +10790,15 @@
               </a:spcBef>
             </a:pPr>
             <a:r>
-              <a:rPr sz="1400" b="1" spc="-20">
+              <a:rPr lang="it-IT" sz="1400" b="1">
                 <a:solidFill>
                   <a:srgbClr val="020302"/>
                 </a:solidFill>
                 <a:latin typeface="Adobe Clean"/>
                 <a:cs typeface="Adobe Clean"/>
               </a:rPr>
-              <a:t>L</a:t>
-            </a:r>
-            <a:r>
-              <a:rPr sz="1400" b="1" spc="-10">
-                <a:solidFill>
-                  <a:srgbClr val="020302"/>
-                </a:solidFill>
-                <a:latin typeface="Adobe Clean"/>
-                <a:cs typeface="Adobe Clean"/>
-              </a:rPr>
-              <a:t>a</a:t>
-            </a:r>
-            <a:r>
-              <a:rPr sz="1400" b="1" spc="-15">
-                <a:solidFill>
-                  <a:srgbClr val="020302"/>
-                </a:solidFill>
-                <a:latin typeface="Adobe Clean"/>
-                <a:cs typeface="Adobe Clean"/>
-              </a:rPr>
-              <a:t>un</a:t>
-            </a:r>
-            <a:r>
-              <a:rPr sz="1400" b="1" spc="-20">
-                <a:solidFill>
-                  <a:srgbClr val="020302"/>
-                </a:solidFill>
-                <a:latin typeface="Adobe Clean"/>
-                <a:cs typeface="Adobe Clean"/>
-              </a:rPr>
-              <a:t>c</a:t>
-            </a:r>
-            <a:r>
-              <a:rPr sz="1400" b="1">
-                <a:solidFill>
-                  <a:srgbClr val="020302"/>
-                </a:solidFill>
-                <a:latin typeface="Adobe Clean"/>
-                <a:cs typeface="Adobe Clean"/>
-              </a:rPr>
-              <a:t>h</a:t>
-            </a:r>
-            <a:r>
-              <a:rPr sz="1400" b="1" spc="-30">
-                <a:solidFill>
-                  <a:srgbClr val="020302"/>
-                </a:solidFill>
-                <a:latin typeface="Adobe Clean"/>
-                <a:cs typeface="Adobe Clean"/>
-              </a:rPr>
-              <a:t> </a:t>
-            </a:r>
-            <a:r>
-              <a:rPr sz="1400" b="1" spc="-10">
-                <a:solidFill>
-                  <a:srgbClr val="020302"/>
-                </a:solidFill>
-                <a:latin typeface="Adobe Clean"/>
-                <a:cs typeface="Adobe Clean"/>
-              </a:rPr>
-              <a:t>Advisor</a:t>
-            </a:r>
-            <a:r>
-              <a:rPr sz="1400" b="1">
-                <a:solidFill>
-                  <a:srgbClr val="020302"/>
-                </a:solidFill>
-                <a:latin typeface="Adobe Clean"/>
-                <a:cs typeface="Adobe Clean"/>
-              </a:rPr>
-              <a:t>y</a:t>
-            </a:r>
-            <a:r>
-              <a:rPr sz="1400" b="1" spc="-60">
-                <a:solidFill>
-                  <a:srgbClr val="020302"/>
-                </a:solidFill>
-                <a:latin typeface="Adobe Clean"/>
-                <a:cs typeface="Adobe Clean"/>
-              </a:rPr>
-              <a:t> </a:t>
-            </a:r>
-            <a:endParaRPr sz="1400">
-              <a:latin typeface="Adobe Clean"/>
-              <a:cs typeface="Adobe Clean"/>
-            </a:endParaRPr>
+              <a:t>Launch Advisory </a:t>
+            </a:r>
           </a:p>
         </p:txBody>
       </p:sp>
@@ -13067,8 +10810,8 @@
         </p:nvSpPr>
         <p:spPr>
           <a:xfrm>
-            <a:off x="242188" y="1225804"/>
-            <a:ext cx="3131692" cy="628377"/>
+            <a:off x="242187" y="1225804"/>
+            <a:ext cx="3189649" cy="782265"/>
           </a:xfrm>
           <a:prstGeom prst="rect">
             <a:avLst/>
@@ -13086,106 +10829,135 @@
               </a:spcBef>
             </a:pPr>
             <a:r>
-              <a:rPr lang="en-US" sz="1000">
+              <a:rPr lang="it-IT" sz="1000" dirty="0">
                 <a:solidFill>
                   <a:srgbClr val="1F1F1F"/>
                 </a:solidFill>
                 <a:latin typeface="AdobeClean-Light"/>
                 <a:cs typeface="AdobeClean-Light"/>
               </a:rPr>
-              <a:t>For customers </a:t>
-            </a:r>
-            <a:r>
-              <a:rPr sz="1000">
-                <a:solidFill>
-                  <a:srgbClr val="1F1F1F"/>
-                </a:solidFill>
-                <a:latin typeface="AdobeClean-Light"/>
-                <a:cs typeface="AdobeClean-Light"/>
-              </a:rPr>
-              <a:t>implementing a </a:t>
-            </a:r>
-            <a:r>
-              <a:rPr sz="1000" b="1">
+              <a:t>Per i clienti che implementano una</a:t>
+            </a:r>
+            <a:r>
+              <a:rPr lang="it-IT" sz="1000" b="1" dirty="0">
                 <a:solidFill>
                   <a:srgbClr val="1F1F1F"/>
                 </a:solidFill>
                 <a:latin typeface="Adobe Clean"/>
                 <a:cs typeface="Adobe Clean"/>
               </a:rPr>
-              <a:t>new Adobe Experience Cloud solution</a:t>
-            </a:r>
-            <a:r>
-              <a:rPr lang="en-US" sz="1000" b="1">
-                <a:solidFill>
-                  <a:srgbClr val="1F1F1F"/>
-                </a:solidFill>
-                <a:latin typeface="Adobe Clean"/>
-                <a:cs typeface="Adobe Clean"/>
-              </a:rPr>
-              <a:t>, </a:t>
-            </a:r>
-            <a:r>
-              <a:rPr lang="en-US" sz="1000">
+              <a:t> nuova soluzione Adobe Experience Cloud, </a:t>
+            </a:r>
+            <a:r>
+              <a:rPr lang="it-IT" sz="1000" dirty="0">
                 <a:latin typeface="Adobe Clean Light" charset="0"/>
                 <a:ea typeface="Adobe Clean Light" charset="0"/>
                 <a:cs typeface="Adobe Clean Light" charset="0"/>
               </a:rPr>
-              <a:t>Launch Advisory </a:t>
-            </a:r>
-            <a:r>
-              <a:rPr lang="en-US" sz="1000">
+              <a:t>Launch Advisory</a:t>
+            </a:r>
+            <a:r>
+              <a:rPr lang="it-IT" sz="1000" dirty="0">
                 <a:solidFill>
                   <a:srgbClr val="000000"/>
                 </a:solidFill>
                 <a:latin typeface="Adobe Clean SemiLight" panose="020B0403020404020204" pitchFamily="34" charset="0"/>
               </a:rPr>
-              <a:t>is a </a:t>
-            </a:r>
-            <a:r>
-              <a:rPr lang="en-US" sz="1000" b="1">
+              <a:t> offre un </a:t>
+            </a:r>
+            <a:r>
+              <a:rPr lang="it-IT" sz="1000" b="1" dirty="0">
                 <a:solidFill>
                   <a:srgbClr val="000000"/>
                 </a:solidFill>
                 <a:latin typeface="Adobe Clean SemiLight" panose="020B0403020404020204" pitchFamily="34" charset="0"/>
               </a:rPr>
-              <a:t>core set of advisory services </a:t>
-            </a:r>
-            <a:r>
-              <a:rPr lang="en-US" sz="1000">
+              <a:t>set principale </a:t>
+            </a:r>
+            <a:br>
+              <a:rPr lang="it-IT" sz="1000" b="1" dirty="0">
+                <a:solidFill>
+                  <a:srgbClr val="000000"/>
+                </a:solidFill>
+                <a:latin typeface="Adobe Clean SemiLight" panose="020B0403020404020204" pitchFamily="34" charset="0"/>
+              </a:rPr>
+            </a:br>
+            <a:r>
+              <a:rPr lang="it-IT" sz="1000" b="1" dirty="0">
+                <a:solidFill>
+                  <a:srgbClr val="000000"/>
+                </a:solidFill>
+                <a:latin typeface="Adobe Clean SemiLight" panose="020B0403020404020204" pitchFamily="34" charset="0"/>
+              </a:rPr>
+              <a:t>di servizi di consulenza</a:t>
+            </a:r>
+            <a:r>
+              <a:rPr lang="it-IT" sz="1000" dirty="0">
                 <a:latin typeface="Adobe Clean Light" charset="0"/>
                 <a:ea typeface="Adobe Clean Light" charset="0"/>
                 <a:cs typeface="Adobe Clean Light" charset="0"/>
               </a:rPr>
-              <a:t>and recommendations that </a:t>
-            </a:r>
-            <a:r>
-              <a:rPr lang="en-US" sz="1000">
+              <a:t> e raccomandazioni consolidate, </a:t>
+            </a:r>
+            <a:br>
+              <a:rPr lang="it-IT" sz="1000" dirty="0">
                 <a:latin typeface="Adobe Clean Light" charset="0"/>
-              </a:rPr>
-              <a:t>are proven to </a:t>
-            </a:r>
-            <a:r>
-              <a:rPr lang="en-US" sz="1000" b="1">
+                <a:ea typeface="Adobe Clean Light" charset="0"/>
+                <a:cs typeface="Adobe Clean Light" charset="0"/>
+              </a:rPr>
+            </a:br>
+            <a:r>
+              <a:rPr lang="it-IT" sz="1000" dirty="0">
                 <a:latin typeface="Adobe Clean Light" charset="0"/>
-              </a:rPr>
-              <a:t>support successful deployments </a:t>
-            </a:r>
-            <a:r>
-              <a:rPr lang="en-US" sz="1000">
+                <a:ea typeface="Adobe Clean Light" charset="0"/>
+                <a:cs typeface="Adobe Clean Light" charset="0"/>
+              </a:rPr>
+              <a:t>utili per il </a:t>
+            </a:r>
+            <a:r>
+              <a:rPr lang="it-IT" sz="1000" b="1" dirty="0">
                 <a:latin typeface="Adobe Clean Light" charset="0"/>
-              </a:rPr>
-              <a:t>and </a:t>
-            </a:r>
-            <a:r>
-              <a:rPr lang="en-US" sz="1000" b="1">
+                <a:ea typeface="Adobe Clean Light" charset="0"/>
+                <a:cs typeface="Adobe Clean Light" charset="0"/>
+              </a:rPr>
+              <a:t>successo dell’implementazione</a:t>
+            </a:r>
+            <a:r>
+              <a:rPr lang="it-IT" sz="1000" dirty="0">
                 <a:latin typeface="Adobe Clean Light" charset="0"/>
-              </a:rPr>
-              <a:t>accelerate time-to-value</a:t>
-            </a:r>
-            <a:r>
-              <a:rPr lang="en-US" sz="1000">
+                <a:ea typeface="Adobe Clean Light" charset="0"/>
+                <a:cs typeface="Adobe Clean Light" charset="0"/>
+              </a:rPr>
+              <a:t> e </a:t>
+            </a:r>
+            <a:r>
+              <a:rPr lang="it-IT" sz="1000" b="1" dirty="0">
                 <a:latin typeface="Adobe Clean Light" charset="0"/>
+                <a:ea typeface="Adobe Clean Light" charset="0"/>
+                <a:cs typeface="Adobe Clean Light" charset="0"/>
+              </a:rPr>
+              <a:t>per velocizzare </a:t>
+            </a:r>
+            <a:br>
+              <a:rPr lang="it-IT" sz="1000" b="1" dirty="0">
+                <a:latin typeface="Adobe Clean Light" charset="0"/>
+                <a:ea typeface="Adobe Clean Light" charset="0"/>
+                <a:cs typeface="Adobe Clean Light" charset="0"/>
+              </a:rPr>
+            </a:br>
+            <a:r>
+              <a:rPr lang="it-IT" sz="1000" b="1" dirty="0">
+                <a:latin typeface="Adobe Clean Light" charset="0"/>
+                <a:ea typeface="Adobe Clean Light" charset="0"/>
+                <a:cs typeface="Adobe Clean Light" charset="0"/>
+              </a:rPr>
+              <a:t>il time-to-value</a:t>
+            </a:r>
+            <a:r>
+              <a:rPr lang="it-IT" sz="1000" dirty="0">
+                <a:latin typeface="Adobe Clean Light" charset="0"/>
+                <a:ea typeface="Adobe Clean Light" charset="0"/>
+                <a:cs typeface="Adobe Clean Light" charset="0"/>
               </a:rPr>
               <a:t>.</a:t>
             </a:r>
@@ -13227,8 +10999,8 @@
         </p:nvSpPr>
         <p:spPr>
           <a:xfrm>
-            <a:off x="3965471" y="1228675"/>
-            <a:ext cx="3603474" cy="859210"/>
+            <a:off x="3898791" y="1228675"/>
+            <a:ext cx="3684584" cy="859210"/>
           </a:xfrm>
           <a:prstGeom prst="rect">
             <a:avLst/>
@@ -13246,75 +11018,68 @@
               </a:spcBef>
             </a:pPr>
             <a:r>
-              <a:rPr lang="en-US" sz="1000">
+              <a:rPr lang="it-IT" sz="1000" dirty="0">
                 <a:solidFill>
                   <a:srgbClr val="4B4B4B"/>
                 </a:solidFill>
                 <a:latin typeface="Adobe Clean Light" panose="020B0303020404020204" pitchFamily="34" charset="0"/>
               </a:rPr>
-              <a:t>Field Services are used for </a:t>
-            </a:r>
-            <a:r>
-              <a:rPr lang="en-US" sz="1000" b="1">
+              <a:t>I servizi sul campo sono utilizzati per la </a:t>
+            </a:r>
+            <a:r>
+              <a:rPr lang="it-IT" sz="1000" b="1" dirty="0">
                 <a:solidFill>
                   <a:srgbClr val="4B4B4B"/>
                 </a:solidFill>
                 <a:latin typeface="Adobe Clean" panose="020B0503020404020204" pitchFamily="34" charset="0"/>
               </a:rPr>
-              <a:t>quick resolution</a:t>
-            </a:r>
-            <a:r>
-              <a:rPr lang="en-US" sz="1000">
+              <a:t>risoluzione rapida</a:t>
+            </a:r>
+            <a:r>
+              <a:rPr lang="it-IT" sz="1000" dirty="0">
                 <a:solidFill>
                   <a:srgbClr val="4B4B4B"/>
                 </a:solidFill>
                 <a:latin typeface="Adobe Clean Light" panose="020B0303020404020204" pitchFamily="34" charset="0"/>
               </a:rPr>
-              <a:t>, focused customer success and accelerated</a:t>
-            </a:r>
-            <a:r>
-              <a:rPr lang="en-US" sz="1000" b="1">
+              <a:t> e si incentrano sul successo dei clienti e la velocizzazione del </a:t>
+            </a:r>
+            <a:r>
+              <a:rPr lang="it-IT" sz="1000" b="1" dirty="0">
                 <a:solidFill>
                   <a:srgbClr val="4B4B4B"/>
                 </a:solidFill>
                 <a:latin typeface="Adobe Clean" panose="020B0503020404020204" pitchFamily="34" charset="0"/>
               </a:rPr>
-              <a:t> time-to-value</a:t>
-            </a:r>
-            <a:r>
-              <a:rPr lang="en-US" sz="1000">
+              <a:t>time-to-value</a:t>
+            </a:r>
+            <a:r>
+              <a:rPr lang="it-IT" sz="1000" dirty="0">
                 <a:solidFill>
                   <a:srgbClr val="4B4B4B"/>
                 </a:solidFill>
                 <a:latin typeface="Adobe Clean Light" panose="020B0303020404020204" pitchFamily="34" charset="0"/>
               </a:rPr>
-              <a:t>. If Launch advisory is active there will be </a:t>
-            </a:r>
-            <a:r>
-              <a:rPr lang="en-US" sz="1000" b="1">
+              <a:t>. Se Launch Advisory è attivo, </a:t>
+            </a:r>
+            <a:r>
+              <a:rPr lang="it-IT" sz="1000" b="1" dirty="0">
                 <a:solidFill>
                   <a:srgbClr val="4B4B4B"/>
                 </a:solidFill>
                 <a:latin typeface="Adobe Clean" panose="020B0503020404020204" pitchFamily="34" charset="0"/>
               </a:rPr>
-              <a:t>no Field Services in year 1 </a:t>
-            </a:r>
-            <a:r>
-              <a:rPr lang="en-US" sz="1000">
+              <a:t>nel primo anno non sono previsti servizi sul campo</a:t>
+            </a:r>
+            <a:r>
+              <a:rPr lang="it-IT" sz="1000" dirty="0">
                 <a:solidFill>
                   <a:srgbClr val="4B4B4B"/>
                 </a:solidFill>
                 <a:latin typeface="Adobe Clean Light" panose="020B0303020404020204" pitchFamily="34" charset="0"/>
               </a:rPr>
-              <a:t>for any solution product covered by an Adobe Support contract. </a:t>
-            </a:r>
-            <a:endParaRPr lang="en-US" sz="1000">
-              <a:solidFill>
-                <a:srgbClr val="1F1F1F"/>
-              </a:solidFill>
-              <a:latin typeface="Adobe Clean Light" panose="020B0303020404020204" pitchFamily="34" charset="0"/>
-              <a:cs typeface="Adobe Clean"/>
-            </a:endParaRPr>
+              <a:t> per i prodotti coperti da un 